--- a/Access Control.pptx
+++ b/Access Control.pptx
@@ -129,6 +129,11 @@
       </a:defRPr>
     </a:lvl9pPr>
   </p:defaultTextStyle>
+  <p:extLst>
+    <p:ext uri="{EFAFB233-063F-42B5-8137-9DF3F51BA10A}">
+      <p15:sldGuideLst xmlns:p15="http://schemas.microsoft.com/office/powerpoint/2012/main"/>
+    </p:ext>
+  </p:extLst>
 </p:presentation>
 </file>
 
@@ -5508,8 +5513,13 @@
           <a:p>
             <a:r>
               <a:rPr lang="en-US" dirty="0"/>
-              <a:t>Access to those infrastructure brings Infrastructure Access Control which includes – physical, logical, border, communication mechanism, host security which continues monitoring with must generated response</a:t>
-            </a:r>
+              <a:t>Access to those infrastructure brings Infrastructure Access Control which includes – physical, logical, border, communication mechanism, host security which continues monitoring with must </a:t>
+            </a:r>
+            <a:r>
+              <a:rPr lang="en-US"/>
+              <a:t>generated response…</a:t>
+            </a:r>
+            <a:endParaRPr lang="en-US" dirty="0"/>
           </a:p>
         </p:txBody>
       </p:sp>

--- a/Access Control.pptx
+++ b/Access Control.pptx
@@ -6,31 +6,45 @@
   </p:sldMasterIdLst>
   <p:sldIdLst>
     <p:sldId id="256" r:id="rId2"/>
-    <p:sldId id="257" r:id="rId3"/>
-    <p:sldId id="258" r:id="rId4"/>
-    <p:sldId id="259" r:id="rId5"/>
-    <p:sldId id="260" r:id="rId6"/>
-    <p:sldId id="261" r:id="rId7"/>
-    <p:sldId id="262" r:id="rId8"/>
-    <p:sldId id="263" r:id="rId9"/>
-    <p:sldId id="264" r:id="rId10"/>
-    <p:sldId id="265" r:id="rId11"/>
-    <p:sldId id="266" r:id="rId12"/>
-    <p:sldId id="267" r:id="rId13"/>
-    <p:sldId id="268" r:id="rId14"/>
-    <p:sldId id="269" r:id="rId15"/>
-    <p:sldId id="270" r:id="rId16"/>
-    <p:sldId id="271" r:id="rId17"/>
-    <p:sldId id="272" r:id="rId18"/>
-    <p:sldId id="273" r:id="rId19"/>
-    <p:sldId id="274" r:id="rId20"/>
-    <p:sldId id="275" r:id="rId21"/>
-    <p:sldId id="276" r:id="rId22"/>
-    <p:sldId id="277" r:id="rId23"/>
-    <p:sldId id="278" r:id="rId24"/>
-    <p:sldId id="279" r:id="rId25"/>
-    <p:sldId id="280" r:id="rId26"/>
-    <p:sldId id="281" r:id="rId27"/>
+    <p:sldId id="282" r:id="rId3"/>
+    <p:sldId id="283" r:id="rId4"/>
+    <p:sldId id="284" r:id="rId5"/>
+    <p:sldId id="285" r:id="rId6"/>
+    <p:sldId id="286" r:id="rId7"/>
+    <p:sldId id="287" r:id="rId8"/>
+    <p:sldId id="288" r:id="rId9"/>
+    <p:sldId id="290" r:id="rId10"/>
+    <p:sldId id="289" r:id="rId11"/>
+    <p:sldId id="291" r:id="rId12"/>
+    <p:sldId id="292" r:id="rId13"/>
+    <p:sldId id="293" r:id="rId14"/>
+    <p:sldId id="294" r:id="rId15"/>
+    <p:sldId id="295" r:id="rId16"/>
+    <p:sldId id="257" r:id="rId17"/>
+    <p:sldId id="258" r:id="rId18"/>
+    <p:sldId id="259" r:id="rId19"/>
+    <p:sldId id="260" r:id="rId20"/>
+    <p:sldId id="261" r:id="rId21"/>
+    <p:sldId id="262" r:id="rId22"/>
+    <p:sldId id="263" r:id="rId23"/>
+    <p:sldId id="264" r:id="rId24"/>
+    <p:sldId id="265" r:id="rId25"/>
+    <p:sldId id="266" r:id="rId26"/>
+    <p:sldId id="267" r:id="rId27"/>
+    <p:sldId id="268" r:id="rId28"/>
+    <p:sldId id="269" r:id="rId29"/>
+    <p:sldId id="270" r:id="rId30"/>
+    <p:sldId id="271" r:id="rId31"/>
+    <p:sldId id="272" r:id="rId32"/>
+    <p:sldId id="273" r:id="rId33"/>
+    <p:sldId id="274" r:id="rId34"/>
+    <p:sldId id="275" r:id="rId35"/>
+    <p:sldId id="276" r:id="rId36"/>
+    <p:sldId id="277" r:id="rId37"/>
+    <p:sldId id="278" r:id="rId38"/>
+    <p:sldId id="279" r:id="rId39"/>
+    <p:sldId id="280" r:id="rId40"/>
+    <p:sldId id="281" r:id="rId41"/>
   </p:sldIdLst>
   <p:sldSz cx="12192000" cy="6858000"/>
   <p:notesSz cx="6858000" cy="9144000"/>
@@ -381,7 +395,7 @@
           <a:p>
             <a:fld id="{9184DA70-C731-4C70-880D-CCD4705E623C}" type="datetime1">
               <a:rPr lang="en-US" smtClean="0"/>
-              <a:t>11/12/2022</a:t>
+              <a:t>11/13/2022</a:t>
             </a:fld>
             <a:endParaRPr lang="en-US" dirty="0"/>
           </a:p>
@@ -569,7 +583,7 @@
           <a:p>
             <a:fld id="{B612A279-0833-481D-8C56-F67FD0AC6C50}" type="datetime1">
               <a:rPr lang="en-US" smtClean="0"/>
-              <a:t>11/12/2022</a:t>
+              <a:t>11/13/2022</a:t>
             </a:fld>
             <a:endParaRPr lang="en-US" dirty="0"/>
           </a:p>
@@ -811,7 +825,7 @@
           <a:p>
             <a:fld id="{6587DA83-5663-4C9C-B9AA-0B40A3DAFF81}" type="datetime1">
               <a:rPr lang="en-US" smtClean="0"/>
-              <a:t>11/12/2022</a:t>
+              <a:t>11/13/2022</a:t>
             </a:fld>
             <a:endParaRPr lang="en-US" dirty="0"/>
           </a:p>
@@ -999,7 +1013,7 @@
           <a:p>
             <a:fld id="{4BE1D723-8F53-4F53-90B0-1982A396982E}" type="datetime1">
               <a:rPr lang="en-US" smtClean="0"/>
-              <a:t>11/12/2022</a:t>
+              <a:t>11/13/2022</a:t>
             </a:fld>
             <a:endParaRPr lang="en-US" dirty="0"/>
           </a:p>
@@ -1372,7 +1386,7 @@
           <a:p>
             <a:fld id="{97669AF7-7BEB-44E4-9852-375E34362B5B}" type="datetime1">
               <a:rPr lang="en-US" smtClean="0"/>
-              <a:t>11/12/2022</a:t>
+              <a:t>11/13/2022</a:t>
             </a:fld>
             <a:endParaRPr lang="en-US" dirty="0"/>
           </a:p>
@@ -1627,7 +1641,7 @@
           <a:p>
             <a:fld id="{BAAAC38D-0552-4C82-B593-E6124DFADBE2}" type="datetime1">
               <a:rPr lang="en-US" smtClean="0"/>
-              <a:t>11/12/2022</a:t>
+              <a:t>11/13/2022</a:t>
             </a:fld>
             <a:endParaRPr lang="en-US" dirty="0"/>
           </a:p>
@@ -2024,7 +2038,7 @@
           <a:p>
             <a:fld id="{D9DF0F1C-5577-4ACB-BB62-DF8F3C494C7E}" type="datetime1">
               <a:rPr lang="en-US" smtClean="0"/>
-              <a:t>11/12/2022</a:t>
+              <a:t>11/13/2022</a:t>
             </a:fld>
             <a:endParaRPr lang="en-US" dirty="0"/>
           </a:p>
@@ -2160,7 +2174,7 @@
           <a:p>
             <a:fld id="{1775B394-D9F9-4F0C-B15D-605F45CB9E9F}" type="datetime1">
               <a:rPr lang="en-US" smtClean="0"/>
-              <a:t>11/12/2022</a:t>
+              <a:t>11/13/2022</a:t>
             </a:fld>
             <a:endParaRPr lang="en-US" dirty="0"/>
           </a:p>
@@ -2317,7 +2331,7 @@
           <a:p>
             <a:fld id="{39667345-2558-425A-8533-9BFDBCE15005}" type="datetime1">
               <a:rPr lang="en-US" smtClean="0"/>
-              <a:t>11/12/2022</a:t>
+              <a:t>11/13/2022</a:t>
             </a:fld>
             <a:endParaRPr lang="en-US" dirty="0"/>
           </a:p>
@@ -2646,7 +2660,7 @@
           <a:p>
             <a:fld id="{92BEA474-078D-4E9B-9B14-09A87B19DC46}" type="datetime1">
               <a:rPr lang="en-US" smtClean="0"/>
-              <a:t>11/12/2022</a:t>
+              <a:t>11/13/2022</a:t>
             </a:fld>
             <a:endParaRPr lang="en-US" dirty="0"/>
           </a:p>
@@ -2996,7 +3010,7 @@
           <a:p>
             <a:fld id="{4907D986-8816-4272-A432-0437A28A9828}" type="datetime1">
               <a:rPr lang="en-US" smtClean="0"/>
-              <a:t>11/12/2022</a:t>
+              <a:t>11/13/2022</a:t>
             </a:fld>
             <a:endParaRPr lang="en-US" dirty="0"/>
           </a:p>
@@ -3257,7 +3271,7 @@
           <a:p>
             <a:fld id="{62D6E202-B606-4609-B914-27C9371A1F6D}" type="datetime1">
               <a:rPr lang="en-US" smtClean="0"/>
-              <a:t>11/12/2022</a:t>
+              <a:t>11/13/2022</a:t>
             </a:fld>
             <a:endParaRPr lang="en-US" dirty="0"/>
           </a:p>
@@ -4186,70 +4200,221 @@
       </p:grpSpPr>
       <p:sp>
         <p:nvSpPr>
-          <p:cNvPr id="2" name="Title 1">
-            <a:extLst>
-              <a:ext uri="{FF2B5EF4-FFF2-40B4-BE49-F238E27FC236}">
-                <a16:creationId xmlns:a16="http://schemas.microsoft.com/office/drawing/2014/main" id="{5C73ED6D-769B-D413-0EE0-9992095CB79D}"/>
-              </a:ext>
-            </a:extLst>
-          </p:cNvPr>
-          <p:cNvSpPr>
-            <a:spLocks noGrp="1"/>
-          </p:cNvSpPr>
-          <p:nvPr>
-            <p:ph type="title"/>
-          </p:nvPr>
-        </p:nvSpPr>
-        <p:spPr/>
-        <p:txBody>
-          <a:bodyPr/>
-          <a:lstStyle/>
-          <a:p>
-            <a:r>
-              <a:rPr lang="en-US" dirty="0"/>
-              <a:t>Layered border security</a:t>
-            </a:r>
-          </a:p>
-        </p:txBody>
-      </p:sp>
-      <p:sp>
-        <p:nvSpPr>
-          <p:cNvPr id="3" name="Content Placeholder 2">
-            <a:extLst>
-              <a:ext uri="{FF2B5EF4-FFF2-40B4-BE49-F238E27FC236}">
-                <a16:creationId xmlns:a16="http://schemas.microsoft.com/office/drawing/2014/main" id="{39E430E2-77DC-9A08-D6A2-D091D10F7458}"/>
-              </a:ext>
-            </a:extLst>
-          </p:cNvPr>
-          <p:cNvSpPr>
-            <a:spLocks noGrp="1"/>
-          </p:cNvSpPr>
-          <p:nvPr>
-            <p:ph idx="1"/>
-          </p:nvPr>
-        </p:nvSpPr>
-        <p:spPr/>
-        <p:txBody>
-          <a:bodyPr/>
-          <a:lstStyle/>
-          <a:p>
-            <a:r>
-              <a:rPr lang="en-US" dirty="0"/>
-              <a:t>Layer security: Different security measures to work in tandem with a single focus.</a:t>
-            </a:r>
-          </a:p>
-          <a:p>
-            <a:r>
-              <a:rPr lang="en-US" dirty="0"/>
-              <a:t>Layered border security: Protection of the internal network from external controls. Which includes the controls like firewalls, VPNs, IDS, and IPS.</a:t>
-            </a:r>
+          <p:cNvPr id="3" name="TextBox 2">
+            <a:extLst>
+              <a:ext uri="{FF2B5EF4-FFF2-40B4-BE49-F238E27FC236}">
+                <a16:creationId xmlns:a16="http://schemas.microsoft.com/office/drawing/2014/main" id="{1DF3F309-B16B-0069-4EBA-56E8B813EDA8}"/>
+              </a:ext>
+            </a:extLst>
+          </p:cNvPr>
+          <p:cNvSpPr txBox="1"/>
+          <p:nvPr/>
+        </p:nvSpPr>
+        <p:spPr>
+          <a:xfrm>
+            <a:off x="744028" y="568256"/>
+            <a:ext cx="10694598" cy="5296578"/>
+          </a:xfrm>
+          <a:prstGeom prst="rect">
+            <a:avLst/>
+          </a:prstGeom>
+          <a:noFill/>
+        </p:spPr>
+        <p:txBody>
+          <a:bodyPr wrap="square">
+            <a:spAutoFit/>
+          </a:bodyPr>
+          <a:lstStyle/>
+          <a:p>
+            <a:pPr>
+              <a:lnSpc>
+                <a:spcPct val="107000"/>
+              </a:lnSpc>
+              <a:spcAft>
+                <a:spcPts val="800"/>
+              </a:spcAft>
+            </a:pPr>
+            <a:r>
+              <a:rPr lang="en-CA" sz="4400" b="1" dirty="0">
+                <a:solidFill>
+                  <a:schemeClr val="accent1">
+                    <a:lumMod val="75000"/>
+                  </a:schemeClr>
+                </a:solidFill>
+                <a:effectLst/>
+                <a:latin typeface="Calibri" panose="020F0502020204030204" pitchFamily="34" charset="0"/>
+                <a:ea typeface="Calibri" panose="020F0502020204030204" pitchFamily="34" charset="0"/>
+                <a:cs typeface="Times New Roman" panose="02020603050405020304" pitchFamily="18" charset="0"/>
+              </a:rPr>
+              <a:t>Authentication by Characteristic –</a:t>
+            </a:r>
+            <a:endParaRPr lang="en-CA" sz="4400" dirty="0">
+              <a:solidFill>
+                <a:schemeClr val="accent1">
+                  <a:lumMod val="75000"/>
+                </a:schemeClr>
+              </a:solidFill>
+              <a:effectLst/>
+              <a:latin typeface="Calibri" panose="020F0502020204030204" pitchFamily="34" charset="0"/>
+              <a:ea typeface="Calibri" panose="020F0502020204030204" pitchFamily="34" charset="0"/>
+              <a:cs typeface="Times New Roman" panose="02020603050405020304" pitchFamily="18" charset="0"/>
+            </a:endParaRPr>
+          </a:p>
+          <a:p>
+            <a:pPr>
+              <a:lnSpc>
+                <a:spcPct val="107000"/>
+              </a:lnSpc>
+              <a:spcAft>
+                <a:spcPts val="800"/>
+              </a:spcAft>
+            </a:pPr>
+            <a:r>
+              <a:rPr lang="en-CA" sz="2400" dirty="0">
+                <a:effectLst/>
+                <a:latin typeface="Calibri" panose="020F0502020204030204" pitchFamily="34" charset="0"/>
+                <a:ea typeface="Calibri" panose="020F0502020204030204" pitchFamily="34" charset="0"/>
+                <a:cs typeface="Times New Roman" panose="02020603050405020304" pitchFamily="18" charset="0"/>
+              </a:rPr>
+              <a:t>Authentication by characteristic, often known as a biometric attribute, authentication verifies the user based on a physical or behavioral characteristic. The following physical or physiological traits are the most prevalent</a:t>
+            </a:r>
+            <a:r>
+              <a:rPr lang="en-CA" sz="2400" b="1" dirty="0">
+                <a:effectLst/>
+                <a:latin typeface="Calibri" panose="020F0502020204030204" pitchFamily="34" charset="0"/>
+                <a:ea typeface="Calibri" panose="020F0502020204030204" pitchFamily="34" charset="0"/>
+                <a:cs typeface="Times New Roman" panose="02020603050405020304" pitchFamily="18" charset="0"/>
+              </a:rPr>
+              <a:t>:</a:t>
+            </a:r>
+          </a:p>
+          <a:p>
+            <a:pPr lvl="0">
+              <a:lnSpc>
+                <a:spcPct val="107000"/>
+              </a:lnSpc>
+              <a:buSzPts val="1100"/>
+            </a:pPr>
+            <a:r>
+              <a:rPr lang="en-CA" sz="2800" dirty="0">
+                <a:effectLst/>
+                <a:latin typeface="Calibri" panose="020F0502020204030204" pitchFamily="34" charset="0"/>
+                <a:ea typeface="Calibri" panose="020F0502020204030204" pitchFamily="34" charset="0"/>
+                <a:cs typeface="Times New Roman" panose="02020603050405020304" pitchFamily="18" charset="0"/>
+              </a:rPr>
+              <a:t>1. Fingerprint </a:t>
+            </a:r>
+          </a:p>
+          <a:p>
+            <a:pPr lvl="0">
+              <a:lnSpc>
+                <a:spcPct val="107000"/>
+              </a:lnSpc>
+              <a:buSzPts val="1100"/>
+            </a:pPr>
+            <a:r>
+              <a:rPr lang="en-CA" sz="2800" dirty="0">
+                <a:effectLst/>
+                <a:latin typeface="Calibri" panose="020F0502020204030204" pitchFamily="34" charset="0"/>
+                <a:ea typeface="Calibri" panose="020F0502020204030204" pitchFamily="34" charset="0"/>
+                <a:cs typeface="Times New Roman" panose="02020603050405020304" pitchFamily="18" charset="0"/>
+              </a:rPr>
+              <a:t>2. Face recognition </a:t>
+            </a:r>
+          </a:p>
+          <a:p>
+            <a:pPr lvl="0">
+              <a:lnSpc>
+                <a:spcPct val="107000"/>
+              </a:lnSpc>
+              <a:buSzPts val="1100"/>
+            </a:pPr>
+            <a:r>
+              <a:rPr lang="en-CA" sz="2800" dirty="0">
+                <a:effectLst/>
+                <a:latin typeface="Calibri" panose="020F0502020204030204" pitchFamily="34" charset="0"/>
+                <a:ea typeface="Calibri" panose="020F0502020204030204" pitchFamily="34" charset="0"/>
+                <a:cs typeface="Times New Roman" panose="02020603050405020304" pitchFamily="18" charset="0"/>
+              </a:rPr>
+              <a:t>3. Retina and iris </a:t>
+            </a:r>
+          </a:p>
+          <a:p>
+            <a:pPr lvl="0">
+              <a:lnSpc>
+                <a:spcPct val="107000"/>
+              </a:lnSpc>
+              <a:buSzPts val="1100"/>
+            </a:pPr>
+            <a:r>
+              <a:rPr lang="en-CA" sz="2800" dirty="0">
+                <a:effectLst/>
+                <a:latin typeface="Calibri" panose="020F0502020204030204" pitchFamily="34" charset="0"/>
+                <a:ea typeface="Calibri" panose="020F0502020204030204" pitchFamily="34" charset="0"/>
+                <a:cs typeface="Times New Roman" panose="02020603050405020304" pitchFamily="18" charset="0"/>
+              </a:rPr>
+              <a:t>4. Palm and hand geometry </a:t>
+            </a:r>
+          </a:p>
+          <a:p>
+            <a:pPr lvl="0">
+              <a:lnSpc>
+                <a:spcPct val="107000"/>
+              </a:lnSpc>
+              <a:buSzPts val="1100"/>
+            </a:pPr>
+            <a:r>
+              <a:rPr lang="en-CA" sz="2800" dirty="0">
+                <a:effectLst/>
+                <a:latin typeface="Calibri" panose="020F0502020204030204" pitchFamily="34" charset="0"/>
+                <a:ea typeface="Calibri" panose="020F0502020204030204" pitchFamily="34" charset="0"/>
+                <a:cs typeface="Times New Roman" panose="02020603050405020304" pitchFamily="18" charset="0"/>
+              </a:rPr>
+              <a:t>5. Blood and vascular information </a:t>
+            </a:r>
+          </a:p>
+          <a:p>
+            <a:pPr lvl="0">
+              <a:lnSpc>
+                <a:spcPct val="107000"/>
+              </a:lnSpc>
+              <a:spcAft>
+                <a:spcPts val="800"/>
+              </a:spcAft>
+              <a:buSzPts val="1100"/>
+            </a:pPr>
+            <a:r>
+              <a:rPr lang="en-CA" sz="2800" dirty="0">
+                <a:effectLst/>
+                <a:latin typeface="Calibri" panose="020F0502020204030204" pitchFamily="34" charset="0"/>
+                <a:ea typeface="Calibri" panose="020F0502020204030204" pitchFamily="34" charset="0"/>
+                <a:cs typeface="Times New Roman" panose="02020603050405020304" pitchFamily="18" charset="0"/>
+              </a:rPr>
+              <a:t>6. Voice recognition</a:t>
+            </a:r>
+          </a:p>
+          <a:p>
+            <a:pPr>
+              <a:lnSpc>
+                <a:spcPct val="107000"/>
+              </a:lnSpc>
+              <a:spcAft>
+                <a:spcPts val="800"/>
+              </a:spcAft>
+            </a:pPr>
+            <a:endParaRPr lang="en-CA" sz="1400" dirty="0">
+              <a:effectLst/>
+              <a:latin typeface="Calibri" panose="020F0502020204030204" pitchFamily="34" charset="0"/>
+              <a:ea typeface="Calibri" panose="020F0502020204030204" pitchFamily="34" charset="0"/>
+              <a:cs typeface="Times New Roman" panose="02020603050405020304" pitchFamily="18" charset="0"/>
+            </a:endParaRPr>
           </a:p>
         </p:txBody>
       </p:sp>
     </p:spTree>
     <p:extLst>
       <p:ext uri="{BB962C8B-B14F-4D97-AF65-F5344CB8AC3E}">
-        <p14:creationId xmlns:p14="http://schemas.microsoft.com/office/powerpoint/2010/main" val="2937805561"/>
+        <p14:creationId xmlns:p14="http://schemas.microsoft.com/office/powerpoint/2010/main" val="3950248769"/>
       </p:ext>
     </p:extLst>
   </p:cSld>
@@ -4278,70 +4443,96 @@
       </p:grpSpPr>
       <p:sp>
         <p:nvSpPr>
-          <p:cNvPr id="2" name="Title 1">
-            <a:extLst>
-              <a:ext uri="{FF2B5EF4-FFF2-40B4-BE49-F238E27FC236}">
-                <a16:creationId xmlns:a16="http://schemas.microsoft.com/office/drawing/2014/main" id="{F99909C3-139A-80AF-4E93-1E5DF6352094}"/>
-              </a:ext>
-            </a:extLst>
-          </p:cNvPr>
-          <p:cNvSpPr>
-            <a:spLocks noGrp="1"/>
-          </p:cNvSpPr>
-          <p:nvPr>
-            <p:ph type="title"/>
-          </p:nvPr>
-        </p:nvSpPr>
-        <p:spPr/>
-        <p:txBody>
-          <a:bodyPr/>
-          <a:lstStyle/>
-          <a:p>
-            <a:r>
-              <a:rPr lang="en-US" dirty="0"/>
-              <a:t>Firewalls</a:t>
-            </a:r>
-          </a:p>
-        </p:txBody>
-      </p:sp>
-      <p:sp>
-        <p:nvSpPr>
-          <p:cNvPr id="3" name="Content Placeholder 2">
-            <a:extLst>
-              <a:ext uri="{FF2B5EF4-FFF2-40B4-BE49-F238E27FC236}">
-                <a16:creationId xmlns:a16="http://schemas.microsoft.com/office/drawing/2014/main" id="{6B8A64D5-D098-13B7-54B8-0388CF65613C}"/>
-              </a:ext>
-            </a:extLst>
-          </p:cNvPr>
-          <p:cNvSpPr>
-            <a:spLocks noGrp="1"/>
-          </p:cNvSpPr>
-          <p:nvPr>
-            <p:ph idx="1"/>
-          </p:nvPr>
-        </p:nvSpPr>
-        <p:spPr/>
-        <p:txBody>
-          <a:bodyPr/>
-          <a:lstStyle/>
-          <a:p>
-            <a:r>
-              <a:rPr lang="en-US" dirty="0"/>
-              <a:t>It controls the flow of traffic in the network which is mandatory. Without firewalls, the network is completely exposed and can be compromised.</a:t>
-            </a:r>
-          </a:p>
-          <a:p>
-            <a:r>
-              <a:rPr lang="en-US" dirty="0"/>
-              <a:t>Firewalls are handled and configured with procedures and rule sets to control incoming and outgoing traffic.</a:t>
-            </a:r>
-          </a:p>
-        </p:txBody>
-      </p:sp>
+          <p:cNvPr id="3" name="TextBox 2">
+            <a:extLst>
+              <a:ext uri="{FF2B5EF4-FFF2-40B4-BE49-F238E27FC236}">
+                <a16:creationId xmlns:a16="http://schemas.microsoft.com/office/drawing/2014/main" id="{30ED7CE4-F1D7-7D1A-9D19-A07FA9B65E72}"/>
+              </a:ext>
+            </a:extLst>
+          </p:cNvPr>
+          <p:cNvSpPr txBox="1"/>
+          <p:nvPr/>
+        </p:nvSpPr>
+        <p:spPr>
+          <a:xfrm>
+            <a:off x="1763020" y="179789"/>
+            <a:ext cx="8374092" cy="3200876"/>
+          </a:xfrm>
+          <a:prstGeom prst="rect">
+            <a:avLst/>
+          </a:prstGeom>
+          <a:noFill/>
+        </p:spPr>
+        <p:txBody>
+          <a:bodyPr wrap="square">
+            <a:spAutoFit/>
+          </a:bodyPr>
+          <a:lstStyle/>
+          <a:p>
+            <a:r>
+              <a:rPr lang="en-CA" sz="4000" b="1" dirty="0">
+                <a:effectLst/>
+                <a:latin typeface="Calibri" panose="020F0502020204030204" pitchFamily="34" charset="0"/>
+                <a:ea typeface="Calibri" panose="020F0502020204030204" pitchFamily="34" charset="0"/>
+                <a:cs typeface="Times New Roman" panose="02020603050405020304" pitchFamily="18" charset="0"/>
+              </a:rPr>
+              <a:t>Multi-Factor Authentication – </a:t>
+            </a:r>
+            <a:r>
+              <a:rPr lang="en-CA" sz="2400" dirty="0">
+                <a:effectLst/>
+                <a:latin typeface="Calibri" panose="020F0502020204030204" pitchFamily="34" charset="0"/>
+                <a:ea typeface="Calibri" panose="020F0502020204030204" pitchFamily="34" charset="0"/>
+                <a:cs typeface="Times New Roman" panose="02020603050405020304" pitchFamily="18" charset="0"/>
+              </a:rPr>
+              <a:t>When only one factor is provided, it is known as single-factor authentication. The password is the single-factor authentication technique that is used the most. When two or more factors are presented, it is considered multifactor authentication. When two or more of the same kind of factors are presented, this is known as multilayer authentication.</a:t>
+            </a:r>
+          </a:p>
+          <a:p>
+            <a:endParaRPr lang="en-CA" dirty="0"/>
+          </a:p>
+        </p:txBody>
+      </p:sp>
+      <p:pic>
+        <p:nvPicPr>
+          <p:cNvPr id="5" name="Picture 4">
+            <a:extLst>
+              <a:ext uri="{FF2B5EF4-FFF2-40B4-BE49-F238E27FC236}">
+                <a16:creationId xmlns:a16="http://schemas.microsoft.com/office/drawing/2014/main" id="{F6972C31-C24D-377B-8F30-A2CAC9D67AD0}"/>
+              </a:ext>
+            </a:extLst>
+          </p:cNvPr>
+          <p:cNvPicPr>
+            <a:picLocks noChangeAspect="1"/>
+          </p:cNvPicPr>
+          <p:nvPr/>
+        </p:nvPicPr>
+        <p:blipFill>
+          <a:blip r:embed="rId2">
+            <a:extLst>
+              <a:ext uri="{28A0092B-C50C-407E-A947-70E740481C1C}">
+                <a14:useLocalDpi xmlns:a14="http://schemas.microsoft.com/office/drawing/2010/main" val="0"/>
+              </a:ext>
+            </a:extLst>
+          </a:blip>
+          <a:stretch>
+            <a:fillRect/>
+          </a:stretch>
+        </p:blipFill>
+        <p:spPr>
+          <a:xfrm>
+            <a:off x="1" y="3001992"/>
+            <a:ext cx="12456544" cy="3769744"/>
+          </a:xfrm>
+          <a:prstGeom prst="rect">
+            <a:avLst/>
+          </a:prstGeom>
+        </p:spPr>
+      </p:pic>
     </p:spTree>
     <p:extLst>
       <p:ext uri="{BB962C8B-B14F-4D97-AF65-F5344CB8AC3E}">
-        <p14:creationId xmlns:p14="http://schemas.microsoft.com/office/powerpoint/2010/main" val="1627068461"/>
+        <p14:creationId xmlns:p14="http://schemas.microsoft.com/office/powerpoint/2010/main" val="2411203768"/>
       </p:ext>
     </p:extLst>
   </p:cSld>
@@ -4370,104 +4561,225 @@
       </p:grpSpPr>
       <p:sp>
         <p:nvSpPr>
-          <p:cNvPr id="2" name="Title 1">
-            <a:extLst>
-              <a:ext uri="{FF2B5EF4-FFF2-40B4-BE49-F238E27FC236}">
-                <a16:creationId xmlns:a16="http://schemas.microsoft.com/office/drawing/2014/main" id="{FD92074A-4F16-148E-EEDD-19D11A48C338}"/>
-              </a:ext>
-            </a:extLst>
-          </p:cNvPr>
-          <p:cNvSpPr>
-            <a:spLocks noGrp="1"/>
-          </p:cNvSpPr>
-          <p:nvPr>
-            <p:ph type="title"/>
-          </p:nvPr>
-        </p:nvSpPr>
-        <p:spPr/>
-        <p:txBody>
-          <a:bodyPr/>
-          <a:lstStyle/>
-          <a:p>
-            <a:r>
-              <a:rPr lang="en-US" dirty="0"/>
-              <a:t>The process used to allow or block traffic includes:</a:t>
-            </a:r>
-          </a:p>
-        </p:txBody>
-      </p:sp>
-      <p:sp>
-        <p:nvSpPr>
-          <p:cNvPr id="3" name="Content Placeholder 2">
-            <a:extLst>
-              <a:ext uri="{FF2B5EF4-FFF2-40B4-BE49-F238E27FC236}">
-                <a16:creationId xmlns:a16="http://schemas.microsoft.com/office/drawing/2014/main" id="{FE390902-5863-3AE1-1B7B-78F9366FE517}"/>
-              </a:ext>
-            </a:extLst>
-          </p:cNvPr>
-          <p:cNvSpPr>
-            <a:spLocks noGrp="1"/>
-          </p:cNvSpPr>
-          <p:nvPr>
-            <p:ph idx="1"/>
-          </p:nvPr>
-        </p:nvSpPr>
-        <p:spPr/>
-        <p:txBody>
-          <a:bodyPr/>
-          <a:lstStyle/>
-          <a:p>
-            <a:r>
-              <a:rPr lang="en-US" dirty="0"/>
-              <a:t>Simple packet filtering techniques</a:t>
-            </a:r>
-          </a:p>
+          <p:cNvPr id="3" name="TextBox 2">
+            <a:extLst>
+              <a:ext uri="{FF2B5EF4-FFF2-40B4-BE49-F238E27FC236}">
+                <a16:creationId xmlns:a16="http://schemas.microsoft.com/office/drawing/2014/main" id="{ACE403ED-3661-57CD-D429-786DDD526D38}"/>
+              </a:ext>
+            </a:extLst>
+          </p:cNvPr>
+          <p:cNvSpPr txBox="1"/>
+          <p:nvPr/>
+        </p:nvSpPr>
+        <p:spPr>
+          <a:xfrm>
+            <a:off x="146649" y="3141088"/>
+            <a:ext cx="12105736" cy="3577454"/>
+          </a:xfrm>
+          <a:prstGeom prst="rect">
+            <a:avLst/>
+          </a:prstGeom>
+          <a:noFill/>
+        </p:spPr>
+        <p:txBody>
+          <a:bodyPr wrap="square">
+            <a:spAutoFit/>
+          </a:bodyPr>
+          <a:lstStyle/>
           <a:p>
             <a:pPr>
-              <a:buFont typeface="Arial" panose="020B0604020202020204" pitchFamily="34" charset="0"/>
-              <a:buChar char="•"/>
+              <a:lnSpc>
+                <a:spcPct val="107000"/>
+              </a:lnSpc>
+              <a:spcAft>
+                <a:spcPts val="800"/>
+              </a:spcAft>
             </a:pPr>
             <a:r>
-              <a:rPr lang="en-US" dirty="0"/>
-              <a:t>Application Proxies</a:t>
-            </a:r>
+              <a:rPr lang="en-CA" sz="3200" b="1" dirty="0">
+                <a:effectLst/>
+                <a:latin typeface="Calibri" panose="020F0502020204030204" pitchFamily="34" charset="0"/>
+                <a:ea typeface="Calibri" panose="020F0502020204030204" pitchFamily="34" charset="0"/>
+                <a:cs typeface="Times New Roman" panose="02020603050405020304" pitchFamily="18" charset="0"/>
+              </a:rPr>
+              <a:t>Accountability or Audit –  </a:t>
+            </a:r>
+            <a:r>
+              <a:rPr lang="en-CA" sz="2000" dirty="0">
+                <a:effectLst/>
+                <a:latin typeface="Calibri" panose="020F0502020204030204" pitchFamily="34" charset="0"/>
+                <a:ea typeface="Calibri" panose="020F0502020204030204" pitchFamily="34" charset="0"/>
+                <a:cs typeface="Times New Roman" panose="02020603050405020304" pitchFamily="18" charset="0"/>
+              </a:rPr>
+              <a:t>Accountability or audit are the last two components of the access control system. Your system can offer logs at this point so that use and permissions can be audited. By doing this, you can track what happened if something goes wrong, including what data was accessed or downloaded and how long each task took.</a:t>
+            </a:r>
+            <a:endParaRPr lang="en-CA" sz="1400" dirty="0">
+              <a:effectLst/>
+              <a:latin typeface="Calibri" panose="020F0502020204030204" pitchFamily="34" charset="0"/>
+              <a:ea typeface="Calibri" panose="020F0502020204030204" pitchFamily="34" charset="0"/>
+              <a:cs typeface="Times New Roman" panose="02020603050405020304" pitchFamily="18" charset="0"/>
+            </a:endParaRPr>
           </a:p>
           <a:p>
             <a:pPr>
-              <a:buFont typeface="Arial" panose="020B0604020202020204" pitchFamily="34" charset="0"/>
-              <a:buChar char="•"/>
+              <a:lnSpc>
+                <a:spcPct val="107000"/>
+              </a:lnSpc>
+              <a:spcAft>
+                <a:spcPts val="800"/>
+              </a:spcAft>
             </a:pPr>
             <a:r>
-              <a:rPr lang="en-US" dirty="0"/>
-              <a:t>NAT</a:t>
-            </a:r>
-          </a:p>
-          <a:p>
-            <a:pPr>
-              <a:buFont typeface="Arial" panose="020B0604020202020204" pitchFamily="34" charset="0"/>
-              <a:buChar char="•"/>
+              <a:rPr lang="en-CA" sz="1800" dirty="0">
+                <a:effectLst/>
+                <a:latin typeface="Calibri" panose="020F0502020204030204" pitchFamily="34" charset="0"/>
+                <a:ea typeface="Calibri" panose="020F0502020204030204" pitchFamily="34" charset="0"/>
+                <a:cs typeface="Times New Roman" panose="02020603050405020304" pitchFamily="18" charset="0"/>
+              </a:rPr>
+              <a:t>An authorization policy should implement two concepts:</a:t>
+            </a:r>
+            <a:endParaRPr lang="en-CA" sz="1400" dirty="0">
+              <a:effectLst/>
+              <a:latin typeface="Calibri" panose="020F0502020204030204" pitchFamily="34" charset="0"/>
+              <a:ea typeface="Calibri" panose="020F0502020204030204" pitchFamily="34" charset="0"/>
+              <a:cs typeface="Times New Roman" panose="02020603050405020304" pitchFamily="18" charset="0"/>
+            </a:endParaRPr>
+          </a:p>
+          <a:p>
+            <a:pPr marL="342900" lvl="0" indent="-342900">
+              <a:lnSpc>
+                <a:spcPct val="107000"/>
+              </a:lnSpc>
+              <a:buFont typeface="+mj-lt"/>
+              <a:buAutoNum type="arabicPeriod"/>
             </a:pPr>
             <a:r>
-              <a:rPr lang="en-US" dirty="0"/>
-              <a:t>Stateful inspection firewalls</a:t>
-            </a:r>
-          </a:p>
-          <a:p>
-            <a:pPr>
-              <a:buFont typeface="Arial" panose="020B0604020202020204" pitchFamily="34" charset="0"/>
-              <a:buChar char="•"/>
+              <a:rPr lang="en-CA" sz="1800" dirty="0">
+                <a:effectLst/>
+                <a:latin typeface="Calibri" panose="020F0502020204030204" pitchFamily="34" charset="0"/>
+                <a:ea typeface="Calibri" panose="020F0502020204030204" pitchFamily="34" charset="0"/>
+                <a:cs typeface="Times New Roman" panose="02020603050405020304" pitchFamily="18" charset="0"/>
+              </a:rPr>
+              <a:t> Implicit deny: If no rule is specified for the transaction of the subject/object, the authorization policy should deny the transaction.</a:t>
+            </a:r>
+            <a:endParaRPr lang="en-CA" sz="1400" dirty="0">
+              <a:effectLst/>
+              <a:latin typeface="Calibri" panose="020F0502020204030204" pitchFamily="34" charset="0"/>
+              <a:ea typeface="Calibri" panose="020F0502020204030204" pitchFamily="34" charset="0"/>
+              <a:cs typeface="Times New Roman" panose="02020603050405020304" pitchFamily="18" charset="0"/>
+            </a:endParaRPr>
+          </a:p>
+          <a:p>
+            <a:pPr marL="457200">
+              <a:lnSpc>
+                <a:spcPct val="107000"/>
+              </a:lnSpc>
             </a:pPr>
             <a:r>
-              <a:rPr lang="en-US" dirty="0"/>
-              <a:t>Next-gen context-aware firewalls</a:t>
-            </a:r>
-          </a:p>
-        </p:txBody>
-      </p:sp>
+              <a:rPr lang="en-CA" sz="1800" dirty="0">
+                <a:effectLst/>
+                <a:latin typeface="Calibri" panose="020F0502020204030204" pitchFamily="34" charset="0"/>
+                <a:ea typeface="Calibri" panose="020F0502020204030204" pitchFamily="34" charset="0"/>
+                <a:cs typeface="Times New Roman" panose="02020603050405020304" pitchFamily="18" charset="0"/>
+              </a:rPr>
+              <a:t> </a:t>
+            </a:r>
+            <a:endParaRPr lang="en-CA" sz="1400" dirty="0">
+              <a:effectLst/>
+              <a:latin typeface="Calibri" panose="020F0502020204030204" pitchFamily="34" charset="0"/>
+              <a:ea typeface="Calibri" panose="020F0502020204030204" pitchFamily="34" charset="0"/>
+              <a:cs typeface="Times New Roman" panose="02020603050405020304" pitchFamily="18" charset="0"/>
+            </a:endParaRPr>
+          </a:p>
+          <a:p>
+            <a:pPr lvl="0">
+              <a:lnSpc>
+                <a:spcPct val="107000"/>
+              </a:lnSpc>
+            </a:pPr>
+            <a:r>
+              <a:rPr lang="en-CA" sz="1800" dirty="0">
+                <a:effectLst/>
+                <a:latin typeface="Calibri" panose="020F0502020204030204" pitchFamily="34" charset="0"/>
+                <a:ea typeface="Calibri" panose="020F0502020204030204" pitchFamily="34" charset="0"/>
+                <a:cs typeface="Times New Roman" panose="02020603050405020304" pitchFamily="18" charset="0"/>
+              </a:rPr>
+              <a:t>2. Need-to-know: A subject should be granted access to an object only if the access is needed to carry out the job of the subject.</a:t>
+            </a:r>
+            <a:endParaRPr lang="en-CA" sz="1400" dirty="0">
+              <a:effectLst/>
+              <a:latin typeface="Calibri" panose="020F0502020204030204" pitchFamily="34" charset="0"/>
+              <a:ea typeface="Calibri" panose="020F0502020204030204" pitchFamily="34" charset="0"/>
+              <a:cs typeface="Times New Roman" panose="02020603050405020304" pitchFamily="18" charset="0"/>
+            </a:endParaRPr>
+          </a:p>
+          <a:p>
+            <a:pPr marL="457200">
+              <a:lnSpc>
+                <a:spcPct val="107000"/>
+              </a:lnSpc>
+              <a:spcAft>
+                <a:spcPts val="800"/>
+              </a:spcAft>
+            </a:pPr>
+            <a:r>
+              <a:rPr lang="en-CA" sz="1800" dirty="0">
+                <a:effectLst/>
+                <a:latin typeface="Calibri" panose="020F0502020204030204" pitchFamily="34" charset="0"/>
+                <a:ea typeface="Calibri" panose="020F0502020204030204" pitchFamily="34" charset="0"/>
+                <a:cs typeface="Times New Roman" panose="02020603050405020304" pitchFamily="18" charset="0"/>
+              </a:rPr>
+              <a:t> </a:t>
+            </a:r>
+            <a:endParaRPr lang="en-CA" sz="1400" dirty="0">
+              <a:effectLst/>
+              <a:latin typeface="Calibri" panose="020F0502020204030204" pitchFamily="34" charset="0"/>
+              <a:ea typeface="Calibri" panose="020F0502020204030204" pitchFamily="34" charset="0"/>
+              <a:cs typeface="Times New Roman" panose="02020603050405020304" pitchFamily="18" charset="0"/>
+            </a:endParaRPr>
+          </a:p>
+        </p:txBody>
+      </p:sp>
+      <p:pic>
+        <p:nvPicPr>
+          <p:cNvPr id="5" name="Picture 4">
+            <a:extLst>
+              <a:ext uri="{FF2B5EF4-FFF2-40B4-BE49-F238E27FC236}">
+                <a16:creationId xmlns:a16="http://schemas.microsoft.com/office/drawing/2014/main" id="{8D11B1E7-D6B4-F155-DFAA-926F50F435AC}"/>
+              </a:ext>
+            </a:extLst>
+          </p:cNvPr>
+          <p:cNvPicPr>
+            <a:picLocks noChangeAspect="1"/>
+          </p:cNvPicPr>
+          <p:nvPr/>
+        </p:nvPicPr>
+        <p:blipFill>
+          <a:blip r:embed="rId2">
+            <a:extLst>
+              <a:ext uri="{28A0092B-C50C-407E-A947-70E740481C1C}">
+                <a14:useLocalDpi xmlns:a14="http://schemas.microsoft.com/office/drawing/2010/main" val="0"/>
+              </a:ext>
+            </a:extLst>
+          </a:blip>
+          <a:stretch>
+            <a:fillRect/>
+          </a:stretch>
+        </p:blipFill>
+        <p:spPr>
+          <a:xfrm>
+            <a:off x="0" y="0"/>
+            <a:ext cx="12192000" cy="3141088"/>
+          </a:xfrm>
+          <a:prstGeom prst="rect">
+            <a:avLst/>
+          </a:prstGeom>
+        </p:spPr>
+      </p:pic>
     </p:spTree>
     <p:extLst>
       <p:ext uri="{BB962C8B-B14F-4D97-AF65-F5344CB8AC3E}">
-        <p14:creationId xmlns:p14="http://schemas.microsoft.com/office/powerpoint/2010/main" val="3310384940"/>
+        <p14:creationId xmlns:p14="http://schemas.microsoft.com/office/powerpoint/2010/main" val="4201688693"/>
       </p:ext>
     </p:extLst>
   </p:cSld>
@@ -4496,74 +4808,141 @@
       </p:grpSpPr>
       <p:sp>
         <p:nvSpPr>
-          <p:cNvPr id="2" name="Title 1">
-            <a:extLst>
-              <a:ext uri="{FF2B5EF4-FFF2-40B4-BE49-F238E27FC236}">
-                <a16:creationId xmlns:a16="http://schemas.microsoft.com/office/drawing/2014/main" id="{3C97B136-A603-4A44-D031-4B88EDC11EAF}"/>
-              </a:ext>
-            </a:extLst>
-          </p:cNvPr>
-          <p:cNvSpPr>
-            <a:spLocks noGrp="1"/>
-          </p:cNvSpPr>
-          <p:nvPr>
-            <p:ph type="title"/>
-          </p:nvPr>
-        </p:nvSpPr>
-        <p:spPr/>
-        <p:txBody>
-          <a:bodyPr/>
-          <a:lstStyle/>
-          <a:p>
-            <a:r>
-              <a:rPr lang="en-US" dirty="0"/>
-              <a:t>Intrusion Detection and Prevention</a:t>
-            </a:r>
-          </a:p>
-        </p:txBody>
-      </p:sp>
-      <p:sp>
-        <p:nvSpPr>
-          <p:cNvPr id="3" name="Content Placeholder 2">
-            <a:extLst>
-              <a:ext uri="{FF2B5EF4-FFF2-40B4-BE49-F238E27FC236}">
-                <a16:creationId xmlns:a16="http://schemas.microsoft.com/office/drawing/2014/main" id="{D321A911-79A8-3089-B204-4E47D2EE3FB8}"/>
-              </a:ext>
-            </a:extLst>
-          </p:cNvPr>
-          <p:cNvSpPr>
-            <a:spLocks noGrp="1"/>
-          </p:cNvSpPr>
-          <p:nvPr>
-            <p:ph idx="1"/>
-          </p:nvPr>
-        </p:nvSpPr>
-        <p:spPr/>
-        <p:txBody>
-          <a:bodyPr/>
-          <a:lstStyle/>
-          <a:p>
-            <a:r>
-              <a:rPr lang="en-US" dirty="0"/>
-              <a:t>When malicious activities masquerade legitimate traffic these are used</a:t>
-            </a:r>
-          </a:p>
-          <a:p>
-            <a:r>
-              <a:rPr lang="en-US" dirty="0"/>
-              <a:t>IDS is a passive to analyze traffic to detect unauthorized access, and stressful protocol analysis and if it detects anything IDS generates an email, message or text alert.</a:t>
-            </a:r>
-          </a:p>
-          <a:p>
-            <a:endParaRPr lang="en-US" dirty="0"/>
-          </a:p>
-          <a:p>
-            <a:pPr marL="0" indent="0">
-              <a:buNone/>
+          <p:cNvPr id="3" name="TextBox 2">
+            <a:extLst>
+              <a:ext uri="{FF2B5EF4-FFF2-40B4-BE49-F238E27FC236}">
+                <a16:creationId xmlns:a16="http://schemas.microsoft.com/office/drawing/2014/main" id="{585F1EF1-A5B4-1A32-5ACA-9EBCA3A8AFB9}"/>
+              </a:ext>
+            </a:extLst>
+          </p:cNvPr>
+          <p:cNvSpPr txBox="1"/>
+          <p:nvPr/>
+        </p:nvSpPr>
+        <p:spPr>
+          <a:xfrm>
+            <a:off x="3126356" y="0"/>
+            <a:ext cx="7915455" cy="721736"/>
+          </a:xfrm>
+          <a:prstGeom prst="rect">
+            <a:avLst/>
+          </a:prstGeom>
+          <a:noFill/>
+        </p:spPr>
+        <p:txBody>
+          <a:bodyPr wrap="square">
+            <a:spAutoFit/>
+          </a:bodyPr>
+          <a:lstStyle/>
+          <a:p>
+            <a:pPr>
+              <a:lnSpc>
+                <a:spcPct val="107000"/>
+              </a:lnSpc>
+              <a:spcAft>
+                <a:spcPts val="800"/>
+              </a:spcAft>
             </a:pPr>
             <a:r>
-              <a:rPr lang="en-US" dirty="0"/>
-              <a:t>IPS is an active device which seats in line with traffic and responds to identify threads by disabling connection, dropping packets or deleting malicious content.</a:t>
+              <a:rPr lang="en-CA" sz="4000" b="1" dirty="0">
+                <a:effectLst/>
+                <a:latin typeface="Calibri" panose="020F0502020204030204" pitchFamily="34" charset="0"/>
+                <a:ea typeface="Calibri" panose="020F0502020204030204" pitchFamily="34" charset="0"/>
+                <a:cs typeface="Times New Roman" panose="02020603050405020304" pitchFamily="18" charset="0"/>
+              </a:rPr>
+              <a:t>What Is a Security Posture?</a:t>
+            </a:r>
+            <a:endParaRPr lang="en-CA" sz="4000" dirty="0">
+              <a:effectLst/>
+              <a:latin typeface="Calibri" panose="020F0502020204030204" pitchFamily="34" charset="0"/>
+              <a:ea typeface="Calibri" panose="020F0502020204030204" pitchFamily="34" charset="0"/>
+              <a:cs typeface="Times New Roman" panose="02020603050405020304" pitchFamily="18" charset="0"/>
+            </a:endParaRPr>
+          </a:p>
+        </p:txBody>
+      </p:sp>
+      <p:pic>
+        <p:nvPicPr>
+          <p:cNvPr id="4" name="Graphic 1">
+            <a:extLst>
+              <a:ext uri="{FF2B5EF4-FFF2-40B4-BE49-F238E27FC236}">
+                <a16:creationId xmlns:a16="http://schemas.microsoft.com/office/drawing/2014/main" id="{6232E52F-AB31-91D1-0D6D-1A8B2491F6E3}"/>
+              </a:ext>
+            </a:extLst>
+          </p:cNvPr>
+          <p:cNvPicPr>
+            <a:picLocks noChangeAspect="1"/>
+          </p:cNvPicPr>
+          <p:nvPr/>
+        </p:nvPicPr>
+        <p:blipFill>
+          <a:blip r:embed="rId2">
+            <a:extLst>
+              <a:ext uri="{28A0092B-C50C-407E-A947-70E740481C1C}">
+                <a14:useLocalDpi xmlns:a14="http://schemas.microsoft.com/office/drawing/2010/main" val="0"/>
+              </a:ext>
+              <a:ext uri="{96DAC541-7B7A-43D3-8B79-37D633B846F1}">
+                <asvg:svgBlip xmlns:asvg="http://schemas.microsoft.com/office/drawing/2016/SVG/main" r:embed="rId3"/>
+              </a:ext>
+            </a:extLst>
+          </a:blip>
+          <a:stretch>
+            <a:fillRect/>
+          </a:stretch>
+        </p:blipFill>
+        <p:spPr>
+          <a:xfrm>
+            <a:off x="154241" y="484632"/>
+            <a:ext cx="7560334" cy="5989887"/>
+          </a:xfrm>
+          <a:prstGeom prst="rect">
+            <a:avLst/>
+          </a:prstGeom>
+        </p:spPr>
+      </p:pic>
+      <p:sp>
+        <p:nvSpPr>
+          <p:cNvPr id="6" name="TextBox 5">
+            <a:extLst>
+              <a:ext uri="{FF2B5EF4-FFF2-40B4-BE49-F238E27FC236}">
+                <a16:creationId xmlns:a16="http://schemas.microsoft.com/office/drawing/2014/main" id="{515B145B-2E17-0702-6EE0-5AE2DD801771}"/>
+              </a:ext>
+            </a:extLst>
+          </p:cNvPr>
+          <p:cNvSpPr txBox="1"/>
+          <p:nvPr/>
+        </p:nvSpPr>
+        <p:spPr>
+          <a:xfrm>
+            <a:off x="7781544" y="1455874"/>
+            <a:ext cx="4005072" cy="4808368"/>
+          </a:xfrm>
+          <a:prstGeom prst="rect">
+            <a:avLst/>
+          </a:prstGeom>
+          <a:noFill/>
+        </p:spPr>
+        <p:txBody>
+          <a:bodyPr wrap="square">
+            <a:spAutoFit/>
+          </a:bodyPr>
+          <a:lstStyle/>
+          <a:p>
+            <a:pPr>
+              <a:lnSpc>
+                <a:spcPct val="107000"/>
+              </a:lnSpc>
+              <a:spcAft>
+                <a:spcPts val="800"/>
+              </a:spcAft>
+            </a:pPr>
+            <a:r>
+              <a:rPr lang="en-CA" sz="3600" dirty="0">
+                <a:effectLst/>
+                <a:latin typeface="Calibri" panose="020F0502020204030204" pitchFamily="34" charset="0"/>
+                <a:ea typeface="Calibri" panose="020F0502020204030204" pitchFamily="34" charset="0"/>
+                <a:cs typeface="Times New Roman" panose="02020603050405020304" pitchFamily="18" charset="0"/>
+              </a:rPr>
+              <a:t>A security posture is an organization’s approach to access controls based on information about an object, such as a host (end system) or network.</a:t>
             </a:r>
           </a:p>
         </p:txBody>
@@ -4571,7 +4950,7 @@
     </p:spTree>
     <p:extLst>
       <p:ext uri="{BB962C8B-B14F-4D97-AF65-F5344CB8AC3E}">
-        <p14:creationId xmlns:p14="http://schemas.microsoft.com/office/powerpoint/2010/main" val="641647791"/>
+        <p14:creationId xmlns:p14="http://schemas.microsoft.com/office/powerpoint/2010/main" val="3318614317"/>
       </p:ext>
     </p:extLst>
   </p:cSld>
@@ -4600,113 +4979,316 @@
       </p:grpSpPr>
       <p:sp>
         <p:nvSpPr>
-          <p:cNvPr id="2" name="Title 1">
-            <a:extLst>
-              <a:ext uri="{FF2B5EF4-FFF2-40B4-BE49-F238E27FC236}">
-                <a16:creationId xmlns:a16="http://schemas.microsoft.com/office/drawing/2014/main" id="{83E6490C-B842-544D-F467-2C1996586976}"/>
-              </a:ext>
-            </a:extLst>
-          </p:cNvPr>
-          <p:cNvSpPr>
-            <a:spLocks noGrp="1"/>
-          </p:cNvSpPr>
-          <p:nvPr>
-            <p:ph type="title"/>
-          </p:nvPr>
-        </p:nvSpPr>
-        <p:spPr/>
-        <p:txBody>
-          <a:bodyPr/>
-          <a:lstStyle/>
-          <a:p>
-            <a:r>
-              <a:rPr lang="en-US" dirty="0"/>
-              <a:t>Technologies used by IDS/IPS</a:t>
-            </a:r>
-          </a:p>
-        </p:txBody>
-      </p:sp>
-      <p:sp>
-        <p:nvSpPr>
-          <p:cNvPr id="3" name="Content Placeholder 2">
-            <a:extLst>
-              <a:ext uri="{FF2B5EF4-FFF2-40B4-BE49-F238E27FC236}">
-                <a16:creationId xmlns:a16="http://schemas.microsoft.com/office/drawing/2014/main" id="{FC39A5D6-6977-8E39-6950-F696BF2696F3}"/>
-              </a:ext>
-            </a:extLst>
-          </p:cNvPr>
-          <p:cNvSpPr>
-            <a:spLocks noGrp="1"/>
-          </p:cNvSpPr>
-          <p:nvPr>
-            <p:ph idx="1"/>
-          </p:nvPr>
-        </p:nvSpPr>
-        <p:spPr/>
-        <p:txBody>
-          <a:bodyPr/>
-          <a:lstStyle/>
-          <a:p>
-            <a:pPr marL="457200" indent="-457200">
+          <p:cNvPr id="3" name="TextBox 2">
+            <a:extLst>
+              <a:ext uri="{FF2B5EF4-FFF2-40B4-BE49-F238E27FC236}">
+                <a16:creationId xmlns:a16="http://schemas.microsoft.com/office/drawing/2014/main" id="{CD17FCCC-D88F-35FC-CE70-CE4E5F2F7EC6}"/>
+              </a:ext>
+            </a:extLst>
+          </p:cNvPr>
+          <p:cNvSpPr txBox="1"/>
+          <p:nvPr/>
+        </p:nvSpPr>
+        <p:spPr>
+          <a:xfrm>
+            <a:off x="128016" y="930633"/>
+            <a:ext cx="11786616" cy="5411738"/>
+          </a:xfrm>
+          <a:prstGeom prst="rect">
+            <a:avLst/>
+          </a:prstGeom>
+          <a:noFill/>
+        </p:spPr>
+        <p:txBody>
+          <a:bodyPr wrap="square">
+            <a:spAutoFit/>
+          </a:bodyPr>
+          <a:lstStyle/>
+          <a:p>
+            <a:pPr>
+              <a:lnSpc>
+                <a:spcPct val="107000"/>
+              </a:lnSpc>
+              <a:spcAft>
+                <a:spcPts val="800"/>
+              </a:spcAft>
+            </a:pPr>
+            <a:r>
+              <a:rPr lang="en-CA" sz="1800" dirty="0">
+                <a:effectLst/>
+                <a:latin typeface="Calibri" panose="020F0502020204030204" pitchFamily="34" charset="0"/>
+                <a:ea typeface="Calibri" panose="020F0502020204030204" pitchFamily="34" charset="0"/>
+                <a:cs typeface="Times New Roman" panose="02020603050405020304" pitchFamily="18" charset="0"/>
+              </a:rPr>
+              <a:t>There is a concept called network access control (NAC) in which networking devices such as switches, firewalls, wireless access points, and others can enforce policy based on the security posture of a subject, in this case, a device trying to join the network.</a:t>
+            </a:r>
+            <a:endParaRPr lang="en-CA" sz="1400" dirty="0">
+              <a:effectLst/>
+              <a:latin typeface="Calibri" panose="020F0502020204030204" pitchFamily="34" charset="0"/>
+              <a:ea typeface="Calibri" panose="020F0502020204030204" pitchFamily="34" charset="0"/>
+              <a:cs typeface="Times New Roman" panose="02020603050405020304" pitchFamily="18" charset="0"/>
+            </a:endParaRPr>
+          </a:p>
+          <a:p>
+            <a:pPr>
+              <a:lnSpc>
+                <a:spcPct val="107000"/>
+              </a:lnSpc>
+              <a:spcAft>
+                <a:spcPts val="800"/>
+              </a:spcAft>
+            </a:pPr>
+            <a:r>
+              <a:rPr lang="en-CA" sz="1800" dirty="0">
+                <a:effectLst/>
+                <a:latin typeface="Calibri" panose="020F0502020204030204" pitchFamily="34" charset="0"/>
+                <a:ea typeface="Calibri" panose="020F0502020204030204" pitchFamily="34" charset="0"/>
+                <a:cs typeface="Times New Roman" panose="02020603050405020304" pitchFamily="18" charset="0"/>
+              </a:rPr>
+              <a:t> NAC can provide the following: </a:t>
+            </a:r>
+            <a:endParaRPr lang="en-CA" sz="1400" dirty="0">
+              <a:effectLst/>
+              <a:latin typeface="Calibri" panose="020F0502020204030204" pitchFamily="34" charset="0"/>
+              <a:ea typeface="Calibri" panose="020F0502020204030204" pitchFamily="34" charset="0"/>
+              <a:cs typeface="Times New Roman" panose="02020603050405020304" pitchFamily="18" charset="0"/>
+            </a:endParaRPr>
+          </a:p>
+          <a:p>
+            <a:pPr marL="342900" lvl="0" indent="-342900">
+              <a:lnSpc>
+                <a:spcPct val="107000"/>
+              </a:lnSpc>
               <a:buFont typeface="+mj-lt"/>
               <a:buAutoNum type="arabicPeriod"/>
             </a:pPr>
             <a:r>
-              <a:rPr lang="en-US" dirty="0"/>
-              <a:t>Network-based: Monitors network traffic for a specific segment, and device and analyze activities.</a:t>
-            </a:r>
-          </a:p>
-          <a:p>
-            <a:pPr marL="457200" indent="-457200">
+              <a:rPr lang="en-CA" sz="1800" dirty="0">
+                <a:effectLst/>
+                <a:latin typeface="Calibri" panose="020F0502020204030204" pitchFamily="34" charset="0"/>
+                <a:ea typeface="Calibri" panose="020F0502020204030204" pitchFamily="34" charset="0"/>
+                <a:cs typeface="Times New Roman" panose="02020603050405020304" pitchFamily="18" charset="0"/>
+              </a:rPr>
+              <a:t>Identity and trust </a:t>
+            </a:r>
+            <a:endParaRPr lang="en-CA" sz="1400" dirty="0">
+              <a:effectLst/>
+              <a:latin typeface="Calibri" panose="020F0502020204030204" pitchFamily="34" charset="0"/>
+              <a:ea typeface="Calibri" panose="020F0502020204030204" pitchFamily="34" charset="0"/>
+              <a:cs typeface="Times New Roman" panose="02020603050405020304" pitchFamily="18" charset="0"/>
+            </a:endParaRPr>
+          </a:p>
+          <a:p>
+            <a:pPr marL="342900" lvl="0" indent="-342900">
+              <a:lnSpc>
+                <a:spcPct val="107000"/>
+              </a:lnSpc>
               <a:buFont typeface="+mj-lt"/>
               <a:buAutoNum type="arabicPeriod"/>
             </a:pPr>
             <a:r>
-              <a:rPr lang="en-US" dirty="0"/>
-              <a:t>Wireless IDS/IPS: Monitors wireless network traffic and analyzes activities and protocols.</a:t>
-            </a:r>
-          </a:p>
-          <a:p>
-            <a:pPr marL="457200" indent="-457200">
+              <a:rPr lang="en-CA" sz="1800" dirty="0">
+                <a:effectLst/>
+                <a:latin typeface="Calibri" panose="020F0502020204030204" pitchFamily="34" charset="0"/>
+                <a:ea typeface="Calibri" panose="020F0502020204030204" pitchFamily="34" charset="0"/>
+                <a:cs typeface="Times New Roman" panose="02020603050405020304" pitchFamily="18" charset="0"/>
+              </a:rPr>
+              <a:t>Visibility </a:t>
+            </a:r>
+            <a:endParaRPr lang="en-CA" sz="1400" dirty="0">
+              <a:effectLst/>
+              <a:latin typeface="Calibri" panose="020F0502020204030204" pitchFamily="34" charset="0"/>
+              <a:ea typeface="Calibri" panose="020F0502020204030204" pitchFamily="34" charset="0"/>
+              <a:cs typeface="Times New Roman" panose="02020603050405020304" pitchFamily="18" charset="0"/>
+            </a:endParaRPr>
+          </a:p>
+          <a:p>
+            <a:pPr marL="342900" lvl="0" indent="-342900">
+              <a:lnSpc>
+                <a:spcPct val="107000"/>
+              </a:lnSpc>
               <a:buFont typeface="+mj-lt"/>
               <a:buAutoNum type="arabicPeriod"/>
             </a:pPr>
             <a:r>
-              <a:rPr lang="en-US" dirty="0"/>
-              <a:t>Network </a:t>
-            </a:r>
-            <a:r>
-              <a:rPr lang="en-US" dirty="0" err="1"/>
-              <a:t>behavioural</a:t>
-            </a:r>
-            <a:r>
-              <a:rPr lang="en-US" dirty="0"/>
-              <a:t> analysis: It examines the traffic to identify threats, information flow, DDOS, malware and policy violations.</a:t>
-            </a:r>
-          </a:p>
-          <a:p>
-            <a:pPr marL="457200" indent="-457200">
+              <a:rPr lang="en-CA" sz="1800" dirty="0">
+                <a:effectLst/>
+                <a:latin typeface="Calibri" panose="020F0502020204030204" pitchFamily="34" charset="0"/>
+                <a:ea typeface="Calibri" panose="020F0502020204030204" pitchFamily="34" charset="0"/>
+                <a:cs typeface="Times New Roman" panose="02020603050405020304" pitchFamily="18" charset="0"/>
+              </a:rPr>
+              <a:t>Correlation</a:t>
+            </a:r>
+            <a:endParaRPr lang="en-CA" sz="1400" dirty="0">
+              <a:effectLst/>
+              <a:latin typeface="Calibri" panose="020F0502020204030204" pitchFamily="34" charset="0"/>
+              <a:ea typeface="Calibri" panose="020F0502020204030204" pitchFamily="34" charset="0"/>
+              <a:cs typeface="Times New Roman" panose="02020603050405020304" pitchFamily="18" charset="0"/>
+            </a:endParaRPr>
+          </a:p>
+          <a:p>
+            <a:pPr marL="342900" lvl="0" indent="-342900">
+              <a:lnSpc>
+                <a:spcPct val="107000"/>
+              </a:lnSpc>
               <a:buFont typeface="+mj-lt"/>
               <a:buAutoNum type="arabicPeriod"/>
             </a:pPr>
             <a:r>
-              <a:rPr lang="en-US" dirty="0"/>
-              <a:t>Host-based IDS/IPS: It monitors every single host and its events.</a:t>
-            </a:r>
-          </a:p>
-          <a:p>
-            <a:pPr marL="457200" indent="-457200">
+              <a:rPr lang="en-CA" sz="1800" dirty="0">
+                <a:effectLst/>
+                <a:latin typeface="Calibri" panose="020F0502020204030204" pitchFamily="34" charset="0"/>
+                <a:ea typeface="Calibri" panose="020F0502020204030204" pitchFamily="34" charset="0"/>
+                <a:cs typeface="Times New Roman" panose="02020603050405020304" pitchFamily="18" charset="0"/>
+              </a:rPr>
+              <a:t> Instrumentation and management </a:t>
+            </a:r>
+            <a:endParaRPr lang="en-CA" sz="1400" dirty="0">
+              <a:effectLst/>
+              <a:latin typeface="Calibri" panose="020F0502020204030204" pitchFamily="34" charset="0"/>
+              <a:ea typeface="Calibri" panose="020F0502020204030204" pitchFamily="34" charset="0"/>
+              <a:cs typeface="Times New Roman" panose="02020603050405020304" pitchFamily="18" charset="0"/>
+            </a:endParaRPr>
+          </a:p>
+          <a:p>
+            <a:pPr marL="342900" lvl="0" indent="-342900">
+              <a:lnSpc>
+                <a:spcPct val="107000"/>
+              </a:lnSpc>
               <a:buFont typeface="+mj-lt"/>
               <a:buAutoNum type="arabicPeriod"/>
             </a:pPr>
-            <a:endParaRPr lang="en-US" dirty="0"/>
+            <a:r>
+              <a:rPr lang="en-CA" sz="1800" dirty="0">
+                <a:effectLst/>
+                <a:latin typeface="Calibri" panose="020F0502020204030204" pitchFamily="34" charset="0"/>
+                <a:ea typeface="Calibri" panose="020F0502020204030204" pitchFamily="34" charset="0"/>
+                <a:cs typeface="Times New Roman" panose="02020603050405020304" pitchFamily="18" charset="0"/>
+              </a:rPr>
+              <a:t>Isolation and segmentation</a:t>
+            </a:r>
+            <a:endParaRPr lang="en-CA" sz="1400" dirty="0">
+              <a:effectLst/>
+              <a:latin typeface="Calibri" panose="020F0502020204030204" pitchFamily="34" charset="0"/>
+              <a:ea typeface="Calibri" panose="020F0502020204030204" pitchFamily="34" charset="0"/>
+              <a:cs typeface="Times New Roman" panose="02020603050405020304" pitchFamily="18" charset="0"/>
+            </a:endParaRPr>
+          </a:p>
+          <a:p>
+            <a:pPr marL="342900" lvl="0" indent="-342900">
+              <a:lnSpc>
+                <a:spcPct val="107000"/>
+              </a:lnSpc>
+              <a:buFont typeface="+mj-lt"/>
+              <a:buAutoNum type="arabicPeriod"/>
+            </a:pPr>
+            <a:r>
+              <a:rPr lang="en-CA" sz="1800" dirty="0">
+                <a:effectLst/>
+                <a:latin typeface="Calibri" panose="020F0502020204030204" pitchFamily="34" charset="0"/>
+                <a:ea typeface="Calibri" panose="020F0502020204030204" pitchFamily="34" charset="0"/>
+                <a:cs typeface="Times New Roman" panose="02020603050405020304" pitchFamily="18" charset="0"/>
+              </a:rPr>
+              <a:t> Policy Enforcement</a:t>
+            </a:r>
+            <a:endParaRPr lang="en-CA" sz="1400" dirty="0">
+              <a:effectLst/>
+              <a:latin typeface="Calibri" panose="020F0502020204030204" pitchFamily="34" charset="0"/>
+              <a:ea typeface="Calibri" panose="020F0502020204030204" pitchFamily="34" charset="0"/>
+              <a:cs typeface="Times New Roman" panose="02020603050405020304" pitchFamily="18" charset="0"/>
+            </a:endParaRPr>
+          </a:p>
+          <a:p>
+            <a:pPr marL="457200">
+              <a:lnSpc>
+                <a:spcPct val="107000"/>
+              </a:lnSpc>
+            </a:pPr>
+            <a:r>
+              <a:rPr lang="en-CA" sz="1800" dirty="0">
+                <a:effectLst/>
+                <a:latin typeface="Calibri" panose="020F0502020204030204" pitchFamily="34" charset="0"/>
+                <a:ea typeface="Calibri" panose="020F0502020204030204" pitchFamily="34" charset="0"/>
+                <a:cs typeface="Times New Roman" panose="02020603050405020304" pitchFamily="18" charset="0"/>
+              </a:rPr>
+              <a:t> </a:t>
+            </a:r>
+            <a:endParaRPr lang="en-CA" sz="1400" dirty="0">
+              <a:effectLst/>
+              <a:latin typeface="Calibri" panose="020F0502020204030204" pitchFamily="34" charset="0"/>
+              <a:ea typeface="Calibri" panose="020F0502020204030204" pitchFamily="34" charset="0"/>
+              <a:cs typeface="Times New Roman" panose="02020603050405020304" pitchFamily="18" charset="0"/>
+            </a:endParaRPr>
+          </a:p>
+          <a:p>
+            <a:pPr marL="457200">
+              <a:lnSpc>
+                <a:spcPct val="107000"/>
+              </a:lnSpc>
+            </a:pPr>
+            <a:r>
+              <a:rPr lang="en-CA" sz="1800" dirty="0">
+                <a:effectLst/>
+                <a:latin typeface="Calibri" panose="020F0502020204030204" pitchFamily="34" charset="0"/>
+                <a:ea typeface="Calibri" panose="020F0502020204030204" pitchFamily="34" charset="0"/>
+                <a:cs typeface="Times New Roman" panose="02020603050405020304" pitchFamily="18" charset="0"/>
+              </a:rPr>
+              <a:t>Open and secure are the two primary stances. Open, often known as default allow, denotes that access that isn't expressly prohibited is allowed. Secure, also known as default deny, denotes that any access that is not explicitly permitted is prohibited. In actual usage, default deny indicates that access is blocked until a rule, access control list (ACL), or setting is changed to permit access.</a:t>
+            </a:r>
+            <a:endParaRPr lang="en-CA" sz="1400" dirty="0">
+              <a:effectLst/>
+              <a:latin typeface="Calibri" panose="020F0502020204030204" pitchFamily="34" charset="0"/>
+              <a:ea typeface="Calibri" panose="020F0502020204030204" pitchFamily="34" charset="0"/>
+              <a:cs typeface="Times New Roman" panose="02020603050405020304" pitchFamily="18" charset="0"/>
+            </a:endParaRPr>
+          </a:p>
+          <a:p>
+            <a:pPr marL="457200">
+              <a:lnSpc>
+                <a:spcPct val="107000"/>
+              </a:lnSpc>
+            </a:pPr>
+            <a:r>
+              <a:rPr lang="en-CA" sz="1400" dirty="0">
+                <a:effectLst/>
+                <a:latin typeface="Calibri" panose="020F0502020204030204" pitchFamily="34" charset="0"/>
+                <a:ea typeface="Calibri" panose="020F0502020204030204" pitchFamily="34" charset="0"/>
+                <a:cs typeface="Times New Roman" panose="02020603050405020304" pitchFamily="18" charset="0"/>
+              </a:rPr>
+              <a:t> </a:t>
+            </a:r>
+          </a:p>
+          <a:p>
+            <a:pPr marL="457200">
+              <a:lnSpc>
+                <a:spcPct val="107000"/>
+              </a:lnSpc>
+              <a:spcAft>
+                <a:spcPts val="800"/>
+              </a:spcAft>
+            </a:pPr>
+            <a:r>
+              <a:rPr lang="en-CA" sz="2800" b="1" dirty="0">
+                <a:effectLst/>
+                <a:latin typeface="Times New Roman" panose="02020603050405020304" pitchFamily="18" charset="0"/>
+                <a:ea typeface="Calibri" panose="020F0502020204030204" pitchFamily="34" charset="0"/>
+                <a:cs typeface="Times New Roman" panose="02020603050405020304" pitchFamily="18" charset="0"/>
+              </a:rPr>
+              <a:t> </a:t>
+            </a:r>
+            <a:endParaRPr lang="en-CA" sz="1400" dirty="0">
+              <a:effectLst/>
+              <a:latin typeface="Calibri" panose="020F0502020204030204" pitchFamily="34" charset="0"/>
+              <a:ea typeface="Calibri" panose="020F0502020204030204" pitchFamily="34" charset="0"/>
+              <a:cs typeface="Times New Roman" panose="02020603050405020304" pitchFamily="18" charset="0"/>
+            </a:endParaRPr>
           </a:p>
         </p:txBody>
       </p:sp>
     </p:spTree>
     <p:extLst>
       <p:ext uri="{BB962C8B-B14F-4D97-AF65-F5344CB8AC3E}">
-        <p14:creationId xmlns:p14="http://schemas.microsoft.com/office/powerpoint/2010/main" val="211107562"/>
+        <p14:creationId xmlns:p14="http://schemas.microsoft.com/office/powerpoint/2010/main" val="2070558618"/>
       </p:ext>
     </p:extLst>
   </p:cSld>
@@ -4735,101 +5317,145 @@
       </p:grpSpPr>
       <p:sp>
         <p:nvSpPr>
-          <p:cNvPr id="2" name="Title 1">
-            <a:extLst>
-              <a:ext uri="{FF2B5EF4-FFF2-40B4-BE49-F238E27FC236}">
-                <a16:creationId xmlns:a16="http://schemas.microsoft.com/office/drawing/2014/main" id="{528D3DEA-CE54-A793-9FEA-A36FA50D63D5}"/>
-              </a:ext>
-            </a:extLst>
-          </p:cNvPr>
-          <p:cNvSpPr>
-            <a:spLocks noGrp="1"/>
-          </p:cNvSpPr>
-          <p:nvPr>
-            <p:ph type="title"/>
-          </p:nvPr>
-        </p:nvSpPr>
-        <p:spPr/>
-        <p:txBody>
-          <a:bodyPr/>
-          <a:lstStyle/>
-          <a:p>
-            <a:endParaRPr lang="en-US" dirty="0"/>
-          </a:p>
-        </p:txBody>
-      </p:sp>
-      <p:sp>
-        <p:nvSpPr>
-          <p:cNvPr id="3" name="Content Placeholder 2">
-            <a:extLst>
-              <a:ext uri="{FF2B5EF4-FFF2-40B4-BE49-F238E27FC236}">
-                <a16:creationId xmlns:a16="http://schemas.microsoft.com/office/drawing/2014/main" id="{13B76399-18A5-36FB-2373-DB31B8662B7C}"/>
-              </a:ext>
-            </a:extLst>
-          </p:cNvPr>
-          <p:cNvSpPr>
-            <a:spLocks noGrp="1"/>
-          </p:cNvSpPr>
-          <p:nvPr>
-            <p:ph idx="1"/>
-          </p:nvPr>
-        </p:nvSpPr>
-        <p:spPr/>
-        <p:txBody>
-          <a:bodyPr/>
-          <a:lstStyle/>
-          <a:p>
-            <a:r>
-              <a:rPr lang="en-US" dirty="0"/>
-              <a:t>From these technologies, it has 4 decision states –</a:t>
-            </a:r>
-          </a:p>
-          <a:p>
-            <a:pPr marL="457200" indent="-457200">
-              <a:buFont typeface="+mj-lt"/>
-              <a:buAutoNum type="arabicPeriod"/>
+          <p:cNvPr id="3" name="TextBox 2">
+            <a:extLst>
+              <a:ext uri="{FF2B5EF4-FFF2-40B4-BE49-F238E27FC236}">
+                <a16:creationId xmlns:a16="http://schemas.microsoft.com/office/drawing/2014/main" id="{54FAE4C1-8530-6109-109D-E7AAC4286F22}"/>
+              </a:ext>
+            </a:extLst>
+          </p:cNvPr>
+          <p:cNvSpPr txBox="1"/>
+          <p:nvPr/>
+        </p:nvSpPr>
+        <p:spPr>
+          <a:xfrm>
+            <a:off x="-82296" y="4511551"/>
+            <a:ext cx="12192000" cy="1725729"/>
+          </a:xfrm>
+          <a:prstGeom prst="rect">
+            <a:avLst/>
+          </a:prstGeom>
+          <a:noFill/>
+        </p:spPr>
+        <p:txBody>
+          <a:bodyPr wrap="square">
+            <a:spAutoFit/>
+          </a:bodyPr>
+          <a:lstStyle/>
+          <a:p>
+            <a:pPr marL="457200">
+              <a:lnSpc>
+                <a:spcPct val="107000"/>
+              </a:lnSpc>
             </a:pPr>
             <a:r>
-              <a:rPr lang="en-US" dirty="0"/>
-              <a:t>True positive:  It correctly identifies an issue.</a:t>
-            </a:r>
-          </a:p>
-          <a:p>
-            <a:pPr marL="457200" indent="-457200">
-              <a:buFont typeface="+mj-lt"/>
-              <a:buAutoNum type="arabicPeriod"/>
+              <a:rPr lang="en-CA" sz="2400" b="1" dirty="0">
+                <a:effectLst/>
+                <a:latin typeface="Calibri" panose="020F0502020204030204" pitchFamily="34" charset="0"/>
+                <a:ea typeface="Calibri" panose="020F0502020204030204" pitchFamily="34" charset="0"/>
+                <a:cs typeface="Times New Roman" panose="02020603050405020304" pitchFamily="18" charset="0"/>
+              </a:rPr>
+              <a:t>Principle of Least Privilege and Separation of Duties –</a:t>
+            </a:r>
+            <a:endParaRPr lang="en-CA" sz="1400" dirty="0">
+              <a:effectLst/>
+              <a:latin typeface="Calibri" panose="020F0502020204030204" pitchFamily="34" charset="0"/>
+              <a:ea typeface="Calibri" panose="020F0502020204030204" pitchFamily="34" charset="0"/>
+              <a:cs typeface="Times New Roman" panose="02020603050405020304" pitchFamily="18" charset="0"/>
+            </a:endParaRPr>
+          </a:p>
+          <a:p>
+            <a:pPr marL="457200">
+              <a:lnSpc>
+                <a:spcPct val="107000"/>
+              </a:lnSpc>
             </a:pPr>
             <a:r>
-              <a:rPr lang="en-US" dirty="0"/>
-              <a:t>True Negative: It correctly identifies normal traffic.</a:t>
-            </a:r>
-          </a:p>
-          <a:p>
-            <a:pPr marL="457200" indent="-457200">
-              <a:buFont typeface="+mj-lt"/>
-              <a:buAutoNum type="arabicPeriod"/>
+              <a:rPr lang="en-CA" dirty="0">
+                <a:effectLst/>
+                <a:latin typeface="Calibri" panose="020F0502020204030204" pitchFamily="34" charset="0"/>
+                <a:ea typeface="Calibri" panose="020F0502020204030204" pitchFamily="34" charset="0"/>
+                <a:cs typeface="Times New Roman" panose="02020603050405020304" pitchFamily="18" charset="0"/>
+              </a:rPr>
+              <a:t>The principle of least privilege states that all users—whether they are individual contributors, managers, directors, or executives—should be granted only the level of privilege they need to do their jobs, and no more.</a:t>
+            </a:r>
+          </a:p>
+          <a:p>
+            <a:pPr marL="457200">
+              <a:lnSpc>
+                <a:spcPct val="107000"/>
+              </a:lnSpc>
+              <a:spcAft>
+                <a:spcPts val="800"/>
+              </a:spcAft>
             </a:pPr>
             <a:r>
-              <a:rPr lang="en-US" dirty="0"/>
-              <a:t>False Positive: Incorrectly identifies normal activity as an issue</a:t>
-            </a:r>
-          </a:p>
-          <a:p>
-            <a:pPr marL="457200" indent="-457200">
-              <a:buFont typeface="+mj-lt"/>
-              <a:buAutoNum type="arabicPeriod"/>
-            </a:pPr>
-            <a:r>
-              <a:rPr lang="en-US" dirty="0"/>
-              <a:t>False Negative: Incorrectly identifies an issue as normal activity.</a:t>
-            </a:r>
-          </a:p>
-        </p:txBody>
-      </p:sp>
+              <a:rPr lang="en-CA" dirty="0">
+                <a:effectLst/>
+                <a:latin typeface="Calibri" panose="020F0502020204030204" pitchFamily="34" charset="0"/>
+                <a:ea typeface="Calibri" panose="020F0502020204030204" pitchFamily="34" charset="0"/>
+                <a:cs typeface="Times New Roman" panose="02020603050405020304" pitchFamily="18" charset="0"/>
+              </a:rPr>
+              <a:t>The software can benefit from the same idea of least privilege. For instance, applications or processes running on a system should only have access to the resources necessary to complete their tasks. They shouldn't have root access</a:t>
+            </a:r>
+            <a:r>
+              <a:rPr lang="en-CA" sz="1800" dirty="0">
+                <a:effectLst/>
+                <a:latin typeface="Calibri" panose="020F0502020204030204" pitchFamily="34" charset="0"/>
+                <a:ea typeface="Calibri" panose="020F0502020204030204" pitchFamily="34" charset="0"/>
+                <a:cs typeface="Times New Roman" panose="02020603050405020304" pitchFamily="18" charset="0"/>
+              </a:rPr>
+              <a:t>.</a:t>
+            </a:r>
+            <a:endParaRPr lang="en-CA" sz="1400" dirty="0">
+              <a:effectLst/>
+              <a:latin typeface="Calibri" panose="020F0502020204030204" pitchFamily="34" charset="0"/>
+              <a:ea typeface="Calibri" panose="020F0502020204030204" pitchFamily="34" charset="0"/>
+              <a:cs typeface="Times New Roman" panose="02020603050405020304" pitchFamily="18" charset="0"/>
+            </a:endParaRPr>
+          </a:p>
+        </p:txBody>
+      </p:sp>
+      <p:pic>
+        <p:nvPicPr>
+          <p:cNvPr id="5" name="Picture 4">
+            <a:extLst>
+              <a:ext uri="{FF2B5EF4-FFF2-40B4-BE49-F238E27FC236}">
+                <a16:creationId xmlns:a16="http://schemas.microsoft.com/office/drawing/2014/main" id="{4FDDCEBB-5D49-9C67-ECB3-6055BE987A70}"/>
+              </a:ext>
+            </a:extLst>
+          </p:cNvPr>
+          <p:cNvPicPr>
+            <a:picLocks noChangeAspect="1"/>
+          </p:cNvPicPr>
+          <p:nvPr/>
+        </p:nvPicPr>
+        <p:blipFill>
+          <a:blip r:embed="rId2">
+            <a:extLst>
+              <a:ext uri="{28A0092B-C50C-407E-A947-70E740481C1C}">
+                <a14:useLocalDpi xmlns:a14="http://schemas.microsoft.com/office/drawing/2010/main" val="0"/>
+              </a:ext>
+            </a:extLst>
+          </a:blip>
+          <a:stretch>
+            <a:fillRect/>
+          </a:stretch>
+        </p:blipFill>
+        <p:spPr>
+          <a:xfrm>
+            <a:off x="-82296" y="0"/>
+            <a:ext cx="12274296" cy="4511551"/>
+          </a:xfrm>
+          <a:prstGeom prst="rect">
+            <a:avLst/>
+          </a:prstGeom>
+        </p:spPr>
+      </p:pic>
     </p:spTree>
     <p:extLst>
       <p:ext uri="{BB962C8B-B14F-4D97-AF65-F5344CB8AC3E}">
-        <p14:creationId xmlns:p14="http://schemas.microsoft.com/office/powerpoint/2010/main" val="2688818695"/>
+        <p14:creationId xmlns:p14="http://schemas.microsoft.com/office/powerpoint/2010/main" val="3663394072"/>
       </p:ext>
     </p:extLst>
   </p:cSld>
@@ -4840,465 +5466,6 @@
 </file>
 
 <file path=ppt/slides/slide16.xml><?xml version="1.0" encoding="utf-8"?>
-<p:sld xmlns:a="http://schemas.openxmlformats.org/drawingml/2006/main" xmlns:r="http://schemas.openxmlformats.org/officeDocument/2006/relationships" xmlns:p="http://schemas.openxmlformats.org/presentationml/2006/main">
-  <p:cSld>
-    <p:spTree>
-      <p:nvGrpSpPr>
-        <p:cNvPr id="1" name=""/>
-        <p:cNvGrpSpPr/>
-        <p:nvPr/>
-      </p:nvGrpSpPr>
-      <p:grpSpPr>
-        <a:xfrm>
-          <a:off x="0" y="0"/>
-          <a:ext cx="0" cy="0"/>
-          <a:chOff x="0" y="0"/>
-          <a:chExt cx="0" cy="0"/>
-        </a:xfrm>
-      </p:grpSpPr>
-      <p:sp>
-        <p:nvSpPr>
-          <p:cNvPr id="2" name="Title 1">
-            <a:extLst>
-              <a:ext uri="{FF2B5EF4-FFF2-40B4-BE49-F238E27FC236}">
-                <a16:creationId xmlns:a16="http://schemas.microsoft.com/office/drawing/2014/main" id="{F646DBC6-A618-85D6-A6DE-A4F22A157E52}"/>
-              </a:ext>
-            </a:extLst>
-          </p:cNvPr>
-          <p:cNvSpPr>
-            <a:spLocks noGrp="1"/>
-          </p:cNvSpPr>
-          <p:nvPr>
-            <p:ph type="title"/>
-          </p:nvPr>
-        </p:nvSpPr>
-        <p:spPr/>
-        <p:txBody>
-          <a:bodyPr/>
-          <a:lstStyle/>
-          <a:p>
-            <a:r>
-              <a:rPr lang="en-US" dirty="0"/>
-              <a:t>Network-Based IDS/IPS uses these detection methodologies</a:t>
-            </a:r>
-          </a:p>
-        </p:txBody>
-      </p:sp>
-      <p:sp>
-        <p:nvSpPr>
-          <p:cNvPr id="3" name="Content Placeholder 2">
-            <a:extLst>
-              <a:ext uri="{FF2B5EF4-FFF2-40B4-BE49-F238E27FC236}">
-                <a16:creationId xmlns:a16="http://schemas.microsoft.com/office/drawing/2014/main" id="{B156CA4E-E1F2-C33F-7F5B-DF71D9E85F7F}"/>
-              </a:ext>
-            </a:extLst>
-          </p:cNvPr>
-          <p:cNvSpPr>
-            <a:spLocks noGrp="1"/>
-          </p:cNvSpPr>
-          <p:nvPr>
-            <p:ph idx="1"/>
-          </p:nvPr>
-        </p:nvSpPr>
-        <p:spPr/>
-        <p:txBody>
-          <a:bodyPr/>
-          <a:lstStyle/>
-          <a:p>
-            <a:pPr>
-              <a:buFont typeface="Arial" panose="020B0604020202020204" pitchFamily="34" charset="0"/>
-              <a:buChar char="•"/>
-            </a:pPr>
-            <a:r>
-              <a:rPr lang="en-US" dirty="0"/>
-              <a:t>Pattern matching and stateful pattern matching recognition</a:t>
-            </a:r>
-          </a:p>
-          <a:p>
-            <a:pPr>
-              <a:buFont typeface="Arial" panose="020B0604020202020204" pitchFamily="34" charset="0"/>
-              <a:buChar char="•"/>
-            </a:pPr>
-            <a:r>
-              <a:rPr lang="en-US" dirty="0"/>
-              <a:t>Protocol analysis</a:t>
-            </a:r>
-          </a:p>
-          <a:p>
-            <a:pPr>
-              <a:buFont typeface="Arial" panose="020B0604020202020204" pitchFamily="34" charset="0"/>
-              <a:buChar char="•"/>
-            </a:pPr>
-            <a:r>
-              <a:rPr lang="en-US" dirty="0"/>
-              <a:t>Heuristic-based analysis</a:t>
-            </a:r>
-          </a:p>
-          <a:p>
-            <a:pPr>
-              <a:buFont typeface="Arial" panose="020B0604020202020204" pitchFamily="34" charset="0"/>
-              <a:buChar char="•"/>
-            </a:pPr>
-            <a:r>
-              <a:rPr lang="en-US" dirty="0"/>
-              <a:t>Anomaly-based analysis</a:t>
-            </a:r>
-          </a:p>
-          <a:p>
-            <a:pPr>
-              <a:buFont typeface="Arial" panose="020B0604020202020204" pitchFamily="34" charset="0"/>
-              <a:buChar char="•"/>
-            </a:pPr>
-            <a:r>
-              <a:rPr lang="en-US" dirty="0"/>
-              <a:t>Correlation protection capabilities based on threat intelligence</a:t>
-            </a:r>
-          </a:p>
-        </p:txBody>
-      </p:sp>
-    </p:spTree>
-    <p:extLst>
-      <p:ext uri="{BB962C8B-B14F-4D97-AF65-F5344CB8AC3E}">
-        <p14:creationId xmlns:p14="http://schemas.microsoft.com/office/powerpoint/2010/main" val="2453560799"/>
-      </p:ext>
-    </p:extLst>
-  </p:cSld>
-  <p:clrMapOvr>
-    <a:masterClrMapping/>
-  </p:clrMapOvr>
-</p:sld>
-</file>
-
-<file path=ppt/slides/slide17.xml><?xml version="1.0" encoding="utf-8"?>
-<p:sld xmlns:a="http://schemas.openxmlformats.org/drawingml/2006/main" xmlns:r="http://schemas.openxmlformats.org/officeDocument/2006/relationships" xmlns:p="http://schemas.openxmlformats.org/presentationml/2006/main">
-  <p:cSld>
-    <p:spTree>
-      <p:nvGrpSpPr>
-        <p:cNvPr id="1" name=""/>
-        <p:cNvGrpSpPr/>
-        <p:nvPr/>
-      </p:nvGrpSpPr>
-      <p:grpSpPr>
-        <a:xfrm>
-          <a:off x="0" y="0"/>
-          <a:ext cx="0" cy="0"/>
-          <a:chOff x="0" y="0"/>
-          <a:chExt cx="0" cy="0"/>
-        </a:xfrm>
-      </p:grpSpPr>
-      <p:sp>
-        <p:nvSpPr>
-          <p:cNvPr id="2" name="Title 1">
-            <a:extLst>
-              <a:ext uri="{FF2B5EF4-FFF2-40B4-BE49-F238E27FC236}">
-                <a16:creationId xmlns:a16="http://schemas.microsoft.com/office/drawing/2014/main" id="{A9B31E41-F918-DCD4-4005-65535EB02034}"/>
-              </a:ext>
-            </a:extLst>
-          </p:cNvPr>
-          <p:cNvSpPr>
-            <a:spLocks noGrp="1"/>
-          </p:cNvSpPr>
-          <p:nvPr>
-            <p:ph type="title"/>
-          </p:nvPr>
-        </p:nvSpPr>
-        <p:spPr/>
-        <p:txBody>
-          <a:bodyPr/>
-          <a:lstStyle/>
-          <a:p>
-            <a:r>
-              <a:rPr lang="en-US" dirty="0"/>
-              <a:t>Content filtering &amp; whitelisting/Backlisting</a:t>
-            </a:r>
-          </a:p>
-        </p:txBody>
-      </p:sp>
-      <p:sp>
-        <p:nvSpPr>
-          <p:cNvPr id="3" name="Content Placeholder 2">
-            <a:extLst>
-              <a:ext uri="{FF2B5EF4-FFF2-40B4-BE49-F238E27FC236}">
-                <a16:creationId xmlns:a16="http://schemas.microsoft.com/office/drawing/2014/main" id="{ACEDED1F-A35C-1160-5F4E-D4EBA5B5870F}"/>
-              </a:ext>
-            </a:extLst>
-          </p:cNvPr>
-          <p:cNvSpPr>
-            <a:spLocks noGrp="1"/>
-          </p:cNvSpPr>
-          <p:nvPr>
-            <p:ph idx="1"/>
-          </p:nvPr>
-        </p:nvSpPr>
-        <p:spPr/>
-        <p:txBody>
-          <a:bodyPr>
-            <a:normAutofit fontScale="92500" lnSpcReduction="20000"/>
-          </a:bodyPr>
-          <a:lstStyle/>
-          <a:p>
-            <a:pPr marL="0" indent="0">
-              <a:buNone/>
-            </a:pPr>
-            <a:r>
-              <a:rPr lang="en-US" dirty="0"/>
-              <a:t>To prevent insider requests that could lead to the propagation of malware, data exfiltration, participation in peer-to-peer (P2P) networks, and viewing of inappropriate or unlawful content, controls must be in place. The insider request could be a reaction to a malicious command or directive or it could originate from authenticated authorized users. As was previously said, outbound traffic can and should be constrained by source and destination addresses, ports, and protocols using border device egress filters. Self-generated, open-source source, or subscription-based IP whitelists and/or blacklists can be used in addition to the filters.</a:t>
-            </a:r>
-          </a:p>
-          <a:p>
-            <a:pPr marL="0" indent="0">
-              <a:buNone/>
-            </a:pPr>
-            <a:r>
-              <a:rPr lang="en-US" dirty="0"/>
-              <a:t>Whitelist: Sites where access is allowed </a:t>
-            </a:r>
-          </a:p>
-          <a:p>
-            <a:pPr marL="0" indent="0">
-              <a:buNone/>
-            </a:pPr>
-            <a:r>
-              <a:rPr lang="en-US" dirty="0"/>
-              <a:t>Blacklist: Where access is denied</a:t>
-            </a:r>
-          </a:p>
-          <a:p>
-            <a:pPr marL="0" indent="0">
-              <a:buNone/>
-            </a:pPr>
-            <a:r>
-              <a:rPr lang="en-US" dirty="0"/>
-              <a:t>It commonly blocks the entire range of IPS specific to geographic locations</a:t>
-            </a:r>
-          </a:p>
-          <a:p>
-            <a:pPr marL="0" indent="0">
-              <a:buNone/>
-            </a:pPr>
-            <a:r>
-              <a:rPr lang="en-US" dirty="0"/>
-              <a:t>Restrict the access by content categories.</a:t>
-            </a:r>
-          </a:p>
-        </p:txBody>
-      </p:sp>
-    </p:spTree>
-    <p:extLst>
-      <p:ext uri="{BB962C8B-B14F-4D97-AF65-F5344CB8AC3E}">
-        <p14:creationId xmlns:p14="http://schemas.microsoft.com/office/powerpoint/2010/main" val="4131373296"/>
-      </p:ext>
-    </p:extLst>
-  </p:cSld>
-  <p:clrMapOvr>
-    <a:masterClrMapping/>
-  </p:clrMapOvr>
-</p:sld>
-</file>
-
-<file path=ppt/slides/slide18.xml><?xml version="1.0" encoding="utf-8"?>
-<p:sld xmlns:a="http://schemas.openxmlformats.org/drawingml/2006/main" xmlns:r="http://schemas.openxmlformats.org/officeDocument/2006/relationships" xmlns:p="http://schemas.openxmlformats.org/presentationml/2006/main">
-  <p:cSld>
-    <p:spTree>
-      <p:nvGrpSpPr>
-        <p:cNvPr id="1" name=""/>
-        <p:cNvGrpSpPr/>
-        <p:nvPr/>
-      </p:nvGrpSpPr>
-      <p:grpSpPr>
-        <a:xfrm>
-          <a:off x="0" y="0"/>
-          <a:ext cx="0" cy="0"/>
-          <a:chOff x="0" y="0"/>
-          <a:chExt cx="0" cy="0"/>
-        </a:xfrm>
-      </p:grpSpPr>
-      <p:sp>
-        <p:nvSpPr>
-          <p:cNvPr id="2" name="Title 1">
-            <a:extLst>
-              <a:ext uri="{FF2B5EF4-FFF2-40B4-BE49-F238E27FC236}">
-                <a16:creationId xmlns:a16="http://schemas.microsoft.com/office/drawing/2014/main" id="{51160772-DA72-FFA8-C69E-34809D0F39A9}"/>
-              </a:ext>
-            </a:extLst>
-          </p:cNvPr>
-          <p:cNvSpPr>
-            <a:spLocks noGrp="1"/>
-          </p:cNvSpPr>
-          <p:nvPr>
-            <p:ph type="title"/>
-          </p:nvPr>
-        </p:nvSpPr>
-        <p:spPr/>
-        <p:txBody>
-          <a:bodyPr/>
-          <a:lstStyle/>
-          <a:p>
-            <a:r>
-              <a:rPr lang="en-US" dirty="0"/>
-              <a:t>Border device administration and management</a:t>
-            </a:r>
-          </a:p>
-        </p:txBody>
-      </p:sp>
-      <p:sp>
-        <p:nvSpPr>
-          <p:cNvPr id="3" name="Content Placeholder 2">
-            <a:extLst>
-              <a:ext uri="{FF2B5EF4-FFF2-40B4-BE49-F238E27FC236}">
-                <a16:creationId xmlns:a16="http://schemas.microsoft.com/office/drawing/2014/main" id="{FE096093-054E-F5C1-36EA-5F32C456F3D4}"/>
-              </a:ext>
-            </a:extLst>
-          </p:cNvPr>
-          <p:cNvSpPr>
-            <a:spLocks noGrp="1"/>
-          </p:cNvSpPr>
-          <p:nvPr>
-            <p:ph idx="1"/>
-          </p:nvPr>
-        </p:nvSpPr>
-        <p:spPr/>
-        <p:txBody>
-          <a:bodyPr/>
-          <a:lstStyle/>
-          <a:p>
-            <a:r>
-              <a:rPr lang="en-US" dirty="0"/>
-              <a:t>Everything has to be monitored- Logs and alerts must be monitored and analyzed (successful and unsuccessful both)</a:t>
-            </a:r>
-          </a:p>
-          <a:p>
-            <a:r>
-              <a:rPr lang="en-US" dirty="0"/>
-              <a:t>Policies need to be updated as per requirements </a:t>
-            </a:r>
-          </a:p>
-          <a:p>
-            <a:r>
-              <a:rPr lang="en-US" dirty="0"/>
-              <a:t>Detail examination of all changes since the last review</a:t>
-            </a:r>
-          </a:p>
-          <a:p>
-            <a:r>
-              <a:rPr lang="en-US" dirty="0"/>
-              <a:t>External pen testing used to verify the device performance</a:t>
-            </a:r>
-          </a:p>
-        </p:txBody>
-      </p:sp>
-    </p:spTree>
-    <p:extLst>
-      <p:ext uri="{BB962C8B-B14F-4D97-AF65-F5344CB8AC3E}">
-        <p14:creationId xmlns:p14="http://schemas.microsoft.com/office/powerpoint/2010/main" val="2079736115"/>
-      </p:ext>
-    </p:extLst>
-  </p:cSld>
-  <p:clrMapOvr>
-    <a:masterClrMapping/>
-  </p:clrMapOvr>
-</p:sld>
-</file>
-
-<file path=ppt/slides/slide19.xml><?xml version="1.0" encoding="utf-8"?>
-<p:sld xmlns:a="http://schemas.openxmlformats.org/drawingml/2006/main" xmlns:r="http://schemas.openxmlformats.org/officeDocument/2006/relationships" xmlns:p="http://schemas.openxmlformats.org/presentationml/2006/main">
-  <p:cSld>
-    <p:spTree>
-      <p:nvGrpSpPr>
-        <p:cNvPr id="1" name=""/>
-        <p:cNvGrpSpPr/>
-        <p:nvPr/>
-      </p:nvGrpSpPr>
-      <p:grpSpPr>
-        <a:xfrm>
-          <a:off x="0" y="0"/>
-          <a:ext cx="0" cy="0"/>
-          <a:chOff x="0" y="0"/>
-          <a:chExt cx="0" cy="0"/>
-        </a:xfrm>
-      </p:grpSpPr>
-      <p:sp>
-        <p:nvSpPr>
-          <p:cNvPr id="2" name="Title 1">
-            <a:extLst>
-              <a:ext uri="{FF2B5EF4-FFF2-40B4-BE49-F238E27FC236}">
-                <a16:creationId xmlns:a16="http://schemas.microsoft.com/office/drawing/2014/main" id="{F18155DF-46EB-4C54-1F1E-924EE45BED40}"/>
-              </a:ext>
-            </a:extLst>
-          </p:cNvPr>
-          <p:cNvSpPr>
-            <a:spLocks noGrp="1"/>
-          </p:cNvSpPr>
-          <p:nvPr>
-            <p:ph type="title"/>
-          </p:nvPr>
-        </p:nvSpPr>
-        <p:spPr/>
-        <p:txBody>
-          <a:bodyPr/>
-          <a:lstStyle/>
-          <a:p>
-            <a:r>
-              <a:rPr lang="en-US" dirty="0"/>
-              <a:t>	</a:t>
-            </a:r>
-          </a:p>
-        </p:txBody>
-      </p:sp>
-      <p:sp>
-        <p:nvSpPr>
-          <p:cNvPr id="3" name="Content Placeholder 2">
-            <a:extLst>
-              <a:ext uri="{FF2B5EF4-FFF2-40B4-BE49-F238E27FC236}">
-                <a16:creationId xmlns:a16="http://schemas.microsoft.com/office/drawing/2014/main" id="{3EBC44D5-3F50-0DD5-51E5-36A81C2C44B8}"/>
-              </a:ext>
-            </a:extLst>
-          </p:cNvPr>
-          <p:cNvSpPr>
-            <a:spLocks noGrp="1"/>
-          </p:cNvSpPr>
-          <p:nvPr>
-            <p:ph idx="1"/>
-          </p:nvPr>
-        </p:nvSpPr>
-        <p:spPr/>
-        <p:txBody>
-          <a:bodyPr/>
-          <a:lstStyle/>
-          <a:p>
-            <a:r>
-              <a:rPr lang="en-US" dirty="0"/>
-              <a:t>Blue teams: Defenders of the corporate network which includes SOC, CSIRTS, Infosec teams</a:t>
-            </a:r>
-          </a:p>
-          <a:p>
-            <a:r>
-              <a:rPr lang="en-US" dirty="0"/>
-              <a:t>Red Teams: Ethical hackers, Pen testers who identify vulnerabilities, attack detection and response capability of the device.</a:t>
-            </a:r>
-          </a:p>
-          <a:p>
-            <a:r>
-              <a:rPr lang="en-US" dirty="0"/>
-              <a:t>Purple Team: When Red and Blue teams aligned forces to completely defend the organization.</a:t>
-            </a:r>
-          </a:p>
-        </p:txBody>
-      </p:sp>
-    </p:spTree>
-    <p:extLst>
-      <p:ext uri="{BB962C8B-B14F-4D97-AF65-F5344CB8AC3E}">
-        <p14:creationId xmlns:p14="http://schemas.microsoft.com/office/powerpoint/2010/main" val="3831653995"/>
-      </p:ext>
-    </p:extLst>
-  </p:cSld>
-  <p:clrMapOvr>
-    <a:masterClrMapping/>
-  </p:clrMapOvr>
-</p:sld>
-</file>
-
-<file path=ppt/slides/slide2.xml><?xml version="1.0" encoding="utf-8"?>
 <p:sld xmlns:a="http://schemas.openxmlformats.org/drawingml/2006/main" xmlns:r="http://schemas.openxmlformats.org/officeDocument/2006/relationships" xmlns:p="http://schemas.openxmlformats.org/presentationml/2006/main">
   <p:cSld>
     <p:bg>
@@ -5591,6 +5758,469 @@
 </p:sld>
 </file>
 
+<file path=ppt/slides/slide17.xml><?xml version="1.0" encoding="utf-8"?>
+<p:sld xmlns:a="http://schemas.openxmlformats.org/drawingml/2006/main" xmlns:r="http://schemas.openxmlformats.org/officeDocument/2006/relationships" xmlns:p="http://schemas.openxmlformats.org/presentationml/2006/main">
+  <p:cSld>
+    <p:spTree>
+      <p:nvGrpSpPr>
+        <p:cNvPr id="1" name=""/>
+        <p:cNvGrpSpPr/>
+        <p:nvPr/>
+      </p:nvGrpSpPr>
+      <p:grpSpPr>
+        <a:xfrm>
+          <a:off x="0" y="0"/>
+          <a:ext cx="0" cy="0"/>
+          <a:chOff x="0" y="0"/>
+          <a:chExt cx="0" cy="0"/>
+        </a:xfrm>
+      </p:grpSpPr>
+      <p:sp>
+        <p:nvSpPr>
+          <p:cNvPr id="2" name="Title 1">
+            <a:extLst>
+              <a:ext uri="{FF2B5EF4-FFF2-40B4-BE49-F238E27FC236}">
+                <a16:creationId xmlns:a16="http://schemas.microsoft.com/office/drawing/2014/main" id="{5B71D3CE-F146-52DF-B803-D62FA41D90FD}"/>
+              </a:ext>
+            </a:extLst>
+          </p:cNvPr>
+          <p:cNvSpPr>
+            <a:spLocks noGrp="1"/>
+          </p:cNvSpPr>
+          <p:nvPr>
+            <p:ph type="title"/>
+          </p:nvPr>
+        </p:nvSpPr>
+        <p:spPr/>
+        <p:txBody>
+          <a:bodyPr/>
+          <a:lstStyle/>
+          <a:p>
+            <a:r>
+              <a:rPr lang="en-US" dirty="0"/>
+              <a:t>Why Segment a network</a:t>
+            </a:r>
+          </a:p>
+        </p:txBody>
+      </p:sp>
+      <p:sp>
+        <p:nvSpPr>
+          <p:cNvPr id="3" name="Content Placeholder 2">
+            <a:extLst>
+              <a:ext uri="{FF2B5EF4-FFF2-40B4-BE49-F238E27FC236}">
+                <a16:creationId xmlns:a16="http://schemas.microsoft.com/office/drawing/2014/main" id="{EFD0E9FA-8796-3524-00B2-2B08D0ACBFF1}"/>
+              </a:ext>
+            </a:extLst>
+          </p:cNvPr>
+          <p:cNvSpPr>
+            <a:spLocks noGrp="1"/>
+          </p:cNvSpPr>
+          <p:nvPr>
+            <p:ph idx="1"/>
+          </p:nvPr>
+        </p:nvSpPr>
+        <p:spPr/>
+        <p:txBody>
+          <a:bodyPr/>
+          <a:lstStyle/>
+          <a:p>
+            <a:r>
+              <a:rPr lang="en-US" dirty="0"/>
+              <a:t>The process of logically classifying network resources, applications, and assets is known as network segmentation. The ability to implement different services, authentication requirements, and security measures is made possible through segmentation.</a:t>
+            </a:r>
+          </a:p>
+          <a:p>
+            <a:endParaRPr lang="en-US" dirty="0"/>
+          </a:p>
+          <a:p>
+            <a:pPr marL="0" indent="0">
+              <a:buNone/>
+            </a:pPr>
+            <a:r>
+              <a:rPr lang="en-US" dirty="0"/>
+              <a:t>Network segments includes the following types –</a:t>
+            </a:r>
+          </a:p>
+          <a:p>
+            <a:pPr marL="0" indent="0">
+              <a:buNone/>
+            </a:pPr>
+            <a:endParaRPr lang="en-US" dirty="0"/>
+          </a:p>
+        </p:txBody>
+      </p:sp>
+    </p:spTree>
+    <p:extLst>
+      <p:ext uri="{BB962C8B-B14F-4D97-AF65-F5344CB8AC3E}">
+        <p14:creationId xmlns:p14="http://schemas.microsoft.com/office/powerpoint/2010/main" val="3229866394"/>
+      </p:ext>
+    </p:extLst>
+  </p:cSld>
+  <p:clrMapOvr>
+    <a:masterClrMapping/>
+  </p:clrMapOvr>
+</p:sld>
+</file>
+
+<file path=ppt/slides/slide18.xml><?xml version="1.0" encoding="utf-8"?>
+<p:sld xmlns:a="http://schemas.openxmlformats.org/drawingml/2006/main" xmlns:r="http://schemas.openxmlformats.org/officeDocument/2006/relationships" xmlns:p="http://schemas.openxmlformats.org/presentationml/2006/main">
+  <p:cSld>
+    <p:spTree>
+      <p:nvGrpSpPr>
+        <p:cNvPr id="1" name=""/>
+        <p:cNvGrpSpPr/>
+        <p:nvPr/>
+      </p:nvGrpSpPr>
+      <p:grpSpPr>
+        <a:xfrm>
+          <a:off x="0" y="0"/>
+          <a:ext cx="0" cy="0"/>
+          <a:chOff x="0" y="0"/>
+          <a:chExt cx="0" cy="0"/>
+        </a:xfrm>
+      </p:grpSpPr>
+      <p:sp>
+        <p:nvSpPr>
+          <p:cNvPr id="2" name="Title 1">
+            <a:extLst>
+              <a:ext uri="{FF2B5EF4-FFF2-40B4-BE49-F238E27FC236}">
+                <a16:creationId xmlns:a16="http://schemas.microsoft.com/office/drawing/2014/main" id="{BB970C09-FF7B-B09B-4AD9-05DFDCDD8380}"/>
+              </a:ext>
+            </a:extLst>
+          </p:cNvPr>
+          <p:cNvSpPr>
+            <a:spLocks noGrp="1"/>
+          </p:cNvSpPr>
+          <p:nvPr>
+            <p:ph type="title"/>
+          </p:nvPr>
+        </p:nvSpPr>
+        <p:spPr/>
+        <p:txBody>
+          <a:bodyPr/>
+          <a:lstStyle/>
+          <a:p>
+            <a:r>
+              <a:rPr lang="en-US" dirty="0"/>
+              <a:t>Enclave Network</a:t>
+            </a:r>
+          </a:p>
+        </p:txBody>
+      </p:sp>
+      <p:sp>
+        <p:nvSpPr>
+          <p:cNvPr id="3" name="Content Placeholder 2">
+            <a:extLst>
+              <a:ext uri="{FF2B5EF4-FFF2-40B4-BE49-F238E27FC236}">
+                <a16:creationId xmlns:a16="http://schemas.microsoft.com/office/drawing/2014/main" id="{43D26C85-20E8-09EE-742A-7FE41D3AFCEE}"/>
+              </a:ext>
+            </a:extLst>
+          </p:cNvPr>
+          <p:cNvSpPr>
+            <a:spLocks noGrp="1"/>
+          </p:cNvSpPr>
+          <p:nvPr>
+            <p:ph idx="1"/>
+          </p:nvPr>
+        </p:nvSpPr>
+        <p:spPr/>
+        <p:txBody>
+          <a:bodyPr/>
+          <a:lstStyle/>
+          <a:p>
+            <a:r>
+              <a:rPr lang="en-US" dirty="0"/>
+              <a:t>It is a segment of an internal network which requires higher degree of protection. Internal accessibility is restricted through firewalls, VPNs, VLANs and network control devices.</a:t>
+            </a:r>
+          </a:p>
+          <a:p>
+            <a:r>
+              <a:rPr lang="en-US" dirty="0"/>
+              <a:t> </a:t>
+            </a:r>
+          </a:p>
+        </p:txBody>
+      </p:sp>
+    </p:spTree>
+    <p:extLst>
+      <p:ext uri="{BB962C8B-B14F-4D97-AF65-F5344CB8AC3E}">
+        <p14:creationId xmlns:p14="http://schemas.microsoft.com/office/powerpoint/2010/main" val="3257163880"/>
+      </p:ext>
+    </p:extLst>
+  </p:cSld>
+  <p:clrMapOvr>
+    <a:masterClrMapping/>
+  </p:clrMapOvr>
+</p:sld>
+</file>
+
+<file path=ppt/slides/slide19.xml><?xml version="1.0" encoding="utf-8"?>
+<p:sld xmlns:a="http://schemas.openxmlformats.org/drawingml/2006/main" xmlns:r="http://schemas.openxmlformats.org/officeDocument/2006/relationships" xmlns:p="http://schemas.openxmlformats.org/presentationml/2006/main">
+  <p:cSld>
+    <p:spTree>
+      <p:nvGrpSpPr>
+        <p:cNvPr id="1" name=""/>
+        <p:cNvGrpSpPr/>
+        <p:nvPr/>
+      </p:nvGrpSpPr>
+      <p:grpSpPr>
+        <a:xfrm>
+          <a:off x="0" y="0"/>
+          <a:ext cx="0" cy="0"/>
+          <a:chOff x="0" y="0"/>
+          <a:chExt cx="0" cy="0"/>
+        </a:xfrm>
+      </p:grpSpPr>
+      <p:sp>
+        <p:nvSpPr>
+          <p:cNvPr id="2" name="Title 1">
+            <a:extLst>
+              <a:ext uri="{FF2B5EF4-FFF2-40B4-BE49-F238E27FC236}">
+                <a16:creationId xmlns:a16="http://schemas.microsoft.com/office/drawing/2014/main" id="{71C1A799-2565-C283-F455-67628F70ABE6}"/>
+              </a:ext>
+            </a:extLst>
+          </p:cNvPr>
+          <p:cNvSpPr>
+            <a:spLocks noGrp="1"/>
+          </p:cNvSpPr>
+          <p:nvPr>
+            <p:ph type="title"/>
+          </p:nvPr>
+        </p:nvSpPr>
+        <p:spPr/>
+        <p:txBody>
+          <a:bodyPr/>
+          <a:lstStyle/>
+          <a:p>
+            <a:r>
+              <a:rPr lang="en-US" dirty="0"/>
+              <a:t>Trusted Network (Wired / Wireless)</a:t>
+            </a:r>
+          </a:p>
+        </p:txBody>
+      </p:sp>
+      <p:sp>
+        <p:nvSpPr>
+          <p:cNvPr id="3" name="Content Placeholder 2">
+            <a:extLst>
+              <a:ext uri="{FF2B5EF4-FFF2-40B4-BE49-F238E27FC236}">
+                <a16:creationId xmlns:a16="http://schemas.microsoft.com/office/drawing/2014/main" id="{AAD978A1-BF14-03C8-5952-CFF36EFE8312}"/>
+              </a:ext>
+            </a:extLst>
+          </p:cNvPr>
+          <p:cNvSpPr>
+            <a:spLocks noGrp="1"/>
+          </p:cNvSpPr>
+          <p:nvPr>
+            <p:ph idx="1"/>
+          </p:nvPr>
+        </p:nvSpPr>
+        <p:spPr/>
+        <p:txBody>
+          <a:bodyPr/>
+          <a:lstStyle/>
+          <a:p>
+            <a:r>
+              <a:rPr lang="en-US" dirty="0"/>
+              <a:t>Internal network is accessible to authorized user only. External accessibility is restricted to the use of firewalls, VPNs, IDS, IPS. Internal accessibility may be restricted to VLANs and NAC devices.</a:t>
+            </a:r>
+          </a:p>
+        </p:txBody>
+      </p:sp>
+    </p:spTree>
+    <p:extLst>
+      <p:ext uri="{BB962C8B-B14F-4D97-AF65-F5344CB8AC3E}">
+        <p14:creationId xmlns:p14="http://schemas.microsoft.com/office/powerpoint/2010/main" val="1832873125"/>
+      </p:ext>
+    </p:extLst>
+  </p:cSld>
+  <p:clrMapOvr>
+    <a:masterClrMapping/>
+  </p:clrMapOvr>
+</p:sld>
+</file>
+
+<file path=ppt/slides/slide2.xml><?xml version="1.0" encoding="utf-8"?>
+<p:sld xmlns:a="http://schemas.openxmlformats.org/drawingml/2006/main" xmlns:r="http://schemas.openxmlformats.org/officeDocument/2006/relationships" xmlns:p="http://schemas.openxmlformats.org/presentationml/2006/main">
+  <p:cSld>
+    <p:spTree>
+      <p:nvGrpSpPr>
+        <p:cNvPr id="1" name=""/>
+        <p:cNvGrpSpPr/>
+        <p:nvPr/>
+      </p:nvGrpSpPr>
+      <p:grpSpPr>
+        <a:xfrm>
+          <a:off x="0" y="0"/>
+          <a:ext cx="0" cy="0"/>
+          <a:chOff x="0" y="0"/>
+          <a:chExt cx="0" cy="0"/>
+        </a:xfrm>
+      </p:grpSpPr>
+      <p:sp>
+        <p:nvSpPr>
+          <p:cNvPr id="3" name="TextBox 2">
+            <a:extLst>
+              <a:ext uri="{FF2B5EF4-FFF2-40B4-BE49-F238E27FC236}">
+                <a16:creationId xmlns:a16="http://schemas.microsoft.com/office/drawing/2014/main" id="{E15D3EB5-5520-151E-EE2D-43CA9BF0EDD7}"/>
+              </a:ext>
+            </a:extLst>
+          </p:cNvPr>
+          <p:cNvSpPr txBox="1"/>
+          <p:nvPr/>
+        </p:nvSpPr>
+        <p:spPr>
+          <a:xfrm>
+            <a:off x="0" y="288162"/>
+            <a:ext cx="3612312" cy="3902800"/>
+          </a:xfrm>
+          <a:prstGeom prst="rect">
+            <a:avLst/>
+          </a:prstGeom>
+          <a:noFill/>
+        </p:spPr>
+        <p:txBody>
+          <a:bodyPr wrap="square">
+            <a:spAutoFit/>
+          </a:bodyPr>
+          <a:lstStyle/>
+          <a:p>
+            <a:pPr>
+              <a:lnSpc>
+                <a:spcPct val="107000"/>
+              </a:lnSpc>
+              <a:spcAft>
+                <a:spcPts val="800"/>
+              </a:spcAft>
+            </a:pPr>
+            <a:r>
+              <a:rPr lang="en-CA" sz="2800" b="1" dirty="0">
+                <a:effectLst/>
+                <a:latin typeface="Calibri" panose="020F0502020204030204" pitchFamily="34" charset="0"/>
+                <a:ea typeface="Calibri" panose="020F0502020204030204" pitchFamily="34" charset="0"/>
+                <a:cs typeface="Times New Roman" panose="02020603050405020304" pitchFamily="18" charset="0"/>
+              </a:rPr>
+              <a:t>what is access control?</a:t>
+            </a:r>
+            <a:endParaRPr lang="en-CA" sz="1200" dirty="0">
+              <a:effectLst/>
+              <a:latin typeface="Calibri" panose="020F0502020204030204" pitchFamily="34" charset="0"/>
+              <a:ea typeface="Calibri" panose="020F0502020204030204" pitchFamily="34" charset="0"/>
+              <a:cs typeface="Times New Roman" panose="02020603050405020304" pitchFamily="18" charset="0"/>
+            </a:endParaRPr>
+          </a:p>
+          <a:p>
+            <a:pPr>
+              <a:lnSpc>
+                <a:spcPct val="107000"/>
+              </a:lnSpc>
+              <a:spcAft>
+                <a:spcPts val="800"/>
+              </a:spcAft>
+            </a:pPr>
+            <a:r>
+              <a:rPr lang="en-CA" sz="1800" dirty="0">
+                <a:effectLst/>
+                <a:latin typeface="Calibri" panose="020F0502020204030204" pitchFamily="34" charset="0"/>
+                <a:ea typeface="Calibri" panose="020F0502020204030204" pitchFamily="34" charset="0"/>
+                <a:cs typeface="Times New Roman" panose="02020603050405020304" pitchFamily="18" charset="0"/>
+              </a:rPr>
+              <a:t>Access control systems deliver basic security features that regulate user permissions. They make use of technologies such as passwords, biometrics, and security certificates, among others. This is considered one of the most important processes in your organization that help minimize the risks of</a:t>
+            </a:r>
+            <a:r>
+              <a:rPr lang="en-CA" dirty="0">
+                <a:latin typeface="Calibri" panose="020F0502020204030204" pitchFamily="34" charset="0"/>
+                <a:ea typeface="Calibri" panose="020F0502020204030204" pitchFamily="34" charset="0"/>
+                <a:cs typeface="Times New Roman" panose="02020603050405020304" pitchFamily="18" charset="0"/>
+              </a:rPr>
+              <a:t> identity</a:t>
+            </a:r>
+            <a:r>
+              <a:rPr lang="en-CA" dirty="0">
+                <a:solidFill>
+                  <a:srgbClr val="D26012"/>
+                </a:solidFill>
+                <a:latin typeface="Calibri" panose="020F0502020204030204" pitchFamily="34" charset="0"/>
+                <a:ea typeface="Calibri" panose="020F0502020204030204" pitchFamily="34" charset="0"/>
+                <a:cs typeface="Times New Roman" panose="02020603050405020304" pitchFamily="18" charset="0"/>
+              </a:rPr>
+              <a:t> </a:t>
+            </a:r>
+            <a:r>
+              <a:rPr lang="en-CA" dirty="0">
+                <a:latin typeface="Calibri" panose="020F0502020204030204" pitchFamily="34" charset="0"/>
+                <a:ea typeface="Calibri" panose="020F0502020204030204" pitchFamily="34" charset="0"/>
+                <a:cs typeface="Times New Roman" panose="02020603050405020304" pitchFamily="18" charset="0"/>
+              </a:rPr>
+              <a:t>theft and fraud</a:t>
+            </a:r>
+            <a:r>
+              <a:rPr lang="en-CA" sz="1800" dirty="0">
+                <a:effectLst/>
+                <a:latin typeface="Calibri" panose="020F0502020204030204" pitchFamily="34" charset="0"/>
+                <a:ea typeface="Calibri" panose="020F0502020204030204" pitchFamily="34" charset="0"/>
+                <a:cs typeface="Times New Roman" panose="02020603050405020304" pitchFamily="18" charset="0"/>
+              </a:rPr>
+              <a:t>, credential theft, and ransomware attacks.</a:t>
+            </a:r>
+            <a:endParaRPr lang="en-CA" sz="1200" dirty="0">
+              <a:effectLst/>
+              <a:latin typeface="Calibri" panose="020F0502020204030204" pitchFamily="34" charset="0"/>
+              <a:ea typeface="Calibri" panose="020F0502020204030204" pitchFamily="34" charset="0"/>
+              <a:cs typeface="Times New Roman" panose="02020603050405020304" pitchFamily="18" charset="0"/>
+            </a:endParaRPr>
+          </a:p>
+        </p:txBody>
+      </p:sp>
+      <p:pic>
+        <p:nvPicPr>
+          <p:cNvPr id="4" name="Picture 3" descr="A picture containing text, person&#10;&#10;Description automatically generated">
+            <a:extLst>
+              <a:ext uri="{FF2B5EF4-FFF2-40B4-BE49-F238E27FC236}">
+                <a16:creationId xmlns:a16="http://schemas.microsoft.com/office/drawing/2014/main" id="{53538A4F-CD79-67A2-2FC8-813FB8AA34CE}"/>
+              </a:ext>
+            </a:extLst>
+          </p:cNvPr>
+          <p:cNvPicPr>
+            <a:picLocks noChangeAspect="1"/>
+          </p:cNvPicPr>
+          <p:nvPr/>
+        </p:nvPicPr>
+        <p:blipFill>
+          <a:blip r:embed="rId2">
+            <a:extLst>
+              <a:ext uri="{28A0092B-C50C-407E-A947-70E740481C1C}">
+                <a14:useLocalDpi xmlns:a14="http://schemas.microsoft.com/office/drawing/2010/main" val="0"/>
+              </a:ext>
+            </a:extLst>
+          </a:blip>
+          <a:stretch>
+            <a:fillRect/>
+          </a:stretch>
+        </p:blipFill>
+        <p:spPr>
+          <a:xfrm>
+            <a:off x="4451230" y="-94891"/>
+            <a:ext cx="7740770" cy="7673465"/>
+          </a:xfrm>
+          <a:prstGeom prst="rect">
+            <a:avLst/>
+          </a:prstGeom>
+        </p:spPr>
+      </p:pic>
+    </p:spTree>
+    <p:extLst>
+      <p:ext uri="{BB962C8B-B14F-4D97-AF65-F5344CB8AC3E}">
+        <p14:creationId xmlns:p14="http://schemas.microsoft.com/office/powerpoint/2010/main" val="109722348"/>
+      </p:ext>
+    </p:extLst>
+  </p:cSld>
+  <p:clrMapOvr>
+    <a:masterClrMapping/>
+  </p:clrMapOvr>
+</p:sld>
+</file>
+
 <file path=ppt/slides/slide20.xml><?xml version="1.0" encoding="utf-8"?>
 <p:sld xmlns:a="http://schemas.openxmlformats.org/drawingml/2006/main" xmlns:r="http://schemas.openxmlformats.org/officeDocument/2006/relationships" xmlns:p="http://schemas.openxmlformats.org/presentationml/2006/main">
   <p:cSld>
@@ -5613,7 +6243,7 @@
           <p:cNvPr id="2" name="Title 1">
             <a:extLst>
               <a:ext uri="{FF2B5EF4-FFF2-40B4-BE49-F238E27FC236}">
-                <a16:creationId xmlns:a16="http://schemas.microsoft.com/office/drawing/2014/main" id="{A2223E51-B824-7790-91D2-F4E35D898D1E}"/>
+                <a16:creationId xmlns:a16="http://schemas.microsoft.com/office/drawing/2014/main" id="{5D72A087-EAAD-5DED-9F1E-9A285CACF9E2}"/>
               </a:ext>
             </a:extLst>
           </p:cNvPr>
@@ -5631,7 +6261,7 @@
           <a:p>
             <a:r>
               <a:rPr lang="en-US" dirty="0"/>
-              <a:t>Remote access security</a:t>
+              <a:t>Semi Trusted Network</a:t>
             </a:r>
           </a:p>
         </p:txBody>
@@ -5641,7 +6271,7 @@
           <p:cNvPr id="3" name="Content Placeholder 2">
             <a:extLst>
               <a:ext uri="{FF2B5EF4-FFF2-40B4-BE49-F238E27FC236}">
-                <a16:creationId xmlns:a16="http://schemas.microsoft.com/office/drawing/2014/main" id="{2AC473FA-6F9F-106A-611D-23814E22C957}"/>
+                <a16:creationId xmlns:a16="http://schemas.microsoft.com/office/drawing/2014/main" id="{D05042AB-0CFC-2E9E-08E2-D5BD635CEA1D}"/>
               </a:ext>
             </a:extLst>
           </p:cNvPr>
@@ -5659,45 +6289,15 @@
           <a:p>
             <a:r>
               <a:rPr lang="en-US" dirty="0"/>
-              <a:t>It is getting common increasingly that it has become normal now</a:t>
-            </a:r>
-          </a:p>
-          <a:p>
-            <a:r>
-              <a:rPr lang="en-US" dirty="0"/>
-              <a:t>It has controls like authentication that must be chosen carefully based on network-segmented information and classification that is accessible.</a:t>
-            </a:r>
-          </a:p>
-          <a:p>
-            <a:pPr marL="0" indent="0">
-              <a:buNone/>
-            </a:pPr>
-            <a:r>
-              <a:rPr lang="en-US" dirty="0"/>
-              <a:t>It follows CIA triads</a:t>
-            </a:r>
-          </a:p>
-          <a:p>
-            <a:r>
-              <a:rPr lang="en-US" dirty="0"/>
-              <a:t>Restricted information can’t be accessible to unauthorized parties, detecting good and bad modifications and ensuring the user can access required resources</a:t>
-            </a:r>
-          </a:p>
-          <a:p>
-            <a:r>
-              <a:rPr lang="en-US" dirty="0"/>
-              <a:t>It must include physical control of client devices.</a:t>
-            </a:r>
-          </a:p>
-          <a:p>
-            <a:endParaRPr lang="en-US" dirty="0"/>
+              <a:t>It is designed to be internet accessible. Hosts are generally located in DMZ. Internal and external accessibility is restricted through the use of firewalls, VPNs, IDS, and IPS.</a:t>
+            </a:r>
           </a:p>
         </p:txBody>
       </p:sp>
     </p:spTree>
     <p:extLst>
       <p:ext uri="{BB962C8B-B14F-4D97-AF65-F5344CB8AC3E}">
-        <p14:creationId xmlns:p14="http://schemas.microsoft.com/office/powerpoint/2010/main" val="3778690245"/>
+        <p14:creationId xmlns:p14="http://schemas.microsoft.com/office/powerpoint/2010/main" val="896153566"/>
       </p:ext>
     </p:extLst>
   </p:cSld>
@@ -5729,7 +6329,7 @@
           <p:cNvPr id="2" name="Title 1">
             <a:extLst>
               <a:ext uri="{FF2B5EF4-FFF2-40B4-BE49-F238E27FC236}">
-                <a16:creationId xmlns:a16="http://schemas.microsoft.com/office/drawing/2014/main" id="{7F15F437-059F-15BB-8DEE-4317F58D0763}"/>
+                <a16:creationId xmlns:a16="http://schemas.microsoft.com/office/drawing/2014/main" id="{C20FDD76-6D5E-7D28-7EF0-CD60FB9D4E63}"/>
               </a:ext>
             </a:extLst>
           </p:cNvPr>
@@ -5747,7 +6347,7 @@
           <a:p>
             <a:r>
               <a:rPr lang="en-US" dirty="0"/>
-              <a:t>Remote access technologies</a:t>
+              <a:t>Guest Network</a:t>
             </a:r>
           </a:p>
         </p:txBody>
@@ -5757,7 +6357,7 @@
           <p:cNvPr id="3" name="Content Placeholder 2">
             <a:extLst>
               <a:ext uri="{FF2B5EF4-FFF2-40B4-BE49-F238E27FC236}">
-                <a16:creationId xmlns:a16="http://schemas.microsoft.com/office/drawing/2014/main" id="{BA70DCD4-E5AE-1BDE-691F-E11A5E89A49E}"/>
+                <a16:creationId xmlns:a16="http://schemas.microsoft.com/office/drawing/2014/main" id="{20D0E2E7-C8C5-BF36-C11F-56602DBF2FE0}"/>
               </a:ext>
             </a:extLst>
           </p:cNvPr>
@@ -5775,13 +6375,7 @@
           <a:p>
             <a:r>
               <a:rPr lang="en-US" dirty="0"/>
-              <a:t>VPN: Secure tunnel for transmitting data through the internet.</a:t>
-            </a:r>
-          </a:p>
-          <a:p>
-            <a:r>
-              <a:rPr lang="en-US" dirty="0"/>
-              <a:t>Achieved through tunnelling and encryption. To provide high security without the high cost of private lines. It is connected between physical or remote sites.</a:t>
+              <a:t>It is specifically designed for the use of visitors to connect to the internet. There is no access from guest network to trusted network.</a:t>
             </a:r>
           </a:p>
         </p:txBody>
@@ -5789,7 +6383,7 @@
     </p:spTree>
     <p:extLst>
       <p:ext uri="{BB962C8B-B14F-4D97-AF65-F5344CB8AC3E}">
-        <p14:creationId xmlns:p14="http://schemas.microsoft.com/office/powerpoint/2010/main" val="2092552656"/>
+        <p14:creationId xmlns:p14="http://schemas.microsoft.com/office/powerpoint/2010/main" val="1917718120"/>
       </p:ext>
     </p:extLst>
   </p:cSld>
@@ -5821,7 +6415,7 @@
           <p:cNvPr id="2" name="Title 1">
             <a:extLst>
               <a:ext uri="{FF2B5EF4-FFF2-40B4-BE49-F238E27FC236}">
-                <a16:creationId xmlns:a16="http://schemas.microsoft.com/office/drawing/2014/main" id="{DCCC8674-22AB-9BBB-1DD6-845BA2DAB276}"/>
+                <a16:creationId xmlns:a16="http://schemas.microsoft.com/office/drawing/2014/main" id="{F9E30B7C-B942-2211-BEBA-CB296AD643C8}"/>
               </a:ext>
             </a:extLst>
           </p:cNvPr>
@@ -5837,7 +6431,10 @@
           <a:bodyPr/>
           <a:lstStyle/>
           <a:p>
-            <a:endParaRPr lang="en-US" dirty="0"/>
+            <a:r>
+              <a:rPr lang="en-US" dirty="0"/>
+              <a:t>Untrusted Network</a:t>
+            </a:r>
           </a:p>
         </p:txBody>
       </p:sp>
@@ -5846,7 +6443,7 @@
           <p:cNvPr id="3" name="Content Placeholder 2">
             <a:extLst>
               <a:ext uri="{FF2B5EF4-FFF2-40B4-BE49-F238E27FC236}">
-                <a16:creationId xmlns:a16="http://schemas.microsoft.com/office/drawing/2014/main" id="{5F503FF7-E993-BAEE-8264-850A29B00296}"/>
+                <a16:creationId xmlns:a16="http://schemas.microsoft.com/office/drawing/2014/main" id="{25CA6469-D697-F84B-52E7-C36F2846AA81}"/>
               </a:ext>
             </a:extLst>
           </p:cNvPr>
@@ -5864,7 +6461,7 @@
           <a:p>
             <a:r>
               <a:rPr lang="en-US" dirty="0"/>
-              <a:t>Single centralized interface which sends data to clients’ device, it is stored temporarily  which limits access</a:t>
+              <a:t>A  network outside of security control.</a:t>
             </a:r>
           </a:p>
         </p:txBody>
@@ -5872,7 +6469,7 @@
     </p:spTree>
     <p:extLst>
       <p:ext uri="{BB962C8B-B14F-4D97-AF65-F5344CB8AC3E}">
-        <p14:creationId xmlns:p14="http://schemas.microsoft.com/office/powerpoint/2010/main" val="3471563017"/>
+        <p14:creationId xmlns:p14="http://schemas.microsoft.com/office/powerpoint/2010/main" val="3759214303"/>
       </p:ext>
     </p:extLst>
   </p:cSld>
@@ -5904,7 +6501,7 @@
           <p:cNvPr id="2" name="Title 1">
             <a:extLst>
               <a:ext uri="{FF2B5EF4-FFF2-40B4-BE49-F238E27FC236}">
-                <a16:creationId xmlns:a16="http://schemas.microsoft.com/office/drawing/2014/main" id="{85B20180-788D-FE2D-AD4D-83B45DDAC50D}"/>
+                <a16:creationId xmlns:a16="http://schemas.microsoft.com/office/drawing/2014/main" id="{EFFF7A0A-A67B-1D0E-71E7-003374DEE151}"/>
               </a:ext>
             </a:extLst>
           </p:cNvPr>
@@ -5922,7 +6519,7 @@
           <a:p>
             <a:r>
               <a:rPr lang="en-US" dirty="0"/>
-              <a:t>Remote access authentication and authorization</a:t>
+              <a:t>Technologies used to segment a Network</a:t>
             </a:r>
           </a:p>
         </p:txBody>
@@ -5932,7 +6529,7 @@
           <p:cNvPr id="3" name="Content Placeholder 2">
             <a:extLst>
               <a:ext uri="{FF2B5EF4-FFF2-40B4-BE49-F238E27FC236}">
-                <a16:creationId xmlns:a16="http://schemas.microsoft.com/office/drawing/2014/main" id="{5BE3F581-B99F-8BC9-CACE-3D51DA2BA496}"/>
+                <a16:creationId xmlns:a16="http://schemas.microsoft.com/office/drawing/2014/main" id="{77B5DDC1-34B0-C8FD-6D90-CB3D47E2E2A4}"/>
               </a:ext>
             </a:extLst>
           </p:cNvPr>
@@ -5950,19 +6547,35 @@
           <a:p>
             <a:r>
               <a:rPr lang="en-US" dirty="0"/>
-              <a:t>Implement mutual authentication so they can verify legitimacy before providing authentication credentials.</a:t>
+              <a:t>Virtual LANs (VLANs)</a:t>
             </a:r>
           </a:p>
           <a:p>
             <a:r>
               <a:rPr lang="en-US" dirty="0"/>
-              <a:t>MFA is required for access</a:t>
+              <a:t>Security Group Tagging (SGT)</a:t>
             </a:r>
           </a:p>
           <a:p>
             <a:r>
               <a:rPr lang="en-US" dirty="0"/>
-              <a:t>Additionally user should require authentication periodically in remote access devices, they should ensure if they made the base line required for internal systems.</a:t>
+              <a:t>VPN Routing and Forwarding (VRF)</a:t>
+            </a:r>
+          </a:p>
+          <a:p>
+            <a:r>
+              <a:rPr lang="en-US" dirty="0" err="1"/>
+              <a:t>vMicro</a:t>
+            </a:r>
+            <a:r>
+              <a:rPr lang="en-US" dirty="0"/>
+              <a:t>-segmentation at the virtual machine level</a:t>
+            </a:r>
+          </a:p>
+          <a:p>
+            <a:r>
+              <a:rPr lang="en-US" dirty="0"/>
+              <a:t>Micro-segmentation for containers</a:t>
             </a:r>
           </a:p>
         </p:txBody>
@@ -5970,7 +6583,7 @@
     </p:spTree>
     <p:extLst>
       <p:ext uri="{BB962C8B-B14F-4D97-AF65-F5344CB8AC3E}">
-        <p14:creationId xmlns:p14="http://schemas.microsoft.com/office/powerpoint/2010/main" val="1309017816"/>
+        <p14:creationId xmlns:p14="http://schemas.microsoft.com/office/powerpoint/2010/main" val="2652937463"/>
       </p:ext>
     </p:extLst>
   </p:cSld>
@@ -6002,7 +6615,7 @@
           <p:cNvPr id="2" name="Title 1">
             <a:extLst>
               <a:ext uri="{FF2B5EF4-FFF2-40B4-BE49-F238E27FC236}">
-                <a16:creationId xmlns:a16="http://schemas.microsoft.com/office/drawing/2014/main" id="{ED41F894-60A1-5384-512E-23F93C35274F}"/>
+                <a16:creationId xmlns:a16="http://schemas.microsoft.com/office/drawing/2014/main" id="{5C73ED6D-769B-D413-0EE0-9992095CB79D}"/>
               </a:ext>
             </a:extLst>
           </p:cNvPr>
@@ -6020,7 +6633,7 @@
           <a:p>
             <a:r>
               <a:rPr lang="en-US" dirty="0"/>
-              <a:t>Network access control</a:t>
+              <a:t>Layered border security</a:t>
             </a:r>
           </a:p>
         </p:txBody>
@@ -6030,7 +6643,7 @@
           <p:cNvPr id="3" name="Content Placeholder 2">
             <a:extLst>
               <a:ext uri="{FF2B5EF4-FFF2-40B4-BE49-F238E27FC236}">
-                <a16:creationId xmlns:a16="http://schemas.microsoft.com/office/drawing/2014/main" id="{690C7F1B-6CD7-D6B1-C402-1BCC1866FF1D}"/>
+                <a16:creationId xmlns:a16="http://schemas.microsoft.com/office/drawing/2014/main" id="{39E430E2-77DC-9A08-D6A2-D091D10F7458}"/>
               </a:ext>
             </a:extLst>
           </p:cNvPr>
@@ -6048,7 +6661,13 @@
           <a:p>
             <a:r>
               <a:rPr lang="en-US" dirty="0"/>
-              <a:t>Used to check remote access device based on its criteria, if it doesn’t meet a specific criteria access is denied.</a:t>
+              <a:t>Layer security: Different security measures to work in tandem with a single focus.</a:t>
+            </a:r>
+          </a:p>
+          <a:p>
+            <a:r>
+              <a:rPr lang="en-US" dirty="0"/>
+              <a:t>Layered border security: Protection of the internal network from external controls. Which includes the controls like firewalls, VPNs, IDS, and IPS.</a:t>
             </a:r>
           </a:p>
         </p:txBody>
@@ -6056,7 +6675,7 @@
     </p:spTree>
     <p:extLst>
       <p:ext uri="{BB962C8B-B14F-4D97-AF65-F5344CB8AC3E}">
-        <p14:creationId xmlns:p14="http://schemas.microsoft.com/office/powerpoint/2010/main" val="935807662"/>
+        <p14:creationId xmlns:p14="http://schemas.microsoft.com/office/powerpoint/2010/main" val="2937805561"/>
       </p:ext>
     </p:extLst>
   </p:cSld>
@@ -6088,7 +6707,7 @@
           <p:cNvPr id="2" name="Title 1">
             <a:extLst>
               <a:ext uri="{FF2B5EF4-FFF2-40B4-BE49-F238E27FC236}">
-                <a16:creationId xmlns:a16="http://schemas.microsoft.com/office/drawing/2014/main" id="{EB8AD0FA-DD8C-8E54-699B-D9F113E7DFDB}"/>
+                <a16:creationId xmlns:a16="http://schemas.microsoft.com/office/drawing/2014/main" id="{F99909C3-139A-80AF-4E93-1E5DF6352094}"/>
               </a:ext>
             </a:extLst>
           </p:cNvPr>
@@ -6106,7 +6725,7 @@
           <a:p>
             <a:r>
               <a:rPr lang="en-US" dirty="0"/>
-              <a:t>Teleworking access control</a:t>
+              <a:t>Firewalls</a:t>
             </a:r>
           </a:p>
         </p:txBody>
@@ -6116,7 +6735,7 @@
           <p:cNvPr id="3" name="Content Placeholder 2">
             <a:extLst>
               <a:ext uri="{FF2B5EF4-FFF2-40B4-BE49-F238E27FC236}">
-                <a16:creationId xmlns:a16="http://schemas.microsoft.com/office/drawing/2014/main" id="{A434293C-74E3-27F7-7CFD-2B736111486C}"/>
+                <a16:creationId xmlns:a16="http://schemas.microsoft.com/office/drawing/2014/main" id="{6B8A64D5-D098-13B7-54B8-0388CF65613C}"/>
               </a:ext>
             </a:extLst>
           </p:cNvPr>
@@ -6134,18 +6753,21 @@
           <a:p>
             <a:r>
               <a:rPr lang="en-US" dirty="0"/>
-              <a:t>Work flexibility arrangement under which employee performs his duties and responsibilities such as positions and other authorized activities from work site to location to work.</a:t>
-            </a:r>
-          </a:p>
-          <a:p>
-            <a:endParaRPr lang="en-US" dirty="0"/>
+              <a:t>It controls the flow of traffic in the network which is mandatory. Without firewalls, the network is completely exposed and can be compromised.</a:t>
+            </a:r>
+          </a:p>
+          <a:p>
+            <a:r>
+              <a:rPr lang="en-US" dirty="0"/>
+              <a:t>Firewalls are handled and configured with procedures and rule sets to control incoming and outgoing traffic.</a:t>
+            </a:r>
           </a:p>
         </p:txBody>
       </p:sp>
     </p:spTree>
     <p:extLst>
       <p:ext uri="{BB962C8B-B14F-4D97-AF65-F5344CB8AC3E}">
-        <p14:creationId xmlns:p14="http://schemas.microsoft.com/office/powerpoint/2010/main" val="2106614610"/>
+        <p14:creationId xmlns:p14="http://schemas.microsoft.com/office/powerpoint/2010/main" val="1627068461"/>
       </p:ext>
     </p:extLst>
   </p:cSld>
@@ -6177,7 +6799,7 @@
           <p:cNvPr id="2" name="Title 1">
             <a:extLst>
               <a:ext uri="{FF2B5EF4-FFF2-40B4-BE49-F238E27FC236}">
-                <a16:creationId xmlns:a16="http://schemas.microsoft.com/office/drawing/2014/main" id="{5E896FC0-401B-A606-3B18-39834C0AC108}"/>
+                <a16:creationId xmlns:a16="http://schemas.microsoft.com/office/drawing/2014/main" id="{FD92074A-4F16-148E-EEDD-19D11A48C338}"/>
               </a:ext>
             </a:extLst>
           </p:cNvPr>
@@ -6194,10 +6816,9 @@
           <a:lstStyle/>
           <a:p>
             <a:r>
-              <a:rPr lang="en-US" dirty="0" err="1"/>
-              <a:t>Benifits</a:t>
-            </a:r>
-            <a:endParaRPr lang="en-US" dirty="0"/>
+              <a:rPr lang="en-US" dirty="0"/>
+              <a:t>The process used to allow or block traffic includes:</a:t>
+            </a:r>
           </a:p>
         </p:txBody>
       </p:sp>
@@ -6206,7 +6827,7 @@
           <p:cNvPr id="3" name="Content Placeholder 2">
             <a:extLst>
               <a:ext uri="{FF2B5EF4-FFF2-40B4-BE49-F238E27FC236}">
-                <a16:creationId xmlns:a16="http://schemas.microsoft.com/office/drawing/2014/main" id="{56AD5E21-B889-6346-9EEE-147EC3A16C29}"/>
+                <a16:creationId xmlns:a16="http://schemas.microsoft.com/office/drawing/2014/main" id="{FE390902-5863-3AE1-1B7B-78F9366FE517}"/>
               </a:ext>
             </a:extLst>
           </p:cNvPr>
@@ -6224,37 +6845,47 @@
           <a:p>
             <a:r>
               <a:rPr lang="en-US" dirty="0"/>
-              <a:t>Increased motivation and productivity</a:t>
-            </a:r>
-          </a:p>
-          <a:p>
+              <a:t>Simple packet filtering techniques</a:t>
+            </a:r>
+          </a:p>
+          <a:p>
+            <a:pPr>
+              <a:buFont typeface="Arial" panose="020B0604020202020204" pitchFamily="34" charset="0"/>
+              <a:buChar char="•"/>
+            </a:pPr>
             <a:r>
               <a:rPr lang="en-US" dirty="0"/>
-              <a:t>Reduction in vehicle pollution </a:t>
-            </a:r>
-          </a:p>
-          <a:p>
+              <a:t>Application Proxies</a:t>
+            </a:r>
+          </a:p>
+          <a:p>
+            <a:pPr>
+              <a:buFont typeface="Arial" panose="020B0604020202020204" pitchFamily="34" charset="0"/>
+              <a:buChar char="•"/>
+            </a:pPr>
             <a:r>
               <a:rPr lang="en-US" dirty="0"/>
-              <a:t>Improved work-life balance</a:t>
-            </a:r>
-          </a:p>
-          <a:p>
+              <a:t>NAT</a:t>
+            </a:r>
+          </a:p>
+          <a:p>
+            <a:pPr>
+              <a:buFont typeface="Arial" panose="020B0604020202020204" pitchFamily="34" charset="0"/>
+              <a:buChar char="•"/>
+            </a:pPr>
             <a:r>
               <a:rPr lang="en-US" dirty="0"/>
-              <a:t>Reduced dependency on imported oils</a:t>
-            </a:r>
-          </a:p>
-          <a:p>
+              <a:t>Stateful inspection firewalls</a:t>
+            </a:r>
+          </a:p>
+          <a:p>
+            <a:pPr>
+              <a:buFont typeface="Arial" panose="020B0604020202020204" pitchFamily="34" charset="0"/>
+              <a:buChar char="•"/>
+            </a:pPr>
             <a:r>
               <a:rPr lang="en-US" dirty="0"/>
-              <a:t>New opportunities </a:t>
-            </a:r>
-          </a:p>
-          <a:p>
-            <a:r>
-              <a:rPr lang="en-US" dirty="0"/>
-              <a:t>Establishment of distributed workflows</a:t>
+              <a:t>Next-gen context-aware firewalls</a:t>
             </a:r>
           </a:p>
         </p:txBody>
@@ -6262,7 +6893,369 @@
     </p:spTree>
     <p:extLst>
       <p:ext uri="{BB962C8B-B14F-4D97-AF65-F5344CB8AC3E}">
-        <p14:creationId xmlns:p14="http://schemas.microsoft.com/office/powerpoint/2010/main" val="676721497"/>
+        <p14:creationId xmlns:p14="http://schemas.microsoft.com/office/powerpoint/2010/main" val="3310384940"/>
+      </p:ext>
+    </p:extLst>
+  </p:cSld>
+  <p:clrMapOvr>
+    <a:masterClrMapping/>
+  </p:clrMapOvr>
+</p:sld>
+</file>
+
+<file path=ppt/slides/slide27.xml><?xml version="1.0" encoding="utf-8"?>
+<p:sld xmlns:a="http://schemas.openxmlformats.org/drawingml/2006/main" xmlns:r="http://schemas.openxmlformats.org/officeDocument/2006/relationships" xmlns:p="http://schemas.openxmlformats.org/presentationml/2006/main">
+  <p:cSld>
+    <p:spTree>
+      <p:nvGrpSpPr>
+        <p:cNvPr id="1" name=""/>
+        <p:cNvGrpSpPr/>
+        <p:nvPr/>
+      </p:nvGrpSpPr>
+      <p:grpSpPr>
+        <a:xfrm>
+          <a:off x="0" y="0"/>
+          <a:ext cx="0" cy="0"/>
+          <a:chOff x="0" y="0"/>
+          <a:chExt cx="0" cy="0"/>
+        </a:xfrm>
+      </p:grpSpPr>
+      <p:sp>
+        <p:nvSpPr>
+          <p:cNvPr id="2" name="Title 1">
+            <a:extLst>
+              <a:ext uri="{FF2B5EF4-FFF2-40B4-BE49-F238E27FC236}">
+                <a16:creationId xmlns:a16="http://schemas.microsoft.com/office/drawing/2014/main" id="{3C97B136-A603-4A44-D031-4B88EDC11EAF}"/>
+              </a:ext>
+            </a:extLst>
+          </p:cNvPr>
+          <p:cNvSpPr>
+            <a:spLocks noGrp="1"/>
+          </p:cNvSpPr>
+          <p:nvPr>
+            <p:ph type="title"/>
+          </p:nvPr>
+        </p:nvSpPr>
+        <p:spPr/>
+        <p:txBody>
+          <a:bodyPr/>
+          <a:lstStyle/>
+          <a:p>
+            <a:r>
+              <a:rPr lang="en-US" dirty="0"/>
+              <a:t>Intrusion Detection and Prevention</a:t>
+            </a:r>
+          </a:p>
+        </p:txBody>
+      </p:sp>
+      <p:sp>
+        <p:nvSpPr>
+          <p:cNvPr id="3" name="Content Placeholder 2">
+            <a:extLst>
+              <a:ext uri="{FF2B5EF4-FFF2-40B4-BE49-F238E27FC236}">
+                <a16:creationId xmlns:a16="http://schemas.microsoft.com/office/drawing/2014/main" id="{D321A911-79A8-3089-B204-4E47D2EE3FB8}"/>
+              </a:ext>
+            </a:extLst>
+          </p:cNvPr>
+          <p:cNvSpPr>
+            <a:spLocks noGrp="1"/>
+          </p:cNvSpPr>
+          <p:nvPr>
+            <p:ph idx="1"/>
+          </p:nvPr>
+        </p:nvSpPr>
+        <p:spPr/>
+        <p:txBody>
+          <a:bodyPr/>
+          <a:lstStyle/>
+          <a:p>
+            <a:r>
+              <a:rPr lang="en-US" dirty="0"/>
+              <a:t>When malicious activities masquerade legitimate traffic these are used</a:t>
+            </a:r>
+          </a:p>
+          <a:p>
+            <a:r>
+              <a:rPr lang="en-US" dirty="0"/>
+              <a:t>IDS is a passive to analyze traffic to detect unauthorized access, and stressful protocol analysis and if it detects anything IDS generates an email, message or text alert.</a:t>
+            </a:r>
+          </a:p>
+          <a:p>
+            <a:endParaRPr lang="en-US" dirty="0"/>
+          </a:p>
+          <a:p>
+            <a:pPr marL="0" indent="0">
+              <a:buNone/>
+            </a:pPr>
+            <a:r>
+              <a:rPr lang="en-US" dirty="0"/>
+              <a:t>IPS is an active device which seats in line with traffic and responds to identify threads by disabling connection, dropping packets or deleting malicious content.</a:t>
+            </a:r>
+          </a:p>
+        </p:txBody>
+      </p:sp>
+    </p:spTree>
+    <p:extLst>
+      <p:ext uri="{BB962C8B-B14F-4D97-AF65-F5344CB8AC3E}">
+        <p14:creationId xmlns:p14="http://schemas.microsoft.com/office/powerpoint/2010/main" val="641647791"/>
+      </p:ext>
+    </p:extLst>
+  </p:cSld>
+  <p:clrMapOvr>
+    <a:masterClrMapping/>
+  </p:clrMapOvr>
+</p:sld>
+</file>
+
+<file path=ppt/slides/slide28.xml><?xml version="1.0" encoding="utf-8"?>
+<p:sld xmlns:a="http://schemas.openxmlformats.org/drawingml/2006/main" xmlns:r="http://schemas.openxmlformats.org/officeDocument/2006/relationships" xmlns:p="http://schemas.openxmlformats.org/presentationml/2006/main">
+  <p:cSld>
+    <p:spTree>
+      <p:nvGrpSpPr>
+        <p:cNvPr id="1" name=""/>
+        <p:cNvGrpSpPr/>
+        <p:nvPr/>
+      </p:nvGrpSpPr>
+      <p:grpSpPr>
+        <a:xfrm>
+          <a:off x="0" y="0"/>
+          <a:ext cx="0" cy="0"/>
+          <a:chOff x="0" y="0"/>
+          <a:chExt cx="0" cy="0"/>
+        </a:xfrm>
+      </p:grpSpPr>
+      <p:sp>
+        <p:nvSpPr>
+          <p:cNvPr id="2" name="Title 1">
+            <a:extLst>
+              <a:ext uri="{FF2B5EF4-FFF2-40B4-BE49-F238E27FC236}">
+                <a16:creationId xmlns:a16="http://schemas.microsoft.com/office/drawing/2014/main" id="{83E6490C-B842-544D-F467-2C1996586976}"/>
+              </a:ext>
+            </a:extLst>
+          </p:cNvPr>
+          <p:cNvSpPr>
+            <a:spLocks noGrp="1"/>
+          </p:cNvSpPr>
+          <p:nvPr>
+            <p:ph type="title"/>
+          </p:nvPr>
+        </p:nvSpPr>
+        <p:spPr/>
+        <p:txBody>
+          <a:bodyPr/>
+          <a:lstStyle/>
+          <a:p>
+            <a:r>
+              <a:rPr lang="en-US" dirty="0"/>
+              <a:t>Technologies used by IDS/IPS</a:t>
+            </a:r>
+          </a:p>
+        </p:txBody>
+      </p:sp>
+      <p:sp>
+        <p:nvSpPr>
+          <p:cNvPr id="3" name="Content Placeholder 2">
+            <a:extLst>
+              <a:ext uri="{FF2B5EF4-FFF2-40B4-BE49-F238E27FC236}">
+                <a16:creationId xmlns:a16="http://schemas.microsoft.com/office/drawing/2014/main" id="{FC39A5D6-6977-8E39-6950-F696BF2696F3}"/>
+              </a:ext>
+            </a:extLst>
+          </p:cNvPr>
+          <p:cNvSpPr>
+            <a:spLocks noGrp="1"/>
+          </p:cNvSpPr>
+          <p:nvPr>
+            <p:ph idx="1"/>
+          </p:nvPr>
+        </p:nvSpPr>
+        <p:spPr/>
+        <p:txBody>
+          <a:bodyPr/>
+          <a:lstStyle/>
+          <a:p>
+            <a:pPr marL="457200" indent="-457200">
+              <a:buFont typeface="+mj-lt"/>
+              <a:buAutoNum type="arabicPeriod"/>
+            </a:pPr>
+            <a:r>
+              <a:rPr lang="en-US" dirty="0"/>
+              <a:t>Network-based: Monitors network traffic for a specific segment, and device and analyze activities.</a:t>
+            </a:r>
+          </a:p>
+          <a:p>
+            <a:pPr marL="457200" indent="-457200">
+              <a:buFont typeface="+mj-lt"/>
+              <a:buAutoNum type="arabicPeriod"/>
+            </a:pPr>
+            <a:r>
+              <a:rPr lang="en-US" dirty="0"/>
+              <a:t>Wireless IDS/IPS: Monitors wireless network traffic and analyzes activities and protocols.</a:t>
+            </a:r>
+          </a:p>
+          <a:p>
+            <a:pPr marL="457200" indent="-457200">
+              <a:buFont typeface="+mj-lt"/>
+              <a:buAutoNum type="arabicPeriod"/>
+            </a:pPr>
+            <a:r>
+              <a:rPr lang="en-US" dirty="0"/>
+              <a:t>Network </a:t>
+            </a:r>
+            <a:r>
+              <a:rPr lang="en-US" dirty="0" err="1"/>
+              <a:t>behavioural</a:t>
+            </a:r>
+            <a:r>
+              <a:rPr lang="en-US" dirty="0"/>
+              <a:t> analysis: It examines the traffic to identify threats, information flow, DDOS, malware and policy violations.</a:t>
+            </a:r>
+          </a:p>
+          <a:p>
+            <a:pPr marL="457200" indent="-457200">
+              <a:buFont typeface="+mj-lt"/>
+              <a:buAutoNum type="arabicPeriod"/>
+            </a:pPr>
+            <a:r>
+              <a:rPr lang="en-US" dirty="0"/>
+              <a:t>Host-based IDS/IPS: It monitors every single host and its events.</a:t>
+            </a:r>
+          </a:p>
+          <a:p>
+            <a:pPr marL="457200" indent="-457200">
+              <a:buFont typeface="+mj-lt"/>
+              <a:buAutoNum type="arabicPeriod"/>
+            </a:pPr>
+            <a:endParaRPr lang="en-US" dirty="0"/>
+          </a:p>
+        </p:txBody>
+      </p:sp>
+    </p:spTree>
+    <p:extLst>
+      <p:ext uri="{BB962C8B-B14F-4D97-AF65-F5344CB8AC3E}">
+        <p14:creationId xmlns:p14="http://schemas.microsoft.com/office/powerpoint/2010/main" val="211107562"/>
+      </p:ext>
+    </p:extLst>
+  </p:cSld>
+  <p:clrMapOvr>
+    <a:masterClrMapping/>
+  </p:clrMapOvr>
+</p:sld>
+</file>
+
+<file path=ppt/slides/slide29.xml><?xml version="1.0" encoding="utf-8"?>
+<p:sld xmlns:a="http://schemas.openxmlformats.org/drawingml/2006/main" xmlns:r="http://schemas.openxmlformats.org/officeDocument/2006/relationships" xmlns:p="http://schemas.openxmlformats.org/presentationml/2006/main">
+  <p:cSld>
+    <p:spTree>
+      <p:nvGrpSpPr>
+        <p:cNvPr id="1" name=""/>
+        <p:cNvGrpSpPr/>
+        <p:nvPr/>
+      </p:nvGrpSpPr>
+      <p:grpSpPr>
+        <a:xfrm>
+          <a:off x="0" y="0"/>
+          <a:ext cx="0" cy="0"/>
+          <a:chOff x="0" y="0"/>
+          <a:chExt cx="0" cy="0"/>
+        </a:xfrm>
+      </p:grpSpPr>
+      <p:sp>
+        <p:nvSpPr>
+          <p:cNvPr id="2" name="Title 1">
+            <a:extLst>
+              <a:ext uri="{FF2B5EF4-FFF2-40B4-BE49-F238E27FC236}">
+                <a16:creationId xmlns:a16="http://schemas.microsoft.com/office/drawing/2014/main" id="{528D3DEA-CE54-A793-9FEA-A36FA50D63D5}"/>
+              </a:ext>
+            </a:extLst>
+          </p:cNvPr>
+          <p:cNvSpPr>
+            <a:spLocks noGrp="1"/>
+          </p:cNvSpPr>
+          <p:nvPr>
+            <p:ph type="title"/>
+          </p:nvPr>
+        </p:nvSpPr>
+        <p:spPr/>
+        <p:txBody>
+          <a:bodyPr/>
+          <a:lstStyle/>
+          <a:p>
+            <a:endParaRPr lang="en-US" dirty="0"/>
+          </a:p>
+        </p:txBody>
+      </p:sp>
+      <p:sp>
+        <p:nvSpPr>
+          <p:cNvPr id="3" name="Content Placeholder 2">
+            <a:extLst>
+              <a:ext uri="{FF2B5EF4-FFF2-40B4-BE49-F238E27FC236}">
+                <a16:creationId xmlns:a16="http://schemas.microsoft.com/office/drawing/2014/main" id="{13B76399-18A5-36FB-2373-DB31B8662B7C}"/>
+              </a:ext>
+            </a:extLst>
+          </p:cNvPr>
+          <p:cNvSpPr>
+            <a:spLocks noGrp="1"/>
+          </p:cNvSpPr>
+          <p:nvPr>
+            <p:ph idx="1"/>
+          </p:nvPr>
+        </p:nvSpPr>
+        <p:spPr/>
+        <p:txBody>
+          <a:bodyPr/>
+          <a:lstStyle/>
+          <a:p>
+            <a:r>
+              <a:rPr lang="en-US" dirty="0"/>
+              <a:t>From these technologies, it has 4 decision states –</a:t>
+            </a:r>
+          </a:p>
+          <a:p>
+            <a:pPr marL="457200" indent="-457200">
+              <a:buFont typeface="+mj-lt"/>
+              <a:buAutoNum type="arabicPeriod"/>
+            </a:pPr>
+            <a:r>
+              <a:rPr lang="en-US" dirty="0"/>
+              <a:t>True positive:  It correctly identifies an issue.</a:t>
+            </a:r>
+          </a:p>
+          <a:p>
+            <a:pPr marL="457200" indent="-457200">
+              <a:buFont typeface="+mj-lt"/>
+              <a:buAutoNum type="arabicPeriod"/>
+            </a:pPr>
+            <a:r>
+              <a:rPr lang="en-US" dirty="0"/>
+              <a:t>True Negative: It correctly identifies normal traffic.</a:t>
+            </a:r>
+          </a:p>
+          <a:p>
+            <a:pPr marL="457200" indent="-457200">
+              <a:buFont typeface="+mj-lt"/>
+              <a:buAutoNum type="arabicPeriod"/>
+            </a:pPr>
+            <a:r>
+              <a:rPr lang="en-US" dirty="0"/>
+              <a:t>False Positive: Incorrectly identifies normal activity as an issue</a:t>
+            </a:r>
+          </a:p>
+          <a:p>
+            <a:pPr marL="457200" indent="-457200">
+              <a:buFont typeface="+mj-lt"/>
+              <a:buAutoNum type="arabicPeriod"/>
+            </a:pPr>
+            <a:r>
+              <a:rPr lang="en-US" dirty="0"/>
+              <a:t>False Negative: Incorrectly identifies an issue as normal activity.</a:t>
+            </a:r>
+          </a:p>
+        </p:txBody>
+      </p:sp>
+    </p:spTree>
+    <p:extLst>
+      <p:ext uri="{BB962C8B-B14F-4D97-AF65-F5344CB8AC3E}">
+        <p14:creationId xmlns:p14="http://schemas.microsoft.com/office/powerpoint/2010/main" val="2688818695"/>
       </p:ext>
     </p:extLst>
   </p:cSld>
@@ -6291,10 +7284,147 @@
       </p:grpSpPr>
       <p:sp>
         <p:nvSpPr>
+          <p:cNvPr id="3" name="TextBox 2">
+            <a:extLst>
+              <a:ext uri="{FF2B5EF4-FFF2-40B4-BE49-F238E27FC236}">
+                <a16:creationId xmlns:a16="http://schemas.microsoft.com/office/drawing/2014/main" id="{B510D9D4-0A6B-4E44-FF32-2335351E6632}"/>
+              </a:ext>
+            </a:extLst>
+          </p:cNvPr>
+          <p:cNvSpPr txBox="1"/>
+          <p:nvPr/>
+        </p:nvSpPr>
+        <p:spPr>
+          <a:xfrm>
+            <a:off x="295455" y="484012"/>
+            <a:ext cx="6094562" cy="3323987"/>
+          </a:xfrm>
+          <a:prstGeom prst="rect">
+            <a:avLst/>
+          </a:prstGeom>
+          <a:noFill/>
+        </p:spPr>
+        <p:txBody>
+          <a:bodyPr wrap="square">
+            <a:spAutoFit/>
+          </a:bodyPr>
+          <a:lstStyle/>
+          <a:p>
+            <a:r>
+              <a:rPr lang="en-CA" sz="2400" b="1" dirty="0">
+                <a:effectLst/>
+                <a:latin typeface="Times New Roman" panose="02020603050405020304" pitchFamily="18" charset="0"/>
+                <a:ea typeface="Times New Roman" panose="02020603050405020304" pitchFamily="18" charset="0"/>
+              </a:rPr>
+              <a:t>Access control based on The Three (3) A’s (and One I) of Access Control</a:t>
+            </a:r>
+            <a:endParaRPr lang="en-CA" sz="1600" b="1" dirty="0">
+              <a:effectLst/>
+              <a:latin typeface="Times New Roman" panose="02020603050405020304" pitchFamily="18" charset="0"/>
+              <a:ea typeface="Times New Roman" panose="02020603050405020304" pitchFamily="18" charset="0"/>
+            </a:endParaRPr>
+          </a:p>
+          <a:p>
+            <a:r>
+              <a:rPr lang="en-CA" sz="1800" b="0" dirty="0">
+                <a:effectLst/>
+                <a:latin typeface="Times New Roman" panose="02020603050405020304" pitchFamily="18" charset="0"/>
+                <a:ea typeface="Times New Roman" panose="02020603050405020304" pitchFamily="18" charset="0"/>
+              </a:rPr>
+              <a:t>Access control systems are a fundamental part of any organization’s </a:t>
+            </a:r>
+            <a:r>
+              <a:rPr lang="en-CA" dirty="0">
+                <a:latin typeface="Times New Roman" panose="02020603050405020304" pitchFamily="18" charset="0"/>
+                <a:ea typeface="Times New Roman" panose="02020603050405020304" pitchFamily="18" charset="0"/>
+              </a:rPr>
+              <a:t>identity-proofing.</a:t>
+            </a:r>
+            <a:r>
+              <a:rPr lang="en-CA" sz="1800" b="0" dirty="0">
+                <a:effectLst/>
+                <a:latin typeface="Times New Roman" panose="02020603050405020304" pitchFamily="18" charset="0"/>
+                <a:ea typeface="Times New Roman" panose="02020603050405020304" pitchFamily="18" charset="0"/>
+              </a:rPr>
+              <a:t> Depending on the software or</a:t>
+            </a:r>
+            <a:r>
+              <a:rPr lang="en-CA" sz="2000" b="0" dirty="0">
+                <a:effectLst/>
+                <a:latin typeface="Times New Roman" panose="02020603050405020304" pitchFamily="18" charset="0"/>
+                <a:ea typeface="Times New Roman" panose="02020603050405020304" pitchFamily="18" charset="0"/>
+              </a:rPr>
+              <a:t> </a:t>
+            </a:r>
+            <a:r>
+              <a:rPr lang="en-CA" sz="1800" b="0" dirty="0">
+                <a:effectLst/>
+                <a:latin typeface="Times New Roman" panose="02020603050405020304" pitchFamily="18" charset="0"/>
+                <a:ea typeface="Times New Roman" panose="02020603050405020304" pitchFamily="18" charset="0"/>
+              </a:rPr>
+              <a:t>tool, the process is triggered when a person attempts to identify themselves in the system.</a:t>
+            </a:r>
+          </a:p>
+          <a:p>
+            <a:endParaRPr lang="en-CA" sz="1600" b="1" dirty="0">
+              <a:effectLst/>
+              <a:latin typeface="Times New Roman" panose="02020603050405020304" pitchFamily="18" charset="0"/>
+              <a:ea typeface="Times New Roman" panose="02020603050405020304" pitchFamily="18" charset="0"/>
+            </a:endParaRPr>
+          </a:p>
+          <a:p>
+            <a:r>
+              <a:rPr lang="en-CA" sz="1800" b="0" dirty="0">
+                <a:effectLst/>
+                <a:latin typeface="Times New Roman" panose="02020603050405020304" pitchFamily="18" charset="0"/>
+                <a:ea typeface="Times New Roman" panose="02020603050405020304" pitchFamily="18" charset="0"/>
+              </a:rPr>
+              <a:t>To better understand access control, we can take a deeper look into the four basic elements—identification, authentication, authorization, and accountability—and how they make the framework of this fundamental security feature.</a:t>
+            </a:r>
+            <a:endParaRPr lang="en-CA" sz="1600" b="1" dirty="0">
+              <a:effectLst/>
+              <a:latin typeface="Times New Roman" panose="02020603050405020304" pitchFamily="18" charset="0"/>
+              <a:ea typeface="Times New Roman" panose="02020603050405020304" pitchFamily="18" charset="0"/>
+            </a:endParaRPr>
+          </a:p>
+        </p:txBody>
+      </p:sp>
+    </p:spTree>
+    <p:extLst>
+      <p:ext uri="{BB962C8B-B14F-4D97-AF65-F5344CB8AC3E}">
+        <p14:creationId xmlns:p14="http://schemas.microsoft.com/office/powerpoint/2010/main" val="2673241638"/>
+      </p:ext>
+    </p:extLst>
+  </p:cSld>
+  <p:clrMapOvr>
+    <a:masterClrMapping/>
+  </p:clrMapOvr>
+</p:sld>
+</file>
+
+<file path=ppt/slides/slide30.xml><?xml version="1.0" encoding="utf-8"?>
+<p:sld xmlns:a="http://schemas.openxmlformats.org/drawingml/2006/main" xmlns:r="http://schemas.openxmlformats.org/officeDocument/2006/relationships" xmlns:p="http://schemas.openxmlformats.org/presentationml/2006/main">
+  <p:cSld>
+    <p:spTree>
+      <p:nvGrpSpPr>
+        <p:cNvPr id="1" name=""/>
+        <p:cNvGrpSpPr/>
+        <p:nvPr/>
+      </p:nvGrpSpPr>
+      <p:grpSpPr>
+        <a:xfrm>
+          <a:off x="0" y="0"/>
+          <a:ext cx="0" cy="0"/>
+          <a:chOff x="0" y="0"/>
+          <a:chExt cx="0" cy="0"/>
+        </a:xfrm>
+      </p:grpSpPr>
+      <p:sp>
+        <p:nvSpPr>
           <p:cNvPr id="2" name="Title 1">
             <a:extLst>
               <a:ext uri="{FF2B5EF4-FFF2-40B4-BE49-F238E27FC236}">
-                <a16:creationId xmlns:a16="http://schemas.microsoft.com/office/drawing/2014/main" id="{5B71D3CE-F146-52DF-B803-D62FA41D90FD}"/>
+                <a16:creationId xmlns:a16="http://schemas.microsoft.com/office/drawing/2014/main" id="{F646DBC6-A618-85D6-A6DE-A4F22A157E52}"/>
               </a:ext>
             </a:extLst>
           </p:cNvPr>
@@ -6312,7 +7442,7 @@
           <a:p>
             <a:r>
               <a:rPr lang="en-US" dirty="0"/>
-              <a:t>Why Segment a network</a:t>
+              <a:t>Network-Based IDS/IPS uses these detection methodologies</a:t>
             </a:r>
           </a:p>
         </p:txBody>
@@ -6322,7 +7452,7 @@
           <p:cNvPr id="3" name="Content Placeholder 2">
             <a:extLst>
               <a:ext uri="{FF2B5EF4-FFF2-40B4-BE49-F238E27FC236}">
-                <a16:creationId xmlns:a16="http://schemas.microsoft.com/office/drawing/2014/main" id="{EFD0E9FA-8796-3524-00B2-2B08D0ACBFF1}"/>
+                <a16:creationId xmlns:a16="http://schemas.microsoft.com/office/drawing/2014/main" id="{B156CA4E-E1F2-C33F-7F5B-DF71D9E85F7F}"/>
               </a:ext>
             </a:extLst>
           </p:cNvPr>
@@ -6338,35 +7468,954 @@
           <a:bodyPr/>
           <a:lstStyle/>
           <a:p>
+            <a:pPr>
+              <a:buFont typeface="Arial" panose="020B0604020202020204" pitchFamily="34" charset="0"/>
+              <a:buChar char="•"/>
+            </a:pPr>
             <a:r>
               <a:rPr lang="en-US" dirty="0"/>
-              <a:t>The process of logically classifying network resources, applications, and assets is known as network segmentation. The ability to implement different services, authentication requirements, and security measures is made possible through segmentation.</a:t>
-            </a:r>
-          </a:p>
-          <a:p>
-            <a:endParaRPr lang="en-US" dirty="0"/>
-          </a:p>
+              <a:t>Pattern matching and stateful pattern matching recognition</a:t>
+            </a:r>
+          </a:p>
+          <a:p>
+            <a:pPr>
+              <a:buFont typeface="Arial" panose="020B0604020202020204" pitchFamily="34" charset="0"/>
+              <a:buChar char="•"/>
+            </a:pPr>
+            <a:r>
+              <a:rPr lang="en-US" dirty="0"/>
+              <a:t>Protocol analysis</a:t>
+            </a:r>
+          </a:p>
+          <a:p>
+            <a:pPr>
+              <a:buFont typeface="Arial" panose="020B0604020202020204" pitchFamily="34" charset="0"/>
+              <a:buChar char="•"/>
+            </a:pPr>
+            <a:r>
+              <a:rPr lang="en-US" dirty="0"/>
+              <a:t>Heuristic-based analysis</a:t>
+            </a:r>
+          </a:p>
+          <a:p>
+            <a:pPr>
+              <a:buFont typeface="Arial" panose="020B0604020202020204" pitchFamily="34" charset="0"/>
+              <a:buChar char="•"/>
+            </a:pPr>
+            <a:r>
+              <a:rPr lang="en-US" dirty="0"/>
+              <a:t>Anomaly-based analysis</a:t>
+            </a:r>
+          </a:p>
+          <a:p>
+            <a:pPr>
+              <a:buFont typeface="Arial" panose="020B0604020202020204" pitchFamily="34" charset="0"/>
+              <a:buChar char="•"/>
+            </a:pPr>
+            <a:r>
+              <a:rPr lang="en-US" dirty="0"/>
+              <a:t>Correlation protection capabilities based on threat intelligence</a:t>
+            </a:r>
+          </a:p>
+        </p:txBody>
+      </p:sp>
+    </p:spTree>
+    <p:extLst>
+      <p:ext uri="{BB962C8B-B14F-4D97-AF65-F5344CB8AC3E}">
+        <p14:creationId xmlns:p14="http://schemas.microsoft.com/office/powerpoint/2010/main" val="2453560799"/>
+      </p:ext>
+    </p:extLst>
+  </p:cSld>
+  <p:clrMapOvr>
+    <a:masterClrMapping/>
+  </p:clrMapOvr>
+</p:sld>
+</file>
+
+<file path=ppt/slides/slide31.xml><?xml version="1.0" encoding="utf-8"?>
+<p:sld xmlns:a="http://schemas.openxmlformats.org/drawingml/2006/main" xmlns:r="http://schemas.openxmlformats.org/officeDocument/2006/relationships" xmlns:p="http://schemas.openxmlformats.org/presentationml/2006/main">
+  <p:cSld>
+    <p:spTree>
+      <p:nvGrpSpPr>
+        <p:cNvPr id="1" name=""/>
+        <p:cNvGrpSpPr/>
+        <p:nvPr/>
+      </p:nvGrpSpPr>
+      <p:grpSpPr>
+        <a:xfrm>
+          <a:off x="0" y="0"/>
+          <a:ext cx="0" cy="0"/>
+          <a:chOff x="0" y="0"/>
+          <a:chExt cx="0" cy="0"/>
+        </a:xfrm>
+      </p:grpSpPr>
+      <p:sp>
+        <p:nvSpPr>
+          <p:cNvPr id="2" name="Title 1">
+            <a:extLst>
+              <a:ext uri="{FF2B5EF4-FFF2-40B4-BE49-F238E27FC236}">
+                <a16:creationId xmlns:a16="http://schemas.microsoft.com/office/drawing/2014/main" id="{A9B31E41-F918-DCD4-4005-65535EB02034}"/>
+              </a:ext>
+            </a:extLst>
+          </p:cNvPr>
+          <p:cNvSpPr>
+            <a:spLocks noGrp="1"/>
+          </p:cNvSpPr>
+          <p:nvPr>
+            <p:ph type="title"/>
+          </p:nvPr>
+        </p:nvSpPr>
+        <p:spPr/>
+        <p:txBody>
+          <a:bodyPr/>
+          <a:lstStyle/>
+          <a:p>
+            <a:r>
+              <a:rPr lang="en-US" dirty="0"/>
+              <a:t>Content filtering &amp; whitelisting/Backlisting</a:t>
+            </a:r>
+          </a:p>
+        </p:txBody>
+      </p:sp>
+      <p:sp>
+        <p:nvSpPr>
+          <p:cNvPr id="3" name="Content Placeholder 2">
+            <a:extLst>
+              <a:ext uri="{FF2B5EF4-FFF2-40B4-BE49-F238E27FC236}">
+                <a16:creationId xmlns:a16="http://schemas.microsoft.com/office/drawing/2014/main" id="{ACEDED1F-A35C-1160-5F4E-D4EBA5B5870F}"/>
+              </a:ext>
+            </a:extLst>
+          </p:cNvPr>
+          <p:cNvSpPr>
+            <a:spLocks noGrp="1"/>
+          </p:cNvSpPr>
+          <p:nvPr>
+            <p:ph idx="1"/>
+          </p:nvPr>
+        </p:nvSpPr>
+        <p:spPr/>
+        <p:txBody>
+          <a:bodyPr>
+            <a:normAutofit fontScale="92500" lnSpcReduction="20000"/>
+          </a:bodyPr>
+          <a:lstStyle/>
           <a:p>
             <a:pPr marL="0" indent="0">
               <a:buNone/>
             </a:pPr>
             <a:r>
               <a:rPr lang="en-US" dirty="0"/>
-              <a:t>Network segments includes the following types –</a:t>
+              <a:t>To prevent insider requests that could lead to the propagation of malware, data exfiltration, participation in peer-to-peer (P2P) networks, and viewing of inappropriate or unlawful content, controls must be in place. The insider request could be a reaction to a malicious command or directive or it could originate from authenticated authorized users. As was previously said, outbound traffic can and should be constrained by source and destination addresses, ports, and protocols using border device egress filters. Self-generated, open-source source, or subscription-based IP whitelists and/or blacklists can be used in addition to the filters.</a:t>
             </a:r>
           </a:p>
           <a:p>
             <a:pPr marL="0" indent="0">
               <a:buNone/>
             </a:pPr>
-            <a:endParaRPr lang="en-US" dirty="0"/>
+            <a:r>
+              <a:rPr lang="en-US" dirty="0"/>
+              <a:t>Whitelist: Sites where access is allowed </a:t>
+            </a:r>
+          </a:p>
+          <a:p>
+            <a:pPr marL="0" indent="0">
+              <a:buNone/>
+            </a:pPr>
+            <a:r>
+              <a:rPr lang="en-US" dirty="0"/>
+              <a:t>Blacklist: Where access is denied</a:t>
+            </a:r>
+          </a:p>
+          <a:p>
+            <a:pPr marL="0" indent="0">
+              <a:buNone/>
+            </a:pPr>
+            <a:r>
+              <a:rPr lang="en-US" dirty="0"/>
+              <a:t>It commonly blocks the entire range of IPS specific to geographic locations</a:t>
+            </a:r>
+          </a:p>
+          <a:p>
+            <a:pPr marL="0" indent="0">
+              <a:buNone/>
+            </a:pPr>
+            <a:r>
+              <a:rPr lang="en-US" dirty="0"/>
+              <a:t>Restrict the access by content categories.</a:t>
+            </a:r>
           </a:p>
         </p:txBody>
       </p:sp>
     </p:spTree>
     <p:extLst>
       <p:ext uri="{BB962C8B-B14F-4D97-AF65-F5344CB8AC3E}">
-        <p14:creationId xmlns:p14="http://schemas.microsoft.com/office/powerpoint/2010/main" val="3229866394"/>
+        <p14:creationId xmlns:p14="http://schemas.microsoft.com/office/powerpoint/2010/main" val="4131373296"/>
+      </p:ext>
+    </p:extLst>
+  </p:cSld>
+  <p:clrMapOvr>
+    <a:masterClrMapping/>
+  </p:clrMapOvr>
+</p:sld>
+</file>
+
+<file path=ppt/slides/slide32.xml><?xml version="1.0" encoding="utf-8"?>
+<p:sld xmlns:a="http://schemas.openxmlformats.org/drawingml/2006/main" xmlns:r="http://schemas.openxmlformats.org/officeDocument/2006/relationships" xmlns:p="http://schemas.openxmlformats.org/presentationml/2006/main">
+  <p:cSld>
+    <p:spTree>
+      <p:nvGrpSpPr>
+        <p:cNvPr id="1" name=""/>
+        <p:cNvGrpSpPr/>
+        <p:nvPr/>
+      </p:nvGrpSpPr>
+      <p:grpSpPr>
+        <a:xfrm>
+          <a:off x="0" y="0"/>
+          <a:ext cx="0" cy="0"/>
+          <a:chOff x="0" y="0"/>
+          <a:chExt cx="0" cy="0"/>
+        </a:xfrm>
+      </p:grpSpPr>
+      <p:sp>
+        <p:nvSpPr>
+          <p:cNvPr id="2" name="Title 1">
+            <a:extLst>
+              <a:ext uri="{FF2B5EF4-FFF2-40B4-BE49-F238E27FC236}">
+                <a16:creationId xmlns:a16="http://schemas.microsoft.com/office/drawing/2014/main" id="{51160772-DA72-FFA8-C69E-34809D0F39A9}"/>
+              </a:ext>
+            </a:extLst>
+          </p:cNvPr>
+          <p:cNvSpPr>
+            <a:spLocks noGrp="1"/>
+          </p:cNvSpPr>
+          <p:nvPr>
+            <p:ph type="title"/>
+          </p:nvPr>
+        </p:nvSpPr>
+        <p:spPr/>
+        <p:txBody>
+          <a:bodyPr/>
+          <a:lstStyle/>
+          <a:p>
+            <a:r>
+              <a:rPr lang="en-US" dirty="0"/>
+              <a:t>Border device administration and management</a:t>
+            </a:r>
+          </a:p>
+        </p:txBody>
+      </p:sp>
+      <p:sp>
+        <p:nvSpPr>
+          <p:cNvPr id="3" name="Content Placeholder 2">
+            <a:extLst>
+              <a:ext uri="{FF2B5EF4-FFF2-40B4-BE49-F238E27FC236}">
+                <a16:creationId xmlns:a16="http://schemas.microsoft.com/office/drawing/2014/main" id="{FE096093-054E-F5C1-36EA-5F32C456F3D4}"/>
+              </a:ext>
+            </a:extLst>
+          </p:cNvPr>
+          <p:cNvSpPr>
+            <a:spLocks noGrp="1"/>
+          </p:cNvSpPr>
+          <p:nvPr>
+            <p:ph idx="1"/>
+          </p:nvPr>
+        </p:nvSpPr>
+        <p:spPr/>
+        <p:txBody>
+          <a:bodyPr/>
+          <a:lstStyle/>
+          <a:p>
+            <a:r>
+              <a:rPr lang="en-US" dirty="0"/>
+              <a:t>Everything has to be monitored- Logs and alerts must be monitored and analyzed (successful and unsuccessful both)</a:t>
+            </a:r>
+          </a:p>
+          <a:p>
+            <a:r>
+              <a:rPr lang="en-US" dirty="0"/>
+              <a:t>Policies need to be updated as per requirements </a:t>
+            </a:r>
+          </a:p>
+          <a:p>
+            <a:r>
+              <a:rPr lang="en-US" dirty="0"/>
+              <a:t>Detail examination of all changes since the last review</a:t>
+            </a:r>
+          </a:p>
+          <a:p>
+            <a:r>
+              <a:rPr lang="en-US" dirty="0"/>
+              <a:t>External pen testing used to verify the device performance</a:t>
+            </a:r>
+          </a:p>
+        </p:txBody>
+      </p:sp>
+    </p:spTree>
+    <p:extLst>
+      <p:ext uri="{BB962C8B-B14F-4D97-AF65-F5344CB8AC3E}">
+        <p14:creationId xmlns:p14="http://schemas.microsoft.com/office/powerpoint/2010/main" val="2079736115"/>
+      </p:ext>
+    </p:extLst>
+  </p:cSld>
+  <p:clrMapOvr>
+    <a:masterClrMapping/>
+  </p:clrMapOvr>
+</p:sld>
+</file>
+
+<file path=ppt/slides/slide33.xml><?xml version="1.0" encoding="utf-8"?>
+<p:sld xmlns:a="http://schemas.openxmlformats.org/drawingml/2006/main" xmlns:r="http://schemas.openxmlformats.org/officeDocument/2006/relationships" xmlns:p="http://schemas.openxmlformats.org/presentationml/2006/main">
+  <p:cSld>
+    <p:spTree>
+      <p:nvGrpSpPr>
+        <p:cNvPr id="1" name=""/>
+        <p:cNvGrpSpPr/>
+        <p:nvPr/>
+      </p:nvGrpSpPr>
+      <p:grpSpPr>
+        <a:xfrm>
+          <a:off x="0" y="0"/>
+          <a:ext cx="0" cy="0"/>
+          <a:chOff x="0" y="0"/>
+          <a:chExt cx="0" cy="0"/>
+        </a:xfrm>
+      </p:grpSpPr>
+      <p:sp>
+        <p:nvSpPr>
+          <p:cNvPr id="2" name="Title 1">
+            <a:extLst>
+              <a:ext uri="{FF2B5EF4-FFF2-40B4-BE49-F238E27FC236}">
+                <a16:creationId xmlns:a16="http://schemas.microsoft.com/office/drawing/2014/main" id="{F18155DF-46EB-4C54-1F1E-924EE45BED40}"/>
+              </a:ext>
+            </a:extLst>
+          </p:cNvPr>
+          <p:cNvSpPr>
+            <a:spLocks noGrp="1"/>
+          </p:cNvSpPr>
+          <p:nvPr>
+            <p:ph type="title"/>
+          </p:nvPr>
+        </p:nvSpPr>
+        <p:spPr/>
+        <p:txBody>
+          <a:bodyPr/>
+          <a:lstStyle/>
+          <a:p>
+            <a:r>
+              <a:rPr lang="en-US" dirty="0"/>
+              <a:t>	</a:t>
+            </a:r>
+          </a:p>
+        </p:txBody>
+      </p:sp>
+      <p:sp>
+        <p:nvSpPr>
+          <p:cNvPr id="3" name="Content Placeholder 2">
+            <a:extLst>
+              <a:ext uri="{FF2B5EF4-FFF2-40B4-BE49-F238E27FC236}">
+                <a16:creationId xmlns:a16="http://schemas.microsoft.com/office/drawing/2014/main" id="{3EBC44D5-3F50-0DD5-51E5-36A81C2C44B8}"/>
+              </a:ext>
+            </a:extLst>
+          </p:cNvPr>
+          <p:cNvSpPr>
+            <a:spLocks noGrp="1"/>
+          </p:cNvSpPr>
+          <p:nvPr>
+            <p:ph idx="1"/>
+          </p:nvPr>
+        </p:nvSpPr>
+        <p:spPr/>
+        <p:txBody>
+          <a:bodyPr/>
+          <a:lstStyle/>
+          <a:p>
+            <a:r>
+              <a:rPr lang="en-US" dirty="0"/>
+              <a:t>Blue teams: Defenders of the corporate network which includes SOC, CSIRTS, Infosec teams</a:t>
+            </a:r>
+          </a:p>
+          <a:p>
+            <a:r>
+              <a:rPr lang="en-US" dirty="0"/>
+              <a:t>Red Teams: Ethical hackers, Pen testers who identify vulnerabilities, attack detection and response capability of the device.</a:t>
+            </a:r>
+          </a:p>
+          <a:p>
+            <a:r>
+              <a:rPr lang="en-US" dirty="0"/>
+              <a:t>Purple Team: When Red and Blue teams aligned forces to completely defend the organization.</a:t>
+            </a:r>
+          </a:p>
+        </p:txBody>
+      </p:sp>
+    </p:spTree>
+    <p:extLst>
+      <p:ext uri="{BB962C8B-B14F-4D97-AF65-F5344CB8AC3E}">
+        <p14:creationId xmlns:p14="http://schemas.microsoft.com/office/powerpoint/2010/main" val="3831653995"/>
+      </p:ext>
+    </p:extLst>
+  </p:cSld>
+  <p:clrMapOvr>
+    <a:masterClrMapping/>
+  </p:clrMapOvr>
+</p:sld>
+</file>
+
+<file path=ppt/slides/slide34.xml><?xml version="1.0" encoding="utf-8"?>
+<p:sld xmlns:a="http://schemas.openxmlformats.org/drawingml/2006/main" xmlns:r="http://schemas.openxmlformats.org/officeDocument/2006/relationships" xmlns:p="http://schemas.openxmlformats.org/presentationml/2006/main">
+  <p:cSld>
+    <p:spTree>
+      <p:nvGrpSpPr>
+        <p:cNvPr id="1" name=""/>
+        <p:cNvGrpSpPr/>
+        <p:nvPr/>
+      </p:nvGrpSpPr>
+      <p:grpSpPr>
+        <a:xfrm>
+          <a:off x="0" y="0"/>
+          <a:ext cx="0" cy="0"/>
+          <a:chOff x="0" y="0"/>
+          <a:chExt cx="0" cy="0"/>
+        </a:xfrm>
+      </p:grpSpPr>
+      <p:sp>
+        <p:nvSpPr>
+          <p:cNvPr id="2" name="Title 1">
+            <a:extLst>
+              <a:ext uri="{FF2B5EF4-FFF2-40B4-BE49-F238E27FC236}">
+                <a16:creationId xmlns:a16="http://schemas.microsoft.com/office/drawing/2014/main" id="{A2223E51-B824-7790-91D2-F4E35D898D1E}"/>
+              </a:ext>
+            </a:extLst>
+          </p:cNvPr>
+          <p:cNvSpPr>
+            <a:spLocks noGrp="1"/>
+          </p:cNvSpPr>
+          <p:nvPr>
+            <p:ph type="title"/>
+          </p:nvPr>
+        </p:nvSpPr>
+        <p:spPr/>
+        <p:txBody>
+          <a:bodyPr/>
+          <a:lstStyle/>
+          <a:p>
+            <a:r>
+              <a:rPr lang="en-US" dirty="0"/>
+              <a:t>Remote access security</a:t>
+            </a:r>
+          </a:p>
+        </p:txBody>
+      </p:sp>
+      <p:sp>
+        <p:nvSpPr>
+          <p:cNvPr id="3" name="Content Placeholder 2">
+            <a:extLst>
+              <a:ext uri="{FF2B5EF4-FFF2-40B4-BE49-F238E27FC236}">
+                <a16:creationId xmlns:a16="http://schemas.microsoft.com/office/drawing/2014/main" id="{2AC473FA-6F9F-106A-611D-23814E22C957}"/>
+              </a:ext>
+            </a:extLst>
+          </p:cNvPr>
+          <p:cNvSpPr>
+            <a:spLocks noGrp="1"/>
+          </p:cNvSpPr>
+          <p:nvPr>
+            <p:ph idx="1"/>
+          </p:nvPr>
+        </p:nvSpPr>
+        <p:spPr/>
+        <p:txBody>
+          <a:bodyPr/>
+          <a:lstStyle/>
+          <a:p>
+            <a:r>
+              <a:rPr lang="en-US" dirty="0"/>
+              <a:t>It is getting common increasingly that it has become normal now</a:t>
+            </a:r>
+          </a:p>
+          <a:p>
+            <a:r>
+              <a:rPr lang="en-US" dirty="0"/>
+              <a:t>It has controls like authentication that must be chosen carefully based on network-segmented information and classification that is accessible.</a:t>
+            </a:r>
+          </a:p>
+          <a:p>
+            <a:pPr marL="0" indent="0">
+              <a:buNone/>
+            </a:pPr>
+            <a:r>
+              <a:rPr lang="en-US" dirty="0"/>
+              <a:t>It follows CIA triads</a:t>
+            </a:r>
+          </a:p>
+          <a:p>
+            <a:r>
+              <a:rPr lang="en-US" dirty="0"/>
+              <a:t>Restricted information can’t be accessible to unauthorized parties, detecting good and bad modifications and ensuring the user can access required resources</a:t>
+            </a:r>
+          </a:p>
+          <a:p>
+            <a:r>
+              <a:rPr lang="en-US" dirty="0"/>
+              <a:t>It must include physical control of client devices.</a:t>
+            </a:r>
+          </a:p>
+          <a:p>
+            <a:endParaRPr lang="en-US" dirty="0"/>
+          </a:p>
+        </p:txBody>
+      </p:sp>
+    </p:spTree>
+    <p:extLst>
+      <p:ext uri="{BB962C8B-B14F-4D97-AF65-F5344CB8AC3E}">
+        <p14:creationId xmlns:p14="http://schemas.microsoft.com/office/powerpoint/2010/main" val="3778690245"/>
+      </p:ext>
+    </p:extLst>
+  </p:cSld>
+  <p:clrMapOvr>
+    <a:masterClrMapping/>
+  </p:clrMapOvr>
+</p:sld>
+</file>
+
+<file path=ppt/slides/slide35.xml><?xml version="1.0" encoding="utf-8"?>
+<p:sld xmlns:a="http://schemas.openxmlformats.org/drawingml/2006/main" xmlns:r="http://schemas.openxmlformats.org/officeDocument/2006/relationships" xmlns:p="http://schemas.openxmlformats.org/presentationml/2006/main">
+  <p:cSld>
+    <p:spTree>
+      <p:nvGrpSpPr>
+        <p:cNvPr id="1" name=""/>
+        <p:cNvGrpSpPr/>
+        <p:nvPr/>
+      </p:nvGrpSpPr>
+      <p:grpSpPr>
+        <a:xfrm>
+          <a:off x="0" y="0"/>
+          <a:ext cx="0" cy="0"/>
+          <a:chOff x="0" y="0"/>
+          <a:chExt cx="0" cy="0"/>
+        </a:xfrm>
+      </p:grpSpPr>
+      <p:sp>
+        <p:nvSpPr>
+          <p:cNvPr id="2" name="Title 1">
+            <a:extLst>
+              <a:ext uri="{FF2B5EF4-FFF2-40B4-BE49-F238E27FC236}">
+                <a16:creationId xmlns:a16="http://schemas.microsoft.com/office/drawing/2014/main" id="{7F15F437-059F-15BB-8DEE-4317F58D0763}"/>
+              </a:ext>
+            </a:extLst>
+          </p:cNvPr>
+          <p:cNvSpPr>
+            <a:spLocks noGrp="1"/>
+          </p:cNvSpPr>
+          <p:nvPr>
+            <p:ph type="title"/>
+          </p:nvPr>
+        </p:nvSpPr>
+        <p:spPr/>
+        <p:txBody>
+          <a:bodyPr/>
+          <a:lstStyle/>
+          <a:p>
+            <a:r>
+              <a:rPr lang="en-US" dirty="0"/>
+              <a:t>Remote access technologies</a:t>
+            </a:r>
+          </a:p>
+        </p:txBody>
+      </p:sp>
+      <p:sp>
+        <p:nvSpPr>
+          <p:cNvPr id="3" name="Content Placeholder 2">
+            <a:extLst>
+              <a:ext uri="{FF2B5EF4-FFF2-40B4-BE49-F238E27FC236}">
+                <a16:creationId xmlns:a16="http://schemas.microsoft.com/office/drawing/2014/main" id="{BA70DCD4-E5AE-1BDE-691F-E11A5E89A49E}"/>
+              </a:ext>
+            </a:extLst>
+          </p:cNvPr>
+          <p:cNvSpPr>
+            <a:spLocks noGrp="1"/>
+          </p:cNvSpPr>
+          <p:nvPr>
+            <p:ph idx="1"/>
+          </p:nvPr>
+        </p:nvSpPr>
+        <p:spPr/>
+        <p:txBody>
+          <a:bodyPr/>
+          <a:lstStyle/>
+          <a:p>
+            <a:r>
+              <a:rPr lang="en-US" dirty="0"/>
+              <a:t>VPN: Secure tunnel for transmitting data through the internet.</a:t>
+            </a:r>
+          </a:p>
+          <a:p>
+            <a:r>
+              <a:rPr lang="en-US" dirty="0"/>
+              <a:t>Achieved through tunnelling and encryption. To provide high security without the high cost of private lines. It is connected between physical or remote sites.</a:t>
+            </a:r>
+          </a:p>
+        </p:txBody>
+      </p:sp>
+    </p:spTree>
+    <p:extLst>
+      <p:ext uri="{BB962C8B-B14F-4D97-AF65-F5344CB8AC3E}">
+        <p14:creationId xmlns:p14="http://schemas.microsoft.com/office/powerpoint/2010/main" val="2092552656"/>
+      </p:ext>
+    </p:extLst>
+  </p:cSld>
+  <p:clrMapOvr>
+    <a:masterClrMapping/>
+  </p:clrMapOvr>
+</p:sld>
+</file>
+
+<file path=ppt/slides/slide36.xml><?xml version="1.0" encoding="utf-8"?>
+<p:sld xmlns:a="http://schemas.openxmlformats.org/drawingml/2006/main" xmlns:r="http://schemas.openxmlformats.org/officeDocument/2006/relationships" xmlns:p="http://schemas.openxmlformats.org/presentationml/2006/main">
+  <p:cSld>
+    <p:spTree>
+      <p:nvGrpSpPr>
+        <p:cNvPr id="1" name=""/>
+        <p:cNvGrpSpPr/>
+        <p:nvPr/>
+      </p:nvGrpSpPr>
+      <p:grpSpPr>
+        <a:xfrm>
+          <a:off x="0" y="0"/>
+          <a:ext cx="0" cy="0"/>
+          <a:chOff x="0" y="0"/>
+          <a:chExt cx="0" cy="0"/>
+        </a:xfrm>
+      </p:grpSpPr>
+      <p:sp>
+        <p:nvSpPr>
+          <p:cNvPr id="2" name="Title 1">
+            <a:extLst>
+              <a:ext uri="{FF2B5EF4-FFF2-40B4-BE49-F238E27FC236}">
+                <a16:creationId xmlns:a16="http://schemas.microsoft.com/office/drawing/2014/main" id="{DCCC8674-22AB-9BBB-1DD6-845BA2DAB276}"/>
+              </a:ext>
+            </a:extLst>
+          </p:cNvPr>
+          <p:cNvSpPr>
+            <a:spLocks noGrp="1"/>
+          </p:cNvSpPr>
+          <p:nvPr>
+            <p:ph type="title"/>
+          </p:nvPr>
+        </p:nvSpPr>
+        <p:spPr/>
+        <p:txBody>
+          <a:bodyPr/>
+          <a:lstStyle/>
+          <a:p>
+            <a:endParaRPr lang="en-US" dirty="0"/>
+          </a:p>
+        </p:txBody>
+      </p:sp>
+      <p:sp>
+        <p:nvSpPr>
+          <p:cNvPr id="3" name="Content Placeholder 2">
+            <a:extLst>
+              <a:ext uri="{FF2B5EF4-FFF2-40B4-BE49-F238E27FC236}">
+                <a16:creationId xmlns:a16="http://schemas.microsoft.com/office/drawing/2014/main" id="{5F503FF7-E993-BAEE-8264-850A29B00296}"/>
+              </a:ext>
+            </a:extLst>
+          </p:cNvPr>
+          <p:cNvSpPr>
+            <a:spLocks noGrp="1"/>
+          </p:cNvSpPr>
+          <p:nvPr>
+            <p:ph idx="1"/>
+          </p:nvPr>
+        </p:nvSpPr>
+        <p:spPr/>
+        <p:txBody>
+          <a:bodyPr/>
+          <a:lstStyle/>
+          <a:p>
+            <a:r>
+              <a:rPr lang="en-US" dirty="0"/>
+              <a:t>Single centralized interface which sends data to clients’ device, it is stored temporarily  which limits access</a:t>
+            </a:r>
+          </a:p>
+        </p:txBody>
+      </p:sp>
+    </p:spTree>
+    <p:extLst>
+      <p:ext uri="{BB962C8B-B14F-4D97-AF65-F5344CB8AC3E}">
+        <p14:creationId xmlns:p14="http://schemas.microsoft.com/office/powerpoint/2010/main" val="3471563017"/>
+      </p:ext>
+    </p:extLst>
+  </p:cSld>
+  <p:clrMapOvr>
+    <a:masterClrMapping/>
+  </p:clrMapOvr>
+</p:sld>
+</file>
+
+<file path=ppt/slides/slide37.xml><?xml version="1.0" encoding="utf-8"?>
+<p:sld xmlns:a="http://schemas.openxmlformats.org/drawingml/2006/main" xmlns:r="http://schemas.openxmlformats.org/officeDocument/2006/relationships" xmlns:p="http://schemas.openxmlformats.org/presentationml/2006/main">
+  <p:cSld>
+    <p:spTree>
+      <p:nvGrpSpPr>
+        <p:cNvPr id="1" name=""/>
+        <p:cNvGrpSpPr/>
+        <p:nvPr/>
+      </p:nvGrpSpPr>
+      <p:grpSpPr>
+        <a:xfrm>
+          <a:off x="0" y="0"/>
+          <a:ext cx="0" cy="0"/>
+          <a:chOff x="0" y="0"/>
+          <a:chExt cx="0" cy="0"/>
+        </a:xfrm>
+      </p:grpSpPr>
+      <p:sp>
+        <p:nvSpPr>
+          <p:cNvPr id="2" name="Title 1">
+            <a:extLst>
+              <a:ext uri="{FF2B5EF4-FFF2-40B4-BE49-F238E27FC236}">
+                <a16:creationId xmlns:a16="http://schemas.microsoft.com/office/drawing/2014/main" id="{85B20180-788D-FE2D-AD4D-83B45DDAC50D}"/>
+              </a:ext>
+            </a:extLst>
+          </p:cNvPr>
+          <p:cNvSpPr>
+            <a:spLocks noGrp="1"/>
+          </p:cNvSpPr>
+          <p:nvPr>
+            <p:ph type="title"/>
+          </p:nvPr>
+        </p:nvSpPr>
+        <p:spPr/>
+        <p:txBody>
+          <a:bodyPr/>
+          <a:lstStyle/>
+          <a:p>
+            <a:r>
+              <a:rPr lang="en-US" dirty="0"/>
+              <a:t>Remote access authentication and authorization</a:t>
+            </a:r>
+          </a:p>
+        </p:txBody>
+      </p:sp>
+      <p:sp>
+        <p:nvSpPr>
+          <p:cNvPr id="3" name="Content Placeholder 2">
+            <a:extLst>
+              <a:ext uri="{FF2B5EF4-FFF2-40B4-BE49-F238E27FC236}">
+                <a16:creationId xmlns:a16="http://schemas.microsoft.com/office/drawing/2014/main" id="{5BE3F581-B99F-8BC9-CACE-3D51DA2BA496}"/>
+              </a:ext>
+            </a:extLst>
+          </p:cNvPr>
+          <p:cNvSpPr>
+            <a:spLocks noGrp="1"/>
+          </p:cNvSpPr>
+          <p:nvPr>
+            <p:ph idx="1"/>
+          </p:nvPr>
+        </p:nvSpPr>
+        <p:spPr/>
+        <p:txBody>
+          <a:bodyPr/>
+          <a:lstStyle/>
+          <a:p>
+            <a:r>
+              <a:rPr lang="en-US" dirty="0"/>
+              <a:t>Implement mutual authentication so they can verify legitimacy before providing authentication credentials.</a:t>
+            </a:r>
+          </a:p>
+          <a:p>
+            <a:r>
+              <a:rPr lang="en-US" dirty="0"/>
+              <a:t>MFA is required for access</a:t>
+            </a:r>
+          </a:p>
+          <a:p>
+            <a:r>
+              <a:rPr lang="en-US" dirty="0"/>
+              <a:t>Additionally user should require authentication periodically in remote access devices, they should ensure if they made the base line required for internal systems.</a:t>
+            </a:r>
+          </a:p>
+        </p:txBody>
+      </p:sp>
+    </p:spTree>
+    <p:extLst>
+      <p:ext uri="{BB962C8B-B14F-4D97-AF65-F5344CB8AC3E}">
+        <p14:creationId xmlns:p14="http://schemas.microsoft.com/office/powerpoint/2010/main" val="1309017816"/>
+      </p:ext>
+    </p:extLst>
+  </p:cSld>
+  <p:clrMapOvr>
+    <a:masterClrMapping/>
+  </p:clrMapOvr>
+</p:sld>
+</file>
+
+<file path=ppt/slides/slide38.xml><?xml version="1.0" encoding="utf-8"?>
+<p:sld xmlns:a="http://schemas.openxmlformats.org/drawingml/2006/main" xmlns:r="http://schemas.openxmlformats.org/officeDocument/2006/relationships" xmlns:p="http://schemas.openxmlformats.org/presentationml/2006/main">
+  <p:cSld>
+    <p:spTree>
+      <p:nvGrpSpPr>
+        <p:cNvPr id="1" name=""/>
+        <p:cNvGrpSpPr/>
+        <p:nvPr/>
+      </p:nvGrpSpPr>
+      <p:grpSpPr>
+        <a:xfrm>
+          <a:off x="0" y="0"/>
+          <a:ext cx="0" cy="0"/>
+          <a:chOff x="0" y="0"/>
+          <a:chExt cx="0" cy="0"/>
+        </a:xfrm>
+      </p:grpSpPr>
+      <p:sp>
+        <p:nvSpPr>
+          <p:cNvPr id="2" name="Title 1">
+            <a:extLst>
+              <a:ext uri="{FF2B5EF4-FFF2-40B4-BE49-F238E27FC236}">
+                <a16:creationId xmlns:a16="http://schemas.microsoft.com/office/drawing/2014/main" id="{ED41F894-60A1-5384-512E-23F93C35274F}"/>
+              </a:ext>
+            </a:extLst>
+          </p:cNvPr>
+          <p:cNvSpPr>
+            <a:spLocks noGrp="1"/>
+          </p:cNvSpPr>
+          <p:nvPr>
+            <p:ph type="title"/>
+          </p:nvPr>
+        </p:nvSpPr>
+        <p:spPr/>
+        <p:txBody>
+          <a:bodyPr/>
+          <a:lstStyle/>
+          <a:p>
+            <a:r>
+              <a:rPr lang="en-US" dirty="0"/>
+              <a:t>Network access control</a:t>
+            </a:r>
+          </a:p>
+        </p:txBody>
+      </p:sp>
+      <p:sp>
+        <p:nvSpPr>
+          <p:cNvPr id="3" name="Content Placeholder 2">
+            <a:extLst>
+              <a:ext uri="{FF2B5EF4-FFF2-40B4-BE49-F238E27FC236}">
+                <a16:creationId xmlns:a16="http://schemas.microsoft.com/office/drawing/2014/main" id="{690C7F1B-6CD7-D6B1-C402-1BCC1866FF1D}"/>
+              </a:ext>
+            </a:extLst>
+          </p:cNvPr>
+          <p:cNvSpPr>
+            <a:spLocks noGrp="1"/>
+          </p:cNvSpPr>
+          <p:nvPr>
+            <p:ph idx="1"/>
+          </p:nvPr>
+        </p:nvSpPr>
+        <p:spPr/>
+        <p:txBody>
+          <a:bodyPr/>
+          <a:lstStyle/>
+          <a:p>
+            <a:r>
+              <a:rPr lang="en-US" dirty="0"/>
+              <a:t>Used to check remote access device based on its criteria, if it doesn’t meet a specific criteria access is denied.</a:t>
+            </a:r>
+          </a:p>
+        </p:txBody>
+      </p:sp>
+    </p:spTree>
+    <p:extLst>
+      <p:ext uri="{BB962C8B-B14F-4D97-AF65-F5344CB8AC3E}">
+        <p14:creationId xmlns:p14="http://schemas.microsoft.com/office/powerpoint/2010/main" val="935807662"/>
+      </p:ext>
+    </p:extLst>
+  </p:cSld>
+  <p:clrMapOvr>
+    <a:masterClrMapping/>
+  </p:clrMapOvr>
+</p:sld>
+</file>
+
+<file path=ppt/slides/slide39.xml><?xml version="1.0" encoding="utf-8"?>
+<p:sld xmlns:a="http://schemas.openxmlformats.org/drawingml/2006/main" xmlns:r="http://schemas.openxmlformats.org/officeDocument/2006/relationships" xmlns:p="http://schemas.openxmlformats.org/presentationml/2006/main">
+  <p:cSld>
+    <p:spTree>
+      <p:nvGrpSpPr>
+        <p:cNvPr id="1" name=""/>
+        <p:cNvGrpSpPr/>
+        <p:nvPr/>
+      </p:nvGrpSpPr>
+      <p:grpSpPr>
+        <a:xfrm>
+          <a:off x="0" y="0"/>
+          <a:ext cx="0" cy="0"/>
+          <a:chOff x="0" y="0"/>
+          <a:chExt cx="0" cy="0"/>
+        </a:xfrm>
+      </p:grpSpPr>
+      <p:sp>
+        <p:nvSpPr>
+          <p:cNvPr id="2" name="Title 1">
+            <a:extLst>
+              <a:ext uri="{FF2B5EF4-FFF2-40B4-BE49-F238E27FC236}">
+                <a16:creationId xmlns:a16="http://schemas.microsoft.com/office/drawing/2014/main" id="{EB8AD0FA-DD8C-8E54-699B-D9F113E7DFDB}"/>
+              </a:ext>
+            </a:extLst>
+          </p:cNvPr>
+          <p:cNvSpPr>
+            <a:spLocks noGrp="1"/>
+          </p:cNvSpPr>
+          <p:nvPr>
+            <p:ph type="title"/>
+          </p:nvPr>
+        </p:nvSpPr>
+        <p:spPr/>
+        <p:txBody>
+          <a:bodyPr/>
+          <a:lstStyle/>
+          <a:p>
+            <a:r>
+              <a:rPr lang="en-US" dirty="0"/>
+              <a:t>Teleworking access control</a:t>
+            </a:r>
+          </a:p>
+        </p:txBody>
+      </p:sp>
+      <p:sp>
+        <p:nvSpPr>
+          <p:cNvPr id="3" name="Content Placeholder 2">
+            <a:extLst>
+              <a:ext uri="{FF2B5EF4-FFF2-40B4-BE49-F238E27FC236}">
+                <a16:creationId xmlns:a16="http://schemas.microsoft.com/office/drawing/2014/main" id="{A434293C-74E3-27F7-7CFD-2B736111486C}"/>
+              </a:ext>
+            </a:extLst>
+          </p:cNvPr>
+          <p:cNvSpPr>
+            <a:spLocks noGrp="1"/>
+          </p:cNvSpPr>
+          <p:nvPr>
+            <p:ph idx="1"/>
+          </p:nvPr>
+        </p:nvSpPr>
+        <p:spPr/>
+        <p:txBody>
+          <a:bodyPr/>
+          <a:lstStyle/>
+          <a:p>
+            <a:r>
+              <a:rPr lang="en-US" dirty="0"/>
+              <a:t>Work flexibility arrangement under which employee performs his duties and responsibilities such as positions and other authorized activities from work site to location to work.</a:t>
+            </a:r>
+          </a:p>
+          <a:p>
+            <a:endParaRPr lang="en-US" dirty="0"/>
+          </a:p>
+        </p:txBody>
+      </p:sp>
+    </p:spTree>
+    <p:extLst>
+      <p:ext uri="{BB962C8B-B14F-4D97-AF65-F5344CB8AC3E}">
+        <p14:creationId xmlns:p14="http://schemas.microsoft.com/office/powerpoint/2010/main" val="2106614610"/>
       </p:ext>
     </p:extLst>
   </p:cSld>
@@ -6393,72 +8442,268 @@
           <a:chExt cx="0" cy="0"/>
         </a:xfrm>
       </p:grpSpPr>
-      <p:sp>
-        <p:nvSpPr>
-          <p:cNvPr id="2" name="Title 1">
-            <a:extLst>
-              <a:ext uri="{FF2B5EF4-FFF2-40B4-BE49-F238E27FC236}">
-                <a16:creationId xmlns:a16="http://schemas.microsoft.com/office/drawing/2014/main" id="{BB970C09-FF7B-B09B-4AD9-05DFDCDD8380}"/>
-              </a:ext>
-            </a:extLst>
-          </p:cNvPr>
-          <p:cNvSpPr>
-            <a:spLocks noGrp="1"/>
-          </p:cNvSpPr>
-          <p:nvPr>
-            <p:ph type="title"/>
-          </p:nvPr>
-        </p:nvSpPr>
-        <p:spPr/>
-        <p:txBody>
-          <a:bodyPr/>
-          <a:lstStyle/>
-          <a:p>
-            <a:r>
-              <a:rPr lang="en-US" dirty="0"/>
-              <a:t>Enclave Network</a:t>
-            </a:r>
-          </a:p>
-        </p:txBody>
-      </p:sp>
-      <p:sp>
-        <p:nvSpPr>
-          <p:cNvPr id="3" name="Content Placeholder 2">
-            <a:extLst>
-              <a:ext uri="{FF2B5EF4-FFF2-40B4-BE49-F238E27FC236}">
-                <a16:creationId xmlns:a16="http://schemas.microsoft.com/office/drawing/2014/main" id="{43D26C85-20E8-09EE-742A-7FE41D3AFCEE}"/>
-              </a:ext>
-            </a:extLst>
-          </p:cNvPr>
-          <p:cNvSpPr>
-            <a:spLocks noGrp="1"/>
-          </p:cNvSpPr>
-          <p:nvPr>
-            <p:ph idx="1"/>
-          </p:nvPr>
-        </p:nvSpPr>
-        <p:spPr/>
-        <p:txBody>
-          <a:bodyPr/>
-          <a:lstStyle/>
-          <a:p>
-            <a:r>
-              <a:rPr lang="en-US" dirty="0"/>
-              <a:t>It is a segment of an internal network which requires higher degree of protection. Internal accessibility is restricted through firewalls, VPNs, VLANs and network control devices.</a:t>
-            </a:r>
-          </a:p>
-          <a:p>
-            <a:r>
-              <a:rPr lang="en-US" dirty="0"/>
-              <a:t> </a:t>
-            </a:r>
+      <p:pic>
+        <p:nvPicPr>
+          <p:cNvPr id="2" name="Picture 1" descr="A picture containing text, electronics, circuit&#10;&#10;Description automatically generated">
+            <a:extLst>
+              <a:ext uri="{FF2B5EF4-FFF2-40B4-BE49-F238E27FC236}">
+                <a16:creationId xmlns:a16="http://schemas.microsoft.com/office/drawing/2014/main" id="{B046B117-6868-1362-C350-B88731067303}"/>
+              </a:ext>
+            </a:extLst>
+          </p:cNvPr>
+          <p:cNvPicPr>
+            <a:picLocks noChangeAspect="1"/>
+          </p:cNvPicPr>
+          <p:nvPr/>
+        </p:nvPicPr>
+        <p:blipFill>
+          <a:blip r:embed="rId2">
+            <a:extLst>
+              <a:ext uri="{28A0092B-C50C-407E-A947-70E740481C1C}">
+                <a14:useLocalDpi xmlns:a14="http://schemas.microsoft.com/office/drawing/2010/main" val="0"/>
+              </a:ext>
+            </a:extLst>
+          </a:blip>
+          <a:stretch>
+            <a:fillRect/>
+          </a:stretch>
+        </p:blipFill>
+        <p:spPr>
+          <a:xfrm>
+            <a:off x="-457200" y="0"/>
+            <a:ext cx="12649200" cy="6461185"/>
+          </a:xfrm>
+          <a:prstGeom prst="rect">
+            <a:avLst/>
+          </a:prstGeom>
+        </p:spPr>
+      </p:pic>
+      <p:sp>
+        <p:nvSpPr>
+          <p:cNvPr id="4" name="TextBox 3">
+            <a:extLst>
+              <a:ext uri="{FF2B5EF4-FFF2-40B4-BE49-F238E27FC236}">
+                <a16:creationId xmlns:a16="http://schemas.microsoft.com/office/drawing/2014/main" id="{23A55B0E-9E08-4222-ABA2-50D44D38432C}"/>
+              </a:ext>
+            </a:extLst>
+          </p:cNvPr>
+          <p:cNvSpPr txBox="1"/>
+          <p:nvPr/>
+        </p:nvSpPr>
+        <p:spPr>
+          <a:xfrm>
+            <a:off x="-439947" y="298261"/>
+            <a:ext cx="5089585" cy="5016758"/>
+          </a:xfrm>
+          <a:prstGeom prst="rect">
+            <a:avLst/>
+          </a:prstGeom>
+          <a:noFill/>
+        </p:spPr>
+        <p:txBody>
+          <a:bodyPr wrap="square">
+            <a:spAutoFit/>
+          </a:bodyPr>
+          <a:lstStyle/>
+          <a:p>
+            <a:r>
+              <a:rPr lang="en-CA" sz="3200" b="1" u="sng" dirty="0">
+                <a:solidFill>
+                  <a:schemeClr val="accent4">
+                    <a:lumMod val="60000"/>
+                    <a:lumOff val="40000"/>
+                  </a:schemeClr>
+                </a:solidFill>
+                <a:effectLst/>
+                <a:latin typeface="Times New Roman" panose="02020603050405020304" pitchFamily="18" charset="0"/>
+                <a:ea typeface="Times New Roman" panose="02020603050405020304" pitchFamily="18" charset="0"/>
+              </a:rPr>
+              <a:t>Identification –  </a:t>
+            </a:r>
+            <a:r>
+              <a:rPr lang="en-CA" sz="3200" b="0" u="sng" dirty="0">
+                <a:solidFill>
+                  <a:schemeClr val="accent4">
+                    <a:lumMod val="60000"/>
+                    <a:lumOff val="40000"/>
+                  </a:schemeClr>
+                </a:solidFill>
+                <a:effectLst/>
+                <a:latin typeface="Times New Roman" panose="02020603050405020304" pitchFamily="18" charset="0"/>
+                <a:ea typeface="Times New Roman" panose="02020603050405020304" pitchFamily="18" charset="0"/>
+              </a:rPr>
+              <a:t>Identification is the starting point, where the users provide information about their identity. Today’s systems use authentication factors like fingerprint, retinal, or </a:t>
+            </a:r>
+            <a:r>
+              <a:rPr lang="en-CA" sz="3200" b="0" u="sng" dirty="0">
+                <a:solidFill>
+                  <a:schemeClr val="accent4">
+                    <a:lumMod val="60000"/>
+                    <a:lumOff val="40000"/>
+                  </a:schemeClr>
+                </a:solidFill>
+                <a:effectLst/>
+                <a:latin typeface="Times New Roman" panose="02020603050405020304" pitchFamily="18" charset="0"/>
+                <a:ea typeface="Times New Roman" panose="02020603050405020304" pitchFamily="18" charset="0"/>
+                <a:hlinkClick r:id="rId3">
+                  <a:extLst>
+                    <a:ext uri="{A12FA001-AC4F-418D-AE19-62706E023703}">
+                      <ahyp:hlinkClr xmlns:ahyp="http://schemas.microsoft.com/office/drawing/2018/hyperlinkcolor" val="tx"/>
+                    </a:ext>
+                  </a:extLst>
+                </a:hlinkClick>
+              </a:rPr>
+              <a:t>facial scans</a:t>
+            </a:r>
+            <a:r>
+              <a:rPr lang="en-CA" sz="3200" b="0" u="sng" dirty="0">
+                <a:solidFill>
+                  <a:schemeClr val="accent4">
+                    <a:lumMod val="60000"/>
+                    <a:lumOff val="40000"/>
+                  </a:schemeClr>
+                </a:solidFill>
+                <a:effectLst/>
+                <a:latin typeface="Times New Roman" panose="02020603050405020304" pitchFamily="18" charset="0"/>
+                <a:ea typeface="Times New Roman" panose="02020603050405020304" pitchFamily="18" charset="0"/>
+              </a:rPr>
+              <a:t>, which can be used to validate them in the system.</a:t>
+            </a:r>
+            <a:endParaRPr lang="en-CA" sz="3200" b="1" u="sng" dirty="0">
+              <a:solidFill>
+                <a:schemeClr val="accent4">
+                  <a:lumMod val="60000"/>
+                  <a:lumOff val="40000"/>
+                </a:schemeClr>
+              </a:solidFill>
+              <a:effectLst/>
+              <a:latin typeface="Times New Roman" panose="02020603050405020304" pitchFamily="18" charset="0"/>
+              <a:ea typeface="Times New Roman" panose="02020603050405020304" pitchFamily="18" charset="0"/>
+            </a:endParaRPr>
           </a:p>
         </p:txBody>
       </p:sp>
     </p:spTree>
     <p:extLst>
       <p:ext uri="{BB962C8B-B14F-4D97-AF65-F5344CB8AC3E}">
-        <p14:creationId xmlns:p14="http://schemas.microsoft.com/office/powerpoint/2010/main" val="3257163880"/>
+        <p14:creationId xmlns:p14="http://schemas.microsoft.com/office/powerpoint/2010/main" val="2312611599"/>
+      </p:ext>
+    </p:extLst>
+  </p:cSld>
+  <p:clrMapOvr>
+    <a:masterClrMapping/>
+  </p:clrMapOvr>
+</p:sld>
+</file>
+
+<file path=ppt/slides/slide40.xml><?xml version="1.0" encoding="utf-8"?>
+<p:sld xmlns:a="http://schemas.openxmlformats.org/drawingml/2006/main" xmlns:r="http://schemas.openxmlformats.org/officeDocument/2006/relationships" xmlns:p="http://schemas.openxmlformats.org/presentationml/2006/main">
+  <p:cSld>
+    <p:spTree>
+      <p:nvGrpSpPr>
+        <p:cNvPr id="1" name=""/>
+        <p:cNvGrpSpPr/>
+        <p:nvPr/>
+      </p:nvGrpSpPr>
+      <p:grpSpPr>
+        <a:xfrm>
+          <a:off x="0" y="0"/>
+          <a:ext cx="0" cy="0"/>
+          <a:chOff x="0" y="0"/>
+          <a:chExt cx="0" cy="0"/>
+        </a:xfrm>
+      </p:grpSpPr>
+      <p:sp>
+        <p:nvSpPr>
+          <p:cNvPr id="2" name="Title 1">
+            <a:extLst>
+              <a:ext uri="{FF2B5EF4-FFF2-40B4-BE49-F238E27FC236}">
+                <a16:creationId xmlns:a16="http://schemas.microsoft.com/office/drawing/2014/main" id="{5E896FC0-401B-A606-3B18-39834C0AC108}"/>
+              </a:ext>
+            </a:extLst>
+          </p:cNvPr>
+          <p:cNvSpPr>
+            <a:spLocks noGrp="1"/>
+          </p:cNvSpPr>
+          <p:nvPr>
+            <p:ph type="title"/>
+          </p:nvPr>
+        </p:nvSpPr>
+        <p:spPr/>
+        <p:txBody>
+          <a:bodyPr/>
+          <a:lstStyle/>
+          <a:p>
+            <a:r>
+              <a:rPr lang="en-US" dirty="0" err="1"/>
+              <a:t>Benifits</a:t>
+            </a:r>
+            <a:endParaRPr lang="en-US" dirty="0"/>
+          </a:p>
+        </p:txBody>
+      </p:sp>
+      <p:sp>
+        <p:nvSpPr>
+          <p:cNvPr id="3" name="Content Placeholder 2">
+            <a:extLst>
+              <a:ext uri="{FF2B5EF4-FFF2-40B4-BE49-F238E27FC236}">
+                <a16:creationId xmlns:a16="http://schemas.microsoft.com/office/drawing/2014/main" id="{56AD5E21-B889-6346-9EEE-147EC3A16C29}"/>
+              </a:ext>
+            </a:extLst>
+          </p:cNvPr>
+          <p:cNvSpPr>
+            <a:spLocks noGrp="1"/>
+          </p:cNvSpPr>
+          <p:nvPr>
+            <p:ph idx="1"/>
+          </p:nvPr>
+        </p:nvSpPr>
+        <p:spPr/>
+        <p:txBody>
+          <a:bodyPr/>
+          <a:lstStyle/>
+          <a:p>
+            <a:r>
+              <a:rPr lang="en-US" dirty="0"/>
+              <a:t>Increased motivation and productivity</a:t>
+            </a:r>
+          </a:p>
+          <a:p>
+            <a:r>
+              <a:rPr lang="en-US" dirty="0"/>
+              <a:t>Reduction in vehicle pollution </a:t>
+            </a:r>
+          </a:p>
+          <a:p>
+            <a:r>
+              <a:rPr lang="en-US" dirty="0"/>
+              <a:t>Improved work-life balance</a:t>
+            </a:r>
+          </a:p>
+          <a:p>
+            <a:r>
+              <a:rPr lang="en-US" dirty="0"/>
+              <a:t>Reduced dependency on imported oils</a:t>
+            </a:r>
+          </a:p>
+          <a:p>
+            <a:r>
+              <a:rPr lang="en-US" dirty="0"/>
+              <a:t>New opportunities </a:t>
+            </a:r>
+          </a:p>
+          <a:p>
+            <a:r>
+              <a:rPr lang="en-US" dirty="0"/>
+              <a:t>Establishment of distributed workflows</a:t>
+            </a:r>
+          </a:p>
+        </p:txBody>
+      </p:sp>
+    </p:spTree>
+    <p:extLst>
+      <p:ext uri="{BB962C8B-B14F-4D97-AF65-F5344CB8AC3E}">
+        <p14:creationId xmlns:p14="http://schemas.microsoft.com/office/powerpoint/2010/main" val="676721497"/>
       </p:ext>
     </p:extLst>
   </p:cSld>
@@ -6487,64 +8732,175 @@
       </p:grpSpPr>
       <p:sp>
         <p:nvSpPr>
-          <p:cNvPr id="2" name="Title 1">
-            <a:extLst>
-              <a:ext uri="{FF2B5EF4-FFF2-40B4-BE49-F238E27FC236}">
-                <a16:creationId xmlns:a16="http://schemas.microsoft.com/office/drawing/2014/main" id="{71C1A799-2565-C283-F455-67628F70ABE6}"/>
-              </a:ext>
-            </a:extLst>
-          </p:cNvPr>
-          <p:cNvSpPr>
-            <a:spLocks noGrp="1"/>
-          </p:cNvSpPr>
-          <p:nvPr>
-            <p:ph type="title"/>
-          </p:nvPr>
-        </p:nvSpPr>
-        <p:spPr/>
-        <p:txBody>
-          <a:bodyPr/>
-          <a:lstStyle/>
-          <a:p>
-            <a:r>
-              <a:rPr lang="en-US" dirty="0"/>
-              <a:t>Trusted Network (Wired / Wireless)</a:t>
-            </a:r>
-          </a:p>
-        </p:txBody>
-      </p:sp>
-      <p:sp>
-        <p:nvSpPr>
-          <p:cNvPr id="3" name="Content Placeholder 2">
-            <a:extLst>
-              <a:ext uri="{FF2B5EF4-FFF2-40B4-BE49-F238E27FC236}">
-                <a16:creationId xmlns:a16="http://schemas.microsoft.com/office/drawing/2014/main" id="{AAD978A1-BF14-03C8-5952-CFF36EFE8312}"/>
-              </a:ext>
-            </a:extLst>
-          </p:cNvPr>
-          <p:cNvSpPr>
-            <a:spLocks noGrp="1"/>
-          </p:cNvSpPr>
-          <p:nvPr>
-            <p:ph idx="1"/>
-          </p:nvPr>
-        </p:nvSpPr>
-        <p:spPr/>
-        <p:txBody>
-          <a:bodyPr/>
-          <a:lstStyle/>
-          <a:p>
-            <a:r>
-              <a:rPr lang="en-US" dirty="0"/>
-              <a:t>Internal network is accessible to authorized user only. External accessibility is restricted to the use of firewalls, VPNs, IDS, IPS. Internal accessibility may be restricted to VLANs and NAC devices.</a:t>
-            </a:r>
+          <p:cNvPr id="3" name="TextBox 2">
+            <a:extLst>
+              <a:ext uri="{FF2B5EF4-FFF2-40B4-BE49-F238E27FC236}">
+                <a16:creationId xmlns:a16="http://schemas.microsoft.com/office/drawing/2014/main" id="{F74B9F9C-6F18-0684-6FF8-FA7EDA931074}"/>
+              </a:ext>
+            </a:extLst>
+          </p:cNvPr>
+          <p:cNvSpPr txBox="1"/>
+          <p:nvPr/>
+        </p:nvSpPr>
+        <p:spPr>
+          <a:xfrm>
+            <a:off x="103517" y="735955"/>
+            <a:ext cx="9038326" cy="5201424"/>
+          </a:xfrm>
+          <a:prstGeom prst="rect">
+            <a:avLst/>
+          </a:prstGeom>
+          <a:noFill/>
+        </p:spPr>
+        <p:txBody>
+          <a:bodyPr wrap="square">
+            <a:spAutoFit/>
+          </a:bodyPr>
+          <a:lstStyle/>
+          <a:p>
+            <a:r>
+              <a:rPr lang="en-CA" sz="2800" b="1" dirty="0">
+                <a:effectLst/>
+                <a:latin typeface="Times New Roman" panose="02020603050405020304" pitchFamily="18" charset="0"/>
+                <a:ea typeface="Times New Roman" panose="02020603050405020304" pitchFamily="18" charset="0"/>
+              </a:rPr>
+              <a:t>How Is Identity Verified?</a:t>
+            </a:r>
+          </a:p>
+          <a:p>
+            <a:endParaRPr lang="en-CA" sz="2400" b="1" dirty="0">
+              <a:effectLst/>
+              <a:latin typeface="Times New Roman" panose="02020603050405020304" pitchFamily="18" charset="0"/>
+              <a:ea typeface="Times New Roman" panose="02020603050405020304" pitchFamily="18" charset="0"/>
+            </a:endParaRPr>
+          </a:p>
+          <a:p>
+            <a:r>
+              <a:rPr lang="en-CA" sz="1800" b="0" dirty="0">
+                <a:effectLst/>
+                <a:latin typeface="Times New Roman" panose="02020603050405020304" pitchFamily="18" charset="0"/>
+                <a:ea typeface="Times New Roman" panose="02020603050405020304" pitchFamily="18" charset="0"/>
+              </a:rPr>
+              <a:t>A secure identity should be distinct in the sense that it should be possible for two users to identify themselves clearly. In the context of account monitoring, this is very significant. If the authentication systems are disconnected, it is feasible for identities to be duplicated</a:t>
+            </a:r>
+            <a:r>
+              <a:rPr lang="en-CA" sz="2800" b="1" dirty="0">
+                <a:effectLst/>
+                <a:latin typeface="Times New Roman" panose="02020603050405020304" pitchFamily="18" charset="0"/>
+                <a:ea typeface="Times New Roman" panose="02020603050405020304" pitchFamily="18" charset="0"/>
+              </a:rPr>
+              <a:t>.</a:t>
+            </a:r>
+            <a:endParaRPr lang="en-CA" sz="1800" b="1" dirty="0">
+              <a:effectLst/>
+              <a:latin typeface="Times New Roman" panose="02020603050405020304" pitchFamily="18" charset="0"/>
+              <a:ea typeface="Times New Roman" panose="02020603050405020304" pitchFamily="18" charset="0"/>
+            </a:endParaRPr>
+          </a:p>
+          <a:p>
+            <a:r>
+              <a:rPr lang="en-CA" sz="1800" b="0" dirty="0">
+                <a:effectLst/>
+                <a:latin typeface="Times New Roman" panose="02020603050405020304" pitchFamily="18" charset="0"/>
+                <a:ea typeface="Times New Roman" panose="02020603050405020304" pitchFamily="18" charset="0"/>
+              </a:rPr>
+              <a:t>The list that follows highlights the key concepts of identity. </a:t>
+            </a:r>
+            <a:endParaRPr lang="en-CA" sz="1800" b="1" dirty="0">
+              <a:effectLst/>
+              <a:latin typeface="Times New Roman" panose="02020603050405020304" pitchFamily="18" charset="0"/>
+              <a:ea typeface="Times New Roman" panose="02020603050405020304" pitchFamily="18" charset="0"/>
+            </a:endParaRPr>
+          </a:p>
+          <a:p>
+            <a:pPr marL="342900" lvl="0" indent="-342900">
+              <a:buFont typeface="+mj-lt"/>
+              <a:buAutoNum type="arabicPeriod"/>
+            </a:pPr>
+            <a:r>
+              <a:rPr lang="en-CA" sz="1800" b="0" dirty="0">
+                <a:effectLst/>
+                <a:latin typeface="Times New Roman" panose="02020603050405020304" pitchFamily="18" charset="0"/>
+                <a:ea typeface="Times New Roman" panose="02020603050405020304" pitchFamily="18" charset="0"/>
+              </a:rPr>
+              <a:t>Identities should be unique. Two users with the same identity should not be allowed.</a:t>
+            </a:r>
+          </a:p>
+          <a:p>
+            <a:pPr lvl="0"/>
+            <a:endParaRPr lang="en-CA" b="1" dirty="0">
+              <a:latin typeface="Times New Roman" panose="02020603050405020304" pitchFamily="18" charset="0"/>
+              <a:ea typeface="Times New Roman" panose="02020603050405020304" pitchFamily="18" charset="0"/>
+            </a:endParaRPr>
+          </a:p>
+          <a:p>
+            <a:pPr lvl="0"/>
+            <a:r>
+              <a:rPr lang="en-CA" sz="1800" b="1" dirty="0">
+                <a:effectLst/>
+                <a:latin typeface="Times New Roman" panose="02020603050405020304" pitchFamily="18" charset="0"/>
+                <a:ea typeface="Times New Roman" panose="02020603050405020304" pitchFamily="18" charset="0"/>
+              </a:rPr>
+              <a:t>2. </a:t>
+            </a:r>
+            <a:r>
+              <a:rPr lang="en-CA" sz="1800" b="0" dirty="0">
+                <a:effectLst/>
+                <a:latin typeface="Times New Roman" panose="02020603050405020304" pitchFamily="18" charset="0"/>
+                <a:ea typeface="Times New Roman" panose="02020603050405020304" pitchFamily="18" charset="0"/>
+              </a:rPr>
+              <a:t> Identities should be nondescriptive. It should not be possible to infer the role or function of the user. For example, a user called “Admin” represents a descriptive identity, whereas a user called “o1337ms1” represents a nondescriptive identity. </a:t>
+            </a:r>
+          </a:p>
+          <a:p>
+            <a:pPr lvl="0"/>
+            <a:endParaRPr lang="en-CA" sz="1800" b="1" dirty="0">
+              <a:effectLst/>
+              <a:latin typeface="Times New Roman" panose="02020603050405020304" pitchFamily="18" charset="0"/>
+              <a:ea typeface="Times New Roman" panose="02020603050405020304" pitchFamily="18" charset="0"/>
+            </a:endParaRPr>
+          </a:p>
+          <a:p>
+            <a:pPr lvl="0"/>
+            <a:r>
+              <a:rPr lang="en-CA" sz="1800" b="0" dirty="0">
+                <a:effectLst/>
+                <a:latin typeface="Times New Roman" panose="02020603050405020304" pitchFamily="18" charset="0"/>
+                <a:ea typeface="Times New Roman" panose="02020603050405020304" pitchFamily="18" charset="0"/>
+              </a:rPr>
+              <a:t>3. Identities should be securely issued. A secure process for issuing an identity to a user needs to be established.</a:t>
+            </a:r>
+          </a:p>
+          <a:p>
+            <a:pPr lvl="0"/>
+            <a:endParaRPr lang="en-CA" sz="1800" b="1" dirty="0">
+              <a:effectLst/>
+              <a:latin typeface="Times New Roman" panose="02020603050405020304" pitchFamily="18" charset="0"/>
+              <a:ea typeface="Times New Roman" panose="02020603050405020304" pitchFamily="18" charset="0"/>
+            </a:endParaRPr>
+          </a:p>
+          <a:p>
+            <a:pPr lvl="0"/>
+            <a:r>
+              <a:rPr lang="en-CA" sz="1800" b="0" dirty="0">
+                <a:effectLst/>
+                <a:latin typeface="Times New Roman" panose="02020603050405020304" pitchFamily="18" charset="0"/>
+                <a:ea typeface="Times New Roman" panose="02020603050405020304" pitchFamily="18" charset="0"/>
+              </a:rPr>
+              <a:t>4.  Identities can be location-based. A process for authenticating someone based on his or her location.</a:t>
+            </a:r>
+            <a:endParaRPr lang="en-CA" sz="1800" b="1" dirty="0">
+              <a:effectLst/>
+              <a:latin typeface="Times New Roman" panose="02020603050405020304" pitchFamily="18" charset="0"/>
+              <a:ea typeface="Times New Roman" panose="02020603050405020304" pitchFamily="18" charset="0"/>
+            </a:endParaRPr>
           </a:p>
         </p:txBody>
       </p:sp>
     </p:spTree>
     <p:extLst>
       <p:ext uri="{BB962C8B-B14F-4D97-AF65-F5344CB8AC3E}">
-        <p14:creationId xmlns:p14="http://schemas.microsoft.com/office/powerpoint/2010/main" val="1832873125"/>
+        <p14:creationId xmlns:p14="http://schemas.microsoft.com/office/powerpoint/2010/main" val="4246287470"/>
       </p:ext>
     </p:extLst>
   </p:cSld>
@@ -6573,64 +8929,129 @@
       </p:grpSpPr>
       <p:sp>
         <p:nvSpPr>
-          <p:cNvPr id="2" name="Title 1">
-            <a:extLst>
-              <a:ext uri="{FF2B5EF4-FFF2-40B4-BE49-F238E27FC236}">
-                <a16:creationId xmlns:a16="http://schemas.microsoft.com/office/drawing/2014/main" id="{5D72A087-EAAD-5DED-9F1E-9A285CACF9E2}"/>
-              </a:ext>
-            </a:extLst>
-          </p:cNvPr>
-          <p:cNvSpPr>
-            <a:spLocks noGrp="1"/>
-          </p:cNvSpPr>
-          <p:nvPr>
-            <p:ph type="title"/>
-          </p:nvPr>
-        </p:nvSpPr>
-        <p:spPr/>
-        <p:txBody>
-          <a:bodyPr/>
-          <a:lstStyle/>
-          <a:p>
-            <a:r>
-              <a:rPr lang="en-US" dirty="0"/>
-              <a:t>Semi Trusted Network</a:t>
-            </a:r>
-          </a:p>
-        </p:txBody>
-      </p:sp>
-      <p:sp>
-        <p:nvSpPr>
-          <p:cNvPr id="3" name="Content Placeholder 2">
-            <a:extLst>
-              <a:ext uri="{FF2B5EF4-FFF2-40B4-BE49-F238E27FC236}">
-                <a16:creationId xmlns:a16="http://schemas.microsoft.com/office/drawing/2014/main" id="{D05042AB-0CFC-2E9E-08E2-D5BD635CEA1D}"/>
-              </a:ext>
-            </a:extLst>
-          </p:cNvPr>
-          <p:cNvSpPr>
-            <a:spLocks noGrp="1"/>
-          </p:cNvSpPr>
-          <p:nvPr>
-            <p:ph idx="1"/>
-          </p:nvPr>
-        </p:nvSpPr>
-        <p:spPr/>
-        <p:txBody>
-          <a:bodyPr/>
-          <a:lstStyle/>
-          <a:p>
-            <a:r>
-              <a:rPr lang="en-US" dirty="0"/>
-              <a:t>It is designed to be internet accessible. Hosts are generally located in DMZ. Internal and external accessibility is restricted through the use of firewalls, VPNs, IDS, and IPS.</a:t>
-            </a:r>
+          <p:cNvPr id="3" name="TextBox 2">
+            <a:extLst>
+              <a:ext uri="{FF2B5EF4-FFF2-40B4-BE49-F238E27FC236}">
+                <a16:creationId xmlns:a16="http://schemas.microsoft.com/office/drawing/2014/main" id="{F7851E5C-DF1E-8A17-45DA-4EFE31D23E9D}"/>
+              </a:ext>
+            </a:extLst>
+          </p:cNvPr>
+          <p:cNvSpPr txBox="1"/>
+          <p:nvPr/>
+        </p:nvSpPr>
+        <p:spPr>
+          <a:xfrm>
+            <a:off x="664234" y="1920895"/>
+            <a:ext cx="8477609" cy="2462213"/>
+          </a:xfrm>
+          <a:prstGeom prst="rect">
+            <a:avLst/>
+          </a:prstGeom>
+          <a:noFill/>
+        </p:spPr>
+        <p:txBody>
+          <a:bodyPr wrap="square">
+            <a:spAutoFit/>
+          </a:bodyPr>
+          <a:lstStyle/>
+          <a:p>
+            <a:r>
+              <a:rPr lang="en-CA" sz="2800" b="1" dirty="0">
+                <a:effectLst/>
+                <a:latin typeface="Times New Roman" panose="02020603050405020304" pitchFamily="18" charset="0"/>
+                <a:ea typeface="Times New Roman" panose="02020603050405020304" pitchFamily="18" charset="0"/>
+              </a:rPr>
+              <a:t>Authentication –</a:t>
+            </a:r>
+            <a:r>
+              <a:rPr lang="en-CA" sz="1400" b="1" dirty="0">
+                <a:effectLst/>
+                <a:latin typeface="Times New Roman" panose="02020603050405020304" pitchFamily="18" charset="0"/>
+                <a:ea typeface="Times New Roman" panose="02020603050405020304" pitchFamily="18" charset="0"/>
+              </a:rPr>
+              <a:t> </a:t>
+            </a:r>
+            <a:r>
+              <a:rPr lang="en-CA" sz="1800" u="sng" dirty="0">
+                <a:effectLst/>
+                <a:latin typeface="Times New Roman" panose="02020603050405020304" pitchFamily="18" charset="0"/>
+                <a:ea typeface="Times New Roman" panose="02020603050405020304" pitchFamily="18" charset="0"/>
+              </a:rPr>
+              <a:t>Authentication focuses on users providing proof of identity before being granted access to the system. Verification, which ideally is a </a:t>
+            </a:r>
+            <a:r>
+              <a:rPr lang="en-CA" sz="1800" u="sng" strike="noStrike" dirty="0">
+                <a:effectLst/>
+                <a:latin typeface="Times New Roman" panose="02020603050405020304" pitchFamily="18" charset="0"/>
+                <a:ea typeface="Times New Roman" panose="02020603050405020304" pitchFamily="18" charset="0"/>
+                <a:hlinkClick r:id="rId2">
+                  <a:extLst>
+                    <a:ext uri="{A12FA001-AC4F-418D-AE19-62706E023703}">
+                      <ahyp:hlinkClr xmlns:ahyp="http://schemas.microsoft.com/office/drawing/2018/hyperlinkcolor" val="tx"/>
+                    </a:ext>
+                  </a:extLst>
+                </a:hlinkClick>
+              </a:rPr>
+              <a:t>multi-factor authentication</a:t>
+            </a:r>
+            <a:r>
+              <a:rPr lang="en-CA" sz="1800" u="sng" dirty="0">
+                <a:effectLst/>
+                <a:latin typeface="Times New Roman" panose="02020603050405020304" pitchFamily="18" charset="0"/>
+                <a:ea typeface="Times New Roman" panose="02020603050405020304" pitchFamily="18" charset="0"/>
+              </a:rPr>
+              <a:t> process, proves that they are whom they claim to be. Entering a password, using a digital or physical key, and providing a </a:t>
+            </a:r>
+            <a:r>
+              <a:rPr lang="en-CA" sz="1800" u="sng" strike="noStrike" dirty="0">
+                <a:effectLst/>
+                <a:latin typeface="Times New Roman" panose="02020603050405020304" pitchFamily="18" charset="0"/>
+                <a:ea typeface="Times New Roman" panose="02020603050405020304" pitchFamily="18" charset="0"/>
+                <a:hlinkClick r:id="rId3">
+                  <a:extLst>
+                    <a:ext uri="{A12FA001-AC4F-418D-AE19-62706E023703}">
+                      <ahyp:hlinkClr xmlns:ahyp="http://schemas.microsoft.com/office/drawing/2018/hyperlinkcolor" val="tx"/>
+                    </a:ext>
+                  </a:extLst>
+                </a:hlinkClick>
+              </a:rPr>
+              <a:t>biometric </a:t>
+            </a:r>
+            <a:r>
+              <a:rPr lang="en-CA" sz="1800" u="sng" dirty="0">
+                <a:effectLst/>
+                <a:latin typeface="Times New Roman" panose="02020603050405020304" pitchFamily="18" charset="0"/>
+                <a:ea typeface="Times New Roman" panose="02020603050405020304" pitchFamily="18" charset="0"/>
+              </a:rPr>
+              <a:t>measure for accuracy are some of the ways to do this effectively.</a:t>
+            </a:r>
+            <a:endParaRPr lang="en-CA" sz="1400" u="sng" dirty="0">
+              <a:effectLst/>
+              <a:latin typeface="Times New Roman" panose="02020603050405020304" pitchFamily="18" charset="0"/>
+              <a:ea typeface="Times New Roman" panose="02020603050405020304" pitchFamily="18" charset="0"/>
+            </a:endParaRPr>
+          </a:p>
+          <a:p>
+            <a:r>
+              <a:rPr lang="en-CA" sz="1800" u="sng" dirty="0">
+                <a:effectLst/>
+                <a:latin typeface="Times New Roman" panose="02020603050405020304" pitchFamily="18" charset="0"/>
+                <a:ea typeface="Times New Roman" panose="02020603050405020304" pitchFamily="18" charset="0"/>
+              </a:rPr>
+              <a:t>The disadvantage of using this method is that once the information is lost or stolen (for example, if a user’s password is stolen), an attacker would be able to successfully authenticate.</a:t>
+            </a:r>
+            <a:endParaRPr lang="en-CA" sz="1400" u="sng" dirty="0">
+              <a:effectLst/>
+              <a:latin typeface="Times New Roman" panose="02020603050405020304" pitchFamily="18" charset="0"/>
+              <a:ea typeface="Times New Roman" panose="02020603050405020304" pitchFamily="18" charset="0"/>
+            </a:endParaRPr>
           </a:p>
         </p:txBody>
       </p:sp>
     </p:spTree>
     <p:extLst>
       <p:ext uri="{BB962C8B-B14F-4D97-AF65-F5344CB8AC3E}">
-        <p14:creationId xmlns:p14="http://schemas.microsoft.com/office/powerpoint/2010/main" val="896153566"/>
+        <p14:creationId xmlns:p14="http://schemas.microsoft.com/office/powerpoint/2010/main" val="2989353149"/>
       </p:ext>
     </p:extLst>
   </p:cSld>
@@ -6662,7 +9083,7 @@
           <p:cNvPr id="2" name="Title 1">
             <a:extLst>
               <a:ext uri="{FF2B5EF4-FFF2-40B4-BE49-F238E27FC236}">
-                <a16:creationId xmlns:a16="http://schemas.microsoft.com/office/drawing/2014/main" id="{C20FDD76-6D5E-7D28-7EF0-CD60FB9D4E63}"/>
+                <a16:creationId xmlns:a16="http://schemas.microsoft.com/office/drawing/2014/main" id="{67B1B51B-3124-738D-0446-444018BEC8BD}"/>
               </a:ext>
             </a:extLst>
           </p:cNvPr>
@@ -6679,9 +9100,21 @@
           <a:lstStyle/>
           <a:p>
             <a:r>
-              <a:rPr lang="en-US" dirty="0"/>
-              <a:t>Guest Network</a:t>
-            </a:r>
+              <a:rPr lang="en-CA" sz="4400" b="1" dirty="0">
+                <a:effectLst/>
+                <a:latin typeface="Times New Roman" panose="02020603050405020304" pitchFamily="18" charset="0"/>
+                <a:ea typeface="Times New Roman" panose="02020603050405020304" pitchFamily="18" charset="0"/>
+              </a:rPr>
+              <a:t>Authentication by Knowledge – </a:t>
+            </a:r>
+            <a:br>
+              <a:rPr lang="en-CA" sz="1800" dirty="0">
+                <a:effectLst/>
+                <a:latin typeface="Times New Roman" panose="02020603050405020304" pitchFamily="18" charset="0"/>
+                <a:ea typeface="Times New Roman" panose="02020603050405020304" pitchFamily="18" charset="0"/>
+              </a:rPr>
+            </a:br>
+            <a:endParaRPr lang="en-CA" dirty="0"/>
           </a:p>
         </p:txBody>
       </p:sp>
@@ -6690,7 +9123,7 @@
           <p:cNvPr id="3" name="Content Placeholder 2">
             <a:extLst>
               <a:ext uri="{FF2B5EF4-FFF2-40B4-BE49-F238E27FC236}">
-                <a16:creationId xmlns:a16="http://schemas.microsoft.com/office/drawing/2014/main" id="{20D0E2E7-C8C5-BF36-C11F-56602DBF2FE0}"/>
+                <a16:creationId xmlns:a16="http://schemas.microsoft.com/office/drawing/2014/main" id="{CEF23298-7DFC-AA0C-2507-91CF77FB98D2}"/>
               </a:ext>
             </a:extLst>
           </p:cNvPr>
@@ -6707,16 +9140,59 @@
           <a:lstStyle/>
           <a:p>
             <a:r>
-              <a:rPr lang="en-US" dirty="0"/>
-              <a:t>It is specifically designed for the use of visitors to connect to the internet. There is no access from guest network to trusted network.</a:t>
-            </a:r>
-          </a:p>
-        </p:txBody>
-      </p:sp>
+              <a:rPr lang="en-CA" sz="1800" dirty="0">
+                <a:effectLst/>
+                <a:latin typeface="Times New Roman" panose="02020603050405020304" pitchFamily="18" charset="0"/>
+                <a:ea typeface="Times New Roman" panose="02020603050405020304" pitchFamily="18" charset="0"/>
+              </a:rPr>
+              <a:t>When the user offers a secret that only they know, that is known-only authentication by knowledge. A password, PIN code, or security question provided by the user would be examples of knowledge-based authentication.</a:t>
+            </a:r>
+          </a:p>
+          <a:p>
+            <a:endParaRPr lang="en-CA" dirty="0"/>
+          </a:p>
+        </p:txBody>
+      </p:sp>
+      <p:pic>
+        <p:nvPicPr>
+          <p:cNvPr id="4" name="Picture 3" descr="Logo, company name&#10;&#10;Description automatically generated">
+            <a:extLst>
+              <a:ext uri="{FF2B5EF4-FFF2-40B4-BE49-F238E27FC236}">
+                <a16:creationId xmlns:a16="http://schemas.microsoft.com/office/drawing/2014/main" id="{F5B40B1E-49F7-1EDB-E047-4A662C78E836}"/>
+              </a:ext>
+            </a:extLst>
+          </p:cNvPr>
+          <p:cNvPicPr>
+            <a:picLocks noChangeAspect="1"/>
+          </p:cNvPicPr>
+          <p:nvPr/>
+        </p:nvPicPr>
+        <p:blipFill>
+          <a:blip r:embed="rId2">
+            <a:extLst>
+              <a:ext uri="{28A0092B-C50C-407E-A947-70E740481C1C}">
+                <a14:useLocalDpi xmlns:a14="http://schemas.microsoft.com/office/drawing/2010/main" val="0"/>
+              </a:ext>
+            </a:extLst>
+          </a:blip>
+          <a:stretch>
+            <a:fillRect/>
+          </a:stretch>
+        </p:blipFill>
+        <p:spPr>
+          <a:xfrm>
+            <a:off x="310550" y="3062377"/>
+            <a:ext cx="11792309" cy="3364302"/>
+          </a:xfrm>
+          <a:prstGeom prst="rect">
+            <a:avLst/>
+          </a:prstGeom>
+        </p:spPr>
+      </p:pic>
     </p:spTree>
     <p:extLst>
       <p:ext uri="{BB962C8B-B14F-4D97-AF65-F5344CB8AC3E}">
-        <p14:creationId xmlns:p14="http://schemas.microsoft.com/office/powerpoint/2010/main" val="1917718120"/>
+        <p14:creationId xmlns:p14="http://schemas.microsoft.com/office/powerpoint/2010/main" val="1895518474"/>
       </p:ext>
     </p:extLst>
   </p:cSld>
@@ -6745,64 +9221,235 @@
       </p:grpSpPr>
       <p:sp>
         <p:nvSpPr>
-          <p:cNvPr id="2" name="Title 1">
-            <a:extLst>
-              <a:ext uri="{FF2B5EF4-FFF2-40B4-BE49-F238E27FC236}">
-                <a16:creationId xmlns:a16="http://schemas.microsoft.com/office/drawing/2014/main" id="{F9E30B7C-B942-2211-BEBA-CB296AD643C8}"/>
-              </a:ext>
-            </a:extLst>
-          </p:cNvPr>
-          <p:cNvSpPr>
-            <a:spLocks noGrp="1"/>
-          </p:cNvSpPr>
-          <p:nvPr>
-            <p:ph type="title"/>
-          </p:nvPr>
-        </p:nvSpPr>
-        <p:spPr/>
-        <p:txBody>
-          <a:bodyPr/>
-          <a:lstStyle/>
-          <a:p>
-            <a:r>
-              <a:rPr lang="en-US" dirty="0"/>
-              <a:t>Untrusted Network</a:t>
-            </a:r>
-          </a:p>
-        </p:txBody>
-      </p:sp>
-      <p:sp>
-        <p:nvSpPr>
-          <p:cNvPr id="3" name="Content Placeholder 2">
-            <a:extLst>
-              <a:ext uri="{FF2B5EF4-FFF2-40B4-BE49-F238E27FC236}">
-                <a16:creationId xmlns:a16="http://schemas.microsoft.com/office/drawing/2014/main" id="{25CA6469-D697-F84B-52E7-C36F2846AA81}"/>
-              </a:ext>
-            </a:extLst>
-          </p:cNvPr>
-          <p:cNvSpPr>
-            <a:spLocks noGrp="1"/>
-          </p:cNvSpPr>
-          <p:nvPr>
-            <p:ph idx="1"/>
-          </p:nvPr>
-        </p:nvSpPr>
-        <p:spPr/>
-        <p:txBody>
-          <a:bodyPr/>
-          <a:lstStyle/>
-          <a:p>
-            <a:r>
-              <a:rPr lang="en-US" dirty="0"/>
-              <a:t>A  network outside of security control.</a:t>
-            </a:r>
+          <p:cNvPr id="3" name="TextBox 2">
+            <a:extLst>
+              <a:ext uri="{FF2B5EF4-FFF2-40B4-BE49-F238E27FC236}">
+                <a16:creationId xmlns:a16="http://schemas.microsoft.com/office/drawing/2014/main" id="{31DA78B5-C4E8-2D27-D321-107258CFA1C8}"/>
+              </a:ext>
+            </a:extLst>
+          </p:cNvPr>
+          <p:cNvSpPr txBox="1"/>
+          <p:nvPr/>
+        </p:nvSpPr>
+        <p:spPr>
+          <a:xfrm>
+            <a:off x="362309" y="428179"/>
+            <a:ext cx="8779534" cy="5386090"/>
+          </a:xfrm>
+          <a:prstGeom prst="rect">
+            <a:avLst/>
+          </a:prstGeom>
+          <a:noFill/>
+        </p:spPr>
+        <p:txBody>
+          <a:bodyPr wrap="square">
+            <a:spAutoFit/>
+          </a:bodyPr>
+          <a:lstStyle/>
+          <a:p>
+            <a:r>
+              <a:rPr lang="en-CA" sz="3200" b="1" dirty="0">
+                <a:effectLst/>
+                <a:latin typeface="Times New Roman" panose="02020603050405020304" pitchFamily="18" charset="0"/>
+                <a:ea typeface="Times New Roman" panose="02020603050405020304" pitchFamily="18" charset="0"/>
+              </a:rPr>
+              <a:t>Authorization – </a:t>
+            </a:r>
+            <a:r>
+              <a:rPr lang="en-CA" sz="2000" b="1" dirty="0">
+                <a:effectLst/>
+                <a:latin typeface="Times New Roman" panose="02020603050405020304" pitchFamily="18" charset="0"/>
+                <a:ea typeface="Times New Roman" panose="02020603050405020304" pitchFamily="18" charset="0"/>
+              </a:rPr>
+              <a:t> </a:t>
+            </a:r>
+            <a:r>
+              <a:rPr lang="en-CA" sz="2000" b="0" dirty="0">
+                <a:effectLst/>
+                <a:latin typeface="Times New Roman" panose="02020603050405020304" pitchFamily="18" charset="0"/>
+                <a:ea typeface="Times New Roman" panose="02020603050405020304" pitchFamily="18" charset="0"/>
+              </a:rPr>
+              <a:t>When a user has successfully established their identity, pre-determined permissions are granted to them during the authorization stage. The level of clearance that should be provided is determined by the reference monitor or authorization matrix, which also stores and transmits control information.</a:t>
+            </a:r>
+            <a:endParaRPr lang="en-CA" sz="1800" b="1" dirty="0">
+              <a:effectLst/>
+              <a:latin typeface="Times New Roman" panose="02020603050405020304" pitchFamily="18" charset="0"/>
+              <a:ea typeface="Times New Roman" panose="02020603050405020304" pitchFamily="18" charset="0"/>
+            </a:endParaRPr>
+          </a:p>
+          <a:p>
+            <a:pPr marL="342900" lvl="0" indent="-342900">
+              <a:buFont typeface="+mj-lt"/>
+              <a:buAutoNum type="arabicPeriod"/>
+            </a:pPr>
+            <a:r>
+              <a:rPr lang="en-CA" sz="1800" b="0" dirty="0">
+                <a:effectLst/>
+                <a:latin typeface="Times New Roman" panose="02020603050405020304" pitchFamily="18" charset="0"/>
+                <a:ea typeface="Times New Roman" panose="02020603050405020304" pitchFamily="18" charset="0"/>
+              </a:rPr>
+              <a:t>Default access privileges will be set to default deny (deny all). </a:t>
+            </a:r>
+          </a:p>
+          <a:p>
+            <a:pPr marL="342900" lvl="0" indent="-342900">
+              <a:buFont typeface="+mj-lt"/>
+              <a:buAutoNum type="arabicPeriod"/>
+            </a:pPr>
+            <a:endParaRPr lang="en-CA" sz="1800" b="1" dirty="0">
+              <a:effectLst/>
+              <a:latin typeface="Times New Roman" panose="02020603050405020304" pitchFamily="18" charset="0"/>
+              <a:ea typeface="Times New Roman" panose="02020603050405020304" pitchFamily="18" charset="0"/>
+            </a:endParaRPr>
+          </a:p>
+          <a:p>
+            <a:pPr marL="342900" lvl="0" indent="-342900">
+              <a:buFont typeface="+mj-lt"/>
+              <a:buAutoNum type="arabicPeriod"/>
+            </a:pPr>
+            <a:r>
+              <a:rPr lang="en-CA" sz="1800" b="0" dirty="0">
+                <a:effectLst/>
+                <a:latin typeface="Times New Roman" panose="02020603050405020304" pitchFamily="18" charset="0"/>
+                <a:ea typeface="Times New Roman" panose="02020603050405020304" pitchFamily="18" charset="0"/>
+              </a:rPr>
+              <a:t>Access to information and information systems must be limited to personnel and processes with a need-to-know to effectively fulfill their duties.</a:t>
+            </a:r>
+          </a:p>
+          <a:p>
+            <a:pPr marL="342900" lvl="0" indent="-342900">
+              <a:buFont typeface="+mj-lt"/>
+              <a:buAutoNum type="arabicPeriod"/>
+            </a:pPr>
+            <a:endParaRPr lang="en-CA" sz="1800" b="1" dirty="0">
+              <a:effectLst/>
+              <a:latin typeface="Times New Roman" panose="02020603050405020304" pitchFamily="18" charset="0"/>
+              <a:ea typeface="Times New Roman" panose="02020603050405020304" pitchFamily="18" charset="0"/>
+            </a:endParaRPr>
+          </a:p>
+          <a:p>
+            <a:pPr marL="342900" lvl="0" indent="-342900">
+              <a:buFont typeface="+mj-lt"/>
+              <a:buAutoNum type="arabicPeriod"/>
+            </a:pPr>
+            <a:r>
+              <a:rPr lang="en-CA" sz="1800" b="0" dirty="0">
+                <a:effectLst/>
+                <a:latin typeface="Times New Roman" panose="02020603050405020304" pitchFamily="18" charset="0"/>
+                <a:ea typeface="Times New Roman" panose="02020603050405020304" pitchFamily="18" charset="0"/>
+              </a:rPr>
+              <a:t>Access permissions must be based on the minimum required to perform the</a:t>
+            </a:r>
+            <a:endParaRPr lang="en-CA" sz="1800" b="1" dirty="0">
+              <a:effectLst/>
+              <a:latin typeface="Times New Roman" panose="02020603050405020304" pitchFamily="18" charset="0"/>
+              <a:ea typeface="Times New Roman" panose="02020603050405020304" pitchFamily="18" charset="0"/>
+            </a:endParaRPr>
+          </a:p>
+          <a:p>
+            <a:pPr marL="457200"/>
+            <a:r>
+              <a:rPr lang="en-CA" sz="1800" b="0" dirty="0">
+                <a:effectLst/>
+                <a:latin typeface="Times New Roman" panose="02020603050405020304" pitchFamily="18" charset="0"/>
+                <a:ea typeface="Times New Roman" panose="02020603050405020304" pitchFamily="18" charset="0"/>
+              </a:rPr>
+              <a:t> job or program function. </a:t>
+            </a:r>
+          </a:p>
+          <a:p>
+            <a:pPr marL="457200"/>
+            <a:endParaRPr lang="en-CA" sz="1800" b="1" dirty="0">
+              <a:effectLst/>
+              <a:latin typeface="Times New Roman" panose="02020603050405020304" pitchFamily="18" charset="0"/>
+              <a:ea typeface="Times New Roman" panose="02020603050405020304" pitchFamily="18" charset="0"/>
+            </a:endParaRPr>
+          </a:p>
+          <a:p>
+            <a:pPr lvl="0"/>
+            <a:r>
+              <a:rPr lang="en-CA" sz="1800" b="0" dirty="0">
+                <a:effectLst/>
+                <a:latin typeface="Times New Roman" panose="02020603050405020304" pitchFamily="18" charset="0"/>
+                <a:ea typeface="Times New Roman" panose="02020603050405020304" pitchFamily="18" charset="0"/>
+              </a:rPr>
+              <a:t>4.    Information and information system owners are responsible for determining access rights and permissions.</a:t>
+            </a:r>
+          </a:p>
+          <a:p>
+            <a:pPr marL="342900" lvl="0" indent="-342900">
+              <a:buFont typeface="+mj-lt"/>
+              <a:buAutoNum type="arabicPeriod"/>
+            </a:pPr>
+            <a:endParaRPr lang="en-CA" sz="1800" b="1" dirty="0">
+              <a:effectLst/>
+              <a:latin typeface="Times New Roman" panose="02020603050405020304" pitchFamily="18" charset="0"/>
+              <a:ea typeface="Times New Roman" panose="02020603050405020304" pitchFamily="18" charset="0"/>
+            </a:endParaRPr>
+          </a:p>
+          <a:p>
+            <a:pPr lvl="0"/>
+            <a:r>
+              <a:rPr lang="en-CA" sz="1800" b="0" dirty="0">
+                <a:effectLst/>
+                <a:latin typeface="Times New Roman" panose="02020603050405020304" pitchFamily="18" charset="0"/>
+                <a:ea typeface="Times New Roman" panose="02020603050405020304" pitchFamily="18" charset="0"/>
+              </a:rPr>
+              <a:t>5.  The Office of Information Security is responsible for enforcing an authorization process.</a:t>
+            </a:r>
+          </a:p>
+          <a:p>
+            <a:pPr lvl="0"/>
+            <a:r>
+              <a:rPr lang="en-CA" sz="1800" b="0" dirty="0">
+                <a:effectLst/>
+                <a:latin typeface="Times New Roman" panose="02020603050405020304" pitchFamily="18" charset="0"/>
+                <a:ea typeface="Times New Roman" panose="02020603050405020304" pitchFamily="18" charset="0"/>
+              </a:rPr>
+              <a:t> </a:t>
+            </a:r>
+            <a:endParaRPr lang="en-CA" b="1" dirty="0">
+              <a:latin typeface="Times New Roman" panose="02020603050405020304" pitchFamily="18" charset="0"/>
+              <a:ea typeface="Times New Roman" panose="02020603050405020304" pitchFamily="18" charset="0"/>
+            </a:endParaRPr>
+          </a:p>
+          <a:p>
+            <a:pPr lvl="0"/>
+            <a:r>
+              <a:rPr lang="en-CA" b="1" dirty="0">
+                <a:latin typeface="Times New Roman" panose="02020603050405020304" pitchFamily="18" charset="0"/>
+                <a:ea typeface="Times New Roman" panose="02020603050405020304" pitchFamily="18" charset="0"/>
+              </a:rPr>
+              <a:t>6. </a:t>
+            </a:r>
+            <a:r>
+              <a:rPr lang="en-CA" sz="1800" b="1" dirty="0">
+                <a:effectLst/>
+                <a:latin typeface="Times New Roman" panose="02020603050405020304" pitchFamily="18" charset="0"/>
+                <a:ea typeface="Times New Roman" panose="02020603050405020304" pitchFamily="18" charset="0"/>
+              </a:rPr>
+              <a:t> </a:t>
+            </a:r>
+            <a:r>
+              <a:rPr lang="en-CA" sz="1800" b="0" dirty="0">
+                <a:effectLst/>
+                <a:latin typeface="Times New Roman" panose="02020603050405020304" pitchFamily="18" charset="0"/>
+                <a:ea typeface="Times New Roman" panose="02020603050405020304" pitchFamily="18" charset="0"/>
+              </a:rPr>
+              <a:t>Permissions must not be granted until the authorization process is complete.</a:t>
+            </a:r>
+            <a:endParaRPr lang="en-CA" sz="1800" b="1" dirty="0">
+              <a:effectLst/>
+              <a:latin typeface="Times New Roman" panose="02020603050405020304" pitchFamily="18" charset="0"/>
+              <a:ea typeface="Times New Roman" panose="02020603050405020304" pitchFamily="18" charset="0"/>
+            </a:endParaRPr>
           </a:p>
         </p:txBody>
       </p:sp>
     </p:spTree>
     <p:extLst>
       <p:ext uri="{BB962C8B-B14F-4D97-AF65-F5344CB8AC3E}">
-        <p14:creationId xmlns:p14="http://schemas.microsoft.com/office/powerpoint/2010/main" val="3759214303"/>
+        <p14:creationId xmlns:p14="http://schemas.microsoft.com/office/powerpoint/2010/main" val="2123169541"/>
       </p:ext>
     </p:extLst>
   </p:cSld>
@@ -6834,7 +9481,7 @@
           <p:cNvPr id="2" name="Title 1">
             <a:extLst>
               <a:ext uri="{FF2B5EF4-FFF2-40B4-BE49-F238E27FC236}">
-                <a16:creationId xmlns:a16="http://schemas.microsoft.com/office/drawing/2014/main" id="{EFFF7A0A-A67B-1D0E-71E7-003374DEE151}"/>
+                <a16:creationId xmlns:a16="http://schemas.microsoft.com/office/drawing/2014/main" id="{DFB9C914-3151-D425-EA04-F0DB9CDE2BCA}"/>
               </a:ext>
             </a:extLst>
           </p:cNvPr>
@@ -6851,64 +9498,129 @@
           <a:lstStyle/>
           <a:p>
             <a:r>
-              <a:rPr lang="en-US" dirty="0"/>
-              <a:t>Technologies used to segment a Network</a:t>
-            </a:r>
-          </a:p>
-        </p:txBody>
-      </p:sp>
-      <p:sp>
-        <p:nvSpPr>
-          <p:cNvPr id="3" name="Content Placeholder 2">
-            <a:extLst>
-              <a:ext uri="{FF2B5EF4-FFF2-40B4-BE49-F238E27FC236}">
-                <a16:creationId xmlns:a16="http://schemas.microsoft.com/office/drawing/2014/main" id="{77B5DDC1-34B0-C8FD-6D90-CB3D47E2E2A4}"/>
-              </a:ext>
-            </a:extLst>
-          </p:cNvPr>
-          <p:cNvSpPr>
-            <a:spLocks noGrp="1"/>
-          </p:cNvSpPr>
+              <a:rPr lang="en-CA" sz="4000" b="1" dirty="0">
+                <a:effectLst/>
+                <a:latin typeface="Times New Roman" panose="02020603050405020304" pitchFamily="18" charset="0"/>
+                <a:ea typeface="Times New Roman" panose="02020603050405020304" pitchFamily="18" charset="0"/>
+              </a:rPr>
+              <a:t>Authentication by Ownership or Possession –</a:t>
+            </a:r>
+            <a:br>
+              <a:rPr lang="en-CA" sz="1800" b="1" dirty="0">
+                <a:effectLst/>
+                <a:latin typeface="Times New Roman" panose="02020603050405020304" pitchFamily="18" charset="0"/>
+                <a:ea typeface="Times New Roman" panose="02020603050405020304" pitchFamily="18" charset="0"/>
+              </a:rPr>
+            </a:br>
+            <a:endParaRPr lang="en-CA" dirty="0"/>
+          </a:p>
+        </p:txBody>
+      </p:sp>
+      <p:pic>
+        <p:nvPicPr>
+          <p:cNvPr id="4" name="Content Placeholder 3">
+            <a:extLst>
+              <a:ext uri="{FF2B5EF4-FFF2-40B4-BE49-F238E27FC236}">
+                <a16:creationId xmlns:a16="http://schemas.microsoft.com/office/drawing/2014/main" id="{CBB1D20F-4F78-F768-BDD4-609FA9196790}"/>
+              </a:ext>
+            </a:extLst>
+          </p:cNvPr>
+          <p:cNvPicPr>
+            <a:picLocks noGrp="1" noChangeAspect="1"/>
+          </p:cNvPicPr>
           <p:nvPr>
             <p:ph idx="1"/>
           </p:nvPr>
-        </p:nvSpPr>
-        <p:spPr/>
-        <p:txBody>
-          <a:bodyPr/>
-          <a:lstStyle/>
-          <a:p>
-            <a:r>
-              <a:rPr lang="en-US" dirty="0"/>
-              <a:t>Virtual LANs (VLANs)</a:t>
-            </a:r>
-          </a:p>
-          <a:p>
-            <a:r>
-              <a:rPr lang="en-US" dirty="0"/>
-              <a:t>Security Group Tagging (SGT)</a:t>
-            </a:r>
-          </a:p>
-          <a:p>
-            <a:r>
-              <a:rPr lang="en-US" dirty="0"/>
-              <a:t>VPN Routing and Forwarding (VRF)</a:t>
-            </a:r>
-          </a:p>
-          <a:p>
-            <a:r>
-              <a:rPr lang="en-US" dirty="0" err="1"/>
-              <a:t>vMicro</a:t>
-            </a:r>
-            <a:r>
-              <a:rPr lang="en-US" dirty="0"/>
-              <a:t>-segmentation at the virtual machine level</a:t>
-            </a:r>
-          </a:p>
-          <a:p>
-            <a:r>
-              <a:rPr lang="en-US" dirty="0"/>
-              <a:t>Micro-segmentation for containers</a:t>
+        </p:nvPicPr>
+        <p:blipFill>
+          <a:blip r:embed="rId2">
+            <a:extLst>
+              <a:ext uri="{28A0092B-C50C-407E-A947-70E740481C1C}">
+                <a14:useLocalDpi xmlns:a14="http://schemas.microsoft.com/office/drawing/2010/main" val="0"/>
+              </a:ext>
+            </a:extLst>
+          </a:blip>
+          <a:stretch>
+            <a:fillRect/>
+          </a:stretch>
+        </p:blipFill>
+        <p:spPr>
+          <a:xfrm>
+            <a:off x="0" y="1250829"/>
+            <a:ext cx="11964838" cy="5244861"/>
+          </a:xfrm>
+          <a:prstGeom prst="rect">
+            <a:avLst/>
+          </a:prstGeom>
+        </p:spPr>
+      </p:pic>
+      <p:sp>
+        <p:nvSpPr>
+          <p:cNvPr id="6" name="TextBox 5">
+            <a:extLst>
+              <a:ext uri="{FF2B5EF4-FFF2-40B4-BE49-F238E27FC236}">
+                <a16:creationId xmlns:a16="http://schemas.microsoft.com/office/drawing/2014/main" id="{EED8C35E-6BCB-DF97-5254-F38C360AF21B}"/>
+              </a:ext>
+            </a:extLst>
+          </p:cNvPr>
+          <p:cNvSpPr txBox="1"/>
+          <p:nvPr/>
+        </p:nvSpPr>
+        <p:spPr>
+          <a:xfrm>
+            <a:off x="227162" y="1258089"/>
+            <a:ext cx="11964838" cy="1631216"/>
+          </a:xfrm>
+          <a:prstGeom prst="rect">
+            <a:avLst/>
+          </a:prstGeom>
+          <a:noFill/>
+        </p:spPr>
+        <p:txBody>
+          <a:bodyPr wrap="square">
+            <a:spAutoFit/>
+          </a:bodyPr>
+          <a:lstStyle/>
+          <a:p>
+            <a:r>
+              <a:rPr lang="en-CA" sz="2000" b="1" dirty="0">
+                <a:solidFill>
+                  <a:schemeClr val="bg2">
+                    <a:lumMod val="10000"/>
+                  </a:schemeClr>
+                </a:solidFill>
+                <a:effectLst/>
+                <a:latin typeface="Times New Roman" panose="02020603050405020304" pitchFamily="18" charset="0"/>
+                <a:ea typeface="Times New Roman" panose="02020603050405020304" pitchFamily="18" charset="0"/>
+              </a:rPr>
+              <a:t>With this type of authentication, the user is asked to provide proof that he owns something specific—for example, a system might require an employee to use a badge to access a facility. Another example of authentication by ownership is the use of a token or smart card.</a:t>
+            </a:r>
+          </a:p>
+          <a:p>
+            <a:endParaRPr lang="en-CA" sz="2000" b="1" dirty="0">
+              <a:solidFill>
+                <a:schemeClr val="bg2">
+                  <a:lumMod val="10000"/>
+                </a:schemeClr>
+              </a:solidFill>
+              <a:effectLst/>
+              <a:latin typeface="Times New Roman" panose="02020603050405020304" pitchFamily="18" charset="0"/>
+              <a:ea typeface="Times New Roman" panose="02020603050405020304" pitchFamily="18" charset="0"/>
+            </a:endParaRPr>
+          </a:p>
+          <a:p>
+            <a:r>
+              <a:rPr lang="en-CA" sz="2000" b="1" dirty="0">
+                <a:solidFill>
+                  <a:schemeClr val="bg2">
+                    <a:lumMod val="10000"/>
+                  </a:schemeClr>
+                </a:solidFill>
+                <a:effectLst/>
+                <a:latin typeface="Times New Roman" panose="02020603050405020304" pitchFamily="18" charset="0"/>
+                <a:ea typeface="Times New Roman" panose="02020603050405020304" pitchFamily="18" charset="0"/>
+              </a:rPr>
+              <a:t>Possession – The most common of the four is the one-time passcode sent to a device in the user’s possession.</a:t>
             </a:r>
           </a:p>
         </p:txBody>
@@ -6916,7 +9628,7 @@
     </p:spTree>
     <p:extLst>
       <p:ext uri="{BB962C8B-B14F-4D97-AF65-F5344CB8AC3E}">
-        <p14:creationId xmlns:p14="http://schemas.microsoft.com/office/powerpoint/2010/main" val="2652937463"/>
+        <p14:creationId xmlns:p14="http://schemas.microsoft.com/office/powerpoint/2010/main" val="509213846"/>
       </p:ext>
     </p:extLst>
   </p:cSld>

--- a/Access Control.pptx
+++ b/Access Control.pptx
@@ -23,28 +23,32 @@
     <p:sldId id="257" r:id="rId17"/>
     <p:sldId id="258" r:id="rId18"/>
     <p:sldId id="259" r:id="rId19"/>
-    <p:sldId id="260" r:id="rId20"/>
-    <p:sldId id="261" r:id="rId21"/>
-    <p:sldId id="262" r:id="rId22"/>
-    <p:sldId id="263" r:id="rId23"/>
-    <p:sldId id="264" r:id="rId24"/>
-    <p:sldId id="265" r:id="rId25"/>
-    <p:sldId id="266" r:id="rId26"/>
-    <p:sldId id="267" r:id="rId27"/>
-    <p:sldId id="268" r:id="rId28"/>
-    <p:sldId id="269" r:id="rId29"/>
-    <p:sldId id="270" r:id="rId30"/>
-    <p:sldId id="271" r:id="rId31"/>
-    <p:sldId id="272" r:id="rId32"/>
-    <p:sldId id="273" r:id="rId33"/>
-    <p:sldId id="274" r:id="rId34"/>
-    <p:sldId id="275" r:id="rId35"/>
-    <p:sldId id="276" r:id="rId36"/>
-    <p:sldId id="277" r:id="rId37"/>
-    <p:sldId id="278" r:id="rId38"/>
-    <p:sldId id="279" r:id="rId39"/>
-    <p:sldId id="280" r:id="rId40"/>
-    <p:sldId id="281" r:id="rId41"/>
+    <p:sldId id="264" r:id="rId20"/>
+    <p:sldId id="265" r:id="rId21"/>
+    <p:sldId id="266" r:id="rId22"/>
+    <p:sldId id="267" r:id="rId23"/>
+    <p:sldId id="268" r:id="rId24"/>
+    <p:sldId id="269" r:id="rId25"/>
+    <p:sldId id="270" r:id="rId26"/>
+    <p:sldId id="271" r:id="rId27"/>
+    <p:sldId id="272" r:id="rId28"/>
+    <p:sldId id="273" r:id="rId29"/>
+    <p:sldId id="274" r:id="rId30"/>
+    <p:sldId id="275" r:id="rId31"/>
+    <p:sldId id="276" r:id="rId32"/>
+    <p:sldId id="278" r:id="rId33"/>
+    <p:sldId id="279" r:id="rId34"/>
+    <p:sldId id="280" r:id="rId35"/>
+    <p:sldId id="281" r:id="rId36"/>
+    <p:sldId id="296" r:id="rId37"/>
+    <p:sldId id="297" r:id="rId38"/>
+    <p:sldId id="298" r:id="rId39"/>
+    <p:sldId id="299" r:id="rId40"/>
+    <p:sldId id="300" r:id="rId41"/>
+    <p:sldId id="301" r:id="rId42"/>
+    <p:sldId id="302" r:id="rId43"/>
+    <p:sldId id="303" r:id="rId44"/>
+    <p:sldId id="304" r:id="rId45"/>
   </p:sldIdLst>
   <p:sldSz cx="12192000" cy="6858000"/>
   <p:notesSz cx="6858000" cy="9144000"/>
@@ -395,7 +399,7 @@
           <a:p>
             <a:fld id="{9184DA70-C731-4C70-880D-CCD4705E623C}" type="datetime1">
               <a:rPr lang="en-US" smtClean="0"/>
-              <a:t>11/13/2022</a:t>
+              <a:t>11/16/2022</a:t>
             </a:fld>
             <a:endParaRPr lang="en-US" dirty="0"/>
           </a:p>
@@ -583,7 +587,7 @@
           <a:p>
             <a:fld id="{B612A279-0833-481D-8C56-F67FD0AC6C50}" type="datetime1">
               <a:rPr lang="en-US" smtClean="0"/>
-              <a:t>11/13/2022</a:t>
+              <a:t>11/16/2022</a:t>
             </a:fld>
             <a:endParaRPr lang="en-US" dirty="0"/>
           </a:p>
@@ -825,7 +829,7 @@
           <a:p>
             <a:fld id="{6587DA83-5663-4C9C-B9AA-0B40A3DAFF81}" type="datetime1">
               <a:rPr lang="en-US" smtClean="0"/>
-              <a:t>11/13/2022</a:t>
+              <a:t>11/16/2022</a:t>
             </a:fld>
             <a:endParaRPr lang="en-US" dirty="0"/>
           </a:p>
@@ -1013,7 +1017,7 @@
           <a:p>
             <a:fld id="{4BE1D723-8F53-4F53-90B0-1982A396982E}" type="datetime1">
               <a:rPr lang="en-US" smtClean="0"/>
-              <a:t>11/13/2022</a:t>
+              <a:t>11/16/2022</a:t>
             </a:fld>
             <a:endParaRPr lang="en-US" dirty="0"/>
           </a:p>
@@ -1386,7 +1390,7 @@
           <a:p>
             <a:fld id="{97669AF7-7BEB-44E4-9852-375E34362B5B}" type="datetime1">
               <a:rPr lang="en-US" smtClean="0"/>
-              <a:t>11/13/2022</a:t>
+              <a:t>11/16/2022</a:t>
             </a:fld>
             <a:endParaRPr lang="en-US" dirty="0"/>
           </a:p>
@@ -1641,7 +1645,7 @@
           <a:p>
             <a:fld id="{BAAAC38D-0552-4C82-B593-E6124DFADBE2}" type="datetime1">
               <a:rPr lang="en-US" smtClean="0"/>
-              <a:t>11/13/2022</a:t>
+              <a:t>11/16/2022</a:t>
             </a:fld>
             <a:endParaRPr lang="en-US" dirty="0"/>
           </a:p>
@@ -2038,7 +2042,7 @@
           <a:p>
             <a:fld id="{D9DF0F1C-5577-4ACB-BB62-DF8F3C494C7E}" type="datetime1">
               <a:rPr lang="en-US" smtClean="0"/>
-              <a:t>11/13/2022</a:t>
+              <a:t>11/16/2022</a:t>
             </a:fld>
             <a:endParaRPr lang="en-US" dirty="0"/>
           </a:p>
@@ -2174,7 +2178,7 @@
           <a:p>
             <a:fld id="{1775B394-D9F9-4F0C-B15D-605F45CB9E9F}" type="datetime1">
               <a:rPr lang="en-US" smtClean="0"/>
-              <a:t>11/13/2022</a:t>
+              <a:t>11/16/2022</a:t>
             </a:fld>
             <a:endParaRPr lang="en-US" dirty="0"/>
           </a:p>
@@ -2331,7 +2335,7 @@
           <a:p>
             <a:fld id="{39667345-2558-425A-8533-9BFDBCE15005}" type="datetime1">
               <a:rPr lang="en-US" smtClean="0"/>
-              <a:t>11/13/2022</a:t>
+              <a:t>11/16/2022</a:t>
             </a:fld>
             <a:endParaRPr lang="en-US" dirty="0"/>
           </a:p>
@@ -2660,7 +2664,7 @@
           <a:p>
             <a:fld id="{92BEA474-078D-4E9B-9B14-09A87B19DC46}" type="datetime1">
               <a:rPr lang="en-US" smtClean="0"/>
-              <a:t>11/13/2022</a:t>
+              <a:t>11/16/2022</a:t>
             </a:fld>
             <a:endParaRPr lang="en-US" dirty="0"/>
           </a:p>
@@ -3010,7 +3014,7 @@
           <a:p>
             <a:fld id="{4907D986-8816-4272-A432-0437A28A9828}" type="datetime1">
               <a:rPr lang="en-US" smtClean="0"/>
-              <a:t>11/13/2022</a:t>
+              <a:t>11/16/2022</a:t>
             </a:fld>
             <a:endParaRPr lang="en-US" dirty="0"/>
           </a:p>
@@ -3271,7 +3275,7 @@
           <a:p>
             <a:fld id="{62D6E202-B606-4609-B914-27C9371A1F6D}" type="datetime1">
               <a:rPr lang="en-US" smtClean="0"/>
-              <a:t>11/13/2022</a:t>
+              <a:t>11/16/2022</a:t>
             </a:fld>
             <a:endParaRPr lang="en-US" dirty="0"/>
           </a:p>
@@ -5674,19 +5678,20 @@
           <a:p>
             <a:r>
               <a:rPr lang="en-US" dirty="0"/>
-              <a:t>It is defined as interconnected group of host and devices which is mostly distributed to different locations and offices. </a:t>
-            </a:r>
-          </a:p>
-          <a:p>
-            <a:r>
-              <a:rPr lang="en-US" dirty="0"/>
-              <a:t>Access to those infrastructure brings Infrastructure Access Control which includes – physical, logical, border, communication mechanism, host security which continues monitoring with must </a:t>
-            </a:r>
-            <a:r>
-              <a:rPr lang="en-US"/>
-              <a:t>generated response…</a:t>
-            </a:r>
-            <a:endParaRPr lang="en-US" dirty="0"/>
+              <a:t>Infra-structure.</a:t>
+            </a:r>
+          </a:p>
+          <a:p>
+            <a:r>
+              <a:rPr lang="en-US" dirty="0"/>
+              <a:t>Giving access to those structure brings Infrastructure Access Control.</a:t>
+            </a:r>
+          </a:p>
+          <a:p>
+            <a:r>
+              <a:rPr lang="en-US" dirty="0"/>
+              <a:t>What types of controls are included?</a:t>
+            </a:r>
           </a:p>
         </p:txBody>
       </p:sp>
@@ -5826,24 +5831,19 @@
           <a:p>
             <a:r>
               <a:rPr lang="en-US" dirty="0"/>
-              <a:t>The process of logically classifying network resources, applications, and assets is known as network segmentation. The ability to implement different services, authentication requirements, and security measures is made possible through segmentation.</a:t>
-            </a:r>
-          </a:p>
-          <a:p>
-            <a:endParaRPr lang="en-US" dirty="0"/>
-          </a:p>
-          <a:p>
-            <a:pPr marL="0" indent="0">
-              <a:buNone/>
-            </a:pPr>
-            <a:r>
-              <a:rPr lang="en-US" dirty="0"/>
-              <a:t>Network segments includes the following types –</a:t>
-            </a:r>
-          </a:p>
-          <a:p>
-            <a:pPr marL="0" indent="0">
-              <a:buNone/>
+              <a:t>Network classification.</a:t>
+            </a:r>
+          </a:p>
+          <a:p>
+            <a:r>
+              <a:rPr lang="en-US" dirty="0"/>
+              <a:t>The ability to implement different services, authentication requirements, and security measures is made possible through segmentation.</a:t>
+            </a:r>
+          </a:p>
+          <a:p>
+            <a:pPr>
+              <a:buFont typeface="Arial" panose="020B0604020202020204" pitchFamily="34" charset="0"/>
+              <a:buChar char="•"/>
             </a:pPr>
             <a:endParaRPr lang="en-US" dirty="0"/>
           </a:p>
@@ -5902,7 +5902,7 @@
           <a:p>
             <a:r>
               <a:rPr lang="en-US" dirty="0"/>
-              <a:t>Enclave Network</a:t>
+              <a:t>Segmented Network Types</a:t>
             </a:r>
           </a:p>
         </p:txBody>
@@ -5928,15 +5928,56 @@
           <a:bodyPr/>
           <a:lstStyle/>
           <a:p>
-            <a:r>
-              <a:rPr lang="en-US" dirty="0"/>
-              <a:t>It is a segment of an internal network which requires higher degree of protection. Internal accessibility is restricted through firewalls, VPNs, VLANs and network control devices.</a:t>
-            </a:r>
-          </a:p>
-          <a:p>
-            <a:r>
-              <a:rPr lang="en-US" dirty="0"/>
-              <a:t> </a:t>
+            <a:endParaRPr lang="en-US" dirty="0"/>
+          </a:p>
+          <a:p>
+            <a:pPr>
+              <a:buFont typeface="Arial" panose="020B0604020202020204" pitchFamily="34" charset="0"/>
+              <a:buChar char="•"/>
+            </a:pPr>
+            <a:r>
+              <a:rPr lang="en-US" dirty="0"/>
+              <a:t> Enclave network</a:t>
+            </a:r>
+          </a:p>
+          <a:p>
+            <a:pPr>
+              <a:buFont typeface="Arial" panose="020B0604020202020204" pitchFamily="34" charset="0"/>
+              <a:buChar char="•"/>
+            </a:pPr>
+            <a:r>
+              <a:rPr lang="en-US" dirty="0"/>
+              <a:t>Trusted Network (Wired/Wireless)</a:t>
+            </a:r>
+          </a:p>
+          <a:p>
+            <a:pPr>
+              <a:buFont typeface="Arial" panose="020B0604020202020204" pitchFamily="34" charset="0"/>
+              <a:buChar char="•"/>
+            </a:pPr>
+            <a:r>
+              <a:rPr lang="en-US" dirty="0"/>
+              <a:t>Semi Trusted Network</a:t>
+            </a:r>
+          </a:p>
+          <a:p>
+            <a:pPr>
+              <a:buFont typeface="Arial" panose="020B0604020202020204" pitchFamily="34" charset="0"/>
+              <a:buChar char="•"/>
+            </a:pPr>
+            <a:r>
+              <a:rPr lang="en-US" dirty="0"/>
+              <a:t>Guest Network</a:t>
+            </a:r>
+          </a:p>
+          <a:p>
+            <a:pPr>
+              <a:buFont typeface="Arial" panose="020B0604020202020204" pitchFamily="34" charset="0"/>
+              <a:buChar char="•"/>
+            </a:pPr>
+            <a:r>
+              <a:rPr lang="en-US" dirty="0"/>
+              <a:t>Untrusted Network</a:t>
             </a:r>
           </a:p>
         </p:txBody>
@@ -5976,7 +6017,7 @@
           <p:cNvPr id="2" name="Title 1">
             <a:extLst>
               <a:ext uri="{FF2B5EF4-FFF2-40B4-BE49-F238E27FC236}">
-                <a16:creationId xmlns:a16="http://schemas.microsoft.com/office/drawing/2014/main" id="{71C1A799-2565-C283-F455-67628F70ABE6}"/>
+                <a16:creationId xmlns:a16="http://schemas.microsoft.com/office/drawing/2014/main" id="{EFFF7A0A-A67B-1D0E-71E7-003374DEE151}"/>
               </a:ext>
             </a:extLst>
           </p:cNvPr>
@@ -5994,7 +6035,7 @@
           <a:p>
             <a:r>
               <a:rPr lang="en-US" dirty="0"/>
-              <a:t>Trusted Network (Wired / Wireless)</a:t>
+              <a:t>Technologies used to segment a Network</a:t>
             </a:r>
           </a:p>
         </p:txBody>
@@ -6004,7 +6045,7 @@
           <p:cNvPr id="3" name="Content Placeholder 2">
             <a:extLst>
               <a:ext uri="{FF2B5EF4-FFF2-40B4-BE49-F238E27FC236}">
-                <a16:creationId xmlns:a16="http://schemas.microsoft.com/office/drawing/2014/main" id="{AAD978A1-BF14-03C8-5952-CFF36EFE8312}"/>
+                <a16:creationId xmlns:a16="http://schemas.microsoft.com/office/drawing/2014/main" id="{77B5DDC1-34B0-C8FD-6D90-CB3D47E2E2A4}"/>
               </a:ext>
             </a:extLst>
           </p:cNvPr>
@@ -6022,7 +6063,35 @@
           <a:p>
             <a:r>
               <a:rPr lang="en-US" dirty="0"/>
-              <a:t>Internal network is accessible to authorized user only. External accessibility is restricted to the use of firewalls, VPNs, IDS, IPS. Internal accessibility may be restricted to VLANs and NAC devices.</a:t>
+              <a:t>Virtual LANs (VLANs)</a:t>
+            </a:r>
+          </a:p>
+          <a:p>
+            <a:r>
+              <a:rPr lang="en-US" dirty="0"/>
+              <a:t>Security Group Tagging (SGT)</a:t>
+            </a:r>
+          </a:p>
+          <a:p>
+            <a:r>
+              <a:rPr lang="en-US" dirty="0"/>
+              <a:t>VPN Routing and Forwarding (VRF)</a:t>
+            </a:r>
+          </a:p>
+          <a:p>
+            <a:r>
+              <a:rPr lang="en-US" dirty="0" err="1"/>
+              <a:t>vMicro</a:t>
+            </a:r>
+            <a:r>
+              <a:rPr lang="en-US" dirty="0"/>
+              <a:t>-segmentation at the virtual machine level</a:t>
+            </a:r>
+          </a:p>
+          <a:p>
+            <a:r>
+              <a:rPr lang="en-US" dirty="0"/>
+              <a:t>Micro-segmentation for containers</a:t>
             </a:r>
           </a:p>
         </p:txBody>
@@ -6030,7 +6099,7 @@
     </p:spTree>
     <p:extLst>
       <p:ext uri="{BB962C8B-B14F-4D97-AF65-F5344CB8AC3E}">
-        <p14:creationId xmlns:p14="http://schemas.microsoft.com/office/powerpoint/2010/main" val="1832873125"/>
+        <p14:creationId xmlns:p14="http://schemas.microsoft.com/office/powerpoint/2010/main" val="2652937463"/>
       </p:ext>
     </p:extLst>
   </p:cSld>
@@ -6243,7 +6312,7 @@
           <p:cNvPr id="2" name="Title 1">
             <a:extLst>
               <a:ext uri="{FF2B5EF4-FFF2-40B4-BE49-F238E27FC236}">
-                <a16:creationId xmlns:a16="http://schemas.microsoft.com/office/drawing/2014/main" id="{5D72A087-EAAD-5DED-9F1E-9A285CACF9E2}"/>
+                <a16:creationId xmlns:a16="http://schemas.microsoft.com/office/drawing/2014/main" id="{5C73ED6D-769B-D413-0EE0-9992095CB79D}"/>
               </a:ext>
             </a:extLst>
           </p:cNvPr>
@@ -6261,7 +6330,7 @@
           <a:p>
             <a:r>
               <a:rPr lang="en-US" dirty="0"/>
-              <a:t>Semi Trusted Network</a:t>
+              <a:t>Layered border security</a:t>
             </a:r>
           </a:p>
         </p:txBody>
@@ -6271,7 +6340,7 @@
           <p:cNvPr id="3" name="Content Placeholder 2">
             <a:extLst>
               <a:ext uri="{FF2B5EF4-FFF2-40B4-BE49-F238E27FC236}">
-                <a16:creationId xmlns:a16="http://schemas.microsoft.com/office/drawing/2014/main" id="{D05042AB-0CFC-2E9E-08E2-D5BD635CEA1D}"/>
+                <a16:creationId xmlns:a16="http://schemas.microsoft.com/office/drawing/2014/main" id="{39E430E2-77DC-9A08-D6A2-D091D10F7458}"/>
               </a:ext>
             </a:extLst>
           </p:cNvPr>
@@ -6289,7 +6358,19 @@
           <a:p>
             <a:r>
               <a:rPr lang="en-US" dirty="0"/>
-              <a:t>It is designed to be internet accessible. Hosts are generally located in DMZ. Internal and external accessibility is restricted through the use of firewalls, VPNs, IDS, and IPS.</a:t>
+              <a:t>Layer security</a:t>
+            </a:r>
+          </a:p>
+          <a:p>
+            <a:r>
+              <a:rPr lang="en-US" dirty="0"/>
+              <a:t>Layered border security</a:t>
+            </a:r>
+          </a:p>
+          <a:p>
+            <a:r>
+              <a:rPr lang="en-US" dirty="0"/>
+              <a:t>It includes controls like firewalls</a:t>
             </a:r>
           </a:p>
         </p:txBody>
@@ -6297,7 +6378,7 @@
     </p:spTree>
     <p:extLst>
       <p:ext uri="{BB962C8B-B14F-4D97-AF65-F5344CB8AC3E}">
-        <p14:creationId xmlns:p14="http://schemas.microsoft.com/office/powerpoint/2010/main" val="896153566"/>
+        <p14:creationId xmlns:p14="http://schemas.microsoft.com/office/powerpoint/2010/main" val="2937805561"/>
       </p:ext>
     </p:extLst>
   </p:cSld>
@@ -6329,7 +6410,7 @@
           <p:cNvPr id="2" name="Title 1">
             <a:extLst>
               <a:ext uri="{FF2B5EF4-FFF2-40B4-BE49-F238E27FC236}">
-                <a16:creationId xmlns:a16="http://schemas.microsoft.com/office/drawing/2014/main" id="{C20FDD76-6D5E-7D28-7EF0-CD60FB9D4E63}"/>
+                <a16:creationId xmlns:a16="http://schemas.microsoft.com/office/drawing/2014/main" id="{F99909C3-139A-80AF-4E93-1E5DF6352094}"/>
               </a:ext>
             </a:extLst>
           </p:cNvPr>
@@ -6347,7 +6428,7 @@
           <a:p>
             <a:r>
               <a:rPr lang="en-US" dirty="0"/>
-              <a:t>Guest Network</a:t>
+              <a:t>Firewalls</a:t>
             </a:r>
           </a:p>
         </p:txBody>
@@ -6357,7 +6438,7 @@
           <p:cNvPr id="3" name="Content Placeholder 2">
             <a:extLst>
               <a:ext uri="{FF2B5EF4-FFF2-40B4-BE49-F238E27FC236}">
-                <a16:creationId xmlns:a16="http://schemas.microsoft.com/office/drawing/2014/main" id="{20D0E2E7-C8C5-BF36-C11F-56602DBF2FE0}"/>
+                <a16:creationId xmlns:a16="http://schemas.microsoft.com/office/drawing/2014/main" id="{6B8A64D5-D098-13B7-54B8-0388CF65613C}"/>
               </a:ext>
             </a:extLst>
           </p:cNvPr>
@@ -6375,7 +6456,13 @@
           <a:p>
             <a:r>
               <a:rPr lang="en-US" dirty="0"/>
-              <a:t>It is specifically designed for the use of visitors to connect to the internet. There is no access from guest network to trusted network.</a:t>
+              <a:t>It controls the flow of traffic in the network which is mandatory. Without firewalls, the network is completely exposed and can be compromised.</a:t>
+            </a:r>
+          </a:p>
+          <a:p>
+            <a:r>
+              <a:rPr lang="en-US" dirty="0"/>
+              <a:t>Firewalls are handled and configured with procedures and rule sets to control incoming and outgoing traffic.</a:t>
             </a:r>
           </a:p>
         </p:txBody>
@@ -6383,7 +6470,7 @@
     </p:spTree>
     <p:extLst>
       <p:ext uri="{BB962C8B-B14F-4D97-AF65-F5344CB8AC3E}">
-        <p14:creationId xmlns:p14="http://schemas.microsoft.com/office/powerpoint/2010/main" val="1917718120"/>
+        <p14:creationId xmlns:p14="http://schemas.microsoft.com/office/powerpoint/2010/main" val="1627068461"/>
       </p:ext>
     </p:extLst>
   </p:cSld>
@@ -6415,7 +6502,7 @@
           <p:cNvPr id="2" name="Title 1">
             <a:extLst>
               <a:ext uri="{FF2B5EF4-FFF2-40B4-BE49-F238E27FC236}">
-                <a16:creationId xmlns:a16="http://schemas.microsoft.com/office/drawing/2014/main" id="{F9E30B7C-B942-2211-BEBA-CB296AD643C8}"/>
+                <a16:creationId xmlns:a16="http://schemas.microsoft.com/office/drawing/2014/main" id="{FD92074A-4F16-148E-EEDD-19D11A48C338}"/>
               </a:ext>
             </a:extLst>
           </p:cNvPr>
@@ -6433,7 +6520,7 @@
           <a:p>
             <a:r>
               <a:rPr lang="en-US" dirty="0"/>
-              <a:t>Untrusted Network</a:t>
+              <a:t>The process used to allow or block traffic includes:</a:t>
             </a:r>
           </a:p>
         </p:txBody>
@@ -6443,7 +6530,7 @@
           <p:cNvPr id="3" name="Content Placeholder 2">
             <a:extLst>
               <a:ext uri="{FF2B5EF4-FFF2-40B4-BE49-F238E27FC236}">
-                <a16:creationId xmlns:a16="http://schemas.microsoft.com/office/drawing/2014/main" id="{25CA6469-D697-F84B-52E7-C36F2846AA81}"/>
+                <a16:creationId xmlns:a16="http://schemas.microsoft.com/office/drawing/2014/main" id="{FE390902-5863-3AE1-1B7B-78F9366FE517}"/>
               </a:ext>
             </a:extLst>
           </p:cNvPr>
@@ -6461,7 +6548,47 @@
           <a:p>
             <a:r>
               <a:rPr lang="en-US" dirty="0"/>
-              <a:t>A  network outside of security control.</a:t>
+              <a:t>Simple packet filtering techniques</a:t>
+            </a:r>
+          </a:p>
+          <a:p>
+            <a:pPr>
+              <a:buFont typeface="Arial" panose="020B0604020202020204" pitchFamily="34" charset="0"/>
+              <a:buChar char="•"/>
+            </a:pPr>
+            <a:r>
+              <a:rPr lang="en-US" dirty="0"/>
+              <a:t>Application Proxies</a:t>
+            </a:r>
+          </a:p>
+          <a:p>
+            <a:pPr>
+              <a:buFont typeface="Arial" panose="020B0604020202020204" pitchFamily="34" charset="0"/>
+              <a:buChar char="•"/>
+            </a:pPr>
+            <a:r>
+              <a:rPr lang="en-US" dirty="0"/>
+              <a:t>NAT</a:t>
+            </a:r>
+          </a:p>
+          <a:p>
+            <a:pPr>
+              <a:buFont typeface="Arial" panose="020B0604020202020204" pitchFamily="34" charset="0"/>
+              <a:buChar char="•"/>
+            </a:pPr>
+            <a:r>
+              <a:rPr lang="en-US" dirty="0"/>
+              <a:t>Stateful inspection firewalls</a:t>
+            </a:r>
+          </a:p>
+          <a:p>
+            <a:pPr>
+              <a:buFont typeface="Arial" panose="020B0604020202020204" pitchFamily="34" charset="0"/>
+              <a:buChar char="•"/>
+            </a:pPr>
+            <a:r>
+              <a:rPr lang="en-US" dirty="0"/>
+              <a:t>Next-gen context-aware firewalls</a:t>
             </a:r>
           </a:p>
         </p:txBody>
@@ -6469,7 +6596,7 @@
     </p:spTree>
     <p:extLst>
       <p:ext uri="{BB962C8B-B14F-4D97-AF65-F5344CB8AC3E}">
-        <p14:creationId xmlns:p14="http://schemas.microsoft.com/office/powerpoint/2010/main" val="3759214303"/>
+        <p14:creationId xmlns:p14="http://schemas.microsoft.com/office/powerpoint/2010/main" val="3310384940"/>
       </p:ext>
     </p:extLst>
   </p:cSld>
@@ -6501,7 +6628,7 @@
           <p:cNvPr id="2" name="Title 1">
             <a:extLst>
               <a:ext uri="{FF2B5EF4-FFF2-40B4-BE49-F238E27FC236}">
-                <a16:creationId xmlns:a16="http://schemas.microsoft.com/office/drawing/2014/main" id="{EFFF7A0A-A67B-1D0E-71E7-003374DEE151}"/>
+                <a16:creationId xmlns:a16="http://schemas.microsoft.com/office/drawing/2014/main" id="{3C97B136-A603-4A44-D031-4B88EDC11EAF}"/>
               </a:ext>
             </a:extLst>
           </p:cNvPr>
@@ -6519,7 +6646,7 @@
           <a:p>
             <a:r>
               <a:rPr lang="en-US" dirty="0"/>
-              <a:t>Technologies used to segment a Network</a:t>
+              <a:t>Intrusion Detection and Prevention</a:t>
             </a:r>
           </a:p>
         </p:txBody>
@@ -6529,7 +6656,7 @@
           <p:cNvPr id="3" name="Content Placeholder 2">
             <a:extLst>
               <a:ext uri="{FF2B5EF4-FFF2-40B4-BE49-F238E27FC236}">
-                <a16:creationId xmlns:a16="http://schemas.microsoft.com/office/drawing/2014/main" id="{77B5DDC1-34B0-C8FD-6D90-CB3D47E2E2A4}"/>
+                <a16:creationId xmlns:a16="http://schemas.microsoft.com/office/drawing/2014/main" id="{D321A911-79A8-3089-B204-4E47D2EE3FB8}"/>
               </a:ext>
             </a:extLst>
           </p:cNvPr>
@@ -6547,35 +6674,25 @@
           <a:p>
             <a:r>
               <a:rPr lang="en-US" dirty="0"/>
-              <a:t>Virtual LANs (VLANs)</a:t>
-            </a:r>
-          </a:p>
-          <a:p>
-            <a:r>
-              <a:rPr lang="en-US" dirty="0"/>
-              <a:t>Security Group Tagging (SGT)</a:t>
-            </a:r>
-          </a:p>
-          <a:p>
-            <a:r>
-              <a:rPr lang="en-US" dirty="0"/>
-              <a:t>VPN Routing and Forwarding (VRF)</a:t>
-            </a:r>
-          </a:p>
-          <a:p>
-            <a:r>
-              <a:rPr lang="en-US" dirty="0" err="1"/>
-              <a:t>vMicro</a:t>
-            </a:r>
-            <a:r>
-              <a:rPr lang="en-US" dirty="0"/>
-              <a:t>-segmentation at the virtual machine level</a:t>
-            </a:r>
-          </a:p>
-          <a:p>
-            <a:r>
-              <a:rPr lang="en-US" dirty="0"/>
-              <a:t>Micro-segmentation for containers</a:t>
+              <a:t>When malicious activities masquerade legitimate traffic these are used</a:t>
+            </a:r>
+          </a:p>
+          <a:p>
+            <a:r>
+              <a:rPr lang="en-US" dirty="0"/>
+              <a:t>IDS is a passive to analyze traffic to detect unauthorized access, and stressful protocol analysis and if it detects anything IDS generates an email, message or text alert.</a:t>
+            </a:r>
+          </a:p>
+          <a:p>
+            <a:endParaRPr lang="en-US" dirty="0"/>
+          </a:p>
+          <a:p>
+            <a:pPr marL="0" indent="0">
+              <a:buNone/>
+            </a:pPr>
+            <a:r>
+              <a:rPr lang="en-US" dirty="0"/>
+              <a:t>IPS is an active device which seats in line with traffic and responds to identify threads by disabling connection, dropping packets or deleting malicious content.</a:t>
             </a:r>
           </a:p>
         </p:txBody>
@@ -6583,7 +6700,7 @@
     </p:spTree>
     <p:extLst>
       <p:ext uri="{BB962C8B-B14F-4D97-AF65-F5344CB8AC3E}">
-        <p14:creationId xmlns:p14="http://schemas.microsoft.com/office/powerpoint/2010/main" val="2652937463"/>
+        <p14:creationId xmlns:p14="http://schemas.microsoft.com/office/powerpoint/2010/main" val="641647791"/>
       </p:ext>
     </p:extLst>
   </p:cSld>
@@ -6615,7 +6732,7 @@
           <p:cNvPr id="2" name="Title 1">
             <a:extLst>
               <a:ext uri="{FF2B5EF4-FFF2-40B4-BE49-F238E27FC236}">
-                <a16:creationId xmlns:a16="http://schemas.microsoft.com/office/drawing/2014/main" id="{5C73ED6D-769B-D413-0EE0-9992095CB79D}"/>
+                <a16:creationId xmlns:a16="http://schemas.microsoft.com/office/drawing/2014/main" id="{83E6490C-B842-544D-F467-2C1996586976}"/>
               </a:ext>
             </a:extLst>
           </p:cNvPr>
@@ -6633,7 +6750,7 @@
           <a:p>
             <a:r>
               <a:rPr lang="en-US" dirty="0"/>
-              <a:t>Layered border security</a:t>
+              <a:t>Technologies used by IDS/IPS</a:t>
             </a:r>
           </a:p>
         </p:txBody>
@@ -6643,7 +6760,7 @@
           <p:cNvPr id="3" name="Content Placeholder 2">
             <a:extLst>
               <a:ext uri="{FF2B5EF4-FFF2-40B4-BE49-F238E27FC236}">
-                <a16:creationId xmlns:a16="http://schemas.microsoft.com/office/drawing/2014/main" id="{39E430E2-77DC-9A08-D6A2-D091D10F7458}"/>
+                <a16:creationId xmlns:a16="http://schemas.microsoft.com/office/drawing/2014/main" id="{FC39A5D6-6977-8E39-6950-F696BF2696F3}"/>
               </a:ext>
             </a:extLst>
           </p:cNvPr>
@@ -6659,23 +6776,66 @@
           <a:bodyPr/>
           <a:lstStyle/>
           <a:p>
-            <a:r>
-              <a:rPr lang="en-US" dirty="0"/>
-              <a:t>Layer security: Different security measures to work in tandem with a single focus.</a:t>
-            </a:r>
-          </a:p>
-          <a:p>
-            <a:r>
-              <a:rPr lang="en-US" dirty="0"/>
-              <a:t>Layered border security: Protection of the internal network from external controls. Which includes the controls like firewalls, VPNs, IDS, and IPS.</a:t>
-            </a:r>
+            <a:pPr marL="457200" indent="-457200">
+              <a:buFont typeface="+mj-lt"/>
+              <a:buAutoNum type="arabicPeriod"/>
+            </a:pPr>
+            <a:r>
+              <a:rPr lang="en-US" dirty="0"/>
+              <a:t>Network-based: Monitors network traffic for a specific segment, and device and analyze activities.</a:t>
+            </a:r>
+          </a:p>
+          <a:p>
+            <a:pPr marL="457200" indent="-457200">
+              <a:buFont typeface="+mj-lt"/>
+              <a:buAutoNum type="arabicPeriod"/>
+            </a:pPr>
+            <a:r>
+              <a:rPr lang="en-US" dirty="0"/>
+              <a:t>Wireless IDS/IPS: Monitors wireless network traffic and analyzes activities and protocols.</a:t>
+            </a:r>
+          </a:p>
+          <a:p>
+            <a:pPr marL="457200" indent="-457200">
+              <a:buFont typeface="+mj-lt"/>
+              <a:buAutoNum type="arabicPeriod"/>
+            </a:pPr>
+            <a:r>
+              <a:rPr lang="en-US" dirty="0"/>
+              <a:t>Network </a:t>
+            </a:r>
+            <a:r>
+              <a:rPr lang="en-US" dirty="0" err="1"/>
+              <a:t>behavioural</a:t>
+            </a:r>
+            <a:r>
+              <a:rPr lang="en-US" dirty="0"/>
+              <a:t> analysis: It examines the traffic to identify threats, information flow, DDOS, malware and policy violations.</a:t>
+            </a:r>
+          </a:p>
+          <a:p>
+            <a:pPr marL="457200" indent="-457200">
+              <a:buFont typeface="+mj-lt"/>
+              <a:buAutoNum type="arabicPeriod"/>
+            </a:pPr>
+            <a:r>
+              <a:rPr lang="en-US" dirty="0"/>
+              <a:t>Host-based IDS/IPS: It monitors every single host and its events.</a:t>
+            </a:r>
+          </a:p>
+          <a:p>
+            <a:pPr marL="457200" indent="-457200">
+              <a:buFont typeface="+mj-lt"/>
+              <a:buAutoNum type="arabicPeriod"/>
+            </a:pPr>
+            <a:endParaRPr lang="en-US" dirty="0"/>
           </a:p>
         </p:txBody>
       </p:sp>
     </p:spTree>
     <p:extLst>
       <p:ext uri="{BB962C8B-B14F-4D97-AF65-F5344CB8AC3E}">
-        <p14:creationId xmlns:p14="http://schemas.microsoft.com/office/powerpoint/2010/main" val="2937805561"/>
+        <p14:creationId xmlns:p14="http://schemas.microsoft.com/office/powerpoint/2010/main" val="211107562"/>
       </p:ext>
     </p:extLst>
   </p:cSld>
@@ -6707,7 +6867,7 @@
           <p:cNvPr id="2" name="Title 1">
             <a:extLst>
               <a:ext uri="{FF2B5EF4-FFF2-40B4-BE49-F238E27FC236}">
-                <a16:creationId xmlns:a16="http://schemas.microsoft.com/office/drawing/2014/main" id="{F99909C3-139A-80AF-4E93-1E5DF6352094}"/>
+                <a16:creationId xmlns:a16="http://schemas.microsoft.com/office/drawing/2014/main" id="{528D3DEA-CE54-A793-9FEA-A36FA50D63D5}"/>
               </a:ext>
             </a:extLst>
           </p:cNvPr>
@@ -6725,7 +6885,7 @@
           <a:p>
             <a:r>
               <a:rPr lang="en-US" dirty="0"/>
-              <a:t>Firewalls</a:t>
+              <a:t>Decision States</a:t>
             </a:r>
           </a:p>
         </p:txBody>
@@ -6735,7 +6895,7 @@
           <p:cNvPr id="3" name="Content Placeholder 2">
             <a:extLst>
               <a:ext uri="{FF2B5EF4-FFF2-40B4-BE49-F238E27FC236}">
-                <a16:creationId xmlns:a16="http://schemas.microsoft.com/office/drawing/2014/main" id="{6B8A64D5-D098-13B7-54B8-0388CF65613C}"/>
+                <a16:creationId xmlns:a16="http://schemas.microsoft.com/office/drawing/2014/main" id="{13B76399-18A5-36FB-2373-DB31B8662B7C}"/>
               </a:ext>
             </a:extLst>
           </p:cNvPr>
@@ -6751,15 +6911,43 @@
           <a:bodyPr/>
           <a:lstStyle/>
           <a:p>
-            <a:r>
-              <a:rPr lang="en-US" dirty="0"/>
-              <a:t>It controls the flow of traffic in the network which is mandatory. Without firewalls, the network is completely exposed and can be compromised.</a:t>
-            </a:r>
-          </a:p>
-          <a:p>
-            <a:r>
-              <a:rPr lang="en-US" dirty="0"/>
-              <a:t>Firewalls are handled and configured with procedures and rule sets to control incoming and outgoing traffic.</a:t>
+            <a:pPr marL="457200" indent="-457200">
+              <a:buFont typeface="+mj-lt"/>
+              <a:buAutoNum type="arabicPeriod"/>
+            </a:pPr>
+            <a:r>
+              <a:rPr lang="en-US" dirty="0"/>
+              <a:t>True positive:  It correctly identifies an issue.</a:t>
+            </a:r>
+          </a:p>
+          <a:p>
+            <a:pPr marL="457200" indent="-457200">
+              <a:buFont typeface="+mj-lt"/>
+              <a:buAutoNum type="arabicPeriod"/>
+            </a:pPr>
+            <a:r>
+              <a:rPr lang="en-US" dirty="0"/>
+              <a:t>True Negative: It correctly identifies normal traffic.</a:t>
+            </a:r>
+          </a:p>
+          <a:p>
+            <a:pPr marL="457200" indent="-457200">
+              <a:buFont typeface="+mj-lt"/>
+              <a:buAutoNum type="arabicPeriod"/>
+            </a:pPr>
+            <a:r>
+              <a:rPr lang="en-US" dirty="0"/>
+              <a:t>False Positive: Incorrectly identifies normal activity as an issue</a:t>
+            </a:r>
+          </a:p>
+          <a:p>
+            <a:pPr marL="457200" indent="-457200">
+              <a:buFont typeface="+mj-lt"/>
+              <a:buAutoNum type="arabicPeriod"/>
+            </a:pPr>
+            <a:r>
+              <a:rPr lang="en-US" dirty="0"/>
+              <a:t>False Negative: Incorrectly identifies an issue as normal activity.</a:t>
             </a:r>
           </a:p>
         </p:txBody>
@@ -6767,7 +6955,7 @@
     </p:spTree>
     <p:extLst>
       <p:ext uri="{BB962C8B-B14F-4D97-AF65-F5344CB8AC3E}">
-        <p14:creationId xmlns:p14="http://schemas.microsoft.com/office/powerpoint/2010/main" val="1627068461"/>
+        <p14:creationId xmlns:p14="http://schemas.microsoft.com/office/powerpoint/2010/main" val="2688818695"/>
       </p:ext>
     </p:extLst>
   </p:cSld>
@@ -6799,7 +6987,7 @@
           <p:cNvPr id="2" name="Title 1">
             <a:extLst>
               <a:ext uri="{FF2B5EF4-FFF2-40B4-BE49-F238E27FC236}">
-                <a16:creationId xmlns:a16="http://schemas.microsoft.com/office/drawing/2014/main" id="{FD92074A-4F16-148E-EEDD-19D11A48C338}"/>
+                <a16:creationId xmlns:a16="http://schemas.microsoft.com/office/drawing/2014/main" id="{F646DBC6-A618-85D6-A6DE-A4F22A157E52}"/>
               </a:ext>
             </a:extLst>
           </p:cNvPr>
@@ -6817,7 +7005,7 @@
           <a:p>
             <a:r>
               <a:rPr lang="en-US" dirty="0"/>
-              <a:t>The process used to allow or block traffic includes:</a:t>
+              <a:t>Network-Based IDS/IPS uses these detection methodologies</a:t>
             </a:r>
           </a:p>
         </p:txBody>
@@ -6827,7 +7015,7 @@
           <p:cNvPr id="3" name="Content Placeholder 2">
             <a:extLst>
               <a:ext uri="{FF2B5EF4-FFF2-40B4-BE49-F238E27FC236}">
-                <a16:creationId xmlns:a16="http://schemas.microsoft.com/office/drawing/2014/main" id="{FE390902-5863-3AE1-1B7B-78F9366FE517}"/>
+                <a16:creationId xmlns:a16="http://schemas.microsoft.com/office/drawing/2014/main" id="{B156CA4E-E1F2-C33F-7F5B-DF71D9E85F7F}"/>
               </a:ext>
             </a:extLst>
           </p:cNvPr>
@@ -6842,12 +7030,6 @@
         <p:txBody>
           <a:bodyPr/>
           <a:lstStyle/>
-          <a:p>
-            <a:r>
-              <a:rPr lang="en-US" dirty="0"/>
-              <a:t>Simple packet filtering techniques</a:t>
-            </a:r>
-          </a:p>
           <a:p>
             <a:pPr>
               <a:buFont typeface="Arial" panose="020B0604020202020204" pitchFamily="34" charset="0"/>
@@ -6855,7 +7037,7 @@
             </a:pPr>
             <a:r>
               <a:rPr lang="en-US" dirty="0"/>
-              <a:t>Application Proxies</a:t>
+              <a:t>Pattern matching and stateful pattern matching recognition</a:t>
             </a:r>
           </a:p>
           <a:p>
@@ -6865,7 +7047,7 @@
             </a:pPr>
             <a:r>
               <a:rPr lang="en-US" dirty="0"/>
-              <a:t>NAT</a:t>
+              <a:t>Protocol analysis</a:t>
             </a:r>
           </a:p>
           <a:p>
@@ -6875,7 +7057,7 @@
             </a:pPr>
             <a:r>
               <a:rPr lang="en-US" dirty="0"/>
-              <a:t>Stateful inspection firewalls</a:t>
+              <a:t>Heuristic-based analysis</a:t>
             </a:r>
           </a:p>
           <a:p>
@@ -6885,7 +7067,17 @@
             </a:pPr>
             <a:r>
               <a:rPr lang="en-US" dirty="0"/>
-              <a:t>Next-gen context-aware firewalls</a:t>
+              <a:t>Anomaly-based analysis</a:t>
+            </a:r>
+          </a:p>
+          <a:p>
+            <a:pPr>
+              <a:buFont typeface="Arial" panose="020B0604020202020204" pitchFamily="34" charset="0"/>
+              <a:buChar char="•"/>
+            </a:pPr>
+            <a:r>
+              <a:rPr lang="en-US" dirty="0"/>
+              <a:t>Correlation protection capabilities based on threat intelligence</a:t>
             </a:r>
           </a:p>
         </p:txBody>
@@ -6893,7 +7085,7 @@
     </p:spTree>
     <p:extLst>
       <p:ext uri="{BB962C8B-B14F-4D97-AF65-F5344CB8AC3E}">
-        <p14:creationId xmlns:p14="http://schemas.microsoft.com/office/powerpoint/2010/main" val="3310384940"/>
+        <p14:creationId xmlns:p14="http://schemas.microsoft.com/office/powerpoint/2010/main" val="2453560799"/>
       </p:ext>
     </p:extLst>
   </p:cSld>
@@ -6925,7 +7117,7 @@
           <p:cNvPr id="2" name="Title 1">
             <a:extLst>
               <a:ext uri="{FF2B5EF4-FFF2-40B4-BE49-F238E27FC236}">
-                <a16:creationId xmlns:a16="http://schemas.microsoft.com/office/drawing/2014/main" id="{3C97B136-A603-4A44-D031-4B88EDC11EAF}"/>
+                <a16:creationId xmlns:a16="http://schemas.microsoft.com/office/drawing/2014/main" id="{A9B31E41-F918-DCD4-4005-65535EB02034}"/>
               </a:ext>
             </a:extLst>
           </p:cNvPr>
@@ -6943,7 +7135,7 @@
           <a:p>
             <a:r>
               <a:rPr lang="en-US" dirty="0"/>
-              <a:t>Intrusion Detection and Prevention</a:t>
+              <a:t>Content filtering &amp; whitelisting/Backlisting</a:t>
             </a:r>
           </a:p>
         </p:txBody>
@@ -6953,7 +7145,7 @@
           <p:cNvPr id="3" name="Content Placeholder 2">
             <a:extLst>
               <a:ext uri="{FF2B5EF4-FFF2-40B4-BE49-F238E27FC236}">
-                <a16:creationId xmlns:a16="http://schemas.microsoft.com/office/drawing/2014/main" id="{D321A911-79A8-3089-B204-4E47D2EE3FB8}"/>
+                <a16:creationId xmlns:a16="http://schemas.microsoft.com/office/drawing/2014/main" id="{ACEDED1F-A35C-1160-5F4E-D4EBA5B5870F}"/>
               </a:ext>
             </a:extLst>
           </p:cNvPr>
@@ -6964,32 +7156,60 @@
             <p:ph idx="1"/>
           </p:nvPr>
         </p:nvSpPr>
-        <p:spPr/>
-        <p:txBody>
-          <a:bodyPr/>
-          <a:lstStyle/>
-          <a:p>
-            <a:r>
-              <a:rPr lang="en-US" dirty="0"/>
-              <a:t>When malicious activities masquerade legitimate traffic these are used</a:t>
-            </a:r>
-          </a:p>
-          <a:p>
-            <a:r>
-              <a:rPr lang="en-US" dirty="0"/>
-              <a:t>IDS is a passive to analyze traffic to detect unauthorized access, and stressful protocol analysis and if it detects anything IDS generates an email, message or text alert.</a:t>
-            </a:r>
-          </a:p>
-          <a:p>
-            <a:endParaRPr lang="en-US" dirty="0"/>
-          </a:p>
+        <p:spPr>
+          <a:xfrm>
+            <a:off x="1097280" y="2038627"/>
+            <a:ext cx="10058400" cy="3760891"/>
+          </a:xfrm>
+        </p:spPr>
+        <p:txBody>
+          <a:bodyPr>
+            <a:normAutofit fontScale="92500" lnSpcReduction="20000"/>
+          </a:bodyPr>
+          <a:lstStyle/>
           <a:p>
             <a:pPr marL="0" indent="0">
               <a:buNone/>
             </a:pPr>
             <a:r>
               <a:rPr lang="en-US" dirty="0"/>
-              <a:t>IPS is an active device which seats in line with traffic and responds to identify threads by disabling connection, dropping packets or deleting malicious content.</a:t>
+              <a:t>To prevent insider requests that could lead to the propagation of malware, data exfiltration, participation in peer-to-peer (P2P) networks, and viewing of inappropriate or unlawful content, controls must be in place. The insider request could be a reaction to a malicious command or directive, or it could originate from authenticated authorized users. As was previously said, outbound traffic can and should be constrained by source and destination addresses, ports, and protocols using border device egress filters. Self-generated, open-source source, or subscription-based IP whitelists and/or blacklists can be used in addition to the filters.</a:t>
+            </a:r>
+          </a:p>
+          <a:p>
+            <a:pPr marL="0" indent="0">
+              <a:buNone/>
+            </a:pPr>
+            <a:r>
+              <a:rPr lang="en-US" dirty="0"/>
+              <a:t>Whitelist: Specific sites have access</a:t>
+            </a:r>
+          </a:p>
+          <a:p>
+            <a:pPr marL="0" indent="0">
+              <a:buNone/>
+            </a:pPr>
+            <a:r>
+              <a:rPr lang="en-US" dirty="0"/>
+              <a:t>Blacklist: Where access is denied</a:t>
+            </a:r>
+          </a:p>
+          <a:p>
+            <a:pPr marL="0" indent="0">
+              <a:buNone/>
+            </a:pPr>
+            <a:r>
+              <a:rPr lang="en-US" dirty="0"/>
+              <a:t>It commonly blocks the entire range of IPS specific to geographic locations</a:t>
+            </a:r>
+          </a:p>
+          <a:p>
+            <a:pPr marL="0" indent="0">
+              <a:buNone/>
+            </a:pPr>
+            <a:r>
+              <a:rPr lang="en-US" dirty="0"/>
+              <a:t>Restrict the access by content categories.</a:t>
             </a:r>
           </a:p>
         </p:txBody>
@@ -6997,7 +7217,7 @@
     </p:spTree>
     <p:extLst>
       <p:ext uri="{BB962C8B-B14F-4D97-AF65-F5344CB8AC3E}">
-        <p14:creationId xmlns:p14="http://schemas.microsoft.com/office/powerpoint/2010/main" val="641647791"/>
+        <p14:creationId xmlns:p14="http://schemas.microsoft.com/office/powerpoint/2010/main" val="4131373296"/>
       </p:ext>
     </p:extLst>
   </p:cSld>
@@ -7029,7 +7249,7 @@
           <p:cNvPr id="2" name="Title 1">
             <a:extLst>
               <a:ext uri="{FF2B5EF4-FFF2-40B4-BE49-F238E27FC236}">
-                <a16:creationId xmlns:a16="http://schemas.microsoft.com/office/drawing/2014/main" id="{83E6490C-B842-544D-F467-2C1996586976}"/>
+                <a16:creationId xmlns:a16="http://schemas.microsoft.com/office/drawing/2014/main" id="{51160772-DA72-FFA8-C69E-34809D0F39A9}"/>
               </a:ext>
             </a:extLst>
           </p:cNvPr>
@@ -7047,7 +7267,7 @@
           <a:p>
             <a:r>
               <a:rPr lang="en-US" dirty="0"/>
-              <a:t>Technologies used by IDS/IPS</a:t>
+              <a:t>Border device administration and management</a:t>
             </a:r>
           </a:p>
         </p:txBody>
@@ -7057,7 +7277,7 @@
           <p:cNvPr id="3" name="Content Placeholder 2">
             <a:extLst>
               <a:ext uri="{FF2B5EF4-FFF2-40B4-BE49-F238E27FC236}">
-                <a16:creationId xmlns:a16="http://schemas.microsoft.com/office/drawing/2014/main" id="{FC39A5D6-6977-8E39-6950-F696BF2696F3}"/>
+                <a16:creationId xmlns:a16="http://schemas.microsoft.com/office/drawing/2014/main" id="{FE096093-054E-F5C1-36EA-5F32C456F3D4}"/>
               </a:ext>
             </a:extLst>
           </p:cNvPr>
@@ -7073,66 +7293,35 @@
           <a:bodyPr/>
           <a:lstStyle/>
           <a:p>
-            <a:pPr marL="457200" indent="-457200">
-              <a:buFont typeface="+mj-lt"/>
-              <a:buAutoNum type="arabicPeriod"/>
-            </a:pPr>
-            <a:r>
-              <a:rPr lang="en-US" dirty="0"/>
-              <a:t>Network-based: Monitors network traffic for a specific segment, and device and analyze activities.</a:t>
-            </a:r>
-          </a:p>
-          <a:p>
-            <a:pPr marL="457200" indent="-457200">
-              <a:buFont typeface="+mj-lt"/>
-              <a:buAutoNum type="arabicPeriod"/>
-            </a:pPr>
-            <a:r>
-              <a:rPr lang="en-US" dirty="0"/>
-              <a:t>Wireless IDS/IPS: Monitors wireless network traffic and analyzes activities and protocols.</a:t>
-            </a:r>
-          </a:p>
-          <a:p>
-            <a:pPr marL="457200" indent="-457200">
-              <a:buFont typeface="+mj-lt"/>
-              <a:buAutoNum type="arabicPeriod"/>
-            </a:pPr>
-            <a:r>
-              <a:rPr lang="en-US" dirty="0"/>
-              <a:t>Network </a:t>
-            </a:r>
-            <a:r>
-              <a:rPr lang="en-US" dirty="0" err="1"/>
-              <a:t>behavioural</a:t>
-            </a:r>
-            <a:r>
-              <a:rPr lang="en-US" dirty="0"/>
-              <a:t> analysis: It examines the traffic to identify threats, information flow, DDOS, malware and policy violations.</a:t>
-            </a:r>
-          </a:p>
-          <a:p>
-            <a:pPr marL="457200" indent="-457200">
-              <a:buFont typeface="+mj-lt"/>
-              <a:buAutoNum type="arabicPeriod"/>
-            </a:pPr>
-            <a:r>
-              <a:rPr lang="en-US" dirty="0"/>
-              <a:t>Host-based IDS/IPS: It monitors every single host and its events.</a:t>
-            </a:r>
-          </a:p>
-          <a:p>
-            <a:pPr marL="457200" indent="-457200">
-              <a:buFont typeface="+mj-lt"/>
-              <a:buAutoNum type="arabicPeriod"/>
-            </a:pPr>
-            <a:endParaRPr lang="en-US" dirty="0"/>
+            <a:r>
+              <a:rPr lang="en-US" dirty="0"/>
+              <a:t>Everything has to be monitored- Logs and alerts must be monitored and analyzed (successful and unsuccessful both)</a:t>
+            </a:r>
+          </a:p>
+          <a:p>
+            <a:r>
+              <a:rPr lang="en-US" dirty="0"/>
+              <a:t>Policies need to be updated as per requirements </a:t>
+            </a:r>
+          </a:p>
+          <a:p>
+            <a:r>
+              <a:rPr lang="en-US" dirty="0"/>
+              <a:t>Detail examination of all changes since the last review</a:t>
+            </a:r>
+          </a:p>
+          <a:p>
+            <a:r>
+              <a:rPr lang="en-US" dirty="0"/>
+              <a:t>External pen testing used to verify the device performance</a:t>
+            </a:r>
           </a:p>
         </p:txBody>
       </p:sp>
     </p:spTree>
     <p:extLst>
       <p:ext uri="{BB962C8B-B14F-4D97-AF65-F5344CB8AC3E}">
-        <p14:creationId xmlns:p14="http://schemas.microsoft.com/office/powerpoint/2010/main" val="211107562"/>
+        <p14:creationId xmlns:p14="http://schemas.microsoft.com/office/powerpoint/2010/main" val="2079736115"/>
       </p:ext>
     </p:extLst>
   </p:cSld>
@@ -7164,7 +7353,7 @@
           <p:cNvPr id="2" name="Title 1">
             <a:extLst>
               <a:ext uri="{FF2B5EF4-FFF2-40B4-BE49-F238E27FC236}">
-                <a16:creationId xmlns:a16="http://schemas.microsoft.com/office/drawing/2014/main" id="{528D3DEA-CE54-A793-9FEA-A36FA50D63D5}"/>
+                <a16:creationId xmlns:a16="http://schemas.microsoft.com/office/drawing/2014/main" id="{F18155DF-46EB-4C54-1F1E-924EE45BED40}"/>
               </a:ext>
             </a:extLst>
           </p:cNvPr>
@@ -7180,7 +7369,10 @@
           <a:bodyPr/>
           <a:lstStyle/>
           <a:p>
-            <a:endParaRPr lang="en-US" dirty="0"/>
+            <a:r>
+              <a:rPr lang="en-US" dirty="0"/>
+              <a:t>Types of Security groups</a:t>
+            </a:r>
           </a:p>
         </p:txBody>
       </p:sp>
@@ -7189,7 +7381,7 @@
           <p:cNvPr id="3" name="Content Placeholder 2">
             <a:extLst>
               <a:ext uri="{FF2B5EF4-FFF2-40B4-BE49-F238E27FC236}">
-                <a16:creationId xmlns:a16="http://schemas.microsoft.com/office/drawing/2014/main" id="{13B76399-18A5-36FB-2373-DB31B8662B7C}"/>
+                <a16:creationId xmlns:a16="http://schemas.microsoft.com/office/drawing/2014/main" id="{3EBC44D5-3F50-0DD5-51E5-36A81C2C44B8}"/>
               </a:ext>
             </a:extLst>
           </p:cNvPr>
@@ -7207,47 +7399,19 @@
           <a:p>
             <a:r>
               <a:rPr lang="en-US" dirty="0"/>
-              <a:t>From these technologies, it has 4 decision states –</a:t>
-            </a:r>
-          </a:p>
-          <a:p>
-            <a:pPr marL="457200" indent="-457200">
-              <a:buFont typeface="+mj-lt"/>
-              <a:buAutoNum type="arabicPeriod"/>
-            </a:pPr>
-            <a:r>
-              <a:rPr lang="en-US" dirty="0"/>
-              <a:t>True positive:  It correctly identifies an issue.</a:t>
-            </a:r>
-          </a:p>
-          <a:p>
-            <a:pPr marL="457200" indent="-457200">
-              <a:buFont typeface="+mj-lt"/>
-              <a:buAutoNum type="arabicPeriod"/>
-            </a:pPr>
-            <a:r>
-              <a:rPr lang="en-US" dirty="0"/>
-              <a:t>True Negative: It correctly identifies normal traffic.</a:t>
-            </a:r>
-          </a:p>
-          <a:p>
-            <a:pPr marL="457200" indent="-457200">
-              <a:buFont typeface="+mj-lt"/>
-              <a:buAutoNum type="arabicPeriod"/>
-            </a:pPr>
-            <a:r>
-              <a:rPr lang="en-US" dirty="0"/>
-              <a:t>False Positive: Incorrectly identifies normal activity as an issue</a:t>
-            </a:r>
-          </a:p>
-          <a:p>
-            <a:pPr marL="457200" indent="-457200">
-              <a:buFont typeface="+mj-lt"/>
-              <a:buAutoNum type="arabicPeriod"/>
-            </a:pPr>
-            <a:r>
-              <a:rPr lang="en-US" dirty="0"/>
-              <a:t>False Negative: Incorrectly identifies an issue as normal activity.</a:t>
+              <a:t>Blue teams: Defenders of the corporate network which includes SOC, CSIRTS, Infosec teams</a:t>
+            </a:r>
+          </a:p>
+          <a:p>
+            <a:r>
+              <a:rPr lang="en-US" dirty="0"/>
+              <a:t>Red Teams: Ethical hackers, Pen testers who identify vulnerabilities, attack detection and response capability of the device.</a:t>
+            </a:r>
+          </a:p>
+          <a:p>
+            <a:r>
+              <a:rPr lang="en-US" dirty="0"/>
+              <a:t>Purple Team: When Red and Blue teams aligned forces to completely defend the organization.</a:t>
             </a:r>
           </a:p>
         </p:txBody>
@@ -7255,7 +7419,7 @@
     </p:spTree>
     <p:extLst>
       <p:ext uri="{BB962C8B-B14F-4D97-AF65-F5344CB8AC3E}">
-        <p14:creationId xmlns:p14="http://schemas.microsoft.com/office/powerpoint/2010/main" val="2688818695"/>
+        <p14:creationId xmlns:p14="http://schemas.microsoft.com/office/powerpoint/2010/main" val="3831653995"/>
       </p:ext>
     </p:extLst>
   </p:cSld>
@@ -7424,7 +7588,7 @@
           <p:cNvPr id="2" name="Title 1">
             <a:extLst>
               <a:ext uri="{FF2B5EF4-FFF2-40B4-BE49-F238E27FC236}">
-                <a16:creationId xmlns:a16="http://schemas.microsoft.com/office/drawing/2014/main" id="{F646DBC6-A618-85D6-A6DE-A4F22A157E52}"/>
+                <a16:creationId xmlns:a16="http://schemas.microsoft.com/office/drawing/2014/main" id="{A2223E51-B824-7790-91D2-F4E35D898D1E}"/>
               </a:ext>
             </a:extLst>
           </p:cNvPr>
@@ -7442,7 +7606,7 @@
           <a:p>
             <a:r>
               <a:rPr lang="en-US" dirty="0"/>
-              <a:t>Network-Based IDS/IPS uses these detection methodologies</a:t>
+              <a:t>Remote access security</a:t>
             </a:r>
           </a:p>
         </p:txBody>
@@ -7452,7 +7616,7 @@
           <p:cNvPr id="3" name="Content Placeholder 2">
             <a:extLst>
               <a:ext uri="{FF2B5EF4-FFF2-40B4-BE49-F238E27FC236}">
-                <a16:creationId xmlns:a16="http://schemas.microsoft.com/office/drawing/2014/main" id="{B156CA4E-E1F2-C33F-7F5B-DF71D9E85F7F}"/>
+                <a16:creationId xmlns:a16="http://schemas.microsoft.com/office/drawing/2014/main" id="{2AC473FA-6F9F-106A-611D-23814E22C957}"/>
               </a:ext>
             </a:extLst>
           </p:cNvPr>
@@ -7468,61 +7632,47 @@
           <a:bodyPr/>
           <a:lstStyle/>
           <a:p>
-            <a:pPr>
-              <a:buFont typeface="Arial" panose="020B0604020202020204" pitchFamily="34" charset="0"/>
-              <a:buChar char="•"/>
+            <a:r>
+              <a:rPr lang="en-US" dirty="0"/>
+              <a:t>It is getting common increasingly that it has become normal now</a:t>
+            </a:r>
+          </a:p>
+          <a:p>
+            <a:r>
+              <a:rPr lang="en-US" dirty="0"/>
+              <a:t>It has controls like authentication that must be chosen carefully based on network-segmented information and classification that is accessible.</a:t>
+            </a:r>
+          </a:p>
+          <a:p>
+            <a:pPr marL="0" indent="0">
+              <a:buNone/>
             </a:pPr>
             <a:r>
               <a:rPr lang="en-US" dirty="0"/>
-              <a:t>Pattern matching and stateful pattern matching recognition</a:t>
-            </a:r>
-          </a:p>
-          <a:p>
-            <a:pPr>
-              <a:buFont typeface="Arial" panose="020B0604020202020204" pitchFamily="34" charset="0"/>
-              <a:buChar char="•"/>
-            </a:pPr>
-            <a:r>
-              <a:rPr lang="en-US" dirty="0"/>
-              <a:t>Protocol analysis</a:t>
-            </a:r>
-          </a:p>
-          <a:p>
-            <a:pPr>
-              <a:buFont typeface="Arial" panose="020B0604020202020204" pitchFamily="34" charset="0"/>
-              <a:buChar char="•"/>
-            </a:pPr>
-            <a:r>
-              <a:rPr lang="en-US" dirty="0"/>
-              <a:t>Heuristic-based analysis</a:t>
-            </a:r>
-          </a:p>
-          <a:p>
-            <a:pPr>
-              <a:buFont typeface="Arial" panose="020B0604020202020204" pitchFamily="34" charset="0"/>
-              <a:buChar char="•"/>
-            </a:pPr>
-            <a:r>
-              <a:rPr lang="en-US" dirty="0"/>
-              <a:t>Anomaly-based analysis</a:t>
-            </a:r>
-          </a:p>
-          <a:p>
-            <a:pPr>
-              <a:buFont typeface="Arial" panose="020B0604020202020204" pitchFamily="34" charset="0"/>
-              <a:buChar char="•"/>
-            </a:pPr>
-            <a:r>
-              <a:rPr lang="en-US" dirty="0"/>
-              <a:t>Correlation protection capabilities based on threat intelligence</a:t>
-            </a:r>
+              <a:t>It follows CIA triads</a:t>
+            </a:r>
+          </a:p>
+          <a:p>
+            <a:r>
+              <a:rPr lang="en-US" dirty="0"/>
+              <a:t>Restricted information can’t be accessible to unauthorized parties, detecting good and bad modifications and ensuring the user can access required resources</a:t>
+            </a:r>
+          </a:p>
+          <a:p>
+            <a:r>
+              <a:rPr lang="en-US" dirty="0"/>
+              <a:t>It must include physical control of client devices.</a:t>
+            </a:r>
+          </a:p>
+          <a:p>
+            <a:endParaRPr lang="en-US" dirty="0"/>
           </a:p>
         </p:txBody>
       </p:sp>
     </p:spTree>
     <p:extLst>
       <p:ext uri="{BB962C8B-B14F-4D97-AF65-F5344CB8AC3E}">
-        <p14:creationId xmlns:p14="http://schemas.microsoft.com/office/powerpoint/2010/main" val="2453560799"/>
+        <p14:creationId xmlns:p14="http://schemas.microsoft.com/office/powerpoint/2010/main" val="3778690245"/>
       </p:ext>
     </p:extLst>
   </p:cSld>
@@ -7554,7 +7704,7 @@
           <p:cNvPr id="2" name="Title 1">
             <a:extLst>
               <a:ext uri="{FF2B5EF4-FFF2-40B4-BE49-F238E27FC236}">
-                <a16:creationId xmlns:a16="http://schemas.microsoft.com/office/drawing/2014/main" id="{A9B31E41-F918-DCD4-4005-65535EB02034}"/>
+                <a16:creationId xmlns:a16="http://schemas.microsoft.com/office/drawing/2014/main" id="{7F15F437-059F-15BB-8DEE-4317F58D0763}"/>
               </a:ext>
             </a:extLst>
           </p:cNvPr>
@@ -7572,7 +7722,7 @@
           <a:p>
             <a:r>
               <a:rPr lang="en-US" dirty="0"/>
-              <a:t>Content filtering &amp; whitelisting/Backlisting</a:t>
+              <a:t>Remote access technologies</a:t>
             </a:r>
           </a:p>
         </p:txBody>
@@ -7582,7 +7732,7 @@
           <p:cNvPr id="3" name="Content Placeholder 2">
             <a:extLst>
               <a:ext uri="{FF2B5EF4-FFF2-40B4-BE49-F238E27FC236}">
-                <a16:creationId xmlns:a16="http://schemas.microsoft.com/office/drawing/2014/main" id="{ACEDED1F-A35C-1160-5F4E-D4EBA5B5870F}"/>
+                <a16:creationId xmlns:a16="http://schemas.microsoft.com/office/drawing/2014/main" id="{BA70DCD4-E5AE-1BDE-691F-E11A5E89A49E}"/>
               </a:ext>
             </a:extLst>
           </p:cNvPr>
@@ -7595,53 +7745,18 @@
         </p:nvSpPr>
         <p:spPr/>
         <p:txBody>
-          <a:bodyPr>
-            <a:normAutofit fontScale="92500" lnSpcReduction="20000"/>
-          </a:bodyPr>
-          <a:lstStyle/>
-          <a:p>
-            <a:pPr marL="0" indent="0">
-              <a:buNone/>
-            </a:pPr>
-            <a:r>
-              <a:rPr lang="en-US" dirty="0"/>
-              <a:t>To prevent insider requests that could lead to the propagation of malware, data exfiltration, participation in peer-to-peer (P2P) networks, and viewing of inappropriate or unlawful content, controls must be in place. The insider request could be a reaction to a malicious command or directive or it could originate from authenticated authorized users. As was previously said, outbound traffic can and should be constrained by source and destination addresses, ports, and protocols using border device egress filters. Self-generated, open-source source, or subscription-based IP whitelists and/or blacklists can be used in addition to the filters.</a:t>
-            </a:r>
-          </a:p>
-          <a:p>
-            <a:pPr marL="0" indent="0">
-              <a:buNone/>
-            </a:pPr>
-            <a:r>
-              <a:rPr lang="en-US" dirty="0"/>
-              <a:t>Whitelist: Sites where access is allowed </a:t>
-            </a:r>
-          </a:p>
-          <a:p>
-            <a:pPr marL="0" indent="0">
-              <a:buNone/>
-            </a:pPr>
-            <a:r>
-              <a:rPr lang="en-US" dirty="0"/>
-              <a:t>Blacklist: Where access is denied</a:t>
-            </a:r>
-          </a:p>
-          <a:p>
-            <a:pPr marL="0" indent="0">
-              <a:buNone/>
-            </a:pPr>
-            <a:r>
-              <a:rPr lang="en-US" dirty="0"/>
-              <a:t>It commonly blocks the entire range of IPS specific to geographic locations</a:t>
-            </a:r>
-          </a:p>
-          <a:p>
-            <a:pPr marL="0" indent="0">
-              <a:buNone/>
-            </a:pPr>
-            <a:r>
-              <a:rPr lang="en-US" dirty="0"/>
-              <a:t>Restrict the access by content categories.</a:t>
+          <a:bodyPr/>
+          <a:lstStyle/>
+          <a:p>
+            <a:r>
+              <a:rPr lang="en-US" dirty="0"/>
+              <a:t>VPN: Secure tunnel for transmitting data through the internet.</a:t>
+            </a:r>
+          </a:p>
+          <a:p>
+            <a:r>
+              <a:rPr lang="en-US" dirty="0"/>
+              <a:t>Achieved through tunnelling and encryption. To provide high security without the high cost of private lines. It is connected between physical or remote sites.</a:t>
             </a:r>
           </a:p>
         </p:txBody>
@@ -7649,7 +7764,7 @@
     </p:spTree>
     <p:extLst>
       <p:ext uri="{BB962C8B-B14F-4D97-AF65-F5344CB8AC3E}">
-        <p14:creationId xmlns:p14="http://schemas.microsoft.com/office/powerpoint/2010/main" val="4131373296"/>
+        <p14:creationId xmlns:p14="http://schemas.microsoft.com/office/powerpoint/2010/main" val="2092552656"/>
       </p:ext>
     </p:extLst>
   </p:cSld>
@@ -7681,7 +7796,7 @@
           <p:cNvPr id="2" name="Title 1">
             <a:extLst>
               <a:ext uri="{FF2B5EF4-FFF2-40B4-BE49-F238E27FC236}">
-                <a16:creationId xmlns:a16="http://schemas.microsoft.com/office/drawing/2014/main" id="{51160772-DA72-FFA8-C69E-34809D0F39A9}"/>
+                <a16:creationId xmlns:a16="http://schemas.microsoft.com/office/drawing/2014/main" id="{85B20180-788D-FE2D-AD4D-83B45DDAC50D}"/>
               </a:ext>
             </a:extLst>
           </p:cNvPr>
@@ -7699,7 +7814,7 @@
           <a:p>
             <a:r>
               <a:rPr lang="en-US" dirty="0"/>
-              <a:t>Border device administration and management</a:t>
+              <a:t>Remote access authentication and authorization</a:t>
             </a:r>
           </a:p>
         </p:txBody>
@@ -7709,7 +7824,7 @@
           <p:cNvPr id="3" name="Content Placeholder 2">
             <a:extLst>
               <a:ext uri="{FF2B5EF4-FFF2-40B4-BE49-F238E27FC236}">
-                <a16:creationId xmlns:a16="http://schemas.microsoft.com/office/drawing/2014/main" id="{FE096093-054E-F5C1-36EA-5F32C456F3D4}"/>
+                <a16:creationId xmlns:a16="http://schemas.microsoft.com/office/drawing/2014/main" id="{5BE3F581-B99F-8BC9-CACE-3D51DA2BA496}"/>
               </a:ext>
             </a:extLst>
           </p:cNvPr>
@@ -7727,25 +7842,19 @@
           <a:p>
             <a:r>
               <a:rPr lang="en-US" dirty="0"/>
-              <a:t>Everything has to be monitored- Logs and alerts must be monitored and analyzed (successful and unsuccessful both)</a:t>
-            </a:r>
-          </a:p>
-          <a:p>
-            <a:r>
-              <a:rPr lang="en-US" dirty="0"/>
-              <a:t>Policies need to be updated as per requirements </a:t>
-            </a:r>
-          </a:p>
-          <a:p>
-            <a:r>
-              <a:rPr lang="en-US" dirty="0"/>
-              <a:t>Detail examination of all changes since the last review</a:t>
-            </a:r>
-          </a:p>
-          <a:p>
-            <a:r>
-              <a:rPr lang="en-US" dirty="0"/>
-              <a:t>External pen testing used to verify the device performance</a:t>
+              <a:t>Implement mutual authentication so they can verify legitimacy before providing authentication credentials.</a:t>
+            </a:r>
+          </a:p>
+          <a:p>
+            <a:r>
+              <a:rPr lang="en-US" dirty="0"/>
+              <a:t>MFA is required for access</a:t>
+            </a:r>
+          </a:p>
+          <a:p>
+            <a:r>
+              <a:rPr lang="en-US" dirty="0"/>
+              <a:t>Additionally user should require authentication periodically in remote access devices, they should ensure if they made the base line required for internal systems.</a:t>
             </a:r>
           </a:p>
         </p:txBody>
@@ -7753,7 +7862,7 @@
     </p:spTree>
     <p:extLst>
       <p:ext uri="{BB962C8B-B14F-4D97-AF65-F5344CB8AC3E}">
-        <p14:creationId xmlns:p14="http://schemas.microsoft.com/office/powerpoint/2010/main" val="2079736115"/>
+        <p14:creationId xmlns:p14="http://schemas.microsoft.com/office/powerpoint/2010/main" val="1309017816"/>
       </p:ext>
     </p:extLst>
   </p:cSld>
@@ -7785,7 +7894,7 @@
           <p:cNvPr id="2" name="Title 1">
             <a:extLst>
               <a:ext uri="{FF2B5EF4-FFF2-40B4-BE49-F238E27FC236}">
-                <a16:creationId xmlns:a16="http://schemas.microsoft.com/office/drawing/2014/main" id="{F18155DF-46EB-4C54-1F1E-924EE45BED40}"/>
+                <a16:creationId xmlns:a16="http://schemas.microsoft.com/office/drawing/2014/main" id="{ED41F894-60A1-5384-512E-23F93C35274F}"/>
               </a:ext>
             </a:extLst>
           </p:cNvPr>
@@ -7803,7 +7912,7 @@
           <a:p>
             <a:r>
               <a:rPr lang="en-US" dirty="0"/>
-              <a:t>	</a:t>
+              <a:t>Network access control</a:t>
             </a:r>
           </a:p>
         </p:txBody>
@@ -7813,7 +7922,7 @@
           <p:cNvPr id="3" name="Content Placeholder 2">
             <a:extLst>
               <a:ext uri="{FF2B5EF4-FFF2-40B4-BE49-F238E27FC236}">
-                <a16:creationId xmlns:a16="http://schemas.microsoft.com/office/drawing/2014/main" id="{3EBC44D5-3F50-0DD5-51E5-36A81C2C44B8}"/>
+                <a16:creationId xmlns:a16="http://schemas.microsoft.com/office/drawing/2014/main" id="{690C7F1B-6CD7-D6B1-C402-1BCC1866FF1D}"/>
               </a:ext>
             </a:extLst>
           </p:cNvPr>
@@ -7831,19 +7940,7 @@
           <a:p>
             <a:r>
               <a:rPr lang="en-US" dirty="0"/>
-              <a:t>Blue teams: Defenders of the corporate network which includes SOC, CSIRTS, Infosec teams</a:t>
-            </a:r>
-          </a:p>
-          <a:p>
-            <a:r>
-              <a:rPr lang="en-US" dirty="0"/>
-              <a:t>Red Teams: Ethical hackers, Pen testers who identify vulnerabilities, attack detection and response capability of the device.</a:t>
-            </a:r>
-          </a:p>
-          <a:p>
-            <a:r>
-              <a:rPr lang="en-US" dirty="0"/>
-              <a:t>Purple Team: When Red and Blue teams aligned forces to completely defend the organization.</a:t>
+              <a:t>Used to check remote access device based on its criteria, if it doesn’t meet a specific criteria access is denied.</a:t>
             </a:r>
           </a:p>
         </p:txBody>
@@ -7851,7 +7948,7 @@
     </p:spTree>
     <p:extLst>
       <p:ext uri="{BB962C8B-B14F-4D97-AF65-F5344CB8AC3E}">
-        <p14:creationId xmlns:p14="http://schemas.microsoft.com/office/powerpoint/2010/main" val="3831653995"/>
+        <p14:creationId xmlns:p14="http://schemas.microsoft.com/office/powerpoint/2010/main" val="935807662"/>
       </p:ext>
     </p:extLst>
   </p:cSld>
@@ -7883,7 +7980,7 @@
           <p:cNvPr id="2" name="Title 1">
             <a:extLst>
               <a:ext uri="{FF2B5EF4-FFF2-40B4-BE49-F238E27FC236}">
-                <a16:creationId xmlns:a16="http://schemas.microsoft.com/office/drawing/2014/main" id="{A2223E51-B824-7790-91D2-F4E35D898D1E}"/>
+                <a16:creationId xmlns:a16="http://schemas.microsoft.com/office/drawing/2014/main" id="{EB8AD0FA-DD8C-8E54-699B-D9F113E7DFDB}"/>
               </a:ext>
             </a:extLst>
           </p:cNvPr>
@@ -7901,7 +7998,7 @@
           <a:p>
             <a:r>
               <a:rPr lang="en-US" dirty="0"/>
-              <a:t>Remote access security</a:t>
+              <a:t>Teleworking access control</a:t>
             </a:r>
           </a:p>
         </p:txBody>
@@ -7911,7 +8008,7 @@
           <p:cNvPr id="3" name="Content Placeholder 2">
             <a:extLst>
               <a:ext uri="{FF2B5EF4-FFF2-40B4-BE49-F238E27FC236}">
-                <a16:creationId xmlns:a16="http://schemas.microsoft.com/office/drawing/2014/main" id="{2AC473FA-6F9F-106A-611D-23814E22C957}"/>
+                <a16:creationId xmlns:a16="http://schemas.microsoft.com/office/drawing/2014/main" id="{A434293C-74E3-27F7-7CFD-2B736111486C}"/>
               </a:ext>
             </a:extLst>
           </p:cNvPr>
@@ -7929,34 +8026,7 @@
           <a:p>
             <a:r>
               <a:rPr lang="en-US" dirty="0"/>
-              <a:t>It is getting common increasingly that it has become normal now</a:t>
-            </a:r>
-          </a:p>
-          <a:p>
-            <a:r>
-              <a:rPr lang="en-US" dirty="0"/>
-              <a:t>It has controls like authentication that must be chosen carefully based on network-segmented information and classification that is accessible.</a:t>
-            </a:r>
-          </a:p>
-          <a:p>
-            <a:pPr marL="0" indent="0">
-              <a:buNone/>
-            </a:pPr>
-            <a:r>
-              <a:rPr lang="en-US" dirty="0"/>
-              <a:t>It follows CIA triads</a:t>
-            </a:r>
-          </a:p>
-          <a:p>
-            <a:r>
-              <a:rPr lang="en-US" dirty="0"/>
-              <a:t>Restricted information can’t be accessible to unauthorized parties, detecting good and bad modifications and ensuring the user can access required resources</a:t>
-            </a:r>
-          </a:p>
-          <a:p>
-            <a:r>
-              <a:rPr lang="en-US" dirty="0"/>
-              <a:t>It must include physical control of client devices.</a:t>
+              <a:t>Work flexibility arrangement under which employee performs his duties and responsibilities such as positions and other authorized activities from work site to location to work.</a:t>
             </a:r>
           </a:p>
           <a:p>
@@ -7967,7 +8037,7 @@
     </p:spTree>
     <p:extLst>
       <p:ext uri="{BB962C8B-B14F-4D97-AF65-F5344CB8AC3E}">
-        <p14:creationId xmlns:p14="http://schemas.microsoft.com/office/powerpoint/2010/main" val="3778690245"/>
+        <p14:creationId xmlns:p14="http://schemas.microsoft.com/office/powerpoint/2010/main" val="2106614610"/>
       </p:ext>
     </p:extLst>
   </p:cSld>
@@ -7999,7 +8069,7 @@
           <p:cNvPr id="2" name="Title 1">
             <a:extLst>
               <a:ext uri="{FF2B5EF4-FFF2-40B4-BE49-F238E27FC236}">
-                <a16:creationId xmlns:a16="http://schemas.microsoft.com/office/drawing/2014/main" id="{7F15F437-059F-15BB-8DEE-4317F58D0763}"/>
+                <a16:creationId xmlns:a16="http://schemas.microsoft.com/office/drawing/2014/main" id="{5E896FC0-401B-A606-3B18-39834C0AC108}"/>
               </a:ext>
             </a:extLst>
           </p:cNvPr>
@@ -8017,7 +8087,7 @@
           <a:p>
             <a:r>
               <a:rPr lang="en-US" dirty="0"/>
-              <a:t>Remote access technologies</a:t>
+              <a:t>Benefits</a:t>
             </a:r>
           </a:p>
         </p:txBody>
@@ -8027,7 +8097,7 @@
           <p:cNvPr id="3" name="Content Placeholder 2">
             <a:extLst>
               <a:ext uri="{FF2B5EF4-FFF2-40B4-BE49-F238E27FC236}">
-                <a16:creationId xmlns:a16="http://schemas.microsoft.com/office/drawing/2014/main" id="{BA70DCD4-E5AE-1BDE-691F-E11A5E89A49E}"/>
+                <a16:creationId xmlns:a16="http://schemas.microsoft.com/office/drawing/2014/main" id="{56AD5E21-B889-6346-9EEE-147EC3A16C29}"/>
               </a:ext>
             </a:extLst>
           </p:cNvPr>
@@ -8045,13 +8115,37 @@
           <a:p>
             <a:r>
               <a:rPr lang="en-US" dirty="0"/>
-              <a:t>VPN: Secure tunnel for transmitting data through the internet.</a:t>
-            </a:r>
-          </a:p>
-          <a:p>
-            <a:r>
-              <a:rPr lang="en-US" dirty="0"/>
-              <a:t>Achieved through tunnelling and encryption. To provide high security without the high cost of private lines. It is connected between physical or remote sites.</a:t>
+              <a:t>Increased motivation and productivity</a:t>
+            </a:r>
+          </a:p>
+          <a:p>
+            <a:r>
+              <a:rPr lang="en-US" dirty="0"/>
+              <a:t>Reduction in vehicle pollution </a:t>
+            </a:r>
+          </a:p>
+          <a:p>
+            <a:r>
+              <a:rPr lang="en-US" dirty="0"/>
+              <a:t>Improved work-life balance</a:t>
+            </a:r>
+          </a:p>
+          <a:p>
+            <a:r>
+              <a:rPr lang="en-US" dirty="0"/>
+              <a:t>Reduced dependency on imported oils</a:t>
+            </a:r>
+          </a:p>
+          <a:p>
+            <a:r>
+              <a:rPr lang="en-US" dirty="0"/>
+              <a:t>New opportunities </a:t>
+            </a:r>
+          </a:p>
+          <a:p>
+            <a:r>
+              <a:rPr lang="en-US" dirty="0"/>
+              <a:t>Establishment of distributed workflows</a:t>
             </a:r>
           </a:p>
         </p:txBody>
@@ -8059,7 +8153,7 @@
     </p:spTree>
     <p:extLst>
       <p:ext uri="{BB962C8B-B14F-4D97-AF65-F5344CB8AC3E}">
-        <p14:creationId xmlns:p14="http://schemas.microsoft.com/office/powerpoint/2010/main" val="2092552656"/>
+        <p14:creationId xmlns:p14="http://schemas.microsoft.com/office/powerpoint/2010/main" val="676721497"/>
       </p:ext>
     </p:extLst>
   </p:cSld>
@@ -8091,7 +8185,7 @@
           <p:cNvPr id="2" name="Title 1">
             <a:extLst>
               <a:ext uri="{FF2B5EF4-FFF2-40B4-BE49-F238E27FC236}">
-                <a16:creationId xmlns:a16="http://schemas.microsoft.com/office/drawing/2014/main" id="{DCCC8674-22AB-9BBB-1DD6-845BA2DAB276}"/>
+                <a16:creationId xmlns:a16="http://schemas.microsoft.com/office/drawing/2014/main" id="{D0C9275D-5BB1-407F-37C4-B4C1172B867A}"/>
               </a:ext>
             </a:extLst>
           </p:cNvPr>
@@ -8107,7 +8201,10 @@
           <a:bodyPr/>
           <a:lstStyle/>
           <a:p>
-            <a:endParaRPr lang="en-US" dirty="0"/>
+            <a:r>
+              <a:rPr lang="en-US" dirty="0"/>
+              <a:t>User Access Control</a:t>
+            </a:r>
           </a:p>
         </p:txBody>
       </p:sp>
@@ -8116,7 +8213,7 @@
           <p:cNvPr id="3" name="Content Placeholder 2">
             <a:extLst>
               <a:ext uri="{FF2B5EF4-FFF2-40B4-BE49-F238E27FC236}">
-                <a16:creationId xmlns:a16="http://schemas.microsoft.com/office/drawing/2014/main" id="{5F503FF7-E993-BAEE-8264-850A29B00296}"/>
+                <a16:creationId xmlns:a16="http://schemas.microsoft.com/office/drawing/2014/main" id="{69EF6C75-3779-E6A1-8102-E0B049CF3E47}"/>
               </a:ext>
             </a:extLst>
           </p:cNvPr>
@@ -8132,9 +8229,93 @@
           <a:bodyPr/>
           <a:lstStyle/>
           <a:p>
-            <a:r>
-              <a:rPr lang="en-US" dirty="0"/>
-              <a:t>Single centralized interface which sends data to clients’ device, it is stored temporarily  which limits access</a:t>
+            <a:pPr>
+              <a:buFont typeface="Arial" panose="020B0604020202020204" pitchFamily="34" charset="0"/>
+              <a:buChar char="•"/>
+            </a:pPr>
+            <a:r>
+              <a:rPr lang="en-US" dirty="0"/>
+              <a:t> Our business can’t run without users</a:t>
+            </a:r>
+          </a:p>
+          <a:p>
+            <a:pPr lvl="1">
+              <a:buFont typeface="Arial" panose="020B0604020202020204" pitchFamily="34" charset="0"/>
+              <a:buChar char="•"/>
+            </a:pPr>
+            <a:r>
+              <a:rPr lang="en-US" dirty="0"/>
+              <a:t>Clients or Customers</a:t>
+            </a:r>
+          </a:p>
+          <a:p>
+            <a:pPr lvl="1">
+              <a:buFont typeface="Arial" panose="020B0604020202020204" pitchFamily="34" charset="0"/>
+              <a:buChar char="•"/>
+            </a:pPr>
+            <a:r>
+              <a:rPr lang="en-US" dirty="0"/>
+              <a:t>Employees</a:t>
+            </a:r>
+          </a:p>
+          <a:p>
+            <a:pPr lvl="2">
+              <a:buFont typeface="Arial" panose="020B0604020202020204" pitchFamily="34" charset="0"/>
+              <a:buChar char="•"/>
+            </a:pPr>
+            <a:r>
+              <a:rPr lang="en-US" dirty="0"/>
+              <a:t>HR</a:t>
+            </a:r>
+          </a:p>
+          <a:p>
+            <a:pPr lvl="2">
+              <a:buFont typeface="Arial" panose="020B0604020202020204" pitchFamily="34" charset="0"/>
+              <a:buChar char="•"/>
+            </a:pPr>
+            <a:r>
+              <a:rPr lang="en-US" dirty="0"/>
+              <a:t>IT</a:t>
+            </a:r>
+          </a:p>
+          <a:p>
+            <a:pPr lvl="2">
+              <a:buFont typeface="Arial" panose="020B0604020202020204" pitchFamily="34" charset="0"/>
+              <a:buChar char="•"/>
+            </a:pPr>
+            <a:r>
+              <a:rPr lang="en-US" dirty="0"/>
+              <a:t>Marketing</a:t>
+            </a:r>
+          </a:p>
+          <a:p>
+            <a:pPr lvl="2">
+              <a:buFont typeface="Arial" panose="020B0604020202020204" pitchFamily="34" charset="0"/>
+              <a:buChar char="•"/>
+            </a:pPr>
+            <a:r>
+              <a:rPr lang="en-US" dirty="0"/>
+              <a:t>Managers</a:t>
+            </a:r>
+          </a:p>
+          <a:p>
+            <a:pPr lvl="1">
+              <a:buFont typeface="Arial" panose="020B0604020202020204" pitchFamily="34" charset="0"/>
+              <a:buChar char="•"/>
+            </a:pPr>
+            <a:r>
+              <a:rPr lang="en-US" dirty="0"/>
+              <a:t>Owners</a:t>
+            </a:r>
+          </a:p>
+          <a:p>
+            <a:pPr lvl="1">
+              <a:buFont typeface="Arial" panose="020B0604020202020204" pitchFamily="34" charset="0"/>
+              <a:buChar char="•"/>
+            </a:pPr>
+            <a:r>
+              <a:rPr lang="en-US" dirty="0"/>
+              <a:t>Board Members</a:t>
             </a:r>
           </a:p>
         </p:txBody>
@@ -8142,7 +8323,7 @@
     </p:spTree>
     <p:extLst>
       <p:ext uri="{BB962C8B-B14F-4D97-AF65-F5344CB8AC3E}">
-        <p14:creationId xmlns:p14="http://schemas.microsoft.com/office/powerpoint/2010/main" val="3471563017"/>
+        <p14:creationId xmlns:p14="http://schemas.microsoft.com/office/powerpoint/2010/main" val="923027413"/>
       </p:ext>
     </p:extLst>
   </p:cSld>
@@ -8174,7 +8355,7 @@
           <p:cNvPr id="2" name="Title 1">
             <a:extLst>
               <a:ext uri="{FF2B5EF4-FFF2-40B4-BE49-F238E27FC236}">
-                <a16:creationId xmlns:a16="http://schemas.microsoft.com/office/drawing/2014/main" id="{85B20180-788D-FE2D-AD4D-83B45DDAC50D}"/>
+                <a16:creationId xmlns:a16="http://schemas.microsoft.com/office/drawing/2014/main" id="{DBB1DF90-5AAC-3EC1-5D16-A95BF1B17A71}"/>
               </a:ext>
             </a:extLst>
           </p:cNvPr>
@@ -8192,7 +8373,7 @@
           <a:p>
             <a:r>
               <a:rPr lang="en-US" dirty="0"/>
-              <a:t>Remote access authentication and authorization</a:t>
+              <a:t>What is User Access Control?</a:t>
             </a:r>
           </a:p>
         </p:txBody>
@@ -8202,7 +8383,7 @@
           <p:cNvPr id="3" name="Content Placeholder 2">
             <a:extLst>
               <a:ext uri="{FF2B5EF4-FFF2-40B4-BE49-F238E27FC236}">
-                <a16:creationId xmlns:a16="http://schemas.microsoft.com/office/drawing/2014/main" id="{5BE3F581-B99F-8BC9-CACE-3D51DA2BA496}"/>
+                <a16:creationId xmlns:a16="http://schemas.microsoft.com/office/drawing/2014/main" id="{5DDF6F59-E9DD-C040-D1F0-E81D52F492A2}"/>
               </a:ext>
             </a:extLst>
           </p:cNvPr>
@@ -8220,27 +8401,78 @@
           <a:p>
             <a:r>
               <a:rPr lang="en-US" dirty="0"/>
-              <a:t>Implement mutual authentication so they can verify legitimacy before providing authentication credentials.</a:t>
-            </a:r>
-          </a:p>
-          <a:p>
-            <a:r>
-              <a:rPr lang="en-US" dirty="0"/>
-              <a:t>MFA is required for access</a:t>
-            </a:r>
-          </a:p>
-          <a:p>
-            <a:r>
-              <a:rPr lang="en-US" dirty="0"/>
-              <a:t>Additionally user should require authentication periodically in remote access devices, they should ensure if they made the base line required for internal systems.</a:t>
-            </a:r>
+              <a:t>Ensure that a user can </a:t>
+            </a:r>
+            <a:r>
+              <a:rPr lang="en-US" b="1" dirty="0"/>
+              <a:t>ACCESS</a:t>
+            </a:r>
+            <a:r>
+              <a:rPr lang="en-US" dirty="0"/>
+              <a:t> only </a:t>
+            </a:r>
+            <a:r>
+              <a:rPr lang="en-US" b="1" dirty="0"/>
+              <a:t>SPECIFIC INFORMATION </a:t>
+            </a:r>
+            <a:r>
+              <a:rPr lang="en-US" dirty="0"/>
+              <a:t>or </a:t>
+            </a:r>
+            <a:r>
+              <a:rPr lang="en-US" b="1" dirty="0"/>
+              <a:t>SPECIFIC CONTROL</a:t>
+            </a:r>
+            <a:r>
+              <a:rPr lang="en-US" dirty="0"/>
+              <a:t> in an organization or company.</a:t>
+            </a:r>
+          </a:p>
+          <a:p>
+            <a:pPr marL="0" indent="0">
+              <a:buNone/>
+            </a:pPr>
+            <a:r>
+              <a:rPr lang="en-US" dirty="0"/>
+              <a:t> Controls such as –</a:t>
+            </a:r>
+          </a:p>
+          <a:p>
+            <a:pPr marL="0" indent="0">
+              <a:buNone/>
+            </a:pPr>
+            <a:r>
+              <a:rPr lang="en-US" dirty="0"/>
+              <a:t>System administrators can only access to the active directories, CRUD a users etc.</a:t>
+            </a:r>
+          </a:p>
+          <a:p>
+            <a:pPr marL="0" indent="0">
+              <a:buNone/>
+            </a:pPr>
+            <a:r>
+              <a:rPr lang="en-US" dirty="0"/>
+              <a:t>HR Team controls employee information</a:t>
+            </a:r>
+          </a:p>
+          <a:p>
+            <a:pPr marL="0" indent="0">
+              <a:buNone/>
+            </a:pPr>
+            <a:endParaRPr lang="en-US" dirty="0"/>
+          </a:p>
+          <a:p>
+            <a:pPr marL="0" indent="0">
+              <a:buNone/>
+            </a:pPr>
+            <a:endParaRPr lang="en-US" dirty="0"/>
           </a:p>
         </p:txBody>
       </p:sp>
     </p:spTree>
     <p:extLst>
       <p:ext uri="{BB962C8B-B14F-4D97-AF65-F5344CB8AC3E}">
-        <p14:creationId xmlns:p14="http://schemas.microsoft.com/office/powerpoint/2010/main" val="1309017816"/>
+        <p14:creationId xmlns:p14="http://schemas.microsoft.com/office/powerpoint/2010/main" val="2706456986"/>
       </p:ext>
     </p:extLst>
   </p:cSld>
@@ -8272,7 +8504,7 @@
           <p:cNvPr id="2" name="Title 1">
             <a:extLst>
               <a:ext uri="{FF2B5EF4-FFF2-40B4-BE49-F238E27FC236}">
-                <a16:creationId xmlns:a16="http://schemas.microsoft.com/office/drawing/2014/main" id="{ED41F894-60A1-5384-512E-23F93C35274F}"/>
+                <a16:creationId xmlns:a16="http://schemas.microsoft.com/office/drawing/2014/main" id="{CEC3CB6A-5C62-FEC1-3624-1A34780E40F4}"/>
               </a:ext>
             </a:extLst>
           </p:cNvPr>
@@ -8290,7 +8522,7 @@
           <a:p>
             <a:r>
               <a:rPr lang="en-US" dirty="0"/>
-              <a:t>Network access control</a:t>
+              <a:t>Why User Access Control?</a:t>
             </a:r>
           </a:p>
         </p:txBody>
@@ -8300,7 +8532,7 @@
           <p:cNvPr id="3" name="Content Placeholder 2">
             <a:extLst>
               <a:ext uri="{FF2B5EF4-FFF2-40B4-BE49-F238E27FC236}">
-                <a16:creationId xmlns:a16="http://schemas.microsoft.com/office/drawing/2014/main" id="{690C7F1B-6CD7-D6B1-C402-1BCC1866FF1D}"/>
+                <a16:creationId xmlns:a16="http://schemas.microsoft.com/office/drawing/2014/main" id="{B7F35142-225D-F327-024A-9A5A2E7CECBB}"/>
               </a:ext>
             </a:extLst>
           </p:cNvPr>
@@ -8318,7 +8550,7 @@
           <a:p>
             <a:r>
               <a:rPr lang="en-US" dirty="0"/>
-              <a:t>Used to check remote access device based on its criteria, if it doesn’t meet a specific criteria access is denied.</a:t>
+              <a:t>To maintain confidentiality and data integrity of information. </a:t>
             </a:r>
           </a:p>
         </p:txBody>
@@ -8326,7 +8558,7 @@
     </p:spTree>
     <p:extLst>
       <p:ext uri="{BB962C8B-B14F-4D97-AF65-F5344CB8AC3E}">
-        <p14:creationId xmlns:p14="http://schemas.microsoft.com/office/powerpoint/2010/main" val="935807662"/>
+        <p14:creationId xmlns:p14="http://schemas.microsoft.com/office/powerpoint/2010/main" val="3714240421"/>
       </p:ext>
     </p:extLst>
   </p:cSld>
@@ -8358,7 +8590,7 @@
           <p:cNvPr id="2" name="Title 1">
             <a:extLst>
               <a:ext uri="{FF2B5EF4-FFF2-40B4-BE49-F238E27FC236}">
-                <a16:creationId xmlns:a16="http://schemas.microsoft.com/office/drawing/2014/main" id="{EB8AD0FA-DD8C-8E54-699B-D9F113E7DFDB}"/>
+                <a16:creationId xmlns:a16="http://schemas.microsoft.com/office/drawing/2014/main" id="{E2472BC1-F054-CB98-B844-4A698BCD359B}"/>
               </a:ext>
             </a:extLst>
           </p:cNvPr>
@@ -8376,7 +8608,7 @@
           <a:p>
             <a:r>
               <a:rPr lang="en-US" dirty="0"/>
-              <a:t>Teleworking access control</a:t>
+              <a:t>How to implement User Access Control?</a:t>
             </a:r>
           </a:p>
         </p:txBody>
@@ -8386,7 +8618,7 @@
           <p:cNvPr id="3" name="Content Placeholder 2">
             <a:extLst>
               <a:ext uri="{FF2B5EF4-FFF2-40B4-BE49-F238E27FC236}">
-                <a16:creationId xmlns:a16="http://schemas.microsoft.com/office/drawing/2014/main" id="{A434293C-74E3-27F7-7CFD-2B736111486C}"/>
+                <a16:creationId xmlns:a16="http://schemas.microsoft.com/office/drawing/2014/main" id="{C7790F32-6F6C-94D0-FBBF-98E60E10C5AB}"/>
               </a:ext>
             </a:extLst>
           </p:cNvPr>
@@ -8402,20 +8634,14 @@
           <a:bodyPr/>
           <a:lstStyle/>
           <a:p>
-            <a:r>
-              <a:rPr lang="en-US" dirty="0"/>
-              <a:t>Work flexibility arrangement under which employee performs his duties and responsibilities such as positions and other authorized activities from work site to location to work.</a:t>
-            </a:r>
-          </a:p>
-          <a:p>
-            <a:endParaRPr lang="en-US" dirty="0"/>
+            <a:endParaRPr lang="en-US"/>
           </a:p>
         </p:txBody>
       </p:sp>
     </p:spTree>
     <p:extLst>
       <p:ext uri="{BB962C8B-B14F-4D97-AF65-F5344CB8AC3E}">
-        <p14:creationId xmlns:p14="http://schemas.microsoft.com/office/powerpoint/2010/main" val="2106614610"/>
+        <p14:creationId xmlns:p14="http://schemas.microsoft.com/office/powerpoint/2010/main" val="2726068334"/>
       </p:ext>
     </p:extLst>
   </p:cSld>
@@ -8618,7 +8844,7 @@
           <p:cNvPr id="2" name="Title 1">
             <a:extLst>
               <a:ext uri="{FF2B5EF4-FFF2-40B4-BE49-F238E27FC236}">
-                <a16:creationId xmlns:a16="http://schemas.microsoft.com/office/drawing/2014/main" id="{5E896FC0-401B-A606-3B18-39834C0AC108}"/>
+                <a16:creationId xmlns:a16="http://schemas.microsoft.com/office/drawing/2014/main" id="{90A911F8-9259-B496-1E4A-4528A1311153}"/>
               </a:ext>
             </a:extLst>
           </p:cNvPr>
@@ -8635,10 +8861,9 @@
           <a:lstStyle/>
           <a:p>
             <a:r>
-              <a:rPr lang="en-US" dirty="0" err="1"/>
-              <a:t>Benifits</a:t>
-            </a:r>
-            <a:endParaRPr lang="en-US" dirty="0"/>
+              <a:rPr lang="en-US" dirty="0"/>
+              <a:t>Least Privilege or Zero Trust</a:t>
+            </a:r>
           </a:p>
         </p:txBody>
       </p:sp>
@@ -8647,7 +8872,7 @@
           <p:cNvPr id="3" name="Content Placeholder 2">
             <a:extLst>
               <a:ext uri="{FF2B5EF4-FFF2-40B4-BE49-F238E27FC236}">
-                <a16:creationId xmlns:a16="http://schemas.microsoft.com/office/drawing/2014/main" id="{56AD5E21-B889-6346-9EEE-147EC3A16C29}"/>
+                <a16:creationId xmlns:a16="http://schemas.microsoft.com/office/drawing/2014/main" id="{A982FFF2-C108-C5B9-6283-B636A0F90FCF}"/>
               </a:ext>
             </a:extLst>
           </p:cNvPr>
@@ -8663,47 +8888,398 @@
           <a:bodyPr/>
           <a:lstStyle/>
           <a:p>
-            <a:r>
-              <a:rPr lang="en-US" dirty="0"/>
-              <a:t>Increased motivation and productivity</a:t>
-            </a:r>
-          </a:p>
-          <a:p>
-            <a:r>
-              <a:rPr lang="en-US" dirty="0"/>
-              <a:t>Reduction in vehicle pollution </a:t>
-            </a:r>
-          </a:p>
-          <a:p>
-            <a:r>
-              <a:rPr lang="en-US" dirty="0"/>
-              <a:t>Improved work-life balance</a:t>
-            </a:r>
-          </a:p>
-          <a:p>
-            <a:r>
-              <a:rPr lang="en-US" dirty="0"/>
-              <a:t>Reduced dependency on imported oils</a:t>
-            </a:r>
-          </a:p>
-          <a:p>
-            <a:r>
-              <a:rPr lang="en-US" dirty="0"/>
-              <a:t>New opportunities </a:t>
-            </a:r>
-          </a:p>
-          <a:p>
-            <a:r>
-              <a:rPr lang="en-US" dirty="0"/>
-              <a:t>Establishment of distributed workflows</a:t>
-            </a:r>
+            <a:endParaRPr lang="en-US"/>
           </a:p>
         </p:txBody>
       </p:sp>
     </p:spTree>
     <p:extLst>
       <p:ext uri="{BB962C8B-B14F-4D97-AF65-F5344CB8AC3E}">
-        <p14:creationId xmlns:p14="http://schemas.microsoft.com/office/powerpoint/2010/main" val="676721497"/>
+        <p14:creationId xmlns:p14="http://schemas.microsoft.com/office/powerpoint/2010/main" val="4187362898"/>
+      </p:ext>
+    </p:extLst>
+  </p:cSld>
+  <p:clrMapOvr>
+    <a:masterClrMapping/>
+  </p:clrMapOvr>
+</p:sld>
+</file>
+
+<file path=ppt/slides/slide41.xml><?xml version="1.0" encoding="utf-8"?>
+<p:sld xmlns:a="http://schemas.openxmlformats.org/drawingml/2006/main" xmlns:r="http://schemas.openxmlformats.org/officeDocument/2006/relationships" xmlns:p="http://schemas.openxmlformats.org/presentationml/2006/main">
+  <p:cSld>
+    <p:spTree>
+      <p:nvGrpSpPr>
+        <p:cNvPr id="1" name=""/>
+        <p:cNvGrpSpPr/>
+        <p:nvPr/>
+      </p:nvGrpSpPr>
+      <p:grpSpPr>
+        <a:xfrm>
+          <a:off x="0" y="0"/>
+          <a:ext cx="0" cy="0"/>
+          <a:chOff x="0" y="0"/>
+          <a:chExt cx="0" cy="0"/>
+        </a:xfrm>
+      </p:grpSpPr>
+      <p:sp>
+        <p:nvSpPr>
+          <p:cNvPr id="2" name="Title 1">
+            <a:extLst>
+              <a:ext uri="{FF2B5EF4-FFF2-40B4-BE49-F238E27FC236}">
+                <a16:creationId xmlns:a16="http://schemas.microsoft.com/office/drawing/2014/main" id="{95FD279A-1AA8-56BE-BD14-B4109C3D73F7}"/>
+              </a:ext>
+            </a:extLst>
+          </p:cNvPr>
+          <p:cNvSpPr>
+            <a:spLocks noGrp="1"/>
+          </p:cNvSpPr>
+          <p:nvPr>
+            <p:ph type="title"/>
+          </p:nvPr>
+        </p:nvSpPr>
+        <p:spPr/>
+        <p:txBody>
+          <a:bodyPr/>
+          <a:lstStyle/>
+          <a:p>
+            <a:r>
+              <a:rPr lang="en-US" dirty="0"/>
+              <a:t>Policies for Authorization</a:t>
+            </a:r>
+          </a:p>
+        </p:txBody>
+      </p:sp>
+      <p:sp>
+        <p:nvSpPr>
+          <p:cNvPr id="3" name="Content Placeholder 2">
+            <a:extLst>
+              <a:ext uri="{FF2B5EF4-FFF2-40B4-BE49-F238E27FC236}">
+                <a16:creationId xmlns:a16="http://schemas.microsoft.com/office/drawing/2014/main" id="{34C625B8-B55B-B8D1-23EF-859645697FB6}"/>
+              </a:ext>
+            </a:extLst>
+          </p:cNvPr>
+          <p:cNvSpPr>
+            <a:spLocks noGrp="1"/>
+          </p:cNvSpPr>
+          <p:nvPr>
+            <p:ph idx="1"/>
+          </p:nvPr>
+        </p:nvSpPr>
+        <p:spPr/>
+        <p:txBody>
+          <a:bodyPr/>
+          <a:lstStyle/>
+          <a:p>
+            <a:endParaRPr lang="en-US" dirty="0"/>
+          </a:p>
+        </p:txBody>
+      </p:sp>
+    </p:spTree>
+    <p:extLst>
+      <p:ext uri="{BB962C8B-B14F-4D97-AF65-F5344CB8AC3E}">
+        <p14:creationId xmlns:p14="http://schemas.microsoft.com/office/powerpoint/2010/main" val="2359284174"/>
+      </p:ext>
+    </p:extLst>
+  </p:cSld>
+  <p:clrMapOvr>
+    <a:masterClrMapping/>
+  </p:clrMapOvr>
+</p:sld>
+</file>
+
+<file path=ppt/slides/slide42.xml><?xml version="1.0" encoding="utf-8"?>
+<p:sld xmlns:a="http://schemas.openxmlformats.org/drawingml/2006/main" xmlns:r="http://schemas.openxmlformats.org/officeDocument/2006/relationships" xmlns:p="http://schemas.openxmlformats.org/presentationml/2006/main">
+  <p:cSld>
+    <p:spTree>
+      <p:nvGrpSpPr>
+        <p:cNvPr id="1" name=""/>
+        <p:cNvGrpSpPr/>
+        <p:nvPr/>
+      </p:nvGrpSpPr>
+      <p:grpSpPr>
+        <a:xfrm>
+          <a:off x="0" y="0"/>
+          <a:ext cx="0" cy="0"/>
+          <a:chOff x="0" y="0"/>
+          <a:chExt cx="0" cy="0"/>
+        </a:xfrm>
+      </p:grpSpPr>
+      <p:sp>
+        <p:nvSpPr>
+          <p:cNvPr id="2" name="Title 1">
+            <a:extLst>
+              <a:ext uri="{FF2B5EF4-FFF2-40B4-BE49-F238E27FC236}">
+                <a16:creationId xmlns:a16="http://schemas.microsoft.com/office/drawing/2014/main" id="{7FC12AFE-2E6D-173C-B204-17FF3919CCDD}"/>
+              </a:ext>
+            </a:extLst>
+          </p:cNvPr>
+          <p:cNvSpPr>
+            <a:spLocks noGrp="1"/>
+          </p:cNvSpPr>
+          <p:nvPr>
+            <p:ph type="title"/>
+          </p:nvPr>
+        </p:nvSpPr>
+        <p:spPr/>
+        <p:txBody>
+          <a:bodyPr/>
+          <a:lstStyle/>
+          <a:p>
+            <a:r>
+              <a:rPr lang="en-US" dirty="0"/>
+              <a:t>Privileged controls</a:t>
+            </a:r>
+          </a:p>
+        </p:txBody>
+      </p:sp>
+      <p:sp>
+        <p:nvSpPr>
+          <p:cNvPr id="3" name="Content Placeholder 2">
+            <a:extLst>
+              <a:ext uri="{FF2B5EF4-FFF2-40B4-BE49-F238E27FC236}">
+                <a16:creationId xmlns:a16="http://schemas.microsoft.com/office/drawing/2014/main" id="{C01240D6-045E-5C72-1498-2CAAF379692C}"/>
+              </a:ext>
+            </a:extLst>
+          </p:cNvPr>
+          <p:cNvSpPr>
+            <a:spLocks noGrp="1"/>
+          </p:cNvSpPr>
+          <p:nvPr>
+            <p:ph idx="1"/>
+          </p:nvPr>
+        </p:nvSpPr>
+        <p:spPr/>
+        <p:txBody>
+          <a:bodyPr/>
+          <a:lstStyle/>
+          <a:p>
+            <a:r>
+              <a:rPr lang="en-US" dirty="0"/>
+              <a:t>Accounts with elevated capabilities beyond regular users.</a:t>
+            </a:r>
+          </a:p>
+          <a:p>
+            <a:r>
+              <a:rPr lang="en-US" dirty="0"/>
+              <a:t>Accounts with Network admins, System admins etc.</a:t>
+            </a:r>
+          </a:p>
+          <a:p>
+            <a:endParaRPr lang="en-US" dirty="0"/>
+          </a:p>
+        </p:txBody>
+      </p:sp>
+    </p:spTree>
+    <p:extLst>
+      <p:ext uri="{BB962C8B-B14F-4D97-AF65-F5344CB8AC3E}">
+        <p14:creationId xmlns:p14="http://schemas.microsoft.com/office/powerpoint/2010/main" val="1896068859"/>
+      </p:ext>
+    </p:extLst>
+  </p:cSld>
+  <p:clrMapOvr>
+    <a:masterClrMapping/>
+  </p:clrMapOvr>
+</p:sld>
+</file>
+
+<file path=ppt/slides/slide43.xml><?xml version="1.0" encoding="utf-8"?>
+<p:sld xmlns:a="http://schemas.openxmlformats.org/drawingml/2006/main" xmlns:r="http://schemas.openxmlformats.org/officeDocument/2006/relationships" xmlns:p="http://schemas.openxmlformats.org/presentationml/2006/main">
+  <p:cSld>
+    <p:spTree>
+      <p:nvGrpSpPr>
+        <p:cNvPr id="1" name=""/>
+        <p:cNvGrpSpPr/>
+        <p:nvPr/>
+      </p:nvGrpSpPr>
+      <p:grpSpPr>
+        <a:xfrm>
+          <a:off x="0" y="0"/>
+          <a:ext cx="0" cy="0"/>
+          <a:chOff x="0" y="0"/>
+          <a:chExt cx="0" cy="0"/>
+        </a:xfrm>
+      </p:grpSpPr>
+      <p:sp>
+        <p:nvSpPr>
+          <p:cNvPr id="2" name="Title 1">
+            <a:extLst>
+              <a:ext uri="{FF2B5EF4-FFF2-40B4-BE49-F238E27FC236}">
+                <a16:creationId xmlns:a16="http://schemas.microsoft.com/office/drawing/2014/main" id="{082A68DD-DC3B-6A39-CC42-F920D3F6472C}"/>
+              </a:ext>
+            </a:extLst>
+          </p:cNvPr>
+          <p:cNvSpPr>
+            <a:spLocks noGrp="1"/>
+          </p:cNvSpPr>
+          <p:nvPr>
+            <p:ph type="title"/>
+          </p:nvPr>
+        </p:nvSpPr>
+        <p:spPr/>
+        <p:txBody>
+          <a:bodyPr/>
+          <a:lstStyle/>
+          <a:p>
+            <a:r>
+              <a:rPr lang="en-US" dirty="0" err="1"/>
+              <a:t>Segration</a:t>
+            </a:r>
+            <a:r>
+              <a:rPr lang="en-US" dirty="0"/>
+              <a:t> of Duties</a:t>
+            </a:r>
+          </a:p>
+        </p:txBody>
+      </p:sp>
+      <p:sp>
+        <p:nvSpPr>
+          <p:cNvPr id="3" name="Content Placeholder 2">
+            <a:extLst>
+              <a:ext uri="{FF2B5EF4-FFF2-40B4-BE49-F238E27FC236}">
+                <a16:creationId xmlns:a16="http://schemas.microsoft.com/office/drawing/2014/main" id="{0ACB17F9-A466-0C4A-5605-DD87BA5C508C}"/>
+              </a:ext>
+            </a:extLst>
+          </p:cNvPr>
+          <p:cNvSpPr>
+            <a:spLocks noGrp="1"/>
+          </p:cNvSpPr>
+          <p:nvPr>
+            <p:ph idx="1"/>
+          </p:nvPr>
+        </p:nvSpPr>
+        <p:spPr/>
+        <p:txBody>
+          <a:bodyPr/>
+          <a:lstStyle/>
+          <a:p>
+            <a:r>
+              <a:rPr lang="en-US" dirty="0"/>
+              <a:t>Why? It’s dangerous to give too much power to a single person</a:t>
+            </a:r>
+          </a:p>
+          <a:p>
+            <a:r>
+              <a:rPr lang="en-US" dirty="0"/>
+              <a:t>Requires 2 or more person permission to complete a task</a:t>
+            </a:r>
+          </a:p>
+          <a:p>
+            <a:endParaRPr lang="en-US" dirty="0"/>
+          </a:p>
+          <a:p>
+            <a:endParaRPr lang="en-US" dirty="0"/>
+          </a:p>
+          <a:p>
+            <a:r>
+              <a:rPr lang="en-US" dirty="0"/>
+              <a:t>How can it help us?</a:t>
+            </a:r>
+          </a:p>
+          <a:p>
+            <a:r>
+              <a:rPr lang="en-US" dirty="0"/>
+              <a:t>- Protect from insider threats</a:t>
+            </a:r>
+          </a:p>
+        </p:txBody>
+      </p:sp>
+    </p:spTree>
+    <p:extLst>
+      <p:ext uri="{BB962C8B-B14F-4D97-AF65-F5344CB8AC3E}">
+        <p14:creationId xmlns:p14="http://schemas.microsoft.com/office/powerpoint/2010/main" val="1961223043"/>
+      </p:ext>
+    </p:extLst>
+  </p:cSld>
+  <p:clrMapOvr>
+    <a:masterClrMapping/>
+  </p:clrMapOvr>
+</p:sld>
+</file>
+
+<file path=ppt/slides/slide44.xml><?xml version="1.0" encoding="utf-8"?>
+<p:sld xmlns:a="http://schemas.openxmlformats.org/drawingml/2006/main" xmlns:r="http://schemas.openxmlformats.org/officeDocument/2006/relationships" xmlns:p="http://schemas.openxmlformats.org/presentationml/2006/main">
+  <p:cSld>
+    <p:spTree>
+      <p:nvGrpSpPr>
+        <p:cNvPr id="1" name=""/>
+        <p:cNvGrpSpPr/>
+        <p:nvPr/>
+      </p:nvGrpSpPr>
+      <p:grpSpPr>
+        <a:xfrm>
+          <a:off x="0" y="0"/>
+          <a:ext cx="0" cy="0"/>
+          <a:chOff x="0" y="0"/>
+          <a:chExt cx="0" cy="0"/>
+        </a:xfrm>
+      </p:grpSpPr>
+      <p:sp>
+        <p:nvSpPr>
+          <p:cNvPr id="2" name="Title 1">
+            <a:extLst>
+              <a:ext uri="{FF2B5EF4-FFF2-40B4-BE49-F238E27FC236}">
+                <a16:creationId xmlns:a16="http://schemas.microsoft.com/office/drawing/2014/main" id="{6944D5D3-5EB6-A764-8FA6-FE4771C983FB}"/>
+              </a:ext>
+            </a:extLst>
+          </p:cNvPr>
+          <p:cNvSpPr>
+            <a:spLocks noGrp="1"/>
+          </p:cNvSpPr>
+          <p:nvPr>
+            <p:ph type="title"/>
+          </p:nvPr>
+        </p:nvSpPr>
+        <p:spPr/>
+        <p:txBody>
+          <a:bodyPr/>
+          <a:lstStyle/>
+          <a:p>
+            <a:r>
+              <a:rPr lang="en-US" dirty="0"/>
+              <a:t>Dual Control</a:t>
+            </a:r>
+          </a:p>
+        </p:txBody>
+      </p:sp>
+      <p:sp>
+        <p:nvSpPr>
+          <p:cNvPr id="3" name="Content Placeholder 2">
+            <a:extLst>
+              <a:ext uri="{FF2B5EF4-FFF2-40B4-BE49-F238E27FC236}">
+                <a16:creationId xmlns:a16="http://schemas.microsoft.com/office/drawing/2014/main" id="{99EC6FAD-D928-EFE9-43EE-6F80CDB01E1A}"/>
+              </a:ext>
+            </a:extLst>
+          </p:cNvPr>
+          <p:cNvSpPr>
+            <a:spLocks noGrp="1"/>
+          </p:cNvSpPr>
+          <p:nvPr>
+            <p:ph idx="1"/>
+          </p:nvPr>
+        </p:nvSpPr>
+        <p:spPr/>
+        <p:txBody>
+          <a:bodyPr/>
+          <a:lstStyle/>
+          <a:p>
+            <a:r>
+              <a:rPr lang="en-US" dirty="0"/>
+              <a:t>2 keys to open a door</a:t>
+            </a:r>
+          </a:p>
+          <a:p>
+            <a:pPr marL="0" indent="0">
+              <a:buNone/>
+            </a:pPr>
+            <a:endParaRPr lang="en-US" dirty="0"/>
+          </a:p>
+        </p:txBody>
+      </p:sp>
+    </p:spTree>
+    <p:extLst>
+      <p:ext uri="{BB962C8B-B14F-4D97-AF65-F5344CB8AC3E}">
+        <p14:creationId xmlns:p14="http://schemas.microsoft.com/office/powerpoint/2010/main" val="2048770458"/>
       </p:ext>
     </p:extLst>
   </p:cSld>

--- a/Access Control.pptx
+++ b/Access Control.pptx
@@ -21,42 +21,43 @@
     <p:sldId id="294" r:id="rId15"/>
     <p:sldId id="295" r:id="rId16"/>
     <p:sldId id="257" r:id="rId17"/>
-    <p:sldId id="258" r:id="rId18"/>
-    <p:sldId id="259" r:id="rId19"/>
-    <p:sldId id="264" r:id="rId20"/>
-    <p:sldId id="265" r:id="rId21"/>
-    <p:sldId id="266" r:id="rId22"/>
-    <p:sldId id="267" r:id="rId23"/>
-    <p:sldId id="268" r:id="rId24"/>
-    <p:sldId id="269" r:id="rId25"/>
-    <p:sldId id="270" r:id="rId26"/>
-    <p:sldId id="271" r:id="rId27"/>
-    <p:sldId id="272" r:id="rId28"/>
-    <p:sldId id="273" r:id="rId29"/>
-    <p:sldId id="274" r:id="rId30"/>
-    <p:sldId id="275" r:id="rId31"/>
-    <p:sldId id="276" r:id="rId32"/>
-    <p:sldId id="278" r:id="rId33"/>
-    <p:sldId id="279" r:id="rId34"/>
-    <p:sldId id="280" r:id="rId35"/>
-    <p:sldId id="281" r:id="rId36"/>
-    <p:sldId id="296" r:id="rId37"/>
-    <p:sldId id="297" r:id="rId38"/>
-    <p:sldId id="298" r:id="rId39"/>
-    <p:sldId id="299" r:id="rId40"/>
-    <p:sldId id="300" r:id="rId41"/>
-    <p:sldId id="312" r:id="rId42"/>
-    <p:sldId id="301" r:id="rId43"/>
-    <p:sldId id="302" r:id="rId44"/>
-    <p:sldId id="306" r:id="rId45"/>
-    <p:sldId id="303" r:id="rId46"/>
-    <p:sldId id="304" r:id="rId47"/>
-    <p:sldId id="313" r:id="rId48"/>
-    <p:sldId id="305" r:id="rId49"/>
-    <p:sldId id="307" r:id="rId50"/>
-    <p:sldId id="308" r:id="rId51"/>
-    <p:sldId id="309" r:id="rId52"/>
-    <p:sldId id="311" r:id="rId53"/>
+    <p:sldId id="314" r:id="rId18"/>
+    <p:sldId id="258" r:id="rId19"/>
+    <p:sldId id="259" r:id="rId20"/>
+    <p:sldId id="264" r:id="rId21"/>
+    <p:sldId id="265" r:id="rId22"/>
+    <p:sldId id="266" r:id="rId23"/>
+    <p:sldId id="267" r:id="rId24"/>
+    <p:sldId id="268" r:id="rId25"/>
+    <p:sldId id="269" r:id="rId26"/>
+    <p:sldId id="270" r:id="rId27"/>
+    <p:sldId id="271" r:id="rId28"/>
+    <p:sldId id="272" r:id="rId29"/>
+    <p:sldId id="273" r:id="rId30"/>
+    <p:sldId id="274" r:id="rId31"/>
+    <p:sldId id="275" r:id="rId32"/>
+    <p:sldId id="276" r:id="rId33"/>
+    <p:sldId id="278" r:id="rId34"/>
+    <p:sldId id="279" r:id="rId35"/>
+    <p:sldId id="280" r:id="rId36"/>
+    <p:sldId id="281" r:id="rId37"/>
+    <p:sldId id="296" r:id="rId38"/>
+    <p:sldId id="297" r:id="rId39"/>
+    <p:sldId id="298" r:id="rId40"/>
+    <p:sldId id="299" r:id="rId41"/>
+    <p:sldId id="300" r:id="rId42"/>
+    <p:sldId id="312" r:id="rId43"/>
+    <p:sldId id="301" r:id="rId44"/>
+    <p:sldId id="302" r:id="rId45"/>
+    <p:sldId id="306" r:id="rId46"/>
+    <p:sldId id="303" r:id="rId47"/>
+    <p:sldId id="304" r:id="rId48"/>
+    <p:sldId id="313" r:id="rId49"/>
+    <p:sldId id="305" r:id="rId50"/>
+    <p:sldId id="307" r:id="rId51"/>
+    <p:sldId id="308" r:id="rId52"/>
+    <p:sldId id="309" r:id="rId53"/>
+    <p:sldId id="311" r:id="rId54"/>
   </p:sldIdLst>
   <p:sldSz cx="12192000" cy="6858000"/>
   <p:notesSz cx="6858000" cy="9144000"/>
@@ -946,6 +947,886 @@
 </file>
 
 <file path=ppt/diagrams/colors2.xml><?xml version="1.0" encoding="utf-8"?>
+<dgm:colorsDef xmlns:dgm="http://schemas.openxmlformats.org/drawingml/2006/diagram" xmlns:a="http://schemas.openxmlformats.org/drawingml/2006/main" uniqueId="urn:microsoft.com/office/officeart/2005/8/colors/accent3_5">
+  <dgm:title val=""/>
+  <dgm:desc val=""/>
+  <dgm:catLst>
+    <dgm:cat type="accent3" pri="11500"/>
+  </dgm:catLst>
+  <dgm:styleLbl name="node0">
+    <dgm:fillClrLst meth="cycle">
+      <a:schemeClr val="accent3">
+        <a:alpha val="80000"/>
+      </a:schemeClr>
+    </dgm:fillClrLst>
+    <dgm:linClrLst meth="repeat">
+      <a:schemeClr val="lt1"/>
+    </dgm:linClrLst>
+    <dgm:effectClrLst/>
+    <dgm:txLinClrLst/>
+    <dgm:txFillClrLst/>
+    <dgm:txEffectClrLst/>
+  </dgm:styleLbl>
+  <dgm:styleLbl name="node1">
+    <dgm:fillClrLst>
+      <a:schemeClr val="accent3">
+        <a:alpha val="90000"/>
+      </a:schemeClr>
+      <a:schemeClr val="accent3">
+        <a:alpha val="50000"/>
+      </a:schemeClr>
+    </dgm:fillClrLst>
+    <dgm:linClrLst meth="repeat">
+      <a:schemeClr val="lt1"/>
+    </dgm:linClrLst>
+    <dgm:effectClrLst/>
+    <dgm:txLinClrLst/>
+    <dgm:txFillClrLst/>
+    <dgm:txEffectClrLst/>
+  </dgm:styleLbl>
+  <dgm:styleLbl name="alignNode1">
+    <dgm:fillClrLst>
+      <a:schemeClr val="accent3">
+        <a:alpha val="90000"/>
+      </a:schemeClr>
+      <a:schemeClr val="accent3">
+        <a:alpha val="50000"/>
+      </a:schemeClr>
+    </dgm:fillClrLst>
+    <dgm:linClrLst>
+      <a:schemeClr val="accent3">
+        <a:alpha val="90000"/>
+      </a:schemeClr>
+      <a:schemeClr val="accent3">
+        <a:alpha val="50000"/>
+      </a:schemeClr>
+    </dgm:linClrLst>
+    <dgm:effectClrLst/>
+    <dgm:txLinClrLst/>
+    <dgm:txFillClrLst/>
+    <dgm:txEffectClrLst/>
+  </dgm:styleLbl>
+  <dgm:styleLbl name="lnNode1">
+    <dgm:fillClrLst>
+      <a:schemeClr val="accent3">
+        <a:shade val="90000"/>
+      </a:schemeClr>
+      <a:schemeClr val="accent3">
+        <a:alpha val="50000"/>
+        <a:tint val="50000"/>
+      </a:schemeClr>
+    </dgm:fillClrLst>
+    <dgm:linClrLst meth="repeat">
+      <a:schemeClr val="lt1"/>
+    </dgm:linClrLst>
+    <dgm:effectClrLst/>
+    <dgm:txLinClrLst/>
+    <dgm:txFillClrLst/>
+    <dgm:txEffectClrLst/>
+  </dgm:styleLbl>
+  <dgm:styleLbl name="vennNode1">
+    <dgm:fillClrLst>
+      <a:schemeClr val="accent3">
+        <a:shade val="80000"/>
+        <a:alpha val="50000"/>
+      </a:schemeClr>
+      <a:schemeClr val="accent3">
+        <a:alpha val="80000"/>
+      </a:schemeClr>
+    </dgm:fillClrLst>
+    <dgm:linClrLst meth="repeat">
+      <a:schemeClr val="lt1"/>
+    </dgm:linClrLst>
+    <dgm:effectClrLst/>
+    <dgm:txLinClrLst/>
+    <dgm:txFillClrLst/>
+    <dgm:txEffectClrLst/>
+  </dgm:styleLbl>
+  <dgm:styleLbl name="node2">
+    <dgm:fillClrLst>
+      <a:schemeClr val="accent3">
+        <a:alpha val="70000"/>
+      </a:schemeClr>
+    </dgm:fillClrLst>
+    <dgm:linClrLst meth="repeat">
+      <a:schemeClr val="lt1"/>
+    </dgm:linClrLst>
+    <dgm:effectClrLst/>
+    <dgm:txLinClrLst/>
+    <dgm:txFillClrLst/>
+    <dgm:txEffectClrLst/>
+  </dgm:styleLbl>
+  <dgm:styleLbl name="node3">
+    <dgm:fillClrLst>
+      <a:schemeClr val="accent3">
+        <a:alpha val="50000"/>
+      </a:schemeClr>
+    </dgm:fillClrLst>
+    <dgm:linClrLst meth="repeat">
+      <a:schemeClr val="lt1"/>
+    </dgm:linClrLst>
+    <dgm:effectClrLst/>
+    <dgm:txLinClrLst/>
+    <dgm:txFillClrLst/>
+    <dgm:txEffectClrLst/>
+  </dgm:styleLbl>
+  <dgm:styleLbl name="node4">
+    <dgm:fillClrLst>
+      <a:schemeClr val="accent3">
+        <a:alpha val="30000"/>
+      </a:schemeClr>
+    </dgm:fillClrLst>
+    <dgm:linClrLst meth="repeat">
+      <a:schemeClr val="lt1"/>
+    </dgm:linClrLst>
+    <dgm:effectClrLst/>
+    <dgm:txLinClrLst/>
+    <dgm:txFillClrLst/>
+    <dgm:txEffectClrLst/>
+  </dgm:styleLbl>
+  <dgm:styleLbl name="fgImgPlace1">
+    <dgm:fillClrLst>
+      <a:schemeClr val="accent3">
+        <a:tint val="50000"/>
+        <a:alpha val="90000"/>
+      </a:schemeClr>
+      <a:schemeClr val="accent3">
+        <a:tint val="20000"/>
+        <a:alpha val="50000"/>
+      </a:schemeClr>
+    </dgm:fillClrLst>
+    <dgm:linClrLst meth="repeat">
+      <a:schemeClr val="lt1"/>
+    </dgm:linClrLst>
+    <dgm:effectClrLst/>
+    <dgm:txLinClrLst/>
+    <dgm:txFillClrLst meth="repeat">
+      <a:schemeClr val="lt1"/>
+    </dgm:txFillClrLst>
+    <dgm:txEffectClrLst/>
+  </dgm:styleLbl>
+  <dgm:styleLbl name="alignImgPlace1">
+    <dgm:fillClrLst>
+      <a:schemeClr val="accent3">
+        <a:tint val="50000"/>
+      </a:schemeClr>
+      <a:schemeClr val="accent3">
+        <a:tint val="20000"/>
+      </a:schemeClr>
+    </dgm:fillClrLst>
+    <dgm:linClrLst meth="repeat">
+      <a:schemeClr val="lt1"/>
+    </dgm:linClrLst>
+    <dgm:effectClrLst/>
+    <dgm:txLinClrLst/>
+    <dgm:txFillClrLst meth="repeat">
+      <a:schemeClr val="lt1"/>
+    </dgm:txFillClrLst>
+    <dgm:txEffectClrLst/>
+  </dgm:styleLbl>
+  <dgm:styleLbl name="bgImgPlace1">
+    <dgm:fillClrLst>
+      <a:schemeClr val="accent3">
+        <a:tint val="50000"/>
+      </a:schemeClr>
+      <a:schemeClr val="accent3">
+        <a:tint val="20000"/>
+      </a:schemeClr>
+    </dgm:fillClrLst>
+    <dgm:linClrLst meth="repeat">
+      <a:schemeClr val="lt1"/>
+    </dgm:linClrLst>
+    <dgm:effectClrLst/>
+    <dgm:txLinClrLst/>
+    <dgm:txFillClrLst meth="repeat">
+      <a:schemeClr val="lt1"/>
+    </dgm:txFillClrLst>
+    <dgm:txEffectClrLst/>
+  </dgm:styleLbl>
+  <dgm:styleLbl name="sibTrans2D1">
+    <dgm:fillClrLst>
+      <a:schemeClr val="accent3">
+        <a:shade val="90000"/>
+      </a:schemeClr>
+      <a:schemeClr val="accent3">
+        <a:tint val="50000"/>
+      </a:schemeClr>
+    </dgm:fillClrLst>
+    <dgm:linClrLst>
+      <a:schemeClr val="accent3">
+        <a:shade val="90000"/>
+      </a:schemeClr>
+      <a:schemeClr val="accent3">
+        <a:tint val="50000"/>
+      </a:schemeClr>
+    </dgm:linClrLst>
+    <dgm:effectClrLst/>
+    <dgm:txLinClrLst/>
+    <dgm:txFillClrLst/>
+    <dgm:txEffectClrLst/>
+  </dgm:styleLbl>
+  <dgm:styleLbl name="fgSibTrans2D1">
+    <dgm:fillClrLst>
+      <a:schemeClr val="accent3">
+        <a:shade val="90000"/>
+      </a:schemeClr>
+      <a:schemeClr val="accent3">
+        <a:tint val="50000"/>
+      </a:schemeClr>
+    </dgm:fillClrLst>
+    <dgm:linClrLst>
+      <a:schemeClr val="accent3">
+        <a:shade val="90000"/>
+      </a:schemeClr>
+      <a:schemeClr val="accent3">
+        <a:tint val="50000"/>
+      </a:schemeClr>
+    </dgm:linClrLst>
+    <dgm:effectClrLst/>
+    <dgm:txLinClrLst/>
+    <dgm:txFillClrLst/>
+    <dgm:txEffectClrLst/>
+  </dgm:styleLbl>
+  <dgm:styleLbl name="bgSibTrans2D1">
+    <dgm:fillClrLst>
+      <a:schemeClr val="accent3">
+        <a:shade val="90000"/>
+      </a:schemeClr>
+      <a:schemeClr val="accent3">
+        <a:tint val="50000"/>
+      </a:schemeClr>
+    </dgm:fillClrLst>
+    <dgm:linClrLst>
+      <a:schemeClr val="accent3">
+        <a:shade val="90000"/>
+      </a:schemeClr>
+      <a:schemeClr val="accent3">
+        <a:tint val="50000"/>
+      </a:schemeClr>
+    </dgm:linClrLst>
+    <dgm:effectClrLst/>
+    <dgm:txLinClrLst/>
+    <dgm:txFillClrLst/>
+    <dgm:txEffectClrLst/>
+  </dgm:styleLbl>
+  <dgm:styleLbl name="sibTrans1D1">
+    <dgm:fillClrLst>
+      <a:schemeClr val="accent3">
+        <a:shade val="90000"/>
+      </a:schemeClr>
+      <a:schemeClr val="accent3">
+        <a:tint val="50000"/>
+      </a:schemeClr>
+    </dgm:fillClrLst>
+    <dgm:linClrLst>
+      <a:schemeClr val="accent3">
+        <a:shade val="90000"/>
+      </a:schemeClr>
+      <a:schemeClr val="accent3">
+        <a:tint val="50000"/>
+      </a:schemeClr>
+    </dgm:linClrLst>
+    <dgm:effectClrLst/>
+    <dgm:txLinClrLst/>
+    <dgm:txFillClrLst meth="repeat">
+      <a:schemeClr val="tx1"/>
+    </dgm:txFillClrLst>
+    <dgm:txEffectClrLst/>
+  </dgm:styleLbl>
+  <dgm:styleLbl name="callout">
+    <dgm:fillClrLst meth="repeat">
+      <a:schemeClr val="accent3"/>
+    </dgm:fillClrLst>
+    <dgm:linClrLst meth="repeat">
+      <a:schemeClr val="accent3"/>
+    </dgm:linClrLst>
+    <dgm:effectClrLst/>
+    <dgm:txLinClrLst/>
+    <dgm:txFillClrLst meth="repeat">
+      <a:schemeClr val="tx1"/>
+    </dgm:txFillClrLst>
+    <dgm:txEffectClrLst/>
+  </dgm:styleLbl>
+  <dgm:styleLbl name="asst0">
+    <dgm:fillClrLst meth="repeat">
+      <a:schemeClr val="accent3">
+        <a:alpha val="90000"/>
+      </a:schemeClr>
+    </dgm:fillClrLst>
+    <dgm:linClrLst meth="repeat">
+      <a:schemeClr val="lt1"/>
+    </dgm:linClrLst>
+    <dgm:effectClrLst/>
+    <dgm:txLinClrLst/>
+    <dgm:txFillClrLst/>
+    <dgm:txEffectClrLst/>
+  </dgm:styleLbl>
+  <dgm:styleLbl name="asst1">
+    <dgm:fillClrLst meth="repeat">
+      <a:schemeClr val="accent3">
+        <a:alpha val="90000"/>
+      </a:schemeClr>
+    </dgm:fillClrLst>
+    <dgm:linClrLst meth="repeat">
+      <a:schemeClr val="lt1"/>
+    </dgm:linClrLst>
+    <dgm:effectClrLst/>
+    <dgm:txLinClrLst/>
+    <dgm:txFillClrLst/>
+    <dgm:txEffectClrLst/>
+  </dgm:styleLbl>
+  <dgm:styleLbl name="asst2">
+    <dgm:fillClrLst>
+      <a:schemeClr val="accent3">
+        <a:alpha val="90000"/>
+      </a:schemeClr>
+    </dgm:fillClrLst>
+    <dgm:linClrLst meth="repeat">
+      <a:schemeClr val="lt1"/>
+    </dgm:linClrLst>
+    <dgm:effectClrLst/>
+    <dgm:txLinClrLst/>
+    <dgm:txFillClrLst/>
+    <dgm:txEffectClrLst/>
+  </dgm:styleLbl>
+  <dgm:styleLbl name="asst3">
+    <dgm:fillClrLst>
+      <a:schemeClr val="accent3">
+        <a:alpha val="70000"/>
+      </a:schemeClr>
+    </dgm:fillClrLst>
+    <dgm:linClrLst meth="repeat">
+      <a:schemeClr val="lt1"/>
+    </dgm:linClrLst>
+    <dgm:effectClrLst/>
+    <dgm:txLinClrLst/>
+    <dgm:txFillClrLst/>
+    <dgm:txEffectClrLst/>
+  </dgm:styleLbl>
+  <dgm:styleLbl name="asst4">
+    <dgm:fillClrLst>
+      <a:schemeClr val="accent3">
+        <a:alpha val="50000"/>
+      </a:schemeClr>
+    </dgm:fillClrLst>
+    <dgm:linClrLst meth="repeat">
+      <a:schemeClr val="lt1"/>
+    </dgm:linClrLst>
+    <dgm:effectClrLst/>
+    <dgm:txLinClrLst/>
+    <dgm:txFillClrLst/>
+    <dgm:txEffectClrLst/>
+  </dgm:styleLbl>
+  <dgm:styleLbl name="parChTrans2D1">
+    <dgm:fillClrLst meth="repeat">
+      <a:schemeClr val="accent3">
+        <a:shade val="80000"/>
+      </a:schemeClr>
+    </dgm:fillClrLst>
+    <dgm:linClrLst meth="repeat">
+      <a:schemeClr val="accent3">
+        <a:shade val="80000"/>
+      </a:schemeClr>
+    </dgm:linClrLst>
+    <dgm:effectClrLst/>
+    <dgm:txLinClrLst/>
+    <dgm:txFillClrLst/>
+    <dgm:txEffectClrLst/>
+  </dgm:styleLbl>
+  <dgm:styleLbl name="parChTrans2D2">
+    <dgm:fillClrLst meth="repeat">
+      <a:schemeClr val="accent3">
+        <a:tint val="90000"/>
+      </a:schemeClr>
+    </dgm:fillClrLst>
+    <dgm:linClrLst meth="repeat">
+      <a:schemeClr val="accent3">
+        <a:tint val="90000"/>
+      </a:schemeClr>
+    </dgm:linClrLst>
+    <dgm:effectClrLst/>
+    <dgm:txLinClrLst/>
+    <dgm:txFillClrLst/>
+    <dgm:txEffectClrLst/>
+  </dgm:styleLbl>
+  <dgm:styleLbl name="parChTrans2D3">
+    <dgm:fillClrLst meth="repeat">
+      <a:schemeClr val="accent3">
+        <a:tint val="70000"/>
+      </a:schemeClr>
+    </dgm:fillClrLst>
+    <dgm:linClrLst meth="repeat">
+      <a:schemeClr val="accent3">
+        <a:tint val="70000"/>
+      </a:schemeClr>
+    </dgm:linClrLst>
+    <dgm:effectClrLst/>
+    <dgm:txLinClrLst/>
+    <dgm:txFillClrLst/>
+    <dgm:txEffectClrLst/>
+  </dgm:styleLbl>
+  <dgm:styleLbl name="parChTrans2D4">
+    <dgm:fillClrLst meth="repeat">
+      <a:schemeClr val="accent3">
+        <a:tint val="50000"/>
+      </a:schemeClr>
+    </dgm:fillClrLst>
+    <dgm:linClrLst meth="repeat">
+      <a:schemeClr val="accent3">
+        <a:tint val="50000"/>
+      </a:schemeClr>
+    </dgm:linClrLst>
+    <dgm:effectClrLst/>
+    <dgm:txLinClrLst/>
+    <dgm:txFillClrLst meth="repeat">
+      <a:schemeClr val="dk1"/>
+    </dgm:txFillClrLst>
+    <dgm:txEffectClrLst/>
+  </dgm:styleLbl>
+  <dgm:styleLbl name="parChTrans1D1">
+    <dgm:fillClrLst meth="repeat">
+      <a:schemeClr val="accent3">
+        <a:shade val="80000"/>
+      </a:schemeClr>
+    </dgm:fillClrLst>
+    <dgm:linClrLst meth="repeat">
+      <a:schemeClr val="accent3">
+        <a:shade val="80000"/>
+      </a:schemeClr>
+    </dgm:linClrLst>
+    <dgm:effectClrLst/>
+    <dgm:txLinClrLst/>
+    <dgm:txFillClrLst meth="repeat">
+      <a:schemeClr val="tx1"/>
+    </dgm:txFillClrLst>
+    <dgm:txEffectClrLst/>
+  </dgm:styleLbl>
+  <dgm:styleLbl name="parChTrans1D2">
+    <dgm:fillClrLst meth="repeat">
+      <a:schemeClr val="accent3">
+        <a:tint val="90000"/>
+      </a:schemeClr>
+    </dgm:fillClrLst>
+    <dgm:linClrLst meth="repeat">
+      <a:schemeClr val="accent3">
+        <a:tint val="90000"/>
+      </a:schemeClr>
+    </dgm:linClrLst>
+    <dgm:effectClrLst/>
+    <dgm:txLinClrLst/>
+    <dgm:txFillClrLst meth="repeat">
+      <a:schemeClr val="tx1"/>
+    </dgm:txFillClrLst>
+    <dgm:txEffectClrLst/>
+  </dgm:styleLbl>
+  <dgm:styleLbl name="parChTrans1D3">
+    <dgm:fillClrLst meth="repeat">
+      <a:schemeClr val="accent3">
+        <a:tint val="70000"/>
+      </a:schemeClr>
+    </dgm:fillClrLst>
+    <dgm:linClrLst meth="repeat">
+      <a:schemeClr val="accent3">
+        <a:tint val="70000"/>
+      </a:schemeClr>
+    </dgm:linClrLst>
+    <dgm:effectClrLst/>
+    <dgm:txLinClrLst/>
+    <dgm:txFillClrLst meth="repeat">
+      <a:schemeClr val="tx1"/>
+    </dgm:txFillClrLst>
+    <dgm:txEffectClrLst/>
+  </dgm:styleLbl>
+  <dgm:styleLbl name="parChTrans1D4">
+    <dgm:fillClrLst meth="repeat">
+      <a:schemeClr val="accent3">
+        <a:tint val="50000"/>
+      </a:schemeClr>
+    </dgm:fillClrLst>
+    <dgm:linClrLst meth="repeat">
+      <a:schemeClr val="accent3">
+        <a:tint val="50000"/>
+      </a:schemeClr>
+    </dgm:linClrLst>
+    <dgm:effectClrLst/>
+    <dgm:txLinClrLst/>
+    <dgm:txFillClrLst meth="repeat">
+      <a:schemeClr val="tx1"/>
+    </dgm:txFillClrLst>
+    <dgm:txEffectClrLst/>
+  </dgm:styleLbl>
+  <dgm:styleLbl name="fgAcc1">
+    <dgm:fillClrLst meth="repeat">
+      <a:schemeClr val="lt1">
+        <a:alpha val="90000"/>
+      </a:schemeClr>
+    </dgm:fillClrLst>
+    <dgm:linClrLst>
+      <a:schemeClr val="accent3">
+        <a:alpha val="90000"/>
+      </a:schemeClr>
+      <a:schemeClr val="accent3">
+        <a:alpha val="50000"/>
+      </a:schemeClr>
+    </dgm:linClrLst>
+    <dgm:effectClrLst/>
+    <dgm:txLinClrLst/>
+    <dgm:txFillClrLst meth="repeat">
+      <a:schemeClr val="dk1"/>
+    </dgm:txFillClrLst>
+    <dgm:txEffectClrLst/>
+  </dgm:styleLbl>
+  <dgm:styleLbl name="conFgAcc1">
+    <dgm:fillClrLst meth="repeat">
+      <a:schemeClr val="lt1">
+        <a:alpha val="90000"/>
+      </a:schemeClr>
+    </dgm:fillClrLst>
+    <dgm:linClrLst>
+      <a:schemeClr val="accent3">
+        <a:alpha val="90000"/>
+      </a:schemeClr>
+      <a:schemeClr val="accent3">
+        <a:alpha val="50000"/>
+      </a:schemeClr>
+    </dgm:linClrLst>
+    <dgm:effectClrLst/>
+    <dgm:txLinClrLst/>
+    <dgm:txFillClrLst meth="repeat">
+      <a:schemeClr val="dk1"/>
+    </dgm:txFillClrLst>
+    <dgm:txEffectClrLst/>
+  </dgm:styleLbl>
+  <dgm:styleLbl name="alignAcc1">
+    <dgm:fillClrLst meth="repeat">
+      <a:schemeClr val="lt1">
+        <a:alpha val="90000"/>
+      </a:schemeClr>
+    </dgm:fillClrLst>
+    <dgm:linClrLst>
+      <a:schemeClr val="accent3">
+        <a:alpha val="90000"/>
+      </a:schemeClr>
+      <a:schemeClr val="accent3">
+        <a:alpha val="50000"/>
+      </a:schemeClr>
+    </dgm:linClrLst>
+    <dgm:effectClrLst/>
+    <dgm:txLinClrLst/>
+    <dgm:txFillClrLst meth="repeat">
+      <a:schemeClr val="dk1"/>
+    </dgm:txFillClrLst>
+    <dgm:txEffectClrLst/>
+  </dgm:styleLbl>
+  <dgm:styleLbl name="trAlignAcc1">
+    <dgm:fillClrLst meth="repeat">
+      <a:schemeClr val="lt1">
+        <a:alpha val="40000"/>
+      </a:schemeClr>
+    </dgm:fillClrLst>
+    <dgm:linClrLst>
+      <a:schemeClr val="accent3">
+        <a:alpha val="90000"/>
+      </a:schemeClr>
+      <a:schemeClr val="accent3">
+        <a:alpha val="50000"/>
+      </a:schemeClr>
+    </dgm:linClrLst>
+    <dgm:effectClrLst/>
+    <dgm:txLinClrLst/>
+    <dgm:txFillClrLst meth="repeat">
+      <a:schemeClr val="dk1"/>
+    </dgm:txFillClrLst>
+    <dgm:txEffectClrLst/>
+  </dgm:styleLbl>
+  <dgm:styleLbl name="bgAcc1">
+    <dgm:fillClrLst meth="repeat">
+      <a:schemeClr val="lt1">
+        <a:alpha val="90000"/>
+      </a:schemeClr>
+    </dgm:fillClrLst>
+    <dgm:linClrLst>
+      <a:schemeClr val="accent3">
+        <a:alpha val="90000"/>
+      </a:schemeClr>
+      <a:schemeClr val="accent3">
+        <a:alpha val="50000"/>
+      </a:schemeClr>
+    </dgm:linClrLst>
+    <dgm:effectClrLst/>
+    <dgm:txLinClrLst/>
+    <dgm:txFillClrLst meth="repeat">
+      <a:schemeClr val="dk1"/>
+    </dgm:txFillClrLst>
+    <dgm:txEffectClrLst/>
+  </dgm:styleLbl>
+  <dgm:styleLbl name="solidFgAcc1">
+    <dgm:fillClrLst meth="repeat">
+      <a:schemeClr val="lt1"/>
+    </dgm:fillClrLst>
+    <dgm:linClrLst>
+      <a:schemeClr val="accent3">
+        <a:alpha val="90000"/>
+      </a:schemeClr>
+      <a:schemeClr val="accent3">
+        <a:alpha val="50000"/>
+      </a:schemeClr>
+    </dgm:linClrLst>
+    <dgm:effectClrLst/>
+    <dgm:txLinClrLst/>
+    <dgm:txFillClrLst meth="repeat">
+      <a:schemeClr val="dk1"/>
+    </dgm:txFillClrLst>
+    <dgm:txEffectClrLst/>
+  </dgm:styleLbl>
+  <dgm:styleLbl name="solidAlignAcc1">
+    <dgm:fillClrLst meth="repeat">
+      <a:schemeClr val="lt1"/>
+    </dgm:fillClrLst>
+    <dgm:linClrLst meth="repeat">
+      <a:schemeClr val="accent3"/>
+    </dgm:linClrLst>
+    <dgm:effectClrLst/>
+    <dgm:txLinClrLst/>
+    <dgm:txFillClrLst meth="repeat">
+      <a:schemeClr val="dk1"/>
+    </dgm:txFillClrLst>
+    <dgm:txEffectClrLst/>
+  </dgm:styleLbl>
+  <dgm:styleLbl name="solidBgAcc1">
+    <dgm:fillClrLst meth="repeat">
+      <a:schemeClr val="lt1"/>
+    </dgm:fillClrLst>
+    <dgm:linClrLst meth="repeat">
+      <a:schemeClr val="accent3"/>
+    </dgm:linClrLst>
+    <dgm:effectClrLst/>
+    <dgm:txLinClrLst/>
+    <dgm:txFillClrLst meth="repeat">
+      <a:schemeClr val="dk1"/>
+    </dgm:txFillClrLst>
+    <dgm:txEffectClrLst/>
+  </dgm:styleLbl>
+  <dgm:styleLbl name="fgAccFollowNode1">
+    <dgm:fillClrLst>
+      <a:schemeClr val="accent3">
+        <a:alpha val="90000"/>
+        <a:tint val="40000"/>
+      </a:schemeClr>
+      <a:schemeClr val="accent3">
+        <a:alpha val="50000"/>
+        <a:tint val="40000"/>
+      </a:schemeClr>
+    </dgm:fillClrLst>
+    <dgm:linClrLst meth="repeat">
+      <a:schemeClr val="accent3">
+        <a:alpha val="90000"/>
+        <a:tint val="40000"/>
+      </a:schemeClr>
+    </dgm:linClrLst>
+    <dgm:effectClrLst/>
+    <dgm:txLinClrLst/>
+    <dgm:txFillClrLst meth="repeat">
+      <a:schemeClr val="dk1"/>
+    </dgm:txFillClrLst>
+    <dgm:txEffectClrLst/>
+  </dgm:styleLbl>
+  <dgm:styleLbl name="alignAccFollowNode1">
+    <dgm:fillClrLst meth="repeat">
+      <a:schemeClr val="accent3">
+        <a:alpha val="90000"/>
+        <a:tint val="40000"/>
+      </a:schemeClr>
+    </dgm:fillClrLst>
+    <dgm:linClrLst meth="repeat">
+      <a:schemeClr val="accent3">
+        <a:alpha val="90000"/>
+        <a:tint val="40000"/>
+      </a:schemeClr>
+    </dgm:linClrLst>
+    <dgm:effectClrLst/>
+    <dgm:txLinClrLst/>
+    <dgm:txFillClrLst meth="repeat">
+      <a:schemeClr val="dk1"/>
+    </dgm:txFillClrLst>
+    <dgm:txEffectClrLst/>
+  </dgm:styleLbl>
+  <dgm:styleLbl name="bgAccFollowNode1">
+    <dgm:fillClrLst meth="repeat">
+      <a:schemeClr val="accent3">
+        <a:alpha val="90000"/>
+        <a:tint val="40000"/>
+      </a:schemeClr>
+    </dgm:fillClrLst>
+    <dgm:linClrLst meth="repeat">
+      <a:schemeClr val="lt1"/>
+    </dgm:linClrLst>
+    <dgm:effectClrLst/>
+    <dgm:txLinClrLst/>
+    <dgm:txFillClrLst meth="repeat">
+      <a:schemeClr val="dk1"/>
+    </dgm:txFillClrLst>
+    <dgm:txEffectClrLst/>
+  </dgm:styleLbl>
+  <dgm:styleLbl name="fgAcc0">
+    <dgm:fillClrLst meth="repeat">
+      <a:schemeClr val="lt1">
+        <a:alpha val="90000"/>
+      </a:schemeClr>
+    </dgm:fillClrLst>
+    <dgm:linClrLst meth="repeat">
+      <a:schemeClr val="accent3">
+        <a:shade val="80000"/>
+      </a:schemeClr>
+    </dgm:linClrLst>
+    <dgm:effectClrLst/>
+    <dgm:txLinClrLst/>
+    <dgm:txFillClrLst meth="repeat">
+      <a:schemeClr val="dk1"/>
+    </dgm:txFillClrLst>
+    <dgm:txEffectClrLst/>
+  </dgm:styleLbl>
+  <dgm:styleLbl name="fgAcc2">
+    <dgm:fillClrLst meth="repeat">
+      <a:schemeClr val="lt1">
+        <a:alpha val="90000"/>
+      </a:schemeClr>
+    </dgm:fillClrLst>
+    <dgm:linClrLst meth="repeat">
+      <a:schemeClr val="accent3">
+        <a:tint val="90000"/>
+      </a:schemeClr>
+    </dgm:linClrLst>
+    <dgm:effectClrLst/>
+    <dgm:txLinClrLst/>
+    <dgm:txFillClrLst meth="repeat">
+      <a:schemeClr val="dk1"/>
+    </dgm:txFillClrLst>
+    <dgm:txEffectClrLst/>
+  </dgm:styleLbl>
+  <dgm:styleLbl name="fgAcc3">
+    <dgm:fillClrLst meth="repeat">
+      <a:schemeClr val="lt1">
+        <a:alpha val="90000"/>
+      </a:schemeClr>
+    </dgm:fillClrLst>
+    <dgm:linClrLst meth="repeat">
+      <a:schemeClr val="accent3">
+        <a:tint val="70000"/>
+      </a:schemeClr>
+    </dgm:linClrLst>
+    <dgm:effectClrLst/>
+    <dgm:txLinClrLst/>
+    <dgm:txFillClrLst meth="repeat">
+      <a:schemeClr val="dk1"/>
+    </dgm:txFillClrLst>
+    <dgm:txEffectClrLst/>
+  </dgm:styleLbl>
+  <dgm:styleLbl name="fgAcc4">
+    <dgm:fillClrLst meth="repeat">
+      <a:schemeClr val="lt1">
+        <a:alpha val="90000"/>
+      </a:schemeClr>
+    </dgm:fillClrLst>
+    <dgm:linClrLst meth="repeat">
+      <a:schemeClr val="accent3">
+        <a:tint val="50000"/>
+      </a:schemeClr>
+    </dgm:linClrLst>
+    <dgm:effectClrLst/>
+    <dgm:txLinClrLst/>
+    <dgm:txFillClrLst meth="repeat">
+      <a:schemeClr val="dk1"/>
+    </dgm:txFillClrLst>
+    <dgm:txEffectClrLst/>
+  </dgm:styleLbl>
+  <dgm:styleLbl name="bgShp">
+    <dgm:fillClrLst meth="repeat">
+      <a:schemeClr val="accent3">
+        <a:tint val="40000"/>
+      </a:schemeClr>
+    </dgm:fillClrLst>
+    <dgm:linClrLst meth="repeat">
+      <a:schemeClr val="dk1"/>
+    </dgm:linClrLst>
+    <dgm:effectClrLst/>
+    <dgm:txLinClrLst/>
+    <dgm:txFillClrLst meth="repeat">
+      <a:schemeClr val="dk1"/>
+    </dgm:txFillClrLst>
+    <dgm:txEffectClrLst/>
+  </dgm:styleLbl>
+  <dgm:styleLbl name="dkBgShp">
+    <dgm:fillClrLst meth="repeat">
+      <a:schemeClr val="accent3">
+        <a:shade val="90000"/>
+      </a:schemeClr>
+    </dgm:fillClrLst>
+    <dgm:linClrLst meth="repeat">
+      <a:schemeClr val="dk1"/>
+    </dgm:linClrLst>
+    <dgm:effectClrLst/>
+    <dgm:txLinClrLst/>
+    <dgm:txFillClrLst meth="repeat">
+      <a:schemeClr val="lt1"/>
+    </dgm:txFillClrLst>
+    <dgm:txEffectClrLst/>
+  </dgm:styleLbl>
+  <dgm:styleLbl name="trBgShp">
+    <dgm:fillClrLst meth="repeat">
+      <a:schemeClr val="accent3">
+        <a:tint val="50000"/>
+        <a:alpha val="40000"/>
+      </a:schemeClr>
+    </dgm:fillClrLst>
+    <dgm:linClrLst meth="repeat">
+      <a:schemeClr val="accent3"/>
+    </dgm:linClrLst>
+    <dgm:effectClrLst/>
+    <dgm:txLinClrLst/>
+    <dgm:txFillClrLst meth="repeat">
+      <a:schemeClr val="lt1"/>
+    </dgm:txFillClrLst>
+    <dgm:txEffectClrLst/>
+  </dgm:styleLbl>
+  <dgm:styleLbl name="fgShp">
+    <dgm:fillClrLst meth="repeat">
+      <a:schemeClr val="accent3">
+        <a:tint val="40000"/>
+      </a:schemeClr>
+    </dgm:fillClrLst>
+    <dgm:linClrLst meth="repeat">
+      <a:schemeClr val="lt1"/>
+    </dgm:linClrLst>
+    <dgm:effectClrLst/>
+    <dgm:txLinClrLst/>
+    <dgm:txFillClrLst meth="repeat">
+      <a:schemeClr val="dk1"/>
+    </dgm:txFillClrLst>
+    <dgm:txEffectClrLst/>
+  </dgm:styleLbl>
+  <dgm:styleLbl name="revTx">
+    <dgm:fillClrLst meth="repeat">
+      <a:schemeClr val="lt1">
+        <a:alpha val="0"/>
+      </a:schemeClr>
+    </dgm:fillClrLst>
+    <dgm:linClrLst meth="repeat">
+      <a:schemeClr val="dk1">
+        <a:alpha val="0"/>
+      </a:schemeClr>
+    </dgm:linClrLst>
+    <dgm:effectClrLst/>
+    <dgm:txLinClrLst/>
+    <dgm:txFillClrLst meth="repeat">
+      <a:schemeClr val="tx1"/>
+    </dgm:txFillClrLst>
+    <dgm:txEffectClrLst/>
+  </dgm:styleLbl>
+</dgm:colorsDef>
+</file>
+
+<file path=ppt/diagrams/colors3.xml><?xml version="1.0" encoding="utf-8"?>
 <dgm:colorsDef xmlns:dgm="http://schemas.openxmlformats.org/drawingml/2006/diagram" xmlns:a="http://schemas.openxmlformats.org/drawingml/2006/main" uniqueId="urn:microsoft.com/office/officeart/2005/8/colors/colorful5">
   <dgm:title val=""/>
   <dgm:desc val=""/>
@@ -2016,6 +2897,13 @@
         </dgm:presLayoutVars>
       </dgm:prSet>
       <dgm:spPr/>
+      <dgm:t>
+        <a:bodyPr/>
+        <a:lstStyle/>
+        <a:p>
+          <a:endParaRPr lang="en-IN"/>
+        </a:p>
+      </dgm:t>
     </dgm:pt>
     <dgm:pt modelId="{C7F8F3D7-A369-471C-AC7F-FE9131182E31}" type="pres">
       <dgm:prSet presAssocID="{C55032F1-EE27-42FB-9679-80943F047BEE}" presName="node" presStyleLbl="node1" presStyleIdx="0" presStyleCnt="6">
@@ -2024,6 +2912,13 @@
         </dgm:presLayoutVars>
       </dgm:prSet>
       <dgm:spPr/>
+      <dgm:t>
+        <a:bodyPr/>
+        <a:lstStyle/>
+        <a:p>
+          <a:endParaRPr lang="en-IN"/>
+        </a:p>
+      </dgm:t>
     </dgm:pt>
     <dgm:pt modelId="{86CDE5F8-9DA8-419D-9E4E-37588F27D3D8}" type="pres">
       <dgm:prSet presAssocID="{BC53DF4E-C97E-43BB-9CFB-32640EE076BE}" presName="sibTrans" presStyleCnt="0"/>
@@ -2036,6 +2931,13 @@
         </dgm:presLayoutVars>
       </dgm:prSet>
       <dgm:spPr/>
+      <dgm:t>
+        <a:bodyPr/>
+        <a:lstStyle/>
+        <a:p>
+          <a:endParaRPr lang="en-IN"/>
+        </a:p>
+      </dgm:t>
     </dgm:pt>
     <dgm:pt modelId="{6A8CFE5D-F138-42FC-82FD-0CBC86953EBE}" type="pres">
       <dgm:prSet presAssocID="{B70C4AA6-E06C-452F-86C5-FD5F74DEB1CD}" presName="sibTrans" presStyleCnt="0"/>
@@ -2048,6 +2950,13 @@
         </dgm:presLayoutVars>
       </dgm:prSet>
       <dgm:spPr/>
+      <dgm:t>
+        <a:bodyPr/>
+        <a:lstStyle/>
+        <a:p>
+          <a:endParaRPr lang="en-IN"/>
+        </a:p>
+      </dgm:t>
     </dgm:pt>
     <dgm:pt modelId="{8BFBB260-C914-43B8-A09A-953BBB340B1F}" type="pres">
       <dgm:prSet presAssocID="{80868E65-9E12-4146-B0FC-8F15BE2C1835}" presName="sibTrans" presStyleCnt="0"/>
@@ -2060,6 +2969,13 @@
         </dgm:presLayoutVars>
       </dgm:prSet>
       <dgm:spPr/>
+      <dgm:t>
+        <a:bodyPr/>
+        <a:lstStyle/>
+        <a:p>
+          <a:endParaRPr lang="en-IN"/>
+        </a:p>
+      </dgm:t>
     </dgm:pt>
     <dgm:pt modelId="{6CB59972-9F9B-40F7-B36D-A02D3FF52823}" type="pres">
       <dgm:prSet presAssocID="{3DEB147B-BB28-4B64-840F-A5AEE932A414}" presName="sibTrans" presStyleCnt="0"/>
@@ -2072,6 +2988,13 @@
         </dgm:presLayoutVars>
       </dgm:prSet>
       <dgm:spPr/>
+      <dgm:t>
+        <a:bodyPr/>
+        <a:lstStyle/>
+        <a:p>
+          <a:endParaRPr lang="en-IN"/>
+        </a:p>
+      </dgm:t>
     </dgm:pt>
     <dgm:pt modelId="{A09643FE-93DA-4D8A-AD7A-224DF899DF85}" type="pres">
       <dgm:prSet presAssocID="{D5672B9D-9C5D-4DCF-8A1D-F2E4311A5F97}" presName="sibTrans" presStyleCnt="0"/>
@@ -2084,24 +3007,31 @@
         </dgm:presLayoutVars>
       </dgm:prSet>
       <dgm:spPr/>
+      <dgm:t>
+        <a:bodyPr/>
+        <a:lstStyle/>
+        <a:p>
+          <a:endParaRPr lang="en-IN"/>
+        </a:p>
+      </dgm:t>
     </dgm:pt>
   </dgm:ptLst>
   <dgm:cxnLst>
+    <dgm:cxn modelId="{459BDAF1-5F44-4EB7-BD41-21DE32CD0AFE}" srcId="{F6B622AB-9027-41A3-9707-A72F50CD5807}" destId="{97A8709C-A876-4D57-9B1D-65F2AB42E732}" srcOrd="2" destOrd="0" parTransId="{7867ADE4-64A0-410E-820C-5DE633D00FC6}" sibTransId="{80868E65-9E12-4146-B0FC-8F15BE2C1835}"/>
+    <dgm:cxn modelId="{8FD40B15-0334-4BAD-A49D-6F86B67C1B82}" type="presOf" srcId="{F6B622AB-9027-41A3-9707-A72F50CD5807}" destId="{3729C463-70F4-4F95-AF9D-E2A6AE00B32A}" srcOrd="0" destOrd="0" presId="urn:microsoft.com/office/officeart/2005/8/layout/default"/>
+    <dgm:cxn modelId="{8512B875-7401-4978-A050-2DB6C24088C7}" type="presOf" srcId="{24CE745A-0D10-4B4C-8186-696CD4B7EE97}" destId="{1B1BA98E-B5F3-449D-B582-AAFBB51C910A}" srcOrd="0" destOrd="0" presId="urn:microsoft.com/office/officeart/2005/8/layout/default"/>
+    <dgm:cxn modelId="{7F5A84C4-99C1-4679-9A50-034B4F659528}" srcId="{97A8709C-A876-4D57-9B1D-65F2AB42E732}" destId="{B367C159-E1D9-4D4C-86C1-A642C836C080}" srcOrd="0" destOrd="0" parTransId="{557DB066-7161-41F4-9E58-2EEFC2F8D840}" sibTransId="{2E93885D-9B3F-4BD9-9E5A-96F157DF0E0D}"/>
+    <dgm:cxn modelId="{6030B04D-B9BA-41C6-B552-F93AB7AB392C}" type="presOf" srcId="{89C4CAF3-10F1-4BB7-806E-C2635DA86032}" destId="{A1D035BD-86CD-4157-82EE-86CEE6A931D6}" srcOrd="0" destOrd="0" presId="urn:microsoft.com/office/officeart/2005/8/layout/default"/>
+    <dgm:cxn modelId="{D9E8040C-3605-4491-8ACA-0D32DC60AE2F}" type="presOf" srcId="{C55032F1-EE27-42FB-9679-80943F047BEE}" destId="{C7F8F3D7-A369-471C-AC7F-FE9131182E31}" srcOrd="0" destOrd="0" presId="urn:microsoft.com/office/officeart/2005/8/layout/default"/>
+    <dgm:cxn modelId="{5E6F411A-8448-4F50-9AF0-A95B10437474}" srcId="{F6B622AB-9027-41A3-9707-A72F50CD5807}" destId="{0BC30010-91FB-42BA-8065-39C727CE2F1B}" srcOrd="5" destOrd="0" parTransId="{0D628CFE-EDAD-4554-91F0-A65487D62953}" sibTransId="{839C1F0B-9A07-40FA-8B3F-F001E1E84356}"/>
+    <dgm:cxn modelId="{1D36F7E5-D0D6-4E60-98FD-E1A72D9DBBF8}" type="presOf" srcId="{0BC30010-91FB-42BA-8065-39C727CE2F1B}" destId="{15A287F3-1860-4074-AFE6-DC2A10E6A946}" srcOrd="0" destOrd="0" presId="urn:microsoft.com/office/officeart/2005/8/layout/default"/>
+    <dgm:cxn modelId="{1A3A9377-F0DD-4822-9784-6A2E74C9FE34}" type="presOf" srcId="{9EFEC448-56D7-4D55-868D-C559A7CB31FC}" destId="{CAB0017A-D6AD-4444-8A5A-980E77A2CEF4}" srcOrd="0" destOrd="0" presId="urn:microsoft.com/office/officeart/2005/8/layout/default"/>
     <dgm:cxn modelId="{0A3DF302-08AB-4BAF-A12B-0F9EDB2E26F1}" type="presOf" srcId="{B367C159-E1D9-4D4C-86C1-A642C836C080}" destId="{1E2DF200-FA46-4D0B-8B93-B730F1A71398}" srcOrd="0" destOrd="1" presId="urn:microsoft.com/office/officeart/2005/8/layout/default"/>
-    <dgm:cxn modelId="{D9E8040C-3605-4491-8ACA-0D32DC60AE2F}" type="presOf" srcId="{C55032F1-EE27-42FB-9679-80943F047BEE}" destId="{C7F8F3D7-A369-471C-AC7F-FE9131182E31}" srcOrd="0" destOrd="0" presId="urn:microsoft.com/office/officeart/2005/8/layout/default"/>
-    <dgm:cxn modelId="{8FD40B15-0334-4BAD-A49D-6F86B67C1B82}" type="presOf" srcId="{F6B622AB-9027-41A3-9707-A72F50CD5807}" destId="{3729C463-70F4-4F95-AF9D-E2A6AE00B32A}" srcOrd="0" destOrd="0" presId="urn:microsoft.com/office/officeart/2005/8/layout/default"/>
-    <dgm:cxn modelId="{5E6F411A-8448-4F50-9AF0-A95B10437474}" srcId="{F6B622AB-9027-41A3-9707-A72F50CD5807}" destId="{0BC30010-91FB-42BA-8065-39C727CE2F1B}" srcOrd="5" destOrd="0" parTransId="{0D628CFE-EDAD-4554-91F0-A65487D62953}" sibTransId="{839C1F0B-9A07-40FA-8B3F-F001E1E84356}"/>
+    <dgm:cxn modelId="{46A0E162-DA37-4154-BC41-8FA53F910FD3}" srcId="{F6B622AB-9027-41A3-9707-A72F50CD5807}" destId="{9EFEC448-56D7-4D55-868D-C559A7CB31FC}" srcOrd="4" destOrd="0" parTransId="{0FB627C6-D18D-48F8-8EE7-E79F4FE90BC5}" sibTransId="{D5672B9D-9C5D-4DCF-8A1D-F2E4311A5F97}"/>
     <dgm:cxn modelId="{C9DA5E5E-86C5-4953-A691-1CAC9D88B962}" srcId="{F6B622AB-9027-41A3-9707-A72F50CD5807}" destId="{24CE745A-0D10-4B4C-8186-696CD4B7EE97}" srcOrd="1" destOrd="0" parTransId="{D3547CCC-81AA-49A0-80D5-97D94DB687CF}" sibTransId="{B70C4AA6-E06C-452F-86C5-FD5F74DEB1CD}"/>
-    <dgm:cxn modelId="{46A0E162-DA37-4154-BC41-8FA53F910FD3}" srcId="{F6B622AB-9027-41A3-9707-A72F50CD5807}" destId="{9EFEC448-56D7-4D55-868D-C559A7CB31FC}" srcOrd="4" destOrd="0" parTransId="{0FB627C6-D18D-48F8-8EE7-E79F4FE90BC5}" sibTransId="{D5672B9D-9C5D-4DCF-8A1D-F2E4311A5F97}"/>
-    <dgm:cxn modelId="{6030B04D-B9BA-41C6-B552-F93AB7AB392C}" type="presOf" srcId="{89C4CAF3-10F1-4BB7-806E-C2635DA86032}" destId="{A1D035BD-86CD-4157-82EE-86CEE6A931D6}" srcOrd="0" destOrd="0" presId="urn:microsoft.com/office/officeart/2005/8/layout/default"/>
     <dgm:cxn modelId="{A2127D55-E768-4FE1-A0CA-57AEA302F10C}" srcId="{F6B622AB-9027-41A3-9707-A72F50CD5807}" destId="{C55032F1-EE27-42FB-9679-80943F047BEE}" srcOrd="0" destOrd="0" parTransId="{B5927909-A264-4FBB-9C6E-4D84202F0ECE}" sibTransId="{BC53DF4E-C97E-43BB-9CFB-32640EE076BE}"/>
-    <dgm:cxn modelId="{8512B875-7401-4978-A050-2DB6C24088C7}" type="presOf" srcId="{24CE745A-0D10-4B4C-8186-696CD4B7EE97}" destId="{1B1BA98E-B5F3-449D-B582-AAFBB51C910A}" srcOrd="0" destOrd="0" presId="urn:microsoft.com/office/officeart/2005/8/layout/default"/>
-    <dgm:cxn modelId="{1A3A9377-F0DD-4822-9784-6A2E74C9FE34}" type="presOf" srcId="{9EFEC448-56D7-4D55-868D-C559A7CB31FC}" destId="{CAB0017A-D6AD-4444-8A5A-980E77A2CEF4}" srcOrd="0" destOrd="0" presId="urn:microsoft.com/office/officeart/2005/8/layout/default"/>
+    <dgm:cxn modelId="{BA6E1C98-80DB-4069-9075-9AEDDF7C33A2}" type="presOf" srcId="{97A8709C-A876-4D57-9B1D-65F2AB42E732}" destId="{1E2DF200-FA46-4D0B-8B93-B730F1A71398}" srcOrd="0" destOrd="0" presId="urn:microsoft.com/office/officeart/2005/8/layout/default"/>
     <dgm:cxn modelId="{90E86980-B6E8-4289-A35B-76B20AC4F02C}" srcId="{F6B622AB-9027-41A3-9707-A72F50CD5807}" destId="{89C4CAF3-10F1-4BB7-806E-C2635DA86032}" srcOrd="3" destOrd="0" parTransId="{7A478E23-0547-48DE-A11D-EFF05D67183A}" sibTransId="{3DEB147B-BB28-4B64-840F-A5AEE932A414}"/>
-    <dgm:cxn modelId="{BA6E1C98-80DB-4069-9075-9AEDDF7C33A2}" type="presOf" srcId="{97A8709C-A876-4D57-9B1D-65F2AB42E732}" destId="{1E2DF200-FA46-4D0B-8B93-B730F1A71398}" srcOrd="0" destOrd="0" presId="urn:microsoft.com/office/officeart/2005/8/layout/default"/>
-    <dgm:cxn modelId="{7F5A84C4-99C1-4679-9A50-034B4F659528}" srcId="{97A8709C-A876-4D57-9B1D-65F2AB42E732}" destId="{B367C159-E1D9-4D4C-86C1-A642C836C080}" srcOrd="0" destOrd="0" parTransId="{557DB066-7161-41F4-9E58-2EEFC2F8D840}" sibTransId="{2E93885D-9B3F-4BD9-9E5A-96F157DF0E0D}"/>
-    <dgm:cxn modelId="{1D36F7E5-D0D6-4E60-98FD-E1A72D9DBBF8}" type="presOf" srcId="{0BC30010-91FB-42BA-8065-39C727CE2F1B}" destId="{15A287F3-1860-4074-AFE6-DC2A10E6A946}" srcOrd="0" destOrd="0" presId="urn:microsoft.com/office/officeart/2005/8/layout/default"/>
-    <dgm:cxn modelId="{459BDAF1-5F44-4EB7-BD41-21DE32CD0AFE}" srcId="{F6B622AB-9027-41A3-9707-A72F50CD5807}" destId="{97A8709C-A876-4D57-9B1D-65F2AB42E732}" srcOrd="2" destOrd="0" parTransId="{7867ADE4-64A0-410E-820C-5DE633D00FC6}" sibTransId="{80868E65-9E12-4146-B0FC-8F15BE2C1835}"/>
     <dgm:cxn modelId="{AE165CDB-9173-4372-B4C3-B1AD6A394F46}" type="presParOf" srcId="{3729C463-70F4-4F95-AF9D-E2A6AE00B32A}" destId="{C7F8F3D7-A369-471C-AC7F-FE9131182E31}" srcOrd="0" destOrd="0" presId="urn:microsoft.com/office/officeart/2005/8/layout/default"/>
     <dgm:cxn modelId="{BD89A7EE-99E8-4AC8-A90D-119A06717979}" type="presParOf" srcId="{3729C463-70F4-4F95-AF9D-E2A6AE00B32A}" destId="{86CDE5F8-9DA8-419D-9E4E-37588F27D3D8}" srcOrd="1" destOrd="0" presId="urn:microsoft.com/office/officeart/2005/8/layout/default"/>
     <dgm:cxn modelId="{CC76738A-7665-4500-80A4-7ED095FCB923}" type="presParOf" srcId="{3729C463-70F4-4F95-AF9D-E2A6AE00B32A}" destId="{1B1BA98E-B5F3-449D-B582-AAFBB51C910A}" srcOrd="2" destOrd="0" presId="urn:microsoft.com/office/officeart/2005/8/layout/default"/>
@@ -2125,6 +3055,287 @@
 </file>
 
 <file path=ppt/diagrams/data2.xml><?xml version="1.0" encoding="utf-8"?>
+<dgm:dataModel xmlns:dgm="http://schemas.openxmlformats.org/drawingml/2006/diagram" xmlns:a="http://schemas.openxmlformats.org/drawingml/2006/main">
+  <dgm:ptLst>
+    <dgm:pt modelId="{4D2E1BBF-A0C6-4639-BDF6-3D2CE8923210}" type="doc">
+      <dgm:prSet loTypeId="urn:microsoft.com/office/officeart/2005/8/layout/vProcess5" loCatId="process" qsTypeId="urn:microsoft.com/office/officeart/2005/8/quickstyle/simple1" qsCatId="simple" csTypeId="urn:microsoft.com/office/officeart/2005/8/colors/accent3_5" csCatId="accent3" phldr="1"/>
+      <dgm:spPr/>
+      <dgm:t>
+        <a:bodyPr/>
+        <a:lstStyle/>
+        <a:p>
+          <a:endParaRPr lang="en-IN"/>
+        </a:p>
+      </dgm:t>
+    </dgm:pt>
+    <dgm:pt modelId="{9998F440-92E7-478D-A3D4-EDF8B10C082E}">
+      <dgm:prSet phldrT="[Text]"/>
+      <dgm:spPr/>
+      <dgm:t>
+        <a:bodyPr/>
+        <a:lstStyle/>
+        <a:p>
+          <a:r>
+            <a:rPr lang="en-US" dirty="0" smtClean="0"/>
+            <a:t>What is infrastructure network?</a:t>
+          </a:r>
+          <a:endParaRPr lang="en-IN" dirty="0"/>
+        </a:p>
+      </dgm:t>
+    </dgm:pt>
+    <dgm:pt modelId="{5993BE3F-1B7D-4706-978F-878E897CE1AD}" type="parTrans" cxnId="{3C88B6DD-3C8E-491E-ADEB-04D4327742A3}">
+      <dgm:prSet/>
+      <dgm:spPr/>
+      <dgm:t>
+        <a:bodyPr/>
+        <a:lstStyle/>
+        <a:p>
+          <a:endParaRPr lang="en-IN"/>
+        </a:p>
+      </dgm:t>
+    </dgm:pt>
+    <dgm:pt modelId="{6AD28C29-C536-4071-A15D-C6234E45823F}" type="sibTrans" cxnId="{3C88B6DD-3C8E-491E-ADEB-04D4327742A3}">
+      <dgm:prSet/>
+      <dgm:spPr/>
+      <dgm:t>
+        <a:bodyPr/>
+        <a:lstStyle/>
+        <a:p>
+          <a:endParaRPr lang="en-IN" dirty="0"/>
+        </a:p>
+      </dgm:t>
+    </dgm:pt>
+    <dgm:pt modelId="{0406EC67-8C49-4614-927C-77E6AB446E6B}">
+      <dgm:prSet phldrT="[Text]"/>
+      <dgm:spPr/>
+      <dgm:t>
+        <a:bodyPr/>
+        <a:lstStyle/>
+        <a:p>
+          <a:r>
+            <a:rPr lang="en-US" dirty="0" smtClean="0"/>
+            <a:t>What is Infrastructure Access control?</a:t>
+          </a:r>
+          <a:endParaRPr lang="en-IN" dirty="0"/>
+        </a:p>
+      </dgm:t>
+    </dgm:pt>
+    <dgm:pt modelId="{C4EDD07B-1978-44AB-940C-DAFE1158F450}" type="parTrans" cxnId="{42E83977-82E2-4079-A663-6AE3A05B6EBE}">
+      <dgm:prSet/>
+      <dgm:spPr/>
+      <dgm:t>
+        <a:bodyPr/>
+        <a:lstStyle/>
+        <a:p>
+          <a:endParaRPr lang="en-IN"/>
+        </a:p>
+      </dgm:t>
+    </dgm:pt>
+    <dgm:pt modelId="{17AD8DFC-38EB-4E7F-BA3A-90E5D95F97BC}" type="sibTrans" cxnId="{42E83977-82E2-4079-A663-6AE3A05B6EBE}">
+      <dgm:prSet/>
+      <dgm:spPr/>
+      <dgm:t>
+        <a:bodyPr/>
+        <a:lstStyle/>
+        <a:p>
+          <a:endParaRPr lang="en-IN" dirty="0"/>
+        </a:p>
+      </dgm:t>
+    </dgm:pt>
+    <dgm:pt modelId="{9390BDE3-56F1-4263-B4A9-29B5D007D26B}">
+      <dgm:prSet phldrT="[Text]"/>
+      <dgm:spPr/>
+      <dgm:t>
+        <a:bodyPr/>
+        <a:lstStyle/>
+        <a:p>
+          <a:r>
+            <a:rPr lang="en-US" dirty="0" smtClean="0"/>
+            <a:t>What types of controls are included?</a:t>
+          </a:r>
+          <a:endParaRPr lang="en-IN" dirty="0"/>
+        </a:p>
+      </dgm:t>
+    </dgm:pt>
+    <dgm:pt modelId="{188A5123-5BEA-4D7B-B3A3-CCFDBAF48519}" type="parTrans" cxnId="{983C3D86-28F5-4C98-AA73-D97A449C1D3E}">
+      <dgm:prSet/>
+      <dgm:spPr/>
+      <dgm:t>
+        <a:bodyPr/>
+        <a:lstStyle/>
+        <a:p>
+          <a:endParaRPr lang="en-IN"/>
+        </a:p>
+      </dgm:t>
+    </dgm:pt>
+    <dgm:pt modelId="{A8FE2C24-6CE1-43E9-BA64-778B6520D19D}" type="sibTrans" cxnId="{983C3D86-28F5-4C98-AA73-D97A449C1D3E}">
+      <dgm:prSet/>
+      <dgm:spPr/>
+      <dgm:t>
+        <a:bodyPr/>
+        <a:lstStyle/>
+        <a:p>
+          <a:endParaRPr lang="en-IN"/>
+        </a:p>
+      </dgm:t>
+    </dgm:pt>
+    <dgm:pt modelId="{486CFC89-F731-47B6-9D4E-B8410857783F}" type="pres">
+      <dgm:prSet presAssocID="{4D2E1BBF-A0C6-4639-BDF6-3D2CE8923210}" presName="outerComposite" presStyleCnt="0">
+        <dgm:presLayoutVars>
+          <dgm:chMax val="5"/>
+          <dgm:dir/>
+          <dgm:resizeHandles val="exact"/>
+        </dgm:presLayoutVars>
+      </dgm:prSet>
+      <dgm:spPr/>
+    </dgm:pt>
+    <dgm:pt modelId="{22593467-148A-4F26-9236-64938EA9709D}" type="pres">
+      <dgm:prSet presAssocID="{4D2E1BBF-A0C6-4639-BDF6-3D2CE8923210}" presName="dummyMaxCanvas" presStyleCnt="0">
+        <dgm:presLayoutVars/>
+      </dgm:prSet>
+      <dgm:spPr/>
+    </dgm:pt>
+    <dgm:pt modelId="{1E499AA5-6471-446B-8083-28A6C081AEDE}" type="pres">
+      <dgm:prSet presAssocID="{4D2E1BBF-A0C6-4639-BDF6-3D2CE8923210}" presName="ThreeNodes_1" presStyleLbl="node1" presStyleIdx="0" presStyleCnt="3" custLinFactNeighborX="15886" custLinFactNeighborY="12142">
+        <dgm:presLayoutVars>
+          <dgm:bulletEnabled val="1"/>
+        </dgm:presLayoutVars>
+      </dgm:prSet>
+      <dgm:spPr/>
+      <dgm:t>
+        <a:bodyPr/>
+        <a:lstStyle/>
+        <a:p>
+          <a:endParaRPr lang="en-IN"/>
+        </a:p>
+      </dgm:t>
+    </dgm:pt>
+    <dgm:pt modelId="{74432A31-4DFA-4163-89D0-23E737EA0FA9}" type="pres">
+      <dgm:prSet presAssocID="{4D2E1BBF-A0C6-4639-BDF6-3D2CE8923210}" presName="ThreeNodes_2" presStyleLbl="node1" presStyleIdx="1" presStyleCnt="3" custLinFactNeighborX="7019" custLinFactNeighborY="-3366">
+        <dgm:presLayoutVars>
+          <dgm:bulletEnabled val="1"/>
+        </dgm:presLayoutVars>
+      </dgm:prSet>
+      <dgm:spPr/>
+      <dgm:t>
+        <a:bodyPr/>
+        <a:lstStyle/>
+        <a:p>
+          <a:endParaRPr lang="en-IN"/>
+        </a:p>
+      </dgm:t>
+    </dgm:pt>
+    <dgm:pt modelId="{A8C7FBC2-B312-4E17-A1AF-A76B75FD191D}" type="pres">
+      <dgm:prSet presAssocID="{4D2E1BBF-A0C6-4639-BDF6-3D2CE8923210}" presName="ThreeNodes_3" presStyleLbl="node1" presStyleIdx="2" presStyleCnt="3" custLinFactNeighborX="-1761" custLinFactNeighborY="-18236">
+        <dgm:presLayoutVars>
+          <dgm:bulletEnabled val="1"/>
+        </dgm:presLayoutVars>
+      </dgm:prSet>
+      <dgm:spPr/>
+      <dgm:t>
+        <a:bodyPr/>
+        <a:lstStyle/>
+        <a:p>
+          <a:endParaRPr lang="en-IN"/>
+        </a:p>
+      </dgm:t>
+    </dgm:pt>
+    <dgm:pt modelId="{42CDF27F-D738-4287-A495-60695194D735}" type="pres">
+      <dgm:prSet presAssocID="{4D2E1BBF-A0C6-4639-BDF6-3D2CE8923210}" presName="ThreeConn_1-2" presStyleLbl="fgAccFollowNode1" presStyleIdx="0" presStyleCnt="2" custFlipVert="0" custFlipHor="0" custScaleX="6046" custScaleY="6046" custLinFactNeighborX="98316" custLinFactNeighborY="-8254">
+        <dgm:presLayoutVars>
+          <dgm:bulletEnabled val="1"/>
+        </dgm:presLayoutVars>
+      </dgm:prSet>
+      <dgm:spPr/>
+    </dgm:pt>
+    <dgm:pt modelId="{0C3AFCAB-57F0-4E5E-9A33-D0E160C2D23C}" type="pres">
+      <dgm:prSet presAssocID="{4D2E1BBF-A0C6-4639-BDF6-3D2CE8923210}" presName="ThreeConn_2-3" presStyleLbl="fgAccFollowNode1" presStyleIdx="1" presStyleCnt="2" custFlipVert="0" custFlipHor="0" custScaleX="6046" custScaleY="6046">
+        <dgm:presLayoutVars>
+          <dgm:bulletEnabled val="1"/>
+        </dgm:presLayoutVars>
+      </dgm:prSet>
+      <dgm:spPr/>
+    </dgm:pt>
+    <dgm:pt modelId="{6F3889D7-3E55-411A-954D-892CA1DABEF5}" type="pres">
+      <dgm:prSet presAssocID="{4D2E1BBF-A0C6-4639-BDF6-3D2CE8923210}" presName="ThreeNodes_1_text" presStyleLbl="node1" presStyleIdx="2" presStyleCnt="3">
+        <dgm:presLayoutVars>
+          <dgm:bulletEnabled val="1"/>
+        </dgm:presLayoutVars>
+      </dgm:prSet>
+      <dgm:spPr/>
+      <dgm:t>
+        <a:bodyPr/>
+        <a:lstStyle/>
+        <a:p>
+          <a:endParaRPr lang="en-IN"/>
+        </a:p>
+      </dgm:t>
+    </dgm:pt>
+    <dgm:pt modelId="{9AC131FC-919F-49DC-86D3-2B5A9E4664ED}" type="pres">
+      <dgm:prSet presAssocID="{4D2E1BBF-A0C6-4639-BDF6-3D2CE8923210}" presName="ThreeNodes_2_text" presStyleLbl="node1" presStyleIdx="2" presStyleCnt="3">
+        <dgm:presLayoutVars>
+          <dgm:bulletEnabled val="1"/>
+        </dgm:presLayoutVars>
+      </dgm:prSet>
+      <dgm:spPr/>
+      <dgm:t>
+        <a:bodyPr/>
+        <a:lstStyle/>
+        <a:p>
+          <a:endParaRPr lang="en-IN"/>
+        </a:p>
+      </dgm:t>
+    </dgm:pt>
+    <dgm:pt modelId="{0A22D199-9F1B-4530-BEFE-D0802AF1EA46}" type="pres">
+      <dgm:prSet presAssocID="{4D2E1BBF-A0C6-4639-BDF6-3D2CE8923210}" presName="ThreeNodes_3_text" presStyleLbl="node1" presStyleIdx="2" presStyleCnt="3">
+        <dgm:presLayoutVars>
+          <dgm:bulletEnabled val="1"/>
+        </dgm:presLayoutVars>
+      </dgm:prSet>
+      <dgm:spPr/>
+      <dgm:t>
+        <a:bodyPr/>
+        <a:lstStyle/>
+        <a:p>
+          <a:endParaRPr lang="en-IN"/>
+        </a:p>
+      </dgm:t>
+    </dgm:pt>
+  </dgm:ptLst>
+  <dgm:cxnLst>
+    <dgm:cxn modelId="{B2FA6F5D-7AFF-4E31-B66D-4DFA9CE2FD71}" type="presOf" srcId="{17AD8DFC-38EB-4E7F-BA3A-90E5D95F97BC}" destId="{0C3AFCAB-57F0-4E5E-9A33-D0E160C2D23C}" srcOrd="0" destOrd="0" presId="urn:microsoft.com/office/officeart/2005/8/layout/vProcess5"/>
+    <dgm:cxn modelId="{3C88B6DD-3C8E-491E-ADEB-04D4327742A3}" srcId="{4D2E1BBF-A0C6-4639-BDF6-3D2CE8923210}" destId="{9998F440-92E7-478D-A3D4-EDF8B10C082E}" srcOrd="0" destOrd="0" parTransId="{5993BE3F-1B7D-4706-978F-878E897CE1AD}" sibTransId="{6AD28C29-C536-4071-A15D-C6234E45823F}"/>
+    <dgm:cxn modelId="{B3F34CC1-7725-47B2-9883-92208FF9CABD}" type="presOf" srcId="{0406EC67-8C49-4614-927C-77E6AB446E6B}" destId="{9AC131FC-919F-49DC-86D3-2B5A9E4664ED}" srcOrd="1" destOrd="0" presId="urn:microsoft.com/office/officeart/2005/8/layout/vProcess5"/>
+    <dgm:cxn modelId="{212D8DA5-4359-43DA-9128-DA0469BF4C37}" type="presOf" srcId="{9998F440-92E7-478D-A3D4-EDF8B10C082E}" destId="{1E499AA5-6471-446B-8083-28A6C081AEDE}" srcOrd="0" destOrd="0" presId="urn:microsoft.com/office/officeart/2005/8/layout/vProcess5"/>
+    <dgm:cxn modelId="{42E83977-82E2-4079-A663-6AE3A05B6EBE}" srcId="{4D2E1BBF-A0C6-4639-BDF6-3D2CE8923210}" destId="{0406EC67-8C49-4614-927C-77E6AB446E6B}" srcOrd="1" destOrd="0" parTransId="{C4EDD07B-1978-44AB-940C-DAFE1158F450}" sibTransId="{17AD8DFC-38EB-4E7F-BA3A-90E5D95F97BC}"/>
+    <dgm:cxn modelId="{35F70B79-EA2D-41DE-8D3C-B6F720B52695}" type="presOf" srcId="{9998F440-92E7-478D-A3D4-EDF8B10C082E}" destId="{6F3889D7-3E55-411A-954D-892CA1DABEF5}" srcOrd="1" destOrd="0" presId="urn:microsoft.com/office/officeart/2005/8/layout/vProcess5"/>
+    <dgm:cxn modelId="{983C3D86-28F5-4C98-AA73-D97A449C1D3E}" srcId="{4D2E1BBF-A0C6-4639-BDF6-3D2CE8923210}" destId="{9390BDE3-56F1-4263-B4A9-29B5D007D26B}" srcOrd="2" destOrd="0" parTransId="{188A5123-5BEA-4D7B-B3A3-CCFDBAF48519}" sibTransId="{A8FE2C24-6CE1-43E9-BA64-778B6520D19D}"/>
+    <dgm:cxn modelId="{496ACBA4-A309-45F0-AC98-BF82366FAD88}" type="presOf" srcId="{9390BDE3-56F1-4263-B4A9-29B5D007D26B}" destId="{0A22D199-9F1B-4530-BEFE-D0802AF1EA46}" srcOrd="1" destOrd="0" presId="urn:microsoft.com/office/officeart/2005/8/layout/vProcess5"/>
+    <dgm:cxn modelId="{A2D1A0FA-1615-4AFC-97AA-0A555EC02009}" type="presOf" srcId="{0406EC67-8C49-4614-927C-77E6AB446E6B}" destId="{74432A31-4DFA-4163-89D0-23E737EA0FA9}" srcOrd="0" destOrd="0" presId="urn:microsoft.com/office/officeart/2005/8/layout/vProcess5"/>
+    <dgm:cxn modelId="{2993CB33-C4A5-4158-B0BA-CD682120C58F}" type="presOf" srcId="{9390BDE3-56F1-4263-B4A9-29B5D007D26B}" destId="{A8C7FBC2-B312-4E17-A1AF-A76B75FD191D}" srcOrd="0" destOrd="0" presId="urn:microsoft.com/office/officeart/2005/8/layout/vProcess5"/>
+    <dgm:cxn modelId="{CF3E638C-3266-4674-8F5D-27E1BD10237E}" type="presOf" srcId="{4D2E1BBF-A0C6-4639-BDF6-3D2CE8923210}" destId="{486CFC89-F731-47B6-9D4E-B8410857783F}" srcOrd="0" destOrd="0" presId="urn:microsoft.com/office/officeart/2005/8/layout/vProcess5"/>
+    <dgm:cxn modelId="{5F0A1197-0C40-4562-BA90-A564DD2D72EB}" type="presOf" srcId="{6AD28C29-C536-4071-A15D-C6234E45823F}" destId="{42CDF27F-D738-4287-A495-60695194D735}" srcOrd="0" destOrd="0" presId="urn:microsoft.com/office/officeart/2005/8/layout/vProcess5"/>
+    <dgm:cxn modelId="{D59FC300-2992-4345-A557-836164DD31A9}" type="presParOf" srcId="{486CFC89-F731-47B6-9D4E-B8410857783F}" destId="{22593467-148A-4F26-9236-64938EA9709D}" srcOrd="0" destOrd="0" presId="urn:microsoft.com/office/officeart/2005/8/layout/vProcess5"/>
+    <dgm:cxn modelId="{DE401027-2632-4BAA-8873-64949D363010}" type="presParOf" srcId="{486CFC89-F731-47B6-9D4E-B8410857783F}" destId="{1E499AA5-6471-446B-8083-28A6C081AEDE}" srcOrd="1" destOrd="0" presId="urn:microsoft.com/office/officeart/2005/8/layout/vProcess5"/>
+    <dgm:cxn modelId="{17020026-3EA2-4851-9D54-3D7CE6397D7D}" type="presParOf" srcId="{486CFC89-F731-47B6-9D4E-B8410857783F}" destId="{74432A31-4DFA-4163-89D0-23E737EA0FA9}" srcOrd="2" destOrd="0" presId="urn:microsoft.com/office/officeart/2005/8/layout/vProcess5"/>
+    <dgm:cxn modelId="{A8A62541-CADD-417C-A2DC-FC1A66B82D7F}" type="presParOf" srcId="{486CFC89-F731-47B6-9D4E-B8410857783F}" destId="{A8C7FBC2-B312-4E17-A1AF-A76B75FD191D}" srcOrd="3" destOrd="0" presId="urn:microsoft.com/office/officeart/2005/8/layout/vProcess5"/>
+    <dgm:cxn modelId="{55A27044-EE66-4ADA-9899-B18BFFFA6647}" type="presParOf" srcId="{486CFC89-F731-47B6-9D4E-B8410857783F}" destId="{42CDF27F-D738-4287-A495-60695194D735}" srcOrd="4" destOrd="0" presId="urn:microsoft.com/office/officeart/2005/8/layout/vProcess5"/>
+    <dgm:cxn modelId="{C5ECC689-245A-44A3-9037-4CED85418B43}" type="presParOf" srcId="{486CFC89-F731-47B6-9D4E-B8410857783F}" destId="{0C3AFCAB-57F0-4E5E-9A33-D0E160C2D23C}" srcOrd="5" destOrd="0" presId="urn:microsoft.com/office/officeart/2005/8/layout/vProcess5"/>
+    <dgm:cxn modelId="{CF5BCA9E-FA55-4847-90AB-10BEC447DC30}" type="presParOf" srcId="{486CFC89-F731-47B6-9D4E-B8410857783F}" destId="{6F3889D7-3E55-411A-954D-892CA1DABEF5}" srcOrd="6" destOrd="0" presId="urn:microsoft.com/office/officeart/2005/8/layout/vProcess5"/>
+    <dgm:cxn modelId="{698D5BF9-75CC-4744-A9E0-44EFC0D441F3}" type="presParOf" srcId="{486CFC89-F731-47B6-9D4E-B8410857783F}" destId="{9AC131FC-919F-49DC-86D3-2B5A9E4664ED}" srcOrd="7" destOrd="0" presId="urn:microsoft.com/office/officeart/2005/8/layout/vProcess5"/>
+    <dgm:cxn modelId="{8D6049BF-75D1-43AD-A938-904F04BAEC05}" type="presParOf" srcId="{486CFC89-F731-47B6-9D4E-B8410857783F}" destId="{0A22D199-9F1B-4530-BEFE-D0802AF1EA46}" srcOrd="8" destOrd="0" presId="urn:microsoft.com/office/officeart/2005/8/layout/vProcess5"/>
+  </dgm:cxnLst>
+  <dgm:bg/>
+  <dgm:whole/>
+  <dgm:extLst>
+    <a:ext uri="http://schemas.microsoft.com/office/drawing/2008/diagram">
+      <dsp:dataModelExt xmlns:dsp="http://schemas.microsoft.com/office/drawing/2008/diagram" relId="rId6" minVer="http://schemas.openxmlformats.org/drawingml/2006/diagram"/>
+    </a:ext>
+  </dgm:extLst>
+</dgm:dataModel>
+</file>
+
+<file path=ppt/diagrams/data3.xml><?xml version="1.0" encoding="utf-8"?>
 <dgm:dataModel xmlns:dgm="http://schemas.openxmlformats.org/drawingml/2006/diagram" xmlns:a="http://schemas.openxmlformats.org/drawingml/2006/main">
   <dgm:ptLst>
     <dgm:pt modelId="{9B7E72E6-D000-45C6-B672-FF297ABEFB0E}" type="doc">
@@ -2326,6 +3537,13 @@
         </dgm:presLayoutVars>
       </dgm:prSet>
       <dgm:spPr/>
+      <dgm:t>
+        <a:bodyPr/>
+        <a:lstStyle/>
+        <a:p>
+          <a:endParaRPr lang="en-IN"/>
+        </a:p>
+      </dgm:t>
     </dgm:pt>
     <dgm:pt modelId="{EB434E6D-65BE-4868-8FB2-9A7288DC442C}" type="pres">
       <dgm:prSet presAssocID="{3568F368-9F52-4D47-9E5E-CABE98A42305}" presName="parentText" presStyleLbl="node1" presStyleIdx="0" presStyleCnt="5">
@@ -2335,6 +3553,13 @@
         </dgm:presLayoutVars>
       </dgm:prSet>
       <dgm:spPr/>
+      <dgm:t>
+        <a:bodyPr/>
+        <a:lstStyle/>
+        <a:p>
+          <a:endParaRPr lang="en-IN"/>
+        </a:p>
+      </dgm:t>
     </dgm:pt>
     <dgm:pt modelId="{AF5A6660-9D66-4058-9539-C0B6FED99EFE}" type="pres">
       <dgm:prSet presAssocID="{78B89F87-8BB7-42CF-848A-19601AE09B13}" presName="spacer" presStyleCnt="0"/>
@@ -2348,6 +3573,13 @@
         </dgm:presLayoutVars>
       </dgm:prSet>
       <dgm:spPr/>
+      <dgm:t>
+        <a:bodyPr/>
+        <a:lstStyle/>
+        <a:p>
+          <a:endParaRPr lang="en-IN"/>
+        </a:p>
+      </dgm:t>
     </dgm:pt>
     <dgm:pt modelId="{C288D79C-BA82-44D6-B4BC-BAA44826CC76}" type="pres">
       <dgm:prSet presAssocID="{B7BF0313-19D7-47F7-B302-42CD8C63D40A}" presName="spacer" presStyleCnt="0"/>
@@ -2361,6 +3593,13 @@
         </dgm:presLayoutVars>
       </dgm:prSet>
       <dgm:spPr/>
+      <dgm:t>
+        <a:bodyPr/>
+        <a:lstStyle/>
+        <a:p>
+          <a:endParaRPr lang="en-IN"/>
+        </a:p>
+      </dgm:t>
     </dgm:pt>
     <dgm:pt modelId="{8C50A02A-F167-4878-8519-14926E00BC59}" type="pres">
       <dgm:prSet presAssocID="{7F026B30-7546-44B0-BE6C-B85871003794}" presName="spacer" presStyleCnt="0"/>
@@ -2374,6 +3613,13 @@
         </dgm:presLayoutVars>
       </dgm:prSet>
       <dgm:spPr/>
+      <dgm:t>
+        <a:bodyPr/>
+        <a:lstStyle/>
+        <a:p>
+          <a:endParaRPr lang="en-IN"/>
+        </a:p>
+      </dgm:t>
     </dgm:pt>
     <dgm:pt modelId="{38E8B746-A771-4389-A093-35D7AAC5D290}" type="pres">
       <dgm:prSet presAssocID="{A8E82E35-E593-4FF6-B714-FDE71359A3CE}" presName="spacer" presStyleCnt="0"/>
@@ -2387,20 +3633,27 @@
         </dgm:presLayoutVars>
       </dgm:prSet>
       <dgm:spPr/>
+      <dgm:t>
+        <a:bodyPr/>
+        <a:lstStyle/>
+        <a:p>
+          <a:endParaRPr lang="en-IN"/>
+        </a:p>
+      </dgm:t>
     </dgm:pt>
   </dgm:ptLst>
   <dgm:cxnLst>
-    <dgm:cxn modelId="{723F8F26-9104-4846-84D2-93B7BC5834F2}" type="presOf" srcId="{3786EA35-AB1D-49EA-8AFF-7D4F491DD495}" destId="{2468F7A1-6E3C-484C-B186-CA2794E27FFD}" srcOrd="0" destOrd="0" presId="urn:microsoft.com/office/officeart/2005/8/layout/vList2"/>
-    <dgm:cxn modelId="{37480B2F-5238-47E7-8474-E78106C31DD1}" type="presOf" srcId="{9B7E72E6-D000-45C6-B672-FF297ABEFB0E}" destId="{50916F50-E7EF-4234-8FD4-593664B3475F}" srcOrd="0" destOrd="0" presId="urn:microsoft.com/office/officeart/2005/8/layout/vList2"/>
-    <dgm:cxn modelId="{75D36C64-6A41-403B-AFED-3DA5C9E644AB}" type="presOf" srcId="{D5C49DED-F702-4383-9511-9403DFCF750A}" destId="{D45EF182-7EEC-46C0-B760-E6FAA49AD100}" srcOrd="0" destOrd="0" presId="urn:microsoft.com/office/officeart/2005/8/layout/vList2"/>
+    <dgm:cxn modelId="{FCFADECA-3FA4-489A-9D35-C6AC36FF710A}" srcId="{9B7E72E6-D000-45C6-B672-FF297ABEFB0E}" destId="{D5C49DED-F702-4383-9511-9403DFCF750A}" srcOrd="4" destOrd="0" parTransId="{DAEA8F22-C3BE-4573-94D5-BB8F869E2B94}" sibTransId="{6A16F1D9-CF18-491E-86C3-91D14899CAD7}"/>
     <dgm:cxn modelId="{50038169-761B-4A7A-A3FC-B6D84D1E601B}" srcId="{9B7E72E6-D000-45C6-B672-FF297ABEFB0E}" destId="{977AFEF9-FD39-487F-9B35-4153E289E145}" srcOrd="2" destOrd="0" parTransId="{717098BF-0B3C-475A-ADD4-F4D5643720F6}" sibTransId="{7F026B30-7546-44B0-BE6C-B85871003794}"/>
     <dgm:cxn modelId="{B5B46671-339C-49D5-83DA-C62FE0D3A205}" srcId="{9B7E72E6-D000-45C6-B672-FF297ABEFB0E}" destId="{60467F30-AF8E-4DC7-9AC9-8E61E1911680}" srcOrd="1" destOrd="0" parTransId="{E1DABF51-6EF7-4AAD-8193-ABF765695243}" sibTransId="{B7BF0313-19D7-47F7-B302-42CD8C63D40A}"/>
+    <dgm:cxn modelId="{75D36C64-6A41-403B-AFED-3DA5C9E644AB}" type="presOf" srcId="{D5C49DED-F702-4383-9511-9403DFCF750A}" destId="{D45EF182-7EEC-46C0-B760-E6FAA49AD100}" srcOrd="0" destOrd="0" presId="urn:microsoft.com/office/officeart/2005/8/layout/vList2"/>
+    <dgm:cxn modelId="{93252EEB-9B6C-49B0-BAB7-907E64BF887F}" type="presOf" srcId="{977AFEF9-FD39-487F-9B35-4153E289E145}" destId="{D6084587-32E6-4C6C-9A41-129814ECE2E5}" srcOrd="0" destOrd="0" presId="urn:microsoft.com/office/officeart/2005/8/layout/vList2"/>
+    <dgm:cxn modelId="{DB9DAFB7-1797-4BF6-8750-E7EE4E90CF27}" type="presOf" srcId="{60467F30-AF8E-4DC7-9AC9-8E61E1911680}" destId="{F40B819D-29B0-497A-B6B9-91B6FEDC59C5}" srcOrd="0" destOrd="0" presId="urn:microsoft.com/office/officeart/2005/8/layout/vList2"/>
+    <dgm:cxn modelId="{723F8F26-9104-4846-84D2-93B7BC5834F2}" type="presOf" srcId="{3786EA35-AB1D-49EA-8AFF-7D4F491DD495}" destId="{2468F7A1-6E3C-484C-B186-CA2794E27FFD}" srcOrd="0" destOrd="0" presId="urn:microsoft.com/office/officeart/2005/8/layout/vList2"/>
+    <dgm:cxn modelId="{C2501DCA-3ECE-486E-B956-B6A4A64ED347}" srcId="{9B7E72E6-D000-45C6-B672-FF297ABEFB0E}" destId="{3786EA35-AB1D-49EA-8AFF-7D4F491DD495}" srcOrd="3" destOrd="0" parTransId="{5FC453EC-C3D4-4063-8333-6B84D0B7F2E4}" sibTransId="{A8E82E35-E593-4FF6-B714-FDE71359A3CE}"/>
+    <dgm:cxn modelId="{37480B2F-5238-47E7-8474-E78106C31DD1}" type="presOf" srcId="{9B7E72E6-D000-45C6-B672-FF297ABEFB0E}" destId="{50916F50-E7EF-4234-8FD4-593664B3475F}" srcOrd="0" destOrd="0" presId="urn:microsoft.com/office/officeart/2005/8/layout/vList2"/>
+    <dgm:cxn modelId="{30CAC5A2-8357-42BE-889D-E5F9548E58E1}" srcId="{9B7E72E6-D000-45C6-B672-FF297ABEFB0E}" destId="{3568F368-9F52-4D47-9E5E-CABE98A42305}" srcOrd="0" destOrd="0" parTransId="{7CB25DD4-74C3-4E57-800A-A2E846235A2C}" sibTransId="{78B89F87-8BB7-42CF-848A-19601AE09B13}"/>
     <dgm:cxn modelId="{3A1F6791-AEFF-4399-B2CF-4EAA3FB95573}" type="presOf" srcId="{3568F368-9F52-4D47-9E5E-CABE98A42305}" destId="{EB434E6D-65BE-4868-8FB2-9A7288DC442C}" srcOrd="0" destOrd="0" presId="urn:microsoft.com/office/officeart/2005/8/layout/vList2"/>
-    <dgm:cxn modelId="{30CAC5A2-8357-42BE-889D-E5F9548E58E1}" srcId="{9B7E72E6-D000-45C6-B672-FF297ABEFB0E}" destId="{3568F368-9F52-4D47-9E5E-CABE98A42305}" srcOrd="0" destOrd="0" parTransId="{7CB25DD4-74C3-4E57-800A-A2E846235A2C}" sibTransId="{78B89F87-8BB7-42CF-848A-19601AE09B13}"/>
-    <dgm:cxn modelId="{DB9DAFB7-1797-4BF6-8750-E7EE4E90CF27}" type="presOf" srcId="{60467F30-AF8E-4DC7-9AC9-8E61E1911680}" destId="{F40B819D-29B0-497A-B6B9-91B6FEDC59C5}" srcOrd="0" destOrd="0" presId="urn:microsoft.com/office/officeart/2005/8/layout/vList2"/>
-    <dgm:cxn modelId="{C2501DCA-3ECE-486E-B956-B6A4A64ED347}" srcId="{9B7E72E6-D000-45C6-B672-FF297ABEFB0E}" destId="{3786EA35-AB1D-49EA-8AFF-7D4F491DD495}" srcOrd="3" destOrd="0" parTransId="{5FC453EC-C3D4-4063-8333-6B84D0B7F2E4}" sibTransId="{A8E82E35-E593-4FF6-B714-FDE71359A3CE}"/>
-    <dgm:cxn modelId="{FCFADECA-3FA4-489A-9D35-C6AC36FF710A}" srcId="{9B7E72E6-D000-45C6-B672-FF297ABEFB0E}" destId="{D5C49DED-F702-4383-9511-9403DFCF750A}" srcOrd="4" destOrd="0" parTransId="{DAEA8F22-C3BE-4573-94D5-BB8F869E2B94}" sibTransId="{6A16F1D9-CF18-491E-86C3-91D14899CAD7}"/>
-    <dgm:cxn modelId="{93252EEB-9B6C-49B0-BAB7-907E64BF887F}" type="presOf" srcId="{977AFEF9-FD39-487F-9B35-4153E289E145}" destId="{D6084587-32E6-4C6C-9A41-129814ECE2E5}" srcOrd="0" destOrd="0" presId="urn:microsoft.com/office/officeart/2005/8/layout/vList2"/>
     <dgm:cxn modelId="{C9817598-69A6-4F2D-A3BB-1E536711E97B}" type="presParOf" srcId="{50916F50-E7EF-4234-8FD4-593664B3475F}" destId="{EB434E6D-65BE-4868-8FB2-9A7288DC442C}" srcOrd="0" destOrd="0" presId="urn:microsoft.com/office/officeart/2005/8/layout/vList2"/>
     <dgm:cxn modelId="{8537F90E-38F3-49E6-BA89-007E88D4B12B}" type="presParOf" srcId="{50916F50-E7EF-4234-8FD4-593664B3475F}" destId="{AF5A6660-9D66-4058-9539-C0B6FED99EFE}" srcOrd="1" destOrd="0" presId="urn:microsoft.com/office/officeart/2005/8/layout/vList2"/>
     <dgm:cxn modelId="{64A012EC-7834-4C72-955C-1CCC37F2FBB5}" type="presParOf" srcId="{50916F50-E7EF-4234-8FD4-593664B3475F}" destId="{F40B819D-29B0-497A-B6B9-91B6FEDC59C5}" srcOrd="2" destOrd="0" presId="urn:microsoft.com/office/officeart/2005/8/layout/vList2"/>
@@ -2429,21 +3682,36 @@
       <dsp:cNvGrpSpPr/>
     </dsp:nvGrpSpPr>
     <dsp:grpSpPr/>
-    <dsp:sp modelId="{C7F8F3D7-A369-471C-AC7F-FE9131182E31}">
+  </dsp:spTree>
+</dsp:drawing>
+</file>
+
+<file path=ppt/diagrams/drawing2.xml><?xml version="1.0" encoding="utf-8"?>
+<dsp:drawing xmlns:dgm="http://schemas.openxmlformats.org/drawingml/2006/diagram" xmlns:dsp="http://schemas.microsoft.com/office/drawing/2008/diagram" xmlns:a="http://schemas.openxmlformats.org/drawingml/2006/main">
+  <dsp:spTree>
+    <dsp:nvGrpSpPr>
+      <dsp:cNvPr id="0" name=""/>
+      <dsp:cNvGrpSpPr/>
+    </dsp:nvGrpSpPr>
+    <dsp:grpSpPr/>
+    <dsp:sp modelId="{1E499AA5-6471-446B-8083-28A6C081AEDE}">
       <dsp:nvSpPr>
         <dsp:cNvPr id="0" name=""/>
         <dsp:cNvSpPr/>
       </dsp:nvSpPr>
       <dsp:spPr>
         <a:xfrm>
-          <a:off x="377190" y="3160"/>
-          <a:ext cx="2907506" cy="1744503"/>
+          <a:off x="1600151" y="141262"/>
+          <a:ext cx="10072715" cy="1163421"/>
         </a:xfrm>
-        <a:prstGeom prst="rect">
-          <a:avLst/>
+        <a:prstGeom prst="roundRect">
+          <a:avLst>
+            <a:gd name="adj" fmla="val 10000"/>
+          </a:avLst>
         </a:prstGeom>
         <a:solidFill>
-          <a:schemeClr val="accent2">
+          <a:schemeClr val="accent3">
+            <a:alpha val="90000"/>
             <a:hueOff val="0"/>
             <a:satOff val="0"/>
             <a:lumOff val="0"/>
@@ -2478,12 +3746,12 @@
         </a:fontRef>
       </dsp:style>
       <dsp:txBody>
-        <a:bodyPr spcFirstLastPara="0" vert="horz" wrap="square" lIns="53340" tIns="53340" rIns="53340" bIns="53340" numCol="1" spcCol="1270" anchor="ctr" anchorCtr="0">
+        <a:bodyPr spcFirstLastPara="0" vert="horz" wrap="square" lIns="148590" tIns="148590" rIns="148590" bIns="148590" numCol="1" spcCol="1270" anchor="ctr" anchorCtr="0">
           <a:noAutofit/>
         </a:bodyPr>
         <a:lstStyle/>
         <a:p>
-          <a:pPr marL="0" lvl="0" indent="0" algn="ctr" defTabSz="622300">
+          <a:pPr lvl="0" algn="l" defTabSz="1733550">
             <a:lnSpc>
               <a:spcPct val="90000"/>
             </a:lnSpc>
@@ -2493,39 +3761,41 @@
             <a:spcAft>
               <a:spcPct val="35000"/>
             </a:spcAft>
-            <a:buNone/>
           </a:pPr>
           <a:r>
-            <a:rPr lang="en-CA" sz="1400" b="1" kern="1200"/>
-            <a:t>How Is Identity Verified?</a:t>
+            <a:rPr lang="en-US" sz="3900" kern="1200" dirty="0" smtClean="0"/>
+            <a:t>What is infrastructure network?</a:t>
           </a:r>
-          <a:endParaRPr lang="en-US" sz="1400" kern="1200"/>
+          <a:endParaRPr lang="en-IN" sz="3900" kern="1200" dirty="0"/>
         </a:p>
       </dsp:txBody>
       <dsp:txXfrm>
-        <a:off x="377190" y="3160"/>
-        <a:ext cx="2907506" cy="1744503"/>
+        <a:off x="1634226" y="175337"/>
+        <a:ext cx="8817293" cy="1095271"/>
       </dsp:txXfrm>
     </dsp:sp>
-    <dsp:sp modelId="{1B1BA98E-B5F3-449D-B582-AAFBB51C910A}">
+    <dsp:sp modelId="{74432A31-4DFA-4163-89D0-23E737EA0FA9}">
       <dsp:nvSpPr>
         <dsp:cNvPr id="0" name=""/>
         <dsp:cNvSpPr/>
       </dsp:nvSpPr>
       <dsp:spPr>
         <a:xfrm>
-          <a:off x="3575446" y="3160"/>
-          <a:ext cx="2907506" cy="1744503"/>
+          <a:off x="1595772" y="1318164"/>
+          <a:ext cx="10072715" cy="1163421"/>
         </a:xfrm>
-        <a:prstGeom prst="rect">
-          <a:avLst/>
+        <a:prstGeom prst="roundRect">
+          <a:avLst>
+            <a:gd name="adj" fmla="val 10000"/>
+          </a:avLst>
         </a:prstGeom>
         <a:solidFill>
-          <a:schemeClr val="accent2">
-            <a:hueOff val="-291073"/>
-            <a:satOff val="-16786"/>
-            <a:lumOff val="1569"/>
-            <a:alphaOff val="0"/>
+          <a:schemeClr val="accent3">
+            <a:alpha val="90000"/>
+            <a:hueOff val="0"/>
+            <a:satOff val="0"/>
+            <a:lumOff val="0"/>
+            <a:alphaOff val="-20000"/>
           </a:schemeClr>
         </a:solidFill>
         <a:ln w="15875" cap="flat" cmpd="sng" algn="ctr">
@@ -2556,12 +3826,12 @@
         </a:fontRef>
       </dsp:style>
       <dsp:txBody>
-        <a:bodyPr spcFirstLastPara="0" vert="horz" wrap="square" lIns="53340" tIns="53340" rIns="53340" bIns="53340" numCol="1" spcCol="1270" anchor="ctr" anchorCtr="0">
+        <a:bodyPr spcFirstLastPara="0" vert="horz" wrap="square" lIns="148590" tIns="148590" rIns="148590" bIns="148590" numCol="1" spcCol="1270" anchor="ctr" anchorCtr="0">
           <a:noAutofit/>
         </a:bodyPr>
         <a:lstStyle/>
         <a:p>
-          <a:pPr marL="0" lvl="0" indent="0" algn="ctr" defTabSz="622300">
+          <a:pPr lvl="0" algn="l" defTabSz="1733550">
             <a:lnSpc>
               <a:spcPct val="90000"/>
             </a:lnSpc>
@@ -2571,43 +3841,41 @@
             <a:spcAft>
               <a:spcPct val="35000"/>
             </a:spcAft>
-            <a:buNone/>
           </a:pPr>
           <a:r>
-            <a:rPr lang="en-CA" sz="1400" b="0" kern="1200"/>
-            <a:t>A secure identity should be distinct in the sense that it should be possible for two users to identify themselves clearly. In the context of account monitoring, this is very significant. If the authentication systems are disconnected, it is feasible for identities to be duplicated</a:t>
+            <a:rPr lang="en-US" sz="3900" kern="1200" dirty="0" smtClean="0"/>
+            <a:t>What is Infrastructure Access control?</a:t>
           </a:r>
-          <a:r>
-            <a:rPr lang="en-CA" sz="1400" b="1" kern="1200"/>
-            <a:t>.</a:t>
-          </a:r>
-          <a:endParaRPr lang="en-US" sz="1400" kern="1200"/>
+          <a:endParaRPr lang="en-IN" sz="3900" kern="1200" dirty="0"/>
         </a:p>
       </dsp:txBody>
       <dsp:txXfrm>
-        <a:off x="3575446" y="3160"/>
-        <a:ext cx="2907506" cy="1744503"/>
+        <a:off x="1629847" y="1352239"/>
+        <a:ext cx="8359572" cy="1095271"/>
       </dsp:txXfrm>
     </dsp:sp>
-    <dsp:sp modelId="{1E2DF200-FA46-4D0B-8B93-B730F1A71398}">
+    <dsp:sp modelId="{A8C7FBC2-B312-4E17-A1AF-A76B75FD191D}">
       <dsp:nvSpPr>
         <dsp:cNvPr id="0" name=""/>
         <dsp:cNvSpPr/>
       </dsp:nvSpPr>
       <dsp:spPr>
         <a:xfrm>
-          <a:off x="6773703" y="3160"/>
-          <a:ext cx="2907506" cy="1744503"/>
+          <a:off x="1600157" y="2502489"/>
+          <a:ext cx="10072715" cy="1163421"/>
         </a:xfrm>
-        <a:prstGeom prst="rect">
-          <a:avLst/>
+        <a:prstGeom prst="roundRect">
+          <a:avLst>
+            <a:gd name="adj" fmla="val 10000"/>
+          </a:avLst>
         </a:prstGeom>
         <a:solidFill>
-          <a:schemeClr val="accent2">
-            <a:hueOff val="-582145"/>
-            <a:satOff val="-33571"/>
-            <a:lumOff val="3137"/>
-            <a:alphaOff val="0"/>
+          <a:schemeClr val="accent3">
+            <a:alpha val="90000"/>
+            <a:hueOff val="0"/>
+            <a:satOff val="0"/>
+            <a:lumOff val="0"/>
+            <a:alphaOff val="-40000"/>
           </a:schemeClr>
         </a:solidFill>
         <a:ln w="15875" cap="flat" cmpd="sng" algn="ctr">
@@ -2638,12 +3906,12 @@
         </a:fontRef>
       </dsp:style>
       <dsp:txBody>
-        <a:bodyPr spcFirstLastPara="0" vert="horz" wrap="square" lIns="53340" tIns="53340" rIns="53340" bIns="53340" numCol="1" spcCol="1270" anchor="t" anchorCtr="0">
+        <a:bodyPr spcFirstLastPara="0" vert="horz" wrap="square" lIns="148590" tIns="148590" rIns="148590" bIns="148590" numCol="1" spcCol="1270" anchor="ctr" anchorCtr="0">
           <a:noAutofit/>
         </a:bodyPr>
         <a:lstStyle/>
         <a:p>
-          <a:pPr marL="0" lvl="0" indent="0" algn="l" defTabSz="622300">
+          <a:pPr lvl="0" algn="l" defTabSz="1733550">
             <a:lnSpc>
               <a:spcPct val="90000"/>
             </a:lnSpc>
@@ -2653,63 +3921,50 @@
             <a:spcAft>
               <a:spcPct val="35000"/>
             </a:spcAft>
-            <a:buNone/>
           </a:pPr>
           <a:r>
-            <a:rPr lang="en-CA" sz="1400" b="0" kern="1200"/>
-            <a:t>The list that follows highlights the key concepts of identity. </a:t>
+            <a:rPr lang="en-US" sz="3900" kern="1200" dirty="0" smtClean="0"/>
+            <a:t>What types of controls are included?</a:t>
           </a:r>
-          <a:endParaRPr lang="en-US" sz="1400" kern="1200"/>
-        </a:p>
-        <a:p>
-          <a:pPr marL="57150" lvl="1" indent="-57150" algn="l" defTabSz="488950">
-            <a:lnSpc>
-              <a:spcPct val="90000"/>
-            </a:lnSpc>
-            <a:spcBef>
-              <a:spcPct val="0"/>
-            </a:spcBef>
-            <a:spcAft>
-              <a:spcPct val="15000"/>
-            </a:spcAft>
-            <a:buChar char="•"/>
-          </a:pPr>
-          <a:r>
-            <a:rPr lang="en-CA" sz="1100" b="0" kern="1200"/>
-            <a:t>Identities should be unique. Two users with the same identity should not be allowed.</a:t>
-          </a:r>
-          <a:endParaRPr lang="en-US" sz="1100" kern="1200"/>
+          <a:endParaRPr lang="en-IN" sz="3900" kern="1200" dirty="0"/>
         </a:p>
       </dsp:txBody>
       <dsp:txXfrm>
-        <a:off x="6773703" y="3160"/>
-        <a:ext cx="2907506" cy="1744503"/>
+        <a:off x="1634232" y="2536564"/>
+        <a:ext cx="8359572" cy="1095271"/>
       </dsp:txXfrm>
     </dsp:sp>
-    <dsp:sp modelId="{A1D035BD-86CD-4157-82EE-86CEE6A931D6}">
+    <dsp:sp modelId="{42CDF27F-D738-4287-A495-60695194D735}">
       <dsp:nvSpPr>
         <dsp:cNvPr id="0" name=""/>
         <dsp:cNvSpPr/>
       </dsp:nvSpPr>
       <dsp:spPr>
         <a:xfrm>
-          <a:off x="377190" y="2038415"/>
-          <a:ext cx="2907506" cy="1744503"/>
+          <a:off x="10415232" y="1175094"/>
+          <a:ext cx="45721" cy="45721"/>
         </a:xfrm>
-        <a:prstGeom prst="rect">
-          <a:avLst/>
+        <a:prstGeom prst="downArrow">
+          <a:avLst>
+            <a:gd name="adj1" fmla="val 55000"/>
+            <a:gd name="adj2" fmla="val 45000"/>
+          </a:avLst>
         </a:prstGeom>
         <a:solidFill>
-          <a:schemeClr val="accent2">
-            <a:hueOff val="-873218"/>
-            <a:satOff val="-50357"/>
-            <a:lumOff val="4706"/>
+          <a:schemeClr val="accent3">
+            <a:alpha val="90000"/>
+            <a:tint val="40000"/>
+            <a:hueOff val="0"/>
+            <a:satOff val="0"/>
+            <a:lumOff val="0"/>
             <a:alphaOff val="0"/>
           </a:schemeClr>
         </a:solidFill>
         <a:ln w="15875" cap="flat" cmpd="sng" algn="ctr">
           <a:solidFill>
-            <a:schemeClr val="lt1">
+            <a:schemeClr val="accent3">
+              <a:alpha val="90000"/>
+              <a:tint val="40000"/>
               <a:hueOff val="0"/>
               <a:satOff val="0"/>
               <a:lumOff val="0"/>
@@ -2730,17 +3985,15 @@
         <a:effectRef idx="0">
           <a:scrgbClr r="0" g="0" b="0"/>
         </a:effectRef>
-        <a:fontRef idx="minor">
-          <a:schemeClr val="lt1"/>
-        </a:fontRef>
+        <a:fontRef idx="minor"/>
       </dsp:style>
       <dsp:txBody>
-        <a:bodyPr spcFirstLastPara="0" vert="horz" wrap="square" lIns="53340" tIns="53340" rIns="53340" bIns="53340" numCol="1" spcCol="1270" anchor="ctr" anchorCtr="0">
+        <a:bodyPr spcFirstLastPara="0" vert="horz" wrap="square" lIns="6350" tIns="6350" rIns="6350" bIns="6350" numCol="1" spcCol="1270" anchor="ctr" anchorCtr="0">
           <a:noAutofit/>
         </a:bodyPr>
         <a:lstStyle/>
         <a:p>
-          <a:pPr marL="0" lvl="0" indent="0" algn="ctr" defTabSz="622300">
+          <a:pPr lvl="0" algn="ctr" defTabSz="222250">
             <a:lnSpc>
               <a:spcPct val="90000"/>
             </a:lnSpc>
@@ -2750,48 +4003,46 @@
             <a:spcAft>
               <a:spcPct val="35000"/>
             </a:spcAft>
-            <a:buNone/>
           </a:pPr>
-          <a:r>
-            <a:rPr lang="en-CA" sz="1400" b="1" kern="1200"/>
-            <a:t>2. </a:t>
-          </a:r>
-          <a:r>
-            <a:rPr lang="en-CA" sz="1400" b="0" kern="1200"/>
-            <a:t> Identities should be nondescriptive. It should not be possible to infer the role or function of the user. For example, a user called “Admin” represents a descriptive identity, whereas a user called “o1337ms1” represents a nondescriptive identity. </a:t>
-          </a:r>
-          <a:endParaRPr lang="en-US" sz="1400" kern="1200"/>
+          <a:endParaRPr lang="en-IN" sz="500" kern="1200" dirty="0"/>
         </a:p>
       </dsp:txBody>
       <dsp:txXfrm>
-        <a:off x="377190" y="2038415"/>
-        <a:ext cx="2907506" cy="1744503"/>
+        <a:off x="10425519" y="1175094"/>
+        <a:ext cx="25147" cy="34405"/>
       </dsp:txXfrm>
     </dsp:sp>
-    <dsp:sp modelId="{CAB0017A-D6AD-4444-8A5A-980E77A2CEF4}">
+    <dsp:sp modelId="{0C3AFCAB-57F0-4E5E-9A33-D0E160C2D23C}">
       <dsp:nvSpPr>
         <dsp:cNvPr id="0" name=""/>
         <dsp:cNvSpPr/>
       </dsp:nvSpPr>
       <dsp:spPr>
         <a:xfrm>
-          <a:off x="3575446" y="2038415"/>
-          <a:ext cx="2907506" cy="1744503"/>
+          <a:off x="10560512" y="2587082"/>
+          <a:ext cx="45721" cy="45721"/>
         </a:xfrm>
-        <a:prstGeom prst="rect">
-          <a:avLst/>
+        <a:prstGeom prst="downArrow">
+          <a:avLst>
+            <a:gd name="adj1" fmla="val 55000"/>
+            <a:gd name="adj2" fmla="val 45000"/>
+          </a:avLst>
         </a:prstGeom>
         <a:solidFill>
-          <a:schemeClr val="accent2">
-            <a:hueOff val="-1164290"/>
-            <a:satOff val="-67142"/>
-            <a:lumOff val="6274"/>
-            <a:alphaOff val="0"/>
+          <a:schemeClr val="accent3">
+            <a:alpha val="90000"/>
+            <a:tint val="40000"/>
+            <a:hueOff val="0"/>
+            <a:satOff val="0"/>
+            <a:lumOff val="0"/>
+            <a:alphaOff val="-40000"/>
           </a:schemeClr>
         </a:solidFill>
         <a:ln w="15875" cap="flat" cmpd="sng" algn="ctr">
           <a:solidFill>
-            <a:schemeClr val="lt1">
+            <a:schemeClr val="accent3">
+              <a:alpha val="90000"/>
+              <a:tint val="40000"/>
               <a:hueOff val="0"/>
               <a:satOff val="0"/>
               <a:lumOff val="0"/>
@@ -2812,17 +4063,15 @@
         <a:effectRef idx="0">
           <a:scrgbClr r="0" g="0" b="0"/>
         </a:effectRef>
-        <a:fontRef idx="minor">
-          <a:schemeClr val="lt1"/>
-        </a:fontRef>
+        <a:fontRef idx="minor"/>
       </dsp:style>
       <dsp:txBody>
-        <a:bodyPr spcFirstLastPara="0" vert="horz" wrap="square" lIns="53340" tIns="53340" rIns="53340" bIns="53340" numCol="1" spcCol="1270" anchor="ctr" anchorCtr="0">
+        <a:bodyPr spcFirstLastPara="0" vert="horz" wrap="square" lIns="6350" tIns="6350" rIns="6350" bIns="6350" numCol="1" spcCol="1270" anchor="ctr" anchorCtr="0">
           <a:noAutofit/>
         </a:bodyPr>
         <a:lstStyle/>
         <a:p>
-          <a:pPr marL="0" lvl="0" indent="0" algn="ctr" defTabSz="622300">
+          <a:pPr lvl="0" algn="ctr" defTabSz="222250">
             <a:lnSpc>
               <a:spcPct val="90000"/>
             </a:lnSpc>
@@ -2832,103 +4081,20 @@
             <a:spcAft>
               <a:spcPct val="35000"/>
             </a:spcAft>
-            <a:buNone/>
           </a:pPr>
-          <a:r>
-            <a:rPr lang="en-CA" sz="1400" b="0" kern="1200"/>
-            <a:t>3. Identities should be securely issued. A secure process for issuing an identity to a user needs to be established.</a:t>
-          </a:r>
-          <a:endParaRPr lang="en-US" sz="1400" kern="1200"/>
+          <a:endParaRPr lang="en-IN" sz="500" kern="1200" dirty="0"/>
         </a:p>
       </dsp:txBody>
       <dsp:txXfrm>
-        <a:off x="3575446" y="2038415"/>
-        <a:ext cx="2907506" cy="1744503"/>
-      </dsp:txXfrm>
-    </dsp:sp>
-    <dsp:sp modelId="{15A287F3-1860-4074-AFE6-DC2A10E6A946}">
-      <dsp:nvSpPr>
-        <dsp:cNvPr id="0" name=""/>
-        <dsp:cNvSpPr/>
-      </dsp:nvSpPr>
-      <dsp:spPr>
-        <a:xfrm>
-          <a:off x="6773703" y="2038415"/>
-          <a:ext cx="2907506" cy="1744503"/>
-        </a:xfrm>
-        <a:prstGeom prst="rect">
-          <a:avLst/>
-        </a:prstGeom>
-        <a:solidFill>
-          <a:schemeClr val="accent2">
-            <a:hueOff val="-1455363"/>
-            <a:satOff val="-83928"/>
-            <a:lumOff val="7843"/>
-            <a:alphaOff val="0"/>
-          </a:schemeClr>
-        </a:solidFill>
-        <a:ln w="15875" cap="flat" cmpd="sng" algn="ctr">
-          <a:solidFill>
-            <a:schemeClr val="lt1">
-              <a:hueOff val="0"/>
-              <a:satOff val="0"/>
-              <a:lumOff val="0"/>
-              <a:alphaOff val="0"/>
-            </a:schemeClr>
-          </a:solidFill>
-          <a:prstDash val="solid"/>
-        </a:ln>
-        <a:effectLst/>
-      </dsp:spPr>
-      <dsp:style>
-        <a:lnRef idx="2">
-          <a:scrgbClr r="0" g="0" b="0"/>
-        </a:lnRef>
-        <a:fillRef idx="1">
-          <a:scrgbClr r="0" g="0" b="0"/>
-        </a:fillRef>
-        <a:effectRef idx="0">
-          <a:scrgbClr r="0" g="0" b="0"/>
-        </a:effectRef>
-        <a:fontRef idx="minor">
-          <a:schemeClr val="lt1"/>
-        </a:fontRef>
-      </dsp:style>
-      <dsp:txBody>
-        <a:bodyPr spcFirstLastPara="0" vert="horz" wrap="square" lIns="53340" tIns="53340" rIns="53340" bIns="53340" numCol="1" spcCol="1270" anchor="ctr" anchorCtr="0">
-          <a:noAutofit/>
-        </a:bodyPr>
-        <a:lstStyle/>
-        <a:p>
-          <a:pPr marL="0" lvl="0" indent="0" algn="ctr" defTabSz="622300">
-            <a:lnSpc>
-              <a:spcPct val="90000"/>
-            </a:lnSpc>
-            <a:spcBef>
-              <a:spcPct val="0"/>
-            </a:spcBef>
-            <a:spcAft>
-              <a:spcPct val="35000"/>
-            </a:spcAft>
-            <a:buNone/>
-          </a:pPr>
-          <a:r>
-            <a:rPr lang="en-CA" sz="1400" b="0" kern="1200"/>
-            <a:t>4.  Identities can be location-based. A process for authenticating someone based on his or her location.</a:t>
-          </a:r>
-          <a:endParaRPr lang="en-US" sz="1400" kern="1200"/>
-        </a:p>
-      </dsp:txBody>
-      <dsp:txXfrm>
-        <a:off x="6773703" y="2038415"/>
-        <a:ext cx="2907506" cy="1744503"/>
+        <a:off x="10570799" y="2587082"/>
+        <a:ext cx="25147" cy="34405"/>
       </dsp:txXfrm>
     </dsp:sp>
   </dsp:spTree>
 </dsp:drawing>
 </file>
 
-<file path=ppt/diagrams/drawing2.xml><?xml version="1.0" encoding="utf-8"?>
+<file path=ppt/diagrams/drawing3.xml><?xml version="1.0" encoding="utf-8"?>
 <dsp:drawing xmlns:dgm="http://schemas.openxmlformats.org/drawingml/2006/diagram" xmlns:dsp="http://schemas.microsoft.com/office/drawing/2008/diagram" xmlns:a="http://schemas.openxmlformats.org/drawingml/2006/main">
   <dsp:spTree>
     <dsp:nvGrpSpPr>
@@ -2990,7 +4156,7 @@
         </a:bodyPr>
         <a:lstStyle/>
         <a:p>
-          <a:pPr marL="0" lvl="0" indent="0" algn="l" defTabSz="1377950">
+          <a:pPr lvl="0" algn="l" defTabSz="1377950">
             <a:lnSpc>
               <a:spcPct val="90000"/>
             </a:lnSpc>
@@ -3000,7 +4166,6 @@
             <a:spcAft>
               <a:spcPct val="35000"/>
             </a:spcAft>
-            <a:buNone/>
           </a:pPr>
           <a:r>
             <a:rPr lang="en-US" sz="3100" kern="1200"/>
@@ -3067,7 +4232,7 @@
         </a:bodyPr>
         <a:lstStyle/>
         <a:p>
-          <a:pPr marL="0" lvl="0" indent="0" algn="l" defTabSz="1377950">
+          <a:pPr lvl="0" algn="l" defTabSz="1377950">
             <a:lnSpc>
               <a:spcPct val="90000"/>
             </a:lnSpc>
@@ -3077,7 +4242,6 @@
             <a:spcAft>
               <a:spcPct val="35000"/>
             </a:spcAft>
-            <a:buNone/>
           </a:pPr>
           <a:r>
             <a:rPr lang="en-US" sz="3100" kern="1200"/>
@@ -3144,7 +4308,7 @@
         </a:bodyPr>
         <a:lstStyle/>
         <a:p>
-          <a:pPr marL="0" lvl="0" indent="0" algn="l" defTabSz="1377950">
+          <a:pPr lvl="0" algn="l" defTabSz="1377950">
             <a:lnSpc>
               <a:spcPct val="90000"/>
             </a:lnSpc>
@@ -3154,7 +4318,6 @@
             <a:spcAft>
               <a:spcPct val="35000"/>
             </a:spcAft>
-            <a:buNone/>
           </a:pPr>
           <a:r>
             <a:rPr lang="en-US" sz="3100" kern="1200"/>
@@ -3221,7 +4384,7 @@
         </a:bodyPr>
         <a:lstStyle/>
         <a:p>
-          <a:pPr marL="0" lvl="0" indent="0" algn="l" defTabSz="1377950">
+          <a:pPr lvl="0" algn="l" defTabSz="1377950">
             <a:lnSpc>
               <a:spcPct val="90000"/>
             </a:lnSpc>
@@ -3231,7 +4394,6 @@
             <a:spcAft>
               <a:spcPct val="35000"/>
             </a:spcAft>
-            <a:buNone/>
           </a:pPr>
           <a:r>
             <a:rPr lang="en-US" sz="3100" kern="1200"/>
@@ -3298,7 +4460,7 @@
         </a:bodyPr>
         <a:lstStyle/>
         <a:p>
-          <a:pPr marL="0" lvl="0" indent="0" algn="l" defTabSz="1377950">
+          <a:pPr lvl="0" algn="l" defTabSz="1377950">
             <a:lnSpc>
               <a:spcPct val="90000"/>
             </a:lnSpc>
@@ -3308,7 +4470,6 @@
             <a:spcAft>
               <a:spcPct val="35000"/>
             </a:spcAft>
-            <a:buNone/>
           </a:pPr>
           <a:r>
             <a:rPr lang="en-US" sz="3100" kern="1200"/>
@@ -3473,6 +4634,1232 @@
 </file>
 
 <file path=ppt/diagrams/layout2.xml><?xml version="1.0" encoding="utf-8"?>
+<dgm:layoutDef xmlns:dgm="http://schemas.openxmlformats.org/drawingml/2006/diagram" xmlns:a="http://schemas.openxmlformats.org/drawingml/2006/main" uniqueId="urn:microsoft.com/office/officeart/2005/8/layout/vProcess5">
+  <dgm:title val=""/>
+  <dgm:desc val=""/>
+  <dgm:catLst>
+    <dgm:cat type="process" pri="14000"/>
+  </dgm:catLst>
+  <dgm:sampData>
+    <dgm:dataModel>
+      <dgm:ptLst>
+        <dgm:pt modelId="0" type="doc"/>
+        <dgm:pt modelId="1">
+          <dgm:prSet phldr="1"/>
+        </dgm:pt>
+        <dgm:pt modelId="2">
+          <dgm:prSet phldr="1"/>
+        </dgm:pt>
+        <dgm:pt modelId="3">
+          <dgm:prSet phldr="1"/>
+        </dgm:pt>
+      </dgm:ptLst>
+      <dgm:cxnLst>
+        <dgm:cxn modelId="5" srcId="0" destId="1" srcOrd="0" destOrd="0"/>
+        <dgm:cxn modelId="6" srcId="0" destId="2" srcOrd="1" destOrd="0"/>
+        <dgm:cxn modelId="7" srcId="0" destId="3" srcOrd="2" destOrd="0"/>
+      </dgm:cxnLst>
+      <dgm:bg/>
+      <dgm:whole/>
+    </dgm:dataModel>
+  </dgm:sampData>
+  <dgm:styleData>
+    <dgm:dataModel>
+      <dgm:ptLst>
+        <dgm:pt modelId="0" type="doc"/>
+        <dgm:pt modelId="1"/>
+        <dgm:pt modelId="2"/>
+      </dgm:ptLst>
+      <dgm:cxnLst>
+        <dgm:cxn modelId="3" srcId="0" destId="1" srcOrd="0" destOrd="0"/>
+        <dgm:cxn modelId="4" srcId="0" destId="2" srcOrd="1" destOrd="0"/>
+      </dgm:cxnLst>
+      <dgm:bg/>
+      <dgm:whole/>
+    </dgm:dataModel>
+  </dgm:styleData>
+  <dgm:clrData>
+    <dgm:dataModel>
+      <dgm:ptLst>
+        <dgm:pt modelId="0" type="doc"/>
+        <dgm:pt modelId="1"/>
+        <dgm:pt modelId="2"/>
+        <dgm:pt modelId="3"/>
+        <dgm:pt modelId="4"/>
+      </dgm:ptLst>
+      <dgm:cxnLst>
+        <dgm:cxn modelId="6" srcId="0" destId="1" srcOrd="0" destOrd="0"/>
+        <dgm:cxn modelId="7" srcId="0" destId="2" srcOrd="1" destOrd="0"/>
+        <dgm:cxn modelId="8" srcId="0" destId="3" srcOrd="2" destOrd="0"/>
+        <dgm:cxn modelId="9" srcId="0" destId="4" srcOrd="3" destOrd="0"/>
+      </dgm:cxnLst>
+      <dgm:bg/>
+      <dgm:whole/>
+    </dgm:dataModel>
+  </dgm:clrData>
+  <dgm:layoutNode name="outerComposite">
+    <dgm:varLst>
+      <dgm:chMax val="5"/>
+      <dgm:dir/>
+      <dgm:resizeHandles val="exact"/>
+    </dgm:varLst>
+    <dgm:alg type="composite"/>
+    <dgm:shape xmlns:r="http://schemas.openxmlformats.org/officeDocument/2006/relationships" r:blip="">
+      <dgm:adjLst/>
+    </dgm:shape>
+    <dgm:presOf/>
+    <dgm:choose name="Name0">
+      <dgm:if name="Name1" func="var" arg="dir" op="equ" val="norm">
+        <dgm:constrLst>
+          <dgm:constr type="primFontSz" for="ch" ptType="node" op="equ" val="65"/>
+          <dgm:constr type="w" for="ch" forName="dummyMaxCanvas" refType="w"/>
+          <dgm:constr type="h" for="ch" forName="dummyMaxCanvas" refType="h"/>
+          <dgm:constr type="w" for="ch" forName="OneNode_1" refType="w"/>
+          <dgm:constr type="h" for="ch" forName="OneNode_1" refType="h" fact="0.5"/>
+          <dgm:constr type="ctrY" for="ch" forName="OneNode_1" refType="h" fact="0.5"/>
+          <dgm:constr type="w" for="ch" forName="TwoNodes_1" refType="w" fact="0.85"/>
+          <dgm:constr type="h" for="ch" forName="TwoNodes_1" refType="h" fact="0.45"/>
+          <dgm:constr type="t" for="ch" forName="TwoNodes_1"/>
+          <dgm:constr type="l" for="ch" forName="TwoNodes_1"/>
+          <dgm:constr type="w" for="ch" forName="TwoNodes_2" refType="w" fact="0.85"/>
+          <dgm:constr type="h" for="ch" forName="TwoNodes_2" refType="h" fact="0.45"/>
+          <dgm:constr type="b" for="ch" forName="TwoNodes_2" refType="h"/>
+          <dgm:constr type="r" for="ch" forName="TwoNodes_2" refType="w"/>
+          <dgm:constr type="w" for="ch" forName="TwoConn_1-2" refType="h" refFor="ch" refForName="TwoNodes_1" fact="0.65"/>
+          <dgm:constr type="h" for="ch" forName="TwoConn_1-2" refType="h" refFor="ch" refForName="TwoNodes_1" fact="0.65"/>
+          <dgm:constr type="ctrY" for="ch" forName="TwoConn_1-2" refType="h" fact="0.5"/>
+          <dgm:constr type="r" for="ch" forName="TwoConn_1-2" refType="r" refFor="ch" refForName="TwoNodes_1"/>
+          <dgm:constr type="r" for="ch" forName="TwoNodes_1_text" refType="l" refFor="ch" refForName="TwoConn_1-2"/>
+          <dgm:constr type="rOff" for="ch" forName="TwoNodes_1_text" refType="w" refFor="ch" refForName="TwoConn_1-2" fact="-0.5"/>
+          <dgm:constr type="t" for="ch" forName="TwoNodes_1_text" refType="t" refFor="ch" refForName="TwoNodes_1"/>
+          <dgm:constr type="b" for="ch" forName="TwoNodes_1_text" refType="b" refFor="ch" refForName="TwoNodes_1"/>
+          <dgm:constr type="l" for="ch" forName="TwoNodes_1_text" refType="l" refFor="ch" refForName="TwoNodes_1"/>
+          <dgm:constr type="r" for="ch" forName="TwoNodes_2_text" refType="l" refFor="ch" refForName="TwoConn_1-2"/>
+          <dgm:constr type="t" for="ch" forName="TwoNodes_2_text" refType="t" refFor="ch" refForName="TwoNodes_2"/>
+          <dgm:constr type="b" for="ch" forName="TwoNodes_2_text" refType="b" refFor="ch" refForName="TwoNodes_2"/>
+          <dgm:constr type="l" for="ch" forName="TwoNodes_2_text" refType="l" refFor="ch" refForName="TwoNodes_2"/>
+          <dgm:constr type="w" for="ch" forName="ThreeNodes_1" refType="w" fact="0.85"/>
+          <dgm:constr type="h" for="ch" forName="ThreeNodes_1" refType="h" fact="0.3"/>
+          <dgm:constr type="t" for="ch" forName="ThreeNodes_1"/>
+          <dgm:constr type="l" for="ch" forName="ThreeNodes_1"/>
+          <dgm:constr type="w" for="ch" forName="ThreeNodes_2" refType="w" fact="0.85"/>
+          <dgm:constr type="h" for="ch" forName="ThreeNodes_2" refType="h" fact="0.3"/>
+          <dgm:constr type="ctrY" for="ch" forName="ThreeNodes_2" refType="h" fact="0.5"/>
+          <dgm:constr type="ctrX" for="ch" forName="ThreeNodes_2" refType="w" fact="0.5"/>
+          <dgm:constr type="w" for="ch" forName="ThreeNodes_3" refType="w" fact="0.85"/>
+          <dgm:constr type="h" for="ch" forName="ThreeNodes_3" refType="h" fact="0.3"/>
+          <dgm:constr type="b" for="ch" forName="ThreeNodes_3" refType="h"/>
+          <dgm:constr type="r" for="ch" forName="ThreeNodes_3" refType="w"/>
+          <dgm:constr type="w" for="ch" forName="ThreeConn_1-2" refType="h" refFor="ch" refForName="ThreeNodes_1" fact="0.65"/>
+          <dgm:constr type="h" for="ch" forName="ThreeConn_1-2" refType="h" refFor="ch" refForName="ThreeNodes_1" fact="0.65"/>
+          <dgm:constr type="ctrY" for="ch" forName="ThreeConn_1-2" refType="h" fact="0.325"/>
+          <dgm:constr type="r" for="ch" forName="ThreeConn_1-2" refType="r" refFor="ch" refForName="ThreeNodes_1"/>
+          <dgm:constr type="w" for="ch" forName="ThreeConn_2-3" refType="h" refFor="ch" refForName="ThreeNodes_2" fact="0.65"/>
+          <dgm:constr type="h" for="ch" forName="ThreeConn_2-3" refType="h" refFor="ch" refForName="ThreeNodes_2" fact="0.65"/>
+          <dgm:constr type="ctrY" for="ch" forName="ThreeConn_2-3" refType="h" fact="0.673"/>
+          <dgm:constr type="r" for="ch" forName="ThreeConn_2-3" refType="r" refFor="ch" refForName="ThreeNodes_2"/>
+          <dgm:constr type="r" for="ch" forName="ThreeNodes_1_text" refType="l" refFor="ch" refForName="ThreeConn_1-2"/>
+          <dgm:constr type="rOff" for="ch" forName="ThreeNodes_1_text" refType="w" refFor="ch" refForName="ThreeConn_1-2" fact="-0.57"/>
+          <dgm:constr type="t" for="ch" forName="ThreeNodes_1_text" refType="t" refFor="ch" refForName="ThreeNodes_1"/>
+          <dgm:constr type="b" for="ch" forName="ThreeNodes_1_text" refType="b" refFor="ch" refForName="ThreeNodes_1"/>
+          <dgm:constr type="l" for="ch" forName="ThreeNodes_1_text" refType="l" refFor="ch" refForName="ThreeNodes_1"/>
+          <dgm:constr type="r" for="ch" forName="ThreeNodes_2_text" refType="l" refFor="ch" refForName="ThreeConn_1-2"/>
+          <dgm:constr type="t" for="ch" forName="ThreeNodes_2_text" refType="t" refFor="ch" refForName="ThreeNodes_2"/>
+          <dgm:constr type="b" for="ch" forName="ThreeNodes_2_text" refType="b" refFor="ch" refForName="ThreeNodes_2"/>
+          <dgm:constr type="l" for="ch" forName="ThreeNodes_2_text" refType="l" refFor="ch" refForName="ThreeNodes_2"/>
+          <dgm:constr type="r" for="ch" forName="ThreeNodes_3_text" refType="l" refFor="ch" refForName="ThreeConn_2-3"/>
+          <dgm:constr type="t" for="ch" forName="ThreeNodes_3_text" refType="t" refFor="ch" refForName="ThreeNodes_3"/>
+          <dgm:constr type="b" for="ch" forName="ThreeNodes_3_text" refType="b" refFor="ch" refForName="ThreeNodes_3"/>
+          <dgm:constr type="l" for="ch" forName="ThreeNodes_3_text" refType="l" refFor="ch" refForName="ThreeNodes_3"/>
+          <dgm:constr type="w" for="ch" forName="FourNodes_1" refType="w" fact="0.8"/>
+          <dgm:constr type="h" for="ch" forName="FourNodes_1" refType="h" fact="0.22"/>
+          <dgm:constr type="t" for="ch" forName="FourNodes_1"/>
+          <dgm:constr type="l" for="ch" forName="FourNodes_1"/>
+          <dgm:constr type="w" for="ch" forName="FourNodes_2" refType="w" fact="0.8"/>
+          <dgm:constr type="h" for="ch" forName="FourNodes_2" refType="h" fact="0.22"/>
+          <dgm:constr type="ctrY" for="ch" forName="FourNodes_2" refType="h" fact="0.37"/>
+          <dgm:constr type="ctrX" for="ch" forName="FourNodes_2" refType="w" fact="0.467"/>
+          <dgm:constr type="w" for="ch" forName="FourNodes_3" refType="w" fact="0.8"/>
+          <dgm:constr type="h" for="ch" forName="FourNodes_3" refType="h" fact="0.22"/>
+          <dgm:constr type="ctrY" for="ch" forName="FourNodes_3" refType="h" fact="0.63"/>
+          <dgm:constr type="ctrX" for="ch" forName="FourNodes_3" refType="w" fact="0.533"/>
+          <dgm:constr type="w" for="ch" forName="FourNodes_4" refType="w" fact="0.8"/>
+          <dgm:constr type="h" for="ch" forName="FourNodes_4" refType="h" fact="0.22"/>
+          <dgm:constr type="b" for="ch" forName="FourNodes_4" refType="h"/>
+          <dgm:constr type="r" for="ch" forName="FourNodes_4" refType="w"/>
+          <dgm:constr type="w" for="ch" forName="FourConn_1-2" refType="h" refFor="ch" refForName="FourNodes_1" fact="0.65"/>
+          <dgm:constr type="h" for="ch" forName="FourConn_1-2" refType="h" refFor="ch" refForName="FourNodes_1" fact="0.65"/>
+          <dgm:constr type="ctrY" for="ch" forName="FourConn_1-2" refType="h" fact="0.24"/>
+          <dgm:constr type="r" for="ch" forName="FourConn_1-2" refType="r" refFor="ch" refForName="FourNodes_1"/>
+          <dgm:constr type="w" for="ch" forName="FourConn_2-3" refType="h" refFor="ch" refForName="FourNodes_2" fact="0.65"/>
+          <dgm:constr type="h" for="ch" forName="FourConn_2-3" refType="h" refFor="ch" refForName="FourNodes_2" fact="0.65"/>
+          <dgm:constr type="ctrY" for="ch" forName="FourConn_2-3" refType="h" fact="0.5"/>
+          <dgm:constr type="r" for="ch" forName="FourConn_2-3" refType="r" refFor="ch" refForName="FourNodes_2"/>
+          <dgm:constr type="w" for="ch" forName="FourConn_3-4" refType="h" refFor="ch" refForName="FourNodes_3" fact="0.65"/>
+          <dgm:constr type="h" for="ch" forName="FourConn_3-4" refType="h" refFor="ch" refForName="FourNodes_3" fact="0.65"/>
+          <dgm:constr type="ctrY" for="ch" forName="FourConn_3-4" refType="h" fact="0.76"/>
+          <dgm:constr type="r" for="ch" forName="FourConn_3-4" refType="r" refFor="ch" refForName="FourNodes_3"/>
+          <dgm:constr type="r" for="ch" forName="FourNodes_1_text" refType="l" refFor="ch" refForName="FourConn_1-2"/>
+          <dgm:constr type="rOff" for="ch" forName="FourNodes_1_text" refType="w" refFor="ch" refForName="FourConn_1-2" fact="-0.7"/>
+          <dgm:constr type="t" for="ch" forName="FourNodes_1_text" refType="t" refFor="ch" refForName="FourNodes_1"/>
+          <dgm:constr type="b" for="ch" forName="FourNodes_1_text" refType="b" refFor="ch" refForName="FourNodes_1"/>
+          <dgm:constr type="l" for="ch" forName="FourNodes_1_text" refType="l" refFor="ch" refForName="FourNodes_1"/>
+          <dgm:constr type="r" for="ch" forName="FourNodes_2_text" refType="l" refFor="ch" refForName="FourConn_1-2"/>
+          <dgm:constr type="t" for="ch" forName="FourNodes_2_text" refType="t" refFor="ch" refForName="FourNodes_2"/>
+          <dgm:constr type="b" for="ch" forName="FourNodes_2_text" refType="b" refFor="ch" refForName="FourNodes_2"/>
+          <dgm:constr type="l" for="ch" forName="FourNodes_2_text" refType="l" refFor="ch" refForName="FourNodes_2"/>
+          <dgm:constr type="r" for="ch" forName="FourNodes_3_text" refType="l" refFor="ch" refForName="FourConn_2-3"/>
+          <dgm:constr type="t" for="ch" forName="FourNodes_3_text" refType="t" refFor="ch" refForName="FourNodes_3"/>
+          <dgm:constr type="b" for="ch" forName="FourNodes_3_text" refType="b" refFor="ch" refForName="FourNodes_3"/>
+          <dgm:constr type="l" for="ch" forName="FourNodes_3_text" refType="l" refFor="ch" refForName="FourNodes_3"/>
+          <dgm:constr type="r" for="ch" forName="FourNodes_4_text" refType="l" refFor="ch" refForName="FourConn_3-4"/>
+          <dgm:constr type="t" for="ch" forName="FourNodes_4_text" refType="t" refFor="ch" refForName="FourNodes_4"/>
+          <dgm:constr type="b" for="ch" forName="FourNodes_4_text" refType="b" refFor="ch" refForName="FourNodes_4"/>
+          <dgm:constr type="l" for="ch" forName="FourNodes_4_text" refType="l" refFor="ch" refForName="FourNodes_4"/>
+          <dgm:constr type="w" for="ch" forName="FiveNodes_1" refType="w" fact="0.77"/>
+          <dgm:constr type="h" for="ch" forName="FiveNodes_1" refType="h" fact="0.18"/>
+          <dgm:constr type="t" for="ch" forName="FiveNodes_1"/>
+          <dgm:constr type="l" for="ch" forName="FiveNodes_1"/>
+          <dgm:constr type="w" for="ch" forName="FiveNodes_2" refType="w" fact="0.77"/>
+          <dgm:constr type="h" for="ch" forName="FiveNodes_2" refType="h" fact="0.18"/>
+          <dgm:constr type="ctrY" for="ch" forName="FiveNodes_2" refType="h" fact="0.295"/>
+          <dgm:constr type="ctrX" for="ch" forName="FiveNodes_2" refType="w" fact="0.4425"/>
+          <dgm:constr type="w" for="ch" forName="FiveNodes_3" refType="w" fact="0.77"/>
+          <dgm:constr type="h" for="ch" forName="FiveNodes_3" refType="h" fact="0.18"/>
+          <dgm:constr type="ctrY" for="ch" forName="FiveNodes_3" refType="h" fact="0.5"/>
+          <dgm:constr type="ctrX" for="ch" forName="FiveNodes_3" refType="w" fact="0.5"/>
+          <dgm:constr type="w" for="ch" forName="FiveNodes_4" refType="w" fact="0.77"/>
+          <dgm:constr type="h" for="ch" forName="FiveNodes_4" refType="h" fact="0.18"/>
+          <dgm:constr type="ctrY" for="ch" forName="FiveNodes_4" refType="h" fact="0.705"/>
+          <dgm:constr type="ctrX" for="ch" forName="FiveNodes_4" refType="w" fact="0.5575"/>
+          <dgm:constr type="w" for="ch" forName="FiveNodes_5" refType="w" fact="0.77"/>
+          <dgm:constr type="h" for="ch" forName="FiveNodes_5" refType="h" fact="0.18"/>
+          <dgm:constr type="b" for="ch" forName="FiveNodes_5" refType="h"/>
+          <dgm:constr type="r" for="ch" forName="FiveNodes_5" refType="w"/>
+          <dgm:constr type="w" for="ch" forName="FiveConn_1-2" refType="h" refFor="ch" refForName="FiveNodes_1" fact="0.65"/>
+          <dgm:constr type="h" for="ch" forName="FiveConn_1-2" refType="h" refFor="ch" refForName="FiveNodes_1" fact="0.65"/>
+          <dgm:constr type="ctrY" for="ch" forName="FiveConn_1-2" refType="h" fact="0.19"/>
+          <dgm:constr type="r" for="ch" forName="FiveConn_1-2" refType="r" refFor="ch" refForName="FiveNodes_1"/>
+          <dgm:constr type="w" for="ch" forName="FiveConn_2-3" refType="h" refFor="ch" refForName="FiveNodes_2" fact="0.65"/>
+          <dgm:constr type="h" for="ch" forName="FiveConn_2-3" refType="h" refFor="ch" refForName="FiveNodes_2" fact="0.65"/>
+          <dgm:constr type="ctrY" for="ch" forName="FiveConn_2-3" refType="h" fact="0.395"/>
+          <dgm:constr type="r" for="ch" forName="FiveConn_2-3" refType="r" refFor="ch" refForName="FiveNodes_2"/>
+          <dgm:constr type="w" for="ch" forName="FiveConn_3-4" refType="h" refFor="ch" refForName="FiveNodes_3" fact="0.65"/>
+          <dgm:constr type="h" for="ch" forName="FiveConn_3-4" refType="h" refFor="ch" refForName="FiveNodes_3" fact="0.65"/>
+          <dgm:constr type="ctrY" for="ch" forName="FiveConn_3-4" refType="h" fact="0.597"/>
+          <dgm:constr type="r" for="ch" forName="FiveConn_3-4" refType="r" refFor="ch" refForName="FiveNodes_3"/>
+          <dgm:constr type="w" for="ch" forName="FiveConn_4-5" refType="h" refFor="ch" refForName="FiveNodes_4" fact="0.65"/>
+          <dgm:constr type="h" for="ch" forName="FiveConn_4-5" refType="h" refFor="ch" refForName="FiveNodes_4" fact="0.65"/>
+          <dgm:constr type="ctrY" for="ch" forName="FiveConn_4-5" refType="h" fact="0.804"/>
+          <dgm:constr type="r" for="ch" forName="FiveConn_4-5" refType="r" refFor="ch" refForName="FiveNodes_4"/>
+          <dgm:constr type="r" for="ch" forName="FiveNodes_1_text" refType="l" refFor="ch" refForName="FiveConn_1-2"/>
+          <dgm:constr type="rOff" for="ch" forName="FiveNodes_1_text" refType="w" refFor="ch" refForName="FiveConn_1-2" fact="-0.75"/>
+          <dgm:constr type="t" for="ch" forName="FiveNodes_1_text" refType="t" refFor="ch" refForName="FiveNodes_1"/>
+          <dgm:constr type="b" for="ch" forName="FiveNodes_1_text" refType="b" refFor="ch" refForName="FiveNodes_1"/>
+          <dgm:constr type="l" for="ch" forName="FiveNodes_1_text" refType="l" refFor="ch" refForName="FiveNodes_1"/>
+          <dgm:constr type="r" for="ch" forName="FiveNodes_2_text" refType="l" refFor="ch" refForName="FiveConn_1-2"/>
+          <dgm:constr type="t" for="ch" forName="FiveNodes_2_text" refType="t" refFor="ch" refForName="FiveNodes_2"/>
+          <dgm:constr type="b" for="ch" forName="FiveNodes_2_text" refType="b" refFor="ch" refForName="FiveNodes_2"/>
+          <dgm:constr type="l" for="ch" forName="FiveNodes_2_text" refType="l" refFor="ch" refForName="FiveNodes_2"/>
+          <dgm:constr type="r" for="ch" forName="FiveNodes_3_text" refType="l" refFor="ch" refForName="FiveConn_2-3"/>
+          <dgm:constr type="t" for="ch" forName="FiveNodes_3_text" refType="t" refFor="ch" refForName="FiveNodes_3"/>
+          <dgm:constr type="b" for="ch" forName="FiveNodes_3_text" refType="b" refFor="ch" refForName="FiveNodes_3"/>
+          <dgm:constr type="l" for="ch" forName="FiveNodes_3_text" refType="l" refFor="ch" refForName="FiveNodes_3"/>
+          <dgm:constr type="r" for="ch" forName="FiveNodes_4_text" refType="l" refFor="ch" refForName="FiveConn_3-4"/>
+          <dgm:constr type="t" for="ch" forName="FiveNodes_4_text" refType="t" refFor="ch" refForName="FiveNodes_4"/>
+          <dgm:constr type="b" for="ch" forName="FiveNodes_4_text" refType="b" refFor="ch" refForName="FiveNodes_4"/>
+          <dgm:constr type="l" for="ch" forName="FiveNodes_4_text" refType="l" refFor="ch" refForName="FiveNodes_4"/>
+          <dgm:constr type="r" for="ch" forName="FiveNodes_5_text" refType="l" refFor="ch" refForName="FiveConn_4-5"/>
+          <dgm:constr type="t" for="ch" forName="FiveNodes_5_text" refType="t" refFor="ch" refForName="FiveNodes_5"/>
+          <dgm:constr type="b" for="ch" forName="FiveNodes_5_text" refType="b" refFor="ch" refForName="FiveNodes_5"/>
+          <dgm:constr type="l" for="ch" forName="FiveNodes_5_text" refType="l" refFor="ch" refForName="FiveNodes_5"/>
+        </dgm:constrLst>
+      </dgm:if>
+      <dgm:else name="Name2">
+        <dgm:constrLst>
+          <dgm:constr type="primFontSz" for="ch" ptType="node" op="equ" val="65"/>
+          <dgm:constr type="w" for="ch" forName="dummyMaxCanvas" refType="w"/>
+          <dgm:constr type="h" for="ch" forName="dummyMaxCanvas" refType="h"/>
+          <dgm:constr type="w" for="ch" forName="OneNode_1" refType="w"/>
+          <dgm:constr type="h" for="ch" forName="OneNode_1" refType="h" fact="0.5"/>
+          <dgm:constr type="ctrY" for="ch" forName="OneNode_1" refType="h" fact="0.5"/>
+          <dgm:constr type="w" for="ch" forName="TwoNodes_1" refType="w" fact="0.85"/>
+          <dgm:constr type="h" for="ch" forName="TwoNodes_1" refType="h" fact="0.45"/>
+          <dgm:constr type="t" for="ch" forName="TwoNodes_1"/>
+          <dgm:constr type="r" for="ch" forName="TwoNodes_1" refType="w"/>
+          <dgm:constr type="w" for="ch" forName="TwoNodes_2" refType="w" fact="0.85"/>
+          <dgm:constr type="h" for="ch" forName="TwoNodes_2" refType="h" fact="0.45"/>
+          <dgm:constr type="b" for="ch" forName="TwoNodes_2" refType="h"/>
+          <dgm:constr type="l" for="ch" forName="TwoNodes_2"/>
+          <dgm:constr type="w" for="ch" forName="TwoConn_1-2" refType="h" refFor="ch" refForName="TwoNodes_1" fact="0.65"/>
+          <dgm:constr type="h" for="ch" forName="TwoConn_1-2" refType="h" refFor="ch" refForName="TwoNodes_1" fact="0.65"/>
+          <dgm:constr type="ctrY" for="ch" forName="TwoConn_1-2" refType="h" fact="0.5"/>
+          <dgm:constr type="l" for="ch" forName="TwoConn_1-2" refType="l" refFor="ch" refForName="TwoNodes_1"/>
+          <dgm:constr type="l" for="ch" forName="TwoNodes_1_text" refType="r" refFor="ch" refForName="TwoConn_1-2"/>
+          <dgm:constr type="lOff" for="ch" forName="TwoNodes_1_text" refType="w" refFor="ch" refForName="TwoConn_1-2" fact="0.5"/>
+          <dgm:constr type="t" for="ch" forName="TwoNodes_1_text" refType="t" refFor="ch" refForName="TwoNodes_1"/>
+          <dgm:constr type="b" for="ch" forName="TwoNodes_1_text" refType="b" refFor="ch" refForName="TwoNodes_1"/>
+          <dgm:constr type="r" for="ch" forName="TwoNodes_1_text" refType="r" refFor="ch" refForName="TwoNodes_1"/>
+          <dgm:constr type="l" for="ch" forName="TwoNodes_2_text" refType="r" refFor="ch" refForName="TwoConn_1-2"/>
+          <dgm:constr type="t" for="ch" forName="TwoNodes_2_text" refType="t" refFor="ch" refForName="TwoNodes_2"/>
+          <dgm:constr type="b" for="ch" forName="TwoNodes_2_text" refType="b" refFor="ch" refForName="TwoNodes_2"/>
+          <dgm:constr type="r" for="ch" forName="TwoNodes_2_text" refType="r" refFor="ch" refForName="TwoNodes_2"/>
+          <dgm:constr type="w" for="ch" forName="ThreeNodes_1" refType="w" fact="0.85"/>
+          <dgm:constr type="h" for="ch" forName="ThreeNodes_1" refType="h" fact="0.3"/>
+          <dgm:constr type="t" for="ch" forName="ThreeNodes_1"/>
+          <dgm:constr type="r" for="ch" forName="ThreeNodes_1" refType="w"/>
+          <dgm:constr type="w" for="ch" forName="ThreeNodes_2" refType="w" fact="0.85"/>
+          <dgm:constr type="h" for="ch" forName="ThreeNodes_2" refType="h" fact="0.3"/>
+          <dgm:constr type="ctrY" for="ch" forName="ThreeNodes_2" refType="h" fact="0.5"/>
+          <dgm:constr type="ctrX" for="ch" forName="ThreeNodes_2" refType="w" fact="0.5"/>
+          <dgm:constr type="w" for="ch" forName="ThreeNodes_3" refType="w" fact="0.85"/>
+          <dgm:constr type="h" for="ch" forName="ThreeNodes_3" refType="h" fact="0.3"/>
+          <dgm:constr type="b" for="ch" forName="ThreeNodes_3" refType="h"/>
+          <dgm:constr type="l" for="ch" forName="ThreeNodes_3"/>
+          <dgm:constr type="w" for="ch" forName="ThreeConn_1-2" refType="h" refFor="ch" refForName="ThreeNodes_1" fact="0.65"/>
+          <dgm:constr type="h" for="ch" forName="ThreeConn_1-2" refType="h" refFor="ch" refForName="ThreeNodes_1" fact="0.65"/>
+          <dgm:constr type="ctrY" for="ch" forName="ThreeConn_1-2" refType="h" fact="0.325"/>
+          <dgm:constr type="l" for="ch" forName="ThreeConn_1-2" refType="l" refFor="ch" refForName="ThreeNodes_1"/>
+          <dgm:constr type="w" for="ch" forName="ThreeConn_2-3" refType="h" refFor="ch" refForName="ThreeNodes_2" fact="0.65"/>
+          <dgm:constr type="h" for="ch" forName="ThreeConn_2-3" refType="h" refFor="ch" refForName="ThreeNodes_2" fact="0.65"/>
+          <dgm:constr type="ctrY" for="ch" forName="ThreeConn_2-3" refType="h" fact="0.673"/>
+          <dgm:constr type="l" for="ch" forName="ThreeConn_2-3" refType="l" refFor="ch" refForName="ThreeNodes_2"/>
+          <dgm:constr type="l" for="ch" forName="ThreeNodes_1_text" refType="r" refFor="ch" refForName="ThreeConn_1-2"/>
+          <dgm:constr type="lOff" for="ch" forName="ThreeNodes_1_text" refType="w" refFor="ch" refForName="ThreeConn_1-2" fact="0.55"/>
+          <dgm:constr type="t" for="ch" forName="ThreeNodes_1_text" refType="t" refFor="ch" refForName="ThreeNodes_1"/>
+          <dgm:constr type="b" for="ch" forName="ThreeNodes_1_text" refType="b" refFor="ch" refForName="ThreeNodes_1"/>
+          <dgm:constr type="r" for="ch" forName="ThreeNodes_1_text" refType="r" refFor="ch" refForName="ThreeNodes_1"/>
+          <dgm:constr type="l" for="ch" forName="ThreeNodes_2_text" refType="r" refFor="ch" refForName="ThreeConn_1-2"/>
+          <dgm:constr type="t" for="ch" forName="ThreeNodes_2_text" refType="t" refFor="ch" refForName="ThreeNodes_2"/>
+          <dgm:constr type="b" for="ch" forName="ThreeNodes_2_text" refType="b" refFor="ch" refForName="ThreeNodes_2"/>
+          <dgm:constr type="r" for="ch" forName="ThreeNodes_2_text" refType="r" refFor="ch" refForName="ThreeNodes_2"/>
+          <dgm:constr type="l" for="ch" forName="ThreeNodes_3_text" refType="r" refFor="ch" refForName="ThreeConn_2-3"/>
+          <dgm:constr type="t" for="ch" forName="ThreeNodes_3_text" refType="t" refFor="ch" refForName="ThreeNodes_3"/>
+          <dgm:constr type="b" for="ch" forName="ThreeNodes_3_text" refType="b" refFor="ch" refForName="ThreeNodes_3"/>
+          <dgm:constr type="r" for="ch" forName="ThreeNodes_3_text" refType="r" refFor="ch" refForName="ThreeNodes_3"/>
+          <dgm:constr type="w" for="ch" forName="FourNodes_1" refType="w" fact="0.8"/>
+          <dgm:constr type="h" for="ch" forName="FourNodes_1" refType="h" fact="0.22"/>
+          <dgm:constr type="t" for="ch" forName="FourNodes_1"/>
+          <dgm:constr type="r" for="ch" forName="FourNodes_1" refType="w"/>
+          <dgm:constr type="w" for="ch" forName="FourNodes_2" refType="w" fact="0.8"/>
+          <dgm:constr type="h" for="ch" forName="FourNodes_2" refType="h" fact="0.22"/>
+          <dgm:constr type="ctrY" for="ch" forName="FourNodes_2" refType="h" fact="0.37"/>
+          <dgm:constr type="ctrX" for="ch" forName="FourNodes_2" refType="w" fact="0.533"/>
+          <dgm:constr type="w" for="ch" forName="FourNodes_3" refType="w" fact="0.8"/>
+          <dgm:constr type="h" for="ch" forName="FourNodes_3" refType="h" fact="0.22"/>
+          <dgm:constr type="ctrY" for="ch" forName="FourNodes_3" refType="h" fact="0.63"/>
+          <dgm:constr type="ctrX" for="ch" forName="FourNodes_3" refType="w" fact="0.467"/>
+          <dgm:constr type="w" for="ch" forName="FourNodes_4" refType="w" fact="0.8"/>
+          <dgm:constr type="h" for="ch" forName="FourNodes_4" refType="h" fact="0.22"/>
+          <dgm:constr type="b" for="ch" forName="FourNodes_4" refType="h"/>
+          <dgm:constr type="l" for="ch" forName="FourNodes_4"/>
+          <dgm:constr type="w" for="ch" forName="FourConn_1-2" refType="h" refFor="ch" refForName="FourNodes_1" fact="0.65"/>
+          <dgm:constr type="h" for="ch" forName="FourConn_1-2" refType="h" refFor="ch" refForName="FourNodes_1" fact="0.65"/>
+          <dgm:constr type="ctrY" for="ch" forName="FourConn_1-2" refType="h" fact="0.24"/>
+          <dgm:constr type="l" for="ch" forName="FourConn_1-2" refType="l" refFor="ch" refForName="FourNodes_1"/>
+          <dgm:constr type="w" for="ch" forName="FourConn_2-3" refType="h" refFor="ch" refForName="FourNodes_2" fact="0.65"/>
+          <dgm:constr type="h" for="ch" forName="FourConn_2-3" refType="h" refFor="ch" refForName="FourNodes_2" fact="0.65"/>
+          <dgm:constr type="ctrY" for="ch" forName="FourConn_2-3" refType="h" fact="0.5"/>
+          <dgm:constr type="l" for="ch" forName="FourConn_2-3" refType="l" refFor="ch" refForName="FourNodes_2"/>
+          <dgm:constr type="w" for="ch" forName="FourConn_3-4" refType="h" refFor="ch" refForName="FourNodes_3" fact="0.65"/>
+          <dgm:constr type="h" for="ch" forName="FourConn_3-4" refType="h" refFor="ch" refForName="FourNodes_3" fact="0.65"/>
+          <dgm:constr type="ctrY" for="ch" forName="FourConn_3-4" refType="h" fact="0.76"/>
+          <dgm:constr type="l" for="ch" forName="FourConn_3-4" refType="l" refFor="ch" refForName="FourNodes_3"/>
+          <dgm:constr type="l" for="ch" forName="FourNodes_1_text" refType="r" refFor="ch" refForName="FourConn_1-2"/>
+          <dgm:constr type="lOff" for="ch" forName="FourNodes_1_text" refType="w" refFor="ch" refForName="FourConn_1-2" fact="0.69"/>
+          <dgm:constr type="t" for="ch" forName="FourNodes_1_text" refType="t" refFor="ch" refForName="FourNodes_1"/>
+          <dgm:constr type="b" for="ch" forName="FourNodes_1_text" refType="b" refFor="ch" refForName="FourNodes_1"/>
+          <dgm:constr type="r" for="ch" forName="FourNodes_1_text" refType="r" refFor="ch" refForName="FourNodes_1"/>
+          <dgm:constr type="l" for="ch" forName="FourNodes_2_text" refType="r" refFor="ch" refForName="FourConn_1-2"/>
+          <dgm:constr type="t" for="ch" forName="FourNodes_2_text" refType="t" refFor="ch" refForName="FourNodes_2"/>
+          <dgm:constr type="b" for="ch" forName="FourNodes_2_text" refType="b" refFor="ch" refForName="FourNodes_2"/>
+          <dgm:constr type="r" for="ch" forName="FourNodes_2_text" refType="r" refFor="ch" refForName="FourNodes_2"/>
+          <dgm:constr type="l" for="ch" forName="FourNodes_3_text" refType="r" refFor="ch" refForName="FourConn_2-3"/>
+          <dgm:constr type="t" for="ch" forName="FourNodes_3_text" refType="t" refFor="ch" refForName="FourNodes_3"/>
+          <dgm:constr type="b" for="ch" forName="FourNodes_3_text" refType="b" refFor="ch" refForName="FourNodes_3"/>
+          <dgm:constr type="r" for="ch" forName="FourNodes_3_text" refType="r" refFor="ch" refForName="FourNodes_3"/>
+          <dgm:constr type="l" for="ch" forName="FourNodes_4_text" refType="r" refFor="ch" refForName="FourConn_3-4"/>
+          <dgm:constr type="t" for="ch" forName="FourNodes_4_text" refType="t" refFor="ch" refForName="FourNodes_4"/>
+          <dgm:constr type="b" for="ch" forName="FourNodes_4_text" refType="b" refFor="ch" refForName="FourNodes_4"/>
+          <dgm:constr type="r" for="ch" forName="FourNodes_4_text" refType="r" refFor="ch" refForName="FourNodes_4"/>
+          <dgm:constr type="w" for="ch" forName="FiveNodes_1" refType="w" fact="0.77"/>
+          <dgm:constr type="h" for="ch" forName="FiveNodes_1" refType="h" fact="0.18"/>
+          <dgm:constr type="t" for="ch" forName="FiveNodes_1"/>
+          <dgm:constr type="r" for="ch" forName="FiveNodes_1" refType="w"/>
+          <dgm:constr type="w" for="ch" forName="FiveNodes_2" refType="w" fact="0.77"/>
+          <dgm:constr type="h" for="ch" forName="FiveNodes_2" refType="h" fact="0.18"/>
+          <dgm:constr type="ctrY" for="ch" forName="FiveNodes_2" refType="h" fact="0.295"/>
+          <dgm:constr type="ctrX" for="ch" forName="FiveNodes_2" refType="w" fact="0.5575"/>
+          <dgm:constr type="w" for="ch" forName="FiveNodes_3" refType="w" fact="0.77"/>
+          <dgm:constr type="h" for="ch" forName="FiveNodes_3" refType="h" fact="0.18"/>
+          <dgm:constr type="ctrY" for="ch" forName="FiveNodes_3" refType="h" fact="0.5"/>
+          <dgm:constr type="ctrX" for="ch" forName="FiveNodes_3" refType="w" fact="0.5"/>
+          <dgm:constr type="w" for="ch" forName="FiveNodes_4" refType="w" fact="0.77"/>
+          <dgm:constr type="h" for="ch" forName="FiveNodes_4" refType="h" fact="0.18"/>
+          <dgm:constr type="ctrY" for="ch" forName="FiveNodes_4" refType="h" fact="0.705"/>
+          <dgm:constr type="ctrX" for="ch" forName="FiveNodes_4" refType="w" fact="0.4425"/>
+          <dgm:constr type="w" for="ch" forName="FiveNodes_5" refType="w" fact="0.77"/>
+          <dgm:constr type="h" for="ch" forName="FiveNodes_5" refType="h" fact="0.18"/>
+          <dgm:constr type="b" for="ch" forName="FiveNodes_5" refType="h"/>
+          <dgm:constr type="l" for="ch" forName="FiveNodes_5"/>
+          <dgm:constr type="w" for="ch" forName="FiveConn_1-2" refType="h" refFor="ch" refForName="FiveNodes_1" fact="0.65"/>
+          <dgm:constr type="h" for="ch" forName="FiveConn_1-2" refType="h" refFor="ch" refForName="FiveNodes_1" fact="0.65"/>
+          <dgm:constr type="ctrY" for="ch" forName="FiveConn_1-2" refType="h" fact="0.19"/>
+          <dgm:constr type="l" for="ch" forName="FiveConn_1-2" refType="l" refFor="ch" refForName="FiveNodes_1"/>
+          <dgm:constr type="w" for="ch" forName="FiveConn_2-3" refType="h" refFor="ch" refForName="FiveNodes_2" fact="0.65"/>
+          <dgm:constr type="h" for="ch" forName="FiveConn_2-3" refType="h" refFor="ch" refForName="FiveNodes_2" fact="0.65"/>
+          <dgm:constr type="ctrY" for="ch" forName="FiveConn_2-3" refType="h" fact="0.395"/>
+          <dgm:constr type="l" for="ch" forName="FiveConn_2-3" refType="l" refFor="ch" refForName="FiveNodes_2"/>
+          <dgm:constr type="w" for="ch" forName="FiveConn_3-4" refType="h" refFor="ch" refForName="FiveNodes_3" fact="0.65"/>
+          <dgm:constr type="h" for="ch" forName="FiveConn_3-4" refType="h" refFor="ch" refForName="FiveNodes_3" fact="0.65"/>
+          <dgm:constr type="ctrY" for="ch" forName="FiveConn_3-4" refType="h" fact="0.597"/>
+          <dgm:constr type="l" for="ch" forName="FiveConn_3-4" refType="l" refFor="ch" refForName="FiveNodes_3"/>
+          <dgm:constr type="w" for="ch" forName="FiveConn_4-5" refType="h" refFor="ch" refForName="FiveNodes_4" fact="0.65"/>
+          <dgm:constr type="h" for="ch" forName="FiveConn_4-5" refType="h" refFor="ch" refForName="FiveNodes_4" fact="0.65"/>
+          <dgm:constr type="ctrY" for="ch" forName="FiveConn_4-5" refType="h" fact="0.804"/>
+          <dgm:constr type="l" for="ch" forName="FiveConn_4-5" refType="l" refFor="ch" refForName="FiveNodes_4"/>
+          <dgm:constr type="l" for="ch" forName="FiveNodes_1_text" refType="r" refFor="ch" refForName="FiveConn_1-2"/>
+          <dgm:constr type="lOff" for="ch" forName="FiveNodes_1_text" refType="w" refFor="ch" refForName="FiveConn_1-2" fact="0.73"/>
+          <dgm:constr type="t" for="ch" forName="FiveNodes_1_text" refType="t" refFor="ch" refForName="FiveNodes_1"/>
+          <dgm:constr type="b" for="ch" forName="FiveNodes_1_text" refType="b" refFor="ch" refForName="FiveNodes_1"/>
+          <dgm:constr type="r" for="ch" forName="FiveNodes_1_text" refType="r" refFor="ch" refForName="FiveNodes_1"/>
+          <dgm:constr type="l" for="ch" forName="FiveNodes_2_text" refType="r" refFor="ch" refForName="FiveConn_1-2"/>
+          <dgm:constr type="t" for="ch" forName="FiveNodes_2_text" refType="t" refFor="ch" refForName="FiveNodes_2"/>
+          <dgm:constr type="b" for="ch" forName="FiveNodes_2_text" refType="b" refFor="ch" refForName="FiveNodes_2"/>
+          <dgm:constr type="r" for="ch" forName="FiveNodes_2_text" refType="r" refFor="ch" refForName="FiveNodes_2"/>
+          <dgm:constr type="l" for="ch" forName="FiveNodes_3_text" refType="r" refFor="ch" refForName="FiveConn_2-3"/>
+          <dgm:constr type="t" for="ch" forName="FiveNodes_3_text" refType="t" refFor="ch" refForName="FiveNodes_3"/>
+          <dgm:constr type="b" for="ch" forName="FiveNodes_3_text" refType="b" refFor="ch" refForName="FiveNodes_3"/>
+          <dgm:constr type="r" for="ch" forName="FiveNodes_3_text" refType="r" refFor="ch" refForName="FiveNodes_3"/>
+          <dgm:constr type="l" for="ch" forName="FiveNodes_4_text" refType="r" refFor="ch" refForName="FiveConn_3-4"/>
+          <dgm:constr type="t" for="ch" forName="FiveNodes_4_text" refType="t" refFor="ch" refForName="FiveNodes_4"/>
+          <dgm:constr type="b" for="ch" forName="FiveNodes_4_text" refType="b" refFor="ch" refForName="FiveNodes_4"/>
+          <dgm:constr type="r" for="ch" forName="FiveNodes_4_text" refType="r" refFor="ch" refForName="FiveNodes_4"/>
+          <dgm:constr type="l" for="ch" forName="FiveNodes_5_text" refType="r" refFor="ch" refForName="FiveConn_4-5"/>
+          <dgm:constr type="t" for="ch" forName="FiveNodes_5_text" refType="t" refFor="ch" refForName="FiveNodes_5"/>
+          <dgm:constr type="b" for="ch" forName="FiveNodes_5_text" refType="b" refFor="ch" refForName="FiveNodes_5"/>
+          <dgm:constr type="r" for="ch" forName="FiveNodes_5_text" refType="r" refFor="ch" refForName="FiveNodes_5"/>
+        </dgm:constrLst>
+      </dgm:else>
+    </dgm:choose>
+    <dgm:ruleLst/>
+    <dgm:layoutNode name="dummyMaxCanvas">
+      <dgm:varLst/>
+      <dgm:alg type="sp"/>
+      <dgm:shape xmlns:r="http://schemas.openxmlformats.org/officeDocument/2006/relationships" r:blip="">
+        <dgm:adjLst/>
+      </dgm:shape>
+      <dgm:presOf/>
+      <dgm:constrLst/>
+      <dgm:ruleLst/>
+    </dgm:layoutNode>
+    <dgm:choose name="Name3">
+      <dgm:if name="Name4" axis="ch" ptType="node" func="cnt" op="equ" val="1">
+        <dgm:layoutNode name="OneNode_1">
+          <dgm:varLst>
+            <dgm:bulletEnabled val="1"/>
+          </dgm:varLst>
+          <dgm:alg type="tx"/>
+          <dgm:shape xmlns:r="http://schemas.openxmlformats.org/officeDocument/2006/relationships" type="roundRect" r:blip="">
+            <dgm:adjLst>
+              <dgm:adj idx="1" val="0.1"/>
+            </dgm:adjLst>
+          </dgm:shape>
+          <dgm:presOf axis="ch desOrSelf" ptType="node node" st="1 1" cnt="1 0"/>
+          <dgm:constrLst>
+            <dgm:constr type="lMarg" refType="primFontSz" fact="0.3"/>
+            <dgm:constr type="rMarg" refType="primFontSz" fact="0.3"/>
+            <dgm:constr type="tMarg" refType="primFontSz" fact="0.3"/>
+            <dgm:constr type="bMarg" refType="primFontSz" fact="0.3"/>
+          </dgm:constrLst>
+          <dgm:ruleLst>
+            <dgm:rule type="primFontSz" val="5" fact="NaN" max="NaN"/>
+          </dgm:ruleLst>
+        </dgm:layoutNode>
+      </dgm:if>
+      <dgm:else name="Name5">
+        <dgm:choose name="Name6">
+          <dgm:if name="Name7" axis="ch" ptType="node" func="cnt" op="equ" val="2">
+            <dgm:layoutNode name="TwoNodes_1">
+              <dgm:varLst>
+                <dgm:bulletEnabled val="1"/>
+              </dgm:varLst>
+              <dgm:alg type="sp"/>
+              <dgm:shape xmlns:r="http://schemas.openxmlformats.org/officeDocument/2006/relationships" type="roundRect" r:blip="">
+                <dgm:adjLst>
+                  <dgm:adj idx="1" val="0.1"/>
+                </dgm:adjLst>
+              </dgm:shape>
+              <dgm:presOf axis="ch desOrSelf" ptType="node node" st="1 1" cnt="1 0"/>
+              <dgm:constrLst/>
+              <dgm:ruleLst/>
+            </dgm:layoutNode>
+            <dgm:layoutNode name="TwoNodes_2">
+              <dgm:varLst>
+                <dgm:bulletEnabled val="1"/>
+              </dgm:varLst>
+              <dgm:alg type="sp"/>
+              <dgm:shape xmlns:r="http://schemas.openxmlformats.org/officeDocument/2006/relationships" type="roundRect" r:blip="">
+                <dgm:adjLst>
+                  <dgm:adj idx="1" val="0.1"/>
+                </dgm:adjLst>
+              </dgm:shape>
+              <dgm:presOf axis="ch desOrSelf" ptType="node node" st="2 1" cnt="1 0"/>
+              <dgm:constrLst/>
+              <dgm:ruleLst/>
+            </dgm:layoutNode>
+            <dgm:layoutNode name="TwoConn_1-2" styleLbl="fgAccFollowNode1">
+              <dgm:varLst>
+                <dgm:bulletEnabled val="1"/>
+              </dgm:varLst>
+              <dgm:alg type="tx"/>
+              <dgm:shape xmlns:r="http://schemas.openxmlformats.org/officeDocument/2006/relationships" type="downArrow" r:blip="">
+                <dgm:adjLst>
+                  <dgm:adj idx="1" val="0.55"/>
+                  <dgm:adj idx="2" val="0.45"/>
+                </dgm:adjLst>
+              </dgm:shape>
+              <dgm:presOf axis="ch" ptType="sibTrans" cnt="1"/>
+              <dgm:constrLst>
+                <dgm:constr type="lMarg" refType="primFontSz" fact="0.1"/>
+                <dgm:constr type="rMarg" refType="primFontSz" fact="0.1"/>
+                <dgm:constr type="tMarg" refType="primFontSz" fact="0.1"/>
+                <dgm:constr type="bMarg" refType="primFontSz" fact="0.1"/>
+              </dgm:constrLst>
+              <dgm:ruleLst>
+                <dgm:rule type="primFontSz" val="5" fact="NaN" max="NaN"/>
+              </dgm:ruleLst>
+            </dgm:layoutNode>
+            <dgm:layoutNode name="TwoNodes_1_text">
+              <dgm:varLst>
+                <dgm:bulletEnabled val="1"/>
+              </dgm:varLst>
+              <dgm:alg type="tx">
+                <dgm:param type="parTxLTRAlign" val="l"/>
+                <dgm:param type="txAnchorVertCh" val="mid"/>
+              </dgm:alg>
+              <dgm:shape xmlns:r="http://schemas.openxmlformats.org/officeDocument/2006/relationships" type="roundRect" r:blip="" hideGeom="1">
+                <dgm:adjLst>
+                  <dgm:adj idx="1" val="0.1"/>
+                </dgm:adjLst>
+              </dgm:shape>
+              <dgm:presOf axis="ch desOrSelf" ptType="node node" st="1 1" cnt="1 0"/>
+              <dgm:constrLst>
+                <dgm:constr type="lMarg" refType="primFontSz" fact="0.3"/>
+                <dgm:constr type="rMarg" refType="primFontSz" fact="0.3"/>
+                <dgm:constr type="tMarg" refType="primFontSz" fact="0.3"/>
+                <dgm:constr type="bMarg" refType="primFontSz" fact="0.3"/>
+              </dgm:constrLst>
+              <dgm:ruleLst>
+                <dgm:rule type="primFontSz" val="5" fact="NaN" max="NaN"/>
+              </dgm:ruleLst>
+            </dgm:layoutNode>
+            <dgm:layoutNode name="TwoNodes_2_text">
+              <dgm:varLst>
+                <dgm:bulletEnabled val="1"/>
+              </dgm:varLst>
+              <dgm:alg type="tx">
+                <dgm:param type="parTxLTRAlign" val="l"/>
+                <dgm:param type="txAnchorVertCh" val="mid"/>
+              </dgm:alg>
+              <dgm:shape xmlns:r="http://schemas.openxmlformats.org/officeDocument/2006/relationships" type="roundRect" r:blip="" hideGeom="1">
+                <dgm:adjLst>
+                  <dgm:adj idx="1" val="0.1"/>
+                </dgm:adjLst>
+              </dgm:shape>
+              <dgm:presOf axis="ch desOrSelf" ptType="node node" st="2 1" cnt="1 0"/>
+              <dgm:constrLst>
+                <dgm:constr type="lMarg" refType="primFontSz" fact="0.3"/>
+                <dgm:constr type="rMarg" refType="primFontSz" fact="0.3"/>
+                <dgm:constr type="tMarg" refType="primFontSz" fact="0.3"/>
+                <dgm:constr type="bMarg" refType="primFontSz" fact="0.3"/>
+              </dgm:constrLst>
+              <dgm:ruleLst>
+                <dgm:rule type="primFontSz" val="5" fact="NaN" max="NaN"/>
+              </dgm:ruleLst>
+            </dgm:layoutNode>
+          </dgm:if>
+          <dgm:else name="Name8">
+            <dgm:choose name="Name9">
+              <dgm:if name="Name10" axis="ch" ptType="node" func="cnt" op="equ" val="3">
+                <dgm:layoutNode name="ThreeNodes_1">
+                  <dgm:varLst>
+                    <dgm:bulletEnabled val="1"/>
+                  </dgm:varLst>
+                  <dgm:alg type="sp"/>
+                  <dgm:shape xmlns:r="http://schemas.openxmlformats.org/officeDocument/2006/relationships" type="roundRect" r:blip="">
+                    <dgm:adjLst>
+                      <dgm:adj idx="1" val="0.1"/>
+                    </dgm:adjLst>
+                  </dgm:shape>
+                  <dgm:presOf axis="ch desOrSelf" ptType="node node" st="1 1" cnt="1 0"/>
+                  <dgm:constrLst/>
+                  <dgm:ruleLst/>
+                </dgm:layoutNode>
+                <dgm:layoutNode name="ThreeNodes_2">
+                  <dgm:varLst>
+                    <dgm:bulletEnabled val="1"/>
+                  </dgm:varLst>
+                  <dgm:alg type="sp"/>
+                  <dgm:shape xmlns:r="http://schemas.openxmlformats.org/officeDocument/2006/relationships" type="roundRect" r:blip="">
+                    <dgm:adjLst>
+                      <dgm:adj idx="1" val="0.1"/>
+                    </dgm:adjLst>
+                  </dgm:shape>
+                  <dgm:presOf axis="ch desOrSelf" ptType="node node" st="2 1" cnt="1 0"/>
+                  <dgm:constrLst/>
+                  <dgm:ruleLst/>
+                </dgm:layoutNode>
+                <dgm:layoutNode name="ThreeNodes_3">
+                  <dgm:varLst>
+                    <dgm:bulletEnabled val="1"/>
+                  </dgm:varLst>
+                  <dgm:alg type="sp"/>
+                  <dgm:shape xmlns:r="http://schemas.openxmlformats.org/officeDocument/2006/relationships" type="roundRect" r:blip="">
+                    <dgm:adjLst>
+                      <dgm:adj idx="1" val="0.1"/>
+                    </dgm:adjLst>
+                  </dgm:shape>
+                  <dgm:presOf axis="ch desOrSelf" ptType="node node" st="3 1" cnt="1 0"/>
+                  <dgm:constrLst/>
+                  <dgm:ruleLst/>
+                </dgm:layoutNode>
+                <dgm:layoutNode name="ThreeConn_1-2" styleLbl="fgAccFollowNode1">
+                  <dgm:varLst>
+                    <dgm:bulletEnabled val="1"/>
+                  </dgm:varLst>
+                  <dgm:alg type="tx"/>
+                  <dgm:shape xmlns:r="http://schemas.openxmlformats.org/officeDocument/2006/relationships" type="downArrow" r:blip="">
+                    <dgm:adjLst>
+                      <dgm:adj idx="1" val="0.55"/>
+                      <dgm:adj idx="2" val="0.45"/>
+                    </dgm:adjLst>
+                  </dgm:shape>
+                  <dgm:presOf axis="ch" ptType="sibTrans" cnt="1"/>
+                  <dgm:constrLst>
+                    <dgm:constr type="lMarg" refType="primFontSz" fact="0.1"/>
+                    <dgm:constr type="rMarg" refType="primFontSz" fact="0.1"/>
+                    <dgm:constr type="tMarg" refType="primFontSz" fact="0.1"/>
+                    <dgm:constr type="bMarg" refType="primFontSz" fact="0.1"/>
+                  </dgm:constrLst>
+                  <dgm:ruleLst>
+                    <dgm:rule type="primFontSz" val="5" fact="NaN" max="NaN"/>
+                  </dgm:ruleLst>
+                </dgm:layoutNode>
+                <dgm:layoutNode name="ThreeConn_2-3" styleLbl="fgAccFollowNode1">
+                  <dgm:varLst>
+                    <dgm:bulletEnabled val="1"/>
+                  </dgm:varLst>
+                  <dgm:alg type="tx"/>
+                  <dgm:shape xmlns:r="http://schemas.openxmlformats.org/officeDocument/2006/relationships" type="downArrow" r:blip="">
+                    <dgm:adjLst>
+                      <dgm:adj idx="1" val="0.55"/>
+                      <dgm:adj idx="2" val="0.45"/>
+                    </dgm:adjLst>
+                  </dgm:shape>
+                  <dgm:presOf axis="ch" ptType="sibTrans" st="2" cnt="1"/>
+                  <dgm:constrLst>
+                    <dgm:constr type="lMarg" refType="primFontSz" fact="0.1"/>
+                    <dgm:constr type="rMarg" refType="primFontSz" fact="0.1"/>
+                    <dgm:constr type="tMarg" refType="primFontSz" fact="0.1"/>
+                    <dgm:constr type="bMarg" refType="primFontSz" fact="0.1"/>
+                  </dgm:constrLst>
+                  <dgm:ruleLst>
+                    <dgm:rule type="primFontSz" val="5" fact="NaN" max="NaN"/>
+                  </dgm:ruleLst>
+                </dgm:layoutNode>
+                <dgm:layoutNode name="ThreeNodes_1_text">
+                  <dgm:varLst>
+                    <dgm:bulletEnabled val="1"/>
+                  </dgm:varLst>
+                  <dgm:alg type="tx">
+                    <dgm:param type="parTxLTRAlign" val="l"/>
+                    <dgm:param type="txAnchorVertCh" val="mid"/>
+                  </dgm:alg>
+                  <dgm:shape xmlns:r="http://schemas.openxmlformats.org/officeDocument/2006/relationships" type="roundRect" r:blip="" hideGeom="1">
+                    <dgm:adjLst>
+                      <dgm:adj idx="1" val="0.1"/>
+                    </dgm:adjLst>
+                  </dgm:shape>
+                  <dgm:presOf axis="ch desOrSelf" ptType="node node" st="1 1" cnt="1 0"/>
+                  <dgm:constrLst>
+                    <dgm:constr type="lMarg" refType="primFontSz" fact="0.3"/>
+                    <dgm:constr type="rMarg" refType="primFontSz" fact="0.3"/>
+                    <dgm:constr type="tMarg" refType="primFontSz" fact="0.3"/>
+                    <dgm:constr type="bMarg" refType="primFontSz" fact="0.3"/>
+                  </dgm:constrLst>
+                  <dgm:ruleLst>
+                    <dgm:rule type="primFontSz" val="5" fact="NaN" max="NaN"/>
+                  </dgm:ruleLst>
+                </dgm:layoutNode>
+                <dgm:layoutNode name="ThreeNodes_2_text">
+                  <dgm:varLst>
+                    <dgm:bulletEnabled val="1"/>
+                  </dgm:varLst>
+                  <dgm:alg type="tx">
+                    <dgm:param type="parTxLTRAlign" val="l"/>
+                    <dgm:param type="txAnchorVertCh" val="mid"/>
+                  </dgm:alg>
+                  <dgm:shape xmlns:r="http://schemas.openxmlformats.org/officeDocument/2006/relationships" type="roundRect" r:blip="" hideGeom="1">
+                    <dgm:adjLst>
+                      <dgm:adj idx="1" val="0.1"/>
+                    </dgm:adjLst>
+                  </dgm:shape>
+                  <dgm:presOf axis="ch desOrSelf" ptType="node node" st="2 1" cnt="1 0"/>
+                  <dgm:constrLst>
+                    <dgm:constr type="lMarg" refType="primFontSz" fact="0.3"/>
+                    <dgm:constr type="rMarg" refType="primFontSz" fact="0.3"/>
+                    <dgm:constr type="tMarg" refType="primFontSz" fact="0.3"/>
+                    <dgm:constr type="bMarg" refType="primFontSz" fact="0.3"/>
+                  </dgm:constrLst>
+                  <dgm:ruleLst>
+                    <dgm:rule type="primFontSz" val="5" fact="NaN" max="NaN"/>
+                  </dgm:ruleLst>
+                </dgm:layoutNode>
+                <dgm:layoutNode name="ThreeNodes_3_text">
+                  <dgm:varLst>
+                    <dgm:bulletEnabled val="1"/>
+                  </dgm:varLst>
+                  <dgm:alg type="tx">
+                    <dgm:param type="parTxLTRAlign" val="l"/>
+                    <dgm:param type="txAnchorVertCh" val="mid"/>
+                  </dgm:alg>
+                  <dgm:shape xmlns:r="http://schemas.openxmlformats.org/officeDocument/2006/relationships" type="roundRect" r:blip="" hideGeom="1">
+                    <dgm:adjLst>
+                      <dgm:adj idx="1" val="0.1"/>
+                    </dgm:adjLst>
+                  </dgm:shape>
+                  <dgm:presOf axis="ch desOrSelf" ptType="node node" st="3 1" cnt="1 0"/>
+                  <dgm:constrLst>
+                    <dgm:constr type="lMarg" refType="primFontSz" fact="0.3"/>
+                    <dgm:constr type="rMarg" refType="primFontSz" fact="0.3"/>
+                    <dgm:constr type="tMarg" refType="primFontSz" fact="0.3"/>
+                    <dgm:constr type="bMarg" refType="primFontSz" fact="0.3"/>
+                  </dgm:constrLst>
+                  <dgm:ruleLst>
+                    <dgm:rule type="primFontSz" val="5" fact="NaN" max="NaN"/>
+                  </dgm:ruleLst>
+                </dgm:layoutNode>
+              </dgm:if>
+              <dgm:else name="Name11">
+                <dgm:choose name="Name12">
+                  <dgm:if name="Name13" axis="ch" ptType="node" func="cnt" op="equ" val="4">
+                    <dgm:layoutNode name="FourNodes_1">
+                      <dgm:varLst>
+                        <dgm:bulletEnabled val="1"/>
+                      </dgm:varLst>
+                      <dgm:alg type="sp"/>
+                      <dgm:shape xmlns:r="http://schemas.openxmlformats.org/officeDocument/2006/relationships" type="roundRect" r:blip="">
+                        <dgm:adjLst>
+                          <dgm:adj idx="1" val="0.1"/>
+                        </dgm:adjLst>
+                      </dgm:shape>
+                      <dgm:presOf axis="ch desOrSelf" ptType="node node" st="1 1" cnt="1 0"/>
+                      <dgm:constrLst/>
+                      <dgm:ruleLst/>
+                    </dgm:layoutNode>
+                    <dgm:layoutNode name="FourNodes_2">
+                      <dgm:varLst>
+                        <dgm:bulletEnabled val="1"/>
+                      </dgm:varLst>
+                      <dgm:alg type="sp"/>
+                      <dgm:shape xmlns:r="http://schemas.openxmlformats.org/officeDocument/2006/relationships" type="roundRect" r:blip="">
+                        <dgm:adjLst>
+                          <dgm:adj idx="1" val="0.1"/>
+                        </dgm:adjLst>
+                      </dgm:shape>
+                      <dgm:presOf axis="ch desOrSelf" ptType="node node" st="2 1" cnt="1 0"/>
+                      <dgm:constrLst/>
+                      <dgm:ruleLst/>
+                    </dgm:layoutNode>
+                    <dgm:layoutNode name="FourNodes_3">
+                      <dgm:varLst>
+                        <dgm:bulletEnabled val="1"/>
+                      </dgm:varLst>
+                      <dgm:alg type="sp"/>
+                      <dgm:shape xmlns:r="http://schemas.openxmlformats.org/officeDocument/2006/relationships" type="roundRect" r:blip="">
+                        <dgm:adjLst>
+                          <dgm:adj idx="1" val="0.1"/>
+                        </dgm:adjLst>
+                      </dgm:shape>
+                      <dgm:presOf axis="ch desOrSelf" ptType="node node" st="3 1" cnt="1 0"/>
+                      <dgm:constrLst/>
+                      <dgm:ruleLst/>
+                    </dgm:layoutNode>
+                    <dgm:layoutNode name="FourNodes_4">
+                      <dgm:varLst>
+                        <dgm:bulletEnabled val="1"/>
+                      </dgm:varLst>
+                      <dgm:alg type="sp"/>
+                      <dgm:shape xmlns:r="http://schemas.openxmlformats.org/officeDocument/2006/relationships" type="roundRect" r:blip="">
+                        <dgm:adjLst>
+                          <dgm:adj idx="1" val="0.1"/>
+                        </dgm:adjLst>
+                      </dgm:shape>
+                      <dgm:presOf axis="ch desOrSelf" ptType="node node" st="4 1" cnt="1 0"/>
+                      <dgm:constrLst/>
+                      <dgm:ruleLst/>
+                    </dgm:layoutNode>
+                    <dgm:layoutNode name="FourConn_1-2" styleLbl="fgAccFollowNode1">
+                      <dgm:varLst>
+                        <dgm:bulletEnabled val="1"/>
+                      </dgm:varLst>
+                      <dgm:alg type="tx"/>
+                      <dgm:shape xmlns:r="http://schemas.openxmlformats.org/officeDocument/2006/relationships" type="downArrow" r:blip="">
+                        <dgm:adjLst>
+                          <dgm:adj idx="1" val="0.55"/>
+                          <dgm:adj idx="2" val="0.45"/>
+                        </dgm:adjLst>
+                      </dgm:shape>
+                      <dgm:presOf axis="ch" ptType="sibTrans" cnt="1"/>
+                      <dgm:constrLst>
+                        <dgm:constr type="lMarg" refType="primFontSz" fact="0.1"/>
+                        <dgm:constr type="rMarg" refType="primFontSz" fact="0.1"/>
+                        <dgm:constr type="tMarg" refType="primFontSz" fact="0.1"/>
+                        <dgm:constr type="bMarg" refType="primFontSz" fact="0.1"/>
+                      </dgm:constrLst>
+                      <dgm:ruleLst>
+                        <dgm:rule type="primFontSz" val="5" fact="NaN" max="NaN"/>
+                      </dgm:ruleLst>
+                    </dgm:layoutNode>
+                    <dgm:layoutNode name="FourConn_2-3" styleLbl="fgAccFollowNode1">
+                      <dgm:varLst>
+                        <dgm:bulletEnabled val="1"/>
+                      </dgm:varLst>
+                      <dgm:alg type="tx"/>
+                      <dgm:shape xmlns:r="http://schemas.openxmlformats.org/officeDocument/2006/relationships" type="downArrow" r:blip="">
+                        <dgm:adjLst>
+                          <dgm:adj idx="1" val="0.55"/>
+                          <dgm:adj idx="2" val="0.45"/>
+                        </dgm:adjLst>
+                      </dgm:shape>
+                      <dgm:presOf axis="ch" ptType="sibTrans" st="2" cnt="1"/>
+                      <dgm:constrLst>
+                        <dgm:constr type="lMarg" refType="primFontSz" fact="0.1"/>
+                        <dgm:constr type="rMarg" refType="primFontSz" fact="0.1"/>
+                        <dgm:constr type="tMarg" refType="primFontSz" fact="0.1"/>
+                        <dgm:constr type="bMarg" refType="primFontSz" fact="0.1"/>
+                      </dgm:constrLst>
+                      <dgm:ruleLst>
+                        <dgm:rule type="primFontSz" val="5" fact="NaN" max="NaN"/>
+                      </dgm:ruleLst>
+                    </dgm:layoutNode>
+                    <dgm:layoutNode name="FourConn_3-4" styleLbl="fgAccFollowNode1">
+                      <dgm:varLst>
+                        <dgm:bulletEnabled val="1"/>
+                      </dgm:varLst>
+                      <dgm:alg type="tx"/>
+                      <dgm:shape xmlns:r="http://schemas.openxmlformats.org/officeDocument/2006/relationships" type="downArrow" r:blip="">
+                        <dgm:adjLst>
+                          <dgm:adj idx="1" val="0.55"/>
+                          <dgm:adj idx="2" val="0.45"/>
+                        </dgm:adjLst>
+                      </dgm:shape>
+                      <dgm:presOf axis="ch" ptType="sibTrans" st="3" cnt="1"/>
+                      <dgm:constrLst>
+                        <dgm:constr type="lMarg" refType="primFontSz" fact="0.1"/>
+                        <dgm:constr type="rMarg" refType="primFontSz" fact="0.1"/>
+                        <dgm:constr type="tMarg" refType="primFontSz" fact="0.1"/>
+                        <dgm:constr type="bMarg" refType="primFontSz" fact="0.1"/>
+                      </dgm:constrLst>
+                      <dgm:ruleLst>
+                        <dgm:rule type="primFontSz" val="5" fact="NaN" max="NaN"/>
+                      </dgm:ruleLst>
+                    </dgm:layoutNode>
+                    <dgm:layoutNode name="FourNodes_1_text">
+                      <dgm:varLst>
+                        <dgm:bulletEnabled val="1"/>
+                      </dgm:varLst>
+                      <dgm:alg type="tx">
+                        <dgm:param type="parTxLTRAlign" val="l"/>
+                        <dgm:param type="txAnchorVertCh" val="mid"/>
+                      </dgm:alg>
+                      <dgm:shape xmlns:r="http://schemas.openxmlformats.org/officeDocument/2006/relationships" type="roundRect" r:blip="" hideGeom="1">
+                        <dgm:adjLst>
+                          <dgm:adj idx="1" val="0.1"/>
+                        </dgm:adjLst>
+                      </dgm:shape>
+                      <dgm:presOf axis="ch desOrSelf" ptType="node node" st="1 1" cnt="1 0"/>
+                      <dgm:constrLst>
+                        <dgm:constr type="lMarg" refType="primFontSz" fact="0.3"/>
+                        <dgm:constr type="rMarg" refType="primFontSz" fact="0.3"/>
+                        <dgm:constr type="tMarg" refType="primFontSz" fact="0.3"/>
+                        <dgm:constr type="bMarg" refType="primFontSz" fact="0.3"/>
+                      </dgm:constrLst>
+                      <dgm:ruleLst>
+                        <dgm:rule type="primFontSz" val="5" fact="NaN" max="NaN"/>
+                      </dgm:ruleLst>
+                    </dgm:layoutNode>
+                    <dgm:layoutNode name="FourNodes_2_text">
+                      <dgm:varLst>
+                        <dgm:bulletEnabled val="1"/>
+                      </dgm:varLst>
+                      <dgm:alg type="tx">
+                        <dgm:param type="parTxLTRAlign" val="l"/>
+                        <dgm:param type="txAnchorVertCh" val="mid"/>
+                      </dgm:alg>
+                      <dgm:shape xmlns:r="http://schemas.openxmlformats.org/officeDocument/2006/relationships" type="roundRect" r:blip="" hideGeom="1">
+                        <dgm:adjLst>
+                          <dgm:adj idx="1" val="0.1"/>
+                        </dgm:adjLst>
+                      </dgm:shape>
+                      <dgm:presOf axis="ch desOrSelf" ptType="node node" st="2 1" cnt="1 0"/>
+                      <dgm:constrLst>
+                        <dgm:constr type="lMarg" refType="primFontSz" fact="0.3"/>
+                        <dgm:constr type="rMarg" refType="primFontSz" fact="0.3"/>
+                        <dgm:constr type="tMarg" refType="primFontSz" fact="0.3"/>
+                        <dgm:constr type="bMarg" refType="primFontSz" fact="0.3"/>
+                      </dgm:constrLst>
+                      <dgm:ruleLst>
+                        <dgm:rule type="primFontSz" val="5" fact="NaN" max="NaN"/>
+                      </dgm:ruleLst>
+                    </dgm:layoutNode>
+                    <dgm:layoutNode name="FourNodes_3_text">
+                      <dgm:varLst>
+                        <dgm:bulletEnabled val="1"/>
+                      </dgm:varLst>
+                      <dgm:alg type="tx">
+                        <dgm:param type="parTxLTRAlign" val="l"/>
+                        <dgm:param type="txAnchorVertCh" val="mid"/>
+                      </dgm:alg>
+                      <dgm:shape xmlns:r="http://schemas.openxmlformats.org/officeDocument/2006/relationships" type="roundRect" r:blip="" hideGeom="1">
+                        <dgm:adjLst>
+                          <dgm:adj idx="1" val="0.1"/>
+                        </dgm:adjLst>
+                      </dgm:shape>
+                      <dgm:presOf axis="ch desOrSelf" ptType="node node" st="3 1" cnt="1 0"/>
+                      <dgm:constrLst>
+                        <dgm:constr type="lMarg" refType="primFontSz" fact="0.3"/>
+                        <dgm:constr type="rMarg" refType="primFontSz" fact="0.3"/>
+                        <dgm:constr type="tMarg" refType="primFontSz" fact="0.3"/>
+                        <dgm:constr type="bMarg" refType="primFontSz" fact="0.3"/>
+                      </dgm:constrLst>
+                      <dgm:ruleLst>
+                        <dgm:rule type="primFontSz" val="5" fact="NaN" max="NaN"/>
+                      </dgm:ruleLst>
+                    </dgm:layoutNode>
+                    <dgm:layoutNode name="FourNodes_4_text">
+                      <dgm:varLst>
+                        <dgm:bulletEnabled val="1"/>
+                      </dgm:varLst>
+                      <dgm:alg type="tx">
+                        <dgm:param type="parTxLTRAlign" val="l"/>
+                        <dgm:param type="txAnchorVertCh" val="mid"/>
+                      </dgm:alg>
+                      <dgm:shape xmlns:r="http://schemas.openxmlformats.org/officeDocument/2006/relationships" type="roundRect" r:blip="" hideGeom="1">
+                        <dgm:adjLst>
+                          <dgm:adj idx="1" val="0.1"/>
+                        </dgm:adjLst>
+                      </dgm:shape>
+                      <dgm:presOf axis="ch desOrSelf" ptType="node node" st="4 1" cnt="1 0"/>
+                      <dgm:constrLst>
+                        <dgm:constr type="lMarg" refType="primFontSz" fact="0.3"/>
+                        <dgm:constr type="rMarg" refType="primFontSz" fact="0.3"/>
+                        <dgm:constr type="tMarg" refType="primFontSz" fact="0.3"/>
+                        <dgm:constr type="bMarg" refType="primFontSz" fact="0.3"/>
+                      </dgm:constrLst>
+                      <dgm:ruleLst>
+                        <dgm:rule type="primFontSz" val="5" fact="NaN" max="NaN"/>
+                      </dgm:ruleLst>
+                    </dgm:layoutNode>
+                  </dgm:if>
+                  <dgm:else name="Name14">
+                    <dgm:choose name="Name15">
+                      <dgm:if name="Name16" axis="ch" ptType="node" func="cnt" op="gte" val="5">
+                        <dgm:layoutNode name="FiveNodes_1">
+                          <dgm:varLst>
+                            <dgm:bulletEnabled val="1"/>
+                          </dgm:varLst>
+                          <dgm:alg type="sp"/>
+                          <dgm:shape xmlns:r="http://schemas.openxmlformats.org/officeDocument/2006/relationships" type="roundRect" r:blip="">
+                            <dgm:adjLst>
+                              <dgm:adj idx="1" val="0.1"/>
+                            </dgm:adjLst>
+                          </dgm:shape>
+                          <dgm:presOf axis="ch desOrSelf" ptType="node node" st="1 1" cnt="1 0"/>
+                          <dgm:constrLst/>
+                          <dgm:ruleLst/>
+                        </dgm:layoutNode>
+                        <dgm:layoutNode name="FiveNodes_2">
+                          <dgm:varLst>
+                            <dgm:bulletEnabled val="1"/>
+                          </dgm:varLst>
+                          <dgm:alg type="sp"/>
+                          <dgm:shape xmlns:r="http://schemas.openxmlformats.org/officeDocument/2006/relationships" type="roundRect" r:blip="">
+                            <dgm:adjLst>
+                              <dgm:adj idx="1" val="0.1"/>
+                            </dgm:adjLst>
+                          </dgm:shape>
+                          <dgm:presOf axis="ch desOrSelf" ptType="node node" st="2 1" cnt="1 0"/>
+                          <dgm:constrLst/>
+                          <dgm:ruleLst/>
+                        </dgm:layoutNode>
+                        <dgm:layoutNode name="FiveNodes_3">
+                          <dgm:varLst>
+                            <dgm:bulletEnabled val="1"/>
+                          </dgm:varLst>
+                          <dgm:alg type="sp"/>
+                          <dgm:shape xmlns:r="http://schemas.openxmlformats.org/officeDocument/2006/relationships" type="roundRect" r:blip="">
+                            <dgm:adjLst>
+                              <dgm:adj idx="1" val="0.1"/>
+                            </dgm:adjLst>
+                          </dgm:shape>
+                          <dgm:presOf axis="ch desOrSelf" ptType="node node" st="3 1" cnt="1 0"/>
+                          <dgm:constrLst/>
+                          <dgm:ruleLst/>
+                        </dgm:layoutNode>
+                        <dgm:layoutNode name="FiveNodes_4">
+                          <dgm:varLst>
+                            <dgm:bulletEnabled val="1"/>
+                          </dgm:varLst>
+                          <dgm:alg type="sp"/>
+                          <dgm:shape xmlns:r="http://schemas.openxmlformats.org/officeDocument/2006/relationships" type="roundRect" r:blip="">
+                            <dgm:adjLst>
+                              <dgm:adj idx="1" val="0.1"/>
+                            </dgm:adjLst>
+                          </dgm:shape>
+                          <dgm:presOf axis="ch desOrSelf" ptType="node node" st="4 1" cnt="1 0"/>
+                          <dgm:constrLst/>
+                          <dgm:ruleLst/>
+                        </dgm:layoutNode>
+                        <dgm:layoutNode name="FiveNodes_5">
+                          <dgm:varLst>
+                            <dgm:bulletEnabled val="1"/>
+                          </dgm:varLst>
+                          <dgm:alg type="sp"/>
+                          <dgm:shape xmlns:r="http://schemas.openxmlformats.org/officeDocument/2006/relationships" type="roundRect" r:blip="">
+                            <dgm:adjLst>
+                              <dgm:adj idx="1" val="0.1"/>
+                            </dgm:adjLst>
+                          </dgm:shape>
+                          <dgm:presOf axis="ch desOrSelf" ptType="node node" st="5 1" cnt="1 0"/>
+                          <dgm:constrLst/>
+                          <dgm:ruleLst/>
+                        </dgm:layoutNode>
+                        <dgm:layoutNode name="FiveConn_1-2" styleLbl="fgAccFollowNode1">
+                          <dgm:varLst>
+                            <dgm:bulletEnabled val="1"/>
+                          </dgm:varLst>
+                          <dgm:alg type="tx"/>
+                          <dgm:shape xmlns:r="http://schemas.openxmlformats.org/officeDocument/2006/relationships" type="downArrow" r:blip="">
+                            <dgm:adjLst>
+                              <dgm:adj idx="1" val="0.55"/>
+                              <dgm:adj idx="2" val="0.45"/>
+                            </dgm:adjLst>
+                          </dgm:shape>
+                          <dgm:presOf axis="ch" ptType="sibTrans" cnt="1"/>
+                          <dgm:constrLst>
+                            <dgm:constr type="lMarg" refType="primFontSz" fact="0.1"/>
+                            <dgm:constr type="rMarg" refType="primFontSz" fact="0.1"/>
+                            <dgm:constr type="tMarg" refType="primFontSz" fact="0.1"/>
+                            <dgm:constr type="bMarg" refType="primFontSz" fact="0.1"/>
+                          </dgm:constrLst>
+                          <dgm:ruleLst>
+                            <dgm:rule type="primFontSz" val="5" fact="NaN" max="NaN"/>
+                          </dgm:ruleLst>
+                        </dgm:layoutNode>
+                        <dgm:layoutNode name="FiveConn_2-3" styleLbl="fgAccFollowNode1">
+                          <dgm:varLst>
+                            <dgm:bulletEnabled val="1"/>
+                          </dgm:varLst>
+                          <dgm:alg type="tx"/>
+                          <dgm:shape xmlns:r="http://schemas.openxmlformats.org/officeDocument/2006/relationships" type="downArrow" r:blip="">
+                            <dgm:adjLst>
+                              <dgm:adj idx="1" val="0.55"/>
+                              <dgm:adj idx="2" val="0.45"/>
+                            </dgm:adjLst>
+                          </dgm:shape>
+                          <dgm:presOf axis="ch" ptType="sibTrans" st="2" cnt="1"/>
+                          <dgm:constrLst>
+                            <dgm:constr type="lMarg" refType="primFontSz" fact="0.1"/>
+                            <dgm:constr type="rMarg" refType="primFontSz" fact="0.1"/>
+                            <dgm:constr type="tMarg" refType="primFontSz" fact="0.1"/>
+                            <dgm:constr type="bMarg" refType="primFontSz" fact="0.1"/>
+                          </dgm:constrLst>
+                          <dgm:ruleLst>
+                            <dgm:rule type="primFontSz" val="5" fact="NaN" max="NaN"/>
+                          </dgm:ruleLst>
+                        </dgm:layoutNode>
+                        <dgm:layoutNode name="FiveConn_3-4" styleLbl="fgAccFollowNode1">
+                          <dgm:varLst>
+                            <dgm:bulletEnabled val="1"/>
+                          </dgm:varLst>
+                          <dgm:alg type="tx"/>
+                          <dgm:shape xmlns:r="http://schemas.openxmlformats.org/officeDocument/2006/relationships" type="downArrow" r:blip="">
+                            <dgm:adjLst>
+                              <dgm:adj idx="1" val="0.55"/>
+                              <dgm:adj idx="2" val="0.45"/>
+                            </dgm:adjLst>
+                          </dgm:shape>
+                          <dgm:presOf axis="ch" ptType="sibTrans" st="3" cnt="1"/>
+                          <dgm:constrLst>
+                            <dgm:constr type="lMarg" refType="primFontSz" fact="0.1"/>
+                            <dgm:constr type="rMarg" refType="primFontSz" fact="0.1"/>
+                            <dgm:constr type="tMarg" refType="primFontSz" fact="0.1"/>
+                            <dgm:constr type="bMarg" refType="primFontSz" fact="0.1"/>
+                          </dgm:constrLst>
+                          <dgm:ruleLst>
+                            <dgm:rule type="primFontSz" val="5" fact="NaN" max="NaN"/>
+                          </dgm:ruleLst>
+                        </dgm:layoutNode>
+                        <dgm:layoutNode name="FiveConn_4-5" styleLbl="fgAccFollowNode1">
+                          <dgm:varLst>
+                            <dgm:bulletEnabled val="1"/>
+                          </dgm:varLst>
+                          <dgm:alg type="tx"/>
+                          <dgm:shape xmlns:r="http://schemas.openxmlformats.org/officeDocument/2006/relationships" type="downArrow" r:blip="">
+                            <dgm:adjLst>
+                              <dgm:adj idx="1" val="0.55"/>
+                              <dgm:adj idx="2" val="0.45"/>
+                            </dgm:adjLst>
+                          </dgm:shape>
+                          <dgm:presOf axis="ch" ptType="sibTrans" st="4" cnt="1"/>
+                          <dgm:constrLst>
+                            <dgm:constr type="lMarg" refType="primFontSz" fact="0.1"/>
+                            <dgm:constr type="rMarg" refType="primFontSz" fact="0.1"/>
+                            <dgm:constr type="tMarg" refType="primFontSz" fact="0.1"/>
+                            <dgm:constr type="bMarg" refType="primFontSz" fact="0.1"/>
+                          </dgm:constrLst>
+                          <dgm:ruleLst>
+                            <dgm:rule type="primFontSz" val="5" fact="NaN" max="NaN"/>
+                          </dgm:ruleLst>
+                        </dgm:layoutNode>
+                        <dgm:layoutNode name="FiveNodes_1_text">
+                          <dgm:varLst>
+                            <dgm:bulletEnabled val="1"/>
+                          </dgm:varLst>
+                          <dgm:alg type="tx">
+                            <dgm:param type="parTxLTRAlign" val="l"/>
+                            <dgm:param type="txAnchorVertCh" val="mid"/>
+                          </dgm:alg>
+                          <dgm:shape xmlns:r="http://schemas.openxmlformats.org/officeDocument/2006/relationships" type="roundRect" r:blip="" hideGeom="1">
+                            <dgm:adjLst>
+                              <dgm:adj idx="1" val="0.1"/>
+                            </dgm:adjLst>
+                          </dgm:shape>
+                          <dgm:presOf axis="ch desOrSelf" ptType="node node" st="1 1" cnt="1 0"/>
+                          <dgm:constrLst>
+                            <dgm:constr type="lMarg" refType="primFontSz" fact="0.3"/>
+                            <dgm:constr type="rMarg" refType="primFontSz" fact="0.3"/>
+                            <dgm:constr type="tMarg" refType="primFontSz" fact="0.3"/>
+                            <dgm:constr type="bMarg" refType="primFontSz" fact="0.3"/>
+                          </dgm:constrLst>
+                          <dgm:ruleLst>
+                            <dgm:rule type="primFontSz" val="5" fact="NaN" max="NaN"/>
+                          </dgm:ruleLst>
+                        </dgm:layoutNode>
+                        <dgm:layoutNode name="FiveNodes_2_text">
+                          <dgm:varLst>
+                            <dgm:bulletEnabled val="1"/>
+                          </dgm:varLst>
+                          <dgm:alg type="tx">
+                            <dgm:param type="parTxLTRAlign" val="l"/>
+                            <dgm:param type="txAnchorVertCh" val="mid"/>
+                          </dgm:alg>
+                          <dgm:shape xmlns:r="http://schemas.openxmlformats.org/officeDocument/2006/relationships" type="roundRect" r:blip="" hideGeom="1">
+                            <dgm:adjLst>
+                              <dgm:adj idx="1" val="0.1"/>
+                            </dgm:adjLst>
+                          </dgm:shape>
+                          <dgm:presOf axis="ch desOrSelf" ptType="node node" st="2 1" cnt="1 0"/>
+                          <dgm:constrLst>
+                            <dgm:constr type="lMarg" refType="primFontSz" fact="0.3"/>
+                            <dgm:constr type="rMarg" refType="primFontSz" fact="0.3"/>
+                            <dgm:constr type="tMarg" refType="primFontSz" fact="0.3"/>
+                            <dgm:constr type="bMarg" refType="primFontSz" fact="0.3"/>
+                          </dgm:constrLst>
+                          <dgm:ruleLst>
+                            <dgm:rule type="primFontSz" val="5" fact="NaN" max="NaN"/>
+                          </dgm:ruleLst>
+                        </dgm:layoutNode>
+                        <dgm:layoutNode name="FiveNodes_3_text">
+                          <dgm:varLst>
+                            <dgm:bulletEnabled val="1"/>
+                          </dgm:varLst>
+                          <dgm:alg type="tx">
+                            <dgm:param type="parTxLTRAlign" val="l"/>
+                            <dgm:param type="txAnchorVertCh" val="mid"/>
+                          </dgm:alg>
+                          <dgm:shape xmlns:r="http://schemas.openxmlformats.org/officeDocument/2006/relationships" type="roundRect" r:blip="" hideGeom="1">
+                            <dgm:adjLst>
+                              <dgm:adj idx="1" val="0.1"/>
+                            </dgm:adjLst>
+                          </dgm:shape>
+                          <dgm:presOf axis="ch desOrSelf" ptType="node node" st="3 1" cnt="1 0"/>
+                          <dgm:constrLst>
+                            <dgm:constr type="lMarg" refType="primFontSz" fact="0.3"/>
+                            <dgm:constr type="rMarg" refType="primFontSz" fact="0.3"/>
+                            <dgm:constr type="tMarg" refType="primFontSz" fact="0.3"/>
+                            <dgm:constr type="bMarg" refType="primFontSz" fact="0.3"/>
+                          </dgm:constrLst>
+                          <dgm:ruleLst>
+                            <dgm:rule type="primFontSz" val="5" fact="NaN" max="NaN"/>
+                          </dgm:ruleLst>
+                        </dgm:layoutNode>
+                        <dgm:layoutNode name="FiveNodes_4_text">
+                          <dgm:varLst>
+                            <dgm:bulletEnabled val="1"/>
+                          </dgm:varLst>
+                          <dgm:alg type="tx">
+                            <dgm:param type="parTxLTRAlign" val="l"/>
+                            <dgm:param type="txAnchorVertCh" val="mid"/>
+                          </dgm:alg>
+                          <dgm:shape xmlns:r="http://schemas.openxmlformats.org/officeDocument/2006/relationships" type="roundRect" r:blip="" hideGeom="1">
+                            <dgm:adjLst>
+                              <dgm:adj idx="1" val="0.1"/>
+                            </dgm:adjLst>
+                          </dgm:shape>
+                          <dgm:presOf axis="ch desOrSelf" ptType="node node" st="4 1" cnt="1 0"/>
+                          <dgm:constrLst>
+                            <dgm:constr type="lMarg" refType="primFontSz" fact="0.3"/>
+                            <dgm:constr type="rMarg" refType="primFontSz" fact="0.3"/>
+                            <dgm:constr type="tMarg" refType="primFontSz" fact="0.3"/>
+                            <dgm:constr type="bMarg" refType="primFontSz" fact="0.3"/>
+                          </dgm:constrLst>
+                          <dgm:ruleLst>
+                            <dgm:rule type="primFontSz" val="5" fact="NaN" max="NaN"/>
+                          </dgm:ruleLst>
+                        </dgm:layoutNode>
+                        <dgm:layoutNode name="FiveNodes_5_text">
+                          <dgm:varLst>
+                            <dgm:bulletEnabled val="1"/>
+                          </dgm:varLst>
+                          <dgm:alg type="tx">
+                            <dgm:param type="parTxLTRAlign" val="l"/>
+                            <dgm:param type="txAnchorVertCh" val="mid"/>
+                          </dgm:alg>
+                          <dgm:shape xmlns:r="http://schemas.openxmlformats.org/officeDocument/2006/relationships" type="roundRect" r:blip="" hideGeom="1">
+                            <dgm:adjLst>
+                              <dgm:adj idx="1" val="0.1"/>
+                            </dgm:adjLst>
+                          </dgm:shape>
+                          <dgm:presOf axis="ch desOrSelf" ptType="node node" st="5 1" cnt="1 0"/>
+                          <dgm:constrLst>
+                            <dgm:constr type="lMarg" refType="primFontSz" fact="0.3"/>
+                            <dgm:constr type="rMarg" refType="primFontSz" fact="0.3"/>
+                            <dgm:constr type="tMarg" refType="primFontSz" fact="0.3"/>
+                            <dgm:constr type="bMarg" refType="primFontSz" fact="0.3"/>
+                          </dgm:constrLst>
+                          <dgm:ruleLst>
+                            <dgm:rule type="primFontSz" val="5" fact="NaN" max="NaN"/>
+                          </dgm:ruleLst>
+                        </dgm:layoutNode>
+                      </dgm:if>
+                      <dgm:else name="Name17"/>
+                    </dgm:choose>
+                  </dgm:else>
+                </dgm:choose>
+              </dgm:else>
+            </dgm:choose>
+          </dgm:else>
+        </dgm:choose>
+      </dgm:else>
+    </dgm:choose>
+  </dgm:layoutNode>
+</dgm:layoutDef>
+</file>
+
+<file path=ppt/diagrams/layout3.xml><?xml version="1.0" encoding="utf-8"?>
 <dgm:layoutDef xmlns:dgm="http://schemas.openxmlformats.org/drawingml/2006/diagram" xmlns:a="http://schemas.openxmlformats.org/drawingml/2006/main" uniqueId="urn:microsoft.com/office/officeart/2005/8/layout/vList2">
   <dgm:title val=""/>
   <dgm:desc val=""/>
@@ -5707,6 +8094,1040 @@
 </dgm:styleDef>
 </file>
 
+<file path=ppt/diagrams/quickStyle3.xml><?xml version="1.0" encoding="utf-8"?>
+<dgm:styleDef xmlns:dgm="http://schemas.openxmlformats.org/drawingml/2006/diagram" xmlns:a="http://schemas.openxmlformats.org/drawingml/2006/main" uniqueId="urn:microsoft.com/office/officeart/2005/8/quickstyle/simple1">
+  <dgm:title val=""/>
+  <dgm:desc val=""/>
+  <dgm:catLst>
+    <dgm:cat type="simple" pri="10100"/>
+  </dgm:catLst>
+  <dgm:scene3d>
+    <a:camera prst="orthographicFront"/>
+    <a:lightRig rig="threePt" dir="t"/>
+  </dgm:scene3d>
+  <dgm:styleLbl name="node0">
+    <dgm:scene3d>
+      <a:camera prst="orthographicFront"/>
+      <a:lightRig rig="threePt" dir="t"/>
+    </dgm:scene3d>
+    <dgm:sp3d/>
+    <dgm:txPr/>
+    <dgm:style>
+      <a:lnRef idx="2">
+        <a:scrgbClr r="0" g="0" b="0"/>
+      </a:lnRef>
+      <a:fillRef idx="1">
+        <a:scrgbClr r="0" g="0" b="0"/>
+      </a:fillRef>
+      <a:effectRef idx="0">
+        <a:scrgbClr r="0" g="0" b="0"/>
+      </a:effectRef>
+      <a:fontRef idx="minor">
+        <a:schemeClr val="lt1"/>
+      </a:fontRef>
+    </dgm:style>
+  </dgm:styleLbl>
+  <dgm:styleLbl name="lnNode1">
+    <dgm:scene3d>
+      <a:camera prst="orthographicFront"/>
+      <a:lightRig rig="threePt" dir="t"/>
+    </dgm:scene3d>
+    <dgm:sp3d/>
+    <dgm:txPr/>
+    <dgm:style>
+      <a:lnRef idx="2">
+        <a:scrgbClr r="0" g="0" b="0"/>
+      </a:lnRef>
+      <a:fillRef idx="1">
+        <a:scrgbClr r="0" g="0" b="0"/>
+      </a:fillRef>
+      <a:effectRef idx="0">
+        <a:scrgbClr r="0" g="0" b="0"/>
+      </a:effectRef>
+      <a:fontRef idx="minor">
+        <a:schemeClr val="lt1"/>
+      </a:fontRef>
+    </dgm:style>
+  </dgm:styleLbl>
+  <dgm:styleLbl name="vennNode1">
+    <dgm:scene3d>
+      <a:camera prst="orthographicFront"/>
+      <a:lightRig rig="threePt" dir="t"/>
+    </dgm:scene3d>
+    <dgm:sp3d/>
+    <dgm:txPr/>
+    <dgm:style>
+      <a:lnRef idx="2">
+        <a:scrgbClr r="0" g="0" b="0"/>
+      </a:lnRef>
+      <a:fillRef idx="1">
+        <a:scrgbClr r="0" g="0" b="0"/>
+      </a:fillRef>
+      <a:effectRef idx="0">
+        <a:scrgbClr r="0" g="0" b="0"/>
+      </a:effectRef>
+      <a:fontRef idx="minor">
+        <a:schemeClr val="tx1"/>
+      </a:fontRef>
+    </dgm:style>
+  </dgm:styleLbl>
+  <dgm:styleLbl name="alignNode1">
+    <dgm:scene3d>
+      <a:camera prst="orthographicFront"/>
+      <a:lightRig rig="threePt" dir="t"/>
+    </dgm:scene3d>
+    <dgm:sp3d/>
+    <dgm:txPr/>
+    <dgm:style>
+      <a:lnRef idx="2">
+        <a:scrgbClr r="0" g="0" b="0"/>
+      </a:lnRef>
+      <a:fillRef idx="1">
+        <a:scrgbClr r="0" g="0" b="0"/>
+      </a:fillRef>
+      <a:effectRef idx="0">
+        <a:scrgbClr r="0" g="0" b="0"/>
+      </a:effectRef>
+      <a:fontRef idx="minor">
+        <a:schemeClr val="lt1"/>
+      </a:fontRef>
+    </dgm:style>
+  </dgm:styleLbl>
+  <dgm:styleLbl name="node1">
+    <dgm:scene3d>
+      <a:camera prst="orthographicFront"/>
+      <a:lightRig rig="threePt" dir="t"/>
+    </dgm:scene3d>
+    <dgm:sp3d/>
+    <dgm:txPr/>
+    <dgm:style>
+      <a:lnRef idx="2">
+        <a:scrgbClr r="0" g="0" b="0"/>
+      </a:lnRef>
+      <a:fillRef idx="1">
+        <a:scrgbClr r="0" g="0" b="0"/>
+      </a:fillRef>
+      <a:effectRef idx="0">
+        <a:scrgbClr r="0" g="0" b="0"/>
+      </a:effectRef>
+      <a:fontRef idx="minor">
+        <a:schemeClr val="lt1"/>
+      </a:fontRef>
+    </dgm:style>
+  </dgm:styleLbl>
+  <dgm:styleLbl name="node2">
+    <dgm:scene3d>
+      <a:camera prst="orthographicFront"/>
+      <a:lightRig rig="threePt" dir="t"/>
+    </dgm:scene3d>
+    <dgm:sp3d/>
+    <dgm:txPr/>
+    <dgm:style>
+      <a:lnRef idx="2">
+        <a:scrgbClr r="0" g="0" b="0"/>
+      </a:lnRef>
+      <a:fillRef idx="1">
+        <a:scrgbClr r="0" g="0" b="0"/>
+      </a:fillRef>
+      <a:effectRef idx="0">
+        <a:scrgbClr r="0" g="0" b="0"/>
+      </a:effectRef>
+      <a:fontRef idx="minor">
+        <a:schemeClr val="lt1"/>
+      </a:fontRef>
+    </dgm:style>
+  </dgm:styleLbl>
+  <dgm:styleLbl name="node3">
+    <dgm:scene3d>
+      <a:camera prst="orthographicFront"/>
+      <a:lightRig rig="threePt" dir="t"/>
+    </dgm:scene3d>
+    <dgm:sp3d/>
+    <dgm:txPr/>
+    <dgm:style>
+      <a:lnRef idx="2">
+        <a:scrgbClr r="0" g="0" b="0"/>
+      </a:lnRef>
+      <a:fillRef idx="1">
+        <a:scrgbClr r="0" g="0" b="0"/>
+      </a:fillRef>
+      <a:effectRef idx="0">
+        <a:scrgbClr r="0" g="0" b="0"/>
+      </a:effectRef>
+      <a:fontRef idx="minor">
+        <a:schemeClr val="lt1"/>
+      </a:fontRef>
+    </dgm:style>
+  </dgm:styleLbl>
+  <dgm:styleLbl name="node4">
+    <dgm:scene3d>
+      <a:camera prst="orthographicFront"/>
+      <a:lightRig rig="threePt" dir="t"/>
+    </dgm:scene3d>
+    <dgm:sp3d/>
+    <dgm:txPr/>
+    <dgm:style>
+      <a:lnRef idx="2">
+        <a:scrgbClr r="0" g="0" b="0"/>
+      </a:lnRef>
+      <a:fillRef idx="1">
+        <a:scrgbClr r="0" g="0" b="0"/>
+      </a:fillRef>
+      <a:effectRef idx="0">
+        <a:scrgbClr r="0" g="0" b="0"/>
+      </a:effectRef>
+      <a:fontRef idx="minor">
+        <a:schemeClr val="lt1"/>
+      </a:fontRef>
+    </dgm:style>
+  </dgm:styleLbl>
+  <dgm:styleLbl name="fgImgPlace1">
+    <dgm:scene3d>
+      <a:camera prst="orthographicFront"/>
+      <a:lightRig rig="threePt" dir="t"/>
+    </dgm:scene3d>
+    <dgm:sp3d/>
+    <dgm:txPr/>
+    <dgm:style>
+      <a:lnRef idx="2">
+        <a:scrgbClr r="0" g="0" b="0"/>
+      </a:lnRef>
+      <a:fillRef idx="1">
+        <a:scrgbClr r="0" g="0" b="0"/>
+      </a:fillRef>
+      <a:effectRef idx="0">
+        <a:scrgbClr r="0" g="0" b="0"/>
+      </a:effectRef>
+      <a:fontRef idx="minor"/>
+    </dgm:style>
+  </dgm:styleLbl>
+  <dgm:styleLbl name="alignImgPlace1">
+    <dgm:scene3d>
+      <a:camera prst="orthographicFront"/>
+      <a:lightRig rig="threePt" dir="t"/>
+    </dgm:scene3d>
+    <dgm:sp3d/>
+    <dgm:txPr/>
+    <dgm:style>
+      <a:lnRef idx="2">
+        <a:scrgbClr r="0" g="0" b="0"/>
+      </a:lnRef>
+      <a:fillRef idx="1">
+        <a:scrgbClr r="0" g="0" b="0"/>
+      </a:fillRef>
+      <a:effectRef idx="0">
+        <a:scrgbClr r="0" g="0" b="0"/>
+      </a:effectRef>
+      <a:fontRef idx="minor"/>
+    </dgm:style>
+  </dgm:styleLbl>
+  <dgm:styleLbl name="bgImgPlace1">
+    <dgm:scene3d>
+      <a:camera prst="orthographicFront"/>
+      <a:lightRig rig="threePt" dir="t"/>
+    </dgm:scene3d>
+    <dgm:sp3d/>
+    <dgm:txPr/>
+    <dgm:style>
+      <a:lnRef idx="2">
+        <a:scrgbClr r="0" g="0" b="0"/>
+      </a:lnRef>
+      <a:fillRef idx="1">
+        <a:scrgbClr r="0" g="0" b="0"/>
+      </a:fillRef>
+      <a:effectRef idx="0">
+        <a:scrgbClr r="0" g="0" b="0"/>
+      </a:effectRef>
+      <a:fontRef idx="minor"/>
+    </dgm:style>
+  </dgm:styleLbl>
+  <dgm:styleLbl name="sibTrans2D1">
+    <dgm:scene3d>
+      <a:camera prst="orthographicFront"/>
+      <a:lightRig rig="threePt" dir="t"/>
+    </dgm:scene3d>
+    <dgm:sp3d/>
+    <dgm:txPr/>
+    <dgm:style>
+      <a:lnRef idx="0">
+        <a:scrgbClr r="0" g="0" b="0"/>
+      </a:lnRef>
+      <a:fillRef idx="1">
+        <a:scrgbClr r="0" g="0" b="0"/>
+      </a:fillRef>
+      <a:effectRef idx="0">
+        <a:scrgbClr r="0" g="0" b="0"/>
+      </a:effectRef>
+      <a:fontRef idx="minor">
+        <a:schemeClr val="lt1"/>
+      </a:fontRef>
+    </dgm:style>
+  </dgm:styleLbl>
+  <dgm:styleLbl name="fgSibTrans2D1">
+    <dgm:scene3d>
+      <a:camera prst="orthographicFront"/>
+      <a:lightRig rig="threePt" dir="t"/>
+    </dgm:scene3d>
+    <dgm:sp3d/>
+    <dgm:txPr/>
+    <dgm:style>
+      <a:lnRef idx="0">
+        <a:scrgbClr r="0" g="0" b="0"/>
+      </a:lnRef>
+      <a:fillRef idx="1">
+        <a:scrgbClr r="0" g="0" b="0"/>
+      </a:fillRef>
+      <a:effectRef idx="0">
+        <a:scrgbClr r="0" g="0" b="0"/>
+      </a:effectRef>
+      <a:fontRef idx="minor">
+        <a:schemeClr val="lt1"/>
+      </a:fontRef>
+    </dgm:style>
+  </dgm:styleLbl>
+  <dgm:styleLbl name="bgSibTrans2D1">
+    <dgm:scene3d>
+      <a:camera prst="orthographicFront"/>
+      <a:lightRig rig="threePt" dir="t"/>
+    </dgm:scene3d>
+    <dgm:sp3d/>
+    <dgm:txPr/>
+    <dgm:style>
+      <a:lnRef idx="0">
+        <a:scrgbClr r="0" g="0" b="0"/>
+      </a:lnRef>
+      <a:fillRef idx="1">
+        <a:scrgbClr r="0" g="0" b="0"/>
+      </a:fillRef>
+      <a:effectRef idx="0">
+        <a:scrgbClr r="0" g="0" b="0"/>
+      </a:effectRef>
+      <a:fontRef idx="minor">
+        <a:schemeClr val="lt1"/>
+      </a:fontRef>
+    </dgm:style>
+  </dgm:styleLbl>
+  <dgm:styleLbl name="sibTrans1D1">
+    <dgm:scene3d>
+      <a:camera prst="orthographicFront"/>
+      <a:lightRig rig="threePt" dir="t"/>
+    </dgm:scene3d>
+    <dgm:sp3d/>
+    <dgm:txPr/>
+    <dgm:style>
+      <a:lnRef idx="1">
+        <a:scrgbClr r="0" g="0" b="0"/>
+      </a:lnRef>
+      <a:fillRef idx="0">
+        <a:scrgbClr r="0" g="0" b="0"/>
+      </a:fillRef>
+      <a:effectRef idx="0">
+        <a:scrgbClr r="0" g="0" b="0"/>
+      </a:effectRef>
+      <a:fontRef idx="minor"/>
+    </dgm:style>
+  </dgm:styleLbl>
+  <dgm:styleLbl name="callout">
+    <dgm:scene3d>
+      <a:camera prst="orthographicFront"/>
+      <a:lightRig rig="threePt" dir="t"/>
+    </dgm:scene3d>
+    <dgm:sp3d/>
+    <dgm:txPr/>
+    <dgm:style>
+      <a:lnRef idx="2">
+        <a:scrgbClr r="0" g="0" b="0"/>
+      </a:lnRef>
+      <a:fillRef idx="1">
+        <a:scrgbClr r="0" g="0" b="0"/>
+      </a:fillRef>
+      <a:effectRef idx="0">
+        <a:scrgbClr r="0" g="0" b="0"/>
+      </a:effectRef>
+      <a:fontRef idx="minor"/>
+    </dgm:style>
+  </dgm:styleLbl>
+  <dgm:styleLbl name="asst0">
+    <dgm:scene3d>
+      <a:camera prst="orthographicFront"/>
+      <a:lightRig rig="threePt" dir="t"/>
+    </dgm:scene3d>
+    <dgm:sp3d/>
+    <dgm:txPr/>
+    <dgm:style>
+      <a:lnRef idx="2">
+        <a:scrgbClr r="0" g="0" b="0"/>
+      </a:lnRef>
+      <a:fillRef idx="1">
+        <a:scrgbClr r="0" g="0" b="0"/>
+      </a:fillRef>
+      <a:effectRef idx="0">
+        <a:scrgbClr r="0" g="0" b="0"/>
+      </a:effectRef>
+      <a:fontRef idx="minor">
+        <a:schemeClr val="lt1"/>
+      </a:fontRef>
+    </dgm:style>
+  </dgm:styleLbl>
+  <dgm:styleLbl name="asst1">
+    <dgm:scene3d>
+      <a:camera prst="orthographicFront"/>
+      <a:lightRig rig="threePt" dir="t"/>
+    </dgm:scene3d>
+    <dgm:sp3d/>
+    <dgm:txPr/>
+    <dgm:style>
+      <a:lnRef idx="2">
+        <a:scrgbClr r="0" g="0" b="0"/>
+      </a:lnRef>
+      <a:fillRef idx="1">
+        <a:scrgbClr r="0" g="0" b="0"/>
+      </a:fillRef>
+      <a:effectRef idx="0">
+        <a:scrgbClr r="0" g="0" b="0"/>
+      </a:effectRef>
+      <a:fontRef idx="minor">
+        <a:schemeClr val="lt1"/>
+      </a:fontRef>
+    </dgm:style>
+  </dgm:styleLbl>
+  <dgm:styleLbl name="asst2">
+    <dgm:scene3d>
+      <a:camera prst="orthographicFront"/>
+      <a:lightRig rig="threePt" dir="t"/>
+    </dgm:scene3d>
+    <dgm:sp3d/>
+    <dgm:txPr/>
+    <dgm:style>
+      <a:lnRef idx="2">
+        <a:scrgbClr r="0" g="0" b="0"/>
+      </a:lnRef>
+      <a:fillRef idx="1">
+        <a:scrgbClr r="0" g="0" b="0"/>
+      </a:fillRef>
+      <a:effectRef idx="0">
+        <a:scrgbClr r="0" g="0" b="0"/>
+      </a:effectRef>
+      <a:fontRef idx="minor">
+        <a:schemeClr val="lt1"/>
+      </a:fontRef>
+    </dgm:style>
+  </dgm:styleLbl>
+  <dgm:styleLbl name="asst3">
+    <dgm:scene3d>
+      <a:camera prst="orthographicFront"/>
+      <a:lightRig rig="threePt" dir="t"/>
+    </dgm:scene3d>
+    <dgm:sp3d/>
+    <dgm:txPr/>
+    <dgm:style>
+      <a:lnRef idx="2">
+        <a:scrgbClr r="0" g="0" b="0"/>
+      </a:lnRef>
+      <a:fillRef idx="1">
+        <a:scrgbClr r="0" g="0" b="0"/>
+      </a:fillRef>
+      <a:effectRef idx="0">
+        <a:scrgbClr r="0" g="0" b="0"/>
+      </a:effectRef>
+      <a:fontRef idx="minor">
+        <a:schemeClr val="lt1"/>
+      </a:fontRef>
+    </dgm:style>
+  </dgm:styleLbl>
+  <dgm:styleLbl name="asst4">
+    <dgm:scene3d>
+      <a:camera prst="orthographicFront"/>
+      <a:lightRig rig="threePt" dir="t"/>
+    </dgm:scene3d>
+    <dgm:sp3d/>
+    <dgm:txPr/>
+    <dgm:style>
+      <a:lnRef idx="2">
+        <a:scrgbClr r="0" g="0" b="0"/>
+      </a:lnRef>
+      <a:fillRef idx="1">
+        <a:scrgbClr r="0" g="0" b="0"/>
+      </a:fillRef>
+      <a:effectRef idx="0">
+        <a:scrgbClr r="0" g="0" b="0"/>
+      </a:effectRef>
+      <a:fontRef idx="minor">
+        <a:schemeClr val="lt1"/>
+      </a:fontRef>
+    </dgm:style>
+  </dgm:styleLbl>
+  <dgm:styleLbl name="parChTrans2D1">
+    <dgm:scene3d>
+      <a:camera prst="orthographicFront"/>
+      <a:lightRig rig="threePt" dir="t"/>
+    </dgm:scene3d>
+    <dgm:sp3d/>
+    <dgm:txPr/>
+    <dgm:style>
+      <a:lnRef idx="2">
+        <a:scrgbClr r="0" g="0" b="0"/>
+      </a:lnRef>
+      <a:fillRef idx="1">
+        <a:scrgbClr r="0" g="0" b="0"/>
+      </a:fillRef>
+      <a:effectRef idx="0">
+        <a:scrgbClr r="0" g="0" b="0"/>
+      </a:effectRef>
+      <a:fontRef idx="minor">
+        <a:schemeClr val="lt1"/>
+      </a:fontRef>
+    </dgm:style>
+  </dgm:styleLbl>
+  <dgm:styleLbl name="parChTrans2D2">
+    <dgm:scene3d>
+      <a:camera prst="orthographicFront"/>
+      <a:lightRig rig="threePt" dir="t"/>
+    </dgm:scene3d>
+    <dgm:sp3d/>
+    <dgm:txPr/>
+    <dgm:style>
+      <a:lnRef idx="2">
+        <a:scrgbClr r="0" g="0" b="0"/>
+      </a:lnRef>
+      <a:fillRef idx="1">
+        <a:scrgbClr r="0" g="0" b="0"/>
+      </a:fillRef>
+      <a:effectRef idx="0">
+        <a:scrgbClr r="0" g="0" b="0"/>
+      </a:effectRef>
+      <a:fontRef idx="minor">
+        <a:schemeClr val="lt1"/>
+      </a:fontRef>
+    </dgm:style>
+  </dgm:styleLbl>
+  <dgm:styleLbl name="parChTrans2D3">
+    <dgm:scene3d>
+      <a:camera prst="orthographicFront"/>
+      <a:lightRig rig="threePt" dir="t"/>
+    </dgm:scene3d>
+    <dgm:sp3d/>
+    <dgm:txPr/>
+    <dgm:style>
+      <a:lnRef idx="2">
+        <a:scrgbClr r="0" g="0" b="0"/>
+      </a:lnRef>
+      <a:fillRef idx="1">
+        <a:scrgbClr r="0" g="0" b="0"/>
+      </a:fillRef>
+      <a:effectRef idx="0">
+        <a:scrgbClr r="0" g="0" b="0"/>
+      </a:effectRef>
+      <a:fontRef idx="minor">
+        <a:schemeClr val="lt1"/>
+      </a:fontRef>
+    </dgm:style>
+  </dgm:styleLbl>
+  <dgm:styleLbl name="parChTrans2D4">
+    <dgm:scene3d>
+      <a:camera prst="orthographicFront"/>
+      <a:lightRig rig="threePt" dir="t"/>
+    </dgm:scene3d>
+    <dgm:sp3d/>
+    <dgm:txPr/>
+    <dgm:style>
+      <a:lnRef idx="2">
+        <a:scrgbClr r="0" g="0" b="0"/>
+      </a:lnRef>
+      <a:fillRef idx="1">
+        <a:scrgbClr r="0" g="0" b="0"/>
+      </a:fillRef>
+      <a:effectRef idx="0">
+        <a:scrgbClr r="0" g="0" b="0"/>
+      </a:effectRef>
+      <a:fontRef idx="minor">
+        <a:schemeClr val="lt1"/>
+      </a:fontRef>
+    </dgm:style>
+  </dgm:styleLbl>
+  <dgm:styleLbl name="parChTrans1D1">
+    <dgm:scene3d>
+      <a:camera prst="orthographicFront"/>
+      <a:lightRig rig="threePt" dir="t"/>
+    </dgm:scene3d>
+    <dgm:sp3d/>
+    <dgm:txPr/>
+    <dgm:style>
+      <a:lnRef idx="2">
+        <a:scrgbClr r="0" g="0" b="0"/>
+      </a:lnRef>
+      <a:fillRef idx="0">
+        <a:scrgbClr r="0" g="0" b="0"/>
+      </a:fillRef>
+      <a:effectRef idx="0">
+        <a:scrgbClr r="0" g="0" b="0"/>
+      </a:effectRef>
+      <a:fontRef idx="minor"/>
+    </dgm:style>
+  </dgm:styleLbl>
+  <dgm:styleLbl name="parChTrans1D2">
+    <dgm:scene3d>
+      <a:camera prst="orthographicFront"/>
+      <a:lightRig rig="threePt" dir="t"/>
+    </dgm:scene3d>
+    <dgm:sp3d/>
+    <dgm:txPr/>
+    <dgm:style>
+      <a:lnRef idx="2">
+        <a:scrgbClr r="0" g="0" b="0"/>
+      </a:lnRef>
+      <a:fillRef idx="0">
+        <a:scrgbClr r="0" g="0" b="0"/>
+      </a:fillRef>
+      <a:effectRef idx="0">
+        <a:scrgbClr r="0" g="0" b="0"/>
+      </a:effectRef>
+      <a:fontRef idx="minor"/>
+    </dgm:style>
+  </dgm:styleLbl>
+  <dgm:styleLbl name="parChTrans1D3">
+    <dgm:scene3d>
+      <a:camera prst="orthographicFront"/>
+      <a:lightRig rig="threePt" dir="t"/>
+    </dgm:scene3d>
+    <dgm:sp3d/>
+    <dgm:txPr/>
+    <dgm:style>
+      <a:lnRef idx="2">
+        <a:scrgbClr r="0" g="0" b="0"/>
+      </a:lnRef>
+      <a:fillRef idx="0">
+        <a:scrgbClr r="0" g="0" b="0"/>
+      </a:fillRef>
+      <a:effectRef idx="0">
+        <a:scrgbClr r="0" g="0" b="0"/>
+      </a:effectRef>
+      <a:fontRef idx="minor"/>
+    </dgm:style>
+  </dgm:styleLbl>
+  <dgm:styleLbl name="parChTrans1D4">
+    <dgm:scene3d>
+      <a:camera prst="orthographicFront"/>
+      <a:lightRig rig="threePt" dir="t"/>
+    </dgm:scene3d>
+    <dgm:sp3d/>
+    <dgm:txPr/>
+    <dgm:style>
+      <a:lnRef idx="2">
+        <a:scrgbClr r="0" g="0" b="0"/>
+      </a:lnRef>
+      <a:fillRef idx="0">
+        <a:scrgbClr r="0" g="0" b="0"/>
+      </a:fillRef>
+      <a:effectRef idx="0">
+        <a:scrgbClr r="0" g="0" b="0"/>
+      </a:effectRef>
+      <a:fontRef idx="minor"/>
+    </dgm:style>
+  </dgm:styleLbl>
+  <dgm:styleLbl name="fgAcc1">
+    <dgm:scene3d>
+      <a:camera prst="orthographicFront"/>
+      <a:lightRig rig="threePt" dir="t"/>
+    </dgm:scene3d>
+    <dgm:sp3d/>
+    <dgm:txPr/>
+    <dgm:style>
+      <a:lnRef idx="2">
+        <a:scrgbClr r="0" g="0" b="0"/>
+      </a:lnRef>
+      <a:fillRef idx="1">
+        <a:scrgbClr r="0" g="0" b="0"/>
+      </a:fillRef>
+      <a:effectRef idx="0">
+        <a:scrgbClr r="0" g="0" b="0"/>
+      </a:effectRef>
+      <a:fontRef idx="minor"/>
+    </dgm:style>
+  </dgm:styleLbl>
+  <dgm:styleLbl name="conFgAcc1">
+    <dgm:scene3d>
+      <a:camera prst="orthographicFront"/>
+      <a:lightRig rig="threePt" dir="t"/>
+    </dgm:scene3d>
+    <dgm:sp3d/>
+    <dgm:txPr/>
+    <dgm:style>
+      <a:lnRef idx="2">
+        <a:scrgbClr r="0" g="0" b="0"/>
+      </a:lnRef>
+      <a:fillRef idx="1">
+        <a:scrgbClr r="0" g="0" b="0"/>
+      </a:fillRef>
+      <a:effectRef idx="0">
+        <a:scrgbClr r="0" g="0" b="0"/>
+      </a:effectRef>
+      <a:fontRef idx="minor"/>
+    </dgm:style>
+  </dgm:styleLbl>
+  <dgm:styleLbl name="alignAcc1">
+    <dgm:scene3d>
+      <a:camera prst="orthographicFront"/>
+      <a:lightRig rig="threePt" dir="t"/>
+    </dgm:scene3d>
+    <dgm:sp3d/>
+    <dgm:txPr/>
+    <dgm:style>
+      <a:lnRef idx="2">
+        <a:scrgbClr r="0" g="0" b="0"/>
+      </a:lnRef>
+      <a:fillRef idx="1">
+        <a:scrgbClr r="0" g="0" b="0"/>
+      </a:fillRef>
+      <a:effectRef idx="0">
+        <a:scrgbClr r="0" g="0" b="0"/>
+      </a:effectRef>
+      <a:fontRef idx="minor"/>
+    </dgm:style>
+  </dgm:styleLbl>
+  <dgm:styleLbl name="trAlignAcc1">
+    <dgm:scene3d>
+      <a:camera prst="orthographicFront"/>
+      <a:lightRig rig="threePt" dir="t"/>
+    </dgm:scene3d>
+    <dgm:sp3d/>
+    <dgm:txPr/>
+    <dgm:style>
+      <a:lnRef idx="1">
+        <a:scrgbClr r="0" g="0" b="0"/>
+      </a:lnRef>
+      <a:fillRef idx="1">
+        <a:scrgbClr r="0" g="0" b="0"/>
+      </a:fillRef>
+      <a:effectRef idx="0">
+        <a:scrgbClr r="0" g="0" b="0"/>
+      </a:effectRef>
+      <a:fontRef idx="minor"/>
+    </dgm:style>
+  </dgm:styleLbl>
+  <dgm:styleLbl name="bgAcc1">
+    <dgm:scene3d>
+      <a:camera prst="orthographicFront"/>
+      <a:lightRig rig="threePt" dir="t"/>
+    </dgm:scene3d>
+    <dgm:sp3d/>
+    <dgm:txPr/>
+    <dgm:style>
+      <a:lnRef idx="2">
+        <a:scrgbClr r="0" g="0" b="0"/>
+      </a:lnRef>
+      <a:fillRef idx="1">
+        <a:scrgbClr r="0" g="0" b="0"/>
+      </a:fillRef>
+      <a:effectRef idx="0">
+        <a:scrgbClr r="0" g="0" b="0"/>
+      </a:effectRef>
+      <a:fontRef idx="minor"/>
+    </dgm:style>
+  </dgm:styleLbl>
+  <dgm:styleLbl name="solidFgAcc1">
+    <dgm:scene3d>
+      <a:camera prst="orthographicFront"/>
+      <a:lightRig rig="threePt" dir="t"/>
+    </dgm:scene3d>
+    <dgm:sp3d/>
+    <dgm:txPr/>
+    <dgm:style>
+      <a:lnRef idx="2">
+        <a:scrgbClr r="0" g="0" b="0"/>
+      </a:lnRef>
+      <a:fillRef idx="1">
+        <a:scrgbClr r="0" g="0" b="0"/>
+      </a:fillRef>
+      <a:effectRef idx="0">
+        <a:scrgbClr r="0" g="0" b="0"/>
+      </a:effectRef>
+      <a:fontRef idx="minor"/>
+    </dgm:style>
+  </dgm:styleLbl>
+  <dgm:styleLbl name="solidAlignAcc1">
+    <dgm:scene3d>
+      <a:camera prst="orthographicFront"/>
+      <a:lightRig rig="threePt" dir="t"/>
+    </dgm:scene3d>
+    <dgm:sp3d/>
+    <dgm:txPr/>
+    <dgm:style>
+      <a:lnRef idx="2">
+        <a:scrgbClr r="0" g="0" b="0"/>
+      </a:lnRef>
+      <a:fillRef idx="1">
+        <a:scrgbClr r="0" g="0" b="0"/>
+      </a:fillRef>
+      <a:effectRef idx="0">
+        <a:scrgbClr r="0" g="0" b="0"/>
+      </a:effectRef>
+      <a:fontRef idx="minor"/>
+    </dgm:style>
+  </dgm:styleLbl>
+  <dgm:styleLbl name="solidBgAcc1">
+    <dgm:scene3d>
+      <a:camera prst="orthographicFront"/>
+      <a:lightRig rig="threePt" dir="t"/>
+    </dgm:scene3d>
+    <dgm:sp3d/>
+    <dgm:txPr/>
+    <dgm:style>
+      <a:lnRef idx="2">
+        <a:scrgbClr r="0" g="0" b="0"/>
+      </a:lnRef>
+      <a:fillRef idx="1">
+        <a:scrgbClr r="0" g="0" b="0"/>
+      </a:fillRef>
+      <a:effectRef idx="0">
+        <a:scrgbClr r="0" g="0" b="0"/>
+      </a:effectRef>
+      <a:fontRef idx="minor"/>
+    </dgm:style>
+  </dgm:styleLbl>
+  <dgm:styleLbl name="fgAccFollowNode1">
+    <dgm:scene3d>
+      <a:camera prst="orthographicFront"/>
+      <a:lightRig rig="threePt" dir="t"/>
+    </dgm:scene3d>
+    <dgm:sp3d/>
+    <dgm:txPr/>
+    <dgm:style>
+      <a:lnRef idx="2">
+        <a:scrgbClr r="0" g="0" b="0"/>
+      </a:lnRef>
+      <a:fillRef idx="1">
+        <a:scrgbClr r="0" g="0" b="0"/>
+      </a:fillRef>
+      <a:effectRef idx="0">
+        <a:scrgbClr r="0" g="0" b="0"/>
+      </a:effectRef>
+      <a:fontRef idx="minor"/>
+    </dgm:style>
+  </dgm:styleLbl>
+  <dgm:styleLbl name="alignAccFollowNode1">
+    <dgm:scene3d>
+      <a:camera prst="orthographicFront"/>
+      <a:lightRig rig="threePt" dir="t"/>
+    </dgm:scene3d>
+    <dgm:sp3d/>
+    <dgm:txPr/>
+    <dgm:style>
+      <a:lnRef idx="2">
+        <a:scrgbClr r="0" g="0" b="0"/>
+      </a:lnRef>
+      <a:fillRef idx="1">
+        <a:scrgbClr r="0" g="0" b="0"/>
+      </a:fillRef>
+      <a:effectRef idx="0">
+        <a:scrgbClr r="0" g="0" b="0"/>
+      </a:effectRef>
+      <a:fontRef idx="minor"/>
+    </dgm:style>
+  </dgm:styleLbl>
+  <dgm:styleLbl name="bgAccFollowNode1">
+    <dgm:scene3d>
+      <a:camera prst="orthographicFront"/>
+      <a:lightRig rig="threePt" dir="t"/>
+    </dgm:scene3d>
+    <dgm:sp3d/>
+    <dgm:txPr/>
+    <dgm:style>
+      <a:lnRef idx="2">
+        <a:scrgbClr r="0" g="0" b="0"/>
+      </a:lnRef>
+      <a:fillRef idx="1">
+        <a:scrgbClr r="0" g="0" b="0"/>
+      </a:fillRef>
+      <a:effectRef idx="0">
+        <a:scrgbClr r="0" g="0" b="0"/>
+      </a:effectRef>
+      <a:fontRef idx="minor"/>
+    </dgm:style>
+  </dgm:styleLbl>
+  <dgm:styleLbl name="fgAcc0">
+    <dgm:scene3d>
+      <a:camera prst="orthographicFront"/>
+      <a:lightRig rig="threePt" dir="t"/>
+    </dgm:scene3d>
+    <dgm:sp3d/>
+    <dgm:txPr/>
+    <dgm:style>
+      <a:lnRef idx="2">
+        <a:scrgbClr r="0" g="0" b="0"/>
+      </a:lnRef>
+      <a:fillRef idx="1">
+        <a:scrgbClr r="0" g="0" b="0"/>
+      </a:fillRef>
+      <a:effectRef idx="0">
+        <a:scrgbClr r="0" g="0" b="0"/>
+      </a:effectRef>
+      <a:fontRef idx="minor"/>
+    </dgm:style>
+  </dgm:styleLbl>
+  <dgm:styleLbl name="fgAcc2">
+    <dgm:scene3d>
+      <a:camera prst="orthographicFront"/>
+      <a:lightRig rig="threePt" dir="t"/>
+    </dgm:scene3d>
+    <dgm:sp3d/>
+    <dgm:txPr/>
+    <dgm:style>
+      <a:lnRef idx="2">
+        <a:scrgbClr r="0" g="0" b="0"/>
+      </a:lnRef>
+      <a:fillRef idx="1">
+        <a:scrgbClr r="0" g="0" b="0"/>
+      </a:fillRef>
+      <a:effectRef idx="0">
+        <a:scrgbClr r="0" g="0" b="0"/>
+      </a:effectRef>
+      <a:fontRef idx="minor"/>
+    </dgm:style>
+  </dgm:styleLbl>
+  <dgm:styleLbl name="fgAcc3">
+    <dgm:scene3d>
+      <a:camera prst="orthographicFront"/>
+      <a:lightRig rig="threePt" dir="t"/>
+    </dgm:scene3d>
+    <dgm:sp3d/>
+    <dgm:txPr/>
+    <dgm:style>
+      <a:lnRef idx="2">
+        <a:scrgbClr r="0" g="0" b="0"/>
+      </a:lnRef>
+      <a:fillRef idx="1">
+        <a:scrgbClr r="0" g="0" b="0"/>
+      </a:fillRef>
+      <a:effectRef idx="0">
+        <a:scrgbClr r="0" g="0" b="0"/>
+      </a:effectRef>
+      <a:fontRef idx="minor"/>
+    </dgm:style>
+  </dgm:styleLbl>
+  <dgm:styleLbl name="fgAcc4">
+    <dgm:scene3d>
+      <a:camera prst="orthographicFront"/>
+      <a:lightRig rig="threePt" dir="t"/>
+    </dgm:scene3d>
+    <dgm:sp3d/>
+    <dgm:txPr/>
+    <dgm:style>
+      <a:lnRef idx="2">
+        <a:scrgbClr r="0" g="0" b="0"/>
+      </a:lnRef>
+      <a:fillRef idx="1">
+        <a:scrgbClr r="0" g="0" b="0"/>
+      </a:fillRef>
+      <a:effectRef idx="0">
+        <a:scrgbClr r="0" g="0" b="0"/>
+      </a:effectRef>
+      <a:fontRef idx="minor"/>
+    </dgm:style>
+  </dgm:styleLbl>
+  <dgm:styleLbl name="bgShp">
+    <dgm:scene3d>
+      <a:camera prst="orthographicFront"/>
+      <a:lightRig rig="threePt" dir="t"/>
+    </dgm:scene3d>
+    <dgm:sp3d/>
+    <dgm:txPr/>
+    <dgm:style>
+      <a:lnRef idx="0">
+        <a:scrgbClr r="0" g="0" b="0"/>
+      </a:lnRef>
+      <a:fillRef idx="1">
+        <a:scrgbClr r="0" g="0" b="0"/>
+      </a:fillRef>
+      <a:effectRef idx="0">
+        <a:scrgbClr r="0" g="0" b="0"/>
+      </a:effectRef>
+      <a:fontRef idx="minor"/>
+    </dgm:style>
+  </dgm:styleLbl>
+  <dgm:styleLbl name="dkBgShp">
+    <dgm:scene3d>
+      <a:camera prst="orthographicFront"/>
+      <a:lightRig rig="threePt" dir="t"/>
+    </dgm:scene3d>
+    <dgm:sp3d/>
+    <dgm:txPr/>
+    <dgm:style>
+      <a:lnRef idx="0">
+        <a:scrgbClr r="0" g="0" b="0"/>
+      </a:lnRef>
+      <a:fillRef idx="1">
+        <a:scrgbClr r="0" g="0" b="0"/>
+      </a:fillRef>
+      <a:effectRef idx="0">
+        <a:scrgbClr r="0" g="0" b="0"/>
+      </a:effectRef>
+      <a:fontRef idx="minor"/>
+    </dgm:style>
+  </dgm:styleLbl>
+  <dgm:styleLbl name="trBgShp">
+    <dgm:scene3d>
+      <a:camera prst="orthographicFront"/>
+      <a:lightRig rig="threePt" dir="t"/>
+    </dgm:scene3d>
+    <dgm:sp3d/>
+    <dgm:txPr/>
+    <dgm:style>
+      <a:lnRef idx="0">
+        <a:scrgbClr r="0" g="0" b="0"/>
+      </a:lnRef>
+      <a:fillRef idx="1">
+        <a:scrgbClr r="0" g="0" b="0"/>
+      </a:fillRef>
+      <a:effectRef idx="0">
+        <a:scrgbClr r="0" g="0" b="0"/>
+      </a:effectRef>
+      <a:fontRef idx="minor"/>
+    </dgm:style>
+  </dgm:styleLbl>
+  <dgm:styleLbl name="fgShp">
+    <dgm:scene3d>
+      <a:camera prst="orthographicFront"/>
+      <a:lightRig rig="threePt" dir="t"/>
+    </dgm:scene3d>
+    <dgm:sp3d/>
+    <dgm:txPr/>
+    <dgm:style>
+      <a:lnRef idx="2">
+        <a:scrgbClr r="0" g="0" b="0"/>
+      </a:lnRef>
+      <a:fillRef idx="1">
+        <a:scrgbClr r="0" g="0" b="0"/>
+      </a:fillRef>
+      <a:effectRef idx="0">
+        <a:scrgbClr r="0" g="0" b="0"/>
+      </a:effectRef>
+      <a:fontRef idx="minor"/>
+    </dgm:style>
+  </dgm:styleLbl>
+  <dgm:styleLbl name="revTx">
+    <dgm:scene3d>
+      <a:camera prst="orthographicFront"/>
+      <a:lightRig rig="threePt" dir="t"/>
+    </dgm:scene3d>
+    <dgm:sp3d/>
+    <dgm:txPr/>
+    <dgm:style>
+      <a:lnRef idx="0">
+        <a:scrgbClr r="0" g="0" b="0"/>
+      </a:lnRef>
+      <a:fillRef idx="0">
+        <a:scrgbClr r="0" g="0" b="0"/>
+      </a:fillRef>
+      <a:effectRef idx="0">
+        <a:scrgbClr r="0" g="0" b="0"/>
+      </a:effectRef>
+      <a:fontRef idx="minor"/>
+    </dgm:style>
+  </dgm:styleLbl>
+</dgm:styleDef>
+</file>
+
 <file path=ppt/slideLayouts/slideLayout1.xml><?xml version="1.0" encoding="utf-8"?>
 <p:sldLayout xmlns:a="http://schemas.openxmlformats.org/drawingml/2006/main" xmlns:r="http://schemas.openxmlformats.org/officeDocument/2006/relationships" xmlns:p="http://schemas.openxmlformats.org/presentationml/2006/main" showMasterSp="0" type="title" preserve="1">
   <p:cSld name="Title Slide">
@@ -5729,7 +9150,7 @@
           <p:cNvPr id="10" name="Rectangle 9">
             <a:extLst>
               <a:ext uri="{FF2B5EF4-FFF2-40B4-BE49-F238E27FC236}">
-                <a16:creationId xmlns:a16="http://schemas.microsoft.com/office/drawing/2014/main" id="{39E3965E-AC41-4711-9D10-E25ABB132D86}"/>
+                <a16:creationId xmlns:a16="http://schemas.microsoft.com/office/drawing/2014/main" xmlns="" id="{39E3965E-AC41-4711-9D10-E25ABB132D86}"/>
               </a:ext>
             </a:extLst>
           </p:cNvPr>
@@ -5889,7 +9310,7 @@
           <p:cNvPr id="9" name="Straight Connector 8">
             <a:extLst>
               <a:ext uri="{FF2B5EF4-FFF2-40B4-BE49-F238E27FC236}">
-                <a16:creationId xmlns:a16="http://schemas.microsoft.com/office/drawing/2014/main" id="{1F5DC8C3-BA5F-4EED-BB9A-A14272BD82A1}"/>
+                <a16:creationId xmlns:a16="http://schemas.microsoft.com/office/drawing/2014/main" xmlns="" id="{1F5DC8C3-BA5F-4EED-BB9A-A14272BD82A1}"/>
               </a:ext>
             </a:extLst>
           </p:cNvPr>
@@ -5933,7 +9354,7 @@
           <p:cNvPr id="4" name="Date Placeholder 3">
             <a:extLst>
               <a:ext uri="{FF2B5EF4-FFF2-40B4-BE49-F238E27FC236}">
-                <a16:creationId xmlns:a16="http://schemas.microsoft.com/office/drawing/2014/main" id="{9925CCF1-92C0-4AF3-BFAF-4921631915AB}"/>
+                <a16:creationId xmlns:a16="http://schemas.microsoft.com/office/drawing/2014/main" xmlns="" id="{9925CCF1-92C0-4AF3-BFAF-4921631915AB}"/>
               </a:ext>
             </a:extLst>
           </p:cNvPr>
@@ -5962,7 +9383,7 @@
           <p:cNvPr id="5" name="Footer Placeholder 4">
             <a:extLst>
               <a:ext uri="{FF2B5EF4-FFF2-40B4-BE49-F238E27FC236}">
-                <a16:creationId xmlns:a16="http://schemas.microsoft.com/office/drawing/2014/main" id="{051A78A9-3DFF-4937-A9F2-5D8CF495F367}"/>
+                <a16:creationId xmlns:a16="http://schemas.microsoft.com/office/drawing/2014/main" xmlns="" id="{051A78A9-3DFF-4937-A9F2-5D8CF495F367}"/>
               </a:ext>
             </a:extLst>
           </p:cNvPr>
@@ -5987,7 +9408,7 @@
           <p:cNvPr id="6" name="Slide Number Placeholder 5">
             <a:extLst>
               <a:ext uri="{FF2B5EF4-FFF2-40B4-BE49-F238E27FC236}">
-                <a16:creationId xmlns:a16="http://schemas.microsoft.com/office/drawing/2014/main" id="{5FAEB271-5CC0-4759-BC6E-8BE53AB227C0}"/>
+                <a16:creationId xmlns:a16="http://schemas.microsoft.com/office/drawing/2014/main" xmlns="" id="{5FAEB271-5CC0-4759-BC6E-8BE53AB227C0}"/>
               </a:ext>
             </a:extLst>
           </p:cNvPr>
@@ -6121,7 +9542,7 @@
           <p:cNvPr id="7" name="Date Placeholder 6">
             <a:extLst>
               <a:ext uri="{FF2B5EF4-FFF2-40B4-BE49-F238E27FC236}">
-                <a16:creationId xmlns:a16="http://schemas.microsoft.com/office/drawing/2014/main" id="{7D5506EE-1026-4F35-9ACC-BD05BE0F9B36}"/>
+                <a16:creationId xmlns:a16="http://schemas.microsoft.com/office/drawing/2014/main" xmlns="" id="{7D5506EE-1026-4F35-9ACC-BD05BE0F9B36}"/>
               </a:ext>
             </a:extLst>
           </p:cNvPr>
@@ -6150,7 +9571,7 @@
           <p:cNvPr id="8" name="Footer Placeholder 7">
             <a:extLst>
               <a:ext uri="{FF2B5EF4-FFF2-40B4-BE49-F238E27FC236}">
-                <a16:creationId xmlns:a16="http://schemas.microsoft.com/office/drawing/2014/main" id="{B7696E5F-8D95-4450-AE52-5438E6EDE2BF}"/>
+                <a16:creationId xmlns:a16="http://schemas.microsoft.com/office/drawing/2014/main" xmlns="" id="{B7696E5F-8D95-4450-AE52-5438E6EDE2BF}"/>
               </a:ext>
             </a:extLst>
           </p:cNvPr>
@@ -6175,7 +9596,7 @@
           <p:cNvPr id="9" name="Slide Number Placeholder 8">
             <a:extLst>
               <a:ext uri="{FF2B5EF4-FFF2-40B4-BE49-F238E27FC236}">
-                <a16:creationId xmlns:a16="http://schemas.microsoft.com/office/drawing/2014/main" id="{999B2253-74CC-409E-BEB0-F8EFCFCB5629}"/>
+                <a16:creationId xmlns:a16="http://schemas.microsoft.com/office/drawing/2014/main" xmlns="" id="{999B2253-74CC-409E-BEB0-F8EFCFCB5629}"/>
               </a:ext>
             </a:extLst>
           </p:cNvPr>
@@ -6234,7 +9655,7 @@
           <p:cNvPr id="9" name="Rectangle 8">
             <a:extLst>
               <a:ext uri="{FF2B5EF4-FFF2-40B4-BE49-F238E27FC236}">
-                <a16:creationId xmlns:a16="http://schemas.microsoft.com/office/drawing/2014/main" id="{E1B68A5B-D9FA-424B-A4EB-30E7223836B3}"/>
+                <a16:creationId xmlns:a16="http://schemas.microsoft.com/office/drawing/2014/main" xmlns="" id="{E1B68A5B-D9FA-424B-A4EB-30E7223836B3}"/>
               </a:ext>
             </a:extLst>
           </p:cNvPr>
@@ -6363,7 +9784,7 @@
           <p:cNvPr id="7" name="Date Placeholder 6">
             <a:extLst>
               <a:ext uri="{FF2B5EF4-FFF2-40B4-BE49-F238E27FC236}">
-                <a16:creationId xmlns:a16="http://schemas.microsoft.com/office/drawing/2014/main" id="{AF33D6B0-F070-45C4-A472-19F432BE3932}"/>
+                <a16:creationId xmlns:a16="http://schemas.microsoft.com/office/drawing/2014/main" xmlns="" id="{AF33D6B0-F070-45C4-A472-19F432BE3932}"/>
               </a:ext>
             </a:extLst>
           </p:cNvPr>
@@ -6392,7 +9813,7 @@
           <p:cNvPr id="8" name="Footer Placeholder 7">
             <a:extLst>
               <a:ext uri="{FF2B5EF4-FFF2-40B4-BE49-F238E27FC236}">
-                <a16:creationId xmlns:a16="http://schemas.microsoft.com/office/drawing/2014/main" id="{9975399F-DAB2-410D-967F-ED17E6F796E7}"/>
+                <a16:creationId xmlns:a16="http://schemas.microsoft.com/office/drawing/2014/main" xmlns="" id="{9975399F-DAB2-410D-967F-ED17E6F796E7}"/>
               </a:ext>
             </a:extLst>
           </p:cNvPr>
@@ -6417,7 +9838,7 @@
           <p:cNvPr id="10" name="Slide Number Placeholder 9">
             <a:extLst>
               <a:ext uri="{FF2B5EF4-FFF2-40B4-BE49-F238E27FC236}">
-                <a16:creationId xmlns:a16="http://schemas.microsoft.com/office/drawing/2014/main" id="{F762A46F-6BE5-4D12-9412-5CA7672EA8EC}"/>
+                <a16:creationId xmlns:a16="http://schemas.microsoft.com/office/drawing/2014/main" xmlns="" id="{F762A46F-6BE5-4D12-9412-5CA7672EA8EC}"/>
               </a:ext>
             </a:extLst>
           </p:cNvPr>
@@ -6551,7 +9972,7 @@
           <p:cNvPr id="7" name="Date Placeholder 6">
             <a:extLst>
               <a:ext uri="{FF2B5EF4-FFF2-40B4-BE49-F238E27FC236}">
-                <a16:creationId xmlns:a16="http://schemas.microsoft.com/office/drawing/2014/main" id="{354D8B55-9EA8-4B81-8E84-9B93B0A27559}"/>
+                <a16:creationId xmlns:a16="http://schemas.microsoft.com/office/drawing/2014/main" xmlns="" id="{354D8B55-9EA8-4B81-8E84-9B93B0A27559}"/>
               </a:ext>
             </a:extLst>
           </p:cNvPr>
@@ -6580,7 +10001,7 @@
           <p:cNvPr id="8" name="Footer Placeholder 7">
             <a:extLst>
               <a:ext uri="{FF2B5EF4-FFF2-40B4-BE49-F238E27FC236}">
-                <a16:creationId xmlns:a16="http://schemas.microsoft.com/office/drawing/2014/main" id="{062CA021-2578-47CB-822C-BDDFF7223B28}"/>
+                <a16:creationId xmlns:a16="http://schemas.microsoft.com/office/drawing/2014/main" xmlns="" id="{062CA021-2578-47CB-822C-BDDFF7223B28}"/>
               </a:ext>
             </a:extLst>
           </p:cNvPr>
@@ -6605,7 +10026,7 @@
           <p:cNvPr id="9" name="Slide Number Placeholder 8">
             <a:extLst>
               <a:ext uri="{FF2B5EF4-FFF2-40B4-BE49-F238E27FC236}">
-                <a16:creationId xmlns:a16="http://schemas.microsoft.com/office/drawing/2014/main" id="{C4AAB51D-4141-4682-9375-DAFD5FB9DD10}"/>
+                <a16:creationId xmlns:a16="http://schemas.microsoft.com/office/drawing/2014/main" xmlns="" id="{C4AAB51D-4141-4682-9375-DAFD5FB9DD10}"/>
               </a:ext>
             </a:extLst>
           </p:cNvPr>
@@ -6672,7 +10093,7 @@
           <p:cNvPr id="10" name="Rectangle 9">
             <a:extLst>
               <a:ext uri="{FF2B5EF4-FFF2-40B4-BE49-F238E27FC236}">
-                <a16:creationId xmlns:a16="http://schemas.microsoft.com/office/drawing/2014/main" id="{A585C21A-8B93-4657-B5DF-7EAEAD3BE127}"/>
+                <a16:creationId xmlns:a16="http://schemas.microsoft.com/office/drawing/2014/main" xmlns="" id="{A585C21A-8B93-4657-B5DF-7EAEAD3BE127}"/>
               </a:ext>
             </a:extLst>
           </p:cNvPr>
@@ -6880,7 +10301,7 @@
           <p:cNvPr id="9" name="Straight Connector 8">
             <a:extLst>
               <a:ext uri="{FF2B5EF4-FFF2-40B4-BE49-F238E27FC236}">
-                <a16:creationId xmlns:a16="http://schemas.microsoft.com/office/drawing/2014/main" id="{459DE2C1-4C52-40A3-8959-27B2C1BEBFF6}"/>
+                <a16:creationId xmlns:a16="http://schemas.microsoft.com/office/drawing/2014/main" xmlns="" id="{459DE2C1-4C52-40A3-8959-27B2C1BEBFF6}"/>
               </a:ext>
             </a:extLst>
           </p:cNvPr>
@@ -6924,7 +10345,7 @@
           <p:cNvPr id="7" name="Date Placeholder 6">
             <a:extLst>
               <a:ext uri="{FF2B5EF4-FFF2-40B4-BE49-F238E27FC236}">
-                <a16:creationId xmlns:a16="http://schemas.microsoft.com/office/drawing/2014/main" id="{AAF2E137-EC28-48F8-9198-1F02539029B6}"/>
+                <a16:creationId xmlns:a16="http://schemas.microsoft.com/office/drawing/2014/main" xmlns="" id="{AAF2E137-EC28-48F8-9198-1F02539029B6}"/>
               </a:ext>
             </a:extLst>
           </p:cNvPr>
@@ -6953,7 +10374,7 @@
           <p:cNvPr id="8" name="Footer Placeholder 7">
             <a:extLst>
               <a:ext uri="{FF2B5EF4-FFF2-40B4-BE49-F238E27FC236}">
-                <a16:creationId xmlns:a16="http://schemas.microsoft.com/office/drawing/2014/main" id="{189422CD-6F62-4DD6-89EF-07A60B42D219}"/>
+                <a16:creationId xmlns:a16="http://schemas.microsoft.com/office/drawing/2014/main" xmlns="" id="{189422CD-6F62-4DD6-89EF-07A60B42D219}"/>
               </a:ext>
             </a:extLst>
           </p:cNvPr>
@@ -6978,7 +10399,7 @@
           <p:cNvPr id="11" name="Slide Number Placeholder 10">
             <a:extLst>
               <a:ext uri="{FF2B5EF4-FFF2-40B4-BE49-F238E27FC236}">
-                <a16:creationId xmlns:a16="http://schemas.microsoft.com/office/drawing/2014/main" id="{69C6AFF8-42B4-4D05-969B-9F5FB3355555}"/>
+                <a16:creationId xmlns:a16="http://schemas.microsoft.com/office/drawing/2014/main" xmlns="" id="{69C6AFF8-42B4-4D05-969B-9F5FB3355555}"/>
               </a:ext>
             </a:extLst>
           </p:cNvPr>
@@ -7179,7 +10600,7 @@
           <p:cNvPr id="2" name="Date Placeholder 1">
             <a:extLst>
               <a:ext uri="{FF2B5EF4-FFF2-40B4-BE49-F238E27FC236}">
-                <a16:creationId xmlns:a16="http://schemas.microsoft.com/office/drawing/2014/main" id="{5782D47D-B0DC-4C40-BCC6-BBBA32584A38}"/>
+                <a16:creationId xmlns:a16="http://schemas.microsoft.com/office/drawing/2014/main" xmlns="" id="{5782D47D-B0DC-4C40-BCC6-BBBA32584A38}"/>
               </a:ext>
             </a:extLst>
           </p:cNvPr>
@@ -7208,7 +10629,7 @@
           <p:cNvPr id="9" name="Footer Placeholder 8">
             <a:extLst>
               <a:ext uri="{FF2B5EF4-FFF2-40B4-BE49-F238E27FC236}">
-                <a16:creationId xmlns:a16="http://schemas.microsoft.com/office/drawing/2014/main" id="{4690D34E-7EBD-44B2-83CA-4C126A18D7EF}"/>
+                <a16:creationId xmlns:a16="http://schemas.microsoft.com/office/drawing/2014/main" xmlns="" id="{4690D34E-7EBD-44B2-83CA-4C126A18D7EF}"/>
               </a:ext>
             </a:extLst>
           </p:cNvPr>
@@ -7233,7 +10654,7 @@
           <p:cNvPr id="10" name="Slide Number Placeholder 9">
             <a:extLst>
               <a:ext uri="{FF2B5EF4-FFF2-40B4-BE49-F238E27FC236}">
-                <a16:creationId xmlns:a16="http://schemas.microsoft.com/office/drawing/2014/main" id="{2AC511A1-9BBD-42DE-92FB-2AF44F8E97A9}"/>
+                <a16:creationId xmlns:a16="http://schemas.microsoft.com/office/drawing/2014/main" xmlns="" id="{2AC511A1-9BBD-42DE-92FB-2AF44F8E97A9}"/>
               </a:ext>
             </a:extLst>
           </p:cNvPr>
@@ -7576,7 +10997,7 @@
           <p:cNvPr id="2" name="Date Placeholder 1">
             <a:extLst>
               <a:ext uri="{FF2B5EF4-FFF2-40B4-BE49-F238E27FC236}">
-                <a16:creationId xmlns:a16="http://schemas.microsoft.com/office/drawing/2014/main" id="{8AF8A515-AA94-45D1-9223-5C2272618D85}"/>
+                <a16:creationId xmlns:a16="http://schemas.microsoft.com/office/drawing/2014/main" xmlns="" id="{8AF8A515-AA94-45D1-9223-5C2272618D85}"/>
               </a:ext>
             </a:extLst>
           </p:cNvPr>
@@ -7605,7 +11026,7 @@
           <p:cNvPr id="11" name="Footer Placeholder 10">
             <a:extLst>
               <a:ext uri="{FF2B5EF4-FFF2-40B4-BE49-F238E27FC236}">
-                <a16:creationId xmlns:a16="http://schemas.microsoft.com/office/drawing/2014/main" id="{D052F5BC-98E0-4D60-AD67-9547738B7DD4}"/>
+                <a16:creationId xmlns:a16="http://schemas.microsoft.com/office/drawing/2014/main" xmlns="" id="{D052F5BC-98E0-4D60-AD67-9547738B7DD4}"/>
               </a:ext>
             </a:extLst>
           </p:cNvPr>
@@ -7630,7 +11051,7 @@
           <p:cNvPr id="12" name="Slide Number Placeholder 11">
             <a:extLst>
               <a:ext uri="{FF2B5EF4-FFF2-40B4-BE49-F238E27FC236}">
-                <a16:creationId xmlns:a16="http://schemas.microsoft.com/office/drawing/2014/main" id="{A38552DC-952E-41EA-AAAF-C2187523C0B0}"/>
+                <a16:creationId xmlns:a16="http://schemas.microsoft.com/office/drawing/2014/main" xmlns="" id="{A38552DC-952E-41EA-AAAF-C2187523C0B0}"/>
               </a:ext>
             </a:extLst>
           </p:cNvPr>
@@ -7712,7 +11133,7 @@
           <p:cNvPr id="6" name="Date Placeholder 5">
             <a:extLst>
               <a:ext uri="{FF2B5EF4-FFF2-40B4-BE49-F238E27FC236}">
-                <a16:creationId xmlns:a16="http://schemas.microsoft.com/office/drawing/2014/main" id="{7392073F-158F-44A3-8913-917AFFC1BC20}"/>
+                <a16:creationId xmlns:a16="http://schemas.microsoft.com/office/drawing/2014/main" xmlns="" id="{7392073F-158F-44A3-8913-917AFFC1BC20}"/>
               </a:ext>
             </a:extLst>
           </p:cNvPr>
@@ -7741,7 +11162,7 @@
           <p:cNvPr id="7" name="Footer Placeholder 6">
             <a:extLst>
               <a:ext uri="{FF2B5EF4-FFF2-40B4-BE49-F238E27FC236}">
-                <a16:creationId xmlns:a16="http://schemas.microsoft.com/office/drawing/2014/main" id="{EED72207-24CA-42B7-A975-2F8E41CBA904}"/>
+                <a16:creationId xmlns:a16="http://schemas.microsoft.com/office/drawing/2014/main" xmlns="" id="{EED72207-24CA-42B7-A975-2F8E41CBA904}"/>
               </a:ext>
             </a:extLst>
           </p:cNvPr>
@@ -7766,7 +11187,7 @@
           <p:cNvPr id="8" name="Slide Number Placeholder 7">
             <a:extLst>
               <a:ext uri="{FF2B5EF4-FFF2-40B4-BE49-F238E27FC236}">
-                <a16:creationId xmlns:a16="http://schemas.microsoft.com/office/drawing/2014/main" id="{D01080F2-251A-4B88-9A62-16F46D724F83}"/>
+                <a16:creationId xmlns:a16="http://schemas.microsoft.com/office/drawing/2014/main" xmlns="" id="{D01080F2-251A-4B88-9A62-16F46D724F83}"/>
               </a:ext>
             </a:extLst>
           </p:cNvPr>
@@ -7825,7 +11246,7 @@
           <p:cNvPr id="10" name="Rectangle 9">
             <a:extLst>
               <a:ext uri="{FF2B5EF4-FFF2-40B4-BE49-F238E27FC236}">
-                <a16:creationId xmlns:a16="http://schemas.microsoft.com/office/drawing/2014/main" id="{A8E9C91B-7EAD-4562-AB0E-DFB9663AECE3}"/>
+                <a16:creationId xmlns:a16="http://schemas.microsoft.com/office/drawing/2014/main" xmlns="" id="{A8E9C91B-7EAD-4562-AB0E-DFB9663AECE3}"/>
               </a:ext>
             </a:extLst>
           </p:cNvPr>
@@ -7869,7 +11290,7 @@
           <p:cNvPr id="2" name="Date Placeholder 1">
             <a:extLst>
               <a:ext uri="{FF2B5EF4-FFF2-40B4-BE49-F238E27FC236}">
-                <a16:creationId xmlns:a16="http://schemas.microsoft.com/office/drawing/2014/main" id="{94E9223F-721F-47BF-9FD5-0F8D12FF0DE1}"/>
+                <a16:creationId xmlns:a16="http://schemas.microsoft.com/office/drawing/2014/main" xmlns="" id="{94E9223F-721F-47BF-9FD5-0F8D12FF0DE1}"/>
               </a:ext>
             </a:extLst>
           </p:cNvPr>
@@ -7898,7 +11319,7 @@
           <p:cNvPr id="3" name="Footer Placeholder 2">
             <a:extLst>
               <a:ext uri="{FF2B5EF4-FFF2-40B4-BE49-F238E27FC236}">
-                <a16:creationId xmlns:a16="http://schemas.microsoft.com/office/drawing/2014/main" id="{05915714-6BBA-4593-8591-4E26F7D58D9F}"/>
+                <a16:creationId xmlns:a16="http://schemas.microsoft.com/office/drawing/2014/main" xmlns="" id="{05915714-6BBA-4593-8591-4E26F7D58D9F}"/>
               </a:ext>
             </a:extLst>
           </p:cNvPr>
@@ -7923,7 +11344,7 @@
           <p:cNvPr id="4" name="Slide Number Placeholder 3">
             <a:extLst>
               <a:ext uri="{FF2B5EF4-FFF2-40B4-BE49-F238E27FC236}">
-                <a16:creationId xmlns:a16="http://schemas.microsoft.com/office/drawing/2014/main" id="{BE06F857-D2E1-44DD-ABDD-EBB739645B67}"/>
+                <a16:creationId xmlns:a16="http://schemas.microsoft.com/office/drawing/2014/main" xmlns="" id="{BE06F857-D2E1-44DD-ABDD-EBB739645B67}"/>
               </a:ext>
             </a:extLst>
           </p:cNvPr>
@@ -7982,7 +11403,7 @@
           <p:cNvPr id="8" name="Rectangle 7">
             <a:extLst>
               <a:ext uri="{FF2B5EF4-FFF2-40B4-BE49-F238E27FC236}">
-                <a16:creationId xmlns:a16="http://schemas.microsoft.com/office/drawing/2014/main" id="{16D90D66-BCB9-4229-A829-628874352AC0}"/>
+                <a16:creationId xmlns:a16="http://schemas.microsoft.com/office/drawing/2014/main" xmlns="" id="{16D90D66-BCB9-4229-A829-628874352AC0}"/>
               </a:ext>
             </a:extLst>
           </p:cNvPr>
@@ -8321,7 +11742,7 @@
           <p:cNvPr id="8" name="Rectangle 7">
             <a:extLst>
               <a:ext uri="{FF2B5EF4-FFF2-40B4-BE49-F238E27FC236}">
-                <a16:creationId xmlns:a16="http://schemas.microsoft.com/office/drawing/2014/main" id="{DA134939-39C0-4522-A125-A13DFDA66490}"/>
+                <a16:creationId xmlns:a16="http://schemas.microsoft.com/office/drawing/2014/main" xmlns="" id="{DA134939-39C0-4522-A125-A13DFDA66490}"/>
               </a:ext>
             </a:extLst>
           </p:cNvPr>
@@ -8660,7 +12081,7 @@
           <p:cNvPr id="7" name="Rectangle 6">
             <a:extLst>
               <a:ext uri="{FF2B5EF4-FFF2-40B4-BE49-F238E27FC236}">
-                <a16:creationId xmlns:a16="http://schemas.microsoft.com/office/drawing/2014/main" id="{416A0E3C-60E6-4F39-BC55-5F7C224E1F7C}"/>
+                <a16:creationId xmlns:a16="http://schemas.microsoft.com/office/drawing/2014/main" xmlns="" id="{416A0E3C-60E6-4F39-BC55-5F7C224E1F7C}"/>
               </a:ext>
             </a:extLst>
           </p:cNvPr>
@@ -8912,7 +12333,7 @@
           <p:cNvPr id="10" name="Straight Connector 9">
             <a:extLst>
               <a:ext uri="{FF2B5EF4-FFF2-40B4-BE49-F238E27FC236}">
-                <a16:creationId xmlns:a16="http://schemas.microsoft.com/office/drawing/2014/main" id="{C5025DAC-8B93-4160-B017-3A274A5828C0}"/>
+                <a16:creationId xmlns:a16="http://schemas.microsoft.com/office/drawing/2014/main" xmlns="" id="{C5025DAC-8B93-4160-B017-3A274A5828C0}"/>
               </a:ext>
             </a:extLst>
           </p:cNvPr>
@@ -9368,7 +12789,7 @@
           <p:cNvPr id="4" name="Picture 3" descr="Hexagonal background with blue neon lights">
             <a:extLst>
               <a:ext uri="{FF2B5EF4-FFF2-40B4-BE49-F238E27FC236}">
-                <a16:creationId xmlns:a16="http://schemas.microsoft.com/office/drawing/2014/main" id="{7CAA8EB9-C9DF-28EF-4BAD-CD2FEF2DA1E1}"/>
+                <a16:creationId xmlns:a16="http://schemas.microsoft.com/office/drawing/2014/main" xmlns="" id="{7CAA8EB9-C9DF-28EF-4BAD-CD2FEF2DA1E1}"/>
               </a:ext>
             </a:extLst>
           </p:cNvPr>
@@ -9397,10 +12818,10 @@
           <p:cNvPr id="55" name="Rectangle 54">
             <a:extLst>
               <a:ext uri="{FF2B5EF4-FFF2-40B4-BE49-F238E27FC236}">
-                <a16:creationId xmlns:a16="http://schemas.microsoft.com/office/drawing/2014/main" id="{D5B012D8-7F27-4758-9AC6-C889B154BD73}"/>
+                <a16:creationId xmlns:a16="http://schemas.microsoft.com/office/drawing/2014/main" xmlns="" id="{D5B012D8-7F27-4758-9AC6-C889B154BD73}"/>
               </a:ext>
               <a:ext uri="{C183D7F6-B498-43B3-948B-1728B52AA6E4}">
-                <adec:decorative xmlns:adec="http://schemas.microsoft.com/office/drawing/2017/decorative" val="1"/>
+                <adec:decorative xmlns:adec="http://schemas.microsoft.com/office/drawing/2017/decorative" xmlns="" val="1"/>
               </a:ext>
             </a:extLst>
           </p:cNvPr>
@@ -9410,7 +12831,7 @@
           <p:nvPr>
             <p:extLst>
               <p:ext uri="{386F3935-93C4-4BCD-93E2-E3B085C9AB24}">
-                <p16:designElem xmlns:p16="http://schemas.microsoft.com/office/powerpoint/2015/main" val="1"/>
+                <p16:designElem xmlns:p16="http://schemas.microsoft.com/office/powerpoint/2015/main" xmlns="" val="1"/>
               </p:ext>
             </p:extLst>
           </p:nvPr>
@@ -9478,7 +12899,7 @@
           <p:cNvPr id="2" name="Title 1">
             <a:extLst>
               <a:ext uri="{FF2B5EF4-FFF2-40B4-BE49-F238E27FC236}">
-                <a16:creationId xmlns:a16="http://schemas.microsoft.com/office/drawing/2014/main" id="{D50A80DF-0576-976D-7B3D-15C7C32C5382}"/>
+                <a16:creationId xmlns:a16="http://schemas.microsoft.com/office/drawing/2014/main" xmlns="" id="{D50A80DF-0576-976D-7B3D-15C7C32C5382}"/>
               </a:ext>
             </a:extLst>
           </p:cNvPr>
@@ -9517,7 +12938,7 @@
           <p:cNvPr id="3" name="Subtitle 2">
             <a:extLst>
               <a:ext uri="{FF2B5EF4-FFF2-40B4-BE49-F238E27FC236}">
-                <a16:creationId xmlns:a16="http://schemas.microsoft.com/office/drawing/2014/main" id="{E146FA88-31F9-0343-513F-483AAFD492F4}"/>
+                <a16:creationId xmlns:a16="http://schemas.microsoft.com/office/drawing/2014/main" xmlns="" id="{E146FA88-31F9-0343-513F-483AAFD492F4}"/>
               </a:ext>
             </a:extLst>
           </p:cNvPr>
@@ -9606,10 +13027,10 @@
           <p:cNvPr id="57" name="Rectangle 56">
             <a:extLst>
               <a:ext uri="{FF2B5EF4-FFF2-40B4-BE49-F238E27FC236}">
-                <a16:creationId xmlns:a16="http://schemas.microsoft.com/office/drawing/2014/main" id="{4063B759-00FC-46D1-9898-8E8625268FAF}"/>
+                <a16:creationId xmlns:a16="http://schemas.microsoft.com/office/drawing/2014/main" xmlns="" id="{4063B759-00FC-46D1-9898-8E8625268FAF}"/>
               </a:ext>
               <a:ext uri="{C183D7F6-B498-43B3-948B-1728B52AA6E4}">
-                <adec:decorative xmlns:adec="http://schemas.microsoft.com/office/drawing/2017/decorative" val="1"/>
+                <adec:decorative xmlns:adec="http://schemas.microsoft.com/office/drawing/2017/decorative" xmlns="" val="1"/>
               </a:ext>
             </a:extLst>
           </p:cNvPr>
@@ -9619,7 +13040,7 @@
           <p:nvPr>
             <p:extLst>
               <p:ext uri="{386F3935-93C4-4BCD-93E2-E3B085C9AB24}">
-                <p16:designElem xmlns:p16="http://schemas.microsoft.com/office/powerpoint/2015/main" val="1"/>
+                <p16:designElem xmlns:p16="http://schemas.microsoft.com/office/powerpoint/2015/main" xmlns="" val="1"/>
               </p:ext>
             </p:extLst>
           </p:nvPr>
@@ -9717,7 +13138,7 @@
           <p:cNvPr id="3" name="TextBox 2">
             <a:extLst>
               <a:ext uri="{FF2B5EF4-FFF2-40B4-BE49-F238E27FC236}">
-                <a16:creationId xmlns:a16="http://schemas.microsoft.com/office/drawing/2014/main" id="{1DF3F309-B16B-0069-4EBA-56E8B813EDA8}"/>
+                <a16:creationId xmlns:a16="http://schemas.microsoft.com/office/drawing/2014/main" xmlns="" id="{1DF3F309-B16B-0069-4EBA-56E8B813EDA8}"/>
               </a:ext>
             </a:extLst>
           </p:cNvPr>
@@ -9960,7 +13381,7 @@
           <p:cNvPr id="3" name="TextBox 2">
             <a:extLst>
               <a:ext uri="{FF2B5EF4-FFF2-40B4-BE49-F238E27FC236}">
-                <a16:creationId xmlns:a16="http://schemas.microsoft.com/office/drawing/2014/main" id="{30ED7CE4-F1D7-7D1A-9D19-A07FA9B65E72}"/>
+                <a16:creationId xmlns:a16="http://schemas.microsoft.com/office/drawing/2014/main" xmlns="" id="{30ED7CE4-F1D7-7D1A-9D19-A07FA9B65E72}"/>
               </a:ext>
             </a:extLst>
           </p:cNvPr>
@@ -10012,7 +13433,7 @@
           <p:cNvPr id="5" name="Picture 4">
             <a:extLst>
               <a:ext uri="{FF2B5EF4-FFF2-40B4-BE49-F238E27FC236}">
-                <a16:creationId xmlns:a16="http://schemas.microsoft.com/office/drawing/2014/main" id="{F6972C31-C24D-377B-8F30-A2CAC9D67AD0}"/>
+                <a16:creationId xmlns:a16="http://schemas.microsoft.com/office/drawing/2014/main" xmlns="" id="{F6972C31-C24D-377B-8F30-A2CAC9D67AD0}"/>
               </a:ext>
             </a:extLst>
           </p:cNvPr>
@@ -10078,7 +13499,7 @@
           <p:cNvPr id="3" name="TextBox 2">
             <a:extLst>
               <a:ext uri="{FF2B5EF4-FFF2-40B4-BE49-F238E27FC236}">
-                <a16:creationId xmlns:a16="http://schemas.microsoft.com/office/drawing/2014/main" id="{ACE403ED-3661-57CD-D429-786DDD526D38}"/>
+                <a16:creationId xmlns:a16="http://schemas.microsoft.com/office/drawing/2014/main" xmlns="" id="{ACE403ED-3661-57CD-D429-786DDD526D38}"/>
               </a:ext>
             </a:extLst>
           </p:cNvPr>
@@ -10259,7 +13680,7 @@
           <p:cNvPr id="5" name="Picture 4">
             <a:extLst>
               <a:ext uri="{FF2B5EF4-FFF2-40B4-BE49-F238E27FC236}">
-                <a16:creationId xmlns:a16="http://schemas.microsoft.com/office/drawing/2014/main" id="{8D11B1E7-D6B4-F155-DFAA-926F50F435AC}"/>
+                <a16:creationId xmlns:a16="http://schemas.microsoft.com/office/drawing/2014/main" xmlns="" id="{8D11B1E7-D6B4-F155-DFAA-926F50F435AC}"/>
               </a:ext>
             </a:extLst>
           </p:cNvPr>
@@ -10325,7 +13746,7 @@
           <p:cNvPr id="3" name="TextBox 2">
             <a:extLst>
               <a:ext uri="{FF2B5EF4-FFF2-40B4-BE49-F238E27FC236}">
-                <a16:creationId xmlns:a16="http://schemas.microsoft.com/office/drawing/2014/main" id="{585F1EF1-A5B4-1A32-5ACA-9EBCA3A8AFB9}"/>
+                <a16:creationId xmlns:a16="http://schemas.microsoft.com/office/drawing/2014/main" xmlns="" id="{585F1EF1-A5B4-1A32-5ACA-9EBCA3A8AFB9}"/>
               </a:ext>
             </a:extLst>
           </p:cNvPr>
@@ -10379,7 +13800,7 @@
           <p:cNvPr id="4" name="Graphic 1">
             <a:extLst>
               <a:ext uri="{FF2B5EF4-FFF2-40B4-BE49-F238E27FC236}">
-                <a16:creationId xmlns:a16="http://schemas.microsoft.com/office/drawing/2014/main" id="{6232E52F-AB31-91D1-0D6D-1A8B2491F6E3}"/>
+                <a16:creationId xmlns:a16="http://schemas.microsoft.com/office/drawing/2014/main" xmlns="" id="{6232E52F-AB31-91D1-0D6D-1A8B2491F6E3}"/>
               </a:ext>
             </a:extLst>
           </p:cNvPr>
@@ -10395,7 +13816,7 @@
                 <a14:useLocalDpi xmlns:a14="http://schemas.microsoft.com/office/drawing/2010/main" val="0"/>
               </a:ext>
               <a:ext uri="{96DAC541-7B7A-43D3-8B79-37D633B846F1}">
-                <asvg:svgBlip xmlns:asvg="http://schemas.microsoft.com/office/drawing/2016/SVG/main" r:embed="rId3"/>
+                <asvg:svgBlip xmlns:asvg="http://schemas.microsoft.com/office/drawing/2016/SVG/main" xmlns="" r:embed="rId3"/>
               </a:ext>
             </a:extLst>
           </a:blip>
@@ -10418,7 +13839,7 @@
           <p:cNvPr id="6" name="TextBox 5">
             <a:extLst>
               <a:ext uri="{FF2B5EF4-FFF2-40B4-BE49-F238E27FC236}">
-                <a16:creationId xmlns:a16="http://schemas.microsoft.com/office/drawing/2014/main" id="{515B145B-2E17-0702-6EE0-5AE2DD801771}"/>
+                <a16:creationId xmlns:a16="http://schemas.microsoft.com/office/drawing/2014/main" xmlns="" id="{515B145B-2E17-0702-6EE0-5AE2DD801771}"/>
               </a:ext>
             </a:extLst>
           </p:cNvPr>
@@ -10471,6 +13892,13 @@
   <p:clrMapOvr>
     <a:masterClrMapping/>
   </p:clrMapOvr>
+  <p:timing>
+    <p:tnLst>
+      <p:par>
+        <p:cTn id="1" dur="indefinite" restart="never" nodeType="tmRoot"/>
+      </p:par>
+    </p:tnLst>
+  </p:timing>
 </p:sld>
 </file>
 
@@ -10496,7 +13924,7 @@
           <p:cNvPr id="3" name="TextBox 2">
             <a:extLst>
               <a:ext uri="{FF2B5EF4-FFF2-40B4-BE49-F238E27FC236}">
-                <a16:creationId xmlns:a16="http://schemas.microsoft.com/office/drawing/2014/main" id="{CD17FCCC-D88F-35FC-CE70-CE4E5F2F7EC6}"/>
+                <a16:creationId xmlns:a16="http://schemas.microsoft.com/office/drawing/2014/main" xmlns="" id="{CD17FCCC-D88F-35FC-CE70-CE4E5F2F7EC6}"/>
               </a:ext>
             </a:extLst>
           </p:cNvPr>
@@ -10809,6 +14237,13 @@
   <p:clrMapOvr>
     <a:masterClrMapping/>
   </p:clrMapOvr>
+  <p:timing>
+    <p:tnLst>
+      <p:par>
+        <p:cTn id="1" dur="indefinite" restart="never" nodeType="tmRoot"/>
+      </p:par>
+    </p:tnLst>
+  </p:timing>
 </p:sld>
 </file>
 
@@ -10834,7 +14269,7 @@
           <p:cNvPr id="3" name="TextBox 2">
             <a:extLst>
               <a:ext uri="{FF2B5EF4-FFF2-40B4-BE49-F238E27FC236}">
-                <a16:creationId xmlns:a16="http://schemas.microsoft.com/office/drawing/2014/main" id="{54FAE4C1-8530-6109-109D-E7AAC4286F22}"/>
+                <a16:creationId xmlns:a16="http://schemas.microsoft.com/office/drawing/2014/main" xmlns="" id="{54FAE4C1-8530-6109-109D-E7AAC4286F22}"/>
               </a:ext>
             </a:extLst>
           </p:cNvPr>
@@ -10935,7 +14370,7 @@
           <p:cNvPr id="5" name="Picture 4">
             <a:extLst>
               <a:ext uri="{FF2B5EF4-FFF2-40B4-BE49-F238E27FC236}">
-                <a16:creationId xmlns:a16="http://schemas.microsoft.com/office/drawing/2014/main" id="{4FDDCEBB-5D49-9C67-ECB3-6055BE987A70}"/>
+                <a16:creationId xmlns:a16="http://schemas.microsoft.com/office/drawing/2014/main" xmlns="" id="{4FDDCEBB-5D49-9C67-ECB3-6055BE987A70}"/>
               </a:ext>
             </a:extLst>
           </p:cNvPr>
@@ -10976,6 +14411,13 @@
   <p:clrMapOvr>
     <a:masterClrMapping/>
   </p:clrMapOvr>
+  <p:timing>
+    <p:tnLst>
+      <p:par>
+        <p:cTn id="1" dur="indefinite" restart="never" nodeType="tmRoot"/>
+      </p:par>
+    </p:tnLst>
+  </p:timing>
 </p:sld>
 </file>
 
@@ -11004,15 +14446,15 @@
           <a:chExt cx="0" cy="0"/>
         </a:xfrm>
       </p:grpSpPr>
-      <p:sp useBgFill="1">
+      <p:sp>
         <p:nvSpPr>
-          <p:cNvPr id="15" name="Rectangle 14">
+          <p:cNvPr id="17" name="Rectangle 16">
             <a:extLst>
               <a:ext uri="{FF2B5EF4-FFF2-40B4-BE49-F238E27FC236}">
-                <a16:creationId xmlns:a16="http://schemas.microsoft.com/office/drawing/2014/main" id="{3558DB37-9FEE-48A2-8578-ED0401573943}"/>
+                <a16:creationId xmlns:a16="http://schemas.microsoft.com/office/drawing/2014/main" xmlns="" id="{5F7FCCA6-00E2-4F74-A105-0D769872F243}"/>
               </a:ext>
               <a:ext uri="{C183D7F6-B498-43B3-948B-1728B52AA6E4}">
-                <adec:decorative xmlns:adec="http://schemas.microsoft.com/office/drawing/2017/decorative" val="1"/>
+                <adec:decorative xmlns:adec="http://schemas.microsoft.com/office/drawing/2017/decorative" xmlns="" val="1"/>
               </a:ext>
             </a:extLst>
           </p:cNvPr>
@@ -11022,67 +14464,7 @@
           <p:nvPr>
             <p:extLst>
               <p:ext uri="{386F3935-93C4-4BCD-93E2-E3B085C9AB24}">
-                <p16:designElem xmlns:p16="http://schemas.microsoft.com/office/powerpoint/2015/main" val="1"/>
-              </p:ext>
-            </p:extLst>
-          </p:nvPr>
-        </p:nvSpPr>
-        <p:spPr>
-          <a:xfrm>
-            <a:off x="1507" y="0"/>
-            <a:ext cx="12192000" cy="6858000"/>
-          </a:xfrm>
-          <a:prstGeom prst="rect">
-            <a:avLst/>
-          </a:prstGeom>
-          <a:ln>
-            <a:noFill/>
-          </a:ln>
-        </p:spPr>
-        <p:style>
-          <a:lnRef idx="2">
-            <a:schemeClr val="accent1">
-              <a:shade val="50000"/>
-            </a:schemeClr>
-          </a:lnRef>
-          <a:fillRef idx="1">
-            <a:schemeClr val="accent1"/>
-          </a:fillRef>
-          <a:effectRef idx="0">
-            <a:schemeClr val="accent1"/>
-          </a:effectRef>
-          <a:fontRef idx="minor">
-            <a:schemeClr val="lt1"/>
-          </a:fontRef>
-        </p:style>
-        <p:txBody>
-          <a:bodyPr rtlCol="0" anchor="ctr"/>
-          <a:lstStyle/>
-          <a:p>
-            <a:pPr algn="ctr"/>
-            <a:endParaRPr lang="en-US"/>
-          </a:p>
-        </p:txBody>
-      </p:sp>
-      <p:sp>
-        <p:nvSpPr>
-          <p:cNvPr id="17" name="Rectangle 16">
-            <a:extLst>
-              <a:ext uri="{FF2B5EF4-FFF2-40B4-BE49-F238E27FC236}">
-                <a16:creationId xmlns:a16="http://schemas.microsoft.com/office/drawing/2014/main" id="{5F7FCCA6-00E2-4F74-A105-0D769872F243}"/>
-              </a:ext>
-              <a:ext uri="{C183D7F6-B498-43B3-948B-1728B52AA6E4}">
-                <adec:decorative xmlns:adec="http://schemas.microsoft.com/office/drawing/2017/decorative" val="1"/>
-              </a:ext>
-            </a:extLst>
-          </p:cNvPr>
-          <p:cNvSpPr>
-            <a:spLocks noGrp="1" noRot="1" noChangeAspect="1" noMove="1" noResize="1" noEditPoints="1" noAdjustHandles="1" noChangeArrowheads="1" noChangeShapeType="1" noTextEdit="1"/>
-          </p:cNvSpPr>
-          <p:nvPr>
-            <p:extLst>
-              <p:ext uri="{386F3935-93C4-4BCD-93E2-E3B085C9AB24}">
-                <p16:designElem xmlns:p16="http://schemas.microsoft.com/office/powerpoint/2015/main" val="1"/>
+                <p16:designElem xmlns:p16="http://schemas.microsoft.com/office/powerpoint/2015/main" xmlns="" val="1"/>
               </p:ext>
             </p:extLst>
           </p:nvPr>
@@ -11124,7 +14506,7 @@
           <p:cNvPr id="2" name="Title 1">
             <a:extLst>
               <a:ext uri="{FF2B5EF4-FFF2-40B4-BE49-F238E27FC236}">
-                <a16:creationId xmlns:a16="http://schemas.microsoft.com/office/drawing/2014/main" id="{C5BB84F1-AA7C-7B80-B59A-BDE8FF825C21}"/>
+                <a16:creationId xmlns:a16="http://schemas.microsoft.com/office/drawing/2014/main" xmlns="" id="{C5BB84F1-AA7C-7B80-B59A-BDE8FF825C21}"/>
               </a:ext>
             </a:extLst>
           </p:cNvPr>
@@ -11148,59 +14530,12 @@
           <a:lstStyle/>
           <a:p>
             <a:r>
-              <a:rPr lang="en-US">
+              <a:rPr lang="en-US" dirty="0">
                 <a:solidFill>
                   <a:srgbClr val="FFFFFF"/>
                 </a:solidFill>
               </a:rPr>
               <a:t>Infrastructure Access Control</a:t>
-            </a:r>
-          </a:p>
-        </p:txBody>
-      </p:sp>
-      <p:sp>
-        <p:nvSpPr>
-          <p:cNvPr id="3" name="Content Placeholder 2">
-            <a:extLst>
-              <a:ext uri="{FF2B5EF4-FFF2-40B4-BE49-F238E27FC236}">
-                <a16:creationId xmlns:a16="http://schemas.microsoft.com/office/drawing/2014/main" id="{A5FD1327-7266-4C15-9B6E-8165C3C43D72}"/>
-              </a:ext>
-            </a:extLst>
-          </p:cNvPr>
-          <p:cNvSpPr>
-            <a:spLocks noGrp="1"/>
-          </p:cNvSpPr>
-          <p:nvPr>
-            <p:ph idx="1"/>
-          </p:nvPr>
-        </p:nvSpPr>
-        <p:spPr>
-          <a:xfrm>
-            <a:off x="1096963" y="2675694"/>
-            <a:ext cx="10058400" cy="3193294"/>
-          </a:xfrm>
-        </p:spPr>
-        <p:txBody>
-          <a:bodyPr>
-            <a:normAutofit/>
-          </a:bodyPr>
-          <a:lstStyle/>
-          <a:p>
-            <a:r>
-              <a:rPr lang="en-US" dirty="0"/>
-              <a:t>Infra-structure.</a:t>
-            </a:r>
-          </a:p>
-          <a:p>
-            <a:r>
-              <a:rPr lang="en-US" dirty="0"/>
-              <a:t>Giving access to those structure brings Infrastructure Access Control.</a:t>
-            </a:r>
-          </a:p>
-          <a:p>
-            <a:r>
-              <a:rPr lang="en-US" dirty="0"/>
-              <a:t>What types of controls are included?</a:t>
             </a:r>
           </a:p>
         </p:txBody>
@@ -11210,10 +14545,10 @@
           <p:cNvPr id="19" name="Rectangle 18">
             <a:extLst>
               <a:ext uri="{FF2B5EF4-FFF2-40B4-BE49-F238E27FC236}">
-                <a16:creationId xmlns:a16="http://schemas.microsoft.com/office/drawing/2014/main" id="{359CEC61-F44B-43B3-B40F-AE38C5AF1D5F}"/>
+                <a16:creationId xmlns:a16="http://schemas.microsoft.com/office/drawing/2014/main" xmlns="" id="{359CEC61-F44B-43B3-B40F-AE38C5AF1D5F}"/>
               </a:ext>
               <a:ext uri="{C183D7F6-B498-43B3-948B-1728B52AA6E4}">
-                <adec:decorative xmlns:adec="http://schemas.microsoft.com/office/drawing/2017/decorative" val="1"/>
+                <adec:decorative xmlns:adec="http://schemas.microsoft.com/office/drawing/2017/decorative" xmlns="" val="1"/>
               </a:ext>
             </a:extLst>
           </p:cNvPr>
@@ -11223,7 +14558,7 @@
           <p:nvPr>
             <p:extLst>
               <p:ext uri="{386F3935-93C4-4BCD-93E2-E3B085C9AB24}">
-                <p16:designElem xmlns:p16="http://schemas.microsoft.com/office/powerpoint/2015/main" val="1"/>
+                <p16:designElem xmlns:p16="http://schemas.microsoft.com/office/powerpoint/2015/main" xmlns="" val="1"/>
               </p:ext>
             </p:extLst>
           </p:nvPr>
@@ -11260,6 +14595,28 @@
           </a:fontRef>
         </p:style>
       </p:sp>
+      <p:graphicFrame>
+        <p:nvGraphicFramePr>
+          <p:cNvPr id="6" name="Diagram 5"/>
+          <p:cNvGraphicFramePr/>
+          <p:nvPr>
+            <p:extLst>
+              <p:ext uri="{D42A27DB-BD31-4B8C-83A1-F6EECF244321}">
+                <p14:modId xmlns:p14="http://schemas.microsoft.com/office/powerpoint/2010/main" val="747014128"/>
+              </p:ext>
+            </p:extLst>
+          </p:nvPr>
+        </p:nvGraphicFramePr>
+        <p:xfrm>
+          <a:off x="-517235" y="2023963"/>
+          <a:ext cx="11850254" cy="3878073"/>
+        </p:xfrm>
+        <a:graphic>
+          <a:graphicData uri="http://schemas.openxmlformats.org/drawingml/2006/diagram">
+            <dgm:relIds xmlns:dgm="http://schemas.openxmlformats.org/drawingml/2006/diagram" xmlns:r="http://schemas.openxmlformats.org/officeDocument/2006/relationships" r:dm="rId2" r:lo="rId3" r:qs="rId4" r:cs="rId5"/>
+          </a:graphicData>
+        </a:graphic>
+      </p:graphicFrame>
     </p:spTree>
     <p:extLst>
       <p:ext uri="{BB962C8B-B14F-4D97-AF65-F5344CB8AC3E}">
@@ -11270,6 +14627,13 @@
   <p:clrMapOvr>
     <a:masterClrMapping/>
   </p:clrMapOvr>
+  <p:timing>
+    <p:tnLst>
+      <p:par>
+        <p:cTn id="1" dur="indefinite" restart="never" nodeType="tmRoot"/>
+      </p:par>
+    </p:tnLst>
+  </p:timing>
 </p:sld>
 </file>
 
@@ -11290,85 +14654,53 @@
           <a:chExt cx="0" cy="0"/>
         </a:xfrm>
       </p:grpSpPr>
-      <p:sp>
-        <p:nvSpPr>
-          <p:cNvPr id="2" name="Title 1">
+      <p:pic>
+        <p:nvPicPr>
+          <p:cNvPr id="2" name="Picture 1"/>
+          <p:cNvPicPr>
+            <a:picLocks noChangeAspect="1"/>
+          </p:cNvPicPr>
+          <p:nvPr/>
+        </p:nvPicPr>
+        <p:blipFill>
+          <a:blip r:embed="rId2">
             <a:extLst>
-              <a:ext uri="{FF2B5EF4-FFF2-40B4-BE49-F238E27FC236}">
-                <a16:creationId xmlns:a16="http://schemas.microsoft.com/office/drawing/2014/main" id="{5B71D3CE-F146-52DF-B803-D62FA41D90FD}"/>
+              <a:ext uri="{28A0092B-C50C-407E-A947-70E740481C1C}">
+                <a14:useLocalDpi xmlns:a14="http://schemas.microsoft.com/office/drawing/2010/main" val="0"/>
               </a:ext>
             </a:extLst>
-          </p:cNvPr>
-          <p:cNvSpPr>
-            <a:spLocks noGrp="1"/>
-          </p:cNvSpPr>
-          <p:nvPr>
-            <p:ph type="title"/>
-          </p:nvPr>
-        </p:nvSpPr>
-        <p:spPr/>
-        <p:txBody>
-          <a:bodyPr/>
-          <a:lstStyle/>
-          <a:p>
-            <a:r>
-              <a:rPr lang="en-US" dirty="0"/>
-              <a:t>Why Segment a network</a:t>
-            </a:r>
-          </a:p>
-        </p:txBody>
-      </p:sp>
-      <p:sp>
-        <p:nvSpPr>
-          <p:cNvPr id="3" name="Content Placeholder 2">
-            <a:extLst>
-              <a:ext uri="{FF2B5EF4-FFF2-40B4-BE49-F238E27FC236}">
-                <a16:creationId xmlns:a16="http://schemas.microsoft.com/office/drawing/2014/main" id="{EFD0E9FA-8796-3524-00B2-2B08D0ACBFF1}"/>
-              </a:ext>
-            </a:extLst>
-          </p:cNvPr>
-          <p:cNvSpPr>
-            <a:spLocks noGrp="1"/>
-          </p:cNvSpPr>
-          <p:nvPr>
-            <p:ph idx="1"/>
-          </p:nvPr>
-        </p:nvSpPr>
-        <p:spPr/>
-        <p:txBody>
-          <a:bodyPr/>
-          <a:lstStyle/>
-          <a:p>
-            <a:r>
-              <a:rPr lang="en-US" dirty="0"/>
-              <a:t>Network classification.</a:t>
-            </a:r>
-          </a:p>
-          <a:p>
-            <a:r>
-              <a:rPr lang="en-US" dirty="0"/>
-              <a:t>The ability to implement different services, authentication requirements, and security measures is made possible through segmentation.</a:t>
-            </a:r>
-          </a:p>
-          <a:p>
-            <a:pPr>
-              <a:buFont typeface="Arial" panose="020B0604020202020204" pitchFamily="34" charset="0"/>
-              <a:buChar char="•"/>
-            </a:pPr>
-            <a:endParaRPr lang="en-US" dirty="0"/>
-          </a:p>
-        </p:txBody>
-      </p:sp>
+          </a:blip>
+          <a:stretch>
+            <a:fillRect/>
+          </a:stretch>
+        </p:blipFill>
+        <p:spPr>
+          <a:xfrm>
+            <a:off x="955961" y="429489"/>
+            <a:ext cx="10016837" cy="5468203"/>
+          </a:xfrm>
+          <a:prstGeom prst="rect">
+            <a:avLst/>
+          </a:prstGeom>
+        </p:spPr>
+      </p:pic>
     </p:spTree>
     <p:extLst>
       <p:ext uri="{BB962C8B-B14F-4D97-AF65-F5344CB8AC3E}">
-        <p14:creationId xmlns:p14="http://schemas.microsoft.com/office/powerpoint/2010/main" val="3229866394"/>
+        <p14:creationId xmlns:p14="http://schemas.microsoft.com/office/powerpoint/2010/main" val="1666024934"/>
       </p:ext>
     </p:extLst>
   </p:cSld>
   <p:clrMapOvr>
     <a:masterClrMapping/>
   </p:clrMapOvr>
+  <p:timing>
+    <p:tnLst>
+      <p:par>
+        <p:cTn id="1" dur="indefinite" restart="never" nodeType="tmRoot"/>
+      </p:par>
+    </p:tnLst>
+  </p:timing>
 </p:sld>
 </file>
 
@@ -11394,7 +14726,7 @@
           <p:cNvPr id="2" name="Title 1">
             <a:extLst>
               <a:ext uri="{FF2B5EF4-FFF2-40B4-BE49-F238E27FC236}">
-                <a16:creationId xmlns:a16="http://schemas.microsoft.com/office/drawing/2014/main" id="{BB970C09-FF7B-B09B-4AD9-05DFDCDD8380}"/>
+                <a16:creationId xmlns:a16="http://schemas.microsoft.com/office/drawing/2014/main" xmlns="" id="{5B71D3CE-F146-52DF-B803-D62FA41D90FD}"/>
               </a:ext>
             </a:extLst>
           </p:cNvPr>
@@ -11412,8 +14744,13 @@
           <a:p>
             <a:r>
               <a:rPr lang="en-US" dirty="0"/>
-              <a:t>Segmented Network Types</a:t>
-            </a:r>
+              <a:t>Why Segment a </a:t>
+            </a:r>
+            <a:r>
+              <a:rPr lang="en-US" dirty="0" smtClean="0"/>
+              <a:t>network?</a:t>
+            </a:r>
+            <a:endParaRPr lang="en-US" dirty="0"/>
           </a:p>
         </p:txBody>
       </p:sp>
@@ -11422,7 +14759,7 @@
           <p:cNvPr id="3" name="Content Placeholder 2">
             <a:extLst>
               <a:ext uri="{FF2B5EF4-FFF2-40B4-BE49-F238E27FC236}">
-                <a16:creationId xmlns:a16="http://schemas.microsoft.com/office/drawing/2014/main" id="{43D26C85-20E8-09EE-742A-7FE41D3AFCEE}"/>
+                <a16:creationId xmlns:a16="http://schemas.microsoft.com/office/drawing/2014/main" xmlns="" id="{EFD0E9FA-8796-3524-00B2-2B08D0ACBFF1}"/>
               </a:ext>
             </a:extLst>
           </p:cNvPr>
@@ -11438,70 +14775,46 @@
           <a:bodyPr/>
           <a:lstStyle/>
           <a:p>
+            <a:pPr algn="just"/>
+            <a:r>
+              <a:rPr lang="en-US" dirty="0" smtClean="0"/>
+              <a:t>What is Network classification?</a:t>
+            </a:r>
             <a:endParaRPr lang="en-US" dirty="0"/>
           </a:p>
           <a:p>
-            <a:pPr>
+            <a:pPr algn="just"/>
+            <a:r>
+              <a:rPr lang="en-US" dirty="0"/>
+              <a:t>The ability to implement different services, authentication requirements, and security measures is made possible through segmentation.</a:t>
+            </a:r>
+          </a:p>
+          <a:p>
+            <a:pPr algn="just">
               <a:buFont typeface="Arial" panose="020B0604020202020204" pitchFamily="34" charset="0"/>
               <a:buChar char="•"/>
             </a:pPr>
-            <a:r>
-              <a:rPr lang="en-US" dirty="0"/>
-              <a:t> Enclave network</a:t>
-            </a:r>
-          </a:p>
-          <a:p>
-            <a:pPr>
-              <a:buFont typeface="Arial" panose="020B0604020202020204" pitchFamily="34" charset="0"/>
-              <a:buChar char="•"/>
-            </a:pPr>
-            <a:r>
-              <a:rPr lang="en-US" dirty="0"/>
-              <a:t>Trusted Network (Wired/Wireless)</a:t>
-            </a:r>
-          </a:p>
-          <a:p>
-            <a:pPr>
-              <a:buFont typeface="Arial" panose="020B0604020202020204" pitchFamily="34" charset="0"/>
-              <a:buChar char="•"/>
-            </a:pPr>
-            <a:r>
-              <a:rPr lang="en-US" dirty="0"/>
-              <a:t>Semi Trusted Network</a:t>
-            </a:r>
-          </a:p>
-          <a:p>
-            <a:pPr>
-              <a:buFont typeface="Arial" panose="020B0604020202020204" pitchFamily="34" charset="0"/>
-              <a:buChar char="•"/>
-            </a:pPr>
-            <a:r>
-              <a:rPr lang="en-US" dirty="0"/>
-              <a:t>Guest Network</a:t>
-            </a:r>
-          </a:p>
-          <a:p>
-            <a:pPr>
-              <a:buFont typeface="Arial" panose="020B0604020202020204" pitchFamily="34" charset="0"/>
-              <a:buChar char="•"/>
-            </a:pPr>
-            <a:r>
-              <a:rPr lang="en-US" dirty="0"/>
-              <a:t>Untrusted Network</a:t>
-            </a:r>
+            <a:endParaRPr lang="en-US" dirty="0"/>
           </a:p>
         </p:txBody>
       </p:sp>
     </p:spTree>
     <p:extLst>
       <p:ext uri="{BB962C8B-B14F-4D97-AF65-F5344CB8AC3E}">
-        <p14:creationId xmlns:p14="http://schemas.microsoft.com/office/powerpoint/2010/main" val="3257163880"/>
+        <p14:creationId xmlns:p14="http://schemas.microsoft.com/office/powerpoint/2010/main" val="3229866394"/>
       </p:ext>
     </p:extLst>
   </p:cSld>
   <p:clrMapOvr>
     <a:masterClrMapping/>
   </p:clrMapOvr>
+  <p:timing>
+    <p:tnLst>
+      <p:par>
+        <p:cTn id="1" dur="indefinite" restart="never" nodeType="tmRoot"/>
+      </p:par>
+    </p:tnLst>
+  </p:timing>
 </p:sld>
 </file>
 
@@ -11527,7 +14840,7 @@
           <p:cNvPr id="2" name="Title 1">
             <a:extLst>
               <a:ext uri="{FF2B5EF4-FFF2-40B4-BE49-F238E27FC236}">
-                <a16:creationId xmlns:a16="http://schemas.microsoft.com/office/drawing/2014/main" id="{EFFF7A0A-A67B-1D0E-71E7-003374DEE151}"/>
+                <a16:creationId xmlns:a16="http://schemas.microsoft.com/office/drawing/2014/main" xmlns="" id="{BB970C09-FF7B-B09B-4AD9-05DFDCDD8380}"/>
               </a:ext>
             </a:extLst>
           </p:cNvPr>
@@ -11544,9 +14857,10 @@
           <a:lstStyle/>
           <a:p>
             <a:r>
-              <a:rPr lang="en-US" dirty="0"/>
-              <a:t>Technologies used to segment a Network</a:t>
-            </a:r>
+              <a:rPr lang="en-US" dirty="0" smtClean="0"/>
+              <a:t>Types of Segmented Network</a:t>
+            </a:r>
+            <a:endParaRPr lang="en-US" dirty="0"/>
           </a:p>
         </p:txBody>
       </p:sp>
@@ -11555,7 +14869,7 @@
           <p:cNvPr id="3" name="Content Placeholder 2">
             <a:extLst>
               <a:ext uri="{FF2B5EF4-FFF2-40B4-BE49-F238E27FC236}">
-                <a16:creationId xmlns:a16="http://schemas.microsoft.com/office/drawing/2014/main" id="{77B5DDC1-34B0-C8FD-6D90-CB3D47E2E2A4}"/>
+                <a16:creationId xmlns:a16="http://schemas.microsoft.com/office/drawing/2014/main" xmlns="" id="{43D26C85-20E8-09EE-742A-7FE41D3AFCEE}"/>
               </a:ext>
             </a:extLst>
           </p:cNvPr>
@@ -11571,37 +14885,56 @@
           <a:bodyPr/>
           <a:lstStyle/>
           <a:p>
+            <a:endParaRPr lang="en-US" dirty="0"/>
+          </a:p>
+          <a:p>
+            <a:pPr>
+              <a:buFont typeface="Arial" panose="020B0604020202020204" pitchFamily="34" charset="0"/>
+              <a:buChar char="•"/>
+            </a:pPr>
             <a:r>
               <a:rPr lang="en-US" dirty="0"/>
-              <a:t>Virtual LANs (VLANs)</a:t>
-            </a:r>
-          </a:p>
-          <a:p>
+              <a:t> Enclave network</a:t>
+            </a:r>
+          </a:p>
+          <a:p>
+            <a:pPr>
+              <a:buFont typeface="Arial" panose="020B0604020202020204" pitchFamily="34" charset="0"/>
+              <a:buChar char="•"/>
+            </a:pPr>
             <a:r>
               <a:rPr lang="en-US" dirty="0"/>
-              <a:t>Security Group Tagging (SGT)</a:t>
-            </a:r>
-          </a:p>
-          <a:p>
+              <a:t>Trusted Network (Wired/Wireless)</a:t>
+            </a:r>
+          </a:p>
+          <a:p>
+            <a:pPr>
+              <a:buFont typeface="Arial" panose="020B0604020202020204" pitchFamily="34" charset="0"/>
+              <a:buChar char="•"/>
+            </a:pPr>
             <a:r>
               <a:rPr lang="en-US" dirty="0"/>
-              <a:t>VPN Routing and Forwarding (VRF)</a:t>
-            </a:r>
-          </a:p>
-          <a:p>
-            <a:r>
-              <a:rPr lang="en-US" dirty="0" err="1"/>
-              <a:t>vMicro</a:t>
-            </a:r>
+              <a:t>Semi Trusted Network</a:t>
+            </a:r>
+          </a:p>
+          <a:p>
+            <a:pPr>
+              <a:buFont typeface="Arial" panose="020B0604020202020204" pitchFamily="34" charset="0"/>
+              <a:buChar char="•"/>
+            </a:pPr>
             <a:r>
               <a:rPr lang="en-US" dirty="0"/>
-              <a:t>-segmentation at the virtual machine level</a:t>
-            </a:r>
-          </a:p>
-          <a:p>
+              <a:t>Guest Network</a:t>
+            </a:r>
+          </a:p>
+          <a:p>
+            <a:pPr>
+              <a:buFont typeface="Arial" panose="020B0604020202020204" pitchFamily="34" charset="0"/>
+              <a:buChar char="•"/>
+            </a:pPr>
             <a:r>
               <a:rPr lang="en-US" dirty="0"/>
-              <a:t>Micro-segmentation for containers</a:t>
+              <a:t>Untrusted Network</a:t>
             </a:r>
           </a:p>
         </p:txBody>
@@ -11609,13 +14942,20 @@
     </p:spTree>
     <p:extLst>
       <p:ext uri="{BB962C8B-B14F-4D97-AF65-F5344CB8AC3E}">
-        <p14:creationId xmlns:p14="http://schemas.microsoft.com/office/powerpoint/2010/main" val="2652937463"/>
+        <p14:creationId xmlns:p14="http://schemas.microsoft.com/office/powerpoint/2010/main" val="3257163880"/>
       </p:ext>
     </p:extLst>
   </p:cSld>
   <p:clrMapOvr>
     <a:masterClrMapping/>
   </p:clrMapOvr>
+  <p:timing>
+    <p:tnLst>
+      <p:par>
+        <p:cTn id="1" dur="indefinite" restart="never" nodeType="tmRoot"/>
+      </p:par>
+    </p:tnLst>
+  </p:timing>
 </p:sld>
 </file>
 
@@ -11649,10 +14989,10 @@
           <p:cNvPr id="35" name="Rectangle 34">
             <a:extLst>
               <a:ext uri="{FF2B5EF4-FFF2-40B4-BE49-F238E27FC236}">
-                <a16:creationId xmlns:a16="http://schemas.microsoft.com/office/drawing/2014/main" id="{416A0E3C-60E6-4F39-BC55-5F7C224E1F7C}"/>
+                <a16:creationId xmlns:a16="http://schemas.microsoft.com/office/drawing/2014/main" xmlns="" id="{416A0E3C-60E6-4F39-BC55-5F7C224E1F7C}"/>
               </a:ext>
               <a:ext uri="{C183D7F6-B498-43B3-948B-1728B52AA6E4}">
-                <adec:decorative xmlns:adec="http://schemas.microsoft.com/office/drawing/2017/decorative" val="1"/>
+                <adec:decorative xmlns:adec="http://schemas.microsoft.com/office/drawing/2017/decorative" xmlns="" val="1"/>
               </a:ext>
             </a:extLst>
           </p:cNvPr>
@@ -11662,7 +15002,7 @@
           <p:nvPr>
             <p:extLst>
               <p:ext uri="{386F3935-93C4-4BCD-93E2-E3B085C9AB24}">
-                <p16:designElem xmlns:p16="http://schemas.microsoft.com/office/powerpoint/2015/main" val="1"/>
+                <p16:designElem xmlns:p16="http://schemas.microsoft.com/office/powerpoint/2015/main" xmlns="" val="1"/>
               </p:ext>
             </p:extLst>
           </p:nvPr>
@@ -11704,10 +15044,10 @@
           <p:cNvPr id="37" name="Straight Connector 36">
             <a:extLst>
               <a:ext uri="{FF2B5EF4-FFF2-40B4-BE49-F238E27FC236}">
-                <a16:creationId xmlns:a16="http://schemas.microsoft.com/office/drawing/2014/main" id="{C5025DAC-8B93-4160-B017-3A274A5828C0}"/>
+                <a16:creationId xmlns:a16="http://schemas.microsoft.com/office/drawing/2014/main" xmlns="" id="{C5025DAC-8B93-4160-B017-3A274A5828C0}"/>
               </a:ext>
               <a:ext uri="{C183D7F6-B498-43B3-948B-1728B52AA6E4}">
-                <adec:decorative xmlns:adec="http://schemas.microsoft.com/office/drawing/2017/decorative" val="1"/>
+                <adec:decorative xmlns:adec="http://schemas.microsoft.com/office/drawing/2017/decorative" xmlns="" val="1"/>
               </a:ext>
             </a:extLst>
           </p:cNvPr>
@@ -11717,7 +15057,7 @@
           <p:nvPr>
             <p:extLst>
               <p:ext uri="{386F3935-93C4-4BCD-93E2-E3B085C9AB24}">
-                <p16:designElem xmlns:p16="http://schemas.microsoft.com/office/powerpoint/2015/main" val="1"/>
+                <p16:designElem xmlns:p16="http://schemas.microsoft.com/office/powerpoint/2015/main" xmlns="" val="1"/>
               </p:ext>
             </p:extLst>
           </p:nvPr>
@@ -11759,10 +15099,10 @@
           <p:cNvPr id="39" name="Rectangle 38">
             <a:extLst>
               <a:ext uri="{FF2B5EF4-FFF2-40B4-BE49-F238E27FC236}">
-                <a16:creationId xmlns:a16="http://schemas.microsoft.com/office/drawing/2014/main" id="{B0E58038-8ACE-4AD9-B404-25C603550D83}"/>
+                <a16:creationId xmlns:a16="http://schemas.microsoft.com/office/drawing/2014/main" xmlns="" id="{B0E58038-8ACE-4AD9-B404-25C603550D83}"/>
               </a:ext>
               <a:ext uri="{C183D7F6-B498-43B3-948B-1728B52AA6E4}">
-                <adec:decorative xmlns:adec="http://schemas.microsoft.com/office/drawing/2017/decorative" val="1"/>
+                <adec:decorative xmlns:adec="http://schemas.microsoft.com/office/drawing/2017/decorative" xmlns="" val="1"/>
               </a:ext>
             </a:extLst>
           </p:cNvPr>
@@ -11772,7 +15112,7 @@
           <p:nvPr>
             <p:extLst>
               <p:ext uri="{386F3935-93C4-4BCD-93E2-E3B085C9AB24}">
-                <p16:designElem xmlns:p16="http://schemas.microsoft.com/office/powerpoint/2015/main" val="1"/>
+                <p16:designElem xmlns:p16="http://schemas.microsoft.com/office/powerpoint/2015/main" xmlns="" val="1"/>
               </p:ext>
             </p:extLst>
           </p:nvPr>
@@ -11819,7 +15159,7 @@
           <p:cNvPr id="4" name="Picture 3" descr="A picture containing text, person&#10;&#10;Description automatically generated">
             <a:extLst>
               <a:ext uri="{FF2B5EF4-FFF2-40B4-BE49-F238E27FC236}">
-                <a16:creationId xmlns:a16="http://schemas.microsoft.com/office/drawing/2014/main" id="{53538A4F-CD79-67A2-2FC8-813FB8AA34CE}"/>
+                <a16:creationId xmlns:a16="http://schemas.microsoft.com/office/drawing/2014/main" xmlns="" id="{53538A4F-CD79-67A2-2FC8-813FB8AA34CE}"/>
               </a:ext>
             </a:extLst>
           </p:cNvPr>
@@ -11855,10 +15195,10 @@
           <p:cNvPr id="41" name="Straight Connector 40">
             <a:extLst>
               <a:ext uri="{FF2B5EF4-FFF2-40B4-BE49-F238E27FC236}">
-                <a16:creationId xmlns:a16="http://schemas.microsoft.com/office/drawing/2014/main" id="{38A34772-9011-42B5-AA63-FD6DEC92EE72}"/>
+                <a16:creationId xmlns:a16="http://schemas.microsoft.com/office/drawing/2014/main" xmlns="" id="{38A34772-9011-42B5-AA63-FD6DEC92EE72}"/>
               </a:ext>
               <a:ext uri="{C183D7F6-B498-43B3-948B-1728B52AA6E4}">
-                <adec:decorative xmlns:adec="http://schemas.microsoft.com/office/drawing/2017/decorative" val="1"/>
+                <adec:decorative xmlns:adec="http://schemas.microsoft.com/office/drawing/2017/decorative" xmlns="" val="1"/>
               </a:ext>
             </a:extLst>
           </p:cNvPr>
@@ -11868,7 +15208,7 @@
           <p:nvPr>
             <p:extLst>
               <p:ext uri="{386F3935-93C4-4BCD-93E2-E3B085C9AB24}">
-                <p16:designElem xmlns:p16="http://schemas.microsoft.com/office/powerpoint/2015/main" val="1"/>
+                <p16:designElem xmlns:p16="http://schemas.microsoft.com/office/powerpoint/2015/main" xmlns="" val="1"/>
               </p:ext>
             </p:extLst>
           </p:nvPr>
@@ -11907,7 +15247,7 @@
           <p:cNvPr id="3" name="TextBox 2">
             <a:extLst>
               <a:ext uri="{FF2B5EF4-FFF2-40B4-BE49-F238E27FC236}">
-                <a16:creationId xmlns:a16="http://schemas.microsoft.com/office/drawing/2014/main" id="{E15D3EB5-5520-151E-EE2D-43CA9BF0EDD7}"/>
+                <a16:creationId xmlns:a16="http://schemas.microsoft.com/office/drawing/2014/main" xmlns="" id="{E15D3EB5-5520-151E-EE2D-43CA9BF0EDD7}"/>
               </a:ext>
             </a:extLst>
           </p:cNvPr>
@@ -12007,10 +15347,10 @@
           <p:cNvPr id="43" name="Rectangle 42">
             <a:extLst>
               <a:ext uri="{FF2B5EF4-FFF2-40B4-BE49-F238E27FC236}">
-                <a16:creationId xmlns:a16="http://schemas.microsoft.com/office/drawing/2014/main" id="{82BCDE19-2810-4337-9C49-8589C421767D}"/>
+                <a16:creationId xmlns:a16="http://schemas.microsoft.com/office/drawing/2014/main" xmlns="" id="{82BCDE19-2810-4337-9C49-8589C421767D}"/>
               </a:ext>
               <a:ext uri="{C183D7F6-B498-43B3-948B-1728B52AA6E4}">
-                <adec:decorative xmlns:adec="http://schemas.microsoft.com/office/drawing/2017/decorative" val="1"/>
+                <adec:decorative xmlns:adec="http://schemas.microsoft.com/office/drawing/2017/decorative" xmlns="" val="1"/>
               </a:ext>
             </a:extLst>
           </p:cNvPr>
@@ -12020,7 +15360,7 @@
           <p:nvPr>
             <p:extLst>
               <p:ext uri="{386F3935-93C4-4BCD-93E2-E3B085C9AB24}">
-                <p16:designElem xmlns:p16="http://schemas.microsoft.com/office/powerpoint/2015/main" val="1"/>
+                <p16:designElem xmlns:p16="http://schemas.microsoft.com/office/powerpoint/2015/main" xmlns="" val="1"/>
               </p:ext>
             </p:extLst>
           </p:nvPr>
@@ -12094,7 +15434,7 @@
           <p:cNvPr id="2" name="Title 1">
             <a:extLst>
               <a:ext uri="{FF2B5EF4-FFF2-40B4-BE49-F238E27FC236}">
-                <a16:creationId xmlns:a16="http://schemas.microsoft.com/office/drawing/2014/main" id="{5C73ED6D-769B-D413-0EE0-9992095CB79D}"/>
+                <a16:creationId xmlns:a16="http://schemas.microsoft.com/office/drawing/2014/main" xmlns="" id="{EFFF7A0A-A67B-1D0E-71E7-003374DEE151}"/>
               </a:ext>
             </a:extLst>
           </p:cNvPr>
@@ -12112,7 +15452,7 @@
           <a:p>
             <a:r>
               <a:rPr lang="en-US" dirty="0"/>
-              <a:t>Layered border security</a:t>
+              <a:t>Technologies used to segment a Network</a:t>
             </a:r>
           </a:p>
         </p:txBody>
@@ -12122,7 +15462,7 @@
           <p:cNvPr id="3" name="Content Placeholder 2">
             <a:extLst>
               <a:ext uri="{FF2B5EF4-FFF2-40B4-BE49-F238E27FC236}">
-                <a16:creationId xmlns:a16="http://schemas.microsoft.com/office/drawing/2014/main" id="{39E430E2-77DC-9A08-D6A2-D091D10F7458}"/>
+                <a16:creationId xmlns:a16="http://schemas.microsoft.com/office/drawing/2014/main" xmlns="" id="{77B5DDC1-34B0-C8FD-6D90-CB3D47E2E2A4}"/>
               </a:ext>
             </a:extLst>
           </p:cNvPr>
@@ -12140,19 +15480,35 @@
           <a:p>
             <a:r>
               <a:rPr lang="en-US" dirty="0"/>
-              <a:t>Layer security</a:t>
+              <a:t>Virtual LANs (VLANs)</a:t>
             </a:r>
           </a:p>
           <a:p>
             <a:r>
               <a:rPr lang="en-US" dirty="0"/>
-              <a:t>Layered border security</a:t>
+              <a:t>Security Group Tagging (SGT)</a:t>
             </a:r>
           </a:p>
           <a:p>
             <a:r>
               <a:rPr lang="en-US" dirty="0"/>
-              <a:t>It includes controls like firewalls</a:t>
+              <a:t>VPN Routing and Forwarding (VRF)</a:t>
+            </a:r>
+          </a:p>
+          <a:p>
+            <a:r>
+              <a:rPr lang="en-US" dirty="0" err="1"/>
+              <a:t>vMicro</a:t>
+            </a:r>
+            <a:r>
+              <a:rPr lang="en-US" dirty="0"/>
+              <a:t>-segmentation at the virtual machine level</a:t>
+            </a:r>
+          </a:p>
+          <a:p>
+            <a:r>
+              <a:rPr lang="en-US" dirty="0"/>
+              <a:t>Micro-segmentation for containers</a:t>
             </a:r>
           </a:p>
         </p:txBody>
@@ -12160,13 +15516,20 @@
     </p:spTree>
     <p:extLst>
       <p:ext uri="{BB962C8B-B14F-4D97-AF65-F5344CB8AC3E}">
-        <p14:creationId xmlns:p14="http://schemas.microsoft.com/office/powerpoint/2010/main" val="2937805561"/>
+        <p14:creationId xmlns:p14="http://schemas.microsoft.com/office/powerpoint/2010/main" val="2652937463"/>
       </p:ext>
     </p:extLst>
   </p:cSld>
   <p:clrMapOvr>
     <a:masterClrMapping/>
   </p:clrMapOvr>
+  <p:timing>
+    <p:tnLst>
+      <p:par>
+        <p:cTn id="1" dur="indefinite" restart="never" nodeType="tmRoot"/>
+      </p:par>
+    </p:tnLst>
+  </p:timing>
 </p:sld>
 </file>
 
@@ -12192,7 +15555,7 @@
           <p:cNvPr id="2" name="Title 1">
             <a:extLst>
               <a:ext uri="{FF2B5EF4-FFF2-40B4-BE49-F238E27FC236}">
-                <a16:creationId xmlns:a16="http://schemas.microsoft.com/office/drawing/2014/main" id="{F99909C3-139A-80AF-4E93-1E5DF6352094}"/>
+                <a16:creationId xmlns:a16="http://schemas.microsoft.com/office/drawing/2014/main" xmlns="" id="{5C73ED6D-769B-D413-0EE0-9992095CB79D}"/>
               </a:ext>
             </a:extLst>
           </p:cNvPr>
@@ -12210,7 +15573,7 @@
           <a:p>
             <a:r>
               <a:rPr lang="en-US" dirty="0"/>
-              <a:t>Firewalls</a:t>
+              <a:t>Layered border security</a:t>
             </a:r>
           </a:p>
         </p:txBody>
@@ -12220,7 +15583,7 @@
           <p:cNvPr id="3" name="Content Placeholder 2">
             <a:extLst>
               <a:ext uri="{FF2B5EF4-FFF2-40B4-BE49-F238E27FC236}">
-                <a16:creationId xmlns:a16="http://schemas.microsoft.com/office/drawing/2014/main" id="{6B8A64D5-D098-13B7-54B8-0388CF65613C}"/>
+                <a16:creationId xmlns:a16="http://schemas.microsoft.com/office/drawing/2014/main" xmlns="" id="{39E430E2-77DC-9A08-D6A2-D091D10F7458}"/>
               </a:ext>
             </a:extLst>
           </p:cNvPr>
@@ -12237,28 +15600,90 @@
           <a:lstStyle/>
           <a:p>
             <a:r>
+              <a:rPr lang="en-US" dirty="0" smtClean="0"/>
+              <a:t>What is layer security?</a:t>
+            </a:r>
+            <a:endParaRPr lang="en-US" dirty="0"/>
+          </a:p>
+          <a:p>
+            <a:r>
+              <a:rPr lang="en-US" dirty="0" smtClean="0"/>
+              <a:t>What is l</a:t>
+            </a:r>
+            <a:r>
+              <a:rPr lang="en-US" dirty="0" smtClean="0"/>
+              <a:t>ayered </a:t>
+            </a:r>
+            <a:r>
               <a:rPr lang="en-US" dirty="0"/>
-              <a:t>It controls the flow of traffic in the network which is mandatory. Without firewalls, the network is completely exposed and can be compromised.</a:t>
-            </a:r>
+              <a:t>border </a:t>
+            </a:r>
+            <a:r>
+              <a:rPr lang="en-US" dirty="0" smtClean="0"/>
+              <a:t>security?</a:t>
+            </a:r>
+            <a:endParaRPr lang="en-US" dirty="0"/>
           </a:p>
           <a:p>
             <a:r>
               <a:rPr lang="en-US" dirty="0"/>
-              <a:t>Firewalls are handled and configured with procedures and rule sets to control incoming and outgoing traffic.</a:t>
-            </a:r>
+              <a:t>It includes controls like </a:t>
+            </a:r>
+            <a:r>
+              <a:rPr lang="en-US" dirty="0" smtClean="0"/>
+              <a:t>firewalls,</a:t>
+            </a:r>
+            <a:endParaRPr lang="en-US" dirty="0"/>
           </a:p>
         </p:txBody>
       </p:sp>
+      <p:pic>
+        <p:nvPicPr>
+          <p:cNvPr id="4" name="Picture 3"/>
+          <p:cNvPicPr>
+            <a:picLocks noChangeAspect="1"/>
+          </p:cNvPicPr>
+          <p:nvPr/>
+        </p:nvPicPr>
+        <p:blipFill>
+          <a:blip r:embed="rId2">
+            <a:extLst>
+              <a:ext uri="{28A0092B-C50C-407E-A947-70E740481C1C}">
+                <a14:useLocalDpi xmlns:a14="http://schemas.microsoft.com/office/drawing/2010/main" val="0"/>
+              </a:ext>
+            </a:extLst>
+          </a:blip>
+          <a:stretch>
+            <a:fillRect/>
+          </a:stretch>
+        </p:blipFill>
+        <p:spPr>
+          <a:xfrm>
+            <a:off x="4890654" y="2230582"/>
+            <a:ext cx="7051963" cy="3879273"/>
+          </a:xfrm>
+          <a:prstGeom prst="rect">
+            <a:avLst/>
+          </a:prstGeom>
+        </p:spPr>
+      </p:pic>
     </p:spTree>
     <p:extLst>
       <p:ext uri="{BB962C8B-B14F-4D97-AF65-F5344CB8AC3E}">
-        <p14:creationId xmlns:p14="http://schemas.microsoft.com/office/powerpoint/2010/main" val="1627068461"/>
+        <p14:creationId xmlns:p14="http://schemas.microsoft.com/office/powerpoint/2010/main" val="2937805561"/>
       </p:ext>
     </p:extLst>
   </p:cSld>
   <p:clrMapOvr>
     <a:masterClrMapping/>
   </p:clrMapOvr>
+  <p:timing>
+    <p:tnLst>
+      <p:par>
+        <p:cTn id="1" dur="indefinite" restart="never" nodeType="tmRoot"/>
+      </p:par>
+    </p:tnLst>
+  </p:timing>
 </p:sld>
 </file>
 
@@ -12284,7 +15709,7 @@
           <p:cNvPr id="2" name="Title 1">
             <a:extLst>
               <a:ext uri="{FF2B5EF4-FFF2-40B4-BE49-F238E27FC236}">
-                <a16:creationId xmlns:a16="http://schemas.microsoft.com/office/drawing/2014/main" id="{FD92074A-4F16-148E-EEDD-19D11A48C338}"/>
+                <a16:creationId xmlns:a16="http://schemas.microsoft.com/office/drawing/2014/main" xmlns="" id="{F99909C3-139A-80AF-4E93-1E5DF6352094}"/>
               </a:ext>
             </a:extLst>
           </p:cNvPr>
@@ -12302,7 +15727,7 @@
           <a:p>
             <a:r>
               <a:rPr lang="en-US" dirty="0"/>
-              <a:t>The process used to allow or block traffic includes:</a:t>
+              <a:t>Firewalls</a:t>
             </a:r>
           </a:p>
         </p:txBody>
@@ -12312,7 +15737,7 @@
           <p:cNvPr id="3" name="Content Placeholder 2">
             <a:extLst>
               <a:ext uri="{FF2B5EF4-FFF2-40B4-BE49-F238E27FC236}">
-                <a16:creationId xmlns:a16="http://schemas.microsoft.com/office/drawing/2014/main" id="{FE390902-5863-3AE1-1B7B-78F9366FE517}"/>
+                <a16:creationId xmlns:a16="http://schemas.microsoft.com/office/drawing/2014/main" xmlns="" id="{6B8A64D5-D098-13B7-54B8-0388CF65613C}"/>
               </a:ext>
             </a:extLst>
           </p:cNvPr>
@@ -12329,62 +15754,47 @@
           <a:lstStyle/>
           <a:p>
             <a:r>
+              <a:rPr lang="en-US" dirty="0" smtClean="0"/>
+              <a:t>What is firewall?</a:t>
+            </a:r>
+            <a:endParaRPr lang="en-US" dirty="0"/>
+          </a:p>
+          <a:p>
+            <a:r>
               <a:rPr lang="en-US" dirty="0"/>
-              <a:t>Simple packet filtering techniques</a:t>
-            </a:r>
-          </a:p>
-          <a:p>
-            <a:pPr>
-              <a:buFont typeface="Arial" panose="020B0604020202020204" pitchFamily="34" charset="0"/>
-              <a:buChar char="•"/>
-            </a:pPr>
-            <a:r>
-              <a:rPr lang="en-US" dirty="0"/>
-              <a:t>Application Proxies</a:t>
-            </a:r>
-          </a:p>
-          <a:p>
-            <a:pPr>
-              <a:buFont typeface="Arial" panose="020B0604020202020204" pitchFamily="34" charset="0"/>
-              <a:buChar char="•"/>
-            </a:pPr>
-            <a:r>
-              <a:rPr lang="en-US" dirty="0"/>
-              <a:t>NAT</a:t>
-            </a:r>
-          </a:p>
-          <a:p>
-            <a:pPr>
-              <a:buFont typeface="Arial" panose="020B0604020202020204" pitchFamily="34" charset="0"/>
-              <a:buChar char="•"/>
-            </a:pPr>
-            <a:r>
-              <a:rPr lang="en-US" dirty="0"/>
-              <a:t>Stateful inspection firewalls</a:t>
-            </a:r>
-          </a:p>
-          <a:p>
-            <a:pPr>
-              <a:buFont typeface="Arial" panose="020B0604020202020204" pitchFamily="34" charset="0"/>
-              <a:buChar char="•"/>
-            </a:pPr>
-            <a:r>
-              <a:rPr lang="en-US" dirty="0"/>
-              <a:t>Next-gen context-aware firewalls</a:t>
-            </a:r>
+              <a:t>Firewalls are handled and configured with procedures and rule sets to control incoming and outgoing traffic</a:t>
+            </a:r>
+            <a:r>
+              <a:rPr lang="en-US" dirty="0" smtClean="0"/>
+              <a:t>.</a:t>
+            </a:r>
+          </a:p>
+          <a:p>
+            <a:r>
+              <a:rPr lang="en-US" dirty="0" smtClean="0"/>
+              <a:t>Without it, network is completely exposed and can be compromised.</a:t>
+            </a:r>
+            <a:endParaRPr lang="en-US" dirty="0"/>
           </a:p>
         </p:txBody>
       </p:sp>
     </p:spTree>
     <p:extLst>
       <p:ext uri="{BB962C8B-B14F-4D97-AF65-F5344CB8AC3E}">
-        <p14:creationId xmlns:p14="http://schemas.microsoft.com/office/powerpoint/2010/main" val="3310384940"/>
+        <p14:creationId xmlns:p14="http://schemas.microsoft.com/office/powerpoint/2010/main" val="1627068461"/>
       </p:ext>
     </p:extLst>
   </p:cSld>
   <p:clrMapOvr>
     <a:masterClrMapping/>
   </p:clrMapOvr>
+  <p:timing>
+    <p:tnLst>
+      <p:par>
+        <p:cTn id="1" dur="indefinite" restart="never" nodeType="tmRoot"/>
+      </p:par>
+    </p:tnLst>
+  </p:timing>
 </p:sld>
 </file>
 
@@ -12410,7 +15820,7 @@
           <p:cNvPr id="2" name="Title 1">
             <a:extLst>
               <a:ext uri="{FF2B5EF4-FFF2-40B4-BE49-F238E27FC236}">
-                <a16:creationId xmlns:a16="http://schemas.microsoft.com/office/drawing/2014/main" id="{3C97B136-A603-4A44-D031-4B88EDC11EAF}"/>
+                <a16:creationId xmlns:a16="http://schemas.microsoft.com/office/drawing/2014/main" xmlns="" id="{FD92074A-4F16-148E-EEDD-19D11A48C338}"/>
               </a:ext>
             </a:extLst>
           </p:cNvPr>
@@ -12428,7 +15838,7 @@
           <a:p>
             <a:r>
               <a:rPr lang="en-US" dirty="0"/>
-              <a:t>Intrusion Detection and Prevention</a:t>
+              <a:t>The process used to allow or block traffic includes:</a:t>
             </a:r>
           </a:p>
         </p:txBody>
@@ -12438,7 +15848,7 @@
           <p:cNvPr id="3" name="Content Placeholder 2">
             <a:extLst>
               <a:ext uri="{FF2B5EF4-FFF2-40B4-BE49-F238E27FC236}">
-                <a16:creationId xmlns:a16="http://schemas.microsoft.com/office/drawing/2014/main" id="{D321A911-79A8-3089-B204-4E47D2EE3FB8}"/>
+                <a16:creationId xmlns:a16="http://schemas.microsoft.com/office/drawing/2014/main" xmlns="" id="{FE390902-5863-3AE1-1B7B-78F9366FE517}"/>
               </a:ext>
             </a:extLst>
           </p:cNvPr>
@@ -12456,25 +15866,48 @@
           <a:p>
             <a:r>
               <a:rPr lang="en-US" dirty="0"/>
-              <a:t>When malicious activities masquerade legitimate traffic these are used</a:t>
-            </a:r>
-          </a:p>
-          <a:p>
+              <a:t>Simple packet filtering techniques</a:t>
+            </a:r>
+          </a:p>
+          <a:p>
+            <a:pPr>
+              <a:buFont typeface="Arial" panose="020B0604020202020204" pitchFamily="34" charset="0"/>
+              <a:buChar char="•"/>
+            </a:pPr>
             <a:r>
               <a:rPr lang="en-US" dirty="0"/>
-              <a:t>IDS is a passive to analyze traffic to detect unauthorized access, and stressful protocol analysis and if it detects anything IDS generates an email, message or text alert.</a:t>
-            </a:r>
-          </a:p>
-          <a:p>
+              <a:t>Application Proxies</a:t>
+            </a:r>
+          </a:p>
+          <a:p>
+            <a:pPr>
+              <a:buFont typeface="Arial" panose="020B0604020202020204" pitchFamily="34" charset="0"/>
+              <a:buChar char="•"/>
+            </a:pPr>
+            <a:r>
+              <a:rPr lang="en-US" dirty="0" smtClean="0"/>
+              <a:t>Network Address Protocol</a:t>
+            </a:r>
             <a:endParaRPr lang="en-US" dirty="0"/>
           </a:p>
           <a:p>
-            <a:pPr marL="0" indent="0">
-              <a:buNone/>
+            <a:pPr>
+              <a:buFont typeface="Arial" panose="020B0604020202020204" pitchFamily="34" charset="0"/>
+              <a:buChar char="•"/>
             </a:pPr>
             <a:r>
               <a:rPr lang="en-US" dirty="0"/>
-              <a:t>IPS is an active device which seats in line with traffic and responds to identify threads by disabling connection, dropping packets or deleting malicious content.</a:t>
+              <a:t>Stateful inspection firewalls</a:t>
+            </a:r>
+          </a:p>
+          <a:p>
+            <a:pPr>
+              <a:buFont typeface="Arial" panose="020B0604020202020204" pitchFamily="34" charset="0"/>
+              <a:buChar char="•"/>
+            </a:pPr>
+            <a:r>
+              <a:rPr lang="en-US" dirty="0"/>
+              <a:t>Next-gen context-aware firewalls</a:t>
             </a:r>
           </a:p>
         </p:txBody>
@@ -12482,13 +15915,20 @@
     </p:spTree>
     <p:extLst>
       <p:ext uri="{BB962C8B-B14F-4D97-AF65-F5344CB8AC3E}">
-        <p14:creationId xmlns:p14="http://schemas.microsoft.com/office/powerpoint/2010/main" val="641647791"/>
+        <p14:creationId xmlns:p14="http://schemas.microsoft.com/office/powerpoint/2010/main" val="3310384940"/>
       </p:ext>
     </p:extLst>
   </p:cSld>
   <p:clrMapOvr>
     <a:masterClrMapping/>
   </p:clrMapOvr>
+  <p:timing>
+    <p:tnLst>
+      <p:par>
+        <p:cTn id="1" dur="indefinite" restart="never" nodeType="tmRoot"/>
+      </p:par>
+    </p:tnLst>
+  </p:timing>
 </p:sld>
 </file>
 
@@ -12514,7 +15954,7 @@
           <p:cNvPr id="2" name="Title 1">
             <a:extLst>
               <a:ext uri="{FF2B5EF4-FFF2-40B4-BE49-F238E27FC236}">
-                <a16:creationId xmlns:a16="http://schemas.microsoft.com/office/drawing/2014/main" id="{83E6490C-B842-544D-F467-2C1996586976}"/>
+                <a16:creationId xmlns:a16="http://schemas.microsoft.com/office/drawing/2014/main" xmlns="" id="{3C97B136-A603-4A44-D031-4B88EDC11EAF}"/>
               </a:ext>
             </a:extLst>
           </p:cNvPr>
@@ -12532,7 +15972,7 @@
           <a:p>
             <a:r>
               <a:rPr lang="en-US" dirty="0"/>
-              <a:t>Technologies used by IDS/IPS</a:t>
+              <a:t>Intrusion Detection and Prevention</a:t>
             </a:r>
           </a:p>
         </p:txBody>
@@ -12542,7 +15982,7 @@
           <p:cNvPr id="3" name="Content Placeholder 2">
             <a:extLst>
               <a:ext uri="{FF2B5EF4-FFF2-40B4-BE49-F238E27FC236}">
-                <a16:creationId xmlns:a16="http://schemas.microsoft.com/office/drawing/2014/main" id="{FC39A5D6-6977-8E39-6950-F696BF2696F3}"/>
+                <a16:creationId xmlns:a16="http://schemas.microsoft.com/office/drawing/2014/main" xmlns="" id="{D321A911-79A8-3089-B204-4E47D2EE3FB8}"/>
               </a:ext>
             </a:extLst>
           </p:cNvPr>
@@ -12558,72 +15998,72 @@
           <a:bodyPr/>
           <a:lstStyle/>
           <a:p>
-            <a:pPr marL="457200" indent="-457200">
-              <a:buFont typeface="+mj-lt"/>
-              <a:buAutoNum type="arabicPeriod"/>
+            <a:pPr marL="0" indent="0" algn="just">
+              <a:buNone/>
             </a:pPr>
             <a:r>
               <a:rPr lang="en-US" dirty="0"/>
-              <a:t>Network-based: Monitors network traffic for a specific segment, and device and analyze activities.</a:t>
-            </a:r>
-          </a:p>
-          <a:p>
-            <a:pPr marL="457200" indent="-457200">
-              <a:buFont typeface="+mj-lt"/>
-              <a:buAutoNum type="arabicPeriod"/>
+              <a:t>When malicious activities masquerade legitimate traffic these are </a:t>
+            </a:r>
+            <a:r>
+              <a:rPr lang="en-US" dirty="0" smtClean="0"/>
+              <a:t>used.</a:t>
+            </a:r>
+          </a:p>
+          <a:p>
+            <a:pPr algn="just"/>
+            <a:endParaRPr lang="en-US" dirty="0"/>
+          </a:p>
+          <a:p>
+            <a:pPr marL="0" indent="0" algn="just">
+              <a:buNone/>
             </a:pPr>
             <a:r>
               <a:rPr lang="en-US" dirty="0"/>
-              <a:t>Wireless IDS/IPS: Monitors wireless network traffic and analyzes activities and protocols.</a:t>
-            </a:r>
-          </a:p>
-          <a:p>
-            <a:pPr marL="457200" indent="-457200">
-              <a:buFont typeface="+mj-lt"/>
-              <a:buAutoNum type="arabicPeriod"/>
+              <a:t>IDS is a passive to analyze traffic to detect unauthorized access, and stressful protocol analysis and if it detects anything IDS generates an email, message or text alert</a:t>
+            </a:r>
+            <a:r>
+              <a:rPr lang="en-US" dirty="0" smtClean="0"/>
+              <a:t>.</a:t>
+            </a:r>
+            <a:endParaRPr lang="en-US" dirty="0"/>
+          </a:p>
+          <a:p>
+            <a:pPr marL="0" indent="0" algn="just">
+              <a:buNone/>
             </a:pPr>
             <a:r>
               <a:rPr lang="en-US" dirty="0"/>
-              <a:t>Network </a:t>
-            </a:r>
-            <a:r>
-              <a:rPr lang="en-US" dirty="0" err="1"/>
-              <a:t>behavioural</a:t>
+              <a:t>IPS is an active device which seats in line with traffic and </a:t>
+            </a:r>
+            <a:r>
+              <a:rPr lang="en-US" dirty="0" smtClean="0"/>
+              <a:t>responds </a:t>
             </a:r>
             <a:r>
               <a:rPr lang="en-US" dirty="0"/>
-              <a:t> analysis: It examines the traffic to identify threats, information flow, DDOS, malware and policy violations.</a:t>
-            </a:r>
-          </a:p>
-          <a:p>
-            <a:pPr marL="457200" indent="-457200">
-              <a:buFont typeface="+mj-lt"/>
-              <a:buAutoNum type="arabicPeriod"/>
-            </a:pPr>
-            <a:r>
-              <a:rPr lang="en-US" dirty="0"/>
-              <a:t>Host-based IDS/IPS: It monitors every single host and its events.</a:t>
-            </a:r>
-          </a:p>
-          <a:p>
-            <a:pPr marL="457200" indent="-457200">
-              <a:buFont typeface="+mj-lt"/>
-              <a:buAutoNum type="arabicPeriod"/>
-            </a:pPr>
-            <a:endParaRPr lang="en-US" dirty="0"/>
+              <a:t>to identify threads by disabling connection, dropping packets or deleting malicious content.</a:t>
+            </a:r>
           </a:p>
         </p:txBody>
       </p:sp>
     </p:spTree>
     <p:extLst>
       <p:ext uri="{BB962C8B-B14F-4D97-AF65-F5344CB8AC3E}">
-        <p14:creationId xmlns:p14="http://schemas.microsoft.com/office/powerpoint/2010/main" val="211107562"/>
+        <p14:creationId xmlns:p14="http://schemas.microsoft.com/office/powerpoint/2010/main" val="641647791"/>
       </p:ext>
     </p:extLst>
   </p:cSld>
   <p:clrMapOvr>
     <a:masterClrMapping/>
   </p:clrMapOvr>
+  <p:timing>
+    <p:tnLst>
+      <p:par>
+        <p:cTn id="1" dur="indefinite" restart="never" nodeType="tmRoot"/>
+      </p:par>
+    </p:tnLst>
+  </p:timing>
 </p:sld>
 </file>
 
@@ -12649,7 +16089,7 @@
           <p:cNvPr id="2" name="Title 1">
             <a:extLst>
               <a:ext uri="{FF2B5EF4-FFF2-40B4-BE49-F238E27FC236}">
-                <a16:creationId xmlns:a16="http://schemas.microsoft.com/office/drawing/2014/main" id="{528D3DEA-CE54-A793-9FEA-A36FA50D63D5}"/>
+                <a16:creationId xmlns:a16="http://schemas.microsoft.com/office/drawing/2014/main" xmlns="" id="{83E6490C-B842-544D-F467-2C1996586976}"/>
               </a:ext>
             </a:extLst>
           </p:cNvPr>
@@ -12667,7 +16107,7 @@
           <a:p>
             <a:r>
               <a:rPr lang="en-US" dirty="0"/>
-              <a:t>Decision States</a:t>
+              <a:t>Technologies used by IDS/IPS</a:t>
             </a:r>
           </a:p>
         </p:txBody>
@@ -12677,7 +16117,7 @@
           <p:cNvPr id="3" name="Content Placeholder 2">
             <a:extLst>
               <a:ext uri="{FF2B5EF4-FFF2-40B4-BE49-F238E27FC236}">
-                <a16:creationId xmlns:a16="http://schemas.microsoft.com/office/drawing/2014/main" id="{13B76399-18A5-36FB-2373-DB31B8662B7C}"/>
+                <a16:creationId xmlns:a16="http://schemas.microsoft.com/office/drawing/2014/main" xmlns="" id="{FC39A5D6-6977-8E39-6950-F696BF2696F3}"/>
               </a:ext>
             </a:extLst>
           </p:cNvPr>
@@ -12693,57 +16133,95 @@
           <a:bodyPr/>
           <a:lstStyle/>
           <a:p>
-            <a:pPr marL="457200" indent="-457200">
+            <a:pPr marL="457200" indent="-457200" algn="just">
               <a:buFont typeface="+mj-lt"/>
               <a:buAutoNum type="arabicPeriod"/>
             </a:pPr>
             <a:r>
+              <a:rPr lang="en-US" b="1" dirty="0"/>
+              <a:t>Network-based: </a:t>
+            </a:r>
+            <a:r>
               <a:rPr lang="en-US" dirty="0"/>
-              <a:t>True positive:  It correctly identifies an issue.</a:t>
-            </a:r>
-          </a:p>
-          <a:p>
-            <a:pPr marL="457200" indent="-457200">
+              <a:t>Monitors network traffic for a specific segment, and device and analyze activities.</a:t>
+            </a:r>
+          </a:p>
+          <a:p>
+            <a:pPr marL="457200" indent="-457200" algn="just">
               <a:buFont typeface="+mj-lt"/>
               <a:buAutoNum type="arabicPeriod"/>
             </a:pPr>
             <a:r>
+              <a:rPr lang="en-US" b="1" dirty="0"/>
+              <a:t>Wireless IDS/IPS: </a:t>
+            </a:r>
+            <a:r>
               <a:rPr lang="en-US" dirty="0"/>
-              <a:t>True Negative: It correctly identifies normal traffic.</a:t>
-            </a:r>
-          </a:p>
-          <a:p>
-            <a:pPr marL="457200" indent="-457200">
+              <a:t>Monitors wireless network traffic and analyzes activities and protocols.</a:t>
+            </a:r>
+          </a:p>
+          <a:p>
+            <a:pPr marL="457200" indent="-457200" algn="just">
               <a:buFont typeface="+mj-lt"/>
               <a:buAutoNum type="arabicPeriod"/>
             </a:pPr>
             <a:r>
+              <a:rPr lang="en-US" b="1" dirty="0"/>
+              <a:t>Network </a:t>
+            </a:r>
+            <a:r>
+              <a:rPr lang="en-US" b="1" dirty="0" smtClean="0"/>
+              <a:t>behavioral </a:t>
+            </a:r>
+            <a:r>
+              <a:rPr lang="en-US" b="1" dirty="0"/>
+              <a:t>analysis: </a:t>
+            </a:r>
+            <a:r>
               <a:rPr lang="en-US" dirty="0"/>
-              <a:t>False Positive: Incorrectly identifies normal activity as an issue</a:t>
-            </a:r>
-          </a:p>
-          <a:p>
-            <a:pPr marL="457200" indent="-457200">
+              <a:t>It examines the traffic to identify threats, information flow, DDOS, malware and policy violations.</a:t>
+            </a:r>
+          </a:p>
+          <a:p>
+            <a:pPr marL="457200" indent="-457200" algn="just">
               <a:buFont typeface="+mj-lt"/>
               <a:buAutoNum type="arabicPeriod"/>
             </a:pPr>
             <a:r>
+              <a:rPr lang="en-US" b="1" dirty="0"/>
+              <a:t>Host-based IDS/IPS: </a:t>
+            </a:r>
+            <a:r>
               <a:rPr lang="en-US" dirty="0"/>
-              <a:t>False Negative: Incorrectly identifies an issue as normal activity.</a:t>
-            </a:r>
+              <a:t>It monitors every single host and its events.</a:t>
+            </a:r>
+          </a:p>
+          <a:p>
+            <a:pPr marL="457200" indent="-457200" algn="just">
+              <a:buFont typeface="+mj-lt"/>
+              <a:buAutoNum type="arabicPeriod"/>
+            </a:pPr>
+            <a:endParaRPr lang="en-US" dirty="0"/>
           </a:p>
         </p:txBody>
       </p:sp>
     </p:spTree>
     <p:extLst>
       <p:ext uri="{BB962C8B-B14F-4D97-AF65-F5344CB8AC3E}">
-        <p14:creationId xmlns:p14="http://schemas.microsoft.com/office/powerpoint/2010/main" val="2688818695"/>
+        <p14:creationId xmlns:p14="http://schemas.microsoft.com/office/powerpoint/2010/main" val="211107562"/>
       </p:ext>
     </p:extLst>
   </p:cSld>
   <p:clrMapOvr>
     <a:masterClrMapping/>
   </p:clrMapOvr>
+  <p:timing>
+    <p:tnLst>
+      <p:par>
+        <p:cTn id="1" dur="indefinite" restart="never" nodeType="tmRoot"/>
+      </p:par>
+    </p:tnLst>
+  </p:timing>
 </p:sld>
 </file>
 
@@ -12769,7 +16247,7 @@
           <p:cNvPr id="2" name="Title 1">
             <a:extLst>
               <a:ext uri="{FF2B5EF4-FFF2-40B4-BE49-F238E27FC236}">
-                <a16:creationId xmlns:a16="http://schemas.microsoft.com/office/drawing/2014/main" id="{F646DBC6-A618-85D6-A6DE-A4F22A157E52}"/>
+                <a16:creationId xmlns:a16="http://schemas.microsoft.com/office/drawing/2014/main" xmlns="" id="{528D3DEA-CE54-A793-9FEA-A36FA50D63D5}"/>
               </a:ext>
             </a:extLst>
           </p:cNvPr>
@@ -12787,7 +16265,7 @@
           <a:p>
             <a:r>
               <a:rPr lang="en-US" dirty="0"/>
-              <a:t>Network-Based IDS/IPS uses these detection methodologies</a:t>
+              <a:t>Decision States</a:t>
             </a:r>
           </a:p>
         </p:txBody>
@@ -12797,7 +16275,7 @@
           <p:cNvPr id="3" name="Content Placeholder 2">
             <a:extLst>
               <a:ext uri="{FF2B5EF4-FFF2-40B4-BE49-F238E27FC236}">
-                <a16:creationId xmlns:a16="http://schemas.microsoft.com/office/drawing/2014/main" id="{B156CA4E-E1F2-C33F-7F5B-DF71D9E85F7F}"/>
+                <a16:creationId xmlns:a16="http://schemas.microsoft.com/office/drawing/2014/main" xmlns="" id="{13B76399-18A5-36FB-2373-DB31B8662B7C}"/>
               </a:ext>
             </a:extLst>
           </p:cNvPr>
@@ -12813,53 +16291,59 @@
           <a:bodyPr/>
           <a:lstStyle/>
           <a:p>
-            <a:pPr>
-              <a:buFont typeface="Arial" panose="020B0604020202020204" pitchFamily="34" charset="0"/>
-              <a:buChar char="•"/>
+            <a:pPr marL="457200" indent="-457200" algn="just">
+              <a:buFont typeface="+mj-lt"/>
+              <a:buAutoNum type="arabicPeriod"/>
             </a:pPr>
             <a:r>
+              <a:rPr lang="en-US" b="1" dirty="0"/>
+              <a:t>True positive</a:t>
+            </a:r>
+            <a:r>
               <a:rPr lang="en-US" dirty="0"/>
-              <a:t>Pattern matching and stateful pattern matching recognition</a:t>
-            </a:r>
-          </a:p>
-          <a:p>
-            <a:pPr>
-              <a:buFont typeface="Arial" panose="020B0604020202020204" pitchFamily="34" charset="0"/>
-              <a:buChar char="•"/>
+              <a:t>:  It correctly identifies an issue.</a:t>
+            </a:r>
+          </a:p>
+          <a:p>
+            <a:pPr marL="457200" indent="-457200" algn="just">
+              <a:buFont typeface="+mj-lt"/>
+              <a:buAutoNum type="arabicPeriod"/>
             </a:pPr>
             <a:r>
+              <a:rPr lang="en-US" b="1" dirty="0"/>
+              <a:t>True Negative</a:t>
+            </a:r>
+            <a:r>
               <a:rPr lang="en-US" dirty="0"/>
-              <a:t>Protocol analysis</a:t>
-            </a:r>
-          </a:p>
-          <a:p>
-            <a:pPr>
-              <a:buFont typeface="Arial" panose="020B0604020202020204" pitchFamily="34" charset="0"/>
-              <a:buChar char="•"/>
+              <a:t>: It correctly identifies normal traffic.</a:t>
+            </a:r>
+          </a:p>
+          <a:p>
+            <a:pPr marL="457200" indent="-457200" algn="just">
+              <a:buFont typeface="+mj-lt"/>
+              <a:buAutoNum type="arabicPeriod"/>
             </a:pPr>
             <a:r>
+              <a:rPr lang="en-US" b="1" dirty="0"/>
+              <a:t>False Positive:</a:t>
+            </a:r>
+            <a:r>
               <a:rPr lang="en-US" dirty="0"/>
-              <a:t>Heuristic-based analysis</a:t>
-            </a:r>
-          </a:p>
-          <a:p>
-            <a:pPr>
-              <a:buFont typeface="Arial" panose="020B0604020202020204" pitchFamily="34" charset="0"/>
-              <a:buChar char="•"/>
+              <a:t> Incorrectly identifies normal activity as an issue</a:t>
+            </a:r>
+          </a:p>
+          <a:p>
+            <a:pPr marL="457200" indent="-457200" algn="just">
+              <a:buFont typeface="+mj-lt"/>
+              <a:buAutoNum type="arabicPeriod"/>
             </a:pPr>
             <a:r>
+              <a:rPr lang="en-US" b="1" dirty="0"/>
+              <a:t>False Negative</a:t>
+            </a:r>
+            <a:r>
               <a:rPr lang="en-US" dirty="0"/>
-              <a:t>Anomaly-based analysis</a:t>
-            </a:r>
-          </a:p>
-          <a:p>
-            <a:pPr>
-              <a:buFont typeface="Arial" panose="020B0604020202020204" pitchFamily="34" charset="0"/>
-              <a:buChar char="•"/>
-            </a:pPr>
-            <a:r>
-              <a:rPr lang="en-US" dirty="0"/>
-              <a:t>Correlation protection capabilities based on threat intelligence</a:t>
+              <a:t>: Incorrectly identifies an issue as normal activity.</a:t>
             </a:r>
           </a:p>
         </p:txBody>
@@ -12867,13 +16351,20 @@
     </p:spTree>
     <p:extLst>
       <p:ext uri="{BB962C8B-B14F-4D97-AF65-F5344CB8AC3E}">
-        <p14:creationId xmlns:p14="http://schemas.microsoft.com/office/powerpoint/2010/main" val="2453560799"/>
+        <p14:creationId xmlns:p14="http://schemas.microsoft.com/office/powerpoint/2010/main" val="2688818695"/>
       </p:ext>
     </p:extLst>
   </p:cSld>
   <p:clrMapOvr>
     <a:masterClrMapping/>
   </p:clrMapOvr>
+  <p:timing>
+    <p:tnLst>
+      <p:par>
+        <p:cTn id="1" dur="indefinite" restart="never" nodeType="tmRoot"/>
+      </p:par>
+    </p:tnLst>
+  </p:timing>
 </p:sld>
 </file>
 
@@ -12899,7 +16390,7 @@
           <p:cNvPr id="2" name="Title 1">
             <a:extLst>
               <a:ext uri="{FF2B5EF4-FFF2-40B4-BE49-F238E27FC236}">
-                <a16:creationId xmlns:a16="http://schemas.microsoft.com/office/drawing/2014/main" id="{A9B31E41-F918-DCD4-4005-65535EB02034}"/>
+                <a16:creationId xmlns:a16="http://schemas.microsoft.com/office/drawing/2014/main" xmlns="" id="{F646DBC6-A618-85D6-A6DE-A4F22A157E52}"/>
               </a:ext>
             </a:extLst>
           </p:cNvPr>
@@ -12916,9 +16407,10 @@
           <a:lstStyle/>
           <a:p>
             <a:r>
-              <a:rPr lang="en-US" dirty="0"/>
-              <a:t>Content filtering &amp; whitelisting/Backlisting</a:t>
-            </a:r>
+              <a:rPr lang="en-US" dirty="0" smtClean="0"/>
+              <a:t>Methodologies used by IDS/ISP for detection:</a:t>
+            </a:r>
+            <a:endParaRPr lang="en-US" dirty="0"/>
           </a:p>
         </p:txBody>
       </p:sp>
@@ -12927,7 +16419,7 @@
           <p:cNvPr id="3" name="Content Placeholder 2">
             <a:extLst>
               <a:ext uri="{FF2B5EF4-FFF2-40B4-BE49-F238E27FC236}">
-                <a16:creationId xmlns:a16="http://schemas.microsoft.com/office/drawing/2014/main" id="{ACEDED1F-A35C-1160-5F4E-D4EBA5B5870F}"/>
+                <a16:creationId xmlns:a16="http://schemas.microsoft.com/office/drawing/2014/main" xmlns="" id="{B156CA4E-E1F2-C33F-7F5B-DF71D9E85F7F}"/>
               </a:ext>
             </a:extLst>
           </p:cNvPr>
@@ -12938,60 +16430,58 @@
             <p:ph idx="1"/>
           </p:nvPr>
         </p:nvSpPr>
-        <p:spPr>
-          <a:xfrm>
-            <a:off x="1097280" y="2038627"/>
-            <a:ext cx="10058400" cy="3760891"/>
-          </a:xfrm>
-        </p:spPr>
+        <p:spPr/>
         <p:txBody>
-          <a:bodyPr>
-            <a:normAutofit/>
-          </a:bodyPr>
+          <a:bodyPr/>
           <a:lstStyle/>
           <a:p>
-            <a:pPr marL="0" indent="0">
-              <a:buNone/>
+            <a:pPr>
+              <a:buFont typeface="Arial" panose="020B0604020202020204" pitchFamily="34" charset="0"/>
+              <a:buChar char="•"/>
             </a:pPr>
             <a:r>
               <a:rPr lang="en-US" dirty="0"/>
-              <a:t>Content Filtering: Allow or restrict access based on its content.</a:t>
-            </a:r>
-          </a:p>
-          <a:p>
-            <a:pPr marL="0" indent="0">
-              <a:buNone/>
+              <a:t>Pattern matching and stateful pattern matching recognition</a:t>
+            </a:r>
+          </a:p>
+          <a:p>
+            <a:pPr>
+              <a:buFont typeface="Arial" panose="020B0604020202020204" pitchFamily="34" charset="0"/>
+              <a:buChar char="•"/>
             </a:pPr>
             <a:r>
               <a:rPr lang="en-US" dirty="0"/>
-              <a:t>Whitelist: Specific sites have access </a:t>
-            </a:r>
-          </a:p>
-          <a:p>
-            <a:pPr marL="0" indent="0">
-              <a:buNone/>
+              <a:t>Protocol analysis</a:t>
+            </a:r>
+          </a:p>
+          <a:p>
+            <a:pPr>
+              <a:buFont typeface="Arial" panose="020B0604020202020204" pitchFamily="34" charset="0"/>
+              <a:buChar char="•"/>
             </a:pPr>
             <a:r>
               <a:rPr lang="en-US" dirty="0"/>
-              <a:t>Blacklist: Where access is denied</a:t>
-            </a:r>
-          </a:p>
-          <a:p>
-            <a:pPr marL="0" indent="0">
-              <a:buNone/>
+              <a:t>Heuristic-based analysis</a:t>
+            </a:r>
+          </a:p>
+          <a:p>
+            <a:pPr>
+              <a:buFont typeface="Arial" panose="020B0604020202020204" pitchFamily="34" charset="0"/>
+              <a:buChar char="•"/>
             </a:pPr>
             <a:r>
               <a:rPr lang="en-US" dirty="0"/>
-              <a:t>It commonly blocks the entire range of IPS specific to geographic locations</a:t>
-            </a:r>
-          </a:p>
-          <a:p>
-            <a:pPr marL="0" indent="0">
-              <a:buNone/>
+              <a:t>Anomaly-based analysis</a:t>
+            </a:r>
+          </a:p>
+          <a:p>
+            <a:pPr>
+              <a:buFont typeface="Arial" panose="020B0604020202020204" pitchFamily="34" charset="0"/>
+              <a:buChar char="•"/>
             </a:pPr>
             <a:r>
               <a:rPr lang="en-US" dirty="0"/>
-              <a:t>Restrict the access by content categories.</a:t>
+              <a:t>Correlation protection capabilities based on threat intelligence</a:t>
             </a:r>
           </a:p>
         </p:txBody>
@@ -12999,13 +16489,20 @@
     </p:spTree>
     <p:extLst>
       <p:ext uri="{BB962C8B-B14F-4D97-AF65-F5344CB8AC3E}">
-        <p14:creationId xmlns:p14="http://schemas.microsoft.com/office/powerpoint/2010/main" val="4131373296"/>
+        <p14:creationId xmlns:p14="http://schemas.microsoft.com/office/powerpoint/2010/main" val="2453560799"/>
       </p:ext>
     </p:extLst>
   </p:cSld>
   <p:clrMapOvr>
     <a:masterClrMapping/>
   </p:clrMapOvr>
+  <p:timing>
+    <p:tnLst>
+      <p:par>
+        <p:cTn id="1" dur="indefinite" restart="never" nodeType="tmRoot"/>
+      </p:par>
+    </p:tnLst>
+  </p:timing>
 </p:sld>
 </file>
 
@@ -13031,7 +16528,7 @@
           <p:cNvPr id="2" name="Title 1">
             <a:extLst>
               <a:ext uri="{FF2B5EF4-FFF2-40B4-BE49-F238E27FC236}">
-                <a16:creationId xmlns:a16="http://schemas.microsoft.com/office/drawing/2014/main" id="{51160772-DA72-FFA8-C69E-34809D0F39A9}"/>
+                <a16:creationId xmlns:a16="http://schemas.microsoft.com/office/drawing/2014/main" xmlns="" id="{A9B31E41-F918-DCD4-4005-65535EB02034}"/>
               </a:ext>
             </a:extLst>
           </p:cNvPr>
@@ -13049,7 +16546,7 @@
           <a:p>
             <a:r>
               <a:rPr lang="en-US" dirty="0"/>
-              <a:t>Border device administration and management</a:t>
+              <a:t>Content filtering &amp; whitelisting/Backlisting</a:t>
             </a:r>
           </a:p>
         </p:txBody>
@@ -13059,7 +16556,7 @@
           <p:cNvPr id="3" name="Content Placeholder 2">
             <a:extLst>
               <a:ext uri="{FF2B5EF4-FFF2-40B4-BE49-F238E27FC236}">
-                <a16:creationId xmlns:a16="http://schemas.microsoft.com/office/drawing/2014/main" id="{FE096093-054E-F5C1-36EA-5F32C456F3D4}"/>
+                <a16:creationId xmlns:a16="http://schemas.microsoft.com/office/drawing/2014/main" xmlns="" id="{ACEDED1F-A35C-1160-5F4E-D4EBA5B5870F}"/>
               </a:ext>
             </a:extLst>
           </p:cNvPr>
@@ -13070,32 +16567,60 @@
             <p:ph idx="1"/>
           </p:nvPr>
         </p:nvSpPr>
-        <p:spPr/>
+        <p:spPr>
+          <a:xfrm>
+            <a:off x="1097280" y="2038627"/>
+            <a:ext cx="10058400" cy="3760891"/>
+          </a:xfrm>
+        </p:spPr>
         <p:txBody>
-          <a:bodyPr/>
+          <a:bodyPr>
+            <a:normAutofit/>
+          </a:bodyPr>
           <a:lstStyle/>
           <a:p>
+            <a:pPr marL="0" indent="0">
+              <a:buNone/>
+            </a:pPr>
             <a:r>
               <a:rPr lang="en-US" dirty="0"/>
-              <a:t>Everything has to be monitored- Logs and alerts must be monitored and analyzed (successful and unsuccessful both)</a:t>
-            </a:r>
-          </a:p>
-          <a:p>
+              <a:t>Content Filtering: Allow or restrict access based on its content.</a:t>
+            </a:r>
+          </a:p>
+          <a:p>
+            <a:pPr marL="0" indent="0">
+              <a:buNone/>
+            </a:pPr>
             <a:r>
               <a:rPr lang="en-US" dirty="0"/>
-              <a:t>Policies need to be updated as per requirements </a:t>
-            </a:r>
-          </a:p>
-          <a:p>
+              <a:t>Whitelist: Specific sites have access </a:t>
+            </a:r>
+          </a:p>
+          <a:p>
+            <a:pPr marL="0" indent="0">
+              <a:buNone/>
+            </a:pPr>
             <a:r>
               <a:rPr lang="en-US" dirty="0"/>
-              <a:t>Detail examination of all changes since the last review</a:t>
-            </a:r>
-          </a:p>
-          <a:p>
+              <a:t>Blacklist: Where access is denied</a:t>
+            </a:r>
+          </a:p>
+          <a:p>
+            <a:pPr marL="0" indent="0">
+              <a:buNone/>
+            </a:pPr>
             <a:r>
               <a:rPr lang="en-US" dirty="0"/>
-              <a:t>External pen testing used to verify the device performance</a:t>
+              <a:t>It commonly blocks the entire range of IPS specific to geographic locations</a:t>
+            </a:r>
+          </a:p>
+          <a:p>
+            <a:pPr marL="0" indent="0">
+              <a:buNone/>
+            </a:pPr>
+            <a:r>
+              <a:rPr lang="en-US" dirty="0"/>
+              <a:t>Restrict the access by content categories.</a:t>
             </a:r>
           </a:p>
         </p:txBody>
@@ -13103,13 +16628,20 @@
     </p:spTree>
     <p:extLst>
       <p:ext uri="{BB962C8B-B14F-4D97-AF65-F5344CB8AC3E}">
-        <p14:creationId xmlns:p14="http://schemas.microsoft.com/office/powerpoint/2010/main" val="2079736115"/>
+        <p14:creationId xmlns:p14="http://schemas.microsoft.com/office/powerpoint/2010/main" val="4131373296"/>
       </p:ext>
     </p:extLst>
   </p:cSld>
   <p:clrMapOvr>
     <a:masterClrMapping/>
   </p:clrMapOvr>
+  <p:timing>
+    <p:tnLst>
+      <p:par>
+        <p:cTn id="1" dur="indefinite" restart="never" nodeType="tmRoot"/>
+      </p:par>
+    </p:tnLst>
+  </p:timing>
 </p:sld>
 </file>
 
@@ -13135,7 +16667,7 @@
           <p:cNvPr id="2" name="Title 1">
             <a:extLst>
               <a:ext uri="{FF2B5EF4-FFF2-40B4-BE49-F238E27FC236}">
-                <a16:creationId xmlns:a16="http://schemas.microsoft.com/office/drawing/2014/main" id="{F18155DF-46EB-4C54-1F1E-924EE45BED40}"/>
+                <a16:creationId xmlns:a16="http://schemas.microsoft.com/office/drawing/2014/main" xmlns="" id="{51160772-DA72-FFA8-C69E-34809D0F39A9}"/>
               </a:ext>
             </a:extLst>
           </p:cNvPr>
@@ -13153,7 +16685,7 @@
           <a:p>
             <a:r>
               <a:rPr lang="en-US" dirty="0"/>
-              <a:t>Types of Security groups</a:t>
+              <a:t>Border device administration and management</a:t>
             </a:r>
           </a:p>
         </p:txBody>
@@ -13163,7 +16695,7 @@
           <p:cNvPr id="3" name="Content Placeholder 2">
             <a:extLst>
               <a:ext uri="{FF2B5EF4-FFF2-40B4-BE49-F238E27FC236}">
-                <a16:creationId xmlns:a16="http://schemas.microsoft.com/office/drawing/2014/main" id="{3EBC44D5-3F50-0DD5-51E5-36A81C2C44B8}"/>
+                <a16:creationId xmlns:a16="http://schemas.microsoft.com/office/drawing/2014/main" xmlns="" id="{FE096093-054E-F5C1-36EA-5F32C456F3D4}"/>
               </a:ext>
             </a:extLst>
           </p:cNvPr>
@@ -13179,35 +16711,71 @@
           <a:bodyPr/>
           <a:lstStyle/>
           <a:p>
+            <a:pPr algn="just"/>
+            <a:r>
+              <a:rPr lang="en-US" b="1" dirty="0"/>
+              <a:t>Everything has to be monitored- </a:t>
+            </a:r>
             <a:r>
               <a:rPr lang="en-US" dirty="0"/>
-              <a:t>Blue teams: Defenders of the corporate network which includes SOC, CSIRTS, Infosec teams</a:t>
-            </a:r>
-          </a:p>
-          <a:p>
+              <a:t>Logs and alerts must be monitored and analyzed (successful and unsuccessful both)</a:t>
+            </a:r>
+          </a:p>
+          <a:p>
+            <a:pPr algn="just"/>
             <a:r>
               <a:rPr lang="en-US" dirty="0"/>
-              <a:t>Red Teams: Ethical hackers, Pen testers who identify vulnerabilities, attack detection and response capability of the device.</a:t>
-            </a:r>
-          </a:p>
-          <a:p>
+              <a:t>Policies need to be updated as per </a:t>
+            </a:r>
+            <a:r>
+              <a:rPr lang="en-US" dirty="0" smtClean="0"/>
+              <a:t>requirements.</a:t>
+            </a:r>
+            <a:endParaRPr lang="en-US" dirty="0"/>
+          </a:p>
+          <a:p>
+            <a:pPr algn="just"/>
             <a:r>
               <a:rPr lang="en-US" dirty="0"/>
-              <a:t>Purple Team: When Red and Blue teams aligned forces to completely defend the organization.</a:t>
-            </a:r>
+              <a:t>Detail examination of all changes since the last </a:t>
+            </a:r>
+            <a:r>
+              <a:rPr lang="en-US" dirty="0" smtClean="0"/>
+              <a:t>review.</a:t>
+            </a:r>
+            <a:endParaRPr lang="en-US" dirty="0"/>
+          </a:p>
+          <a:p>
+            <a:pPr algn="just"/>
+            <a:r>
+              <a:rPr lang="en-US" dirty="0"/>
+              <a:t>External pen testing used to verify the device </a:t>
+            </a:r>
+            <a:r>
+              <a:rPr lang="en-US" dirty="0" smtClean="0"/>
+              <a:t>performance.</a:t>
+            </a:r>
+            <a:endParaRPr lang="en-US" dirty="0"/>
           </a:p>
         </p:txBody>
       </p:sp>
     </p:spTree>
     <p:extLst>
       <p:ext uri="{BB962C8B-B14F-4D97-AF65-F5344CB8AC3E}">
-        <p14:creationId xmlns:p14="http://schemas.microsoft.com/office/powerpoint/2010/main" val="3831653995"/>
+        <p14:creationId xmlns:p14="http://schemas.microsoft.com/office/powerpoint/2010/main" val="2079736115"/>
       </p:ext>
     </p:extLst>
   </p:cSld>
   <p:clrMapOvr>
     <a:masterClrMapping/>
   </p:clrMapOvr>
+  <p:timing>
+    <p:tnLst>
+      <p:par>
+        <p:cTn id="1" dur="indefinite" restart="never" nodeType="tmRoot"/>
+      </p:par>
+    </p:tnLst>
+  </p:timing>
 </p:sld>
 </file>
 
@@ -13241,10 +16809,10 @@
           <p:cNvPr id="8" name="Rectangle 7">
             <a:extLst>
               <a:ext uri="{FF2B5EF4-FFF2-40B4-BE49-F238E27FC236}">
-                <a16:creationId xmlns:a16="http://schemas.microsoft.com/office/drawing/2014/main" id="{416A0E3C-60E6-4F39-BC55-5F7C224E1F7C}"/>
+                <a16:creationId xmlns:a16="http://schemas.microsoft.com/office/drawing/2014/main" xmlns="" id="{416A0E3C-60E6-4F39-BC55-5F7C224E1F7C}"/>
               </a:ext>
               <a:ext uri="{C183D7F6-B498-43B3-948B-1728B52AA6E4}">
-                <adec:decorative xmlns:adec="http://schemas.microsoft.com/office/drawing/2017/decorative" val="1"/>
+                <adec:decorative xmlns:adec="http://schemas.microsoft.com/office/drawing/2017/decorative" xmlns="" val="1"/>
               </a:ext>
             </a:extLst>
           </p:cNvPr>
@@ -13254,7 +16822,7 @@
           <p:nvPr>
             <p:extLst>
               <p:ext uri="{386F3935-93C4-4BCD-93E2-E3B085C9AB24}">
-                <p16:designElem xmlns:p16="http://schemas.microsoft.com/office/powerpoint/2015/main" val="1"/>
+                <p16:designElem xmlns:p16="http://schemas.microsoft.com/office/powerpoint/2015/main" xmlns="" val="1"/>
               </p:ext>
             </p:extLst>
           </p:nvPr>
@@ -13296,10 +16864,10 @@
           <p:cNvPr id="10" name="Straight Connector 9">
             <a:extLst>
               <a:ext uri="{FF2B5EF4-FFF2-40B4-BE49-F238E27FC236}">
-                <a16:creationId xmlns:a16="http://schemas.microsoft.com/office/drawing/2014/main" id="{C5025DAC-8B93-4160-B017-3A274A5828C0}"/>
+                <a16:creationId xmlns:a16="http://schemas.microsoft.com/office/drawing/2014/main" xmlns="" id="{C5025DAC-8B93-4160-B017-3A274A5828C0}"/>
               </a:ext>
               <a:ext uri="{C183D7F6-B498-43B3-948B-1728B52AA6E4}">
-                <adec:decorative xmlns:adec="http://schemas.microsoft.com/office/drawing/2017/decorative" val="1"/>
+                <adec:decorative xmlns:adec="http://schemas.microsoft.com/office/drawing/2017/decorative" xmlns="" val="1"/>
               </a:ext>
             </a:extLst>
           </p:cNvPr>
@@ -13309,7 +16877,7 @@
           <p:nvPr>
             <p:extLst>
               <p:ext uri="{386F3935-93C4-4BCD-93E2-E3B085C9AB24}">
-                <p16:designElem xmlns:p16="http://schemas.microsoft.com/office/powerpoint/2015/main" val="1"/>
+                <p16:designElem xmlns:p16="http://schemas.microsoft.com/office/powerpoint/2015/main" xmlns="" val="1"/>
               </p:ext>
             </p:extLst>
           </p:nvPr>
@@ -13351,10 +16919,10 @@
           <p:cNvPr id="12" name="Rectangle 11">
             <a:extLst>
               <a:ext uri="{FF2B5EF4-FFF2-40B4-BE49-F238E27FC236}">
-                <a16:creationId xmlns:a16="http://schemas.microsoft.com/office/drawing/2014/main" id="{C8DD82D3-D002-45B0-B16A-82B3DA4EFDDB}"/>
+                <a16:creationId xmlns:a16="http://schemas.microsoft.com/office/drawing/2014/main" xmlns="" id="{C8DD82D3-D002-45B0-B16A-82B3DA4EFDDB}"/>
               </a:ext>
               <a:ext uri="{C183D7F6-B498-43B3-948B-1728B52AA6E4}">
-                <adec:decorative xmlns:adec="http://schemas.microsoft.com/office/drawing/2017/decorative" val="1"/>
+                <adec:decorative xmlns:adec="http://schemas.microsoft.com/office/drawing/2017/decorative" xmlns="" val="1"/>
               </a:ext>
             </a:extLst>
           </p:cNvPr>
@@ -13364,7 +16932,7 @@
           <p:nvPr>
             <p:extLst>
               <p:ext uri="{386F3935-93C4-4BCD-93E2-E3B085C9AB24}">
-                <p16:designElem xmlns:p16="http://schemas.microsoft.com/office/powerpoint/2015/main" val="1"/>
+                <p16:designElem xmlns:p16="http://schemas.microsoft.com/office/powerpoint/2015/main" xmlns="" val="1"/>
               </p:ext>
             </p:extLst>
           </p:nvPr>
@@ -13411,10 +16979,10 @@
           <p:cNvPr id="14" name="Straight Connector 13">
             <a:extLst>
               <a:ext uri="{FF2B5EF4-FFF2-40B4-BE49-F238E27FC236}">
-                <a16:creationId xmlns:a16="http://schemas.microsoft.com/office/drawing/2014/main" id="{9F09C252-16FE-4557-AD6D-BB5CA773496C}"/>
+                <a16:creationId xmlns:a16="http://schemas.microsoft.com/office/drawing/2014/main" xmlns="" id="{9F09C252-16FE-4557-AD6D-BB5CA773496C}"/>
               </a:ext>
               <a:ext uri="{C183D7F6-B498-43B3-948B-1728B52AA6E4}">
-                <adec:decorative xmlns:adec="http://schemas.microsoft.com/office/drawing/2017/decorative" val="1"/>
+                <adec:decorative xmlns:adec="http://schemas.microsoft.com/office/drawing/2017/decorative" xmlns="" val="1"/>
               </a:ext>
             </a:extLst>
           </p:cNvPr>
@@ -13424,7 +16992,7 @@
           <p:nvPr>
             <p:extLst>
               <p:ext uri="{386F3935-93C4-4BCD-93E2-E3B085C9AB24}">
-                <p16:designElem xmlns:p16="http://schemas.microsoft.com/office/powerpoint/2015/main" val="1"/>
+                <p16:designElem xmlns:p16="http://schemas.microsoft.com/office/powerpoint/2015/main" xmlns="" val="1"/>
               </p:ext>
             </p:extLst>
           </p:nvPr>
@@ -13464,7 +17032,7 @@
           <p:cNvPr id="3" name="TextBox 2">
             <a:extLst>
               <a:ext uri="{FF2B5EF4-FFF2-40B4-BE49-F238E27FC236}">
-                <a16:creationId xmlns:a16="http://schemas.microsoft.com/office/drawing/2014/main" id="{B510D9D4-0A6B-4E44-FF32-2335351E6632}"/>
+                <a16:creationId xmlns:a16="http://schemas.microsoft.com/office/drawing/2014/main" xmlns="" id="{B510D9D4-0A6B-4E44-FF32-2335351E6632}"/>
               </a:ext>
             </a:extLst>
           </p:cNvPr>
@@ -13631,7 +17199,7 @@
           <p:cNvPr id="2" name="Title 1">
             <a:extLst>
               <a:ext uri="{FF2B5EF4-FFF2-40B4-BE49-F238E27FC236}">
-                <a16:creationId xmlns:a16="http://schemas.microsoft.com/office/drawing/2014/main" id="{A2223E51-B824-7790-91D2-F4E35D898D1E}"/>
+                <a16:creationId xmlns:a16="http://schemas.microsoft.com/office/drawing/2014/main" xmlns="" id="{F18155DF-46EB-4C54-1F1E-924EE45BED40}"/>
               </a:ext>
             </a:extLst>
           </p:cNvPr>
@@ -13649,7 +17217,7 @@
           <a:p>
             <a:r>
               <a:rPr lang="en-US" dirty="0"/>
-              <a:t>Remote access security</a:t>
+              <a:t>Types of Security groups</a:t>
             </a:r>
           </a:p>
         </p:txBody>
@@ -13659,7 +17227,7 @@
           <p:cNvPr id="3" name="Content Placeholder 2">
             <a:extLst>
               <a:ext uri="{FF2B5EF4-FFF2-40B4-BE49-F238E27FC236}">
-                <a16:creationId xmlns:a16="http://schemas.microsoft.com/office/drawing/2014/main" id="{2AC473FA-6F9F-106A-611D-23814E22C957}"/>
+                <a16:creationId xmlns:a16="http://schemas.microsoft.com/office/drawing/2014/main" xmlns="" id="{3EBC44D5-3F50-0DD5-51E5-36A81C2C44B8}"/>
               </a:ext>
             </a:extLst>
           </p:cNvPr>
@@ -13675,53 +17243,71 @@
           <a:bodyPr/>
           <a:lstStyle/>
           <a:p>
+            <a:pPr algn="just"/>
+            <a:r>
+              <a:rPr lang="en-US" b="1" dirty="0">
+                <a:solidFill>
+                  <a:schemeClr val="accent1">
+                    <a:lumMod val="75000"/>
+                  </a:schemeClr>
+                </a:solidFill>
+              </a:rPr>
+              <a:t>Blue teams: </a:t>
+            </a:r>
             <a:r>
               <a:rPr lang="en-US" dirty="0"/>
-              <a:t>It is getting common increasingly that it has become normal now</a:t>
-            </a:r>
-          </a:p>
-          <a:p>
+              <a:t>Defenders of the corporate network which includes SOC, CSIRTS, Infosec teams</a:t>
+            </a:r>
+          </a:p>
+          <a:p>
+            <a:pPr algn="just"/>
+            <a:r>
+              <a:rPr lang="en-US" b="1" dirty="0">
+                <a:solidFill>
+                  <a:srgbClr val="FF0000"/>
+                </a:solidFill>
+              </a:rPr>
+              <a:t>Red Teams: </a:t>
+            </a:r>
             <a:r>
               <a:rPr lang="en-US" dirty="0"/>
-              <a:t>It has controls like authentication that must be chosen carefully based on network-segmented information and classification that is accessible.</a:t>
-            </a:r>
-          </a:p>
-          <a:p>
-            <a:pPr marL="0" indent="0">
-              <a:buNone/>
-            </a:pPr>
+              <a:t>Ethical hackers, Pen testers who identify vulnerabilities, attack detection and response capability of the device.</a:t>
+            </a:r>
+          </a:p>
+          <a:p>
+            <a:pPr algn="just"/>
+            <a:r>
+              <a:rPr lang="en-US" b="1" dirty="0">
+                <a:solidFill>
+                  <a:srgbClr val="7030A0"/>
+                </a:solidFill>
+              </a:rPr>
+              <a:t>Purple Team: </a:t>
+            </a:r>
             <a:r>
               <a:rPr lang="en-US" dirty="0"/>
-              <a:t>It follows CIA triads</a:t>
-            </a:r>
-          </a:p>
-          <a:p>
-            <a:r>
-              <a:rPr lang="en-US" dirty="0"/>
-              <a:t>Restricted information can’t be accessible to unauthorized parties, detecting good and bad modifications and ensuring the user can access required resources</a:t>
-            </a:r>
-          </a:p>
-          <a:p>
-            <a:r>
-              <a:rPr lang="en-US" dirty="0"/>
-              <a:t>It must include physical control of client devices.</a:t>
-            </a:r>
-          </a:p>
-          <a:p>
-            <a:endParaRPr lang="en-US" dirty="0"/>
+              <a:t>When Red and Blue teams aligned forces to completely defend the organization.</a:t>
+            </a:r>
           </a:p>
         </p:txBody>
       </p:sp>
     </p:spTree>
     <p:extLst>
       <p:ext uri="{BB962C8B-B14F-4D97-AF65-F5344CB8AC3E}">
-        <p14:creationId xmlns:p14="http://schemas.microsoft.com/office/powerpoint/2010/main" val="3778690245"/>
+        <p14:creationId xmlns:p14="http://schemas.microsoft.com/office/powerpoint/2010/main" val="3831653995"/>
       </p:ext>
     </p:extLst>
   </p:cSld>
   <p:clrMapOvr>
     <a:masterClrMapping/>
   </p:clrMapOvr>
+  <p:timing>
+    <p:tnLst>
+      <p:par>
+        <p:cTn id="1" dur="indefinite" restart="never" nodeType="tmRoot"/>
+      </p:par>
+    </p:tnLst>
+  </p:timing>
 </p:sld>
 </file>
 
@@ -13747,7 +17333,7 @@
           <p:cNvPr id="2" name="Title 1">
             <a:extLst>
               <a:ext uri="{FF2B5EF4-FFF2-40B4-BE49-F238E27FC236}">
-                <a16:creationId xmlns:a16="http://schemas.microsoft.com/office/drawing/2014/main" id="{7F15F437-059F-15BB-8DEE-4317F58D0763}"/>
+                <a16:creationId xmlns:a16="http://schemas.microsoft.com/office/drawing/2014/main" xmlns="" id="{A2223E51-B824-7790-91D2-F4E35D898D1E}"/>
               </a:ext>
             </a:extLst>
           </p:cNvPr>
@@ -13765,7 +17351,7 @@
           <a:p>
             <a:r>
               <a:rPr lang="en-US" dirty="0"/>
-              <a:t>Remote access technologies</a:t>
+              <a:t>Remote access security</a:t>
             </a:r>
           </a:p>
         </p:txBody>
@@ -13775,7 +17361,7 @@
           <p:cNvPr id="3" name="Content Placeholder 2">
             <a:extLst>
               <a:ext uri="{FF2B5EF4-FFF2-40B4-BE49-F238E27FC236}">
-                <a16:creationId xmlns:a16="http://schemas.microsoft.com/office/drawing/2014/main" id="{BA70DCD4-E5AE-1BDE-691F-E11A5E89A49E}"/>
+                <a16:creationId xmlns:a16="http://schemas.microsoft.com/office/drawing/2014/main" xmlns="" id="{2AC473FA-6F9F-106A-611D-23814E22C957}"/>
               </a:ext>
             </a:extLst>
           </p:cNvPr>
@@ -13791,29 +17377,80 @@
           <a:bodyPr/>
           <a:lstStyle/>
           <a:p>
+            <a:pPr algn="just"/>
+            <a:r>
+              <a:rPr lang="en-US" dirty="0" smtClean="0"/>
+              <a:t>It </a:t>
+            </a:r>
             <a:r>
               <a:rPr lang="en-US" dirty="0"/>
-              <a:t>VPN: Secure tunnel for transmitting data through the internet.</a:t>
-            </a:r>
-          </a:p>
-          <a:p>
+              <a:t>has controls like </a:t>
+            </a:r>
+            <a:r>
+              <a:rPr lang="en-US" dirty="0" smtClean="0"/>
+              <a:t>authentication, </a:t>
+            </a:r>
             <a:r>
               <a:rPr lang="en-US" dirty="0"/>
-              <a:t>Achieved through tunnelling and encryption. To provide high security without the high cost of private lines. It is connected between physical or remote sites.</a:t>
-            </a:r>
+              <a:t>that must be chosen carefully based on network-segmented information and classification that is accessible.</a:t>
+            </a:r>
+          </a:p>
+          <a:p>
+            <a:pPr marL="0" indent="0" algn="just">
+              <a:buNone/>
+            </a:pPr>
+            <a:r>
+              <a:rPr lang="en-US" dirty="0"/>
+              <a:t>It follows CIA </a:t>
+            </a:r>
+            <a:r>
+              <a:rPr lang="en-US" dirty="0" smtClean="0"/>
+              <a:t>triads:</a:t>
+            </a:r>
+            <a:endParaRPr lang="en-US" dirty="0"/>
+          </a:p>
+          <a:p>
+            <a:pPr algn="just"/>
+            <a:r>
+              <a:rPr lang="en-US" dirty="0"/>
+              <a:t>Restricted information can’t be accessible to unauthorized parties, detecting good and bad modifications and ensuring the user can access required </a:t>
+            </a:r>
+            <a:r>
+              <a:rPr lang="en-US" dirty="0" smtClean="0"/>
+              <a:t>resources,</a:t>
+            </a:r>
+            <a:endParaRPr lang="en-US" dirty="0"/>
+          </a:p>
+          <a:p>
+            <a:pPr algn="just"/>
+            <a:r>
+              <a:rPr lang="en-US" dirty="0"/>
+              <a:t>It must include physical control of client devices.</a:t>
+            </a:r>
+          </a:p>
+          <a:p>
+            <a:pPr algn="just"/>
+            <a:endParaRPr lang="en-US" dirty="0"/>
           </a:p>
         </p:txBody>
       </p:sp>
     </p:spTree>
     <p:extLst>
       <p:ext uri="{BB962C8B-B14F-4D97-AF65-F5344CB8AC3E}">
-        <p14:creationId xmlns:p14="http://schemas.microsoft.com/office/powerpoint/2010/main" val="2092552656"/>
+        <p14:creationId xmlns:p14="http://schemas.microsoft.com/office/powerpoint/2010/main" val="3778690245"/>
       </p:ext>
     </p:extLst>
   </p:cSld>
   <p:clrMapOvr>
     <a:masterClrMapping/>
   </p:clrMapOvr>
+  <p:timing>
+    <p:tnLst>
+      <p:par>
+        <p:cTn id="1" dur="indefinite" restart="never" nodeType="tmRoot"/>
+      </p:par>
+    </p:tnLst>
+  </p:timing>
 </p:sld>
 </file>
 
@@ -13839,7 +17476,7 @@
           <p:cNvPr id="2" name="Title 1">
             <a:extLst>
               <a:ext uri="{FF2B5EF4-FFF2-40B4-BE49-F238E27FC236}">
-                <a16:creationId xmlns:a16="http://schemas.microsoft.com/office/drawing/2014/main" id="{85B20180-788D-FE2D-AD4D-83B45DDAC50D}"/>
+                <a16:creationId xmlns:a16="http://schemas.microsoft.com/office/drawing/2014/main" xmlns="" id="{7F15F437-059F-15BB-8DEE-4317F58D0763}"/>
               </a:ext>
             </a:extLst>
           </p:cNvPr>
@@ -13857,7 +17494,7 @@
           <a:p>
             <a:r>
               <a:rPr lang="en-US" dirty="0"/>
-              <a:t>Remote access authentication and authorization</a:t>
+              <a:t>Remote access technologies</a:t>
             </a:r>
           </a:p>
         </p:txBody>
@@ -13867,7 +17504,7 @@
           <p:cNvPr id="3" name="Content Placeholder 2">
             <a:extLst>
               <a:ext uri="{FF2B5EF4-FFF2-40B4-BE49-F238E27FC236}">
-                <a16:creationId xmlns:a16="http://schemas.microsoft.com/office/drawing/2014/main" id="{5BE3F581-B99F-8BC9-CACE-3D51DA2BA496}"/>
+                <a16:creationId xmlns:a16="http://schemas.microsoft.com/office/drawing/2014/main" xmlns="" id="{BA70DCD4-E5AE-1BDE-691F-E11A5E89A49E}"/>
               </a:ext>
             </a:extLst>
           </p:cNvPr>
@@ -13883,18 +17520,126 @@
           <a:bodyPr/>
           <a:lstStyle/>
           <a:p>
+            <a:pPr algn="just"/>
+            <a:r>
+              <a:rPr lang="en-US" b="1" dirty="0"/>
+              <a:t>VPN: </a:t>
+            </a:r>
+            <a:r>
+              <a:rPr lang="en-US" dirty="0"/>
+              <a:t>Secure tunnel for transmitting data through the internet.</a:t>
+            </a:r>
+          </a:p>
+          <a:p>
+            <a:pPr algn="just"/>
+            <a:r>
+              <a:rPr lang="en-US" dirty="0"/>
+              <a:t>Achieved through tunnelling and encryption. To provide high security without the high cost of private lines. It is connected between physical or remote sites.</a:t>
+            </a:r>
+          </a:p>
+        </p:txBody>
+      </p:sp>
+    </p:spTree>
+    <p:extLst>
+      <p:ext uri="{BB962C8B-B14F-4D97-AF65-F5344CB8AC3E}">
+        <p14:creationId xmlns:p14="http://schemas.microsoft.com/office/powerpoint/2010/main" val="2092552656"/>
+      </p:ext>
+    </p:extLst>
+  </p:cSld>
+  <p:clrMapOvr>
+    <a:masterClrMapping/>
+  </p:clrMapOvr>
+  <p:timing>
+    <p:tnLst>
+      <p:par>
+        <p:cTn id="1" dur="indefinite" restart="never" nodeType="tmRoot"/>
+      </p:par>
+    </p:tnLst>
+  </p:timing>
+</p:sld>
+</file>
+
+<file path=ppt/slides/slide33.xml><?xml version="1.0" encoding="utf-8"?>
+<p:sld xmlns:a="http://schemas.openxmlformats.org/drawingml/2006/main" xmlns:r="http://schemas.openxmlformats.org/officeDocument/2006/relationships" xmlns:p="http://schemas.openxmlformats.org/presentationml/2006/main">
+  <p:cSld>
+    <p:spTree>
+      <p:nvGrpSpPr>
+        <p:cNvPr id="1" name=""/>
+        <p:cNvGrpSpPr/>
+        <p:nvPr/>
+      </p:nvGrpSpPr>
+      <p:grpSpPr>
+        <a:xfrm>
+          <a:off x="0" y="0"/>
+          <a:ext cx="0" cy="0"/>
+          <a:chOff x="0" y="0"/>
+          <a:chExt cx="0" cy="0"/>
+        </a:xfrm>
+      </p:grpSpPr>
+      <p:sp>
+        <p:nvSpPr>
+          <p:cNvPr id="2" name="Title 1">
+            <a:extLst>
+              <a:ext uri="{FF2B5EF4-FFF2-40B4-BE49-F238E27FC236}">
+                <a16:creationId xmlns:a16="http://schemas.microsoft.com/office/drawing/2014/main" xmlns="" id="{85B20180-788D-FE2D-AD4D-83B45DDAC50D}"/>
+              </a:ext>
+            </a:extLst>
+          </p:cNvPr>
+          <p:cNvSpPr>
+            <a:spLocks noGrp="1"/>
+          </p:cNvSpPr>
+          <p:nvPr>
+            <p:ph type="title"/>
+          </p:nvPr>
+        </p:nvSpPr>
+        <p:spPr/>
+        <p:txBody>
+          <a:bodyPr/>
+          <a:lstStyle/>
+          <a:p>
+            <a:r>
+              <a:rPr lang="en-US" dirty="0"/>
+              <a:t>Remote access authentication and authorization</a:t>
+            </a:r>
+          </a:p>
+        </p:txBody>
+      </p:sp>
+      <p:sp>
+        <p:nvSpPr>
+          <p:cNvPr id="3" name="Content Placeholder 2">
+            <a:extLst>
+              <a:ext uri="{FF2B5EF4-FFF2-40B4-BE49-F238E27FC236}">
+                <a16:creationId xmlns:a16="http://schemas.microsoft.com/office/drawing/2014/main" xmlns="" id="{5BE3F581-B99F-8BC9-CACE-3D51DA2BA496}"/>
+              </a:ext>
+            </a:extLst>
+          </p:cNvPr>
+          <p:cNvSpPr>
+            <a:spLocks noGrp="1"/>
+          </p:cNvSpPr>
+          <p:nvPr>
+            <p:ph idx="1"/>
+          </p:nvPr>
+        </p:nvSpPr>
+        <p:spPr/>
+        <p:txBody>
+          <a:bodyPr/>
+          <a:lstStyle/>
+          <a:p>
+            <a:pPr algn="just"/>
             <a:r>
               <a:rPr lang="en-US" dirty="0"/>
               <a:t>Implement mutual authentication so they can verify legitimacy before providing authentication credentials.</a:t>
             </a:r>
           </a:p>
           <a:p>
+            <a:pPr algn="just"/>
             <a:r>
               <a:rPr lang="en-US" dirty="0"/>
               <a:t>MFA is required for access</a:t>
             </a:r>
           </a:p>
           <a:p>
+            <a:pPr algn="just"/>
             <a:r>
               <a:rPr lang="en-US" dirty="0"/>
               <a:t>Additionally user should require authentication periodically in remote access devices, they should ensure if they made the base line required for internal systems.</a:t>
@@ -13912,10 +17657,17 @@
   <p:clrMapOvr>
     <a:masterClrMapping/>
   </p:clrMapOvr>
+  <p:timing>
+    <p:tnLst>
+      <p:par>
+        <p:cTn id="1" dur="indefinite" restart="never" nodeType="tmRoot"/>
+      </p:par>
+    </p:tnLst>
+  </p:timing>
 </p:sld>
 </file>
 
-<file path=ppt/slides/slide33.xml><?xml version="1.0" encoding="utf-8"?>
+<file path=ppt/slides/slide34.xml><?xml version="1.0" encoding="utf-8"?>
 <p:sld xmlns:a="http://schemas.openxmlformats.org/drawingml/2006/main" xmlns:r="http://schemas.openxmlformats.org/officeDocument/2006/relationships" xmlns:p="http://schemas.openxmlformats.org/presentationml/2006/main">
   <p:cSld>
     <p:bg>
@@ -13945,10 +17697,10 @@
           <p:cNvPr id="27" name="Rectangle 26">
             <a:extLst>
               <a:ext uri="{FF2B5EF4-FFF2-40B4-BE49-F238E27FC236}">
-                <a16:creationId xmlns:a16="http://schemas.microsoft.com/office/drawing/2014/main" id="{990D0034-F768-41E7-85D4-F38C4DE85770}"/>
+                <a16:creationId xmlns:a16="http://schemas.microsoft.com/office/drawing/2014/main" xmlns="" id="{990D0034-F768-41E7-85D4-F38C4DE85770}"/>
               </a:ext>
               <a:ext uri="{C183D7F6-B498-43B3-948B-1728B52AA6E4}">
-                <adec:decorative xmlns:adec="http://schemas.microsoft.com/office/drawing/2017/decorative" val="1"/>
+                <adec:decorative xmlns:adec="http://schemas.microsoft.com/office/drawing/2017/decorative" xmlns="" val="1"/>
               </a:ext>
             </a:extLst>
           </p:cNvPr>
@@ -13958,7 +17710,7 @@
           <p:nvPr>
             <p:extLst>
               <p:ext uri="{386F3935-93C4-4BCD-93E2-E3B085C9AB24}">
-                <p16:designElem xmlns:p16="http://schemas.microsoft.com/office/powerpoint/2015/main" val="1"/>
+                <p16:designElem xmlns:p16="http://schemas.microsoft.com/office/powerpoint/2015/main" xmlns="" val="1"/>
               </p:ext>
             </p:extLst>
           </p:nvPr>
@@ -14005,10 +17757,10 @@
           <p:cNvPr id="29" name="Rectangle 28">
             <a:extLst>
               <a:ext uri="{FF2B5EF4-FFF2-40B4-BE49-F238E27FC236}">
-                <a16:creationId xmlns:a16="http://schemas.microsoft.com/office/drawing/2014/main" id="{95B38FD6-641F-41BF-B466-C1C6366420F0}"/>
+                <a16:creationId xmlns:a16="http://schemas.microsoft.com/office/drawing/2014/main" xmlns="" id="{95B38FD6-641F-41BF-B466-C1C6366420F0}"/>
               </a:ext>
               <a:ext uri="{C183D7F6-B498-43B3-948B-1728B52AA6E4}">
-                <adec:decorative xmlns:adec="http://schemas.microsoft.com/office/drawing/2017/decorative" val="1"/>
+                <adec:decorative xmlns:adec="http://schemas.microsoft.com/office/drawing/2017/decorative" xmlns="" val="1"/>
               </a:ext>
             </a:extLst>
           </p:cNvPr>
@@ -14018,7 +17770,7 @@
           <p:nvPr>
             <p:extLst>
               <p:ext uri="{386F3935-93C4-4BCD-93E2-E3B085C9AB24}">
-                <p16:designElem xmlns:p16="http://schemas.microsoft.com/office/powerpoint/2015/main" val="1"/>
+                <p16:designElem xmlns:p16="http://schemas.microsoft.com/office/powerpoint/2015/main" xmlns="" val="1"/>
               </p:ext>
             </p:extLst>
           </p:nvPr>
@@ -14070,7 +17822,7 @@
           <p:cNvPr id="2" name="Title 1">
             <a:extLst>
               <a:ext uri="{FF2B5EF4-FFF2-40B4-BE49-F238E27FC236}">
-                <a16:creationId xmlns:a16="http://schemas.microsoft.com/office/drawing/2014/main" id="{ED41F894-60A1-5384-512E-23F93C35274F}"/>
+                <a16:creationId xmlns:a16="http://schemas.microsoft.com/office/drawing/2014/main" xmlns="" id="{ED41F894-60A1-5384-512E-23F93C35274F}"/>
               </a:ext>
             </a:extLst>
           </p:cNvPr>
@@ -14109,10 +17861,10 @@
           <p:cNvPr id="31" name="Straight Connector 30">
             <a:extLst>
               <a:ext uri="{FF2B5EF4-FFF2-40B4-BE49-F238E27FC236}">
-                <a16:creationId xmlns:a16="http://schemas.microsoft.com/office/drawing/2014/main" id="{6BF9119E-766E-4526-AAE5-639F577C0493}"/>
+                <a16:creationId xmlns:a16="http://schemas.microsoft.com/office/drawing/2014/main" xmlns="" id="{6BF9119E-766E-4526-AAE5-639F577C0493}"/>
               </a:ext>
               <a:ext uri="{C183D7F6-B498-43B3-948B-1728B52AA6E4}">
-                <adec:decorative xmlns:adec="http://schemas.microsoft.com/office/drawing/2017/decorative" val="1"/>
+                <adec:decorative xmlns:adec="http://schemas.microsoft.com/office/drawing/2017/decorative" xmlns="" val="1"/>
               </a:ext>
             </a:extLst>
           </p:cNvPr>
@@ -14122,7 +17874,7 @@
           <p:nvPr>
             <p:extLst>
               <p:ext uri="{386F3935-93C4-4BCD-93E2-E3B085C9AB24}">
-                <p16:designElem xmlns:p16="http://schemas.microsoft.com/office/powerpoint/2015/main" val="1"/>
+                <p16:designElem xmlns:p16="http://schemas.microsoft.com/office/powerpoint/2015/main" xmlns="" val="1"/>
               </p:ext>
             </p:extLst>
           </p:nvPr>
@@ -14161,7 +17913,7 @@
           <p:cNvPr id="3" name="Content Placeholder 2">
             <a:extLst>
               <a:ext uri="{FF2B5EF4-FFF2-40B4-BE49-F238E27FC236}">
-                <a16:creationId xmlns:a16="http://schemas.microsoft.com/office/drawing/2014/main" id="{690C7F1B-6CD7-D6B1-C402-1BCC1866FF1D}"/>
+                <a16:creationId xmlns:a16="http://schemas.microsoft.com/office/drawing/2014/main" xmlns="" id="{690C7F1B-6CD7-D6B1-C402-1BCC1866FF1D}"/>
               </a:ext>
             </a:extLst>
           </p:cNvPr>
@@ -14200,10 +17952,10 @@
           <p:cNvPr id="33" name="!!footer rectangle">
             <a:extLst>
               <a:ext uri="{FF2B5EF4-FFF2-40B4-BE49-F238E27FC236}">
-                <a16:creationId xmlns:a16="http://schemas.microsoft.com/office/drawing/2014/main" id="{1FE461C7-FF45-427F-83D7-18DFBD48188D}"/>
+                <a16:creationId xmlns:a16="http://schemas.microsoft.com/office/drawing/2014/main" xmlns="" id="{1FE461C7-FF45-427F-83D7-18DFBD48188D}"/>
               </a:ext>
               <a:ext uri="{C183D7F6-B498-43B3-948B-1728B52AA6E4}">
-                <adec:decorative xmlns:adec="http://schemas.microsoft.com/office/drawing/2017/decorative" val="1"/>
+                <adec:decorative xmlns:adec="http://schemas.microsoft.com/office/drawing/2017/decorative" xmlns="" val="1"/>
               </a:ext>
             </a:extLst>
           </p:cNvPr>
@@ -14213,7 +17965,7 @@
           <p:nvPr>
             <p:extLst>
               <p:ext uri="{386F3935-93C4-4BCD-93E2-E3B085C9AB24}">
-                <p16:designElem xmlns:p16="http://schemas.microsoft.com/office/powerpoint/2015/main" val="1"/>
+                <p16:designElem xmlns:p16="http://schemas.microsoft.com/office/powerpoint/2015/main" xmlns="" val="1"/>
               </p:ext>
             </p:extLst>
           </p:nvPr>
@@ -14262,10 +18014,17 @@
   <p:clrMapOvr>
     <a:overrideClrMapping bg1="dk1" tx1="lt1" bg2="dk2" tx2="lt2" accent1="accent1" accent2="accent2" accent3="accent3" accent4="accent4" accent5="accent5" accent6="accent6" hlink="hlink" folHlink="folHlink"/>
   </p:clrMapOvr>
+  <p:timing>
+    <p:tnLst>
+      <p:par>
+        <p:cTn id="1" dur="indefinite" restart="never" nodeType="tmRoot"/>
+      </p:par>
+    </p:tnLst>
+  </p:timing>
 </p:sld>
 </file>
 
-<file path=ppt/slides/slide34.xml><?xml version="1.0" encoding="utf-8"?>
+<file path=ppt/slides/slide35.xml><?xml version="1.0" encoding="utf-8"?>
 <p:sld xmlns:a="http://schemas.openxmlformats.org/drawingml/2006/main" xmlns:r="http://schemas.openxmlformats.org/officeDocument/2006/relationships" xmlns:p="http://schemas.openxmlformats.org/presentationml/2006/main">
   <p:cSld>
     <p:bg>
@@ -14295,10 +18054,10 @@
           <p:cNvPr id="28" name="Rectangle 27">
             <a:extLst>
               <a:ext uri="{FF2B5EF4-FFF2-40B4-BE49-F238E27FC236}">
-                <a16:creationId xmlns:a16="http://schemas.microsoft.com/office/drawing/2014/main" id="{E844E128-FF69-4E9F-8327-6B504B3C5AE1}"/>
+                <a16:creationId xmlns:a16="http://schemas.microsoft.com/office/drawing/2014/main" xmlns="" id="{E844E128-FF69-4E9F-8327-6B504B3C5AE1}"/>
               </a:ext>
               <a:ext uri="{C183D7F6-B498-43B3-948B-1728B52AA6E4}">
-                <adec:decorative xmlns:adec="http://schemas.microsoft.com/office/drawing/2017/decorative" val="1"/>
+                <adec:decorative xmlns:adec="http://schemas.microsoft.com/office/drawing/2017/decorative" xmlns="" val="1"/>
               </a:ext>
             </a:extLst>
           </p:cNvPr>
@@ -14308,7 +18067,7 @@
           <p:nvPr>
             <p:extLst>
               <p:ext uri="{386F3935-93C4-4BCD-93E2-E3B085C9AB24}">
-                <p16:designElem xmlns:p16="http://schemas.microsoft.com/office/powerpoint/2015/main" val="1"/>
+                <p16:designElem xmlns:p16="http://schemas.microsoft.com/office/powerpoint/2015/main" xmlns="" val="1"/>
               </p:ext>
             </p:extLst>
           </p:nvPr>
@@ -14350,7 +18109,7 @@
           <p:cNvPr id="2" name="Title 1">
             <a:extLst>
               <a:ext uri="{FF2B5EF4-FFF2-40B4-BE49-F238E27FC236}">
-                <a16:creationId xmlns:a16="http://schemas.microsoft.com/office/drawing/2014/main" id="{EB8AD0FA-DD8C-8E54-699B-D9F113E7DFDB}"/>
+                <a16:creationId xmlns:a16="http://schemas.microsoft.com/office/drawing/2014/main" xmlns="" id="{EB8AD0FA-DD8C-8E54-699B-D9F113E7DFDB}"/>
               </a:ext>
             </a:extLst>
           </p:cNvPr>
@@ -14389,10 +18148,10 @@
           <p:cNvPr id="30" name="Straight Connector 29">
             <a:extLst>
               <a:ext uri="{FF2B5EF4-FFF2-40B4-BE49-F238E27FC236}">
-                <a16:creationId xmlns:a16="http://schemas.microsoft.com/office/drawing/2014/main" id="{055CEADF-09EA-423C-8C45-F94AF44D5AF0}"/>
+                <a16:creationId xmlns:a16="http://schemas.microsoft.com/office/drawing/2014/main" xmlns="" id="{055CEADF-09EA-423C-8C45-F94AF44D5AF0}"/>
               </a:ext>
               <a:ext uri="{C183D7F6-B498-43B3-948B-1728B52AA6E4}">
-                <adec:decorative xmlns:adec="http://schemas.microsoft.com/office/drawing/2017/decorative" val="1"/>
+                <adec:decorative xmlns:adec="http://schemas.microsoft.com/office/drawing/2017/decorative" xmlns="" val="1"/>
               </a:ext>
             </a:extLst>
           </p:cNvPr>
@@ -14402,7 +18161,7 @@
           <p:nvPr>
             <p:extLst>
               <p:ext uri="{386F3935-93C4-4BCD-93E2-E3B085C9AB24}">
-                <p16:designElem xmlns:p16="http://schemas.microsoft.com/office/powerpoint/2015/main" val="1"/>
+                <p16:designElem xmlns:p16="http://schemas.microsoft.com/office/powerpoint/2015/main" xmlns="" val="1"/>
               </p:ext>
             </p:extLst>
           </p:nvPr>
@@ -14441,7 +18200,7 @@
           <p:cNvPr id="3" name="Content Placeholder 2">
             <a:extLst>
               <a:ext uri="{FF2B5EF4-FFF2-40B4-BE49-F238E27FC236}">
-                <a16:creationId xmlns:a16="http://schemas.microsoft.com/office/drawing/2014/main" id="{A434293C-74E3-27F7-7CFD-2B736111486C}"/>
+                <a16:creationId xmlns:a16="http://schemas.microsoft.com/office/drawing/2014/main" xmlns="" id="{A434293C-74E3-27F7-7CFD-2B736111486C}"/>
               </a:ext>
             </a:extLst>
           </p:cNvPr>
@@ -14527,7 +18286,7 @@
           <p:cNvPr id="5" name="Picture 4">
             <a:extLst>
               <a:ext uri="{FF2B5EF4-FFF2-40B4-BE49-F238E27FC236}">
-                <a16:creationId xmlns:a16="http://schemas.microsoft.com/office/drawing/2014/main" id="{403F2F95-F19F-DDD5-65FB-0206686DFEE8}"/>
+                <a16:creationId xmlns:a16="http://schemas.microsoft.com/office/drawing/2014/main" xmlns="" id="{403F2F95-F19F-DDD5-65FB-0206686DFEE8}"/>
               </a:ext>
             </a:extLst>
           </p:cNvPr>
@@ -14561,10 +18320,17 @@
   <p:clrMapOvr>
     <a:overrideClrMapping bg1="dk1" tx1="lt1" bg2="dk2" tx2="lt2" accent1="accent1" accent2="accent2" accent3="accent3" accent4="accent4" accent5="accent5" accent6="accent6" hlink="hlink" folHlink="folHlink"/>
   </p:clrMapOvr>
+  <p:timing>
+    <p:tnLst>
+      <p:par>
+        <p:cTn id="1" dur="indefinite" restart="never" nodeType="tmRoot"/>
+      </p:par>
+    </p:tnLst>
+  </p:timing>
 </p:sld>
 </file>
 
-<file path=ppt/slides/slide35.xml><?xml version="1.0" encoding="utf-8"?>
+<file path=ppt/slides/slide36.xml><?xml version="1.0" encoding="utf-8"?>
 <p:sld xmlns:a="http://schemas.openxmlformats.org/drawingml/2006/main" xmlns:r="http://schemas.openxmlformats.org/officeDocument/2006/relationships" xmlns:p="http://schemas.openxmlformats.org/presentationml/2006/main">
   <p:cSld>
     <p:spTree>
@@ -14586,10 +18352,10 @@
           <p:cNvPr id="9" name="Rectangle 8">
             <a:extLst>
               <a:ext uri="{FF2B5EF4-FFF2-40B4-BE49-F238E27FC236}">
-                <a16:creationId xmlns:a16="http://schemas.microsoft.com/office/drawing/2014/main" id="{EE1530B0-6F96-46C0-8B3E-3215CB756BE4}"/>
+                <a16:creationId xmlns:a16="http://schemas.microsoft.com/office/drawing/2014/main" xmlns="" id="{EE1530B0-6F96-46C0-8B3E-3215CB756BE4}"/>
               </a:ext>
               <a:ext uri="{C183D7F6-B498-43B3-948B-1728B52AA6E4}">
-                <adec:decorative xmlns:adec="http://schemas.microsoft.com/office/drawing/2017/decorative" val="1"/>
+                <adec:decorative xmlns:adec="http://schemas.microsoft.com/office/drawing/2017/decorative" xmlns="" val="1"/>
               </a:ext>
             </a:extLst>
           </p:cNvPr>
@@ -14599,7 +18365,7 @@
           <p:nvPr>
             <p:extLst>
               <p:ext uri="{386F3935-93C4-4BCD-93E2-E3B085C9AB24}">
-                <p16:designElem xmlns:p16="http://schemas.microsoft.com/office/powerpoint/2015/main" val="1"/>
+                <p16:designElem xmlns:p16="http://schemas.microsoft.com/office/powerpoint/2015/main" xmlns="" val="1"/>
               </p:ext>
             </p:extLst>
           </p:nvPr>
@@ -14646,10 +18412,10 @@
           <p:cNvPr id="11" name="Rectangle 10">
             <a:extLst>
               <a:ext uri="{FF2B5EF4-FFF2-40B4-BE49-F238E27FC236}">
-                <a16:creationId xmlns:a16="http://schemas.microsoft.com/office/drawing/2014/main" id="{754910CF-1B56-45D3-960A-E89F7B3B9131}"/>
+                <a16:creationId xmlns:a16="http://schemas.microsoft.com/office/drawing/2014/main" xmlns="" id="{754910CF-1B56-45D3-960A-E89F7B3B9131}"/>
               </a:ext>
               <a:ext uri="{C183D7F6-B498-43B3-948B-1728B52AA6E4}">
-                <adec:decorative xmlns:adec="http://schemas.microsoft.com/office/drawing/2017/decorative" val="1"/>
+                <adec:decorative xmlns:adec="http://schemas.microsoft.com/office/drawing/2017/decorative" xmlns="" val="1"/>
               </a:ext>
             </a:extLst>
           </p:cNvPr>
@@ -14659,7 +18425,7 @@
           <p:nvPr>
             <p:extLst>
               <p:ext uri="{386F3935-93C4-4BCD-93E2-E3B085C9AB24}">
-                <p16:designElem xmlns:p16="http://schemas.microsoft.com/office/powerpoint/2015/main" val="1"/>
+                <p16:designElem xmlns:p16="http://schemas.microsoft.com/office/powerpoint/2015/main" xmlns="" val="1"/>
               </p:ext>
             </p:extLst>
           </p:nvPr>
@@ -14704,7 +18470,7 @@
           <p:cNvPr id="2" name="Title 1">
             <a:extLst>
               <a:ext uri="{FF2B5EF4-FFF2-40B4-BE49-F238E27FC236}">
-                <a16:creationId xmlns:a16="http://schemas.microsoft.com/office/drawing/2014/main" id="{5E896FC0-401B-A606-3B18-39834C0AC108}"/>
+                <a16:creationId xmlns:a16="http://schemas.microsoft.com/office/drawing/2014/main" xmlns="" id="{5E896FC0-401B-A606-3B18-39834C0AC108}"/>
               </a:ext>
             </a:extLst>
           </p:cNvPr>
@@ -14743,7 +18509,7 @@
           <p:cNvPr id="5" name="Content Placeholder 2">
             <a:extLst>
               <a:ext uri="{FF2B5EF4-FFF2-40B4-BE49-F238E27FC236}">
-                <a16:creationId xmlns:a16="http://schemas.microsoft.com/office/drawing/2014/main" id="{A9C3E105-9442-B5A1-63B3-A64086B258C0}"/>
+                <a16:creationId xmlns:a16="http://schemas.microsoft.com/office/drawing/2014/main" xmlns="" id="{A9C3E105-9442-B5A1-63B3-A64086B258C0}"/>
               </a:ext>
             </a:extLst>
           </p:cNvPr>
@@ -14782,7 +18548,7 @@
 </p:sld>
 </file>
 
-<file path=ppt/slides/slide36.xml><?xml version="1.0" encoding="utf-8"?>
+<file path=ppt/slides/slide37.xml><?xml version="1.0" encoding="utf-8"?>
 <p:sld xmlns:a="http://schemas.openxmlformats.org/drawingml/2006/main" xmlns:r="http://schemas.openxmlformats.org/officeDocument/2006/relationships" xmlns:p="http://schemas.openxmlformats.org/presentationml/2006/main">
   <p:cSld>
     <p:bg>
@@ -14812,10 +18578,10 @@
           <p:cNvPr id="26" name="Rectangle 25">
             <a:extLst>
               <a:ext uri="{FF2B5EF4-FFF2-40B4-BE49-F238E27FC236}">
-                <a16:creationId xmlns:a16="http://schemas.microsoft.com/office/drawing/2014/main" id="{E9BA134F-37B6-498A-B46D-040B86E5DA35}"/>
+                <a16:creationId xmlns:a16="http://schemas.microsoft.com/office/drawing/2014/main" xmlns="" id="{E9BA134F-37B6-498A-B46D-040B86E5DA35}"/>
               </a:ext>
               <a:ext uri="{C183D7F6-B498-43B3-948B-1728B52AA6E4}">
-                <adec:decorative xmlns:adec="http://schemas.microsoft.com/office/drawing/2017/decorative" val="1"/>
+                <adec:decorative xmlns:adec="http://schemas.microsoft.com/office/drawing/2017/decorative" xmlns="" val="1"/>
               </a:ext>
             </a:extLst>
           </p:cNvPr>
@@ -14825,7 +18591,7 @@
           <p:nvPr>
             <p:extLst>
               <p:ext uri="{386F3935-93C4-4BCD-93E2-E3B085C9AB24}">
-                <p16:designElem xmlns:p16="http://schemas.microsoft.com/office/powerpoint/2015/main" val="1"/>
+                <p16:designElem xmlns:p16="http://schemas.microsoft.com/office/powerpoint/2015/main" xmlns="" val="1"/>
               </p:ext>
             </p:extLst>
           </p:nvPr>
@@ -14872,7 +18638,7 @@
           <p:cNvPr id="23" name="Graphic 22" descr="Users">
             <a:extLst>
               <a:ext uri="{FF2B5EF4-FFF2-40B4-BE49-F238E27FC236}">
-                <a16:creationId xmlns:a16="http://schemas.microsoft.com/office/drawing/2014/main" id="{FD8EE9C9-2B23-ED69-52C5-7486A33ABC57}"/>
+                <a16:creationId xmlns:a16="http://schemas.microsoft.com/office/drawing/2014/main" xmlns="" id="{FD8EE9C9-2B23-ED69-52C5-7486A33ABC57}"/>
               </a:ext>
             </a:extLst>
           </p:cNvPr>
@@ -14888,7 +18654,7 @@
                 <a14:useLocalDpi xmlns:a14="http://schemas.microsoft.com/office/drawing/2010/main" val="0"/>
               </a:ext>
               <a:ext uri="{96DAC541-7B7A-43D3-8B79-37D633B846F1}">
-                <asvg:svgBlip xmlns:asvg="http://schemas.microsoft.com/office/drawing/2016/SVG/main" r:embed="rId3"/>
+                <asvg:svgBlip xmlns:asvg="http://schemas.microsoft.com/office/drawing/2016/SVG/main" xmlns="" r:embed="rId3"/>
               </a:ext>
             </a:extLst>
           </a:blip>
@@ -14911,10 +18677,10 @@
           <p:cNvPr id="28" name="Rectangle 27">
             <a:extLst>
               <a:ext uri="{FF2B5EF4-FFF2-40B4-BE49-F238E27FC236}">
-                <a16:creationId xmlns:a16="http://schemas.microsoft.com/office/drawing/2014/main" id="{2BFE3F30-11E0-4842-8523-7222538C8293}"/>
+                <a16:creationId xmlns:a16="http://schemas.microsoft.com/office/drawing/2014/main" xmlns="" id="{2BFE3F30-11E0-4842-8523-7222538C8293}"/>
               </a:ext>
               <a:ext uri="{C183D7F6-B498-43B3-948B-1728B52AA6E4}">
-                <adec:decorative xmlns:adec="http://schemas.microsoft.com/office/drawing/2017/decorative" val="1"/>
+                <adec:decorative xmlns:adec="http://schemas.microsoft.com/office/drawing/2017/decorative" xmlns="" val="1"/>
               </a:ext>
             </a:extLst>
           </p:cNvPr>
@@ -14924,7 +18690,7 @@
           <p:nvPr>
             <p:extLst>
               <p:ext uri="{386F3935-93C4-4BCD-93E2-E3B085C9AB24}">
-                <p16:designElem xmlns:p16="http://schemas.microsoft.com/office/powerpoint/2015/main" val="1"/>
+                <p16:designElem xmlns:p16="http://schemas.microsoft.com/office/powerpoint/2015/main" xmlns="" val="1"/>
               </p:ext>
             </p:extLst>
           </p:nvPr>
@@ -14966,7 +18732,7 @@
           <p:cNvPr id="2" name="Title 1">
             <a:extLst>
               <a:ext uri="{FF2B5EF4-FFF2-40B4-BE49-F238E27FC236}">
-                <a16:creationId xmlns:a16="http://schemas.microsoft.com/office/drawing/2014/main" id="{D0C9275D-5BB1-407F-37C4-B4C1172B867A}"/>
+                <a16:creationId xmlns:a16="http://schemas.microsoft.com/office/drawing/2014/main" xmlns="" id="{D0C9275D-5BB1-407F-37C4-B4C1172B867A}"/>
               </a:ext>
             </a:extLst>
           </p:cNvPr>
@@ -15005,10 +18771,10 @@
           <p:cNvPr id="30" name="Straight Connector 29">
             <a:extLst>
               <a:ext uri="{FF2B5EF4-FFF2-40B4-BE49-F238E27FC236}">
-                <a16:creationId xmlns:a16="http://schemas.microsoft.com/office/drawing/2014/main" id="{67E7D319-545A-41CD-95DF-4DE4FA8A46B1}"/>
+                <a16:creationId xmlns:a16="http://schemas.microsoft.com/office/drawing/2014/main" xmlns="" id="{67E7D319-545A-41CD-95DF-4DE4FA8A46B1}"/>
               </a:ext>
               <a:ext uri="{C183D7F6-B498-43B3-948B-1728B52AA6E4}">
-                <adec:decorative xmlns:adec="http://schemas.microsoft.com/office/drawing/2017/decorative" val="1"/>
+                <adec:decorative xmlns:adec="http://schemas.microsoft.com/office/drawing/2017/decorative" xmlns="" val="1"/>
               </a:ext>
             </a:extLst>
           </p:cNvPr>
@@ -15018,7 +18784,7 @@
           <p:nvPr>
             <p:extLst>
               <p:ext uri="{386F3935-93C4-4BCD-93E2-E3B085C9AB24}">
-                <p16:designElem xmlns:p16="http://schemas.microsoft.com/office/powerpoint/2015/main" val="1"/>
+                <p16:designElem xmlns:p16="http://schemas.microsoft.com/office/powerpoint/2015/main" xmlns="" val="1"/>
               </p:ext>
             </p:extLst>
           </p:nvPr>
@@ -15057,7 +18823,7 @@
           <p:cNvPr id="3" name="Content Placeholder 2">
             <a:extLst>
               <a:ext uri="{FF2B5EF4-FFF2-40B4-BE49-F238E27FC236}">
-                <a16:creationId xmlns:a16="http://schemas.microsoft.com/office/drawing/2014/main" id="{69EF6C75-3779-E6A1-8102-E0B049CF3E47}"/>
+                <a16:creationId xmlns:a16="http://schemas.microsoft.com/office/drawing/2014/main" xmlns="" id="{69EF6C75-3779-E6A1-8102-E0B049CF3E47}"/>
               </a:ext>
             </a:extLst>
           </p:cNvPr>
@@ -15220,155 +18986,6 @@
     <p:extLst>
       <p:ext uri="{BB962C8B-B14F-4D97-AF65-F5344CB8AC3E}">
         <p14:creationId xmlns:p14="http://schemas.microsoft.com/office/powerpoint/2010/main" val="923027413"/>
-      </p:ext>
-    </p:extLst>
-  </p:cSld>
-  <p:clrMapOvr>
-    <a:masterClrMapping/>
-  </p:clrMapOvr>
-</p:sld>
-</file>
-
-<file path=ppt/slides/slide37.xml><?xml version="1.0" encoding="utf-8"?>
-<p:sld xmlns:a="http://schemas.openxmlformats.org/drawingml/2006/main" xmlns:r="http://schemas.openxmlformats.org/officeDocument/2006/relationships" xmlns:p="http://schemas.openxmlformats.org/presentationml/2006/main">
-  <p:cSld>
-    <p:spTree>
-      <p:nvGrpSpPr>
-        <p:cNvPr id="1" name=""/>
-        <p:cNvGrpSpPr/>
-        <p:nvPr/>
-      </p:nvGrpSpPr>
-      <p:grpSpPr>
-        <a:xfrm>
-          <a:off x="0" y="0"/>
-          <a:ext cx="0" cy="0"/>
-          <a:chOff x="0" y="0"/>
-          <a:chExt cx="0" cy="0"/>
-        </a:xfrm>
-      </p:grpSpPr>
-      <p:sp>
-        <p:nvSpPr>
-          <p:cNvPr id="2" name="Title 1">
-            <a:extLst>
-              <a:ext uri="{FF2B5EF4-FFF2-40B4-BE49-F238E27FC236}">
-                <a16:creationId xmlns:a16="http://schemas.microsoft.com/office/drawing/2014/main" id="{DBB1DF90-5AAC-3EC1-5D16-A95BF1B17A71}"/>
-              </a:ext>
-            </a:extLst>
-          </p:cNvPr>
-          <p:cNvSpPr>
-            <a:spLocks noGrp="1"/>
-          </p:cNvSpPr>
-          <p:nvPr>
-            <p:ph type="title"/>
-          </p:nvPr>
-        </p:nvSpPr>
-        <p:spPr/>
-        <p:txBody>
-          <a:bodyPr/>
-          <a:lstStyle/>
-          <a:p>
-            <a:r>
-              <a:rPr lang="en-US" dirty="0"/>
-              <a:t>What is User Access Control?</a:t>
-            </a:r>
-          </a:p>
-        </p:txBody>
-      </p:sp>
-      <p:sp>
-        <p:nvSpPr>
-          <p:cNvPr id="3" name="Content Placeholder 2">
-            <a:extLst>
-              <a:ext uri="{FF2B5EF4-FFF2-40B4-BE49-F238E27FC236}">
-                <a16:creationId xmlns:a16="http://schemas.microsoft.com/office/drawing/2014/main" id="{5DDF6F59-E9DD-C040-D1F0-E81D52F492A2}"/>
-              </a:ext>
-            </a:extLst>
-          </p:cNvPr>
-          <p:cNvSpPr>
-            <a:spLocks noGrp="1"/>
-          </p:cNvSpPr>
-          <p:nvPr>
-            <p:ph idx="1"/>
-          </p:nvPr>
-        </p:nvSpPr>
-        <p:spPr/>
-        <p:txBody>
-          <a:bodyPr/>
-          <a:lstStyle/>
-          <a:p>
-            <a:r>
-              <a:rPr lang="en-US" dirty="0"/>
-              <a:t>Ensure that a user can </a:t>
-            </a:r>
-            <a:r>
-              <a:rPr lang="en-US" b="1" dirty="0"/>
-              <a:t>ACCESS</a:t>
-            </a:r>
-            <a:r>
-              <a:rPr lang="en-US" dirty="0"/>
-              <a:t> only </a:t>
-            </a:r>
-            <a:r>
-              <a:rPr lang="en-US" b="1" dirty="0"/>
-              <a:t>SPECIFIC INFORMATION </a:t>
-            </a:r>
-            <a:r>
-              <a:rPr lang="en-US" dirty="0"/>
-              <a:t>or </a:t>
-            </a:r>
-            <a:r>
-              <a:rPr lang="en-US" b="1" dirty="0"/>
-              <a:t>SPECIFIC CONTROL</a:t>
-            </a:r>
-            <a:r>
-              <a:rPr lang="en-US" dirty="0"/>
-              <a:t> in an organization or company.</a:t>
-            </a:r>
-          </a:p>
-          <a:p>
-            <a:pPr marL="0" indent="0">
-              <a:buNone/>
-            </a:pPr>
-            <a:r>
-              <a:rPr lang="en-US" dirty="0"/>
-              <a:t> Controls such as –</a:t>
-            </a:r>
-          </a:p>
-          <a:p>
-            <a:pPr marL="0" indent="0">
-              <a:buNone/>
-            </a:pPr>
-            <a:r>
-              <a:rPr lang="en-US" dirty="0"/>
-              <a:t>System administrators can only access to the active directories, CRUD a users etc.</a:t>
-            </a:r>
-          </a:p>
-          <a:p>
-            <a:pPr marL="0" indent="0">
-              <a:buNone/>
-            </a:pPr>
-            <a:r>
-              <a:rPr lang="en-US" dirty="0"/>
-              <a:t>HR Team controls employee information</a:t>
-            </a:r>
-          </a:p>
-          <a:p>
-            <a:pPr marL="0" indent="0">
-              <a:buNone/>
-            </a:pPr>
-            <a:endParaRPr lang="en-US" dirty="0"/>
-          </a:p>
-          <a:p>
-            <a:pPr marL="0" indent="0">
-              <a:buNone/>
-            </a:pPr>
-            <a:endParaRPr lang="en-US" dirty="0"/>
-          </a:p>
-        </p:txBody>
-      </p:sp>
-    </p:spTree>
-    <p:extLst>
-      <p:ext uri="{BB962C8B-B14F-4D97-AF65-F5344CB8AC3E}">
-        <p14:creationId xmlns:p14="http://schemas.microsoft.com/office/powerpoint/2010/main" val="2706456986"/>
       </p:ext>
     </p:extLst>
   </p:cSld>
@@ -15400,7 +19017,7 @@
           <p:cNvPr id="2" name="Title 1">
             <a:extLst>
               <a:ext uri="{FF2B5EF4-FFF2-40B4-BE49-F238E27FC236}">
-                <a16:creationId xmlns:a16="http://schemas.microsoft.com/office/drawing/2014/main" id="{CEC3CB6A-5C62-FEC1-3624-1A34780E40F4}"/>
+                <a16:creationId xmlns:a16="http://schemas.microsoft.com/office/drawing/2014/main" xmlns="" id="{DBB1DF90-5AAC-3EC1-5D16-A95BF1B17A71}"/>
               </a:ext>
             </a:extLst>
           </p:cNvPr>
@@ -15418,7 +19035,7 @@
           <a:p>
             <a:r>
               <a:rPr lang="en-US" dirty="0"/>
-              <a:t>Why User Access Control?</a:t>
+              <a:t>What is User Access Control?</a:t>
             </a:r>
           </a:p>
         </p:txBody>
@@ -15428,7 +19045,7 @@
           <p:cNvPr id="3" name="Content Placeholder 2">
             <a:extLst>
               <a:ext uri="{FF2B5EF4-FFF2-40B4-BE49-F238E27FC236}">
-                <a16:creationId xmlns:a16="http://schemas.microsoft.com/office/drawing/2014/main" id="{B7F35142-225D-F327-024A-9A5A2E7CECBB}"/>
+                <a16:creationId xmlns:a16="http://schemas.microsoft.com/office/drawing/2014/main" xmlns="" id="{5DDF6F59-E9DD-C040-D1F0-E81D52F492A2}"/>
               </a:ext>
             </a:extLst>
           </p:cNvPr>
@@ -15446,27 +19063,78 @@
           <a:p>
             <a:r>
               <a:rPr lang="en-US" dirty="0"/>
-              <a:t>Humans are naturally curious</a:t>
-            </a:r>
-          </a:p>
-          <a:p>
+              <a:t>Ensure that a user can </a:t>
+            </a:r>
+            <a:r>
+              <a:rPr lang="en-US" b="1" dirty="0"/>
+              <a:t>ACCESS</a:t>
+            </a:r>
             <a:r>
               <a:rPr lang="en-US" dirty="0"/>
-              <a:t>If we don’t set user controls, Information confidentiality and Integrity will be in danger.</a:t>
-            </a:r>
-          </a:p>
-          <a:p>
+              <a:t> only </a:t>
+            </a:r>
+            <a:r>
+              <a:rPr lang="en-US" b="1" dirty="0"/>
+              <a:t>SPECIFIC INFORMATION </a:t>
+            </a:r>
             <a:r>
               <a:rPr lang="en-US" dirty="0"/>
-              <a:t>To protect data and information User Access controls are used</a:t>
-            </a:r>
+              <a:t>or </a:t>
+            </a:r>
+            <a:r>
+              <a:rPr lang="en-US" b="1" dirty="0"/>
+              <a:t>SPECIFIC CONTROL</a:t>
+            </a:r>
+            <a:r>
+              <a:rPr lang="en-US" dirty="0"/>
+              <a:t> in an organization or company.</a:t>
+            </a:r>
+          </a:p>
+          <a:p>
+            <a:pPr marL="0" indent="0">
+              <a:buNone/>
+            </a:pPr>
+            <a:r>
+              <a:rPr lang="en-US" dirty="0"/>
+              <a:t> Controls such as –</a:t>
+            </a:r>
+          </a:p>
+          <a:p>
+            <a:pPr marL="0" indent="0">
+              <a:buNone/>
+            </a:pPr>
+            <a:r>
+              <a:rPr lang="en-US" dirty="0"/>
+              <a:t>System administrators can only access to the active directories, CRUD a users etc.</a:t>
+            </a:r>
+          </a:p>
+          <a:p>
+            <a:pPr marL="0" indent="0">
+              <a:buNone/>
+            </a:pPr>
+            <a:r>
+              <a:rPr lang="en-US" dirty="0"/>
+              <a:t>HR Team controls employee information</a:t>
+            </a:r>
+          </a:p>
+          <a:p>
+            <a:pPr marL="0" indent="0">
+              <a:buNone/>
+            </a:pPr>
+            <a:endParaRPr lang="en-US" dirty="0"/>
+          </a:p>
+          <a:p>
+            <a:pPr marL="0" indent="0">
+              <a:buNone/>
+            </a:pPr>
+            <a:endParaRPr lang="en-US" dirty="0"/>
           </a:p>
         </p:txBody>
       </p:sp>
     </p:spTree>
     <p:extLst>
       <p:ext uri="{BB962C8B-B14F-4D97-AF65-F5344CB8AC3E}">
-        <p14:creationId xmlns:p14="http://schemas.microsoft.com/office/powerpoint/2010/main" val="3714240421"/>
+        <p14:creationId xmlns:p14="http://schemas.microsoft.com/office/powerpoint/2010/main" val="2706456986"/>
       </p:ext>
     </p:extLst>
   </p:cSld>
@@ -15498,7 +19166,7 @@
           <p:cNvPr id="2" name="Title 1">
             <a:extLst>
               <a:ext uri="{FF2B5EF4-FFF2-40B4-BE49-F238E27FC236}">
-                <a16:creationId xmlns:a16="http://schemas.microsoft.com/office/drawing/2014/main" id="{E2472BC1-F054-CB98-B844-4A698BCD359B}"/>
+                <a16:creationId xmlns:a16="http://schemas.microsoft.com/office/drawing/2014/main" xmlns="" id="{CEC3CB6A-5C62-FEC1-3624-1A34780E40F4}"/>
               </a:ext>
             </a:extLst>
           </p:cNvPr>
@@ -15516,7 +19184,7 @@
           <a:p>
             <a:r>
               <a:rPr lang="en-US" dirty="0"/>
-              <a:t>How to implement User Access Control?</a:t>
+              <a:t>Why User Access Control?</a:t>
             </a:r>
           </a:p>
         </p:txBody>
@@ -15526,7 +19194,7 @@
           <p:cNvPr id="3" name="Content Placeholder 2">
             <a:extLst>
               <a:ext uri="{FF2B5EF4-FFF2-40B4-BE49-F238E27FC236}">
-                <a16:creationId xmlns:a16="http://schemas.microsoft.com/office/drawing/2014/main" id="{C7790F32-6F6C-94D0-FBBF-98E60E10C5AB}"/>
+                <a16:creationId xmlns:a16="http://schemas.microsoft.com/office/drawing/2014/main" xmlns="" id="{B7F35142-225D-F327-024A-9A5A2E7CECBB}"/>
               </a:ext>
             </a:extLst>
           </p:cNvPr>
@@ -15539,82 +19207,32 @@
         </p:nvSpPr>
         <p:spPr/>
         <p:txBody>
-          <a:bodyPr>
-            <a:normAutofit/>
-          </a:bodyPr>
+          <a:bodyPr/>
           <a:lstStyle/>
           <a:p>
-            <a:pPr>
-              <a:buFont typeface="Arial" panose="020B0604020202020204" pitchFamily="34" charset="0"/>
-              <a:buChar char="•"/>
-            </a:pPr>
             <a:r>
               <a:rPr lang="en-US" dirty="0"/>
-              <a:t> Identifying account types (individual, group, system, application, guest, and temporary) </a:t>
-            </a:r>
-          </a:p>
-          <a:p>
-            <a:pPr>
-              <a:buFont typeface="Arial" panose="020B0604020202020204" pitchFamily="34" charset="0"/>
-              <a:buChar char="•"/>
-            </a:pPr>
+              <a:t>Humans are naturally curious</a:t>
+            </a:r>
+          </a:p>
+          <a:p>
             <a:r>
               <a:rPr lang="en-US" dirty="0"/>
-              <a:t> Establishing conditions for group membership Identifying authorized users of the information  system and specifying access privileges </a:t>
-            </a:r>
-          </a:p>
-          <a:p>
-            <a:pPr>
-              <a:buFont typeface="Arial" panose="020B0604020202020204" pitchFamily="34" charset="0"/>
-              <a:buChar char="•"/>
-            </a:pPr>
+              <a:t>If we don’t set user controls, Information confidentiality and Integrity will be in danger.</a:t>
+            </a:r>
+          </a:p>
+          <a:p>
             <a:r>
               <a:rPr lang="en-US" dirty="0"/>
-              <a:t> Requiring appropriate approvals for requests to establish accounts </a:t>
-            </a:r>
-          </a:p>
-          <a:p>
-            <a:pPr>
-              <a:buFont typeface="Arial" panose="020B0604020202020204" pitchFamily="34" charset="0"/>
-              <a:buChar char="•"/>
-            </a:pPr>
-            <a:r>
-              <a:rPr lang="en-US" dirty="0"/>
-              <a:t> Establishing, activating, modifying, disabling, and removing accounts </a:t>
-            </a:r>
-          </a:p>
-          <a:p>
-            <a:pPr>
-              <a:buFont typeface="Arial" panose="020B0604020202020204" pitchFamily="34" charset="0"/>
-              <a:buChar char="•"/>
-            </a:pPr>
-            <a:r>
-              <a:rPr lang="en-US" dirty="0"/>
-              <a:t> Specifically authorizing and monitoring the use of guest/anonymous and temporary accounts</a:t>
-            </a:r>
-          </a:p>
-          <a:p>
-            <a:pPr>
-              <a:buFont typeface="Arial" panose="020B0604020202020204" pitchFamily="34" charset="0"/>
-              <a:buChar char="•"/>
-            </a:pPr>
-            <a:r>
-              <a:rPr lang="en-US" dirty="0"/>
-              <a:t> Granting access to the system based on A valid access authorization</a:t>
-            </a:r>
-          </a:p>
-          <a:p>
-            <a:endParaRPr lang="en-US" dirty="0"/>
-          </a:p>
-          <a:p>
-            <a:endParaRPr lang="en-US" dirty="0"/>
+              <a:t>To protect data and information User Access controls are used</a:t>
+            </a:r>
           </a:p>
         </p:txBody>
       </p:sp>
     </p:spTree>
     <p:extLst>
       <p:ext uri="{BB962C8B-B14F-4D97-AF65-F5344CB8AC3E}">
-        <p14:creationId xmlns:p14="http://schemas.microsoft.com/office/powerpoint/2010/main" val="2726068334"/>
+        <p14:creationId xmlns:p14="http://schemas.microsoft.com/office/powerpoint/2010/main" val="3714240421"/>
       </p:ext>
     </p:extLst>
   </p:cSld>
@@ -15646,7 +19264,7 @@
           <p:cNvPr id="2" name="Picture 1" descr="A picture containing text, electronics, circuit&#10;&#10;Description automatically generated">
             <a:extLst>
               <a:ext uri="{FF2B5EF4-FFF2-40B4-BE49-F238E27FC236}">
-                <a16:creationId xmlns:a16="http://schemas.microsoft.com/office/drawing/2014/main" id="{B046B117-6868-1362-C350-B88731067303}"/>
+                <a16:creationId xmlns:a16="http://schemas.microsoft.com/office/drawing/2014/main" xmlns="" id="{B046B117-6868-1362-C350-B88731067303}"/>
               </a:ext>
             </a:extLst>
           </p:cNvPr>
@@ -15682,7 +19300,7 @@
           <p:cNvPr id="4" name="TextBox 3">
             <a:extLst>
               <a:ext uri="{FF2B5EF4-FFF2-40B4-BE49-F238E27FC236}">
-                <a16:creationId xmlns:a16="http://schemas.microsoft.com/office/drawing/2014/main" id="{23A55B0E-9E08-4222-ABA2-50D44D38432C}"/>
+                <a16:creationId xmlns:a16="http://schemas.microsoft.com/office/drawing/2014/main" xmlns="" id="{23A55B0E-9E08-4222-ABA2-50D44D38432C}"/>
               </a:ext>
             </a:extLst>
           </p:cNvPr>
@@ -15747,7 +19365,7 @@
                 <a:hlinkClick r:id="rId3">
                   <a:extLst>
                     <a:ext uri="{A12FA001-AC4F-418D-AE19-62706E023703}">
-                      <ahyp:hlinkClr xmlns:ahyp="http://schemas.microsoft.com/office/drawing/2018/hyperlinkcolor" val="tx"/>
+                      <ahyp:hlinkClr xmlns:ahyp="http://schemas.microsoft.com/office/drawing/2018/hyperlinkcolor" xmlns="" val="tx"/>
                     </a:ext>
                   </a:extLst>
                 </a:hlinkClick>
@@ -15817,7 +19435,7 @@
           <p:cNvPr id="2" name="Title 1">
             <a:extLst>
               <a:ext uri="{FF2B5EF4-FFF2-40B4-BE49-F238E27FC236}">
-                <a16:creationId xmlns:a16="http://schemas.microsoft.com/office/drawing/2014/main" id="{90A911F8-9259-B496-1E4A-4528A1311153}"/>
+                <a16:creationId xmlns:a16="http://schemas.microsoft.com/office/drawing/2014/main" xmlns="" id="{E2472BC1-F054-CB98-B844-4A698BCD359B}"/>
               </a:ext>
             </a:extLst>
           </p:cNvPr>
@@ -15835,7 +19453,7 @@
           <a:p>
             <a:r>
               <a:rPr lang="en-US" dirty="0"/>
-              <a:t>Least Privilege or Zero Trust</a:t>
+              <a:t>How to implement User Access Control?</a:t>
             </a:r>
           </a:p>
         </p:txBody>
@@ -15845,7 +19463,7 @@
           <p:cNvPr id="3" name="Content Placeholder 2">
             <a:extLst>
               <a:ext uri="{FF2B5EF4-FFF2-40B4-BE49-F238E27FC236}">
-                <a16:creationId xmlns:a16="http://schemas.microsoft.com/office/drawing/2014/main" id="{A982FFF2-C108-C5B9-6283-B636A0F90FCF}"/>
+                <a16:creationId xmlns:a16="http://schemas.microsoft.com/office/drawing/2014/main" xmlns="" id="{C7790F32-6F6C-94D0-FBBF-98E60E10C5AB}"/>
               </a:ext>
             </a:extLst>
           </p:cNvPr>
@@ -15858,49 +19476,72 @@
         </p:nvSpPr>
         <p:spPr/>
         <p:txBody>
-          <a:bodyPr/>
+          <a:bodyPr>
+            <a:normAutofit/>
+          </a:bodyPr>
           <a:lstStyle/>
           <a:p>
+            <a:pPr>
+              <a:buFont typeface="Arial" panose="020B0604020202020204" pitchFamily="34" charset="0"/>
+              <a:buChar char="•"/>
+            </a:pPr>
             <a:r>
               <a:rPr lang="en-US" dirty="0"/>
-              <a:t>Trust no one. Both inside and outside of the network.</a:t>
-            </a:r>
-          </a:p>
-          <a:p>
-            <a:pPr marL="0" indent="0">
-              <a:buNone/>
+              <a:t> Identifying account types (individual, group, system, application, guest, and temporary) </a:t>
+            </a:r>
+          </a:p>
+          <a:p>
+            <a:pPr>
+              <a:buFont typeface="Arial" panose="020B0604020202020204" pitchFamily="34" charset="0"/>
+              <a:buChar char="•"/>
             </a:pPr>
             <a:r>
               <a:rPr lang="en-US" dirty="0"/>
-              <a:t>  Grant minimum access to data, tools and information</a:t>
-            </a:r>
-          </a:p>
-          <a:p>
-            <a:pPr marL="0" indent="0">
-              <a:buNone/>
+              <a:t> Establishing conditions for group membership Identifying authorized users of the information  system and specifying access privileges </a:t>
+            </a:r>
+          </a:p>
+          <a:p>
+            <a:pPr>
+              <a:buFont typeface="Arial" panose="020B0604020202020204" pitchFamily="34" charset="0"/>
+              <a:buChar char="•"/>
             </a:pPr>
             <a:r>
               <a:rPr lang="en-US" dirty="0"/>
-              <a:t>  Follows the rule Default deny</a:t>
-            </a:r>
-          </a:p>
-          <a:p>
-            <a:pPr marL="0" indent="0">
-              <a:buNone/>
+              <a:t> Requiring appropriate approvals for requests to establish accounts </a:t>
+            </a:r>
+          </a:p>
+          <a:p>
+            <a:pPr>
+              <a:buFont typeface="Arial" panose="020B0604020202020204" pitchFamily="34" charset="0"/>
+              <a:buChar char="•"/>
             </a:pPr>
             <a:r>
               <a:rPr lang="en-US" dirty="0"/>
-              <a:t>  </a:t>
-            </a:r>
-          </a:p>
-          <a:p>
-            <a:pPr marL="0" indent="0">
-              <a:buNone/>
+              <a:t> Establishing, activating, modifying, disabling, and removing accounts </a:t>
+            </a:r>
+          </a:p>
+          <a:p>
+            <a:pPr>
+              <a:buFont typeface="Arial" panose="020B0604020202020204" pitchFamily="34" charset="0"/>
+              <a:buChar char="•"/>
             </a:pPr>
             <a:r>
               <a:rPr lang="en-US" dirty="0"/>
-              <a:t>  </a:t>
-            </a:r>
+              <a:t> Specifically authorizing and monitoring the use of guest/anonymous and temporary accounts</a:t>
+            </a:r>
+          </a:p>
+          <a:p>
+            <a:pPr>
+              <a:buFont typeface="Arial" panose="020B0604020202020204" pitchFamily="34" charset="0"/>
+              <a:buChar char="•"/>
+            </a:pPr>
+            <a:r>
+              <a:rPr lang="en-US" dirty="0"/>
+              <a:t> Granting access to the system based on A valid access authorization</a:t>
+            </a:r>
+          </a:p>
+          <a:p>
+            <a:endParaRPr lang="en-US" dirty="0"/>
           </a:p>
           <a:p>
             <a:endParaRPr lang="en-US" dirty="0"/>
@@ -15910,7 +19551,7 @@
     </p:spTree>
     <p:extLst>
       <p:ext uri="{BB962C8B-B14F-4D97-AF65-F5344CB8AC3E}">
-        <p14:creationId xmlns:p14="http://schemas.microsoft.com/office/powerpoint/2010/main" val="4187362898"/>
+        <p14:creationId xmlns:p14="http://schemas.microsoft.com/office/powerpoint/2010/main" val="2726068334"/>
       </p:ext>
     </p:extLst>
   </p:cSld>
@@ -15942,7 +19583,7 @@
           <p:cNvPr id="2" name="Title 1">
             <a:extLst>
               <a:ext uri="{FF2B5EF4-FFF2-40B4-BE49-F238E27FC236}">
-                <a16:creationId xmlns:a16="http://schemas.microsoft.com/office/drawing/2014/main" id="{09268E2E-B58A-CFCE-7AE6-D73D3283CDCD}"/>
+                <a16:creationId xmlns:a16="http://schemas.microsoft.com/office/drawing/2014/main" xmlns="" id="{90A911F8-9259-B496-1E4A-4528A1311153}"/>
               </a:ext>
             </a:extLst>
           </p:cNvPr>
@@ -15960,7 +19601,7 @@
           <a:p>
             <a:r>
               <a:rPr lang="en-US" dirty="0"/>
-              <a:t>Access Controls in AWS, AZURE and operating systems</a:t>
+              <a:t>Least Privilege or Zero Trust</a:t>
             </a:r>
           </a:p>
         </p:txBody>
@@ -15970,7 +19611,7 @@
           <p:cNvPr id="3" name="Content Placeholder 2">
             <a:extLst>
               <a:ext uri="{FF2B5EF4-FFF2-40B4-BE49-F238E27FC236}">
-                <a16:creationId xmlns:a16="http://schemas.microsoft.com/office/drawing/2014/main" id="{42BF8388-1FA4-BB9D-2AE6-F3B658DFCD2A}"/>
+                <a16:creationId xmlns:a16="http://schemas.microsoft.com/office/drawing/2014/main" xmlns="" id="{A982FFF2-C108-C5B9-6283-B636A0F90FCF}"/>
               </a:ext>
             </a:extLst>
           </p:cNvPr>
@@ -15988,13 +19629,7 @@
           <a:p>
             <a:r>
               <a:rPr lang="en-US" dirty="0"/>
-              <a:t>AWS uses Identity management</a:t>
-            </a:r>
-          </a:p>
-          <a:p>
-            <a:r>
-              <a:rPr lang="en-US" dirty="0"/>
-              <a:t>Azure uses RBAC (Role based access control)</a:t>
+              <a:t>Trust no one. Both inside and outside of the network.</a:t>
             </a:r>
           </a:p>
           <a:p>
@@ -16003,13 +19638,37 @@
             </a:pPr>
             <a:r>
               <a:rPr lang="en-US" dirty="0"/>
-              <a:t> Operating systems such as Linux uses Users and Groups and gives specific permissions (Read, Write, Execute) for managing access control.</a:t>
+              <a:t>  Grant minimum access to data, tools and information</a:t>
             </a:r>
           </a:p>
           <a:p>
             <a:pPr marL="0" indent="0">
               <a:buNone/>
             </a:pPr>
+            <a:r>
+              <a:rPr lang="en-US" dirty="0"/>
+              <a:t>  Follows the rule Default deny</a:t>
+            </a:r>
+          </a:p>
+          <a:p>
+            <a:pPr marL="0" indent="0">
+              <a:buNone/>
+            </a:pPr>
+            <a:r>
+              <a:rPr lang="en-US" dirty="0"/>
+              <a:t>  </a:t>
+            </a:r>
+          </a:p>
+          <a:p>
+            <a:pPr marL="0" indent="0">
+              <a:buNone/>
+            </a:pPr>
+            <a:r>
+              <a:rPr lang="en-US" dirty="0"/>
+              <a:t>  </a:t>
+            </a:r>
+          </a:p>
+          <a:p>
             <a:endParaRPr lang="en-US" dirty="0"/>
           </a:p>
         </p:txBody>
@@ -16017,7 +19676,7 @@
     </p:spTree>
     <p:extLst>
       <p:ext uri="{BB962C8B-B14F-4D97-AF65-F5344CB8AC3E}">
-        <p14:creationId xmlns:p14="http://schemas.microsoft.com/office/powerpoint/2010/main" val="197473381"/>
+        <p14:creationId xmlns:p14="http://schemas.microsoft.com/office/powerpoint/2010/main" val="4187362898"/>
       </p:ext>
     </p:extLst>
   </p:cSld>
@@ -16049,7 +19708,7 @@
           <p:cNvPr id="2" name="Title 1">
             <a:extLst>
               <a:ext uri="{FF2B5EF4-FFF2-40B4-BE49-F238E27FC236}">
-                <a16:creationId xmlns:a16="http://schemas.microsoft.com/office/drawing/2014/main" id="{95FD279A-1AA8-56BE-BD14-B4109C3D73F7}"/>
+                <a16:creationId xmlns:a16="http://schemas.microsoft.com/office/drawing/2014/main" xmlns="" id="{09268E2E-B58A-CFCE-7AE6-D73D3283CDCD}"/>
               </a:ext>
             </a:extLst>
           </p:cNvPr>
@@ -16067,7 +19726,7 @@
           <a:p>
             <a:r>
               <a:rPr lang="en-US" dirty="0"/>
-              <a:t>User Access common policies</a:t>
+              <a:t>Access Controls in AWS, AZURE and operating systems</a:t>
             </a:r>
           </a:p>
         </p:txBody>
@@ -16077,7 +19736,7 @@
           <p:cNvPr id="3" name="Content Placeholder 2">
             <a:extLst>
               <a:ext uri="{FF2B5EF4-FFF2-40B4-BE49-F238E27FC236}">
-                <a16:creationId xmlns:a16="http://schemas.microsoft.com/office/drawing/2014/main" id="{34C625B8-B55B-B8D1-23EF-859645697FB6}"/>
+                <a16:creationId xmlns:a16="http://schemas.microsoft.com/office/drawing/2014/main" xmlns="" id="{42BF8388-1FA4-BB9D-2AE6-F3B658DFCD2A}"/>
               </a:ext>
             </a:extLst>
           </p:cNvPr>
@@ -16093,49 +19752,29 @@
           <a:bodyPr/>
           <a:lstStyle/>
           <a:p>
-            <a:pPr>
-              <a:buFont typeface="Arial" panose="020B0604020202020204" pitchFamily="34" charset="0"/>
-              <a:buChar char="•"/>
+            <a:r>
+              <a:rPr lang="en-US" dirty="0"/>
+              <a:t>AWS uses Identity management</a:t>
+            </a:r>
+          </a:p>
+          <a:p>
+            <a:r>
+              <a:rPr lang="en-US" dirty="0"/>
+              <a:t>Azure uses RBAC (Role based access control)</a:t>
+            </a:r>
+          </a:p>
+          <a:p>
+            <a:pPr marL="0" indent="0">
+              <a:buNone/>
             </a:pPr>
             <a:r>
-              <a:rPr lang="en-US" sz="2400" dirty="0"/>
-              <a:t>Default user access permissions will be set to default deny</a:t>
-            </a:r>
-          </a:p>
-          <a:p>
-            <a:pPr>
-              <a:buFont typeface="Arial" panose="020B0604020202020204" pitchFamily="34" charset="0"/>
-              <a:buChar char="•"/>
-            </a:pPr>
-            <a:r>
-              <a:rPr lang="en-US" sz="2400" dirty="0"/>
-              <a:t>Access to company information and systems will be authorized only for workforce personnel </a:t>
-            </a:r>
-          </a:p>
-          <a:p>
-            <a:pPr>
-              <a:buFont typeface="Arial" panose="020B0604020202020204" pitchFamily="34" charset="0"/>
-              <a:buChar char="•"/>
-            </a:pPr>
-            <a:r>
-              <a:rPr lang="en-US" sz="2400" dirty="0"/>
-              <a:t>Access will be restricted to the minimal amount required to carry out the business requirement of the access. </a:t>
-            </a:r>
-          </a:p>
-          <a:p>
-            <a:pPr>
-              <a:buFont typeface="Arial" panose="020B0604020202020204" pitchFamily="34" charset="0"/>
-              <a:buChar char="•"/>
-            </a:pPr>
-            <a:r>
-              <a:rPr lang="en-US" sz="2400" dirty="0"/>
-              <a:t>An authorization process must be maintained.</a:t>
-            </a:r>
-          </a:p>
-          <a:p>
-            <a:pPr>
-              <a:buFont typeface="Arial" panose="020B0604020202020204" pitchFamily="34" charset="0"/>
-              <a:buChar char="•"/>
+              <a:rPr lang="en-US" dirty="0"/>
+              <a:t> Operating systems such as Linux uses Users and Groups and gives specific permissions (Read, Write, Execute) for managing access control.</a:t>
+            </a:r>
+          </a:p>
+          <a:p>
+            <a:pPr marL="0" indent="0">
+              <a:buNone/>
             </a:pPr>
             <a:endParaRPr lang="en-US" dirty="0"/>
           </a:p>
@@ -16144,7 +19783,7 @@
     </p:spTree>
     <p:extLst>
       <p:ext uri="{BB962C8B-B14F-4D97-AF65-F5344CB8AC3E}">
-        <p14:creationId xmlns:p14="http://schemas.microsoft.com/office/powerpoint/2010/main" val="2359284174"/>
+        <p14:creationId xmlns:p14="http://schemas.microsoft.com/office/powerpoint/2010/main" val="197473381"/>
       </p:ext>
     </p:extLst>
   </p:cSld>
@@ -16176,7 +19815,7 @@
           <p:cNvPr id="2" name="Title 1">
             <a:extLst>
               <a:ext uri="{FF2B5EF4-FFF2-40B4-BE49-F238E27FC236}">
-                <a16:creationId xmlns:a16="http://schemas.microsoft.com/office/drawing/2014/main" id="{7FC12AFE-2E6D-173C-B204-17FF3919CCDD}"/>
+                <a16:creationId xmlns:a16="http://schemas.microsoft.com/office/drawing/2014/main" xmlns="" id="{95FD279A-1AA8-56BE-BD14-B4109C3D73F7}"/>
               </a:ext>
             </a:extLst>
           </p:cNvPr>
@@ -16194,7 +19833,7 @@
           <a:p>
             <a:r>
               <a:rPr lang="en-US" dirty="0"/>
-              <a:t>Privileged controls</a:t>
+              <a:t>User Access common policies</a:t>
             </a:r>
           </a:p>
         </p:txBody>
@@ -16204,7 +19843,7 @@
           <p:cNvPr id="3" name="Content Placeholder 2">
             <a:extLst>
               <a:ext uri="{FF2B5EF4-FFF2-40B4-BE49-F238E27FC236}">
-                <a16:creationId xmlns:a16="http://schemas.microsoft.com/office/drawing/2014/main" id="{C01240D6-045E-5C72-1498-2CAAF379692C}"/>
+                <a16:creationId xmlns:a16="http://schemas.microsoft.com/office/drawing/2014/main" xmlns="" id="{34C625B8-B55B-B8D1-23EF-859645697FB6}"/>
               </a:ext>
             </a:extLst>
           </p:cNvPr>
@@ -16220,41 +19859,58 @@
           <a:bodyPr/>
           <a:lstStyle/>
           <a:p>
-            <a:r>
-              <a:rPr lang="en-US" dirty="0"/>
-              <a:t>Accounts with elevated capabilities beyond regular users.</a:t>
-            </a:r>
-          </a:p>
-          <a:p>
-            <a:r>
-              <a:rPr lang="en-US" dirty="0"/>
-              <a:t>Network Administrators, </a:t>
-            </a:r>
-          </a:p>
-          <a:p>
-            <a:r>
-              <a:rPr lang="en-US" dirty="0"/>
-              <a:t>System Administrators, </a:t>
-            </a:r>
-          </a:p>
-          <a:p>
-            <a:r>
-              <a:rPr lang="en-US" dirty="0"/>
-              <a:t>Database Administrators, </a:t>
-            </a:r>
-          </a:p>
-          <a:p>
-            <a:r>
-              <a:rPr lang="en-US" dirty="0"/>
-              <a:t>Firewall administrators</a:t>
-            </a:r>
+            <a:pPr>
+              <a:buFont typeface="Arial" panose="020B0604020202020204" pitchFamily="34" charset="0"/>
+              <a:buChar char="•"/>
+            </a:pPr>
+            <a:r>
+              <a:rPr lang="en-US" sz="2400" dirty="0"/>
+              <a:t>Default user access permissions will be set to default deny</a:t>
+            </a:r>
+          </a:p>
+          <a:p>
+            <a:pPr>
+              <a:buFont typeface="Arial" panose="020B0604020202020204" pitchFamily="34" charset="0"/>
+              <a:buChar char="•"/>
+            </a:pPr>
+            <a:r>
+              <a:rPr lang="en-US" sz="2400" dirty="0"/>
+              <a:t>Access to company information and systems will be authorized only for workforce personnel </a:t>
+            </a:r>
+          </a:p>
+          <a:p>
+            <a:pPr>
+              <a:buFont typeface="Arial" panose="020B0604020202020204" pitchFamily="34" charset="0"/>
+              <a:buChar char="•"/>
+            </a:pPr>
+            <a:r>
+              <a:rPr lang="en-US" sz="2400" dirty="0"/>
+              <a:t>Access will be restricted to the minimal amount required to carry out the business requirement of the access. </a:t>
+            </a:r>
+          </a:p>
+          <a:p>
+            <a:pPr>
+              <a:buFont typeface="Arial" panose="020B0604020202020204" pitchFamily="34" charset="0"/>
+              <a:buChar char="•"/>
+            </a:pPr>
+            <a:r>
+              <a:rPr lang="en-US" sz="2400" dirty="0"/>
+              <a:t>An authorization process must be maintained.</a:t>
+            </a:r>
+          </a:p>
+          <a:p>
+            <a:pPr>
+              <a:buFont typeface="Arial" panose="020B0604020202020204" pitchFamily="34" charset="0"/>
+              <a:buChar char="•"/>
+            </a:pPr>
+            <a:endParaRPr lang="en-US" dirty="0"/>
           </a:p>
         </p:txBody>
       </p:sp>
     </p:spTree>
     <p:extLst>
       <p:ext uri="{BB962C8B-B14F-4D97-AF65-F5344CB8AC3E}">
-        <p14:creationId xmlns:p14="http://schemas.microsoft.com/office/powerpoint/2010/main" val="1896068859"/>
+        <p14:creationId xmlns:p14="http://schemas.microsoft.com/office/powerpoint/2010/main" val="2359284174"/>
       </p:ext>
     </p:extLst>
   </p:cSld>
@@ -16286,7 +19942,7 @@
           <p:cNvPr id="2" name="Title 1">
             <a:extLst>
               <a:ext uri="{FF2B5EF4-FFF2-40B4-BE49-F238E27FC236}">
-                <a16:creationId xmlns:a16="http://schemas.microsoft.com/office/drawing/2014/main" id="{4E2189CB-51FE-6C29-509E-B37BDC3B2085}"/>
+                <a16:creationId xmlns:a16="http://schemas.microsoft.com/office/drawing/2014/main" xmlns="" id="{7FC12AFE-2E6D-173C-B204-17FF3919CCDD}"/>
               </a:ext>
             </a:extLst>
           </p:cNvPr>
@@ -16304,7 +19960,7 @@
           <a:p>
             <a:r>
               <a:rPr lang="en-US" dirty="0"/>
-              <a:t>Major note on privileged access</a:t>
+              <a:t>Privileged controls</a:t>
             </a:r>
           </a:p>
         </p:txBody>
@@ -16314,7 +19970,7 @@
           <p:cNvPr id="3" name="Content Placeholder 2">
             <a:extLst>
               <a:ext uri="{FF2B5EF4-FFF2-40B4-BE49-F238E27FC236}">
-                <a16:creationId xmlns:a16="http://schemas.microsoft.com/office/drawing/2014/main" id="{FEEB4BD9-1760-B67F-4048-21329F635AF6}"/>
+                <a16:creationId xmlns:a16="http://schemas.microsoft.com/office/drawing/2014/main" xmlns="" id="{C01240D6-045E-5C72-1498-2CAAF379692C}"/>
               </a:ext>
             </a:extLst>
           </p:cNvPr>
@@ -16327,44 +19983,36 @@
         </p:nvSpPr>
         <p:spPr/>
         <p:txBody>
-          <a:bodyPr>
-            <a:normAutofit/>
-          </a:bodyPr>
+          <a:bodyPr/>
           <a:lstStyle/>
           <a:p>
             <a:r>
               <a:rPr lang="en-US" dirty="0"/>
-              <a:t>Administrative accounts should be accessed only when the activity being performed requires elevated rights and permissions. </a:t>
+              <a:t>Accounts with elevated capabilities beyond regular users.</a:t>
             </a:r>
           </a:p>
           <a:p>
             <a:r>
               <a:rPr lang="en-US" dirty="0"/>
-              <a:t>No need to use for basic routine activities such as –</a:t>
+              <a:t>Network Administrators, </a:t>
             </a:r>
           </a:p>
           <a:p>
             <a:r>
               <a:rPr lang="en-US" dirty="0"/>
-              <a:t>Checking email</a:t>
+              <a:t>System Administrators, </a:t>
             </a:r>
           </a:p>
           <a:p>
             <a:r>
               <a:rPr lang="en-US" dirty="0"/>
-              <a:t>Surfing internet</a:t>
+              <a:t>Database Administrators, </a:t>
             </a:r>
           </a:p>
           <a:p>
             <a:r>
               <a:rPr lang="en-US" dirty="0"/>
-              <a:t>If someone logs in as a administrator and the computer is infected with malicious code, then the master of the malware can have root access.</a:t>
-            </a:r>
-          </a:p>
-          <a:p>
-            <a:r>
-              <a:rPr lang="en-US" dirty="0"/>
-              <a:t>Every user should have a second account with non privileged access</a:t>
+              <a:t>Firewall administrators</a:t>
             </a:r>
           </a:p>
         </p:txBody>
@@ -16372,7 +20020,7 @@
     </p:spTree>
     <p:extLst>
       <p:ext uri="{BB962C8B-B14F-4D97-AF65-F5344CB8AC3E}">
-        <p14:creationId xmlns:p14="http://schemas.microsoft.com/office/powerpoint/2010/main" val="3639662496"/>
+        <p14:creationId xmlns:p14="http://schemas.microsoft.com/office/powerpoint/2010/main" val="1896068859"/>
       </p:ext>
     </p:extLst>
   </p:cSld>
@@ -16404,7 +20052,7 @@
           <p:cNvPr id="2" name="Title 1">
             <a:extLst>
               <a:ext uri="{FF2B5EF4-FFF2-40B4-BE49-F238E27FC236}">
-                <a16:creationId xmlns:a16="http://schemas.microsoft.com/office/drawing/2014/main" id="{082A68DD-DC3B-6A39-CC42-F920D3F6472C}"/>
+                <a16:creationId xmlns:a16="http://schemas.microsoft.com/office/drawing/2014/main" xmlns="" id="{4E2189CB-51FE-6C29-509E-B37BDC3B2085}"/>
               </a:ext>
             </a:extLst>
           </p:cNvPr>
@@ -16422,7 +20070,7 @@
           <a:p>
             <a:r>
               <a:rPr lang="en-US" dirty="0"/>
-              <a:t>Separation of Duties</a:t>
+              <a:t>Major note on privileged access</a:t>
             </a:r>
           </a:p>
         </p:txBody>
@@ -16432,7 +20080,7 @@
           <p:cNvPr id="3" name="Content Placeholder 2">
             <a:extLst>
               <a:ext uri="{FF2B5EF4-FFF2-40B4-BE49-F238E27FC236}">
-                <a16:creationId xmlns:a16="http://schemas.microsoft.com/office/drawing/2014/main" id="{0ACB17F9-A466-0C4A-5605-DD87BA5C508C}"/>
+                <a16:creationId xmlns:a16="http://schemas.microsoft.com/office/drawing/2014/main" xmlns="" id="{FEEB4BD9-1760-B67F-4048-21329F635AF6}"/>
               </a:ext>
             </a:extLst>
           </p:cNvPr>
@@ -16443,12 +20091,7 @@
             <p:ph idx="1"/>
           </p:nvPr>
         </p:nvSpPr>
-        <p:spPr>
-          <a:xfrm>
-            <a:off x="1097280" y="2108201"/>
-            <a:ext cx="10058400" cy="3820651"/>
-          </a:xfrm>
-        </p:spPr>
+        <p:spPr/>
         <p:txBody>
           <a:bodyPr>
             <a:normAutofit/>
@@ -16457,22 +20100,37 @@
           <a:p>
             <a:r>
               <a:rPr lang="en-US" dirty="0"/>
-              <a:t>Concentration of Power in one hand can be dangerous</a:t>
-            </a:r>
-          </a:p>
-          <a:p>
-            <a:pPr marL="0" indent="0">
-              <a:buNone/>
-            </a:pPr>
+              <a:t>Administrative accounts should be accessed only when the activity being performed requires elevated rights and permissions. </a:t>
+            </a:r>
+          </a:p>
+          <a:p>
             <a:r>
               <a:rPr lang="en-US" dirty="0"/>
-              <a:t>  Tasks be assigned to individuals in such a manner that no one individual can control a process  from start to finish.</a:t>
+              <a:t>No need to use for basic routine activities such as –</a:t>
             </a:r>
           </a:p>
           <a:p>
             <a:r>
               <a:rPr lang="en-US" dirty="0"/>
-              <a:t>Requires 2 or more-person permission to complete a task</a:t>
+              <a:t>Checking email</a:t>
+            </a:r>
+          </a:p>
+          <a:p>
+            <a:r>
+              <a:rPr lang="en-US" dirty="0"/>
+              <a:t>Surfing internet</a:t>
+            </a:r>
+          </a:p>
+          <a:p>
+            <a:r>
+              <a:rPr lang="en-US" dirty="0"/>
+              <a:t>If someone logs in as a administrator and the computer is infected with malicious code, then the master of the malware can have root access.</a:t>
+            </a:r>
+          </a:p>
+          <a:p>
+            <a:r>
+              <a:rPr lang="en-US" dirty="0"/>
+              <a:t>Every user should have a second account with non privileged access</a:t>
             </a:r>
           </a:p>
         </p:txBody>
@@ -16480,7 +20138,7 @@
     </p:spTree>
     <p:extLst>
       <p:ext uri="{BB962C8B-B14F-4D97-AF65-F5344CB8AC3E}">
-        <p14:creationId xmlns:p14="http://schemas.microsoft.com/office/powerpoint/2010/main" val="1961223043"/>
+        <p14:creationId xmlns:p14="http://schemas.microsoft.com/office/powerpoint/2010/main" val="3639662496"/>
       </p:ext>
     </p:extLst>
   </p:cSld>
@@ -16512,7 +20170,7 @@
           <p:cNvPr id="2" name="Title 1">
             <a:extLst>
               <a:ext uri="{FF2B5EF4-FFF2-40B4-BE49-F238E27FC236}">
-                <a16:creationId xmlns:a16="http://schemas.microsoft.com/office/drawing/2014/main" id="{6944D5D3-5EB6-A764-8FA6-FE4771C983FB}"/>
+                <a16:creationId xmlns:a16="http://schemas.microsoft.com/office/drawing/2014/main" xmlns="" id="{082A68DD-DC3B-6A39-CC42-F920D3F6472C}"/>
               </a:ext>
             </a:extLst>
           </p:cNvPr>
@@ -16530,7 +20188,7 @@
           <a:p>
             <a:r>
               <a:rPr lang="en-US" dirty="0"/>
-              <a:t>Dual Control</a:t>
+              <a:t>Separation of Duties</a:t>
             </a:r>
           </a:p>
         </p:txBody>
@@ -16540,7 +20198,7 @@
           <p:cNvPr id="3" name="Content Placeholder 2">
             <a:extLst>
               <a:ext uri="{FF2B5EF4-FFF2-40B4-BE49-F238E27FC236}">
-                <a16:creationId xmlns:a16="http://schemas.microsoft.com/office/drawing/2014/main" id="{99EC6FAD-D928-EFE9-43EE-6F80CDB01E1A}"/>
+                <a16:creationId xmlns:a16="http://schemas.microsoft.com/office/drawing/2014/main" xmlns="" id="{0ACB17F9-A466-0C4A-5605-DD87BA5C508C}"/>
               </a:ext>
             </a:extLst>
           </p:cNvPr>
@@ -16551,49 +20209,44 @@
             <p:ph idx="1"/>
           </p:nvPr>
         </p:nvSpPr>
-        <p:spPr/>
+        <p:spPr>
+          <a:xfrm>
+            <a:off x="1097280" y="2108201"/>
+            <a:ext cx="10058400" cy="3820651"/>
+          </a:xfrm>
+        </p:spPr>
         <p:txBody>
-          <a:bodyPr/>
+          <a:bodyPr>
+            <a:normAutofit/>
+          </a:bodyPr>
           <a:lstStyle/>
+          <a:p>
+            <a:r>
+              <a:rPr lang="en-US" dirty="0"/>
+              <a:t>Concentration of Power in one hand can be dangerous</a:t>
+            </a:r>
+          </a:p>
           <a:p>
             <a:pPr marL="0" indent="0">
               <a:buNone/>
             </a:pPr>
             <a:r>
               <a:rPr lang="en-US" dirty="0"/>
-              <a:t>Requires that two individuals must both complete their half of a specific task.</a:t>
-            </a:r>
-          </a:p>
-          <a:p>
-            <a:pPr marL="0" indent="0">
-              <a:buNone/>
-            </a:pPr>
+              <a:t>  Tasks be assigned to individuals in such a manner that no one individual can control a process  from start to finish.</a:t>
+            </a:r>
+          </a:p>
+          <a:p>
             <a:r>
               <a:rPr lang="en-US" dirty="0"/>
-              <a:t>2 separate keys to unlock a door. Each user will be provided a separate key.</a:t>
-            </a:r>
-          </a:p>
-          <a:p>
-            <a:pPr marL="0" indent="0">
-              <a:buNone/>
-            </a:pPr>
-            <a:r>
-              <a:rPr lang="en-US" dirty="0"/>
-              <a:t>1 person can modify the firewall configuration file and the other person can push it to production</a:t>
-            </a:r>
-          </a:p>
-          <a:p>
-            <a:pPr marL="0" indent="0">
-              <a:buNone/>
-            </a:pPr>
-            <a:endParaRPr lang="en-US" dirty="0"/>
+              <a:t>Requires 2 or more-person permission to complete a task</a:t>
+            </a:r>
           </a:p>
         </p:txBody>
       </p:sp>
     </p:spTree>
     <p:extLst>
       <p:ext uri="{BB962C8B-B14F-4D97-AF65-F5344CB8AC3E}">
-        <p14:creationId xmlns:p14="http://schemas.microsoft.com/office/powerpoint/2010/main" val="2048770458"/>
+        <p14:creationId xmlns:p14="http://schemas.microsoft.com/office/powerpoint/2010/main" val="1961223043"/>
       </p:ext>
     </p:extLst>
   </p:cSld>
@@ -16625,7 +20278,7 @@
           <p:cNvPr id="2" name="Title 1">
             <a:extLst>
               <a:ext uri="{FF2B5EF4-FFF2-40B4-BE49-F238E27FC236}">
-                <a16:creationId xmlns:a16="http://schemas.microsoft.com/office/drawing/2014/main" id="{D4768748-D1D9-268C-8D1C-9D205918A5C1}"/>
+                <a16:creationId xmlns:a16="http://schemas.microsoft.com/office/drawing/2014/main" xmlns="" id="{6944D5D3-5EB6-A764-8FA6-FE4771C983FB}"/>
               </a:ext>
             </a:extLst>
           </p:cNvPr>
@@ -16643,7 +20296,7 @@
           <a:p>
             <a:r>
               <a:rPr lang="en-US" dirty="0"/>
-              <a:t>Benefits of Dual Control</a:t>
+              <a:t>Dual Control</a:t>
             </a:r>
           </a:p>
         </p:txBody>
@@ -16653,7 +20306,7 @@
           <p:cNvPr id="3" name="Content Placeholder 2">
             <a:extLst>
               <a:ext uri="{FF2B5EF4-FFF2-40B4-BE49-F238E27FC236}">
-                <a16:creationId xmlns:a16="http://schemas.microsoft.com/office/drawing/2014/main" id="{A873228B-8474-D4D0-850B-68AD00586A6F}"/>
+                <a16:creationId xmlns:a16="http://schemas.microsoft.com/office/drawing/2014/main" xmlns="" id="{99EC6FAD-D928-EFE9-43EE-6F80CDB01E1A}"/>
               </a:ext>
             </a:extLst>
           </p:cNvPr>
@@ -16669,42 +20322,36 @@
           <a:bodyPr/>
           <a:lstStyle/>
           <a:p>
+            <a:pPr marL="0" indent="0">
+              <a:buNone/>
+            </a:pPr>
             <a:r>
               <a:rPr lang="en-US" dirty="0"/>
-              <a:t>How can it help us?</a:t>
-            </a:r>
-          </a:p>
-          <a:p>
-            <a:pPr>
-              <a:buFont typeface="Arial" panose="020B0604020202020204" pitchFamily="34" charset="0"/>
-              <a:buChar char="•"/>
+              <a:t>Requires that two individuals must both complete their half of a specific task.</a:t>
+            </a:r>
+          </a:p>
+          <a:p>
+            <a:pPr marL="0" indent="0">
+              <a:buNone/>
             </a:pPr>
             <a:r>
               <a:rPr lang="en-US" dirty="0"/>
-              <a:t> An insider threat can’t execute a malicious activity alone</a:t>
-            </a:r>
-          </a:p>
-          <a:p>
-            <a:pPr>
-              <a:buFont typeface="Arial" panose="020B0604020202020204" pitchFamily="34" charset="0"/>
-              <a:buChar char="•"/>
+              <a:t>2 separate keys to unlock a door. Each user will be provided a separate key.</a:t>
+            </a:r>
+          </a:p>
+          <a:p>
+            <a:pPr marL="0" indent="0">
+              <a:buNone/>
             </a:pPr>
             <a:r>
               <a:rPr lang="en-US" dirty="0"/>
-              <a:t> Reducing and preventing irregularities</a:t>
-            </a:r>
-          </a:p>
-          <a:p>
-            <a:pPr>
-              <a:buFont typeface="Arial" panose="020B0604020202020204" pitchFamily="34" charset="0"/>
-              <a:buChar char="•"/>
+              <a:t>1 person can modify the firewall configuration file and the other person can push it to production</a:t>
+            </a:r>
+          </a:p>
+          <a:p>
+            <a:pPr marL="0" indent="0">
+              <a:buNone/>
             </a:pPr>
-            <a:r>
-              <a:rPr lang="en-US" dirty="0"/>
-              <a:t> one person is not responsible for everything</a:t>
-            </a:r>
-          </a:p>
-          <a:p>
             <a:endParaRPr lang="en-US" dirty="0"/>
           </a:p>
         </p:txBody>
@@ -16712,7 +20359,7 @@
     </p:spTree>
     <p:extLst>
       <p:ext uri="{BB962C8B-B14F-4D97-AF65-F5344CB8AC3E}">
-        <p14:creationId xmlns:p14="http://schemas.microsoft.com/office/powerpoint/2010/main" val="3082074545"/>
+        <p14:creationId xmlns:p14="http://schemas.microsoft.com/office/powerpoint/2010/main" val="2048770458"/>
       </p:ext>
     </p:extLst>
   </p:cSld>
@@ -16744,7 +20391,7 @@
           <p:cNvPr id="2" name="Title 1">
             <a:extLst>
               <a:ext uri="{FF2B5EF4-FFF2-40B4-BE49-F238E27FC236}">
-                <a16:creationId xmlns:a16="http://schemas.microsoft.com/office/drawing/2014/main" id="{16F32382-7BA1-B293-105B-C72A24495332}"/>
+                <a16:creationId xmlns:a16="http://schemas.microsoft.com/office/drawing/2014/main" xmlns="" id="{D4768748-D1D9-268C-8D1C-9D205918A5C1}"/>
               </a:ext>
             </a:extLst>
           </p:cNvPr>
@@ -16762,7 +20409,7 @@
           <a:p>
             <a:r>
               <a:rPr lang="en-US" dirty="0"/>
-              <a:t>Monitoring User activities and accesses</a:t>
+              <a:t>Benefits of Dual Control</a:t>
             </a:r>
           </a:p>
         </p:txBody>
@@ -16772,7 +20419,7 @@
           <p:cNvPr id="3" name="Content Placeholder 2">
             <a:extLst>
               <a:ext uri="{FF2B5EF4-FFF2-40B4-BE49-F238E27FC236}">
-                <a16:creationId xmlns:a16="http://schemas.microsoft.com/office/drawing/2014/main" id="{41D29B55-1321-DB12-150A-00BDED1F0E48}"/>
+                <a16:creationId xmlns:a16="http://schemas.microsoft.com/office/drawing/2014/main" xmlns="" id="{A873228B-8474-D4D0-850B-68AD00586A6F}"/>
               </a:ext>
             </a:extLst>
           </p:cNvPr>
@@ -16785,17 +20432,12 @@
         </p:nvSpPr>
         <p:spPr/>
         <p:txBody>
-          <a:bodyPr>
-            <a:normAutofit/>
-          </a:bodyPr>
+          <a:bodyPr/>
           <a:lstStyle/>
           <a:p>
-            <a:pPr marL="0" indent="0">
-              <a:buNone/>
-            </a:pPr>
             <a:r>
               <a:rPr lang="en-US" dirty="0"/>
-              <a:t>Company gathers data from– </a:t>
+              <a:t>How can it help us?</a:t>
             </a:r>
           </a:p>
           <a:p>
@@ -16805,7 +20447,7 @@
             </a:pPr>
             <a:r>
               <a:rPr lang="en-US" dirty="0"/>
-              <a:t>Network traffic</a:t>
+              <a:t> An insider threat can’t execute a malicious activity alone</a:t>
             </a:r>
           </a:p>
           <a:p>
@@ -16815,7 +20457,7 @@
             </a:pPr>
             <a:r>
               <a:rPr lang="en-US" dirty="0"/>
-              <a:t>DLP</a:t>
+              <a:t> Reducing and preventing irregularities</a:t>
             </a:r>
           </a:p>
           <a:p>
@@ -16825,39 +20467,18 @@
             </a:pPr>
             <a:r>
               <a:rPr lang="en-US" dirty="0"/>
-              <a:t>Firewalls</a:t>
-            </a:r>
-          </a:p>
-          <a:p>
-            <a:pPr marL="0" indent="0">
-              <a:buNone/>
-            </a:pPr>
+              <a:t> one person is not responsible for everything</a:t>
+            </a:r>
+          </a:p>
+          <a:p>
             <a:endParaRPr lang="en-US" dirty="0"/>
-          </a:p>
-          <a:p>
-            <a:pPr marL="0" indent="0">
-              <a:buNone/>
-            </a:pPr>
-            <a:r>
-              <a:rPr lang="en-US" dirty="0"/>
-              <a:t>MONITORING </a:t>
-            </a:r>
-          </a:p>
-          <a:p>
-            <a:pPr marL="0" indent="0">
-              <a:buNone/>
-            </a:pPr>
-            <a:r>
-              <a:rPr lang="en-US" dirty="0"/>
-              <a:t>Access logs must be reviewed daily by the Office of Information Technology or designee.</a:t>
-            </a:r>
           </a:p>
         </p:txBody>
       </p:sp>
     </p:spTree>
     <p:extLst>
       <p:ext uri="{BB962C8B-B14F-4D97-AF65-F5344CB8AC3E}">
-        <p14:creationId xmlns:p14="http://schemas.microsoft.com/office/powerpoint/2010/main" val="3123612417"/>
+        <p14:creationId xmlns:p14="http://schemas.microsoft.com/office/powerpoint/2010/main" val="3082074545"/>
       </p:ext>
     </p:extLst>
   </p:cSld>
@@ -16889,7 +20510,7 @@
           <p:cNvPr id="2" name="Title 1">
             <a:extLst>
               <a:ext uri="{FF2B5EF4-FFF2-40B4-BE49-F238E27FC236}">
-                <a16:creationId xmlns:a16="http://schemas.microsoft.com/office/drawing/2014/main" id="{E6587AE3-BDB8-2DCE-7C04-E5EA8FA8DCB0}"/>
+                <a16:creationId xmlns:a16="http://schemas.microsoft.com/office/drawing/2014/main" xmlns="" id="{16F32382-7BA1-B293-105B-C72A24495332}"/>
               </a:ext>
             </a:extLst>
           </p:cNvPr>
@@ -16907,7 +20528,7 @@
           <a:p>
             <a:r>
               <a:rPr lang="en-US" dirty="0"/>
-              <a:t>Monitoring Benefits</a:t>
+              <a:t>Monitoring User activities and accesses</a:t>
             </a:r>
           </a:p>
         </p:txBody>
@@ -16917,7 +20538,7 @@
           <p:cNvPr id="3" name="Content Placeholder 2">
             <a:extLst>
               <a:ext uri="{FF2B5EF4-FFF2-40B4-BE49-F238E27FC236}">
-                <a16:creationId xmlns:a16="http://schemas.microsoft.com/office/drawing/2014/main" id="{DC6D3847-6F25-BC57-4EB1-BDEB9333A3C0}"/>
+                <a16:creationId xmlns:a16="http://schemas.microsoft.com/office/drawing/2014/main" xmlns="" id="{41D29B55-1321-DB12-150A-00BDED1F0E48}"/>
               </a:ext>
             </a:extLst>
           </p:cNvPr>
@@ -16930,8 +20551,19 @@
         </p:nvSpPr>
         <p:spPr/>
         <p:txBody>
-          <a:bodyPr/>
+          <a:bodyPr>
+            <a:normAutofit/>
+          </a:bodyPr>
           <a:lstStyle/>
+          <a:p>
+            <a:pPr marL="0" indent="0">
+              <a:buNone/>
+            </a:pPr>
+            <a:r>
+              <a:rPr lang="en-US" dirty="0"/>
+              <a:t>Company gathers data from– </a:t>
+            </a:r>
+          </a:p>
           <a:p>
             <a:pPr>
               <a:buFont typeface="Arial" panose="020B0604020202020204" pitchFamily="34" charset="0"/>
@@ -16939,7 +20571,7 @@
             </a:pPr>
             <a:r>
               <a:rPr lang="en-US" dirty="0"/>
-              <a:t> Detect unauthorized access, malware and data leakage</a:t>
+              <a:t>Network traffic</a:t>
             </a:r>
           </a:p>
           <a:p>
@@ -16949,7 +20581,7 @@
             </a:pPr>
             <a:r>
               <a:rPr lang="en-US" dirty="0"/>
-              <a:t> Detect activity with privileged access, user management, policy changes, remote desktop sessions, configuration changes, and unexpected access </a:t>
+              <a:t>DLP</a:t>
             </a:r>
           </a:p>
           <a:p>
@@ -16959,22 +20591,39 @@
             </a:pPr>
             <a:r>
               <a:rPr lang="en-US" dirty="0"/>
-              <a:t> Detect patch installation, software installation, service management, system reboots, bandwidth utilization, and DNS/DHCP traffic</a:t>
-            </a:r>
-          </a:p>
-          <a:p>
-            <a:pPr>
-              <a:buFont typeface="Arial" panose="020B0604020202020204" pitchFamily="34" charset="0"/>
-              <a:buChar char="•"/>
+              <a:t>Firewalls</a:t>
+            </a:r>
+          </a:p>
+          <a:p>
+            <a:pPr marL="0" indent="0">
+              <a:buNone/>
             </a:pPr>
             <a:endParaRPr lang="en-US" dirty="0"/>
+          </a:p>
+          <a:p>
+            <a:pPr marL="0" indent="0">
+              <a:buNone/>
+            </a:pPr>
+            <a:r>
+              <a:rPr lang="en-US" dirty="0"/>
+              <a:t>MONITORING </a:t>
+            </a:r>
+          </a:p>
+          <a:p>
+            <a:pPr marL="0" indent="0">
+              <a:buNone/>
+            </a:pPr>
+            <a:r>
+              <a:rPr lang="en-US" dirty="0"/>
+              <a:t>Access logs must be reviewed daily by the Office of Information Technology or designee.</a:t>
+            </a:r>
           </a:p>
         </p:txBody>
       </p:sp>
     </p:spTree>
     <p:extLst>
       <p:ext uri="{BB962C8B-B14F-4D97-AF65-F5344CB8AC3E}">
-        <p14:creationId xmlns:p14="http://schemas.microsoft.com/office/powerpoint/2010/main" val="223609391"/>
+        <p14:creationId xmlns:p14="http://schemas.microsoft.com/office/powerpoint/2010/main" val="3123612417"/>
       </p:ext>
     </p:extLst>
   </p:cSld>
@@ -17037,10 +20686,10 @@
           <p:cNvPr id="9" name="Rectangle 8">
             <a:extLst>
               <a:ext uri="{FF2B5EF4-FFF2-40B4-BE49-F238E27FC236}">
-                <a16:creationId xmlns:a16="http://schemas.microsoft.com/office/drawing/2014/main" id="{416A0E3C-60E6-4F39-BC55-5F7C224E1F7C}"/>
+                <a16:creationId xmlns:a16="http://schemas.microsoft.com/office/drawing/2014/main" xmlns="" id="{416A0E3C-60E6-4F39-BC55-5F7C224E1F7C}"/>
               </a:ext>
               <a:ext uri="{C183D7F6-B498-43B3-948B-1728B52AA6E4}">
-                <adec:decorative xmlns:adec="http://schemas.microsoft.com/office/drawing/2017/decorative" val="1"/>
+                <adec:decorative xmlns:adec="http://schemas.microsoft.com/office/drawing/2017/decorative" xmlns="" val="1"/>
               </a:ext>
             </a:extLst>
           </p:cNvPr>
@@ -17050,7 +20699,7 @@
           <p:nvPr>
             <p:extLst>
               <p:ext uri="{386F3935-93C4-4BCD-93E2-E3B085C9AB24}">
-                <p16:designElem xmlns:p16="http://schemas.microsoft.com/office/powerpoint/2015/main" val="1"/>
+                <p16:designElem xmlns:p16="http://schemas.microsoft.com/office/powerpoint/2015/main" xmlns="" val="1"/>
               </p:ext>
             </p:extLst>
           </p:nvPr>
@@ -17092,10 +20741,10 @@
           <p:cNvPr id="11" name="Straight Connector 10">
             <a:extLst>
               <a:ext uri="{FF2B5EF4-FFF2-40B4-BE49-F238E27FC236}">
-                <a16:creationId xmlns:a16="http://schemas.microsoft.com/office/drawing/2014/main" id="{C5025DAC-8B93-4160-B017-3A274A5828C0}"/>
+                <a16:creationId xmlns:a16="http://schemas.microsoft.com/office/drawing/2014/main" xmlns="" id="{C5025DAC-8B93-4160-B017-3A274A5828C0}"/>
               </a:ext>
               <a:ext uri="{C183D7F6-B498-43B3-948B-1728B52AA6E4}">
-                <adec:decorative xmlns:adec="http://schemas.microsoft.com/office/drawing/2017/decorative" val="1"/>
+                <adec:decorative xmlns:adec="http://schemas.microsoft.com/office/drawing/2017/decorative" xmlns="" val="1"/>
               </a:ext>
             </a:extLst>
           </p:cNvPr>
@@ -17105,7 +20754,7 @@
           <p:nvPr>
             <p:extLst>
               <p:ext uri="{386F3935-93C4-4BCD-93E2-E3B085C9AB24}">
-                <p16:designElem xmlns:p16="http://schemas.microsoft.com/office/powerpoint/2015/main" val="1"/>
+                <p16:designElem xmlns:p16="http://schemas.microsoft.com/office/powerpoint/2015/main" xmlns="" val="1"/>
               </p:ext>
             </p:extLst>
           </p:nvPr>
@@ -17147,10 +20796,10 @@
           <p:cNvPr id="13" name="Rectangle 12">
             <a:extLst>
               <a:ext uri="{FF2B5EF4-FFF2-40B4-BE49-F238E27FC236}">
-                <a16:creationId xmlns:a16="http://schemas.microsoft.com/office/drawing/2014/main" id="{0F6F1E82-F603-49E4-9641-09EEA984A343}"/>
+                <a16:creationId xmlns:a16="http://schemas.microsoft.com/office/drawing/2014/main" xmlns="" id="{0F6F1E82-F603-49E4-9641-09EEA984A343}"/>
               </a:ext>
               <a:ext uri="{C183D7F6-B498-43B3-948B-1728B52AA6E4}">
-                <adec:decorative xmlns:adec="http://schemas.microsoft.com/office/drawing/2017/decorative" val="1"/>
+                <adec:decorative xmlns:adec="http://schemas.microsoft.com/office/drawing/2017/decorative" xmlns="" val="1"/>
               </a:ext>
             </a:extLst>
           </p:cNvPr>
@@ -17160,7 +20809,7 @@
           <p:nvPr>
             <p:extLst>
               <p:ext uri="{386F3935-93C4-4BCD-93E2-E3B085C9AB24}">
-                <p16:designElem xmlns:p16="http://schemas.microsoft.com/office/powerpoint/2015/main" val="1"/>
+                <p16:designElem xmlns:p16="http://schemas.microsoft.com/office/powerpoint/2015/main" xmlns="" val="1"/>
               </p:ext>
             </p:extLst>
           </p:nvPr>
@@ -17207,10 +20856,10 @@
           <p:cNvPr id="15" name="Straight Connector 14">
             <a:extLst>
               <a:ext uri="{FF2B5EF4-FFF2-40B4-BE49-F238E27FC236}">
-                <a16:creationId xmlns:a16="http://schemas.microsoft.com/office/drawing/2014/main" id="{C81CFD00-FC30-4AFB-A61F-3127B2C90F71}"/>
+                <a16:creationId xmlns:a16="http://schemas.microsoft.com/office/drawing/2014/main" xmlns="" id="{C81CFD00-FC30-4AFB-A61F-3127B2C90F71}"/>
               </a:ext>
               <a:ext uri="{C183D7F6-B498-43B3-948B-1728B52AA6E4}">
-                <adec:decorative xmlns:adec="http://schemas.microsoft.com/office/drawing/2017/decorative" val="1"/>
+                <adec:decorative xmlns:adec="http://schemas.microsoft.com/office/drawing/2017/decorative" xmlns="" val="1"/>
               </a:ext>
             </a:extLst>
           </p:cNvPr>
@@ -17220,7 +20869,7 @@
           <p:nvPr>
             <p:extLst>
               <p:ext uri="{386F3935-93C4-4BCD-93E2-E3B085C9AB24}">
-                <p16:designElem xmlns:p16="http://schemas.microsoft.com/office/powerpoint/2015/main" val="1"/>
+                <p16:designElem xmlns:p16="http://schemas.microsoft.com/office/powerpoint/2015/main" xmlns="" val="1"/>
               </p:ext>
             </p:extLst>
           </p:nvPr>
@@ -17262,10 +20911,10 @@
           <p:cNvPr id="17" name="Rectangle 16">
             <a:extLst>
               <a:ext uri="{FF2B5EF4-FFF2-40B4-BE49-F238E27FC236}">
-                <a16:creationId xmlns:a16="http://schemas.microsoft.com/office/drawing/2014/main" id="{9D1595AB-90F6-488F-B5E3-F8CFCC8FAA19}"/>
+                <a16:creationId xmlns:a16="http://schemas.microsoft.com/office/drawing/2014/main" xmlns="" id="{9D1595AB-90F6-488F-B5E3-F8CFCC8FAA19}"/>
               </a:ext>
               <a:ext uri="{C183D7F6-B498-43B3-948B-1728B52AA6E4}">
-                <adec:decorative xmlns:adec="http://schemas.microsoft.com/office/drawing/2017/decorative" val="1"/>
+                <adec:decorative xmlns:adec="http://schemas.microsoft.com/office/drawing/2017/decorative" xmlns="" val="1"/>
               </a:ext>
             </a:extLst>
           </p:cNvPr>
@@ -17275,7 +20924,7 @@
           <p:nvPr>
             <p:extLst>
               <p:ext uri="{386F3935-93C4-4BCD-93E2-E3B085C9AB24}">
-                <p16:designElem xmlns:p16="http://schemas.microsoft.com/office/powerpoint/2015/main" val="1"/>
+                <p16:designElem xmlns:p16="http://schemas.microsoft.com/office/powerpoint/2015/main" xmlns="" val="1"/>
               </p:ext>
             </p:extLst>
           </p:nvPr>
@@ -17317,7 +20966,7 @@
           <p:cNvPr id="5" name="TextBox 2">
             <a:extLst>
               <a:ext uri="{FF2B5EF4-FFF2-40B4-BE49-F238E27FC236}">
-                <a16:creationId xmlns:a16="http://schemas.microsoft.com/office/drawing/2014/main" id="{72AE4F4E-4651-5477-DE92-4606E9D67511}"/>
+                <a16:creationId xmlns:a16="http://schemas.microsoft.com/office/drawing/2014/main" xmlns="" id="{72AE4F4E-4651-5477-DE92-4606E9D67511}"/>
               </a:ext>
             </a:extLst>
           </p:cNvPr>
@@ -17375,7 +21024,7 @@
           <p:cNvPr id="2" name="Title 1">
             <a:extLst>
               <a:ext uri="{FF2B5EF4-FFF2-40B4-BE49-F238E27FC236}">
-                <a16:creationId xmlns:a16="http://schemas.microsoft.com/office/drawing/2014/main" id="{21315293-4E61-A138-32B6-7AE1A67B3907}"/>
+                <a16:creationId xmlns:a16="http://schemas.microsoft.com/office/drawing/2014/main" xmlns="" id="{E6587AE3-BDB8-2DCE-7C04-E5EA8FA8DCB0}"/>
               </a:ext>
             </a:extLst>
           </p:cNvPr>
@@ -17393,7 +21042,7 @@
           <a:p>
             <a:r>
               <a:rPr lang="en-US" dirty="0"/>
-              <a:t>What should be always monitored</a:t>
+              <a:t>Monitoring Benefits</a:t>
             </a:r>
           </a:p>
         </p:txBody>
@@ -17403,7 +21052,7 @@
           <p:cNvPr id="3" name="Content Placeholder 2">
             <a:extLst>
               <a:ext uri="{FF2B5EF4-FFF2-40B4-BE49-F238E27FC236}">
-                <a16:creationId xmlns:a16="http://schemas.microsoft.com/office/drawing/2014/main" id="{04FAA8DE-7ACA-66E2-C2C1-46303F35EA2F}"/>
+                <a16:creationId xmlns:a16="http://schemas.microsoft.com/office/drawing/2014/main" xmlns="" id="{DC6D3847-6F25-BC57-4EB1-BDEB9333A3C0}"/>
               </a:ext>
             </a:extLst>
           </p:cNvPr>
@@ -17425,7 +21074,7 @@
             </a:pPr>
             <a:r>
               <a:rPr lang="en-US" dirty="0"/>
-              <a:t> Successful Access</a:t>
+              <a:t> Detect unauthorized access, malware and data leakage</a:t>
             </a:r>
           </a:p>
           <a:p>
@@ -17435,7 +21084,7 @@
             </a:pPr>
             <a:r>
               <a:rPr lang="en-US" dirty="0"/>
-              <a:t> Failed Access</a:t>
+              <a:t> Detect activity with privileged access, user management, policy changes, remote desktop sessions, configuration changes, and unexpected access </a:t>
             </a:r>
           </a:p>
           <a:p>
@@ -17445,7 +21094,7 @@
             </a:pPr>
             <a:r>
               <a:rPr lang="en-US" dirty="0"/>
-              <a:t> Privileged Operations</a:t>
+              <a:t> Detect patch installation, software installation, service management, system reboots, bandwidth utilization, and DNS/DHCP traffic</a:t>
             </a:r>
           </a:p>
           <a:p>
@@ -17455,21 +21104,12 @@
             </a:pPr>
             <a:endParaRPr lang="en-US" dirty="0"/>
           </a:p>
-          <a:p>
-            <a:pPr marL="0" indent="0">
-              <a:buNone/>
-            </a:pPr>
-            <a:r>
-              <a:rPr lang="en-US" dirty="0"/>
-              <a:t>Exceptions can be addressed by the COO</a:t>
-            </a:r>
-          </a:p>
         </p:txBody>
       </p:sp>
     </p:spTree>
     <p:extLst>
       <p:ext uri="{BB962C8B-B14F-4D97-AF65-F5344CB8AC3E}">
-        <p14:creationId xmlns:p14="http://schemas.microsoft.com/office/powerpoint/2010/main" val="1684610065"/>
+        <p14:creationId xmlns:p14="http://schemas.microsoft.com/office/powerpoint/2010/main" val="223609391"/>
       </p:ext>
     </p:extLst>
   </p:cSld>
@@ -17501,7 +21141,7 @@
           <p:cNvPr id="2" name="Title 1">
             <a:extLst>
               <a:ext uri="{FF2B5EF4-FFF2-40B4-BE49-F238E27FC236}">
-                <a16:creationId xmlns:a16="http://schemas.microsoft.com/office/drawing/2014/main" id="{FD275D10-5F5B-6011-267F-E496E2DEB46D}"/>
+                <a16:creationId xmlns:a16="http://schemas.microsoft.com/office/drawing/2014/main" xmlns="" id="{21315293-4E61-A138-32B6-7AE1A67B3907}"/>
               </a:ext>
             </a:extLst>
           </p:cNvPr>
@@ -17519,7 +21159,7 @@
           <a:p>
             <a:r>
               <a:rPr lang="en-US" dirty="0"/>
-              <a:t>Is Monitoring Legal?</a:t>
+              <a:t>What should be always monitored</a:t>
             </a:r>
           </a:p>
         </p:txBody>
@@ -17529,7 +21169,7 @@
           <p:cNvPr id="3" name="Content Placeholder 2">
             <a:extLst>
               <a:ext uri="{FF2B5EF4-FFF2-40B4-BE49-F238E27FC236}">
-                <a16:creationId xmlns:a16="http://schemas.microsoft.com/office/drawing/2014/main" id="{6A693AF4-4CF0-C004-F347-CAA0ED3935B9}"/>
+                <a16:creationId xmlns:a16="http://schemas.microsoft.com/office/drawing/2014/main" xmlns="" id="{04FAA8DE-7ACA-66E2-C2C1-46303F35EA2F}"/>
               </a:ext>
             </a:extLst>
           </p:cNvPr>
@@ -17545,69 +21185,49 @@
           <a:bodyPr/>
           <a:lstStyle/>
           <a:p>
-            <a:r>
-              <a:rPr lang="en-US" dirty="0"/>
-              <a:t>An employee can be monitored by the company</a:t>
-            </a:r>
-          </a:p>
-          <a:p>
-            <a:pPr lvl="1">
+            <a:pPr>
               <a:buFont typeface="Arial" panose="020B0604020202020204" pitchFamily="34" charset="0"/>
               <a:buChar char="•"/>
             </a:pPr>
             <a:r>
               <a:rPr lang="en-US" dirty="0"/>
-              <a:t>The work is done at the employer’s place of business. </a:t>
-            </a:r>
-          </a:p>
-          <a:p>
-            <a:pPr lvl="1">
+              <a:t> Successful Access</a:t>
+            </a:r>
+          </a:p>
+          <a:p>
+            <a:pPr>
               <a:buFont typeface="Arial" panose="020B0604020202020204" pitchFamily="34" charset="0"/>
               <a:buChar char="•"/>
             </a:pPr>
             <a:r>
               <a:rPr lang="en-US" dirty="0"/>
-              <a:t>The employer owns the equipment. </a:t>
-            </a:r>
-          </a:p>
-          <a:p>
-            <a:pPr lvl="1">
+              <a:t> Failed Access</a:t>
+            </a:r>
+          </a:p>
+          <a:p>
+            <a:pPr>
               <a:buFont typeface="Arial" panose="020B0604020202020204" pitchFamily="34" charset="0"/>
               <a:buChar char="•"/>
             </a:pPr>
             <a:r>
               <a:rPr lang="en-US" dirty="0"/>
-              <a:t>The employer has an interest in monitoring employee activity to ensure the quality of work.</a:t>
-            </a:r>
-          </a:p>
-          <a:p>
-            <a:pPr marL="201168" lvl="1" indent="0">
+              <a:t> Privileged Operations</a:t>
+            </a:r>
+          </a:p>
+          <a:p>
+            <a:pPr>
+              <a:buFont typeface="Arial" panose="020B0604020202020204" pitchFamily="34" charset="0"/>
+              <a:buChar char="•"/>
+            </a:pPr>
+            <a:endParaRPr lang="en-US" dirty="0"/>
+          </a:p>
+          <a:p>
+            <a:pPr marL="0" indent="0">
               <a:buNone/>
             </a:pPr>
-            <a:endParaRPr lang="en-US" dirty="0"/>
-          </a:p>
-          <a:p>
-            <a:pPr marL="201168" lvl="1" indent="0">
-              <a:buNone/>
-            </a:pPr>
             <a:r>
               <a:rPr lang="en-US" dirty="0"/>
-              <a:t>The employer has the right to protect property from theft and fraud.</a:t>
-            </a:r>
-          </a:p>
-          <a:p>
-            <a:pPr marL="201168" lvl="1" indent="0">
-              <a:buNone/>
-            </a:pPr>
-            <a:endParaRPr lang="en-US" dirty="0"/>
-          </a:p>
-          <a:p>
-            <a:pPr marL="201168" lvl="1" indent="0">
-              <a:buNone/>
-            </a:pPr>
-            <a:r>
-              <a:rPr lang="en-US" dirty="0"/>
-              <a:t>SLA and Agreements are signed with the employee to monitor their activities</a:t>
+              <a:t>Exceptions can be addressed by the COO</a:t>
             </a:r>
           </a:p>
         </p:txBody>
@@ -17615,7 +21235,7 @@
     </p:spTree>
     <p:extLst>
       <p:ext uri="{BB962C8B-B14F-4D97-AF65-F5344CB8AC3E}">
-        <p14:creationId xmlns:p14="http://schemas.microsoft.com/office/powerpoint/2010/main" val="552977067"/>
+        <p14:creationId xmlns:p14="http://schemas.microsoft.com/office/powerpoint/2010/main" val="1684610065"/>
       </p:ext>
     </p:extLst>
   </p:cSld>
@@ -17647,7 +21267,7 @@
           <p:cNvPr id="2" name="Title 1">
             <a:extLst>
               <a:ext uri="{FF2B5EF4-FFF2-40B4-BE49-F238E27FC236}">
-                <a16:creationId xmlns:a16="http://schemas.microsoft.com/office/drawing/2014/main" id="{98B828BC-9933-9CCD-F0A0-5D263D1D10D6}"/>
+                <a16:creationId xmlns:a16="http://schemas.microsoft.com/office/drawing/2014/main" xmlns="" id="{FD275D10-5F5B-6011-267F-E496E2DEB46D}"/>
               </a:ext>
             </a:extLst>
           </p:cNvPr>
@@ -17665,7 +21285,7 @@
           <a:p>
             <a:r>
               <a:rPr lang="en-US" dirty="0"/>
-              <a:t>QA?</a:t>
+              <a:t>Is Monitoring Legal?</a:t>
             </a:r>
           </a:p>
         </p:txBody>
@@ -17675,7 +21295,153 @@
           <p:cNvPr id="3" name="Content Placeholder 2">
             <a:extLst>
               <a:ext uri="{FF2B5EF4-FFF2-40B4-BE49-F238E27FC236}">
-                <a16:creationId xmlns:a16="http://schemas.microsoft.com/office/drawing/2014/main" id="{E374A02C-1A5E-6762-F7D4-29AA705079A9}"/>
+                <a16:creationId xmlns:a16="http://schemas.microsoft.com/office/drawing/2014/main" xmlns="" id="{6A693AF4-4CF0-C004-F347-CAA0ED3935B9}"/>
+              </a:ext>
+            </a:extLst>
+          </p:cNvPr>
+          <p:cNvSpPr>
+            <a:spLocks noGrp="1"/>
+          </p:cNvSpPr>
+          <p:nvPr>
+            <p:ph idx="1"/>
+          </p:nvPr>
+        </p:nvSpPr>
+        <p:spPr/>
+        <p:txBody>
+          <a:bodyPr/>
+          <a:lstStyle/>
+          <a:p>
+            <a:r>
+              <a:rPr lang="en-US" dirty="0"/>
+              <a:t>An employee can be monitored by the company</a:t>
+            </a:r>
+          </a:p>
+          <a:p>
+            <a:pPr lvl="1">
+              <a:buFont typeface="Arial" panose="020B0604020202020204" pitchFamily="34" charset="0"/>
+              <a:buChar char="•"/>
+            </a:pPr>
+            <a:r>
+              <a:rPr lang="en-US" dirty="0"/>
+              <a:t>The work is done at the employer’s place of business. </a:t>
+            </a:r>
+          </a:p>
+          <a:p>
+            <a:pPr lvl="1">
+              <a:buFont typeface="Arial" panose="020B0604020202020204" pitchFamily="34" charset="0"/>
+              <a:buChar char="•"/>
+            </a:pPr>
+            <a:r>
+              <a:rPr lang="en-US" dirty="0"/>
+              <a:t>The employer owns the equipment. </a:t>
+            </a:r>
+          </a:p>
+          <a:p>
+            <a:pPr lvl="1">
+              <a:buFont typeface="Arial" panose="020B0604020202020204" pitchFamily="34" charset="0"/>
+              <a:buChar char="•"/>
+            </a:pPr>
+            <a:r>
+              <a:rPr lang="en-US" dirty="0"/>
+              <a:t>The employer has an interest in monitoring employee activity to ensure the quality of work.</a:t>
+            </a:r>
+          </a:p>
+          <a:p>
+            <a:pPr marL="201168" lvl="1" indent="0">
+              <a:buNone/>
+            </a:pPr>
+            <a:endParaRPr lang="en-US" dirty="0"/>
+          </a:p>
+          <a:p>
+            <a:pPr marL="201168" lvl="1" indent="0">
+              <a:buNone/>
+            </a:pPr>
+            <a:r>
+              <a:rPr lang="en-US" dirty="0"/>
+              <a:t>The employer has the right to protect property from theft and fraud.</a:t>
+            </a:r>
+          </a:p>
+          <a:p>
+            <a:pPr marL="201168" lvl="1" indent="0">
+              <a:buNone/>
+            </a:pPr>
+            <a:endParaRPr lang="en-US" dirty="0"/>
+          </a:p>
+          <a:p>
+            <a:pPr marL="201168" lvl="1" indent="0">
+              <a:buNone/>
+            </a:pPr>
+            <a:r>
+              <a:rPr lang="en-US" dirty="0"/>
+              <a:t>SLA and Agreements are signed with the employee to monitor their activities</a:t>
+            </a:r>
+          </a:p>
+        </p:txBody>
+      </p:sp>
+    </p:spTree>
+    <p:extLst>
+      <p:ext uri="{BB962C8B-B14F-4D97-AF65-F5344CB8AC3E}">
+        <p14:creationId xmlns:p14="http://schemas.microsoft.com/office/powerpoint/2010/main" val="552977067"/>
+      </p:ext>
+    </p:extLst>
+  </p:cSld>
+  <p:clrMapOvr>
+    <a:masterClrMapping/>
+  </p:clrMapOvr>
+</p:sld>
+</file>
+
+<file path=ppt/slides/slide53.xml><?xml version="1.0" encoding="utf-8"?>
+<p:sld xmlns:a="http://schemas.openxmlformats.org/drawingml/2006/main" xmlns:r="http://schemas.openxmlformats.org/officeDocument/2006/relationships" xmlns:p="http://schemas.openxmlformats.org/presentationml/2006/main">
+  <p:cSld>
+    <p:spTree>
+      <p:nvGrpSpPr>
+        <p:cNvPr id="1" name=""/>
+        <p:cNvGrpSpPr/>
+        <p:nvPr/>
+      </p:nvGrpSpPr>
+      <p:grpSpPr>
+        <a:xfrm>
+          <a:off x="0" y="0"/>
+          <a:ext cx="0" cy="0"/>
+          <a:chOff x="0" y="0"/>
+          <a:chExt cx="0" cy="0"/>
+        </a:xfrm>
+      </p:grpSpPr>
+      <p:sp>
+        <p:nvSpPr>
+          <p:cNvPr id="2" name="Title 1">
+            <a:extLst>
+              <a:ext uri="{FF2B5EF4-FFF2-40B4-BE49-F238E27FC236}">
+                <a16:creationId xmlns:a16="http://schemas.microsoft.com/office/drawing/2014/main" xmlns="" id="{98B828BC-9933-9CCD-F0A0-5D263D1D10D6}"/>
+              </a:ext>
+            </a:extLst>
+          </p:cNvPr>
+          <p:cNvSpPr>
+            <a:spLocks noGrp="1"/>
+          </p:cNvSpPr>
+          <p:nvPr>
+            <p:ph type="title"/>
+          </p:nvPr>
+        </p:nvSpPr>
+        <p:spPr/>
+        <p:txBody>
+          <a:bodyPr/>
+          <a:lstStyle/>
+          <a:p>
+            <a:r>
+              <a:rPr lang="en-US" dirty="0"/>
+              <a:t>QA?</a:t>
+            </a:r>
+          </a:p>
+        </p:txBody>
+      </p:sp>
+      <p:sp>
+        <p:nvSpPr>
+          <p:cNvPr id="3" name="Content Placeholder 2">
+            <a:extLst>
+              <a:ext uri="{FF2B5EF4-FFF2-40B4-BE49-F238E27FC236}">
+                <a16:creationId xmlns:a16="http://schemas.microsoft.com/office/drawing/2014/main" xmlns="" id="{E374A02C-1A5E-6762-F7D4-29AA705079A9}"/>
               </a:ext>
             </a:extLst>
           </p:cNvPr>
@@ -17730,7 +21496,7 @@
           <p:cNvPr id="3" name="TextBox 2">
             <a:extLst>
               <a:ext uri="{FF2B5EF4-FFF2-40B4-BE49-F238E27FC236}">
-                <a16:creationId xmlns:a16="http://schemas.microsoft.com/office/drawing/2014/main" id="{F7851E5C-DF1E-8A17-45DA-4EFE31D23E9D}"/>
+                <a16:creationId xmlns:a16="http://schemas.microsoft.com/office/drawing/2014/main" xmlns="" id="{F7851E5C-DF1E-8A17-45DA-4EFE31D23E9D}"/>
               </a:ext>
             </a:extLst>
           </p:cNvPr>
@@ -17785,7 +21551,7 @@
                 <a:hlinkClick r:id="rId2">
                   <a:extLst>
                     <a:ext uri="{A12FA001-AC4F-418D-AE19-62706E023703}">
-                      <ahyp:hlinkClr xmlns:ahyp="http://schemas.microsoft.com/office/drawing/2018/hyperlinkcolor" val="tx"/>
+                      <ahyp:hlinkClr xmlns:ahyp="http://schemas.microsoft.com/office/drawing/2018/hyperlinkcolor" xmlns="" val="tx"/>
                     </a:ext>
                   </a:extLst>
                 </a:hlinkClick>
@@ -17808,7 +21574,7 @@
                 <a:hlinkClick r:id="rId3">
                   <a:extLst>
                     <a:ext uri="{A12FA001-AC4F-418D-AE19-62706E023703}">
-                      <ahyp:hlinkClr xmlns:ahyp="http://schemas.microsoft.com/office/drawing/2018/hyperlinkcolor" val="tx"/>
+                      <ahyp:hlinkClr xmlns:ahyp="http://schemas.microsoft.com/office/drawing/2018/hyperlinkcolor" xmlns="" val="tx"/>
                     </a:ext>
                   </a:extLst>
                 </a:hlinkClick>
@@ -17881,7 +21647,7 @@
           <p:cNvPr id="2" name="Title 1">
             <a:extLst>
               <a:ext uri="{FF2B5EF4-FFF2-40B4-BE49-F238E27FC236}">
-                <a16:creationId xmlns:a16="http://schemas.microsoft.com/office/drawing/2014/main" id="{67B1B51B-3124-738D-0446-444018BEC8BD}"/>
+                <a16:creationId xmlns:a16="http://schemas.microsoft.com/office/drawing/2014/main" xmlns="" id="{67B1B51B-3124-738D-0446-444018BEC8BD}"/>
               </a:ext>
             </a:extLst>
           </p:cNvPr>
@@ -17905,6 +21671,14 @@
               </a:rPr>
               <a:t>Authentication by Knowledge – </a:t>
             </a:r>
+            <a:r>
+              <a:rPr lang="en-CA" sz="1800" dirty="0">
+                <a:effectLst/>
+                <a:latin typeface="Times New Roman" panose="02020603050405020304" pitchFamily="18" charset="0"/>
+                <a:ea typeface="Times New Roman" panose="02020603050405020304" pitchFamily="18" charset="0"/>
+              </a:rPr>
+              <a:t/>
+            </a:r>
             <a:br>
               <a:rPr lang="en-CA" sz="1800" dirty="0">
                 <a:effectLst/>
@@ -17921,7 +21695,7 @@
           <p:cNvPr id="3" name="Content Placeholder 2">
             <a:extLst>
               <a:ext uri="{FF2B5EF4-FFF2-40B4-BE49-F238E27FC236}">
-                <a16:creationId xmlns:a16="http://schemas.microsoft.com/office/drawing/2014/main" id="{CEF23298-7DFC-AA0C-2507-91CF77FB98D2}"/>
+                <a16:creationId xmlns:a16="http://schemas.microsoft.com/office/drawing/2014/main" xmlns="" id="{CEF23298-7DFC-AA0C-2507-91CF77FB98D2}"/>
               </a:ext>
             </a:extLst>
           </p:cNvPr>
@@ -17956,7 +21730,7 @@
           <p:cNvPr id="4" name="Picture 3" descr="Logo, company name&#10;&#10;Description automatically generated">
             <a:extLst>
               <a:ext uri="{FF2B5EF4-FFF2-40B4-BE49-F238E27FC236}">
-                <a16:creationId xmlns:a16="http://schemas.microsoft.com/office/drawing/2014/main" id="{F5B40B1E-49F7-1EDB-E047-4A662C78E836}"/>
+                <a16:creationId xmlns:a16="http://schemas.microsoft.com/office/drawing/2014/main" xmlns="" id="{F5B40B1E-49F7-1EDB-E047-4A662C78E836}"/>
               </a:ext>
             </a:extLst>
           </p:cNvPr>
@@ -18022,7 +21796,7 @@
           <p:cNvPr id="3" name="TextBox 2">
             <a:extLst>
               <a:ext uri="{FF2B5EF4-FFF2-40B4-BE49-F238E27FC236}">
-                <a16:creationId xmlns:a16="http://schemas.microsoft.com/office/drawing/2014/main" id="{31DA78B5-C4E8-2D27-D321-107258CFA1C8}"/>
+                <a16:creationId xmlns:a16="http://schemas.microsoft.com/office/drawing/2014/main" xmlns="" id="{31DA78B5-C4E8-2D27-D321-107258CFA1C8}"/>
               </a:ext>
             </a:extLst>
           </p:cNvPr>
@@ -18279,7 +22053,7 @@
           <p:cNvPr id="2" name="Title 1">
             <a:extLst>
               <a:ext uri="{FF2B5EF4-FFF2-40B4-BE49-F238E27FC236}">
-                <a16:creationId xmlns:a16="http://schemas.microsoft.com/office/drawing/2014/main" id="{DFB9C914-3151-D425-EA04-F0DB9CDE2BCA}"/>
+                <a16:creationId xmlns:a16="http://schemas.microsoft.com/office/drawing/2014/main" xmlns="" id="{DFB9C914-3151-D425-EA04-F0DB9CDE2BCA}"/>
               </a:ext>
             </a:extLst>
           </p:cNvPr>
@@ -18303,6 +22077,14 @@
               </a:rPr>
               <a:t>Authentication by Ownership or Possession –</a:t>
             </a:r>
+            <a:r>
+              <a:rPr lang="en-CA" sz="1800" b="1" dirty="0">
+                <a:effectLst/>
+                <a:latin typeface="Times New Roman" panose="02020603050405020304" pitchFamily="18" charset="0"/>
+                <a:ea typeface="Times New Roman" panose="02020603050405020304" pitchFamily="18" charset="0"/>
+              </a:rPr>
+              <a:t/>
+            </a:r>
             <a:br>
               <a:rPr lang="en-CA" sz="1800" b="1" dirty="0">
                 <a:effectLst/>
@@ -18319,7 +22101,7 @@
           <p:cNvPr id="4" name="Content Placeholder 3">
             <a:extLst>
               <a:ext uri="{FF2B5EF4-FFF2-40B4-BE49-F238E27FC236}">
-                <a16:creationId xmlns:a16="http://schemas.microsoft.com/office/drawing/2014/main" id="{CBB1D20F-4F78-F768-BDD4-609FA9196790}"/>
+                <a16:creationId xmlns:a16="http://schemas.microsoft.com/office/drawing/2014/main" xmlns="" id="{CBB1D20F-4F78-F768-BDD4-609FA9196790}"/>
               </a:ext>
             </a:extLst>
           </p:cNvPr>
@@ -18357,7 +22139,7 @@
           <p:cNvPr id="6" name="TextBox 5">
             <a:extLst>
               <a:ext uri="{FF2B5EF4-FFF2-40B4-BE49-F238E27FC236}">
-                <a16:creationId xmlns:a16="http://schemas.microsoft.com/office/drawing/2014/main" id="{EED8C35E-6BCB-DF97-5254-F38C360AF21B}"/>
+                <a16:creationId xmlns:a16="http://schemas.microsoft.com/office/drawing/2014/main" xmlns="" id="{EED8C35E-6BCB-DF97-5254-F38C360AF21B}"/>
               </a:ext>
             </a:extLst>
           </p:cNvPr>

--- a/Access Control.pptx
+++ b/Access Control.pptx
@@ -19,45 +19,44 @@
     <p:sldId id="292" r:id="rId13"/>
     <p:sldId id="293" r:id="rId14"/>
     <p:sldId id="294" r:id="rId15"/>
-    <p:sldId id="295" r:id="rId16"/>
-    <p:sldId id="257" r:id="rId17"/>
-    <p:sldId id="314" r:id="rId18"/>
-    <p:sldId id="258" r:id="rId19"/>
-    <p:sldId id="259" r:id="rId20"/>
-    <p:sldId id="264" r:id="rId21"/>
-    <p:sldId id="265" r:id="rId22"/>
-    <p:sldId id="266" r:id="rId23"/>
-    <p:sldId id="267" r:id="rId24"/>
-    <p:sldId id="268" r:id="rId25"/>
-    <p:sldId id="269" r:id="rId26"/>
-    <p:sldId id="270" r:id="rId27"/>
-    <p:sldId id="271" r:id="rId28"/>
-    <p:sldId id="272" r:id="rId29"/>
-    <p:sldId id="273" r:id="rId30"/>
-    <p:sldId id="274" r:id="rId31"/>
-    <p:sldId id="275" r:id="rId32"/>
-    <p:sldId id="276" r:id="rId33"/>
-    <p:sldId id="278" r:id="rId34"/>
-    <p:sldId id="279" r:id="rId35"/>
-    <p:sldId id="280" r:id="rId36"/>
-    <p:sldId id="281" r:id="rId37"/>
-    <p:sldId id="296" r:id="rId38"/>
-    <p:sldId id="297" r:id="rId39"/>
-    <p:sldId id="298" r:id="rId40"/>
-    <p:sldId id="299" r:id="rId41"/>
-    <p:sldId id="300" r:id="rId42"/>
-    <p:sldId id="312" r:id="rId43"/>
-    <p:sldId id="301" r:id="rId44"/>
-    <p:sldId id="302" r:id="rId45"/>
-    <p:sldId id="306" r:id="rId46"/>
-    <p:sldId id="303" r:id="rId47"/>
-    <p:sldId id="304" r:id="rId48"/>
-    <p:sldId id="313" r:id="rId49"/>
-    <p:sldId id="305" r:id="rId50"/>
-    <p:sldId id="307" r:id="rId51"/>
-    <p:sldId id="308" r:id="rId52"/>
-    <p:sldId id="309" r:id="rId53"/>
-    <p:sldId id="311" r:id="rId54"/>
+    <p:sldId id="257" r:id="rId16"/>
+    <p:sldId id="314" r:id="rId17"/>
+    <p:sldId id="258" r:id="rId18"/>
+    <p:sldId id="259" r:id="rId19"/>
+    <p:sldId id="264" r:id="rId20"/>
+    <p:sldId id="265" r:id="rId21"/>
+    <p:sldId id="266" r:id="rId22"/>
+    <p:sldId id="267" r:id="rId23"/>
+    <p:sldId id="268" r:id="rId24"/>
+    <p:sldId id="269" r:id="rId25"/>
+    <p:sldId id="270" r:id="rId26"/>
+    <p:sldId id="271" r:id="rId27"/>
+    <p:sldId id="272" r:id="rId28"/>
+    <p:sldId id="273" r:id="rId29"/>
+    <p:sldId id="274" r:id="rId30"/>
+    <p:sldId id="275" r:id="rId31"/>
+    <p:sldId id="276" r:id="rId32"/>
+    <p:sldId id="278" r:id="rId33"/>
+    <p:sldId id="279" r:id="rId34"/>
+    <p:sldId id="280" r:id="rId35"/>
+    <p:sldId id="281" r:id="rId36"/>
+    <p:sldId id="296" r:id="rId37"/>
+    <p:sldId id="297" r:id="rId38"/>
+    <p:sldId id="298" r:id="rId39"/>
+    <p:sldId id="299" r:id="rId40"/>
+    <p:sldId id="300" r:id="rId41"/>
+    <p:sldId id="312" r:id="rId42"/>
+    <p:sldId id="301" r:id="rId43"/>
+    <p:sldId id="302" r:id="rId44"/>
+    <p:sldId id="306" r:id="rId45"/>
+    <p:sldId id="303" r:id="rId46"/>
+    <p:sldId id="304" r:id="rId47"/>
+    <p:sldId id="313" r:id="rId48"/>
+    <p:sldId id="305" r:id="rId49"/>
+    <p:sldId id="307" r:id="rId50"/>
+    <p:sldId id="308" r:id="rId51"/>
+    <p:sldId id="309" r:id="rId52"/>
+    <p:sldId id="311" r:id="rId53"/>
   </p:sldIdLst>
   <p:sldSz cx="12192000" cy="6858000"/>
   <p:notesSz cx="6858000" cy="9144000"/>
@@ -2897,13 +2896,6 @@
         </dgm:presLayoutVars>
       </dgm:prSet>
       <dgm:spPr/>
-      <dgm:t>
-        <a:bodyPr/>
-        <a:lstStyle/>
-        <a:p>
-          <a:endParaRPr lang="en-IN"/>
-        </a:p>
-      </dgm:t>
     </dgm:pt>
     <dgm:pt modelId="{C7F8F3D7-A369-471C-AC7F-FE9131182E31}" type="pres">
       <dgm:prSet presAssocID="{C55032F1-EE27-42FB-9679-80943F047BEE}" presName="node" presStyleLbl="node1" presStyleIdx="0" presStyleCnt="6">
@@ -2912,13 +2904,6 @@
         </dgm:presLayoutVars>
       </dgm:prSet>
       <dgm:spPr/>
-      <dgm:t>
-        <a:bodyPr/>
-        <a:lstStyle/>
-        <a:p>
-          <a:endParaRPr lang="en-IN"/>
-        </a:p>
-      </dgm:t>
     </dgm:pt>
     <dgm:pt modelId="{86CDE5F8-9DA8-419D-9E4E-37588F27D3D8}" type="pres">
       <dgm:prSet presAssocID="{BC53DF4E-C97E-43BB-9CFB-32640EE076BE}" presName="sibTrans" presStyleCnt="0"/>
@@ -2931,13 +2916,6 @@
         </dgm:presLayoutVars>
       </dgm:prSet>
       <dgm:spPr/>
-      <dgm:t>
-        <a:bodyPr/>
-        <a:lstStyle/>
-        <a:p>
-          <a:endParaRPr lang="en-IN"/>
-        </a:p>
-      </dgm:t>
     </dgm:pt>
     <dgm:pt modelId="{6A8CFE5D-F138-42FC-82FD-0CBC86953EBE}" type="pres">
       <dgm:prSet presAssocID="{B70C4AA6-E06C-452F-86C5-FD5F74DEB1CD}" presName="sibTrans" presStyleCnt="0"/>
@@ -2950,13 +2928,6 @@
         </dgm:presLayoutVars>
       </dgm:prSet>
       <dgm:spPr/>
-      <dgm:t>
-        <a:bodyPr/>
-        <a:lstStyle/>
-        <a:p>
-          <a:endParaRPr lang="en-IN"/>
-        </a:p>
-      </dgm:t>
     </dgm:pt>
     <dgm:pt modelId="{8BFBB260-C914-43B8-A09A-953BBB340B1F}" type="pres">
       <dgm:prSet presAssocID="{80868E65-9E12-4146-B0FC-8F15BE2C1835}" presName="sibTrans" presStyleCnt="0"/>
@@ -2969,13 +2940,6 @@
         </dgm:presLayoutVars>
       </dgm:prSet>
       <dgm:spPr/>
-      <dgm:t>
-        <a:bodyPr/>
-        <a:lstStyle/>
-        <a:p>
-          <a:endParaRPr lang="en-IN"/>
-        </a:p>
-      </dgm:t>
     </dgm:pt>
     <dgm:pt modelId="{6CB59972-9F9B-40F7-B36D-A02D3FF52823}" type="pres">
       <dgm:prSet presAssocID="{3DEB147B-BB28-4B64-840F-A5AEE932A414}" presName="sibTrans" presStyleCnt="0"/>
@@ -2988,13 +2952,6 @@
         </dgm:presLayoutVars>
       </dgm:prSet>
       <dgm:spPr/>
-      <dgm:t>
-        <a:bodyPr/>
-        <a:lstStyle/>
-        <a:p>
-          <a:endParaRPr lang="en-IN"/>
-        </a:p>
-      </dgm:t>
     </dgm:pt>
     <dgm:pt modelId="{A09643FE-93DA-4D8A-AD7A-224DF899DF85}" type="pres">
       <dgm:prSet presAssocID="{D5672B9D-9C5D-4DCF-8A1D-F2E4311A5F97}" presName="sibTrans" presStyleCnt="0"/>
@@ -3007,31 +2964,24 @@
         </dgm:presLayoutVars>
       </dgm:prSet>
       <dgm:spPr/>
-      <dgm:t>
-        <a:bodyPr/>
-        <a:lstStyle/>
-        <a:p>
-          <a:endParaRPr lang="en-IN"/>
-        </a:p>
-      </dgm:t>
     </dgm:pt>
   </dgm:ptLst>
   <dgm:cxnLst>
+    <dgm:cxn modelId="{0A3DF302-08AB-4BAF-A12B-0F9EDB2E26F1}" type="presOf" srcId="{B367C159-E1D9-4D4C-86C1-A642C836C080}" destId="{1E2DF200-FA46-4D0B-8B93-B730F1A71398}" srcOrd="0" destOrd="1" presId="urn:microsoft.com/office/officeart/2005/8/layout/default"/>
+    <dgm:cxn modelId="{D9E8040C-3605-4491-8ACA-0D32DC60AE2F}" type="presOf" srcId="{C55032F1-EE27-42FB-9679-80943F047BEE}" destId="{C7F8F3D7-A369-471C-AC7F-FE9131182E31}" srcOrd="0" destOrd="0" presId="urn:microsoft.com/office/officeart/2005/8/layout/default"/>
+    <dgm:cxn modelId="{8FD40B15-0334-4BAD-A49D-6F86B67C1B82}" type="presOf" srcId="{F6B622AB-9027-41A3-9707-A72F50CD5807}" destId="{3729C463-70F4-4F95-AF9D-E2A6AE00B32A}" srcOrd="0" destOrd="0" presId="urn:microsoft.com/office/officeart/2005/8/layout/default"/>
+    <dgm:cxn modelId="{5E6F411A-8448-4F50-9AF0-A95B10437474}" srcId="{F6B622AB-9027-41A3-9707-A72F50CD5807}" destId="{0BC30010-91FB-42BA-8065-39C727CE2F1B}" srcOrd="5" destOrd="0" parTransId="{0D628CFE-EDAD-4554-91F0-A65487D62953}" sibTransId="{839C1F0B-9A07-40FA-8B3F-F001E1E84356}"/>
+    <dgm:cxn modelId="{C9DA5E5E-86C5-4953-A691-1CAC9D88B962}" srcId="{F6B622AB-9027-41A3-9707-A72F50CD5807}" destId="{24CE745A-0D10-4B4C-8186-696CD4B7EE97}" srcOrd="1" destOrd="0" parTransId="{D3547CCC-81AA-49A0-80D5-97D94DB687CF}" sibTransId="{B70C4AA6-E06C-452F-86C5-FD5F74DEB1CD}"/>
+    <dgm:cxn modelId="{46A0E162-DA37-4154-BC41-8FA53F910FD3}" srcId="{F6B622AB-9027-41A3-9707-A72F50CD5807}" destId="{9EFEC448-56D7-4D55-868D-C559A7CB31FC}" srcOrd="4" destOrd="0" parTransId="{0FB627C6-D18D-48F8-8EE7-E79F4FE90BC5}" sibTransId="{D5672B9D-9C5D-4DCF-8A1D-F2E4311A5F97}"/>
+    <dgm:cxn modelId="{6030B04D-B9BA-41C6-B552-F93AB7AB392C}" type="presOf" srcId="{89C4CAF3-10F1-4BB7-806E-C2635DA86032}" destId="{A1D035BD-86CD-4157-82EE-86CEE6A931D6}" srcOrd="0" destOrd="0" presId="urn:microsoft.com/office/officeart/2005/8/layout/default"/>
+    <dgm:cxn modelId="{A2127D55-E768-4FE1-A0CA-57AEA302F10C}" srcId="{F6B622AB-9027-41A3-9707-A72F50CD5807}" destId="{C55032F1-EE27-42FB-9679-80943F047BEE}" srcOrd="0" destOrd="0" parTransId="{B5927909-A264-4FBB-9C6E-4D84202F0ECE}" sibTransId="{BC53DF4E-C97E-43BB-9CFB-32640EE076BE}"/>
+    <dgm:cxn modelId="{8512B875-7401-4978-A050-2DB6C24088C7}" type="presOf" srcId="{24CE745A-0D10-4B4C-8186-696CD4B7EE97}" destId="{1B1BA98E-B5F3-449D-B582-AAFBB51C910A}" srcOrd="0" destOrd="0" presId="urn:microsoft.com/office/officeart/2005/8/layout/default"/>
+    <dgm:cxn modelId="{1A3A9377-F0DD-4822-9784-6A2E74C9FE34}" type="presOf" srcId="{9EFEC448-56D7-4D55-868D-C559A7CB31FC}" destId="{CAB0017A-D6AD-4444-8A5A-980E77A2CEF4}" srcOrd="0" destOrd="0" presId="urn:microsoft.com/office/officeart/2005/8/layout/default"/>
+    <dgm:cxn modelId="{90E86980-B6E8-4289-A35B-76B20AC4F02C}" srcId="{F6B622AB-9027-41A3-9707-A72F50CD5807}" destId="{89C4CAF3-10F1-4BB7-806E-C2635DA86032}" srcOrd="3" destOrd="0" parTransId="{7A478E23-0547-48DE-A11D-EFF05D67183A}" sibTransId="{3DEB147B-BB28-4B64-840F-A5AEE932A414}"/>
+    <dgm:cxn modelId="{BA6E1C98-80DB-4069-9075-9AEDDF7C33A2}" type="presOf" srcId="{97A8709C-A876-4D57-9B1D-65F2AB42E732}" destId="{1E2DF200-FA46-4D0B-8B93-B730F1A71398}" srcOrd="0" destOrd="0" presId="urn:microsoft.com/office/officeart/2005/8/layout/default"/>
+    <dgm:cxn modelId="{7F5A84C4-99C1-4679-9A50-034B4F659528}" srcId="{97A8709C-A876-4D57-9B1D-65F2AB42E732}" destId="{B367C159-E1D9-4D4C-86C1-A642C836C080}" srcOrd="0" destOrd="0" parTransId="{557DB066-7161-41F4-9E58-2EEFC2F8D840}" sibTransId="{2E93885D-9B3F-4BD9-9E5A-96F157DF0E0D}"/>
+    <dgm:cxn modelId="{1D36F7E5-D0D6-4E60-98FD-E1A72D9DBBF8}" type="presOf" srcId="{0BC30010-91FB-42BA-8065-39C727CE2F1B}" destId="{15A287F3-1860-4074-AFE6-DC2A10E6A946}" srcOrd="0" destOrd="0" presId="urn:microsoft.com/office/officeart/2005/8/layout/default"/>
     <dgm:cxn modelId="{459BDAF1-5F44-4EB7-BD41-21DE32CD0AFE}" srcId="{F6B622AB-9027-41A3-9707-A72F50CD5807}" destId="{97A8709C-A876-4D57-9B1D-65F2AB42E732}" srcOrd="2" destOrd="0" parTransId="{7867ADE4-64A0-410E-820C-5DE633D00FC6}" sibTransId="{80868E65-9E12-4146-B0FC-8F15BE2C1835}"/>
-    <dgm:cxn modelId="{8FD40B15-0334-4BAD-A49D-6F86B67C1B82}" type="presOf" srcId="{F6B622AB-9027-41A3-9707-A72F50CD5807}" destId="{3729C463-70F4-4F95-AF9D-E2A6AE00B32A}" srcOrd="0" destOrd="0" presId="urn:microsoft.com/office/officeart/2005/8/layout/default"/>
-    <dgm:cxn modelId="{8512B875-7401-4978-A050-2DB6C24088C7}" type="presOf" srcId="{24CE745A-0D10-4B4C-8186-696CD4B7EE97}" destId="{1B1BA98E-B5F3-449D-B582-AAFBB51C910A}" srcOrd="0" destOrd="0" presId="urn:microsoft.com/office/officeart/2005/8/layout/default"/>
-    <dgm:cxn modelId="{7F5A84C4-99C1-4679-9A50-034B4F659528}" srcId="{97A8709C-A876-4D57-9B1D-65F2AB42E732}" destId="{B367C159-E1D9-4D4C-86C1-A642C836C080}" srcOrd="0" destOrd="0" parTransId="{557DB066-7161-41F4-9E58-2EEFC2F8D840}" sibTransId="{2E93885D-9B3F-4BD9-9E5A-96F157DF0E0D}"/>
-    <dgm:cxn modelId="{6030B04D-B9BA-41C6-B552-F93AB7AB392C}" type="presOf" srcId="{89C4CAF3-10F1-4BB7-806E-C2635DA86032}" destId="{A1D035BD-86CD-4157-82EE-86CEE6A931D6}" srcOrd="0" destOrd="0" presId="urn:microsoft.com/office/officeart/2005/8/layout/default"/>
-    <dgm:cxn modelId="{D9E8040C-3605-4491-8ACA-0D32DC60AE2F}" type="presOf" srcId="{C55032F1-EE27-42FB-9679-80943F047BEE}" destId="{C7F8F3D7-A369-471C-AC7F-FE9131182E31}" srcOrd="0" destOrd="0" presId="urn:microsoft.com/office/officeart/2005/8/layout/default"/>
-    <dgm:cxn modelId="{5E6F411A-8448-4F50-9AF0-A95B10437474}" srcId="{F6B622AB-9027-41A3-9707-A72F50CD5807}" destId="{0BC30010-91FB-42BA-8065-39C727CE2F1B}" srcOrd="5" destOrd="0" parTransId="{0D628CFE-EDAD-4554-91F0-A65487D62953}" sibTransId="{839C1F0B-9A07-40FA-8B3F-F001E1E84356}"/>
-    <dgm:cxn modelId="{1D36F7E5-D0D6-4E60-98FD-E1A72D9DBBF8}" type="presOf" srcId="{0BC30010-91FB-42BA-8065-39C727CE2F1B}" destId="{15A287F3-1860-4074-AFE6-DC2A10E6A946}" srcOrd="0" destOrd="0" presId="urn:microsoft.com/office/officeart/2005/8/layout/default"/>
-    <dgm:cxn modelId="{1A3A9377-F0DD-4822-9784-6A2E74C9FE34}" type="presOf" srcId="{9EFEC448-56D7-4D55-868D-C559A7CB31FC}" destId="{CAB0017A-D6AD-4444-8A5A-980E77A2CEF4}" srcOrd="0" destOrd="0" presId="urn:microsoft.com/office/officeart/2005/8/layout/default"/>
-    <dgm:cxn modelId="{0A3DF302-08AB-4BAF-A12B-0F9EDB2E26F1}" type="presOf" srcId="{B367C159-E1D9-4D4C-86C1-A642C836C080}" destId="{1E2DF200-FA46-4D0B-8B93-B730F1A71398}" srcOrd="0" destOrd="1" presId="urn:microsoft.com/office/officeart/2005/8/layout/default"/>
-    <dgm:cxn modelId="{46A0E162-DA37-4154-BC41-8FA53F910FD3}" srcId="{F6B622AB-9027-41A3-9707-A72F50CD5807}" destId="{9EFEC448-56D7-4D55-868D-C559A7CB31FC}" srcOrd="4" destOrd="0" parTransId="{0FB627C6-D18D-48F8-8EE7-E79F4FE90BC5}" sibTransId="{D5672B9D-9C5D-4DCF-8A1D-F2E4311A5F97}"/>
-    <dgm:cxn modelId="{C9DA5E5E-86C5-4953-A691-1CAC9D88B962}" srcId="{F6B622AB-9027-41A3-9707-A72F50CD5807}" destId="{24CE745A-0D10-4B4C-8186-696CD4B7EE97}" srcOrd="1" destOrd="0" parTransId="{D3547CCC-81AA-49A0-80D5-97D94DB687CF}" sibTransId="{B70C4AA6-E06C-452F-86C5-FD5F74DEB1CD}"/>
-    <dgm:cxn modelId="{A2127D55-E768-4FE1-A0CA-57AEA302F10C}" srcId="{F6B622AB-9027-41A3-9707-A72F50CD5807}" destId="{C55032F1-EE27-42FB-9679-80943F047BEE}" srcOrd="0" destOrd="0" parTransId="{B5927909-A264-4FBB-9C6E-4D84202F0ECE}" sibTransId="{BC53DF4E-C97E-43BB-9CFB-32640EE076BE}"/>
-    <dgm:cxn modelId="{BA6E1C98-80DB-4069-9075-9AEDDF7C33A2}" type="presOf" srcId="{97A8709C-A876-4D57-9B1D-65F2AB42E732}" destId="{1E2DF200-FA46-4D0B-8B93-B730F1A71398}" srcOrd="0" destOrd="0" presId="urn:microsoft.com/office/officeart/2005/8/layout/default"/>
-    <dgm:cxn modelId="{90E86980-B6E8-4289-A35B-76B20AC4F02C}" srcId="{F6B622AB-9027-41A3-9707-A72F50CD5807}" destId="{89C4CAF3-10F1-4BB7-806E-C2635DA86032}" srcOrd="3" destOrd="0" parTransId="{7A478E23-0547-48DE-A11D-EFF05D67183A}" sibTransId="{3DEB147B-BB28-4B64-840F-A5AEE932A414}"/>
     <dgm:cxn modelId="{AE165CDB-9173-4372-B4C3-B1AD6A394F46}" type="presParOf" srcId="{3729C463-70F4-4F95-AF9D-E2A6AE00B32A}" destId="{C7F8F3D7-A369-471C-AC7F-FE9131182E31}" srcOrd="0" destOrd="0" presId="urn:microsoft.com/office/officeart/2005/8/layout/default"/>
     <dgm:cxn modelId="{BD89A7EE-99E8-4AC8-A90D-119A06717979}" type="presParOf" srcId="{3729C463-70F4-4F95-AF9D-E2A6AE00B32A}" destId="{86CDE5F8-9DA8-419D-9E4E-37588F27D3D8}" srcOrd="1" destOrd="0" presId="urn:microsoft.com/office/officeart/2005/8/layout/default"/>
     <dgm:cxn modelId="{CC76738A-7665-4500-80A4-7ED095FCB923}" type="presParOf" srcId="{3729C463-70F4-4F95-AF9D-E2A6AE00B32A}" destId="{1B1BA98E-B5F3-449D-B582-AAFBB51C910A}" srcOrd="2" destOrd="0" presId="urn:microsoft.com/office/officeart/2005/8/layout/default"/>
@@ -3076,7 +3026,7 @@
         <a:lstStyle/>
         <a:p>
           <a:r>
-            <a:rPr lang="en-US" dirty="0" smtClean="0"/>
+            <a:rPr lang="en-US" dirty="0"/>
             <a:t>What is infrastructure network?</a:t>
           </a:r>
           <a:endParaRPr lang="en-IN" dirty="0"/>
@@ -3113,7 +3063,7 @@
         <a:lstStyle/>
         <a:p>
           <a:r>
-            <a:rPr lang="en-US" dirty="0" smtClean="0"/>
+            <a:rPr lang="en-US" dirty="0"/>
             <a:t>What is Infrastructure Access control?</a:t>
           </a:r>
           <a:endParaRPr lang="en-IN" dirty="0"/>
@@ -3150,7 +3100,7 @@
         <a:lstStyle/>
         <a:p>
           <a:r>
-            <a:rPr lang="en-US" dirty="0" smtClean="0"/>
+            <a:rPr lang="en-US" dirty="0"/>
             <a:t>What types of controls are included?</a:t>
           </a:r>
           <a:endParaRPr lang="en-IN" dirty="0"/>
@@ -3202,13 +3152,6 @@
         </dgm:presLayoutVars>
       </dgm:prSet>
       <dgm:spPr/>
-      <dgm:t>
-        <a:bodyPr/>
-        <a:lstStyle/>
-        <a:p>
-          <a:endParaRPr lang="en-IN"/>
-        </a:p>
-      </dgm:t>
     </dgm:pt>
     <dgm:pt modelId="{74432A31-4DFA-4163-89D0-23E737EA0FA9}" type="pres">
       <dgm:prSet presAssocID="{4D2E1BBF-A0C6-4639-BDF6-3D2CE8923210}" presName="ThreeNodes_2" presStyleLbl="node1" presStyleIdx="1" presStyleCnt="3" custLinFactNeighborX="7019" custLinFactNeighborY="-3366">
@@ -3217,13 +3160,6 @@
         </dgm:presLayoutVars>
       </dgm:prSet>
       <dgm:spPr/>
-      <dgm:t>
-        <a:bodyPr/>
-        <a:lstStyle/>
-        <a:p>
-          <a:endParaRPr lang="en-IN"/>
-        </a:p>
-      </dgm:t>
     </dgm:pt>
     <dgm:pt modelId="{A8C7FBC2-B312-4E17-A1AF-A76B75FD191D}" type="pres">
       <dgm:prSet presAssocID="{4D2E1BBF-A0C6-4639-BDF6-3D2CE8923210}" presName="ThreeNodes_3" presStyleLbl="node1" presStyleIdx="2" presStyleCnt="3" custLinFactNeighborX="-1761" custLinFactNeighborY="-18236">
@@ -3232,13 +3168,6 @@
         </dgm:presLayoutVars>
       </dgm:prSet>
       <dgm:spPr/>
-      <dgm:t>
-        <a:bodyPr/>
-        <a:lstStyle/>
-        <a:p>
-          <a:endParaRPr lang="en-IN"/>
-        </a:p>
-      </dgm:t>
     </dgm:pt>
     <dgm:pt modelId="{42CDF27F-D738-4287-A495-60695194D735}" type="pres">
       <dgm:prSet presAssocID="{4D2E1BBF-A0C6-4639-BDF6-3D2CE8923210}" presName="ThreeConn_1-2" presStyleLbl="fgAccFollowNode1" presStyleIdx="0" presStyleCnt="2" custFlipVert="0" custFlipHor="0" custScaleX="6046" custScaleY="6046" custLinFactNeighborX="98316" custLinFactNeighborY="-8254">
@@ -3263,13 +3192,6 @@
         </dgm:presLayoutVars>
       </dgm:prSet>
       <dgm:spPr/>
-      <dgm:t>
-        <a:bodyPr/>
-        <a:lstStyle/>
-        <a:p>
-          <a:endParaRPr lang="en-IN"/>
-        </a:p>
-      </dgm:t>
     </dgm:pt>
     <dgm:pt modelId="{9AC131FC-919F-49DC-86D3-2B5A9E4664ED}" type="pres">
       <dgm:prSet presAssocID="{4D2E1BBF-A0C6-4639-BDF6-3D2CE8923210}" presName="ThreeNodes_2_text" presStyleLbl="node1" presStyleIdx="2" presStyleCnt="3">
@@ -3278,13 +3200,6 @@
         </dgm:presLayoutVars>
       </dgm:prSet>
       <dgm:spPr/>
-      <dgm:t>
-        <a:bodyPr/>
-        <a:lstStyle/>
-        <a:p>
-          <a:endParaRPr lang="en-IN"/>
-        </a:p>
-      </dgm:t>
     </dgm:pt>
     <dgm:pt modelId="{0A22D199-9F1B-4530-BEFE-D0802AF1EA46}" type="pres">
       <dgm:prSet presAssocID="{4D2E1BBF-A0C6-4639-BDF6-3D2CE8923210}" presName="ThreeNodes_3_text" presStyleLbl="node1" presStyleIdx="2" presStyleCnt="3">
@@ -3293,28 +3208,21 @@
         </dgm:presLayoutVars>
       </dgm:prSet>
       <dgm:spPr/>
-      <dgm:t>
-        <a:bodyPr/>
-        <a:lstStyle/>
-        <a:p>
-          <a:endParaRPr lang="en-IN"/>
-        </a:p>
-      </dgm:t>
     </dgm:pt>
   </dgm:ptLst>
   <dgm:cxnLst>
+    <dgm:cxn modelId="{2993CB33-C4A5-4158-B0BA-CD682120C58F}" type="presOf" srcId="{9390BDE3-56F1-4263-B4A9-29B5D007D26B}" destId="{A8C7FBC2-B312-4E17-A1AF-A76B75FD191D}" srcOrd="0" destOrd="0" presId="urn:microsoft.com/office/officeart/2005/8/layout/vProcess5"/>
     <dgm:cxn modelId="{B2FA6F5D-7AFF-4E31-B66D-4DFA9CE2FD71}" type="presOf" srcId="{17AD8DFC-38EB-4E7F-BA3A-90E5D95F97BC}" destId="{0C3AFCAB-57F0-4E5E-9A33-D0E160C2D23C}" srcOrd="0" destOrd="0" presId="urn:microsoft.com/office/officeart/2005/8/layout/vProcess5"/>
-    <dgm:cxn modelId="{3C88B6DD-3C8E-491E-ADEB-04D4327742A3}" srcId="{4D2E1BBF-A0C6-4639-BDF6-3D2CE8923210}" destId="{9998F440-92E7-478D-A3D4-EDF8B10C082E}" srcOrd="0" destOrd="0" parTransId="{5993BE3F-1B7D-4706-978F-878E897CE1AD}" sibTransId="{6AD28C29-C536-4071-A15D-C6234E45823F}"/>
-    <dgm:cxn modelId="{B3F34CC1-7725-47B2-9883-92208FF9CABD}" type="presOf" srcId="{0406EC67-8C49-4614-927C-77E6AB446E6B}" destId="{9AC131FC-919F-49DC-86D3-2B5A9E4664ED}" srcOrd="1" destOrd="0" presId="urn:microsoft.com/office/officeart/2005/8/layout/vProcess5"/>
-    <dgm:cxn modelId="{212D8DA5-4359-43DA-9128-DA0469BF4C37}" type="presOf" srcId="{9998F440-92E7-478D-A3D4-EDF8B10C082E}" destId="{1E499AA5-6471-446B-8083-28A6C081AEDE}" srcOrd="0" destOrd="0" presId="urn:microsoft.com/office/officeart/2005/8/layout/vProcess5"/>
     <dgm:cxn modelId="{42E83977-82E2-4079-A663-6AE3A05B6EBE}" srcId="{4D2E1BBF-A0C6-4639-BDF6-3D2CE8923210}" destId="{0406EC67-8C49-4614-927C-77E6AB446E6B}" srcOrd="1" destOrd="0" parTransId="{C4EDD07B-1978-44AB-940C-DAFE1158F450}" sibTransId="{17AD8DFC-38EB-4E7F-BA3A-90E5D95F97BC}"/>
     <dgm:cxn modelId="{35F70B79-EA2D-41DE-8D3C-B6F720B52695}" type="presOf" srcId="{9998F440-92E7-478D-A3D4-EDF8B10C082E}" destId="{6F3889D7-3E55-411A-954D-892CA1DABEF5}" srcOrd="1" destOrd="0" presId="urn:microsoft.com/office/officeart/2005/8/layout/vProcess5"/>
     <dgm:cxn modelId="{983C3D86-28F5-4C98-AA73-D97A449C1D3E}" srcId="{4D2E1BBF-A0C6-4639-BDF6-3D2CE8923210}" destId="{9390BDE3-56F1-4263-B4A9-29B5D007D26B}" srcOrd="2" destOrd="0" parTransId="{188A5123-5BEA-4D7B-B3A3-CCFDBAF48519}" sibTransId="{A8FE2C24-6CE1-43E9-BA64-778B6520D19D}"/>
-    <dgm:cxn modelId="{496ACBA4-A309-45F0-AC98-BF82366FAD88}" type="presOf" srcId="{9390BDE3-56F1-4263-B4A9-29B5D007D26B}" destId="{0A22D199-9F1B-4530-BEFE-D0802AF1EA46}" srcOrd="1" destOrd="0" presId="urn:microsoft.com/office/officeart/2005/8/layout/vProcess5"/>
-    <dgm:cxn modelId="{A2D1A0FA-1615-4AFC-97AA-0A555EC02009}" type="presOf" srcId="{0406EC67-8C49-4614-927C-77E6AB446E6B}" destId="{74432A31-4DFA-4163-89D0-23E737EA0FA9}" srcOrd="0" destOrd="0" presId="urn:microsoft.com/office/officeart/2005/8/layout/vProcess5"/>
-    <dgm:cxn modelId="{2993CB33-C4A5-4158-B0BA-CD682120C58F}" type="presOf" srcId="{9390BDE3-56F1-4263-B4A9-29B5D007D26B}" destId="{A8C7FBC2-B312-4E17-A1AF-A76B75FD191D}" srcOrd="0" destOrd="0" presId="urn:microsoft.com/office/officeart/2005/8/layout/vProcess5"/>
     <dgm:cxn modelId="{CF3E638C-3266-4674-8F5D-27E1BD10237E}" type="presOf" srcId="{4D2E1BBF-A0C6-4639-BDF6-3D2CE8923210}" destId="{486CFC89-F731-47B6-9D4E-B8410857783F}" srcOrd="0" destOrd="0" presId="urn:microsoft.com/office/officeart/2005/8/layout/vProcess5"/>
     <dgm:cxn modelId="{5F0A1197-0C40-4562-BA90-A564DD2D72EB}" type="presOf" srcId="{6AD28C29-C536-4071-A15D-C6234E45823F}" destId="{42CDF27F-D738-4287-A495-60695194D735}" srcOrd="0" destOrd="0" presId="urn:microsoft.com/office/officeart/2005/8/layout/vProcess5"/>
+    <dgm:cxn modelId="{496ACBA4-A309-45F0-AC98-BF82366FAD88}" type="presOf" srcId="{9390BDE3-56F1-4263-B4A9-29B5D007D26B}" destId="{0A22D199-9F1B-4530-BEFE-D0802AF1EA46}" srcOrd="1" destOrd="0" presId="urn:microsoft.com/office/officeart/2005/8/layout/vProcess5"/>
+    <dgm:cxn modelId="{212D8DA5-4359-43DA-9128-DA0469BF4C37}" type="presOf" srcId="{9998F440-92E7-478D-A3D4-EDF8B10C082E}" destId="{1E499AA5-6471-446B-8083-28A6C081AEDE}" srcOrd="0" destOrd="0" presId="urn:microsoft.com/office/officeart/2005/8/layout/vProcess5"/>
+    <dgm:cxn modelId="{B3F34CC1-7725-47B2-9883-92208FF9CABD}" type="presOf" srcId="{0406EC67-8C49-4614-927C-77E6AB446E6B}" destId="{9AC131FC-919F-49DC-86D3-2B5A9E4664ED}" srcOrd="1" destOrd="0" presId="urn:microsoft.com/office/officeart/2005/8/layout/vProcess5"/>
+    <dgm:cxn modelId="{3C88B6DD-3C8E-491E-ADEB-04D4327742A3}" srcId="{4D2E1BBF-A0C6-4639-BDF6-3D2CE8923210}" destId="{9998F440-92E7-478D-A3D4-EDF8B10C082E}" srcOrd="0" destOrd="0" parTransId="{5993BE3F-1B7D-4706-978F-878E897CE1AD}" sibTransId="{6AD28C29-C536-4071-A15D-C6234E45823F}"/>
+    <dgm:cxn modelId="{A2D1A0FA-1615-4AFC-97AA-0A555EC02009}" type="presOf" srcId="{0406EC67-8C49-4614-927C-77E6AB446E6B}" destId="{74432A31-4DFA-4163-89D0-23E737EA0FA9}" srcOrd="0" destOrd="0" presId="urn:microsoft.com/office/officeart/2005/8/layout/vProcess5"/>
     <dgm:cxn modelId="{D59FC300-2992-4345-A557-836164DD31A9}" type="presParOf" srcId="{486CFC89-F731-47B6-9D4E-B8410857783F}" destId="{22593467-148A-4F26-9236-64938EA9709D}" srcOrd="0" destOrd="0" presId="urn:microsoft.com/office/officeart/2005/8/layout/vProcess5"/>
     <dgm:cxn modelId="{DE401027-2632-4BAA-8873-64949D363010}" type="presParOf" srcId="{486CFC89-F731-47B6-9D4E-B8410857783F}" destId="{1E499AA5-6471-446B-8083-28A6C081AEDE}" srcOrd="1" destOrd="0" presId="urn:microsoft.com/office/officeart/2005/8/layout/vProcess5"/>
     <dgm:cxn modelId="{17020026-3EA2-4851-9D54-3D7CE6397D7D}" type="presParOf" srcId="{486CFC89-F731-47B6-9D4E-B8410857783F}" destId="{74432A31-4DFA-4163-89D0-23E737EA0FA9}" srcOrd="2" destOrd="0" presId="urn:microsoft.com/office/officeart/2005/8/layout/vProcess5"/>
@@ -3537,13 +3445,6 @@
         </dgm:presLayoutVars>
       </dgm:prSet>
       <dgm:spPr/>
-      <dgm:t>
-        <a:bodyPr/>
-        <a:lstStyle/>
-        <a:p>
-          <a:endParaRPr lang="en-IN"/>
-        </a:p>
-      </dgm:t>
     </dgm:pt>
     <dgm:pt modelId="{EB434E6D-65BE-4868-8FB2-9A7288DC442C}" type="pres">
       <dgm:prSet presAssocID="{3568F368-9F52-4D47-9E5E-CABE98A42305}" presName="parentText" presStyleLbl="node1" presStyleIdx="0" presStyleCnt="5">
@@ -3553,13 +3454,6 @@
         </dgm:presLayoutVars>
       </dgm:prSet>
       <dgm:spPr/>
-      <dgm:t>
-        <a:bodyPr/>
-        <a:lstStyle/>
-        <a:p>
-          <a:endParaRPr lang="en-IN"/>
-        </a:p>
-      </dgm:t>
     </dgm:pt>
     <dgm:pt modelId="{AF5A6660-9D66-4058-9539-C0B6FED99EFE}" type="pres">
       <dgm:prSet presAssocID="{78B89F87-8BB7-42CF-848A-19601AE09B13}" presName="spacer" presStyleCnt="0"/>
@@ -3573,13 +3467,6 @@
         </dgm:presLayoutVars>
       </dgm:prSet>
       <dgm:spPr/>
-      <dgm:t>
-        <a:bodyPr/>
-        <a:lstStyle/>
-        <a:p>
-          <a:endParaRPr lang="en-IN"/>
-        </a:p>
-      </dgm:t>
     </dgm:pt>
     <dgm:pt modelId="{C288D79C-BA82-44D6-B4BC-BAA44826CC76}" type="pres">
       <dgm:prSet presAssocID="{B7BF0313-19D7-47F7-B302-42CD8C63D40A}" presName="spacer" presStyleCnt="0"/>
@@ -3593,13 +3480,6 @@
         </dgm:presLayoutVars>
       </dgm:prSet>
       <dgm:spPr/>
-      <dgm:t>
-        <a:bodyPr/>
-        <a:lstStyle/>
-        <a:p>
-          <a:endParaRPr lang="en-IN"/>
-        </a:p>
-      </dgm:t>
     </dgm:pt>
     <dgm:pt modelId="{8C50A02A-F167-4878-8519-14926E00BC59}" type="pres">
       <dgm:prSet presAssocID="{7F026B30-7546-44B0-BE6C-B85871003794}" presName="spacer" presStyleCnt="0"/>
@@ -3613,13 +3493,6 @@
         </dgm:presLayoutVars>
       </dgm:prSet>
       <dgm:spPr/>
-      <dgm:t>
-        <a:bodyPr/>
-        <a:lstStyle/>
-        <a:p>
-          <a:endParaRPr lang="en-IN"/>
-        </a:p>
-      </dgm:t>
     </dgm:pt>
     <dgm:pt modelId="{38E8B746-A771-4389-A093-35D7AAC5D290}" type="pres">
       <dgm:prSet presAssocID="{A8E82E35-E593-4FF6-B714-FDE71359A3CE}" presName="spacer" presStyleCnt="0"/>
@@ -3633,27 +3506,20 @@
         </dgm:presLayoutVars>
       </dgm:prSet>
       <dgm:spPr/>
-      <dgm:t>
-        <a:bodyPr/>
-        <a:lstStyle/>
-        <a:p>
-          <a:endParaRPr lang="en-IN"/>
-        </a:p>
-      </dgm:t>
     </dgm:pt>
   </dgm:ptLst>
   <dgm:cxnLst>
-    <dgm:cxn modelId="{FCFADECA-3FA4-489A-9D35-C6AC36FF710A}" srcId="{9B7E72E6-D000-45C6-B672-FF297ABEFB0E}" destId="{D5C49DED-F702-4383-9511-9403DFCF750A}" srcOrd="4" destOrd="0" parTransId="{DAEA8F22-C3BE-4573-94D5-BB8F869E2B94}" sibTransId="{6A16F1D9-CF18-491E-86C3-91D14899CAD7}"/>
+    <dgm:cxn modelId="{723F8F26-9104-4846-84D2-93B7BC5834F2}" type="presOf" srcId="{3786EA35-AB1D-49EA-8AFF-7D4F491DD495}" destId="{2468F7A1-6E3C-484C-B186-CA2794E27FFD}" srcOrd="0" destOrd="0" presId="urn:microsoft.com/office/officeart/2005/8/layout/vList2"/>
+    <dgm:cxn modelId="{37480B2F-5238-47E7-8474-E78106C31DD1}" type="presOf" srcId="{9B7E72E6-D000-45C6-B672-FF297ABEFB0E}" destId="{50916F50-E7EF-4234-8FD4-593664B3475F}" srcOrd="0" destOrd="0" presId="urn:microsoft.com/office/officeart/2005/8/layout/vList2"/>
+    <dgm:cxn modelId="{75D36C64-6A41-403B-AFED-3DA5C9E644AB}" type="presOf" srcId="{D5C49DED-F702-4383-9511-9403DFCF750A}" destId="{D45EF182-7EEC-46C0-B760-E6FAA49AD100}" srcOrd="0" destOrd="0" presId="urn:microsoft.com/office/officeart/2005/8/layout/vList2"/>
     <dgm:cxn modelId="{50038169-761B-4A7A-A3FC-B6D84D1E601B}" srcId="{9B7E72E6-D000-45C6-B672-FF297ABEFB0E}" destId="{977AFEF9-FD39-487F-9B35-4153E289E145}" srcOrd="2" destOrd="0" parTransId="{717098BF-0B3C-475A-ADD4-F4D5643720F6}" sibTransId="{7F026B30-7546-44B0-BE6C-B85871003794}"/>
     <dgm:cxn modelId="{B5B46671-339C-49D5-83DA-C62FE0D3A205}" srcId="{9B7E72E6-D000-45C6-B672-FF297ABEFB0E}" destId="{60467F30-AF8E-4DC7-9AC9-8E61E1911680}" srcOrd="1" destOrd="0" parTransId="{E1DABF51-6EF7-4AAD-8193-ABF765695243}" sibTransId="{B7BF0313-19D7-47F7-B302-42CD8C63D40A}"/>
-    <dgm:cxn modelId="{75D36C64-6A41-403B-AFED-3DA5C9E644AB}" type="presOf" srcId="{D5C49DED-F702-4383-9511-9403DFCF750A}" destId="{D45EF182-7EEC-46C0-B760-E6FAA49AD100}" srcOrd="0" destOrd="0" presId="urn:microsoft.com/office/officeart/2005/8/layout/vList2"/>
+    <dgm:cxn modelId="{3A1F6791-AEFF-4399-B2CF-4EAA3FB95573}" type="presOf" srcId="{3568F368-9F52-4D47-9E5E-CABE98A42305}" destId="{EB434E6D-65BE-4868-8FB2-9A7288DC442C}" srcOrd="0" destOrd="0" presId="urn:microsoft.com/office/officeart/2005/8/layout/vList2"/>
+    <dgm:cxn modelId="{30CAC5A2-8357-42BE-889D-E5F9548E58E1}" srcId="{9B7E72E6-D000-45C6-B672-FF297ABEFB0E}" destId="{3568F368-9F52-4D47-9E5E-CABE98A42305}" srcOrd="0" destOrd="0" parTransId="{7CB25DD4-74C3-4E57-800A-A2E846235A2C}" sibTransId="{78B89F87-8BB7-42CF-848A-19601AE09B13}"/>
+    <dgm:cxn modelId="{DB9DAFB7-1797-4BF6-8750-E7EE4E90CF27}" type="presOf" srcId="{60467F30-AF8E-4DC7-9AC9-8E61E1911680}" destId="{F40B819D-29B0-497A-B6B9-91B6FEDC59C5}" srcOrd="0" destOrd="0" presId="urn:microsoft.com/office/officeart/2005/8/layout/vList2"/>
+    <dgm:cxn modelId="{C2501DCA-3ECE-486E-B956-B6A4A64ED347}" srcId="{9B7E72E6-D000-45C6-B672-FF297ABEFB0E}" destId="{3786EA35-AB1D-49EA-8AFF-7D4F491DD495}" srcOrd="3" destOrd="0" parTransId="{5FC453EC-C3D4-4063-8333-6B84D0B7F2E4}" sibTransId="{A8E82E35-E593-4FF6-B714-FDE71359A3CE}"/>
+    <dgm:cxn modelId="{FCFADECA-3FA4-489A-9D35-C6AC36FF710A}" srcId="{9B7E72E6-D000-45C6-B672-FF297ABEFB0E}" destId="{D5C49DED-F702-4383-9511-9403DFCF750A}" srcOrd="4" destOrd="0" parTransId="{DAEA8F22-C3BE-4573-94D5-BB8F869E2B94}" sibTransId="{6A16F1D9-CF18-491E-86C3-91D14899CAD7}"/>
     <dgm:cxn modelId="{93252EEB-9B6C-49B0-BAB7-907E64BF887F}" type="presOf" srcId="{977AFEF9-FD39-487F-9B35-4153E289E145}" destId="{D6084587-32E6-4C6C-9A41-129814ECE2E5}" srcOrd="0" destOrd="0" presId="urn:microsoft.com/office/officeart/2005/8/layout/vList2"/>
-    <dgm:cxn modelId="{DB9DAFB7-1797-4BF6-8750-E7EE4E90CF27}" type="presOf" srcId="{60467F30-AF8E-4DC7-9AC9-8E61E1911680}" destId="{F40B819D-29B0-497A-B6B9-91B6FEDC59C5}" srcOrd="0" destOrd="0" presId="urn:microsoft.com/office/officeart/2005/8/layout/vList2"/>
-    <dgm:cxn modelId="{723F8F26-9104-4846-84D2-93B7BC5834F2}" type="presOf" srcId="{3786EA35-AB1D-49EA-8AFF-7D4F491DD495}" destId="{2468F7A1-6E3C-484C-B186-CA2794E27FFD}" srcOrd="0" destOrd="0" presId="urn:microsoft.com/office/officeart/2005/8/layout/vList2"/>
-    <dgm:cxn modelId="{C2501DCA-3ECE-486E-B956-B6A4A64ED347}" srcId="{9B7E72E6-D000-45C6-B672-FF297ABEFB0E}" destId="{3786EA35-AB1D-49EA-8AFF-7D4F491DD495}" srcOrd="3" destOrd="0" parTransId="{5FC453EC-C3D4-4063-8333-6B84D0B7F2E4}" sibTransId="{A8E82E35-E593-4FF6-B714-FDE71359A3CE}"/>
-    <dgm:cxn modelId="{37480B2F-5238-47E7-8474-E78106C31DD1}" type="presOf" srcId="{9B7E72E6-D000-45C6-B672-FF297ABEFB0E}" destId="{50916F50-E7EF-4234-8FD4-593664B3475F}" srcOrd="0" destOrd="0" presId="urn:microsoft.com/office/officeart/2005/8/layout/vList2"/>
-    <dgm:cxn modelId="{30CAC5A2-8357-42BE-889D-E5F9548E58E1}" srcId="{9B7E72E6-D000-45C6-B672-FF297ABEFB0E}" destId="{3568F368-9F52-4D47-9E5E-CABE98A42305}" srcOrd="0" destOrd="0" parTransId="{7CB25DD4-74C3-4E57-800A-A2E846235A2C}" sibTransId="{78B89F87-8BB7-42CF-848A-19601AE09B13}"/>
-    <dgm:cxn modelId="{3A1F6791-AEFF-4399-B2CF-4EAA3FB95573}" type="presOf" srcId="{3568F368-9F52-4D47-9E5E-CABE98A42305}" destId="{EB434E6D-65BE-4868-8FB2-9A7288DC442C}" srcOrd="0" destOrd="0" presId="urn:microsoft.com/office/officeart/2005/8/layout/vList2"/>
     <dgm:cxn modelId="{C9817598-69A6-4F2D-A3BB-1E536711E97B}" type="presParOf" srcId="{50916F50-E7EF-4234-8FD4-593664B3475F}" destId="{EB434E6D-65BE-4868-8FB2-9A7288DC442C}" srcOrd="0" destOrd="0" presId="urn:microsoft.com/office/officeart/2005/8/layout/vList2"/>
     <dgm:cxn modelId="{8537F90E-38F3-49E6-BA89-007E88D4B12B}" type="presParOf" srcId="{50916F50-E7EF-4234-8FD4-593664B3475F}" destId="{AF5A6660-9D66-4058-9539-C0B6FED99EFE}" srcOrd="1" destOrd="0" presId="urn:microsoft.com/office/officeart/2005/8/layout/vList2"/>
     <dgm:cxn modelId="{64A012EC-7834-4C72-955C-1CCC37F2FBB5}" type="presParOf" srcId="{50916F50-E7EF-4234-8FD4-593664B3475F}" destId="{F40B819D-29B0-497A-B6B9-91B6FEDC59C5}" srcOrd="2" destOrd="0" presId="urn:microsoft.com/office/officeart/2005/8/layout/vList2"/>
@@ -3682,6 +3548,501 @@
       <dsp:cNvGrpSpPr/>
     </dsp:nvGrpSpPr>
     <dsp:grpSpPr/>
+    <dsp:sp modelId="{C7F8F3D7-A369-471C-AC7F-FE9131182E31}">
+      <dsp:nvSpPr>
+        <dsp:cNvPr id="0" name=""/>
+        <dsp:cNvSpPr/>
+      </dsp:nvSpPr>
+      <dsp:spPr>
+        <a:xfrm>
+          <a:off x="377190" y="3160"/>
+          <a:ext cx="2907506" cy="1744503"/>
+        </a:xfrm>
+        <a:prstGeom prst="rect">
+          <a:avLst/>
+        </a:prstGeom>
+        <a:solidFill>
+          <a:schemeClr val="accent2">
+            <a:hueOff val="0"/>
+            <a:satOff val="0"/>
+            <a:lumOff val="0"/>
+            <a:alphaOff val="0"/>
+          </a:schemeClr>
+        </a:solidFill>
+        <a:ln w="15875" cap="flat" cmpd="sng" algn="ctr">
+          <a:solidFill>
+            <a:schemeClr val="lt1">
+              <a:hueOff val="0"/>
+              <a:satOff val="0"/>
+              <a:lumOff val="0"/>
+              <a:alphaOff val="0"/>
+            </a:schemeClr>
+          </a:solidFill>
+          <a:prstDash val="solid"/>
+        </a:ln>
+        <a:effectLst/>
+      </dsp:spPr>
+      <dsp:style>
+        <a:lnRef idx="2">
+          <a:scrgbClr r="0" g="0" b="0"/>
+        </a:lnRef>
+        <a:fillRef idx="1">
+          <a:scrgbClr r="0" g="0" b="0"/>
+        </a:fillRef>
+        <a:effectRef idx="0">
+          <a:scrgbClr r="0" g="0" b="0"/>
+        </a:effectRef>
+        <a:fontRef idx="minor">
+          <a:schemeClr val="lt1"/>
+        </a:fontRef>
+      </dsp:style>
+      <dsp:txBody>
+        <a:bodyPr spcFirstLastPara="0" vert="horz" wrap="square" lIns="53340" tIns="53340" rIns="53340" bIns="53340" numCol="1" spcCol="1270" anchor="ctr" anchorCtr="0">
+          <a:noAutofit/>
+        </a:bodyPr>
+        <a:lstStyle/>
+        <a:p>
+          <a:pPr marL="0" lvl="0" indent="0" algn="ctr" defTabSz="622300">
+            <a:lnSpc>
+              <a:spcPct val="90000"/>
+            </a:lnSpc>
+            <a:spcBef>
+              <a:spcPct val="0"/>
+            </a:spcBef>
+            <a:spcAft>
+              <a:spcPct val="35000"/>
+            </a:spcAft>
+            <a:buNone/>
+          </a:pPr>
+          <a:r>
+            <a:rPr lang="en-CA" sz="1400" b="1" kern="1200"/>
+            <a:t>How Is Identity Verified?</a:t>
+          </a:r>
+          <a:endParaRPr lang="en-US" sz="1400" kern="1200"/>
+        </a:p>
+      </dsp:txBody>
+      <dsp:txXfrm>
+        <a:off x="377190" y="3160"/>
+        <a:ext cx="2907506" cy="1744503"/>
+      </dsp:txXfrm>
+    </dsp:sp>
+    <dsp:sp modelId="{1B1BA98E-B5F3-449D-B582-AAFBB51C910A}">
+      <dsp:nvSpPr>
+        <dsp:cNvPr id="0" name=""/>
+        <dsp:cNvSpPr/>
+      </dsp:nvSpPr>
+      <dsp:spPr>
+        <a:xfrm>
+          <a:off x="3575446" y="3160"/>
+          <a:ext cx="2907506" cy="1744503"/>
+        </a:xfrm>
+        <a:prstGeom prst="rect">
+          <a:avLst/>
+        </a:prstGeom>
+        <a:solidFill>
+          <a:schemeClr val="accent2">
+            <a:hueOff val="-291073"/>
+            <a:satOff val="-16786"/>
+            <a:lumOff val="1569"/>
+            <a:alphaOff val="0"/>
+          </a:schemeClr>
+        </a:solidFill>
+        <a:ln w="15875" cap="flat" cmpd="sng" algn="ctr">
+          <a:solidFill>
+            <a:schemeClr val="lt1">
+              <a:hueOff val="0"/>
+              <a:satOff val="0"/>
+              <a:lumOff val="0"/>
+              <a:alphaOff val="0"/>
+            </a:schemeClr>
+          </a:solidFill>
+          <a:prstDash val="solid"/>
+        </a:ln>
+        <a:effectLst/>
+      </dsp:spPr>
+      <dsp:style>
+        <a:lnRef idx="2">
+          <a:scrgbClr r="0" g="0" b="0"/>
+        </a:lnRef>
+        <a:fillRef idx="1">
+          <a:scrgbClr r="0" g="0" b="0"/>
+        </a:fillRef>
+        <a:effectRef idx="0">
+          <a:scrgbClr r="0" g="0" b="0"/>
+        </a:effectRef>
+        <a:fontRef idx="minor">
+          <a:schemeClr val="lt1"/>
+        </a:fontRef>
+      </dsp:style>
+      <dsp:txBody>
+        <a:bodyPr spcFirstLastPara="0" vert="horz" wrap="square" lIns="53340" tIns="53340" rIns="53340" bIns="53340" numCol="1" spcCol="1270" anchor="ctr" anchorCtr="0">
+          <a:noAutofit/>
+        </a:bodyPr>
+        <a:lstStyle/>
+        <a:p>
+          <a:pPr marL="0" lvl="0" indent="0" algn="ctr" defTabSz="622300">
+            <a:lnSpc>
+              <a:spcPct val="90000"/>
+            </a:lnSpc>
+            <a:spcBef>
+              <a:spcPct val="0"/>
+            </a:spcBef>
+            <a:spcAft>
+              <a:spcPct val="35000"/>
+            </a:spcAft>
+            <a:buNone/>
+          </a:pPr>
+          <a:r>
+            <a:rPr lang="en-CA" sz="1400" b="0" kern="1200"/>
+            <a:t>A secure identity should be distinct in the sense that it should be possible for two users to identify themselves clearly. In the context of account monitoring, this is very significant. If the authentication systems are disconnected, it is feasible for identities to be duplicated</a:t>
+          </a:r>
+          <a:r>
+            <a:rPr lang="en-CA" sz="1400" b="1" kern="1200"/>
+            <a:t>.</a:t>
+          </a:r>
+          <a:endParaRPr lang="en-US" sz="1400" kern="1200"/>
+        </a:p>
+      </dsp:txBody>
+      <dsp:txXfrm>
+        <a:off x="3575446" y="3160"/>
+        <a:ext cx="2907506" cy="1744503"/>
+      </dsp:txXfrm>
+    </dsp:sp>
+    <dsp:sp modelId="{1E2DF200-FA46-4D0B-8B93-B730F1A71398}">
+      <dsp:nvSpPr>
+        <dsp:cNvPr id="0" name=""/>
+        <dsp:cNvSpPr/>
+      </dsp:nvSpPr>
+      <dsp:spPr>
+        <a:xfrm>
+          <a:off x="6773703" y="3160"/>
+          <a:ext cx="2907506" cy="1744503"/>
+        </a:xfrm>
+        <a:prstGeom prst="rect">
+          <a:avLst/>
+        </a:prstGeom>
+        <a:solidFill>
+          <a:schemeClr val="accent2">
+            <a:hueOff val="-582145"/>
+            <a:satOff val="-33571"/>
+            <a:lumOff val="3137"/>
+            <a:alphaOff val="0"/>
+          </a:schemeClr>
+        </a:solidFill>
+        <a:ln w="15875" cap="flat" cmpd="sng" algn="ctr">
+          <a:solidFill>
+            <a:schemeClr val="lt1">
+              <a:hueOff val="0"/>
+              <a:satOff val="0"/>
+              <a:lumOff val="0"/>
+              <a:alphaOff val="0"/>
+            </a:schemeClr>
+          </a:solidFill>
+          <a:prstDash val="solid"/>
+        </a:ln>
+        <a:effectLst/>
+      </dsp:spPr>
+      <dsp:style>
+        <a:lnRef idx="2">
+          <a:scrgbClr r="0" g="0" b="0"/>
+        </a:lnRef>
+        <a:fillRef idx="1">
+          <a:scrgbClr r="0" g="0" b="0"/>
+        </a:fillRef>
+        <a:effectRef idx="0">
+          <a:scrgbClr r="0" g="0" b="0"/>
+        </a:effectRef>
+        <a:fontRef idx="minor">
+          <a:schemeClr val="lt1"/>
+        </a:fontRef>
+      </dsp:style>
+      <dsp:txBody>
+        <a:bodyPr spcFirstLastPara="0" vert="horz" wrap="square" lIns="53340" tIns="53340" rIns="53340" bIns="53340" numCol="1" spcCol="1270" anchor="t" anchorCtr="0">
+          <a:noAutofit/>
+        </a:bodyPr>
+        <a:lstStyle/>
+        <a:p>
+          <a:pPr marL="0" lvl="0" indent="0" algn="l" defTabSz="622300">
+            <a:lnSpc>
+              <a:spcPct val="90000"/>
+            </a:lnSpc>
+            <a:spcBef>
+              <a:spcPct val="0"/>
+            </a:spcBef>
+            <a:spcAft>
+              <a:spcPct val="35000"/>
+            </a:spcAft>
+            <a:buNone/>
+          </a:pPr>
+          <a:r>
+            <a:rPr lang="en-CA" sz="1400" b="0" kern="1200"/>
+            <a:t>The list that follows highlights the key concepts of identity. </a:t>
+          </a:r>
+          <a:endParaRPr lang="en-US" sz="1400" kern="1200"/>
+        </a:p>
+        <a:p>
+          <a:pPr marL="57150" lvl="1" indent="-57150" algn="l" defTabSz="488950">
+            <a:lnSpc>
+              <a:spcPct val="90000"/>
+            </a:lnSpc>
+            <a:spcBef>
+              <a:spcPct val="0"/>
+            </a:spcBef>
+            <a:spcAft>
+              <a:spcPct val="15000"/>
+            </a:spcAft>
+            <a:buChar char="•"/>
+          </a:pPr>
+          <a:r>
+            <a:rPr lang="en-CA" sz="1100" b="0" kern="1200"/>
+            <a:t>Identities should be unique. Two users with the same identity should not be allowed.</a:t>
+          </a:r>
+          <a:endParaRPr lang="en-US" sz="1100" kern="1200"/>
+        </a:p>
+      </dsp:txBody>
+      <dsp:txXfrm>
+        <a:off x="6773703" y="3160"/>
+        <a:ext cx="2907506" cy="1744503"/>
+      </dsp:txXfrm>
+    </dsp:sp>
+    <dsp:sp modelId="{A1D035BD-86CD-4157-82EE-86CEE6A931D6}">
+      <dsp:nvSpPr>
+        <dsp:cNvPr id="0" name=""/>
+        <dsp:cNvSpPr/>
+      </dsp:nvSpPr>
+      <dsp:spPr>
+        <a:xfrm>
+          <a:off x="377190" y="2038415"/>
+          <a:ext cx="2907506" cy="1744503"/>
+        </a:xfrm>
+        <a:prstGeom prst="rect">
+          <a:avLst/>
+        </a:prstGeom>
+        <a:solidFill>
+          <a:schemeClr val="accent2">
+            <a:hueOff val="-873218"/>
+            <a:satOff val="-50357"/>
+            <a:lumOff val="4706"/>
+            <a:alphaOff val="0"/>
+          </a:schemeClr>
+        </a:solidFill>
+        <a:ln w="15875" cap="flat" cmpd="sng" algn="ctr">
+          <a:solidFill>
+            <a:schemeClr val="lt1">
+              <a:hueOff val="0"/>
+              <a:satOff val="0"/>
+              <a:lumOff val="0"/>
+              <a:alphaOff val="0"/>
+            </a:schemeClr>
+          </a:solidFill>
+          <a:prstDash val="solid"/>
+        </a:ln>
+        <a:effectLst/>
+      </dsp:spPr>
+      <dsp:style>
+        <a:lnRef idx="2">
+          <a:scrgbClr r="0" g="0" b="0"/>
+        </a:lnRef>
+        <a:fillRef idx="1">
+          <a:scrgbClr r="0" g="0" b="0"/>
+        </a:fillRef>
+        <a:effectRef idx="0">
+          <a:scrgbClr r="0" g="0" b="0"/>
+        </a:effectRef>
+        <a:fontRef idx="minor">
+          <a:schemeClr val="lt1"/>
+        </a:fontRef>
+      </dsp:style>
+      <dsp:txBody>
+        <a:bodyPr spcFirstLastPara="0" vert="horz" wrap="square" lIns="53340" tIns="53340" rIns="53340" bIns="53340" numCol="1" spcCol="1270" anchor="ctr" anchorCtr="0">
+          <a:noAutofit/>
+        </a:bodyPr>
+        <a:lstStyle/>
+        <a:p>
+          <a:pPr marL="0" lvl="0" indent="0" algn="ctr" defTabSz="622300">
+            <a:lnSpc>
+              <a:spcPct val="90000"/>
+            </a:lnSpc>
+            <a:spcBef>
+              <a:spcPct val="0"/>
+            </a:spcBef>
+            <a:spcAft>
+              <a:spcPct val="35000"/>
+            </a:spcAft>
+            <a:buNone/>
+          </a:pPr>
+          <a:r>
+            <a:rPr lang="en-CA" sz="1400" b="1" kern="1200"/>
+            <a:t>2. </a:t>
+          </a:r>
+          <a:r>
+            <a:rPr lang="en-CA" sz="1400" b="0" kern="1200"/>
+            <a:t> Identities should be nondescriptive. It should not be possible to infer the role or function of the user. For example, a user called “Admin” represents a descriptive identity, whereas a user called “o1337ms1” represents a nondescriptive identity. </a:t>
+          </a:r>
+          <a:endParaRPr lang="en-US" sz="1400" kern="1200"/>
+        </a:p>
+      </dsp:txBody>
+      <dsp:txXfrm>
+        <a:off x="377190" y="2038415"/>
+        <a:ext cx="2907506" cy="1744503"/>
+      </dsp:txXfrm>
+    </dsp:sp>
+    <dsp:sp modelId="{CAB0017A-D6AD-4444-8A5A-980E77A2CEF4}">
+      <dsp:nvSpPr>
+        <dsp:cNvPr id="0" name=""/>
+        <dsp:cNvSpPr/>
+      </dsp:nvSpPr>
+      <dsp:spPr>
+        <a:xfrm>
+          <a:off x="3575446" y="2038415"/>
+          <a:ext cx="2907506" cy="1744503"/>
+        </a:xfrm>
+        <a:prstGeom prst="rect">
+          <a:avLst/>
+        </a:prstGeom>
+        <a:solidFill>
+          <a:schemeClr val="accent2">
+            <a:hueOff val="-1164290"/>
+            <a:satOff val="-67142"/>
+            <a:lumOff val="6274"/>
+            <a:alphaOff val="0"/>
+          </a:schemeClr>
+        </a:solidFill>
+        <a:ln w="15875" cap="flat" cmpd="sng" algn="ctr">
+          <a:solidFill>
+            <a:schemeClr val="lt1">
+              <a:hueOff val="0"/>
+              <a:satOff val="0"/>
+              <a:lumOff val="0"/>
+              <a:alphaOff val="0"/>
+            </a:schemeClr>
+          </a:solidFill>
+          <a:prstDash val="solid"/>
+        </a:ln>
+        <a:effectLst/>
+      </dsp:spPr>
+      <dsp:style>
+        <a:lnRef idx="2">
+          <a:scrgbClr r="0" g="0" b="0"/>
+        </a:lnRef>
+        <a:fillRef idx="1">
+          <a:scrgbClr r="0" g="0" b="0"/>
+        </a:fillRef>
+        <a:effectRef idx="0">
+          <a:scrgbClr r="0" g="0" b="0"/>
+        </a:effectRef>
+        <a:fontRef idx="minor">
+          <a:schemeClr val="lt1"/>
+        </a:fontRef>
+      </dsp:style>
+      <dsp:txBody>
+        <a:bodyPr spcFirstLastPara="0" vert="horz" wrap="square" lIns="53340" tIns="53340" rIns="53340" bIns="53340" numCol="1" spcCol="1270" anchor="ctr" anchorCtr="0">
+          <a:noAutofit/>
+        </a:bodyPr>
+        <a:lstStyle/>
+        <a:p>
+          <a:pPr marL="0" lvl="0" indent="0" algn="ctr" defTabSz="622300">
+            <a:lnSpc>
+              <a:spcPct val="90000"/>
+            </a:lnSpc>
+            <a:spcBef>
+              <a:spcPct val="0"/>
+            </a:spcBef>
+            <a:spcAft>
+              <a:spcPct val="35000"/>
+            </a:spcAft>
+            <a:buNone/>
+          </a:pPr>
+          <a:r>
+            <a:rPr lang="en-CA" sz="1400" b="0" kern="1200"/>
+            <a:t>3. Identities should be securely issued. A secure process for issuing an identity to a user needs to be established.</a:t>
+          </a:r>
+          <a:endParaRPr lang="en-US" sz="1400" kern="1200"/>
+        </a:p>
+      </dsp:txBody>
+      <dsp:txXfrm>
+        <a:off x="3575446" y="2038415"/>
+        <a:ext cx="2907506" cy="1744503"/>
+      </dsp:txXfrm>
+    </dsp:sp>
+    <dsp:sp modelId="{15A287F3-1860-4074-AFE6-DC2A10E6A946}">
+      <dsp:nvSpPr>
+        <dsp:cNvPr id="0" name=""/>
+        <dsp:cNvSpPr/>
+      </dsp:nvSpPr>
+      <dsp:spPr>
+        <a:xfrm>
+          <a:off x="6773703" y="2038415"/>
+          <a:ext cx="2907506" cy="1744503"/>
+        </a:xfrm>
+        <a:prstGeom prst="rect">
+          <a:avLst/>
+        </a:prstGeom>
+        <a:solidFill>
+          <a:schemeClr val="accent2">
+            <a:hueOff val="-1455363"/>
+            <a:satOff val="-83928"/>
+            <a:lumOff val="7843"/>
+            <a:alphaOff val="0"/>
+          </a:schemeClr>
+        </a:solidFill>
+        <a:ln w="15875" cap="flat" cmpd="sng" algn="ctr">
+          <a:solidFill>
+            <a:schemeClr val="lt1">
+              <a:hueOff val="0"/>
+              <a:satOff val="0"/>
+              <a:lumOff val="0"/>
+              <a:alphaOff val="0"/>
+            </a:schemeClr>
+          </a:solidFill>
+          <a:prstDash val="solid"/>
+        </a:ln>
+        <a:effectLst/>
+      </dsp:spPr>
+      <dsp:style>
+        <a:lnRef idx="2">
+          <a:scrgbClr r="0" g="0" b="0"/>
+        </a:lnRef>
+        <a:fillRef idx="1">
+          <a:scrgbClr r="0" g="0" b="0"/>
+        </a:fillRef>
+        <a:effectRef idx="0">
+          <a:scrgbClr r="0" g="0" b="0"/>
+        </a:effectRef>
+        <a:fontRef idx="minor">
+          <a:schemeClr val="lt1"/>
+        </a:fontRef>
+      </dsp:style>
+      <dsp:txBody>
+        <a:bodyPr spcFirstLastPara="0" vert="horz" wrap="square" lIns="53340" tIns="53340" rIns="53340" bIns="53340" numCol="1" spcCol="1270" anchor="ctr" anchorCtr="0">
+          <a:noAutofit/>
+        </a:bodyPr>
+        <a:lstStyle/>
+        <a:p>
+          <a:pPr marL="0" lvl="0" indent="0" algn="ctr" defTabSz="622300">
+            <a:lnSpc>
+              <a:spcPct val="90000"/>
+            </a:lnSpc>
+            <a:spcBef>
+              <a:spcPct val="0"/>
+            </a:spcBef>
+            <a:spcAft>
+              <a:spcPct val="35000"/>
+            </a:spcAft>
+            <a:buNone/>
+          </a:pPr>
+          <a:r>
+            <a:rPr lang="en-CA" sz="1400" b="0" kern="1200"/>
+            <a:t>4.  Identities can be location-based. A process for authenticating someone based on his or her location.</a:t>
+          </a:r>
+          <a:endParaRPr lang="en-US" sz="1400" kern="1200"/>
+        </a:p>
+      </dsp:txBody>
+      <dsp:txXfrm>
+        <a:off x="6773703" y="2038415"/>
+        <a:ext cx="2907506" cy="1744503"/>
+      </dsp:txXfrm>
+    </dsp:sp>
   </dsp:spTree>
 </dsp:drawing>
 </file>
@@ -3751,7 +4112,7 @@
         </a:bodyPr>
         <a:lstStyle/>
         <a:p>
-          <a:pPr lvl="0" algn="l" defTabSz="1733550">
+          <a:pPr marL="0" lvl="0" indent="0" algn="l" defTabSz="1733550">
             <a:lnSpc>
               <a:spcPct val="90000"/>
             </a:lnSpc>
@@ -3761,9 +4122,10 @@
             <a:spcAft>
               <a:spcPct val="35000"/>
             </a:spcAft>
+            <a:buNone/>
           </a:pPr>
           <a:r>
-            <a:rPr lang="en-US" sz="3900" kern="1200" dirty="0" smtClean="0"/>
+            <a:rPr lang="en-US" sz="3900" kern="1200" dirty="0"/>
             <a:t>What is infrastructure network?</a:t>
           </a:r>
           <a:endParaRPr lang="en-IN" sz="3900" kern="1200" dirty="0"/>
@@ -3831,7 +4193,7 @@
         </a:bodyPr>
         <a:lstStyle/>
         <a:p>
-          <a:pPr lvl="0" algn="l" defTabSz="1733550">
+          <a:pPr marL="0" lvl="0" indent="0" algn="l" defTabSz="1733550">
             <a:lnSpc>
               <a:spcPct val="90000"/>
             </a:lnSpc>
@@ -3841,9 +4203,10 @@
             <a:spcAft>
               <a:spcPct val="35000"/>
             </a:spcAft>
+            <a:buNone/>
           </a:pPr>
           <a:r>
-            <a:rPr lang="en-US" sz="3900" kern="1200" dirty="0" smtClean="0"/>
+            <a:rPr lang="en-US" sz="3900" kern="1200" dirty="0"/>
             <a:t>What is Infrastructure Access control?</a:t>
           </a:r>
           <a:endParaRPr lang="en-IN" sz="3900" kern="1200" dirty="0"/>
@@ -3911,7 +4274,7 @@
         </a:bodyPr>
         <a:lstStyle/>
         <a:p>
-          <a:pPr lvl="0" algn="l" defTabSz="1733550">
+          <a:pPr marL="0" lvl="0" indent="0" algn="l" defTabSz="1733550">
             <a:lnSpc>
               <a:spcPct val="90000"/>
             </a:lnSpc>
@@ -3921,9 +4284,10 @@
             <a:spcAft>
               <a:spcPct val="35000"/>
             </a:spcAft>
+            <a:buNone/>
           </a:pPr>
           <a:r>
-            <a:rPr lang="en-US" sz="3900" kern="1200" dirty="0" smtClean="0"/>
+            <a:rPr lang="en-US" sz="3900" kern="1200" dirty="0"/>
             <a:t>What types of controls are included?</a:t>
           </a:r>
           <a:endParaRPr lang="en-IN" sz="3900" kern="1200" dirty="0"/>
@@ -3993,7 +4357,7 @@
         </a:bodyPr>
         <a:lstStyle/>
         <a:p>
-          <a:pPr lvl="0" algn="ctr" defTabSz="222250">
+          <a:pPr marL="0" lvl="0" indent="0" algn="ctr" defTabSz="222250">
             <a:lnSpc>
               <a:spcPct val="90000"/>
             </a:lnSpc>
@@ -4003,6 +4367,7 @@
             <a:spcAft>
               <a:spcPct val="35000"/>
             </a:spcAft>
+            <a:buNone/>
           </a:pPr>
           <a:endParaRPr lang="en-IN" sz="500" kern="1200" dirty="0"/>
         </a:p>
@@ -4071,7 +4436,7 @@
         </a:bodyPr>
         <a:lstStyle/>
         <a:p>
-          <a:pPr lvl="0" algn="ctr" defTabSz="222250">
+          <a:pPr marL="0" lvl="0" indent="0" algn="ctr" defTabSz="222250">
             <a:lnSpc>
               <a:spcPct val="90000"/>
             </a:lnSpc>
@@ -4081,6 +4446,7 @@
             <a:spcAft>
               <a:spcPct val="35000"/>
             </a:spcAft>
+            <a:buNone/>
           </a:pPr>
           <a:endParaRPr lang="en-IN" sz="500" kern="1200" dirty="0"/>
         </a:p>
@@ -4156,7 +4522,7 @@
         </a:bodyPr>
         <a:lstStyle/>
         <a:p>
-          <a:pPr lvl="0" algn="l" defTabSz="1377950">
+          <a:pPr marL="0" lvl="0" indent="0" algn="l" defTabSz="1377950">
             <a:lnSpc>
               <a:spcPct val="90000"/>
             </a:lnSpc>
@@ -4166,6 +4532,7 @@
             <a:spcAft>
               <a:spcPct val="35000"/>
             </a:spcAft>
+            <a:buNone/>
           </a:pPr>
           <a:r>
             <a:rPr lang="en-US" sz="3100" kern="1200"/>
@@ -4232,7 +4599,7 @@
         </a:bodyPr>
         <a:lstStyle/>
         <a:p>
-          <a:pPr lvl="0" algn="l" defTabSz="1377950">
+          <a:pPr marL="0" lvl="0" indent="0" algn="l" defTabSz="1377950">
             <a:lnSpc>
               <a:spcPct val="90000"/>
             </a:lnSpc>
@@ -4242,6 +4609,7 @@
             <a:spcAft>
               <a:spcPct val="35000"/>
             </a:spcAft>
+            <a:buNone/>
           </a:pPr>
           <a:r>
             <a:rPr lang="en-US" sz="3100" kern="1200"/>
@@ -4308,7 +4676,7 @@
         </a:bodyPr>
         <a:lstStyle/>
         <a:p>
-          <a:pPr lvl="0" algn="l" defTabSz="1377950">
+          <a:pPr marL="0" lvl="0" indent="0" algn="l" defTabSz="1377950">
             <a:lnSpc>
               <a:spcPct val="90000"/>
             </a:lnSpc>
@@ -4318,6 +4686,7 @@
             <a:spcAft>
               <a:spcPct val="35000"/>
             </a:spcAft>
+            <a:buNone/>
           </a:pPr>
           <a:r>
             <a:rPr lang="en-US" sz="3100" kern="1200"/>
@@ -4384,7 +4753,7 @@
         </a:bodyPr>
         <a:lstStyle/>
         <a:p>
-          <a:pPr lvl="0" algn="l" defTabSz="1377950">
+          <a:pPr marL="0" lvl="0" indent="0" algn="l" defTabSz="1377950">
             <a:lnSpc>
               <a:spcPct val="90000"/>
             </a:lnSpc>
@@ -4394,6 +4763,7 @@
             <a:spcAft>
               <a:spcPct val="35000"/>
             </a:spcAft>
+            <a:buNone/>
           </a:pPr>
           <a:r>
             <a:rPr lang="en-US" sz="3100" kern="1200"/>
@@ -4460,7 +4830,7 @@
         </a:bodyPr>
         <a:lstStyle/>
         <a:p>
-          <a:pPr lvl="0" algn="l" defTabSz="1377950">
+          <a:pPr marL="0" lvl="0" indent="0" algn="l" defTabSz="1377950">
             <a:lnSpc>
               <a:spcPct val="90000"/>
             </a:lnSpc>
@@ -4470,6 +4840,7 @@
             <a:spcAft>
               <a:spcPct val="35000"/>
             </a:spcAft>
+            <a:buNone/>
           </a:pPr>
           <a:r>
             <a:rPr lang="en-US" sz="3100" kern="1200"/>
@@ -9129,7 +9500,7 @@
 </file>
 
 <file path=ppt/slideLayouts/slideLayout1.xml><?xml version="1.0" encoding="utf-8"?>
-<p:sldLayout xmlns:a="http://schemas.openxmlformats.org/drawingml/2006/main" xmlns:r="http://schemas.openxmlformats.org/officeDocument/2006/relationships" xmlns:p="http://schemas.openxmlformats.org/presentationml/2006/main" showMasterSp="0" type="title" preserve="1">
+<p:sldLayout xmlns:a="http://schemas.openxmlformats.org/drawingml/2006/main" xmlns:r="http://schemas.openxmlformats.org/officeDocument/2006/relationships" xmlns:p="http://schemas.openxmlformats.org/presentationml/2006/main" type="title" preserve="1">
   <p:cSld name="Title Slide">
     <p:spTree>
       <p:nvGrpSpPr>
@@ -9150,7 +9521,7 @@
           <p:cNvPr id="10" name="Rectangle 9">
             <a:extLst>
               <a:ext uri="{FF2B5EF4-FFF2-40B4-BE49-F238E27FC236}">
-                <a16:creationId xmlns:a16="http://schemas.microsoft.com/office/drawing/2014/main" xmlns="" id="{39E3965E-AC41-4711-9D10-E25ABB132D86}"/>
+                <a16:creationId xmlns:a16="http://schemas.microsoft.com/office/drawing/2014/main" id="{39E3965E-AC41-4711-9D10-E25ABB132D86}"/>
               </a:ext>
             </a:extLst>
           </p:cNvPr>
@@ -9310,7 +9681,7 @@
           <p:cNvPr id="9" name="Straight Connector 8">
             <a:extLst>
               <a:ext uri="{FF2B5EF4-FFF2-40B4-BE49-F238E27FC236}">
-                <a16:creationId xmlns:a16="http://schemas.microsoft.com/office/drawing/2014/main" xmlns="" id="{1F5DC8C3-BA5F-4EED-BB9A-A14272BD82A1}"/>
+                <a16:creationId xmlns:a16="http://schemas.microsoft.com/office/drawing/2014/main" id="{1F5DC8C3-BA5F-4EED-BB9A-A14272BD82A1}"/>
               </a:ext>
             </a:extLst>
           </p:cNvPr>
@@ -9354,7 +9725,7 @@
           <p:cNvPr id="4" name="Date Placeholder 3">
             <a:extLst>
               <a:ext uri="{FF2B5EF4-FFF2-40B4-BE49-F238E27FC236}">
-                <a16:creationId xmlns:a16="http://schemas.microsoft.com/office/drawing/2014/main" xmlns="" id="{9925CCF1-92C0-4AF3-BFAF-4921631915AB}"/>
+                <a16:creationId xmlns:a16="http://schemas.microsoft.com/office/drawing/2014/main" id="{9925CCF1-92C0-4AF3-BFAF-4921631915AB}"/>
               </a:ext>
             </a:extLst>
           </p:cNvPr>
@@ -9383,7 +9754,7 @@
           <p:cNvPr id="5" name="Footer Placeholder 4">
             <a:extLst>
               <a:ext uri="{FF2B5EF4-FFF2-40B4-BE49-F238E27FC236}">
-                <a16:creationId xmlns:a16="http://schemas.microsoft.com/office/drawing/2014/main" xmlns="" id="{051A78A9-3DFF-4937-A9F2-5D8CF495F367}"/>
+                <a16:creationId xmlns:a16="http://schemas.microsoft.com/office/drawing/2014/main" id="{051A78A9-3DFF-4937-A9F2-5D8CF495F367}"/>
               </a:ext>
             </a:extLst>
           </p:cNvPr>
@@ -9408,7 +9779,7 @@
           <p:cNvPr id="6" name="Slide Number Placeholder 5">
             <a:extLst>
               <a:ext uri="{FF2B5EF4-FFF2-40B4-BE49-F238E27FC236}">
-                <a16:creationId xmlns:a16="http://schemas.microsoft.com/office/drawing/2014/main" xmlns="" id="{5FAEB271-5CC0-4759-BC6E-8BE53AB227C0}"/>
+                <a16:creationId xmlns:a16="http://schemas.microsoft.com/office/drawing/2014/main" id="{5FAEB271-5CC0-4759-BC6E-8BE53AB227C0}"/>
               </a:ext>
             </a:extLst>
           </p:cNvPr>
@@ -9542,7 +9913,7 @@
           <p:cNvPr id="7" name="Date Placeholder 6">
             <a:extLst>
               <a:ext uri="{FF2B5EF4-FFF2-40B4-BE49-F238E27FC236}">
-                <a16:creationId xmlns:a16="http://schemas.microsoft.com/office/drawing/2014/main" xmlns="" id="{7D5506EE-1026-4F35-9ACC-BD05BE0F9B36}"/>
+                <a16:creationId xmlns:a16="http://schemas.microsoft.com/office/drawing/2014/main" id="{7D5506EE-1026-4F35-9ACC-BD05BE0F9B36}"/>
               </a:ext>
             </a:extLst>
           </p:cNvPr>
@@ -9571,7 +9942,7 @@
           <p:cNvPr id="8" name="Footer Placeholder 7">
             <a:extLst>
               <a:ext uri="{FF2B5EF4-FFF2-40B4-BE49-F238E27FC236}">
-                <a16:creationId xmlns:a16="http://schemas.microsoft.com/office/drawing/2014/main" xmlns="" id="{B7696E5F-8D95-4450-AE52-5438E6EDE2BF}"/>
+                <a16:creationId xmlns:a16="http://schemas.microsoft.com/office/drawing/2014/main" id="{B7696E5F-8D95-4450-AE52-5438E6EDE2BF}"/>
               </a:ext>
             </a:extLst>
           </p:cNvPr>
@@ -9596,7 +9967,7 @@
           <p:cNvPr id="9" name="Slide Number Placeholder 8">
             <a:extLst>
               <a:ext uri="{FF2B5EF4-FFF2-40B4-BE49-F238E27FC236}">
-                <a16:creationId xmlns:a16="http://schemas.microsoft.com/office/drawing/2014/main" xmlns="" id="{999B2253-74CC-409E-BEB0-F8EFCFCB5629}"/>
+                <a16:creationId xmlns:a16="http://schemas.microsoft.com/office/drawing/2014/main" id="{999B2253-74CC-409E-BEB0-F8EFCFCB5629}"/>
               </a:ext>
             </a:extLst>
           </p:cNvPr>
@@ -9634,7 +10005,7 @@
 </file>
 
 <file path=ppt/slideLayouts/slideLayout11.xml><?xml version="1.0" encoding="utf-8"?>
-<p:sldLayout xmlns:a="http://schemas.openxmlformats.org/drawingml/2006/main" xmlns:r="http://schemas.openxmlformats.org/officeDocument/2006/relationships" xmlns:p="http://schemas.openxmlformats.org/presentationml/2006/main" showMasterSp="0" type="vertTitleAndTx" preserve="1">
+<p:sldLayout xmlns:a="http://schemas.openxmlformats.org/drawingml/2006/main" xmlns:r="http://schemas.openxmlformats.org/officeDocument/2006/relationships" xmlns:p="http://schemas.openxmlformats.org/presentationml/2006/main" type="vertTitleAndTx" preserve="1">
   <p:cSld name="Vertical Title and Text">
     <p:spTree>
       <p:nvGrpSpPr>
@@ -9655,7 +10026,7 @@
           <p:cNvPr id="9" name="Rectangle 8">
             <a:extLst>
               <a:ext uri="{FF2B5EF4-FFF2-40B4-BE49-F238E27FC236}">
-                <a16:creationId xmlns:a16="http://schemas.microsoft.com/office/drawing/2014/main" xmlns="" id="{E1B68A5B-D9FA-424B-A4EB-30E7223836B3}"/>
+                <a16:creationId xmlns:a16="http://schemas.microsoft.com/office/drawing/2014/main" id="{E1B68A5B-D9FA-424B-A4EB-30E7223836B3}"/>
               </a:ext>
             </a:extLst>
           </p:cNvPr>
@@ -9784,7 +10155,7 @@
           <p:cNvPr id="7" name="Date Placeholder 6">
             <a:extLst>
               <a:ext uri="{FF2B5EF4-FFF2-40B4-BE49-F238E27FC236}">
-                <a16:creationId xmlns:a16="http://schemas.microsoft.com/office/drawing/2014/main" xmlns="" id="{AF33D6B0-F070-45C4-A472-19F432BE3932}"/>
+                <a16:creationId xmlns:a16="http://schemas.microsoft.com/office/drawing/2014/main" id="{AF33D6B0-F070-45C4-A472-19F432BE3932}"/>
               </a:ext>
             </a:extLst>
           </p:cNvPr>
@@ -9813,7 +10184,7 @@
           <p:cNvPr id="8" name="Footer Placeholder 7">
             <a:extLst>
               <a:ext uri="{FF2B5EF4-FFF2-40B4-BE49-F238E27FC236}">
-                <a16:creationId xmlns:a16="http://schemas.microsoft.com/office/drawing/2014/main" xmlns="" id="{9975399F-DAB2-410D-967F-ED17E6F796E7}"/>
+                <a16:creationId xmlns:a16="http://schemas.microsoft.com/office/drawing/2014/main" id="{9975399F-DAB2-410D-967F-ED17E6F796E7}"/>
               </a:ext>
             </a:extLst>
           </p:cNvPr>
@@ -9838,7 +10209,7 @@
           <p:cNvPr id="10" name="Slide Number Placeholder 9">
             <a:extLst>
               <a:ext uri="{FF2B5EF4-FFF2-40B4-BE49-F238E27FC236}">
-                <a16:creationId xmlns:a16="http://schemas.microsoft.com/office/drawing/2014/main" xmlns="" id="{F762A46F-6BE5-4D12-9412-5CA7672EA8EC}"/>
+                <a16:creationId xmlns:a16="http://schemas.microsoft.com/office/drawing/2014/main" id="{F762A46F-6BE5-4D12-9412-5CA7672EA8EC}"/>
               </a:ext>
             </a:extLst>
           </p:cNvPr>
@@ -9972,7 +10343,7 @@
           <p:cNvPr id="7" name="Date Placeholder 6">
             <a:extLst>
               <a:ext uri="{FF2B5EF4-FFF2-40B4-BE49-F238E27FC236}">
-                <a16:creationId xmlns:a16="http://schemas.microsoft.com/office/drawing/2014/main" xmlns="" id="{354D8B55-9EA8-4B81-8E84-9B93B0A27559}"/>
+                <a16:creationId xmlns:a16="http://schemas.microsoft.com/office/drawing/2014/main" id="{354D8B55-9EA8-4B81-8E84-9B93B0A27559}"/>
               </a:ext>
             </a:extLst>
           </p:cNvPr>
@@ -10001,7 +10372,7 @@
           <p:cNvPr id="8" name="Footer Placeholder 7">
             <a:extLst>
               <a:ext uri="{FF2B5EF4-FFF2-40B4-BE49-F238E27FC236}">
-                <a16:creationId xmlns:a16="http://schemas.microsoft.com/office/drawing/2014/main" xmlns="" id="{062CA021-2578-47CB-822C-BDDFF7223B28}"/>
+                <a16:creationId xmlns:a16="http://schemas.microsoft.com/office/drawing/2014/main" id="{062CA021-2578-47CB-822C-BDDFF7223B28}"/>
               </a:ext>
             </a:extLst>
           </p:cNvPr>
@@ -10026,7 +10397,7 @@
           <p:cNvPr id="9" name="Slide Number Placeholder 8">
             <a:extLst>
               <a:ext uri="{FF2B5EF4-FFF2-40B4-BE49-F238E27FC236}">
-                <a16:creationId xmlns:a16="http://schemas.microsoft.com/office/drawing/2014/main" xmlns="" id="{C4AAB51D-4141-4682-9375-DAFD5FB9DD10}"/>
+                <a16:creationId xmlns:a16="http://schemas.microsoft.com/office/drawing/2014/main" id="{C4AAB51D-4141-4682-9375-DAFD5FB9DD10}"/>
               </a:ext>
             </a:extLst>
           </p:cNvPr>
@@ -10064,16 +10435,8 @@
 </file>
 
 <file path=ppt/slideLayouts/slideLayout3.xml><?xml version="1.0" encoding="utf-8"?>
-<p:sldLayout xmlns:a="http://schemas.openxmlformats.org/drawingml/2006/main" xmlns:r="http://schemas.openxmlformats.org/officeDocument/2006/relationships" xmlns:p="http://schemas.openxmlformats.org/presentationml/2006/main" showMasterSp="0" type="secHead" preserve="1">
+<p:sldLayout xmlns:a="http://schemas.openxmlformats.org/drawingml/2006/main" xmlns:r="http://schemas.openxmlformats.org/officeDocument/2006/relationships" xmlns:p="http://schemas.openxmlformats.org/presentationml/2006/main" type="secHead" preserve="1">
   <p:cSld name="Section Header">
-    <p:bg>
-      <p:bgPr>
-        <a:solidFill>
-          <a:schemeClr val="bg1"/>
-        </a:solidFill>
-        <a:effectLst/>
-      </p:bgPr>
-    </p:bg>
     <p:spTree>
       <p:nvGrpSpPr>
         <p:cNvPr id="1" name=""/>
@@ -10093,7 +10456,7 @@
           <p:cNvPr id="10" name="Rectangle 9">
             <a:extLst>
               <a:ext uri="{FF2B5EF4-FFF2-40B4-BE49-F238E27FC236}">
-                <a16:creationId xmlns:a16="http://schemas.microsoft.com/office/drawing/2014/main" xmlns="" id="{A585C21A-8B93-4657-B5DF-7EAEAD3BE127}"/>
+                <a16:creationId xmlns:a16="http://schemas.microsoft.com/office/drawing/2014/main" id="{A585C21A-8B93-4657-B5DF-7EAEAD3BE127}"/>
               </a:ext>
             </a:extLst>
           </p:cNvPr>
@@ -10301,7 +10664,7 @@
           <p:cNvPr id="9" name="Straight Connector 8">
             <a:extLst>
               <a:ext uri="{FF2B5EF4-FFF2-40B4-BE49-F238E27FC236}">
-                <a16:creationId xmlns:a16="http://schemas.microsoft.com/office/drawing/2014/main" xmlns="" id="{459DE2C1-4C52-40A3-8959-27B2C1BEBFF6}"/>
+                <a16:creationId xmlns:a16="http://schemas.microsoft.com/office/drawing/2014/main" id="{459DE2C1-4C52-40A3-8959-27B2C1BEBFF6}"/>
               </a:ext>
             </a:extLst>
           </p:cNvPr>
@@ -10345,7 +10708,7 @@
           <p:cNvPr id="7" name="Date Placeholder 6">
             <a:extLst>
               <a:ext uri="{FF2B5EF4-FFF2-40B4-BE49-F238E27FC236}">
-                <a16:creationId xmlns:a16="http://schemas.microsoft.com/office/drawing/2014/main" xmlns="" id="{AAF2E137-EC28-48F8-9198-1F02539029B6}"/>
+                <a16:creationId xmlns:a16="http://schemas.microsoft.com/office/drawing/2014/main" id="{AAF2E137-EC28-48F8-9198-1F02539029B6}"/>
               </a:ext>
             </a:extLst>
           </p:cNvPr>
@@ -10374,7 +10737,7 @@
           <p:cNvPr id="8" name="Footer Placeholder 7">
             <a:extLst>
               <a:ext uri="{FF2B5EF4-FFF2-40B4-BE49-F238E27FC236}">
-                <a16:creationId xmlns:a16="http://schemas.microsoft.com/office/drawing/2014/main" xmlns="" id="{189422CD-6F62-4DD6-89EF-07A60B42D219}"/>
+                <a16:creationId xmlns:a16="http://schemas.microsoft.com/office/drawing/2014/main" id="{189422CD-6F62-4DD6-89EF-07A60B42D219}"/>
               </a:ext>
             </a:extLst>
           </p:cNvPr>
@@ -10399,7 +10762,7 @@
           <p:cNvPr id="11" name="Slide Number Placeholder 10">
             <a:extLst>
               <a:ext uri="{FF2B5EF4-FFF2-40B4-BE49-F238E27FC236}">
-                <a16:creationId xmlns:a16="http://schemas.microsoft.com/office/drawing/2014/main" xmlns="" id="{69C6AFF8-42B4-4D05-969B-9F5FB3355555}"/>
+                <a16:creationId xmlns:a16="http://schemas.microsoft.com/office/drawing/2014/main" id="{69C6AFF8-42B4-4D05-969B-9F5FB3355555}"/>
               </a:ext>
             </a:extLst>
           </p:cNvPr>
@@ -10600,7 +10963,7 @@
           <p:cNvPr id="2" name="Date Placeholder 1">
             <a:extLst>
               <a:ext uri="{FF2B5EF4-FFF2-40B4-BE49-F238E27FC236}">
-                <a16:creationId xmlns:a16="http://schemas.microsoft.com/office/drawing/2014/main" xmlns="" id="{5782D47D-B0DC-4C40-BCC6-BBBA32584A38}"/>
+                <a16:creationId xmlns:a16="http://schemas.microsoft.com/office/drawing/2014/main" id="{5782D47D-B0DC-4C40-BCC6-BBBA32584A38}"/>
               </a:ext>
             </a:extLst>
           </p:cNvPr>
@@ -10629,7 +10992,7 @@
           <p:cNvPr id="9" name="Footer Placeholder 8">
             <a:extLst>
               <a:ext uri="{FF2B5EF4-FFF2-40B4-BE49-F238E27FC236}">
-                <a16:creationId xmlns:a16="http://schemas.microsoft.com/office/drawing/2014/main" xmlns="" id="{4690D34E-7EBD-44B2-83CA-4C126A18D7EF}"/>
+                <a16:creationId xmlns:a16="http://schemas.microsoft.com/office/drawing/2014/main" id="{4690D34E-7EBD-44B2-83CA-4C126A18D7EF}"/>
               </a:ext>
             </a:extLst>
           </p:cNvPr>
@@ -10654,7 +11017,7 @@
           <p:cNvPr id="10" name="Slide Number Placeholder 9">
             <a:extLst>
               <a:ext uri="{FF2B5EF4-FFF2-40B4-BE49-F238E27FC236}">
-                <a16:creationId xmlns:a16="http://schemas.microsoft.com/office/drawing/2014/main" xmlns="" id="{2AC511A1-9BBD-42DE-92FB-2AF44F8E97A9}"/>
+                <a16:creationId xmlns:a16="http://schemas.microsoft.com/office/drawing/2014/main" id="{2AC511A1-9BBD-42DE-92FB-2AF44F8E97A9}"/>
               </a:ext>
             </a:extLst>
           </p:cNvPr>
@@ -10997,7 +11360,7 @@
           <p:cNvPr id="2" name="Date Placeholder 1">
             <a:extLst>
               <a:ext uri="{FF2B5EF4-FFF2-40B4-BE49-F238E27FC236}">
-                <a16:creationId xmlns:a16="http://schemas.microsoft.com/office/drawing/2014/main" xmlns="" id="{8AF8A515-AA94-45D1-9223-5C2272618D85}"/>
+                <a16:creationId xmlns:a16="http://schemas.microsoft.com/office/drawing/2014/main" id="{8AF8A515-AA94-45D1-9223-5C2272618D85}"/>
               </a:ext>
             </a:extLst>
           </p:cNvPr>
@@ -11026,7 +11389,7 @@
           <p:cNvPr id="11" name="Footer Placeholder 10">
             <a:extLst>
               <a:ext uri="{FF2B5EF4-FFF2-40B4-BE49-F238E27FC236}">
-                <a16:creationId xmlns:a16="http://schemas.microsoft.com/office/drawing/2014/main" xmlns="" id="{D052F5BC-98E0-4D60-AD67-9547738B7DD4}"/>
+                <a16:creationId xmlns:a16="http://schemas.microsoft.com/office/drawing/2014/main" id="{D052F5BC-98E0-4D60-AD67-9547738B7DD4}"/>
               </a:ext>
             </a:extLst>
           </p:cNvPr>
@@ -11051,7 +11414,7 @@
           <p:cNvPr id="12" name="Slide Number Placeholder 11">
             <a:extLst>
               <a:ext uri="{FF2B5EF4-FFF2-40B4-BE49-F238E27FC236}">
-                <a16:creationId xmlns:a16="http://schemas.microsoft.com/office/drawing/2014/main" xmlns="" id="{A38552DC-952E-41EA-AAAF-C2187523C0B0}"/>
+                <a16:creationId xmlns:a16="http://schemas.microsoft.com/office/drawing/2014/main" id="{A38552DC-952E-41EA-AAAF-C2187523C0B0}"/>
               </a:ext>
             </a:extLst>
           </p:cNvPr>
@@ -11133,7 +11496,7 @@
           <p:cNvPr id="6" name="Date Placeholder 5">
             <a:extLst>
               <a:ext uri="{FF2B5EF4-FFF2-40B4-BE49-F238E27FC236}">
-                <a16:creationId xmlns:a16="http://schemas.microsoft.com/office/drawing/2014/main" xmlns="" id="{7392073F-158F-44A3-8913-917AFFC1BC20}"/>
+                <a16:creationId xmlns:a16="http://schemas.microsoft.com/office/drawing/2014/main" id="{7392073F-158F-44A3-8913-917AFFC1BC20}"/>
               </a:ext>
             </a:extLst>
           </p:cNvPr>
@@ -11162,7 +11525,7 @@
           <p:cNvPr id="7" name="Footer Placeholder 6">
             <a:extLst>
               <a:ext uri="{FF2B5EF4-FFF2-40B4-BE49-F238E27FC236}">
-                <a16:creationId xmlns:a16="http://schemas.microsoft.com/office/drawing/2014/main" xmlns="" id="{EED72207-24CA-42B7-A975-2F8E41CBA904}"/>
+                <a16:creationId xmlns:a16="http://schemas.microsoft.com/office/drawing/2014/main" id="{EED72207-24CA-42B7-A975-2F8E41CBA904}"/>
               </a:ext>
             </a:extLst>
           </p:cNvPr>
@@ -11187,7 +11550,7 @@
           <p:cNvPr id="8" name="Slide Number Placeholder 7">
             <a:extLst>
               <a:ext uri="{FF2B5EF4-FFF2-40B4-BE49-F238E27FC236}">
-                <a16:creationId xmlns:a16="http://schemas.microsoft.com/office/drawing/2014/main" xmlns="" id="{D01080F2-251A-4B88-9A62-16F46D724F83}"/>
+                <a16:creationId xmlns:a16="http://schemas.microsoft.com/office/drawing/2014/main" id="{D01080F2-251A-4B88-9A62-16F46D724F83}"/>
               </a:ext>
             </a:extLst>
           </p:cNvPr>
@@ -11225,7 +11588,7 @@
 </file>
 
 <file path=ppt/slideLayouts/slideLayout7.xml><?xml version="1.0" encoding="utf-8"?>
-<p:sldLayout xmlns:a="http://schemas.openxmlformats.org/drawingml/2006/main" xmlns:r="http://schemas.openxmlformats.org/officeDocument/2006/relationships" xmlns:p="http://schemas.openxmlformats.org/presentationml/2006/main" showMasterSp="0" type="blank" preserve="1">
+<p:sldLayout xmlns:a="http://schemas.openxmlformats.org/drawingml/2006/main" xmlns:r="http://schemas.openxmlformats.org/officeDocument/2006/relationships" xmlns:p="http://schemas.openxmlformats.org/presentationml/2006/main" type="blank" preserve="1">
   <p:cSld name="Blank">
     <p:spTree>
       <p:nvGrpSpPr>
@@ -11246,7 +11609,7 @@
           <p:cNvPr id="10" name="Rectangle 9">
             <a:extLst>
               <a:ext uri="{FF2B5EF4-FFF2-40B4-BE49-F238E27FC236}">
-                <a16:creationId xmlns:a16="http://schemas.microsoft.com/office/drawing/2014/main" xmlns="" id="{A8E9C91B-7EAD-4562-AB0E-DFB9663AECE3}"/>
+                <a16:creationId xmlns:a16="http://schemas.microsoft.com/office/drawing/2014/main" id="{A8E9C91B-7EAD-4562-AB0E-DFB9663AECE3}"/>
               </a:ext>
             </a:extLst>
           </p:cNvPr>
@@ -11290,7 +11653,7 @@
           <p:cNvPr id="2" name="Date Placeholder 1">
             <a:extLst>
               <a:ext uri="{FF2B5EF4-FFF2-40B4-BE49-F238E27FC236}">
-                <a16:creationId xmlns:a16="http://schemas.microsoft.com/office/drawing/2014/main" xmlns="" id="{94E9223F-721F-47BF-9FD5-0F8D12FF0DE1}"/>
+                <a16:creationId xmlns:a16="http://schemas.microsoft.com/office/drawing/2014/main" id="{94E9223F-721F-47BF-9FD5-0F8D12FF0DE1}"/>
               </a:ext>
             </a:extLst>
           </p:cNvPr>
@@ -11319,7 +11682,7 @@
           <p:cNvPr id="3" name="Footer Placeholder 2">
             <a:extLst>
               <a:ext uri="{FF2B5EF4-FFF2-40B4-BE49-F238E27FC236}">
-                <a16:creationId xmlns:a16="http://schemas.microsoft.com/office/drawing/2014/main" xmlns="" id="{05915714-6BBA-4593-8591-4E26F7D58D9F}"/>
+                <a16:creationId xmlns:a16="http://schemas.microsoft.com/office/drawing/2014/main" id="{05915714-6BBA-4593-8591-4E26F7D58D9F}"/>
               </a:ext>
             </a:extLst>
           </p:cNvPr>
@@ -11344,7 +11707,7 @@
           <p:cNvPr id="4" name="Slide Number Placeholder 3">
             <a:extLst>
               <a:ext uri="{FF2B5EF4-FFF2-40B4-BE49-F238E27FC236}">
-                <a16:creationId xmlns:a16="http://schemas.microsoft.com/office/drawing/2014/main" xmlns="" id="{BE06F857-D2E1-44DD-ABDD-EBB739645B67}"/>
+                <a16:creationId xmlns:a16="http://schemas.microsoft.com/office/drawing/2014/main" id="{BE06F857-D2E1-44DD-ABDD-EBB739645B67}"/>
               </a:ext>
             </a:extLst>
           </p:cNvPr>
@@ -11382,7 +11745,7 @@
 </file>
 
 <file path=ppt/slideLayouts/slideLayout8.xml><?xml version="1.0" encoding="utf-8"?>
-<p:sldLayout xmlns:a="http://schemas.openxmlformats.org/drawingml/2006/main" xmlns:r="http://schemas.openxmlformats.org/officeDocument/2006/relationships" xmlns:p="http://schemas.openxmlformats.org/presentationml/2006/main" showMasterSp="0" type="objTx" preserve="1">
+<p:sldLayout xmlns:a="http://schemas.openxmlformats.org/drawingml/2006/main" xmlns:r="http://schemas.openxmlformats.org/officeDocument/2006/relationships" xmlns:p="http://schemas.openxmlformats.org/presentationml/2006/main" type="objTx" preserve="1">
   <p:cSld name="Content with Caption">
     <p:spTree>
       <p:nvGrpSpPr>
@@ -11403,7 +11766,7 @@
           <p:cNvPr id="8" name="Rectangle 7">
             <a:extLst>
               <a:ext uri="{FF2B5EF4-FFF2-40B4-BE49-F238E27FC236}">
-                <a16:creationId xmlns:a16="http://schemas.microsoft.com/office/drawing/2014/main" xmlns="" id="{16D90D66-BCB9-4229-A829-628874352AC0}"/>
+                <a16:creationId xmlns:a16="http://schemas.microsoft.com/office/drawing/2014/main" id="{16D90D66-BCB9-4229-A829-628874352AC0}"/>
               </a:ext>
             </a:extLst>
           </p:cNvPr>
@@ -11721,7 +12084,7 @@
 </file>
 
 <file path=ppt/slideLayouts/slideLayout9.xml><?xml version="1.0" encoding="utf-8"?>
-<p:sldLayout xmlns:a="http://schemas.openxmlformats.org/drawingml/2006/main" xmlns:r="http://schemas.openxmlformats.org/officeDocument/2006/relationships" xmlns:p="http://schemas.openxmlformats.org/presentationml/2006/main" showMasterSp="0" type="picTx" preserve="1">
+<p:sldLayout xmlns:a="http://schemas.openxmlformats.org/drawingml/2006/main" xmlns:r="http://schemas.openxmlformats.org/officeDocument/2006/relationships" xmlns:p="http://schemas.openxmlformats.org/presentationml/2006/main" type="picTx" preserve="1">
   <p:cSld name="Picture with Caption">
     <p:spTree>
       <p:nvGrpSpPr>
@@ -11742,7 +12105,7 @@
           <p:cNvPr id="8" name="Rectangle 7">
             <a:extLst>
               <a:ext uri="{FF2B5EF4-FFF2-40B4-BE49-F238E27FC236}">
-                <a16:creationId xmlns:a16="http://schemas.microsoft.com/office/drawing/2014/main" xmlns="" id="{DA134939-39C0-4522-A125-A13DFDA66490}"/>
+                <a16:creationId xmlns:a16="http://schemas.microsoft.com/office/drawing/2014/main" id="{DA134939-39C0-4522-A125-A13DFDA66490}"/>
               </a:ext>
             </a:extLst>
           </p:cNvPr>
@@ -12058,9 +12421,18 @@
 <p:sldMaster xmlns:a="http://schemas.openxmlformats.org/drawingml/2006/main" xmlns:r="http://schemas.openxmlformats.org/officeDocument/2006/relationships" xmlns:p="http://schemas.openxmlformats.org/presentationml/2006/main">
   <p:cSld>
     <p:bg>
-      <p:bgRef idx="1001">
-        <a:schemeClr val="bg1"/>
-      </p:bgRef>
+      <p:bgPr>
+        <a:blipFill dpi="0" rotWithShape="1">
+          <a:blip r:embed="rId13">
+            <a:lum/>
+          </a:blip>
+          <a:srcRect/>
+          <a:stretch>
+            <a:fillRect/>
+          </a:stretch>
+        </a:blipFill>
+        <a:effectLst/>
+      </p:bgPr>
     </p:bg>
     <p:spTree>
       <p:nvGrpSpPr>
@@ -12081,7 +12453,7 @@
           <p:cNvPr id="7" name="Rectangle 6">
             <a:extLst>
               <a:ext uri="{FF2B5EF4-FFF2-40B4-BE49-F238E27FC236}">
-                <a16:creationId xmlns:a16="http://schemas.microsoft.com/office/drawing/2014/main" xmlns="" id="{416A0E3C-60E6-4F39-BC55-5F7C224E1F7C}"/>
+                <a16:creationId xmlns:a16="http://schemas.microsoft.com/office/drawing/2014/main" id="{416A0E3C-60E6-4F39-BC55-5F7C224E1F7C}"/>
               </a:ext>
             </a:extLst>
           </p:cNvPr>
@@ -12333,7 +12705,7 @@
           <p:cNvPr id="10" name="Straight Connector 9">
             <a:extLst>
               <a:ext uri="{FF2B5EF4-FFF2-40B4-BE49-F238E27FC236}">
-                <a16:creationId xmlns:a16="http://schemas.microsoft.com/office/drawing/2014/main" xmlns="" id="{C5025DAC-8B93-4160-B017-3A274A5828C0}"/>
+                <a16:creationId xmlns:a16="http://schemas.microsoft.com/office/drawing/2014/main" id="{C5025DAC-8B93-4160-B017-3A274A5828C0}"/>
               </a:ext>
             </a:extLst>
           </p:cNvPr>
@@ -12757,19 +13129,6 @@
 <file path=ppt/slides/slide1.xml><?xml version="1.0" encoding="utf-8"?>
 <p:sld xmlns:a="http://schemas.openxmlformats.org/drawingml/2006/main" xmlns:r="http://schemas.openxmlformats.org/officeDocument/2006/relationships" xmlns:p="http://schemas.openxmlformats.org/presentationml/2006/main">
   <p:cSld>
-    <p:bg>
-      <p:bgPr>
-        <a:pattFill prst="pct10">
-          <a:fgClr>
-            <a:schemeClr val="accent1"/>
-          </a:fgClr>
-          <a:bgClr>
-            <a:schemeClr val="bg1"/>
-          </a:bgClr>
-        </a:pattFill>
-        <a:effectLst/>
-      </p:bgPr>
-    </p:bg>
     <p:spTree>
       <p:nvGrpSpPr>
         <p:cNvPr id="1" name=""/>
@@ -12789,7 +13148,7 @@
           <p:cNvPr id="4" name="Picture 3" descr="Hexagonal background with blue neon lights">
             <a:extLst>
               <a:ext uri="{FF2B5EF4-FFF2-40B4-BE49-F238E27FC236}">
-                <a16:creationId xmlns:a16="http://schemas.microsoft.com/office/drawing/2014/main" xmlns="" id="{7CAA8EB9-C9DF-28EF-4BAD-CD2FEF2DA1E1}"/>
+                <a16:creationId xmlns:a16="http://schemas.microsoft.com/office/drawing/2014/main" id="{7CAA8EB9-C9DF-28EF-4BAD-CD2FEF2DA1E1}"/>
               </a:ext>
             </a:extLst>
           </p:cNvPr>
@@ -12818,10 +13177,10 @@
           <p:cNvPr id="55" name="Rectangle 54">
             <a:extLst>
               <a:ext uri="{FF2B5EF4-FFF2-40B4-BE49-F238E27FC236}">
-                <a16:creationId xmlns:a16="http://schemas.microsoft.com/office/drawing/2014/main" xmlns="" id="{D5B012D8-7F27-4758-9AC6-C889B154BD73}"/>
+                <a16:creationId xmlns:a16="http://schemas.microsoft.com/office/drawing/2014/main" id="{D5B012D8-7F27-4758-9AC6-C889B154BD73}"/>
               </a:ext>
               <a:ext uri="{C183D7F6-B498-43B3-948B-1728B52AA6E4}">
-                <adec:decorative xmlns:adec="http://schemas.microsoft.com/office/drawing/2017/decorative" xmlns="" val="1"/>
+                <adec:decorative xmlns:adec="http://schemas.microsoft.com/office/drawing/2017/decorative" val="1"/>
               </a:ext>
             </a:extLst>
           </p:cNvPr>
@@ -12831,7 +13190,7 @@
           <p:nvPr>
             <p:extLst>
               <p:ext uri="{386F3935-93C4-4BCD-93E2-E3B085C9AB24}">
-                <p16:designElem xmlns:p16="http://schemas.microsoft.com/office/powerpoint/2015/main" xmlns="" val="1"/>
+                <p16:designElem xmlns:p16="http://schemas.microsoft.com/office/powerpoint/2015/main" val="1"/>
               </p:ext>
             </p:extLst>
           </p:nvPr>
@@ -12899,7 +13258,7 @@
           <p:cNvPr id="2" name="Title 1">
             <a:extLst>
               <a:ext uri="{FF2B5EF4-FFF2-40B4-BE49-F238E27FC236}">
-                <a16:creationId xmlns:a16="http://schemas.microsoft.com/office/drawing/2014/main" xmlns="" id="{D50A80DF-0576-976D-7B3D-15C7C32C5382}"/>
+                <a16:creationId xmlns:a16="http://schemas.microsoft.com/office/drawing/2014/main" id="{D50A80DF-0576-976D-7B3D-15C7C32C5382}"/>
               </a:ext>
             </a:extLst>
           </p:cNvPr>
@@ -12938,7 +13297,7 @@
           <p:cNvPr id="3" name="Subtitle 2">
             <a:extLst>
               <a:ext uri="{FF2B5EF4-FFF2-40B4-BE49-F238E27FC236}">
-                <a16:creationId xmlns:a16="http://schemas.microsoft.com/office/drawing/2014/main" xmlns="" id="{E146FA88-31F9-0343-513F-483AAFD492F4}"/>
+                <a16:creationId xmlns:a16="http://schemas.microsoft.com/office/drawing/2014/main" id="{E146FA88-31F9-0343-513F-483AAFD492F4}"/>
               </a:ext>
             </a:extLst>
           </p:cNvPr>
@@ -13027,10 +13386,10 @@
           <p:cNvPr id="57" name="Rectangle 56">
             <a:extLst>
               <a:ext uri="{FF2B5EF4-FFF2-40B4-BE49-F238E27FC236}">
-                <a16:creationId xmlns:a16="http://schemas.microsoft.com/office/drawing/2014/main" xmlns="" id="{4063B759-00FC-46D1-9898-8E8625268FAF}"/>
+                <a16:creationId xmlns:a16="http://schemas.microsoft.com/office/drawing/2014/main" id="{4063B759-00FC-46D1-9898-8E8625268FAF}"/>
               </a:ext>
               <a:ext uri="{C183D7F6-B498-43B3-948B-1728B52AA6E4}">
-                <adec:decorative xmlns:adec="http://schemas.microsoft.com/office/drawing/2017/decorative" xmlns="" val="1"/>
+                <adec:decorative xmlns:adec="http://schemas.microsoft.com/office/drawing/2017/decorative" val="1"/>
               </a:ext>
             </a:extLst>
           </p:cNvPr>
@@ -13040,7 +13399,7 @@
           <p:nvPr>
             <p:extLst>
               <p:ext uri="{386F3935-93C4-4BCD-93E2-E3B085C9AB24}">
-                <p16:designElem xmlns:p16="http://schemas.microsoft.com/office/powerpoint/2015/main" xmlns="" val="1"/>
+                <p16:designElem xmlns:p16="http://schemas.microsoft.com/office/powerpoint/2015/main" val="1"/>
               </p:ext>
             </p:extLst>
           </p:nvPr>
@@ -13138,7 +13497,7 @@
           <p:cNvPr id="3" name="TextBox 2">
             <a:extLst>
               <a:ext uri="{FF2B5EF4-FFF2-40B4-BE49-F238E27FC236}">
-                <a16:creationId xmlns:a16="http://schemas.microsoft.com/office/drawing/2014/main" xmlns="" id="{1DF3F309-B16B-0069-4EBA-56E8B813EDA8}"/>
+                <a16:creationId xmlns:a16="http://schemas.microsoft.com/office/drawing/2014/main" id="{1DF3F309-B16B-0069-4EBA-56E8B813EDA8}"/>
               </a:ext>
             </a:extLst>
           </p:cNvPr>
@@ -13172,8 +13531,8 @@
             <a:r>
               <a:rPr lang="en-CA" sz="4400" b="1" dirty="0">
                 <a:solidFill>
-                  <a:schemeClr val="accent1">
-                    <a:lumMod val="75000"/>
+                  <a:schemeClr val="bg1">
+                    <a:lumMod val="95000"/>
                   </a:schemeClr>
                 </a:solidFill>
                 <a:effectLst/>
@@ -13185,8 +13544,8 @@
             </a:r>
             <a:endParaRPr lang="en-CA" sz="4400" dirty="0">
               <a:solidFill>
-                <a:schemeClr val="accent1">
-                  <a:lumMod val="75000"/>
+                <a:schemeClr val="bg1">
+                  <a:lumMod val="95000"/>
                 </a:schemeClr>
               </a:solidFill>
               <a:effectLst/>
@@ -13206,6 +13565,11 @@
             </a:pPr>
             <a:r>
               <a:rPr lang="en-CA" sz="2400" dirty="0">
+                <a:solidFill>
+                  <a:schemeClr val="bg1">
+                    <a:lumMod val="95000"/>
+                  </a:schemeClr>
+                </a:solidFill>
                 <a:effectLst/>
                 <a:latin typeface="Calibri" panose="020F0502020204030204" pitchFamily="34" charset="0"/>
                 <a:ea typeface="Calibri" panose="020F0502020204030204" pitchFamily="34" charset="0"/>
@@ -13215,6 +13579,11 @@
             </a:r>
             <a:r>
               <a:rPr lang="en-CA" sz="2400" b="1" dirty="0">
+                <a:solidFill>
+                  <a:schemeClr val="bg1">
+                    <a:lumMod val="95000"/>
+                  </a:schemeClr>
+                </a:solidFill>
                 <a:effectLst/>
                 <a:latin typeface="Calibri" panose="020F0502020204030204" pitchFamily="34" charset="0"/>
                 <a:ea typeface="Calibri" panose="020F0502020204030204" pitchFamily="34" charset="0"/>
@@ -13232,6 +13601,11 @@
             </a:pPr>
             <a:r>
               <a:rPr lang="en-CA" sz="2800" dirty="0">
+                <a:solidFill>
+                  <a:schemeClr val="bg1">
+                    <a:lumMod val="95000"/>
+                  </a:schemeClr>
+                </a:solidFill>
                 <a:effectLst/>
                 <a:latin typeface="Calibri" panose="020F0502020204030204" pitchFamily="34" charset="0"/>
                 <a:ea typeface="Calibri" panose="020F0502020204030204" pitchFamily="34" charset="0"/>
@@ -13249,6 +13623,11 @@
             </a:pPr>
             <a:r>
               <a:rPr lang="en-CA" sz="2800" dirty="0">
+                <a:solidFill>
+                  <a:schemeClr val="bg1">
+                    <a:lumMod val="95000"/>
+                  </a:schemeClr>
+                </a:solidFill>
                 <a:effectLst/>
                 <a:latin typeface="Calibri" panose="020F0502020204030204" pitchFamily="34" charset="0"/>
                 <a:ea typeface="Calibri" panose="020F0502020204030204" pitchFamily="34" charset="0"/>
@@ -13266,6 +13645,11 @@
             </a:pPr>
             <a:r>
               <a:rPr lang="en-CA" sz="2800" dirty="0">
+                <a:solidFill>
+                  <a:schemeClr val="bg1">
+                    <a:lumMod val="95000"/>
+                  </a:schemeClr>
+                </a:solidFill>
                 <a:effectLst/>
                 <a:latin typeface="Calibri" panose="020F0502020204030204" pitchFamily="34" charset="0"/>
                 <a:ea typeface="Calibri" panose="020F0502020204030204" pitchFamily="34" charset="0"/>
@@ -13283,6 +13667,11 @@
             </a:pPr>
             <a:r>
               <a:rPr lang="en-CA" sz="2800" dirty="0">
+                <a:solidFill>
+                  <a:schemeClr val="bg1">
+                    <a:lumMod val="95000"/>
+                  </a:schemeClr>
+                </a:solidFill>
                 <a:effectLst/>
                 <a:latin typeface="Calibri" panose="020F0502020204030204" pitchFamily="34" charset="0"/>
                 <a:ea typeface="Calibri" panose="020F0502020204030204" pitchFamily="34" charset="0"/>
@@ -13300,6 +13689,11 @@
             </a:pPr>
             <a:r>
               <a:rPr lang="en-CA" sz="2800" dirty="0">
+                <a:solidFill>
+                  <a:schemeClr val="bg1">
+                    <a:lumMod val="95000"/>
+                  </a:schemeClr>
+                </a:solidFill>
                 <a:effectLst/>
                 <a:latin typeface="Calibri" panose="020F0502020204030204" pitchFamily="34" charset="0"/>
                 <a:ea typeface="Calibri" panose="020F0502020204030204" pitchFamily="34" charset="0"/>
@@ -13320,6 +13714,11 @@
             </a:pPr>
             <a:r>
               <a:rPr lang="en-CA" sz="2800" dirty="0">
+                <a:solidFill>
+                  <a:schemeClr val="bg1">
+                    <a:lumMod val="95000"/>
+                  </a:schemeClr>
+                </a:solidFill>
                 <a:effectLst/>
                 <a:latin typeface="Calibri" panose="020F0502020204030204" pitchFamily="34" charset="0"/>
                 <a:ea typeface="Calibri" panose="020F0502020204030204" pitchFamily="34" charset="0"/>
@@ -13338,6 +13737,11 @@
               </a:spcAft>
             </a:pPr>
             <a:endParaRPr lang="en-CA" sz="1400" dirty="0">
+              <a:solidFill>
+                <a:schemeClr val="bg1">
+                  <a:lumMod val="95000"/>
+                </a:schemeClr>
+              </a:solidFill>
               <a:effectLst/>
               <a:latin typeface="Calibri" panose="020F0502020204030204" pitchFamily="34" charset="0"/>
               <a:ea typeface="Calibri" panose="020F0502020204030204" pitchFamily="34" charset="0"/>
@@ -13381,7 +13785,7 @@
           <p:cNvPr id="3" name="TextBox 2">
             <a:extLst>
               <a:ext uri="{FF2B5EF4-FFF2-40B4-BE49-F238E27FC236}">
-                <a16:creationId xmlns:a16="http://schemas.microsoft.com/office/drawing/2014/main" xmlns="" id="{30ED7CE4-F1D7-7D1A-9D19-A07FA9B65E72}"/>
+                <a16:creationId xmlns:a16="http://schemas.microsoft.com/office/drawing/2014/main" id="{30ED7CE4-F1D7-7D1A-9D19-A07FA9B65E72}"/>
               </a:ext>
             </a:extLst>
           </p:cNvPr>
@@ -13433,7 +13837,7 @@
           <p:cNvPr id="5" name="Picture 4">
             <a:extLst>
               <a:ext uri="{FF2B5EF4-FFF2-40B4-BE49-F238E27FC236}">
-                <a16:creationId xmlns:a16="http://schemas.microsoft.com/office/drawing/2014/main" xmlns="" id="{F6972C31-C24D-377B-8F30-A2CAC9D67AD0}"/>
+                <a16:creationId xmlns:a16="http://schemas.microsoft.com/office/drawing/2014/main" id="{F6972C31-C24D-377B-8F30-A2CAC9D67AD0}"/>
               </a:ext>
             </a:extLst>
           </p:cNvPr>
@@ -13499,7 +13903,7 @@
           <p:cNvPr id="3" name="TextBox 2">
             <a:extLst>
               <a:ext uri="{FF2B5EF4-FFF2-40B4-BE49-F238E27FC236}">
-                <a16:creationId xmlns:a16="http://schemas.microsoft.com/office/drawing/2014/main" xmlns="" id="{ACE403ED-3661-57CD-D429-786DDD526D38}"/>
+                <a16:creationId xmlns:a16="http://schemas.microsoft.com/office/drawing/2014/main" id="{ACE403ED-3661-57CD-D429-786DDD526D38}"/>
               </a:ext>
             </a:extLst>
           </p:cNvPr>
@@ -13680,7 +14084,7 @@
           <p:cNvPr id="5" name="Picture 4">
             <a:extLst>
               <a:ext uri="{FF2B5EF4-FFF2-40B4-BE49-F238E27FC236}">
-                <a16:creationId xmlns:a16="http://schemas.microsoft.com/office/drawing/2014/main" xmlns="" id="{8D11B1E7-D6B4-F155-DFAA-926F50F435AC}"/>
+                <a16:creationId xmlns:a16="http://schemas.microsoft.com/office/drawing/2014/main" id="{8D11B1E7-D6B4-F155-DFAA-926F50F435AC}"/>
               </a:ext>
             </a:extLst>
           </p:cNvPr>
@@ -13746,7 +14150,7 @@
           <p:cNvPr id="3" name="TextBox 2">
             <a:extLst>
               <a:ext uri="{FF2B5EF4-FFF2-40B4-BE49-F238E27FC236}">
-                <a16:creationId xmlns:a16="http://schemas.microsoft.com/office/drawing/2014/main" xmlns="" id="{585F1EF1-A5B4-1A32-5ACA-9EBCA3A8AFB9}"/>
+                <a16:creationId xmlns:a16="http://schemas.microsoft.com/office/drawing/2014/main" id="{585F1EF1-A5B4-1A32-5ACA-9EBCA3A8AFB9}"/>
               </a:ext>
             </a:extLst>
           </p:cNvPr>
@@ -13800,7 +14204,7 @@
           <p:cNvPr id="4" name="Graphic 1">
             <a:extLst>
               <a:ext uri="{FF2B5EF4-FFF2-40B4-BE49-F238E27FC236}">
-                <a16:creationId xmlns:a16="http://schemas.microsoft.com/office/drawing/2014/main" xmlns="" id="{6232E52F-AB31-91D1-0D6D-1A8B2491F6E3}"/>
+                <a16:creationId xmlns:a16="http://schemas.microsoft.com/office/drawing/2014/main" id="{6232E52F-AB31-91D1-0D6D-1A8B2491F6E3}"/>
               </a:ext>
             </a:extLst>
           </p:cNvPr>
@@ -13816,7 +14220,7 @@
                 <a14:useLocalDpi xmlns:a14="http://schemas.microsoft.com/office/drawing/2010/main" val="0"/>
               </a:ext>
               <a:ext uri="{96DAC541-7B7A-43D3-8B79-37D633B846F1}">
-                <asvg:svgBlip xmlns:asvg="http://schemas.microsoft.com/office/drawing/2016/SVG/main" xmlns="" r:embed="rId3"/>
+                <asvg:svgBlip xmlns:asvg="http://schemas.microsoft.com/office/drawing/2016/SVG/main" r:embed="rId3"/>
               </a:ext>
             </a:extLst>
           </a:blip>
@@ -13839,7 +14243,7 @@
           <p:cNvPr id="6" name="TextBox 5">
             <a:extLst>
               <a:ext uri="{FF2B5EF4-FFF2-40B4-BE49-F238E27FC236}">
-                <a16:creationId xmlns:a16="http://schemas.microsoft.com/office/drawing/2014/main" xmlns="" id="{515B145B-2E17-0702-6EE0-5AE2DD801771}"/>
+                <a16:creationId xmlns:a16="http://schemas.microsoft.com/office/drawing/2014/main" id="{515B145B-2E17-0702-6EE0-5AE2DD801771}"/>
               </a:ext>
             </a:extLst>
           </p:cNvPr>
@@ -13872,6 +14276,11 @@
             </a:pPr>
             <a:r>
               <a:rPr lang="en-CA" sz="3600" dirty="0">
+                <a:solidFill>
+                  <a:schemeClr val="bg1">
+                    <a:lumMod val="95000"/>
+                  </a:schemeClr>
+                </a:solidFill>
                 <a:effectLst/>
                 <a:latin typeface="Calibri" panose="020F0502020204030204" pitchFamily="34" charset="0"/>
                 <a:ea typeface="Calibri" panose="020F0502020204030204" pitchFamily="34" charset="0"/>
@@ -13892,13 +14301,6 @@
   <p:clrMapOvr>
     <a:masterClrMapping/>
   </p:clrMapOvr>
-  <p:timing>
-    <p:tnLst>
-      <p:par>
-        <p:cTn id="1" dur="indefinite" restart="never" nodeType="tmRoot"/>
-      </p:par>
-    </p:tnLst>
-  </p:timing>
 </p:sld>
 </file>
 
@@ -13924,7 +14326,7 @@
           <p:cNvPr id="3" name="TextBox 2">
             <a:extLst>
               <a:ext uri="{FF2B5EF4-FFF2-40B4-BE49-F238E27FC236}">
-                <a16:creationId xmlns:a16="http://schemas.microsoft.com/office/drawing/2014/main" xmlns="" id="{CD17FCCC-D88F-35FC-CE70-CE4E5F2F7EC6}"/>
+                <a16:creationId xmlns:a16="http://schemas.microsoft.com/office/drawing/2014/main" id="{CD17FCCC-D88F-35FC-CE70-CE4E5F2F7EC6}"/>
               </a:ext>
             </a:extLst>
           </p:cNvPr>
@@ -13957,6 +14359,11 @@
             </a:pPr>
             <a:r>
               <a:rPr lang="en-CA" sz="1800" dirty="0">
+                <a:solidFill>
+                  <a:schemeClr val="bg1">
+                    <a:lumMod val="95000"/>
+                  </a:schemeClr>
+                </a:solidFill>
                 <a:effectLst/>
                 <a:latin typeface="Calibri" panose="020F0502020204030204" pitchFamily="34" charset="0"/>
                 <a:ea typeface="Calibri" panose="020F0502020204030204" pitchFamily="34" charset="0"/>
@@ -13965,6 +14372,11 @@
               <a:t>There is a concept called network access control (NAC) in which networking devices such as switches, firewalls, wireless access points, and others can enforce policy based on the security posture of a subject, in this case, a device trying to join the network.</a:t>
             </a:r>
             <a:endParaRPr lang="en-CA" sz="1400" dirty="0">
+              <a:solidFill>
+                <a:schemeClr val="bg1">
+                  <a:lumMod val="95000"/>
+                </a:schemeClr>
+              </a:solidFill>
               <a:effectLst/>
               <a:latin typeface="Calibri" panose="020F0502020204030204" pitchFamily="34" charset="0"/>
               <a:ea typeface="Calibri" panose="020F0502020204030204" pitchFamily="34" charset="0"/>
@@ -13982,6 +14394,11 @@
             </a:pPr>
             <a:r>
               <a:rPr lang="en-CA" sz="1800" dirty="0">
+                <a:solidFill>
+                  <a:schemeClr val="bg1">
+                    <a:lumMod val="95000"/>
+                  </a:schemeClr>
+                </a:solidFill>
                 <a:effectLst/>
                 <a:latin typeface="Calibri" panose="020F0502020204030204" pitchFamily="34" charset="0"/>
                 <a:ea typeface="Calibri" panose="020F0502020204030204" pitchFamily="34" charset="0"/>
@@ -13990,6 +14407,11 @@
               <a:t> NAC can provide the following: </a:t>
             </a:r>
             <a:endParaRPr lang="en-CA" sz="1400" dirty="0">
+              <a:solidFill>
+                <a:schemeClr val="bg1">
+                  <a:lumMod val="95000"/>
+                </a:schemeClr>
+              </a:solidFill>
               <a:effectLst/>
               <a:latin typeface="Calibri" panose="020F0502020204030204" pitchFamily="34" charset="0"/>
               <a:ea typeface="Calibri" panose="020F0502020204030204" pitchFamily="34" charset="0"/>
@@ -14006,6 +14428,11 @@
             </a:pPr>
             <a:r>
               <a:rPr lang="en-CA" sz="1800" dirty="0">
+                <a:solidFill>
+                  <a:schemeClr val="bg1">
+                    <a:lumMod val="95000"/>
+                  </a:schemeClr>
+                </a:solidFill>
                 <a:effectLst/>
                 <a:latin typeface="Calibri" panose="020F0502020204030204" pitchFamily="34" charset="0"/>
                 <a:ea typeface="Calibri" panose="020F0502020204030204" pitchFamily="34" charset="0"/>
@@ -14014,6 +14441,11 @@
               <a:t>Identity and trust </a:t>
             </a:r>
             <a:endParaRPr lang="en-CA" sz="1400" dirty="0">
+              <a:solidFill>
+                <a:schemeClr val="bg1">
+                  <a:lumMod val="95000"/>
+                </a:schemeClr>
+              </a:solidFill>
               <a:effectLst/>
               <a:latin typeface="Calibri" panose="020F0502020204030204" pitchFamily="34" charset="0"/>
               <a:ea typeface="Calibri" panose="020F0502020204030204" pitchFamily="34" charset="0"/>
@@ -14030,6 +14462,11 @@
             </a:pPr>
             <a:r>
               <a:rPr lang="en-CA" sz="1800" dirty="0">
+                <a:solidFill>
+                  <a:schemeClr val="bg1">
+                    <a:lumMod val="95000"/>
+                  </a:schemeClr>
+                </a:solidFill>
                 <a:effectLst/>
                 <a:latin typeface="Calibri" panose="020F0502020204030204" pitchFamily="34" charset="0"/>
                 <a:ea typeface="Calibri" panose="020F0502020204030204" pitchFamily="34" charset="0"/>
@@ -14038,6 +14475,11 @@
               <a:t>Visibility </a:t>
             </a:r>
             <a:endParaRPr lang="en-CA" sz="1400" dirty="0">
+              <a:solidFill>
+                <a:schemeClr val="bg1">
+                  <a:lumMod val="95000"/>
+                </a:schemeClr>
+              </a:solidFill>
               <a:effectLst/>
               <a:latin typeface="Calibri" panose="020F0502020204030204" pitchFamily="34" charset="0"/>
               <a:ea typeface="Calibri" panose="020F0502020204030204" pitchFamily="34" charset="0"/>
@@ -14054,6 +14496,11 @@
             </a:pPr>
             <a:r>
               <a:rPr lang="en-CA" sz="1800" dirty="0">
+                <a:solidFill>
+                  <a:schemeClr val="bg1">
+                    <a:lumMod val="95000"/>
+                  </a:schemeClr>
+                </a:solidFill>
                 <a:effectLst/>
                 <a:latin typeface="Calibri" panose="020F0502020204030204" pitchFamily="34" charset="0"/>
                 <a:ea typeface="Calibri" panose="020F0502020204030204" pitchFamily="34" charset="0"/>
@@ -14062,6 +14509,11 @@
               <a:t>Correlation</a:t>
             </a:r>
             <a:endParaRPr lang="en-CA" sz="1400" dirty="0">
+              <a:solidFill>
+                <a:schemeClr val="bg1">
+                  <a:lumMod val="95000"/>
+                </a:schemeClr>
+              </a:solidFill>
               <a:effectLst/>
               <a:latin typeface="Calibri" panose="020F0502020204030204" pitchFamily="34" charset="0"/>
               <a:ea typeface="Calibri" panose="020F0502020204030204" pitchFamily="34" charset="0"/>
@@ -14078,6 +14530,11 @@
             </a:pPr>
             <a:r>
               <a:rPr lang="en-CA" sz="1800" dirty="0">
+                <a:solidFill>
+                  <a:schemeClr val="bg1">
+                    <a:lumMod val="95000"/>
+                  </a:schemeClr>
+                </a:solidFill>
                 <a:effectLst/>
                 <a:latin typeface="Calibri" panose="020F0502020204030204" pitchFamily="34" charset="0"/>
                 <a:ea typeface="Calibri" panose="020F0502020204030204" pitchFamily="34" charset="0"/>
@@ -14086,6 +14543,11 @@
               <a:t> Instrumentation and management </a:t>
             </a:r>
             <a:endParaRPr lang="en-CA" sz="1400" dirty="0">
+              <a:solidFill>
+                <a:schemeClr val="bg1">
+                  <a:lumMod val="95000"/>
+                </a:schemeClr>
+              </a:solidFill>
               <a:effectLst/>
               <a:latin typeface="Calibri" panose="020F0502020204030204" pitchFamily="34" charset="0"/>
               <a:ea typeface="Calibri" panose="020F0502020204030204" pitchFamily="34" charset="0"/>
@@ -14102,6 +14564,11 @@
             </a:pPr>
             <a:r>
               <a:rPr lang="en-CA" sz="1800" dirty="0">
+                <a:solidFill>
+                  <a:schemeClr val="bg1">
+                    <a:lumMod val="95000"/>
+                  </a:schemeClr>
+                </a:solidFill>
                 <a:effectLst/>
                 <a:latin typeface="Calibri" panose="020F0502020204030204" pitchFamily="34" charset="0"/>
                 <a:ea typeface="Calibri" panose="020F0502020204030204" pitchFamily="34" charset="0"/>
@@ -14110,6 +14577,11 @@
               <a:t>Isolation and segmentation</a:t>
             </a:r>
             <a:endParaRPr lang="en-CA" sz="1400" dirty="0">
+              <a:solidFill>
+                <a:schemeClr val="bg1">
+                  <a:lumMod val="95000"/>
+                </a:schemeClr>
+              </a:solidFill>
               <a:effectLst/>
               <a:latin typeface="Calibri" panose="020F0502020204030204" pitchFamily="34" charset="0"/>
               <a:ea typeface="Calibri" panose="020F0502020204030204" pitchFamily="34" charset="0"/>
@@ -14126,6 +14598,11 @@
             </a:pPr>
             <a:r>
               <a:rPr lang="en-CA" sz="1800" dirty="0">
+                <a:solidFill>
+                  <a:schemeClr val="bg1">
+                    <a:lumMod val="95000"/>
+                  </a:schemeClr>
+                </a:solidFill>
                 <a:effectLst/>
                 <a:latin typeface="Calibri" panose="020F0502020204030204" pitchFamily="34" charset="0"/>
                 <a:ea typeface="Calibri" panose="020F0502020204030204" pitchFamily="34" charset="0"/>
@@ -14134,6 +14611,11 @@
               <a:t> Policy Enforcement</a:t>
             </a:r>
             <a:endParaRPr lang="en-CA" sz="1400" dirty="0">
+              <a:solidFill>
+                <a:schemeClr val="bg1">
+                  <a:lumMod val="95000"/>
+                </a:schemeClr>
+              </a:solidFill>
               <a:effectLst/>
               <a:latin typeface="Calibri" panose="020F0502020204030204" pitchFamily="34" charset="0"/>
               <a:ea typeface="Calibri" panose="020F0502020204030204" pitchFamily="34" charset="0"/>
@@ -14148,6 +14630,11 @@
             </a:pPr>
             <a:r>
               <a:rPr lang="en-CA" sz="1800" dirty="0">
+                <a:solidFill>
+                  <a:schemeClr val="bg1">
+                    <a:lumMod val="95000"/>
+                  </a:schemeClr>
+                </a:solidFill>
                 <a:effectLst/>
                 <a:latin typeface="Calibri" panose="020F0502020204030204" pitchFamily="34" charset="0"/>
                 <a:ea typeface="Calibri" panose="020F0502020204030204" pitchFamily="34" charset="0"/>
@@ -14156,6 +14643,11 @@
               <a:t> </a:t>
             </a:r>
             <a:endParaRPr lang="en-CA" sz="1400" dirty="0">
+              <a:solidFill>
+                <a:schemeClr val="bg1">
+                  <a:lumMod val="95000"/>
+                </a:schemeClr>
+              </a:solidFill>
               <a:effectLst/>
               <a:latin typeface="Calibri" panose="020F0502020204030204" pitchFamily="34" charset="0"/>
               <a:ea typeface="Calibri" panose="020F0502020204030204" pitchFamily="34" charset="0"/>
@@ -14170,6 +14662,11 @@
             </a:pPr>
             <a:r>
               <a:rPr lang="en-CA" sz="1800" dirty="0">
+                <a:solidFill>
+                  <a:schemeClr val="bg1">
+                    <a:lumMod val="95000"/>
+                  </a:schemeClr>
+                </a:solidFill>
                 <a:effectLst/>
                 <a:latin typeface="Calibri" panose="020F0502020204030204" pitchFamily="34" charset="0"/>
                 <a:ea typeface="Calibri" panose="020F0502020204030204" pitchFamily="34" charset="0"/>
@@ -14178,6 +14675,11 @@
               <a:t>Open and secure are the two primary stances. Open, often known as default allow, denotes that access that isn't expressly prohibited is allowed. Secure, also known as default deny, denotes that any access that is not explicitly permitted is prohibited. In actual usage, default deny indicates that access is blocked until a rule, access control list (ACL), or setting is changed to permit access.</a:t>
             </a:r>
             <a:endParaRPr lang="en-CA" sz="1400" dirty="0">
+              <a:solidFill>
+                <a:schemeClr val="bg1">
+                  <a:lumMod val="95000"/>
+                </a:schemeClr>
+              </a:solidFill>
               <a:effectLst/>
               <a:latin typeface="Calibri" panose="020F0502020204030204" pitchFamily="34" charset="0"/>
               <a:ea typeface="Calibri" panose="020F0502020204030204" pitchFamily="34" charset="0"/>
@@ -14192,6 +14694,11 @@
             </a:pPr>
             <a:r>
               <a:rPr lang="en-CA" sz="1400" dirty="0">
+                <a:solidFill>
+                  <a:schemeClr val="bg1">
+                    <a:lumMod val="95000"/>
+                  </a:schemeClr>
+                </a:solidFill>
                 <a:effectLst/>
                 <a:latin typeface="Calibri" panose="020F0502020204030204" pitchFamily="34" charset="0"/>
                 <a:ea typeface="Calibri" panose="020F0502020204030204" pitchFamily="34" charset="0"/>
@@ -14211,6 +14718,11 @@
             </a:pPr>
             <a:r>
               <a:rPr lang="en-CA" sz="2800" b="1" dirty="0">
+                <a:solidFill>
+                  <a:schemeClr val="bg1">
+                    <a:lumMod val="95000"/>
+                  </a:schemeClr>
+                </a:solidFill>
                 <a:effectLst/>
                 <a:latin typeface="Times New Roman" panose="02020603050405020304" pitchFamily="18" charset="0"/>
                 <a:ea typeface="Calibri" panose="020F0502020204030204" pitchFamily="34" charset="0"/>
@@ -14219,6 +14731,11 @@
               <a:t> </a:t>
             </a:r>
             <a:endParaRPr lang="en-CA" sz="1400" dirty="0">
+              <a:solidFill>
+                <a:schemeClr val="bg1">
+                  <a:lumMod val="95000"/>
+                </a:schemeClr>
+              </a:solidFill>
               <a:effectLst/>
               <a:latin typeface="Calibri" panose="020F0502020204030204" pitchFamily="34" charset="0"/>
               <a:ea typeface="Calibri" panose="020F0502020204030204" pitchFamily="34" charset="0"/>
@@ -14237,13 +14754,6 @@
   <p:clrMapOvr>
     <a:masterClrMapping/>
   </p:clrMapOvr>
-  <p:timing>
-    <p:tnLst>
-      <p:par>
-        <p:cTn id="1" dur="indefinite" restart="never" nodeType="tmRoot"/>
-      </p:par>
-    </p:tnLst>
-  </p:timing>
 </p:sld>
 </file>
 
@@ -14266,195 +14776,13 @@
       </p:grpSpPr>
       <p:sp>
         <p:nvSpPr>
-          <p:cNvPr id="3" name="TextBox 2">
-            <a:extLst>
-              <a:ext uri="{FF2B5EF4-FFF2-40B4-BE49-F238E27FC236}">
-                <a16:creationId xmlns:a16="http://schemas.microsoft.com/office/drawing/2014/main" xmlns="" id="{54FAE4C1-8530-6109-109D-E7AAC4286F22}"/>
-              </a:ext>
-            </a:extLst>
-          </p:cNvPr>
-          <p:cNvSpPr txBox="1"/>
-          <p:nvPr/>
-        </p:nvSpPr>
-        <p:spPr>
-          <a:xfrm>
-            <a:off x="-82296" y="4511551"/>
-            <a:ext cx="12192000" cy="1725729"/>
-          </a:xfrm>
-          <a:prstGeom prst="rect">
-            <a:avLst/>
-          </a:prstGeom>
-          <a:noFill/>
-        </p:spPr>
-        <p:txBody>
-          <a:bodyPr wrap="square">
-            <a:spAutoFit/>
-          </a:bodyPr>
-          <a:lstStyle/>
-          <a:p>
-            <a:pPr marL="457200">
-              <a:lnSpc>
-                <a:spcPct val="107000"/>
-              </a:lnSpc>
-            </a:pPr>
-            <a:r>
-              <a:rPr lang="en-CA" sz="2400" b="1" dirty="0">
-                <a:effectLst/>
-                <a:latin typeface="Calibri" panose="020F0502020204030204" pitchFamily="34" charset="0"/>
-                <a:ea typeface="Calibri" panose="020F0502020204030204" pitchFamily="34" charset="0"/>
-                <a:cs typeface="Times New Roman" panose="02020603050405020304" pitchFamily="18" charset="0"/>
-              </a:rPr>
-              <a:t>Principle of Least Privilege and Separation of Duties –</a:t>
-            </a:r>
-            <a:endParaRPr lang="en-CA" sz="1400" dirty="0">
-              <a:effectLst/>
-              <a:latin typeface="Calibri" panose="020F0502020204030204" pitchFamily="34" charset="0"/>
-              <a:ea typeface="Calibri" panose="020F0502020204030204" pitchFamily="34" charset="0"/>
-              <a:cs typeface="Times New Roman" panose="02020603050405020304" pitchFamily="18" charset="0"/>
-            </a:endParaRPr>
-          </a:p>
-          <a:p>
-            <a:pPr marL="457200">
-              <a:lnSpc>
-                <a:spcPct val="107000"/>
-              </a:lnSpc>
-            </a:pPr>
-            <a:r>
-              <a:rPr lang="en-CA" dirty="0">
-                <a:effectLst/>
-                <a:latin typeface="Calibri" panose="020F0502020204030204" pitchFamily="34" charset="0"/>
-                <a:ea typeface="Calibri" panose="020F0502020204030204" pitchFamily="34" charset="0"/>
-                <a:cs typeface="Times New Roman" panose="02020603050405020304" pitchFamily="18" charset="0"/>
-              </a:rPr>
-              <a:t>The principle of least privilege states that all users—whether they are individual contributors, managers, directors, or executives—should be granted only the level of privilege they need to do their jobs, and no more.</a:t>
-            </a:r>
-          </a:p>
-          <a:p>
-            <a:pPr marL="457200">
-              <a:lnSpc>
-                <a:spcPct val="107000"/>
-              </a:lnSpc>
-              <a:spcAft>
-                <a:spcPts val="800"/>
-              </a:spcAft>
-            </a:pPr>
-            <a:r>
-              <a:rPr lang="en-CA" dirty="0">
-                <a:effectLst/>
-                <a:latin typeface="Calibri" panose="020F0502020204030204" pitchFamily="34" charset="0"/>
-                <a:ea typeface="Calibri" panose="020F0502020204030204" pitchFamily="34" charset="0"/>
-                <a:cs typeface="Times New Roman" panose="02020603050405020304" pitchFamily="18" charset="0"/>
-              </a:rPr>
-              <a:t>The software can benefit from the same idea of least privilege. For instance, applications or processes running on a system should only have access to the resources necessary to complete their tasks. They shouldn't have root access</a:t>
-            </a:r>
-            <a:r>
-              <a:rPr lang="en-CA" sz="1800" dirty="0">
-                <a:effectLst/>
-                <a:latin typeface="Calibri" panose="020F0502020204030204" pitchFamily="34" charset="0"/>
-                <a:ea typeface="Calibri" panose="020F0502020204030204" pitchFamily="34" charset="0"/>
-                <a:cs typeface="Times New Roman" panose="02020603050405020304" pitchFamily="18" charset="0"/>
-              </a:rPr>
-              <a:t>.</a:t>
-            </a:r>
-            <a:endParaRPr lang="en-CA" sz="1400" dirty="0">
-              <a:effectLst/>
-              <a:latin typeface="Calibri" panose="020F0502020204030204" pitchFamily="34" charset="0"/>
-              <a:ea typeface="Calibri" panose="020F0502020204030204" pitchFamily="34" charset="0"/>
-              <a:cs typeface="Times New Roman" panose="02020603050405020304" pitchFamily="18" charset="0"/>
-            </a:endParaRPr>
-          </a:p>
-        </p:txBody>
-      </p:sp>
-      <p:pic>
-        <p:nvPicPr>
-          <p:cNvPr id="5" name="Picture 4">
-            <a:extLst>
-              <a:ext uri="{FF2B5EF4-FFF2-40B4-BE49-F238E27FC236}">
-                <a16:creationId xmlns:a16="http://schemas.microsoft.com/office/drawing/2014/main" xmlns="" id="{4FDDCEBB-5D49-9C67-ECB3-6055BE987A70}"/>
-              </a:ext>
-            </a:extLst>
-          </p:cNvPr>
-          <p:cNvPicPr>
-            <a:picLocks noChangeAspect="1"/>
-          </p:cNvPicPr>
-          <p:nvPr/>
-        </p:nvPicPr>
-        <p:blipFill>
-          <a:blip r:embed="rId2">
-            <a:extLst>
-              <a:ext uri="{28A0092B-C50C-407E-A947-70E740481C1C}">
-                <a14:useLocalDpi xmlns:a14="http://schemas.microsoft.com/office/drawing/2010/main" val="0"/>
-              </a:ext>
-            </a:extLst>
-          </a:blip>
-          <a:stretch>
-            <a:fillRect/>
-          </a:stretch>
-        </p:blipFill>
-        <p:spPr>
-          <a:xfrm>
-            <a:off x="-82296" y="0"/>
-            <a:ext cx="12274296" cy="4511551"/>
-          </a:xfrm>
-          <a:prstGeom prst="rect">
-            <a:avLst/>
-          </a:prstGeom>
-        </p:spPr>
-      </p:pic>
-    </p:spTree>
-    <p:extLst>
-      <p:ext uri="{BB962C8B-B14F-4D97-AF65-F5344CB8AC3E}">
-        <p14:creationId xmlns:p14="http://schemas.microsoft.com/office/powerpoint/2010/main" val="3663394072"/>
-      </p:ext>
-    </p:extLst>
-  </p:cSld>
-  <p:clrMapOvr>
-    <a:masterClrMapping/>
-  </p:clrMapOvr>
-  <p:timing>
-    <p:tnLst>
-      <p:par>
-        <p:cTn id="1" dur="indefinite" restart="never" nodeType="tmRoot"/>
-      </p:par>
-    </p:tnLst>
-  </p:timing>
-</p:sld>
-</file>
-
-<file path=ppt/slides/slide16.xml><?xml version="1.0" encoding="utf-8"?>
-<p:sld xmlns:a="http://schemas.openxmlformats.org/drawingml/2006/main" xmlns:r="http://schemas.openxmlformats.org/officeDocument/2006/relationships" xmlns:p="http://schemas.openxmlformats.org/presentationml/2006/main">
-  <p:cSld>
-    <p:bg>
-      <p:bgPr>
-        <a:solidFill>
-          <a:schemeClr val="bg1"/>
-        </a:solidFill>
-        <a:effectLst/>
-      </p:bgPr>
-    </p:bg>
-    <p:spTree>
-      <p:nvGrpSpPr>
-        <p:cNvPr id="1" name=""/>
-        <p:cNvGrpSpPr/>
-        <p:nvPr/>
-      </p:nvGrpSpPr>
-      <p:grpSpPr>
-        <a:xfrm>
-          <a:off x="0" y="0"/>
-          <a:ext cx="0" cy="0"/>
-          <a:chOff x="0" y="0"/>
-          <a:chExt cx="0" cy="0"/>
-        </a:xfrm>
-      </p:grpSpPr>
-      <p:sp>
-        <p:nvSpPr>
           <p:cNvPr id="17" name="Rectangle 16">
             <a:extLst>
               <a:ext uri="{FF2B5EF4-FFF2-40B4-BE49-F238E27FC236}">
-                <a16:creationId xmlns:a16="http://schemas.microsoft.com/office/drawing/2014/main" xmlns="" id="{5F7FCCA6-00E2-4F74-A105-0D769872F243}"/>
+                <a16:creationId xmlns:a16="http://schemas.microsoft.com/office/drawing/2014/main" id="{5F7FCCA6-00E2-4F74-A105-0D769872F243}"/>
               </a:ext>
               <a:ext uri="{C183D7F6-B498-43B3-948B-1728B52AA6E4}">
-                <adec:decorative xmlns:adec="http://schemas.microsoft.com/office/drawing/2017/decorative" xmlns="" val="1"/>
+                <adec:decorative xmlns:adec="http://schemas.microsoft.com/office/drawing/2017/decorative" val="1"/>
               </a:ext>
             </a:extLst>
           </p:cNvPr>
@@ -14464,7 +14792,7 @@
           <p:nvPr>
             <p:extLst>
               <p:ext uri="{386F3935-93C4-4BCD-93E2-E3B085C9AB24}">
-                <p16:designElem xmlns:p16="http://schemas.microsoft.com/office/powerpoint/2015/main" xmlns="" val="1"/>
+                <p16:designElem xmlns:p16="http://schemas.microsoft.com/office/powerpoint/2015/main" val="1"/>
               </p:ext>
             </p:extLst>
           </p:nvPr>
@@ -14506,7 +14834,7 @@
           <p:cNvPr id="2" name="Title 1">
             <a:extLst>
               <a:ext uri="{FF2B5EF4-FFF2-40B4-BE49-F238E27FC236}">
-                <a16:creationId xmlns:a16="http://schemas.microsoft.com/office/drawing/2014/main" xmlns="" id="{C5BB84F1-AA7C-7B80-B59A-BDE8FF825C21}"/>
+                <a16:creationId xmlns:a16="http://schemas.microsoft.com/office/drawing/2014/main" id="{C5BB84F1-AA7C-7B80-B59A-BDE8FF825C21}"/>
               </a:ext>
             </a:extLst>
           </p:cNvPr>
@@ -14545,10 +14873,10 @@
           <p:cNvPr id="19" name="Rectangle 18">
             <a:extLst>
               <a:ext uri="{FF2B5EF4-FFF2-40B4-BE49-F238E27FC236}">
-                <a16:creationId xmlns:a16="http://schemas.microsoft.com/office/drawing/2014/main" xmlns="" id="{359CEC61-F44B-43B3-B40F-AE38C5AF1D5F}"/>
+                <a16:creationId xmlns:a16="http://schemas.microsoft.com/office/drawing/2014/main" id="{359CEC61-F44B-43B3-B40F-AE38C5AF1D5F}"/>
               </a:ext>
               <a:ext uri="{C183D7F6-B498-43B3-948B-1728B52AA6E4}">
-                <adec:decorative xmlns:adec="http://schemas.microsoft.com/office/drawing/2017/decorative" xmlns="" val="1"/>
+                <adec:decorative xmlns:adec="http://schemas.microsoft.com/office/drawing/2017/decorative" val="1"/>
               </a:ext>
             </a:extLst>
           </p:cNvPr>
@@ -14558,7 +14886,7 @@
           <p:nvPr>
             <p:extLst>
               <p:ext uri="{386F3935-93C4-4BCD-93E2-E3B085C9AB24}">
-                <p16:designElem xmlns:p16="http://schemas.microsoft.com/office/powerpoint/2015/main" xmlns="" val="1"/>
+                <p16:designElem xmlns:p16="http://schemas.microsoft.com/office/powerpoint/2015/main" val="1"/>
               </p:ext>
             </p:extLst>
           </p:nvPr>
@@ -14627,17 +14955,10 @@
   <p:clrMapOvr>
     <a:masterClrMapping/>
   </p:clrMapOvr>
-  <p:timing>
-    <p:tnLst>
-      <p:par>
-        <p:cTn id="1" dur="indefinite" restart="never" nodeType="tmRoot"/>
-      </p:par>
-    </p:tnLst>
-  </p:timing>
 </p:sld>
 </file>
 
-<file path=ppt/slides/slide17.xml><?xml version="1.0" encoding="utf-8"?>
+<file path=ppt/slides/slide16.xml><?xml version="1.0" encoding="utf-8"?>
 <p:sld xmlns:a="http://schemas.openxmlformats.org/drawingml/2006/main" xmlns:r="http://schemas.openxmlformats.org/officeDocument/2006/relationships" xmlns:p="http://schemas.openxmlformats.org/presentationml/2006/main">
   <p:cSld>
     <p:spTree>
@@ -14694,13 +15015,131 @@
   <p:clrMapOvr>
     <a:masterClrMapping/>
   </p:clrMapOvr>
-  <p:timing>
-    <p:tnLst>
-      <p:par>
-        <p:cTn id="1" dur="indefinite" restart="never" nodeType="tmRoot"/>
-      </p:par>
-    </p:tnLst>
-  </p:timing>
+</p:sld>
+</file>
+
+<file path=ppt/slides/slide17.xml><?xml version="1.0" encoding="utf-8"?>
+<p:sld xmlns:a="http://schemas.openxmlformats.org/drawingml/2006/main" xmlns:r="http://schemas.openxmlformats.org/officeDocument/2006/relationships" xmlns:p="http://schemas.openxmlformats.org/presentationml/2006/main">
+  <p:cSld>
+    <p:spTree>
+      <p:nvGrpSpPr>
+        <p:cNvPr id="1" name=""/>
+        <p:cNvGrpSpPr/>
+        <p:nvPr/>
+      </p:nvGrpSpPr>
+      <p:grpSpPr>
+        <a:xfrm>
+          <a:off x="0" y="0"/>
+          <a:ext cx="0" cy="0"/>
+          <a:chOff x="0" y="0"/>
+          <a:chExt cx="0" cy="0"/>
+        </a:xfrm>
+      </p:grpSpPr>
+      <p:sp>
+        <p:nvSpPr>
+          <p:cNvPr id="2" name="Title 1">
+            <a:extLst>
+              <a:ext uri="{FF2B5EF4-FFF2-40B4-BE49-F238E27FC236}">
+                <a16:creationId xmlns:a16="http://schemas.microsoft.com/office/drawing/2014/main" id="{5B71D3CE-F146-52DF-B803-D62FA41D90FD}"/>
+              </a:ext>
+            </a:extLst>
+          </p:cNvPr>
+          <p:cNvSpPr>
+            <a:spLocks noGrp="1"/>
+          </p:cNvSpPr>
+          <p:nvPr>
+            <p:ph type="title"/>
+          </p:nvPr>
+        </p:nvSpPr>
+        <p:spPr/>
+        <p:txBody>
+          <a:bodyPr/>
+          <a:lstStyle/>
+          <a:p>
+            <a:r>
+              <a:rPr lang="en-US" dirty="0">
+                <a:solidFill>
+                  <a:schemeClr val="bg1">
+                    <a:lumMod val="95000"/>
+                  </a:schemeClr>
+                </a:solidFill>
+              </a:rPr>
+              <a:t>Why Segment a network?</a:t>
+            </a:r>
+          </a:p>
+        </p:txBody>
+      </p:sp>
+      <p:sp>
+        <p:nvSpPr>
+          <p:cNvPr id="3" name="Content Placeholder 2">
+            <a:extLst>
+              <a:ext uri="{FF2B5EF4-FFF2-40B4-BE49-F238E27FC236}">
+                <a16:creationId xmlns:a16="http://schemas.microsoft.com/office/drawing/2014/main" id="{EFD0E9FA-8796-3524-00B2-2B08D0ACBFF1}"/>
+              </a:ext>
+            </a:extLst>
+          </p:cNvPr>
+          <p:cNvSpPr>
+            <a:spLocks noGrp="1"/>
+          </p:cNvSpPr>
+          <p:nvPr>
+            <p:ph idx="1"/>
+          </p:nvPr>
+        </p:nvSpPr>
+        <p:spPr/>
+        <p:txBody>
+          <a:bodyPr/>
+          <a:lstStyle/>
+          <a:p>
+            <a:pPr algn="just"/>
+            <a:r>
+              <a:rPr lang="en-US" dirty="0">
+                <a:solidFill>
+                  <a:schemeClr val="bg1">
+                    <a:lumMod val="95000"/>
+                  </a:schemeClr>
+                </a:solidFill>
+              </a:rPr>
+              <a:t>What is Network classification?</a:t>
+            </a:r>
+          </a:p>
+          <a:p>
+            <a:pPr algn="just"/>
+            <a:r>
+              <a:rPr lang="en-US" dirty="0">
+                <a:solidFill>
+                  <a:schemeClr val="bg1">
+                    <a:lumMod val="95000"/>
+                  </a:schemeClr>
+                </a:solidFill>
+              </a:rPr>
+              <a:t>The ability to implement different services, authentication requirements, and security measures is made possible through segmentation.</a:t>
+            </a:r>
+          </a:p>
+          <a:p>
+            <a:pPr algn="just">
+              <a:buFont typeface="Arial" panose="020B0604020202020204" pitchFamily="34" charset="0"/>
+              <a:buChar char="•"/>
+            </a:pPr>
+            <a:endParaRPr lang="en-US" dirty="0">
+              <a:solidFill>
+                <a:schemeClr val="bg1">
+                  <a:lumMod val="95000"/>
+                </a:schemeClr>
+              </a:solidFill>
+            </a:endParaRPr>
+          </a:p>
+        </p:txBody>
+      </p:sp>
+    </p:spTree>
+    <p:extLst>
+      <p:ext uri="{BB962C8B-B14F-4D97-AF65-F5344CB8AC3E}">
+        <p14:creationId xmlns:p14="http://schemas.microsoft.com/office/powerpoint/2010/main" val="3229866394"/>
+      </p:ext>
+    </p:extLst>
+  </p:cSld>
+  <p:clrMapOvr>
+    <a:masterClrMapping/>
+  </p:clrMapOvr>
 </p:sld>
 </file>
 
@@ -14726,7 +15165,7 @@
           <p:cNvPr id="2" name="Title 1">
             <a:extLst>
               <a:ext uri="{FF2B5EF4-FFF2-40B4-BE49-F238E27FC236}">
-                <a16:creationId xmlns:a16="http://schemas.microsoft.com/office/drawing/2014/main" xmlns="" id="{5B71D3CE-F146-52DF-B803-D62FA41D90FD}"/>
+                <a16:creationId xmlns:a16="http://schemas.microsoft.com/office/drawing/2014/main" id="{BB970C09-FF7B-B09B-4AD9-05DFDCDD8380}"/>
               </a:ext>
             </a:extLst>
           </p:cNvPr>
@@ -14743,14 +15182,15 @@
           <a:lstStyle/>
           <a:p>
             <a:r>
-              <a:rPr lang="en-US" dirty="0"/>
-              <a:t>Why Segment a </a:t>
-            </a:r>
-            <a:r>
-              <a:rPr lang="en-US" dirty="0" smtClean="0"/>
-              <a:t>network?</a:t>
-            </a:r>
-            <a:endParaRPr lang="en-US" dirty="0"/>
+              <a:rPr lang="en-US" dirty="0">
+                <a:solidFill>
+                  <a:schemeClr val="bg1">
+                    <a:lumMod val="95000"/>
+                  </a:schemeClr>
+                </a:solidFill>
+              </a:rPr>
+              <a:t>Types of Segmented Network</a:t>
+            </a:r>
           </a:p>
         </p:txBody>
       </p:sp>
@@ -14759,7 +15199,7 @@
           <p:cNvPr id="3" name="Content Placeholder 2">
             <a:extLst>
               <a:ext uri="{FF2B5EF4-FFF2-40B4-BE49-F238E27FC236}">
-                <a16:creationId xmlns:a16="http://schemas.microsoft.com/office/drawing/2014/main" xmlns="" id="{EFD0E9FA-8796-3524-00B2-2B08D0ACBFF1}"/>
+                <a16:creationId xmlns:a16="http://schemas.microsoft.com/office/drawing/2014/main" id="{43D26C85-20E8-09EE-742A-7FE41D3AFCEE}"/>
               </a:ext>
             </a:extLst>
           </p:cNvPr>
@@ -14775,46 +15215,106 @@
           <a:bodyPr/>
           <a:lstStyle/>
           <a:p>
-            <a:pPr algn="just"/>
-            <a:r>
-              <a:rPr lang="en-US" dirty="0" smtClean="0"/>
-              <a:t>What is Network classification?</a:t>
-            </a:r>
-            <a:endParaRPr lang="en-US" dirty="0"/>
-          </a:p>
-          <a:p>
-            <a:pPr algn="just"/>
-            <a:r>
-              <a:rPr lang="en-US" dirty="0"/>
-              <a:t>The ability to implement different services, authentication requirements, and security measures is made possible through segmentation.</a:t>
-            </a:r>
-          </a:p>
-          <a:p>
-            <a:pPr algn="just">
+            <a:endParaRPr lang="en-US" dirty="0">
+              <a:solidFill>
+                <a:schemeClr val="bg1">
+                  <a:lumMod val="95000"/>
+                </a:schemeClr>
+              </a:solidFill>
+            </a:endParaRPr>
+          </a:p>
+          <a:p>
+            <a:pPr>
               <a:buFont typeface="Arial" panose="020B0604020202020204" pitchFamily="34" charset="0"/>
               <a:buChar char="•"/>
             </a:pPr>
-            <a:endParaRPr lang="en-US" dirty="0"/>
+            <a:r>
+              <a:rPr lang="en-US" dirty="0">
+                <a:solidFill>
+                  <a:schemeClr val="bg1">
+                    <a:lumMod val="95000"/>
+                  </a:schemeClr>
+                </a:solidFill>
+              </a:rPr>
+              <a:t> Enclave network</a:t>
+            </a:r>
+          </a:p>
+          <a:p>
+            <a:pPr>
+              <a:buFont typeface="Arial" panose="020B0604020202020204" pitchFamily="34" charset="0"/>
+              <a:buChar char="•"/>
+            </a:pPr>
+            <a:r>
+              <a:rPr lang="en-US" dirty="0">
+                <a:solidFill>
+                  <a:schemeClr val="bg1">
+                    <a:lumMod val="95000"/>
+                  </a:schemeClr>
+                </a:solidFill>
+              </a:rPr>
+              <a:t>Trusted Network (Wired/Wireless)</a:t>
+            </a:r>
+          </a:p>
+          <a:p>
+            <a:pPr>
+              <a:buFont typeface="Arial" panose="020B0604020202020204" pitchFamily="34" charset="0"/>
+              <a:buChar char="•"/>
+            </a:pPr>
+            <a:r>
+              <a:rPr lang="en-US" dirty="0">
+                <a:solidFill>
+                  <a:schemeClr val="bg1">
+                    <a:lumMod val="95000"/>
+                  </a:schemeClr>
+                </a:solidFill>
+              </a:rPr>
+              <a:t>Semi Trusted Network</a:t>
+            </a:r>
+          </a:p>
+          <a:p>
+            <a:pPr>
+              <a:buFont typeface="Arial" panose="020B0604020202020204" pitchFamily="34" charset="0"/>
+              <a:buChar char="•"/>
+            </a:pPr>
+            <a:r>
+              <a:rPr lang="en-US" dirty="0">
+                <a:solidFill>
+                  <a:schemeClr val="bg1">
+                    <a:lumMod val="95000"/>
+                  </a:schemeClr>
+                </a:solidFill>
+              </a:rPr>
+              <a:t>Guest Network</a:t>
+            </a:r>
+          </a:p>
+          <a:p>
+            <a:pPr>
+              <a:buFont typeface="Arial" panose="020B0604020202020204" pitchFamily="34" charset="0"/>
+              <a:buChar char="•"/>
+            </a:pPr>
+            <a:r>
+              <a:rPr lang="en-US" dirty="0">
+                <a:solidFill>
+                  <a:schemeClr val="bg1">
+                    <a:lumMod val="95000"/>
+                  </a:schemeClr>
+                </a:solidFill>
+              </a:rPr>
+              <a:t>Untrusted Network</a:t>
+            </a:r>
           </a:p>
         </p:txBody>
       </p:sp>
     </p:spTree>
     <p:extLst>
       <p:ext uri="{BB962C8B-B14F-4D97-AF65-F5344CB8AC3E}">
-        <p14:creationId xmlns:p14="http://schemas.microsoft.com/office/powerpoint/2010/main" val="3229866394"/>
+        <p14:creationId xmlns:p14="http://schemas.microsoft.com/office/powerpoint/2010/main" val="3257163880"/>
       </p:ext>
     </p:extLst>
   </p:cSld>
   <p:clrMapOvr>
     <a:masterClrMapping/>
   </p:clrMapOvr>
-  <p:timing>
-    <p:tnLst>
-      <p:par>
-        <p:cTn id="1" dur="indefinite" restart="never" nodeType="tmRoot"/>
-      </p:par>
-    </p:tnLst>
-  </p:timing>
 </p:sld>
 </file>
 
@@ -14840,7 +15340,7 @@
           <p:cNvPr id="2" name="Title 1">
             <a:extLst>
               <a:ext uri="{FF2B5EF4-FFF2-40B4-BE49-F238E27FC236}">
-                <a16:creationId xmlns:a16="http://schemas.microsoft.com/office/drawing/2014/main" xmlns="" id="{BB970C09-FF7B-B09B-4AD9-05DFDCDD8380}"/>
+                <a16:creationId xmlns:a16="http://schemas.microsoft.com/office/drawing/2014/main" id="{EFFF7A0A-A67B-1D0E-71E7-003374DEE151}"/>
               </a:ext>
             </a:extLst>
           </p:cNvPr>
@@ -14857,10 +15357,15 @@
           <a:lstStyle/>
           <a:p>
             <a:r>
-              <a:rPr lang="en-US" dirty="0" smtClean="0"/>
-              <a:t>Types of Segmented Network</a:t>
-            </a:r>
-            <a:endParaRPr lang="en-US" dirty="0"/>
+              <a:rPr lang="en-US" dirty="0">
+                <a:solidFill>
+                  <a:schemeClr val="bg1">
+                    <a:lumMod val="95000"/>
+                  </a:schemeClr>
+                </a:solidFill>
+              </a:rPr>
+              <a:t>Technologies used to segment a Network</a:t>
+            </a:r>
           </a:p>
         </p:txBody>
       </p:sp>
@@ -14869,7 +15374,7 @@
           <p:cNvPr id="3" name="Content Placeholder 2">
             <a:extLst>
               <a:ext uri="{FF2B5EF4-FFF2-40B4-BE49-F238E27FC236}">
-                <a16:creationId xmlns:a16="http://schemas.microsoft.com/office/drawing/2014/main" xmlns="" id="{43D26C85-20E8-09EE-742A-7FE41D3AFCEE}"/>
+                <a16:creationId xmlns:a16="http://schemas.microsoft.com/office/drawing/2014/main" id="{77B5DDC1-34B0-C8FD-6D90-CB3D47E2E2A4}"/>
               </a:ext>
             </a:extLst>
           </p:cNvPr>
@@ -14885,56 +15390,73 @@
           <a:bodyPr/>
           <a:lstStyle/>
           <a:p>
-            <a:endParaRPr lang="en-US" dirty="0"/>
-          </a:p>
-          <a:p>
-            <a:pPr>
-              <a:buFont typeface="Arial" panose="020B0604020202020204" pitchFamily="34" charset="0"/>
-              <a:buChar char="•"/>
-            </a:pPr>
-            <a:r>
-              <a:rPr lang="en-US" dirty="0"/>
-              <a:t> Enclave network</a:t>
-            </a:r>
-          </a:p>
-          <a:p>
-            <a:pPr>
-              <a:buFont typeface="Arial" panose="020B0604020202020204" pitchFamily="34" charset="0"/>
-              <a:buChar char="•"/>
-            </a:pPr>
-            <a:r>
-              <a:rPr lang="en-US" dirty="0"/>
-              <a:t>Trusted Network (Wired/Wireless)</a:t>
-            </a:r>
-          </a:p>
-          <a:p>
-            <a:pPr>
-              <a:buFont typeface="Arial" panose="020B0604020202020204" pitchFamily="34" charset="0"/>
-              <a:buChar char="•"/>
-            </a:pPr>
-            <a:r>
-              <a:rPr lang="en-US" dirty="0"/>
-              <a:t>Semi Trusted Network</a:t>
-            </a:r>
-          </a:p>
-          <a:p>
-            <a:pPr>
-              <a:buFont typeface="Arial" panose="020B0604020202020204" pitchFamily="34" charset="0"/>
-              <a:buChar char="•"/>
-            </a:pPr>
-            <a:r>
-              <a:rPr lang="en-US" dirty="0"/>
-              <a:t>Guest Network</a:t>
-            </a:r>
-          </a:p>
-          <a:p>
-            <a:pPr>
-              <a:buFont typeface="Arial" panose="020B0604020202020204" pitchFamily="34" charset="0"/>
-              <a:buChar char="•"/>
-            </a:pPr>
-            <a:r>
-              <a:rPr lang="en-US" dirty="0"/>
-              <a:t>Untrusted Network</a:t>
+            <a:r>
+              <a:rPr lang="en-US" dirty="0">
+                <a:solidFill>
+                  <a:schemeClr val="bg1">
+                    <a:lumMod val="95000"/>
+                  </a:schemeClr>
+                </a:solidFill>
+              </a:rPr>
+              <a:t>Virtual LANs (VLANs)</a:t>
+            </a:r>
+          </a:p>
+          <a:p>
+            <a:r>
+              <a:rPr lang="en-US" dirty="0">
+                <a:solidFill>
+                  <a:schemeClr val="bg1">
+                    <a:lumMod val="95000"/>
+                  </a:schemeClr>
+                </a:solidFill>
+              </a:rPr>
+              <a:t>Security Group Tagging (SGT)</a:t>
+            </a:r>
+          </a:p>
+          <a:p>
+            <a:r>
+              <a:rPr lang="en-US" dirty="0">
+                <a:solidFill>
+                  <a:schemeClr val="bg1">
+                    <a:lumMod val="95000"/>
+                  </a:schemeClr>
+                </a:solidFill>
+              </a:rPr>
+              <a:t>VPN Routing and Forwarding (VRF)</a:t>
+            </a:r>
+          </a:p>
+          <a:p>
+            <a:r>
+              <a:rPr lang="en-US" dirty="0" err="1">
+                <a:solidFill>
+                  <a:schemeClr val="bg1">
+                    <a:lumMod val="95000"/>
+                  </a:schemeClr>
+                </a:solidFill>
+              </a:rPr>
+              <a:t>vMicro</a:t>
+            </a:r>
+            <a:r>
+              <a:rPr lang="en-US" dirty="0">
+                <a:solidFill>
+                  <a:schemeClr val="bg1">
+                    <a:lumMod val="95000"/>
+                  </a:schemeClr>
+                </a:solidFill>
+              </a:rPr>
+              <a:t>-segmentation at the virtual machine level</a:t>
+            </a:r>
+          </a:p>
+          <a:p>
+            <a:r>
+              <a:rPr lang="en-US" dirty="0">
+                <a:solidFill>
+                  <a:schemeClr val="bg1">
+                    <a:lumMod val="95000"/>
+                  </a:schemeClr>
+                </a:solidFill>
+              </a:rPr>
+              <a:t>Micro-segmentation for containers</a:t>
             </a:r>
           </a:p>
         </p:txBody>
@@ -14942,34 +15464,19 @@
     </p:spTree>
     <p:extLst>
       <p:ext uri="{BB962C8B-B14F-4D97-AF65-F5344CB8AC3E}">
-        <p14:creationId xmlns:p14="http://schemas.microsoft.com/office/powerpoint/2010/main" val="3257163880"/>
+        <p14:creationId xmlns:p14="http://schemas.microsoft.com/office/powerpoint/2010/main" val="2652937463"/>
       </p:ext>
     </p:extLst>
   </p:cSld>
   <p:clrMapOvr>
     <a:masterClrMapping/>
   </p:clrMapOvr>
-  <p:timing>
-    <p:tnLst>
-      <p:par>
-        <p:cTn id="1" dur="indefinite" restart="never" nodeType="tmRoot"/>
-      </p:par>
-    </p:tnLst>
-  </p:timing>
 </p:sld>
 </file>
 
 <file path=ppt/slides/slide2.xml><?xml version="1.0" encoding="utf-8"?>
 <p:sld xmlns:a="http://schemas.openxmlformats.org/drawingml/2006/main" xmlns:r="http://schemas.openxmlformats.org/officeDocument/2006/relationships" xmlns:p="http://schemas.openxmlformats.org/presentationml/2006/main">
   <p:cSld>
-    <p:bg>
-      <p:bgPr>
-        <a:solidFill>
-          <a:schemeClr val="bg1"/>
-        </a:solidFill>
-        <a:effectLst/>
-      </p:bgPr>
-    </p:bg>
     <p:spTree>
       <p:nvGrpSpPr>
         <p:cNvPr id="1" name=""/>
@@ -14989,10 +15496,10 @@
           <p:cNvPr id="35" name="Rectangle 34">
             <a:extLst>
               <a:ext uri="{FF2B5EF4-FFF2-40B4-BE49-F238E27FC236}">
-                <a16:creationId xmlns:a16="http://schemas.microsoft.com/office/drawing/2014/main" xmlns="" id="{416A0E3C-60E6-4F39-BC55-5F7C224E1F7C}"/>
+                <a16:creationId xmlns:a16="http://schemas.microsoft.com/office/drawing/2014/main" id="{416A0E3C-60E6-4F39-BC55-5F7C224E1F7C}"/>
               </a:ext>
               <a:ext uri="{C183D7F6-B498-43B3-948B-1728B52AA6E4}">
-                <adec:decorative xmlns:adec="http://schemas.microsoft.com/office/drawing/2017/decorative" xmlns="" val="1"/>
+                <adec:decorative xmlns:adec="http://schemas.microsoft.com/office/drawing/2017/decorative" val="1"/>
               </a:ext>
             </a:extLst>
           </p:cNvPr>
@@ -15002,7 +15509,7 @@
           <p:nvPr>
             <p:extLst>
               <p:ext uri="{386F3935-93C4-4BCD-93E2-E3B085C9AB24}">
-                <p16:designElem xmlns:p16="http://schemas.microsoft.com/office/powerpoint/2015/main" xmlns="" val="1"/>
+                <p16:designElem xmlns:p16="http://schemas.microsoft.com/office/powerpoint/2015/main" val="1"/>
               </p:ext>
             </p:extLst>
           </p:nvPr>
@@ -15044,10 +15551,10 @@
           <p:cNvPr id="37" name="Straight Connector 36">
             <a:extLst>
               <a:ext uri="{FF2B5EF4-FFF2-40B4-BE49-F238E27FC236}">
-                <a16:creationId xmlns:a16="http://schemas.microsoft.com/office/drawing/2014/main" xmlns="" id="{C5025DAC-8B93-4160-B017-3A274A5828C0}"/>
+                <a16:creationId xmlns:a16="http://schemas.microsoft.com/office/drawing/2014/main" id="{C5025DAC-8B93-4160-B017-3A274A5828C0}"/>
               </a:ext>
               <a:ext uri="{C183D7F6-B498-43B3-948B-1728B52AA6E4}">
-                <adec:decorative xmlns:adec="http://schemas.microsoft.com/office/drawing/2017/decorative" xmlns="" val="1"/>
+                <adec:decorative xmlns:adec="http://schemas.microsoft.com/office/drawing/2017/decorative" val="1"/>
               </a:ext>
             </a:extLst>
           </p:cNvPr>
@@ -15057,7 +15564,7 @@
           <p:nvPr>
             <p:extLst>
               <p:ext uri="{386F3935-93C4-4BCD-93E2-E3B085C9AB24}">
-                <p16:designElem xmlns:p16="http://schemas.microsoft.com/office/powerpoint/2015/main" xmlns="" val="1"/>
+                <p16:designElem xmlns:p16="http://schemas.microsoft.com/office/powerpoint/2015/main" val="1"/>
               </p:ext>
             </p:extLst>
           </p:nvPr>
@@ -15099,10 +15606,10 @@
           <p:cNvPr id="39" name="Rectangle 38">
             <a:extLst>
               <a:ext uri="{FF2B5EF4-FFF2-40B4-BE49-F238E27FC236}">
-                <a16:creationId xmlns:a16="http://schemas.microsoft.com/office/drawing/2014/main" xmlns="" id="{B0E58038-8ACE-4AD9-B404-25C603550D83}"/>
+                <a16:creationId xmlns:a16="http://schemas.microsoft.com/office/drawing/2014/main" id="{B0E58038-8ACE-4AD9-B404-25C603550D83}"/>
               </a:ext>
               <a:ext uri="{C183D7F6-B498-43B3-948B-1728B52AA6E4}">
-                <adec:decorative xmlns:adec="http://schemas.microsoft.com/office/drawing/2017/decorative" xmlns="" val="1"/>
+                <adec:decorative xmlns:adec="http://schemas.microsoft.com/office/drawing/2017/decorative" val="1"/>
               </a:ext>
             </a:extLst>
           </p:cNvPr>
@@ -15112,7 +15619,7 @@
           <p:nvPr>
             <p:extLst>
               <p:ext uri="{386F3935-93C4-4BCD-93E2-E3B085C9AB24}">
-                <p16:designElem xmlns:p16="http://schemas.microsoft.com/office/powerpoint/2015/main" xmlns="" val="1"/>
+                <p16:designElem xmlns:p16="http://schemas.microsoft.com/office/powerpoint/2015/main" val="1"/>
               </p:ext>
             </p:extLst>
           </p:nvPr>
@@ -15159,7 +15666,7 @@
           <p:cNvPr id="4" name="Picture 3" descr="A picture containing text, person&#10;&#10;Description automatically generated">
             <a:extLst>
               <a:ext uri="{FF2B5EF4-FFF2-40B4-BE49-F238E27FC236}">
-                <a16:creationId xmlns:a16="http://schemas.microsoft.com/office/drawing/2014/main" xmlns="" id="{53538A4F-CD79-67A2-2FC8-813FB8AA34CE}"/>
+                <a16:creationId xmlns:a16="http://schemas.microsoft.com/office/drawing/2014/main" id="{53538A4F-CD79-67A2-2FC8-813FB8AA34CE}"/>
               </a:ext>
             </a:extLst>
           </p:cNvPr>
@@ -15195,10 +15702,10 @@
           <p:cNvPr id="41" name="Straight Connector 40">
             <a:extLst>
               <a:ext uri="{FF2B5EF4-FFF2-40B4-BE49-F238E27FC236}">
-                <a16:creationId xmlns:a16="http://schemas.microsoft.com/office/drawing/2014/main" xmlns="" id="{38A34772-9011-42B5-AA63-FD6DEC92EE72}"/>
+                <a16:creationId xmlns:a16="http://schemas.microsoft.com/office/drawing/2014/main" id="{38A34772-9011-42B5-AA63-FD6DEC92EE72}"/>
               </a:ext>
               <a:ext uri="{C183D7F6-B498-43B3-948B-1728B52AA6E4}">
-                <adec:decorative xmlns:adec="http://schemas.microsoft.com/office/drawing/2017/decorative" xmlns="" val="1"/>
+                <adec:decorative xmlns:adec="http://schemas.microsoft.com/office/drawing/2017/decorative" val="1"/>
               </a:ext>
             </a:extLst>
           </p:cNvPr>
@@ -15208,7 +15715,7 @@
           <p:nvPr>
             <p:extLst>
               <p:ext uri="{386F3935-93C4-4BCD-93E2-E3B085C9AB24}">
-                <p16:designElem xmlns:p16="http://schemas.microsoft.com/office/powerpoint/2015/main" xmlns="" val="1"/>
+                <p16:designElem xmlns:p16="http://schemas.microsoft.com/office/powerpoint/2015/main" val="1"/>
               </p:ext>
             </p:extLst>
           </p:nvPr>
@@ -15247,7 +15754,7 @@
           <p:cNvPr id="3" name="TextBox 2">
             <a:extLst>
               <a:ext uri="{FF2B5EF4-FFF2-40B4-BE49-F238E27FC236}">
-                <a16:creationId xmlns:a16="http://schemas.microsoft.com/office/drawing/2014/main" xmlns="" id="{E15D3EB5-5520-151E-EE2D-43CA9BF0EDD7}"/>
+                <a16:creationId xmlns:a16="http://schemas.microsoft.com/office/drawing/2014/main" id="{E15D3EB5-5520-151E-EE2D-43CA9BF0EDD7}"/>
               </a:ext>
             </a:extLst>
           </p:cNvPr>
@@ -15347,10 +15854,10 @@
           <p:cNvPr id="43" name="Rectangle 42">
             <a:extLst>
               <a:ext uri="{FF2B5EF4-FFF2-40B4-BE49-F238E27FC236}">
-                <a16:creationId xmlns:a16="http://schemas.microsoft.com/office/drawing/2014/main" xmlns="" id="{82BCDE19-2810-4337-9C49-8589C421767D}"/>
+                <a16:creationId xmlns:a16="http://schemas.microsoft.com/office/drawing/2014/main" id="{82BCDE19-2810-4337-9C49-8589C421767D}"/>
               </a:ext>
               <a:ext uri="{C183D7F6-B498-43B3-948B-1728B52AA6E4}">
-                <adec:decorative xmlns:adec="http://schemas.microsoft.com/office/drawing/2017/decorative" xmlns="" val="1"/>
+                <adec:decorative xmlns:adec="http://schemas.microsoft.com/office/drawing/2017/decorative" val="1"/>
               </a:ext>
             </a:extLst>
           </p:cNvPr>
@@ -15360,7 +15867,7 @@
           <p:nvPr>
             <p:extLst>
               <p:ext uri="{386F3935-93C4-4BCD-93E2-E3B085C9AB24}">
-                <p16:designElem xmlns:p16="http://schemas.microsoft.com/office/powerpoint/2015/main" xmlns="" val="1"/>
+                <p16:designElem xmlns:p16="http://schemas.microsoft.com/office/powerpoint/2015/main" val="1"/>
               </p:ext>
             </p:extLst>
           </p:nvPr>
@@ -15434,7 +15941,7 @@
           <p:cNvPr id="2" name="Title 1">
             <a:extLst>
               <a:ext uri="{FF2B5EF4-FFF2-40B4-BE49-F238E27FC236}">
-                <a16:creationId xmlns:a16="http://schemas.microsoft.com/office/drawing/2014/main" xmlns="" id="{EFFF7A0A-A67B-1D0E-71E7-003374DEE151}"/>
+                <a16:creationId xmlns:a16="http://schemas.microsoft.com/office/drawing/2014/main" id="{5C73ED6D-769B-D413-0EE0-9992095CB79D}"/>
               </a:ext>
             </a:extLst>
           </p:cNvPr>
@@ -15451,8 +15958,14 @@
           <a:lstStyle/>
           <a:p>
             <a:r>
-              <a:rPr lang="en-US" dirty="0"/>
-              <a:t>Technologies used to segment a Network</a:t>
+              <a:rPr lang="en-US" dirty="0">
+                <a:solidFill>
+                  <a:schemeClr val="bg1">
+                    <a:lumMod val="95000"/>
+                  </a:schemeClr>
+                </a:solidFill>
+              </a:rPr>
+              <a:t>Layered border security</a:t>
             </a:r>
           </a:p>
         </p:txBody>
@@ -15462,7 +15975,7 @@
           <p:cNvPr id="3" name="Content Placeholder 2">
             <a:extLst>
               <a:ext uri="{FF2B5EF4-FFF2-40B4-BE49-F238E27FC236}">
-                <a16:creationId xmlns:a16="http://schemas.microsoft.com/office/drawing/2014/main" xmlns="" id="{77B5DDC1-34B0-C8FD-6D90-CB3D47E2E2A4}"/>
+                <a16:creationId xmlns:a16="http://schemas.microsoft.com/office/drawing/2014/main" id="{39E430E2-77DC-9A08-D6A2-D091D10F7458}"/>
               </a:ext>
             </a:extLst>
           </p:cNvPr>
@@ -15479,161 +15992,39 @@
           <a:lstStyle/>
           <a:p>
             <a:r>
-              <a:rPr lang="en-US" dirty="0"/>
-              <a:t>Virtual LANs (VLANs)</a:t>
-            </a:r>
-          </a:p>
-          <a:p>
-            <a:r>
-              <a:rPr lang="en-US" dirty="0"/>
-              <a:t>Security Group Tagging (SGT)</a:t>
-            </a:r>
-          </a:p>
-          <a:p>
-            <a:r>
-              <a:rPr lang="en-US" dirty="0"/>
-              <a:t>VPN Routing and Forwarding (VRF)</a:t>
-            </a:r>
-          </a:p>
-          <a:p>
-            <a:r>
-              <a:rPr lang="en-US" dirty="0" err="1"/>
-              <a:t>vMicro</a:t>
-            </a:r>
-            <a:r>
-              <a:rPr lang="en-US" dirty="0"/>
-              <a:t>-segmentation at the virtual machine level</a:t>
-            </a:r>
-          </a:p>
-          <a:p>
-            <a:r>
-              <a:rPr lang="en-US" dirty="0"/>
-              <a:t>Micro-segmentation for containers</a:t>
-            </a:r>
-          </a:p>
-        </p:txBody>
-      </p:sp>
-    </p:spTree>
-    <p:extLst>
-      <p:ext uri="{BB962C8B-B14F-4D97-AF65-F5344CB8AC3E}">
-        <p14:creationId xmlns:p14="http://schemas.microsoft.com/office/powerpoint/2010/main" val="2652937463"/>
-      </p:ext>
-    </p:extLst>
-  </p:cSld>
-  <p:clrMapOvr>
-    <a:masterClrMapping/>
-  </p:clrMapOvr>
-  <p:timing>
-    <p:tnLst>
-      <p:par>
-        <p:cTn id="1" dur="indefinite" restart="never" nodeType="tmRoot"/>
-      </p:par>
-    </p:tnLst>
-  </p:timing>
-</p:sld>
-</file>
-
-<file path=ppt/slides/slide21.xml><?xml version="1.0" encoding="utf-8"?>
-<p:sld xmlns:a="http://schemas.openxmlformats.org/drawingml/2006/main" xmlns:r="http://schemas.openxmlformats.org/officeDocument/2006/relationships" xmlns:p="http://schemas.openxmlformats.org/presentationml/2006/main">
-  <p:cSld>
-    <p:spTree>
-      <p:nvGrpSpPr>
-        <p:cNvPr id="1" name=""/>
-        <p:cNvGrpSpPr/>
-        <p:nvPr/>
-      </p:nvGrpSpPr>
-      <p:grpSpPr>
-        <a:xfrm>
-          <a:off x="0" y="0"/>
-          <a:ext cx="0" cy="0"/>
-          <a:chOff x="0" y="0"/>
-          <a:chExt cx="0" cy="0"/>
-        </a:xfrm>
-      </p:grpSpPr>
-      <p:sp>
-        <p:nvSpPr>
-          <p:cNvPr id="2" name="Title 1">
-            <a:extLst>
-              <a:ext uri="{FF2B5EF4-FFF2-40B4-BE49-F238E27FC236}">
-                <a16:creationId xmlns:a16="http://schemas.microsoft.com/office/drawing/2014/main" xmlns="" id="{5C73ED6D-769B-D413-0EE0-9992095CB79D}"/>
-              </a:ext>
-            </a:extLst>
-          </p:cNvPr>
-          <p:cNvSpPr>
-            <a:spLocks noGrp="1"/>
-          </p:cNvSpPr>
-          <p:nvPr>
-            <p:ph type="title"/>
-          </p:nvPr>
-        </p:nvSpPr>
-        <p:spPr/>
-        <p:txBody>
-          <a:bodyPr/>
-          <a:lstStyle/>
-          <a:p>
-            <a:r>
-              <a:rPr lang="en-US" dirty="0"/>
-              <a:t>Layered border security</a:t>
-            </a:r>
-          </a:p>
-        </p:txBody>
-      </p:sp>
-      <p:sp>
-        <p:nvSpPr>
-          <p:cNvPr id="3" name="Content Placeholder 2">
-            <a:extLst>
-              <a:ext uri="{FF2B5EF4-FFF2-40B4-BE49-F238E27FC236}">
-                <a16:creationId xmlns:a16="http://schemas.microsoft.com/office/drawing/2014/main" xmlns="" id="{39E430E2-77DC-9A08-D6A2-D091D10F7458}"/>
-              </a:ext>
-            </a:extLst>
-          </p:cNvPr>
-          <p:cNvSpPr>
-            <a:spLocks noGrp="1"/>
-          </p:cNvSpPr>
-          <p:nvPr>
-            <p:ph idx="1"/>
-          </p:nvPr>
-        </p:nvSpPr>
-        <p:spPr/>
-        <p:txBody>
-          <a:bodyPr/>
-          <a:lstStyle/>
-          <a:p>
-            <a:r>
-              <a:rPr lang="en-US" dirty="0" smtClean="0"/>
+              <a:rPr lang="en-US" dirty="0">
+                <a:solidFill>
+                  <a:schemeClr val="bg1">
+                    <a:lumMod val="95000"/>
+                  </a:schemeClr>
+                </a:solidFill>
+              </a:rPr>
               <a:t>What is layer security?</a:t>
             </a:r>
-            <a:endParaRPr lang="en-US" dirty="0"/>
-          </a:p>
-          <a:p>
-            <a:r>
-              <a:rPr lang="en-US" dirty="0" smtClean="0"/>
-              <a:t>What is l</a:t>
-            </a:r>
-            <a:r>
-              <a:rPr lang="en-US" dirty="0" smtClean="0"/>
-              <a:t>ayered </a:t>
-            </a:r>
-            <a:r>
-              <a:rPr lang="en-US" dirty="0"/>
-              <a:t>border </a:t>
-            </a:r>
-            <a:r>
-              <a:rPr lang="en-US" dirty="0" smtClean="0"/>
-              <a:t>security?</a:t>
-            </a:r>
-            <a:endParaRPr lang="en-US" dirty="0"/>
-          </a:p>
-          <a:p>
-            <a:r>
-              <a:rPr lang="en-US" dirty="0"/>
-              <a:t>It includes controls like </a:t>
-            </a:r>
-            <a:r>
-              <a:rPr lang="en-US" dirty="0" smtClean="0"/>
-              <a:t>firewalls,</a:t>
-            </a:r>
-            <a:endParaRPr lang="en-US" dirty="0"/>
+          </a:p>
+          <a:p>
+            <a:r>
+              <a:rPr lang="en-US" dirty="0">
+                <a:solidFill>
+                  <a:schemeClr val="bg1">
+                    <a:lumMod val="95000"/>
+                  </a:schemeClr>
+                </a:solidFill>
+              </a:rPr>
+              <a:t>What is layered border security?</a:t>
+            </a:r>
+          </a:p>
+          <a:p>
+            <a:r>
+              <a:rPr lang="en-US" dirty="0">
+                <a:solidFill>
+                  <a:schemeClr val="bg1">
+                    <a:lumMod val="95000"/>
+                  </a:schemeClr>
+                </a:solidFill>
+              </a:rPr>
+              <a:t>It includes controls like firewalls,</a:t>
+            </a:r>
           </a:p>
         </p:txBody>
       </p:sp>
@@ -15677,13 +16068,128 @@
   <p:clrMapOvr>
     <a:masterClrMapping/>
   </p:clrMapOvr>
-  <p:timing>
-    <p:tnLst>
-      <p:par>
-        <p:cTn id="1" dur="indefinite" restart="never" nodeType="tmRoot"/>
-      </p:par>
-    </p:tnLst>
-  </p:timing>
+</p:sld>
+</file>
+
+<file path=ppt/slides/slide21.xml><?xml version="1.0" encoding="utf-8"?>
+<p:sld xmlns:a="http://schemas.openxmlformats.org/drawingml/2006/main" xmlns:r="http://schemas.openxmlformats.org/officeDocument/2006/relationships" xmlns:p="http://schemas.openxmlformats.org/presentationml/2006/main">
+  <p:cSld>
+    <p:spTree>
+      <p:nvGrpSpPr>
+        <p:cNvPr id="1" name=""/>
+        <p:cNvGrpSpPr/>
+        <p:nvPr/>
+      </p:nvGrpSpPr>
+      <p:grpSpPr>
+        <a:xfrm>
+          <a:off x="0" y="0"/>
+          <a:ext cx="0" cy="0"/>
+          <a:chOff x="0" y="0"/>
+          <a:chExt cx="0" cy="0"/>
+        </a:xfrm>
+      </p:grpSpPr>
+      <p:sp>
+        <p:nvSpPr>
+          <p:cNvPr id="2" name="Title 1">
+            <a:extLst>
+              <a:ext uri="{FF2B5EF4-FFF2-40B4-BE49-F238E27FC236}">
+                <a16:creationId xmlns:a16="http://schemas.microsoft.com/office/drawing/2014/main" id="{F99909C3-139A-80AF-4E93-1E5DF6352094}"/>
+              </a:ext>
+            </a:extLst>
+          </p:cNvPr>
+          <p:cNvSpPr>
+            <a:spLocks noGrp="1"/>
+          </p:cNvSpPr>
+          <p:nvPr>
+            <p:ph type="title"/>
+          </p:nvPr>
+        </p:nvSpPr>
+        <p:spPr/>
+        <p:txBody>
+          <a:bodyPr/>
+          <a:lstStyle/>
+          <a:p>
+            <a:r>
+              <a:rPr lang="en-US" dirty="0">
+                <a:solidFill>
+                  <a:schemeClr val="bg1">
+                    <a:lumMod val="95000"/>
+                  </a:schemeClr>
+                </a:solidFill>
+              </a:rPr>
+              <a:t>Firewalls</a:t>
+            </a:r>
+          </a:p>
+        </p:txBody>
+      </p:sp>
+      <p:sp>
+        <p:nvSpPr>
+          <p:cNvPr id="3" name="Content Placeholder 2">
+            <a:extLst>
+              <a:ext uri="{FF2B5EF4-FFF2-40B4-BE49-F238E27FC236}">
+                <a16:creationId xmlns:a16="http://schemas.microsoft.com/office/drawing/2014/main" id="{6B8A64D5-D098-13B7-54B8-0388CF65613C}"/>
+              </a:ext>
+            </a:extLst>
+          </p:cNvPr>
+          <p:cNvSpPr>
+            <a:spLocks noGrp="1"/>
+          </p:cNvSpPr>
+          <p:nvPr>
+            <p:ph idx="1"/>
+          </p:nvPr>
+        </p:nvSpPr>
+        <p:spPr/>
+        <p:txBody>
+          <a:bodyPr/>
+          <a:lstStyle/>
+          <a:p>
+            <a:r>
+              <a:rPr lang="en-US" dirty="0">
+                <a:solidFill>
+                  <a:schemeClr val="bg1">
+                    <a:lumMod val="95000"/>
+                  </a:schemeClr>
+                </a:solidFill>
+              </a:rPr>
+              <a:t>What is firewall?</a:t>
+            </a:r>
+          </a:p>
+          <a:p>
+            <a:r>
+              <a:rPr lang="en-US" dirty="0">
+                <a:solidFill>
+                  <a:schemeClr val="bg1">
+                    <a:lumMod val="95000"/>
+                  </a:schemeClr>
+                </a:solidFill>
+              </a:rPr>
+              <a:t>Firewalls are handled and configured with procedures and rule sets to control incoming and outgoing traffic.</a:t>
+            </a:r>
+          </a:p>
+          <a:p>
+            <a:r>
+              <a:rPr lang="en-US" dirty="0">
+                <a:solidFill>
+                  <a:schemeClr val="bg1">
+                    <a:lumMod val="95000"/>
+                  </a:schemeClr>
+                </a:solidFill>
+              </a:rPr>
+              <a:t>Without it, network is completely exposed and can be compromised.</a:t>
+            </a:r>
+          </a:p>
+        </p:txBody>
+      </p:sp>
+    </p:spTree>
+    <p:extLst>
+      <p:ext uri="{BB962C8B-B14F-4D97-AF65-F5344CB8AC3E}">
+        <p14:creationId xmlns:p14="http://schemas.microsoft.com/office/powerpoint/2010/main" val="1627068461"/>
+      </p:ext>
+    </p:extLst>
+  </p:cSld>
+  <p:clrMapOvr>
+    <a:masterClrMapping/>
+  </p:clrMapOvr>
 </p:sld>
 </file>
 
@@ -15709,7 +16215,7 @@
           <p:cNvPr id="2" name="Title 1">
             <a:extLst>
               <a:ext uri="{FF2B5EF4-FFF2-40B4-BE49-F238E27FC236}">
-                <a16:creationId xmlns:a16="http://schemas.microsoft.com/office/drawing/2014/main" xmlns="" id="{F99909C3-139A-80AF-4E93-1E5DF6352094}"/>
+                <a16:creationId xmlns:a16="http://schemas.microsoft.com/office/drawing/2014/main" id="{FD92074A-4F16-148E-EEDD-19D11A48C338}"/>
               </a:ext>
             </a:extLst>
           </p:cNvPr>
@@ -15726,8 +16232,14 @@
           <a:lstStyle/>
           <a:p>
             <a:r>
-              <a:rPr lang="en-US" dirty="0"/>
-              <a:t>Firewalls</a:t>
+              <a:rPr lang="en-US" dirty="0">
+                <a:solidFill>
+                  <a:schemeClr val="bg1">
+                    <a:lumMod val="95000"/>
+                  </a:schemeClr>
+                </a:solidFill>
+              </a:rPr>
+              <a:t>The process used to allow or block traffic includes:</a:t>
             </a:r>
           </a:p>
         </p:txBody>
@@ -15737,7 +16249,7 @@
           <p:cNvPr id="3" name="Content Placeholder 2">
             <a:extLst>
               <a:ext uri="{FF2B5EF4-FFF2-40B4-BE49-F238E27FC236}">
-                <a16:creationId xmlns:a16="http://schemas.microsoft.com/office/drawing/2014/main" xmlns="" id="{6B8A64D5-D098-13B7-54B8-0388CF65613C}"/>
+                <a16:creationId xmlns:a16="http://schemas.microsoft.com/office/drawing/2014/main" id="{FE390902-5863-3AE1-1B7B-78F9366FE517}"/>
               </a:ext>
             </a:extLst>
           </p:cNvPr>
@@ -15754,47 +16266,92 @@
           <a:lstStyle/>
           <a:p>
             <a:r>
-              <a:rPr lang="en-US" dirty="0" smtClean="0"/>
-              <a:t>What is firewall?</a:t>
-            </a:r>
-            <a:endParaRPr lang="en-US" dirty="0"/>
-          </a:p>
-          <a:p>
-            <a:r>
-              <a:rPr lang="en-US" dirty="0"/>
-              <a:t>Firewalls are handled and configured with procedures and rule sets to control incoming and outgoing traffic</a:t>
-            </a:r>
-            <a:r>
-              <a:rPr lang="en-US" dirty="0" smtClean="0"/>
-              <a:t>.</a:t>
-            </a:r>
-          </a:p>
-          <a:p>
-            <a:r>
-              <a:rPr lang="en-US" dirty="0" smtClean="0"/>
-              <a:t>Without it, network is completely exposed and can be compromised.</a:t>
-            </a:r>
-            <a:endParaRPr lang="en-US" dirty="0"/>
+              <a:rPr lang="en-US" dirty="0">
+                <a:solidFill>
+                  <a:schemeClr val="bg1">
+                    <a:lumMod val="95000"/>
+                  </a:schemeClr>
+                </a:solidFill>
+              </a:rPr>
+              <a:t>Simple packet filtering techniques</a:t>
+            </a:r>
+          </a:p>
+          <a:p>
+            <a:pPr>
+              <a:buFont typeface="Arial" panose="020B0604020202020204" pitchFamily="34" charset="0"/>
+              <a:buChar char="•"/>
+            </a:pPr>
+            <a:r>
+              <a:rPr lang="en-US" dirty="0">
+                <a:solidFill>
+                  <a:schemeClr val="bg1">
+                    <a:lumMod val="95000"/>
+                  </a:schemeClr>
+                </a:solidFill>
+              </a:rPr>
+              <a:t>Application Proxies</a:t>
+            </a:r>
+          </a:p>
+          <a:p>
+            <a:pPr>
+              <a:buFont typeface="Arial" panose="020B0604020202020204" pitchFamily="34" charset="0"/>
+              <a:buChar char="•"/>
+            </a:pPr>
+            <a:r>
+              <a:rPr lang="en-US" dirty="0">
+                <a:solidFill>
+                  <a:schemeClr val="bg1">
+                    <a:lumMod val="95000"/>
+                  </a:schemeClr>
+                </a:solidFill>
+              </a:rPr>
+              <a:t>Network Address Protocol</a:t>
+            </a:r>
+          </a:p>
+          <a:p>
+            <a:pPr>
+              <a:buFont typeface="Arial" panose="020B0604020202020204" pitchFamily="34" charset="0"/>
+              <a:buChar char="•"/>
+            </a:pPr>
+            <a:r>
+              <a:rPr lang="en-US" dirty="0">
+                <a:solidFill>
+                  <a:schemeClr val="bg1">
+                    <a:lumMod val="95000"/>
+                  </a:schemeClr>
+                </a:solidFill>
+              </a:rPr>
+              <a:t>Stateful inspection firewalls</a:t>
+            </a:r>
+          </a:p>
+          <a:p>
+            <a:pPr>
+              <a:buFont typeface="Arial" panose="020B0604020202020204" pitchFamily="34" charset="0"/>
+              <a:buChar char="•"/>
+            </a:pPr>
+            <a:r>
+              <a:rPr lang="en-US" dirty="0">
+                <a:solidFill>
+                  <a:schemeClr val="bg1">
+                    <a:lumMod val="95000"/>
+                  </a:schemeClr>
+                </a:solidFill>
+              </a:rPr>
+              <a:t>Next-gen context-aware firewalls</a:t>
+            </a:r>
           </a:p>
         </p:txBody>
       </p:sp>
     </p:spTree>
     <p:extLst>
       <p:ext uri="{BB962C8B-B14F-4D97-AF65-F5344CB8AC3E}">
-        <p14:creationId xmlns:p14="http://schemas.microsoft.com/office/powerpoint/2010/main" val="1627068461"/>
+        <p14:creationId xmlns:p14="http://schemas.microsoft.com/office/powerpoint/2010/main" val="3310384940"/>
       </p:ext>
     </p:extLst>
   </p:cSld>
   <p:clrMapOvr>
     <a:masterClrMapping/>
   </p:clrMapOvr>
-  <p:timing>
-    <p:tnLst>
-      <p:par>
-        <p:cTn id="1" dur="indefinite" restart="never" nodeType="tmRoot"/>
-      </p:par>
-    </p:tnLst>
-  </p:timing>
 </p:sld>
 </file>
 
@@ -15820,7 +16377,7 @@
           <p:cNvPr id="2" name="Title 1">
             <a:extLst>
               <a:ext uri="{FF2B5EF4-FFF2-40B4-BE49-F238E27FC236}">
-                <a16:creationId xmlns:a16="http://schemas.microsoft.com/office/drawing/2014/main" xmlns="" id="{FD92074A-4F16-148E-EEDD-19D11A48C338}"/>
+                <a16:creationId xmlns:a16="http://schemas.microsoft.com/office/drawing/2014/main" id="{3C97B136-A603-4A44-D031-4B88EDC11EAF}"/>
               </a:ext>
             </a:extLst>
           </p:cNvPr>
@@ -15837,8 +16394,14 @@
           <a:lstStyle/>
           <a:p>
             <a:r>
-              <a:rPr lang="en-US" dirty="0"/>
-              <a:t>The process used to allow or block traffic includes:</a:t>
+              <a:rPr lang="en-US" dirty="0">
+                <a:solidFill>
+                  <a:schemeClr val="bg1">
+                    <a:lumMod val="95000"/>
+                  </a:schemeClr>
+                </a:solidFill>
+              </a:rPr>
+              <a:t>Intrusion Detection and Prevention</a:t>
             </a:r>
           </a:p>
         </p:txBody>
@@ -15848,7 +16411,7 @@
           <p:cNvPr id="3" name="Content Placeholder 2">
             <a:extLst>
               <a:ext uri="{FF2B5EF4-FFF2-40B4-BE49-F238E27FC236}">
-                <a16:creationId xmlns:a16="http://schemas.microsoft.com/office/drawing/2014/main" xmlns="" id="{FE390902-5863-3AE1-1B7B-78F9366FE517}"/>
+                <a16:creationId xmlns:a16="http://schemas.microsoft.com/office/drawing/2014/main" id="{D321A911-79A8-3089-B204-4E47D2EE3FB8}"/>
               </a:ext>
             </a:extLst>
           </p:cNvPr>
@@ -15864,50 +16427,58 @@
           <a:bodyPr/>
           <a:lstStyle/>
           <a:p>
-            <a:r>
-              <a:rPr lang="en-US" dirty="0"/>
-              <a:t>Simple packet filtering techniques</a:t>
-            </a:r>
-          </a:p>
-          <a:p>
-            <a:pPr>
-              <a:buFont typeface="Arial" panose="020B0604020202020204" pitchFamily="34" charset="0"/>
-              <a:buChar char="•"/>
+            <a:pPr marL="0" indent="0" algn="just">
+              <a:buNone/>
             </a:pPr>
             <a:r>
-              <a:rPr lang="en-US" dirty="0"/>
-              <a:t>Application Proxies</a:t>
-            </a:r>
-          </a:p>
-          <a:p>
-            <a:pPr>
-              <a:buFont typeface="Arial" panose="020B0604020202020204" pitchFamily="34" charset="0"/>
-              <a:buChar char="•"/>
+              <a:rPr lang="en-US" dirty="0">
+                <a:solidFill>
+                  <a:schemeClr val="bg1">
+                    <a:lumMod val="95000"/>
+                  </a:schemeClr>
+                </a:solidFill>
+              </a:rPr>
+              <a:t>When malicious activities masquerade legitimate traffic these are used.</a:t>
+            </a:r>
+          </a:p>
+          <a:p>
+            <a:pPr algn="just"/>
+            <a:endParaRPr lang="en-US" dirty="0">
+              <a:solidFill>
+                <a:schemeClr val="bg1">
+                  <a:lumMod val="95000"/>
+                </a:schemeClr>
+              </a:solidFill>
+            </a:endParaRPr>
+          </a:p>
+          <a:p>
+            <a:pPr marL="0" indent="0" algn="just">
+              <a:buNone/>
             </a:pPr>
             <a:r>
-              <a:rPr lang="en-US" dirty="0" smtClean="0"/>
-              <a:t>Network Address Protocol</a:t>
-            </a:r>
-            <a:endParaRPr lang="en-US" dirty="0"/>
-          </a:p>
-          <a:p>
-            <a:pPr>
-              <a:buFont typeface="Arial" panose="020B0604020202020204" pitchFamily="34" charset="0"/>
-              <a:buChar char="•"/>
+              <a:rPr lang="en-US" dirty="0">
+                <a:solidFill>
+                  <a:schemeClr val="bg1">
+                    <a:lumMod val="95000"/>
+                  </a:schemeClr>
+                </a:solidFill>
+              </a:rPr>
+              <a:t>IDS is a passive to analyze traffic to detect unauthorized access, and stressful protocol analysis and if it detects anything IDS generates an email, message or text alert.</a:t>
+            </a:r>
+          </a:p>
+          <a:p>
+            <a:pPr marL="0" indent="0" algn="just">
+              <a:buNone/>
             </a:pPr>
             <a:r>
-              <a:rPr lang="en-US" dirty="0"/>
-              <a:t>Stateful inspection firewalls</a:t>
-            </a:r>
-          </a:p>
-          <a:p>
-            <a:pPr>
-              <a:buFont typeface="Arial" panose="020B0604020202020204" pitchFamily="34" charset="0"/>
-              <a:buChar char="•"/>
-            </a:pPr>
-            <a:r>
-              <a:rPr lang="en-US" dirty="0"/>
-              <a:t>Next-gen context-aware firewalls</a:t>
+              <a:rPr lang="en-US" dirty="0">
+                <a:solidFill>
+                  <a:schemeClr val="bg1">
+                    <a:lumMod val="95000"/>
+                  </a:schemeClr>
+                </a:solidFill>
+              </a:rPr>
+              <a:t>IPS is an active device which seats in line with traffic and responds to identify threads by disabling connection, dropping packets or deleting malicious content.</a:t>
             </a:r>
           </a:p>
         </p:txBody>
@@ -15915,20 +16486,13 @@
     </p:spTree>
     <p:extLst>
       <p:ext uri="{BB962C8B-B14F-4D97-AF65-F5344CB8AC3E}">
-        <p14:creationId xmlns:p14="http://schemas.microsoft.com/office/powerpoint/2010/main" val="3310384940"/>
+        <p14:creationId xmlns:p14="http://schemas.microsoft.com/office/powerpoint/2010/main" val="641647791"/>
       </p:ext>
     </p:extLst>
   </p:cSld>
   <p:clrMapOvr>
     <a:masterClrMapping/>
   </p:clrMapOvr>
-  <p:timing>
-    <p:tnLst>
-      <p:par>
-        <p:cTn id="1" dur="indefinite" restart="never" nodeType="tmRoot"/>
-      </p:par>
-    </p:tnLst>
-  </p:timing>
 </p:sld>
 </file>
 
@@ -15954,7 +16518,7 @@
           <p:cNvPr id="2" name="Title 1">
             <a:extLst>
               <a:ext uri="{FF2B5EF4-FFF2-40B4-BE49-F238E27FC236}">
-                <a16:creationId xmlns:a16="http://schemas.microsoft.com/office/drawing/2014/main" xmlns="" id="{3C97B136-A603-4A44-D031-4B88EDC11EAF}"/>
+                <a16:creationId xmlns:a16="http://schemas.microsoft.com/office/drawing/2014/main" id="{83E6490C-B842-544D-F467-2C1996586976}"/>
               </a:ext>
             </a:extLst>
           </p:cNvPr>
@@ -15971,8 +16535,14 @@
           <a:lstStyle/>
           <a:p>
             <a:r>
-              <a:rPr lang="en-US" dirty="0"/>
-              <a:t>Intrusion Detection and Prevention</a:t>
+              <a:rPr lang="en-US" dirty="0">
+                <a:solidFill>
+                  <a:schemeClr val="bg1">
+                    <a:lumMod val="95000"/>
+                  </a:schemeClr>
+                </a:solidFill>
+              </a:rPr>
+              <a:t>Technologies used by IDS/IPS</a:t>
             </a:r>
           </a:p>
         </p:txBody>
@@ -15982,7 +16552,7 @@
           <p:cNvPr id="3" name="Content Placeholder 2">
             <a:extLst>
               <a:ext uri="{FF2B5EF4-FFF2-40B4-BE49-F238E27FC236}">
-                <a16:creationId xmlns:a16="http://schemas.microsoft.com/office/drawing/2014/main" xmlns="" id="{D321A911-79A8-3089-B204-4E47D2EE3FB8}"/>
+                <a16:creationId xmlns:a16="http://schemas.microsoft.com/office/drawing/2014/main" id="{FC39A5D6-6977-8E39-6950-F696BF2696F3}"/>
               </a:ext>
             </a:extLst>
           </p:cNvPr>
@@ -15998,72 +16568,134 @@
           <a:bodyPr/>
           <a:lstStyle/>
           <a:p>
-            <a:pPr marL="0" indent="0" algn="just">
-              <a:buNone/>
+            <a:pPr marL="457200" indent="-457200" algn="just">
+              <a:buFont typeface="+mj-lt"/>
+              <a:buAutoNum type="arabicPeriod"/>
             </a:pPr>
             <a:r>
-              <a:rPr lang="en-US" dirty="0"/>
-              <a:t>When malicious activities masquerade legitimate traffic these are </a:t>
-            </a:r>
-            <a:r>
-              <a:rPr lang="en-US" dirty="0" smtClean="0"/>
-              <a:t>used.</a:t>
-            </a:r>
-          </a:p>
-          <a:p>
-            <a:pPr algn="just"/>
-            <a:endParaRPr lang="en-US" dirty="0"/>
-          </a:p>
-          <a:p>
-            <a:pPr marL="0" indent="0" algn="just">
-              <a:buNone/>
+              <a:rPr lang="en-US" b="1" dirty="0">
+                <a:solidFill>
+                  <a:schemeClr val="bg1">
+                    <a:lumMod val="95000"/>
+                  </a:schemeClr>
+                </a:solidFill>
+              </a:rPr>
+              <a:t>Network-based: </a:t>
+            </a:r>
+            <a:r>
+              <a:rPr lang="en-US" dirty="0">
+                <a:solidFill>
+                  <a:schemeClr val="bg1">
+                    <a:lumMod val="95000"/>
+                  </a:schemeClr>
+                </a:solidFill>
+              </a:rPr>
+              <a:t>Monitors network traffic for a specific segment, and device and analyze activities.</a:t>
+            </a:r>
+          </a:p>
+          <a:p>
+            <a:pPr marL="457200" indent="-457200" algn="just">
+              <a:buFont typeface="+mj-lt"/>
+              <a:buAutoNum type="arabicPeriod"/>
             </a:pPr>
             <a:r>
-              <a:rPr lang="en-US" dirty="0"/>
-              <a:t>IDS is a passive to analyze traffic to detect unauthorized access, and stressful protocol analysis and if it detects anything IDS generates an email, message or text alert</a:t>
-            </a:r>
-            <a:r>
-              <a:rPr lang="en-US" dirty="0" smtClean="0"/>
-              <a:t>.</a:t>
-            </a:r>
-            <a:endParaRPr lang="en-US" dirty="0"/>
-          </a:p>
-          <a:p>
-            <a:pPr marL="0" indent="0" algn="just">
-              <a:buNone/>
+              <a:rPr lang="en-US" b="1" dirty="0">
+                <a:solidFill>
+                  <a:schemeClr val="bg1">
+                    <a:lumMod val="95000"/>
+                  </a:schemeClr>
+                </a:solidFill>
+              </a:rPr>
+              <a:t>Wireless IDS/IPS: </a:t>
+            </a:r>
+            <a:r>
+              <a:rPr lang="en-US" dirty="0">
+                <a:solidFill>
+                  <a:schemeClr val="bg1">
+                    <a:lumMod val="95000"/>
+                  </a:schemeClr>
+                </a:solidFill>
+              </a:rPr>
+              <a:t>Monitors wireless network traffic and analyzes activities and protocols.</a:t>
+            </a:r>
+          </a:p>
+          <a:p>
+            <a:pPr marL="457200" indent="-457200" algn="just">
+              <a:buFont typeface="+mj-lt"/>
+              <a:buAutoNum type="arabicPeriod"/>
             </a:pPr>
             <a:r>
-              <a:rPr lang="en-US" dirty="0"/>
-              <a:t>IPS is an active device which seats in line with traffic and </a:t>
-            </a:r>
-            <a:r>
-              <a:rPr lang="en-US" dirty="0" smtClean="0"/>
-              <a:t>responds </a:t>
-            </a:r>
-            <a:r>
-              <a:rPr lang="en-US" dirty="0"/>
-              <a:t>to identify threads by disabling connection, dropping packets or deleting malicious content.</a:t>
-            </a:r>
+              <a:rPr lang="en-US" b="1" dirty="0">
+                <a:solidFill>
+                  <a:schemeClr val="bg1">
+                    <a:lumMod val="95000"/>
+                  </a:schemeClr>
+                </a:solidFill>
+              </a:rPr>
+              <a:t>Network behavioural analysis: </a:t>
+            </a:r>
+            <a:r>
+              <a:rPr lang="en-US" dirty="0">
+                <a:solidFill>
+                  <a:schemeClr val="bg1">
+                    <a:lumMod val="95000"/>
+                  </a:schemeClr>
+                </a:solidFill>
+              </a:rPr>
+              <a:t>It examines the traffic to identify threats, information flow, DDOS, malware and policy violations.</a:t>
+            </a:r>
+          </a:p>
+          <a:p>
+            <a:pPr marL="457200" indent="-457200" algn="just">
+              <a:buFont typeface="+mj-lt"/>
+              <a:buAutoNum type="arabicPeriod"/>
+            </a:pPr>
+            <a:r>
+              <a:rPr lang="en-US" b="1" dirty="0">
+                <a:solidFill>
+                  <a:schemeClr val="bg1">
+                    <a:lumMod val="95000"/>
+                  </a:schemeClr>
+                </a:solidFill>
+              </a:rPr>
+              <a:t>Host-based IDS/IPS: </a:t>
+            </a:r>
+            <a:r>
+              <a:rPr lang="en-US" dirty="0">
+                <a:solidFill>
+                  <a:schemeClr val="bg1">
+                    <a:lumMod val="95000"/>
+                  </a:schemeClr>
+                </a:solidFill>
+              </a:rPr>
+              <a:t>It monitors every single host and its events.</a:t>
+            </a:r>
+          </a:p>
+          <a:p>
+            <a:pPr marL="457200" indent="-457200" algn="just">
+              <a:buFont typeface="+mj-lt"/>
+              <a:buAutoNum type="arabicPeriod"/>
+            </a:pPr>
+            <a:endParaRPr lang="en-US" dirty="0">
+              <a:solidFill>
+                <a:schemeClr val="bg1">
+                  <a:lumMod val="95000"/>
+                </a:schemeClr>
+              </a:solidFill>
+            </a:endParaRPr>
           </a:p>
         </p:txBody>
       </p:sp>
     </p:spTree>
     <p:extLst>
       <p:ext uri="{BB962C8B-B14F-4D97-AF65-F5344CB8AC3E}">
-        <p14:creationId xmlns:p14="http://schemas.microsoft.com/office/powerpoint/2010/main" val="641647791"/>
+        <p14:creationId xmlns:p14="http://schemas.microsoft.com/office/powerpoint/2010/main" val="211107562"/>
       </p:ext>
     </p:extLst>
   </p:cSld>
   <p:clrMapOvr>
     <a:masterClrMapping/>
   </p:clrMapOvr>
-  <p:timing>
-    <p:tnLst>
-      <p:par>
-        <p:cTn id="1" dur="indefinite" restart="never" nodeType="tmRoot"/>
-      </p:par>
-    </p:tnLst>
-  </p:timing>
 </p:sld>
 </file>
 
@@ -16089,7 +16721,7 @@
           <p:cNvPr id="2" name="Title 1">
             <a:extLst>
               <a:ext uri="{FF2B5EF4-FFF2-40B4-BE49-F238E27FC236}">
-                <a16:creationId xmlns:a16="http://schemas.microsoft.com/office/drawing/2014/main" xmlns="" id="{83E6490C-B842-544D-F467-2C1996586976}"/>
+                <a16:creationId xmlns:a16="http://schemas.microsoft.com/office/drawing/2014/main" id="{528D3DEA-CE54-A793-9FEA-A36FA50D63D5}"/>
               </a:ext>
             </a:extLst>
           </p:cNvPr>
@@ -16106,8 +16738,14 @@
           <a:lstStyle/>
           <a:p>
             <a:r>
-              <a:rPr lang="en-US" dirty="0"/>
-              <a:t>Technologies used by IDS/IPS</a:t>
+              <a:rPr lang="en-US" dirty="0">
+                <a:solidFill>
+                  <a:schemeClr val="bg1">
+                    <a:lumMod val="95000"/>
+                  </a:schemeClr>
+                </a:solidFill>
+              </a:rPr>
+              <a:t>Decision States</a:t>
             </a:r>
           </a:p>
         </p:txBody>
@@ -16117,7 +16755,7 @@
           <p:cNvPr id="3" name="Content Placeholder 2">
             <a:extLst>
               <a:ext uri="{FF2B5EF4-FFF2-40B4-BE49-F238E27FC236}">
-                <a16:creationId xmlns:a16="http://schemas.microsoft.com/office/drawing/2014/main" xmlns="" id="{FC39A5D6-6977-8E39-6950-F696BF2696F3}"/>
+                <a16:creationId xmlns:a16="http://schemas.microsoft.com/office/drawing/2014/main" id="{13B76399-18A5-36FB-2373-DB31B8662B7C}"/>
               </a:ext>
             </a:extLst>
           </p:cNvPr>
@@ -16138,12 +16776,24 @@
               <a:buAutoNum type="arabicPeriod"/>
             </a:pPr>
             <a:r>
-              <a:rPr lang="en-US" b="1" dirty="0"/>
-              <a:t>Network-based: </a:t>
-            </a:r>
-            <a:r>
-              <a:rPr lang="en-US" dirty="0"/>
-              <a:t>Monitors network traffic for a specific segment, and device and analyze activities.</a:t>
+              <a:rPr lang="en-US" b="1" dirty="0">
+                <a:solidFill>
+                  <a:schemeClr val="bg1">
+                    <a:lumMod val="95000"/>
+                  </a:schemeClr>
+                </a:solidFill>
+              </a:rPr>
+              <a:t>True positive</a:t>
+            </a:r>
+            <a:r>
+              <a:rPr lang="en-US" dirty="0">
+                <a:solidFill>
+                  <a:schemeClr val="bg1">
+                    <a:lumMod val="95000"/>
+                  </a:schemeClr>
+                </a:solidFill>
+              </a:rPr>
+              <a:t>:  It correctly identifies an issue.</a:t>
             </a:r>
           </a:p>
           <a:p>
@@ -16152,12 +16802,24 @@
               <a:buAutoNum type="arabicPeriod"/>
             </a:pPr>
             <a:r>
-              <a:rPr lang="en-US" b="1" dirty="0"/>
-              <a:t>Wireless IDS/IPS: </a:t>
-            </a:r>
-            <a:r>
-              <a:rPr lang="en-US" dirty="0"/>
-              <a:t>Monitors wireless network traffic and analyzes activities and protocols.</a:t>
+              <a:rPr lang="en-US" b="1" dirty="0">
+                <a:solidFill>
+                  <a:schemeClr val="bg1">
+                    <a:lumMod val="95000"/>
+                  </a:schemeClr>
+                </a:solidFill>
+              </a:rPr>
+              <a:t>True Negative</a:t>
+            </a:r>
+            <a:r>
+              <a:rPr lang="en-US" dirty="0">
+                <a:solidFill>
+                  <a:schemeClr val="bg1">
+                    <a:lumMod val="95000"/>
+                  </a:schemeClr>
+                </a:solidFill>
+              </a:rPr>
+              <a:t>: It correctly identifies normal traffic.</a:t>
             </a:r>
           </a:p>
           <a:p>
@@ -16166,20 +16828,24 @@
               <a:buAutoNum type="arabicPeriod"/>
             </a:pPr>
             <a:r>
-              <a:rPr lang="en-US" b="1" dirty="0"/>
-              <a:t>Network </a:t>
-            </a:r>
-            <a:r>
-              <a:rPr lang="en-US" b="1" dirty="0" smtClean="0"/>
-              <a:t>behavioral </a:t>
-            </a:r>
-            <a:r>
-              <a:rPr lang="en-US" b="1" dirty="0"/>
-              <a:t>analysis: </a:t>
-            </a:r>
-            <a:r>
-              <a:rPr lang="en-US" dirty="0"/>
-              <a:t>It examines the traffic to identify threats, information flow, DDOS, malware and policy violations.</a:t>
+              <a:rPr lang="en-US" b="1" dirty="0">
+                <a:solidFill>
+                  <a:schemeClr val="bg1">
+                    <a:lumMod val="95000"/>
+                  </a:schemeClr>
+                </a:solidFill>
+              </a:rPr>
+              <a:t>False Positive:</a:t>
+            </a:r>
+            <a:r>
+              <a:rPr lang="en-US" dirty="0">
+                <a:solidFill>
+                  <a:schemeClr val="bg1">
+                    <a:lumMod val="95000"/>
+                  </a:schemeClr>
+                </a:solidFill>
+              </a:rPr>
+              <a:t> Incorrectly identifies normal activity as an issue</a:t>
             </a:r>
           </a:p>
           <a:p>
@@ -16188,40 +16854,38 @@
               <a:buAutoNum type="arabicPeriod"/>
             </a:pPr>
             <a:r>
-              <a:rPr lang="en-US" b="1" dirty="0"/>
-              <a:t>Host-based IDS/IPS: </a:t>
-            </a:r>
-            <a:r>
-              <a:rPr lang="en-US" dirty="0"/>
-              <a:t>It monitors every single host and its events.</a:t>
-            </a:r>
-          </a:p>
-          <a:p>
-            <a:pPr marL="457200" indent="-457200" algn="just">
-              <a:buFont typeface="+mj-lt"/>
-              <a:buAutoNum type="arabicPeriod"/>
-            </a:pPr>
-            <a:endParaRPr lang="en-US" dirty="0"/>
+              <a:rPr lang="en-US" b="1" dirty="0">
+                <a:solidFill>
+                  <a:schemeClr val="bg1">
+                    <a:lumMod val="95000"/>
+                  </a:schemeClr>
+                </a:solidFill>
+              </a:rPr>
+              <a:t>False Negative</a:t>
+            </a:r>
+            <a:r>
+              <a:rPr lang="en-US" dirty="0">
+                <a:solidFill>
+                  <a:schemeClr val="bg1">
+                    <a:lumMod val="95000"/>
+                  </a:schemeClr>
+                </a:solidFill>
+              </a:rPr>
+              <a:t>: Incorrectly identifies an issue as normal activity.</a:t>
+            </a:r>
           </a:p>
         </p:txBody>
       </p:sp>
     </p:spTree>
     <p:extLst>
       <p:ext uri="{BB962C8B-B14F-4D97-AF65-F5344CB8AC3E}">
-        <p14:creationId xmlns:p14="http://schemas.microsoft.com/office/powerpoint/2010/main" val="211107562"/>
+        <p14:creationId xmlns:p14="http://schemas.microsoft.com/office/powerpoint/2010/main" val="2688818695"/>
       </p:ext>
     </p:extLst>
   </p:cSld>
   <p:clrMapOvr>
     <a:masterClrMapping/>
   </p:clrMapOvr>
-  <p:timing>
-    <p:tnLst>
-      <p:par>
-        <p:cTn id="1" dur="indefinite" restart="never" nodeType="tmRoot"/>
-      </p:par>
-    </p:tnLst>
-  </p:timing>
 </p:sld>
 </file>
 
@@ -16247,7 +16911,7 @@
           <p:cNvPr id="2" name="Title 1">
             <a:extLst>
               <a:ext uri="{FF2B5EF4-FFF2-40B4-BE49-F238E27FC236}">
-                <a16:creationId xmlns:a16="http://schemas.microsoft.com/office/drawing/2014/main" xmlns="" id="{528D3DEA-CE54-A793-9FEA-A36FA50D63D5}"/>
+                <a16:creationId xmlns:a16="http://schemas.microsoft.com/office/drawing/2014/main" id="{F646DBC6-A618-85D6-A6DE-A4F22A157E52}"/>
               </a:ext>
             </a:extLst>
           </p:cNvPr>
@@ -16264,8 +16928,14 @@
           <a:lstStyle/>
           <a:p>
             <a:r>
-              <a:rPr lang="en-US" dirty="0"/>
-              <a:t>Decision States</a:t>
+              <a:rPr lang="en-US" dirty="0">
+                <a:solidFill>
+                  <a:schemeClr val="bg1">
+                    <a:lumMod val="95000"/>
+                  </a:schemeClr>
+                </a:solidFill>
+              </a:rPr>
+              <a:t>Methodologies used by IDS/ISP for detection:</a:t>
             </a:r>
           </a:p>
         </p:txBody>
@@ -16275,7 +16945,7 @@
           <p:cNvPr id="3" name="Content Placeholder 2">
             <a:extLst>
               <a:ext uri="{FF2B5EF4-FFF2-40B4-BE49-F238E27FC236}">
-                <a16:creationId xmlns:a16="http://schemas.microsoft.com/office/drawing/2014/main" xmlns="" id="{13B76399-18A5-36FB-2373-DB31B8662B7C}"/>
+                <a16:creationId xmlns:a16="http://schemas.microsoft.com/office/drawing/2014/main" id="{B156CA4E-E1F2-C33F-7F5B-DF71D9E85F7F}"/>
               </a:ext>
             </a:extLst>
           </p:cNvPr>
@@ -16291,59 +16961,83 @@
           <a:bodyPr/>
           <a:lstStyle/>
           <a:p>
-            <a:pPr marL="457200" indent="-457200" algn="just">
-              <a:buFont typeface="+mj-lt"/>
-              <a:buAutoNum type="arabicPeriod"/>
+            <a:pPr>
+              <a:buFont typeface="Arial" panose="020B0604020202020204" pitchFamily="34" charset="0"/>
+              <a:buChar char="•"/>
             </a:pPr>
             <a:r>
-              <a:rPr lang="en-US" b="1" dirty="0"/>
-              <a:t>True positive</a:t>
-            </a:r>
-            <a:r>
-              <a:rPr lang="en-US" dirty="0"/>
-              <a:t>:  It correctly identifies an issue.</a:t>
-            </a:r>
-          </a:p>
-          <a:p>
-            <a:pPr marL="457200" indent="-457200" algn="just">
-              <a:buFont typeface="+mj-lt"/>
-              <a:buAutoNum type="arabicPeriod"/>
+              <a:rPr lang="en-US" dirty="0">
+                <a:solidFill>
+                  <a:schemeClr val="bg1">
+                    <a:lumMod val="95000"/>
+                  </a:schemeClr>
+                </a:solidFill>
+              </a:rPr>
+              <a:t>Pattern matching and stateful pattern matching recognition</a:t>
+            </a:r>
+          </a:p>
+          <a:p>
+            <a:pPr>
+              <a:buFont typeface="Arial" panose="020B0604020202020204" pitchFamily="34" charset="0"/>
+              <a:buChar char="•"/>
             </a:pPr>
             <a:r>
-              <a:rPr lang="en-US" b="1" dirty="0"/>
-              <a:t>True Negative</a:t>
-            </a:r>
-            <a:r>
-              <a:rPr lang="en-US" dirty="0"/>
-              <a:t>: It correctly identifies normal traffic.</a:t>
-            </a:r>
-          </a:p>
-          <a:p>
-            <a:pPr marL="457200" indent="-457200" algn="just">
-              <a:buFont typeface="+mj-lt"/>
-              <a:buAutoNum type="arabicPeriod"/>
+              <a:rPr lang="en-US" dirty="0">
+                <a:solidFill>
+                  <a:schemeClr val="bg1">
+                    <a:lumMod val="95000"/>
+                  </a:schemeClr>
+                </a:solidFill>
+              </a:rPr>
+              <a:t>Protocol analysis</a:t>
+            </a:r>
+          </a:p>
+          <a:p>
+            <a:pPr>
+              <a:buFont typeface="Arial" panose="020B0604020202020204" pitchFamily="34" charset="0"/>
+              <a:buChar char="•"/>
             </a:pPr>
             <a:r>
-              <a:rPr lang="en-US" b="1" dirty="0"/>
-              <a:t>False Positive:</a:t>
-            </a:r>
-            <a:r>
-              <a:rPr lang="en-US" dirty="0"/>
-              <a:t> Incorrectly identifies normal activity as an issue</a:t>
-            </a:r>
-          </a:p>
-          <a:p>
-            <a:pPr marL="457200" indent="-457200" algn="just">
-              <a:buFont typeface="+mj-lt"/>
-              <a:buAutoNum type="arabicPeriod"/>
+              <a:rPr lang="en-US" dirty="0">
+                <a:solidFill>
+                  <a:schemeClr val="bg1">
+                    <a:lumMod val="95000"/>
+                  </a:schemeClr>
+                </a:solidFill>
+              </a:rPr>
+              <a:t>Heuristic-based analysis</a:t>
+            </a:r>
+          </a:p>
+          <a:p>
+            <a:pPr>
+              <a:buFont typeface="Arial" panose="020B0604020202020204" pitchFamily="34" charset="0"/>
+              <a:buChar char="•"/>
             </a:pPr>
             <a:r>
-              <a:rPr lang="en-US" b="1" dirty="0"/>
-              <a:t>False Negative</a:t>
-            </a:r>
-            <a:r>
-              <a:rPr lang="en-US" dirty="0"/>
-              <a:t>: Incorrectly identifies an issue as normal activity.</a:t>
+              <a:rPr lang="en-US" dirty="0">
+                <a:solidFill>
+                  <a:schemeClr val="bg1">
+                    <a:lumMod val="95000"/>
+                  </a:schemeClr>
+                </a:solidFill>
+              </a:rPr>
+              <a:t>Anomaly-based analysis</a:t>
+            </a:r>
+          </a:p>
+          <a:p>
+            <a:pPr>
+              <a:buFont typeface="Arial" panose="020B0604020202020204" pitchFamily="34" charset="0"/>
+              <a:buChar char="•"/>
+            </a:pPr>
+            <a:r>
+              <a:rPr lang="en-US" dirty="0">
+                <a:solidFill>
+                  <a:schemeClr val="bg1">
+                    <a:lumMod val="95000"/>
+                  </a:schemeClr>
+                </a:solidFill>
+              </a:rPr>
+              <a:t>Correlation protection capabilities based on threat intelligence</a:t>
             </a:r>
           </a:p>
         </p:txBody>
@@ -16351,20 +17045,13 @@
     </p:spTree>
     <p:extLst>
       <p:ext uri="{BB962C8B-B14F-4D97-AF65-F5344CB8AC3E}">
-        <p14:creationId xmlns:p14="http://schemas.microsoft.com/office/powerpoint/2010/main" val="2688818695"/>
+        <p14:creationId xmlns:p14="http://schemas.microsoft.com/office/powerpoint/2010/main" val="2453560799"/>
       </p:ext>
     </p:extLst>
   </p:cSld>
   <p:clrMapOvr>
     <a:masterClrMapping/>
   </p:clrMapOvr>
-  <p:timing>
-    <p:tnLst>
-      <p:par>
-        <p:cTn id="1" dur="indefinite" restart="never" nodeType="tmRoot"/>
-      </p:par>
-    </p:tnLst>
-  </p:timing>
 </p:sld>
 </file>
 
@@ -16390,7 +17077,7 @@
           <p:cNvPr id="2" name="Title 1">
             <a:extLst>
               <a:ext uri="{FF2B5EF4-FFF2-40B4-BE49-F238E27FC236}">
-                <a16:creationId xmlns:a16="http://schemas.microsoft.com/office/drawing/2014/main" xmlns="" id="{F646DBC6-A618-85D6-A6DE-A4F22A157E52}"/>
+                <a16:creationId xmlns:a16="http://schemas.microsoft.com/office/drawing/2014/main" id="{A9B31E41-F918-DCD4-4005-65535EB02034}"/>
               </a:ext>
             </a:extLst>
           </p:cNvPr>
@@ -16407,10 +17094,15 @@
           <a:lstStyle/>
           <a:p>
             <a:r>
-              <a:rPr lang="en-US" dirty="0" smtClean="0"/>
-              <a:t>Methodologies used by IDS/ISP for detection:</a:t>
-            </a:r>
-            <a:endParaRPr lang="en-US" dirty="0"/>
+              <a:rPr lang="en-US" dirty="0">
+                <a:solidFill>
+                  <a:schemeClr val="bg1">
+                    <a:lumMod val="95000"/>
+                  </a:schemeClr>
+                </a:solidFill>
+              </a:rPr>
+              <a:t>Content filtering &amp; whitelisting/Backlisting</a:t>
+            </a:r>
           </a:p>
         </p:txBody>
       </p:sp>
@@ -16419,7 +17111,7 @@
           <p:cNvPr id="3" name="Content Placeholder 2">
             <a:extLst>
               <a:ext uri="{FF2B5EF4-FFF2-40B4-BE49-F238E27FC236}">
-                <a16:creationId xmlns:a16="http://schemas.microsoft.com/office/drawing/2014/main" xmlns="" id="{B156CA4E-E1F2-C33F-7F5B-DF71D9E85F7F}"/>
+                <a16:creationId xmlns:a16="http://schemas.microsoft.com/office/drawing/2014/main" id="{ACEDED1F-A35C-1160-5F4E-D4EBA5B5870F}"/>
               </a:ext>
             </a:extLst>
           </p:cNvPr>
@@ -16430,58 +17122,90 @@
             <p:ph idx="1"/>
           </p:nvPr>
         </p:nvSpPr>
-        <p:spPr/>
+        <p:spPr>
+          <a:xfrm>
+            <a:off x="1097280" y="2038627"/>
+            <a:ext cx="10058400" cy="3760891"/>
+          </a:xfrm>
+        </p:spPr>
         <p:txBody>
-          <a:bodyPr/>
+          <a:bodyPr>
+            <a:normAutofit/>
+          </a:bodyPr>
           <a:lstStyle/>
           <a:p>
-            <a:pPr>
-              <a:buFont typeface="Arial" panose="020B0604020202020204" pitchFamily="34" charset="0"/>
-              <a:buChar char="•"/>
+            <a:pPr marL="0" indent="0">
+              <a:buNone/>
             </a:pPr>
             <a:r>
-              <a:rPr lang="en-US" dirty="0"/>
-              <a:t>Pattern matching and stateful pattern matching recognition</a:t>
-            </a:r>
-          </a:p>
-          <a:p>
-            <a:pPr>
-              <a:buFont typeface="Arial" panose="020B0604020202020204" pitchFamily="34" charset="0"/>
-              <a:buChar char="•"/>
+              <a:rPr lang="en-US" dirty="0">
+                <a:solidFill>
+                  <a:schemeClr val="bg1">
+                    <a:lumMod val="95000"/>
+                  </a:schemeClr>
+                </a:solidFill>
+              </a:rPr>
+              <a:t>Content Filtering: Allow or restrict access based on its content.</a:t>
+            </a:r>
+          </a:p>
+          <a:p>
+            <a:pPr marL="0" indent="0">
+              <a:buNone/>
             </a:pPr>
             <a:r>
-              <a:rPr lang="en-US" dirty="0"/>
-              <a:t>Protocol analysis</a:t>
-            </a:r>
-          </a:p>
-          <a:p>
-            <a:pPr>
-              <a:buFont typeface="Arial" panose="020B0604020202020204" pitchFamily="34" charset="0"/>
-              <a:buChar char="•"/>
+              <a:rPr lang="en-US" dirty="0">
+                <a:solidFill>
+                  <a:schemeClr val="bg1">
+                    <a:lumMod val="95000"/>
+                  </a:schemeClr>
+                </a:solidFill>
+              </a:rPr>
+              <a:t>Whitelist: Specific sites have access </a:t>
+            </a:r>
+          </a:p>
+          <a:p>
+            <a:pPr marL="0" indent="0">
+              <a:buNone/>
             </a:pPr>
             <a:r>
-              <a:rPr lang="en-US" dirty="0"/>
-              <a:t>Heuristic-based analysis</a:t>
-            </a:r>
-          </a:p>
-          <a:p>
-            <a:pPr>
-              <a:buFont typeface="Arial" panose="020B0604020202020204" pitchFamily="34" charset="0"/>
-              <a:buChar char="•"/>
+              <a:rPr lang="en-US" dirty="0">
+                <a:solidFill>
+                  <a:schemeClr val="bg1">
+                    <a:lumMod val="95000"/>
+                  </a:schemeClr>
+                </a:solidFill>
+              </a:rPr>
+              <a:t>Blacklist: Where access is denied</a:t>
+            </a:r>
+          </a:p>
+          <a:p>
+            <a:pPr marL="0" indent="0">
+              <a:buNone/>
             </a:pPr>
             <a:r>
-              <a:rPr lang="en-US" dirty="0"/>
-              <a:t>Anomaly-based analysis</a:t>
-            </a:r>
-          </a:p>
-          <a:p>
-            <a:pPr>
-              <a:buFont typeface="Arial" panose="020B0604020202020204" pitchFamily="34" charset="0"/>
-              <a:buChar char="•"/>
+              <a:rPr lang="en-US" dirty="0">
+                <a:solidFill>
+                  <a:schemeClr val="bg1">
+                    <a:lumMod val="95000"/>
+                  </a:schemeClr>
+                </a:solidFill>
+              </a:rPr>
+              <a:t>It commonly blocks the entire range of IPS specific to geographic locations</a:t>
+            </a:r>
+          </a:p>
+          <a:p>
+            <a:pPr marL="0" indent="0">
+              <a:buNone/>
             </a:pPr>
             <a:r>
-              <a:rPr lang="en-US" dirty="0"/>
-              <a:t>Correlation protection capabilities based on threat intelligence</a:t>
+              <a:rPr lang="en-US" dirty="0">
+                <a:solidFill>
+                  <a:schemeClr val="bg1">
+                    <a:lumMod val="95000"/>
+                  </a:schemeClr>
+                </a:solidFill>
+              </a:rPr>
+              <a:t>Restrict the access by content categories.</a:t>
             </a:r>
           </a:p>
         </p:txBody>
@@ -16489,20 +17213,13 @@
     </p:spTree>
     <p:extLst>
       <p:ext uri="{BB962C8B-B14F-4D97-AF65-F5344CB8AC3E}">
-        <p14:creationId xmlns:p14="http://schemas.microsoft.com/office/powerpoint/2010/main" val="2453560799"/>
+        <p14:creationId xmlns:p14="http://schemas.microsoft.com/office/powerpoint/2010/main" val="4131373296"/>
       </p:ext>
     </p:extLst>
   </p:cSld>
   <p:clrMapOvr>
     <a:masterClrMapping/>
   </p:clrMapOvr>
-  <p:timing>
-    <p:tnLst>
-      <p:par>
-        <p:cTn id="1" dur="indefinite" restart="never" nodeType="tmRoot"/>
-      </p:par>
-    </p:tnLst>
-  </p:timing>
 </p:sld>
 </file>
 
@@ -16528,7 +17245,7 @@
           <p:cNvPr id="2" name="Title 1">
             <a:extLst>
               <a:ext uri="{FF2B5EF4-FFF2-40B4-BE49-F238E27FC236}">
-                <a16:creationId xmlns:a16="http://schemas.microsoft.com/office/drawing/2014/main" xmlns="" id="{A9B31E41-F918-DCD4-4005-65535EB02034}"/>
+                <a16:creationId xmlns:a16="http://schemas.microsoft.com/office/drawing/2014/main" id="{51160772-DA72-FFA8-C69E-34809D0F39A9}"/>
               </a:ext>
             </a:extLst>
           </p:cNvPr>
@@ -16545,8 +17262,14 @@
           <a:lstStyle/>
           <a:p>
             <a:r>
-              <a:rPr lang="en-US" dirty="0"/>
-              <a:t>Content filtering &amp; whitelisting/Backlisting</a:t>
+              <a:rPr lang="en-US" dirty="0">
+                <a:solidFill>
+                  <a:schemeClr val="bg1">
+                    <a:lumMod val="95000"/>
+                  </a:schemeClr>
+                </a:solidFill>
+              </a:rPr>
+              <a:t>Border device administration and management</a:t>
             </a:r>
           </a:p>
         </p:txBody>
@@ -16556,7 +17279,7 @@
           <p:cNvPr id="3" name="Content Placeholder 2">
             <a:extLst>
               <a:ext uri="{FF2B5EF4-FFF2-40B4-BE49-F238E27FC236}">
-                <a16:creationId xmlns:a16="http://schemas.microsoft.com/office/drawing/2014/main" xmlns="" id="{ACEDED1F-A35C-1160-5F4E-D4EBA5B5870F}"/>
+                <a16:creationId xmlns:a16="http://schemas.microsoft.com/office/drawing/2014/main" id="{FE096093-054E-F5C1-36EA-5F32C456F3D4}"/>
               </a:ext>
             </a:extLst>
           </p:cNvPr>
@@ -16567,60 +17290,70 @@
             <p:ph idx="1"/>
           </p:nvPr>
         </p:nvSpPr>
-        <p:spPr>
-          <a:xfrm>
-            <a:off x="1097280" y="2038627"/>
-            <a:ext cx="10058400" cy="3760891"/>
-          </a:xfrm>
-        </p:spPr>
+        <p:spPr/>
         <p:txBody>
-          <a:bodyPr>
-            <a:normAutofit/>
-          </a:bodyPr>
+          <a:bodyPr/>
           <a:lstStyle/>
           <a:p>
-            <a:pPr marL="0" indent="0">
-              <a:buNone/>
-            </a:pPr>
-            <a:r>
-              <a:rPr lang="en-US" dirty="0"/>
-              <a:t>Content Filtering: Allow or restrict access based on its content.</a:t>
-            </a:r>
-          </a:p>
-          <a:p>
-            <a:pPr marL="0" indent="0">
-              <a:buNone/>
-            </a:pPr>
-            <a:r>
-              <a:rPr lang="en-US" dirty="0"/>
-              <a:t>Whitelist: Specific sites have access </a:t>
-            </a:r>
-          </a:p>
-          <a:p>
-            <a:pPr marL="0" indent="0">
-              <a:buNone/>
-            </a:pPr>
-            <a:r>
-              <a:rPr lang="en-US" dirty="0"/>
-              <a:t>Blacklist: Where access is denied</a:t>
-            </a:r>
-          </a:p>
-          <a:p>
-            <a:pPr marL="0" indent="0">
-              <a:buNone/>
-            </a:pPr>
-            <a:r>
-              <a:rPr lang="en-US" dirty="0"/>
-              <a:t>It commonly blocks the entire range of IPS specific to geographic locations</a:t>
-            </a:r>
-          </a:p>
-          <a:p>
-            <a:pPr marL="0" indent="0">
-              <a:buNone/>
-            </a:pPr>
-            <a:r>
-              <a:rPr lang="en-US" dirty="0"/>
-              <a:t>Restrict the access by content categories.</a:t>
+            <a:pPr algn="just"/>
+            <a:r>
+              <a:rPr lang="en-US" b="1" dirty="0">
+                <a:solidFill>
+                  <a:schemeClr val="bg1">
+                    <a:lumMod val="95000"/>
+                  </a:schemeClr>
+                </a:solidFill>
+              </a:rPr>
+              <a:t>Everything has to be monitored- </a:t>
+            </a:r>
+            <a:r>
+              <a:rPr lang="en-US" dirty="0">
+                <a:solidFill>
+                  <a:schemeClr val="bg1">
+                    <a:lumMod val="95000"/>
+                  </a:schemeClr>
+                </a:solidFill>
+              </a:rPr>
+              <a:t>Logs and alerts must be monitored and analyzed (successful and unsuccessful both)</a:t>
+            </a:r>
+          </a:p>
+          <a:p>
+            <a:pPr algn="just"/>
+            <a:r>
+              <a:rPr lang="en-US" dirty="0">
+                <a:solidFill>
+                  <a:schemeClr val="bg1">
+                    <a:lumMod val="95000"/>
+                  </a:schemeClr>
+                </a:solidFill>
+              </a:rPr>
+              <a:t>Policies need to be updated as per requirements.</a:t>
+            </a:r>
+          </a:p>
+          <a:p>
+            <a:pPr algn="just"/>
+            <a:r>
+              <a:rPr lang="en-US" dirty="0">
+                <a:solidFill>
+                  <a:schemeClr val="bg1">
+                    <a:lumMod val="95000"/>
+                  </a:schemeClr>
+                </a:solidFill>
+              </a:rPr>
+              <a:t>Detail examination of all changes since the last review.</a:t>
+            </a:r>
+          </a:p>
+          <a:p>
+            <a:pPr algn="just"/>
+            <a:r>
+              <a:rPr lang="en-US" dirty="0">
+                <a:solidFill>
+                  <a:schemeClr val="bg1">
+                    <a:lumMod val="95000"/>
+                  </a:schemeClr>
+                </a:solidFill>
+              </a:rPr>
+              <a:t>External pen testing used to verify the device performance.</a:t>
             </a:r>
           </a:p>
         </p:txBody>
@@ -16628,20 +17361,13 @@
     </p:spTree>
     <p:extLst>
       <p:ext uri="{BB962C8B-B14F-4D97-AF65-F5344CB8AC3E}">
-        <p14:creationId xmlns:p14="http://schemas.microsoft.com/office/powerpoint/2010/main" val="4131373296"/>
+        <p14:creationId xmlns:p14="http://schemas.microsoft.com/office/powerpoint/2010/main" val="2079736115"/>
       </p:ext>
     </p:extLst>
   </p:cSld>
   <p:clrMapOvr>
     <a:masterClrMapping/>
   </p:clrMapOvr>
-  <p:timing>
-    <p:tnLst>
-      <p:par>
-        <p:cTn id="1" dur="indefinite" restart="never" nodeType="tmRoot"/>
-      </p:par>
-    </p:tnLst>
-  </p:timing>
 </p:sld>
 </file>
 
@@ -16667,7 +17393,7 @@
           <p:cNvPr id="2" name="Title 1">
             <a:extLst>
               <a:ext uri="{FF2B5EF4-FFF2-40B4-BE49-F238E27FC236}">
-                <a16:creationId xmlns:a16="http://schemas.microsoft.com/office/drawing/2014/main" xmlns="" id="{51160772-DA72-FFA8-C69E-34809D0F39A9}"/>
+                <a16:creationId xmlns:a16="http://schemas.microsoft.com/office/drawing/2014/main" id="{F18155DF-46EB-4C54-1F1E-924EE45BED40}"/>
               </a:ext>
             </a:extLst>
           </p:cNvPr>
@@ -16684,8 +17410,14 @@
           <a:lstStyle/>
           <a:p>
             <a:r>
-              <a:rPr lang="en-US" dirty="0"/>
-              <a:t>Border device administration and management</a:t>
+              <a:rPr lang="en-US" dirty="0">
+                <a:solidFill>
+                  <a:schemeClr val="bg1">
+                    <a:lumMod val="95000"/>
+                  </a:schemeClr>
+                </a:solidFill>
+              </a:rPr>
+              <a:t>Types of Security groups</a:t>
             </a:r>
           </a:p>
         </p:txBody>
@@ -16695,7 +17427,7 @@
           <p:cNvPr id="3" name="Content Placeholder 2">
             <a:extLst>
               <a:ext uri="{FF2B5EF4-FFF2-40B4-BE49-F238E27FC236}">
-                <a16:creationId xmlns:a16="http://schemas.microsoft.com/office/drawing/2014/main" xmlns="" id="{FE096093-054E-F5C1-36EA-5F32C456F3D4}"/>
+                <a16:creationId xmlns:a16="http://schemas.microsoft.com/office/drawing/2014/main" id="{3EBC44D5-3F50-0DD5-51E5-36A81C2C44B8}"/>
               </a:ext>
             </a:extLst>
           </p:cNvPr>
@@ -16713,83 +17445,97 @@
           <a:p>
             <a:pPr algn="just"/>
             <a:r>
-              <a:rPr lang="en-US" b="1" dirty="0"/>
-              <a:t>Everything has to be monitored- </a:t>
-            </a:r>
-            <a:r>
-              <a:rPr lang="en-US" dirty="0"/>
-              <a:t>Logs and alerts must be monitored and analyzed (successful and unsuccessful both)</a:t>
+              <a:rPr lang="en-US" b="1" dirty="0">
+                <a:solidFill>
+                  <a:schemeClr val="accent1">
+                    <a:lumMod val="60000"/>
+                    <a:lumOff val="40000"/>
+                  </a:schemeClr>
+                </a:solidFill>
+              </a:rPr>
+              <a:t>Blue teams: </a:t>
+            </a:r>
+            <a:r>
+              <a:rPr lang="en-US" dirty="0">
+                <a:solidFill>
+                  <a:schemeClr val="bg1">
+                    <a:lumMod val="95000"/>
+                  </a:schemeClr>
+                </a:solidFill>
+              </a:rPr>
+              <a:t>Defenders of the corporate network which includes SOC, CSIRTS, Infosec teams</a:t>
             </a:r>
           </a:p>
           <a:p>
             <a:pPr algn="just"/>
             <a:r>
-              <a:rPr lang="en-US" dirty="0"/>
-              <a:t>Policies need to be updated as per </a:t>
-            </a:r>
-            <a:r>
-              <a:rPr lang="en-US" dirty="0" smtClean="0"/>
-              <a:t>requirements.</a:t>
-            </a:r>
-            <a:endParaRPr lang="en-US" dirty="0"/>
+              <a:rPr lang="en-US" b="1" dirty="0">
+                <a:solidFill>
+                  <a:srgbClr val="C00000"/>
+                </a:solidFill>
+              </a:rPr>
+              <a:t>Red Teams</a:t>
+            </a:r>
+            <a:r>
+              <a:rPr lang="en-US" b="1" dirty="0">
+                <a:solidFill>
+                  <a:schemeClr val="bg1">
+                    <a:lumMod val="95000"/>
+                  </a:schemeClr>
+                </a:solidFill>
+              </a:rPr>
+              <a:t>: </a:t>
+            </a:r>
+            <a:r>
+              <a:rPr lang="en-US" dirty="0">
+                <a:solidFill>
+                  <a:schemeClr val="bg1">
+                    <a:lumMod val="95000"/>
+                  </a:schemeClr>
+                </a:solidFill>
+              </a:rPr>
+              <a:t>Ethical hackers, Pen testers who identify vulnerabilities, attack detection and response capability of the device.</a:t>
+            </a:r>
           </a:p>
           <a:p>
             <a:pPr algn="just"/>
             <a:r>
-              <a:rPr lang="en-US" dirty="0"/>
-              <a:t>Detail examination of all changes since the last </a:t>
-            </a:r>
-            <a:r>
-              <a:rPr lang="en-US" dirty="0" smtClean="0"/>
-              <a:t>review.</a:t>
-            </a:r>
-            <a:endParaRPr lang="en-US" dirty="0"/>
-          </a:p>
-          <a:p>
-            <a:pPr algn="just"/>
-            <a:r>
-              <a:rPr lang="en-US" dirty="0"/>
-              <a:t>External pen testing used to verify the device </a:t>
-            </a:r>
-            <a:r>
-              <a:rPr lang="en-US" dirty="0" smtClean="0"/>
-              <a:t>performance.</a:t>
-            </a:r>
-            <a:endParaRPr lang="en-US" dirty="0"/>
+              <a:rPr lang="en-US" b="1" dirty="0">
+                <a:solidFill>
+                  <a:srgbClr val="7030A0"/>
+                </a:solidFill>
+              </a:rPr>
+              <a:t>Purple Team: </a:t>
+            </a:r>
+            <a:r>
+              <a:rPr lang="en-US" dirty="0">
+                <a:solidFill>
+                  <a:schemeClr val="bg1">
+                    <a:lumMod val="95000"/>
+                  </a:schemeClr>
+                </a:solidFill>
+              </a:rPr>
+              <a:t>When Red and Blue teams aligned forces to completely defend the organization.</a:t>
+            </a:r>
           </a:p>
         </p:txBody>
       </p:sp>
     </p:spTree>
     <p:extLst>
       <p:ext uri="{BB962C8B-B14F-4D97-AF65-F5344CB8AC3E}">
-        <p14:creationId xmlns:p14="http://schemas.microsoft.com/office/powerpoint/2010/main" val="2079736115"/>
+        <p14:creationId xmlns:p14="http://schemas.microsoft.com/office/powerpoint/2010/main" val="3831653995"/>
       </p:ext>
     </p:extLst>
   </p:cSld>
   <p:clrMapOvr>
     <a:masterClrMapping/>
   </p:clrMapOvr>
-  <p:timing>
-    <p:tnLst>
-      <p:par>
-        <p:cTn id="1" dur="indefinite" restart="never" nodeType="tmRoot"/>
-      </p:par>
-    </p:tnLst>
-  </p:timing>
 </p:sld>
 </file>
 
 <file path=ppt/slides/slide3.xml><?xml version="1.0" encoding="utf-8"?>
 <p:sld xmlns:a="http://schemas.openxmlformats.org/drawingml/2006/main" xmlns:r="http://schemas.openxmlformats.org/officeDocument/2006/relationships" xmlns:p="http://schemas.openxmlformats.org/presentationml/2006/main">
   <p:cSld>
-    <p:bg>
-      <p:bgPr>
-        <a:solidFill>
-          <a:schemeClr val="bg1"/>
-        </a:solidFill>
-        <a:effectLst/>
-      </p:bgPr>
-    </p:bg>
     <p:spTree>
       <p:nvGrpSpPr>
         <p:cNvPr id="1" name=""/>
@@ -16809,10 +17555,10 @@
           <p:cNvPr id="8" name="Rectangle 7">
             <a:extLst>
               <a:ext uri="{FF2B5EF4-FFF2-40B4-BE49-F238E27FC236}">
-                <a16:creationId xmlns:a16="http://schemas.microsoft.com/office/drawing/2014/main" xmlns="" id="{416A0E3C-60E6-4F39-BC55-5F7C224E1F7C}"/>
+                <a16:creationId xmlns:a16="http://schemas.microsoft.com/office/drawing/2014/main" id="{416A0E3C-60E6-4F39-BC55-5F7C224E1F7C}"/>
               </a:ext>
               <a:ext uri="{C183D7F6-B498-43B3-948B-1728B52AA6E4}">
-                <adec:decorative xmlns:adec="http://schemas.microsoft.com/office/drawing/2017/decorative" xmlns="" val="1"/>
+                <adec:decorative xmlns:adec="http://schemas.microsoft.com/office/drawing/2017/decorative" val="1"/>
               </a:ext>
             </a:extLst>
           </p:cNvPr>
@@ -16822,7 +17568,7 @@
           <p:nvPr>
             <p:extLst>
               <p:ext uri="{386F3935-93C4-4BCD-93E2-E3B085C9AB24}">
-                <p16:designElem xmlns:p16="http://schemas.microsoft.com/office/powerpoint/2015/main" xmlns="" val="1"/>
+                <p16:designElem xmlns:p16="http://schemas.microsoft.com/office/powerpoint/2015/main" val="1"/>
               </p:ext>
             </p:extLst>
           </p:nvPr>
@@ -16864,10 +17610,10 @@
           <p:cNvPr id="10" name="Straight Connector 9">
             <a:extLst>
               <a:ext uri="{FF2B5EF4-FFF2-40B4-BE49-F238E27FC236}">
-                <a16:creationId xmlns:a16="http://schemas.microsoft.com/office/drawing/2014/main" xmlns="" id="{C5025DAC-8B93-4160-B017-3A274A5828C0}"/>
+                <a16:creationId xmlns:a16="http://schemas.microsoft.com/office/drawing/2014/main" id="{C5025DAC-8B93-4160-B017-3A274A5828C0}"/>
               </a:ext>
               <a:ext uri="{C183D7F6-B498-43B3-948B-1728B52AA6E4}">
-                <adec:decorative xmlns:adec="http://schemas.microsoft.com/office/drawing/2017/decorative" xmlns="" val="1"/>
+                <adec:decorative xmlns:adec="http://schemas.microsoft.com/office/drawing/2017/decorative" val="1"/>
               </a:ext>
             </a:extLst>
           </p:cNvPr>
@@ -16877,7 +17623,7 @@
           <p:nvPr>
             <p:extLst>
               <p:ext uri="{386F3935-93C4-4BCD-93E2-E3B085C9AB24}">
-                <p16:designElem xmlns:p16="http://schemas.microsoft.com/office/powerpoint/2015/main" xmlns="" val="1"/>
+                <p16:designElem xmlns:p16="http://schemas.microsoft.com/office/powerpoint/2015/main" val="1"/>
               </p:ext>
             </p:extLst>
           </p:nvPr>
@@ -16919,10 +17665,10 @@
           <p:cNvPr id="12" name="Rectangle 11">
             <a:extLst>
               <a:ext uri="{FF2B5EF4-FFF2-40B4-BE49-F238E27FC236}">
-                <a16:creationId xmlns:a16="http://schemas.microsoft.com/office/drawing/2014/main" xmlns="" id="{C8DD82D3-D002-45B0-B16A-82B3DA4EFDDB}"/>
+                <a16:creationId xmlns:a16="http://schemas.microsoft.com/office/drawing/2014/main" id="{C8DD82D3-D002-45B0-B16A-82B3DA4EFDDB}"/>
               </a:ext>
               <a:ext uri="{C183D7F6-B498-43B3-948B-1728B52AA6E4}">
-                <adec:decorative xmlns:adec="http://schemas.microsoft.com/office/drawing/2017/decorative" xmlns="" val="1"/>
+                <adec:decorative xmlns:adec="http://schemas.microsoft.com/office/drawing/2017/decorative" val="1"/>
               </a:ext>
             </a:extLst>
           </p:cNvPr>
@@ -16932,7 +17678,7 @@
           <p:nvPr>
             <p:extLst>
               <p:ext uri="{386F3935-93C4-4BCD-93E2-E3B085C9AB24}">
-                <p16:designElem xmlns:p16="http://schemas.microsoft.com/office/powerpoint/2015/main" xmlns="" val="1"/>
+                <p16:designElem xmlns:p16="http://schemas.microsoft.com/office/powerpoint/2015/main" val="1"/>
               </p:ext>
             </p:extLst>
           </p:nvPr>
@@ -16979,10 +17725,10 @@
           <p:cNvPr id="14" name="Straight Connector 13">
             <a:extLst>
               <a:ext uri="{FF2B5EF4-FFF2-40B4-BE49-F238E27FC236}">
-                <a16:creationId xmlns:a16="http://schemas.microsoft.com/office/drawing/2014/main" xmlns="" id="{9F09C252-16FE-4557-AD6D-BB5CA773496C}"/>
+                <a16:creationId xmlns:a16="http://schemas.microsoft.com/office/drawing/2014/main" id="{9F09C252-16FE-4557-AD6D-BB5CA773496C}"/>
               </a:ext>
               <a:ext uri="{C183D7F6-B498-43B3-948B-1728B52AA6E4}">
-                <adec:decorative xmlns:adec="http://schemas.microsoft.com/office/drawing/2017/decorative" xmlns="" val="1"/>
+                <adec:decorative xmlns:adec="http://schemas.microsoft.com/office/drawing/2017/decorative" val="1"/>
               </a:ext>
             </a:extLst>
           </p:cNvPr>
@@ -16992,7 +17738,7 @@
           <p:nvPr>
             <p:extLst>
               <p:ext uri="{386F3935-93C4-4BCD-93E2-E3B085C9AB24}">
-                <p16:designElem xmlns:p16="http://schemas.microsoft.com/office/powerpoint/2015/main" xmlns="" val="1"/>
+                <p16:designElem xmlns:p16="http://schemas.microsoft.com/office/powerpoint/2015/main" val="1"/>
               </p:ext>
             </p:extLst>
           </p:nvPr>
@@ -17032,7 +17778,7 @@
           <p:cNvPr id="3" name="TextBox 2">
             <a:extLst>
               <a:ext uri="{FF2B5EF4-FFF2-40B4-BE49-F238E27FC236}">
-                <a16:creationId xmlns:a16="http://schemas.microsoft.com/office/drawing/2014/main" xmlns="" id="{B510D9D4-0A6B-4E44-FF32-2335351E6632}"/>
+                <a16:creationId xmlns:a16="http://schemas.microsoft.com/office/drawing/2014/main" id="{B510D9D4-0A6B-4E44-FF32-2335351E6632}"/>
               </a:ext>
             </a:extLst>
           </p:cNvPr>
@@ -17199,7 +17945,7 @@
           <p:cNvPr id="2" name="Title 1">
             <a:extLst>
               <a:ext uri="{FF2B5EF4-FFF2-40B4-BE49-F238E27FC236}">
-                <a16:creationId xmlns:a16="http://schemas.microsoft.com/office/drawing/2014/main" xmlns="" id="{F18155DF-46EB-4C54-1F1E-924EE45BED40}"/>
+                <a16:creationId xmlns:a16="http://schemas.microsoft.com/office/drawing/2014/main" id="{A2223E51-B824-7790-91D2-F4E35D898D1E}"/>
               </a:ext>
             </a:extLst>
           </p:cNvPr>
@@ -17216,8 +17962,14 @@
           <a:lstStyle/>
           <a:p>
             <a:r>
-              <a:rPr lang="en-US" dirty="0"/>
-              <a:t>Types of Security groups</a:t>
+              <a:rPr lang="en-US" dirty="0">
+                <a:solidFill>
+                  <a:schemeClr val="bg1">
+                    <a:lumMod val="95000"/>
+                  </a:schemeClr>
+                </a:solidFill>
+              </a:rPr>
+              <a:t>Remote access security</a:t>
             </a:r>
           </a:p>
         </p:txBody>
@@ -17227,7 +17979,7 @@
           <p:cNvPr id="3" name="Content Placeholder 2">
             <a:extLst>
               <a:ext uri="{FF2B5EF4-FFF2-40B4-BE49-F238E27FC236}">
-                <a16:creationId xmlns:a16="http://schemas.microsoft.com/office/drawing/2014/main" xmlns="" id="{3EBC44D5-3F50-0DD5-51E5-36A81C2C44B8}"/>
+                <a16:creationId xmlns:a16="http://schemas.microsoft.com/office/drawing/2014/main" id="{2AC473FA-6F9F-106A-611D-23814E22C957}"/>
               </a:ext>
             </a:extLst>
           </p:cNvPr>
@@ -17245,69 +17997,79 @@
           <a:p>
             <a:pPr algn="just"/>
             <a:r>
-              <a:rPr lang="en-US" b="1" dirty="0">
-                <a:solidFill>
-                  <a:schemeClr val="accent1">
-                    <a:lumMod val="75000"/>
-                  </a:schemeClr>
-                </a:solidFill>
-              </a:rPr>
-              <a:t>Blue teams: </a:t>
-            </a:r>
-            <a:r>
-              <a:rPr lang="en-US" dirty="0"/>
-              <a:t>Defenders of the corporate network which includes SOC, CSIRTS, Infosec teams</a:t>
+              <a:rPr lang="en-US" dirty="0">
+                <a:solidFill>
+                  <a:schemeClr val="bg1">
+                    <a:lumMod val="95000"/>
+                  </a:schemeClr>
+                </a:solidFill>
+              </a:rPr>
+              <a:t>It has controls like authentication, that must be chosen carefully based on network-segmented information and classification that is accessible.</a:t>
+            </a:r>
+          </a:p>
+          <a:p>
+            <a:pPr marL="0" indent="0" algn="just">
+              <a:buNone/>
+            </a:pPr>
+            <a:r>
+              <a:rPr lang="en-US" dirty="0">
+                <a:solidFill>
+                  <a:schemeClr val="bg1">
+                    <a:lumMod val="95000"/>
+                  </a:schemeClr>
+                </a:solidFill>
+              </a:rPr>
+              <a:t>It follows CIA triads:</a:t>
             </a:r>
           </a:p>
           <a:p>
             <a:pPr algn="just"/>
             <a:r>
-              <a:rPr lang="en-US" b="1" dirty="0">
-                <a:solidFill>
-                  <a:srgbClr val="FF0000"/>
-                </a:solidFill>
-              </a:rPr>
-              <a:t>Red Teams: </a:t>
-            </a:r>
-            <a:r>
-              <a:rPr lang="en-US" dirty="0"/>
-              <a:t>Ethical hackers, Pen testers who identify vulnerabilities, attack detection and response capability of the device.</a:t>
+              <a:rPr lang="en-US" dirty="0">
+                <a:solidFill>
+                  <a:schemeClr val="bg1">
+                    <a:lumMod val="95000"/>
+                  </a:schemeClr>
+                </a:solidFill>
+              </a:rPr>
+              <a:t>Restricted information can’t be accessible to unauthorized parties, detecting good and bad modifications and ensuring the user can access required resources,</a:t>
             </a:r>
           </a:p>
           <a:p>
             <a:pPr algn="just"/>
             <a:r>
-              <a:rPr lang="en-US" b="1" dirty="0">
-                <a:solidFill>
-                  <a:srgbClr val="7030A0"/>
-                </a:solidFill>
-              </a:rPr>
-              <a:t>Purple Team: </a:t>
-            </a:r>
-            <a:r>
-              <a:rPr lang="en-US" dirty="0"/>
-              <a:t>When Red and Blue teams aligned forces to completely defend the organization.</a:t>
-            </a:r>
+              <a:rPr lang="en-US" dirty="0">
+                <a:solidFill>
+                  <a:schemeClr val="bg1">
+                    <a:lumMod val="95000"/>
+                  </a:schemeClr>
+                </a:solidFill>
+              </a:rPr>
+              <a:t>It must include physical control of client devices.</a:t>
+            </a:r>
+          </a:p>
+          <a:p>
+            <a:pPr algn="just"/>
+            <a:endParaRPr lang="en-US" dirty="0">
+              <a:solidFill>
+                <a:schemeClr val="bg1">
+                  <a:lumMod val="95000"/>
+                </a:schemeClr>
+              </a:solidFill>
+            </a:endParaRPr>
           </a:p>
         </p:txBody>
       </p:sp>
     </p:spTree>
     <p:extLst>
       <p:ext uri="{BB962C8B-B14F-4D97-AF65-F5344CB8AC3E}">
-        <p14:creationId xmlns:p14="http://schemas.microsoft.com/office/powerpoint/2010/main" val="3831653995"/>
+        <p14:creationId xmlns:p14="http://schemas.microsoft.com/office/powerpoint/2010/main" val="3778690245"/>
       </p:ext>
     </p:extLst>
   </p:cSld>
   <p:clrMapOvr>
     <a:masterClrMapping/>
   </p:clrMapOvr>
-  <p:timing>
-    <p:tnLst>
-      <p:par>
-        <p:cTn id="1" dur="indefinite" restart="never" nodeType="tmRoot"/>
-      </p:par>
-    </p:tnLst>
-  </p:timing>
 </p:sld>
 </file>
 
@@ -17333,7 +18095,7 @@
           <p:cNvPr id="2" name="Title 1">
             <a:extLst>
               <a:ext uri="{FF2B5EF4-FFF2-40B4-BE49-F238E27FC236}">
-                <a16:creationId xmlns:a16="http://schemas.microsoft.com/office/drawing/2014/main" xmlns="" id="{A2223E51-B824-7790-91D2-F4E35D898D1E}"/>
+                <a16:creationId xmlns:a16="http://schemas.microsoft.com/office/drawing/2014/main" id="{7F15F437-059F-15BB-8DEE-4317F58D0763}"/>
               </a:ext>
             </a:extLst>
           </p:cNvPr>
@@ -17350,8 +18112,14 @@
           <a:lstStyle/>
           <a:p>
             <a:r>
-              <a:rPr lang="en-US" dirty="0"/>
-              <a:t>Remote access security</a:t>
+              <a:rPr lang="en-US" dirty="0">
+                <a:solidFill>
+                  <a:schemeClr val="bg1">
+                    <a:lumMod val="95000"/>
+                  </a:schemeClr>
+                </a:solidFill>
+              </a:rPr>
+              <a:t>Remote access technologies</a:t>
             </a:r>
           </a:p>
         </p:txBody>
@@ -17361,7 +18129,7 @@
           <p:cNvPr id="3" name="Content Placeholder 2">
             <a:extLst>
               <a:ext uri="{FF2B5EF4-FFF2-40B4-BE49-F238E27FC236}">
-                <a16:creationId xmlns:a16="http://schemas.microsoft.com/office/drawing/2014/main" xmlns="" id="{2AC473FA-6F9F-106A-611D-23814E22C957}"/>
+                <a16:creationId xmlns:a16="http://schemas.microsoft.com/office/drawing/2014/main" id="{BA70DCD4-E5AE-1BDE-691F-E11A5E89A49E}"/>
               </a:ext>
             </a:extLst>
           </p:cNvPr>
@@ -17379,78 +18147,51 @@
           <a:p>
             <a:pPr algn="just"/>
             <a:r>
-              <a:rPr lang="en-US" dirty="0" smtClean="0"/>
-              <a:t>It </a:t>
-            </a:r>
-            <a:r>
-              <a:rPr lang="en-US" dirty="0"/>
-              <a:t>has controls like </a:t>
-            </a:r>
-            <a:r>
-              <a:rPr lang="en-US" dirty="0" smtClean="0"/>
-              <a:t>authentication, </a:t>
-            </a:r>
-            <a:r>
-              <a:rPr lang="en-US" dirty="0"/>
-              <a:t>that must be chosen carefully based on network-segmented information and classification that is accessible.</a:t>
-            </a:r>
-          </a:p>
-          <a:p>
-            <a:pPr marL="0" indent="0" algn="just">
-              <a:buNone/>
-            </a:pPr>
-            <a:r>
-              <a:rPr lang="en-US" dirty="0"/>
-              <a:t>It follows CIA </a:t>
-            </a:r>
-            <a:r>
-              <a:rPr lang="en-US" dirty="0" smtClean="0"/>
-              <a:t>triads:</a:t>
-            </a:r>
-            <a:endParaRPr lang="en-US" dirty="0"/>
+              <a:rPr lang="en-US" b="1" dirty="0">
+                <a:solidFill>
+                  <a:schemeClr val="bg1">
+                    <a:lumMod val="95000"/>
+                  </a:schemeClr>
+                </a:solidFill>
+              </a:rPr>
+              <a:t>VPN: </a:t>
+            </a:r>
+            <a:r>
+              <a:rPr lang="en-US" dirty="0">
+                <a:solidFill>
+                  <a:schemeClr val="bg1">
+                    <a:lumMod val="95000"/>
+                  </a:schemeClr>
+                </a:solidFill>
+              </a:rPr>
+              <a:t>Secure tunnel for transmitting data through the internet.</a:t>
+            </a:r>
           </a:p>
           <a:p>
             <a:pPr algn="just"/>
             <a:r>
-              <a:rPr lang="en-US" dirty="0"/>
-              <a:t>Restricted information can’t be accessible to unauthorized parties, detecting good and bad modifications and ensuring the user can access required </a:t>
-            </a:r>
-            <a:r>
-              <a:rPr lang="en-US" dirty="0" smtClean="0"/>
-              <a:t>resources,</a:t>
-            </a:r>
-            <a:endParaRPr lang="en-US" dirty="0"/>
-          </a:p>
-          <a:p>
-            <a:pPr algn="just"/>
-            <a:r>
-              <a:rPr lang="en-US" dirty="0"/>
-              <a:t>It must include physical control of client devices.</a:t>
-            </a:r>
-          </a:p>
-          <a:p>
-            <a:pPr algn="just"/>
-            <a:endParaRPr lang="en-US" dirty="0"/>
+              <a:rPr lang="en-US" dirty="0">
+                <a:solidFill>
+                  <a:schemeClr val="bg1">
+                    <a:lumMod val="95000"/>
+                  </a:schemeClr>
+                </a:solidFill>
+              </a:rPr>
+              <a:t>Achieved through tunnelling and encryption. To provide high security without the high cost of private lines. It is connected between physical or remote sites.</a:t>
+            </a:r>
           </a:p>
         </p:txBody>
       </p:sp>
     </p:spTree>
     <p:extLst>
       <p:ext uri="{BB962C8B-B14F-4D97-AF65-F5344CB8AC3E}">
-        <p14:creationId xmlns:p14="http://schemas.microsoft.com/office/powerpoint/2010/main" val="3778690245"/>
+        <p14:creationId xmlns:p14="http://schemas.microsoft.com/office/powerpoint/2010/main" val="2092552656"/>
       </p:ext>
     </p:extLst>
   </p:cSld>
   <p:clrMapOvr>
     <a:masterClrMapping/>
   </p:clrMapOvr>
-  <p:timing>
-    <p:tnLst>
-      <p:par>
-        <p:cTn id="1" dur="indefinite" restart="never" nodeType="tmRoot"/>
-      </p:par>
-    </p:tnLst>
-  </p:timing>
 </p:sld>
 </file>
 
@@ -17476,7 +18217,7 @@
           <p:cNvPr id="2" name="Title 1">
             <a:extLst>
               <a:ext uri="{FF2B5EF4-FFF2-40B4-BE49-F238E27FC236}">
-                <a16:creationId xmlns:a16="http://schemas.microsoft.com/office/drawing/2014/main" xmlns="" id="{7F15F437-059F-15BB-8DEE-4317F58D0763}"/>
+                <a16:creationId xmlns:a16="http://schemas.microsoft.com/office/drawing/2014/main" id="{85B20180-788D-FE2D-AD4D-83B45DDAC50D}"/>
               </a:ext>
             </a:extLst>
           </p:cNvPr>
@@ -17493,8 +18234,14 @@
           <a:lstStyle/>
           <a:p>
             <a:r>
-              <a:rPr lang="en-US" dirty="0"/>
-              <a:t>Remote access technologies</a:t>
+              <a:rPr lang="en-US" dirty="0">
+                <a:solidFill>
+                  <a:schemeClr val="bg1">
+                    <a:lumMod val="95000"/>
+                  </a:schemeClr>
+                </a:solidFill>
+              </a:rPr>
+              <a:t>Remote access authentication and authorization</a:t>
             </a:r>
           </a:p>
         </p:txBody>
@@ -17504,7 +18251,7 @@
           <p:cNvPr id="3" name="Content Placeholder 2">
             <a:extLst>
               <a:ext uri="{FF2B5EF4-FFF2-40B4-BE49-F238E27FC236}">
-                <a16:creationId xmlns:a16="http://schemas.microsoft.com/office/drawing/2014/main" xmlns="" id="{BA70DCD4-E5AE-1BDE-691F-E11A5E89A49E}"/>
+                <a16:creationId xmlns:a16="http://schemas.microsoft.com/office/drawing/2014/main" id="{5BE3F581-B99F-8BC9-CACE-3D51DA2BA496}"/>
               </a:ext>
             </a:extLst>
           </p:cNvPr>
@@ -17522,19 +18269,40 @@
           <a:p>
             <a:pPr algn="just"/>
             <a:r>
-              <a:rPr lang="en-US" b="1" dirty="0"/>
-              <a:t>VPN: </a:t>
-            </a:r>
-            <a:r>
-              <a:rPr lang="en-US" dirty="0"/>
-              <a:t>Secure tunnel for transmitting data through the internet.</a:t>
+              <a:rPr lang="en-US" dirty="0">
+                <a:solidFill>
+                  <a:schemeClr val="bg1">
+                    <a:lumMod val="95000"/>
+                  </a:schemeClr>
+                </a:solidFill>
+              </a:rPr>
+              <a:t>Implement mutual authentication so they can verify legitimacy before providing authentication credentials.</a:t>
             </a:r>
           </a:p>
           <a:p>
             <a:pPr algn="just"/>
             <a:r>
-              <a:rPr lang="en-US" dirty="0"/>
-              <a:t>Achieved through tunnelling and encryption. To provide high security without the high cost of private lines. It is connected between physical or remote sites.</a:t>
+              <a:rPr lang="en-US" dirty="0">
+                <a:solidFill>
+                  <a:schemeClr val="bg1">
+                    <a:lumMod val="95000"/>
+                  </a:schemeClr>
+                </a:solidFill>
+              </a:rPr>
+              <a:t>MFA is required for access</a:t>
+            </a:r>
+          </a:p>
+          <a:p>
+            <a:pPr algn="just"/>
+            <a:r>
+              <a:rPr lang="en-US" dirty="0">
+                <a:solidFill>
+                  <a:schemeClr val="bg1">
+                    <a:lumMod val="95000"/>
+                  </a:schemeClr>
+                </a:solidFill>
+              </a:rPr>
+              <a:t>Additionally users should require authentication periodically in remote access devices, they should ensure that they made the baseline required for internal systems.</a:t>
             </a:r>
           </a:p>
         </p:txBody>
@@ -17542,20 +18310,13 @@
     </p:spTree>
     <p:extLst>
       <p:ext uri="{BB962C8B-B14F-4D97-AF65-F5344CB8AC3E}">
-        <p14:creationId xmlns:p14="http://schemas.microsoft.com/office/powerpoint/2010/main" val="2092552656"/>
+        <p14:creationId xmlns:p14="http://schemas.microsoft.com/office/powerpoint/2010/main" val="1309017816"/>
       </p:ext>
     </p:extLst>
   </p:cSld>
   <p:clrMapOvr>
     <a:masterClrMapping/>
   </p:clrMapOvr>
-  <p:timing>
-    <p:tnLst>
-      <p:par>
-        <p:cTn id="1" dur="indefinite" restart="never" nodeType="tmRoot"/>
-      </p:par>
-    </p:tnLst>
-  </p:timing>
 </p:sld>
 </file>
 
@@ -17576,131 +18337,15 @@
           <a:chExt cx="0" cy="0"/>
         </a:xfrm>
       </p:grpSpPr>
-      <p:sp>
-        <p:nvSpPr>
-          <p:cNvPr id="2" name="Title 1">
-            <a:extLst>
-              <a:ext uri="{FF2B5EF4-FFF2-40B4-BE49-F238E27FC236}">
-                <a16:creationId xmlns:a16="http://schemas.microsoft.com/office/drawing/2014/main" xmlns="" id="{85B20180-788D-FE2D-AD4D-83B45DDAC50D}"/>
-              </a:ext>
-            </a:extLst>
-          </p:cNvPr>
-          <p:cNvSpPr>
-            <a:spLocks noGrp="1"/>
-          </p:cNvSpPr>
-          <p:nvPr>
-            <p:ph type="title"/>
-          </p:nvPr>
-        </p:nvSpPr>
-        <p:spPr/>
-        <p:txBody>
-          <a:bodyPr/>
-          <a:lstStyle/>
-          <a:p>
-            <a:r>
-              <a:rPr lang="en-US" dirty="0"/>
-              <a:t>Remote access authentication and authorization</a:t>
-            </a:r>
-          </a:p>
-        </p:txBody>
-      </p:sp>
-      <p:sp>
-        <p:nvSpPr>
-          <p:cNvPr id="3" name="Content Placeholder 2">
-            <a:extLst>
-              <a:ext uri="{FF2B5EF4-FFF2-40B4-BE49-F238E27FC236}">
-                <a16:creationId xmlns:a16="http://schemas.microsoft.com/office/drawing/2014/main" xmlns="" id="{5BE3F581-B99F-8BC9-CACE-3D51DA2BA496}"/>
-              </a:ext>
-            </a:extLst>
-          </p:cNvPr>
-          <p:cNvSpPr>
-            <a:spLocks noGrp="1"/>
-          </p:cNvSpPr>
-          <p:nvPr>
-            <p:ph idx="1"/>
-          </p:nvPr>
-        </p:nvSpPr>
-        <p:spPr/>
-        <p:txBody>
-          <a:bodyPr/>
-          <a:lstStyle/>
-          <a:p>
-            <a:pPr algn="just"/>
-            <a:r>
-              <a:rPr lang="en-US" dirty="0"/>
-              <a:t>Implement mutual authentication so they can verify legitimacy before providing authentication credentials.</a:t>
-            </a:r>
-          </a:p>
-          <a:p>
-            <a:pPr algn="just"/>
-            <a:r>
-              <a:rPr lang="en-US" dirty="0"/>
-              <a:t>MFA is required for access</a:t>
-            </a:r>
-          </a:p>
-          <a:p>
-            <a:pPr algn="just"/>
-            <a:r>
-              <a:rPr lang="en-US" dirty="0"/>
-              <a:t>Additionally user should require authentication periodically in remote access devices, they should ensure if they made the base line required for internal systems.</a:t>
-            </a:r>
-          </a:p>
-        </p:txBody>
-      </p:sp>
-    </p:spTree>
-    <p:extLst>
-      <p:ext uri="{BB962C8B-B14F-4D97-AF65-F5344CB8AC3E}">
-        <p14:creationId xmlns:p14="http://schemas.microsoft.com/office/powerpoint/2010/main" val="1309017816"/>
-      </p:ext>
-    </p:extLst>
-  </p:cSld>
-  <p:clrMapOvr>
-    <a:masterClrMapping/>
-  </p:clrMapOvr>
-  <p:timing>
-    <p:tnLst>
-      <p:par>
-        <p:cTn id="1" dur="indefinite" restart="never" nodeType="tmRoot"/>
-      </p:par>
-    </p:tnLst>
-  </p:timing>
-</p:sld>
-</file>
-
-<file path=ppt/slides/slide34.xml><?xml version="1.0" encoding="utf-8"?>
-<p:sld xmlns:a="http://schemas.openxmlformats.org/drawingml/2006/main" xmlns:r="http://schemas.openxmlformats.org/officeDocument/2006/relationships" xmlns:p="http://schemas.openxmlformats.org/presentationml/2006/main">
-  <p:cSld>
-    <p:bg>
-      <p:bgPr>
-        <a:solidFill>
-          <a:schemeClr val="bg1"/>
-        </a:solidFill>
-        <a:effectLst/>
-      </p:bgPr>
-    </p:bg>
-    <p:spTree>
-      <p:nvGrpSpPr>
-        <p:cNvPr id="1" name=""/>
-        <p:cNvGrpSpPr/>
-        <p:nvPr/>
-      </p:nvGrpSpPr>
-      <p:grpSpPr>
-        <a:xfrm>
-          <a:off x="0" y="0"/>
-          <a:ext cx="0" cy="0"/>
-          <a:chOff x="0" y="0"/>
-          <a:chExt cx="0" cy="0"/>
-        </a:xfrm>
-      </p:grpSpPr>
       <p:sp useBgFill="1">
         <p:nvSpPr>
           <p:cNvPr id="27" name="Rectangle 26">
             <a:extLst>
               <a:ext uri="{FF2B5EF4-FFF2-40B4-BE49-F238E27FC236}">
-                <a16:creationId xmlns:a16="http://schemas.microsoft.com/office/drawing/2014/main" xmlns="" id="{990D0034-F768-41E7-85D4-F38C4DE85770}"/>
+                <a16:creationId xmlns:a16="http://schemas.microsoft.com/office/drawing/2014/main" id="{990D0034-F768-41E7-85D4-F38C4DE85770}"/>
               </a:ext>
               <a:ext uri="{C183D7F6-B498-43B3-948B-1728B52AA6E4}">
-                <adec:decorative xmlns:adec="http://schemas.microsoft.com/office/drawing/2017/decorative" xmlns="" val="1"/>
+                <adec:decorative xmlns:adec="http://schemas.microsoft.com/office/drawing/2017/decorative" val="1"/>
               </a:ext>
             </a:extLst>
           </p:cNvPr>
@@ -17710,7 +18355,7 @@
           <p:nvPr>
             <p:extLst>
               <p:ext uri="{386F3935-93C4-4BCD-93E2-E3B085C9AB24}">
-                <p16:designElem xmlns:p16="http://schemas.microsoft.com/office/powerpoint/2015/main" xmlns="" val="1"/>
+                <p16:designElem xmlns:p16="http://schemas.microsoft.com/office/powerpoint/2015/main" val="1"/>
               </p:ext>
             </p:extLst>
           </p:nvPr>
@@ -17757,10 +18402,10 @@
           <p:cNvPr id="29" name="Rectangle 28">
             <a:extLst>
               <a:ext uri="{FF2B5EF4-FFF2-40B4-BE49-F238E27FC236}">
-                <a16:creationId xmlns:a16="http://schemas.microsoft.com/office/drawing/2014/main" xmlns="" id="{95B38FD6-641F-41BF-B466-C1C6366420F0}"/>
+                <a16:creationId xmlns:a16="http://schemas.microsoft.com/office/drawing/2014/main" id="{95B38FD6-641F-41BF-B466-C1C6366420F0}"/>
               </a:ext>
               <a:ext uri="{C183D7F6-B498-43B3-948B-1728B52AA6E4}">
-                <adec:decorative xmlns:adec="http://schemas.microsoft.com/office/drawing/2017/decorative" xmlns="" val="1"/>
+                <adec:decorative xmlns:adec="http://schemas.microsoft.com/office/drawing/2017/decorative" val="1"/>
               </a:ext>
             </a:extLst>
           </p:cNvPr>
@@ -17770,7 +18415,7 @@
           <p:nvPr>
             <p:extLst>
               <p:ext uri="{386F3935-93C4-4BCD-93E2-E3B085C9AB24}">
-                <p16:designElem xmlns:p16="http://schemas.microsoft.com/office/powerpoint/2015/main" xmlns="" val="1"/>
+                <p16:designElem xmlns:p16="http://schemas.microsoft.com/office/powerpoint/2015/main" val="1"/>
               </p:ext>
             </p:extLst>
           </p:nvPr>
@@ -17822,7 +18467,7 @@
           <p:cNvPr id="2" name="Title 1">
             <a:extLst>
               <a:ext uri="{FF2B5EF4-FFF2-40B4-BE49-F238E27FC236}">
-                <a16:creationId xmlns:a16="http://schemas.microsoft.com/office/drawing/2014/main" xmlns="" id="{ED41F894-60A1-5384-512E-23F93C35274F}"/>
+                <a16:creationId xmlns:a16="http://schemas.microsoft.com/office/drawing/2014/main" id="{ED41F894-60A1-5384-512E-23F93C35274F}"/>
               </a:ext>
             </a:extLst>
           </p:cNvPr>
@@ -17861,10 +18506,10 @@
           <p:cNvPr id="31" name="Straight Connector 30">
             <a:extLst>
               <a:ext uri="{FF2B5EF4-FFF2-40B4-BE49-F238E27FC236}">
-                <a16:creationId xmlns:a16="http://schemas.microsoft.com/office/drawing/2014/main" xmlns="" id="{6BF9119E-766E-4526-AAE5-639F577C0493}"/>
+                <a16:creationId xmlns:a16="http://schemas.microsoft.com/office/drawing/2014/main" id="{6BF9119E-766E-4526-AAE5-639F577C0493}"/>
               </a:ext>
               <a:ext uri="{C183D7F6-B498-43B3-948B-1728B52AA6E4}">
-                <adec:decorative xmlns:adec="http://schemas.microsoft.com/office/drawing/2017/decorative" xmlns="" val="1"/>
+                <adec:decorative xmlns:adec="http://schemas.microsoft.com/office/drawing/2017/decorative" val="1"/>
               </a:ext>
             </a:extLst>
           </p:cNvPr>
@@ -17874,7 +18519,7 @@
           <p:nvPr>
             <p:extLst>
               <p:ext uri="{386F3935-93C4-4BCD-93E2-E3B085C9AB24}">
-                <p16:designElem xmlns:p16="http://schemas.microsoft.com/office/powerpoint/2015/main" xmlns="" val="1"/>
+                <p16:designElem xmlns:p16="http://schemas.microsoft.com/office/powerpoint/2015/main" val="1"/>
               </p:ext>
             </p:extLst>
           </p:nvPr>
@@ -17913,7 +18558,7 @@
           <p:cNvPr id="3" name="Content Placeholder 2">
             <a:extLst>
               <a:ext uri="{FF2B5EF4-FFF2-40B4-BE49-F238E27FC236}">
-                <a16:creationId xmlns:a16="http://schemas.microsoft.com/office/drawing/2014/main" xmlns="" id="{690C7F1B-6CD7-D6B1-C402-1BCC1866FF1D}"/>
+                <a16:creationId xmlns:a16="http://schemas.microsoft.com/office/drawing/2014/main" id="{690C7F1B-6CD7-D6B1-C402-1BCC1866FF1D}"/>
               </a:ext>
             </a:extLst>
           </p:cNvPr>
@@ -17952,10 +18597,10 @@
           <p:cNvPr id="33" name="!!footer rectangle">
             <a:extLst>
               <a:ext uri="{FF2B5EF4-FFF2-40B4-BE49-F238E27FC236}">
-                <a16:creationId xmlns:a16="http://schemas.microsoft.com/office/drawing/2014/main" xmlns="" id="{1FE461C7-FF45-427F-83D7-18DFBD48188D}"/>
+                <a16:creationId xmlns:a16="http://schemas.microsoft.com/office/drawing/2014/main" id="{1FE461C7-FF45-427F-83D7-18DFBD48188D}"/>
               </a:ext>
               <a:ext uri="{C183D7F6-B498-43B3-948B-1728B52AA6E4}">
-                <adec:decorative xmlns:adec="http://schemas.microsoft.com/office/drawing/2017/decorative" xmlns="" val="1"/>
+                <adec:decorative xmlns:adec="http://schemas.microsoft.com/office/drawing/2017/decorative" val="1"/>
               </a:ext>
             </a:extLst>
           </p:cNvPr>
@@ -17965,7 +18610,7 @@
           <p:nvPr>
             <p:extLst>
               <p:ext uri="{386F3935-93C4-4BCD-93E2-E3B085C9AB24}">
-                <p16:designElem xmlns:p16="http://schemas.microsoft.com/office/powerpoint/2015/main" xmlns="" val="1"/>
+                <p16:designElem xmlns:p16="http://schemas.microsoft.com/office/powerpoint/2015/main" val="1"/>
               </p:ext>
             </p:extLst>
           </p:nvPr>
@@ -18014,27 +18659,12 @@
   <p:clrMapOvr>
     <a:overrideClrMapping bg1="dk1" tx1="lt1" bg2="dk2" tx2="lt2" accent1="accent1" accent2="accent2" accent3="accent3" accent4="accent4" accent5="accent5" accent6="accent6" hlink="hlink" folHlink="folHlink"/>
   </p:clrMapOvr>
-  <p:timing>
-    <p:tnLst>
-      <p:par>
-        <p:cTn id="1" dur="indefinite" restart="never" nodeType="tmRoot"/>
-      </p:par>
-    </p:tnLst>
-  </p:timing>
 </p:sld>
 </file>
 
-<file path=ppt/slides/slide35.xml><?xml version="1.0" encoding="utf-8"?>
+<file path=ppt/slides/slide34.xml><?xml version="1.0" encoding="utf-8"?>
 <p:sld xmlns:a="http://schemas.openxmlformats.org/drawingml/2006/main" xmlns:r="http://schemas.openxmlformats.org/officeDocument/2006/relationships" xmlns:p="http://schemas.openxmlformats.org/presentationml/2006/main">
   <p:cSld>
-    <p:bg>
-      <p:bgPr>
-        <a:solidFill>
-          <a:schemeClr val="bg1"/>
-        </a:solidFill>
-        <a:effectLst/>
-      </p:bgPr>
-    </p:bg>
     <p:spTree>
       <p:nvGrpSpPr>
         <p:cNvPr id="1" name=""/>
@@ -18054,10 +18684,10 @@
           <p:cNvPr id="28" name="Rectangle 27">
             <a:extLst>
               <a:ext uri="{FF2B5EF4-FFF2-40B4-BE49-F238E27FC236}">
-                <a16:creationId xmlns:a16="http://schemas.microsoft.com/office/drawing/2014/main" xmlns="" id="{E844E128-FF69-4E9F-8327-6B504B3C5AE1}"/>
+                <a16:creationId xmlns:a16="http://schemas.microsoft.com/office/drawing/2014/main" id="{E844E128-FF69-4E9F-8327-6B504B3C5AE1}"/>
               </a:ext>
               <a:ext uri="{C183D7F6-B498-43B3-948B-1728B52AA6E4}">
-                <adec:decorative xmlns:adec="http://schemas.microsoft.com/office/drawing/2017/decorative" xmlns="" val="1"/>
+                <adec:decorative xmlns:adec="http://schemas.microsoft.com/office/drawing/2017/decorative" val="1"/>
               </a:ext>
             </a:extLst>
           </p:cNvPr>
@@ -18067,7 +18697,7 @@
           <p:nvPr>
             <p:extLst>
               <p:ext uri="{386F3935-93C4-4BCD-93E2-E3B085C9AB24}">
-                <p16:designElem xmlns:p16="http://schemas.microsoft.com/office/powerpoint/2015/main" xmlns="" val="1"/>
+                <p16:designElem xmlns:p16="http://schemas.microsoft.com/office/powerpoint/2015/main" val="1"/>
               </p:ext>
             </p:extLst>
           </p:nvPr>
@@ -18109,7 +18739,7 @@
           <p:cNvPr id="2" name="Title 1">
             <a:extLst>
               <a:ext uri="{FF2B5EF4-FFF2-40B4-BE49-F238E27FC236}">
-                <a16:creationId xmlns:a16="http://schemas.microsoft.com/office/drawing/2014/main" xmlns="" id="{EB8AD0FA-DD8C-8E54-699B-D9F113E7DFDB}"/>
+                <a16:creationId xmlns:a16="http://schemas.microsoft.com/office/drawing/2014/main" id="{EB8AD0FA-DD8C-8E54-699B-D9F113E7DFDB}"/>
               </a:ext>
             </a:extLst>
           </p:cNvPr>
@@ -18148,10 +18778,10 @@
           <p:cNvPr id="30" name="Straight Connector 29">
             <a:extLst>
               <a:ext uri="{FF2B5EF4-FFF2-40B4-BE49-F238E27FC236}">
-                <a16:creationId xmlns:a16="http://schemas.microsoft.com/office/drawing/2014/main" xmlns="" id="{055CEADF-09EA-423C-8C45-F94AF44D5AF0}"/>
+                <a16:creationId xmlns:a16="http://schemas.microsoft.com/office/drawing/2014/main" id="{055CEADF-09EA-423C-8C45-F94AF44D5AF0}"/>
               </a:ext>
               <a:ext uri="{C183D7F6-B498-43B3-948B-1728B52AA6E4}">
-                <adec:decorative xmlns:adec="http://schemas.microsoft.com/office/drawing/2017/decorative" xmlns="" val="1"/>
+                <adec:decorative xmlns:adec="http://schemas.microsoft.com/office/drawing/2017/decorative" val="1"/>
               </a:ext>
             </a:extLst>
           </p:cNvPr>
@@ -18161,7 +18791,7 @@
           <p:nvPr>
             <p:extLst>
               <p:ext uri="{386F3935-93C4-4BCD-93E2-E3B085C9AB24}">
-                <p16:designElem xmlns:p16="http://schemas.microsoft.com/office/powerpoint/2015/main" xmlns="" val="1"/>
+                <p16:designElem xmlns:p16="http://schemas.microsoft.com/office/powerpoint/2015/main" val="1"/>
               </p:ext>
             </p:extLst>
           </p:nvPr>
@@ -18200,7 +18830,7 @@
           <p:cNvPr id="3" name="Content Placeholder 2">
             <a:extLst>
               <a:ext uri="{FF2B5EF4-FFF2-40B4-BE49-F238E27FC236}">
-                <a16:creationId xmlns:a16="http://schemas.microsoft.com/office/drawing/2014/main" xmlns="" id="{A434293C-74E3-27F7-7CFD-2B736111486C}"/>
+                <a16:creationId xmlns:a16="http://schemas.microsoft.com/office/drawing/2014/main" id="{A434293C-74E3-27F7-7CFD-2B736111486C}"/>
               </a:ext>
             </a:extLst>
           </p:cNvPr>
@@ -18286,7 +18916,7 @@
           <p:cNvPr id="5" name="Picture 4">
             <a:extLst>
               <a:ext uri="{FF2B5EF4-FFF2-40B4-BE49-F238E27FC236}">
-                <a16:creationId xmlns:a16="http://schemas.microsoft.com/office/drawing/2014/main" xmlns="" id="{403F2F95-F19F-DDD5-65FB-0206686DFEE8}"/>
+                <a16:creationId xmlns:a16="http://schemas.microsoft.com/office/drawing/2014/main" id="{403F2F95-F19F-DDD5-65FB-0206686DFEE8}"/>
               </a:ext>
             </a:extLst>
           </p:cNvPr>
@@ -18320,17 +18950,10 @@
   <p:clrMapOvr>
     <a:overrideClrMapping bg1="dk1" tx1="lt1" bg2="dk2" tx2="lt2" accent1="accent1" accent2="accent2" accent3="accent3" accent4="accent4" accent5="accent5" accent6="accent6" hlink="hlink" folHlink="folHlink"/>
   </p:clrMapOvr>
-  <p:timing>
-    <p:tnLst>
-      <p:par>
-        <p:cTn id="1" dur="indefinite" restart="never" nodeType="tmRoot"/>
-      </p:par>
-    </p:tnLst>
-  </p:timing>
 </p:sld>
 </file>
 
-<file path=ppt/slides/slide36.xml><?xml version="1.0" encoding="utf-8"?>
+<file path=ppt/slides/slide35.xml><?xml version="1.0" encoding="utf-8"?>
 <p:sld xmlns:a="http://schemas.openxmlformats.org/drawingml/2006/main" xmlns:r="http://schemas.openxmlformats.org/officeDocument/2006/relationships" xmlns:p="http://schemas.openxmlformats.org/presentationml/2006/main">
   <p:cSld>
     <p:spTree>
@@ -18352,10 +18975,10 @@
           <p:cNvPr id="9" name="Rectangle 8">
             <a:extLst>
               <a:ext uri="{FF2B5EF4-FFF2-40B4-BE49-F238E27FC236}">
-                <a16:creationId xmlns:a16="http://schemas.microsoft.com/office/drawing/2014/main" xmlns="" id="{EE1530B0-6F96-46C0-8B3E-3215CB756BE4}"/>
+                <a16:creationId xmlns:a16="http://schemas.microsoft.com/office/drawing/2014/main" id="{EE1530B0-6F96-46C0-8B3E-3215CB756BE4}"/>
               </a:ext>
               <a:ext uri="{C183D7F6-B498-43B3-948B-1728B52AA6E4}">
-                <adec:decorative xmlns:adec="http://schemas.microsoft.com/office/drawing/2017/decorative" xmlns="" val="1"/>
+                <adec:decorative xmlns:adec="http://schemas.microsoft.com/office/drawing/2017/decorative" val="1"/>
               </a:ext>
             </a:extLst>
           </p:cNvPr>
@@ -18365,7 +18988,7 @@
           <p:nvPr>
             <p:extLst>
               <p:ext uri="{386F3935-93C4-4BCD-93E2-E3B085C9AB24}">
-                <p16:designElem xmlns:p16="http://schemas.microsoft.com/office/powerpoint/2015/main" xmlns="" val="1"/>
+                <p16:designElem xmlns:p16="http://schemas.microsoft.com/office/powerpoint/2015/main" val="1"/>
               </p:ext>
             </p:extLst>
           </p:nvPr>
@@ -18412,10 +19035,10 @@
           <p:cNvPr id="11" name="Rectangle 10">
             <a:extLst>
               <a:ext uri="{FF2B5EF4-FFF2-40B4-BE49-F238E27FC236}">
-                <a16:creationId xmlns:a16="http://schemas.microsoft.com/office/drawing/2014/main" xmlns="" id="{754910CF-1B56-45D3-960A-E89F7B3B9131}"/>
+                <a16:creationId xmlns:a16="http://schemas.microsoft.com/office/drawing/2014/main" id="{754910CF-1B56-45D3-960A-E89F7B3B9131}"/>
               </a:ext>
               <a:ext uri="{C183D7F6-B498-43B3-948B-1728B52AA6E4}">
-                <adec:decorative xmlns:adec="http://schemas.microsoft.com/office/drawing/2017/decorative" xmlns="" val="1"/>
+                <adec:decorative xmlns:adec="http://schemas.microsoft.com/office/drawing/2017/decorative" val="1"/>
               </a:ext>
             </a:extLst>
           </p:cNvPr>
@@ -18425,7 +19048,7 @@
           <p:nvPr>
             <p:extLst>
               <p:ext uri="{386F3935-93C4-4BCD-93E2-E3B085C9AB24}">
-                <p16:designElem xmlns:p16="http://schemas.microsoft.com/office/powerpoint/2015/main" xmlns="" val="1"/>
+                <p16:designElem xmlns:p16="http://schemas.microsoft.com/office/powerpoint/2015/main" val="1"/>
               </p:ext>
             </p:extLst>
           </p:nvPr>
@@ -18470,7 +19093,7 @@
           <p:cNvPr id="2" name="Title 1">
             <a:extLst>
               <a:ext uri="{FF2B5EF4-FFF2-40B4-BE49-F238E27FC236}">
-                <a16:creationId xmlns:a16="http://schemas.microsoft.com/office/drawing/2014/main" xmlns="" id="{5E896FC0-401B-A606-3B18-39834C0AC108}"/>
+                <a16:creationId xmlns:a16="http://schemas.microsoft.com/office/drawing/2014/main" id="{5E896FC0-401B-A606-3B18-39834C0AC108}"/>
               </a:ext>
             </a:extLst>
           </p:cNvPr>
@@ -18509,7 +19132,7 @@
           <p:cNvPr id="5" name="Content Placeholder 2">
             <a:extLst>
               <a:ext uri="{FF2B5EF4-FFF2-40B4-BE49-F238E27FC236}">
-                <a16:creationId xmlns:a16="http://schemas.microsoft.com/office/drawing/2014/main" xmlns="" id="{A9C3E105-9442-B5A1-63B3-A64086B258C0}"/>
+                <a16:creationId xmlns:a16="http://schemas.microsoft.com/office/drawing/2014/main" id="{A9C3E105-9442-B5A1-63B3-A64086B258C0}"/>
               </a:ext>
             </a:extLst>
           </p:cNvPr>
@@ -18548,17 +19171,9 @@
 </p:sld>
 </file>
 
-<file path=ppt/slides/slide37.xml><?xml version="1.0" encoding="utf-8"?>
+<file path=ppt/slides/slide36.xml><?xml version="1.0" encoding="utf-8"?>
 <p:sld xmlns:a="http://schemas.openxmlformats.org/drawingml/2006/main" xmlns:r="http://schemas.openxmlformats.org/officeDocument/2006/relationships" xmlns:p="http://schemas.openxmlformats.org/presentationml/2006/main">
   <p:cSld>
-    <p:bg>
-      <p:bgPr>
-        <a:solidFill>
-          <a:schemeClr val="bg1"/>
-        </a:solidFill>
-        <a:effectLst/>
-      </p:bgPr>
-    </p:bg>
     <p:spTree>
       <p:nvGrpSpPr>
         <p:cNvPr id="1" name=""/>
@@ -18578,10 +19193,10 @@
           <p:cNvPr id="26" name="Rectangle 25">
             <a:extLst>
               <a:ext uri="{FF2B5EF4-FFF2-40B4-BE49-F238E27FC236}">
-                <a16:creationId xmlns:a16="http://schemas.microsoft.com/office/drawing/2014/main" xmlns="" id="{E9BA134F-37B6-498A-B46D-040B86E5DA35}"/>
+                <a16:creationId xmlns:a16="http://schemas.microsoft.com/office/drawing/2014/main" id="{E9BA134F-37B6-498A-B46D-040B86E5DA35}"/>
               </a:ext>
               <a:ext uri="{C183D7F6-B498-43B3-948B-1728B52AA6E4}">
-                <adec:decorative xmlns:adec="http://schemas.microsoft.com/office/drawing/2017/decorative" xmlns="" val="1"/>
+                <adec:decorative xmlns:adec="http://schemas.microsoft.com/office/drawing/2017/decorative" val="1"/>
               </a:ext>
             </a:extLst>
           </p:cNvPr>
@@ -18591,7 +19206,7 @@
           <p:nvPr>
             <p:extLst>
               <p:ext uri="{386F3935-93C4-4BCD-93E2-E3B085C9AB24}">
-                <p16:designElem xmlns:p16="http://schemas.microsoft.com/office/powerpoint/2015/main" xmlns="" val="1"/>
+                <p16:designElem xmlns:p16="http://schemas.microsoft.com/office/powerpoint/2015/main" val="1"/>
               </p:ext>
             </p:extLst>
           </p:nvPr>
@@ -18638,7 +19253,7 @@
           <p:cNvPr id="23" name="Graphic 22" descr="Users">
             <a:extLst>
               <a:ext uri="{FF2B5EF4-FFF2-40B4-BE49-F238E27FC236}">
-                <a16:creationId xmlns:a16="http://schemas.microsoft.com/office/drawing/2014/main" xmlns="" id="{FD8EE9C9-2B23-ED69-52C5-7486A33ABC57}"/>
+                <a16:creationId xmlns:a16="http://schemas.microsoft.com/office/drawing/2014/main" id="{FD8EE9C9-2B23-ED69-52C5-7486A33ABC57}"/>
               </a:ext>
             </a:extLst>
           </p:cNvPr>
@@ -18654,7 +19269,7 @@
                 <a14:useLocalDpi xmlns:a14="http://schemas.microsoft.com/office/drawing/2010/main" val="0"/>
               </a:ext>
               <a:ext uri="{96DAC541-7B7A-43D3-8B79-37D633B846F1}">
-                <asvg:svgBlip xmlns:asvg="http://schemas.microsoft.com/office/drawing/2016/SVG/main" xmlns="" r:embed="rId3"/>
+                <asvg:svgBlip xmlns:asvg="http://schemas.microsoft.com/office/drawing/2016/SVG/main" r:embed="rId3"/>
               </a:ext>
             </a:extLst>
           </a:blip>
@@ -18677,10 +19292,10 @@
           <p:cNvPr id="28" name="Rectangle 27">
             <a:extLst>
               <a:ext uri="{FF2B5EF4-FFF2-40B4-BE49-F238E27FC236}">
-                <a16:creationId xmlns:a16="http://schemas.microsoft.com/office/drawing/2014/main" xmlns="" id="{2BFE3F30-11E0-4842-8523-7222538C8293}"/>
+                <a16:creationId xmlns:a16="http://schemas.microsoft.com/office/drawing/2014/main" id="{2BFE3F30-11E0-4842-8523-7222538C8293}"/>
               </a:ext>
               <a:ext uri="{C183D7F6-B498-43B3-948B-1728B52AA6E4}">
-                <adec:decorative xmlns:adec="http://schemas.microsoft.com/office/drawing/2017/decorative" xmlns="" val="1"/>
+                <adec:decorative xmlns:adec="http://schemas.microsoft.com/office/drawing/2017/decorative" val="1"/>
               </a:ext>
             </a:extLst>
           </p:cNvPr>
@@ -18690,7 +19305,7 @@
           <p:nvPr>
             <p:extLst>
               <p:ext uri="{386F3935-93C4-4BCD-93E2-E3B085C9AB24}">
-                <p16:designElem xmlns:p16="http://schemas.microsoft.com/office/powerpoint/2015/main" xmlns="" val="1"/>
+                <p16:designElem xmlns:p16="http://schemas.microsoft.com/office/powerpoint/2015/main" val="1"/>
               </p:ext>
             </p:extLst>
           </p:nvPr>
@@ -18732,7 +19347,7 @@
           <p:cNvPr id="2" name="Title 1">
             <a:extLst>
               <a:ext uri="{FF2B5EF4-FFF2-40B4-BE49-F238E27FC236}">
-                <a16:creationId xmlns:a16="http://schemas.microsoft.com/office/drawing/2014/main" xmlns="" id="{D0C9275D-5BB1-407F-37C4-B4C1172B867A}"/>
+                <a16:creationId xmlns:a16="http://schemas.microsoft.com/office/drawing/2014/main" id="{D0C9275D-5BB1-407F-37C4-B4C1172B867A}"/>
               </a:ext>
             </a:extLst>
           </p:cNvPr>
@@ -18771,10 +19386,10 @@
           <p:cNvPr id="30" name="Straight Connector 29">
             <a:extLst>
               <a:ext uri="{FF2B5EF4-FFF2-40B4-BE49-F238E27FC236}">
-                <a16:creationId xmlns:a16="http://schemas.microsoft.com/office/drawing/2014/main" xmlns="" id="{67E7D319-545A-41CD-95DF-4DE4FA8A46B1}"/>
+                <a16:creationId xmlns:a16="http://schemas.microsoft.com/office/drawing/2014/main" id="{67E7D319-545A-41CD-95DF-4DE4FA8A46B1}"/>
               </a:ext>
               <a:ext uri="{C183D7F6-B498-43B3-948B-1728B52AA6E4}">
-                <adec:decorative xmlns:adec="http://schemas.microsoft.com/office/drawing/2017/decorative" xmlns="" val="1"/>
+                <adec:decorative xmlns:adec="http://schemas.microsoft.com/office/drawing/2017/decorative" val="1"/>
               </a:ext>
             </a:extLst>
           </p:cNvPr>
@@ -18784,7 +19399,7 @@
           <p:nvPr>
             <p:extLst>
               <p:ext uri="{386F3935-93C4-4BCD-93E2-E3B085C9AB24}">
-                <p16:designElem xmlns:p16="http://schemas.microsoft.com/office/powerpoint/2015/main" xmlns="" val="1"/>
+                <p16:designElem xmlns:p16="http://schemas.microsoft.com/office/powerpoint/2015/main" val="1"/>
               </p:ext>
             </p:extLst>
           </p:nvPr>
@@ -18823,7 +19438,7 @@
           <p:cNvPr id="3" name="Content Placeholder 2">
             <a:extLst>
               <a:ext uri="{FF2B5EF4-FFF2-40B4-BE49-F238E27FC236}">
-                <a16:creationId xmlns:a16="http://schemas.microsoft.com/office/drawing/2014/main" xmlns="" id="{69EF6C75-3779-E6A1-8102-E0B049CF3E47}"/>
+                <a16:creationId xmlns:a16="http://schemas.microsoft.com/office/drawing/2014/main" id="{69EF6C75-3779-E6A1-8102-E0B049CF3E47}"/>
               </a:ext>
             </a:extLst>
           </p:cNvPr>
@@ -18986,6 +19601,233 @@
     <p:extLst>
       <p:ext uri="{BB962C8B-B14F-4D97-AF65-F5344CB8AC3E}">
         <p14:creationId xmlns:p14="http://schemas.microsoft.com/office/powerpoint/2010/main" val="923027413"/>
+      </p:ext>
+    </p:extLst>
+  </p:cSld>
+  <p:clrMapOvr>
+    <a:masterClrMapping/>
+  </p:clrMapOvr>
+</p:sld>
+</file>
+
+<file path=ppt/slides/slide37.xml><?xml version="1.0" encoding="utf-8"?>
+<p:sld xmlns:a="http://schemas.openxmlformats.org/drawingml/2006/main" xmlns:r="http://schemas.openxmlformats.org/officeDocument/2006/relationships" xmlns:p="http://schemas.openxmlformats.org/presentationml/2006/main">
+  <p:cSld>
+    <p:spTree>
+      <p:nvGrpSpPr>
+        <p:cNvPr id="1" name=""/>
+        <p:cNvGrpSpPr/>
+        <p:nvPr/>
+      </p:nvGrpSpPr>
+      <p:grpSpPr>
+        <a:xfrm>
+          <a:off x="0" y="0"/>
+          <a:ext cx="0" cy="0"/>
+          <a:chOff x="0" y="0"/>
+          <a:chExt cx="0" cy="0"/>
+        </a:xfrm>
+      </p:grpSpPr>
+      <p:sp>
+        <p:nvSpPr>
+          <p:cNvPr id="2" name="Title 1">
+            <a:extLst>
+              <a:ext uri="{FF2B5EF4-FFF2-40B4-BE49-F238E27FC236}">
+                <a16:creationId xmlns:a16="http://schemas.microsoft.com/office/drawing/2014/main" id="{DBB1DF90-5AAC-3EC1-5D16-A95BF1B17A71}"/>
+              </a:ext>
+            </a:extLst>
+          </p:cNvPr>
+          <p:cNvSpPr>
+            <a:spLocks noGrp="1"/>
+          </p:cNvSpPr>
+          <p:nvPr>
+            <p:ph type="title"/>
+          </p:nvPr>
+        </p:nvSpPr>
+        <p:spPr/>
+        <p:txBody>
+          <a:bodyPr/>
+          <a:lstStyle/>
+          <a:p>
+            <a:r>
+              <a:rPr lang="en-US" dirty="0">
+                <a:solidFill>
+                  <a:schemeClr val="bg1">
+                    <a:lumMod val="95000"/>
+                  </a:schemeClr>
+                </a:solidFill>
+              </a:rPr>
+              <a:t>What is User Access Control?</a:t>
+            </a:r>
+          </a:p>
+        </p:txBody>
+      </p:sp>
+      <p:sp>
+        <p:nvSpPr>
+          <p:cNvPr id="3" name="Content Placeholder 2">
+            <a:extLst>
+              <a:ext uri="{FF2B5EF4-FFF2-40B4-BE49-F238E27FC236}">
+                <a16:creationId xmlns:a16="http://schemas.microsoft.com/office/drawing/2014/main" id="{5DDF6F59-E9DD-C040-D1F0-E81D52F492A2}"/>
+              </a:ext>
+            </a:extLst>
+          </p:cNvPr>
+          <p:cNvSpPr>
+            <a:spLocks noGrp="1"/>
+          </p:cNvSpPr>
+          <p:nvPr>
+            <p:ph idx="1"/>
+          </p:nvPr>
+        </p:nvSpPr>
+        <p:spPr/>
+        <p:txBody>
+          <a:bodyPr/>
+          <a:lstStyle/>
+          <a:p>
+            <a:r>
+              <a:rPr lang="en-US" dirty="0">
+                <a:solidFill>
+                  <a:schemeClr val="bg1">
+                    <a:lumMod val="95000"/>
+                  </a:schemeClr>
+                </a:solidFill>
+              </a:rPr>
+              <a:t>Ensure that a user can </a:t>
+            </a:r>
+            <a:r>
+              <a:rPr lang="en-US" b="1" dirty="0">
+                <a:solidFill>
+                  <a:schemeClr val="bg1">
+                    <a:lumMod val="95000"/>
+                  </a:schemeClr>
+                </a:solidFill>
+              </a:rPr>
+              <a:t>ACCESS</a:t>
+            </a:r>
+            <a:r>
+              <a:rPr lang="en-US" dirty="0">
+                <a:solidFill>
+                  <a:schemeClr val="bg1">
+                    <a:lumMod val="95000"/>
+                  </a:schemeClr>
+                </a:solidFill>
+              </a:rPr>
+              <a:t> only </a:t>
+            </a:r>
+            <a:r>
+              <a:rPr lang="en-US" b="1" dirty="0">
+                <a:solidFill>
+                  <a:schemeClr val="bg1">
+                    <a:lumMod val="95000"/>
+                  </a:schemeClr>
+                </a:solidFill>
+              </a:rPr>
+              <a:t>SPECIFIC INFORMATION </a:t>
+            </a:r>
+            <a:r>
+              <a:rPr lang="en-US" dirty="0">
+                <a:solidFill>
+                  <a:schemeClr val="bg1">
+                    <a:lumMod val="95000"/>
+                  </a:schemeClr>
+                </a:solidFill>
+              </a:rPr>
+              <a:t>or </a:t>
+            </a:r>
+            <a:r>
+              <a:rPr lang="en-US" b="1" dirty="0">
+                <a:solidFill>
+                  <a:schemeClr val="bg1">
+                    <a:lumMod val="95000"/>
+                  </a:schemeClr>
+                </a:solidFill>
+              </a:rPr>
+              <a:t>SPECIFIC CONTROL</a:t>
+            </a:r>
+            <a:r>
+              <a:rPr lang="en-US" dirty="0">
+                <a:solidFill>
+                  <a:schemeClr val="bg1">
+                    <a:lumMod val="95000"/>
+                  </a:schemeClr>
+                </a:solidFill>
+              </a:rPr>
+              <a:t> in an organization or company.</a:t>
+            </a:r>
+          </a:p>
+          <a:p>
+            <a:pPr marL="0" indent="0">
+              <a:buNone/>
+            </a:pPr>
+            <a:r>
+              <a:rPr lang="en-US" dirty="0">
+                <a:solidFill>
+                  <a:schemeClr val="bg1">
+                    <a:lumMod val="95000"/>
+                  </a:schemeClr>
+                </a:solidFill>
+              </a:rPr>
+              <a:t> Controls such as –</a:t>
+            </a:r>
+          </a:p>
+          <a:p>
+            <a:pPr marL="0" indent="0">
+              <a:buNone/>
+            </a:pPr>
+            <a:r>
+              <a:rPr lang="en-US" dirty="0">
+                <a:solidFill>
+                  <a:schemeClr val="bg1">
+                    <a:lumMod val="95000"/>
+                  </a:schemeClr>
+                </a:solidFill>
+              </a:rPr>
+              <a:t>System administrators can only access to the active directories, CRUD a users etc.</a:t>
+            </a:r>
+          </a:p>
+          <a:p>
+            <a:pPr marL="0" indent="0">
+              <a:buNone/>
+            </a:pPr>
+            <a:r>
+              <a:rPr lang="en-US" dirty="0">
+                <a:solidFill>
+                  <a:schemeClr val="bg1">
+                    <a:lumMod val="95000"/>
+                  </a:schemeClr>
+                </a:solidFill>
+              </a:rPr>
+              <a:t>HR Team controls employee information</a:t>
+            </a:r>
+          </a:p>
+          <a:p>
+            <a:pPr marL="0" indent="0">
+              <a:buNone/>
+            </a:pPr>
+            <a:endParaRPr lang="en-US" dirty="0">
+              <a:solidFill>
+                <a:schemeClr val="bg1">
+                  <a:lumMod val="95000"/>
+                </a:schemeClr>
+              </a:solidFill>
+            </a:endParaRPr>
+          </a:p>
+          <a:p>
+            <a:pPr marL="0" indent="0">
+              <a:buNone/>
+            </a:pPr>
+            <a:endParaRPr lang="en-US" dirty="0">
+              <a:solidFill>
+                <a:schemeClr val="bg1">
+                  <a:lumMod val="95000"/>
+                </a:schemeClr>
+              </a:solidFill>
+            </a:endParaRPr>
+          </a:p>
+        </p:txBody>
+      </p:sp>
+    </p:spTree>
+    <p:extLst>
+      <p:ext uri="{BB962C8B-B14F-4D97-AF65-F5344CB8AC3E}">
+        <p14:creationId xmlns:p14="http://schemas.microsoft.com/office/powerpoint/2010/main" val="2706456986"/>
       </p:ext>
     </p:extLst>
   </p:cSld>
@@ -19017,7 +19859,7 @@
           <p:cNvPr id="2" name="Title 1">
             <a:extLst>
               <a:ext uri="{FF2B5EF4-FFF2-40B4-BE49-F238E27FC236}">
-                <a16:creationId xmlns:a16="http://schemas.microsoft.com/office/drawing/2014/main" xmlns="" id="{DBB1DF90-5AAC-3EC1-5D16-A95BF1B17A71}"/>
+                <a16:creationId xmlns:a16="http://schemas.microsoft.com/office/drawing/2014/main" id="{CEC3CB6A-5C62-FEC1-3624-1A34780E40F4}"/>
               </a:ext>
             </a:extLst>
           </p:cNvPr>
@@ -19034,8 +19876,14 @@
           <a:lstStyle/>
           <a:p>
             <a:r>
-              <a:rPr lang="en-US" dirty="0"/>
-              <a:t>What is User Access Control?</a:t>
+              <a:rPr lang="en-US" dirty="0">
+                <a:solidFill>
+                  <a:schemeClr val="bg1">
+                    <a:lumMod val="95000"/>
+                  </a:schemeClr>
+                </a:solidFill>
+              </a:rPr>
+              <a:t>Why User Access Control?</a:t>
             </a:r>
           </a:p>
         </p:txBody>
@@ -19045,7 +19893,7 @@
           <p:cNvPr id="3" name="Content Placeholder 2">
             <a:extLst>
               <a:ext uri="{FF2B5EF4-FFF2-40B4-BE49-F238E27FC236}">
-                <a16:creationId xmlns:a16="http://schemas.microsoft.com/office/drawing/2014/main" xmlns="" id="{5DDF6F59-E9DD-C040-D1F0-E81D52F492A2}"/>
+                <a16:creationId xmlns:a16="http://schemas.microsoft.com/office/drawing/2014/main" id="{B7F35142-225D-F327-024A-9A5A2E7CECBB}"/>
               </a:ext>
             </a:extLst>
           </p:cNvPr>
@@ -19062,79 +19910,46 @@
           <a:lstStyle/>
           <a:p>
             <a:r>
-              <a:rPr lang="en-US" dirty="0"/>
-              <a:t>Ensure that a user can </a:t>
-            </a:r>
-            <a:r>
-              <a:rPr lang="en-US" b="1" dirty="0"/>
-              <a:t>ACCESS</a:t>
-            </a:r>
-            <a:r>
-              <a:rPr lang="en-US" dirty="0"/>
-              <a:t> only </a:t>
-            </a:r>
-            <a:r>
-              <a:rPr lang="en-US" b="1" dirty="0"/>
-              <a:t>SPECIFIC INFORMATION </a:t>
-            </a:r>
-            <a:r>
-              <a:rPr lang="en-US" dirty="0"/>
-              <a:t>or </a:t>
-            </a:r>
-            <a:r>
-              <a:rPr lang="en-US" b="1" dirty="0"/>
-              <a:t>SPECIFIC CONTROL</a:t>
-            </a:r>
-            <a:r>
-              <a:rPr lang="en-US" dirty="0"/>
-              <a:t> in an organization or company.</a:t>
-            </a:r>
-          </a:p>
-          <a:p>
-            <a:pPr marL="0" indent="0">
-              <a:buNone/>
-            </a:pPr>
-            <a:r>
-              <a:rPr lang="en-US" dirty="0"/>
-              <a:t> Controls such as –</a:t>
-            </a:r>
-          </a:p>
-          <a:p>
-            <a:pPr marL="0" indent="0">
-              <a:buNone/>
-            </a:pPr>
-            <a:r>
-              <a:rPr lang="en-US" dirty="0"/>
-              <a:t>System administrators can only access to the active directories, CRUD a users etc.</a:t>
-            </a:r>
-          </a:p>
-          <a:p>
-            <a:pPr marL="0" indent="0">
-              <a:buNone/>
-            </a:pPr>
-            <a:r>
-              <a:rPr lang="en-US" dirty="0"/>
-              <a:t>HR Team controls employee information</a:t>
-            </a:r>
-          </a:p>
-          <a:p>
-            <a:pPr marL="0" indent="0">
-              <a:buNone/>
-            </a:pPr>
-            <a:endParaRPr lang="en-US" dirty="0"/>
-          </a:p>
-          <a:p>
-            <a:pPr marL="0" indent="0">
-              <a:buNone/>
-            </a:pPr>
-            <a:endParaRPr lang="en-US" dirty="0"/>
+              <a:rPr lang="en-US" dirty="0">
+                <a:solidFill>
+                  <a:schemeClr val="bg1">
+                    <a:lumMod val="95000"/>
+                  </a:schemeClr>
+                </a:solidFill>
+              </a:rPr>
+              <a:t>Humans are naturally curious</a:t>
+            </a:r>
+          </a:p>
+          <a:p>
+            <a:r>
+              <a:rPr lang="en-US" dirty="0">
+                <a:solidFill>
+                  <a:schemeClr val="bg1">
+                    <a:lumMod val="95000"/>
+                  </a:schemeClr>
+                </a:solidFill>
+              </a:rPr>
+              <a:t>If we don’t set user controls, Information confidentiality and Integrity will be in danger.</a:t>
+            </a:r>
+          </a:p>
+          <a:p>
+            <a:r>
+              <a:rPr lang="en-US" dirty="0">
+                <a:solidFill>
+                  <a:schemeClr val="bg1">
+                    <a:lumMod val="95000"/>
+                  </a:schemeClr>
+                </a:solidFill>
+              </a:rPr>
+              <a:t>To protect data and information User Access controls are used</a:t>
+            </a:r>
           </a:p>
         </p:txBody>
       </p:sp>
     </p:spTree>
     <p:extLst>
       <p:ext uri="{BB962C8B-B14F-4D97-AF65-F5344CB8AC3E}">
-        <p14:creationId xmlns:p14="http://schemas.microsoft.com/office/powerpoint/2010/main" val="2706456986"/>
+        <p14:creationId xmlns:p14="http://schemas.microsoft.com/office/powerpoint/2010/main" val="3714240421"/>
       </p:ext>
     </p:extLst>
   </p:cSld>
@@ -19166,7 +19981,7 @@
           <p:cNvPr id="2" name="Title 1">
             <a:extLst>
               <a:ext uri="{FF2B5EF4-FFF2-40B4-BE49-F238E27FC236}">
-                <a16:creationId xmlns:a16="http://schemas.microsoft.com/office/drawing/2014/main" xmlns="" id="{CEC3CB6A-5C62-FEC1-3624-1A34780E40F4}"/>
+                <a16:creationId xmlns:a16="http://schemas.microsoft.com/office/drawing/2014/main" id="{E2472BC1-F054-CB98-B844-4A698BCD359B}"/>
               </a:ext>
             </a:extLst>
           </p:cNvPr>
@@ -19183,8 +19998,14 @@
           <a:lstStyle/>
           <a:p>
             <a:r>
-              <a:rPr lang="en-US" dirty="0"/>
-              <a:t>Why User Access Control?</a:t>
+              <a:rPr lang="en-US" dirty="0">
+                <a:solidFill>
+                  <a:schemeClr val="bg1">
+                    <a:lumMod val="95000"/>
+                  </a:schemeClr>
+                </a:solidFill>
+              </a:rPr>
+              <a:t>How to implement User Access Control?</a:t>
             </a:r>
           </a:p>
         </p:txBody>
@@ -19194,7 +20015,7 @@
           <p:cNvPr id="3" name="Content Placeholder 2">
             <a:extLst>
               <a:ext uri="{FF2B5EF4-FFF2-40B4-BE49-F238E27FC236}">
-                <a16:creationId xmlns:a16="http://schemas.microsoft.com/office/drawing/2014/main" xmlns="" id="{B7F35142-225D-F327-024A-9A5A2E7CECBB}"/>
+                <a16:creationId xmlns:a16="http://schemas.microsoft.com/office/drawing/2014/main" id="{C7790F32-6F6C-94D0-FBBF-98E60E10C5AB}"/>
               </a:ext>
             </a:extLst>
           </p:cNvPr>
@@ -19207,32 +20028,130 @@
         </p:nvSpPr>
         <p:spPr/>
         <p:txBody>
-          <a:bodyPr/>
+          <a:bodyPr>
+            <a:normAutofit/>
+          </a:bodyPr>
           <a:lstStyle/>
           <a:p>
-            <a:r>
-              <a:rPr lang="en-US" dirty="0"/>
-              <a:t>Humans are naturally curious</a:t>
-            </a:r>
-          </a:p>
-          <a:p>
-            <a:r>
-              <a:rPr lang="en-US" dirty="0"/>
-              <a:t>If we don’t set user controls, Information confidentiality and Integrity will be in danger.</a:t>
-            </a:r>
-          </a:p>
-          <a:p>
-            <a:r>
-              <a:rPr lang="en-US" dirty="0"/>
-              <a:t>To protect data and information User Access controls are used</a:t>
-            </a:r>
+            <a:pPr>
+              <a:buFont typeface="Arial" panose="020B0604020202020204" pitchFamily="34" charset="0"/>
+              <a:buChar char="•"/>
+            </a:pPr>
+            <a:r>
+              <a:rPr lang="en-US" dirty="0">
+                <a:solidFill>
+                  <a:schemeClr val="bg1">
+                    <a:lumMod val="95000"/>
+                  </a:schemeClr>
+                </a:solidFill>
+              </a:rPr>
+              <a:t> Identifying account types (individual, group, system, application, guest, and temporary) </a:t>
+            </a:r>
+          </a:p>
+          <a:p>
+            <a:pPr>
+              <a:buFont typeface="Arial" panose="020B0604020202020204" pitchFamily="34" charset="0"/>
+              <a:buChar char="•"/>
+            </a:pPr>
+            <a:r>
+              <a:rPr lang="en-US" dirty="0">
+                <a:solidFill>
+                  <a:schemeClr val="bg1">
+                    <a:lumMod val="95000"/>
+                  </a:schemeClr>
+                </a:solidFill>
+              </a:rPr>
+              <a:t> Establishing conditions for group membership Identifying authorized users of the information  system and specifying access privileges </a:t>
+            </a:r>
+          </a:p>
+          <a:p>
+            <a:pPr>
+              <a:buFont typeface="Arial" panose="020B0604020202020204" pitchFamily="34" charset="0"/>
+              <a:buChar char="•"/>
+            </a:pPr>
+            <a:r>
+              <a:rPr lang="en-US" dirty="0">
+                <a:solidFill>
+                  <a:schemeClr val="bg1">
+                    <a:lumMod val="95000"/>
+                  </a:schemeClr>
+                </a:solidFill>
+              </a:rPr>
+              <a:t> Requiring appropriate approvals for requests to establish accounts </a:t>
+            </a:r>
+          </a:p>
+          <a:p>
+            <a:pPr>
+              <a:buFont typeface="Arial" panose="020B0604020202020204" pitchFamily="34" charset="0"/>
+              <a:buChar char="•"/>
+            </a:pPr>
+            <a:r>
+              <a:rPr lang="en-US" dirty="0">
+                <a:solidFill>
+                  <a:schemeClr val="bg1">
+                    <a:lumMod val="95000"/>
+                  </a:schemeClr>
+                </a:solidFill>
+              </a:rPr>
+              <a:t> Establishing, activating, modifying, disabling, and removing accounts </a:t>
+            </a:r>
+          </a:p>
+          <a:p>
+            <a:pPr>
+              <a:buFont typeface="Arial" panose="020B0604020202020204" pitchFamily="34" charset="0"/>
+              <a:buChar char="•"/>
+            </a:pPr>
+            <a:r>
+              <a:rPr lang="en-US" dirty="0">
+                <a:solidFill>
+                  <a:schemeClr val="bg1">
+                    <a:lumMod val="95000"/>
+                  </a:schemeClr>
+                </a:solidFill>
+              </a:rPr>
+              <a:t> Specifically authorizing and monitoring the use of guest/anonymous and temporary accounts</a:t>
+            </a:r>
+          </a:p>
+          <a:p>
+            <a:pPr>
+              <a:buFont typeface="Arial" panose="020B0604020202020204" pitchFamily="34" charset="0"/>
+              <a:buChar char="•"/>
+            </a:pPr>
+            <a:r>
+              <a:rPr lang="en-US" dirty="0">
+                <a:solidFill>
+                  <a:schemeClr val="bg1">
+                    <a:lumMod val="95000"/>
+                  </a:schemeClr>
+                </a:solidFill>
+              </a:rPr>
+              <a:t> Granting access to the system based on A valid access authorization</a:t>
+            </a:r>
+          </a:p>
+          <a:p>
+            <a:endParaRPr lang="en-US" dirty="0">
+              <a:solidFill>
+                <a:schemeClr val="bg1">
+                  <a:lumMod val="95000"/>
+                </a:schemeClr>
+              </a:solidFill>
+            </a:endParaRPr>
+          </a:p>
+          <a:p>
+            <a:endParaRPr lang="en-US" dirty="0">
+              <a:solidFill>
+                <a:schemeClr val="bg1">
+                  <a:lumMod val="95000"/>
+                </a:schemeClr>
+              </a:solidFill>
+            </a:endParaRPr>
           </a:p>
         </p:txBody>
       </p:sp>
     </p:spTree>
     <p:extLst>
       <p:ext uri="{BB962C8B-B14F-4D97-AF65-F5344CB8AC3E}">
-        <p14:creationId xmlns:p14="http://schemas.microsoft.com/office/powerpoint/2010/main" val="3714240421"/>
+        <p14:creationId xmlns:p14="http://schemas.microsoft.com/office/powerpoint/2010/main" val="2726068334"/>
       </p:ext>
     </p:extLst>
   </p:cSld>
@@ -19264,7 +20183,7 @@
           <p:cNvPr id="2" name="Picture 1" descr="A picture containing text, electronics, circuit&#10;&#10;Description automatically generated">
             <a:extLst>
               <a:ext uri="{FF2B5EF4-FFF2-40B4-BE49-F238E27FC236}">
-                <a16:creationId xmlns:a16="http://schemas.microsoft.com/office/drawing/2014/main" xmlns="" id="{B046B117-6868-1362-C350-B88731067303}"/>
+                <a16:creationId xmlns:a16="http://schemas.microsoft.com/office/drawing/2014/main" id="{B046B117-6868-1362-C350-B88731067303}"/>
               </a:ext>
             </a:extLst>
           </p:cNvPr>
@@ -19300,7 +20219,7 @@
           <p:cNvPr id="4" name="TextBox 3">
             <a:extLst>
               <a:ext uri="{FF2B5EF4-FFF2-40B4-BE49-F238E27FC236}">
-                <a16:creationId xmlns:a16="http://schemas.microsoft.com/office/drawing/2014/main" xmlns="" id="{23A55B0E-9E08-4222-ABA2-50D44D38432C}"/>
+                <a16:creationId xmlns:a16="http://schemas.microsoft.com/office/drawing/2014/main" id="{23A55B0E-9E08-4222-ABA2-50D44D38432C}"/>
               </a:ext>
             </a:extLst>
           </p:cNvPr>
@@ -19365,7 +20284,7 @@
                 <a:hlinkClick r:id="rId3">
                   <a:extLst>
                     <a:ext uri="{A12FA001-AC4F-418D-AE19-62706E023703}">
-                      <ahyp:hlinkClr xmlns:ahyp="http://schemas.microsoft.com/office/drawing/2018/hyperlinkcolor" xmlns="" val="tx"/>
+                      <ahyp:hlinkClr xmlns:ahyp="http://schemas.microsoft.com/office/drawing/2018/hyperlinkcolor" val="tx"/>
                     </a:ext>
                   </a:extLst>
                 </a:hlinkClick>
@@ -19435,7 +20354,7 @@
           <p:cNvPr id="2" name="Title 1">
             <a:extLst>
               <a:ext uri="{FF2B5EF4-FFF2-40B4-BE49-F238E27FC236}">
-                <a16:creationId xmlns:a16="http://schemas.microsoft.com/office/drawing/2014/main" xmlns="" id="{E2472BC1-F054-CB98-B844-4A698BCD359B}"/>
+                <a16:creationId xmlns:a16="http://schemas.microsoft.com/office/drawing/2014/main" id="{90A911F8-9259-B496-1E4A-4528A1311153}"/>
               </a:ext>
             </a:extLst>
           </p:cNvPr>
@@ -19452,8 +20371,14 @@
           <a:lstStyle/>
           <a:p>
             <a:r>
-              <a:rPr lang="en-US" dirty="0"/>
-              <a:t>How to implement User Access Control?</a:t>
+              <a:rPr lang="en-US" dirty="0">
+                <a:solidFill>
+                  <a:schemeClr val="bg1">
+                    <a:lumMod val="95000"/>
+                  </a:schemeClr>
+                </a:solidFill>
+              </a:rPr>
+              <a:t>Least Privilege or Zero Trust</a:t>
             </a:r>
           </a:p>
         </p:txBody>
@@ -19463,7 +20388,7 @@
           <p:cNvPr id="3" name="Content Placeholder 2">
             <a:extLst>
               <a:ext uri="{FF2B5EF4-FFF2-40B4-BE49-F238E27FC236}">
-                <a16:creationId xmlns:a16="http://schemas.microsoft.com/office/drawing/2014/main" xmlns="" id="{C7790F32-6F6C-94D0-FBBF-98E60E10C5AB}"/>
+                <a16:creationId xmlns:a16="http://schemas.microsoft.com/office/drawing/2014/main" id="{A982FFF2-C108-C5B9-6283-B636A0F90FCF}"/>
               </a:ext>
             </a:extLst>
           </p:cNvPr>
@@ -19476,82 +20401,95 @@
         </p:nvSpPr>
         <p:spPr/>
         <p:txBody>
-          <a:bodyPr>
-            <a:normAutofit/>
-          </a:bodyPr>
+          <a:bodyPr/>
           <a:lstStyle/>
           <a:p>
-            <a:pPr>
-              <a:buFont typeface="Arial" panose="020B0604020202020204" pitchFamily="34" charset="0"/>
-              <a:buChar char="•"/>
+            <a:r>
+              <a:rPr lang="en-US" dirty="0">
+                <a:solidFill>
+                  <a:schemeClr val="bg1">
+                    <a:lumMod val="95000"/>
+                  </a:schemeClr>
+                </a:solidFill>
+              </a:rPr>
+              <a:t>Trust no one. Both inside and outside of the network.</a:t>
+            </a:r>
+          </a:p>
+          <a:p>
+            <a:pPr marL="0" indent="0">
+              <a:buNone/>
             </a:pPr>
             <a:r>
-              <a:rPr lang="en-US" dirty="0"/>
-              <a:t> Identifying account types (individual, group, system, application, guest, and temporary) </a:t>
-            </a:r>
-          </a:p>
-          <a:p>
-            <a:pPr>
-              <a:buFont typeface="Arial" panose="020B0604020202020204" pitchFamily="34" charset="0"/>
-              <a:buChar char="•"/>
+              <a:rPr lang="en-US" dirty="0">
+                <a:solidFill>
+                  <a:schemeClr val="bg1">
+                    <a:lumMod val="95000"/>
+                  </a:schemeClr>
+                </a:solidFill>
+              </a:rPr>
+              <a:t>  Grant minimum access to data, tools and information</a:t>
+            </a:r>
+          </a:p>
+          <a:p>
+            <a:pPr marL="0" indent="0">
+              <a:buNone/>
             </a:pPr>
             <a:r>
-              <a:rPr lang="en-US" dirty="0"/>
-              <a:t> Establishing conditions for group membership Identifying authorized users of the information  system and specifying access privileges </a:t>
-            </a:r>
-          </a:p>
-          <a:p>
-            <a:pPr>
-              <a:buFont typeface="Arial" panose="020B0604020202020204" pitchFamily="34" charset="0"/>
-              <a:buChar char="•"/>
+              <a:rPr lang="en-US" dirty="0">
+                <a:solidFill>
+                  <a:schemeClr val="bg1">
+                    <a:lumMod val="95000"/>
+                  </a:schemeClr>
+                </a:solidFill>
+              </a:rPr>
+              <a:t>  Follows the rule Default deny</a:t>
+            </a:r>
+          </a:p>
+          <a:p>
+            <a:pPr marL="0" indent="0">
+              <a:buNone/>
             </a:pPr>
             <a:r>
-              <a:rPr lang="en-US" dirty="0"/>
-              <a:t> Requiring appropriate approvals for requests to establish accounts </a:t>
-            </a:r>
-          </a:p>
-          <a:p>
-            <a:pPr>
-              <a:buFont typeface="Arial" panose="020B0604020202020204" pitchFamily="34" charset="0"/>
-              <a:buChar char="•"/>
+              <a:rPr lang="en-US" dirty="0">
+                <a:solidFill>
+                  <a:schemeClr val="bg1">
+                    <a:lumMod val="95000"/>
+                  </a:schemeClr>
+                </a:solidFill>
+              </a:rPr>
+              <a:t>  </a:t>
+            </a:r>
+          </a:p>
+          <a:p>
+            <a:pPr marL="0" indent="0">
+              <a:buNone/>
             </a:pPr>
             <a:r>
-              <a:rPr lang="en-US" dirty="0"/>
-              <a:t> Establishing, activating, modifying, disabling, and removing accounts </a:t>
-            </a:r>
-          </a:p>
-          <a:p>
-            <a:pPr>
-              <a:buFont typeface="Arial" panose="020B0604020202020204" pitchFamily="34" charset="0"/>
-              <a:buChar char="•"/>
-            </a:pPr>
-            <a:r>
-              <a:rPr lang="en-US" dirty="0"/>
-              <a:t> Specifically authorizing and monitoring the use of guest/anonymous and temporary accounts</a:t>
-            </a:r>
-          </a:p>
-          <a:p>
-            <a:pPr>
-              <a:buFont typeface="Arial" panose="020B0604020202020204" pitchFamily="34" charset="0"/>
-              <a:buChar char="•"/>
-            </a:pPr>
-            <a:r>
-              <a:rPr lang="en-US" dirty="0"/>
-              <a:t> Granting access to the system based on A valid access authorization</a:t>
-            </a:r>
-          </a:p>
-          <a:p>
-            <a:endParaRPr lang="en-US" dirty="0"/>
-          </a:p>
-          <a:p>
-            <a:endParaRPr lang="en-US" dirty="0"/>
+              <a:rPr lang="en-US" dirty="0">
+                <a:solidFill>
+                  <a:schemeClr val="bg1">
+                    <a:lumMod val="95000"/>
+                  </a:schemeClr>
+                </a:solidFill>
+              </a:rPr>
+              <a:t>  </a:t>
+            </a:r>
+          </a:p>
+          <a:p>
+            <a:endParaRPr lang="en-US" dirty="0">
+              <a:solidFill>
+                <a:schemeClr val="bg1">
+                  <a:lumMod val="95000"/>
+                </a:schemeClr>
+              </a:solidFill>
+            </a:endParaRPr>
           </a:p>
         </p:txBody>
       </p:sp>
     </p:spTree>
     <p:extLst>
       <p:ext uri="{BB962C8B-B14F-4D97-AF65-F5344CB8AC3E}">
-        <p14:creationId xmlns:p14="http://schemas.microsoft.com/office/powerpoint/2010/main" val="2726068334"/>
+        <p14:creationId xmlns:p14="http://schemas.microsoft.com/office/powerpoint/2010/main" val="4187362898"/>
       </p:ext>
     </p:extLst>
   </p:cSld>
@@ -19583,7 +20521,7 @@
           <p:cNvPr id="2" name="Title 1">
             <a:extLst>
               <a:ext uri="{FF2B5EF4-FFF2-40B4-BE49-F238E27FC236}">
-                <a16:creationId xmlns:a16="http://schemas.microsoft.com/office/drawing/2014/main" xmlns="" id="{90A911F8-9259-B496-1E4A-4528A1311153}"/>
+                <a16:creationId xmlns:a16="http://schemas.microsoft.com/office/drawing/2014/main" id="{09268E2E-B58A-CFCE-7AE6-D73D3283CDCD}"/>
               </a:ext>
             </a:extLst>
           </p:cNvPr>
@@ -19600,8 +20538,14 @@
           <a:lstStyle/>
           <a:p>
             <a:r>
-              <a:rPr lang="en-US" dirty="0"/>
-              <a:t>Least Privilege or Zero Trust</a:t>
+              <a:rPr lang="en-US" dirty="0">
+                <a:solidFill>
+                  <a:schemeClr val="bg1">
+                    <a:lumMod val="95000"/>
+                  </a:schemeClr>
+                </a:solidFill>
+              </a:rPr>
+              <a:t>Access Controls in AWS, AZURE and operating systems</a:t>
             </a:r>
           </a:p>
         </p:txBody>
@@ -19611,7 +20555,7 @@
           <p:cNvPr id="3" name="Content Placeholder 2">
             <a:extLst>
               <a:ext uri="{FF2B5EF4-FFF2-40B4-BE49-F238E27FC236}">
-                <a16:creationId xmlns:a16="http://schemas.microsoft.com/office/drawing/2014/main" xmlns="" id="{A982FFF2-C108-C5B9-6283-B636A0F90FCF}"/>
+                <a16:creationId xmlns:a16="http://schemas.microsoft.com/office/drawing/2014/main" id="{42BF8388-1FA4-BB9D-2AE6-F3B658DFCD2A}"/>
               </a:ext>
             </a:extLst>
           </p:cNvPr>
@@ -19628,8 +20572,26 @@
           <a:lstStyle/>
           <a:p>
             <a:r>
-              <a:rPr lang="en-US" dirty="0"/>
-              <a:t>Trust no one. Both inside and outside of the network.</a:t>
+              <a:rPr lang="en-US" dirty="0">
+                <a:solidFill>
+                  <a:schemeClr val="bg1">
+                    <a:lumMod val="95000"/>
+                  </a:schemeClr>
+                </a:solidFill>
+              </a:rPr>
+              <a:t>AWS uses Identity management</a:t>
+            </a:r>
+          </a:p>
+          <a:p>
+            <a:r>
+              <a:rPr lang="en-US" dirty="0">
+                <a:solidFill>
+                  <a:schemeClr val="bg1">
+                    <a:lumMod val="95000"/>
+                  </a:schemeClr>
+                </a:solidFill>
+              </a:rPr>
+              <a:t>Azure uses RBAC (Role-based access control)</a:t>
             </a:r>
           </a:p>
           <a:p>
@@ -19637,46 +20599,34 @@
               <a:buNone/>
             </a:pPr>
             <a:r>
-              <a:rPr lang="en-US" dirty="0"/>
-              <a:t>  Grant minimum access to data, tools and information</a:t>
+              <a:rPr lang="en-US" dirty="0">
+                <a:solidFill>
+                  <a:schemeClr val="bg1">
+                    <a:lumMod val="95000"/>
+                  </a:schemeClr>
+                </a:solidFill>
+              </a:rPr>
+              <a:t> Operating systems such as Linux use Users and Groups and give specific permissions (Read, Write, Execute) for managing access control.</a:t>
             </a:r>
           </a:p>
           <a:p>
             <a:pPr marL="0" indent="0">
               <a:buNone/>
             </a:pPr>
-            <a:r>
-              <a:rPr lang="en-US" dirty="0"/>
-              <a:t>  Follows the rule Default deny</a:t>
-            </a:r>
-          </a:p>
-          <a:p>
-            <a:pPr marL="0" indent="0">
-              <a:buNone/>
-            </a:pPr>
-            <a:r>
-              <a:rPr lang="en-US" dirty="0"/>
-              <a:t>  </a:t>
-            </a:r>
-          </a:p>
-          <a:p>
-            <a:pPr marL="0" indent="0">
-              <a:buNone/>
-            </a:pPr>
-            <a:r>
-              <a:rPr lang="en-US" dirty="0"/>
-              <a:t>  </a:t>
-            </a:r>
-          </a:p>
-          <a:p>
-            <a:endParaRPr lang="en-US" dirty="0"/>
+            <a:endParaRPr lang="en-US" dirty="0">
+              <a:solidFill>
+                <a:schemeClr val="bg1">
+                  <a:lumMod val="95000"/>
+                </a:schemeClr>
+              </a:solidFill>
+            </a:endParaRPr>
           </a:p>
         </p:txBody>
       </p:sp>
     </p:spTree>
     <p:extLst>
       <p:ext uri="{BB962C8B-B14F-4D97-AF65-F5344CB8AC3E}">
-        <p14:creationId xmlns:p14="http://schemas.microsoft.com/office/powerpoint/2010/main" val="4187362898"/>
+        <p14:creationId xmlns:p14="http://schemas.microsoft.com/office/powerpoint/2010/main" val="197473381"/>
       </p:ext>
     </p:extLst>
   </p:cSld>
@@ -19708,7 +20658,7 @@
           <p:cNvPr id="2" name="Title 1">
             <a:extLst>
               <a:ext uri="{FF2B5EF4-FFF2-40B4-BE49-F238E27FC236}">
-                <a16:creationId xmlns:a16="http://schemas.microsoft.com/office/drawing/2014/main" xmlns="" id="{09268E2E-B58A-CFCE-7AE6-D73D3283CDCD}"/>
+                <a16:creationId xmlns:a16="http://schemas.microsoft.com/office/drawing/2014/main" id="{95FD279A-1AA8-56BE-BD14-B4109C3D73F7}"/>
               </a:ext>
             </a:extLst>
           </p:cNvPr>
@@ -19725,8 +20675,14 @@
           <a:lstStyle/>
           <a:p>
             <a:r>
-              <a:rPr lang="en-US" dirty="0"/>
-              <a:t>Access Controls in AWS, AZURE and operating systems</a:t>
+              <a:rPr lang="en-US" dirty="0">
+                <a:solidFill>
+                  <a:schemeClr val="bg1">
+                    <a:lumMod val="95000"/>
+                  </a:schemeClr>
+                </a:solidFill>
+              </a:rPr>
+              <a:t>User Access common policies</a:t>
             </a:r>
           </a:p>
         </p:txBody>
@@ -19736,7 +20692,7 @@
           <p:cNvPr id="3" name="Content Placeholder 2">
             <a:extLst>
               <a:ext uri="{FF2B5EF4-FFF2-40B4-BE49-F238E27FC236}">
-                <a16:creationId xmlns:a16="http://schemas.microsoft.com/office/drawing/2014/main" xmlns="" id="{42BF8388-1FA4-BB9D-2AE6-F3B658DFCD2A}"/>
+                <a16:creationId xmlns:a16="http://schemas.microsoft.com/office/drawing/2014/main" id="{34C625B8-B55B-B8D1-23EF-859645697FB6}"/>
               </a:ext>
             </a:extLst>
           </p:cNvPr>
@@ -19752,38 +20708,88 @@
           <a:bodyPr/>
           <a:lstStyle/>
           <a:p>
-            <a:r>
-              <a:rPr lang="en-US" dirty="0"/>
-              <a:t>AWS uses Identity management</a:t>
-            </a:r>
-          </a:p>
-          <a:p>
-            <a:r>
-              <a:rPr lang="en-US" dirty="0"/>
-              <a:t>Azure uses RBAC (Role based access control)</a:t>
-            </a:r>
-          </a:p>
-          <a:p>
-            <a:pPr marL="0" indent="0">
-              <a:buNone/>
+            <a:pPr>
+              <a:buFont typeface="Arial" panose="020B0604020202020204" pitchFamily="34" charset="0"/>
+              <a:buChar char="•"/>
             </a:pPr>
             <a:r>
-              <a:rPr lang="en-US" dirty="0"/>
-              <a:t> Operating systems such as Linux uses Users and Groups and gives specific permissions (Read, Write, Execute) for managing access control.</a:t>
-            </a:r>
-          </a:p>
-          <a:p>
-            <a:pPr marL="0" indent="0">
-              <a:buNone/>
+              <a:rPr lang="en-US" sz="2400" dirty="0">
+                <a:solidFill>
+                  <a:schemeClr val="bg1">
+                    <a:lumMod val="95000"/>
+                  </a:schemeClr>
+                </a:solidFill>
+              </a:rPr>
+              <a:t>Default user access permissions will be set to default deny</a:t>
+            </a:r>
+          </a:p>
+          <a:p>
+            <a:pPr>
+              <a:buFont typeface="Arial" panose="020B0604020202020204" pitchFamily="34" charset="0"/>
+              <a:buChar char="•"/>
             </a:pPr>
-            <a:endParaRPr lang="en-US" dirty="0"/>
+            <a:r>
+              <a:rPr lang="en-US" sz="2400" dirty="0">
+                <a:solidFill>
+                  <a:schemeClr val="bg1">
+                    <a:lumMod val="95000"/>
+                  </a:schemeClr>
+                </a:solidFill>
+              </a:rPr>
+              <a:t>Access to company information and systems will be authorized only for workforce personnel </a:t>
+            </a:r>
+          </a:p>
+          <a:p>
+            <a:pPr>
+              <a:buFont typeface="Arial" panose="020B0604020202020204" pitchFamily="34" charset="0"/>
+              <a:buChar char="•"/>
+            </a:pPr>
+            <a:r>
+              <a:rPr lang="en-US" sz="2400" dirty="0">
+                <a:solidFill>
+                  <a:schemeClr val="bg1">
+                    <a:lumMod val="95000"/>
+                  </a:schemeClr>
+                </a:solidFill>
+              </a:rPr>
+              <a:t>Access will be restricted to the minimal amount required to carry out the business requirement of the access. </a:t>
+            </a:r>
+          </a:p>
+          <a:p>
+            <a:pPr>
+              <a:buFont typeface="Arial" panose="020B0604020202020204" pitchFamily="34" charset="0"/>
+              <a:buChar char="•"/>
+            </a:pPr>
+            <a:r>
+              <a:rPr lang="en-US" sz="2400" dirty="0">
+                <a:solidFill>
+                  <a:schemeClr val="bg1">
+                    <a:lumMod val="95000"/>
+                  </a:schemeClr>
+                </a:solidFill>
+              </a:rPr>
+              <a:t>An authorization process must be maintained.</a:t>
+            </a:r>
+          </a:p>
+          <a:p>
+            <a:pPr>
+              <a:buFont typeface="Arial" panose="020B0604020202020204" pitchFamily="34" charset="0"/>
+              <a:buChar char="•"/>
+            </a:pPr>
+            <a:endParaRPr lang="en-US" dirty="0">
+              <a:solidFill>
+                <a:schemeClr val="bg1">
+                  <a:lumMod val="95000"/>
+                </a:schemeClr>
+              </a:solidFill>
+            </a:endParaRPr>
           </a:p>
         </p:txBody>
       </p:sp>
     </p:spTree>
     <p:extLst>
       <p:ext uri="{BB962C8B-B14F-4D97-AF65-F5344CB8AC3E}">
-        <p14:creationId xmlns:p14="http://schemas.microsoft.com/office/powerpoint/2010/main" val="197473381"/>
+        <p14:creationId xmlns:p14="http://schemas.microsoft.com/office/powerpoint/2010/main" val="2359284174"/>
       </p:ext>
     </p:extLst>
   </p:cSld>
@@ -19815,7 +20821,7 @@
           <p:cNvPr id="2" name="Title 1">
             <a:extLst>
               <a:ext uri="{FF2B5EF4-FFF2-40B4-BE49-F238E27FC236}">
-                <a16:creationId xmlns:a16="http://schemas.microsoft.com/office/drawing/2014/main" xmlns="" id="{95FD279A-1AA8-56BE-BD14-B4109C3D73F7}"/>
+                <a16:creationId xmlns:a16="http://schemas.microsoft.com/office/drawing/2014/main" id="{7FC12AFE-2E6D-173C-B204-17FF3919CCDD}"/>
               </a:ext>
             </a:extLst>
           </p:cNvPr>
@@ -19832,8 +20838,14 @@
           <a:lstStyle/>
           <a:p>
             <a:r>
-              <a:rPr lang="en-US" dirty="0"/>
-              <a:t>User Access common policies</a:t>
+              <a:rPr lang="en-US" dirty="0">
+                <a:solidFill>
+                  <a:schemeClr val="bg1">
+                    <a:lumMod val="95000"/>
+                  </a:schemeClr>
+                </a:solidFill>
+              </a:rPr>
+              <a:t>Privileged controls</a:t>
             </a:r>
           </a:p>
         </p:txBody>
@@ -19843,7 +20855,7 @@
           <p:cNvPr id="3" name="Content Placeholder 2">
             <a:extLst>
               <a:ext uri="{FF2B5EF4-FFF2-40B4-BE49-F238E27FC236}">
-                <a16:creationId xmlns:a16="http://schemas.microsoft.com/office/drawing/2014/main" xmlns="" id="{34C625B8-B55B-B8D1-23EF-859645697FB6}"/>
+                <a16:creationId xmlns:a16="http://schemas.microsoft.com/office/drawing/2014/main" id="{C01240D6-045E-5C72-1498-2CAAF379692C}"/>
               </a:ext>
             </a:extLst>
           </p:cNvPr>
@@ -19859,58 +20871,71 @@
           <a:bodyPr/>
           <a:lstStyle/>
           <a:p>
-            <a:pPr>
-              <a:buFont typeface="Arial" panose="020B0604020202020204" pitchFamily="34" charset="0"/>
-              <a:buChar char="•"/>
-            </a:pPr>
-            <a:r>
-              <a:rPr lang="en-US" sz="2400" dirty="0"/>
-              <a:t>Default user access permissions will be set to default deny</a:t>
-            </a:r>
-          </a:p>
-          <a:p>
-            <a:pPr>
-              <a:buFont typeface="Arial" panose="020B0604020202020204" pitchFamily="34" charset="0"/>
-              <a:buChar char="•"/>
-            </a:pPr>
-            <a:r>
-              <a:rPr lang="en-US" sz="2400" dirty="0"/>
-              <a:t>Access to company information and systems will be authorized only for workforce personnel </a:t>
-            </a:r>
-          </a:p>
-          <a:p>
-            <a:pPr>
-              <a:buFont typeface="Arial" panose="020B0604020202020204" pitchFamily="34" charset="0"/>
-              <a:buChar char="•"/>
-            </a:pPr>
-            <a:r>
-              <a:rPr lang="en-US" sz="2400" dirty="0"/>
-              <a:t>Access will be restricted to the minimal amount required to carry out the business requirement of the access. </a:t>
-            </a:r>
-          </a:p>
-          <a:p>
-            <a:pPr>
-              <a:buFont typeface="Arial" panose="020B0604020202020204" pitchFamily="34" charset="0"/>
-              <a:buChar char="•"/>
-            </a:pPr>
-            <a:r>
-              <a:rPr lang="en-US" sz="2400" dirty="0"/>
-              <a:t>An authorization process must be maintained.</a:t>
-            </a:r>
-          </a:p>
-          <a:p>
-            <a:pPr>
-              <a:buFont typeface="Arial" panose="020B0604020202020204" pitchFamily="34" charset="0"/>
-              <a:buChar char="•"/>
-            </a:pPr>
-            <a:endParaRPr lang="en-US" dirty="0"/>
+            <a:r>
+              <a:rPr lang="en-US" dirty="0">
+                <a:solidFill>
+                  <a:schemeClr val="bg1">
+                    <a:lumMod val="95000"/>
+                  </a:schemeClr>
+                </a:solidFill>
+              </a:rPr>
+              <a:t>Accounts with elevated capabilities beyond regular users.</a:t>
+            </a:r>
+          </a:p>
+          <a:p>
+            <a:r>
+              <a:rPr lang="en-US" dirty="0">
+                <a:solidFill>
+                  <a:schemeClr val="bg1">
+                    <a:lumMod val="95000"/>
+                  </a:schemeClr>
+                </a:solidFill>
+              </a:rPr>
+              <a:t>Network Administrators, </a:t>
+            </a:r>
+          </a:p>
+          <a:p>
+            <a:r>
+              <a:rPr lang="en-US" dirty="0">
+                <a:solidFill>
+                  <a:schemeClr val="bg1">
+                    <a:lumMod val="95000"/>
+                  </a:schemeClr>
+                </a:solidFill>
+              </a:rPr>
+              <a:t>System Administrators, </a:t>
+            </a:r>
+          </a:p>
+          <a:p>
+            <a:r>
+              <a:rPr lang="en-US" dirty="0">
+                <a:solidFill>
+                  <a:schemeClr val="bg1">
+                    <a:lumMod val="95000"/>
+                  </a:schemeClr>
+                </a:solidFill>
+              </a:rPr>
+              <a:t>Database Administrators, </a:t>
+            </a:r>
+          </a:p>
+          <a:p>
+            <a:r>
+              <a:rPr lang="en-US" dirty="0">
+                <a:solidFill>
+                  <a:schemeClr val="bg1">
+                    <a:lumMod val="95000"/>
+                  </a:schemeClr>
+                </a:solidFill>
+              </a:rPr>
+              <a:t>Firewall administrators</a:t>
+            </a:r>
           </a:p>
         </p:txBody>
       </p:sp>
     </p:spTree>
     <p:extLst>
       <p:ext uri="{BB962C8B-B14F-4D97-AF65-F5344CB8AC3E}">
-        <p14:creationId xmlns:p14="http://schemas.microsoft.com/office/powerpoint/2010/main" val="2359284174"/>
+        <p14:creationId xmlns:p14="http://schemas.microsoft.com/office/powerpoint/2010/main" val="1896068859"/>
       </p:ext>
     </p:extLst>
   </p:cSld>
@@ -19942,7 +20967,7 @@
           <p:cNvPr id="2" name="Title 1">
             <a:extLst>
               <a:ext uri="{FF2B5EF4-FFF2-40B4-BE49-F238E27FC236}">
-                <a16:creationId xmlns:a16="http://schemas.microsoft.com/office/drawing/2014/main" xmlns="" id="{7FC12AFE-2E6D-173C-B204-17FF3919CCDD}"/>
+                <a16:creationId xmlns:a16="http://schemas.microsoft.com/office/drawing/2014/main" id="{4E2189CB-51FE-6C29-509E-B37BDC3B2085}"/>
               </a:ext>
             </a:extLst>
           </p:cNvPr>
@@ -19959,8 +20984,14 @@
           <a:lstStyle/>
           <a:p>
             <a:r>
-              <a:rPr lang="en-US" dirty="0"/>
-              <a:t>Privileged controls</a:t>
+              <a:rPr lang="en-US" dirty="0">
+                <a:solidFill>
+                  <a:schemeClr val="bg1">
+                    <a:lumMod val="95000"/>
+                  </a:schemeClr>
+                </a:solidFill>
+              </a:rPr>
+              <a:t>Major note on privileged access</a:t>
             </a:r>
           </a:p>
         </p:txBody>
@@ -19970,7 +21001,7 @@
           <p:cNvPr id="3" name="Content Placeholder 2">
             <a:extLst>
               <a:ext uri="{FF2B5EF4-FFF2-40B4-BE49-F238E27FC236}">
-                <a16:creationId xmlns:a16="http://schemas.microsoft.com/office/drawing/2014/main" xmlns="" id="{C01240D6-045E-5C72-1498-2CAAF379692C}"/>
+                <a16:creationId xmlns:a16="http://schemas.microsoft.com/office/drawing/2014/main" id="{FEEB4BD9-1760-B67F-4048-21329F635AF6}"/>
               </a:ext>
             </a:extLst>
           </p:cNvPr>
@@ -19983,36 +21014,80 @@
         </p:nvSpPr>
         <p:spPr/>
         <p:txBody>
-          <a:bodyPr/>
+          <a:bodyPr>
+            <a:normAutofit/>
+          </a:bodyPr>
           <a:lstStyle/>
           <a:p>
             <a:r>
-              <a:rPr lang="en-US" dirty="0"/>
-              <a:t>Accounts with elevated capabilities beyond regular users.</a:t>
-            </a:r>
-          </a:p>
-          <a:p>
-            <a:r>
-              <a:rPr lang="en-US" dirty="0"/>
-              <a:t>Network Administrators, </a:t>
-            </a:r>
-          </a:p>
-          <a:p>
-            <a:r>
-              <a:rPr lang="en-US" dirty="0"/>
-              <a:t>System Administrators, </a:t>
-            </a:r>
-          </a:p>
-          <a:p>
-            <a:r>
-              <a:rPr lang="en-US" dirty="0"/>
-              <a:t>Database Administrators, </a:t>
-            </a:r>
-          </a:p>
-          <a:p>
-            <a:r>
-              <a:rPr lang="en-US" dirty="0"/>
-              <a:t>Firewall administrators</a:t>
+              <a:rPr lang="en-US" dirty="0">
+                <a:solidFill>
+                  <a:schemeClr val="bg1">
+                    <a:lumMod val="95000"/>
+                  </a:schemeClr>
+                </a:solidFill>
+              </a:rPr>
+              <a:t>Administrative accounts should be accessed only when the activity being performed requires elevated rights and permissions. </a:t>
+            </a:r>
+          </a:p>
+          <a:p>
+            <a:r>
+              <a:rPr lang="en-US" dirty="0">
+                <a:solidFill>
+                  <a:schemeClr val="bg1">
+                    <a:lumMod val="95000"/>
+                  </a:schemeClr>
+                </a:solidFill>
+              </a:rPr>
+              <a:t>No need to use for basic routine activities such as –</a:t>
+            </a:r>
+          </a:p>
+          <a:p>
+            <a:r>
+              <a:rPr lang="en-US" dirty="0">
+                <a:solidFill>
+                  <a:schemeClr val="bg1">
+                    <a:lumMod val="95000"/>
+                  </a:schemeClr>
+                </a:solidFill>
+              </a:rPr>
+              <a:t>Checking email</a:t>
+            </a:r>
+          </a:p>
+          <a:p>
+            <a:r>
+              <a:rPr lang="en-US" dirty="0">
+                <a:solidFill>
+                  <a:schemeClr val="bg1">
+                    <a:lumMod val="95000"/>
+                  </a:schemeClr>
+                </a:solidFill>
+              </a:rPr>
+              <a:t>Surfing internet</a:t>
+            </a:r>
+          </a:p>
+          <a:p>
+            <a:r>
+              <a:rPr lang="en-US" dirty="0">
+                <a:solidFill>
+                  <a:schemeClr val="bg1">
+                    <a:lumMod val="95000"/>
+                  </a:schemeClr>
+                </a:solidFill>
+              </a:rPr>
+              <a:t>If someone logs in as a administrator and the computer is infected with malicious code, then the master of the malware can have root access.</a:t>
+            </a:r>
+          </a:p>
+          <a:p>
+            <a:r>
+              <a:rPr lang="en-US" dirty="0">
+                <a:solidFill>
+                  <a:schemeClr val="bg1">
+                    <a:lumMod val="95000"/>
+                  </a:schemeClr>
+                </a:solidFill>
+              </a:rPr>
+              <a:t>Every user should have a second account with non privileged access</a:t>
             </a:r>
           </a:p>
         </p:txBody>
@@ -20020,7 +21095,7 @@
     </p:spTree>
     <p:extLst>
       <p:ext uri="{BB962C8B-B14F-4D97-AF65-F5344CB8AC3E}">
-        <p14:creationId xmlns:p14="http://schemas.microsoft.com/office/powerpoint/2010/main" val="1896068859"/>
+        <p14:creationId xmlns:p14="http://schemas.microsoft.com/office/powerpoint/2010/main" val="3639662496"/>
       </p:ext>
     </p:extLst>
   </p:cSld>
@@ -20052,7 +21127,7 @@
           <p:cNvPr id="2" name="Title 1">
             <a:extLst>
               <a:ext uri="{FF2B5EF4-FFF2-40B4-BE49-F238E27FC236}">
-                <a16:creationId xmlns:a16="http://schemas.microsoft.com/office/drawing/2014/main" xmlns="" id="{4E2189CB-51FE-6C29-509E-B37BDC3B2085}"/>
+                <a16:creationId xmlns:a16="http://schemas.microsoft.com/office/drawing/2014/main" id="{082A68DD-DC3B-6A39-CC42-F920D3F6472C}"/>
               </a:ext>
             </a:extLst>
           </p:cNvPr>
@@ -20069,8 +21144,14 @@
           <a:lstStyle/>
           <a:p>
             <a:r>
-              <a:rPr lang="en-US" dirty="0"/>
-              <a:t>Major note on privileged access</a:t>
+              <a:rPr lang="en-US" dirty="0">
+                <a:solidFill>
+                  <a:schemeClr val="bg1">
+                    <a:lumMod val="95000"/>
+                  </a:schemeClr>
+                </a:solidFill>
+              </a:rPr>
+              <a:t>Separation of Duties</a:t>
             </a:r>
           </a:p>
         </p:txBody>
@@ -20080,7 +21161,7 @@
           <p:cNvPr id="3" name="Content Placeholder 2">
             <a:extLst>
               <a:ext uri="{FF2B5EF4-FFF2-40B4-BE49-F238E27FC236}">
-                <a16:creationId xmlns:a16="http://schemas.microsoft.com/office/drawing/2014/main" xmlns="" id="{FEEB4BD9-1760-B67F-4048-21329F635AF6}"/>
+                <a16:creationId xmlns:a16="http://schemas.microsoft.com/office/drawing/2014/main" id="{0ACB17F9-A466-0C4A-5605-DD87BA5C508C}"/>
               </a:ext>
             </a:extLst>
           </p:cNvPr>
@@ -20091,7 +21172,12 @@
             <p:ph idx="1"/>
           </p:nvPr>
         </p:nvSpPr>
-        <p:spPr/>
+        <p:spPr>
+          <a:xfrm>
+            <a:off x="1097280" y="2108201"/>
+            <a:ext cx="10058400" cy="3820651"/>
+          </a:xfrm>
+        </p:spPr>
         <p:txBody>
           <a:bodyPr>
             <a:normAutofit/>
@@ -20099,38 +21185,41 @@
           <a:lstStyle/>
           <a:p>
             <a:r>
-              <a:rPr lang="en-US" dirty="0"/>
-              <a:t>Administrative accounts should be accessed only when the activity being performed requires elevated rights and permissions. </a:t>
-            </a:r>
-          </a:p>
-          <a:p>
-            <a:r>
-              <a:rPr lang="en-US" dirty="0"/>
-              <a:t>No need to use for basic routine activities such as –</a:t>
-            </a:r>
-          </a:p>
-          <a:p>
-            <a:r>
-              <a:rPr lang="en-US" dirty="0"/>
-              <a:t>Checking email</a:t>
-            </a:r>
-          </a:p>
-          <a:p>
-            <a:r>
-              <a:rPr lang="en-US" dirty="0"/>
-              <a:t>Surfing internet</a:t>
-            </a:r>
-          </a:p>
-          <a:p>
-            <a:r>
-              <a:rPr lang="en-US" dirty="0"/>
-              <a:t>If someone logs in as a administrator and the computer is infected with malicious code, then the master of the malware can have root access.</a:t>
-            </a:r>
-          </a:p>
-          <a:p>
-            <a:r>
-              <a:rPr lang="en-US" dirty="0"/>
-              <a:t>Every user should have a second account with non privileged access</a:t>
+              <a:rPr lang="en-US" dirty="0">
+                <a:solidFill>
+                  <a:schemeClr val="bg1">
+                    <a:lumMod val="95000"/>
+                  </a:schemeClr>
+                </a:solidFill>
+              </a:rPr>
+              <a:t>Concentration of Power on one hand can be dangerous</a:t>
+            </a:r>
+          </a:p>
+          <a:p>
+            <a:pPr marL="0" indent="0">
+              <a:buNone/>
+            </a:pPr>
+            <a:r>
+              <a:rPr lang="en-US" dirty="0">
+                <a:solidFill>
+                  <a:schemeClr val="bg1">
+                    <a:lumMod val="95000"/>
+                  </a:schemeClr>
+                </a:solidFill>
+              </a:rPr>
+              <a:t>  Tasks are assigned to individuals in such a manner that no one individual can control a process from start to finish.</a:t>
+            </a:r>
+          </a:p>
+          <a:p>
+            <a:r>
+              <a:rPr lang="en-US" dirty="0">
+                <a:solidFill>
+                  <a:schemeClr val="bg1">
+                    <a:lumMod val="95000"/>
+                  </a:schemeClr>
+                </a:solidFill>
+              </a:rPr>
+              <a:t>Requires 2 or more-person permission to complete a task</a:t>
             </a:r>
           </a:p>
         </p:txBody>
@@ -20138,7 +21227,7 @@
     </p:spTree>
     <p:extLst>
       <p:ext uri="{BB962C8B-B14F-4D97-AF65-F5344CB8AC3E}">
-        <p14:creationId xmlns:p14="http://schemas.microsoft.com/office/powerpoint/2010/main" val="3639662496"/>
+        <p14:creationId xmlns:p14="http://schemas.microsoft.com/office/powerpoint/2010/main" val="1961223043"/>
       </p:ext>
     </p:extLst>
   </p:cSld>
@@ -20170,7 +21259,7 @@
           <p:cNvPr id="2" name="Title 1">
             <a:extLst>
               <a:ext uri="{FF2B5EF4-FFF2-40B4-BE49-F238E27FC236}">
-                <a16:creationId xmlns:a16="http://schemas.microsoft.com/office/drawing/2014/main" xmlns="" id="{082A68DD-DC3B-6A39-CC42-F920D3F6472C}"/>
+                <a16:creationId xmlns:a16="http://schemas.microsoft.com/office/drawing/2014/main" id="{6944D5D3-5EB6-A764-8FA6-FE4771C983FB}"/>
               </a:ext>
             </a:extLst>
           </p:cNvPr>
@@ -20187,8 +21276,14 @@
           <a:lstStyle/>
           <a:p>
             <a:r>
-              <a:rPr lang="en-US" dirty="0"/>
-              <a:t>Separation of Duties</a:t>
+              <a:rPr lang="en-US" dirty="0">
+                <a:solidFill>
+                  <a:schemeClr val="bg1">
+                    <a:lumMod val="95000"/>
+                  </a:schemeClr>
+                </a:solidFill>
+              </a:rPr>
+              <a:t>Dual Control</a:t>
             </a:r>
           </a:p>
         </p:txBody>
@@ -20198,7 +21293,7 @@
           <p:cNvPr id="3" name="Content Placeholder 2">
             <a:extLst>
               <a:ext uri="{FF2B5EF4-FFF2-40B4-BE49-F238E27FC236}">
-                <a16:creationId xmlns:a16="http://schemas.microsoft.com/office/drawing/2014/main" xmlns="" id="{0ACB17F9-A466-0C4A-5605-DD87BA5C508C}"/>
+                <a16:creationId xmlns:a16="http://schemas.microsoft.com/office/drawing/2014/main" id="{99EC6FAD-D928-EFE9-43EE-6F80CDB01E1A}"/>
               </a:ext>
             </a:extLst>
           </p:cNvPr>
@@ -20209,44 +21304,73 @@
             <p:ph idx="1"/>
           </p:nvPr>
         </p:nvSpPr>
-        <p:spPr>
-          <a:xfrm>
-            <a:off x="1097280" y="2108201"/>
-            <a:ext cx="10058400" cy="3820651"/>
-          </a:xfrm>
-        </p:spPr>
+        <p:spPr/>
         <p:txBody>
-          <a:bodyPr>
-            <a:normAutofit/>
-          </a:bodyPr>
+          <a:bodyPr/>
           <a:lstStyle/>
-          <a:p>
-            <a:r>
-              <a:rPr lang="en-US" dirty="0"/>
-              <a:t>Concentration of Power in one hand can be dangerous</a:t>
-            </a:r>
-          </a:p>
           <a:p>
             <a:pPr marL="0" indent="0">
               <a:buNone/>
             </a:pPr>
             <a:r>
-              <a:rPr lang="en-US" dirty="0"/>
-              <a:t>  Tasks be assigned to individuals in such a manner that no one individual can control a process  from start to finish.</a:t>
-            </a:r>
-          </a:p>
-          <a:p>
-            <a:r>
-              <a:rPr lang="en-US" dirty="0"/>
-              <a:t>Requires 2 or more-person permission to complete a task</a:t>
-            </a:r>
+              <a:rPr lang="en-US" dirty="0">
+                <a:solidFill>
+                  <a:schemeClr val="bg1">
+                    <a:lumMod val="95000"/>
+                  </a:schemeClr>
+                </a:solidFill>
+              </a:rPr>
+              <a:t>Requires that two individuals must both complete their half of a specific task.</a:t>
+            </a:r>
+          </a:p>
+          <a:p>
+            <a:pPr marL="0" indent="0">
+              <a:buNone/>
+            </a:pPr>
+            <a:r>
+              <a:rPr lang="en-US" dirty="0">
+                <a:solidFill>
+                  <a:schemeClr val="bg1">
+                    <a:lumMod val="95000"/>
+                  </a:schemeClr>
+                </a:solidFill>
+              </a:rPr>
+              <a:t>2 separate keys to unlock a door. Each user will be provided a separate key.</a:t>
+            </a:r>
+          </a:p>
+          <a:p>
+            <a:pPr marL="0" indent="0">
+              <a:buNone/>
+            </a:pPr>
+            <a:r>
+              <a:rPr lang="en-US" dirty="0">
+                <a:solidFill>
+                  <a:schemeClr val="bg1">
+                    <a:lumMod val="95000"/>
+                  </a:schemeClr>
+                </a:solidFill>
+              </a:rPr>
+              <a:t>1 person can modify the firewall configuration file and the other person can push it to production</a:t>
+            </a:r>
+          </a:p>
+          <a:p>
+            <a:pPr marL="0" indent="0">
+              <a:buNone/>
+            </a:pPr>
+            <a:endParaRPr lang="en-US" dirty="0">
+              <a:solidFill>
+                <a:schemeClr val="bg1">
+                  <a:lumMod val="95000"/>
+                </a:schemeClr>
+              </a:solidFill>
+            </a:endParaRPr>
           </a:p>
         </p:txBody>
       </p:sp>
     </p:spTree>
     <p:extLst>
       <p:ext uri="{BB962C8B-B14F-4D97-AF65-F5344CB8AC3E}">
-        <p14:creationId xmlns:p14="http://schemas.microsoft.com/office/powerpoint/2010/main" val="1961223043"/>
+        <p14:creationId xmlns:p14="http://schemas.microsoft.com/office/powerpoint/2010/main" val="2048770458"/>
       </p:ext>
     </p:extLst>
   </p:cSld>
@@ -20278,7 +21402,7 @@
           <p:cNvPr id="2" name="Title 1">
             <a:extLst>
               <a:ext uri="{FF2B5EF4-FFF2-40B4-BE49-F238E27FC236}">
-                <a16:creationId xmlns:a16="http://schemas.microsoft.com/office/drawing/2014/main" xmlns="" id="{6944D5D3-5EB6-A764-8FA6-FE4771C983FB}"/>
+                <a16:creationId xmlns:a16="http://schemas.microsoft.com/office/drawing/2014/main" id="{D4768748-D1D9-268C-8D1C-9D205918A5C1}"/>
               </a:ext>
             </a:extLst>
           </p:cNvPr>
@@ -20295,8 +21419,14 @@
           <a:lstStyle/>
           <a:p>
             <a:r>
-              <a:rPr lang="en-US" dirty="0"/>
-              <a:t>Dual Control</a:t>
+              <a:rPr lang="en-US" dirty="0">
+                <a:solidFill>
+                  <a:schemeClr val="bg1">
+                    <a:lumMod val="95000"/>
+                  </a:schemeClr>
+                </a:solidFill>
+              </a:rPr>
+              <a:t>Benefits of Dual Control</a:t>
             </a:r>
           </a:p>
         </p:txBody>
@@ -20306,7 +21436,7 @@
           <p:cNvPr id="3" name="Content Placeholder 2">
             <a:extLst>
               <a:ext uri="{FF2B5EF4-FFF2-40B4-BE49-F238E27FC236}">
-                <a16:creationId xmlns:a16="http://schemas.microsoft.com/office/drawing/2014/main" xmlns="" id="{99EC6FAD-D928-EFE9-43EE-6F80CDB01E1A}"/>
+                <a16:creationId xmlns:a16="http://schemas.microsoft.com/office/drawing/2014/main" id="{A873228B-8474-D4D0-850B-68AD00586A6F}"/>
               </a:ext>
             </a:extLst>
           </p:cNvPr>
@@ -20322,44 +21452,80 @@
           <a:bodyPr/>
           <a:lstStyle/>
           <a:p>
-            <a:pPr marL="0" indent="0">
-              <a:buNone/>
+            <a:r>
+              <a:rPr lang="en-US" dirty="0">
+                <a:solidFill>
+                  <a:schemeClr val="bg1">
+                    <a:lumMod val="95000"/>
+                  </a:schemeClr>
+                </a:solidFill>
+              </a:rPr>
+              <a:t>How can it help us?</a:t>
+            </a:r>
+          </a:p>
+          <a:p>
+            <a:pPr>
+              <a:buFont typeface="Arial" panose="020B0604020202020204" pitchFamily="34" charset="0"/>
+              <a:buChar char="•"/>
             </a:pPr>
             <a:r>
-              <a:rPr lang="en-US" dirty="0"/>
-              <a:t>Requires that two individuals must both complete their half of a specific task.</a:t>
-            </a:r>
-          </a:p>
-          <a:p>
-            <a:pPr marL="0" indent="0">
-              <a:buNone/>
+              <a:rPr lang="en-US" dirty="0">
+                <a:solidFill>
+                  <a:schemeClr val="bg1">
+                    <a:lumMod val="95000"/>
+                  </a:schemeClr>
+                </a:solidFill>
+              </a:rPr>
+              <a:t> An insider threat can’t execute a malicious activity alone</a:t>
+            </a:r>
+          </a:p>
+          <a:p>
+            <a:pPr>
+              <a:buFont typeface="Arial" panose="020B0604020202020204" pitchFamily="34" charset="0"/>
+              <a:buChar char="•"/>
             </a:pPr>
             <a:r>
-              <a:rPr lang="en-US" dirty="0"/>
-              <a:t>2 separate keys to unlock a door. Each user will be provided a separate key.</a:t>
-            </a:r>
-          </a:p>
-          <a:p>
-            <a:pPr marL="0" indent="0">
-              <a:buNone/>
+              <a:rPr lang="en-US" dirty="0">
+                <a:solidFill>
+                  <a:schemeClr val="bg1">
+                    <a:lumMod val="95000"/>
+                  </a:schemeClr>
+                </a:solidFill>
+              </a:rPr>
+              <a:t> Reducing and preventing irregularities</a:t>
+            </a:r>
+          </a:p>
+          <a:p>
+            <a:pPr>
+              <a:buFont typeface="Arial" panose="020B0604020202020204" pitchFamily="34" charset="0"/>
+              <a:buChar char="•"/>
             </a:pPr>
             <a:r>
-              <a:rPr lang="en-US" dirty="0"/>
-              <a:t>1 person can modify the firewall configuration file and the other person can push it to production</a:t>
-            </a:r>
-          </a:p>
-          <a:p>
-            <a:pPr marL="0" indent="0">
-              <a:buNone/>
-            </a:pPr>
-            <a:endParaRPr lang="en-US" dirty="0"/>
+              <a:rPr lang="en-US" dirty="0">
+                <a:solidFill>
+                  <a:schemeClr val="bg1">
+                    <a:lumMod val="95000"/>
+                  </a:schemeClr>
+                </a:solidFill>
+              </a:rPr>
+              <a:t> one person is not responsible for everything</a:t>
+            </a:r>
+          </a:p>
+          <a:p>
+            <a:endParaRPr lang="en-US" dirty="0">
+              <a:solidFill>
+                <a:schemeClr val="bg1">
+                  <a:lumMod val="95000"/>
+                </a:schemeClr>
+              </a:solidFill>
+            </a:endParaRPr>
           </a:p>
         </p:txBody>
       </p:sp>
     </p:spTree>
     <p:extLst>
       <p:ext uri="{BB962C8B-B14F-4D97-AF65-F5344CB8AC3E}">
-        <p14:creationId xmlns:p14="http://schemas.microsoft.com/office/powerpoint/2010/main" val="2048770458"/>
+        <p14:creationId xmlns:p14="http://schemas.microsoft.com/office/powerpoint/2010/main" val="3082074545"/>
       </p:ext>
     </p:extLst>
   </p:cSld>
@@ -20391,7 +21557,7 @@
           <p:cNvPr id="2" name="Title 1">
             <a:extLst>
               <a:ext uri="{FF2B5EF4-FFF2-40B4-BE49-F238E27FC236}">
-                <a16:creationId xmlns:a16="http://schemas.microsoft.com/office/drawing/2014/main" xmlns="" id="{D4768748-D1D9-268C-8D1C-9D205918A5C1}"/>
+                <a16:creationId xmlns:a16="http://schemas.microsoft.com/office/drawing/2014/main" id="{16F32382-7BA1-B293-105B-C72A24495332}"/>
               </a:ext>
             </a:extLst>
           </p:cNvPr>
@@ -20408,8 +21574,14 @@
           <a:lstStyle/>
           <a:p>
             <a:r>
-              <a:rPr lang="en-US" dirty="0"/>
-              <a:t>Benefits of Dual Control</a:t>
+              <a:rPr lang="en-US" dirty="0">
+                <a:solidFill>
+                  <a:schemeClr val="bg1">
+                    <a:lumMod val="95000"/>
+                  </a:schemeClr>
+                </a:solidFill>
+              </a:rPr>
+              <a:t>Monitoring User activities and accesses</a:t>
             </a:r>
           </a:p>
         </p:txBody>
@@ -20419,7 +21591,7 @@
           <p:cNvPr id="3" name="Content Placeholder 2">
             <a:extLst>
               <a:ext uri="{FF2B5EF4-FFF2-40B4-BE49-F238E27FC236}">
-                <a16:creationId xmlns:a16="http://schemas.microsoft.com/office/drawing/2014/main" xmlns="" id="{A873228B-8474-D4D0-850B-68AD00586A6F}"/>
+                <a16:creationId xmlns:a16="http://schemas.microsoft.com/office/drawing/2014/main" id="{41D29B55-1321-DB12-150A-00BDED1F0E48}"/>
               </a:ext>
             </a:extLst>
           </p:cNvPr>
@@ -20432,12 +21604,23 @@
         </p:nvSpPr>
         <p:spPr/>
         <p:txBody>
-          <a:bodyPr/>
+          <a:bodyPr>
+            <a:normAutofit/>
+          </a:bodyPr>
           <a:lstStyle/>
           <a:p>
-            <a:r>
-              <a:rPr lang="en-US" dirty="0"/>
-              <a:t>How can it help us?</a:t>
+            <a:pPr marL="0" indent="0">
+              <a:buNone/>
+            </a:pPr>
+            <a:r>
+              <a:rPr lang="en-US" dirty="0">
+                <a:solidFill>
+                  <a:schemeClr val="bg1">
+                    <a:lumMod val="95000"/>
+                  </a:schemeClr>
+                </a:solidFill>
+              </a:rPr>
+              <a:t>Company gathers data from– </a:t>
             </a:r>
           </a:p>
           <a:p>
@@ -20446,8 +21629,14 @@
               <a:buChar char="•"/>
             </a:pPr>
             <a:r>
-              <a:rPr lang="en-US" dirty="0"/>
-              <a:t> An insider threat can’t execute a malicious activity alone</a:t>
+              <a:rPr lang="en-US" dirty="0">
+                <a:solidFill>
+                  <a:schemeClr val="bg1">
+                    <a:lumMod val="95000"/>
+                  </a:schemeClr>
+                </a:solidFill>
+              </a:rPr>
+              <a:t>Network traffic</a:t>
             </a:r>
           </a:p>
           <a:p>
@@ -20456,8 +21645,14 @@
               <a:buChar char="•"/>
             </a:pPr>
             <a:r>
-              <a:rPr lang="en-US" dirty="0"/>
-              <a:t> Reducing and preventing irregularities</a:t>
+              <a:rPr lang="en-US" dirty="0">
+                <a:solidFill>
+                  <a:schemeClr val="bg1">
+                    <a:lumMod val="95000"/>
+                  </a:schemeClr>
+                </a:solidFill>
+              </a:rPr>
+              <a:t>DLP</a:t>
             </a:r>
           </a:p>
           <a:p>
@@ -20466,19 +21661,64 @@
               <a:buChar char="•"/>
             </a:pPr>
             <a:r>
-              <a:rPr lang="en-US" dirty="0"/>
-              <a:t> one person is not responsible for everything</a:t>
-            </a:r>
-          </a:p>
-          <a:p>
-            <a:endParaRPr lang="en-US" dirty="0"/>
+              <a:rPr lang="en-US" dirty="0">
+                <a:solidFill>
+                  <a:schemeClr val="bg1">
+                    <a:lumMod val="95000"/>
+                  </a:schemeClr>
+                </a:solidFill>
+              </a:rPr>
+              <a:t>Firewalls</a:t>
+            </a:r>
+          </a:p>
+          <a:p>
+            <a:pPr marL="0" indent="0">
+              <a:buNone/>
+            </a:pPr>
+            <a:endParaRPr lang="en-US" dirty="0">
+              <a:solidFill>
+                <a:schemeClr val="bg1">
+                  <a:lumMod val="95000"/>
+                </a:schemeClr>
+              </a:solidFill>
+            </a:endParaRPr>
+          </a:p>
+          <a:p>
+            <a:pPr marL="0" indent="0">
+              <a:buNone/>
+            </a:pPr>
+            <a:r>
+              <a:rPr lang="en-US" dirty="0">
+                <a:solidFill>
+                  <a:schemeClr val="bg1">
+                    <a:lumMod val="95000"/>
+                  </a:schemeClr>
+                </a:solidFill>
+              </a:rPr>
+              <a:t>MONITORING </a:t>
+            </a:r>
+          </a:p>
+          <a:p>
+            <a:pPr marL="0" indent="0">
+              <a:buNone/>
+            </a:pPr>
+            <a:r>
+              <a:rPr lang="en-US" dirty="0">
+                <a:solidFill>
+                  <a:schemeClr val="bg1">
+                    <a:lumMod val="95000"/>
+                  </a:schemeClr>
+                </a:solidFill>
+              </a:rPr>
+              <a:t>Access logs must be reviewed daily by the Office of Information Technology or designee.</a:t>
+            </a:r>
           </a:p>
         </p:txBody>
       </p:sp>
     </p:spTree>
     <p:extLst>
       <p:ext uri="{BB962C8B-B14F-4D97-AF65-F5344CB8AC3E}">
-        <p14:creationId xmlns:p14="http://schemas.microsoft.com/office/powerpoint/2010/main" val="3082074545"/>
+        <p14:creationId xmlns:p14="http://schemas.microsoft.com/office/powerpoint/2010/main" val="3123612417"/>
       </p:ext>
     </p:extLst>
   </p:cSld>
@@ -20510,7 +21750,7 @@
           <p:cNvPr id="2" name="Title 1">
             <a:extLst>
               <a:ext uri="{FF2B5EF4-FFF2-40B4-BE49-F238E27FC236}">
-                <a16:creationId xmlns:a16="http://schemas.microsoft.com/office/drawing/2014/main" xmlns="" id="{16F32382-7BA1-B293-105B-C72A24495332}"/>
+                <a16:creationId xmlns:a16="http://schemas.microsoft.com/office/drawing/2014/main" id="{E6587AE3-BDB8-2DCE-7C04-E5EA8FA8DCB0}"/>
               </a:ext>
             </a:extLst>
           </p:cNvPr>
@@ -20527,8 +21767,14 @@
           <a:lstStyle/>
           <a:p>
             <a:r>
-              <a:rPr lang="en-US" dirty="0"/>
-              <a:t>Monitoring User activities and accesses</a:t>
+              <a:rPr lang="en-US" dirty="0">
+                <a:solidFill>
+                  <a:schemeClr val="bg1">
+                    <a:lumMod val="95000"/>
+                  </a:schemeClr>
+                </a:solidFill>
+              </a:rPr>
+              <a:t>Monitoring Benefits</a:t>
             </a:r>
           </a:p>
         </p:txBody>
@@ -20538,7 +21784,7 @@
           <p:cNvPr id="3" name="Content Placeholder 2">
             <a:extLst>
               <a:ext uri="{FF2B5EF4-FFF2-40B4-BE49-F238E27FC236}">
-                <a16:creationId xmlns:a16="http://schemas.microsoft.com/office/drawing/2014/main" xmlns="" id="{41D29B55-1321-DB12-150A-00BDED1F0E48}"/>
+                <a16:creationId xmlns:a16="http://schemas.microsoft.com/office/drawing/2014/main" id="{DC6D3847-6F25-BC57-4EB1-BDEB9333A3C0}"/>
               </a:ext>
             </a:extLst>
           </p:cNvPr>
@@ -20551,27 +21797,22 @@
         </p:nvSpPr>
         <p:spPr/>
         <p:txBody>
-          <a:bodyPr>
-            <a:normAutofit/>
-          </a:bodyPr>
+          <a:bodyPr/>
           <a:lstStyle/>
-          <a:p>
-            <a:pPr marL="0" indent="0">
-              <a:buNone/>
-            </a:pPr>
-            <a:r>
-              <a:rPr lang="en-US" dirty="0"/>
-              <a:t>Company gathers data from– </a:t>
-            </a:r>
-          </a:p>
           <a:p>
             <a:pPr>
               <a:buFont typeface="Arial" panose="020B0604020202020204" pitchFamily="34" charset="0"/>
               <a:buChar char="•"/>
             </a:pPr>
             <a:r>
-              <a:rPr lang="en-US" dirty="0"/>
-              <a:t>Network traffic</a:t>
+              <a:rPr lang="en-US" dirty="0">
+                <a:solidFill>
+                  <a:schemeClr val="bg1">
+                    <a:lumMod val="95000"/>
+                  </a:schemeClr>
+                </a:solidFill>
+              </a:rPr>
+              <a:t> Detect unauthorized access, malware and data leakage</a:t>
             </a:r>
           </a:p>
           <a:p>
@@ -20580,8 +21821,14 @@
               <a:buChar char="•"/>
             </a:pPr>
             <a:r>
-              <a:rPr lang="en-US" dirty="0"/>
-              <a:t>DLP</a:t>
+              <a:rPr lang="en-US" dirty="0">
+                <a:solidFill>
+                  <a:schemeClr val="bg1">
+                    <a:lumMod val="95000"/>
+                  </a:schemeClr>
+                </a:solidFill>
+              </a:rPr>
+              <a:t> Detect activity with privileged access, user management, policy changes, remote desktop sessions, configuration changes, and unexpected access </a:t>
             </a:r>
           </a:p>
           <a:p>
@@ -20590,40 +21837,35 @@
               <a:buChar char="•"/>
             </a:pPr>
             <a:r>
-              <a:rPr lang="en-US" dirty="0"/>
-              <a:t>Firewalls</a:t>
-            </a:r>
-          </a:p>
-          <a:p>
-            <a:pPr marL="0" indent="0">
-              <a:buNone/>
+              <a:rPr lang="en-US" dirty="0">
+                <a:solidFill>
+                  <a:schemeClr val="bg1">
+                    <a:lumMod val="95000"/>
+                  </a:schemeClr>
+                </a:solidFill>
+              </a:rPr>
+              <a:t> Detect patch installation, software installation, service management, system reboots, bandwidth utilization, and DNS/DHCP traffic</a:t>
+            </a:r>
+          </a:p>
+          <a:p>
+            <a:pPr>
+              <a:buFont typeface="Arial" panose="020B0604020202020204" pitchFamily="34" charset="0"/>
+              <a:buChar char="•"/>
             </a:pPr>
-            <a:endParaRPr lang="en-US" dirty="0"/>
-          </a:p>
-          <a:p>
-            <a:pPr marL="0" indent="0">
-              <a:buNone/>
-            </a:pPr>
-            <a:r>
-              <a:rPr lang="en-US" dirty="0"/>
-              <a:t>MONITORING </a:t>
-            </a:r>
-          </a:p>
-          <a:p>
-            <a:pPr marL="0" indent="0">
-              <a:buNone/>
-            </a:pPr>
-            <a:r>
-              <a:rPr lang="en-US" dirty="0"/>
-              <a:t>Access logs must be reviewed daily by the Office of Information Technology or designee.</a:t>
-            </a:r>
+            <a:endParaRPr lang="en-US" dirty="0">
+              <a:solidFill>
+                <a:schemeClr val="bg1">
+                  <a:lumMod val="95000"/>
+                </a:schemeClr>
+              </a:solidFill>
+            </a:endParaRPr>
           </a:p>
         </p:txBody>
       </p:sp>
     </p:spTree>
     <p:extLst>
       <p:ext uri="{BB962C8B-B14F-4D97-AF65-F5344CB8AC3E}">
-        <p14:creationId xmlns:p14="http://schemas.microsoft.com/office/powerpoint/2010/main" val="3123612417"/>
+        <p14:creationId xmlns:p14="http://schemas.microsoft.com/office/powerpoint/2010/main" val="223609391"/>
       </p:ext>
     </p:extLst>
   </p:cSld>
@@ -20636,37 +21878,6 @@
 <file path=ppt/slides/slide5.xml><?xml version="1.0" encoding="utf-8"?>
 <p:sld xmlns:a="http://schemas.openxmlformats.org/drawingml/2006/main" xmlns:r="http://schemas.openxmlformats.org/officeDocument/2006/relationships" xmlns:p="http://schemas.openxmlformats.org/presentationml/2006/main">
   <p:cSld>
-    <p:bg>
-      <p:bgPr>
-        <a:gradFill rotWithShape="1">
-          <a:gsLst>
-            <a:gs pos="0">
-              <a:schemeClr val="bg1">
-                <a:tint val="96000"/>
-                <a:shade val="99000"/>
-                <a:satMod val="140000"/>
-              </a:schemeClr>
-            </a:gs>
-            <a:gs pos="65000">
-              <a:schemeClr val="bg1">
-                <a:tint val="100000"/>
-                <a:shade val="80000"/>
-                <a:satMod val="130000"/>
-              </a:schemeClr>
-            </a:gs>
-            <a:gs pos="100000">
-              <a:schemeClr val="bg1">
-                <a:tint val="100000"/>
-                <a:shade val="48000"/>
-                <a:satMod val="120000"/>
-              </a:schemeClr>
-            </a:gs>
-          </a:gsLst>
-          <a:lin ang="16200000" scaled="0"/>
-        </a:gradFill>
-        <a:effectLst/>
-      </p:bgPr>
-    </p:bg>
     <p:spTree>
       <p:nvGrpSpPr>
         <p:cNvPr id="1" name=""/>
@@ -20686,10 +21897,10 @@
           <p:cNvPr id="9" name="Rectangle 8">
             <a:extLst>
               <a:ext uri="{FF2B5EF4-FFF2-40B4-BE49-F238E27FC236}">
-                <a16:creationId xmlns:a16="http://schemas.microsoft.com/office/drawing/2014/main" xmlns="" id="{416A0E3C-60E6-4F39-BC55-5F7C224E1F7C}"/>
+                <a16:creationId xmlns:a16="http://schemas.microsoft.com/office/drawing/2014/main" id="{416A0E3C-60E6-4F39-BC55-5F7C224E1F7C}"/>
               </a:ext>
               <a:ext uri="{C183D7F6-B498-43B3-948B-1728B52AA6E4}">
-                <adec:decorative xmlns:adec="http://schemas.microsoft.com/office/drawing/2017/decorative" xmlns="" val="1"/>
+                <adec:decorative xmlns:adec="http://schemas.microsoft.com/office/drawing/2017/decorative" val="1"/>
               </a:ext>
             </a:extLst>
           </p:cNvPr>
@@ -20699,7 +21910,7 @@
           <p:nvPr>
             <p:extLst>
               <p:ext uri="{386F3935-93C4-4BCD-93E2-E3B085C9AB24}">
-                <p16:designElem xmlns:p16="http://schemas.microsoft.com/office/powerpoint/2015/main" xmlns="" val="1"/>
+                <p16:designElem xmlns:p16="http://schemas.microsoft.com/office/powerpoint/2015/main" val="1"/>
               </p:ext>
             </p:extLst>
           </p:nvPr>
@@ -20741,10 +21952,10 @@
           <p:cNvPr id="11" name="Straight Connector 10">
             <a:extLst>
               <a:ext uri="{FF2B5EF4-FFF2-40B4-BE49-F238E27FC236}">
-                <a16:creationId xmlns:a16="http://schemas.microsoft.com/office/drawing/2014/main" xmlns="" id="{C5025DAC-8B93-4160-B017-3A274A5828C0}"/>
+                <a16:creationId xmlns:a16="http://schemas.microsoft.com/office/drawing/2014/main" id="{C5025DAC-8B93-4160-B017-3A274A5828C0}"/>
               </a:ext>
               <a:ext uri="{C183D7F6-B498-43B3-948B-1728B52AA6E4}">
-                <adec:decorative xmlns:adec="http://schemas.microsoft.com/office/drawing/2017/decorative" xmlns="" val="1"/>
+                <adec:decorative xmlns:adec="http://schemas.microsoft.com/office/drawing/2017/decorative" val="1"/>
               </a:ext>
             </a:extLst>
           </p:cNvPr>
@@ -20754,7 +21965,7 @@
           <p:nvPr>
             <p:extLst>
               <p:ext uri="{386F3935-93C4-4BCD-93E2-E3B085C9AB24}">
-                <p16:designElem xmlns:p16="http://schemas.microsoft.com/office/powerpoint/2015/main" xmlns="" val="1"/>
+                <p16:designElem xmlns:p16="http://schemas.microsoft.com/office/powerpoint/2015/main" val="1"/>
               </p:ext>
             </p:extLst>
           </p:nvPr>
@@ -20796,10 +22007,10 @@
           <p:cNvPr id="13" name="Rectangle 12">
             <a:extLst>
               <a:ext uri="{FF2B5EF4-FFF2-40B4-BE49-F238E27FC236}">
-                <a16:creationId xmlns:a16="http://schemas.microsoft.com/office/drawing/2014/main" xmlns="" id="{0F6F1E82-F603-49E4-9641-09EEA984A343}"/>
+                <a16:creationId xmlns:a16="http://schemas.microsoft.com/office/drawing/2014/main" id="{0F6F1E82-F603-49E4-9641-09EEA984A343}"/>
               </a:ext>
               <a:ext uri="{C183D7F6-B498-43B3-948B-1728B52AA6E4}">
-                <adec:decorative xmlns:adec="http://schemas.microsoft.com/office/drawing/2017/decorative" xmlns="" val="1"/>
+                <adec:decorative xmlns:adec="http://schemas.microsoft.com/office/drawing/2017/decorative" val="1"/>
               </a:ext>
             </a:extLst>
           </p:cNvPr>
@@ -20809,7 +22020,7 @@
           <p:nvPr>
             <p:extLst>
               <p:ext uri="{386F3935-93C4-4BCD-93E2-E3B085C9AB24}">
-                <p16:designElem xmlns:p16="http://schemas.microsoft.com/office/powerpoint/2015/main" xmlns="" val="1"/>
+                <p16:designElem xmlns:p16="http://schemas.microsoft.com/office/powerpoint/2015/main" val="1"/>
               </p:ext>
             </p:extLst>
           </p:nvPr>
@@ -20856,10 +22067,10 @@
           <p:cNvPr id="15" name="Straight Connector 14">
             <a:extLst>
               <a:ext uri="{FF2B5EF4-FFF2-40B4-BE49-F238E27FC236}">
-                <a16:creationId xmlns:a16="http://schemas.microsoft.com/office/drawing/2014/main" xmlns="" id="{C81CFD00-FC30-4AFB-A61F-3127B2C90F71}"/>
+                <a16:creationId xmlns:a16="http://schemas.microsoft.com/office/drawing/2014/main" id="{C81CFD00-FC30-4AFB-A61F-3127B2C90F71}"/>
               </a:ext>
               <a:ext uri="{C183D7F6-B498-43B3-948B-1728B52AA6E4}">
-                <adec:decorative xmlns:adec="http://schemas.microsoft.com/office/drawing/2017/decorative" xmlns="" val="1"/>
+                <adec:decorative xmlns:adec="http://schemas.microsoft.com/office/drawing/2017/decorative" val="1"/>
               </a:ext>
             </a:extLst>
           </p:cNvPr>
@@ -20869,7 +22080,7 @@
           <p:nvPr>
             <p:extLst>
               <p:ext uri="{386F3935-93C4-4BCD-93E2-E3B085C9AB24}">
-                <p16:designElem xmlns:p16="http://schemas.microsoft.com/office/powerpoint/2015/main" xmlns="" val="1"/>
+                <p16:designElem xmlns:p16="http://schemas.microsoft.com/office/powerpoint/2015/main" val="1"/>
               </p:ext>
             </p:extLst>
           </p:nvPr>
@@ -20911,10 +22122,10 @@
           <p:cNvPr id="17" name="Rectangle 16">
             <a:extLst>
               <a:ext uri="{FF2B5EF4-FFF2-40B4-BE49-F238E27FC236}">
-                <a16:creationId xmlns:a16="http://schemas.microsoft.com/office/drawing/2014/main" xmlns="" id="{9D1595AB-90F6-488F-B5E3-F8CFCC8FAA19}"/>
+                <a16:creationId xmlns:a16="http://schemas.microsoft.com/office/drawing/2014/main" id="{9D1595AB-90F6-488F-B5E3-F8CFCC8FAA19}"/>
               </a:ext>
               <a:ext uri="{C183D7F6-B498-43B3-948B-1728B52AA6E4}">
-                <adec:decorative xmlns:adec="http://schemas.microsoft.com/office/drawing/2017/decorative" xmlns="" val="1"/>
+                <adec:decorative xmlns:adec="http://schemas.microsoft.com/office/drawing/2017/decorative" val="1"/>
               </a:ext>
             </a:extLst>
           </p:cNvPr>
@@ -20924,7 +22135,7 @@
           <p:nvPr>
             <p:extLst>
               <p:ext uri="{386F3935-93C4-4BCD-93E2-E3B085C9AB24}">
-                <p16:designElem xmlns:p16="http://schemas.microsoft.com/office/powerpoint/2015/main" xmlns="" val="1"/>
+                <p16:designElem xmlns:p16="http://schemas.microsoft.com/office/powerpoint/2015/main" val="1"/>
               </p:ext>
             </p:extLst>
           </p:nvPr>
@@ -20966,7 +22177,7 @@
           <p:cNvPr id="5" name="TextBox 2">
             <a:extLst>
               <a:ext uri="{FF2B5EF4-FFF2-40B4-BE49-F238E27FC236}">
-                <a16:creationId xmlns:a16="http://schemas.microsoft.com/office/drawing/2014/main" xmlns="" id="{72AE4F4E-4651-5477-DE92-4606E9D67511}"/>
+                <a16:creationId xmlns:a16="http://schemas.microsoft.com/office/drawing/2014/main" id="{72AE4F4E-4651-5477-DE92-4606E9D67511}"/>
               </a:ext>
             </a:extLst>
           </p:cNvPr>
@@ -21024,7 +22235,7 @@
           <p:cNvPr id="2" name="Title 1">
             <a:extLst>
               <a:ext uri="{FF2B5EF4-FFF2-40B4-BE49-F238E27FC236}">
-                <a16:creationId xmlns:a16="http://schemas.microsoft.com/office/drawing/2014/main" xmlns="" id="{E6587AE3-BDB8-2DCE-7C04-E5EA8FA8DCB0}"/>
+                <a16:creationId xmlns:a16="http://schemas.microsoft.com/office/drawing/2014/main" id="{21315293-4E61-A138-32B6-7AE1A67B3907}"/>
               </a:ext>
             </a:extLst>
           </p:cNvPr>
@@ -21041,8 +22252,14 @@
           <a:lstStyle/>
           <a:p>
             <a:r>
-              <a:rPr lang="en-US" dirty="0"/>
-              <a:t>Monitoring Benefits</a:t>
+              <a:rPr lang="en-US" dirty="0">
+                <a:solidFill>
+                  <a:schemeClr val="bg1">
+                    <a:lumMod val="95000"/>
+                  </a:schemeClr>
+                </a:solidFill>
+              </a:rPr>
+              <a:t>What should be always monitored</a:t>
             </a:r>
           </a:p>
         </p:txBody>
@@ -21052,7 +22269,7 @@
           <p:cNvPr id="3" name="Content Placeholder 2">
             <a:extLst>
               <a:ext uri="{FF2B5EF4-FFF2-40B4-BE49-F238E27FC236}">
-                <a16:creationId xmlns:a16="http://schemas.microsoft.com/office/drawing/2014/main" xmlns="" id="{DC6D3847-6F25-BC57-4EB1-BDEB9333A3C0}"/>
+                <a16:creationId xmlns:a16="http://schemas.microsoft.com/office/drawing/2014/main" id="{04FAA8DE-7ACA-66E2-C2C1-46303F35EA2F}"/>
               </a:ext>
             </a:extLst>
           </p:cNvPr>
@@ -21073,8 +22290,14 @@
               <a:buChar char="•"/>
             </a:pPr>
             <a:r>
-              <a:rPr lang="en-US" dirty="0"/>
-              <a:t> Detect unauthorized access, malware and data leakage</a:t>
+              <a:rPr lang="en-US" dirty="0">
+                <a:solidFill>
+                  <a:schemeClr val="bg1">
+                    <a:lumMod val="95000"/>
+                  </a:schemeClr>
+                </a:solidFill>
+              </a:rPr>
+              <a:t> Successful Access</a:t>
             </a:r>
           </a:p>
           <a:p>
@@ -21083,8 +22306,14 @@
               <a:buChar char="•"/>
             </a:pPr>
             <a:r>
-              <a:rPr lang="en-US" dirty="0"/>
-              <a:t> Detect activity with privileged access, user management, policy changes, remote desktop sessions, configuration changes, and unexpected access </a:t>
+              <a:rPr lang="en-US" dirty="0">
+                <a:solidFill>
+                  <a:schemeClr val="bg1">
+                    <a:lumMod val="95000"/>
+                  </a:schemeClr>
+                </a:solidFill>
+              </a:rPr>
+              <a:t> Failed Access</a:t>
             </a:r>
           </a:p>
           <a:p>
@@ -21093,8 +22322,14 @@
               <a:buChar char="•"/>
             </a:pPr>
             <a:r>
-              <a:rPr lang="en-US" dirty="0"/>
-              <a:t> Detect patch installation, software installation, service management, system reboots, bandwidth utilization, and DNS/DHCP traffic</a:t>
+              <a:rPr lang="en-US" dirty="0">
+                <a:solidFill>
+                  <a:schemeClr val="bg1">
+                    <a:lumMod val="95000"/>
+                  </a:schemeClr>
+                </a:solidFill>
+              </a:rPr>
+              <a:t> Privileged Operations</a:t>
             </a:r>
           </a:p>
           <a:p>
@@ -21102,14 +22337,35 @@
               <a:buFont typeface="Arial" panose="020B0604020202020204" pitchFamily="34" charset="0"/>
               <a:buChar char="•"/>
             </a:pPr>
-            <a:endParaRPr lang="en-US" dirty="0"/>
+            <a:endParaRPr lang="en-US" dirty="0">
+              <a:solidFill>
+                <a:schemeClr val="bg1">
+                  <a:lumMod val="95000"/>
+                </a:schemeClr>
+              </a:solidFill>
+            </a:endParaRPr>
+          </a:p>
+          <a:p>
+            <a:pPr marL="0" indent="0">
+              <a:buNone/>
+            </a:pPr>
+            <a:r>
+              <a:rPr lang="en-US" dirty="0">
+                <a:solidFill>
+                  <a:schemeClr val="bg1">
+                    <a:lumMod val="95000"/>
+                  </a:schemeClr>
+                </a:solidFill>
+              </a:rPr>
+              <a:t>Exceptions can be addressed by the COO</a:t>
+            </a:r>
           </a:p>
         </p:txBody>
       </p:sp>
     </p:spTree>
     <p:extLst>
       <p:ext uri="{BB962C8B-B14F-4D97-AF65-F5344CB8AC3E}">
-        <p14:creationId xmlns:p14="http://schemas.microsoft.com/office/powerpoint/2010/main" val="223609391"/>
+        <p14:creationId xmlns:p14="http://schemas.microsoft.com/office/powerpoint/2010/main" val="1684610065"/>
       </p:ext>
     </p:extLst>
   </p:cSld>
@@ -21141,7 +22397,7 @@
           <p:cNvPr id="2" name="Title 1">
             <a:extLst>
               <a:ext uri="{FF2B5EF4-FFF2-40B4-BE49-F238E27FC236}">
-                <a16:creationId xmlns:a16="http://schemas.microsoft.com/office/drawing/2014/main" xmlns="" id="{21315293-4E61-A138-32B6-7AE1A67B3907}"/>
+                <a16:creationId xmlns:a16="http://schemas.microsoft.com/office/drawing/2014/main" id="{FD275D10-5F5B-6011-267F-E496E2DEB46D}"/>
               </a:ext>
             </a:extLst>
           </p:cNvPr>
@@ -21158,8 +22414,14 @@
           <a:lstStyle/>
           <a:p>
             <a:r>
-              <a:rPr lang="en-US" dirty="0"/>
-              <a:t>What should be always monitored</a:t>
+              <a:rPr lang="en-US" dirty="0">
+                <a:solidFill>
+                  <a:schemeClr val="bg1">
+                    <a:lumMod val="95000"/>
+                  </a:schemeClr>
+                </a:solidFill>
+              </a:rPr>
+              <a:t>Is Monitoring Legal?</a:t>
             </a:r>
           </a:p>
         </p:txBody>
@@ -21169,7 +22431,7 @@
           <p:cNvPr id="3" name="Content Placeholder 2">
             <a:extLst>
               <a:ext uri="{FF2B5EF4-FFF2-40B4-BE49-F238E27FC236}">
-                <a16:creationId xmlns:a16="http://schemas.microsoft.com/office/drawing/2014/main" xmlns="" id="{04FAA8DE-7ACA-66E2-C2C1-46303F35EA2F}"/>
+                <a16:creationId xmlns:a16="http://schemas.microsoft.com/office/drawing/2014/main" id="{6A693AF4-4CF0-C004-F347-CAA0ED3935B9}"/>
               </a:ext>
             </a:extLst>
           </p:cNvPr>
@@ -21185,49 +22447,117 @@
           <a:bodyPr/>
           <a:lstStyle/>
           <a:p>
-            <a:pPr>
+            <a:r>
+              <a:rPr lang="en-US" dirty="0">
+                <a:solidFill>
+                  <a:schemeClr val="bg1">
+                    <a:lumMod val="95000"/>
+                  </a:schemeClr>
+                </a:solidFill>
+              </a:rPr>
+              <a:t>An employee can be monitored by the company</a:t>
+            </a:r>
+          </a:p>
+          <a:p>
+            <a:pPr lvl="1">
               <a:buFont typeface="Arial" panose="020B0604020202020204" pitchFamily="34" charset="0"/>
               <a:buChar char="•"/>
             </a:pPr>
             <a:r>
-              <a:rPr lang="en-US" dirty="0"/>
-              <a:t> Successful Access</a:t>
-            </a:r>
-          </a:p>
-          <a:p>
-            <a:pPr>
+              <a:rPr lang="en-US" dirty="0">
+                <a:solidFill>
+                  <a:schemeClr val="bg1">
+                    <a:lumMod val="95000"/>
+                  </a:schemeClr>
+                </a:solidFill>
+              </a:rPr>
+              <a:t>The work is done at the employer’s place of business. </a:t>
+            </a:r>
+          </a:p>
+          <a:p>
+            <a:pPr lvl="1">
               <a:buFont typeface="Arial" panose="020B0604020202020204" pitchFamily="34" charset="0"/>
               <a:buChar char="•"/>
             </a:pPr>
             <a:r>
-              <a:rPr lang="en-US" dirty="0"/>
-              <a:t> Failed Access</a:t>
-            </a:r>
-          </a:p>
-          <a:p>
-            <a:pPr>
+              <a:rPr lang="en-US" dirty="0">
+                <a:solidFill>
+                  <a:schemeClr val="bg1">
+                    <a:lumMod val="95000"/>
+                  </a:schemeClr>
+                </a:solidFill>
+              </a:rPr>
+              <a:t>The employer owns the equipment. </a:t>
+            </a:r>
+          </a:p>
+          <a:p>
+            <a:pPr lvl="1">
               <a:buFont typeface="Arial" panose="020B0604020202020204" pitchFamily="34" charset="0"/>
               <a:buChar char="•"/>
             </a:pPr>
             <a:r>
-              <a:rPr lang="en-US" dirty="0"/>
-              <a:t> Privileged Operations</a:t>
-            </a:r>
-          </a:p>
-          <a:p>
-            <a:pPr>
-              <a:buFont typeface="Arial" panose="020B0604020202020204" pitchFamily="34" charset="0"/>
-              <a:buChar char="•"/>
-            </a:pPr>
-            <a:endParaRPr lang="en-US" dirty="0"/>
-          </a:p>
-          <a:p>
-            <a:pPr marL="0" indent="0">
+              <a:rPr lang="en-US" dirty="0">
+                <a:solidFill>
+                  <a:schemeClr val="bg1">
+                    <a:lumMod val="95000"/>
+                  </a:schemeClr>
+                </a:solidFill>
+              </a:rPr>
+              <a:t>The employer has an interest in monitoring employee activity to ensure the quality of work.</a:t>
+            </a:r>
+          </a:p>
+          <a:p>
+            <a:pPr marL="201168" lvl="1" indent="0">
               <a:buNone/>
             </a:pPr>
-            <a:r>
-              <a:rPr lang="en-US" dirty="0"/>
-              <a:t>Exceptions can be addressed by the COO</a:t>
+            <a:endParaRPr lang="en-US" dirty="0">
+              <a:solidFill>
+                <a:schemeClr val="bg1">
+                  <a:lumMod val="95000"/>
+                </a:schemeClr>
+              </a:solidFill>
+            </a:endParaRPr>
+          </a:p>
+          <a:p>
+            <a:pPr marL="201168" lvl="1" indent="0">
+              <a:buNone/>
+            </a:pPr>
+            <a:r>
+              <a:rPr lang="en-US" dirty="0">
+                <a:solidFill>
+                  <a:schemeClr val="bg1">
+                    <a:lumMod val="95000"/>
+                  </a:schemeClr>
+                </a:solidFill>
+              </a:rPr>
+              <a:t>The employer has the right to protect property from theft and fraud.</a:t>
+            </a:r>
+          </a:p>
+          <a:p>
+            <a:pPr marL="201168" lvl="1" indent="0">
+              <a:buNone/>
+            </a:pPr>
+            <a:endParaRPr lang="en-US" dirty="0">
+              <a:solidFill>
+                <a:schemeClr val="bg1">
+                  <a:lumMod val="95000"/>
+                </a:schemeClr>
+              </a:solidFill>
+            </a:endParaRPr>
+          </a:p>
+          <a:p>
+            <a:pPr marL="201168" lvl="1" indent="0">
+              <a:buNone/>
+            </a:pPr>
+            <a:r>
+              <a:rPr lang="en-US" dirty="0">
+                <a:solidFill>
+                  <a:schemeClr val="bg1">
+                    <a:lumMod val="95000"/>
+                  </a:schemeClr>
+                </a:solidFill>
+              </a:rPr>
+              <a:t>SLA and Agreements are signed with the employee to monitor their activities</a:t>
             </a:r>
           </a:p>
         </p:txBody>
@@ -21235,7 +22565,7 @@
     </p:spTree>
     <p:extLst>
       <p:ext uri="{BB962C8B-B14F-4D97-AF65-F5344CB8AC3E}">
-        <p14:creationId xmlns:p14="http://schemas.microsoft.com/office/powerpoint/2010/main" val="1684610065"/>
+        <p14:creationId xmlns:p14="http://schemas.microsoft.com/office/powerpoint/2010/main" val="552977067"/>
       </p:ext>
     </p:extLst>
   </p:cSld>
@@ -21267,7 +22597,7 @@
           <p:cNvPr id="2" name="Title 1">
             <a:extLst>
               <a:ext uri="{FF2B5EF4-FFF2-40B4-BE49-F238E27FC236}">
-                <a16:creationId xmlns:a16="http://schemas.microsoft.com/office/drawing/2014/main" xmlns="" id="{FD275D10-5F5B-6011-267F-E496E2DEB46D}"/>
+                <a16:creationId xmlns:a16="http://schemas.microsoft.com/office/drawing/2014/main" id="{98B828BC-9933-9CCD-F0A0-5D263D1D10D6}"/>
               </a:ext>
             </a:extLst>
           </p:cNvPr>
@@ -21284,180 +22614,15 @@
           <a:lstStyle/>
           <a:p>
             <a:r>
-              <a:rPr lang="en-US" dirty="0"/>
-              <a:t>Is Monitoring Legal?</a:t>
-            </a:r>
-          </a:p>
-        </p:txBody>
-      </p:sp>
-      <p:sp>
-        <p:nvSpPr>
-          <p:cNvPr id="3" name="Content Placeholder 2">
-            <a:extLst>
-              <a:ext uri="{FF2B5EF4-FFF2-40B4-BE49-F238E27FC236}">
-                <a16:creationId xmlns:a16="http://schemas.microsoft.com/office/drawing/2014/main" xmlns="" id="{6A693AF4-4CF0-C004-F347-CAA0ED3935B9}"/>
-              </a:ext>
-            </a:extLst>
-          </p:cNvPr>
-          <p:cNvSpPr>
-            <a:spLocks noGrp="1"/>
-          </p:cNvSpPr>
-          <p:nvPr>
-            <p:ph idx="1"/>
-          </p:nvPr>
-        </p:nvSpPr>
-        <p:spPr/>
-        <p:txBody>
-          <a:bodyPr/>
-          <a:lstStyle/>
-          <a:p>
-            <a:r>
-              <a:rPr lang="en-US" dirty="0"/>
-              <a:t>An employee can be monitored by the company</a:t>
-            </a:r>
-          </a:p>
-          <a:p>
-            <a:pPr lvl="1">
-              <a:buFont typeface="Arial" panose="020B0604020202020204" pitchFamily="34" charset="0"/>
-              <a:buChar char="•"/>
-            </a:pPr>
-            <a:r>
-              <a:rPr lang="en-US" dirty="0"/>
-              <a:t>The work is done at the employer’s place of business. </a:t>
-            </a:r>
-          </a:p>
-          <a:p>
-            <a:pPr lvl="1">
-              <a:buFont typeface="Arial" panose="020B0604020202020204" pitchFamily="34" charset="0"/>
-              <a:buChar char="•"/>
-            </a:pPr>
-            <a:r>
-              <a:rPr lang="en-US" dirty="0"/>
-              <a:t>The employer owns the equipment. </a:t>
-            </a:r>
-          </a:p>
-          <a:p>
-            <a:pPr lvl="1">
-              <a:buFont typeface="Arial" panose="020B0604020202020204" pitchFamily="34" charset="0"/>
-              <a:buChar char="•"/>
-            </a:pPr>
-            <a:r>
-              <a:rPr lang="en-US" dirty="0"/>
-              <a:t>The employer has an interest in monitoring employee activity to ensure the quality of work.</a:t>
-            </a:r>
-          </a:p>
-          <a:p>
-            <a:pPr marL="201168" lvl="1" indent="0">
-              <a:buNone/>
-            </a:pPr>
-            <a:endParaRPr lang="en-US" dirty="0"/>
-          </a:p>
-          <a:p>
-            <a:pPr marL="201168" lvl="1" indent="0">
-              <a:buNone/>
-            </a:pPr>
-            <a:r>
-              <a:rPr lang="en-US" dirty="0"/>
-              <a:t>The employer has the right to protect property from theft and fraud.</a:t>
-            </a:r>
-          </a:p>
-          <a:p>
-            <a:pPr marL="201168" lvl="1" indent="0">
-              <a:buNone/>
-            </a:pPr>
-            <a:endParaRPr lang="en-US" dirty="0"/>
-          </a:p>
-          <a:p>
-            <a:pPr marL="201168" lvl="1" indent="0">
-              <a:buNone/>
-            </a:pPr>
-            <a:r>
-              <a:rPr lang="en-US" dirty="0"/>
-              <a:t>SLA and Agreements are signed with the employee to monitor their activities</a:t>
-            </a:r>
-          </a:p>
-        </p:txBody>
-      </p:sp>
-    </p:spTree>
-    <p:extLst>
-      <p:ext uri="{BB962C8B-B14F-4D97-AF65-F5344CB8AC3E}">
-        <p14:creationId xmlns:p14="http://schemas.microsoft.com/office/powerpoint/2010/main" val="552977067"/>
-      </p:ext>
-    </p:extLst>
-  </p:cSld>
-  <p:clrMapOvr>
-    <a:masterClrMapping/>
-  </p:clrMapOvr>
-</p:sld>
-</file>
-
-<file path=ppt/slides/slide53.xml><?xml version="1.0" encoding="utf-8"?>
-<p:sld xmlns:a="http://schemas.openxmlformats.org/drawingml/2006/main" xmlns:r="http://schemas.openxmlformats.org/officeDocument/2006/relationships" xmlns:p="http://schemas.openxmlformats.org/presentationml/2006/main">
-  <p:cSld>
-    <p:spTree>
-      <p:nvGrpSpPr>
-        <p:cNvPr id="1" name=""/>
-        <p:cNvGrpSpPr/>
-        <p:nvPr/>
-      </p:nvGrpSpPr>
-      <p:grpSpPr>
-        <a:xfrm>
-          <a:off x="0" y="0"/>
-          <a:ext cx="0" cy="0"/>
-          <a:chOff x="0" y="0"/>
-          <a:chExt cx="0" cy="0"/>
-        </a:xfrm>
-      </p:grpSpPr>
-      <p:sp>
-        <p:nvSpPr>
-          <p:cNvPr id="2" name="Title 1">
-            <a:extLst>
-              <a:ext uri="{FF2B5EF4-FFF2-40B4-BE49-F238E27FC236}">
-                <a16:creationId xmlns:a16="http://schemas.microsoft.com/office/drawing/2014/main" xmlns="" id="{98B828BC-9933-9CCD-F0A0-5D263D1D10D6}"/>
-              </a:ext>
-            </a:extLst>
-          </p:cNvPr>
-          <p:cNvSpPr>
-            <a:spLocks noGrp="1"/>
-          </p:cNvSpPr>
-          <p:nvPr>
-            <p:ph type="title"/>
-          </p:nvPr>
-        </p:nvSpPr>
-        <p:spPr/>
-        <p:txBody>
-          <a:bodyPr/>
-          <a:lstStyle/>
-          <a:p>
-            <a:r>
-              <a:rPr lang="en-US" dirty="0"/>
-              <a:t>QA?</a:t>
-            </a:r>
-          </a:p>
-        </p:txBody>
-      </p:sp>
-      <p:sp>
-        <p:nvSpPr>
-          <p:cNvPr id="3" name="Content Placeholder 2">
-            <a:extLst>
-              <a:ext uri="{FF2B5EF4-FFF2-40B4-BE49-F238E27FC236}">
-                <a16:creationId xmlns:a16="http://schemas.microsoft.com/office/drawing/2014/main" xmlns="" id="{E374A02C-1A5E-6762-F7D4-29AA705079A9}"/>
-              </a:ext>
-            </a:extLst>
-          </p:cNvPr>
-          <p:cNvSpPr>
-            <a:spLocks noGrp="1"/>
-          </p:cNvSpPr>
-          <p:nvPr>
-            <p:ph idx="1"/>
-          </p:nvPr>
-        </p:nvSpPr>
-        <p:spPr/>
-        <p:txBody>
-          <a:bodyPr/>
-          <a:lstStyle/>
-          <a:p>
-            <a:endParaRPr lang="en-US"/>
+              <a:rPr lang="en-US" dirty="0">
+                <a:solidFill>
+                  <a:schemeClr val="bg1">
+                    <a:lumMod val="95000"/>
+                  </a:schemeClr>
+                </a:solidFill>
+              </a:rPr>
+              <a:t>Questions?</a:t>
+            </a:r>
           </a:p>
         </p:txBody>
       </p:sp>
@@ -21496,7 +22661,7 @@
           <p:cNvPr id="3" name="TextBox 2">
             <a:extLst>
               <a:ext uri="{FF2B5EF4-FFF2-40B4-BE49-F238E27FC236}">
-                <a16:creationId xmlns:a16="http://schemas.microsoft.com/office/drawing/2014/main" xmlns="" id="{F7851E5C-DF1E-8A17-45DA-4EFE31D23E9D}"/>
+                <a16:creationId xmlns:a16="http://schemas.microsoft.com/office/drawing/2014/main" id="{F7851E5C-DF1E-8A17-45DA-4EFE31D23E9D}"/>
               </a:ext>
             </a:extLst>
           </p:cNvPr>
@@ -21521,6 +22686,11 @@
           <a:p>
             <a:r>
               <a:rPr lang="en-CA" sz="2800" b="1" dirty="0">
+                <a:solidFill>
+                  <a:schemeClr val="bg1">
+                    <a:lumMod val="95000"/>
+                  </a:schemeClr>
+                </a:solidFill>
                 <a:effectLst/>
                 <a:latin typeface="Times New Roman" panose="02020603050405020304" pitchFamily="18" charset="0"/>
                 <a:ea typeface="Times New Roman" panose="02020603050405020304" pitchFamily="18" charset="0"/>
@@ -21529,6 +22699,11 @@
             </a:r>
             <a:r>
               <a:rPr lang="en-CA" sz="1400" b="1" dirty="0">
+                <a:solidFill>
+                  <a:schemeClr val="bg1">
+                    <a:lumMod val="95000"/>
+                  </a:schemeClr>
+                </a:solidFill>
                 <a:effectLst/>
                 <a:latin typeface="Times New Roman" panose="02020603050405020304" pitchFamily="18" charset="0"/>
                 <a:ea typeface="Times New Roman" panose="02020603050405020304" pitchFamily="18" charset="0"/>
@@ -21537,6 +22712,11 @@
             </a:r>
             <a:r>
               <a:rPr lang="en-CA" sz="1800" u="sng" dirty="0">
+                <a:solidFill>
+                  <a:schemeClr val="bg1">
+                    <a:lumMod val="95000"/>
+                  </a:schemeClr>
+                </a:solidFill>
                 <a:effectLst/>
                 <a:latin typeface="Times New Roman" panose="02020603050405020304" pitchFamily="18" charset="0"/>
                 <a:ea typeface="Times New Roman" panose="02020603050405020304" pitchFamily="18" charset="0"/>
@@ -21545,13 +22725,18 @@
             </a:r>
             <a:r>
               <a:rPr lang="en-CA" sz="1800" u="sng" strike="noStrike" dirty="0">
+                <a:solidFill>
+                  <a:schemeClr val="bg1">
+                    <a:lumMod val="95000"/>
+                  </a:schemeClr>
+                </a:solidFill>
                 <a:effectLst/>
                 <a:latin typeface="Times New Roman" panose="02020603050405020304" pitchFamily="18" charset="0"/>
                 <a:ea typeface="Times New Roman" panose="02020603050405020304" pitchFamily="18" charset="0"/>
                 <a:hlinkClick r:id="rId2">
                   <a:extLst>
                     <a:ext uri="{A12FA001-AC4F-418D-AE19-62706E023703}">
-                      <ahyp:hlinkClr xmlns:ahyp="http://schemas.microsoft.com/office/drawing/2018/hyperlinkcolor" xmlns="" val="tx"/>
+                      <ahyp:hlinkClr xmlns:ahyp="http://schemas.microsoft.com/office/drawing/2018/hyperlinkcolor" val="tx"/>
                     </a:ext>
                   </a:extLst>
                 </a:hlinkClick>
@@ -21560,6 +22745,11 @@
             </a:r>
             <a:r>
               <a:rPr lang="en-CA" sz="1800" u="sng" dirty="0">
+                <a:solidFill>
+                  <a:schemeClr val="bg1">
+                    <a:lumMod val="95000"/>
+                  </a:schemeClr>
+                </a:solidFill>
                 <a:effectLst/>
                 <a:latin typeface="Times New Roman" panose="02020603050405020304" pitchFamily="18" charset="0"/>
                 <a:ea typeface="Times New Roman" panose="02020603050405020304" pitchFamily="18" charset="0"/>
@@ -21568,13 +22758,18 @@
             </a:r>
             <a:r>
               <a:rPr lang="en-CA" sz="1800" u="sng" strike="noStrike" dirty="0">
+                <a:solidFill>
+                  <a:schemeClr val="bg1">
+                    <a:lumMod val="95000"/>
+                  </a:schemeClr>
+                </a:solidFill>
                 <a:effectLst/>
                 <a:latin typeface="Times New Roman" panose="02020603050405020304" pitchFamily="18" charset="0"/>
                 <a:ea typeface="Times New Roman" panose="02020603050405020304" pitchFamily="18" charset="0"/>
                 <a:hlinkClick r:id="rId3">
                   <a:extLst>
                     <a:ext uri="{A12FA001-AC4F-418D-AE19-62706E023703}">
-                      <ahyp:hlinkClr xmlns:ahyp="http://schemas.microsoft.com/office/drawing/2018/hyperlinkcolor" xmlns="" val="tx"/>
+                      <ahyp:hlinkClr xmlns:ahyp="http://schemas.microsoft.com/office/drawing/2018/hyperlinkcolor" val="tx"/>
                     </a:ext>
                   </a:extLst>
                 </a:hlinkClick>
@@ -21583,6 +22778,11 @@
             </a:r>
             <a:r>
               <a:rPr lang="en-CA" sz="1800" u="sng" dirty="0">
+                <a:solidFill>
+                  <a:schemeClr val="bg1">
+                    <a:lumMod val="95000"/>
+                  </a:schemeClr>
+                </a:solidFill>
                 <a:effectLst/>
                 <a:latin typeface="Times New Roman" panose="02020603050405020304" pitchFamily="18" charset="0"/>
                 <a:ea typeface="Times New Roman" panose="02020603050405020304" pitchFamily="18" charset="0"/>
@@ -21590,6 +22790,11 @@
               <a:t>measure for accuracy are some of the ways to do this effectively.</a:t>
             </a:r>
             <a:endParaRPr lang="en-CA" sz="1400" u="sng" dirty="0">
+              <a:solidFill>
+                <a:schemeClr val="bg1">
+                  <a:lumMod val="95000"/>
+                </a:schemeClr>
+              </a:solidFill>
               <a:effectLst/>
               <a:latin typeface="Times New Roman" panose="02020603050405020304" pitchFamily="18" charset="0"/>
               <a:ea typeface="Times New Roman" panose="02020603050405020304" pitchFamily="18" charset="0"/>
@@ -21598,6 +22803,11 @@
           <a:p>
             <a:r>
               <a:rPr lang="en-CA" sz="1800" u="sng" dirty="0">
+                <a:solidFill>
+                  <a:schemeClr val="bg1">
+                    <a:lumMod val="95000"/>
+                  </a:schemeClr>
+                </a:solidFill>
                 <a:effectLst/>
                 <a:latin typeface="Times New Roman" panose="02020603050405020304" pitchFamily="18" charset="0"/>
                 <a:ea typeface="Times New Roman" panose="02020603050405020304" pitchFamily="18" charset="0"/>
@@ -21605,6 +22815,11 @@
               <a:t>The disadvantage of using this method is that once the information is lost or stolen (for example, if a user’s password is stolen), an attacker would be able to successfully authenticate.</a:t>
             </a:r>
             <a:endParaRPr lang="en-CA" sz="1400" u="sng" dirty="0">
+              <a:solidFill>
+                <a:schemeClr val="bg1">
+                  <a:lumMod val="95000"/>
+                </a:schemeClr>
+              </a:solidFill>
               <a:effectLst/>
               <a:latin typeface="Times New Roman" panose="02020603050405020304" pitchFamily="18" charset="0"/>
               <a:ea typeface="Times New Roman" panose="02020603050405020304" pitchFamily="18" charset="0"/>
@@ -21647,7 +22862,7 @@
           <p:cNvPr id="2" name="Title 1">
             <a:extLst>
               <a:ext uri="{FF2B5EF4-FFF2-40B4-BE49-F238E27FC236}">
-                <a16:creationId xmlns:a16="http://schemas.microsoft.com/office/drawing/2014/main" xmlns="" id="{67B1B51B-3124-738D-0446-444018BEC8BD}"/>
+                <a16:creationId xmlns:a16="http://schemas.microsoft.com/office/drawing/2014/main" id="{67B1B51B-3124-738D-0446-444018BEC8BD}"/>
               </a:ext>
             </a:extLst>
           </p:cNvPr>
@@ -21671,14 +22886,6 @@
               </a:rPr>
               <a:t>Authentication by Knowledge – </a:t>
             </a:r>
-            <a:r>
-              <a:rPr lang="en-CA" sz="1800" dirty="0">
-                <a:effectLst/>
-                <a:latin typeface="Times New Roman" panose="02020603050405020304" pitchFamily="18" charset="0"/>
-                <a:ea typeface="Times New Roman" panose="02020603050405020304" pitchFamily="18" charset="0"/>
-              </a:rPr>
-              <a:t/>
-            </a:r>
             <a:br>
               <a:rPr lang="en-CA" sz="1800" dirty="0">
                 <a:effectLst/>
@@ -21695,7 +22902,7 @@
           <p:cNvPr id="3" name="Content Placeholder 2">
             <a:extLst>
               <a:ext uri="{FF2B5EF4-FFF2-40B4-BE49-F238E27FC236}">
-                <a16:creationId xmlns:a16="http://schemas.microsoft.com/office/drawing/2014/main" xmlns="" id="{CEF23298-7DFC-AA0C-2507-91CF77FB98D2}"/>
+                <a16:creationId xmlns:a16="http://schemas.microsoft.com/office/drawing/2014/main" id="{CEF23298-7DFC-AA0C-2507-91CF77FB98D2}"/>
               </a:ext>
             </a:extLst>
           </p:cNvPr>
@@ -21730,7 +22937,7 @@
           <p:cNvPr id="4" name="Picture 3" descr="Logo, company name&#10;&#10;Description automatically generated">
             <a:extLst>
               <a:ext uri="{FF2B5EF4-FFF2-40B4-BE49-F238E27FC236}">
-                <a16:creationId xmlns:a16="http://schemas.microsoft.com/office/drawing/2014/main" xmlns="" id="{F5B40B1E-49F7-1EDB-E047-4A662C78E836}"/>
+                <a16:creationId xmlns:a16="http://schemas.microsoft.com/office/drawing/2014/main" id="{F5B40B1E-49F7-1EDB-E047-4A662C78E836}"/>
               </a:ext>
             </a:extLst>
           </p:cNvPr>
@@ -21796,7 +23003,7 @@
           <p:cNvPr id="3" name="TextBox 2">
             <a:extLst>
               <a:ext uri="{FF2B5EF4-FFF2-40B4-BE49-F238E27FC236}">
-                <a16:creationId xmlns:a16="http://schemas.microsoft.com/office/drawing/2014/main" xmlns="" id="{31DA78B5-C4E8-2D27-D321-107258CFA1C8}"/>
+                <a16:creationId xmlns:a16="http://schemas.microsoft.com/office/drawing/2014/main" id="{31DA78B5-C4E8-2D27-D321-107258CFA1C8}"/>
               </a:ext>
             </a:extLst>
           </p:cNvPr>
@@ -21821,6 +23028,11 @@
           <a:p>
             <a:r>
               <a:rPr lang="en-CA" sz="3200" b="1" dirty="0">
+                <a:solidFill>
+                  <a:schemeClr val="bg1">
+                    <a:lumMod val="95000"/>
+                  </a:schemeClr>
+                </a:solidFill>
                 <a:effectLst/>
                 <a:latin typeface="Times New Roman" panose="02020603050405020304" pitchFamily="18" charset="0"/>
                 <a:ea typeface="Times New Roman" panose="02020603050405020304" pitchFamily="18" charset="0"/>
@@ -21829,6 +23041,11 @@
             </a:r>
             <a:r>
               <a:rPr lang="en-CA" sz="2000" b="1" dirty="0">
+                <a:solidFill>
+                  <a:schemeClr val="bg1">
+                    <a:lumMod val="95000"/>
+                  </a:schemeClr>
+                </a:solidFill>
                 <a:effectLst/>
                 <a:latin typeface="Times New Roman" panose="02020603050405020304" pitchFamily="18" charset="0"/>
                 <a:ea typeface="Times New Roman" panose="02020603050405020304" pitchFamily="18" charset="0"/>
@@ -21837,6 +23054,11 @@
             </a:r>
             <a:r>
               <a:rPr lang="en-CA" sz="2000" b="0" dirty="0">
+                <a:solidFill>
+                  <a:schemeClr val="bg1">
+                    <a:lumMod val="95000"/>
+                  </a:schemeClr>
+                </a:solidFill>
                 <a:effectLst/>
                 <a:latin typeface="Times New Roman" panose="02020603050405020304" pitchFamily="18" charset="0"/>
                 <a:ea typeface="Times New Roman" panose="02020603050405020304" pitchFamily="18" charset="0"/>
@@ -21844,6 +23066,11 @@
               <a:t>When a user has successfully established their identity, pre-determined permissions are granted to them during the authorization stage. The level of clearance that should be provided is determined by the reference monitor or authorization matrix, which also stores and transmits control information.</a:t>
             </a:r>
             <a:endParaRPr lang="en-CA" sz="1800" b="1" dirty="0">
+              <a:solidFill>
+                <a:schemeClr val="bg1">
+                  <a:lumMod val="95000"/>
+                </a:schemeClr>
+              </a:solidFill>
               <a:effectLst/>
               <a:latin typeface="Times New Roman" panose="02020603050405020304" pitchFamily="18" charset="0"/>
               <a:ea typeface="Times New Roman" panose="02020603050405020304" pitchFamily="18" charset="0"/>
@@ -21856,6 +23083,11 @@
             </a:pPr>
             <a:r>
               <a:rPr lang="en-CA" sz="1800" b="0" dirty="0">
+                <a:solidFill>
+                  <a:schemeClr val="bg1">
+                    <a:lumMod val="95000"/>
+                  </a:schemeClr>
+                </a:solidFill>
                 <a:effectLst/>
                 <a:latin typeface="Times New Roman" panose="02020603050405020304" pitchFamily="18" charset="0"/>
                 <a:ea typeface="Times New Roman" panose="02020603050405020304" pitchFamily="18" charset="0"/>
@@ -21869,6 +23101,11 @@
               <a:buAutoNum type="arabicPeriod"/>
             </a:pPr>
             <a:endParaRPr lang="en-CA" sz="1800" b="1" dirty="0">
+              <a:solidFill>
+                <a:schemeClr val="bg1">
+                  <a:lumMod val="95000"/>
+                </a:schemeClr>
+              </a:solidFill>
               <a:effectLst/>
               <a:latin typeface="Times New Roman" panose="02020603050405020304" pitchFamily="18" charset="0"/>
               <a:ea typeface="Times New Roman" panose="02020603050405020304" pitchFamily="18" charset="0"/>
@@ -21881,6 +23118,11 @@
             </a:pPr>
             <a:r>
               <a:rPr lang="en-CA" sz="1800" b="0" dirty="0">
+                <a:solidFill>
+                  <a:schemeClr val="bg1">
+                    <a:lumMod val="95000"/>
+                  </a:schemeClr>
+                </a:solidFill>
                 <a:effectLst/>
                 <a:latin typeface="Times New Roman" panose="02020603050405020304" pitchFamily="18" charset="0"/>
                 <a:ea typeface="Times New Roman" panose="02020603050405020304" pitchFamily="18" charset="0"/>
@@ -21894,6 +23136,11 @@
               <a:buAutoNum type="arabicPeriod"/>
             </a:pPr>
             <a:endParaRPr lang="en-CA" sz="1800" b="1" dirty="0">
+              <a:solidFill>
+                <a:schemeClr val="bg1">
+                  <a:lumMod val="95000"/>
+                </a:schemeClr>
+              </a:solidFill>
               <a:effectLst/>
               <a:latin typeface="Times New Roman" panose="02020603050405020304" pitchFamily="18" charset="0"/>
               <a:ea typeface="Times New Roman" panose="02020603050405020304" pitchFamily="18" charset="0"/>
@@ -21906,6 +23153,11 @@
             </a:pPr>
             <a:r>
               <a:rPr lang="en-CA" sz="1800" b="0" dirty="0">
+                <a:solidFill>
+                  <a:schemeClr val="bg1">
+                    <a:lumMod val="95000"/>
+                  </a:schemeClr>
+                </a:solidFill>
                 <a:effectLst/>
                 <a:latin typeface="Times New Roman" panose="02020603050405020304" pitchFamily="18" charset="0"/>
                 <a:ea typeface="Times New Roman" panose="02020603050405020304" pitchFamily="18" charset="0"/>
@@ -21913,6 +23165,11 @@
               <a:t>Access permissions must be based on the minimum required to perform the</a:t>
             </a:r>
             <a:endParaRPr lang="en-CA" sz="1800" b="1" dirty="0">
+              <a:solidFill>
+                <a:schemeClr val="bg1">
+                  <a:lumMod val="95000"/>
+                </a:schemeClr>
+              </a:solidFill>
               <a:effectLst/>
               <a:latin typeface="Times New Roman" panose="02020603050405020304" pitchFamily="18" charset="0"/>
               <a:ea typeface="Times New Roman" panose="02020603050405020304" pitchFamily="18" charset="0"/>
@@ -21922,6 +23179,11 @@
             <a:pPr marL="457200"/>
             <a:r>
               <a:rPr lang="en-CA" sz="1800" b="0" dirty="0">
+                <a:solidFill>
+                  <a:schemeClr val="bg1">
+                    <a:lumMod val="95000"/>
+                  </a:schemeClr>
+                </a:solidFill>
                 <a:effectLst/>
                 <a:latin typeface="Times New Roman" panose="02020603050405020304" pitchFamily="18" charset="0"/>
                 <a:ea typeface="Times New Roman" panose="02020603050405020304" pitchFamily="18" charset="0"/>
@@ -21932,6 +23194,11 @@
           <a:p>
             <a:pPr marL="457200"/>
             <a:endParaRPr lang="en-CA" sz="1800" b="1" dirty="0">
+              <a:solidFill>
+                <a:schemeClr val="bg1">
+                  <a:lumMod val="95000"/>
+                </a:schemeClr>
+              </a:solidFill>
               <a:effectLst/>
               <a:latin typeface="Times New Roman" panose="02020603050405020304" pitchFamily="18" charset="0"/>
               <a:ea typeface="Times New Roman" panose="02020603050405020304" pitchFamily="18" charset="0"/>
@@ -21941,6 +23208,11 @@
             <a:pPr lvl="0"/>
             <a:r>
               <a:rPr lang="en-CA" sz="1800" b="0" dirty="0">
+                <a:solidFill>
+                  <a:schemeClr val="bg1">
+                    <a:lumMod val="95000"/>
+                  </a:schemeClr>
+                </a:solidFill>
                 <a:effectLst/>
                 <a:latin typeface="Times New Roman" panose="02020603050405020304" pitchFamily="18" charset="0"/>
                 <a:ea typeface="Times New Roman" panose="02020603050405020304" pitchFamily="18" charset="0"/>
@@ -21954,6 +23226,11 @@
               <a:buAutoNum type="arabicPeriod"/>
             </a:pPr>
             <a:endParaRPr lang="en-CA" sz="1800" b="1" dirty="0">
+              <a:solidFill>
+                <a:schemeClr val="bg1">
+                  <a:lumMod val="95000"/>
+                </a:schemeClr>
+              </a:solidFill>
               <a:effectLst/>
               <a:latin typeface="Times New Roman" panose="02020603050405020304" pitchFamily="18" charset="0"/>
               <a:ea typeface="Times New Roman" panose="02020603050405020304" pitchFamily="18" charset="0"/>
@@ -21963,6 +23240,11 @@
             <a:pPr lvl="0"/>
             <a:r>
               <a:rPr lang="en-CA" sz="1800" b="0" dirty="0">
+                <a:solidFill>
+                  <a:schemeClr val="bg1">
+                    <a:lumMod val="95000"/>
+                  </a:schemeClr>
+                </a:solidFill>
                 <a:effectLst/>
                 <a:latin typeface="Times New Roman" panose="02020603050405020304" pitchFamily="18" charset="0"/>
                 <a:ea typeface="Times New Roman" panose="02020603050405020304" pitchFamily="18" charset="0"/>
@@ -21974,6 +23256,11 @@
             <a:pPr lvl="0"/>
             <a:r>
               <a:rPr lang="en-CA" sz="1800" b="0" dirty="0">
+                <a:solidFill>
+                  <a:schemeClr val="bg1">
+                    <a:lumMod val="95000"/>
+                  </a:schemeClr>
+                </a:solidFill>
                 <a:effectLst/>
                 <a:latin typeface="Times New Roman" panose="02020603050405020304" pitchFamily="18" charset="0"/>
                 <a:ea typeface="Times New Roman" panose="02020603050405020304" pitchFamily="18" charset="0"/>
@@ -21981,6 +23268,11 @@
               <a:t> </a:t>
             </a:r>
             <a:endParaRPr lang="en-CA" b="1" dirty="0">
+              <a:solidFill>
+                <a:schemeClr val="bg1">
+                  <a:lumMod val="95000"/>
+                </a:schemeClr>
+              </a:solidFill>
               <a:latin typeface="Times New Roman" panose="02020603050405020304" pitchFamily="18" charset="0"/>
               <a:ea typeface="Times New Roman" panose="02020603050405020304" pitchFamily="18" charset="0"/>
             </a:endParaRPr>
@@ -21989,6 +23281,11 @@
             <a:pPr lvl="0"/>
             <a:r>
               <a:rPr lang="en-CA" b="1" dirty="0">
+                <a:solidFill>
+                  <a:schemeClr val="bg1">
+                    <a:lumMod val="95000"/>
+                  </a:schemeClr>
+                </a:solidFill>
                 <a:latin typeface="Times New Roman" panose="02020603050405020304" pitchFamily="18" charset="0"/>
                 <a:ea typeface="Times New Roman" panose="02020603050405020304" pitchFamily="18" charset="0"/>
               </a:rPr>
@@ -21996,6 +23293,11 @@
             </a:r>
             <a:r>
               <a:rPr lang="en-CA" sz="1800" b="1" dirty="0">
+                <a:solidFill>
+                  <a:schemeClr val="bg1">
+                    <a:lumMod val="95000"/>
+                  </a:schemeClr>
+                </a:solidFill>
                 <a:effectLst/>
                 <a:latin typeface="Times New Roman" panose="02020603050405020304" pitchFamily="18" charset="0"/>
                 <a:ea typeface="Times New Roman" panose="02020603050405020304" pitchFamily="18" charset="0"/>
@@ -22004,6 +23306,11 @@
             </a:r>
             <a:r>
               <a:rPr lang="en-CA" sz="1800" b="0" dirty="0">
+                <a:solidFill>
+                  <a:schemeClr val="bg1">
+                    <a:lumMod val="95000"/>
+                  </a:schemeClr>
+                </a:solidFill>
                 <a:effectLst/>
                 <a:latin typeface="Times New Roman" panose="02020603050405020304" pitchFamily="18" charset="0"/>
                 <a:ea typeface="Times New Roman" panose="02020603050405020304" pitchFamily="18" charset="0"/>
@@ -22011,6 +23318,11 @@
               <a:t>Permissions must not be granted until the authorization process is complete.</a:t>
             </a:r>
             <a:endParaRPr lang="en-CA" sz="1800" b="1" dirty="0">
+              <a:solidFill>
+                <a:schemeClr val="bg1">
+                  <a:lumMod val="95000"/>
+                </a:schemeClr>
+              </a:solidFill>
               <a:effectLst/>
               <a:latin typeface="Times New Roman" panose="02020603050405020304" pitchFamily="18" charset="0"/>
               <a:ea typeface="Times New Roman" panose="02020603050405020304" pitchFamily="18" charset="0"/>
@@ -22053,7 +23365,7 @@
           <p:cNvPr id="2" name="Title 1">
             <a:extLst>
               <a:ext uri="{FF2B5EF4-FFF2-40B4-BE49-F238E27FC236}">
-                <a16:creationId xmlns:a16="http://schemas.microsoft.com/office/drawing/2014/main" xmlns="" id="{DFB9C914-3151-D425-EA04-F0DB9CDE2BCA}"/>
+                <a16:creationId xmlns:a16="http://schemas.microsoft.com/office/drawing/2014/main" id="{DFB9C914-3151-D425-EA04-F0DB9CDE2BCA}"/>
               </a:ext>
             </a:extLst>
           </p:cNvPr>
@@ -22077,14 +23389,6 @@
               </a:rPr>
               <a:t>Authentication by Ownership or Possession –</a:t>
             </a:r>
-            <a:r>
-              <a:rPr lang="en-CA" sz="1800" b="1" dirty="0">
-                <a:effectLst/>
-                <a:latin typeface="Times New Roman" panose="02020603050405020304" pitchFamily="18" charset="0"/>
-                <a:ea typeface="Times New Roman" panose="02020603050405020304" pitchFamily="18" charset="0"/>
-              </a:rPr>
-              <a:t/>
-            </a:r>
             <a:br>
               <a:rPr lang="en-CA" sz="1800" b="1" dirty="0">
                 <a:effectLst/>
@@ -22101,7 +23405,7 @@
           <p:cNvPr id="4" name="Content Placeholder 3">
             <a:extLst>
               <a:ext uri="{FF2B5EF4-FFF2-40B4-BE49-F238E27FC236}">
-                <a16:creationId xmlns:a16="http://schemas.microsoft.com/office/drawing/2014/main" xmlns="" id="{CBB1D20F-4F78-F768-BDD4-609FA9196790}"/>
+                <a16:creationId xmlns:a16="http://schemas.microsoft.com/office/drawing/2014/main" id="{CBB1D20F-4F78-F768-BDD4-609FA9196790}"/>
               </a:ext>
             </a:extLst>
           </p:cNvPr>
@@ -22139,7 +23443,7 @@
           <p:cNvPr id="6" name="TextBox 5">
             <a:extLst>
               <a:ext uri="{FF2B5EF4-FFF2-40B4-BE49-F238E27FC236}">
-                <a16:creationId xmlns:a16="http://schemas.microsoft.com/office/drawing/2014/main" xmlns="" id="{EED8C35E-6BCB-DF97-5254-F38C360AF21B}"/>
+                <a16:creationId xmlns:a16="http://schemas.microsoft.com/office/drawing/2014/main" id="{EED8C35E-6BCB-DF97-5254-F38C360AF21B}"/>
               </a:ext>
             </a:extLst>
           </p:cNvPr>

--- a/Access Control.pptx
+++ b/Access Control.pptx
@@ -18,45 +18,44 @@
     <p:sldId id="291" r:id="rId12"/>
     <p:sldId id="292" r:id="rId13"/>
     <p:sldId id="293" r:id="rId14"/>
-    <p:sldId id="294" r:id="rId15"/>
-    <p:sldId id="257" r:id="rId16"/>
-    <p:sldId id="314" r:id="rId17"/>
-    <p:sldId id="258" r:id="rId18"/>
-    <p:sldId id="259" r:id="rId19"/>
-    <p:sldId id="264" r:id="rId20"/>
-    <p:sldId id="265" r:id="rId21"/>
-    <p:sldId id="266" r:id="rId22"/>
-    <p:sldId id="267" r:id="rId23"/>
-    <p:sldId id="268" r:id="rId24"/>
-    <p:sldId id="269" r:id="rId25"/>
-    <p:sldId id="270" r:id="rId26"/>
-    <p:sldId id="271" r:id="rId27"/>
-    <p:sldId id="272" r:id="rId28"/>
-    <p:sldId id="273" r:id="rId29"/>
-    <p:sldId id="274" r:id="rId30"/>
-    <p:sldId id="275" r:id="rId31"/>
-    <p:sldId id="276" r:id="rId32"/>
-    <p:sldId id="278" r:id="rId33"/>
-    <p:sldId id="279" r:id="rId34"/>
-    <p:sldId id="280" r:id="rId35"/>
-    <p:sldId id="281" r:id="rId36"/>
-    <p:sldId id="296" r:id="rId37"/>
-    <p:sldId id="297" r:id="rId38"/>
-    <p:sldId id="298" r:id="rId39"/>
-    <p:sldId id="299" r:id="rId40"/>
-    <p:sldId id="300" r:id="rId41"/>
-    <p:sldId id="312" r:id="rId42"/>
-    <p:sldId id="301" r:id="rId43"/>
-    <p:sldId id="302" r:id="rId44"/>
-    <p:sldId id="306" r:id="rId45"/>
-    <p:sldId id="303" r:id="rId46"/>
-    <p:sldId id="304" r:id="rId47"/>
-    <p:sldId id="313" r:id="rId48"/>
-    <p:sldId id="305" r:id="rId49"/>
-    <p:sldId id="307" r:id="rId50"/>
-    <p:sldId id="308" r:id="rId51"/>
-    <p:sldId id="309" r:id="rId52"/>
-    <p:sldId id="311" r:id="rId53"/>
+    <p:sldId id="257" r:id="rId15"/>
+    <p:sldId id="314" r:id="rId16"/>
+    <p:sldId id="258" r:id="rId17"/>
+    <p:sldId id="259" r:id="rId18"/>
+    <p:sldId id="264" r:id="rId19"/>
+    <p:sldId id="265" r:id="rId20"/>
+    <p:sldId id="266" r:id="rId21"/>
+    <p:sldId id="267" r:id="rId22"/>
+    <p:sldId id="268" r:id="rId23"/>
+    <p:sldId id="269" r:id="rId24"/>
+    <p:sldId id="270" r:id="rId25"/>
+    <p:sldId id="271" r:id="rId26"/>
+    <p:sldId id="272" r:id="rId27"/>
+    <p:sldId id="273" r:id="rId28"/>
+    <p:sldId id="274" r:id="rId29"/>
+    <p:sldId id="275" r:id="rId30"/>
+    <p:sldId id="276" r:id="rId31"/>
+    <p:sldId id="278" r:id="rId32"/>
+    <p:sldId id="279" r:id="rId33"/>
+    <p:sldId id="280" r:id="rId34"/>
+    <p:sldId id="281" r:id="rId35"/>
+    <p:sldId id="296" r:id="rId36"/>
+    <p:sldId id="297" r:id="rId37"/>
+    <p:sldId id="298" r:id="rId38"/>
+    <p:sldId id="299" r:id="rId39"/>
+    <p:sldId id="300" r:id="rId40"/>
+    <p:sldId id="312" r:id="rId41"/>
+    <p:sldId id="301" r:id="rId42"/>
+    <p:sldId id="302" r:id="rId43"/>
+    <p:sldId id="306" r:id="rId44"/>
+    <p:sldId id="303" r:id="rId45"/>
+    <p:sldId id="304" r:id="rId46"/>
+    <p:sldId id="313" r:id="rId47"/>
+    <p:sldId id="305" r:id="rId48"/>
+    <p:sldId id="307" r:id="rId49"/>
+    <p:sldId id="308" r:id="rId50"/>
+    <p:sldId id="309" r:id="rId51"/>
+    <p:sldId id="311" r:id="rId52"/>
   </p:sldIdLst>
   <p:sldSz cx="12192000" cy="6858000"/>
   <p:notesSz cx="6858000" cy="9144000"/>
@@ -2666,14 +2665,14 @@
         <a:lstStyle/>
         <a:p>
           <a:r>
-            <a:rPr lang="en-CA" b="0"/>
+            <a:rPr lang="en-CA" b="0" dirty="0"/>
             <a:t>A secure identity should be distinct in the sense that it should be possible for two users to identify themselves clearly. In the context of account monitoring, this is very significant. If the authentication systems are disconnected, it is feasible for identities to be duplicated</a:t>
           </a:r>
           <a:r>
-            <a:rPr lang="en-CA" b="1"/>
+            <a:rPr lang="en-CA" b="1" dirty="0"/>
             <a:t>.</a:t>
           </a:r>
-          <a:endParaRPr lang="en-US"/>
+          <a:endParaRPr lang="en-US" dirty="0"/>
         </a:p>
       </dgm:t>
     </dgm:pt>
@@ -3693,14 +3692,14 @@
             <a:buNone/>
           </a:pPr>
           <a:r>
-            <a:rPr lang="en-CA" sz="1400" b="0" kern="1200"/>
+            <a:rPr lang="en-CA" sz="1400" b="0" kern="1200" dirty="0"/>
             <a:t>A secure identity should be distinct in the sense that it should be possible for two users to identify themselves clearly. In the context of account monitoring, this is very significant. If the authentication systems are disconnected, it is feasible for identities to be duplicated</a:t>
           </a:r>
           <a:r>
-            <a:rPr lang="en-CA" sz="1400" b="1" kern="1200"/>
+            <a:rPr lang="en-CA" sz="1400" b="1" kern="1200" dirty="0"/>
             <a:t>.</a:t>
           </a:r>
-          <a:endParaRPr lang="en-US" sz="1400" kern="1200"/>
+          <a:endParaRPr lang="en-US" sz="1400" kern="1200" dirty="0"/>
         </a:p>
       </dsp:txBody>
       <dsp:txXfrm>
@@ -13794,8 +13793,8 @@
         </p:nvSpPr>
         <p:spPr>
           <a:xfrm>
-            <a:off x="1763020" y="179789"/>
-            <a:ext cx="8374092" cy="3200876"/>
+            <a:off x="2041227" y="86264"/>
+            <a:ext cx="8374092" cy="2554545"/>
           </a:xfrm>
           <a:prstGeom prst="rect">
             <a:avLst/>
@@ -13810,6 +13809,9 @@
           <a:p>
             <a:r>
               <a:rPr lang="en-CA" sz="4000" b="1" dirty="0">
+                <a:solidFill>
+                  <a:schemeClr val="bg2"/>
+                </a:solidFill>
                 <a:effectLst/>
                 <a:latin typeface="Calibri" panose="020F0502020204030204" pitchFamily="34" charset="0"/>
                 <a:ea typeface="Calibri" panose="020F0502020204030204" pitchFamily="34" charset="0"/>
@@ -13819,16 +13821,40 @@
             </a:r>
             <a:r>
               <a:rPr lang="en-CA" sz="2400" dirty="0">
+                <a:solidFill>
+                  <a:schemeClr val="bg2"/>
+                </a:solidFill>
                 <a:effectLst/>
                 <a:latin typeface="Calibri" panose="020F0502020204030204" pitchFamily="34" charset="0"/>
                 <a:ea typeface="Calibri" panose="020F0502020204030204" pitchFamily="34" charset="0"/>
                 <a:cs typeface="Times New Roman" panose="02020603050405020304" pitchFamily="18" charset="0"/>
               </a:rPr>
-              <a:t>When only one factor is provided, it is known as single-factor authentication. The password is the single-factor authentication technique that is used the most. When two or more factors are presented, it is considered multifactor authentication. When two or more of the same kind of factors are presented, this is known as multilayer authentication.</a:t>
-            </a:r>
-          </a:p>
-          <a:p>
-            <a:endParaRPr lang="en-CA" dirty="0"/>
+              <a:t>When only one factor is provided, it is known as single-factor authentication. </a:t>
+            </a:r>
+          </a:p>
+          <a:p>
+            <a:endParaRPr lang="en-CA" sz="2400" dirty="0">
+              <a:solidFill>
+                <a:schemeClr val="bg2"/>
+              </a:solidFill>
+              <a:latin typeface="Calibri" panose="020F0502020204030204" pitchFamily="34" charset="0"/>
+              <a:cs typeface="Times New Roman" panose="02020603050405020304" pitchFamily="18" charset="0"/>
+            </a:endParaRPr>
+          </a:p>
+          <a:p>
+            <a:r>
+              <a:rPr lang="en-CA" sz="2400" b="1" dirty="0">
+                <a:solidFill>
+                  <a:schemeClr val="bg2"/>
+                </a:solidFill>
+              </a:rPr>
+              <a:t>An authentication method that requires the user to provide two or more verification factors to gain access to a resource such as an application, online account, or a VPN</a:t>
+            </a:r>
+            <a:endParaRPr lang="en-CA" sz="2400" dirty="0">
+              <a:solidFill>
+                <a:schemeClr val="bg2"/>
+              </a:solidFill>
+            </a:endParaRPr>
           </a:p>
         </p:txBody>
       </p:sp>
@@ -13936,6 +13962,9 @@
             </a:pPr>
             <a:r>
               <a:rPr lang="en-CA" sz="3200" b="1" dirty="0">
+                <a:solidFill>
+                  <a:schemeClr val="bg2"/>
+                </a:solidFill>
                 <a:effectLst/>
                 <a:latin typeface="Calibri" panose="020F0502020204030204" pitchFamily="34" charset="0"/>
                 <a:ea typeface="Calibri" panose="020F0502020204030204" pitchFamily="34" charset="0"/>
@@ -13945,6 +13974,9 @@
             </a:r>
             <a:r>
               <a:rPr lang="en-CA" sz="2000" dirty="0">
+                <a:solidFill>
+                  <a:schemeClr val="bg2"/>
+                </a:solidFill>
                 <a:effectLst/>
                 <a:latin typeface="Calibri" panose="020F0502020204030204" pitchFamily="34" charset="0"/>
                 <a:ea typeface="Calibri" panose="020F0502020204030204" pitchFamily="34" charset="0"/>
@@ -13953,6 +13985,9 @@
               <a:t>Accountability or audit are the last two components of the access control system. Your system can offer logs at this point so that use and permissions can be audited. By doing this, you can track what happened if something goes wrong, including what data was accessed or downloaded and how long each task took.</a:t>
             </a:r>
             <a:endParaRPr lang="en-CA" sz="1400" dirty="0">
+              <a:solidFill>
+                <a:schemeClr val="bg2"/>
+              </a:solidFill>
               <a:effectLst/>
               <a:latin typeface="Calibri" panose="020F0502020204030204" pitchFamily="34" charset="0"/>
               <a:ea typeface="Calibri" panose="020F0502020204030204" pitchFamily="34" charset="0"/>
@@ -13970,6 +14005,9 @@
             </a:pPr>
             <a:r>
               <a:rPr lang="en-CA" sz="1800" dirty="0">
+                <a:solidFill>
+                  <a:schemeClr val="bg2"/>
+                </a:solidFill>
                 <a:effectLst/>
                 <a:latin typeface="Calibri" panose="020F0502020204030204" pitchFamily="34" charset="0"/>
                 <a:ea typeface="Calibri" panose="020F0502020204030204" pitchFamily="34" charset="0"/>
@@ -13978,6 +14016,9 @@
               <a:t>An authorization policy should implement two concepts:</a:t>
             </a:r>
             <a:endParaRPr lang="en-CA" sz="1400" dirty="0">
+              <a:solidFill>
+                <a:schemeClr val="bg2"/>
+              </a:solidFill>
               <a:effectLst/>
               <a:latin typeface="Calibri" panose="020F0502020204030204" pitchFamily="34" charset="0"/>
               <a:ea typeface="Calibri" panose="020F0502020204030204" pitchFamily="34" charset="0"/>
@@ -13994,6 +14035,9 @@
             </a:pPr>
             <a:r>
               <a:rPr lang="en-CA" sz="1800" dirty="0">
+                <a:solidFill>
+                  <a:schemeClr val="bg2"/>
+                </a:solidFill>
                 <a:effectLst/>
                 <a:latin typeface="Calibri" panose="020F0502020204030204" pitchFamily="34" charset="0"/>
                 <a:ea typeface="Calibri" panose="020F0502020204030204" pitchFamily="34" charset="0"/>
@@ -14002,6 +14046,9 @@
               <a:t> Implicit deny: If no rule is specified for the transaction of the subject/object, the authorization policy should deny the transaction.</a:t>
             </a:r>
             <a:endParaRPr lang="en-CA" sz="1400" dirty="0">
+              <a:solidFill>
+                <a:schemeClr val="bg2"/>
+              </a:solidFill>
               <a:effectLst/>
               <a:latin typeface="Calibri" panose="020F0502020204030204" pitchFamily="34" charset="0"/>
               <a:ea typeface="Calibri" panose="020F0502020204030204" pitchFamily="34" charset="0"/>
@@ -14016,6 +14063,9 @@
             </a:pPr>
             <a:r>
               <a:rPr lang="en-CA" sz="1800" dirty="0">
+                <a:solidFill>
+                  <a:schemeClr val="bg2"/>
+                </a:solidFill>
                 <a:effectLst/>
                 <a:latin typeface="Calibri" panose="020F0502020204030204" pitchFamily="34" charset="0"/>
                 <a:ea typeface="Calibri" panose="020F0502020204030204" pitchFamily="34" charset="0"/>
@@ -14024,6 +14074,9 @@
               <a:t> </a:t>
             </a:r>
             <a:endParaRPr lang="en-CA" sz="1400" dirty="0">
+              <a:solidFill>
+                <a:schemeClr val="bg2"/>
+              </a:solidFill>
               <a:effectLst/>
               <a:latin typeface="Calibri" panose="020F0502020204030204" pitchFamily="34" charset="0"/>
               <a:ea typeface="Calibri" panose="020F0502020204030204" pitchFamily="34" charset="0"/>
@@ -14038,6 +14091,9 @@
             </a:pPr>
             <a:r>
               <a:rPr lang="en-CA" sz="1800" dirty="0">
+                <a:solidFill>
+                  <a:schemeClr val="bg2"/>
+                </a:solidFill>
                 <a:effectLst/>
                 <a:latin typeface="Calibri" panose="020F0502020204030204" pitchFamily="34" charset="0"/>
                 <a:ea typeface="Calibri" panose="020F0502020204030204" pitchFamily="34" charset="0"/>
@@ -14046,6 +14102,9 @@
               <a:t>2. Need-to-know: A subject should be granted access to an object only if the access is needed to carry out the job of the subject.</a:t>
             </a:r>
             <a:endParaRPr lang="en-CA" sz="1400" dirty="0">
+              <a:solidFill>
+                <a:schemeClr val="bg2"/>
+              </a:solidFill>
               <a:effectLst/>
               <a:latin typeface="Calibri" panose="020F0502020204030204" pitchFamily="34" charset="0"/>
               <a:ea typeface="Calibri" panose="020F0502020204030204" pitchFamily="34" charset="0"/>
@@ -14063,6 +14122,9 @@
             </a:pPr>
             <a:r>
               <a:rPr lang="en-CA" sz="1800" dirty="0">
+                <a:solidFill>
+                  <a:schemeClr val="bg2"/>
+                </a:solidFill>
                 <a:effectLst/>
                 <a:latin typeface="Calibri" panose="020F0502020204030204" pitchFamily="34" charset="0"/>
                 <a:ea typeface="Calibri" panose="020F0502020204030204" pitchFamily="34" charset="0"/>
@@ -14071,6 +14133,9 @@
               <a:t> </a:t>
             </a:r>
             <a:endParaRPr lang="en-CA" sz="1400" dirty="0">
+              <a:solidFill>
+                <a:schemeClr val="bg2"/>
+              </a:solidFill>
               <a:effectLst/>
               <a:latin typeface="Calibri" panose="020F0502020204030204" pitchFamily="34" charset="0"/>
               <a:ea typeface="Calibri" panose="020F0502020204030204" pitchFamily="34" charset="0"/>
@@ -14305,459 +14370,6 @@
 </file>
 
 <file path=ppt/slides/slide14.xml><?xml version="1.0" encoding="utf-8"?>
-<p:sld xmlns:a="http://schemas.openxmlformats.org/drawingml/2006/main" xmlns:r="http://schemas.openxmlformats.org/officeDocument/2006/relationships" xmlns:p="http://schemas.openxmlformats.org/presentationml/2006/main">
-  <p:cSld>
-    <p:spTree>
-      <p:nvGrpSpPr>
-        <p:cNvPr id="1" name=""/>
-        <p:cNvGrpSpPr/>
-        <p:nvPr/>
-      </p:nvGrpSpPr>
-      <p:grpSpPr>
-        <a:xfrm>
-          <a:off x="0" y="0"/>
-          <a:ext cx="0" cy="0"/>
-          <a:chOff x="0" y="0"/>
-          <a:chExt cx="0" cy="0"/>
-        </a:xfrm>
-      </p:grpSpPr>
-      <p:sp>
-        <p:nvSpPr>
-          <p:cNvPr id="3" name="TextBox 2">
-            <a:extLst>
-              <a:ext uri="{FF2B5EF4-FFF2-40B4-BE49-F238E27FC236}">
-                <a16:creationId xmlns:a16="http://schemas.microsoft.com/office/drawing/2014/main" id="{CD17FCCC-D88F-35FC-CE70-CE4E5F2F7EC6}"/>
-              </a:ext>
-            </a:extLst>
-          </p:cNvPr>
-          <p:cNvSpPr txBox="1"/>
-          <p:nvPr/>
-        </p:nvSpPr>
-        <p:spPr>
-          <a:xfrm>
-            <a:off x="128016" y="930633"/>
-            <a:ext cx="11786616" cy="5411738"/>
-          </a:xfrm>
-          <a:prstGeom prst="rect">
-            <a:avLst/>
-          </a:prstGeom>
-          <a:noFill/>
-        </p:spPr>
-        <p:txBody>
-          <a:bodyPr wrap="square">
-            <a:spAutoFit/>
-          </a:bodyPr>
-          <a:lstStyle/>
-          <a:p>
-            <a:pPr>
-              <a:lnSpc>
-                <a:spcPct val="107000"/>
-              </a:lnSpc>
-              <a:spcAft>
-                <a:spcPts val="800"/>
-              </a:spcAft>
-            </a:pPr>
-            <a:r>
-              <a:rPr lang="en-CA" sz="1800" dirty="0">
-                <a:solidFill>
-                  <a:schemeClr val="bg1">
-                    <a:lumMod val="95000"/>
-                  </a:schemeClr>
-                </a:solidFill>
-                <a:effectLst/>
-                <a:latin typeface="Calibri" panose="020F0502020204030204" pitchFamily="34" charset="0"/>
-                <a:ea typeface="Calibri" panose="020F0502020204030204" pitchFamily="34" charset="0"/>
-                <a:cs typeface="Times New Roman" panose="02020603050405020304" pitchFamily="18" charset="0"/>
-              </a:rPr>
-              <a:t>There is a concept called network access control (NAC) in which networking devices such as switches, firewalls, wireless access points, and others can enforce policy based on the security posture of a subject, in this case, a device trying to join the network.</a:t>
-            </a:r>
-            <a:endParaRPr lang="en-CA" sz="1400" dirty="0">
-              <a:solidFill>
-                <a:schemeClr val="bg1">
-                  <a:lumMod val="95000"/>
-                </a:schemeClr>
-              </a:solidFill>
-              <a:effectLst/>
-              <a:latin typeface="Calibri" panose="020F0502020204030204" pitchFamily="34" charset="0"/>
-              <a:ea typeface="Calibri" panose="020F0502020204030204" pitchFamily="34" charset="0"/>
-              <a:cs typeface="Times New Roman" panose="02020603050405020304" pitchFamily="18" charset="0"/>
-            </a:endParaRPr>
-          </a:p>
-          <a:p>
-            <a:pPr>
-              <a:lnSpc>
-                <a:spcPct val="107000"/>
-              </a:lnSpc>
-              <a:spcAft>
-                <a:spcPts val="800"/>
-              </a:spcAft>
-            </a:pPr>
-            <a:r>
-              <a:rPr lang="en-CA" sz="1800" dirty="0">
-                <a:solidFill>
-                  <a:schemeClr val="bg1">
-                    <a:lumMod val="95000"/>
-                  </a:schemeClr>
-                </a:solidFill>
-                <a:effectLst/>
-                <a:latin typeface="Calibri" panose="020F0502020204030204" pitchFamily="34" charset="0"/>
-                <a:ea typeface="Calibri" panose="020F0502020204030204" pitchFamily="34" charset="0"/>
-                <a:cs typeface="Times New Roman" panose="02020603050405020304" pitchFamily="18" charset="0"/>
-              </a:rPr>
-              <a:t> NAC can provide the following: </a:t>
-            </a:r>
-            <a:endParaRPr lang="en-CA" sz="1400" dirty="0">
-              <a:solidFill>
-                <a:schemeClr val="bg1">
-                  <a:lumMod val="95000"/>
-                </a:schemeClr>
-              </a:solidFill>
-              <a:effectLst/>
-              <a:latin typeface="Calibri" panose="020F0502020204030204" pitchFamily="34" charset="0"/>
-              <a:ea typeface="Calibri" panose="020F0502020204030204" pitchFamily="34" charset="0"/>
-              <a:cs typeface="Times New Roman" panose="02020603050405020304" pitchFamily="18" charset="0"/>
-            </a:endParaRPr>
-          </a:p>
-          <a:p>
-            <a:pPr marL="342900" lvl="0" indent="-342900">
-              <a:lnSpc>
-                <a:spcPct val="107000"/>
-              </a:lnSpc>
-              <a:buFont typeface="+mj-lt"/>
-              <a:buAutoNum type="arabicPeriod"/>
-            </a:pPr>
-            <a:r>
-              <a:rPr lang="en-CA" sz="1800" dirty="0">
-                <a:solidFill>
-                  <a:schemeClr val="bg1">
-                    <a:lumMod val="95000"/>
-                  </a:schemeClr>
-                </a:solidFill>
-                <a:effectLst/>
-                <a:latin typeface="Calibri" panose="020F0502020204030204" pitchFamily="34" charset="0"/>
-                <a:ea typeface="Calibri" panose="020F0502020204030204" pitchFamily="34" charset="0"/>
-                <a:cs typeface="Times New Roman" panose="02020603050405020304" pitchFamily="18" charset="0"/>
-              </a:rPr>
-              <a:t>Identity and trust </a:t>
-            </a:r>
-            <a:endParaRPr lang="en-CA" sz="1400" dirty="0">
-              <a:solidFill>
-                <a:schemeClr val="bg1">
-                  <a:lumMod val="95000"/>
-                </a:schemeClr>
-              </a:solidFill>
-              <a:effectLst/>
-              <a:latin typeface="Calibri" panose="020F0502020204030204" pitchFamily="34" charset="0"/>
-              <a:ea typeface="Calibri" panose="020F0502020204030204" pitchFamily="34" charset="0"/>
-              <a:cs typeface="Times New Roman" panose="02020603050405020304" pitchFamily="18" charset="0"/>
-            </a:endParaRPr>
-          </a:p>
-          <a:p>
-            <a:pPr marL="342900" lvl="0" indent="-342900">
-              <a:lnSpc>
-                <a:spcPct val="107000"/>
-              </a:lnSpc>
-              <a:buFont typeface="+mj-lt"/>
-              <a:buAutoNum type="arabicPeriod"/>
-            </a:pPr>
-            <a:r>
-              <a:rPr lang="en-CA" sz="1800" dirty="0">
-                <a:solidFill>
-                  <a:schemeClr val="bg1">
-                    <a:lumMod val="95000"/>
-                  </a:schemeClr>
-                </a:solidFill>
-                <a:effectLst/>
-                <a:latin typeface="Calibri" panose="020F0502020204030204" pitchFamily="34" charset="0"/>
-                <a:ea typeface="Calibri" panose="020F0502020204030204" pitchFamily="34" charset="0"/>
-                <a:cs typeface="Times New Roman" panose="02020603050405020304" pitchFamily="18" charset="0"/>
-              </a:rPr>
-              <a:t>Visibility </a:t>
-            </a:r>
-            <a:endParaRPr lang="en-CA" sz="1400" dirty="0">
-              <a:solidFill>
-                <a:schemeClr val="bg1">
-                  <a:lumMod val="95000"/>
-                </a:schemeClr>
-              </a:solidFill>
-              <a:effectLst/>
-              <a:latin typeface="Calibri" panose="020F0502020204030204" pitchFamily="34" charset="0"/>
-              <a:ea typeface="Calibri" panose="020F0502020204030204" pitchFamily="34" charset="0"/>
-              <a:cs typeface="Times New Roman" panose="02020603050405020304" pitchFamily="18" charset="0"/>
-            </a:endParaRPr>
-          </a:p>
-          <a:p>
-            <a:pPr marL="342900" lvl="0" indent="-342900">
-              <a:lnSpc>
-                <a:spcPct val="107000"/>
-              </a:lnSpc>
-              <a:buFont typeface="+mj-lt"/>
-              <a:buAutoNum type="arabicPeriod"/>
-            </a:pPr>
-            <a:r>
-              <a:rPr lang="en-CA" sz="1800" dirty="0">
-                <a:solidFill>
-                  <a:schemeClr val="bg1">
-                    <a:lumMod val="95000"/>
-                  </a:schemeClr>
-                </a:solidFill>
-                <a:effectLst/>
-                <a:latin typeface="Calibri" panose="020F0502020204030204" pitchFamily="34" charset="0"/>
-                <a:ea typeface="Calibri" panose="020F0502020204030204" pitchFamily="34" charset="0"/>
-                <a:cs typeface="Times New Roman" panose="02020603050405020304" pitchFamily="18" charset="0"/>
-              </a:rPr>
-              <a:t>Correlation</a:t>
-            </a:r>
-            <a:endParaRPr lang="en-CA" sz="1400" dirty="0">
-              <a:solidFill>
-                <a:schemeClr val="bg1">
-                  <a:lumMod val="95000"/>
-                </a:schemeClr>
-              </a:solidFill>
-              <a:effectLst/>
-              <a:latin typeface="Calibri" panose="020F0502020204030204" pitchFamily="34" charset="0"/>
-              <a:ea typeface="Calibri" panose="020F0502020204030204" pitchFamily="34" charset="0"/>
-              <a:cs typeface="Times New Roman" panose="02020603050405020304" pitchFamily="18" charset="0"/>
-            </a:endParaRPr>
-          </a:p>
-          <a:p>
-            <a:pPr marL="342900" lvl="0" indent="-342900">
-              <a:lnSpc>
-                <a:spcPct val="107000"/>
-              </a:lnSpc>
-              <a:buFont typeface="+mj-lt"/>
-              <a:buAutoNum type="arabicPeriod"/>
-            </a:pPr>
-            <a:r>
-              <a:rPr lang="en-CA" sz="1800" dirty="0">
-                <a:solidFill>
-                  <a:schemeClr val="bg1">
-                    <a:lumMod val="95000"/>
-                  </a:schemeClr>
-                </a:solidFill>
-                <a:effectLst/>
-                <a:latin typeface="Calibri" panose="020F0502020204030204" pitchFamily="34" charset="0"/>
-                <a:ea typeface="Calibri" panose="020F0502020204030204" pitchFamily="34" charset="0"/>
-                <a:cs typeface="Times New Roman" panose="02020603050405020304" pitchFamily="18" charset="0"/>
-              </a:rPr>
-              <a:t> Instrumentation and management </a:t>
-            </a:r>
-            <a:endParaRPr lang="en-CA" sz="1400" dirty="0">
-              <a:solidFill>
-                <a:schemeClr val="bg1">
-                  <a:lumMod val="95000"/>
-                </a:schemeClr>
-              </a:solidFill>
-              <a:effectLst/>
-              <a:latin typeface="Calibri" panose="020F0502020204030204" pitchFamily="34" charset="0"/>
-              <a:ea typeface="Calibri" panose="020F0502020204030204" pitchFamily="34" charset="0"/>
-              <a:cs typeface="Times New Roman" panose="02020603050405020304" pitchFamily="18" charset="0"/>
-            </a:endParaRPr>
-          </a:p>
-          <a:p>
-            <a:pPr marL="342900" lvl="0" indent="-342900">
-              <a:lnSpc>
-                <a:spcPct val="107000"/>
-              </a:lnSpc>
-              <a:buFont typeface="+mj-lt"/>
-              <a:buAutoNum type="arabicPeriod"/>
-            </a:pPr>
-            <a:r>
-              <a:rPr lang="en-CA" sz="1800" dirty="0">
-                <a:solidFill>
-                  <a:schemeClr val="bg1">
-                    <a:lumMod val="95000"/>
-                  </a:schemeClr>
-                </a:solidFill>
-                <a:effectLst/>
-                <a:latin typeface="Calibri" panose="020F0502020204030204" pitchFamily="34" charset="0"/>
-                <a:ea typeface="Calibri" panose="020F0502020204030204" pitchFamily="34" charset="0"/>
-                <a:cs typeface="Times New Roman" panose="02020603050405020304" pitchFamily="18" charset="0"/>
-              </a:rPr>
-              <a:t>Isolation and segmentation</a:t>
-            </a:r>
-            <a:endParaRPr lang="en-CA" sz="1400" dirty="0">
-              <a:solidFill>
-                <a:schemeClr val="bg1">
-                  <a:lumMod val="95000"/>
-                </a:schemeClr>
-              </a:solidFill>
-              <a:effectLst/>
-              <a:latin typeface="Calibri" panose="020F0502020204030204" pitchFamily="34" charset="0"/>
-              <a:ea typeface="Calibri" panose="020F0502020204030204" pitchFamily="34" charset="0"/>
-              <a:cs typeface="Times New Roman" panose="02020603050405020304" pitchFamily="18" charset="0"/>
-            </a:endParaRPr>
-          </a:p>
-          <a:p>
-            <a:pPr marL="342900" lvl="0" indent="-342900">
-              <a:lnSpc>
-                <a:spcPct val="107000"/>
-              </a:lnSpc>
-              <a:buFont typeface="+mj-lt"/>
-              <a:buAutoNum type="arabicPeriod"/>
-            </a:pPr>
-            <a:r>
-              <a:rPr lang="en-CA" sz="1800" dirty="0">
-                <a:solidFill>
-                  <a:schemeClr val="bg1">
-                    <a:lumMod val="95000"/>
-                  </a:schemeClr>
-                </a:solidFill>
-                <a:effectLst/>
-                <a:latin typeface="Calibri" panose="020F0502020204030204" pitchFamily="34" charset="0"/>
-                <a:ea typeface="Calibri" panose="020F0502020204030204" pitchFamily="34" charset="0"/>
-                <a:cs typeface="Times New Roman" panose="02020603050405020304" pitchFamily="18" charset="0"/>
-              </a:rPr>
-              <a:t> Policy Enforcement</a:t>
-            </a:r>
-            <a:endParaRPr lang="en-CA" sz="1400" dirty="0">
-              <a:solidFill>
-                <a:schemeClr val="bg1">
-                  <a:lumMod val="95000"/>
-                </a:schemeClr>
-              </a:solidFill>
-              <a:effectLst/>
-              <a:latin typeface="Calibri" panose="020F0502020204030204" pitchFamily="34" charset="0"/>
-              <a:ea typeface="Calibri" panose="020F0502020204030204" pitchFamily="34" charset="0"/>
-              <a:cs typeface="Times New Roman" panose="02020603050405020304" pitchFamily="18" charset="0"/>
-            </a:endParaRPr>
-          </a:p>
-          <a:p>
-            <a:pPr marL="457200">
-              <a:lnSpc>
-                <a:spcPct val="107000"/>
-              </a:lnSpc>
-            </a:pPr>
-            <a:r>
-              <a:rPr lang="en-CA" sz="1800" dirty="0">
-                <a:solidFill>
-                  <a:schemeClr val="bg1">
-                    <a:lumMod val="95000"/>
-                  </a:schemeClr>
-                </a:solidFill>
-                <a:effectLst/>
-                <a:latin typeface="Calibri" panose="020F0502020204030204" pitchFamily="34" charset="0"/>
-                <a:ea typeface="Calibri" panose="020F0502020204030204" pitchFamily="34" charset="0"/>
-                <a:cs typeface="Times New Roman" panose="02020603050405020304" pitchFamily="18" charset="0"/>
-              </a:rPr>
-              <a:t> </a:t>
-            </a:r>
-            <a:endParaRPr lang="en-CA" sz="1400" dirty="0">
-              <a:solidFill>
-                <a:schemeClr val="bg1">
-                  <a:lumMod val="95000"/>
-                </a:schemeClr>
-              </a:solidFill>
-              <a:effectLst/>
-              <a:latin typeface="Calibri" panose="020F0502020204030204" pitchFamily="34" charset="0"/>
-              <a:ea typeface="Calibri" panose="020F0502020204030204" pitchFamily="34" charset="0"/>
-              <a:cs typeface="Times New Roman" panose="02020603050405020304" pitchFamily="18" charset="0"/>
-            </a:endParaRPr>
-          </a:p>
-          <a:p>
-            <a:pPr marL="457200">
-              <a:lnSpc>
-                <a:spcPct val="107000"/>
-              </a:lnSpc>
-            </a:pPr>
-            <a:r>
-              <a:rPr lang="en-CA" sz="1800" dirty="0">
-                <a:solidFill>
-                  <a:schemeClr val="bg1">
-                    <a:lumMod val="95000"/>
-                  </a:schemeClr>
-                </a:solidFill>
-                <a:effectLst/>
-                <a:latin typeface="Calibri" panose="020F0502020204030204" pitchFamily="34" charset="0"/>
-                <a:ea typeface="Calibri" panose="020F0502020204030204" pitchFamily="34" charset="0"/>
-                <a:cs typeface="Times New Roman" panose="02020603050405020304" pitchFamily="18" charset="0"/>
-              </a:rPr>
-              <a:t>Open and secure are the two primary stances. Open, often known as default allow, denotes that access that isn't expressly prohibited is allowed. Secure, also known as default deny, denotes that any access that is not explicitly permitted is prohibited. In actual usage, default deny indicates that access is blocked until a rule, access control list (ACL), or setting is changed to permit access.</a:t>
-            </a:r>
-            <a:endParaRPr lang="en-CA" sz="1400" dirty="0">
-              <a:solidFill>
-                <a:schemeClr val="bg1">
-                  <a:lumMod val="95000"/>
-                </a:schemeClr>
-              </a:solidFill>
-              <a:effectLst/>
-              <a:latin typeface="Calibri" panose="020F0502020204030204" pitchFamily="34" charset="0"/>
-              <a:ea typeface="Calibri" panose="020F0502020204030204" pitchFamily="34" charset="0"/>
-              <a:cs typeface="Times New Roman" panose="02020603050405020304" pitchFamily="18" charset="0"/>
-            </a:endParaRPr>
-          </a:p>
-          <a:p>
-            <a:pPr marL="457200">
-              <a:lnSpc>
-                <a:spcPct val="107000"/>
-              </a:lnSpc>
-            </a:pPr>
-            <a:r>
-              <a:rPr lang="en-CA" sz="1400" dirty="0">
-                <a:solidFill>
-                  <a:schemeClr val="bg1">
-                    <a:lumMod val="95000"/>
-                  </a:schemeClr>
-                </a:solidFill>
-                <a:effectLst/>
-                <a:latin typeface="Calibri" panose="020F0502020204030204" pitchFamily="34" charset="0"/>
-                <a:ea typeface="Calibri" panose="020F0502020204030204" pitchFamily="34" charset="0"/>
-                <a:cs typeface="Times New Roman" panose="02020603050405020304" pitchFamily="18" charset="0"/>
-              </a:rPr>
-              <a:t> </a:t>
-            </a:r>
-          </a:p>
-          <a:p>
-            <a:pPr marL="457200">
-              <a:lnSpc>
-                <a:spcPct val="107000"/>
-              </a:lnSpc>
-              <a:spcAft>
-                <a:spcPts val="800"/>
-              </a:spcAft>
-            </a:pPr>
-            <a:r>
-              <a:rPr lang="en-CA" sz="2800" b="1" dirty="0">
-                <a:solidFill>
-                  <a:schemeClr val="bg1">
-                    <a:lumMod val="95000"/>
-                  </a:schemeClr>
-                </a:solidFill>
-                <a:effectLst/>
-                <a:latin typeface="Times New Roman" panose="02020603050405020304" pitchFamily="18" charset="0"/>
-                <a:ea typeface="Calibri" panose="020F0502020204030204" pitchFamily="34" charset="0"/>
-                <a:cs typeface="Times New Roman" panose="02020603050405020304" pitchFamily="18" charset="0"/>
-              </a:rPr>
-              <a:t> </a:t>
-            </a:r>
-            <a:endParaRPr lang="en-CA" sz="1400" dirty="0">
-              <a:solidFill>
-                <a:schemeClr val="bg1">
-                  <a:lumMod val="95000"/>
-                </a:schemeClr>
-              </a:solidFill>
-              <a:effectLst/>
-              <a:latin typeface="Calibri" panose="020F0502020204030204" pitchFamily="34" charset="0"/>
-              <a:ea typeface="Calibri" panose="020F0502020204030204" pitchFamily="34" charset="0"/>
-              <a:cs typeface="Times New Roman" panose="02020603050405020304" pitchFamily="18" charset="0"/>
-            </a:endParaRPr>
-          </a:p>
-        </p:txBody>
-      </p:sp>
-    </p:spTree>
-    <p:extLst>
-      <p:ext uri="{BB962C8B-B14F-4D97-AF65-F5344CB8AC3E}">
-        <p14:creationId xmlns:p14="http://schemas.microsoft.com/office/powerpoint/2010/main" val="2070558618"/>
-      </p:ext>
-    </p:extLst>
-  </p:cSld>
-  <p:clrMapOvr>
-    <a:masterClrMapping/>
-  </p:clrMapOvr>
-</p:sld>
-</file>
-
-<file path=ppt/slides/slide15.xml><?xml version="1.0" encoding="utf-8"?>
 <p:sld xmlns:a="http://schemas.openxmlformats.org/drawingml/2006/main" xmlns:r="http://schemas.openxmlformats.org/officeDocument/2006/relationships" xmlns:p="http://schemas.openxmlformats.org/presentationml/2006/main">
   <p:cSld>
     <p:spTree>
@@ -14958,7 +14570,7 @@
 </p:sld>
 </file>
 
-<file path=ppt/slides/slide16.xml><?xml version="1.0" encoding="utf-8"?>
+<file path=ppt/slides/slide15.xml><?xml version="1.0" encoding="utf-8"?>
 <p:sld xmlns:a="http://schemas.openxmlformats.org/drawingml/2006/main" xmlns:r="http://schemas.openxmlformats.org/officeDocument/2006/relationships" xmlns:p="http://schemas.openxmlformats.org/presentationml/2006/main">
   <p:cSld>
     <p:spTree>
@@ -15018,7 +14630,7 @@
 </p:sld>
 </file>
 
-<file path=ppt/slides/slide17.xml><?xml version="1.0" encoding="utf-8"?>
+<file path=ppt/slides/slide16.xml><?xml version="1.0" encoding="utf-8"?>
 <p:sld xmlns:a="http://schemas.openxmlformats.org/drawingml/2006/main" xmlns:r="http://schemas.openxmlformats.org/officeDocument/2006/relationships" xmlns:p="http://schemas.openxmlformats.org/presentationml/2006/main">
   <p:cSld>
     <p:spTree>
@@ -15143,7 +14755,7 @@
 </p:sld>
 </file>
 
-<file path=ppt/slides/slide18.xml><?xml version="1.0" encoding="utf-8"?>
+<file path=ppt/slides/slide17.xml><?xml version="1.0" encoding="utf-8"?>
 <p:sld xmlns:a="http://schemas.openxmlformats.org/drawingml/2006/main" xmlns:r="http://schemas.openxmlformats.org/officeDocument/2006/relationships" xmlns:p="http://schemas.openxmlformats.org/presentationml/2006/main">
   <p:cSld>
     <p:spTree>
@@ -15318,7 +14930,7 @@
 </p:sld>
 </file>
 
-<file path=ppt/slides/slide19.xml><?xml version="1.0" encoding="utf-8"?>
+<file path=ppt/slides/slide18.xml><?xml version="1.0" encoding="utf-8"?>
 <p:sld xmlns:a="http://schemas.openxmlformats.org/drawingml/2006/main" xmlns:r="http://schemas.openxmlformats.org/officeDocument/2006/relationships" xmlns:p="http://schemas.openxmlformats.org/presentationml/2006/main">
   <p:cSld>
     <p:spTree>
@@ -15465,6 +15077,158 @@
     <p:extLst>
       <p:ext uri="{BB962C8B-B14F-4D97-AF65-F5344CB8AC3E}">
         <p14:creationId xmlns:p14="http://schemas.microsoft.com/office/powerpoint/2010/main" val="2652937463"/>
+      </p:ext>
+    </p:extLst>
+  </p:cSld>
+  <p:clrMapOvr>
+    <a:masterClrMapping/>
+  </p:clrMapOvr>
+</p:sld>
+</file>
+
+<file path=ppt/slides/slide19.xml><?xml version="1.0" encoding="utf-8"?>
+<p:sld xmlns:a="http://schemas.openxmlformats.org/drawingml/2006/main" xmlns:r="http://schemas.openxmlformats.org/officeDocument/2006/relationships" xmlns:p="http://schemas.openxmlformats.org/presentationml/2006/main">
+  <p:cSld>
+    <p:spTree>
+      <p:nvGrpSpPr>
+        <p:cNvPr id="1" name=""/>
+        <p:cNvGrpSpPr/>
+        <p:nvPr/>
+      </p:nvGrpSpPr>
+      <p:grpSpPr>
+        <a:xfrm>
+          <a:off x="0" y="0"/>
+          <a:ext cx="0" cy="0"/>
+          <a:chOff x="0" y="0"/>
+          <a:chExt cx="0" cy="0"/>
+        </a:xfrm>
+      </p:grpSpPr>
+      <p:sp>
+        <p:nvSpPr>
+          <p:cNvPr id="2" name="Title 1">
+            <a:extLst>
+              <a:ext uri="{FF2B5EF4-FFF2-40B4-BE49-F238E27FC236}">
+                <a16:creationId xmlns:a16="http://schemas.microsoft.com/office/drawing/2014/main" id="{5C73ED6D-769B-D413-0EE0-9992095CB79D}"/>
+              </a:ext>
+            </a:extLst>
+          </p:cNvPr>
+          <p:cNvSpPr>
+            <a:spLocks noGrp="1"/>
+          </p:cNvSpPr>
+          <p:nvPr>
+            <p:ph type="title"/>
+          </p:nvPr>
+        </p:nvSpPr>
+        <p:spPr/>
+        <p:txBody>
+          <a:bodyPr/>
+          <a:lstStyle/>
+          <a:p>
+            <a:r>
+              <a:rPr lang="en-US" dirty="0">
+                <a:solidFill>
+                  <a:schemeClr val="bg1">
+                    <a:lumMod val="95000"/>
+                  </a:schemeClr>
+                </a:solidFill>
+              </a:rPr>
+              <a:t>Layered border security</a:t>
+            </a:r>
+          </a:p>
+        </p:txBody>
+      </p:sp>
+      <p:sp>
+        <p:nvSpPr>
+          <p:cNvPr id="3" name="Content Placeholder 2">
+            <a:extLst>
+              <a:ext uri="{FF2B5EF4-FFF2-40B4-BE49-F238E27FC236}">
+                <a16:creationId xmlns:a16="http://schemas.microsoft.com/office/drawing/2014/main" id="{39E430E2-77DC-9A08-D6A2-D091D10F7458}"/>
+              </a:ext>
+            </a:extLst>
+          </p:cNvPr>
+          <p:cNvSpPr>
+            <a:spLocks noGrp="1"/>
+          </p:cNvSpPr>
+          <p:nvPr>
+            <p:ph idx="1"/>
+          </p:nvPr>
+        </p:nvSpPr>
+        <p:spPr/>
+        <p:txBody>
+          <a:bodyPr/>
+          <a:lstStyle/>
+          <a:p>
+            <a:r>
+              <a:rPr lang="en-US" dirty="0">
+                <a:solidFill>
+                  <a:schemeClr val="bg1">
+                    <a:lumMod val="95000"/>
+                  </a:schemeClr>
+                </a:solidFill>
+              </a:rPr>
+              <a:t>What is layer security?</a:t>
+            </a:r>
+          </a:p>
+          <a:p>
+            <a:r>
+              <a:rPr lang="en-US" dirty="0">
+                <a:solidFill>
+                  <a:schemeClr val="bg1">
+                    <a:lumMod val="95000"/>
+                  </a:schemeClr>
+                </a:solidFill>
+              </a:rPr>
+              <a:t>What is layered border security?</a:t>
+            </a:r>
+          </a:p>
+          <a:p>
+            <a:r>
+              <a:rPr lang="en-US" dirty="0">
+                <a:solidFill>
+                  <a:schemeClr val="bg1">
+                    <a:lumMod val="95000"/>
+                  </a:schemeClr>
+                </a:solidFill>
+              </a:rPr>
+              <a:t>It includes controls like firewalls,</a:t>
+            </a:r>
+          </a:p>
+        </p:txBody>
+      </p:sp>
+      <p:pic>
+        <p:nvPicPr>
+          <p:cNvPr id="4" name="Picture 3"/>
+          <p:cNvPicPr>
+            <a:picLocks noChangeAspect="1"/>
+          </p:cNvPicPr>
+          <p:nvPr/>
+        </p:nvPicPr>
+        <p:blipFill>
+          <a:blip r:embed="rId2">
+            <a:extLst>
+              <a:ext uri="{28A0092B-C50C-407E-A947-70E740481C1C}">
+                <a14:useLocalDpi xmlns:a14="http://schemas.microsoft.com/office/drawing/2010/main" val="0"/>
+              </a:ext>
+            </a:extLst>
+          </a:blip>
+          <a:stretch>
+            <a:fillRect/>
+          </a:stretch>
+        </p:blipFill>
+        <p:spPr>
+          <a:xfrm>
+            <a:off x="4890654" y="2230582"/>
+            <a:ext cx="7051963" cy="3879273"/>
+          </a:xfrm>
+          <a:prstGeom prst="rect">
+            <a:avLst/>
+          </a:prstGeom>
+        </p:spPr>
+      </p:pic>
+    </p:spTree>
+    <p:extLst>
+      <p:ext uri="{BB962C8B-B14F-4D97-AF65-F5344CB8AC3E}">
+        <p14:creationId xmlns:p14="http://schemas.microsoft.com/office/powerpoint/2010/main" val="2937805561"/>
       </p:ext>
     </p:extLst>
   </p:cSld>
@@ -15821,30 +15585,7 @@
                 </a:solidFill>
                 <a:effectLst/>
               </a:rPr>
-              <a:t>Access control systems deliver basic security features that regulate user permissions. They make use of technologies such as passwords, biometrics, and security certificates, among others. This is considered one of the most important processes in your organization that help minimize the risks of</a:t>
-            </a:r>
-            <a:r>
-              <a:rPr lang="en-US" sz="2400" dirty="0">
-                <a:solidFill>
-                  <a:schemeClr val="tx1">
-                    <a:lumMod val="75000"/>
-                    <a:lumOff val="25000"/>
-                  </a:schemeClr>
-                </a:solidFill>
-              </a:rPr>
-              <a:t> identity theft and fraud</a:t>
-            </a:r>
-            <a:r>
-              <a:rPr lang="en-US" sz="2400" dirty="0">
-                <a:solidFill>
-                  <a:schemeClr val="tx1">
-                    <a:lumMod val="75000"/>
-                    <a:lumOff val="25000"/>
-                  </a:schemeClr>
-                </a:solidFill>
-                <a:effectLst/>
-              </a:rPr>
-              <a:t>, credential theft, and ransomware attacks.</a:t>
+              <a:t>Access control systems deliver basic security features that regulate user permissions. They make use of technologies such as passwords, biometrics, and security certificates.</a:t>
             </a:r>
           </a:p>
         </p:txBody>
@@ -15941,158 +15682,6 @@
           <p:cNvPr id="2" name="Title 1">
             <a:extLst>
               <a:ext uri="{FF2B5EF4-FFF2-40B4-BE49-F238E27FC236}">
-                <a16:creationId xmlns:a16="http://schemas.microsoft.com/office/drawing/2014/main" id="{5C73ED6D-769B-D413-0EE0-9992095CB79D}"/>
-              </a:ext>
-            </a:extLst>
-          </p:cNvPr>
-          <p:cNvSpPr>
-            <a:spLocks noGrp="1"/>
-          </p:cNvSpPr>
-          <p:nvPr>
-            <p:ph type="title"/>
-          </p:nvPr>
-        </p:nvSpPr>
-        <p:spPr/>
-        <p:txBody>
-          <a:bodyPr/>
-          <a:lstStyle/>
-          <a:p>
-            <a:r>
-              <a:rPr lang="en-US" dirty="0">
-                <a:solidFill>
-                  <a:schemeClr val="bg1">
-                    <a:lumMod val="95000"/>
-                  </a:schemeClr>
-                </a:solidFill>
-              </a:rPr>
-              <a:t>Layered border security</a:t>
-            </a:r>
-          </a:p>
-        </p:txBody>
-      </p:sp>
-      <p:sp>
-        <p:nvSpPr>
-          <p:cNvPr id="3" name="Content Placeholder 2">
-            <a:extLst>
-              <a:ext uri="{FF2B5EF4-FFF2-40B4-BE49-F238E27FC236}">
-                <a16:creationId xmlns:a16="http://schemas.microsoft.com/office/drawing/2014/main" id="{39E430E2-77DC-9A08-D6A2-D091D10F7458}"/>
-              </a:ext>
-            </a:extLst>
-          </p:cNvPr>
-          <p:cNvSpPr>
-            <a:spLocks noGrp="1"/>
-          </p:cNvSpPr>
-          <p:nvPr>
-            <p:ph idx="1"/>
-          </p:nvPr>
-        </p:nvSpPr>
-        <p:spPr/>
-        <p:txBody>
-          <a:bodyPr/>
-          <a:lstStyle/>
-          <a:p>
-            <a:r>
-              <a:rPr lang="en-US" dirty="0">
-                <a:solidFill>
-                  <a:schemeClr val="bg1">
-                    <a:lumMod val="95000"/>
-                  </a:schemeClr>
-                </a:solidFill>
-              </a:rPr>
-              <a:t>What is layer security?</a:t>
-            </a:r>
-          </a:p>
-          <a:p>
-            <a:r>
-              <a:rPr lang="en-US" dirty="0">
-                <a:solidFill>
-                  <a:schemeClr val="bg1">
-                    <a:lumMod val="95000"/>
-                  </a:schemeClr>
-                </a:solidFill>
-              </a:rPr>
-              <a:t>What is layered border security?</a:t>
-            </a:r>
-          </a:p>
-          <a:p>
-            <a:r>
-              <a:rPr lang="en-US" dirty="0">
-                <a:solidFill>
-                  <a:schemeClr val="bg1">
-                    <a:lumMod val="95000"/>
-                  </a:schemeClr>
-                </a:solidFill>
-              </a:rPr>
-              <a:t>It includes controls like firewalls,</a:t>
-            </a:r>
-          </a:p>
-        </p:txBody>
-      </p:sp>
-      <p:pic>
-        <p:nvPicPr>
-          <p:cNvPr id="4" name="Picture 3"/>
-          <p:cNvPicPr>
-            <a:picLocks noChangeAspect="1"/>
-          </p:cNvPicPr>
-          <p:nvPr/>
-        </p:nvPicPr>
-        <p:blipFill>
-          <a:blip r:embed="rId2">
-            <a:extLst>
-              <a:ext uri="{28A0092B-C50C-407E-A947-70E740481C1C}">
-                <a14:useLocalDpi xmlns:a14="http://schemas.microsoft.com/office/drawing/2010/main" val="0"/>
-              </a:ext>
-            </a:extLst>
-          </a:blip>
-          <a:stretch>
-            <a:fillRect/>
-          </a:stretch>
-        </p:blipFill>
-        <p:spPr>
-          <a:xfrm>
-            <a:off x="4890654" y="2230582"/>
-            <a:ext cx="7051963" cy="3879273"/>
-          </a:xfrm>
-          <a:prstGeom prst="rect">
-            <a:avLst/>
-          </a:prstGeom>
-        </p:spPr>
-      </p:pic>
-    </p:spTree>
-    <p:extLst>
-      <p:ext uri="{BB962C8B-B14F-4D97-AF65-F5344CB8AC3E}">
-        <p14:creationId xmlns:p14="http://schemas.microsoft.com/office/powerpoint/2010/main" val="2937805561"/>
-      </p:ext>
-    </p:extLst>
-  </p:cSld>
-  <p:clrMapOvr>
-    <a:masterClrMapping/>
-  </p:clrMapOvr>
-</p:sld>
-</file>
-
-<file path=ppt/slides/slide21.xml><?xml version="1.0" encoding="utf-8"?>
-<p:sld xmlns:a="http://schemas.openxmlformats.org/drawingml/2006/main" xmlns:r="http://schemas.openxmlformats.org/officeDocument/2006/relationships" xmlns:p="http://schemas.openxmlformats.org/presentationml/2006/main">
-  <p:cSld>
-    <p:spTree>
-      <p:nvGrpSpPr>
-        <p:cNvPr id="1" name=""/>
-        <p:cNvGrpSpPr/>
-        <p:nvPr/>
-      </p:nvGrpSpPr>
-      <p:grpSpPr>
-        <a:xfrm>
-          <a:off x="0" y="0"/>
-          <a:ext cx="0" cy="0"/>
-          <a:chOff x="0" y="0"/>
-          <a:chExt cx="0" cy="0"/>
-        </a:xfrm>
-      </p:grpSpPr>
-      <p:sp>
-        <p:nvSpPr>
-          <p:cNvPr id="2" name="Title 1">
-            <a:extLst>
-              <a:ext uri="{FF2B5EF4-FFF2-40B4-BE49-F238E27FC236}">
                 <a16:creationId xmlns:a16="http://schemas.microsoft.com/office/drawing/2014/main" id="{F99909C3-139A-80AF-4E93-1E5DF6352094}"/>
               </a:ext>
             </a:extLst>
@@ -16193,7 +15782,7 @@
 </p:sld>
 </file>
 
-<file path=ppt/slides/slide22.xml><?xml version="1.0" encoding="utf-8"?>
+<file path=ppt/slides/slide21.xml><?xml version="1.0" encoding="utf-8"?>
 <p:sld xmlns:a="http://schemas.openxmlformats.org/drawingml/2006/main" xmlns:r="http://schemas.openxmlformats.org/officeDocument/2006/relationships" xmlns:p="http://schemas.openxmlformats.org/presentationml/2006/main">
   <p:cSld>
     <p:spTree>
@@ -16355,7 +15944,7 @@
 </p:sld>
 </file>
 
-<file path=ppt/slides/slide23.xml><?xml version="1.0" encoding="utf-8"?>
+<file path=ppt/slides/slide22.xml><?xml version="1.0" encoding="utf-8"?>
 <p:sld xmlns:a="http://schemas.openxmlformats.org/drawingml/2006/main" xmlns:r="http://schemas.openxmlformats.org/officeDocument/2006/relationships" xmlns:p="http://schemas.openxmlformats.org/presentationml/2006/main">
   <p:cSld>
     <p:spTree>
@@ -16496,7 +16085,7 @@
 </p:sld>
 </file>
 
-<file path=ppt/slides/slide24.xml><?xml version="1.0" encoding="utf-8"?>
+<file path=ppt/slides/slide23.xml><?xml version="1.0" encoding="utf-8"?>
 <p:sld xmlns:a="http://schemas.openxmlformats.org/drawingml/2006/main" xmlns:r="http://schemas.openxmlformats.org/officeDocument/2006/relationships" xmlns:p="http://schemas.openxmlformats.org/presentationml/2006/main">
   <p:cSld>
     <p:spTree>
@@ -16699,7 +16288,7 @@
 </p:sld>
 </file>
 
-<file path=ppt/slides/slide25.xml><?xml version="1.0" encoding="utf-8"?>
+<file path=ppt/slides/slide24.xml><?xml version="1.0" encoding="utf-8"?>
 <p:sld xmlns:a="http://schemas.openxmlformats.org/drawingml/2006/main" xmlns:r="http://schemas.openxmlformats.org/officeDocument/2006/relationships" xmlns:p="http://schemas.openxmlformats.org/presentationml/2006/main">
   <p:cSld>
     <p:spTree>
@@ -16889,7 +16478,7 @@
 </p:sld>
 </file>
 
-<file path=ppt/slides/slide26.xml><?xml version="1.0" encoding="utf-8"?>
+<file path=ppt/slides/slide25.xml><?xml version="1.0" encoding="utf-8"?>
 <p:sld xmlns:a="http://schemas.openxmlformats.org/drawingml/2006/main" xmlns:r="http://schemas.openxmlformats.org/officeDocument/2006/relationships" xmlns:p="http://schemas.openxmlformats.org/presentationml/2006/main">
   <p:cSld>
     <p:spTree>
@@ -17055,7 +16644,7 @@
 </p:sld>
 </file>
 
-<file path=ppt/slides/slide27.xml><?xml version="1.0" encoding="utf-8"?>
+<file path=ppt/slides/slide26.xml><?xml version="1.0" encoding="utf-8"?>
 <p:sld xmlns:a="http://schemas.openxmlformats.org/drawingml/2006/main" xmlns:r="http://schemas.openxmlformats.org/officeDocument/2006/relationships" xmlns:p="http://schemas.openxmlformats.org/presentationml/2006/main">
   <p:cSld>
     <p:spTree>
@@ -17223,7 +16812,7 @@
 </p:sld>
 </file>
 
-<file path=ppt/slides/slide28.xml><?xml version="1.0" encoding="utf-8"?>
+<file path=ppt/slides/slide27.xml><?xml version="1.0" encoding="utf-8"?>
 <p:sld xmlns:a="http://schemas.openxmlformats.org/drawingml/2006/main" xmlns:r="http://schemas.openxmlformats.org/officeDocument/2006/relationships" xmlns:p="http://schemas.openxmlformats.org/presentationml/2006/main">
   <p:cSld>
     <p:spTree>
@@ -17371,7 +16960,7 @@
 </p:sld>
 </file>
 
-<file path=ppt/slides/slide29.xml><?xml version="1.0" encoding="utf-8"?>
+<file path=ppt/slides/slide28.xml><?xml version="1.0" encoding="utf-8"?>
 <p:sld xmlns:a="http://schemas.openxmlformats.org/drawingml/2006/main" xmlns:r="http://schemas.openxmlformats.org/officeDocument/2006/relationships" xmlns:p="http://schemas.openxmlformats.org/presentationml/2006/main">
   <p:cSld>
     <p:spTree>
@@ -17524,6 +17113,156 @@
     <p:extLst>
       <p:ext uri="{BB962C8B-B14F-4D97-AF65-F5344CB8AC3E}">
         <p14:creationId xmlns:p14="http://schemas.microsoft.com/office/powerpoint/2010/main" val="3831653995"/>
+      </p:ext>
+    </p:extLst>
+  </p:cSld>
+  <p:clrMapOvr>
+    <a:masterClrMapping/>
+  </p:clrMapOvr>
+</p:sld>
+</file>
+
+<file path=ppt/slides/slide29.xml><?xml version="1.0" encoding="utf-8"?>
+<p:sld xmlns:a="http://schemas.openxmlformats.org/drawingml/2006/main" xmlns:r="http://schemas.openxmlformats.org/officeDocument/2006/relationships" xmlns:p="http://schemas.openxmlformats.org/presentationml/2006/main">
+  <p:cSld>
+    <p:spTree>
+      <p:nvGrpSpPr>
+        <p:cNvPr id="1" name=""/>
+        <p:cNvGrpSpPr/>
+        <p:nvPr/>
+      </p:nvGrpSpPr>
+      <p:grpSpPr>
+        <a:xfrm>
+          <a:off x="0" y="0"/>
+          <a:ext cx="0" cy="0"/>
+          <a:chOff x="0" y="0"/>
+          <a:chExt cx="0" cy="0"/>
+        </a:xfrm>
+      </p:grpSpPr>
+      <p:sp>
+        <p:nvSpPr>
+          <p:cNvPr id="2" name="Title 1">
+            <a:extLst>
+              <a:ext uri="{FF2B5EF4-FFF2-40B4-BE49-F238E27FC236}">
+                <a16:creationId xmlns:a16="http://schemas.microsoft.com/office/drawing/2014/main" id="{A2223E51-B824-7790-91D2-F4E35D898D1E}"/>
+              </a:ext>
+            </a:extLst>
+          </p:cNvPr>
+          <p:cNvSpPr>
+            <a:spLocks noGrp="1"/>
+          </p:cNvSpPr>
+          <p:nvPr>
+            <p:ph type="title"/>
+          </p:nvPr>
+        </p:nvSpPr>
+        <p:spPr/>
+        <p:txBody>
+          <a:bodyPr/>
+          <a:lstStyle/>
+          <a:p>
+            <a:r>
+              <a:rPr lang="en-US" dirty="0">
+                <a:solidFill>
+                  <a:schemeClr val="bg1">
+                    <a:lumMod val="95000"/>
+                  </a:schemeClr>
+                </a:solidFill>
+              </a:rPr>
+              <a:t>Remote access security</a:t>
+            </a:r>
+          </a:p>
+        </p:txBody>
+      </p:sp>
+      <p:sp>
+        <p:nvSpPr>
+          <p:cNvPr id="3" name="Content Placeholder 2">
+            <a:extLst>
+              <a:ext uri="{FF2B5EF4-FFF2-40B4-BE49-F238E27FC236}">
+                <a16:creationId xmlns:a16="http://schemas.microsoft.com/office/drawing/2014/main" id="{2AC473FA-6F9F-106A-611D-23814E22C957}"/>
+              </a:ext>
+            </a:extLst>
+          </p:cNvPr>
+          <p:cNvSpPr>
+            <a:spLocks noGrp="1"/>
+          </p:cNvSpPr>
+          <p:nvPr>
+            <p:ph idx="1"/>
+          </p:nvPr>
+        </p:nvSpPr>
+        <p:spPr/>
+        <p:txBody>
+          <a:bodyPr/>
+          <a:lstStyle/>
+          <a:p>
+            <a:pPr algn="just"/>
+            <a:r>
+              <a:rPr lang="en-US" dirty="0">
+                <a:solidFill>
+                  <a:schemeClr val="bg1">
+                    <a:lumMod val="95000"/>
+                  </a:schemeClr>
+                </a:solidFill>
+              </a:rPr>
+              <a:t>It has controls like authentication, that must be chosen carefully based on network-segmented information and classification that is accessible.</a:t>
+            </a:r>
+          </a:p>
+          <a:p>
+            <a:pPr marL="0" indent="0" algn="just">
+              <a:buNone/>
+            </a:pPr>
+            <a:r>
+              <a:rPr lang="en-US" dirty="0">
+                <a:solidFill>
+                  <a:schemeClr val="bg1">
+                    <a:lumMod val="95000"/>
+                  </a:schemeClr>
+                </a:solidFill>
+              </a:rPr>
+              <a:t>It follows CIA triads:</a:t>
+            </a:r>
+          </a:p>
+          <a:p>
+            <a:pPr algn="just"/>
+            <a:r>
+              <a:rPr lang="en-US" dirty="0">
+                <a:solidFill>
+                  <a:schemeClr val="bg1">
+                    <a:lumMod val="95000"/>
+                  </a:schemeClr>
+                </a:solidFill>
+              </a:rPr>
+              <a:t>Restricted information can’t be accessible to unauthorized parties, detecting good and bad modifications and ensuring the user can access required resources,</a:t>
+            </a:r>
+          </a:p>
+          <a:p>
+            <a:pPr algn="just"/>
+            <a:r>
+              <a:rPr lang="en-US" dirty="0">
+                <a:solidFill>
+                  <a:schemeClr val="bg1">
+                    <a:lumMod val="95000"/>
+                  </a:schemeClr>
+                </a:solidFill>
+              </a:rPr>
+              <a:t>It must include physical control of client devices.</a:t>
+            </a:r>
+          </a:p>
+          <a:p>
+            <a:pPr algn="just"/>
+            <a:endParaRPr lang="en-US" dirty="0">
+              <a:solidFill>
+                <a:schemeClr val="bg1">
+                  <a:lumMod val="95000"/>
+                </a:schemeClr>
+              </a:solidFill>
+            </a:endParaRPr>
+          </a:p>
+        </p:txBody>
+      </p:sp>
+    </p:spTree>
+    <p:extLst>
+      <p:ext uri="{BB962C8B-B14F-4D97-AF65-F5344CB8AC3E}">
+        <p14:creationId xmlns:p14="http://schemas.microsoft.com/office/powerpoint/2010/main" val="3778690245"/>
       </p:ext>
     </p:extLst>
   </p:cSld>
@@ -17849,18 +17588,6 @@
               </a:rPr>
               <a:t>identity-proofing.</a:t>
             </a:r>
-            <a:r>
-              <a:rPr lang="en-US" sz="2000" b="0" dirty="0">
-                <a:solidFill>
-                  <a:schemeClr val="tx1">
-                    <a:lumMod val="75000"/>
-                    <a:lumOff val="25000"/>
-                  </a:schemeClr>
-                </a:solidFill>
-                <a:effectLst/>
-              </a:rPr>
-              <a:t> Depending on the software or tool, the process is triggered when a person attempts to identify themselves in the system.</a:t>
-            </a:r>
           </a:p>
           <a:p>
             <a:pPr>
@@ -17896,7 +17623,7 @@
                 </a:solidFill>
                 <a:effectLst/>
               </a:rPr>
-              <a:t>To better understand access control, we can take a deeper look into the four basic elements—identification, authentication, authorization, and accountability—and how they make the framework of this fundamental security feature.</a:t>
+              <a:t>To better understand access control, we can take a deeper look into the four basic elements—identification, authentication, authorization, and accountability.</a:t>
             </a:r>
             <a:endParaRPr lang="en-US" sz="2000" b="1" dirty="0">
               <a:solidFill>
@@ -17945,156 +17672,6 @@
           <p:cNvPr id="2" name="Title 1">
             <a:extLst>
               <a:ext uri="{FF2B5EF4-FFF2-40B4-BE49-F238E27FC236}">
-                <a16:creationId xmlns:a16="http://schemas.microsoft.com/office/drawing/2014/main" id="{A2223E51-B824-7790-91D2-F4E35D898D1E}"/>
-              </a:ext>
-            </a:extLst>
-          </p:cNvPr>
-          <p:cNvSpPr>
-            <a:spLocks noGrp="1"/>
-          </p:cNvSpPr>
-          <p:nvPr>
-            <p:ph type="title"/>
-          </p:nvPr>
-        </p:nvSpPr>
-        <p:spPr/>
-        <p:txBody>
-          <a:bodyPr/>
-          <a:lstStyle/>
-          <a:p>
-            <a:r>
-              <a:rPr lang="en-US" dirty="0">
-                <a:solidFill>
-                  <a:schemeClr val="bg1">
-                    <a:lumMod val="95000"/>
-                  </a:schemeClr>
-                </a:solidFill>
-              </a:rPr>
-              <a:t>Remote access security</a:t>
-            </a:r>
-          </a:p>
-        </p:txBody>
-      </p:sp>
-      <p:sp>
-        <p:nvSpPr>
-          <p:cNvPr id="3" name="Content Placeholder 2">
-            <a:extLst>
-              <a:ext uri="{FF2B5EF4-FFF2-40B4-BE49-F238E27FC236}">
-                <a16:creationId xmlns:a16="http://schemas.microsoft.com/office/drawing/2014/main" id="{2AC473FA-6F9F-106A-611D-23814E22C957}"/>
-              </a:ext>
-            </a:extLst>
-          </p:cNvPr>
-          <p:cNvSpPr>
-            <a:spLocks noGrp="1"/>
-          </p:cNvSpPr>
-          <p:nvPr>
-            <p:ph idx="1"/>
-          </p:nvPr>
-        </p:nvSpPr>
-        <p:spPr/>
-        <p:txBody>
-          <a:bodyPr/>
-          <a:lstStyle/>
-          <a:p>
-            <a:pPr algn="just"/>
-            <a:r>
-              <a:rPr lang="en-US" dirty="0">
-                <a:solidFill>
-                  <a:schemeClr val="bg1">
-                    <a:lumMod val="95000"/>
-                  </a:schemeClr>
-                </a:solidFill>
-              </a:rPr>
-              <a:t>It has controls like authentication, that must be chosen carefully based on network-segmented information and classification that is accessible.</a:t>
-            </a:r>
-          </a:p>
-          <a:p>
-            <a:pPr marL="0" indent="0" algn="just">
-              <a:buNone/>
-            </a:pPr>
-            <a:r>
-              <a:rPr lang="en-US" dirty="0">
-                <a:solidFill>
-                  <a:schemeClr val="bg1">
-                    <a:lumMod val="95000"/>
-                  </a:schemeClr>
-                </a:solidFill>
-              </a:rPr>
-              <a:t>It follows CIA triads:</a:t>
-            </a:r>
-          </a:p>
-          <a:p>
-            <a:pPr algn="just"/>
-            <a:r>
-              <a:rPr lang="en-US" dirty="0">
-                <a:solidFill>
-                  <a:schemeClr val="bg1">
-                    <a:lumMod val="95000"/>
-                  </a:schemeClr>
-                </a:solidFill>
-              </a:rPr>
-              <a:t>Restricted information can’t be accessible to unauthorized parties, detecting good and bad modifications and ensuring the user can access required resources,</a:t>
-            </a:r>
-          </a:p>
-          <a:p>
-            <a:pPr algn="just"/>
-            <a:r>
-              <a:rPr lang="en-US" dirty="0">
-                <a:solidFill>
-                  <a:schemeClr val="bg1">
-                    <a:lumMod val="95000"/>
-                  </a:schemeClr>
-                </a:solidFill>
-              </a:rPr>
-              <a:t>It must include physical control of client devices.</a:t>
-            </a:r>
-          </a:p>
-          <a:p>
-            <a:pPr algn="just"/>
-            <a:endParaRPr lang="en-US" dirty="0">
-              <a:solidFill>
-                <a:schemeClr val="bg1">
-                  <a:lumMod val="95000"/>
-                </a:schemeClr>
-              </a:solidFill>
-            </a:endParaRPr>
-          </a:p>
-        </p:txBody>
-      </p:sp>
-    </p:spTree>
-    <p:extLst>
-      <p:ext uri="{BB962C8B-B14F-4D97-AF65-F5344CB8AC3E}">
-        <p14:creationId xmlns:p14="http://schemas.microsoft.com/office/powerpoint/2010/main" val="3778690245"/>
-      </p:ext>
-    </p:extLst>
-  </p:cSld>
-  <p:clrMapOvr>
-    <a:masterClrMapping/>
-  </p:clrMapOvr>
-</p:sld>
-</file>
-
-<file path=ppt/slides/slide31.xml><?xml version="1.0" encoding="utf-8"?>
-<p:sld xmlns:a="http://schemas.openxmlformats.org/drawingml/2006/main" xmlns:r="http://schemas.openxmlformats.org/officeDocument/2006/relationships" xmlns:p="http://schemas.openxmlformats.org/presentationml/2006/main">
-  <p:cSld>
-    <p:spTree>
-      <p:nvGrpSpPr>
-        <p:cNvPr id="1" name=""/>
-        <p:cNvGrpSpPr/>
-        <p:nvPr/>
-      </p:nvGrpSpPr>
-      <p:grpSpPr>
-        <a:xfrm>
-          <a:off x="0" y="0"/>
-          <a:ext cx="0" cy="0"/>
-          <a:chOff x="0" y="0"/>
-          <a:chExt cx="0" cy="0"/>
-        </a:xfrm>
-      </p:grpSpPr>
-      <p:sp>
-        <p:nvSpPr>
-          <p:cNvPr id="2" name="Title 1">
-            <a:extLst>
-              <a:ext uri="{FF2B5EF4-FFF2-40B4-BE49-F238E27FC236}">
                 <a16:creationId xmlns:a16="http://schemas.microsoft.com/office/drawing/2014/main" id="{7F15F437-059F-15BB-8DEE-4317F58D0763}"/>
               </a:ext>
             </a:extLst>
@@ -18195,7 +17772,7 @@
 </p:sld>
 </file>
 
-<file path=ppt/slides/slide32.xml><?xml version="1.0" encoding="utf-8"?>
+<file path=ppt/slides/slide31.xml><?xml version="1.0" encoding="utf-8"?>
 <p:sld xmlns:a="http://schemas.openxmlformats.org/drawingml/2006/main" xmlns:r="http://schemas.openxmlformats.org/officeDocument/2006/relationships" xmlns:p="http://schemas.openxmlformats.org/presentationml/2006/main">
   <p:cSld>
     <p:spTree>
@@ -18320,7 +17897,7 @@
 </p:sld>
 </file>
 
-<file path=ppt/slides/slide33.xml><?xml version="1.0" encoding="utf-8"?>
+<file path=ppt/slides/slide32.xml><?xml version="1.0" encoding="utf-8"?>
 <p:sld xmlns:a="http://schemas.openxmlformats.org/drawingml/2006/main" xmlns:r="http://schemas.openxmlformats.org/officeDocument/2006/relationships" xmlns:p="http://schemas.openxmlformats.org/presentationml/2006/main">
   <p:cSld>
     <p:spTree>
@@ -18662,7 +18239,7 @@
 </p:sld>
 </file>
 
-<file path=ppt/slides/slide34.xml><?xml version="1.0" encoding="utf-8"?>
+<file path=ppt/slides/slide33.xml><?xml version="1.0" encoding="utf-8"?>
 <p:sld xmlns:a="http://schemas.openxmlformats.org/drawingml/2006/main" xmlns:r="http://schemas.openxmlformats.org/officeDocument/2006/relationships" xmlns:p="http://schemas.openxmlformats.org/presentationml/2006/main">
   <p:cSld>
     <p:spTree>
@@ -18953,7 +18530,7 @@
 </p:sld>
 </file>
 
-<file path=ppt/slides/slide35.xml><?xml version="1.0" encoding="utf-8"?>
+<file path=ppt/slides/slide34.xml><?xml version="1.0" encoding="utf-8"?>
 <p:sld xmlns:a="http://schemas.openxmlformats.org/drawingml/2006/main" xmlns:r="http://schemas.openxmlformats.org/officeDocument/2006/relationships" xmlns:p="http://schemas.openxmlformats.org/presentationml/2006/main">
   <p:cSld>
     <p:spTree>
@@ -19171,7 +18748,7 @@
 </p:sld>
 </file>
 
-<file path=ppt/slides/slide36.xml><?xml version="1.0" encoding="utf-8"?>
+<file path=ppt/slides/slide35.xml><?xml version="1.0" encoding="utf-8"?>
 <p:sld xmlns:a="http://schemas.openxmlformats.org/drawingml/2006/main" xmlns:r="http://schemas.openxmlformats.org/officeDocument/2006/relationships" xmlns:p="http://schemas.openxmlformats.org/presentationml/2006/main">
   <p:cSld>
     <p:spTree>
@@ -19610,7 +19187,7 @@
 </p:sld>
 </file>
 
-<file path=ppt/slides/slide37.xml><?xml version="1.0" encoding="utf-8"?>
+<file path=ppt/slides/slide36.xml><?xml version="1.0" encoding="utf-8"?>
 <p:sld xmlns:a="http://schemas.openxmlformats.org/drawingml/2006/main" xmlns:r="http://schemas.openxmlformats.org/officeDocument/2006/relationships" xmlns:p="http://schemas.openxmlformats.org/presentationml/2006/main">
   <p:cSld>
     <p:spTree>
@@ -19837,7 +19414,7 @@
 </p:sld>
 </file>
 
-<file path=ppt/slides/slide38.xml><?xml version="1.0" encoding="utf-8"?>
+<file path=ppt/slides/slide37.xml><?xml version="1.0" encoding="utf-8"?>
 <p:sld xmlns:a="http://schemas.openxmlformats.org/drawingml/2006/main" xmlns:r="http://schemas.openxmlformats.org/officeDocument/2006/relationships" xmlns:p="http://schemas.openxmlformats.org/presentationml/2006/main">
   <p:cSld>
     <p:spTree>
@@ -19959,7 +19536,7 @@
 </p:sld>
 </file>
 
-<file path=ppt/slides/slide39.xml><?xml version="1.0" encoding="utf-8"?>
+<file path=ppt/slides/slide38.xml><?xml version="1.0" encoding="utf-8"?>
 <p:sld xmlns:a="http://schemas.openxmlformats.org/drawingml/2006/main" xmlns:r="http://schemas.openxmlformats.org/officeDocument/2006/relationships" xmlns:p="http://schemas.openxmlformats.org/presentationml/2006/main">
   <p:cSld>
     <p:spTree>
@@ -20152,6 +19729,173 @@
     <p:extLst>
       <p:ext uri="{BB962C8B-B14F-4D97-AF65-F5344CB8AC3E}">
         <p14:creationId xmlns:p14="http://schemas.microsoft.com/office/powerpoint/2010/main" val="2726068334"/>
+      </p:ext>
+    </p:extLst>
+  </p:cSld>
+  <p:clrMapOvr>
+    <a:masterClrMapping/>
+  </p:clrMapOvr>
+</p:sld>
+</file>
+
+<file path=ppt/slides/slide39.xml><?xml version="1.0" encoding="utf-8"?>
+<p:sld xmlns:a="http://schemas.openxmlformats.org/drawingml/2006/main" xmlns:r="http://schemas.openxmlformats.org/officeDocument/2006/relationships" xmlns:p="http://schemas.openxmlformats.org/presentationml/2006/main">
+  <p:cSld>
+    <p:spTree>
+      <p:nvGrpSpPr>
+        <p:cNvPr id="1" name=""/>
+        <p:cNvGrpSpPr/>
+        <p:nvPr/>
+      </p:nvGrpSpPr>
+      <p:grpSpPr>
+        <a:xfrm>
+          <a:off x="0" y="0"/>
+          <a:ext cx="0" cy="0"/>
+          <a:chOff x="0" y="0"/>
+          <a:chExt cx="0" cy="0"/>
+        </a:xfrm>
+      </p:grpSpPr>
+      <p:sp>
+        <p:nvSpPr>
+          <p:cNvPr id="2" name="Title 1">
+            <a:extLst>
+              <a:ext uri="{FF2B5EF4-FFF2-40B4-BE49-F238E27FC236}">
+                <a16:creationId xmlns:a16="http://schemas.microsoft.com/office/drawing/2014/main" id="{90A911F8-9259-B496-1E4A-4528A1311153}"/>
+              </a:ext>
+            </a:extLst>
+          </p:cNvPr>
+          <p:cNvSpPr>
+            <a:spLocks noGrp="1"/>
+          </p:cNvSpPr>
+          <p:nvPr>
+            <p:ph type="title"/>
+          </p:nvPr>
+        </p:nvSpPr>
+        <p:spPr/>
+        <p:txBody>
+          <a:bodyPr/>
+          <a:lstStyle/>
+          <a:p>
+            <a:r>
+              <a:rPr lang="en-US" dirty="0">
+                <a:solidFill>
+                  <a:schemeClr val="bg1">
+                    <a:lumMod val="95000"/>
+                  </a:schemeClr>
+                </a:solidFill>
+              </a:rPr>
+              <a:t>Least Privilege or Zero Trust</a:t>
+            </a:r>
+          </a:p>
+        </p:txBody>
+      </p:sp>
+      <p:sp>
+        <p:nvSpPr>
+          <p:cNvPr id="3" name="Content Placeholder 2">
+            <a:extLst>
+              <a:ext uri="{FF2B5EF4-FFF2-40B4-BE49-F238E27FC236}">
+                <a16:creationId xmlns:a16="http://schemas.microsoft.com/office/drawing/2014/main" id="{A982FFF2-C108-C5B9-6283-B636A0F90FCF}"/>
+              </a:ext>
+            </a:extLst>
+          </p:cNvPr>
+          <p:cNvSpPr>
+            <a:spLocks noGrp="1"/>
+          </p:cNvSpPr>
+          <p:nvPr>
+            <p:ph idx="1"/>
+          </p:nvPr>
+        </p:nvSpPr>
+        <p:spPr/>
+        <p:txBody>
+          <a:bodyPr/>
+          <a:lstStyle/>
+          <a:p>
+            <a:r>
+              <a:rPr lang="en-US" dirty="0">
+                <a:solidFill>
+                  <a:schemeClr val="bg1">
+                    <a:lumMod val="95000"/>
+                  </a:schemeClr>
+                </a:solidFill>
+              </a:rPr>
+              <a:t>Trust no one. Both inside and outside of the network.</a:t>
+            </a:r>
+          </a:p>
+          <a:p>
+            <a:pPr marL="0" indent="0">
+              <a:buNone/>
+            </a:pPr>
+            <a:r>
+              <a:rPr lang="en-US" dirty="0">
+                <a:solidFill>
+                  <a:schemeClr val="bg1">
+                    <a:lumMod val="95000"/>
+                  </a:schemeClr>
+                </a:solidFill>
+              </a:rPr>
+              <a:t>  Grant minimum access to data, tools and information</a:t>
+            </a:r>
+          </a:p>
+          <a:p>
+            <a:pPr marL="0" indent="0">
+              <a:buNone/>
+            </a:pPr>
+            <a:r>
+              <a:rPr lang="en-US" dirty="0">
+                <a:solidFill>
+                  <a:schemeClr val="bg1">
+                    <a:lumMod val="95000"/>
+                  </a:schemeClr>
+                </a:solidFill>
+              </a:rPr>
+              <a:t>  Follows the rule Default deny</a:t>
+            </a:r>
+          </a:p>
+          <a:p>
+            <a:pPr marL="0" indent="0">
+              <a:buNone/>
+            </a:pPr>
+            <a:r>
+              <a:rPr lang="en-US" dirty="0">
+                <a:solidFill>
+                  <a:schemeClr val="bg1">
+                    <a:lumMod val="95000"/>
+                  </a:schemeClr>
+                </a:solidFill>
+              </a:rPr>
+              <a:t>  </a:t>
+            </a:r>
+          </a:p>
+          <a:p>
+            <a:pPr marL="0" indent="0">
+              <a:buNone/>
+            </a:pPr>
+            <a:r>
+              <a:rPr lang="en-US" dirty="0">
+                <a:solidFill>
+                  <a:schemeClr val="bg1">
+                    <a:lumMod val="95000"/>
+                  </a:schemeClr>
+                </a:solidFill>
+              </a:rPr>
+              <a:t>  </a:t>
+            </a:r>
+          </a:p>
+          <a:p>
+            <a:endParaRPr lang="en-US" dirty="0">
+              <a:solidFill>
+                <a:schemeClr val="bg1">
+                  <a:lumMod val="95000"/>
+                </a:schemeClr>
+              </a:solidFill>
+            </a:endParaRPr>
+          </a:p>
+        </p:txBody>
+      </p:sp>
+    </p:spTree>
+    <p:extLst>
+      <p:ext uri="{BB962C8B-B14F-4D97-AF65-F5344CB8AC3E}">
+        <p14:creationId xmlns:p14="http://schemas.microsoft.com/office/powerpoint/2010/main" val="4187362898"/>
       </p:ext>
     </p:extLst>
   </p:cSld>
@@ -20206,7 +19950,7 @@
         </p:blipFill>
         <p:spPr>
           <a:xfrm>
-            <a:off x="-457200" y="0"/>
+            <a:off x="-438912" y="0"/>
             <a:ext cx="12649200" cy="6461185"/>
           </a:xfrm>
           <a:prstGeom prst="rect">
@@ -20229,7 +19973,7 @@
         <p:spPr>
           <a:xfrm>
             <a:off x="-439947" y="298261"/>
-            <a:ext cx="5089585" cy="5016758"/>
+            <a:ext cx="5089585" cy="2554545"/>
           </a:xfrm>
           <a:prstGeom prst="rect">
             <a:avLst/>
@@ -20268,42 +20012,7 @@
                 <a:latin typeface="Times New Roman" panose="02020603050405020304" pitchFamily="18" charset="0"/>
                 <a:ea typeface="Times New Roman" panose="02020603050405020304" pitchFamily="18" charset="0"/>
               </a:rPr>
-              <a:t>Identification is the starting point, where the users provide information about their identity. Today’s systems use authentication factors like fingerprint, retinal, or </a:t>
-            </a:r>
-            <a:r>
-              <a:rPr lang="en-CA" sz="3200" b="0" u="sng" dirty="0">
-                <a:solidFill>
-                  <a:schemeClr val="accent4">
-                    <a:lumMod val="60000"/>
-                    <a:lumOff val="40000"/>
-                  </a:schemeClr>
-                </a:solidFill>
-                <a:effectLst/>
-                <a:latin typeface="Times New Roman" panose="02020603050405020304" pitchFamily="18" charset="0"/>
-                <a:ea typeface="Times New Roman" panose="02020603050405020304" pitchFamily="18" charset="0"/>
-                <a:hlinkClick r:id="rId3">
-                  <a:extLst>
-                    <a:ext uri="{A12FA001-AC4F-418D-AE19-62706E023703}">
-                      <ahyp:hlinkClr xmlns:ahyp="http://schemas.microsoft.com/office/drawing/2018/hyperlinkcolor" val="tx"/>
-                    </a:ext>
-                  </a:extLst>
-                </a:hlinkClick>
-              </a:rPr>
-              <a:t>facial scans</a:t>
-            </a:r>
-            <a:r>
-              <a:rPr lang="en-CA" sz="3200" b="0" u="sng" dirty="0">
-                <a:solidFill>
-                  <a:schemeClr val="accent4">
-                    <a:lumMod val="60000"/>
-                    <a:lumOff val="40000"/>
-                  </a:schemeClr>
-                </a:solidFill>
-                <a:effectLst/>
-                <a:latin typeface="Times New Roman" panose="02020603050405020304" pitchFamily="18" charset="0"/>
-                <a:ea typeface="Times New Roman" panose="02020603050405020304" pitchFamily="18" charset="0"/>
-              </a:rPr>
-              <a:t>, which can be used to validate them in the system.</a:t>
+              <a:t>Identification is the starting point, where the users provide information about their identity. </a:t>
             </a:r>
             <a:endParaRPr lang="en-CA" sz="3200" b="1" u="sng" dirty="0">
               <a:solidFill>
@@ -20354,173 +20063,6 @@
           <p:cNvPr id="2" name="Title 1">
             <a:extLst>
               <a:ext uri="{FF2B5EF4-FFF2-40B4-BE49-F238E27FC236}">
-                <a16:creationId xmlns:a16="http://schemas.microsoft.com/office/drawing/2014/main" id="{90A911F8-9259-B496-1E4A-4528A1311153}"/>
-              </a:ext>
-            </a:extLst>
-          </p:cNvPr>
-          <p:cNvSpPr>
-            <a:spLocks noGrp="1"/>
-          </p:cNvSpPr>
-          <p:nvPr>
-            <p:ph type="title"/>
-          </p:nvPr>
-        </p:nvSpPr>
-        <p:spPr/>
-        <p:txBody>
-          <a:bodyPr/>
-          <a:lstStyle/>
-          <a:p>
-            <a:r>
-              <a:rPr lang="en-US" dirty="0">
-                <a:solidFill>
-                  <a:schemeClr val="bg1">
-                    <a:lumMod val="95000"/>
-                  </a:schemeClr>
-                </a:solidFill>
-              </a:rPr>
-              <a:t>Least Privilege or Zero Trust</a:t>
-            </a:r>
-          </a:p>
-        </p:txBody>
-      </p:sp>
-      <p:sp>
-        <p:nvSpPr>
-          <p:cNvPr id="3" name="Content Placeholder 2">
-            <a:extLst>
-              <a:ext uri="{FF2B5EF4-FFF2-40B4-BE49-F238E27FC236}">
-                <a16:creationId xmlns:a16="http://schemas.microsoft.com/office/drawing/2014/main" id="{A982FFF2-C108-C5B9-6283-B636A0F90FCF}"/>
-              </a:ext>
-            </a:extLst>
-          </p:cNvPr>
-          <p:cNvSpPr>
-            <a:spLocks noGrp="1"/>
-          </p:cNvSpPr>
-          <p:nvPr>
-            <p:ph idx="1"/>
-          </p:nvPr>
-        </p:nvSpPr>
-        <p:spPr/>
-        <p:txBody>
-          <a:bodyPr/>
-          <a:lstStyle/>
-          <a:p>
-            <a:r>
-              <a:rPr lang="en-US" dirty="0">
-                <a:solidFill>
-                  <a:schemeClr val="bg1">
-                    <a:lumMod val="95000"/>
-                  </a:schemeClr>
-                </a:solidFill>
-              </a:rPr>
-              <a:t>Trust no one. Both inside and outside of the network.</a:t>
-            </a:r>
-          </a:p>
-          <a:p>
-            <a:pPr marL="0" indent="0">
-              <a:buNone/>
-            </a:pPr>
-            <a:r>
-              <a:rPr lang="en-US" dirty="0">
-                <a:solidFill>
-                  <a:schemeClr val="bg1">
-                    <a:lumMod val="95000"/>
-                  </a:schemeClr>
-                </a:solidFill>
-              </a:rPr>
-              <a:t>  Grant minimum access to data, tools and information</a:t>
-            </a:r>
-          </a:p>
-          <a:p>
-            <a:pPr marL="0" indent="0">
-              <a:buNone/>
-            </a:pPr>
-            <a:r>
-              <a:rPr lang="en-US" dirty="0">
-                <a:solidFill>
-                  <a:schemeClr val="bg1">
-                    <a:lumMod val="95000"/>
-                  </a:schemeClr>
-                </a:solidFill>
-              </a:rPr>
-              <a:t>  Follows the rule Default deny</a:t>
-            </a:r>
-          </a:p>
-          <a:p>
-            <a:pPr marL="0" indent="0">
-              <a:buNone/>
-            </a:pPr>
-            <a:r>
-              <a:rPr lang="en-US" dirty="0">
-                <a:solidFill>
-                  <a:schemeClr val="bg1">
-                    <a:lumMod val="95000"/>
-                  </a:schemeClr>
-                </a:solidFill>
-              </a:rPr>
-              <a:t>  </a:t>
-            </a:r>
-          </a:p>
-          <a:p>
-            <a:pPr marL="0" indent="0">
-              <a:buNone/>
-            </a:pPr>
-            <a:r>
-              <a:rPr lang="en-US" dirty="0">
-                <a:solidFill>
-                  <a:schemeClr val="bg1">
-                    <a:lumMod val="95000"/>
-                  </a:schemeClr>
-                </a:solidFill>
-              </a:rPr>
-              <a:t>  </a:t>
-            </a:r>
-          </a:p>
-          <a:p>
-            <a:endParaRPr lang="en-US" dirty="0">
-              <a:solidFill>
-                <a:schemeClr val="bg1">
-                  <a:lumMod val="95000"/>
-                </a:schemeClr>
-              </a:solidFill>
-            </a:endParaRPr>
-          </a:p>
-        </p:txBody>
-      </p:sp>
-    </p:spTree>
-    <p:extLst>
-      <p:ext uri="{BB962C8B-B14F-4D97-AF65-F5344CB8AC3E}">
-        <p14:creationId xmlns:p14="http://schemas.microsoft.com/office/powerpoint/2010/main" val="4187362898"/>
-      </p:ext>
-    </p:extLst>
-  </p:cSld>
-  <p:clrMapOvr>
-    <a:masterClrMapping/>
-  </p:clrMapOvr>
-</p:sld>
-</file>
-
-<file path=ppt/slides/slide41.xml><?xml version="1.0" encoding="utf-8"?>
-<p:sld xmlns:a="http://schemas.openxmlformats.org/drawingml/2006/main" xmlns:r="http://schemas.openxmlformats.org/officeDocument/2006/relationships" xmlns:p="http://schemas.openxmlformats.org/presentationml/2006/main">
-  <p:cSld>
-    <p:spTree>
-      <p:nvGrpSpPr>
-        <p:cNvPr id="1" name=""/>
-        <p:cNvGrpSpPr/>
-        <p:nvPr/>
-      </p:nvGrpSpPr>
-      <p:grpSpPr>
-        <a:xfrm>
-          <a:off x="0" y="0"/>
-          <a:ext cx="0" cy="0"/>
-          <a:chOff x="0" y="0"/>
-          <a:chExt cx="0" cy="0"/>
-        </a:xfrm>
-      </p:grpSpPr>
-      <p:sp>
-        <p:nvSpPr>
-          <p:cNvPr id="2" name="Title 1">
-            <a:extLst>
-              <a:ext uri="{FF2B5EF4-FFF2-40B4-BE49-F238E27FC236}">
                 <a16:creationId xmlns:a16="http://schemas.microsoft.com/office/drawing/2014/main" id="{09268E2E-B58A-CFCE-7AE6-D73D3283CDCD}"/>
               </a:ext>
             </a:extLst>
@@ -20636,7 +20178,7 @@
 </p:sld>
 </file>
 
-<file path=ppt/slides/slide42.xml><?xml version="1.0" encoding="utf-8"?>
+<file path=ppt/slides/slide41.xml><?xml version="1.0" encoding="utf-8"?>
 <p:sld xmlns:a="http://schemas.openxmlformats.org/drawingml/2006/main" xmlns:r="http://schemas.openxmlformats.org/officeDocument/2006/relationships" xmlns:p="http://schemas.openxmlformats.org/presentationml/2006/main">
   <p:cSld>
     <p:spTree>
@@ -20799,7 +20341,7 @@
 </p:sld>
 </file>
 
-<file path=ppt/slides/slide43.xml><?xml version="1.0" encoding="utf-8"?>
+<file path=ppt/slides/slide42.xml><?xml version="1.0" encoding="utf-8"?>
 <p:sld xmlns:a="http://schemas.openxmlformats.org/drawingml/2006/main" xmlns:r="http://schemas.openxmlformats.org/officeDocument/2006/relationships" xmlns:p="http://schemas.openxmlformats.org/presentationml/2006/main">
   <p:cSld>
     <p:spTree>
@@ -20945,7 +20487,7 @@
 </p:sld>
 </file>
 
-<file path=ppt/slides/slide44.xml><?xml version="1.0" encoding="utf-8"?>
+<file path=ppt/slides/slide43.xml><?xml version="1.0" encoding="utf-8"?>
 <p:sld xmlns:a="http://schemas.openxmlformats.org/drawingml/2006/main" xmlns:r="http://schemas.openxmlformats.org/officeDocument/2006/relationships" xmlns:p="http://schemas.openxmlformats.org/presentationml/2006/main">
   <p:cSld>
     <p:spTree>
@@ -21105,7 +20647,7 @@
 </p:sld>
 </file>
 
-<file path=ppt/slides/slide45.xml><?xml version="1.0" encoding="utf-8"?>
+<file path=ppt/slides/slide44.xml><?xml version="1.0" encoding="utf-8"?>
 <p:sld xmlns:a="http://schemas.openxmlformats.org/drawingml/2006/main" xmlns:r="http://schemas.openxmlformats.org/officeDocument/2006/relationships" xmlns:p="http://schemas.openxmlformats.org/presentationml/2006/main">
   <p:cSld>
     <p:spTree>
@@ -21237,7 +20779,7 @@
 </p:sld>
 </file>
 
-<file path=ppt/slides/slide46.xml><?xml version="1.0" encoding="utf-8"?>
+<file path=ppt/slides/slide45.xml><?xml version="1.0" encoding="utf-8"?>
 <p:sld xmlns:a="http://schemas.openxmlformats.org/drawingml/2006/main" xmlns:r="http://schemas.openxmlformats.org/officeDocument/2006/relationships" xmlns:p="http://schemas.openxmlformats.org/presentationml/2006/main">
   <p:cSld>
     <p:spTree>
@@ -21380,7 +20922,7 @@
 </p:sld>
 </file>
 
-<file path=ppt/slides/slide47.xml><?xml version="1.0" encoding="utf-8"?>
+<file path=ppt/slides/slide46.xml><?xml version="1.0" encoding="utf-8"?>
 <p:sld xmlns:a="http://schemas.openxmlformats.org/drawingml/2006/main" xmlns:r="http://schemas.openxmlformats.org/officeDocument/2006/relationships" xmlns:p="http://schemas.openxmlformats.org/presentationml/2006/main">
   <p:cSld>
     <p:spTree>
@@ -21535,7 +21077,7 @@
 </p:sld>
 </file>
 
-<file path=ppt/slides/slide48.xml><?xml version="1.0" encoding="utf-8"?>
+<file path=ppt/slides/slide47.xml><?xml version="1.0" encoding="utf-8"?>
 <p:sld xmlns:a="http://schemas.openxmlformats.org/drawingml/2006/main" xmlns:r="http://schemas.openxmlformats.org/officeDocument/2006/relationships" xmlns:p="http://schemas.openxmlformats.org/presentationml/2006/main">
   <p:cSld>
     <p:spTree>
@@ -21728,7 +21270,7 @@
 </p:sld>
 </file>
 
-<file path=ppt/slides/slide49.xml><?xml version="1.0" encoding="utf-8"?>
+<file path=ppt/slides/slide48.xml><?xml version="1.0" encoding="utf-8"?>
 <p:sld xmlns:a="http://schemas.openxmlformats.org/drawingml/2006/main" xmlns:r="http://schemas.openxmlformats.org/officeDocument/2006/relationships" xmlns:p="http://schemas.openxmlformats.org/presentationml/2006/main">
   <p:cSld>
     <p:spTree>
@@ -21866,6 +21408,168 @@
     <p:extLst>
       <p:ext uri="{BB962C8B-B14F-4D97-AF65-F5344CB8AC3E}">
         <p14:creationId xmlns:p14="http://schemas.microsoft.com/office/powerpoint/2010/main" val="223609391"/>
+      </p:ext>
+    </p:extLst>
+  </p:cSld>
+  <p:clrMapOvr>
+    <a:masterClrMapping/>
+  </p:clrMapOvr>
+</p:sld>
+</file>
+
+<file path=ppt/slides/slide49.xml><?xml version="1.0" encoding="utf-8"?>
+<p:sld xmlns:a="http://schemas.openxmlformats.org/drawingml/2006/main" xmlns:r="http://schemas.openxmlformats.org/officeDocument/2006/relationships" xmlns:p="http://schemas.openxmlformats.org/presentationml/2006/main">
+  <p:cSld>
+    <p:spTree>
+      <p:nvGrpSpPr>
+        <p:cNvPr id="1" name=""/>
+        <p:cNvGrpSpPr/>
+        <p:nvPr/>
+      </p:nvGrpSpPr>
+      <p:grpSpPr>
+        <a:xfrm>
+          <a:off x="0" y="0"/>
+          <a:ext cx="0" cy="0"/>
+          <a:chOff x="0" y="0"/>
+          <a:chExt cx="0" cy="0"/>
+        </a:xfrm>
+      </p:grpSpPr>
+      <p:sp>
+        <p:nvSpPr>
+          <p:cNvPr id="2" name="Title 1">
+            <a:extLst>
+              <a:ext uri="{FF2B5EF4-FFF2-40B4-BE49-F238E27FC236}">
+                <a16:creationId xmlns:a16="http://schemas.microsoft.com/office/drawing/2014/main" id="{21315293-4E61-A138-32B6-7AE1A67B3907}"/>
+              </a:ext>
+            </a:extLst>
+          </p:cNvPr>
+          <p:cNvSpPr>
+            <a:spLocks noGrp="1"/>
+          </p:cNvSpPr>
+          <p:nvPr>
+            <p:ph type="title"/>
+          </p:nvPr>
+        </p:nvSpPr>
+        <p:spPr/>
+        <p:txBody>
+          <a:bodyPr/>
+          <a:lstStyle/>
+          <a:p>
+            <a:r>
+              <a:rPr lang="en-US" dirty="0">
+                <a:solidFill>
+                  <a:schemeClr val="bg1">
+                    <a:lumMod val="95000"/>
+                  </a:schemeClr>
+                </a:solidFill>
+              </a:rPr>
+              <a:t>What should be always monitored</a:t>
+            </a:r>
+          </a:p>
+        </p:txBody>
+      </p:sp>
+      <p:sp>
+        <p:nvSpPr>
+          <p:cNvPr id="3" name="Content Placeholder 2">
+            <a:extLst>
+              <a:ext uri="{FF2B5EF4-FFF2-40B4-BE49-F238E27FC236}">
+                <a16:creationId xmlns:a16="http://schemas.microsoft.com/office/drawing/2014/main" id="{04FAA8DE-7ACA-66E2-C2C1-46303F35EA2F}"/>
+              </a:ext>
+            </a:extLst>
+          </p:cNvPr>
+          <p:cNvSpPr>
+            <a:spLocks noGrp="1"/>
+          </p:cNvSpPr>
+          <p:nvPr>
+            <p:ph idx="1"/>
+          </p:nvPr>
+        </p:nvSpPr>
+        <p:spPr/>
+        <p:txBody>
+          <a:bodyPr/>
+          <a:lstStyle/>
+          <a:p>
+            <a:pPr>
+              <a:buFont typeface="Arial" panose="020B0604020202020204" pitchFamily="34" charset="0"/>
+              <a:buChar char="•"/>
+            </a:pPr>
+            <a:r>
+              <a:rPr lang="en-US" dirty="0">
+                <a:solidFill>
+                  <a:schemeClr val="bg1">
+                    <a:lumMod val="95000"/>
+                  </a:schemeClr>
+                </a:solidFill>
+              </a:rPr>
+              <a:t> Successful Access</a:t>
+            </a:r>
+          </a:p>
+          <a:p>
+            <a:pPr>
+              <a:buFont typeface="Arial" panose="020B0604020202020204" pitchFamily="34" charset="0"/>
+              <a:buChar char="•"/>
+            </a:pPr>
+            <a:r>
+              <a:rPr lang="en-US" dirty="0">
+                <a:solidFill>
+                  <a:schemeClr val="bg1">
+                    <a:lumMod val="95000"/>
+                  </a:schemeClr>
+                </a:solidFill>
+              </a:rPr>
+              <a:t> Failed Access</a:t>
+            </a:r>
+          </a:p>
+          <a:p>
+            <a:pPr>
+              <a:buFont typeface="Arial" panose="020B0604020202020204" pitchFamily="34" charset="0"/>
+              <a:buChar char="•"/>
+            </a:pPr>
+            <a:r>
+              <a:rPr lang="en-US" dirty="0">
+                <a:solidFill>
+                  <a:schemeClr val="bg1">
+                    <a:lumMod val="95000"/>
+                  </a:schemeClr>
+                </a:solidFill>
+              </a:rPr>
+              <a:t> Privileged Operations</a:t>
+            </a:r>
+          </a:p>
+          <a:p>
+            <a:pPr>
+              <a:buFont typeface="Arial" panose="020B0604020202020204" pitchFamily="34" charset="0"/>
+              <a:buChar char="•"/>
+            </a:pPr>
+            <a:endParaRPr lang="en-US" dirty="0">
+              <a:solidFill>
+                <a:schemeClr val="bg1">
+                  <a:lumMod val="95000"/>
+                </a:schemeClr>
+              </a:solidFill>
+            </a:endParaRPr>
+          </a:p>
+          <a:p>
+            <a:pPr marL="0" indent="0">
+              <a:buNone/>
+            </a:pPr>
+            <a:r>
+              <a:rPr lang="en-US" dirty="0">
+                <a:solidFill>
+                  <a:schemeClr val="bg1">
+                    <a:lumMod val="95000"/>
+                  </a:schemeClr>
+                </a:solidFill>
+              </a:rPr>
+              <a:t>Exceptions can be addressed by the COO</a:t>
+            </a:r>
+          </a:p>
+        </p:txBody>
+      </p:sp>
+    </p:spTree>
+    <p:extLst>
+      <p:ext uri="{BB962C8B-B14F-4D97-AF65-F5344CB8AC3E}">
+        <p14:creationId xmlns:p14="http://schemas.microsoft.com/office/powerpoint/2010/main" val="1684610065"/>
       </p:ext>
     </p:extLst>
   </p:cSld>
@@ -22235,168 +21939,6 @@
           <p:cNvPr id="2" name="Title 1">
             <a:extLst>
               <a:ext uri="{FF2B5EF4-FFF2-40B4-BE49-F238E27FC236}">
-                <a16:creationId xmlns:a16="http://schemas.microsoft.com/office/drawing/2014/main" id="{21315293-4E61-A138-32B6-7AE1A67B3907}"/>
-              </a:ext>
-            </a:extLst>
-          </p:cNvPr>
-          <p:cNvSpPr>
-            <a:spLocks noGrp="1"/>
-          </p:cNvSpPr>
-          <p:nvPr>
-            <p:ph type="title"/>
-          </p:nvPr>
-        </p:nvSpPr>
-        <p:spPr/>
-        <p:txBody>
-          <a:bodyPr/>
-          <a:lstStyle/>
-          <a:p>
-            <a:r>
-              <a:rPr lang="en-US" dirty="0">
-                <a:solidFill>
-                  <a:schemeClr val="bg1">
-                    <a:lumMod val="95000"/>
-                  </a:schemeClr>
-                </a:solidFill>
-              </a:rPr>
-              <a:t>What should be always monitored</a:t>
-            </a:r>
-          </a:p>
-        </p:txBody>
-      </p:sp>
-      <p:sp>
-        <p:nvSpPr>
-          <p:cNvPr id="3" name="Content Placeholder 2">
-            <a:extLst>
-              <a:ext uri="{FF2B5EF4-FFF2-40B4-BE49-F238E27FC236}">
-                <a16:creationId xmlns:a16="http://schemas.microsoft.com/office/drawing/2014/main" id="{04FAA8DE-7ACA-66E2-C2C1-46303F35EA2F}"/>
-              </a:ext>
-            </a:extLst>
-          </p:cNvPr>
-          <p:cNvSpPr>
-            <a:spLocks noGrp="1"/>
-          </p:cNvSpPr>
-          <p:nvPr>
-            <p:ph idx="1"/>
-          </p:nvPr>
-        </p:nvSpPr>
-        <p:spPr/>
-        <p:txBody>
-          <a:bodyPr/>
-          <a:lstStyle/>
-          <a:p>
-            <a:pPr>
-              <a:buFont typeface="Arial" panose="020B0604020202020204" pitchFamily="34" charset="0"/>
-              <a:buChar char="•"/>
-            </a:pPr>
-            <a:r>
-              <a:rPr lang="en-US" dirty="0">
-                <a:solidFill>
-                  <a:schemeClr val="bg1">
-                    <a:lumMod val="95000"/>
-                  </a:schemeClr>
-                </a:solidFill>
-              </a:rPr>
-              <a:t> Successful Access</a:t>
-            </a:r>
-          </a:p>
-          <a:p>
-            <a:pPr>
-              <a:buFont typeface="Arial" panose="020B0604020202020204" pitchFamily="34" charset="0"/>
-              <a:buChar char="•"/>
-            </a:pPr>
-            <a:r>
-              <a:rPr lang="en-US" dirty="0">
-                <a:solidFill>
-                  <a:schemeClr val="bg1">
-                    <a:lumMod val="95000"/>
-                  </a:schemeClr>
-                </a:solidFill>
-              </a:rPr>
-              <a:t> Failed Access</a:t>
-            </a:r>
-          </a:p>
-          <a:p>
-            <a:pPr>
-              <a:buFont typeface="Arial" panose="020B0604020202020204" pitchFamily="34" charset="0"/>
-              <a:buChar char="•"/>
-            </a:pPr>
-            <a:r>
-              <a:rPr lang="en-US" dirty="0">
-                <a:solidFill>
-                  <a:schemeClr val="bg1">
-                    <a:lumMod val="95000"/>
-                  </a:schemeClr>
-                </a:solidFill>
-              </a:rPr>
-              <a:t> Privileged Operations</a:t>
-            </a:r>
-          </a:p>
-          <a:p>
-            <a:pPr>
-              <a:buFont typeface="Arial" panose="020B0604020202020204" pitchFamily="34" charset="0"/>
-              <a:buChar char="•"/>
-            </a:pPr>
-            <a:endParaRPr lang="en-US" dirty="0">
-              <a:solidFill>
-                <a:schemeClr val="bg1">
-                  <a:lumMod val="95000"/>
-                </a:schemeClr>
-              </a:solidFill>
-            </a:endParaRPr>
-          </a:p>
-          <a:p>
-            <a:pPr marL="0" indent="0">
-              <a:buNone/>
-            </a:pPr>
-            <a:r>
-              <a:rPr lang="en-US" dirty="0">
-                <a:solidFill>
-                  <a:schemeClr val="bg1">
-                    <a:lumMod val="95000"/>
-                  </a:schemeClr>
-                </a:solidFill>
-              </a:rPr>
-              <a:t>Exceptions can be addressed by the COO</a:t>
-            </a:r>
-          </a:p>
-        </p:txBody>
-      </p:sp>
-    </p:spTree>
-    <p:extLst>
-      <p:ext uri="{BB962C8B-B14F-4D97-AF65-F5344CB8AC3E}">
-        <p14:creationId xmlns:p14="http://schemas.microsoft.com/office/powerpoint/2010/main" val="1684610065"/>
-      </p:ext>
-    </p:extLst>
-  </p:cSld>
-  <p:clrMapOvr>
-    <a:masterClrMapping/>
-  </p:clrMapOvr>
-</p:sld>
-</file>
-
-<file path=ppt/slides/slide51.xml><?xml version="1.0" encoding="utf-8"?>
-<p:sld xmlns:a="http://schemas.openxmlformats.org/drawingml/2006/main" xmlns:r="http://schemas.openxmlformats.org/officeDocument/2006/relationships" xmlns:p="http://schemas.openxmlformats.org/presentationml/2006/main">
-  <p:cSld>
-    <p:spTree>
-      <p:nvGrpSpPr>
-        <p:cNvPr id="1" name=""/>
-        <p:cNvGrpSpPr/>
-        <p:nvPr/>
-      </p:nvGrpSpPr>
-      <p:grpSpPr>
-        <a:xfrm>
-          <a:off x="0" y="0"/>
-          <a:ext cx="0" cy="0"/>
-          <a:chOff x="0" y="0"/>
-          <a:chExt cx="0" cy="0"/>
-        </a:xfrm>
-      </p:grpSpPr>
-      <p:sp>
-        <p:nvSpPr>
-          <p:cNvPr id="2" name="Title 1">
-            <a:extLst>
-              <a:ext uri="{FF2B5EF4-FFF2-40B4-BE49-F238E27FC236}">
                 <a16:creationId xmlns:a16="http://schemas.microsoft.com/office/drawing/2014/main" id="{FD275D10-5F5B-6011-267F-E496E2DEB46D}"/>
               </a:ext>
             </a:extLst>
@@ -22575,7 +22117,7 @@
 </p:sld>
 </file>
 
-<file path=ppt/slides/slide52.xml><?xml version="1.0" encoding="utf-8"?>
+<file path=ppt/slides/slide51.xml><?xml version="1.0" encoding="utf-8"?>
 <p:sld xmlns:a="http://schemas.openxmlformats.org/drawingml/2006/main" xmlns:r="http://schemas.openxmlformats.org/officeDocument/2006/relationships" xmlns:p="http://schemas.openxmlformats.org/presentationml/2006/main">
   <p:cSld>
     <p:spTree>
@@ -22671,7 +22213,7 @@
         <p:spPr>
           <a:xfrm>
             <a:off x="664234" y="1920895"/>
-            <a:ext cx="8477609" cy="2462213"/>
+            <a:ext cx="8477609" cy="3600986"/>
           </a:xfrm>
           <a:prstGeom prst="rect">
             <a:avLst/>
@@ -22695,10 +22237,10 @@
                 <a:latin typeface="Times New Roman" panose="02020603050405020304" pitchFamily="18" charset="0"/>
                 <a:ea typeface="Times New Roman" panose="02020603050405020304" pitchFamily="18" charset="0"/>
               </a:rPr>
-              <a:t>Authentication –</a:t>
-            </a:r>
-            <a:r>
-              <a:rPr lang="en-CA" sz="1400" b="1" dirty="0">
+              <a:t>Authentication </a:t>
+            </a:r>
+            <a:r>
+              <a:rPr lang="en-CA" sz="2000" b="1" dirty="0">
                 <a:solidFill>
                   <a:schemeClr val="bg1">
                     <a:lumMod val="95000"/>
@@ -22708,10 +22250,36 @@
                 <a:latin typeface="Times New Roman" panose="02020603050405020304" pitchFamily="18" charset="0"/>
                 <a:ea typeface="Times New Roman" panose="02020603050405020304" pitchFamily="18" charset="0"/>
               </a:rPr>
-              <a:t> </a:t>
-            </a:r>
-            <a:r>
-              <a:rPr lang="en-CA" sz="1800" u="sng" dirty="0">
+              <a:t>– </a:t>
+            </a:r>
+            <a:r>
+              <a:rPr lang="en-US" sz="2000" dirty="0">
+                <a:solidFill>
+                  <a:schemeClr val="bg2"/>
+                </a:solidFill>
+              </a:rPr>
+              <a:t>Authentication is any process by which a system verifies the identity of a user who wishes to access the system. </a:t>
+            </a:r>
+          </a:p>
+          <a:p>
+            <a:endParaRPr lang="en-US" sz="2000" dirty="0">
+              <a:solidFill>
+                <a:schemeClr val="bg2"/>
+              </a:solidFill>
+            </a:endParaRPr>
+          </a:p>
+          <a:p>
+            <a:endParaRPr lang="en-CA" sz="2000" u="sng" dirty="0">
+              <a:solidFill>
+                <a:schemeClr val="bg2"/>
+              </a:solidFill>
+              <a:latin typeface="Times New Roman" panose="02020603050405020304" pitchFamily="18" charset="0"/>
+              <a:ea typeface="Times New Roman" panose="02020603050405020304" pitchFamily="18" charset="0"/>
+            </a:endParaRPr>
+          </a:p>
+          <a:p>
+            <a:r>
+              <a:rPr lang="en-CA" sz="2000" u="sng" dirty="0">
                 <a:solidFill>
                   <a:schemeClr val="bg1">
                     <a:lumMod val="95000"/>
@@ -22721,10 +22289,10 @@
                 <a:latin typeface="Times New Roman" panose="02020603050405020304" pitchFamily="18" charset="0"/>
                 <a:ea typeface="Times New Roman" panose="02020603050405020304" pitchFamily="18" charset="0"/>
               </a:rPr>
-              <a:t>Authentication focuses on users providing proof of identity before being granted access to the system. Verification, which ideally is a </a:t>
-            </a:r>
-            <a:r>
-              <a:rPr lang="en-CA" sz="1800" u="sng" strike="noStrike" dirty="0">
+              <a:t>Entering a password, using a digital or physical key, and providing a </a:t>
+            </a:r>
+            <a:r>
+              <a:rPr lang="en-CA" sz="2000" u="sng" strike="noStrike" dirty="0">
                 <a:solidFill>
                   <a:schemeClr val="bg1">
                     <a:lumMod val="95000"/>
@@ -22741,10 +22309,10 @@
                   </a:extLst>
                 </a:hlinkClick>
               </a:rPr>
-              <a:t>multi-factor authentication</a:t>
-            </a:r>
-            <a:r>
-              <a:rPr lang="en-CA" sz="1800" u="sng" dirty="0">
+              <a:t>biometric </a:t>
+            </a:r>
+            <a:r>
+              <a:rPr lang="en-CA" sz="2000" u="sng" dirty="0">
                 <a:solidFill>
                   <a:schemeClr val="bg1">
                     <a:lumMod val="95000"/>
@@ -22754,42 +22322,22 @@
                 <a:latin typeface="Times New Roman" panose="02020603050405020304" pitchFamily="18" charset="0"/>
                 <a:ea typeface="Times New Roman" panose="02020603050405020304" pitchFamily="18" charset="0"/>
               </a:rPr>
-              <a:t> process, proves that they are whom they claim to be. Entering a password, using a digital or physical key, and providing a </a:t>
-            </a:r>
-            <a:r>
-              <a:rPr lang="en-CA" sz="1800" u="sng" strike="noStrike" dirty="0">
-                <a:solidFill>
-                  <a:schemeClr val="bg1">
-                    <a:lumMod val="95000"/>
-                  </a:schemeClr>
-                </a:solidFill>
-                <a:effectLst/>
-                <a:latin typeface="Times New Roman" panose="02020603050405020304" pitchFamily="18" charset="0"/>
-                <a:ea typeface="Times New Roman" panose="02020603050405020304" pitchFamily="18" charset="0"/>
-                <a:hlinkClick r:id="rId3">
-                  <a:extLst>
-                    <a:ext uri="{A12FA001-AC4F-418D-AE19-62706E023703}">
-                      <ahyp:hlinkClr xmlns:ahyp="http://schemas.microsoft.com/office/drawing/2018/hyperlinkcolor" val="tx"/>
-                    </a:ext>
-                  </a:extLst>
-                </a:hlinkClick>
-              </a:rPr>
-              <a:t>biometric </a:t>
-            </a:r>
-            <a:r>
-              <a:rPr lang="en-CA" sz="1800" u="sng" dirty="0">
-                <a:solidFill>
-                  <a:schemeClr val="bg1">
-                    <a:lumMod val="95000"/>
-                  </a:schemeClr>
-                </a:solidFill>
-                <a:effectLst/>
-                <a:latin typeface="Times New Roman" panose="02020603050405020304" pitchFamily="18" charset="0"/>
-                <a:ea typeface="Times New Roman" panose="02020603050405020304" pitchFamily="18" charset="0"/>
-              </a:rPr>
               <a:t>measure for accuracy are some of the ways to do this effectively.</a:t>
             </a:r>
-            <a:endParaRPr lang="en-CA" sz="1400" u="sng" dirty="0">
+          </a:p>
+          <a:p>
+            <a:endParaRPr lang="en-CA" sz="2000" u="sng" dirty="0">
+              <a:solidFill>
+                <a:schemeClr val="bg1">
+                  <a:lumMod val="95000"/>
+                </a:schemeClr>
+              </a:solidFill>
+              <a:latin typeface="Times New Roman" panose="02020603050405020304" pitchFamily="18" charset="0"/>
+              <a:ea typeface="Times New Roman" panose="02020603050405020304" pitchFamily="18" charset="0"/>
+            </a:endParaRPr>
+          </a:p>
+          <a:p>
+            <a:endParaRPr lang="en-CA" sz="2000" u="sng" dirty="0">
               <a:solidFill>
                 <a:schemeClr val="bg1">
                   <a:lumMod val="95000"/>
@@ -22802,7 +22350,7 @@
           </a:p>
           <a:p>
             <a:r>
-              <a:rPr lang="en-CA" sz="1800" u="sng" dirty="0">
+              <a:rPr lang="en-CA" sz="2000" u="sng" dirty="0">
                 <a:solidFill>
                   <a:schemeClr val="bg1">
                     <a:lumMod val="95000"/>
@@ -22814,16 +22362,6 @@
               </a:rPr>
               <a:t>The disadvantage of using this method is that once the information is lost or stolen (for example, if a user’s password is stolen), an attacker would be able to successfully authenticate.</a:t>
             </a:r>
-            <a:endParaRPr lang="en-CA" sz="1400" u="sng" dirty="0">
-              <a:solidFill>
-                <a:schemeClr val="bg1">
-                  <a:lumMod val="95000"/>
-                </a:schemeClr>
-              </a:solidFill>
-              <a:effectLst/>
-              <a:latin typeface="Times New Roman" panose="02020603050405020304" pitchFamily="18" charset="0"/>
-              <a:ea typeface="Times New Roman" panose="02020603050405020304" pitchFamily="18" charset="0"/>
-            </a:endParaRPr>
           </a:p>
         </p:txBody>
       </p:sp>
@@ -22920,11 +22458,22 @@
           <a:p>
             <a:r>
               <a:rPr lang="en-CA" sz="1800" dirty="0">
+                <a:solidFill>
+                  <a:schemeClr val="bg2"/>
+                </a:solidFill>
                 <a:effectLst/>
                 <a:latin typeface="Times New Roman" panose="02020603050405020304" pitchFamily="18" charset="0"/>
                 <a:ea typeface="Times New Roman" panose="02020603050405020304" pitchFamily="18" charset="0"/>
               </a:rPr>
-              <a:t>When the user offers a secret that only they know, that is known-only authentication by knowledge. A password, PIN code, or security question provided by the user would be examples of knowledge-based authentication.</a:t>
+              <a:t>When the user offers a secret that only they know, that is known-only authentication by knowledge. A password, PIN code, or security question provided by the user would be examples of knowledge-based authentication</a:t>
+            </a:r>
+            <a:r>
+              <a:rPr lang="en-CA" sz="1800" dirty="0">
+                <a:effectLst/>
+                <a:latin typeface="Times New Roman" panose="02020603050405020304" pitchFamily="18" charset="0"/>
+                <a:ea typeface="Times New Roman" panose="02020603050405020304" pitchFamily="18" charset="0"/>
+              </a:rPr>
+              <a:t>.</a:t>
             </a:r>
           </a:p>
           <a:p>
@@ -23013,7 +22562,7 @@
         <p:spPr>
           <a:xfrm>
             <a:off x="362309" y="428179"/>
-            <a:ext cx="8779534" cy="5386090"/>
+            <a:ext cx="8779534" cy="5663089"/>
           </a:xfrm>
           <a:prstGeom prst="rect">
             <a:avLst/>
@@ -23063,9 +22612,36 @@
                 <a:latin typeface="Times New Roman" panose="02020603050405020304" pitchFamily="18" charset="0"/>
                 <a:ea typeface="Times New Roman" panose="02020603050405020304" pitchFamily="18" charset="0"/>
               </a:rPr>
-              <a:t>When a user has successfully established their identity, pre-determined permissions are granted to them during the authorization stage. The level of clearance that should be provided is determined by the reference monitor or authorization matrix, which also stores and transmits control information.</a:t>
-            </a:r>
-            <a:endParaRPr lang="en-CA" sz="1800" b="1" dirty="0">
+              <a:t>When a user has successfully established their identity, pre-determined permissions are granted to them during the authorization stage. </a:t>
+            </a:r>
+          </a:p>
+          <a:p>
+            <a:endParaRPr lang="en-CA" sz="2000" dirty="0">
+              <a:solidFill>
+                <a:schemeClr val="bg1">
+                  <a:lumMod val="95000"/>
+                </a:schemeClr>
+              </a:solidFill>
+              <a:latin typeface="Times New Roman" panose="02020603050405020304" pitchFamily="18" charset="0"/>
+              <a:ea typeface="Times New Roman" panose="02020603050405020304" pitchFamily="18" charset="0"/>
+            </a:endParaRPr>
+          </a:p>
+          <a:p>
+            <a:r>
+              <a:rPr lang="en-CA" sz="2000" dirty="0">
+                <a:solidFill>
+                  <a:schemeClr val="bg1">
+                    <a:lumMod val="95000"/>
+                  </a:schemeClr>
+                </a:solidFill>
+                <a:latin typeface="Times New Roman" panose="02020603050405020304" pitchFamily="18" charset="0"/>
+                <a:ea typeface="Times New Roman" panose="02020603050405020304" pitchFamily="18" charset="0"/>
+              </a:rPr>
+              <a:t>How to prevent access  – </a:t>
+            </a:r>
+          </a:p>
+          <a:p>
+            <a:endParaRPr lang="en-CA" sz="1800" dirty="0">
               <a:solidFill>
                 <a:schemeClr val="bg1">
                   <a:lumMod val="95000"/>
@@ -23400,44 +22976,6 @@
           </a:p>
         </p:txBody>
       </p:sp>
-      <p:pic>
-        <p:nvPicPr>
-          <p:cNvPr id="4" name="Content Placeholder 3">
-            <a:extLst>
-              <a:ext uri="{FF2B5EF4-FFF2-40B4-BE49-F238E27FC236}">
-                <a16:creationId xmlns:a16="http://schemas.microsoft.com/office/drawing/2014/main" id="{CBB1D20F-4F78-F768-BDD4-609FA9196790}"/>
-              </a:ext>
-            </a:extLst>
-          </p:cNvPr>
-          <p:cNvPicPr>
-            <a:picLocks noGrp="1" noChangeAspect="1"/>
-          </p:cNvPicPr>
-          <p:nvPr>
-            <p:ph idx="1"/>
-          </p:nvPr>
-        </p:nvPicPr>
-        <p:blipFill>
-          <a:blip r:embed="rId2">
-            <a:extLst>
-              <a:ext uri="{28A0092B-C50C-407E-A947-70E740481C1C}">
-                <a14:useLocalDpi xmlns:a14="http://schemas.microsoft.com/office/drawing/2010/main" val="0"/>
-              </a:ext>
-            </a:extLst>
-          </a:blip>
-          <a:stretch>
-            <a:fillRect/>
-          </a:stretch>
-        </p:blipFill>
-        <p:spPr>
-          <a:xfrm>
-            <a:off x="0" y="1250829"/>
-            <a:ext cx="11964838" cy="5244861"/>
-          </a:xfrm>
-          <a:prstGeom prst="rect">
-            <a:avLst/>
-          </a:prstGeom>
-        </p:spPr>
-      </p:pic>
       <p:sp>
         <p:nvSpPr>
           <p:cNvPr id="6" name="TextBox 5">
@@ -23453,7 +22991,7 @@
         <p:spPr>
           <a:xfrm>
             <a:off x="227162" y="1258089"/>
-            <a:ext cx="11964838" cy="1631216"/>
+            <a:ext cx="11964838" cy="3970318"/>
           </a:xfrm>
           <a:prstGeom prst="rect">
             <a:avLst/>
@@ -23467,25 +23005,21 @@
           <a:lstStyle/>
           <a:p>
             <a:r>
-              <a:rPr lang="en-CA" sz="2000" b="1" dirty="0">
-                <a:solidFill>
-                  <a:schemeClr val="bg2">
-                    <a:lumMod val="10000"/>
-                  </a:schemeClr>
+              <a:rPr lang="en-CA" sz="2800" b="1" dirty="0">
+                <a:solidFill>
+                  <a:schemeClr val="bg2"/>
                 </a:solidFill>
                 <a:effectLst/>
                 <a:latin typeface="Times New Roman" panose="02020603050405020304" pitchFamily="18" charset="0"/>
                 <a:ea typeface="Times New Roman" panose="02020603050405020304" pitchFamily="18" charset="0"/>
               </a:rPr>
-              <a:t>With this type of authentication, the user is asked to provide proof that he owns something specific—for example, a system might require an employee to use a badge to access a facility. Another example of authentication by ownership is the use of a token or smart card.</a:t>
-            </a:r>
-          </a:p>
-          <a:p>
-            <a:endParaRPr lang="en-CA" sz="2000" b="1" dirty="0">
+              <a:t>With this type of authentication, the user is asked to provide proof that he owns something specific.</a:t>
+            </a:r>
+          </a:p>
+          <a:p>
+            <a:endParaRPr lang="en-CA" sz="2800" b="1" dirty="0">
               <a:solidFill>
-                <a:schemeClr val="bg2">
-                  <a:lumMod val="10000"/>
-                </a:schemeClr>
+                <a:schemeClr val="bg2"/>
               </a:solidFill>
               <a:effectLst/>
               <a:latin typeface="Times New Roman" panose="02020603050405020304" pitchFamily="18" charset="0"/>
@@ -23494,6 +23028,40 @@
           </a:p>
           <a:p>
             <a:r>
+              <a:rPr lang="en-CA" sz="2800" b="1" dirty="0">
+                <a:solidFill>
+                  <a:schemeClr val="bg2"/>
+                </a:solidFill>
+                <a:effectLst/>
+                <a:latin typeface="Times New Roman" panose="02020603050405020304" pitchFamily="18" charset="0"/>
+                <a:ea typeface="Times New Roman" panose="02020603050405020304" pitchFamily="18" charset="0"/>
+              </a:rPr>
+              <a:t>—for example, a system might require an employee to use a badge to access a facility. Another example of authentication by ownership is the use of a token or smart card.</a:t>
+            </a:r>
+          </a:p>
+          <a:p>
+            <a:endParaRPr lang="en-CA" sz="2800" b="1" dirty="0">
+              <a:solidFill>
+                <a:schemeClr val="bg2"/>
+              </a:solidFill>
+              <a:effectLst/>
+              <a:latin typeface="Times New Roman" panose="02020603050405020304" pitchFamily="18" charset="0"/>
+              <a:ea typeface="Times New Roman" panose="02020603050405020304" pitchFamily="18" charset="0"/>
+            </a:endParaRPr>
+          </a:p>
+          <a:p>
+            <a:r>
+              <a:rPr lang="en-CA" sz="2800" b="1" dirty="0">
+                <a:solidFill>
+                  <a:schemeClr val="bg2"/>
+                </a:solidFill>
+                <a:effectLst/>
+                <a:latin typeface="Times New Roman" panose="02020603050405020304" pitchFamily="18" charset="0"/>
+                <a:ea typeface="Times New Roman" panose="02020603050405020304" pitchFamily="18" charset="0"/>
+              </a:rPr>
+              <a:t>Possession – The most common of the four is the one-time passcode sent to a device in the user’s possession</a:t>
+            </a:r>
+            <a:r>
               <a:rPr lang="en-CA" sz="2000" b="1" dirty="0">
                 <a:solidFill>
                   <a:schemeClr val="bg2">
@@ -23504,7 +23072,7 @@
                 <a:latin typeface="Times New Roman" panose="02020603050405020304" pitchFamily="18" charset="0"/>
                 <a:ea typeface="Times New Roman" panose="02020603050405020304" pitchFamily="18" charset="0"/>
               </a:rPr>
-              <a:t>Possession – The most common of the four is the one-time passcode sent to a device in the user’s possession.</a:t>
+              <a:t>.</a:t>
             </a:r>
           </a:p>
         </p:txBody>

--- a/Access Control.pptx
+++ b/Access Control.pptx
@@ -2610,7 +2610,7 @@
 <dgm:dataModel xmlns:dgm="http://schemas.openxmlformats.org/drawingml/2006/diagram" xmlns:a="http://schemas.openxmlformats.org/drawingml/2006/main">
   <dgm:ptLst>
     <dgm:pt modelId="{F6B622AB-9027-41A3-9707-A72F50CD5807}" type="doc">
-      <dgm:prSet loTypeId="urn:microsoft.com/office/officeart/2005/8/layout/default" loCatId="list" qsTypeId="urn:microsoft.com/office/officeart/2005/8/quickstyle/simple1" qsCatId="simple" csTypeId="urn:microsoft.com/office/officeart/2005/8/colors/colorful2" csCatId="colorful"/>
+      <dgm:prSet loTypeId="urn:microsoft.com/office/officeart/2005/8/layout/default" loCatId="list" qsTypeId="urn:microsoft.com/office/officeart/2005/8/quickstyle/simple1" qsCatId="simple" csTypeId="urn:microsoft.com/office/officeart/2005/8/colors/colorful2" csCatId="colorful" phldr="1"/>
       <dgm:spPr/>
       <dgm:t>
         <a:bodyPr/>
@@ -2666,11 +2666,7 @@
         <a:p>
           <a:r>
             <a:rPr lang="en-CA" b="0" dirty="0"/>
-            <a:t>A secure identity should be distinct in the sense that it should be possible for two users to identify themselves clearly. In the context of account monitoring, this is very significant. If the authentication systems are disconnected, it is feasible for identities to be duplicated</a:t>
-          </a:r>
-          <a:r>
-            <a:rPr lang="en-CA" b="1" dirty="0"/>
-            <a:t>.</a:t>
+            <a:t>A secure identity should be distinct in the sense that it should be possible for two users to identify themselves clearly. </a:t>
           </a:r>
           <a:endParaRPr lang="en-US" dirty="0"/>
         </a:p>
@@ -2743,10 +2739,10 @@
         <a:lstStyle/>
         <a:p>
           <a:r>
-            <a:rPr lang="en-CA" b="0"/>
+            <a:rPr lang="en-CA" b="0" dirty="0"/>
             <a:t>Identities should be unique. Two users with the same identity should not be allowed.</a:t>
           </a:r>
-          <a:endParaRPr lang="en-US"/>
+          <a:endParaRPr lang="en-US" dirty="0"/>
         </a:p>
       </dgm:t>
     </dgm:pt>
@@ -2780,14 +2776,14 @@
         <a:lstStyle/>
         <a:p>
           <a:r>
-            <a:rPr lang="en-CA" b="1"/>
+            <a:rPr lang="en-CA" b="1" dirty="0"/>
             <a:t>2. </a:t>
           </a:r>
           <a:r>
-            <a:rPr lang="en-CA" b="0"/>
-            <a:t> Identities should be nondescriptive. It should not be possible to infer the role or function of the user. For example, a user called “Admin” represents a descriptive identity, whereas a user called “o1337ms1” represents a nondescriptive identity. </a:t>
+            <a:rPr lang="en-CA" b="0" dirty="0"/>
+            <a:t> Identities should be nondescriptive. It should not be possible to infer the role or function of the user.  </a:t>
           </a:r>
-          <a:endParaRPr lang="en-US"/>
+          <a:endParaRPr lang="en-US" dirty="0"/>
         </a:p>
       </dgm:t>
     </dgm:pt>
@@ -3596,12 +3592,12 @@
         </a:fontRef>
       </dsp:style>
       <dsp:txBody>
-        <a:bodyPr spcFirstLastPara="0" vert="horz" wrap="square" lIns="53340" tIns="53340" rIns="53340" bIns="53340" numCol="1" spcCol="1270" anchor="ctr" anchorCtr="0">
+        <a:bodyPr spcFirstLastPara="0" vert="horz" wrap="square" lIns="72390" tIns="72390" rIns="72390" bIns="72390" numCol="1" spcCol="1270" anchor="ctr" anchorCtr="0">
           <a:noAutofit/>
         </a:bodyPr>
         <a:lstStyle/>
         <a:p>
-          <a:pPr marL="0" lvl="0" indent="0" algn="ctr" defTabSz="622300">
+          <a:pPr marL="0" lvl="0" indent="0" algn="ctr" defTabSz="844550">
             <a:lnSpc>
               <a:spcPct val="90000"/>
             </a:lnSpc>
@@ -3614,10 +3610,10 @@
             <a:buNone/>
           </a:pPr>
           <a:r>
-            <a:rPr lang="en-CA" sz="1400" b="1" kern="1200"/>
+            <a:rPr lang="en-CA" sz="1900" b="1" kern="1200"/>
             <a:t>How Is Identity Verified?</a:t>
           </a:r>
-          <a:endParaRPr lang="en-US" sz="1400" kern="1200"/>
+          <a:endParaRPr lang="en-US" sz="1900" kern="1200"/>
         </a:p>
       </dsp:txBody>
       <dsp:txXfrm>
@@ -3674,12 +3670,12 @@
         </a:fontRef>
       </dsp:style>
       <dsp:txBody>
-        <a:bodyPr spcFirstLastPara="0" vert="horz" wrap="square" lIns="53340" tIns="53340" rIns="53340" bIns="53340" numCol="1" spcCol="1270" anchor="ctr" anchorCtr="0">
+        <a:bodyPr spcFirstLastPara="0" vert="horz" wrap="square" lIns="72390" tIns="72390" rIns="72390" bIns="72390" numCol="1" spcCol="1270" anchor="ctr" anchorCtr="0">
           <a:noAutofit/>
         </a:bodyPr>
         <a:lstStyle/>
         <a:p>
-          <a:pPr marL="0" lvl="0" indent="0" algn="ctr" defTabSz="622300">
+          <a:pPr marL="0" lvl="0" indent="0" algn="ctr" defTabSz="844550">
             <a:lnSpc>
               <a:spcPct val="90000"/>
             </a:lnSpc>
@@ -3692,14 +3688,10 @@
             <a:buNone/>
           </a:pPr>
           <a:r>
-            <a:rPr lang="en-CA" sz="1400" b="0" kern="1200" dirty="0"/>
-            <a:t>A secure identity should be distinct in the sense that it should be possible for two users to identify themselves clearly. In the context of account monitoring, this is very significant. If the authentication systems are disconnected, it is feasible for identities to be duplicated</a:t>
+            <a:rPr lang="en-CA" sz="1900" b="0" kern="1200" dirty="0"/>
+            <a:t>A secure identity should be distinct in the sense that it should be possible for two users to identify themselves clearly. </a:t>
           </a:r>
-          <a:r>
-            <a:rPr lang="en-CA" sz="1400" b="1" kern="1200" dirty="0"/>
-            <a:t>.</a:t>
-          </a:r>
-          <a:endParaRPr lang="en-US" sz="1400" kern="1200" dirty="0"/>
+          <a:endParaRPr lang="en-US" sz="1900" kern="1200" dirty="0"/>
         </a:p>
       </dsp:txBody>
       <dsp:txXfrm>
@@ -3756,12 +3748,12 @@
         </a:fontRef>
       </dsp:style>
       <dsp:txBody>
-        <a:bodyPr spcFirstLastPara="0" vert="horz" wrap="square" lIns="53340" tIns="53340" rIns="53340" bIns="53340" numCol="1" spcCol="1270" anchor="t" anchorCtr="0">
+        <a:bodyPr spcFirstLastPara="0" vert="horz" wrap="square" lIns="72390" tIns="72390" rIns="72390" bIns="72390" numCol="1" spcCol="1270" anchor="t" anchorCtr="0">
           <a:noAutofit/>
         </a:bodyPr>
         <a:lstStyle/>
         <a:p>
-          <a:pPr marL="0" lvl="0" indent="0" algn="l" defTabSz="622300">
+          <a:pPr marL="0" lvl="0" indent="0" algn="l" defTabSz="844550">
             <a:lnSpc>
               <a:spcPct val="90000"/>
             </a:lnSpc>
@@ -3774,13 +3766,13 @@
             <a:buNone/>
           </a:pPr>
           <a:r>
-            <a:rPr lang="en-CA" sz="1400" b="0" kern="1200"/>
+            <a:rPr lang="en-CA" sz="1900" b="0" kern="1200"/>
             <a:t>The list that follows highlights the key concepts of identity. </a:t>
           </a:r>
-          <a:endParaRPr lang="en-US" sz="1400" kern="1200"/>
+          <a:endParaRPr lang="en-US" sz="1900" kern="1200"/>
         </a:p>
         <a:p>
-          <a:pPr marL="57150" lvl="1" indent="-57150" algn="l" defTabSz="488950">
+          <a:pPr marL="114300" lvl="1" indent="-114300" algn="l" defTabSz="666750">
             <a:lnSpc>
               <a:spcPct val="90000"/>
             </a:lnSpc>
@@ -3793,10 +3785,10 @@
             <a:buChar char="•"/>
           </a:pPr>
           <a:r>
-            <a:rPr lang="en-CA" sz="1100" b="0" kern="1200"/>
+            <a:rPr lang="en-CA" sz="1500" b="0" kern="1200" dirty="0"/>
             <a:t>Identities should be unique. Two users with the same identity should not be allowed.</a:t>
           </a:r>
-          <a:endParaRPr lang="en-US" sz="1100" kern="1200"/>
+          <a:endParaRPr lang="en-US" sz="1500" kern="1200" dirty="0"/>
         </a:p>
       </dsp:txBody>
       <dsp:txXfrm>
@@ -3853,12 +3845,12 @@
         </a:fontRef>
       </dsp:style>
       <dsp:txBody>
-        <a:bodyPr spcFirstLastPara="0" vert="horz" wrap="square" lIns="53340" tIns="53340" rIns="53340" bIns="53340" numCol="1" spcCol="1270" anchor="ctr" anchorCtr="0">
+        <a:bodyPr spcFirstLastPara="0" vert="horz" wrap="square" lIns="72390" tIns="72390" rIns="72390" bIns="72390" numCol="1" spcCol="1270" anchor="ctr" anchorCtr="0">
           <a:noAutofit/>
         </a:bodyPr>
         <a:lstStyle/>
         <a:p>
-          <a:pPr marL="0" lvl="0" indent="0" algn="ctr" defTabSz="622300">
+          <a:pPr marL="0" lvl="0" indent="0" algn="ctr" defTabSz="844550">
             <a:lnSpc>
               <a:spcPct val="90000"/>
             </a:lnSpc>
@@ -3871,14 +3863,14 @@
             <a:buNone/>
           </a:pPr>
           <a:r>
-            <a:rPr lang="en-CA" sz="1400" b="1" kern="1200"/>
+            <a:rPr lang="en-CA" sz="1900" b="1" kern="1200" dirty="0"/>
             <a:t>2. </a:t>
           </a:r>
           <a:r>
-            <a:rPr lang="en-CA" sz="1400" b="0" kern="1200"/>
-            <a:t> Identities should be nondescriptive. It should not be possible to infer the role or function of the user. For example, a user called “Admin” represents a descriptive identity, whereas a user called “o1337ms1” represents a nondescriptive identity. </a:t>
+            <a:rPr lang="en-CA" sz="1900" b="0" kern="1200" dirty="0"/>
+            <a:t> Identities should be nondescriptive. It should not be possible to infer the role or function of the user.  </a:t>
           </a:r>
-          <a:endParaRPr lang="en-US" sz="1400" kern="1200"/>
+          <a:endParaRPr lang="en-US" sz="1900" kern="1200" dirty="0"/>
         </a:p>
       </dsp:txBody>
       <dsp:txXfrm>
@@ -3935,12 +3927,12 @@
         </a:fontRef>
       </dsp:style>
       <dsp:txBody>
-        <a:bodyPr spcFirstLastPara="0" vert="horz" wrap="square" lIns="53340" tIns="53340" rIns="53340" bIns="53340" numCol="1" spcCol="1270" anchor="ctr" anchorCtr="0">
+        <a:bodyPr spcFirstLastPara="0" vert="horz" wrap="square" lIns="72390" tIns="72390" rIns="72390" bIns="72390" numCol="1" spcCol="1270" anchor="ctr" anchorCtr="0">
           <a:noAutofit/>
         </a:bodyPr>
         <a:lstStyle/>
         <a:p>
-          <a:pPr marL="0" lvl="0" indent="0" algn="ctr" defTabSz="622300">
+          <a:pPr marL="0" lvl="0" indent="0" algn="ctr" defTabSz="844550">
             <a:lnSpc>
               <a:spcPct val="90000"/>
             </a:lnSpc>
@@ -3953,10 +3945,10 @@
             <a:buNone/>
           </a:pPr>
           <a:r>
-            <a:rPr lang="en-CA" sz="1400" b="0" kern="1200"/>
+            <a:rPr lang="en-CA" sz="1900" b="0" kern="1200"/>
             <a:t>3. Identities should be securely issued. A secure process for issuing an identity to a user needs to be established.</a:t>
           </a:r>
-          <a:endParaRPr lang="en-US" sz="1400" kern="1200"/>
+          <a:endParaRPr lang="en-US" sz="1900" kern="1200"/>
         </a:p>
       </dsp:txBody>
       <dsp:txXfrm>
@@ -4013,12 +4005,12 @@
         </a:fontRef>
       </dsp:style>
       <dsp:txBody>
-        <a:bodyPr spcFirstLastPara="0" vert="horz" wrap="square" lIns="53340" tIns="53340" rIns="53340" bIns="53340" numCol="1" spcCol="1270" anchor="ctr" anchorCtr="0">
+        <a:bodyPr spcFirstLastPara="0" vert="horz" wrap="square" lIns="72390" tIns="72390" rIns="72390" bIns="72390" numCol="1" spcCol="1270" anchor="ctr" anchorCtr="0">
           <a:noAutofit/>
         </a:bodyPr>
         <a:lstStyle/>
         <a:p>
-          <a:pPr marL="0" lvl="0" indent="0" algn="ctr" defTabSz="622300">
+          <a:pPr marL="0" lvl="0" indent="0" algn="ctr" defTabSz="844550">
             <a:lnSpc>
               <a:spcPct val="90000"/>
             </a:lnSpc>
@@ -4031,10 +4023,10 @@
             <a:buNone/>
           </a:pPr>
           <a:r>
-            <a:rPr lang="en-CA" sz="1400" b="0" kern="1200"/>
+            <a:rPr lang="en-CA" sz="1900" b="0" kern="1200"/>
             <a:t>4.  Identities can be location-based. A process for authenticating someone based on his or her location.</a:t>
           </a:r>
-          <a:endParaRPr lang="en-US" sz="1400" kern="1200"/>
+          <a:endParaRPr lang="en-US" sz="1900" kern="1200"/>
         </a:p>
       </dsp:txBody>
       <dsp:txXfrm>
@@ -19922,42 +19914,6 @@
           <a:chExt cx="0" cy="0"/>
         </a:xfrm>
       </p:grpSpPr>
-      <p:pic>
-        <p:nvPicPr>
-          <p:cNvPr id="2" name="Picture 1" descr="A picture containing text, electronics, circuit&#10;&#10;Description automatically generated">
-            <a:extLst>
-              <a:ext uri="{FF2B5EF4-FFF2-40B4-BE49-F238E27FC236}">
-                <a16:creationId xmlns:a16="http://schemas.microsoft.com/office/drawing/2014/main" id="{B046B117-6868-1362-C350-B88731067303}"/>
-              </a:ext>
-            </a:extLst>
-          </p:cNvPr>
-          <p:cNvPicPr>
-            <a:picLocks noChangeAspect="1"/>
-          </p:cNvPicPr>
-          <p:nvPr/>
-        </p:nvPicPr>
-        <p:blipFill>
-          <a:blip r:embed="rId2">
-            <a:extLst>
-              <a:ext uri="{28A0092B-C50C-407E-A947-70E740481C1C}">
-                <a14:useLocalDpi xmlns:a14="http://schemas.microsoft.com/office/drawing/2010/main" val="0"/>
-              </a:ext>
-            </a:extLst>
-          </a:blip>
-          <a:stretch>
-            <a:fillRect/>
-          </a:stretch>
-        </p:blipFill>
-        <p:spPr>
-          <a:xfrm>
-            <a:off x="-438912" y="0"/>
-            <a:ext cx="12649200" cy="6461185"/>
-          </a:xfrm>
-          <a:prstGeom prst="rect">
-            <a:avLst/>
-          </a:prstGeom>
-        </p:spPr>
-      </p:pic>
       <p:sp>
         <p:nvSpPr>
           <p:cNvPr id="4" name="TextBox 3">
@@ -19972,8 +19928,8 @@
         </p:nvSpPr>
         <p:spPr>
           <a:xfrm>
-            <a:off x="-439947" y="298261"/>
-            <a:ext cx="5089585" cy="2554545"/>
+            <a:off x="931653" y="618301"/>
+            <a:ext cx="10379475" cy="2062103"/>
           </a:xfrm>
           <a:prstGeom prst="rect">
             <a:avLst/>
@@ -19998,8 +19954,22 @@
                 <a:latin typeface="Times New Roman" panose="02020603050405020304" pitchFamily="18" charset="0"/>
                 <a:ea typeface="Times New Roman" panose="02020603050405020304" pitchFamily="18" charset="0"/>
               </a:rPr>
-              <a:t>Identification –  </a:t>
-            </a:r>
+              <a:t>Identification – </a:t>
+            </a:r>
+          </a:p>
+          <a:p>
+            <a:endParaRPr lang="en-CA" sz="3200" b="1" u="sng" dirty="0">
+              <a:solidFill>
+                <a:schemeClr val="accent4">
+                  <a:lumMod val="60000"/>
+                  <a:lumOff val="40000"/>
+                </a:schemeClr>
+              </a:solidFill>
+              <a:latin typeface="Times New Roman" panose="02020603050405020304" pitchFamily="18" charset="0"/>
+              <a:ea typeface="Times New Roman" panose="02020603050405020304" pitchFamily="18" charset="0"/>
+            </a:endParaRPr>
+          </a:p>
+          <a:p>
             <a:r>
               <a:rPr lang="en-CA" sz="3200" b="0" u="sng" dirty="0">
                 <a:solidFill>
@@ -20012,7 +19982,23 @@
                 <a:latin typeface="Times New Roman" panose="02020603050405020304" pitchFamily="18" charset="0"/>
                 <a:ea typeface="Times New Roman" panose="02020603050405020304" pitchFamily="18" charset="0"/>
               </a:rPr>
-              <a:t>Identification is the starting point, where the users provide information about their identity. </a:t>
+              <a:t>Identification is the starting point, where the users provide </a:t>
+            </a:r>
+          </a:p>
+          <a:p>
+            <a:r>
+              <a:rPr lang="en-CA" sz="3200" b="0" u="sng" dirty="0">
+                <a:solidFill>
+                  <a:schemeClr val="accent4">
+                    <a:lumMod val="60000"/>
+                    <a:lumOff val="40000"/>
+                  </a:schemeClr>
+                </a:solidFill>
+                <a:effectLst/>
+                <a:latin typeface="Times New Roman" panose="02020603050405020304" pitchFamily="18" charset="0"/>
+                <a:ea typeface="Times New Roman" panose="02020603050405020304" pitchFamily="18" charset="0"/>
+              </a:rPr>
+              <a:t>information about their identity. </a:t>
             </a:r>
             <a:endParaRPr lang="en-CA" sz="3200" b="1" u="sng" dirty="0">
               <a:solidFill>
@@ -21889,7 +21875,7 @@
           <p:nvPr>
             <p:extLst>
               <p:ext uri="{D42A27DB-BD31-4B8C-83A1-F6EECF244321}">
-                <p14:modId xmlns:p14="http://schemas.microsoft.com/office/powerpoint/2010/main" val="826354931"/>
+                <p14:modId xmlns:p14="http://schemas.microsoft.com/office/powerpoint/2010/main" val="1520093577"/>
               </p:ext>
             </p:extLst>
           </p:nvPr>

--- a/Access Control.pptx
+++ b/Access Control.pptx
@@ -155,6 +155,65 @@
     </a:lvl9pPr>
   </p:defaultTextStyle>
   <p:extLst>
+    <p:ext uri="{521415D9-36F7-43E2-AB2F-B90AF26B5E84}">
+      <p14:sectionLst xmlns:p14="http://schemas.microsoft.com/office/powerpoint/2010/main">
+        <p14:section name="Default Section" id="{2BA019AD-AEA8-41DB-9A22-032E40E53CDE}">
+          <p14:sldIdLst>
+            <p14:sldId id="256"/>
+            <p14:sldId id="282"/>
+            <p14:sldId id="283"/>
+            <p14:sldId id="284"/>
+            <p14:sldId id="285"/>
+            <p14:sldId id="286"/>
+            <p14:sldId id="287"/>
+            <p14:sldId id="288"/>
+            <p14:sldId id="290"/>
+            <p14:sldId id="289"/>
+            <p14:sldId id="291"/>
+            <p14:sldId id="292"/>
+            <p14:sldId id="293"/>
+            <p14:sldId id="257"/>
+            <p14:sldId id="314"/>
+            <p14:sldId id="258"/>
+            <p14:sldId id="259"/>
+            <p14:sldId id="264"/>
+            <p14:sldId id="265"/>
+            <p14:sldId id="266"/>
+            <p14:sldId id="267"/>
+            <p14:sldId id="268"/>
+            <p14:sldId id="269"/>
+            <p14:sldId id="270"/>
+            <p14:sldId id="271"/>
+            <p14:sldId id="272"/>
+            <p14:sldId id="273"/>
+            <p14:sldId id="274"/>
+            <p14:sldId id="275"/>
+            <p14:sldId id="276"/>
+            <p14:sldId id="278"/>
+            <p14:sldId id="279"/>
+            <p14:sldId id="280"/>
+            <p14:sldId id="281"/>
+            <p14:sldId id="296"/>
+            <p14:sldId id="297"/>
+            <p14:sldId id="298"/>
+            <p14:sldId id="299"/>
+            <p14:sldId id="300"/>
+            <p14:sldId id="312"/>
+            <p14:sldId id="301"/>
+            <p14:sldId id="302"/>
+            <p14:sldId id="306"/>
+            <p14:sldId id="303"/>
+            <p14:sldId id="304"/>
+            <p14:sldId id="313"/>
+            <p14:sldId id="305"/>
+            <p14:sldId id="307"/>
+            <p14:sldId id="308"/>
+            <p14:sldId id="309"/>
+            <p14:sldId id="311"/>
+          </p14:sldIdLst>
+        </p14:section>
+      </p14:sectionLst>
+    </p:ext>
     <p:ext uri="{EFAFB233-063F-42B5-8137-9DF3F51BA10A}">
       <p15:sldGuideLst xmlns:p15="http://schemas.microsoft.com/office/powerpoint/2012/main"/>
     </p:ext>
@@ -13497,8 +13556,8 @@
         </p:nvSpPr>
         <p:spPr>
           <a:xfrm>
-            <a:off x="744028" y="568256"/>
-            <a:ext cx="10694598" cy="5296578"/>
+            <a:off x="748701" y="1846450"/>
+            <a:ext cx="10694598" cy="4221284"/>
           </a:xfrm>
           <a:prstGeom prst="rect">
             <a:avLst/>
@@ -13520,63 +13579,26 @@
               </a:spcAft>
             </a:pPr>
             <a:r>
-              <a:rPr lang="en-CA" sz="4400" b="1" dirty="0">
+              <a:rPr lang="en-CA" sz="2400" dirty="0">
                 <a:solidFill>
                   <a:schemeClr val="bg1">
                     <a:lumMod val="95000"/>
                   </a:schemeClr>
                 </a:solidFill>
                 <a:effectLst/>
-                <a:latin typeface="Calibri" panose="020F0502020204030204" pitchFamily="34" charset="0"/>
                 <a:ea typeface="Calibri" panose="020F0502020204030204" pitchFamily="34" charset="0"/>
                 <a:cs typeface="Times New Roman" panose="02020603050405020304" pitchFamily="18" charset="0"/>
               </a:rPr>
-              <a:t>Authentication by Characteristic –</a:t>
-            </a:r>
-            <a:endParaRPr lang="en-CA" sz="4400" dirty="0">
-              <a:solidFill>
-                <a:schemeClr val="bg1">
-                  <a:lumMod val="95000"/>
-                </a:schemeClr>
-              </a:solidFill>
-              <a:effectLst/>
-              <a:latin typeface="Calibri" panose="020F0502020204030204" pitchFamily="34" charset="0"/>
-              <a:ea typeface="Calibri" panose="020F0502020204030204" pitchFamily="34" charset="0"/>
-              <a:cs typeface="Times New Roman" panose="02020603050405020304" pitchFamily="18" charset="0"/>
-            </a:endParaRPr>
-          </a:p>
-          <a:p>
-            <a:pPr>
-              <a:lnSpc>
-                <a:spcPct val="107000"/>
-              </a:lnSpc>
-              <a:spcAft>
-                <a:spcPts val="800"/>
-              </a:spcAft>
-            </a:pPr>
-            <a:r>
-              <a:rPr lang="en-CA" sz="2400" dirty="0">
+              <a:t>Authentication by characteristic, often known as a biometric attribute, authentication verifies the user based on a physical or behavioural characteristic. The following physical or physiological traits are the most prevalent</a:t>
+            </a:r>
+            <a:r>
+              <a:rPr lang="en-CA" sz="2400" b="1" dirty="0">
                 <a:solidFill>
                   <a:schemeClr val="bg1">
                     <a:lumMod val="95000"/>
                   </a:schemeClr>
                 </a:solidFill>
                 <a:effectLst/>
-                <a:latin typeface="Calibri" panose="020F0502020204030204" pitchFamily="34" charset="0"/>
-                <a:ea typeface="Calibri" panose="020F0502020204030204" pitchFamily="34" charset="0"/>
-                <a:cs typeface="Times New Roman" panose="02020603050405020304" pitchFamily="18" charset="0"/>
-              </a:rPr>
-              <a:t>Authentication by characteristic, often known as a biometric attribute, authentication verifies the user based on a physical or behavioral characteristic. The following physical or physiological traits are the most prevalent</a:t>
-            </a:r>
-            <a:r>
-              <a:rPr lang="en-CA" sz="2400" b="1" dirty="0">
-                <a:solidFill>
-                  <a:schemeClr val="bg1">
-                    <a:lumMod val="95000"/>
-                  </a:schemeClr>
-                </a:solidFill>
-                <a:effectLst/>
-                <a:latin typeface="Calibri" panose="020F0502020204030204" pitchFamily="34" charset="0"/>
                 <a:ea typeface="Calibri" panose="020F0502020204030204" pitchFamily="34" charset="0"/>
                 <a:cs typeface="Times New Roman" panose="02020603050405020304" pitchFamily="18" charset="0"/>
               </a:rPr>
@@ -13591,14 +13613,13 @@
               <a:buSzPts val="1100"/>
             </a:pPr>
             <a:r>
-              <a:rPr lang="en-CA" sz="2800" dirty="0">
+              <a:rPr lang="en-CA" sz="2400" dirty="0">
                 <a:solidFill>
                   <a:schemeClr val="bg1">
                     <a:lumMod val="95000"/>
                   </a:schemeClr>
                 </a:solidFill>
                 <a:effectLst/>
-                <a:latin typeface="Calibri" panose="020F0502020204030204" pitchFamily="34" charset="0"/>
                 <a:ea typeface="Calibri" panose="020F0502020204030204" pitchFamily="34" charset="0"/>
                 <a:cs typeface="Times New Roman" panose="02020603050405020304" pitchFamily="18" charset="0"/>
               </a:rPr>
@@ -13613,14 +13634,13 @@
               <a:buSzPts val="1100"/>
             </a:pPr>
             <a:r>
-              <a:rPr lang="en-CA" sz="2800" dirty="0">
+              <a:rPr lang="en-CA" sz="2400" dirty="0">
                 <a:solidFill>
                   <a:schemeClr val="bg1">
                     <a:lumMod val="95000"/>
                   </a:schemeClr>
                 </a:solidFill>
                 <a:effectLst/>
-                <a:latin typeface="Calibri" panose="020F0502020204030204" pitchFamily="34" charset="0"/>
                 <a:ea typeface="Calibri" panose="020F0502020204030204" pitchFamily="34" charset="0"/>
                 <a:cs typeface="Times New Roman" panose="02020603050405020304" pitchFamily="18" charset="0"/>
               </a:rPr>
@@ -13635,14 +13655,13 @@
               <a:buSzPts val="1100"/>
             </a:pPr>
             <a:r>
-              <a:rPr lang="en-CA" sz="2800" dirty="0">
+              <a:rPr lang="en-CA" sz="2400" dirty="0">
                 <a:solidFill>
                   <a:schemeClr val="bg1">
                     <a:lumMod val="95000"/>
                   </a:schemeClr>
                 </a:solidFill>
                 <a:effectLst/>
-                <a:latin typeface="Calibri" panose="020F0502020204030204" pitchFamily="34" charset="0"/>
                 <a:ea typeface="Calibri" panose="020F0502020204030204" pitchFamily="34" charset="0"/>
                 <a:cs typeface="Times New Roman" panose="02020603050405020304" pitchFamily="18" charset="0"/>
               </a:rPr>
@@ -13657,14 +13676,13 @@
               <a:buSzPts val="1100"/>
             </a:pPr>
             <a:r>
-              <a:rPr lang="en-CA" sz="2800" dirty="0">
+              <a:rPr lang="en-CA" sz="2400" dirty="0">
                 <a:solidFill>
                   <a:schemeClr val="bg1">
                     <a:lumMod val="95000"/>
                   </a:schemeClr>
                 </a:solidFill>
                 <a:effectLst/>
-                <a:latin typeface="Calibri" panose="020F0502020204030204" pitchFamily="34" charset="0"/>
                 <a:ea typeface="Calibri" panose="020F0502020204030204" pitchFamily="34" charset="0"/>
                 <a:cs typeface="Times New Roman" panose="02020603050405020304" pitchFamily="18" charset="0"/>
               </a:rPr>
@@ -13679,14 +13697,13 @@
               <a:buSzPts val="1100"/>
             </a:pPr>
             <a:r>
-              <a:rPr lang="en-CA" sz="2800" dirty="0">
+              <a:rPr lang="en-CA" sz="2400" dirty="0">
                 <a:solidFill>
                   <a:schemeClr val="bg1">
                     <a:lumMod val="95000"/>
                   </a:schemeClr>
                 </a:solidFill>
                 <a:effectLst/>
-                <a:latin typeface="Calibri" panose="020F0502020204030204" pitchFamily="34" charset="0"/>
                 <a:ea typeface="Calibri" panose="020F0502020204030204" pitchFamily="34" charset="0"/>
                 <a:cs typeface="Times New Roman" panose="02020603050405020304" pitchFamily="18" charset="0"/>
               </a:rPr>
@@ -13704,14 +13721,13 @@
               <a:buSzPts val="1100"/>
             </a:pPr>
             <a:r>
-              <a:rPr lang="en-CA" sz="2800" dirty="0">
+              <a:rPr lang="en-CA" sz="2400" dirty="0">
                 <a:solidFill>
                   <a:schemeClr val="bg1">
                     <a:lumMod val="95000"/>
                   </a:schemeClr>
                 </a:solidFill>
                 <a:effectLst/>
-                <a:latin typeface="Calibri" panose="020F0502020204030204" pitchFamily="34" charset="0"/>
                 <a:ea typeface="Calibri" panose="020F0502020204030204" pitchFamily="34" charset="0"/>
                 <a:cs typeface="Times New Roman" panose="02020603050405020304" pitchFamily="18" charset="0"/>
               </a:rPr>
@@ -13727,17 +13743,69 @@
                 <a:spcPts val="800"/>
               </a:spcAft>
             </a:pPr>
-            <a:endParaRPr lang="en-CA" sz="1400" dirty="0">
+            <a:endParaRPr lang="en-CA" sz="2400" dirty="0">
               <a:solidFill>
                 <a:schemeClr val="bg1">
                   <a:lumMod val="95000"/>
                 </a:schemeClr>
               </a:solidFill>
               <a:effectLst/>
-              <a:latin typeface="Calibri" panose="020F0502020204030204" pitchFamily="34" charset="0"/>
               <a:ea typeface="Calibri" panose="020F0502020204030204" pitchFamily="34" charset="0"/>
               <a:cs typeface="Times New Roman" panose="02020603050405020304" pitchFamily="18" charset="0"/>
             </a:endParaRPr>
+          </a:p>
+        </p:txBody>
+      </p:sp>
+      <p:sp>
+        <p:nvSpPr>
+          <p:cNvPr id="2" name="TextBox 1">
+            <a:extLst>
+              <a:ext uri="{FF2B5EF4-FFF2-40B4-BE49-F238E27FC236}">
+                <a16:creationId xmlns:a16="http://schemas.microsoft.com/office/drawing/2014/main" id="{7CF68792-DDEF-322B-B17D-7B3C12326B9F}"/>
+              </a:ext>
+            </a:extLst>
+          </p:cNvPr>
+          <p:cNvSpPr txBox="1"/>
+          <p:nvPr/>
+        </p:nvSpPr>
+        <p:spPr>
+          <a:xfrm>
+            <a:off x="748701" y="514179"/>
+            <a:ext cx="10694598" cy="712696"/>
+          </a:xfrm>
+          <a:prstGeom prst="rect">
+            <a:avLst/>
+          </a:prstGeom>
+          <a:noFill/>
+        </p:spPr>
+        <p:txBody>
+          <a:bodyPr wrap="square">
+            <a:spAutoFit/>
+          </a:bodyPr>
+          <a:lstStyle/>
+          <a:p>
+            <a:pPr>
+              <a:lnSpc>
+                <a:spcPct val="107000"/>
+              </a:lnSpc>
+              <a:spcAft>
+                <a:spcPts val="800"/>
+              </a:spcAft>
+            </a:pPr>
+            <a:r>
+              <a:rPr lang="en-CA" sz="4000" dirty="0">
+                <a:solidFill>
+                  <a:schemeClr val="bg1">
+                    <a:lumMod val="95000"/>
+                  </a:schemeClr>
+                </a:solidFill>
+                <a:effectLst/>
+                <a:latin typeface="+mj-lt"/>
+                <a:ea typeface="Calibri" panose="020F0502020204030204" pitchFamily="34" charset="0"/>
+                <a:cs typeface="Times New Roman" panose="02020603050405020304" pitchFamily="18" charset="0"/>
+              </a:rPr>
+              <a:t>Authentication By Characteristics -</a:t>
+            </a:r>
           </a:p>
         </p:txBody>
       </p:sp>
@@ -13786,7 +13854,7 @@
         <p:spPr>
           <a:xfrm>
             <a:off x="2041227" y="86264"/>
-            <a:ext cx="8374092" cy="2554545"/>
+            <a:ext cx="8374092" cy="3293209"/>
           </a:xfrm>
           <a:prstGeom prst="rect">
             <a:avLst/>
@@ -13800,12 +13868,12 @@
           <a:lstStyle/>
           <a:p>
             <a:r>
-              <a:rPr lang="en-CA" sz="4000" b="1" dirty="0">
+              <a:rPr lang="en-CA" sz="4000" dirty="0">
                 <a:solidFill>
                   <a:schemeClr val="bg2"/>
                 </a:solidFill>
                 <a:effectLst/>
-                <a:latin typeface="Calibri" panose="020F0502020204030204" pitchFamily="34" charset="0"/>
+                <a:latin typeface="+mj-lt"/>
                 <a:ea typeface="Calibri" panose="020F0502020204030204" pitchFamily="34" charset="0"/>
                 <a:cs typeface="Times New Roman" panose="02020603050405020304" pitchFamily="18" charset="0"/>
               </a:rPr>
@@ -13817,7 +13885,6 @@
                   <a:schemeClr val="bg2"/>
                 </a:solidFill>
                 <a:effectLst/>
-                <a:latin typeface="Calibri" panose="020F0502020204030204" pitchFamily="34" charset="0"/>
                 <a:ea typeface="Calibri" panose="020F0502020204030204" pitchFamily="34" charset="0"/>
                 <a:cs typeface="Times New Roman" panose="02020603050405020304" pitchFamily="18" charset="0"/>
               </a:rPr>
@@ -13829,24 +13896,26 @@
               <a:solidFill>
                 <a:schemeClr val="bg2"/>
               </a:solidFill>
-              <a:latin typeface="Calibri" panose="020F0502020204030204" pitchFamily="34" charset="0"/>
               <a:cs typeface="Times New Roman" panose="02020603050405020304" pitchFamily="18" charset="0"/>
             </a:endParaRPr>
           </a:p>
           <a:p>
-            <a:r>
-              <a:rPr lang="en-CA" sz="2400" b="1" dirty="0">
-                <a:solidFill>
-                  <a:schemeClr val="bg2"/>
-                </a:solidFill>
-              </a:rPr>
-              <a:t>An authentication method that requires the user to provide two or more verification factors to gain access to a resource such as an application, online account, or a VPN</a:t>
-            </a:r>
             <a:endParaRPr lang="en-CA" sz="2400" dirty="0">
               <a:solidFill>
                 <a:schemeClr val="bg2"/>
               </a:solidFill>
+              <a:cs typeface="Times New Roman" panose="02020603050405020304" pitchFamily="18" charset="0"/>
             </a:endParaRPr>
+          </a:p>
+          <a:p>
+            <a:r>
+              <a:rPr lang="en-CA" sz="2400" dirty="0">
+                <a:solidFill>
+                  <a:schemeClr val="bg2"/>
+                </a:solidFill>
+              </a:rPr>
+              <a:t>An authentication method that requires the user to provide two or more verification factors to gain access to a resource such as an application, online account, or a VPN</a:t>
+            </a:r>
           </a:p>
         </p:txBody>
       </p:sp>
@@ -13878,8 +13947,8 @@
         </p:blipFill>
         <p:spPr>
           <a:xfrm>
-            <a:off x="1" y="3001992"/>
-            <a:ext cx="12456544" cy="3769744"/>
+            <a:off x="0" y="3429000"/>
+            <a:ext cx="12192000" cy="3429000"/>
           </a:xfrm>
           <a:prstGeom prst="rect">
             <a:avLst/>
@@ -13930,8 +13999,8 @@
         </p:nvSpPr>
         <p:spPr>
           <a:xfrm>
-            <a:off x="146649" y="3141088"/>
-            <a:ext cx="12105736" cy="3577454"/>
+            <a:off x="195811" y="2344675"/>
+            <a:ext cx="12105736" cy="3050515"/>
           </a:xfrm>
           <a:prstGeom prst="rect">
             <a:avLst/>
@@ -13953,18 +14022,6 @@
               </a:spcAft>
             </a:pPr>
             <a:r>
-              <a:rPr lang="en-CA" sz="3200" b="1" dirty="0">
-                <a:solidFill>
-                  <a:schemeClr val="bg2"/>
-                </a:solidFill>
-                <a:effectLst/>
-                <a:latin typeface="Calibri" panose="020F0502020204030204" pitchFamily="34" charset="0"/>
-                <a:ea typeface="Calibri" panose="020F0502020204030204" pitchFamily="34" charset="0"/>
-                <a:cs typeface="Times New Roman" panose="02020603050405020304" pitchFamily="18" charset="0"/>
-              </a:rPr>
-              <a:t>Accountability or Audit –  </a:t>
-            </a:r>
-            <a:r>
               <a:rPr lang="en-CA" sz="2000" dirty="0">
                 <a:solidFill>
                   <a:schemeClr val="bg2"/>
@@ -14136,42 +14193,57 @@
           </a:p>
         </p:txBody>
       </p:sp>
-      <p:pic>
-        <p:nvPicPr>
-          <p:cNvPr id="5" name="Picture 4">
+      <p:sp>
+        <p:nvSpPr>
+          <p:cNvPr id="2" name="TextBox 1">
             <a:extLst>
               <a:ext uri="{FF2B5EF4-FFF2-40B4-BE49-F238E27FC236}">
-                <a16:creationId xmlns:a16="http://schemas.microsoft.com/office/drawing/2014/main" id="{8D11B1E7-D6B4-F155-DFAA-926F50F435AC}"/>
+                <a16:creationId xmlns:a16="http://schemas.microsoft.com/office/drawing/2014/main" id="{EFF6DB14-A0CC-6177-1E21-836DF146B186}"/>
               </a:ext>
             </a:extLst>
           </p:cNvPr>
-          <p:cNvPicPr>
-            <a:picLocks noChangeAspect="1"/>
-          </p:cNvPicPr>
+          <p:cNvSpPr txBox="1"/>
           <p:nvPr/>
-        </p:nvPicPr>
-        <p:blipFill>
-          <a:blip r:embed="rId2">
-            <a:extLst>
-              <a:ext uri="{28A0092B-C50C-407E-A947-70E740481C1C}">
-                <a14:useLocalDpi xmlns:a14="http://schemas.microsoft.com/office/drawing/2010/main" val="0"/>
-              </a:ext>
-            </a:extLst>
-          </a:blip>
-          <a:stretch>
-            <a:fillRect/>
-          </a:stretch>
-        </p:blipFill>
+        </p:nvSpPr>
         <p:spPr>
           <a:xfrm>
-            <a:off x="0" y="0"/>
-            <a:ext cx="12192000" cy="3141088"/>
+            <a:off x="338378" y="638778"/>
+            <a:ext cx="12105736" cy="712696"/>
           </a:xfrm>
           <a:prstGeom prst="rect">
             <a:avLst/>
           </a:prstGeom>
+          <a:noFill/>
         </p:spPr>
-      </p:pic>
+        <p:txBody>
+          <a:bodyPr wrap="square">
+            <a:spAutoFit/>
+          </a:bodyPr>
+          <a:lstStyle/>
+          <a:p>
+            <a:pPr>
+              <a:lnSpc>
+                <a:spcPct val="107000"/>
+              </a:lnSpc>
+              <a:spcAft>
+                <a:spcPts val="800"/>
+              </a:spcAft>
+            </a:pPr>
+            <a:r>
+              <a:rPr lang="en-CA" sz="4000" dirty="0">
+                <a:solidFill>
+                  <a:schemeClr val="bg2"/>
+                </a:solidFill>
+                <a:effectLst/>
+                <a:latin typeface="+mj-lt"/>
+                <a:ea typeface="Calibri" panose="020F0502020204030204" pitchFamily="34" charset="0"/>
+                <a:cs typeface="Times New Roman" panose="02020603050405020304" pitchFamily="18" charset="0"/>
+              </a:rPr>
+              <a:t>Accountability Or Auditing</a:t>
+            </a:r>
+          </a:p>
+        </p:txBody>
+      </p:sp>
     </p:spTree>
     <p:extLst>
       <p:ext uri="{BB962C8B-B14F-4D97-AF65-F5344CB8AC3E}">
@@ -16516,7 +16588,7 @@
                   </a:schemeClr>
                 </a:solidFill>
               </a:rPr>
-              <a:t>Methodologies used by IDS/ISP for detection:</a:t>
+              <a:t>Methodologies used by IDS/IPS for detection:</a:t>
             </a:r>
           </a:p>
         </p:txBody>
@@ -17892,6 +17964,14 @@
 <file path=ppt/slides/slide32.xml><?xml version="1.0" encoding="utf-8"?>
 <p:sld xmlns:a="http://schemas.openxmlformats.org/drawingml/2006/main" xmlns:r="http://schemas.openxmlformats.org/officeDocument/2006/relationships" xmlns:p="http://schemas.openxmlformats.org/presentationml/2006/main">
   <p:cSld>
+    <p:bg>
+      <p:bgPr>
+        <a:solidFill>
+          <a:schemeClr val="bg1"/>
+        </a:solidFill>
+        <a:effectLst/>
+      </p:bgPr>
+    </p:bg>
     <p:spTree>
       <p:nvGrpSpPr>
         <p:cNvPr id="1" name=""/>
@@ -17908,10 +17988,10 @@
       </p:grpSpPr>
       <p:sp useBgFill="1">
         <p:nvSpPr>
-          <p:cNvPr id="27" name="Rectangle 26">
+          <p:cNvPr id="38" name="Rectangle 37">
             <a:extLst>
               <a:ext uri="{FF2B5EF4-FFF2-40B4-BE49-F238E27FC236}">
-                <a16:creationId xmlns:a16="http://schemas.microsoft.com/office/drawing/2014/main" id="{990D0034-F768-41E7-85D4-F38C4DE85770}"/>
+                <a16:creationId xmlns:a16="http://schemas.microsoft.com/office/drawing/2014/main" id="{C8DD82D3-D002-45B0-B16A-82B3DA4EFDDB}"/>
               </a:ext>
               <a:ext uri="{C183D7F6-B498-43B3-948B-1728B52AA6E4}">
                 <adec:decorative xmlns:adec="http://schemas.microsoft.com/office/drawing/2017/decorative" val="1"/>
@@ -17931,77 +18011,12 @@
         </p:nvSpPr>
         <p:spPr>
           <a:xfrm>
-            <a:off x="5685" y="0"/>
-            <a:ext cx="12186315" cy="6858000"/>
+            <a:off x="3175" y="0"/>
+            <a:ext cx="12188952" cy="6858000"/>
           </a:xfrm>
           <a:prstGeom prst="rect">
             <a:avLst/>
           </a:prstGeom>
-          <a:ln>
-            <a:noFill/>
-          </a:ln>
-        </p:spPr>
-        <p:style>
-          <a:lnRef idx="2">
-            <a:schemeClr val="accent6">
-              <a:shade val="50000"/>
-            </a:schemeClr>
-          </a:lnRef>
-          <a:fillRef idx="1001">
-            <a:schemeClr val="lt1"/>
-          </a:fillRef>
-          <a:effectRef idx="0">
-            <a:schemeClr val="accent6"/>
-          </a:effectRef>
-          <a:fontRef idx="minor">
-            <a:schemeClr val="lt1"/>
-          </a:fontRef>
-        </p:style>
-        <p:txBody>
-          <a:bodyPr rtlCol="0" anchor="ctr"/>
-          <a:lstStyle/>
-          <a:p>
-            <a:pPr algn="ctr"/>
-            <a:endParaRPr lang="en-US" dirty="0"/>
-          </a:p>
-        </p:txBody>
-      </p:sp>
-      <p:sp>
-        <p:nvSpPr>
-          <p:cNvPr id="29" name="Rectangle 28">
-            <a:extLst>
-              <a:ext uri="{FF2B5EF4-FFF2-40B4-BE49-F238E27FC236}">
-                <a16:creationId xmlns:a16="http://schemas.microsoft.com/office/drawing/2014/main" id="{95B38FD6-641F-41BF-B466-C1C6366420F0}"/>
-              </a:ext>
-              <a:ext uri="{C183D7F6-B498-43B3-948B-1728B52AA6E4}">
-                <adec:decorative xmlns:adec="http://schemas.microsoft.com/office/drawing/2017/decorative" val="1"/>
-              </a:ext>
-            </a:extLst>
-          </p:cNvPr>
-          <p:cNvSpPr>
-            <a:spLocks noGrp="1" noRot="1" noChangeAspect="1" noMove="1" noResize="1" noEditPoints="1" noAdjustHandles="1" noChangeArrowheads="1" noChangeShapeType="1" noTextEdit="1"/>
-          </p:cNvSpPr>
-          <p:nvPr>
-            <p:extLst>
-              <p:ext uri="{386F3935-93C4-4BCD-93E2-E3B085C9AB24}">
-                <p16:designElem xmlns:p16="http://schemas.microsoft.com/office/powerpoint/2015/main" val="1"/>
-              </p:ext>
-            </p:extLst>
-          </p:nvPr>
-        </p:nvSpPr>
-        <p:spPr>
-          <a:xfrm>
-            <a:off x="707474" y="1238442"/>
-            <a:ext cx="3635926" cy="4355751"/>
-          </a:xfrm>
-          <a:prstGeom prst="rect">
-            <a:avLst/>
-          </a:prstGeom>
-          <a:solidFill>
-            <a:srgbClr val="000000">
-              <a:alpha val="79000"/>
-            </a:srgbClr>
-          </a:solidFill>
           <a:ln>
             <a:noFill/>
           </a:ln>
@@ -18049,22 +18064,18 @@
         </p:nvSpPr>
         <p:spPr>
           <a:xfrm>
-            <a:off x="948648" y="1419273"/>
-            <a:ext cx="3153580" cy="1358188"/>
+            <a:off x="949047" y="643466"/>
+            <a:ext cx="2771273" cy="5470463"/>
           </a:xfrm>
         </p:spPr>
         <p:txBody>
-          <a:bodyPr>
+          <a:bodyPr anchor="ctr">
             <a:normAutofit/>
           </a:bodyPr>
           <a:lstStyle/>
           <a:p>
             <a:r>
-              <a:rPr lang="en-US" sz="3300">
-                <a:solidFill>
-                  <a:srgbClr val="FFFFFF"/>
-                </a:solidFill>
-              </a:rPr>
+              <a:rPr lang="en-US" sz="3600"/>
               <a:t>Network access control</a:t>
             </a:r>
           </a:p>
@@ -18072,10 +18083,10 @@
       </p:sp>
       <p:cxnSp>
         <p:nvCxnSpPr>
-          <p:cNvPr id="31" name="Straight Connector 30">
+          <p:cNvPr id="40" name="Straight Connector 39">
             <a:extLst>
               <a:ext uri="{FF2B5EF4-FFF2-40B4-BE49-F238E27FC236}">
-                <a16:creationId xmlns:a16="http://schemas.microsoft.com/office/drawing/2014/main" id="{6BF9119E-766E-4526-AAE5-639F577C0493}"/>
+                <a16:creationId xmlns:a16="http://schemas.microsoft.com/office/drawing/2014/main" id="{9F09C252-16FE-4557-AD6D-BB5CA773496C}"/>
               </a:ext>
               <a:ext uri="{C183D7F6-B498-43B3-948B-1728B52AA6E4}">
                 <adec:decorative xmlns:adec="http://schemas.microsoft.com/office/drawing/2017/decorative" val="1"/>
@@ -18095,16 +18106,17 @@
         </p:nvCxnSpPr>
         <p:spPr>
           <a:xfrm>
-            <a:off x="1038277" y="2865016"/>
-            <a:ext cx="2926080" cy="0"/>
+            <a:off x="4042053" y="1778497"/>
+            <a:ext cx="0" cy="3200400"/>
           </a:xfrm>
           <a:prstGeom prst="line">
             <a:avLst/>
           </a:prstGeom>
           <a:ln w="19050">
             <a:solidFill>
-              <a:schemeClr val="accent1"/>
+              <a:schemeClr val="tx1"/>
             </a:solidFill>
+            <a:miter lim="800000"/>
           </a:ln>
         </p:spPr>
         <p:style>
@@ -18140,83 +18152,22 @@
         </p:nvSpPr>
         <p:spPr>
           <a:xfrm>
-            <a:off x="948648" y="2978254"/>
-            <a:ext cx="3153580" cy="2444238"/>
+            <a:off x="4428565" y="643466"/>
+            <a:ext cx="6818427" cy="5470462"/>
           </a:xfrm>
         </p:spPr>
         <p:txBody>
-          <a:bodyPr>
+          <a:bodyPr anchor="ctr">
             <a:normAutofit/>
           </a:bodyPr>
           <a:lstStyle/>
           <a:p>
             <a:r>
-              <a:rPr lang="en-US" sz="1600">
-                <a:solidFill>
-                  <a:srgbClr val="FFFFFF"/>
-                </a:solidFill>
-              </a:rPr>
+              <a:rPr lang="en-US"/>
               <a:t>Used to check remote access device based on its criteria, if it doesn’t meet a specific criteria access is denied.</a:t>
             </a:r>
           </a:p>
         </p:txBody>
-      </p:sp>
-      <p:sp>
-        <p:nvSpPr>
-          <p:cNvPr id="33" name="!!footer rectangle">
-            <a:extLst>
-              <a:ext uri="{FF2B5EF4-FFF2-40B4-BE49-F238E27FC236}">
-                <a16:creationId xmlns:a16="http://schemas.microsoft.com/office/drawing/2014/main" id="{1FE461C7-FF45-427F-83D7-18DFBD48188D}"/>
-              </a:ext>
-              <a:ext uri="{C183D7F6-B498-43B3-948B-1728B52AA6E4}">
-                <adec:decorative xmlns:adec="http://schemas.microsoft.com/office/drawing/2017/decorative" val="1"/>
-              </a:ext>
-            </a:extLst>
-          </p:cNvPr>
-          <p:cNvSpPr>
-            <a:spLocks noGrp="1" noRot="1" noChangeAspect="1" noMove="1" noResize="1" noEditPoints="1" noAdjustHandles="1" noChangeArrowheads="1" noChangeShapeType="1" noTextEdit="1"/>
-          </p:cNvSpPr>
-          <p:nvPr>
-            <p:extLst>
-              <p:ext uri="{386F3935-93C4-4BCD-93E2-E3B085C9AB24}">
-                <p16:designElem xmlns:p16="http://schemas.microsoft.com/office/powerpoint/2015/main" val="1"/>
-              </p:ext>
-            </p:extLst>
-          </p:nvPr>
-        </p:nvSpPr>
-        <p:spPr>
-          <a:xfrm>
-            <a:off x="1" y="6400800"/>
-            <a:ext cx="12192000" cy="457200"/>
-          </a:xfrm>
-          <a:prstGeom prst="rect">
-            <a:avLst/>
-          </a:prstGeom>
-          <a:solidFill>
-            <a:srgbClr val="262626">
-              <a:alpha val="95000"/>
-            </a:srgbClr>
-          </a:solidFill>
-          <a:ln>
-            <a:noFill/>
-          </a:ln>
-        </p:spPr>
-        <p:style>
-          <a:lnRef idx="2">
-            <a:schemeClr val="accent1">
-              <a:shade val="50000"/>
-            </a:schemeClr>
-          </a:lnRef>
-          <a:fillRef idx="1">
-            <a:schemeClr val="accent1"/>
-          </a:fillRef>
-          <a:effectRef idx="0">
-            <a:schemeClr val="accent1"/>
-          </a:effectRef>
-          <a:fontRef idx="minor">
-            <a:schemeClr val="lt1"/>
-          </a:fontRef>
-        </p:style>
       </p:sp>
     </p:spTree>
     <p:extLst>
@@ -19252,7 +19203,7 @@
           <a:lstStyle/>
           <a:p>
             <a:r>
-              <a:rPr lang="en-US" dirty="0">
+              <a:rPr lang="en-US" sz="2400" dirty="0">
                 <a:solidFill>
                   <a:schemeClr val="bg1">
                     <a:lumMod val="95000"/>
@@ -19262,7 +19213,7 @@
               <a:t>Ensure that a user can </a:t>
             </a:r>
             <a:r>
-              <a:rPr lang="en-US" b="1" dirty="0">
+              <a:rPr lang="en-US" sz="2400" b="1" dirty="0">
                 <a:solidFill>
                   <a:schemeClr val="bg1">
                     <a:lumMod val="95000"/>
@@ -19272,7 +19223,7 @@
               <a:t>ACCESS</a:t>
             </a:r>
             <a:r>
-              <a:rPr lang="en-US" dirty="0">
+              <a:rPr lang="en-US" sz="2400" dirty="0">
                 <a:solidFill>
                   <a:schemeClr val="bg1">
                     <a:lumMod val="95000"/>
@@ -19282,7 +19233,7 @@
               <a:t> only </a:t>
             </a:r>
             <a:r>
-              <a:rPr lang="en-US" b="1" dirty="0">
+              <a:rPr lang="en-US" sz="2400" b="1" dirty="0">
                 <a:solidFill>
                   <a:schemeClr val="bg1">
                     <a:lumMod val="95000"/>
@@ -19292,7 +19243,7 @@
               <a:t>SPECIFIC INFORMATION </a:t>
             </a:r>
             <a:r>
-              <a:rPr lang="en-US" dirty="0">
+              <a:rPr lang="en-US" sz="2400" dirty="0">
                 <a:solidFill>
                   <a:schemeClr val="bg1">
                     <a:lumMod val="95000"/>
@@ -19302,7 +19253,7 @@
               <a:t>or </a:t>
             </a:r>
             <a:r>
-              <a:rPr lang="en-US" b="1" dirty="0">
+              <a:rPr lang="en-US" sz="2400" b="1" dirty="0">
                 <a:solidFill>
                   <a:schemeClr val="bg1">
                     <a:lumMod val="95000"/>
@@ -19312,7 +19263,7 @@
               <a:t>SPECIFIC CONTROL</a:t>
             </a:r>
             <a:r>
-              <a:rPr lang="en-US" dirty="0">
+              <a:rPr lang="en-US" sz="2400" dirty="0">
                 <a:solidFill>
                   <a:schemeClr val="bg1">
                     <a:lumMod val="95000"/>
@@ -19334,7 +19285,22 @@
                   </a:schemeClr>
                 </a:solidFill>
               </a:rPr>
-              <a:t> Controls such as –</a:t>
+              <a:t> </a:t>
+            </a:r>
+          </a:p>
+          <a:p>
+            <a:pPr marL="0" indent="0">
+              <a:buNone/>
+            </a:pPr>
+            <a:r>
+              <a:rPr lang="en-US" dirty="0">
+                <a:solidFill>
+                  <a:schemeClr val="bg1">
+                    <a:lumMod val="95000"/>
+                  </a:schemeClr>
+                </a:solidFill>
+              </a:rPr>
+              <a:t>Controls such as –</a:t>
             </a:r>
           </a:p>
           <a:p>
@@ -19929,7 +19895,7 @@
         <p:spPr>
           <a:xfrm>
             <a:off x="931653" y="618301"/>
-            <a:ext cx="10379475" cy="2062103"/>
+            <a:ext cx="10379475" cy="3046988"/>
           </a:xfrm>
           <a:prstGeom prst="rect">
             <a:avLst/>
@@ -19943,15 +19909,12 @@
           <a:lstStyle/>
           <a:p>
             <a:r>
-              <a:rPr lang="en-CA" sz="3200" b="1" u="sng" dirty="0">
-                <a:solidFill>
-                  <a:schemeClr val="accent4">
-                    <a:lumMod val="60000"/>
-                    <a:lumOff val="40000"/>
-                  </a:schemeClr>
+              <a:rPr lang="en-CA" sz="3200" dirty="0">
+                <a:solidFill>
+                  <a:schemeClr val="bg1"/>
                 </a:solidFill>
                 <a:effectLst/>
-                <a:latin typeface="Times New Roman" panose="02020603050405020304" pitchFamily="18" charset="0"/>
+                <a:latin typeface="+mj-lt"/>
                 <a:ea typeface="Times New Roman" panose="02020603050405020304" pitchFamily="18" charset="0"/>
               </a:rPr>
               <a:t>Identification – </a:t>
@@ -19960,55 +19923,56 @@
           <a:p>
             <a:endParaRPr lang="en-CA" sz="3200" b="1" u="sng" dirty="0">
               <a:solidFill>
-                <a:schemeClr val="accent4">
-                  <a:lumMod val="60000"/>
-                  <a:lumOff val="40000"/>
-                </a:schemeClr>
+                <a:schemeClr val="bg1"/>
               </a:solidFill>
-              <a:latin typeface="Times New Roman" panose="02020603050405020304" pitchFamily="18" charset="0"/>
               <a:ea typeface="Times New Roman" panose="02020603050405020304" pitchFamily="18" charset="0"/>
             </a:endParaRPr>
           </a:p>
           <a:p>
-            <a:r>
-              <a:rPr lang="en-CA" sz="3200" b="0" u="sng" dirty="0">
-                <a:solidFill>
-                  <a:schemeClr val="accent4">
-                    <a:lumMod val="60000"/>
-                    <a:lumOff val="40000"/>
-                  </a:schemeClr>
-                </a:solidFill>
-                <a:effectLst/>
-                <a:latin typeface="Times New Roman" panose="02020603050405020304" pitchFamily="18" charset="0"/>
-                <a:ea typeface="Times New Roman" panose="02020603050405020304" pitchFamily="18" charset="0"/>
-              </a:rPr>
-              <a:t>Identification is the starting point, where the users provide </a:t>
-            </a:r>
-          </a:p>
-          <a:p>
-            <a:r>
-              <a:rPr lang="en-CA" sz="3200" b="0" u="sng" dirty="0">
-                <a:solidFill>
-                  <a:schemeClr val="accent4">
-                    <a:lumMod val="60000"/>
-                    <a:lumOff val="40000"/>
-                  </a:schemeClr>
-                </a:solidFill>
-                <a:effectLst/>
-                <a:latin typeface="Times New Roman" panose="02020603050405020304" pitchFamily="18" charset="0"/>
-                <a:ea typeface="Times New Roman" panose="02020603050405020304" pitchFamily="18" charset="0"/>
-              </a:rPr>
-              <a:t>information about their identity. </a:t>
-            </a:r>
             <a:endParaRPr lang="en-CA" sz="3200" b="1" u="sng" dirty="0">
               <a:solidFill>
-                <a:schemeClr val="accent4">
-                  <a:lumMod val="60000"/>
-                  <a:lumOff val="40000"/>
-                </a:schemeClr>
+                <a:schemeClr val="bg1"/>
               </a:solidFill>
               <a:effectLst/>
-              <a:latin typeface="Times New Roman" panose="02020603050405020304" pitchFamily="18" charset="0"/>
+              <a:ea typeface="Times New Roman" panose="02020603050405020304" pitchFamily="18" charset="0"/>
+            </a:endParaRPr>
+          </a:p>
+          <a:p>
+            <a:endParaRPr lang="en-CA" sz="3200" b="1" u="sng" dirty="0">
+              <a:solidFill>
+                <a:schemeClr val="bg1"/>
+              </a:solidFill>
+              <a:ea typeface="Times New Roman" panose="02020603050405020304" pitchFamily="18" charset="0"/>
+            </a:endParaRPr>
+          </a:p>
+          <a:p>
+            <a:r>
+              <a:rPr lang="en-CA" sz="3200" b="0" dirty="0">
+                <a:solidFill>
+                  <a:schemeClr val="bg1"/>
+                </a:solidFill>
+                <a:effectLst/>
+                <a:ea typeface="Times New Roman" panose="02020603050405020304" pitchFamily="18" charset="0"/>
+              </a:rPr>
+              <a:t>Identification is the starting point, where the users provide </a:t>
+            </a:r>
+          </a:p>
+          <a:p>
+            <a:r>
+              <a:rPr lang="en-CA" sz="3200" b="0" dirty="0">
+                <a:solidFill>
+                  <a:schemeClr val="bg1"/>
+                </a:solidFill>
+                <a:effectLst/>
+                <a:ea typeface="Times New Roman" panose="02020603050405020304" pitchFamily="18" charset="0"/>
+              </a:rPr>
+              <a:t>information about their identity. </a:t>
+            </a:r>
+            <a:endParaRPr lang="en-CA" sz="3200" b="1" dirty="0">
+              <a:solidFill>
+                <a:schemeClr val="bg1"/>
+              </a:solidFill>
+              <a:effectLst/>
               <a:ea typeface="Times New Roman" panose="02020603050405020304" pitchFamily="18" charset="0"/>
             </a:endParaRPr>
           </a:p>
@@ -22213,27 +22177,27 @@
           <a:lstStyle/>
           <a:p>
             <a:r>
-              <a:rPr lang="en-CA" sz="2800" b="1" dirty="0">
+              <a:rPr lang="en-CA" sz="2800" dirty="0">
                 <a:solidFill>
                   <a:schemeClr val="bg1">
                     <a:lumMod val="95000"/>
                   </a:schemeClr>
                 </a:solidFill>
                 <a:effectLst/>
-                <a:latin typeface="Times New Roman" panose="02020603050405020304" pitchFamily="18" charset="0"/>
+                <a:latin typeface="+mj-lt"/>
                 <a:ea typeface="Times New Roman" panose="02020603050405020304" pitchFamily="18" charset="0"/>
               </a:rPr>
               <a:t>Authentication </a:t>
             </a:r>
             <a:r>
-              <a:rPr lang="en-CA" sz="2000" b="1" dirty="0">
+              <a:rPr lang="en-CA" sz="2000" dirty="0">
                 <a:solidFill>
                   <a:schemeClr val="bg1">
                     <a:lumMod val="95000"/>
                   </a:schemeClr>
                 </a:solidFill>
                 <a:effectLst/>
-                <a:latin typeface="Times New Roman" panose="02020603050405020304" pitchFamily="18" charset="0"/>
+                <a:latin typeface="+mj-lt"/>
                 <a:ea typeface="Times New Roman" panose="02020603050405020304" pitchFamily="18" charset="0"/>
               </a:rPr>
               <a:t>– </a:t>
@@ -22259,33 +22223,30 @@
               <a:solidFill>
                 <a:schemeClr val="bg2"/>
               </a:solidFill>
-              <a:latin typeface="Times New Roman" panose="02020603050405020304" pitchFamily="18" charset="0"/>
               <a:ea typeface="Times New Roman" panose="02020603050405020304" pitchFamily="18" charset="0"/>
             </a:endParaRPr>
           </a:p>
           <a:p>
             <a:r>
-              <a:rPr lang="en-CA" sz="2000" u="sng" dirty="0">
+              <a:rPr lang="en-CA" sz="2000" dirty="0">
                 <a:solidFill>
                   <a:schemeClr val="bg1">
                     <a:lumMod val="95000"/>
                   </a:schemeClr>
                 </a:solidFill>
                 <a:effectLst/>
-                <a:latin typeface="Times New Roman" panose="02020603050405020304" pitchFamily="18" charset="0"/>
                 <a:ea typeface="Times New Roman" panose="02020603050405020304" pitchFamily="18" charset="0"/>
               </a:rPr>
               <a:t>Entering a password, using a digital or physical key, and providing a </a:t>
             </a:r>
             <a:r>
-              <a:rPr lang="en-CA" sz="2000" u="sng" strike="noStrike" dirty="0">
+              <a:rPr lang="en-CA" sz="2000" strike="noStrike" dirty="0">
                 <a:solidFill>
                   <a:schemeClr val="bg1">
                     <a:lumMod val="95000"/>
                   </a:schemeClr>
                 </a:solidFill>
                 <a:effectLst/>
-                <a:latin typeface="Times New Roman" panose="02020603050405020304" pitchFamily="18" charset="0"/>
                 <a:ea typeface="Times New Roman" panose="02020603050405020304" pitchFamily="18" charset="0"/>
                 <a:hlinkClick r:id="rId2">
                   <a:extLst>
@@ -22298,52 +22259,48 @@
               <a:t>biometric </a:t>
             </a:r>
             <a:r>
-              <a:rPr lang="en-CA" sz="2000" u="sng" dirty="0">
+              <a:rPr lang="en-CA" sz="2000" dirty="0">
                 <a:solidFill>
                   <a:schemeClr val="bg1">
                     <a:lumMod val="95000"/>
                   </a:schemeClr>
                 </a:solidFill>
                 <a:effectLst/>
-                <a:latin typeface="Times New Roman" panose="02020603050405020304" pitchFamily="18" charset="0"/>
                 <a:ea typeface="Times New Roman" panose="02020603050405020304" pitchFamily="18" charset="0"/>
               </a:rPr>
               <a:t>measure for accuracy are some of the ways to do this effectively.</a:t>
             </a:r>
           </a:p>
           <a:p>
-            <a:endParaRPr lang="en-CA" sz="2000" u="sng" dirty="0">
+            <a:endParaRPr lang="en-CA" sz="2000" dirty="0">
               <a:solidFill>
                 <a:schemeClr val="bg1">
                   <a:lumMod val="95000"/>
                 </a:schemeClr>
               </a:solidFill>
-              <a:latin typeface="Times New Roman" panose="02020603050405020304" pitchFamily="18" charset="0"/>
               <a:ea typeface="Times New Roman" panose="02020603050405020304" pitchFamily="18" charset="0"/>
             </a:endParaRPr>
           </a:p>
           <a:p>
-            <a:endParaRPr lang="en-CA" sz="2000" u="sng" dirty="0">
+            <a:endParaRPr lang="en-CA" sz="2000" dirty="0">
               <a:solidFill>
                 <a:schemeClr val="bg1">
                   <a:lumMod val="95000"/>
                 </a:schemeClr>
               </a:solidFill>
               <a:effectLst/>
-              <a:latin typeface="Times New Roman" panose="02020603050405020304" pitchFamily="18" charset="0"/>
               <a:ea typeface="Times New Roman" panose="02020603050405020304" pitchFamily="18" charset="0"/>
             </a:endParaRPr>
           </a:p>
           <a:p>
             <a:r>
-              <a:rPr lang="en-CA" sz="2000" u="sng" dirty="0">
+              <a:rPr lang="en-CA" sz="2000" dirty="0">
                 <a:solidFill>
                   <a:schemeClr val="bg1">
                     <a:lumMod val="95000"/>
                   </a:schemeClr>
                 </a:solidFill>
                 <a:effectLst/>
-                <a:latin typeface="Times New Roman" panose="02020603050405020304" pitchFamily="18" charset="0"/>
                 <a:ea typeface="Times New Roman" panose="02020603050405020304" pitchFamily="18" charset="0"/>
               </a:rPr>
               <a:t>The disadvantage of using this method is that once the information is lost or stolen (for example, if a user’s password is stolen), an attacker would be able to successfully authenticate.</a:t>
@@ -22403,21 +22360,29 @@
           <a:lstStyle/>
           <a:p>
             <a:r>
-              <a:rPr lang="en-CA" sz="4400" b="1" dirty="0">
+              <a:rPr lang="en-CA" sz="4400" dirty="0">
+                <a:solidFill>
+                  <a:schemeClr val="bg1"/>
+                </a:solidFill>
                 <a:effectLst/>
-                <a:latin typeface="Times New Roman" panose="02020603050405020304" pitchFamily="18" charset="0"/>
                 <a:ea typeface="Times New Roman" panose="02020603050405020304" pitchFamily="18" charset="0"/>
               </a:rPr>
               <a:t>Authentication by Knowledge – </a:t>
             </a:r>
             <a:br>
               <a:rPr lang="en-CA" sz="1800" dirty="0">
+                <a:solidFill>
+                  <a:schemeClr val="bg1"/>
+                </a:solidFill>
                 <a:effectLst/>
-                <a:latin typeface="Times New Roman" panose="02020603050405020304" pitchFamily="18" charset="0"/>
                 <a:ea typeface="Times New Roman" panose="02020603050405020304" pitchFamily="18" charset="0"/>
               </a:rPr>
             </a:br>
-            <a:endParaRPr lang="en-CA" dirty="0"/>
+            <a:endParaRPr lang="en-CA" dirty="0">
+              <a:solidFill>
+                <a:schemeClr val="bg1"/>
+              </a:solidFill>
+            </a:endParaRPr>
           </a:p>
         </p:txBody>
       </p:sp>
@@ -22439,70 +22404,34 @@
         </p:nvSpPr>
         <p:spPr/>
         <p:txBody>
-          <a:bodyPr/>
+          <a:bodyPr>
+            <a:normAutofit/>
+          </a:bodyPr>
           <a:lstStyle/>
           <a:p>
             <a:r>
-              <a:rPr lang="en-CA" sz="1800" dirty="0">
+              <a:rPr lang="en-CA" sz="2400" dirty="0">
                 <a:solidFill>
                   <a:schemeClr val="bg2"/>
                 </a:solidFill>
                 <a:effectLst/>
-                <a:latin typeface="Times New Roman" panose="02020603050405020304" pitchFamily="18" charset="0"/>
                 <a:ea typeface="Times New Roman" panose="02020603050405020304" pitchFamily="18" charset="0"/>
               </a:rPr>
               <a:t>When the user offers a secret that only they know, that is known-only authentication by knowledge. A password, PIN code, or security question provided by the user would be examples of knowledge-based authentication</a:t>
             </a:r>
             <a:r>
-              <a:rPr lang="en-CA" sz="1800" dirty="0">
+              <a:rPr lang="en-CA" sz="2400" dirty="0">
                 <a:effectLst/>
-                <a:latin typeface="Times New Roman" panose="02020603050405020304" pitchFamily="18" charset="0"/>
                 <a:ea typeface="Times New Roman" panose="02020603050405020304" pitchFamily="18" charset="0"/>
               </a:rPr>
               <a:t>.</a:t>
             </a:r>
           </a:p>
           <a:p>
-            <a:endParaRPr lang="en-CA" dirty="0"/>
+            <a:endParaRPr lang="en-CA" sz="2400" dirty="0"/>
           </a:p>
         </p:txBody>
       </p:sp>
-      <p:pic>
-        <p:nvPicPr>
-          <p:cNvPr id="4" name="Picture 3" descr="Logo, company name&#10;&#10;Description automatically generated">
-            <a:extLst>
-              <a:ext uri="{FF2B5EF4-FFF2-40B4-BE49-F238E27FC236}">
-                <a16:creationId xmlns:a16="http://schemas.microsoft.com/office/drawing/2014/main" id="{F5B40B1E-49F7-1EDB-E047-4A662C78E836}"/>
-              </a:ext>
-            </a:extLst>
-          </p:cNvPr>
-          <p:cNvPicPr>
-            <a:picLocks noChangeAspect="1"/>
-          </p:cNvPicPr>
-          <p:nvPr/>
-        </p:nvPicPr>
-        <p:blipFill>
-          <a:blip r:embed="rId2">
-            <a:extLst>
-              <a:ext uri="{28A0092B-C50C-407E-A947-70E740481C1C}">
-                <a14:useLocalDpi xmlns:a14="http://schemas.microsoft.com/office/drawing/2010/main" val="0"/>
-              </a:ext>
-            </a:extLst>
-          </a:blip>
-          <a:stretch>
-            <a:fillRect/>
-          </a:stretch>
-        </p:blipFill>
-        <p:spPr>
-          <a:xfrm>
-            <a:off x="310550" y="3062377"/>
-            <a:ext cx="11792309" cy="3364302"/>
-          </a:xfrm>
-          <a:prstGeom prst="rect">
-            <a:avLst/>
-          </a:prstGeom>
-        </p:spPr>
-      </p:pic>
     </p:spTree>
     <p:extLst>
       <p:ext uri="{BB962C8B-B14F-4D97-AF65-F5344CB8AC3E}">
@@ -22548,7 +22477,7 @@
         <p:spPr>
           <a:xfrm>
             <a:off x="362309" y="428179"/>
-            <a:ext cx="8779534" cy="5663089"/>
+            <a:ext cx="8779534" cy="5416868"/>
           </a:xfrm>
           <a:prstGeom prst="rect">
             <a:avLst/>
@@ -22569,7 +22498,6 @@
                   </a:schemeClr>
                 </a:solidFill>
                 <a:effectLst/>
-                <a:latin typeface="Times New Roman" panose="02020603050405020304" pitchFamily="18" charset="0"/>
                 <a:ea typeface="Times New Roman" panose="02020603050405020304" pitchFamily="18" charset="0"/>
               </a:rPr>
               <a:t>Authorization – </a:t>
@@ -22582,7 +22510,6 @@
                   </a:schemeClr>
                 </a:solidFill>
                 <a:effectLst/>
-                <a:latin typeface="Times New Roman" panose="02020603050405020304" pitchFamily="18" charset="0"/>
                 <a:ea typeface="Times New Roman" panose="02020603050405020304" pitchFamily="18" charset="0"/>
               </a:rPr>
               <a:t> </a:t>
@@ -22595,7 +22522,6 @@
                   </a:schemeClr>
                 </a:solidFill>
                 <a:effectLst/>
-                <a:latin typeface="Times New Roman" panose="02020603050405020304" pitchFamily="18" charset="0"/>
                 <a:ea typeface="Times New Roman" panose="02020603050405020304" pitchFamily="18" charset="0"/>
               </a:rPr>
               <a:t>When a user has successfully established their identity, pre-determined permissions are granted to them during the authorization stage. </a:t>
@@ -22608,7 +22534,6 @@
                   <a:lumMod val="95000"/>
                 </a:schemeClr>
               </a:solidFill>
-              <a:latin typeface="Times New Roman" panose="02020603050405020304" pitchFamily="18" charset="0"/>
               <a:ea typeface="Times New Roman" panose="02020603050405020304" pitchFamily="18" charset="0"/>
             </a:endParaRPr>
           </a:p>
@@ -22620,7 +22545,6 @@
                     <a:lumMod val="95000"/>
                   </a:schemeClr>
                 </a:solidFill>
-                <a:latin typeface="Times New Roman" panose="02020603050405020304" pitchFamily="18" charset="0"/>
                 <a:ea typeface="Times New Roman" panose="02020603050405020304" pitchFamily="18" charset="0"/>
               </a:rPr>
               <a:t>How to prevent access  – </a:t>
@@ -22634,7 +22558,6 @@
                 </a:schemeClr>
               </a:solidFill>
               <a:effectLst/>
-              <a:latin typeface="Times New Roman" panose="02020603050405020304" pitchFamily="18" charset="0"/>
               <a:ea typeface="Times New Roman" panose="02020603050405020304" pitchFamily="18" charset="0"/>
             </a:endParaRPr>
           </a:p>
@@ -22651,7 +22574,6 @@
                   </a:schemeClr>
                 </a:solidFill>
                 <a:effectLst/>
-                <a:latin typeface="Times New Roman" panose="02020603050405020304" pitchFamily="18" charset="0"/>
                 <a:ea typeface="Times New Roman" panose="02020603050405020304" pitchFamily="18" charset="0"/>
               </a:rPr>
               <a:t>Default access privileges will be set to default deny (deny all). </a:t>
@@ -22669,7 +22591,6 @@
                 </a:schemeClr>
               </a:solidFill>
               <a:effectLst/>
-              <a:latin typeface="Times New Roman" panose="02020603050405020304" pitchFamily="18" charset="0"/>
               <a:ea typeface="Times New Roman" panose="02020603050405020304" pitchFamily="18" charset="0"/>
             </a:endParaRPr>
           </a:p>
@@ -22686,7 +22607,6 @@
                   </a:schemeClr>
                 </a:solidFill>
                 <a:effectLst/>
-                <a:latin typeface="Times New Roman" panose="02020603050405020304" pitchFamily="18" charset="0"/>
                 <a:ea typeface="Times New Roman" panose="02020603050405020304" pitchFamily="18" charset="0"/>
               </a:rPr>
               <a:t>Access to information and information systems must be limited to personnel and processes with a need-to-know to effectively fulfill their duties.</a:t>
@@ -22704,7 +22624,6 @@
                 </a:schemeClr>
               </a:solidFill>
               <a:effectLst/>
-              <a:latin typeface="Times New Roman" panose="02020603050405020304" pitchFamily="18" charset="0"/>
               <a:ea typeface="Times New Roman" panose="02020603050405020304" pitchFamily="18" charset="0"/>
             </a:endParaRPr>
           </a:p>
@@ -22721,7 +22640,6 @@
                   </a:schemeClr>
                 </a:solidFill>
                 <a:effectLst/>
-                <a:latin typeface="Times New Roman" panose="02020603050405020304" pitchFamily="18" charset="0"/>
                 <a:ea typeface="Times New Roman" panose="02020603050405020304" pitchFamily="18" charset="0"/>
               </a:rPr>
               <a:t>Access permissions must be based on the minimum required to perform the</a:t>
@@ -22733,7 +22651,6 @@
                 </a:schemeClr>
               </a:solidFill>
               <a:effectLst/>
-              <a:latin typeface="Times New Roman" panose="02020603050405020304" pitchFamily="18" charset="0"/>
               <a:ea typeface="Times New Roman" panose="02020603050405020304" pitchFamily="18" charset="0"/>
             </a:endParaRPr>
           </a:p>
@@ -22747,7 +22664,6 @@
                   </a:schemeClr>
                 </a:solidFill>
                 <a:effectLst/>
-                <a:latin typeface="Times New Roman" panose="02020603050405020304" pitchFamily="18" charset="0"/>
                 <a:ea typeface="Times New Roman" panose="02020603050405020304" pitchFamily="18" charset="0"/>
               </a:rPr>
               <a:t> job or program function. </a:t>
@@ -22762,7 +22678,6 @@
                 </a:schemeClr>
               </a:solidFill>
               <a:effectLst/>
-              <a:latin typeface="Times New Roman" panose="02020603050405020304" pitchFamily="18" charset="0"/>
               <a:ea typeface="Times New Roman" panose="02020603050405020304" pitchFamily="18" charset="0"/>
             </a:endParaRPr>
           </a:p>
@@ -22776,17 +22691,71 @@
                   </a:schemeClr>
                 </a:solidFill>
                 <a:effectLst/>
-                <a:latin typeface="Times New Roman" panose="02020603050405020304" pitchFamily="18" charset="0"/>
                 <a:ea typeface="Times New Roman" panose="02020603050405020304" pitchFamily="18" charset="0"/>
               </a:rPr>
               <a:t>4.    Information and information system owners are responsible for determining access rights and permissions.</a:t>
             </a:r>
           </a:p>
           <a:p>
-            <a:pPr marL="342900" lvl="0" indent="-342900">
-              <a:buFont typeface="+mj-lt"/>
-              <a:buAutoNum type="arabicPeriod"/>
-            </a:pPr>
+            <a:pPr lvl="0"/>
+            <a:r>
+              <a:rPr lang="en-CA" sz="1800" b="0" dirty="0">
+                <a:solidFill>
+                  <a:schemeClr val="bg1">
+                    <a:lumMod val="95000"/>
+                  </a:schemeClr>
+                </a:solidFill>
+                <a:effectLst/>
+                <a:ea typeface="Times New Roman" panose="02020603050405020304" pitchFamily="18" charset="0"/>
+              </a:rPr>
+              <a:t> </a:t>
+            </a:r>
+            <a:endParaRPr lang="en-CA" b="1" dirty="0">
+              <a:solidFill>
+                <a:schemeClr val="bg1">
+                  <a:lumMod val="95000"/>
+                </a:schemeClr>
+              </a:solidFill>
+              <a:ea typeface="Times New Roman" panose="02020603050405020304" pitchFamily="18" charset="0"/>
+            </a:endParaRPr>
+          </a:p>
+          <a:p>
+            <a:pPr lvl="0"/>
+            <a:r>
+              <a:rPr lang="en-CA" b="1" dirty="0">
+                <a:solidFill>
+                  <a:schemeClr val="bg1">
+                    <a:lumMod val="95000"/>
+                  </a:schemeClr>
+                </a:solidFill>
+                <a:ea typeface="Times New Roman" panose="02020603050405020304" pitchFamily="18" charset="0"/>
+              </a:rPr>
+              <a:t>5. </a:t>
+            </a:r>
+            <a:r>
+              <a:rPr lang="en-CA" sz="1800" b="1" dirty="0">
+                <a:solidFill>
+                  <a:schemeClr val="bg1">
+                    <a:lumMod val="95000"/>
+                  </a:schemeClr>
+                </a:solidFill>
+                <a:effectLst/>
+                <a:ea typeface="Times New Roman" panose="02020603050405020304" pitchFamily="18" charset="0"/>
+              </a:rPr>
+              <a:t> </a:t>
+            </a:r>
+            <a:r>
+              <a:rPr lang="en-CA" sz="1800" b="0" dirty="0">
+                <a:solidFill>
+                  <a:schemeClr val="bg1">
+                    <a:lumMod val="95000"/>
+                  </a:schemeClr>
+                </a:solidFill>
+                <a:effectLst/>
+                <a:ea typeface="Times New Roman" panose="02020603050405020304" pitchFamily="18" charset="0"/>
+              </a:rPr>
+              <a:t>Permissions must not be granted until the authorization process is complete.</a:t>
+            </a:r>
             <a:endParaRPr lang="en-CA" sz="1800" b="1" dirty="0">
               <a:solidFill>
                 <a:schemeClr val="bg1">
@@ -22794,99 +22763,6 @@
                 </a:schemeClr>
               </a:solidFill>
               <a:effectLst/>
-              <a:latin typeface="Times New Roman" panose="02020603050405020304" pitchFamily="18" charset="0"/>
-              <a:ea typeface="Times New Roman" panose="02020603050405020304" pitchFamily="18" charset="0"/>
-            </a:endParaRPr>
-          </a:p>
-          <a:p>
-            <a:pPr lvl="0"/>
-            <a:r>
-              <a:rPr lang="en-CA" sz="1800" b="0" dirty="0">
-                <a:solidFill>
-                  <a:schemeClr val="bg1">
-                    <a:lumMod val="95000"/>
-                  </a:schemeClr>
-                </a:solidFill>
-                <a:effectLst/>
-                <a:latin typeface="Times New Roman" panose="02020603050405020304" pitchFamily="18" charset="0"/>
-                <a:ea typeface="Times New Roman" panose="02020603050405020304" pitchFamily="18" charset="0"/>
-              </a:rPr>
-              <a:t>5.  The Office of Information Security is responsible for enforcing an authorization process.</a:t>
-            </a:r>
-          </a:p>
-          <a:p>
-            <a:pPr lvl="0"/>
-            <a:r>
-              <a:rPr lang="en-CA" sz="1800" b="0" dirty="0">
-                <a:solidFill>
-                  <a:schemeClr val="bg1">
-                    <a:lumMod val="95000"/>
-                  </a:schemeClr>
-                </a:solidFill>
-                <a:effectLst/>
-                <a:latin typeface="Times New Roman" panose="02020603050405020304" pitchFamily="18" charset="0"/>
-                <a:ea typeface="Times New Roman" panose="02020603050405020304" pitchFamily="18" charset="0"/>
-              </a:rPr>
-              <a:t> </a:t>
-            </a:r>
-            <a:endParaRPr lang="en-CA" b="1" dirty="0">
-              <a:solidFill>
-                <a:schemeClr val="bg1">
-                  <a:lumMod val="95000"/>
-                </a:schemeClr>
-              </a:solidFill>
-              <a:latin typeface="Times New Roman" panose="02020603050405020304" pitchFamily="18" charset="0"/>
-              <a:ea typeface="Times New Roman" panose="02020603050405020304" pitchFamily="18" charset="0"/>
-            </a:endParaRPr>
-          </a:p>
-          <a:p>
-            <a:pPr lvl="0"/>
-            <a:r>
-              <a:rPr lang="en-CA" b="1" dirty="0">
-                <a:solidFill>
-                  <a:schemeClr val="bg1">
-                    <a:lumMod val="95000"/>
-                  </a:schemeClr>
-                </a:solidFill>
-                <a:latin typeface="Times New Roman" panose="02020603050405020304" pitchFamily="18" charset="0"/>
-                <a:ea typeface="Times New Roman" panose="02020603050405020304" pitchFamily="18" charset="0"/>
-              </a:rPr>
-              <a:t>6. </a:t>
-            </a:r>
-            <a:r>
-              <a:rPr lang="en-CA" sz="1800" b="1" dirty="0">
-                <a:solidFill>
-                  <a:schemeClr val="bg1">
-                    <a:lumMod val="95000"/>
-                  </a:schemeClr>
-                </a:solidFill>
-                <a:effectLst/>
-                <a:latin typeface="Times New Roman" panose="02020603050405020304" pitchFamily="18" charset="0"/>
-                <a:ea typeface="Times New Roman" panose="02020603050405020304" pitchFamily="18" charset="0"/>
-              </a:rPr>
-              <a:t> </a:t>
-            </a:r>
-            <a:r>
-              <a:rPr lang="en-CA" sz="1800" b="0" dirty="0">
-                <a:solidFill>
-                  <a:schemeClr val="bg1">
-                    <a:lumMod val="95000"/>
-                  </a:schemeClr>
-                </a:solidFill>
-                <a:effectLst/>
-                <a:latin typeface="Times New Roman" panose="02020603050405020304" pitchFamily="18" charset="0"/>
-                <a:ea typeface="Times New Roman" panose="02020603050405020304" pitchFamily="18" charset="0"/>
-              </a:rPr>
-              <a:t>Permissions must not be granted until the authorization process is complete.</a:t>
-            </a:r>
-            <a:endParaRPr lang="en-CA" sz="1800" b="1" dirty="0">
-              <a:solidFill>
-                <a:schemeClr val="bg1">
-                  <a:lumMod val="95000"/>
-                </a:schemeClr>
-              </a:solidFill>
-              <a:effectLst/>
-              <a:latin typeface="Times New Roman" panose="02020603050405020304" pitchFamily="18" charset="0"/>
               <a:ea typeface="Times New Roman" panose="02020603050405020304" pitchFamily="18" charset="0"/>
             </a:endParaRPr>
           </a:p>
@@ -22940,25 +22816,35 @@
         </p:nvSpPr>
         <p:spPr/>
         <p:txBody>
-          <a:bodyPr/>
+          <a:bodyPr>
+            <a:normAutofit fontScale="90000"/>
+          </a:bodyPr>
           <a:lstStyle/>
           <a:p>
             <a:r>
-              <a:rPr lang="en-CA" sz="4000" b="1" dirty="0">
+              <a:rPr lang="en-CA" sz="4000" dirty="0">
+                <a:solidFill>
+                  <a:schemeClr val="bg1"/>
+                </a:solidFill>
                 <a:effectLst/>
-                <a:latin typeface="Times New Roman" panose="02020603050405020304" pitchFamily="18" charset="0"/>
                 <a:ea typeface="Times New Roman" panose="02020603050405020304" pitchFamily="18" charset="0"/>
               </a:rPr>
               <a:t>Authentication by Ownership or Possession –</a:t>
             </a:r>
             <a:br>
-              <a:rPr lang="en-CA" sz="1800" b="1" dirty="0">
+              <a:rPr lang="en-CA" sz="1800" dirty="0">
+                <a:solidFill>
+                  <a:schemeClr val="bg1"/>
+                </a:solidFill>
                 <a:effectLst/>
-                <a:latin typeface="Times New Roman" panose="02020603050405020304" pitchFamily="18" charset="0"/>
                 <a:ea typeface="Times New Roman" panose="02020603050405020304" pitchFamily="18" charset="0"/>
               </a:rPr>
             </a:br>
-            <a:endParaRPr lang="en-CA" dirty="0"/>
+            <a:endParaRPr lang="en-CA" dirty="0">
+              <a:solidFill>
+                <a:schemeClr val="bg1"/>
+              </a:solidFill>
+            </a:endParaRPr>
           </a:p>
         </p:txBody>
       </p:sp>
@@ -22976,8 +22862,8 @@
         </p:nvSpPr>
         <p:spPr>
           <a:xfrm>
-            <a:off x="227162" y="1258089"/>
-            <a:ext cx="11964838" cy="3970318"/>
+            <a:off x="433640" y="2172489"/>
+            <a:ext cx="11964838" cy="3046988"/>
           </a:xfrm>
           <a:prstGeom prst="rect">
             <a:avLst/>
@@ -22991,71 +22877,65 @@
           <a:lstStyle/>
           <a:p>
             <a:r>
-              <a:rPr lang="en-CA" sz="2800" b="1" dirty="0">
+              <a:rPr lang="en-CA" sz="2400" dirty="0">
                 <a:solidFill>
                   <a:schemeClr val="bg2"/>
                 </a:solidFill>
                 <a:effectLst/>
-                <a:latin typeface="Times New Roman" panose="02020603050405020304" pitchFamily="18" charset="0"/>
                 <a:ea typeface="Times New Roman" panose="02020603050405020304" pitchFamily="18" charset="0"/>
               </a:rPr>
               <a:t>With this type of authentication, the user is asked to provide proof that he owns something specific.</a:t>
             </a:r>
           </a:p>
           <a:p>
-            <a:endParaRPr lang="en-CA" sz="2800" b="1" dirty="0">
+            <a:endParaRPr lang="en-CA" sz="2400" dirty="0">
               <a:solidFill>
                 <a:schemeClr val="bg2"/>
               </a:solidFill>
               <a:effectLst/>
-              <a:latin typeface="Times New Roman" panose="02020603050405020304" pitchFamily="18" charset="0"/>
               <a:ea typeface="Times New Roman" panose="02020603050405020304" pitchFamily="18" charset="0"/>
             </a:endParaRPr>
           </a:p>
           <a:p>
             <a:r>
-              <a:rPr lang="en-CA" sz="2800" b="1" dirty="0">
+              <a:rPr lang="en-CA" sz="2400" dirty="0">
                 <a:solidFill>
                   <a:schemeClr val="bg2"/>
                 </a:solidFill>
                 <a:effectLst/>
-                <a:latin typeface="Times New Roman" panose="02020603050405020304" pitchFamily="18" charset="0"/>
                 <a:ea typeface="Times New Roman" panose="02020603050405020304" pitchFamily="18" charset="0"/>
               </a:rPr>
               <a:t>—for example, a system might require an employee to use a badge to access a facility. Another example of authentication by ownership is the use of a token or smart card.</a:t>
             </a:r>
           </a:p>
           <a:p>
-            <a:endParaRPr lang="en-CA" sz="2800" b="1" dirty="0">
+            <a:endParaRPr lang="en-CA" sz="2400" dirty="0">
               <a:solidFill>
                 <a:schemeClr val="bg2"/>
               </a:solidFill>
               <a:effectLst/>
-              <a:latin typeface="Times New Roman" panose="02020603050405020304" pitchFamily="18" charset="0"/>
               <a:ea typeface="Times New Roman" panose="02020603050405020304" pitchFamily="18" charset="0"/>
             </a:endParaRPr>
           </a:p>
           <a:p>
             <a:r>
-              <a:rPr lang="en-CA" sz="2800" b="1" dirty="0">
+              <a:rPr lang="en-CA" sz="2400" dirty="0">
                 <a:solidFill>
                   <a:schemeClr val="bg2"/>
                 </a:solidFill>
                 <a:effectLst/>
-                <a:latin typeface="Times New Roman" panose="02020603050405020304" pitchFamily="18" charset="0"/>
                 <a:ea typeface="Times New Roman" panose="02020603050405020304" pitchFamily="18" charset="0"/>
               </a:rPr>
               <a:t>Possession – The most common of the four is the one-time passcode sent to a device in the user’s possession</a:t>
             </a:r>
             <a:r>
-              <a:rPr lang="en-CA" sz="2000" b="1" dirty="0">
+              <a:rPr lang="en-CA" sz="2400" dirty="0">
                 <a:solidFill>
                   <a:schemeClr val="bg2">
                     <a:lumMod val="10000"/>
                   </a:schemeClr>
                 </a:solidFill>
                 <a:effectLst/>
-                <a:latin typeface="Times New Roman" panose="02020603050405020304" pitchFamily="18" charset="0"/>
                 <a:ea typeface="Times New Roman" panose="02020603050405020304" pitchFamily="18" charset="0"/>
               </a:rPr>
               <a:t>.</a:t>

--- a/Access Control.pptx
+++ b/Access Control.pptx
@@ -2876,10 +2876,10 @@
         <a:lstStyle/>
         <a:p>
           <a:r>
-            <a:rPr lang="en-CA" b="0"/>
-            <a:t>3. Identities should be securely issued. A secure process for issuing an identity to a user needs to be established.</a:t>
+            <a:rPr lang="en-CA" b="0" dirty="0"/>
+            <a:t>3. Identities should be securely issued.</a:t>
           </a:r>
-          <a:endParaRPr lang="en-US"/>
+          <a:endParaRPr lang="en-US" dirty="0"/>
         </a:p>
       </dgm:t>
     </dgm:pt>
@@ -2905,43 +2905,6 @@
         </a:p>
       </dgm:t>
     </dgm:pt>
-    <dgm:pt modelId="{0BC30010-91FB-42BA-8065-39C727CE2F1B}">
-      <dgm:prSet/>
-      <dgm:spPr/>
-      <dgm:t>
-        <a:bodyPr/>
-        <a:lstStyle/>
-        <a:p>
-          <a:r>
-            <a:rPr lang="en-CA" b="0"/>
-            <a:t>4.  Identities can be location-based. A process for authenticating someone based on his or her location.</a:t>
-          </a:r>
-          <a:endParaRPr lang="en-US"/>
-        </a:p>
-      </dgm:t>
-    </dgm:pt>
-    <dgm:pt modelId="{0D628CFE-EDAD-4554-91F0-A65487D62953}" type="parTrans" cxnId="{5E6F411A-8448-4F50-9AF0-A95B10437474}">
-      <dgm:prSet/>
-      <dgm:spPr/>
-      <dgm:t>
-        <a:bodyPr/>
-        <a:lstStyle/>
-        <a:p>
-          <a:endParaRPr lang="en-US"/>
-        </a:p>
-      </dgm:t>
-    </dgm:pt>
-    <dgm:pt modelId="{839C1F0B-9A07-40FA-8B3F-F001E1E84356}" type="sibTrans" cxnId="{5E6F411A-8448-4F50-9AF0-A95B10437474}">
-      <dgm:prSet/>
-      <dgm:spPr/>
-      <dgm:t>
-        <a:bodyPr/>
-        <a:lstStyle/>
-        <a:p>
-          <a:endParaRPr lang="en-US"/>
-        </a:p>
-      </dgm:t>
-    </dgm:pt>
     <dgm:pt modelId="{3729C463-70F4-4F95-AF9D-E2A6AE00B32A}" type="pres">
       <dgm:prSet presAssocID="{F6B622AB-9027-41A3-9707-A72F50CD5807}" presName="diagram" presStyleCnt="0">
         <dgm:presLayoutVars>
@@ -2952,7 +2915,7 @@
       <dgm:spPr/>
     </dgm:pt>
     <dgm:pt modelId="{C7F8F3D7-A369-471C-AC7F-FE9131182E31}" type="pres">
-      <dgm:prSet presAssocID="{C55032F1-EE27-42FB-9679-80943F047BEE}" presName="node" presStyleLbl="node1" presStyleIdx="0" presStyleCnt="6">
+      <dgm:prSet presAssocID="{C55032F1-EE27-42FB-9679-80943F047BEE}" presName="node" presStyleLbl="node1" presStyleIdx="0" presStyleCnt="5">
         <dgm:presLayoutVars>
           <dgm:bulletEnabled val="1"/>
         </dgm:presLayoutVars>
@@ -2964,7 +2927,7 @@
       <dgm:spPr/>
     </dgm:pt>
     <dgm:pt modelId="{1B1BA98E-B5F3-449D-B582-AAFBB51C910A}" type="pres">
-      <dgm:prSet presAssocID="{24CE745A-0D10-4B4C-8186-696CD4B7EE97}" presName="node" presStyleLbl="node1" presStyleIdx="1" presStyleCnt="6">
+      <dgm:prSet presAssocID="{24CE745A-0D10-4B4C-8186-696CD4B7EE97}" presName="node" presStyleLbl="node1" presStyleIdx="1" presStyleCnt="5">
         <dgm:presLayoutVars>
           <dgm:bulletEnabled val="1"/>
         </dgm:presLayoutVars>
@@ -2976,7 +2939,7 @@
       <dgm:spPr/>
     </dgm:pt>
     <dgm:pt modelId="{1E2DF200-FA46-4D0B-8B93-B730F1A71398}" type="pres">
-      <dgm:prSet presAssocID="{97A8709C-A876-4D57-9B1D-65F2AB42E732}" presName="node" presStyleLbl="node1" presStyleIdx="2" presStyleCnt="6">
+      <dgm:prSet presAssocID="{97A8709C-A876-4D57-9B1D-65F2AB42E732}" presName="node" presStyleLbl="node1" presStyleIdx="2" presStyleCnt="5">
         <dgm:presLayoutVars>
           <dgm:bulletEnabled val="1"/>
         </dgm:presLayoutVars>
@@ -2988,7 +2951,7 @@
       <dgm:spPr/>
     </dgm:pt>
     <dgm:pt modelId="{A1D035BD-86CD-4157-82EE-86CEE6A931D6}" type="pres">
-      <dgm:prSet presAssocID="{89C4CAF3-10F1-4BB7-806E-C2635DA86032}" presName="node" presStyleLbl="node1" presStyleIdx="3" presStyleCnt="6">
+      <dgm:prSet presAssocID="{89C4CAF3-10F1-4BB7-806E-C2635DA86032}" presName="node" presStyleLbl="node1" presStyleIdx="3" presStyleCnt="5">
         <dgm:presLayoutVars>
           <dgm:bulletEnabled val="1"/>
         </dgm:presLayoutVars>
@@ -3000,19 +2963,7 @@
       <dgm:spPr/>
     </dgm:pt>
     <dgm:pt modelId="{CAB0017A-D6AD-4444-8A5A-980E77A2CEF4}" type="pres">
-      <dgm:prSet presAssocID="{9EFEC448-56D7-4D55-868D-C559A7CB31FC}" presName="node" presStyleLbl="node1" presStyleIdx="4" presStyleCnt="6">
-        <dgm:presLayoutVars>
-          <dgm:bulletEnabled val="1"/>
-        </dgm:presLayoutVars>
-      </dgm:prSet>
-      <dgm:spPr/>
-    </dgm:pt>
-    <dgm:pt modelId="{A09643FE-93DA-4D8A-AD7A-224DF899DF85}" type="pres">
-      <dgm:prSet presAssocID="{D5672B9D-9C5D-4DCF-8A1D-F2E4311A5F97}" presName="sibTrans" presStyleCnt="0"/>
-      <dgm:spPr/>
-    </dgm:pt>
-    <dgm:pt modelId="{15A287F3-1860-4074-AFE6-DC2A10E6A946}" type="pres">
-      <dgm:prSet presAssocID="{0BC30010-91FB-42BA-8065-39C727CE2F1B}" presName="node" presStyleLbl="node1" presStyleIdx="5" presStyleCnt="6">
+      <dgm:prSet presAssocID="{9EFEC448-56D7-4D55-868D-C559A7CB31FC}" presName="node" presStyleLbl="node1" presStyleIdx="4" presStyleCnt="5">
         <dgm:presLayoutVars>
           <dgm:bulletEnabled val="1"/>
         </dgm:presLayoutVars>
@@ -3024,7 +2975,6 @@
     <dgm:cxn modelId="{0A3DF302-08AB-4BAF-A12B-0F9EDB2E26F1}" type="presOf" srcId="{B367C159-E1D9-4D4C-86C1-A642C836C080}" destId="{1E2DF200-FA46-4D0B-8B93-B730F1A71398}" srcOrd="0" destOrd="1" presId="urn:microsoft.com/office/officeart/2005/8/layout/default"/>
     <dgm:cxn modelId="{D9E8040C-3605-4491-8ACA-0D32DC60AE2F}" type="presOf" srcId="{C55032F1-EE27-42FB-9679-80943F047BEE}" destId="{C7F8F3D7-A369-471C-AC7F-FE9131182E31}" srcOrd="0" destOrd="0" presId="urn:microsoft.com/office/officeart/2005/8/layout/default"/>
     <dgm:cxn modelId="{8FD40B15-0334-4BAD-A49D-6F86B67C1B82}" type="presOf" srcId="{F6B622AB-9027-41A3-9707-A72F50CD5807}" destId="{3729C463-70F4-4F95-AF9D-E2A6AE00B32A}" srcOrd="0" destOrd="0" presId="urn:microsoft.com/office/officeart/2005/8/layout/default"/>
-    <dgm:cxn modelId="{5E6F411A-8448-4F50-9AF0-A95B10437474}" srcId="{F6B622AB-9027-41A3-9707-A72F50CD5807}" destId="{0BC30010-91FB-42BA-8065-39C727CE2F1B}" srcOrd="5" destOrd="0" parTransId="{0D628CFE-EDAD-4554-91F0-A65487D62953}" sibTransId="{839C1F0B-9A07-40FA-8B3F-F001E1E84356}"/>
     <dgm:cxn modelId="{C9DA5E5E-86C5-4953-A691-1CAC9D88B962}" srcId="{F6B622AB-9027-41A3-9707-A72F50CD5807}" destId="{24CE745A-0D10-4B4C-8186-696CD4B7EE97}" srcOrd="1" destOrd="0" parTransId="{D3547CCC-81AA-49A0-80D5-97D94DB687CF}" sibTransId="{B70C4AA6-E06C-452F-86C5-FD5F74DEB1CD}"/>
     <dgm:cxn modelId="{46A0E162-DA37-4154-BC41-8FA53F910FD3}" srcId="{F6B622AB-9027-41A3-9707-A72F50CD5807}" destId="{9EFEC448-56D7-4D55-868D-C559A7CB31FC}" srcOrd="4" destOrd="0" parTransId="{0FB627C6-D18D-48F8-8EE7-E79F4FE90BC5}" sibTransId="{D5672B9D-9C5D-4DCF-8A1D-F2E4311A5F97}"/>
     <dgm:cxn modelId="{6030B04D-B9BA-41C6-B552-F93AB7AB392C}" type="presOf" srcId="{89C4CAF3-10F1-4BB7-806E-C2635DA86032}" destId="{A1D035BD-86CD-4157-82EE-86CEE6A931D6}" srcOrd="0" destOrd="0" presId="urn:microsoft.com/office/officeart/2005/8/layout/default"/>
@@ -3034,7 +2984,6 @@
     <dgm:cxn modelId="{90E86980-B6E8-4289-A35B-76B20AC4F02C}" srcId="{F6B622AB-9027-41A3-9707-A72F50CD5807}" destId="{89C4CAF3-10F1-4BB7-806E-C2635DA86032}" srcOrd="3" destOrd="0" parTransId="{7A478E23-0547-48DE-A11D-EFF05D67183A}" sibTransId="{3DEB147B-BB28-4B64-840F-A5AEE932A414}"/>
     <dgm:cxn modelId="{BA6E1C98-80DB-4069-9075-9AEDDF7C33A2}" type="presOf" srcId="{97A8709C-A876-4D57-9B1D-65F2AB42E732}" destId="{1E2DF200-FA46-4D0B-8B93-B730F1A71398}" srcOrd="0" destOrd="0" presId="urn:microsoft.com/office/officeart/2005/8/layout/default"/>
     <dgm:cxn modelId="{7F5A84C4-99C1-4679-9A50-034B4F659528}" srcId="{97A8709C-A876-4D57-9B1D-65F2AB42E732}" destId="{B367C159-E1D9-4D4C-86C1-A642C836C080}" srcOrd="0" destOrd="0" parTransId="{557DB066-7161-41F4-9E58-2EEFC2F8D840}" sibTransId="{2E93885D-9B3F-4BD9-9E5A-96F157DF0E0D}"/>
-    <dgm:cxn modelId="{1D36F7E5-D0D6-4E60-98FD-E1A72D9DBBF8}" type="presOf" srcId="{0BC30010-91FB-42BA-8065-39C727CE2F1B}" destId="{15A287F3-1860-4074-AFE6-DC2A10E6A946}" srcOrd="0" destOrd="0" presId="urn:microsoft.com/office/officeart/2005/8/layout/default"/>
     <dgm:cxn modelId="{459BDAF1-5F44-4EB7-BD41-21DE32CD0AFE}" srcId="{F6B622AB-9027-41A3-9707-A72F50CD5807}" destId="{97A8709C-A876-4D57-9B1D-65F2AB42E732}" srcOrd="2" destOrd="0" parTransId="{7867ADE4-64A0-410E-820C-5DE633D00FC6}" sibTransId="{80868E65-9E12-4146-B0FC-8F15BE2C1835}"/>
     <dgm:cxn modelId="{AE165CDB-9173-4372-B4C3-B1AD6A394F46}" type="presParOf" srcId="{3729C463-70F4-4F95-AF9D-E2A6AE00B32A}" destId="{C7F8F3D7-A369-471C-AC7F-FE9131182E31}" srcOrd="0" destOrd="0" presId="urn:microsoft.com/office/officeart/2005/8/layout/default"/>
     <dgm:cxn modelId="{BD89A7EE-99E8-4AC8-A90D-119A06717979}" type="presParOf" srcId="{3729C463-70F4-4F95-AF9D-E2A6AE00B32A}" destId="{86CDE5F8-9DA8-419D-9E4E-37588F27D3D8}" srcOrd="1" destOrd="0" presId="urn:microsoft.com/office/officeart/2005/8/layout/default"/>
@@ -3045,8 +2994,6 @@
     <dgm:cxn modelId="{703B50AE-33F8-4E41-9C32-89D545DAD38A}" type="presParOf" srcId="{3729C463-70F4-4F95-AF9D-E2A6AE00B32A}" destId="{A1D035BD-86CD-4157-82EE-86CEE6A931D6}" srcOrd="6" destOrd="0" presId="urn:microsoft.com/office/officeart/2005/8/layout/default"/>
     <dgm:cxn modelId="{5BD9ED30-6448-48CF-9469-A9C4CDAFE057}" type="presParOf" srcId="{3729C463-70F4-4F95-AF9D-E2A6AE00B32A}" destId="{6CB59972-9F9B-40F7-B36D-A02D3FF52823}" srcOrd="7" destOrd="0" presId="urn:microsoft.com/office/officeart/2005/8/layout/default"/>
     <dgm:cxn modelId="{828D8421-528B-4DE2-BFB8-6AAC7E1D8CB9}" type="presParOf" srcId="{3729C463-70F4-4F95-AF9D-E2A6AE00B32A}" destId="{CAB0017A-D6AD-4444-8A5A-980E77A2CEF4}" srcOrd="8" destOrd="0" presId="urn:microsoft.com/office/officeart/2005/8/layout/default"/>
-    <dgm:cxn modelId="{FEE7DAE2-311D-4E9D-A2A1-69834C400C84}" type="presParOf" srcId="{3729C463-70F4-4F95-AF9D-E2A6AE00B32A}" destId="{A09643FE-93DA-4D8A-AD7A-224DF899DF85}" srcOrd="9" destOrd="0" presId="urn:microsoft.com/office/officeart/2005/8/layout/default"/>
-    <dgm:cxn modelId="{1BA79896-4A5C-4931-9B11-7277AFBEF544}" type="presParOf" srcId="{3729C463-70F4-4F95-AF9D-E2A6AE00B32A}" destId="{15A287F3-1860-4074-AFE6-DC2A10E6A946}" srcOrd="10" destOrd="0" presId="urn:microsoft.com/office/officeart/2005/8/layout/default"/>
   </dgm:cxnLst>
   <dgm:bg/>
   <dgm:whole/>
@@ -3695,9 +3642,9 @@
         </a:prstGeom>
         <a:solidFill>
           <a:schemeClr val="accent2">
-            <a:hueOff val="-291073"/>
-            <a:satOff val="-16786"/>
-            <a:lumOff val="1569"/>
+            <a:hueOff val="-363841"/>
+            <a:satOff val="-20982"/>
+            <a:lumOff val="1961"/>
             <a:alphaOff val="0"/>
           </a:schemeClr>
         </a:solidFill>
@@ -3773,9 +3720,9 @@
         </a:prstGeom>
         <a:solidFill>
           <a:schemeClr val="accent2">
-            <a:hueOff val="-582145"/>
-            <a:satOff val="-33571"/>
-            <a:lumOff val="3137"/>
+            <a:hueOff val="-727682"/>
+            <a:satOff val="-41964"/>
+            <a:lumOff val="3921"/>
             <a:alphaOff val="0"/>
           </a:schemeClr>
         </a:solidFill>
@@ -3862,7 +3809,7 @@
       </dsp:nvSpPr>
       <dsp:spPr>
         <a:xfrm>
-          <a:off x="377190" y="2038415"/>
+          <a:off x="1976318" y="2038415"/>
           <a:ext cx="2907506" cy="1744503"/>
         </a:xfrm>
         <a:prstGeom prst="rect">
@@ -3870,9 +3817,9 @@
         </a:prstGeom>
         <a:solidFill>
           <a:schemeClr val="accent2">
-            <a:hueOff val="-873218"/>
-            <a:satOff val="-50357"/>
-            <a:lumOff val="4706"/>
+            <a:hueOff val="-1091522"/>
+            <a:satOff val="-62946"/>
+            <a:lumOff val="5882"/>
             <a:alphaOff val="0"/>
           </a:schemeClr>
         </a:solidFill>
@@ -3933,7 +3880,7 @@
         </a:p>
       </dsp:txBody>
       <dsp:txXfrm>
-        <a:off x="377190" y="2038415"/>
+        <a:off x="1976318" y="2038415"/>
         <a:ext cx="2907506" cy="1744503"/>
       </dsp:txXfrm>
     </dsp:sp>
@@ -3944,85 +3891,7 @@
       </dsp:nvSpPr>
       <dsp:spPr>
         <a:xfrm>
-          <a:off x="3575446" y="2038415"/>
-          <a:ext cx="2907506" cy="1744503"/>
-        </a:xfrm>
-        <a:prstGeom prst="rect">
-          <a:avLst/>
-        </a:prstGeom>
-        <a:solidFill>
-          <a:schemeClr val="accent2">
-            <a:hueOff val="-1164290"/>
-            <a:satOff val="-67142"/>
-            <a:lumOff val="6274"/>
-            <a:alphaOff val="0"/>
-          </a:schemeClr>
-        </a:solidFill>
-        <a:ln w="15875" cap="flat" cmpd="sng" algn="ctr">
-          <a:solidFill>
-            <a:schemeClr val="lt1">
-              <a:hueOff val="0"/>
-              <a:satOff val="0"/>
-              <a:lumOff val="0"/>
-              <a:alphaOff val="0"/>
-            </a:schemeClr>
-          </a:solidFill>
-          <a:prstDash val="solid"/>
-        </a:ln>
-        <a:effectLst/>
-      </dsp:spPr>
-      <dsp:style>
-        <a:lnRef idx="2">
-          <a:scrgbClr r="0" g="0" b="0"/>
-        </a:lnRef>
-        <a:fillRef idx="1">
-          <a:scrgbClr r="0" g="0" b="0"/>
-        </a:fillRef>
-        <a:effectRef idx="0">
-          <a:scrgbClr r="0" g="0" b="0"/>
-        </a:effectRef>
-        <a:fontRef idx="minor">
-          <a:schemeClr val="lt1"/>
-        </a:fontRef>
-      </dsp:style>
-      <dsp:txBody>
-        <a:bodyPr spcFirstLastPara="0" vert="horz" wrap="square" lIns="72390" tIns="72390" rIns="72390" bIns="72390" numCol="1" spcCol="1270" anchor="ctr" anchorCtr="0">
-          <a:noAutofit/>
-        </a:bodyPr>
-        <a:lstStyle/>
-        <a:p>
-          <a:pPr marL="0" lvl="0" indent="0" algn="ctr" defTabSz="844550">
-            <a:lnSpc>
-              <a:spcPct val="90000"/>
-            </a:lnSpc>
-            <a:spcBef>
-              <a:spcPct val="0"/>
-            </a:spcBef>
-            <a:spcAft>
-              <a:spcPct val="35000"/>
-            </a:spcAft>
-            <a:buNone/>
-          </a:pPr>
-          <a:r>
-            <a:rPr lang="en-CA" sz="1900" b="0" kern="1200"/>
-            <a:t>3. Identities should be securely issued. A secure process for issuing an identity to a user needs to be established.</a:t>
-          </a:r>
-          <a:endParaRPr lang="en-US" sz="1900" kern="1200"/>
-        </a:p>
-      </dsp:txBody>
-      <dsp:txXfrm>
-        <a:off x="3575446" y="2038415"/>
-        <a:ext cx="2907506" cy="1744503"/>
-      </dsp:txXfrm>
-    </dsp:sp>
-    <dsp:sp modelId="{15A287F3-1860-4074-AFE6-DC2A10E6A946}">
-      <dsp:nvSpPr>
-        <dsp:cNvPr id="0" name=""/>
-        <dsp:cNvSpPr/>
-      </dsp:nvSpPr>
-      <dsp:spPr>
-        <a:xfrm>
-          <a:off x="6773703" y="2038415"/>
+          <a:off x="5174575" y="2038415"/>
           <a:ext cx="2907506" cy="1744503"/>
         </a:xfrm>
         <a:prstGeom prst="rect">
@@ -4082,14 +3951,14 @@
             <a:buNone/>
           </a:pPr>
           <a:r>
-            <a:rPr lang="en-CA" sz="1900" b="0" kern="1200"/>
-            <a:t>4.  Identities can be location-based. A process for authenticating someone based on his or her location.</a:t>
+            <a:rPr lang="en-CA" sz="1900" b="0" kern="1200" dirty="0"/>
+            <a:t>3. Identities should be securely issued.</a:t>
           </a:r>
-          <a:endParaRPr lang="en-US" sz="1900" kern="1200"/>
+          <a:endParaRPr lang="en-US" sz="1900" kern="1200" dirty="0"/>
         </a:p>
       </dsp:txBody>
       <dsp:txXfrm>
-        <a:off x="6773703" y="2038415"/>
+        <a:off x="5174575" y="2038415"/>
         <a:ext cx="2907506" cy="1744503"/>
       </dsp:txXfrm>
     </dsp:sp>
@@ -14000,7 +13869,7 @@
         <p:spPr>
           <a:xfrm>
             <a:off x="195811" y="2344675"/>
-            <a:ext cx="12105736" cy="3050515"/>
+            <a:ext cx="12105736" cy="2165145"/>
           </a:xfrm>
           <a:prstGeom prst="rect">
             <a:avLst/>
@@ -14022,26 +13891,25 @@
               </a:spcAft>
             </a:pPr>
             <a:r>
-              <a:rPr lang="en-CA" sz="2000" dirty="0">
-                <a:solidFill>
-                  <a:schemeClr val="bg2"/>
-                </a:solidFill>
-                <a:effectLst/>
-                <a:latin typeface="Calibri" panose="020F0502020204030204" pitchFamily="34" charset="0"/>
-                <a:ea typeface="Calibri" panose="020F0502020204030204" pitchFamily="34" charset="0"/>
-                <a:cs typeface="Times New Roman" panose="02020603050405020304" pitchFamily="18" charset="0"/>
-              </a:rPr>
-              <a:t>Accountability or audit are the last two components of the access control system. Your system can offer logs at this point so that use and permissions can be audited. By doing this, you can track what happened if something goes wrong, including what data was accessed or downloaded and how long each task took.</a:t>
-            </a:r>
-            <a:endParaRPr lang="en-CA" sz="1400" dirty="0">
-              <a:solidFill>
-                <a:schemeClr val="bg2"/>
-              </a:solidFill>
-              <a:effectLst/>
-              <a:latin typeface="Calibri" panose="020F0502020204030204" pitchFamily="34" charset="0"/>
-              <a:ea typeface="Calibri" panose="020F0502020204030204" pitchFamily="34" charset="0"/>
-              <a:cs typeface="Times New Roman" panose="02020603050405020304" pitchFamily="18" charset="0"/>
-            </a:endParaRPr>
+              <a:rPr lang="en-US" dirty="0">
+                <a:solidFill>
+                  <a:schemeClr val="bg1"/>
+                </a:solidFill>
+              </a:rPr>
+              <a:t>Accounting is the process of auditing and monitoring.</a:t>
+            </a:r>
+            <a:r>
+              <a:rPr lang="en-US" dirty="0"/>
+              <a:t> </a:t>
+            </a:r>
+            <a:r>
+              <a:rPr lang="en-US" dirty="0">
+                <a:solidFill>
+                  <a:schemeClr val="bg1"/>
+                </a:solidFill>
+              </a:rPr>
+              <a:t>It is important to be aware of accounting because of the great help it provides during the detection and investigation of cybersecurity breaches.</a:t>
+            </a:r>
           </a:p>
           <a:p>
             <a:pPr>
@@ -14052,110 +13920,34 @@
                 <a:spcPts val="800"/>
               </a:spcAft>
             </a:pPr>
-            <a:r>
-              <a:rPr lang="en-CA" sz="1800" dirty="0">
-                <a:solidFill>
-                  <a:schemeClr val="bg2"/>
-                </a:solidFill>
-                <a:effectLst/>
-                <a:latin typeface="Calibri" panose="020F0502020204030204" pitchFamily="34" charset="0"/>
-                <a:ea typeface="Calibri" panose="020F0502020204030204" pitchFamily="34" charset="0"/>
-                <a:cs typeface="Times New Roman" panose="02020603050405020304" pitchFamily="18" charset="0"/>
-              </a:rPr>
-              <a:t>An authorization policy should implement two concepts:</a:t>
-            </a:r>
-            <a:endParaRPr lang="en-CA" sz="1400" dirty="0">
+            <a:endParaRPr lang="en-US" dirty="0">
               <a:solidFill>
-                <a:schemeClr val="bg2"/>
+                <a:schemeClr val="bg1"/>
               </a:solidFill>
-              <a:effectLst/>
-              <a:latin typeface="Calibri" panose="020F0502020204030204" pitchFamily="34" charset="0"/>
-              <a:ea typeface="Calibri" panose="020F0502020204030204" pitchFamily="34" charset="0"/>
-              <a:cs typeface="Times New Roman" panose="02020603050405020304" pitchFamily="18" charset="0"/>
             </a:endParaRPr>
           </a:p>
           <a:p>
-            <a:pPr marL="342900" lvl="0" indent="-342900">
+            <a:pPr>
               <a:lnSpc>
                 <a:spcPct val="107000"/>
               </a:lnSpc>
-              <a:buFont typeface="+mj-lt"/>
-              <a:buAutoNum type="arabicPeriod"/>
+              <a:spcAft>
+                <a:spcPts val="800"/>
+              </a:spcAft>
             </a:pPr>
             <a:r>
-              <a:rPr lang="en-CA" sz="1800" dirty="0">
-                <a:solidFill>
-                  <a:schemeClr val="bg2"/>
-                </a:solidFill>
-                <a:effectLst/>
-                <a:latin typeface="Calibri" panose="020F0502020204030204" pitchFamily="34" charset="0"/>
-                <a:ea typeface="Calibri" panose="020F0502020204030204" pitchFamily="34" charset="0"/>
-                <a:cs typeface="Times New Roman" panose="02020603050405020304" pitchFamily="18" charset="0"/>
-              </a:rPr>
-              <a:t> Implicit deny: If no rule is specified for the transaction of the subject/object, the authorization policy should deny the transaction.</a:t>
-            </a:r>
-            <a:endParaRPr lang="en-CA" sz="1400" dirty="0">
+              <a:rPr lang="en-US" dirty="0">
+                <a:solidFill>
+                  <a:schemeClr val="bg1"/>
+                </a:solidFill>
+              </a:rPr>
+              <a:t>When accounting is implemented, an audit trail log is created and stored that details when the user has accessed the resource</a:t>
+            </a:r>
+            <a:endParaRPr lang="en-CA" dirty="0">
               <a:solidFill>
-                <a:schemeClr val="bg2"/>
+                <a:schemeClr val="bg1"/>
               </a:solidFill>
               <a:effectLst/>
-              <a:latin typeface="Calibri" panose="020F0502020204030204" pitchFamily="34" charset="0"/>
-              <a:ea typeface="Calibri" panose="020F0502020204030204" pitchFamily="34" charset="0"/>
-              <a:cs typeface="Times New Roman" panose="02020603050405020304" pitchFamily="18" charset="0"/>
-            </a:endParaRPr>
-          </a:p>
-          <a:p>
-            <a:pPr marL="457200">
-              <a:lnSpc>
-                <a:spcPct val="107000"/>
-              </a:lnSpc>
-            </a:pPr>
-            <a:r>
-              <a:rPr lang="en-CA" sz="1800" dirty="0">
-                <a:solidFill>
-                  <a:schemeClr val="bg2"/>
-                </a:solidFill>
-                <a:effectLst/>
-                <a:latin typeface="Calibri" panose="020F0502020204030204" pitchFamily="34" charset="0"/>
-                <a:ea typeface="Calibri" panose="020F0502020204030204" pitchFamily="34" charset="0"/>
-                <a:cs typeface="Times New Roman" panose="02020603050405020304" pitchFamily="18" charset="0"/>
-              </a:rPr>
-              <a:t> </a:t>
-            </a:r>
-            <a:endParaRPr lang="en-CA" sz="1400" dirty="0">
-              <a:solidFill>
-                <a:schemeClr val="bg2"/>
-              </a:solidFill>
-              <a:effectLst/>
-              <a:latin typeface="Calibri" panose="020F0502020204030204" pitchFamily="34" charset="0"/>
-              <a:ea typeface="Calibri" panose="020F0502020204030204" pitchFamily="34" charset="0"/>
-              <a:cs typeface="Times New Roman" panose="02020603050405020304" pitchFamily="18" charset="0"/>
-            </a:endParaRPr>
-          </a:p>
-          <a:p>
-            <a:pPr lvl="0">
-              <a:lnSpc>
-                <a:spcPct val="107000"/>
-              </a:lnSpc>
-            </a:pPr>
-            <a:r>
-              <a:rPr lang="en-CA" sz="1800" dirty="0">
-                <a:solidFill>
-                  <a:schemeClr val="bg2"/>
-                </a:solidFill>
-                <a:effectLst/>
-                <a:latin typeface="Calibri" panose="020F0502020204030204" pitchFamily="34" charset="0"/>
-                <a:ea typeface="Calibri" panose="020F0502020204030204" pitchFamily="34" charset="0"/>
-                <a:cs typeface="Times New Roman" panose="02020603050405020304" pitchFamily="18" charset="0"/>
-              </a:rPr>
-              <a:t>2. Need-to-know: A subject should be granted access to an object only if the access is needed to carry out the job of the subject.</a:t>
-            </a:r>
-            <a:endParaRPr lang="en-CA" sz="1400" dirty="0">
-              <a:solidFill>
-                <a:schemeClr val="bg2"/>
-              </a:solidFill>
-              <a:effectLst/>
-              <a:latin typeface="Calibri" panose="020F0502020204030204" pitchFamily="34" charset="0"/>
               <a:ea typeface="Calibri" panose="020F0502020204030204" pitchFamily="34" charset="0"/>
               <a:cs typeface="Times New Roman" panose="02020603050405020304" pitchFamily="18" charset="0"/>
             </a:endParaRPr>
@@ -14239,7 +14031,7 @@
                 <a:ea typeface="Calibri" panose="020F0502020204030204" pitchFamily="34" charset="0"/>
                 <a:cs typeface="Times New Roman" panose="02020603050405020304" pitchFamily="18" charset="0"/>
               </a:rPr>
-              <a:t>Accountability Or Auditing</a:t>
+              <a:t>Accounting –</a:t>
             </a:r>
           </a:p>
         </p:txBody>
@@ -21839,7 +21631,7 @@
           <p:nvPr>
             <p:extLst>
               <p:ext uri="{D42A27DB-BD31-4B8C-83A1-F6EECF244321}">
-                <p14:modId xmlns:p14="http://schemas.microsoft.com/office/powerpoint/2010/main" val="1520093577"/>
+                <p14:modId xmlns:p14="http://schemas.microsoft.com/office/powerpoint/2010/main" val="1770136736"/>
               </p:ext>
             </p:extLst>
           </p:nvPr>
@@ -22477,7 +22269,7 @@
         <p:spPr>
           <a:xfrm>
             <a:off x="362309" y="428179"/>
-            <a:ext cx="8779534" cy="5416868"/>
+            <a:ext cx="8779534" cy="3754874"/>
           </a:xfrm>
           <a:prstGeom prst="rect">
             <a:avLst/>
@@ -22613,103 +22405,7 @@
             </a:r>
           </a:p>
           <a:p>
-            <a:pPr marL="342900" lvl="0" indent="-342900">
-              <a:buFont typeface="+mj-lt"/>
-              <a:buAutoNum type="arabicPeriod"/>
-            </a:pPr>
-            <a:endParaRPr lang="en-CA" sz="1800" b="1" dirty="0">
-              <a:solidFill>
-                <a:schemeClr val="bg1">
-                  <a:lumMod val="95000"/>
-                </a:schemeClr>
-              </a:solidFill>
-              <a:effectLst/>
-              <a:ea typeface="Times New Roman" panose="02020603050405020304" pitchFamily="18" charset="0"/>
-            </a:endParaRPr>
-          </a:p>
-          <a:p>
-            <a:pPr marL="342900" lvl="0" indent="-342900">
-              <a:buFont typeface="+mj-lt"/>
-              <a:buAutoNum type="arabicPeriod"/>
-            </a:pPr>
-            <a:r>
-              <a:rPr lang="en-CA" sz="1800" b="0" dirty="0">
-                <a:solidFill>
-                  <a:schemeClr val="bg1">
-                    <a:lumMod val="95000"/>
-                  </a:schemeClr>
-                </a:solidFill>
-                <a:effectLst/>
-                <a:ea typeface="Times New Roman" panose="02020603050405020304" pitchFamily="18" charset="0"/>
-              </a:rPr>
-              <a:t>Access permissions must be based on the minimum required to perform the</a:t>
-            </a:r>
-            <a:endParaRPr lang="en-CA" sz="1800" b="1" dirty="0">
-              <a:solidFill>
-                <a:schemeClr val="bg1">
-                  <a:lumMod val="95000"/>
-                </a:schemeClr>
-              </a:solidFill>
-              <a:effectLst/>
-              <a:ea typeface="Times New Roman" panose="02020603050405020304" pitchFamily="18" charset="0"/>
-            </a:endParaRPr>
-          </a:p>
-          <a:p>
-            <a:pPr marL="457200"/>
-            <a:r>
-              <a:rPr lang="en-CA" sz="1800" b="0" dirty="0">
-                <a:solidFill>
-                  <a:schemeClr val="bg1">
-                    <a:lumMod val="95000"/>
-                  </a:schemeClr>
-                </a:solidFill>
-                <a:effectLst/>
-                <a:ea typeface="Times New Roman" panose="02020603050405020304" pitchFamily="18" charset="0"/>
-              </a:rPr>
-              <a:t> job or program function. </a:t>
-            </a:r>
-          </a:p>
-          <a:p>
-            <a:pPr marL="457200"/>
-            <a:endParaRPr lang="en-CA" sz="1800" b="1" dirty="0">
-              <a:solidFill>
-                <a:schemeClr val="bg1">
-                  <a:lumMod val="95000"/>
-                </a:schemeClr>
-              </a:solidFill>
-              <a:effectLst/>
-              <a:ea typeface="Times New Roman" panose="02020603050405020304" pitchFamily="18" charset="0"/>
-            </a:endParaRPr>
-          </a:p>
-          <a:p>
             <a:pPr lvl="0"/>
-            <a:r>
-              <a:rPr lang="en-CA" sz="1800" b="0" dirty="0">
-                <a:solidFill>
-                  <a:schemeClr val="bg1">
-                    <a:lumMod val="95000"/>
-                  </a:schemeClr>
-                </a:solidFill>
-                <a:effectLst/>
-                <a:ea typeface="Times New Roman" panose="02020603050405020304" pitchFamily="18" charset="0"/>
-              </a:rPr>
-              <a:t>4.    Information and information system owners are responsible for determining access rights and permissions.</a:t>
-            </a:r>
-          </a:p>
-          <a:p>
-            <a:pPr lvl="0"/>
-            <a:r>
-              <a:rPr lang="en-CA" sz="1800" b="0" dirty="0">
-                <a:solidFill>
-                  <a:schemeClr val="bg1">
-                    <a:lumMod val="95000"/>
-                  </a:schemeClr>
-                </a:solidFill>
-                <a:effectLst/>
-                <a:ea typeface="Times New Roman" panose="02020603050405020304" pitchFamily="18" charset="0"/>
-              </a:rPr>
-              <a:t> </a:t>
-            </a:r>
             <a:endParaRPr lang="en-CA" b="1" dirty="0">
               <a:solidFill>
                 <a:schemeClr val="bg1">
@@ -22730,7 +22426,7 @@
                 </a:solidFill>
                 <a:ea typeface="Times New Roman" panose="02020603050405020304" pitchFamily="18" charset="0"/>
               </a:rPr>
-              <a:t>5. </a:t>
+              <a:t>3. </a:t>
             </a:r>
             <a:r>
               <a:rPr lang="en-CA" sz="1800" b="1" dirty="0">

--- a/Access Control.pptx
+++ b/Access Control.pptx
@@ -45,17 +45,18 @@
     <p:sldId id="299" r:id="rId39"/>
     <p:sldId id="300" r:id="rId40"/>
     <p:sldId id="312" r:id="rId41"/>
-    <p:sldId id="301" r:id="rId42"/>
-    <p:sldId id="302" r:id="rId43"/>
-    <p:sldId id="306" r:id="rId44"/>
-    <p:sldId id="303" r:id="rId45"/>
-    <p:sldId id="304" r:id="rId46"/>
-    <p:sldId id="313" r:id="rId47"/>
-    <p:sldId id="305" r:id="rId48"/>
-    <p:sldId id="307" r:id="rId49"/>
-    <p:sldId id="308" r:id="rId50"/>
-    <p:sldId id="309" r:id="rId51"/>
-    <p:sldId id="311" r:id="rId52"/>
+    <p:sldId id="315" r:id="rId42"/>
+    <p:sldId id="301" r:id="rId43"/>
+    <p:sldId id="302" r:id="rId44"/>
+    <p:sldId id="306" r:id="rId45"/>
+    <p:sldId id="303" r:id="rId46"/>
+    <p:sldId id="304" r:id="rId47"/>
+    <p:sldId id="313" r:id="rId48"/>
+    <p:sldId id="305" r:id="rId49"/>
+    <p:sldId id="307" r:id="rId50"/>
+    <p:sldId id="308" r:id="rId51"/>
+    <p:sldId id="309" r:id="rId52"/>
+    <p:sldId id="311" r:id="rId53"/>
   </p:sldIdLst>
   <p:sldSz cx="12192000" cy="6858000"/>
   <p:notesSz cx="6858000" cy="9144000"/>
@@ -199,6 +200,7 @@
             <p14:sldId id="299"/>
             <p14:sldId id="300"/>
             <p14:sldId id="312"/>
+            <p14:sldId id="315"/>
             <p14:sldId id="301"/>
             <p14:sldId id="302"/>
             <p14:sldId id="306"/>
@@ -222,15 +224,17 @@
 </file>
 
 <file path=ppt/diagrams/colors1.xml><?xml version="1.0" encoding="utf-8"?>
-<dgm:colorsDef xmlns:dgm="http://schemas.openxmlformats.org/drawingml/2006/diagram" xmlns:a="http://schemas.openxmlformats.org/drawingml/2006/main" uniqueId="urn:microsoft.com/office/officeart/2005/8/colors/colorful2">
+<dgm:colorsDef xmlns:dgm="http://schemas.openxmlformats.org/drawingml/2006/diagram" xmlns:a="http://schemas.openxmlformats.org/drawingml/2006/main" uniqueId="urn:microsoft.com/office/officeart/2005/8/colors/accent1_3">
   <dgm:title val=""/>
   <dgm:desc val=""/>
   <dgm:catLst>
-    <dgm:cat type="colorful" pri="10200"/>
+    <dgm:cat type="accent1" pri="11300"/>
   </dgm:catLst>
   <dgm:styleLbl name="node0">
     <dgm:fillClrLst meth="repeat">
-      <a:schemeClr val="accent1"/>
+      <a:schemeClr val="accent1">
+        <a:shade val="80000"/>
+      </a:schemeClr>
     </dgm:fillClrLst>
     <dgm:linClrLst meth="repeat">
       <a:schemeClr val="lt1"/>
@@ -240,10 +244,36 @@
     <dgm:txFillClrLst/>
     <dgm:txEffectClrLst/>
   </dgm:styleLbl>
+  <dgm:styleLbl name="alignNode1">
+    <dgm:fillClrLst>
+      <a:schemeClr val="accent1">
+        <a:shade val="80000"/>
+      </a:schemeClr>
+      <a:schemeClr val="accent1">
+        <a:tint val="70000"/>
+      </a:schemeClr>
+    </dgm:fillClrLst>
+    <dgm:linClrLst>
+      <a:schemeClr val="accent1">
+        <a:shade val="80000"/>
+      </a:schemeClr>
+      <a:schemeClr val="accent1">
+        <a:tint val="70000"/>
+      </a:schemeClr>
+    </dgm:linClrLst>
+    <dgm:effectClrLst/>
+    <dgm:txLinClrLst/>
+    <dgm:txFillClrLst/>
+    <dgm:txEffectClrLst/>
+  </dgm:styleLbl>
   <dgm:styleLbl name="node1">
     <dgm:fillClrLst>
-      <a:schemeClr val="accent2"/>
-      <a:schemeClr val="accent3"/>
+      <a:schemeClr val="accent1">
+        <a:shade val="80000"/>
+      </a:schemeClr>
+      <a:schemeClr val="accent1">
+        <a:tint val="70000"/>
+      </a:schemeClr>
     </dgm:fillClrLst>
     <dgm:linClrLst meth="repeat">
       <a:schemeClr val="lt1"/>
@@ -253,24 +283,14 @@
     <dgm:txFillClrLst/>
     <dgm:txEffectClrLst/>
   </dgm:styleLbl>
-  <dgm:styleLbl name="alignNode1">
-    <dgm:fillClrLst>
-      <a:schemeClr val="accent2"/>
-      <a:schemeClr val="accent3"/>
-    </dgm:fillClrLst>
-    <dgm:linClrLst>
-      <a:schemeClr val="accent2"/>
-      <a:schemeClr val="accent3"/>
-    </dgm:linClrLst>
-    <dgm:effectClrLst/>
-    <dgm:txLinClrLst/>
-    <dgm:txFillClrLst/>
-    <dgm:txEffectClrLst/>
-  </dgm:styleLbl>
   <dgm:styleLbl name="lnNode1">
     <dgm:fillClrLst>
-      <a:schemeClr val="accent2"/>
-      <a:schemeClr val="accent3"/>
+      <a:schemeClr val="accent1">
+        <a:shade val="80000"/>
+      </a:schemeClr>
+      <a:schemeClr val="accent1">
+        <a:tint val="70000"/>
+      </a:schemeClr>
     </dgm:fillClrLst>
     <dgm:linClrLst meth="repeat">
       <a:schemeClr val="lt1"/>
@@ -282,10 +302,12 @@
   </dgm:styleLbl>
   <dgm:styleLbl name="vennNode1">
     <dgm:fillClrLst>
-      <a:schemeClr val="accent2">
+      <a:schemeClr val="accent1">
+        <a:shade val="80000"/>
         <a:alpha val="50000"/>
       </a:schemeClr>
-      <a:schemeClr val="accent3">
+      <a:schemeClr val="accent1">
+        <a:tint val="70000"/>
         <a:alpha val="50000"/>
       </a:schemeClr>
     </dgm:fillClrLst>
@@ -299,7 +321,9 @@
   </dgm:styleLbl>
   <dgm:styleLbl name="node2">
     <dgm:fillClrLst>
-      <a:schemeClr val="accent3"/>
+      <a:schemeClr val="accent1">
+        <a:tint val="99000"/>
+      </a:schemeClr>
     </dgm:fillClrLst>
     <dgm:linClrLst meth="repeat">
       <a:schemeClr val="lt1"/>
@@ -311,7 +335,9 @@
   </dgm:styleLbl>
   <dgm:styleLbl name="node3">
     <dgm:fillClrLst>
-      <a:schemeClr val="accent4"/>
+      <a:schemeClr val="accent1">
+        <a:tint val="80000"/>
+      </a:schemeClr>
     </dgm:fillClrLst>
     <dgm:linClrLst meth="repeat">
       <a:schemeClr val="lt1"/>
@@ -323,7 +349,9 @@
   </dgm:styleLbl>
   <dgm:styleLbl name="node4">
     <dgm:fillClrLst>
-      <a:schemeClr val="accent5"/>
+      <a:schemeClr val="accent1">
+        <a:tint val="70000"/>
+      </a:schemeClr>
     </dgm:fillClrLst>
     <dgm:linClrLst meth="repeat">
       <a:schemeClr val="lt1"/>
@@ -335,29 +363,10 @@
   </dgm:styleLbl>
   <dgm:styleLbl name="fgImgPlace1">
     <dgm:fillClrLst>
-      <a:schemeClr val="accent2">
+      <a:schemeClr val="accent1">
         <a:tint val="50000"/>
       </a:schemeClr>
-      <a:schemeClr val="accent3">
-        <a:tint val="50000"/>
-      </a:schemeClr>
-    </dgm:fillClrLst>
-    <dgm:linClrLst meth="repeat">
-      <a:schemeClr val="lt1"/>
-    </dgm:linClrLst>
-    <dgm:effectClrLst/>
-    <dgm:txLinClrLst/>
-    <dgm:txFillClrLst meth="repeat">
-      <a:schemeClr val="lt1"/>
-    </dgm:txFillClrLst>
-    <dgm:txEffectClrLst/>
-  </dgm:styleLbl>
-  <dgm:styleLbl name="alignImgPlace1">
-    <dgm:fillClrLst>
-      <a:schemeClr val="accent2">
-        <a:tint val="50000"/>
-      </a:schemeClr>
-      <a:schemeClr val="accent3">
+      <a:schemeClr val="accent1">
         <a:tint val="20000"/>
       </a:schemeClr>
     </dgm:fillClrLst>
@@ -371,12 +380,12 @@
     </dgm:txFillClrLst>
     <dgm:txEffectClrLst/>
   </dgm:styleLbl>
-  <dgm:styleLbl name="bgImgPlace1">
+  <dgm:styleLbl name="alignImgPlace1">
     <dgm:fillClrLst>
-      <a:schemeClr val="accent2">
+      <a:schemeClr val="accent1">
         <a:tint val="50000"/>
       </a:schemeClr>
-      <a:schemeClr val="accent3">
+      <a:schemeClr val="accent1">
         <a:tint val="20000"/>
       </a:schemeClr>
     </dgm:fillClrLst>
@@ -390,23 +399,14 @@
     </dgm:txFillClrLst>
     <dgm:txEffectClrLst/>
   </dgm:styleLbl>
-  <dgm:styleLbl name="sibTrans2D1">
+  <dgm:styleLbl name="bgImgPlace1">
     <dgm:fillClrLst>
-      <a:schemeClr val="accent2"/>
-      <a:schemeClr val="accent3"/>
-    </dgm:fillClrLst>
-    <dgm:linClrLst meth="repeat">
-      <a:schemeClr val="lt1"/>
-    </dgm:linClrLst>
-    <dgm:effectClrLst/>
-    <dgm:txLinClrLst/>
-    <dgm:txFillClrLst/>
-    <dgm:txEffectClrLst/>
-  </dgm:styleLbl>
-  <dgm:styleLbl name="fgSibTrans2D1">
-    <dgm:fillClrLst>
-      <a:schemeClr val="accent2"/>
-      <a:schemeClr val="accent3"/>
+      <a:schemeClr val="accent1">
+        <a:tint val="50000"/>
+      </a:schemeClr>
+      <a:schemeClr val="accent1">
+        <a:tint val="20000"/>
+      </a:schemeClr>
     </dgm:fillClrLst>
     <dgm:linClrLst meth="repeat">
       <a:schemeClr val="lt1"/>
@@ -418,13 +418,44 @@
     </dgm:txFillClrLst>
     <dgm:txEffectClrLst/>
   </dgm:styleLbl>
-  <dgm:styleLbl name="bgSibTrans2D1">
+  <dgm:styleLbl name="sibTrans2D1">
     <dgm:fillClrLst>
-      <a:schemeClr val="accent2"/>
-      <a:schemeClr val="accent3"/>
+      <a:schemeClr val="accent1">
+        <a:shade val="90000"/>
+      </a:schemeClr>
+      <a:schemeClr val="accent1">
+        <a:tint val="70000"/>
+      </a:schemeClr>
     </dgm:fillClrLst>
-    <dgm:linClrLst meth="repeat">
-      <a:schemeClr val="lt1"/>
+    <dgm:linClrLst>
+      <a:schemeClr val="accent1">
+        <a:shade val="90000"/>
+      </a:schemeClr>
+      <a:schemeClr val="accent1">
+        <a:tint val="70000"/>
+      </a:schemeClr>
+    </dgm:linClrLst>
+    <dgm:effectClrLst/>
+    <dgm:txLinClrLst/>
+    <dgm:txFillClrLst/>
+    <dgm:txEffectClrLst/>
+  </dgm:styleLbl>
+  <dgm:styleLbl name="fgSibTrans2D1">
+    <dgm:fillClrLst>
+      <a:schemeClr val="accent1">
+        <a:shade val="90000"/>
+      </a:schemeClr>
+      <a:schemeClr val="accent1">
+        <a:tint val="70000"/>
+      </a:schemeClr>
+    </dgm:fillClrLst>
+    <dgm:linClrLst>
+      <a:schemeClr val="accent1">
+        <a:shade val="90000"/>
+      </a:schemeClr>
+      <a:schemeClr val="accent1">
+        <a:tint val="70000"/>
+      </a:schemeClr>
     </dgm:linClrLst>
     <dgm:effectClrLst/>
     <dgm:txLinClrLst/>
@@ -433,26 +464,45 @@
     </dgm:txFillClrLst>
     <dgm:txEffectClrLst/>
   </dgm:styleLbl>
-  <dgm:styleLbl name="sibTrans1D1">
-    <dgm:fillClrLst/>
+  <dgm:styleLbl name="bgSibTrans2D1">
+    <dgm:fillClrLst>
+      <a:schemeClr val="accent1">
+        <a:shade val="90000"/>
+      </a:schemeClr>
+      <a:schemeClr val="accent1">
+        <a:tint val="70000"/>
+      </a:schemeClr>
+    </dgm:fillClrLst>
     <dgm:linClrLst>
-      <a:schemeClr val="accent2"/>
-      <a:schemeClr val="accent3"/>
+      <a:schemeClr val="accent1">
+        <a:shade val="90000"/>
+      </a:schemeClr>
+      <a:schemeClr val="accent1">
+        <a:tint val="70000"/>
+      </a:schemeClr>
     </dgm:linClrLst>
     <dgm:effectClrLst/>
     <dgm:txLinClrLst/>
     <dgm:txFillClrLst meth="repeat">
-      <a:schemeClr val="tx1"/>
+      <a:schemeClr val="lt1"/>
     </dgm:txFillClrLst>
     <dgm:txEffectClrLst/>
   </dgm:styleLbl>
-  <dgm:styleLbl name="callout">
-    <dgm:fillClrLst meth="repeat">
-      <a:schemeClr val="accent2"/>
+  <dgm:styleLbl name="sibTrans1D1">
+    <dgm:fillClrLst>
+      <a:schemeClr val="accent1">
+        <a:shade val="90000"/>
+      </a:schemeClr>
+      <a:schemeClr val="accent1">
+        <a:tint val="70000"/>
+      </a:schemeClr>
     </dgm:fillClrLst>
-    <dgm:linClrLst meth="repeat">
-      <a:schemeClr val="accent2">
-        <a:tint val="50000"/>
+    <dgm:linClrLst>
+      <a:schemeClr val="accent1">
+        <a:shade val="90000"/>
+      </a:schemeClr>
+      <a:schemeClr val="accent1">
+        <a:tint val="70000"/>
       </a:schemeClr>
     </dgm:linClrLst>
     <dgm:effectClrLst/>
@@ -462,37 +512,25 @@
     </dgm:txFillClrLst>
     <dgm:txEffectClrLst/>
   </dgm:styleLbl>
-  <dgm:styleLbl name="asst0">
+  <dgm:styleLbl name="callout">
     <dgm:fillClrLst meth="repeat">
-      <a:schemeClr val="accent2"/>
+      <a:schemeClr val="accent1"/>
     </dgm:fillClrLst>
     <dgm:linClrLst meth="repeat">
-      <a:schemeClr val="lt1">
-        <a:shade val="80000"/>
-      </a:schemeClr>
+      <a:schemeClr val="accent1"/>
     </dgm:linClrLst>
     <dgm:effectClrLst/>
     <dgm:txLinClrLst/>
-    <dgm:txFillClrLst/>
+    <dgm:txFillClrLst meth="repeat">
+      <a:schemeClr val="tx1"/>
+    </dgm:txFillClrLst>
     <dgm:txEffectClrLst/>
   </dgm:styleLbl>
-  <dgm:styleLbl name="asst1">
+  <dgm:styleLbl name="asst0">
     <dgm:fillClrLst meth="repeat">
-      <a:schemeClr val="accent3"/>
-    </dgm:fillClrLst>
-    <dgm:linClrLst meth="repeat">
-      <a:schemeClr val="lt1">
+      <a:schemeClr val="accent1">
         <a:shade val="80000"/>
       </a:schemeClr>
-    </dgm:linClrLst>
-    <dgm:effectClrLst/>
-    <dgm:txLinClrLst/>
-    <dgm:txFillClrLst/>
-    <dgm:txEffectClrLst/>
-  </dgm:styleLbl>
-  <dgm:styleLbl name="asst2">
-    <dgm:fillClrLst>
-      <a:schemeClr val="accent4"/>
     </dgm:fillClrLst>
     <dgm:linClrLst meth="repeat">
       <a:schemeClr val="lt1"/>
@@ -502,9 +540,11 @@
     <dgm:txFillClrLst/>
     <dgm:txEffectClrLst/>
   </dgm:styleLbl>
-  <dgm:styleLbl name="asst3">
-    <dgm:fillClrLst>
-      <a:schemeClr val="accent5"/>
+  <dgm:styleLbl name="asst1">
+    <dgm:fillClrLst meth="repeat">
+      <a:schemeClr val="accent1">
+        <a:shade val="80000"/>
+      </a:schemeClr>
     </dgm:fillClrLst>
     <dgm:linClrLst meth="repeat">
       <a:schemeClr val="lt1"/>
@@ -514,9 +554,11 @@
     <dgm:txFillClrLst/>
     <dgm:txEffectClrLst/>
   </dgm:styleLbl>
-  <dgm:styleLbl name="asst4">
+  <dgm:styleLbl name="asst2">
     <dgm:fillClrLst>
-      <a:schemeClr val="accent6"/>
+      <a:schemeClr val="accent1">
+        <a:tint val="99000"/>
+      </a:schemeClr>
     </dgm:fillClrLst>
     <dgm:linClrLst meth="repeat">
       <a:schemeClr val="lt1"/>
@@ -526,23 +568,11 @@
     <dgm:txFillClrLst/>
     <dgm:txEffectClrLst/>
   </dgm:styleLbl>
-  <dgm:styleLbl name="parChTrans2D1">
-    <dgm:fillClrLst meth="repeat">
-      <a:schemeClr val="accent2"/>
-    </dgm:fillClrLst>
-    <dgm:linClrLst meth="repeat">
-      <a:schemeClr val="lt1"/>
-    </dgm:linClrLst>
-    <dgm:effectClrLst/>
-    <dgm:txLinClrLst/>
-    <dgm:txFillClrLst meth="repeat">
-      <a:schemeClr val="lt1"/>
-    </dgm:txFillClrLst>
-    <dgm:txEffectClrLst/>
-  </dgm:styleLbl>
-  <dgm:styleLbl name="parChTrans2D2">
-    <dgm:fillClrLst meth="repeat">
-      <a:schemeClr val="accent3"/>
+  <dgm:styleLbl name="asst3">
+    <dgm:fillClrLst>
+      <a:schemeClr val="accent1">
+        <a:tint val="80000"/>
+      </a:schemeClr>
     </dgm:fillClrLst>
     <dgm:linClrLst meth="repeat">
       <a:schemeClr val="lt1"/>
@@ -552,9 +582,11 @@
     <dgm:txFillClrLst/>
     <dgm:txEffectClrLst/>
   </dgm:styleLbl>
-  <dgm:styleLbl name="parChTrans2D3">
-    <dgm:fillClrLst meth="repeat">
-      <a:schemeClr val="accent4"/>
+  <dgm:styleLbl name="asst4">
+    <dgm:fillClrLst>
+      <a:schemeClr val="accent1">
+        <a:tint val="70000"/>
+      </a:schemeClr>
     </dgm:fillClrLst>
     <dgm:linClrLst meth="repeat">
       <a:schemeClr val="lt1"/>
@@ -564,12 +596,16 @@
     <dgm:txFillClrLst/>
     <dgm:txEffectClrLst/>
   </dgm:styleLbl>
-  <dgm:styleLbl name="parChTrans2D4">
+  <dgm:styleLbl name="parChTrans2D1">
     <dgm:fillClrLst meth="repeat">
-      <a:schemeClr val="accent5"/>
+      <a:schemeClr val="accent1">
+        <a:tint val="60000"/>
+      </a:schemeClr>
     </dgm:fillClrLst>
     <dgm:linClrLst meth="repeat">
-      <a:schemeClr val="lt1"/>
+      <a:schemeClr val="accent1">
+        <a:tint val="60000"/>
+      </a:schemeClr>
     </dgm:linClrLst>
     <dgm:effectClrLst/>
     <dgm:txLinClrLst/>
@@ -578,12 +614,66 @@
     </dgm:txFillClrLst>
     <dgm:txEffectClrLst/>
   </dgm:styleLbl>
+  <dgm:styleLbl name="parChTrans2D2">
+    <dgm:fillClrLst meth="repeat">
+      <a:schemeClr val="accent1">
+        <a:tint val="90000"/>
+      </a:schemeClr>
+    </dgm:fillClrLst>
+    <dgm:linClrLst meth="repeat">
+      <a:schemeClr val="accent1">
+        <a:tint val="90000"/>
+      </a:schemeClr>
+    </dgm:linClrLst>
+    <dgm:effectClrLst/>
+    <dgm:txLinClrLst/>
+    <dgm:txFillClrLst/>
+    <dgm:txEffectClrLst/>
+  </dgm:styleLbl>
+  <dgm:styleLbl name="parChTrans2D3">
+    <dgm:fillClrLst meth="repeat">
+      <a:schemeClr val="accent1">
+        <a:tint val="70000"/>
+      </a:schemeClr>
+    </dgm:fillClrLst>
+    <dgm:linClrLst meth="repeat">
+      <a:schemeClr val="accent1">
+        <a:tint val="70000"/>
+      </a:schemeClr>
+    </dgm:linClrLst>
+    <dgm:effectClrLst/>
+    <dgm:txLinClrLst/>
+    <dgm:txFillClrLst/>
+    <dgm:txEffectClrLst/>
+  </dgm:styleLbl>
+  <dgm:styleLbl name="parChTrans2D4">
+    <dgm:fillClrLst meth="repeat">
+      <a:schemeClr val="accent1">
+        <a:tint val="50000"/>
+      </a:schemeClr>
+    </dgm:fillClrLst>
+    <dgm:linClrLst meth="repeat">
+      <a:schemeClr val="accent1">
+        <a:tint val="50000"/>
+      </a:schemeClr>
+    </dgm:linClrLst>
+    <dgm:effectClrLst/>
+    <dgm:txLinClrLst/>
+    <dgm:txFillClrLst meth="repeat">
+      <a:schemeClr val="lt1"/>
+    </dgm:txFillClrLst>
+    <dgm:txEffectClrLst/>
+  </dgm:styleLbl>
   <dgm:styleLbl name="parChTrans1D1">
     <dgm:fillClrLst meth="repeat">
-      <a:schemeClr val="accent2"/>
+      <a:schemeClr val="accent1">
+        <a:shade val="80000"/>
+      </a:schemeClr>
     </dgm:fillClrLst>
     <dgm:linClrLst meth="repeat">
-      <a:schemeClr val="accent2"/>
+      <a:schemeClr val="accent1">
+        <a:shade val="80000"/>
+      </a:schemeClr>
     </dgm:linClrLst>
     <dgm:effectClrLst/>
     <dgm:txLinClrLst/>
@@ -594,12 +684,14 @@
   </dgm:styleLbl>
   <dgm:styleLbl name="parChTrans1D2">
     <dgm:fillClrLst meth="repeat">
-      <a:schemeClr val="accent2">
-        <a:tint val="90000"/>
+      <a:schemeClr val="accent1">
+        <a:tint val="99000"/>
       </a:schemeClr>
     </dgm:fillClrLst>
     <dgm:linClrLst meth="repeat">
-      <a:schemeClr val="accent3"/>
+      <a:schemeClr val="accent1">
+        <a:tint val="99000"/>
+      </a:schemeClr>
     </dgm:linClrLst>
     <dgm:effectClrLst/>
     <dgm:txLinClrLst/>
@@ -610,12 +702,14 @@
   </dgm:styleLbl>
   <dgm:styleLbl name="parChTrans1D3">
     <dgm:fillClrLst meth="repeat">
-      <a:schemeClr val="accent2">
-        <a:tint val="70000"/>
+      <a:schemeClr val="accent1">
+        <a:tint val="80000"/>
       </a:schemeClr>
     </dgm:fillClrLst>
     <dgm:linClrLst meth="repeat">
-      <a:schemeClr val="accent4"/>
+      <a:schemeClr val="accent1">
+        <a:tint val="80000"/>
+      </a:schemeClr>
     </dgm:linClrLst>
     <dgm:effectClrLst/>
     <dgm:txLinClrLst/>
@@ -626,12 +720,14 @@
   </dgm:styleLbl>
   <dgm:styleLbl name="parChTrans1D4">
     <dgm:fillClrLst meth="repeat">
-      <a:schemeClr val="accent2">
-        <a:tint val="50000"/>
+      <a:schemeClr val="accent1">
+        <a:tint val="70000"/>
       </a:schemeClr>
     </dgm:fillClrLst>
     <dgm:linClrLst meth="repeat">
-      <a:schemeClr val="accent5"/>
+      <a:schemeClr val="accent1">
+        <a:tint val="70000"/>
+      </a:schemeClr>
     </dgm:linClrLst>
     <dgm:effectClrLst/>
     <dgm:txLinClrLst/>
@@ -647,147 +743,11 @@
       </a:schemeClr>
     </dgm:fillClrLst>
     <dgm:linClrLst>
-      <a:schemeClr val="accent2"/>
-      <a:schemeClr val="accent3"/>
-    </dgm:linClrLst>
-    <dgm:effectClrLst/>
-    <dgm:txLinClrLst/>
-    <dgm:txFillClrLst meth="repeat">
-      <a:schemeClr val="dk1"/>
-    </dgm:txFillClrLst>
-    <dgm:txEffectClrLst/>
-  </dgm:styleLbl>
-  <dgm:styleLbl name="conFgAcc1">
-    <dgm:fillClrLst meth="repeat">
-      <a:schemeClr val="lt1">
-        <a:alpha val="90000"/>
+      <a:schemeClr val="accent1">
+        <a:shade val="80000"/>
       </a:schemeClr>
-    </dgm:fillClrLst>
-    <dgm:linClrLst>
-      <a:schemeClr val="accent2"/>
-      <a:schemeClr val="accent3"/>
-    </dgm:linClrLst>
-    <dgm:effectClrLst/>
-    <dgm:txLinClrLst/>
-    <dgm:txFillClrLst meth="repeat">
-      <a:schemeClr val="dk1"/>
-    </dgm:txFillClrLst>
-    <dgm:txEffectClrLst/>
-  </dgm:styleLbl>
-  <dgm:styleLbl name="alignAcc1">
-    <dgm:fillClrLst meth="repeat">
-      <a:schemeClr val="lt1">
-        <a:alpha val="90000"/>
-      </a:schemeClr>
-    </dgm:fillClrLst>
-    <dgm:linClrLst>
-      <a:schemeClr val="accent2"/>
-      <a:schemeClr val="accent3"/>
-    </dgm:linClrLst>
-    <dgm:effectClrLst/>
-    <dgm:txLinClrLst/>
-    <dgm:txFillClrLst meth="repeat">
-      <a:schemeClr val="dk1"/>
-    </dgm:txFillClrLst>
-    <dgm:txEffectClrLst/>
-  </dgm:styleLbl>
-  <dgm:styleLbl name="trAlignAcc1">
-    <dgm:fillClrLst meth="repeat">
-      <a:schemeClr val="lt1">
-        <a:alpha val="40000"/>
-      </a:schemeClr>
-    </dgm:fillClrLst>
-    <dgm:linClrLst meth="repeat">
-      <a:schemeClr val="accent2"/>
-    </dgm:linClrLst>
-    <dgm:effectClrLst/>
-    <dgm:txLinClrLst/>
-    <dgm:txFillClrLst meth="repeat">
-      <a:schemeClr val="dk1"/>
-    </dgm:txFillClrLst>
-    <dgm:txEffectClrLst/>
-  </dgm:styleLbl>
-  <dgm:styleLbl name="bgAcc1">
-    <dgm:fillClrLst meth="repeat">
-      <a:schemeClr val="lt1">
-        <a:alpha val="90000"/>
-      </a:schemeClr>
-    </dgm:fillClrLst>
-    <dgm:linClrLst>
-      <a:schemeClr val="accent2"/>
-      <a:schemeClr val="accent3"/>
-    </dgm:linClrLst>
-    <dgm:effectClrLst/>
-    <dgm:txLinClrLst/>
-    <dgm:txFillClrLst meth="repeat">
-      <a:schemeClr val="dk1"/>
-    </dgm:txFillClrLst>
-    <dgm:txEffectClrLst/>
-  </dgm:styleLbl>
-  <dgm:styleLbl name="solidFgAcc1">
-    <dgm:fillClrLst meth="repeat">
-      <a:schemeClr val="lt1"/>
-    </dgm:fillClrLst>
-    <dgm:linClrLst>
-      <a:schemeClr val="accent2"/>
-      <a:schemeClr val="accent3"/>
-    </dgm:linClrLst>
-    <dgm:effectClrLst/>
-    <dgm:txLinClrLst/>
-    <dgm:txFillClrLst meth="repeat">
-      <a:schemeClr val="dk1"/>
-    </dgm:txFillClrLst>
-    <dgm:txEffectClrLst/>
-  </dgm:styleLbl>
-  <dgm:styleLbl name="solidAlignAcc1">
-    <dgm:fillClrLst meth="repeat">
-      <a:schemeClr val="lt1"/>
-    </dgm:fillClrLst>
-    <dgm:linClrLst>
-      <a:schemeClr val="accent2"/>
-      <a:schemeClr val="accent3"/>
-    </dgm:linClrLst>
-    <dgm:effectClrLst/>
-    <dgm:txLinClrLst/>
-    <dgm:txFillClrLst meth="repeat">
-      <a:schemeClr val="dk1"/>
-    </dgm:txFillClrLst>
-    <dgm:txEffectClrLst/>
-  </dgm:styleLbl>
-  <dgm:styleLbl name="solidBgAcc1">
-    <dgm:fillClrLst meth="repeat">
-      <a:schemeClr val="lt1"/>
-    </dgm:fillClrLst>
-    <dgm:linClrLst>
-      <a:schemeClr val="accent2"/>
-      <a:schemeClr val="accent3"/>
-    </dgm:linClrLst>
-    <dgm:effectClrLst/>
-    <dgm:txLinClrLst/>
-    <dgm:txFillClrLst meth="repeat">
-      <a:schemeClr val="dk1"/>
-    </dgm:txFillClrLst>
-    <dgm:txEffectClrLst/>
-  </dgm:styleLbl>
-  <dgm:styleLbl name="fgAccFollowNode1">
-    <dgm:fillClrLst>
-      <a:schemeClr val="accent2">
-        <a:tint val="40000"/>
-        <a:alpha val="90000"/>
-      </a:schemeClr>
-      <a:schemeClr val="accent3">
-        <a:tint val="40000"/>
-        <a:alpha val="90000"/>
-      </a:schemeClr>
-    </dgm:fillClrLst>
-    <dgm:linClrLst>
-      <a:schemeClr val="accent2">
-        <a:tint val="40000"/>
-        <a:alpha val="90000"/>
-      </a:schemeClr>
-      <a:schemeClr val="accent3">
-        <a:tint val="40000"/>
-        <a:alpha val="90000"/>
+      <a:schemeClr val="accent1">
+        <a:tint val="70000"/>
       </a:schemeClr>
     </dgm:linClrLst>
     <dgm:effectClrLst/>
@@ -797,25 +757,18 @@
     </dgm:txFillClrLst>
     <dgm:txEffectClrLst/>
   </dgm:styleLbl>
-  <dgm:styleLbl name="alignAccFollowNode1">
-    <dgm:fillClrLst>
-      <a:schemeClr val="accent2">
-        <a:tint val="40000"/>
-        <a:alpha val="90000"/>
-      </a:schemeClr>
-      <a:schemeClr val="accent3">
-        <a:tint val="40000"/>
+  <dgm:styleLbl name="conFgAcc1">
+    <dgm:fillClrLst meth="repeat">
+      <a:schemeClr val="lt1">
         <a:alpha val="90000"/>
       </a:schemeClr>
     </dgm:fillClrLst>
     <dgm:linClrLst>
-      <a:schemeClr val="accent2">
-        <a:tint val="40000"/>
-        <a:alpha val="90000"/>
+      <a:schemeClr val="accent1">
+        <a:shade val="80000"/>
       </a:schemeClr>
-      <a:schemeClr val="accent3">
-        <a:tint val="40000"/>
-        <a:alpha val="90000"/>
+      <a:schemeClr val="accent1">
+        <a:tint val="70000"/>
       </a:schemeClr>
     </dgm:linClrLst>
     <dgm:effectClrLst/>
@@ -825,25 +778,18 @@
     </dgm:txFillClrLst>
     <dgm:txEffectClrLst/>
   </dgm:styleLbl>
-  <dgm:styleLbl name="bgAccFollowNode1">
-    <dgm:fillClrLst>
-      <a:schemeClr val="accent2">
-        <a:tint val="40000"/>
-        <a:alpha val="90000"/>
-      </a:schemeClr>
-      <a:schemeClr val="accent3">
-        <a:tint val="40000"/>
+  <dgm:styleLbl name="alignAcc1">
+    <dgm:fillClrLst meth="repeat">
+      <a:schemeClr val="lt1">
         <a:alpha val="90000"/>
       </a:schemeClr>
     </dgm:fillClrLst>
     <dgm:linClrLst>
-      <a:schemeClr val="accent2">
-        <a:tint val="40000"/>
-        <a:alpha val="90000"/>
+      <a:schemeClr val="accent1">
+        <a:shade val="80000"/>
       </a:schemeClr>
-      <a:schemeClr val="accent3">
-        <a:tint val="40000"/>
-        <a:alpha val="90000"/>
+      <a:schemeClr val="accent1">
+        <a:tint val="70000"/>
       </a:schemeClr>
     </dgm:linClrLst>
     <dgm:effectClrLst/>
@@ -853,13 +799,13 @@
     </dgm:txFillClrLst>
     <dgm:txEffectClrLst/>
   </dgm:styleLbl>
-  <dgm:styleLbl name="fgAcc0">
+  <dgm:styleLbl name="trAlignAcc1">
     <dgm:fillClrLst meth="repeat">
       <a:schemeClr val="lt1">
-        <a:alpha val="90000"/>
+        <a:alpha val="40000"/>
       </a:schemeClr>
     </dgm:fillClrLst>
-    <dgm:linClrLst>
+    <dgm:linClrLst meth="repeat">
       <a:schemeClr val="accent1"/>
     </dgm:linClrLst>
     <dgm:effectClrLst/>
@@ -869,14 +815,19 @@
     </dgm:txFillClrLst>
     <dgm:txEffectClrLst/>
   </dgm:styleLbl>
-  <dgm:styleLbl name="fgAcc2">
+  <dgm:styleLbl name="bgAcc1">
     <dgm:fillClrLst meth="repeat">
       <a:schemeClr val="lt1">
         <a:alpha val="90000"/>
       </a:schemeClr>
     </dgm:fillClrLst>
     <dgm:linClrLst>
-      <a:schemeClr val="accent3"/>
+      <a:schemeClr val="accent1">
+        <a:shade val="80000"/>
+      </a:schemeClr>
+      <a:schemeClr val="accent1">
+        <a:tint val="70000"/>
+      </a:schemeClr>
     </dgm:linClrLst>
     <dgm:effectClrLst/>
     <dgm:txLinClrLst/>
@@ -885,14 +836,17 @@
     </dgm:txFillClrLst>
     <dgm:txEffectClrLst/>
   </dgm:styleLbl>
-  <dgm:styleLbl name="fgAcc3">
+  <dgm:styleLbl name="solidFgAcc1">
     <dgm:fillClrLst meth="repeat">
-      <a:schemeClr val="lt1">
-        <a:alpha val="90000"/>
-      </a:schemeClr>
+      <a:schemeClr val="lt1"/>
     </dgm:fillClrLst>
     <dgm:linClrLst>
-      <a:schemeClr val="accent4"/>
+      <a:schemeClr val="accent1">
+        <a:shade val="80000"/>
+      </a:schemeClr>
+      <a:schemeClr val="accent1">
+        <a:tint val="70000"/>
+      </a:schemeClr>
     </dgm:linClrLst>
     <dgm:effectClrLst/>
     <dgm:txLinClrLst/>
@@ -901,14 +855,12 @@
     </dgm:txFillClrLst>
     <dgm:txEffectClrLst/>
   </dgm:styleLbl>
-  <dgm:styleLbl name="fgAcc4">
+  <dgm:styleLbl name="solidAlignAcc1">
     <dgm:fillClrLst meth="repeat">
-      <a:schemeClr val="lt1">
-        <a:alpha val="90000"/>
-      </a:schemeClr>
+      <a:schemeClr val="lt1"/>
     </dgm:fillClrLst>
-    <dgm:linClrLst>
-      <a:schemeClr val="accent5"/>
+    <dgm:linClrLst meth="repeat">
+      <a:schemeClr val="accent1"/>
     </dgm:linClrLst>
     <dgm:effectClrLst/>
     <dgm:txLinClrLst/>
@@ -917,9 +869,152 @@
     </dgm:txFillClrLst>
     <dgm:txEffectClrLst/>
   </dgm:styleLbl>
+  <dgm:styleLbl name="solidBgAcc1">
+    <dgm:fillClrLst meth="repeat">
+      <a:schemeClr val="lt1"/>
+    </dgm:fillClrLst>
+    <dgm:linClrLst meth="repeat">
+      <a:schemeClr val="accent1"/>
+    </dgm:linClrLst>
+    <dgm:effectClrLst/>
+    <dgm:txLinClrLst/>
+    <dgm:txFillClrLst meth="repeat">
+      <a:schemeClr val="dk1"/>
+    </dgm:txFillClrLst>
+    <dgm:txEffectClrLst/>
+  </dgm:styleLbl>
+  <dgm:styleLbl name="fgAccFollowNode1">
+    <dgm:fillClrLst meth="repeat">
+      <a:schemeClr val="accent1">
+        <a:alpha val="90000"/>
+        <a:tint val="40000"/>
+      </a:schemeClr>
+    </dgm:fillClrLst>
+    <dgm:linClrLst meth="repeat">
+      <a:schemeClr val="accent1">
+        <a:alpha val="90000"/>
+        <a:tint val="40000"/>
+      </a:schemeClr>
+    </dgm:linClrLst>
+    <dgm:effectClrLst/>
+    <dgm:txLinClrLst/>
+    <dgm:txFillClrLst meth="repeat">
+      <a:schemeClr val="dk1"/>
+    </dgm:txFillClrLst>
+    <dgm:txEffectClrLst/>
+  </dgm:styleLbl>
+  <dgm:styleLbl name="alignAccFollowNode1">
+    <dgm:fillClrLst meth="repeat">
+      <a:schemeClr val="accent1">
+        <a:alpha val="90000"/>
+        <a:tint val="40000"/>
+      </a:schemeClr>
+    </dgm:fillClrLst>
+    <dgm:linClrLst meth="repeat">
+      <a:schemeClr val="accent1">
+        <a:alpha val="90000"/>
+        <a:tint val="40000"/>
+      </a:schemeClr>
+    </dgm:linClrLst>
+    <dgm:effectClrLst/>
+    <dgm:txLinClrLst/>
+    <dgm:txFillClrLst meth="repeat">
+      <a:schemeClr val="dk1"/>
+    </dgm:txFillClrLst>
+    <dgm:txEffectClrLst/>
+  </dgm:styleLbl>
+  <dgm:styleLbl name="bgAccFollowNode1">
+    <dgm:fillClrLst meth="repeat">
+      <a:schemeClr val="accent1">
+        <a:alpha val="90000"/>
+        <a:tint val="40000"/>
+      </a:schemeClr>
+    </dgm:fillClrLst>
+    <dgm:linClrLst meth="repeat">
+      <a:schemeClr val="lt1"/>
+    </dgm:linClrLst>
+    <dgm:effectClrLst/>
+    <dgm:txLinClrLst/>
+    <dgm:txFillClrLst meth="repeat">
+      <a:schemeClr val="dk1"/>
+    </dgm:txFillClrLst>
+    <dgm:txEffectClrLst/>
+  </dgm:styleLbl>
+  <dgm:styleLbl name="fgAcc0">
+    <dgm:fillClrLst meth="repeat">
+      <a:schemeClr val="lt1">
+        <a:alpha val="90000"/>
+      </a:schemeClr>
+    </dgm:fillClrLst>
+    <dgm:linClrLst meth="repeat">
+      <a:schemeClr val="accent1">
+        <a:shade val="80000"/>
+      </a:schemeClr>
+    </dgm:linClrLst>
+    <dgm:effectClrLst/>
+    <dgm:txLinClrLst/>
+    <dgm:txFillClrLst meth="repeat">
+      <a:schemeClr val="dk1"/>
+    </dgm:txFillClrLst>
+    <dgm:txEffectClrLst/>
+  </dgm:styleLbl>
+  <dgm:styleLbl name="fgAcc2">
+    <dgm:fillClrLst meth="repeat">
+      <a:schemeClr val="lt1">
+        <a:alpha val="90000"/>
+      </a:schemeClr>
+    </dgm:fillClrLst>
+    <dgm:linClrLst meth="repeat">
+      <a:schemeClr val="accent1">
+        <a:tint val="99000"/>
+      </a:schemeClr>
+    </dgm:linClrLst>
+    <dgm:effectClrLst/>
+    <dgm:txLinClrLst/>
+    <dgm:txFillClrLst meth="repeat">
+      <a:schemeClr val="dk1"/>
+    </dgm:txFillClrLst>
+    <dgm:txEffectClrLst/>
+  </dgm:styleLbl>
+  <dgm:styleLbl name="fgAcc3">
+    <dgm:fillClrLst meth="repeat">
+      <a:schemeClr val="lt1">
+        <a:alpha val="90000"/>
+      </a:schemeClr>
+    </dgm:fillClrLst>
+    <dgm:linClrLst meth="repeat">
+      <a:schemeClr val="accent1">
+        <a:tint val="80000"/>
+      </a:schemeClr>
+    </dgm:linClrLst>
+    <dgm:effectClrLst/>
+    <dgm:txLinClrLst/>
+    <dgm:txFillClrLst meth="repeat">
+      <a:schemeClr val="dk1"/>
+    </dgm:txFillClrLst>
+    <dgm:txEffectClrLst/>
+  </dgm:styleLbl>
+  <dgm:styleLbl name="fgAcc4">
+    <dgm:fillClrLst meth="repeat">
+      <a:schemeClr val="lt1">
+        <a:alpha val="90000"/>
+      </a:schemeClr>
+    </dgm:fillClrLst>
+    <dgm:linClrLst meth="repeat">
+      <a:schemeClr val="accent1">
+        <a:tint val="70000"/>
+      </a:schemeClr>
+    </dgm:linClrLst>
+    <dgm:effectClrLst/>
+    <dgm:txLinClrLst/>
+    <dgm:txFillClrLst meth="repeat">
+      <a:schemeClr val="dk1"/>
+    </dgm:txFillClrLst>
+    <dgm:txEffectClrLst/>
+  </dgm:styleLbl>
   <dgm:styleLbl name="bgShp">
     <dgm:fillClrLst meth="repeat">
-      <a:schemeClr val="accent2">
+      <a:schemeClr val="accent1">
         <a:tint val="40000"/>
       </a:schemeClr>
     </dgm:fillClrLst>
@@ -935,7 +1030,7 @@
   </dgm:styleLbl>
   <dgm:styleLbl name="dkBgShp">
     <dgm:fillClrLst meth="repeat">
-      <a:schemeClr val="accent2">
+      <a:schemeClr val="accent1">
         <a:shade val="90000"/>
       </a:schemeClr>
     </dgm:fillClrLst>
@@ -951,13 +1046,13 @@
   </dgm:styleLbl>
   <dgm:styleLbl name="trBgShp">
     <dgm:fillClrLst meth="repeat">
-      <a:schemeClr val="accent2">
+      <a:schemeClr val="accent1">
         <a:tint val="50000"/>
         <a:alpha val="40000"/>
       </a:schemeClr>
     </dgm:fillClrLst>
     <dgm:linClrLst meth="repeat">
-      <a:schemeClr val="accent2"/>
+      <a:schemeClr val="accent1"/>
     </dgm:linClrLst>
     <dgm:effectClrLst/>
     <dgm:txLinClrLst/>
@@ -968,7 +1063,7 @@
   </dgm:styleLbl>
   <dgm:styleLbl name="fgShp">
     <dgm:fillClrLst meth="repeat">
-      <a:schemeClr val="accent2">
+      <a:schemeClr val="accent1">
         <a:tint val="40000"/>
       </a:schemeClr>
     </dgm:fillClrLst>
@@ -2669,7 +2764,7 @@
 <dgm:dataModel xmlns:dgm="http://schemas.openxmlformats.org/drawingml/2006/diagram" xmlns:a="http://schemas.openxmlformats.org/drawingml/2006/main">
   <dgm:ptLst>
     <dgm:pt modelId="{F6B622AB-9027-41A3-9707-A72F50CD5807}" type="doc">
-      <dgm:prSet loTypeId="urn:microsoft.com/office/officeart/2005/8/layout/default" loCatId="list" qsTypeId="urn:microsoft.com/office/officeart/2005/8/quickstyle/simple1" qsCatId="simple" csTypeId="urn:microsoft.com/office/officeart/2005/8/colors/colorful2" csCatId="colorful" phldr="1"/>
+      <dgm:prSet loTypeId="urn:microsoft.com/office/officeart/2005/8/layout/default" loCatId="list" qsTypeId="urn:microsoft.com/office/officeart/2005/8/quickstyle/simple1" qsCatId="simple" csTypeId="urn:microsoft.com/office/officeart/2005/8/colors/accent1_3" csCatId="accent1" phldr="1"/>
       <dgm:spPr/>
       <dgm:t>
         <a:bodyPr/>
@@ -3616,7 +3711,8 @@
           <a:avLst/>
         </a:prstGeom>
         <a:solidFill>
-          <a:schemeClr val="accent2">
+          <a:schemeClr val="accent1">
+            <a:shade val="80000"/>
             <a:hueOff val="0"/>
             <a:satOff val="0"/>
             <a:lumOff val="0"/>
@@ -3694,10 +3790,11 @@
           <a:avLst/>
         </a:prstGeom>
         <a:solidFill>
-          <a:schemeClr val="accent2">
-            <a:hueOff val="-291073"/>
-            <a:satOff val="-16786"/>
-            <a:lumOff val="1569"/>
+          <a:schemeClr val="accent1">
+            <a:shade val="80000"/>
+            <a:hueOff val="69857"/>
+            <a:satOff val="-1251"/>
+            <a:lumOff val="5317"/>
             <a:alphaOff val="0"/>
           </a:schemeClr>
         </a:solidFill>
@@ -3772,10 +3869,11 @@
           <a:avLst/>
         </a:prstGeom>
         <a:solidFill>
-          <a:schemeClr val="accent2">
-            <a:hueOff val="-582145"/>
-            <a:satOff val="-33571"/>
-            <a:lumOff val="3137"/>
+          <a:schemeClr val="accent1">
+            <a:shade val="80000"/>
+            <a:hueOff val="139713"/>
+            <a:satOff val="-2502"/>
+            <a:lumOff val="10634"/>
             <a:alphaOff val="0"/>
           </a:schemeClr>
         </a:solidFill>
@@ -3869,10 +3967,11 @@
           <a:avLst/>
         </a:prstGeom>
         <a:solidFill>
-          <a:schemeClr val="accent2">
-            <a:hueOff val="-873218"/>
-            <a:satOff val="-50357"/>
-            <a:lumOff val="4706"/>
+          <a:schemeClr val="accent1">
+            <a:shade val="80000"/>
+            <a:hueOff val="209570"/>
+            <a:satOff val="-3754"/>
+            <a:lumOff val="15951"/>
             <a:alphaOff val="0"/>
           </a:schemeClr>
         </a:solidFill>
@@ -3951,10 +4050,11 @@
           <a:avLst/>
         </a:prstGeom>
         <a:solidFill>
-          <a:schemeClr val="accent2">
-            <a:hueOff val="-1164290"/>
-            <a:satOff val="-67142"/>
-            <a:lumOff val="6274"/>
+          <a:schemeClr val="accent1">
+            <a:shade val="80000"/>
+            <a:hueOff val="279426"/>
+            <a:satOff val="-5005"/>
+            <a:lumOff val="21268"/>
             <a:alphaOff val="0"/>
           </a:schemeClr>
         </a:solidFill>
@@ -4029,10 +4129,11 @@
           <a:avLst/>
         </a:prstGeom>
         <a:solidFill>
-          <a:schemeClr val="accent2">
-            <a:hueOff val="-1455363"/>
-            <a:satOff val="-83928"/>
-            <a:lumOff val="7843"/>
+          <a:schemeClr val="accent1">
+            <a:shade val="80000"/>
+            <a:hueOff val="349283"/>
+            <a:satOff val="-6256"/>
+            <a:lumOff val="26585"/>
             <a:alphaOff val="0"/>
           </a:schemeClr>
         </a:solidFill>
@@ -14000,7 +14101,7 @@
         <p:spPr>
           <a:xfrm>
             <a:off x="195811" y="2344675"/>
-            <a:ext cx="12105736" cy="3050515"/>
+            <a:ext cx="12105736" cy="3567387"/>
           </a:xfrm>
           <a:prstGeom prst="rect">
             <a:avLst/>
@@ -14027,21 +14128,11 @@
                   <a:schemeClr val="bg2"/>
                 </a:solidFill>
                 <a:effectLst/>
-                <a:latin typeface="Calibri" panose="020F0502020204030204" pitchFamily="34" charset="0"/>
                 <a:ea typeface="Calibri" panose="020F0502020204030204" pitchFamily="34" charset="0"/>
                 <a:cs typeface="Times New Roman" panose="02020603050405020304" pitchFamily="18" charset="0"/>
               </a:rPr>
-              <a:t>Accountability or audit are the last two components of the access control system. Your system can offer logs at this point so that use and permissions can be audited. By doing this, you can track what happened if something goes wrong, including what data was accessed or downloaded and how long each task took.</a:t>
-            </a:r>
-            <a:endParaRPr lang="en-CA" sz="1400" dirty="0">
-              <a:solidFill>
-                <a:schemeClr val="bg2"/>
-              </a:solidFill>
-              <a:effectLst/>
-              <a:latin typeface="Calibri" panose="020F0502020204030204" pitchFamily="34" charset="0"/>
-              <a:ea typeface="Calibri" panose="020F0502020204030204" pitchFamily="34" charset="0"/>
-              <a:cs typeface="Times New Roman" panose="02020603050405020304" pitchFamily="18" charset="0"/>
-            </a:endParaRPr>
+              <a:t>Accountability or audit are the last two components of the access control system. Your system can offer logs at this point so that users and permissions can be audited. By doing this, you can track what happened if something goes wrong, including what data was accessed or downloaded and how long each task took.</a:t>
+            </a:r>
           </a:p>
           <a:p>
             <a:pPr>
@@ -14053,26 +14144,16 @@
               </a:spcAft>
             </a:pPr>
             <a:r>
-              <a:rPr lang="en-CA" sz="1800" dirty="0">
+              <a:rPr lang="en-CA" sz="2000" dirty="0">
                 <a:solidFill>
                   <a:schemeClr val="bg2"/>
                 </a:solidFill>
                 <a:effectLst/>
-                <a:latin typeface="Calibri" panose="020F0502020204030204" pitchFamily="34" charset="0"/>
                 <a:ea typeface="Calibri" panose="020F0502020204030204" pitchFamily="34" charset="0"/>
                 <a:cs typeface="Times New Roman" panose="02020603050405020304" pitchFamily="18" charset="0"/>
               </a:rPr>
               <a:t>An authorization policy should implement two concepts:</a:t>
             </a:r>
-            <a:endParaRPr lang="en-CA" sz="1400" dirty="0">
-              <a:solidFill>
-                <a:schemeClr val="bg2"/>
-              </a:solidFill>
-              <a:effectLst/>
-              <a:latin typeface="Calibri" panose="020F0502020204030204" pitchFamily="34" charset="0"/>
-              <a:ea typeface="Calibri" panose="020F0502020204030204" pitchFamily="34" charset="0"/>
-              <a:cs typeface="Times New Roman" panose="02020603050405020304" pitchFamily="18" charset="0"/>
-            </a:endParaRPr>
           </a:p>
           <a:p>
             <a:pPr marL="342900" lvl="0" indent="-342900">
@@ -14083,26 +14164,16 @@
               <a:buAutoNum type="arabicPeriod"/>
             </a:pPr>
             <a:r>
-              <a:rPr lang="en-CA" sz="1800" dirty="0">
+              <a:rPr lang="en-CA" sz="2000" dirty="0">
                 <a:solidFill>
                   <a:schemeClr val="bg2"/>
                 </a:solidFill>
                 <a:effectLst/>
-                <a:latin typeface="Calibri" panose="020F0502020204030204" pitchFamily="34" charset="0"/>
                 <a:ea typeface="Calibri" panose="020F0502020204030204" pitchFamily="34" charset="0"/>
                 <a:cs typeface="Times New Roman" panose="02020603050405020304" pitchFamily="18" charset="0"/>
               </a:rPr>
               <a:t> Implicit deny: If no rule is specified for the transaction of the subject/object, the authorization policy should deny the transaction.</a:t>
             </a:r>
-            <a:endParaRPr lang="en-CA" sz="1400" dirty="0">
-              <a:solidFill>
-                <a:schemeClr val="bg2"/>
-              </a:solidFill>
-              <a:effectLst/>
-              <a:latin typeface="Calibri" panose="020F0502020204030204" pitchFamily="34" charset="0"/>
-              <a:ea typeface="Calibri" panose="020F0502020204030204" pitchFamily="34" charset="0"/>
-              <a:cs typeface="Times New Roman" panose="02020603050405020304" pitchFamily="18" charset="0"/>
-            </a:endParaRPr>
           </a:p>
           <a:p>
             <a:pPr marL="457200">
@@ -14111,26 +14182,16 @@
               </a:lnSpc>
             </a:pPr>
             <a:r>
-              <a:rPr lang="en-CA" sz="1800" dirty="0">
+              <a:rPr lang="en-CA" sz="2000" dirty="0">
                 <a:solidFill>
                   <a:schemeClr val="bg2"/>
                 </a:solidFill>
                 <a:effectLst/>
-                <a:latin typeface="Calibri" panose="020F0502020204030204" pitchFamily="34" charset="0"/>
                 <a:ea typeface="Calibri" panose="020F0502020204030204" pitchFamily="34" charset="0"/>
                 <a:cs typeface="Times New Roman" panose="02020603050405020304" pitchFamily="18" charset="0"/>
               </a:rPr>
               <a:t> </a:t>
             </a:r>
-            <a:endParaRPr lang="en-CA" sz="1400" dirty="0">
-              <a:solidFill>
-                <a:schemeClr val="bg2"/>
-              </a:solidFill>
-              <a:effectLst/>
-              <a:latin typeface="Calibri" panose="020F0502020204030204" pitchFamily="34" charset="0"/>
-              <a:ea typeface="Calibri" panose="020F0502020204030204" pitchFamily="34" charset="0"/>
-              <a:cs typeface="Times New Roman" panose="02020603050405020304" pitchFamily="18" charset="0"/>
-            </a:endParaRPr>
           </a:p>
           <a:p>
             <a:pPr lvl="0">
@@ -14139,26 +14200,16 @@
               </a:lnSpc>
             </a:pPr>
             <a:r>
-              <a:rPr lang="en-CA" sz="1800" dirty="0">
+              <a:rPr lang="en-CA" sz="2000" dirty="0">
                 <a:solidFill>
                   <a:schemeClr val="bg2"/>
                 </a:solidFill>
                 <a:effectLst/>
-                <a:latin typeface="Calibri" panose="020F0502020204030204" pitchFamily="34" charset="0"/>
                 <a:ea typeface="Calibri" panose="020F0502020204030204" pitchFamily="34" charset="0"/>
                 <a:cs typeface="Times New Roman" panose="02020603050405020304" pitchFamily="18" charset="0"/>
               </a:rPr>
               <a:t>2. Need-to-know: A subject should be granted access to an object only if the access is needed to carry out the job of the subject.</a:t>
             </a:r>
-            <a:endParaRPr lang="en-CA" sz="1400" dirty="0">
-              <a:solidFill>
-                <a:schemeClr val="bg2"/>
-              </a:solidFill>
-              <a:effectLst/>
-              <a:latin typeface="Calibri" panose="020F0502020204030204" pitchFamily="34" charset="0"/>
-              <a:ea typeface="Calibri" panose="020F0502020204030204" pitchFamily="34" charset="0"/>
-              <a:cs typeface="Times New Roman" panose="02020603050405020304" pitchFamily="18" charset="0"/>
-            </a:endParaRPr>
           </a:p>
           <a:p>
             <a:pPr marL="457200">
@@ -14170,26 +14221,16 @@
               </a:spcAft>
             </a:pPr>
             <a:r>
-              <a:rPr lang="en-CA" sz="1800" dirty="0">
+              <a:rPr lang="en-CA" sz="2000" dirty="0">
                 <a:solidFill>
                   <a:schemeClr val="bg2"/>
                 </a:solidFill>
                 <a:effectLst/>
-                <a:latin typeface="Calibri" panose="020F0502020204030204" pitchFamily="34" charset="0"/>
                 <a:ea typeface="Calibri" panose="020F0502020204030204" pitchFamily="34" charset="0"/>
                 <a:cs typeface="Times New Roman" panose="02020603050405020304" pitchFamily="18" charset="0"/>
               </a:rPr>
               <a:t> </a:t>
             </a:r>
-            <a:endParaRPr lang="en-CA" sz="1400" dirty="0">
-              <a:solidFill>
-                <a:schemeClr val="bg2"/>
-              </a:solidFill>
-              <a:effectLst/>
-              <a:latin typeface="Calibri" panose="020F0502020204030204" pitchFamily="34" charset="0"/>
-              <a:ea typeface="Calibri" panose="020F0502020204030204" pitchFamily="34" charset="0"/>
-              <a:cs typeface="Times New Roman" panose="02020603050405020304" pitchFamily="18" charset="0"/>
-            </a:endParaRPr>
           </a:p>
         </p:txBody>
       </p:sp>
@@ -14763,12 +14804,14 @@
         </p:nvSpPr>
         <p:spPr/>
         <p:txBody>
-          <a:bodyPr/>
+          <a:bodyPr>
+            <a:normAutofit/>
+          </a:bodyPr>
           <a:lstStyle/>
           <a:p>
             <a:pPr algn="just"/>
             <a:r>
-              <a:rPr lang="en-US" dirty="0">
+              <a:rPr lang="en-US" sz="2400" dirty="0">
                 <a:solidFill>
                   <a:schemeClr val="bg1">
                     <a:lumMod val="95000"/>
@@ -14781,14 +14824,14 @@
           <a:p>
             <a:pPr algn="just"/>
             <a:r>
-              <a:rPr lang="en-US" dirty="0">
+              <a:rPr lang="en-US" sz="2400" dirty="0">
                 <a:solidFill>
                   <a:schemeClr val="bg1">
                     <a:lumMod val="95000"/>
                   </a:schemeClr>
                 </a:solidFill>
               </a:rPr>
-              <a:t>The ability to implement different services, authentication requirements, and security measures is made possible through segmentation.</a:t>
+              <a:t>The ability to implement different services, authentication requirements and security measures is made possible through segmentation.</a:t>
             </a:r>
           </a:p>
           <a:p>
@@ -14796,7 +14839,7 @@
               <a:buFont typeface="Arial" panose="020B0604020202020204" pitchFamily="34" charset="0"/>
               <a:buChar char="•"/>
             </a:pPr>
-            <a:endParaRPr lang="en-US" dirty="0">
+            <a:endParaRPr lang="en-US" sz="2400" dirty="0">
               <a:solidFill>
                 <a:schemeClr val="bg1">
                   <a:lumMod val="95000"/>
@@ -14888,10 +14931,12 @@
         </p:nvSpPr>
         <p:spPr/>
         <p:txBody>
-          <a:bodyPr/>
+          <a:bodyPr>
+            <a:normAutofit/>
+          </a:bodyPr>
           <a:lstStyle/>
           <a:p>
-            <a:endParaRPr lang="en-US" dirty="0">
+            <a:endParaRPr lang="en-US" sz="2400" dirty="0">
               <a:solidFill>
                 <a:schemeClr val="bg1">
                   <a:lumMod val="95000"/>
@@ -14905,7 +14950,7 @@
               <a:buChar char="•"/>
             </a:pPr>
             <a:r>
-              <a:rPr lang="en-US" dirty="0">
+              <a:rPr lang="en-US" sz="2400" dirty="0">
                 <a:solidFill>
                   <a:schemeClr val="bg1">
                     <a:lumMod val="95000"/>
@@ -14921,7 +14966,7 @@
               <a:buChar char="•"/>
             </a:pPr>
             <a:r>
-              <a:rPr lang="en-US" dirty="0">
+              <a:rPr lang="en-US" sz="2400" dirty="0">
                 <a:solidFill>
                   <a:schemeClr val="bg1">
                     <a:lumMod val="95000"/>
@@ -14937,7 +14982,7 @@
               <a:buChar char="•"/>
             </a:pPr>
             <a:r>
-              <a:rPr lang="en-US" dirty="0">
+              <a:rPr lang="en-US" sz="2400" dirty="0">
                 <a:solidFill>
                   <a:schemeClr val="bg1">
                     <a:lumMod val="95000"/>
@@ -14953,7 +14998,7 @@
               <a:buChar char="•"/>
             </a:pPr>
             <a:r>
-              <a:rPr lang="en-US" dirty="0">
+              <a:rPr lang="en-US" sz="2400" dirty="0">
                 <a:solidFill>
                   <a:schemeClr val="bg1">
                     <a:lumMod val="95000"/>
@@ -14969,7 +15014,7 @@
               <a:buChar char="•"/>
             </a:pPr>
             <a:r>
-              <a:rPr lang="en-US" dirty="0">
+              <a:rPr lang="en-US" sz="2400" dirty="0">
                 <a:solidFill>
                   <a:schemeClr val="bg1">
                     <a:lumMod val="95000"/>
@@ -15063,11 +15108,13 @@
         </p:nvSpPr>
         <p:spPr/>
         <p:txBody>
-          <a:bodyPr/>
+          <a:bodyPr>
+            <a:normAutofit/>
+          </a:bodyPr>
           <a:lstStyle/>
           <a:p>
             <a:r>
-              <a:rPr lang="en-US" dirty="0">
+              <a:rPr lang="en-US" sz="2400" dirty="0">
                 <a:solidFill>
                   <a:schemeClr val="bg1">
                     <a:lumMod val="95000"/>
@@ -15079,7 +15126,7 @@
           </a:p>
           <a:p>
             <a:r>
-              <a:rPr lang="en-US" dirty="0">
+              <a:rPr lang="en-US" sz="2400" dirty="0">
                 <a:solidFill>
                   <a:schemeClr val="bg1">
                     <a:lumMod val="95000"/>
@@ -15091,7 +15138,7 @@
           </a:p>
           <a:p>
             <a:r>
-              <a:rPr lang="en-US" dirty="0">
+              <a:rPr lang="en-US" sz="2400" dirty="0">
                 <a:solidFill>
                   <a:schemeClr val="bg1">
                     <a:lumMod val="95000"/>
@@ -15103,7 +15150,7 @@
           </a:p>
           <a:p>
             <a:r>
-              <a:rPr lang="en-US" dirty="0" err="1">
+              <a:rPr lang="en-US" sz="2400" dirty="0" err="1">
                 <a:solidFill>
                   <a:schemeClr val="bg1">
                     <a:lumMod val="95000"/>
@@ -15113,7 +15160,7 @@
               <a:t>vMicro</a:t>
             </a:r>
             <a:r>
-              <a:rPr lang="en-US" dirty="0">
+              <a:rPr lang="en-US" sz="2400" dirty="0">
                 <a:solidFill>
                   <a:schemeClr val="bg1">
                     <a:lumMod val="95000"/>
@@ -15125,7 +15172,7 @@
           </a:p>
           <a:p>
             <a:r>
-              <a:rPr lang="en-US" dirty="0">
+              <a:rPr lang="en-US" sz="2400" dirty="0">
                 <a:solidFill>
                   <a:schemeClr val="bg1">
                     <a:lumMod val="95000"/>
@@ -15219,11 +15266,13 @@
         </p:nvSpPr>
         <p:spPr/>
         <p:txBody>
-          <a:bodyPr/>
+          <a:bodyPr>
+            <a:normAutofit/>
+          </a:bodyPr>
           <a:lstStyle/>
           <a:p>
             <a:r>
-              <a:rPr lang="en-US" dirty="0">
+              <a:rPr lang="en-US" sz="2000" dirty="0">
                 <a:solidFill>
                   <a:schemeClr val="bg1">
                     <a:lumMod val="95000"/>
@@ -15235,7 +15284,7 @@
           </a:p>
           <a:p>
             <a:r>
-              <a:rPr lang="en-US" dirty="0">
+              <a:rPr lang="en-US" sz="2000" dirty="0">
                 <a:solidFill>
                   <a:schemeClr val="bg1">
                     <a:lumMod val="95000"/>
@@ -15247,7 +15296,7 @@
           </a:p>
           <a:p>
             <a:r>
-              <a:rPr lang="en-US" dirty="0">
+              <a:rPr lang="en-US" sz="2000" dirty="0">
                 <a:solidFill>
                   <a:schemeClr val="bg1">
                     <a:lumMod val="95000"/>
@@ -15793,23 +15842,25 @@
         </p:nvSpPr>
         <p:spPr/>
         <p:txBody>
-          <a:bodyPr/>
+          <a:bodyPr>
+            <a:normAutofit/>
+          </a:bodyPr>
           <a:lstStyle/>
           <a:p>
             <a:r>
-              <a:rPr lang="en-US" dirty="0">
+              <a:rPr lang="en-US" sz="2400" dirty="0">
                 <a:solidFill>
                   <a:schemeClr val="bg1">
                     <a:lumMod val="95000"/>
                   </a:schemeClr>
                 </a:solidFill>
               </a:rPr>
-              <a:t>What is firewall?</a:t>
-            </a:r>
-          </a:p>
-          <a:p>
-            <a:r>
-              <a:rPr lang="en-US" dirty="0">
+              <a:t>What is a firewall?</a:t>
+            </a:r>
+          </a:p>
+          <a:p>
+            <a:r>
+              <a:rPr lang="en-US" sz="2400" dirty="0">
                 <a:solidFill>
                   <a:schemeClr val="bg1">
                     <a:lumMod val="95000"/>
@@ -15821,14 +15872,14 @@
           </a:p>
           <a:p>
             <a:r>
-              <a:rPr lang="en-US" dirty="0">
+              <a:rPr lang="en-US" sz="2400" dirty="0">
                 <a:solidFill>
                   <a:schemeClr val="bg1">
                     <a:lumMod val="95000"/>
                   </a:schemeClr>
                 </a:solidFill>
               </a:rPr>
-              <a:t>Without it, network is completely exposed and can be compromised.</a:t>
+              <a:t>Without it, the network is completely exposed and can be compromised.</a:t>
             </a:r>
           </a:p>
         </p:txBody>
@@ -15915,11 +15966,13 @@
         </p:nvSpPr>
         <p:spPr/>
         <p:txBody>
-          <a:bodyPr/>
+          <a:bodyPr>
+            <a:normAutofit/>
+          </a:bodyPr>
           <a:lstStyle/>
           <a:p>
             <a:r>
-              <a:rPr lang="en-US" dirty="0">
+              <a:rPr lang="en-US" sz="2400" dirty="0">
                 <a:solidFill>
                   <a:schemeClr val="bg1">
                     <a:lumMod val="95000"/>
@@ -15935,7 +15988,7 @@
               <a:buChar char="•"/>
             </a:pPr>
             <a:r>
-              <a:rPr lang="en-US" dirty="0">
+              <a:rPr lang="en-US" sz="2400" dirty="0">
                 <a:solidFill>
                   <a:schemeClr val="bg1">
                     <a:lumMod val="95000"/>
@@ -15951,7 +16004,7 @@
               <a:buChar char="•"/>
             </a:pPr>
             <a:r>
-              <a:rPr lang="en-US" dirty="0">
+              <a:rPr lang="en-US" sz="2400" dirty="0">
                 <a:solidFill>
                   <a:schemeClr val="bg1">
                     <a:lumMod val="95000"/>
@@ -15967,7 +16020,7 @@
               <a:buChar char="•"/>
             </a:pPr>
             <a:r>
-              <a:rPr lang="en-US" dirty="0">
+              <a:rPr lang="en-US" sz="2400" dirty="0">
                 <a:solidFill>
                   <a:schemeClr val="bg1">
                     <a:lumMod val="95000"/>
@@ -15983,7 +16036,7 @@
               <a:buChar char="•"/>
             </a:pPr>
             <a:r>
-              <a:rPr lang="en-US" dirty="0">
+              <a:rPr lang="en-US" sz="2400" dirty="0">
                 <a:solidFill>
                   <a:schemeClr val="bg1">
                     <a:lumMod val="95000"/>
@@ -16077,14 +16130,16 @@
         </p:nvSpPr>
         <p:spPr/>
         <p:txBody>
-          <a:bodyPr/>
+          <a:bodyPr>
+            <a:noAutofit/>
+          </a:bodyPr>
           <a:lstStyle/>
           <a:p>
             <a:pPr marL="0" indent="0" algn="just">
               <a:buNone/>
             </a:pPr>
             <a:r>
-              <a:rPr lang="en-US" dirty="0">
+              <a:rPr lang="en-US" sz="2400" dirty="0">
                 <a:solidFill>
                   <a:schemeClr val="bg1">
                     <a:lumMod val="95000"/>
@@ -16096,7 +16151,7 @@
           </a:p>
           <a:p>
             <a:pPr algn="just"/>
-            <a:endParaRPr lang="en-US" dirty="0">
+            <a:endParaRPr lang="en-US" sz="2400" dirty="0">
               <a:solidFill>
                 <a:schemeClr val="bg1">
                   <a:lumMod val="95000"/>
@@ -16109,7 +16164,7 @@
               <a:buNone/>
             </a:pPr>
             <a:r>
-              <a:rPr lang="en-US" dirty="0">
+              <a:rPr lang="en-US" sz="2400" dirty="0">
                 <a:solidFill>
                   <a:schemeClr val="bg1">
                     <a:lumMod val="95000"/>
@@ -16124,7 +16179,7 @@
               <a:buNone/>
             </a:pPr>
             <a:r>
-              <a:rPr lang="en-US" dirty="0">
+              <a:rPr lang="en-US" sz="2400" dirty="0">
                 <a:solidFill>
                   <a:schemeClr val="bg1">
                     <a:lumMod val="95000"/>
@@ -16421,7 +16476,9 @@
         </p:nvSpPr>
         <p:spPr/>
         <p:txBody>
-          <a:bodyPr/>
+          <a:bodyPr>
+            <a:normAutofit/>
+          </a:bodyPr>
           <a:lstStyle/>
           <a:p>
             <a:pPr marL="457200" indent="-457200" algn="just">
@@ -16429,7 +16486,7 @@
               <a:buAutoNum type="arabicPeriod"/>
             </a:pPr>
             <a:r>
-              <a:rPr lang="en-US" b="1" dirty="0">
+              <a:rPr lang="en-US" sz="2400" b="1" dirty="0">
                 <a:solidFill>
                   <a:schemeClr val="bg1">
                     <a:lumMod val="95000"/>
@@ -16439,7 +16496,7 @@
               <a:t>True positive</a:t>
             </a:r>
             <a:r>
-              <a:rPr lang="en-US" dirty="0">
+              <a:rPr lang="en-US" sz="2400" dirty="0">
                 <a:solidFill>
                   <a:schemeClr val="bg1">
                     <a:lumMod val="95000"/>
@@ -16455,7 +16512,7 @@
               <a:buAutoNum type="arabicPeriod"/>
             </a:pPr>
             <a:r>
-              <a:rPr lang="en-US" b="1" dirty="0">
+              <a:rPr lang="en-US" sz="2400" b="1" dirty="0">
                 <a:solidFill>
                   <a:schemeClr val="bg1">
                     <a:lumMod val="95000"/>
@@ -16465,7 +16522,7 @@
               <a:t>True Negative</a:t>
             </a:r>
             <a:r>
-              <a:rPr lang="en-US" dirty="0">
+              <a:rPr lang="en-US" sz="2400" dirty="0">
                 <a:solidFill>
                   <a:schemeClr val="bg1">
                     <a:lumMod val="95000"/>
@@ -16481,7 +16538,7 @@
               <a:buAutoNum type="arabicPeriod"/>
             </a:pPr>
             <a:r>
-              <a:rPr lang="en-US" b="1" dirty="0">
+              <a:rPr lang="en-US" sz="2400" b="1" dirty="0">
                 <a:solidFill>
                   <a:schemeClr val="bg1">
                     <a:lumMod val="95000"/>
@@ -16491,7 +16548,7 @@
               <a:t>False Positive:</a:t>
             </a:r>
             <a:r>
-              <a:rPr lang="en-US" dirty="0">
+              <a:rPr lang="en-US" sz="2400" dirty="0">
                 <a:solidFill>
                   <a:schemeClr val="bg1">
                     <a:lumMod val="95000"/>
@@ -16507,7 +16564,7 @@
               <a:buAutoNum type="arabicPeriod"/>
             </a:pPr>
             <a:r>
-              <a:rPr lang="en-US" b="1" dirty="0">
+              <a:rPr lang="en-US" sz="2400" b="1" dirty="0">
                 <a:solidFill>
                   <a:schemeClr val="bg1">
                     <a:lumMod val="95000"/>
@@ -16517,7 +16574,7 @@
               <a:t>False Negative</a:t>
             </a:r>
             <a:r>
-              <a:rPr lang="en-US" dirty="0">
+              <a:rPr lang="en-US" sz="2400" dirty="0">
                 <a:solidFill>
                   <a:schemeClr val="bg1">
                     <a:lumMod val="95000"/>
@@ -16611,7 +16668,9 @@
         </p:nvSpPr>
         <p:spPr/>
         <p:txBody>
-          <a:bodyPr/>
+          <a:bodyPr>
+            <a:normAutofit/>
+          </a:bodyPr>
           <a:lstStyle/>
           <a:p>
             <a:pPr>
@@ -16619,7 +16678,7 @@
               <a:buChar char="•"/>
             </a:pPr>
             <a:r>
-              <a:rPr lang="en-US" dirty="0">
+              <a:rPr lang="en-US" sz="2400" dirty="0">
                 <a:solidFill>
                   <a:schemeClr val="bg1">
                     <a:lumMod val="95000"/>
@@ -16635,7 +16694,7 @@
               <a:buChar char="•"/>
             </a:pPr>
             <a:r>
-              <a:rPr lang="en-US" dirty="0">
+              <a:rPr lang="en-US" sz="2400" dirty="0">
                 <a:solidFill>
                   <a:schemeClr val="bg1">
                     <a:lumMod val="95000"/>
@@ -16651,7 +16710,7 @@
               <a:buChar char="•"/>
             </a:pPr>
             <a:r>
-              <a:rPr lang="en-US" dirty="0">
+              <a:rPr lang="en-US" sz="2400" dirty="0">
                 <a:solidFill>
                   <a:schemeClr val="bg1">
                     <a:lumMod val="95000"/>
@@ -16667,7 +16726,7 @@
               <a:buChar char="•"/>
             </a:pPr>
             <a:r>
-              <a:rPr lang="en-US" dirty="0">
+              <a:rPr lang="en-US" sz="2400" dirty="0">
                 <a:solidFill>
                   <a:schemeClr val="bg1">
                     <a:lumMod val="95000"/>
@@ -16683,7 +16742,7 @@
               <a:buChar char="•"/>
             </a:pPr>
             <a:r>
-              <a:rPr lang="en-US" dirty="0">
+              <a:rPr lang="en-US" sz="2400" dirty="0">
                 <a:solidFill>
                   <a:schemeClr val="bg1">
                     <a:lumMod val="95000"/>
@@ -16791,7 +16850,7 @@
               <a:buNone/>
             </a:pPr>
             <a:r>
-              <a:rPr lang="en-US" dirty="0">
+              <a:rPr lang="en-US" sz="2400" dirty="0">
                 <a:solidFill>
                   <a:schemeClr val="bg1">
                     <a:lumMod val="95000"/>
@@ -16806,7 +16865,7 @@
               <a:buNone/>
             </a:pPr>
             <a:r>
-              <a:rPr lang="en-US" dirty="0">
+              <a:rPr lang="en-US" sz="2400" dirty="0">
                 <a:solidFill>
                   <a:schemeClr val="bg1">
                     <a:lumMod val="95000"/>
@@ -16821,7 +16880,7 @@
               <a:buNone/>
             </a:pPr>
             <a:r>
-              <a:rPr lang="en-US" dirty="0">
+              <a:rPr lang="en-US" sz="2400" dirty="0">
                 <a:solidFill>
                   <a:schemeClr val="bg1">
                     <a:lumMod val="95000"/>
@@ -16836,7 +16895,7 @@
               <a:buNone/>
             </a:pPr>
             <a:r>
-              <a:rPr lang="en-US" dirty="0">
+              <a:rPr lang="en-US" sz="2400" dirty="0">
                 <a:solidFill>
                   <a:schemeClr val="bg1">
                     <a:lumMod val="95000"/>
@@ -16851,7 +16910,7 @@
               <a:buNone/>
             </a:pPr>
             <a:r>
-              <a:rPr lang="en-US" dirty="0">
+              <a:rPr lang="en-US" sz="2400" dirty="0">
                 <a:solidFill>
                   <a:schemeClr val="bg1">
                     <a:lumMod val="95000"/>
@@ -16945,12 +17004,14 @@
         </p:nvSpPr>
         <p:spPr/>
         <p:txBody>
-          <a:bodyPr/>
+          <a:bodyPr>
+            <a:normAutofit/>
+          </a:bodyPr>
           <a:lstStyle/>
           <a:p>
             <a:pPr algn="just"/>
             <a:r>
-              <a:rPr lang="en-US" b="1" dirty="0">
+              <a:rPr lang="en-US" sz="2400" b="1" dirty="0">
                 <a:solidFill>
                   <a:schemeClr val="bg1">
                     <a:lumMod val="95000"/>
@@ -16960,7 +17021,7 @@
               <a:t>Everything has to be monitored- </a:t>
             </a:r>
             <a:r>
-              <a:rPr lang="en-US" dirty="0">
+              <a:rPr lang="en-US" sz="2400" dirty="0">
                 <a:solidFill>
                   <a:schemeClr val="bg1">
                     <a:lumMod val="95000"/>
@@ -16973,7 +17034,7 @@
           <a:p>
             <a:pPr algn="just"/>
             <a:r>
-              <a:rPr lang="en-US" dirty="0">
+              <a:rPr lang="en-US" sz="2400" dirty="0">
                 <a:solidFill>
                   <a:schemeClr val="bg1">
                     <a:lumMod val="95000"/>
@@ -16986,7 +17047,7 @@
           <a:p>
             <a:pPr algn="just"/>
             <a:r>
-              <a:rPr lang="en-US" dirty="0">
+              <a:rPr lang="en-US" sz="2400" dirty="0">
                 <a:solidFill>
                   <a:schemeClr val="bg1">
                     <a:lumMod val="95000"/>
@@ -16999,14 +17060,14 @@
           <a:p>
             <a:pPr algn="just"/>
             <a:r>
-              <a:rPr lang="en-US" dirty="0">
+              <a:rPr lang="en-US" sz="2400" dirty="0">
                 <a:solidFill>
                   <a:schemeClr val="bg1">
                     <a:lumMod val="95000"/>
                   </a:schemeClr>
                 </a:solidFill>
               </a:rPr>
-              <a:t>External pen testing used to verify the device performance.</a:t>
+              <a:t>External pen testing is used to verify the device’s performance.</a:t>
             </a:r>
           </a:p>
         </p:txBody>
@@ -17093,12 +17154,14 @@
         </p:nvSpPr>
         <p:spPr/>
         <p:txBody>
-          <a:bodyPr/>
+          <a:bodyPr>
+            <a:normAutofit/>
+          </a:bodyPr>
           <a:lstStyle/>
           <a:p>
             <a:pPr algn="just"/>
             <a:r>
-              <a:rPr lang="en-US" b="1" dirty="0">
+              <a:rPr lang="en-US" sz="2400" b="1" dirty="0">
                 <a:solidFill>
                   <a:schemeClr val="accent1">
                     <a:lumMod val="60000"/>
@@ -17109,7 +17172,7 @@
               <a:t>Blue teams: </a:t>
             </a:r>
             <a:r>
-              <a:rPr lang="en-US" dirty="0">
+              <a:rPr lang="en-US" sz="2400" dirty="0">
                 <a:solidFill>
                   <a:schemeClr val="bg1">
                     <a:lumMod val="95000"/>
@@ -17122,7 +17185,7 @@
           <a:p>
             <a:pPr algn="just"/>
             <a:r>
-              <a:rPr lang="en-US" b="1" dirty="0">
+              <a:rPr lang="en-US" sz="2400" b="1" dirty="0">
                 <a:solidFill>
                   <a:srgbClr val="C00000"/>
                 </a:solidFill>
@@ -17130,7 +17193,7 @@
               <a:t>Red Teams</a:t>
             </a:r>
             <a:r>
-              <a:rPr lang="en-US" b="1" dirty="0">
+              <a:rPr lang="en-US" sz="2400" b="1" dirty="0">
                 <a:solidFill>
                   <a:schemeClr val="bg1">
                     <a:lumMod val="95000"/>
@@ -17140,7 +17203,7 @@
               <a:t>: </a:t>
             </a:r>
             <a:r>
-              <a:rPr lang="en-US" dirty="0">
+              <a:rPr lang="en-US" sz="2400" dirty="0">
                 <a:solidFill>
                   <a:schemeClr val="bg1">
                     <a:lumMod val="95000"/>
@@ -17153,7 +17216,7 @@
           <a:p>
             <a:pPr algn="just"/>
             <a:r>
-              <a:rPr lang="en-US" b="1" dirty="0">
+              <a:rPr lang="en-US" sz="2400" b="1" dirty="0">
                 <a:solidFill>
                   <a:srgbClr val="7030A0"/>
                 </a:solidFill>
@@ -17161,7 +17224,7 @@
               <a:t>Purple Team: </a:t>
             </a:r>
             <a:r>
-              <a:rPr lang="en-US" dirty="0">
+              <a:rPr lang="en-US" sz="2400" dirty="0">
                 <a:solidFill>
                   <a:schemeClr val="bg1">
                     <a:lumMod val="95000"/>
@@ -17255,19 +17318,23 @@
         </p:nvSpPr>
         <p:spPr/>
         <p:txBody>
-          <a:bodyPr/>
+          <a:bodyPr>
+            <a:normAutofit/>
+          </a:bodyPr>
           <a:lstStyle/>
           <a:p>
-            <a:pPr algn="just"/>
-            <a:r>
-              <a:rPr lang="en-US" dirty="0">
+            <a:pPr marL="0" indent="0" algn="just">
+              <a:buNone/>
+            </a:pPr>
+            <a:r>
+              <a:rPr lang="en-US" sz="2400" dirty="0">
                 <a:solidFill>
                   <a:schemeClr val="bg1">
                     <a:lumMod val="95000"/>
                   </a:schemeClr>
                 </a:solidFill>
               </a:rPr>
-              <a:t>It has controls like authentication, that must be chosen carefully based on network-segmented information and classification that is accessible.</a:t>
+              <a:t>It has controls like authentication, which must be chosen carefully based on network-segmented information and classification that is accessible.</a:t>
             </a:r>
           </a:p>
           <a:p>
@@ -17275,7 +17342,7 @@
               <a:buNone/>
             </a:pPr>
             <a:r>
-              <a:rPr lang="en-US" dirty="0">
+              <a:rPr lang="en-US" sz="2400" dirty="0">
                 <a:solidFill>
                   <a:schemeClr val="bg1">
                     <a:lumMod val="95000"/>
@@ -17286,9 +17353,11 @@
             </a:r>
           </a:p>
           <a:p>
-            <a:pPr algn="just"/>
-            <a:r>
-              <a:rPr lang="en-US" dirty="0">
+            <a:pPr marL="0" indent="0" algn="just">
+              <a:buNone/>
+            </a:pPr>
+            <a:r>
+              <a:rPr lang="en-US" sz="2400" dirty="0">
                 <a:solidFill>
                   <a:schemeClr val="bg1">
                     <a:lumMod val="95000"/>
@@ -17299,9 +17368,11 @@
             </a:r>
           </a:p>
           <a:p>
-            <a:pPr algn="just"/>
-            <a:r>
-              <a:rPr lang="en-US" dirty="0">
+            <a:pPr marL="0" indent="0" algn="just">
+              <a:buNone/>
+            </a:pPr>
+            <a:r>
+              <a:rPr lang="en-US" sz="2400" dirty="0">
                 <a:solidFill>
                   <a:schemeClr val="bg1">
                     <a:lumMod val="95000"/>
@@ -17313,7 +17384,7 @@
           </a:p>
           <a:p>
             <a:pPr algn="just"/>
-            <a:endParaRPr lang="en-US" dirty="0">
+            <a:endParaRPr lang="en-US" sz="2400" dirty="0">
               <a:solidFill>
                 <a:schemeClr val="bg1">
                   <a:lumMod val="95000"/>
@@ -17783,12 +17854,14 @@
         </p:nvSpPr>
         <p:spPr/>
         <p:txBody>
-          <a:bodyPr/>
+          <a:bodyPr>
+            <a:normAutofit/>
+          </a:bodyPr>
           <a:lstStyle/>
           <a:p>
             <a:pPr algn="just"/>
             <a:r>
-              <a:rPr lang="en-US" b="1" dirty="0">
+              <a:rPr lang="en-US" sz="2400" b="1" dirty="0">
                 <a:solidFill>
                   <a:schemeClr val="bg1">
                     <a:lumMod val="95000"/>
@@ -17798,7 +17871,7 @@
               <a:t>VPN: </a:t>
             </a:r>
             <a:r>
-              <a:rPr lang="en-US" dirty="0">
+              <a:rPr lang="en-US" sz="2400" dirty="0">
                 <a:solidFill>
                   <a:schemeClr val="bg1">
                     <a:lumMod val="95000"/>
@@ -17811,7 +17884,7 @@
           <a:p>
             <a:pPr algn="just"/>
             <a:r>
-              <a:rPr lang="en-US" dirty="0">
+              <a:rPr lang="en-US" sz="2400" dirty="0">
                 <a:solidFill>
                   <a:schemeClr val="bg1">
                     <a:lumMod val="95000"/>
@@ -17910,7 +17983,7 @@
           <a:p>
             <a:pPr algn="just"/>
             <a:r>
-              <a:rPr lang="en-US" dirty="0">
+              <a:rPr lang="en-US" sz="2400" dirty="0">
                 <a:solidFill>
                   <a:schemeClr val="bg1">
                     <a:lumMod val="95000"/>
@@ -17923,7 +17996,7 @@
           <a:p>
             <a:pPr algn="just"/>
             <a:r>
-              <a:rPr lang="en-US" dirty="0">
+              <a:rPr lang="en-US" sz="2400" dirty="0">
                 <a:solidFill>
                   <a:schemeClr val="bg1">
                     <a:lumMod val="95000"/>
@@ -17936,14 +18009,24 @@
           <a:p>
             <a:pPr algn="just"/>
             <a:r>
-              <a:rPr lang="en-US" dirty="0">
+              <a:rPr lang="en-US" sz="2400" dirty="0">
                 <a:solidFill>
                   <a:schemeClr val="bg1">
                     <a:lumMod val="95000"/>
                   </a:schemeClr>
                 </a:solidFill>
               </a:rPr>
-              <a:t>Additionally users should require authentication periodically in remote access devices, they should ensure that they made the baseline required for internal systems.</a:t>
+              <a:t>Additionally users should require authentication periodically in remote access devices, they should ensure that they made the baseline required for internal systems</a:t>
+            </a:r>
+            <a:r>
+              <a:rPr lang="en-US" dirty="0">
+                <a:solidFill>
+                  <a:schemeClr val="bg1">
+                    <a:lumMod val="95000"/>
+                  </a:schemeClr>
+                </a:solidFill>
+              </a:rPr>
+              <a:t>.</a:t>
             </a:r>
           </a:p>
         </p:txBody>
@@ -17964,14 +18047,6 @@
 <file path=ppt/slides/slide32.xml><?xml version="1.0" encoding="utf-8"?>
 <p:sld xmlns:a="http://schemas.openxmlformats.org/drawingml/2006/main" xmlns:r="http://schemas.openxmlformats.org/officeDocument/2006/relationships" xmlns:p="http://schemas.openxmlformats.org/presentationml/2006/main">
   <p:cSld>
-    <p:bg>
-      <p:bgPr>
-        <a:solidFill>
-          <a:schemeClr val="bg1"/>
-        </a:solidFill>
-        <a:effectLst/>
-      </p:bgPr>
-    </p:bg>
     <p:spTree>
       <p:nvGrpSpPr>
         <p:cNvPr id="1" name=""/>
@@ -18163,8 +18238,8 @@
           <a:lstStyle/>
           <a:p>
             <a:r>
-              <a:rPr lang="en-US"/>
-              <a:t>Used to check remote access device based on its criteria, if it doesn’t meet a specific criteria access is denied.</a:t>
+              <a:rPr lang="en-US" sz="2400" dirty="0"/>
+              <a:t>Used to check remote access device based on its criteria, if it doesn’t meet specific criteria access is denied.</a:t>
             </a:r>
           </a:p>
         </p:txBody>
@@ -19315,7 +19390,22 @@
                   </a:schemeClr>
                 </a:solidFill>
               </a:rPr>
-              <a:t>System administrators can only access to the active directories, CRUD a users etc.</a:t>
+              <a:t>System administrators can only access to the active directories, CRUD users</a:t>
+            </a:r>
+          </a:p>
+          <a:p>
+            <a:pPr marL="0" indent="0">
+              <a:buNone/>
+            </a:pPr>
+            <a:r>
+              <a:rPr lang="en-US" dirty="0">
+                <a:solidFill>
+                  <a:schemeClr val="bg1">
+                    <a:lumMod val="95000"/>
+                  </a:schemeClr>
+                </a:solidFill>
+              </a:rPr>
+              <a:t>Database administrators have direct access to all the databases</a:t>
             </a:r>
           </a:p>
           <a:p>
@@ -19391,6 +19481,61 @@
       </p:grpSpPr>
       <p:sp>
         <p:nvSpPr>
+          <p:cNvPr id="10" name="Rectangle 9">
+            <a:extLst>
+              <a:ext uri="{FF2B5EF4-FFF2-40B4-BE49-F238E27FC236}">
+                <a16:creationId xmlns:a16="http://schemas.microsoft.com/office/drawing/2014/main" id="{E844E128-FF69-4E9F-8327-6B504B3C5AE1}"/>
+              </a:ext>
+              <a:ext uri="{C183D7F6-B498-43B3-948B-1728B52AA6E4}">
+                <adec:decorative xmlns:adec="http://schemas.microsoft.com/office/drawing/2017/decorative" val="1"/>
+              </a:ext>
+            </a:extLst>
+          </p:cNvPr>
+          <p:cNvSpPr>
+            <a:spLocks noGrp="1" noRot="1" noChangeAspect="1" noMove="1" noResize="1" noEditPoints="1" noAdjustHandles="1" noChangeArrowheads="1" noChangeShapeType="1" noTextEdit="1"/>
+          </p:cNvSpPr>
+          <p:nvPr>
+            <p:extLst>
+              <p:ext uri="{386F3935-93C4-4BCD-93E2-E3B085C9AB24}">
+                <p16:designElem xmlns:p16="http://schemas.microsoft.com/office/powerpoint/2015/main" val="1"/>
+              </p:ext>
+            </p:extLst>
+          </p:nvPr>
+        </p:nvSpPr>
+        <p:spPr bwMode="white">
+          <a:xfrm>
+            <a:off x="-1" y="0"/>
+            <a:ext cx="12191985" cy="6858000"/>
+          </a:xfrm>
+          <a:prstGeom prst="rect">
+            <a:avLst/>
+          </a:prstGeom>
+          <a:solidFill>
+            <a:srgbClr val="262626"/>
+          </a:solidFill>
+          <a:ln>
+            <a:noFill/>
+          </a:ln>
+        </p:spPr>
+        <p:style>
+          <a:lnRef idx="2">
+            <a:schemeClr val="accent1">
+              <a:shade val="50000"/>
+            </a:schemeClr>
+          </a:lnRef>
+          <a:fillRef idx="1">
+            <a:schemeClr val="accent1"/>
+          </a:fillRef>
+          <a:effectRef idx="0">
+            <a:schemeClr val="accent1"/>
+          </a:effectRef>
+          <a:fontRef idx="minor">
+            <a:schemeClr val="lt1"/>
+          </a:fontRef>
+        </p:style>
+      </p:sp>
+      <p:sp>
+        <p:nvSpPr>
           <p:cNvPr id="2" name="Title 1">
             <a:extLst>
               <a:ext uri="{FF2B5EF4-FFF2-40B4-BE49-F238E27FC236}">
@@ -19405,17 +19550,22 @@
             <p:ph type="title"/>
           </p:nvPr>
         </p:nvSpPr>
-        <p:spPr/>
+        <p:spPr>
+          <a:xfrm>
+            <a:off x="5116783" y="516835"/>
+            <a:ext cx="5977937" cy="1666501"/>
+          </a:xfrm>
+        </p:spPr>
         <p:txBody>
-          <a:bodyPr/>
+          <a:bodyPr>
+            <a:normAutofit/>
+          </a:bodyPr>
           <a:lstStyle/>
           <a:p>
             <a:r>
-              <a:rPr lang="en-US" dirty="0">
-                <a:solidFill>
-                  <a:schemeClr val="bg1">
-                    <a:lumMod val="95000"/>
-                  </a:schemeClr>
+              <a:rPr lang="en-US" sz="4000" dirty="0">
+                <a:solidFill>
+                  <a:srgbClr val="FFFFFF"/>
                 </a:solidFill>
               </a:rPr>
               <a:t>Why User Access Control?</a:t>
@@ -19423,6 +19573,93 @@
           </a:p>
         </p:txBody>
       </p:sp>
+      <p:pic>
+        <p:nvPicPr>
+          <p:cNvPr id="5" name="Picture 4" descr="A picture containing text, vector graphics&#10;&#10;Description automatically generated">
+            <a:extLst>
+              <a:ext uri="{FF2B5EF4-FFF2-40B4-BE49-F238E27FC236}">
+                <a16:creationId xmlns:a16="http://schemas.microsoft.com/office/drawing/2014/main" id="{4BBEB307-7585-9312-362C-8864FD431517}"/>
+              </a:ext>
+            </a:extLst>
+          </p:cNvPr>
+          <p:cNvPicPr>
+            <a:picLocks noChangeAspect="1"/>
+          </p:cNvPicPr>
+          <p:nvPr/>
+        </p:nvPicPr>
+        <p:blipFill rotWithShape="1">
+          <a:blip r:embed="rId2">
+            <a:extLst>
+              <a:ext uri="{28A0092B-C50C-407E-A947-70E740481C1C}">
+                <a14:useLocalDpi xmlns:a14="http://schemas.microsoft.com/office/drawing/2010/main" val="0"/>
+              </a:ext>
+            </a:extLst>
+          </a:blip>
+          <a:srcRect r="10356"/>
+          <a:stretch/>
+        </p:blipFill>
+        <p:spPr>
+          <a:xfrm>
+            <a:off x="576849" y="516835"/>
+            <a:ext cx="3442670" cy="5119977"/>
+          </a:xfrm>
+          <a:prstGeom prst="rect">
+            <a:avLst/>
+          </a:prstGeom>
+        </p:spPr>
+      </p:pic>
+      <p:cxnSp>
+        <p:nvCxnSpPr>
+          <p:cNvPr id="12" name="Straight Connector 11">
+            <a:extLst>
+              <a:ext uri="{FF2B5EF4-FFF2-40B4-BE49-F238E27FC236}">
+                <a16:creationId xmlns:a16="http://schemas.microsoft.com/office/drawing/2014/main" id="{055CEADF-09EA-423C-8C45-F94AF44D5AF0}"/>
+              </a:ext>
+              <a:ext uri="{C183D7F6-B498-43B3-948B-1728B52AA6E4}">
+                <adec:decorative xmlns:adec="http://schemas.microsoft.com/office/drawing/2017/decorative" val="1"/>
+              </a:ext>
+            </a:extLst>
+          </p:cNvPr>
+          <p:cNvCxnSpPr>
+            <a:cxnSpLocks noGrp="1" noRot="1" noChangeAspect="1" noMove="1" noResize="1" noEditPoints="1" noAdjustHandles="1" noChangeArrowheads="1" noChangeShapeType="1"/>
+          </p:cNvCxnSpPr>
+          <p:nvPr>
+            <p:extLst>
+              <p:ext uri="{386F3935-93C4-4BCD-93E2-E3B085C9AB24}">
+                <p16:designElem xmlns:p16="http://schemas.microsoft.com/office/powerpoint/2015/main" val="1"/>
+              </p:ext>
+            </p:extLst>
+          </p:nvPr>
+        </p:nvCxnSpPr>
+        <p:spPr>
+          <a:xfrm>
+            <a:off x="5200864" y="2353592"/>
+            <a:ext cx="5669280" cy="0"/>
+          </a:xfrm>
+          <a:prstGeom prst="line">
+            <a:avLst/>
+          </a:prstGeom>
+          <a:ln w="19050">
+            <a:solidFill>
+              <a:schemeClr val="accent1"/>
+            </a:solidFill>
+          </a:ln>
+        </p:spPr>
+        <p:style>
+          <a:lnRef idx="1">
+            <a:schemeClr val="accent1"/>
+          </a:lnRef>
+          <a:fillRef idx="0">
+            <a:schemeClr val="accent1"/>
+          </a:fillRef>
+          <a:effectRef idx="0">
+            <a:schemeClr val="accent1"/>
+          </a:effectRef>
+          <a:fontRef idx="minor">
+            <a:schemeClr val="tx1"/>
+          </a:fontRef>
+        </p:style>
+      </p:cxnSp>
       <p:sp>
         <p:nvSpPr>
           <p:cNvPr id="3" name="Content Placeholder 2">
@@ -19439,17 +19676,22 @@
             <p:ph idx="1"/>
           </p:nvPr>
         </p:nvSpPr>
-        <p:spPr/>
+        <p:spPr>
+          <a:xfrm>
+            <a:off x="5116784" y="2546224"/>
+            <a:ext cx="5977938" cy="3342747"/>
+          </a:xfrm>
+        </p:spPr>
         <p:txBody>
-          <a:bodyPr/>
+          <a:bodyPr>
+            <a:normAutofit/>
+          </a:bodyPr>
           <a:lstStyle/>
           <a:p>
             <a:r>
-              <a:rPr lang="en-US" dirty="0">
-                <a:solidFill>
-                  <a:schemeClr val="bg1">
-                    <a:lumMod val="95000"/>
-                  </a:schemeClr>
+              <a:rPr lang="en-US" sz="1800" dirty="0">
+                <a:solidFill>
+                  <a:srgbClr val="FFFFFF"/>
                 </a:solidFill>
               </a:rPr>
               <a:t>Humans are naturally curious</a:t>
@@ -19457,11 +19699,9 @@
           </a:p>
           <a:p>
             <a:r>
-              <a:rPr lang="en-US" dirty="0">
-                <a:solidFill>
-                  <a:schemeClr val="bg1">
-                    <a:lumMod val="95000"/>
-                  </a:schemeClr>
+              <a:rPr lang="en-US" sz="1800" dirty="0">
+                <a:solidFill>
+                  <a:srgbClr val="FFFFFF"/>
                 </a:solidFill>
               </a:rPr>
               <a:t>If we don’t set user controls, Information confidentiality and Integrity will be in danger.</a:t>
@@ -19469,11 +19709,9 @@
           </a:p>
           <a:p>
             <a:r>
-              <a:rPr lang="en-US" dirty="0">
-                <a:solidFill>
-                  <a:schemeClr val="bg1">
-                    <a:lumMod val="95000"/>
-                  </a:schemeClr>
+              <a:rPr lang="en-US" sz="1800" dirty="0">
+                <a:solidFill>
+                  <a:srgbClr val="FFFFFF"/>
                 </a:solidFill>
               </a:rPr>
               <a:t>To protect data and information User Access controls are used</a:t>
@@ -19489,7 +19727,7 @@
     </p:extLst>
   </p:cSld>
   <p:clrMapOvr>
-    <a:masterClrMapping/>
+    <a:overrideClrMapping bg1="dk1" tx1="lt1" bg2="dk2" tx2="lt2" accent1="accent1" accent2="accent2" accent3="accent3" accent4="accent4" accent5="accent5" accent6="accent6" hlink="hlink" folHlink="folHlink"/>
   </p:clrMapOvr>
 </p:sld>
 </file>
@@ -19580,7 +19818,17 @@
                   </a:schemeClr>
                 </a:solidFill>
               </a:rPr>
-              <a:t> Identifying account types (individual, group, system, application, guest, and temporary) </a:t>
+              <a:t> </a:t>
+            </a:r>
+            <a:r>
+              <a:rPr lang="en-US" sz="2000" dirty="0">
+                <a:solidFill>
+                  <a:schemeClr val="bg1">
+                    <a:lumMod val="95000"/>
+                  </a:schemeClr>
+                </a:solidFill>
+              </a:rPr>
+              <a:t>Identifying account types (individual, group, system, application, guest, and temporary) </a:t>
             </a:r>
           </a:p>
           <a:p>
@@ -19589,7 +19837,7 @@
               <a:buChar char="•"/>
             </a:pPr>
             <a:r>
-              <a:rPr lang="en-US" dirty="0">
+              <a:rPr lang="en-US" sz="2000" dirty="0">
                 <a:solidFill>
                   <a:schemeClr val="bg1">
                     <a:lumMod val="95000"/>
@@ -19605,7 +19853,7 @@
               <a:buChar char="•"/>
             </a:pPr>
             <a:r>
-              <a:rPr lang="en-US" dirty="0">
+              <a:rPr lang="en-US" sz="2000" dirty="0">
                 <a:solidFill>
                   <a:schemeClr val="bg1">
                     <a:lumMod val="95000"/>
@@ -19621,7 +19869,7 @@
               <a:buChar char="•"/>
             </a:pPr>
             <a:r>
-              <a:rPr lang="en-US" dirty="0">
+              <a:rPr lang="en-US" sz="2000" dirty="0">
                 <a:solidFill>
                   <a:schemeClr val="bg1">
                     <a:lumMod val="95000"/>
@@ -19637,7 +19885,7 @@
               <a:buChar char="•"/>
             </a:pPr>
             <a:r>
-              <a:rPr lang="en-US" dirty="0">
+              <a:rPr lang="en-US" sz="2000" dirty="0">
                 <a:solidFill>
                   <a:schemeClr val="bg1">
                     <a:lumMod val="95000"/>
@@ -19653,7 +19901,7 @@
               <a:buChar char="•"/>
             </a:pPr>
             <a:r>
-              <a:rPr lang="en-US" dirty="0">
+              <a:rPr lang="en-US" sz="2000" dirty="0">
                 <a:solidFill>
                   <a:schemeClr val="bg1">
                     <a:lumMod val="95000"/>
@@ -19713,6 +19961,66 @@
           <a:chExt cx="0" cy="0"/>
         </a:xfrm>
       </p:grpSpPr>
+      <p:sp useBgFill="1">
+        <p:nvSpPr>
+          <p:cNvPr id="24" name="Rectangle 18">
+            <a:extLst>
+              <a:ext uri="{FF2B5EF4-FFF2-40B4-BE49-F238E27FC236}">
+                <a16:creationId xmlns:a16="http://schemas.microsoft.com/office/drawing/2014/main" id="{F64BBAA4-C62B-4146-B49F-FE4CC4655EE0}"/>
+              </a:ext>
+              <a:ext uri="{C183D7F6-B498-43B3-948B-1728B52AA6E4}">
+                <adec:decorative xmlns:adec="http://schemas.microsoft.com/office/drawing/2017/decorative" val="1"/>
+              </a:ext>
+            </a:extLst>
+          </p:cNvPr>
+          <p:cNvSpPr>
+            <a:spLocks noGrp="1" noRot="1" noChangeAspect="1" noMove="1" noResize="1" noEditPoints="1" noAdjustHandles="1" noChangeArrowheads="1" noChangeShapeType="1" noTextEdit="1"/>
+          </p:cNvSpPr>
+          <p:nvPr>
+            <p:extLst>
+              <p:ext uri="{386F3935-93C4-4BCD-93E2-E3B085C9AB24}">
+                <p16:designElem xmlns:p16="http://schemas.microsoft.com/office/powerpoint/2015/main" val="1"/>
+              </p:ext>
+            </p:extLst>
+          </p:nvPr>
+        </p:nvSpPr>
+        <p:spPr>
+          <a:xfrm>
+            <a:off x="0" y="0"/>
+            <a:ext cx="12192001" cy="6858000"/>
+          </a:xfrm>
+          <a:prstGeom prst="rect">
+            <a:avLst/>
+          </a:prstGeom>
+          <a:ln>
+            <a:noFill/>
+          </a:ln>
+        </p:spPr>
+        <p:style>
+          <a:lnRef idx="2">
+            <a:schemeClr val="accent1">
+              <a:shade val="50000"/>
+            </a:schemeClr>
+          </a:lnRef>
+          <a:fillRef idx="1">
+            <a:schemeClr val="accent1"/>
+          </a:fillRef>
+          <a:effectRef idx="0">
+            <a:schemeClr val="accent1"/>
+          </a:effectRef>
+          <a:fontRef idx="minor">
+            <a:schemeClr val="lt1"/>
+          </a:fontRef>
+        </p:style>
+        <p:txBody>
+          <a:bodyPr rtlCol="0" anchor="ctr"/>
+          <a:lstStyle/>
+          <a:p>
+            <a:pPr algn="ctr"/>
+            <a:endParaRPr lang="en-US"/>
+          </a:p>
+        </p:txBody>
+      </p:sp>
       <p:sp>
         <p:nvSpPr>
           <p:cNvPr id="2" name="Title 1">
@@ -19729,17 +20037,22 @@
             <p:ph type="title"/>
           </p:nvPr>
         </p:nvSpPr>
-        <p:spPr/>
+        <p:spPr>
+          <a:xfrm>
+            <a:off x="878911" y="643468"/>
+            <a:ext cx="3177847" cy="1674180"/>
+          </a:xfrm>
+        </p:spPr>
         <p:txBody>
-          <a:bodyPr/>
+          <a:bodyPr>
+            <a:normAutofit/>
+          </a:bodyPr>
           <a:lstStyle/>
           <a:p>
             <a:r>
-              <a:rPr lang="en-US" dirty="0">
-                <a:solidFill>
-                  <a:schemeClr val="bg1">
-                    <a:lumMod val="95000"/>
-                  </a:schemeClr>
+              <a:rPr lang="en-US" sz="3700" dirty="0">
+                <a:solidFill>
+                  <a:schemeClr val="bg1"/>
                 </a:solidFill>
               </a:rPr>
               <a:t>Least Privilege or Zero Trust</a:t>
@@ -19747,6 +20060,61 @@
           </a:p>
         </p:txBody>
       </p:sp>
+      <p:cxnSp>
+        <p:nvCxnSpPr>
+          <p:cNvPr id="25" name="Straight Connector 20">
+            <a:extLst>
+              <a:ext uri="{FF2B5EF4-FFF2-40B4-BE49-F238E27FC236}">
+                <a16:creationId xmlns:a16="http://schemas.microsoft.com/office/drawing/2014/main" id="{EEB57AA8-F021-480C-A9E2-F89913313611}"/>
+              </a:ext>
+              <a:ext uri="{C183D7F6-B498-43B3-948B-1728B52AA6E4}">
+                <adec:decorative xmlns:adec="http://schemas.microsoft.com/office/drawing/2017/decorative" val="1"/>
+              </a:ext>
+            </a:extLst>
+          </p:cNvPr>
+          <p:cNvCxnSpPr>
+            <a:cxnSpLocks noGrp="1" noRot="1" noChangeAspect="1" noMove="1" noResize="1" noEditPoints="1" noAdjustHandles="1" noChangeArrowheads="1" noChangeShapeType="1"/>
+          </p:cNvCxnSpPr>
+          <p:nvPr>
+            <p:extLst>
+              <p:ext uri="{386F3935-93C4-4BCD-93E2-E3B085C9AB24}">
+                <p16:designElem xmlns:p16="http://schemas.microsoft.com/office/powerpoint/2015/main" val="1"/>
+              </p:ext>
+            </p:extLst>
+          </p:nvPr>
+        </p:nvCxnSpPr>
+        <p:spPr>
+          <a:xfrm>
+            <a:off x="962164" y="2478513"/>
+            <a:ext cx="2926080" cy="0"/>
+          </a:xfrm>
+          <a:prstGeom prst="line">
+            <a:avLst/>
+          </a:prstGeom>
+          <a:ln>
+            <a:solidFill>
+              <a:schemeClr val="tx1">
+                <a:lumMod val="75000"/>
+                <a:lumOff val="25000"/>
+              </a:schemeClr>
+            </a:solidFill>
+          </a:ln>
+        </p:spPr>
+        <p:style>
+          <a:lnRef idx="1">
+            <a:schemeClr val="accent1"/>
+          </a:lnRef>
+          <a:fillRef idx="0">
+            <a:schemeClr val="accent1"/>
+          </a:fillRef>
+          <a:effectRef idx="0">
+            <a:schemeClr val="accent1"/>
+          </a:effectRef>
+          <a:fontRef idx="minor">
+            <a:schemeClr val="tx1"/>
+          </a:fontRef>
+        </p:style>
+      </p:cxnSp>
       <p:sp>
         <p:nvSpPr>
           <p:cNvPr id="3" name="Content Placeholder 2">
@@ -19763,22 +20131,17 @@
             <p:ph idx="1"/>
           </p:nvPr>
         </p:nvSpPr>
-        <p:spPr/>
+        <p:spPr>
+          <a:xfrm>
+            <a:off x="858064" y="2639380"/>
+            <a:ext cx="3205049" cy="3229714"/>
+          </a:xfrm>
+        </p:spPr>
         <p:txBody>
-          <a:bodyPr/>
+          <a:bodyPr>
+            <a:normAutofit/>
+          </a:bodyPr>
           <a:lstStyle/>
-          <a:p>
-            <a:r>
-              <a:rPr lang="en-US" dirty="0">
-                <a:solidFill>
-                  <a:schemeClr val="bg1">
-                    <a:lumMod val="95000"/>
-                  </a:schemeClr>
-                </a:solidFill>
-              </a:rPr>
-              <a:t>Trust no one. Both inside and outside of the network.</a:t>
-            </a:r>
-          </a:p>
           <a:p>
             <a:pPr marL="0" indent="0">
               <a:buNone/>
@@ -19786,12 +20149,10 @@
             <a:r>
               <a:rPr lang="en-US" dirty="0">
                 <a:solidFill>
-                  <a:schemeClr val="bg1">
-                    <a:lumMod val="95000"/>
-                  </a:schemeClr>
-                </a:solidFill>
-              </a:rPr>
-              <a:t>  Grant minimum access to data, tools and information</a:t>
+                  <a:schemeClr val="bg1"/>
+                </a:solidFill>
+              </a:rPr>
+              <a:t>Trust no one. Both inside and outside of the network.</a:t>
             </a:r>
           </a:p>
           <a:p>
@@ -19801,12 +20162,10 @@
             <a:r>
               <a:rPr lang="en-US" dirty="0">
                 <a:solidFill>
-                  <a:schemeClr val="bg1">
-                    <a:lumMod val="95000"/>
-                  </a:schemeClr>
-                </a:solidFill>
-              </a:rPr>
-              <a:t>  Follows the rule Default deny</a:t>
+                  <a:schemeClr val="bg1"/>
+                </a:solidFill>
+              </a:rPr>
+              <a:t>Grant minimum access to data, tools and information</a:t>
             </a:r>
           </a:p>
           <a:p>
@@ -19816,12 +20175,10 @@
             <a:r>
               <a:rPr lang="en-US" dirty="0">
                 <a:solidFill>
-                  <a:schemeClr val="bg1">
-                    <a:lumMod val="95000"/>
-                  </a:schemeClr>
-                </a:solidFill>
-              </a:rPr>
-              <a:t>  </a:t>
+                  <a:schemeClr val="bg1"/>
+                </a:solidFill>
+              </a:rPr>
+              <a:t>Follows the rule Default deny</a:t>
             </a:r>
           </a:p>
           <a:p>
@@ -19831,9 +20188,20 @@
             <a:r>
               <a:rPr lang="en-US" dirty="0">
                 <a:solidFill>
-                  <a:schemeClr val="bg1">
-                    <a:lumMod val="95000"/>
-                  </a:schemeClr>
+                  <a:schemeClr val="bg1"/>
+                </a:solidFill>
+              </a:rPr>
+              <a:t>  </a:t>
+            </a:r>
+          </a:p>
+          <a:p>
+            <a:pPr marL="0" indent="0">
+              <a:buNone/>
+            </a:pPr>
+            <a:r>
+              <a:rPr lang="en-US" dirty="0">
+                <a:solidFill>
+                  <a:schemeClr val="bg1"/>
                 </a:solidFill>
               </a:rPr>
               <a:t>  </a:t>
@@ -19842,13 +20210,96 @@
           <a:p>
             <a:endParaRPr lang="en-US" dirty="0">
               <a:solidFill>
-                <a:schemeClr val="bg1">
-                  <a:lumMod val="95000"/>
-                </a:schemeClr>
+                <a:schemeClr val="bg1"/>
               </a:solidFill>
             </a:endParaRPr>
           </a:p>
         </p:txBody>
+      </p:sp>
+      <p:pic>
+        <p:nvPicPr>
+          <p:cNvPr id="5" name="Picture 4">
+            <a:extLst>
+              <a:ext uri="{FF2B5EF4-FFF2-40B4-BE49-F238E27FC236}">
+                <a16:creationId xmlns:a16="http://schemas.microsoft.com/office/drawing/2014/main" id="{F891726A-CDAA-6254-EA52-22C045230CD3}"/>
+              </a:ext>
+            </a:extLst>
+          </p:cNvPr>
+          <p:cNvPicPr>
+            <a:picLocks noChangeAspect="1"/>
+          </p:cNvPicPr>
+          <p:nvPr/>
+        </p:nvPicPr>
+        <p:blipFill>
+          <a:blip r:embed="rId2"/>
+          <a:stretch>
+            <a:fillRect/>
+          </a:stretch>
+        </p:blipFill>
+        <p:spPr>
+          <a:xfrm>
+            <a:off x="4653447" y="1300512"/>
+            <a:ext cx="6892560" cy="3911528"/>
+          </a:xfrm>
+          <a:prstGeom prst="rect">
+            <a:avLst/>
+          </a:prstGeom>
+        </p:spPr>
+      </p:pic>
+      <p:sp>
+        <p:nvSpPr>
+          <p:cNvPr id="23" name="Rectangle 22">
+            <a:extLst>
+              <a:ext uri="{FF2B5EF4-FFF2-40B4-BE49-F238E27FC236}">
+                <a16:creationId xmlns:a16="http://schemas.microsoft.com/office/drawing/2014/main" id="{6BF36B24-6632-4516-9692-731462896C1F}"/>
+              </a:ext>
+              <a:ext uri="{C183D7F6-B498-43B3-948B-1728B52AA6E4}">
+                <adec:decorative xmlns:adec="http://schemas.microsoft.com/office/drawing/2017/decorative" val="1"/>
+              </a:ext>
+            </a:extLst>
+          </p:cNvPr>
+          <p:cNvSpPr>
+            <a:spLocks noGrp="1" noRot="1" noChangeAspect="1" noMove="1" noResize="1" noEditPoints="1" noAdjustHandles="1" noChangeArrowheads="1" noChangeShapeType="1" noTextEdit="1"/>
+          </p:cNvSpPr>
+          <p:nvPr>
+            <p:extLst>
+              <p:ext uri="{386F3935-93C4-4BCD-93E2-E3B085C9AB24}">
+                <p16:designElem xmlns:p16="http://schemas.microsoft.com/office/powerpoint/2015/main" val="1"/>
+              </p:ext>
+            </p:extLst>
+          </p:nvPr>
+        </p:nvSpPr>
+        <p:spPr>
+          <a:xfrm>
+            <a:off x="0" y="6400800"/>
+            <a:ext cx="12192000" cy="457200"/>
+          </a:xfrm>
+          <a:prstGeom prst="rect">
+            <a:avLst/>
+          </a:prstGeom>
+          <a:solidFill>
+            <a:srgbClr val="262626"/>
+          </a:solidFill>
+          <a:ln>
+            <a:noFill/>
+          </a:ln>
+        </p:spPr>
+        <p:style>
+          <a:lnRef idx="2">
+            <a:schemeClr val="accent1">
+              <a:shade val="50000"/>
+            </a:schemeClr>
+          </a:lnRef>
+          <a:fillRef idx="1">
+            <a:schemeClr val="accent1"/>
+          </a:fillRef>
+          <a:effectRef idx="0">
+            <a:schemeClr val="accent1"/>
+          </a:effectRef>
+          <a:fontRef idx="minor">
+            <a:schemeClr val="lt1"/>
+          </a:fontRef>
+        </p:style>
       </p:sp>
     </p:spTree>
     <p:extLst>
@@ -20063,6 +20514,9 @@
           <a:bodyPr/>
           <a:lstStyle/>
           <a:p>
+            <a:pPr marL="0" indent="0">
+              <a:buNone/>
+            </a:pPr>
             <a:r>
               <a:rPr lang="en-US" dirty="0">
                 <a:solidFill>
@@ -20075,6 +20529,9 @@
             </a:r>
           </a:p>
           <a:p>
+            <a:pPr marL="0" indent="0">
+              <a:buNone/>
+            </a:pPr>
             <a:r>
               <a:rPr lang="en-US" dirty="0">
                 <a:solidFill>
@@ -20098,7 +20555,7 @@
                   </a:schemeClr>
                 </a:solidFill>
               </a:rPr>
-              <a:t> Operating systems such as Linux use Users and Groups and give specific permissions (Read, Write, Execute) for managing access control.</a:t>
+              <a:t>Operating systems such as Linux use Users and Groups and give specific permissions (Read, Write, Execute) for managing access control.</a:t>
             </a:r>
           </a:p>
           <a:p>
@@ -20150,6 +20607,163 @@
           <p:cNvPr id="2" name="Title 1">
             <a:extLst>
               <a:ext uri="{FF2B5EF4-FFF2-40B4-BE49-F238E27FC236}">
+                <a16:creationId xmlns:a16="http://schemas.microsoft.com/office/drawing/2014/main" id="{639CF561-D53E-022C-F94A-0C9D3257C077}"/>
+              </a:ext>
+            </a:extLst>
+          </p:cNvPr>
+          <p:cNvSpPr>
+            <a:spLocks noGrp="1"/>
+          </p:cNvSpPr>
+          <p:nvPr>
+            <p:ph type="title"/>
+          </p:nvPr>
+        </p:nvSpPr>
+        <p:spPr/>
+        <p:txBody>
+          <a:bodyPr/>
+          <a:lstStyle/>
+          <a:p>
+            <a:r>
+              <a:rPr lang="en-US" dirty="0">
+                <a:solidFill>
+                  <a:schemeClr val="bg1"/>
+                </a:solidFill>
+              </a:rPr>
+              <a:t>Identity Access Management</a:t>
+            </a:r>
+          </a:p>
+        </p:txBody>
+      </p:sp>
+      <p:sp>
+        <p:nvSpPr>
+          <p:cNvPr id="12" name="Rectangle 11">
+            <a:extLst>
+              <a:ext uri="{FF2B5EF4-FFF2-40B4-BE49-F238E27FC236}">
+                <a16:creationId xmlns:a16="http://schemas.microsoft.com/office/drawing/2014/main" id="{DA048038-98D0-FB57-D063-528D20FE0ED0}"/>
+              </a:ext>
+            </a:extLst>
+          </p:cNvPr>
+          <p:cNvSpPr/>
+          <p:nvPr/>
+        </p:nvSpPr>
+        <p:spPr>
+          <a:xfrm>
+            <a:off x="1097280" y="2108201"/>
+            <a:ext cx="10058400" cy="3760891"/>
+          </a:xfrm>
+          <a:prstGeom prst="rect">
+            <a:avLst/>
+          </a:prstGeom>
+          <a:solidFill>
+            <a:schemeClr val="tx1">
+              <a:lumMod val="95000"/>
+              <a:lumOff val="5000"/>
+            </a:schemeClr>
+          </a:solidFill>
+          <a:ln>
+            <a:solidFill>
+              <a:schemeClr val="tx1">
+                <a:lumMod val="95000"/>
+                <a:lumOff val="5000"/>
+              </a:schemeClr>
+            </a:solidFill>
+          </a:ln>
+        </p:spPr>
+        <p:style>
+          <a:lnRef idx="2">
+            <a:schemeClr val="accent1">
+              <a:shade val="50000"/>
+            </a:schemeClr>
+          </a:lnRef>
+          <a:fillRef idx="1">
+            <a:schemeClr val="accent1"/>
+          </a:fillRef>
+          <a:effectRef idx="0">
+            <a:schemeClr val="accent1"/>
+          </a:effectRef>
+          <a:fontRef idx="minor">
+            <a:schemeClr val="lt1"/>
+          </a:fontRef>
+        </p:style>
+        <p:txBody>
+          <a:bodyPr rtlCol="0" anchor="ctr"/>
+          <a:lstStyle/>
+          <a:p>
+            <a:pPr algn="ctr"/>
+            <a:endParaRPr lang="en-US" dirty="0"/>
+          </a:p>
+        </p:txBody>
+      </p:sp>
+      <p:pic>
+        <p:nvPicPr>
+          <p:cNvPr id="14" name="Content Placeholder 13" descr="Diagram">
+            <a:extLst>
+              <a:ext uri="{FF2B5EF4-FFF2-40B4-BE49-F238E27FC236}">
+                <a16:creationId xmlns:a16="http://schemas.microsoft.com/office/drawing/2014/main" id="{9B68D37C-693F-7295-E412-801872037E35}"/>
+              </a:ext>
+            </a:extLst>
+          </p:cNvPr>
+          <p:cNvPicPr>
+            <a:picLocks noGrp="1" noChangeAspect="1"/>
+          </p:cNvPicPr>
+          <p:nvPr>
+            <p:ph idx="1"/>
+          </p:nvPr>
+        </p:nvPicPr>
+        <p:blipFill>
+          <a:blip r:embed="rId2">
+            <a:extLst>
+              <a:ext uri="{28A0092B-C50C-407E-A947-70E740481C1C}">
+                <a14:useLocalDpi xmlns:a14="http://schemas.microsoft.com/office/drawing/2010/main" val="0"/>
+              </a:ext>
+            </a:extLst>
+          </a:blip>
+          <a:stretch>
+            <a:fillRect/>
+          </a:stretch>
+        </p:blipFill>
+        <p:spPr>
+          <a:xfrm>
+            <a:off x="1484671" y="2108202"/>
+            <a:ext cx="8976852" cy="3760890"/>
+          </a:xfrm>
+        </p:spPr>
+      </p:pic>
+    </p:spTree>
+    <p:extLst>
+      <p:ext uri="{BB962C8B-B14F-4D97-AF65-F5344CB8AC3E}">
+        <p14:creationId xmlns:p14="http://schemas.microsoft.com/office/powerpoint/2010/main" val="3175670846"/>
+      </p:ext>
+    </p:extLst>
+  </p:cSld>
+  <p:clrMapOvr>
+    <a:masterClrMapping/>
+  </p:clrMapOvr>
+</p:sld>
+</file>
+
+<file path=ppt/slides/slide42.xml><?xml version="1.0" encoding="utf-8"?>
+<p:sld xmlns:a="http://schemas.openxmlformats.org/drawingml/2006/main" xmlns:r="http://schemas.openxmlformats.org/officeDocument/2006/relationships" xmlns:p="http://schemas.openxmlformats.org/presentationml/2006/main">
+  <p:cSld>
+    <p:spTree>
+      <p:nvGrpSpPr>
+        <p:cNvPr id="1" name=""/>
+        <p:cNvGrpSpPr/>
+        <p:nvPr/>
+      </p:nvGrpSpPr>
+      <p:grpSpPr>
+        <a:xfrm>
+          <a:off x="0" y="0"/>
+          <a:ext cx="0" cy="0"/>
+          <a:chOff x="0" y="0"/>
+          <a:chExt cx="0" cy="0"/>
+        </a:xfrm>
+      </p:grpSpPr>
+      <p:sp>
+        <p:nvSpPr>
+          <p:cNvPr id="2" name="Title 1">
+            <a:extLst>
+              <a:ext uri="{FF2B5EF4-FFF2-40B4-BE49-F238E27FC236}">
                 <a16:creationId xmlns:a16="http://schemas.microsoft.com/office/drawing/2014/main" id="{95FD279A-1AA8-56BE-BD14-B4109C3D73F7}"/>
               </a:ext>
             </a:extLst>
@@ -20291,7 +20905,7 @@
 </p:sld>
 </file>
 
-<file path=ppt/slides/slide42.xml><?xml version="1.0" encoding="utf-8"?>
+<file path=ppt/slides/slide43.xml><?xml version="1.0" encoding="utf-8"?>
 <p:sld xmlns:a="http://schemas.openxmlformats.org/drawingml/2006/main" xmlns:r="http://schemas.openxmlformats.org/officeDocument/2006/relationships" xmlns:p="http://schemas.openxmlformats.org/presentationml/2006/main">
   <p:cSld>
     <p:spTree>
@@ -20360,11 +20974,13 @@
         </p:nvSpPr>
         <p:spPr/>
         <p:txBody>
-          <a:bodyPr/>
+          <a:bodyPr>
+            <a:normAutofit/>
+          </a:bodyPr>
           <a:lstStyle/>
           <a:p>
             <a:r>
-              <a:rPr lang="en-US" dirty="0">
+              <a:rPr lang="en-US" sz="2400" dirty="0">
                 <a:solidFill>
                   <a:schemeClr val="bg1">
                     <a:lumMod val="95000"/>
@@ -20376,7 +20992,7 @@
           </a:p>
           <a:p>
             <a:r>
-              <a:rPr lang="en-US" dirty="0">
+              <a:rPr lang="en-US" sz="2400" dirty="0">
                 <a:solidFill>
                   <a:schemeClr val="bg1">
                     <a:lumMod val="95000"/>
@@ -20388,7 +21004,7 @@
           </a:p>
           <a:p>
             <a:r>
-              <a:rPr lang="en-US" dirty="0">
+              <a:rPr lang="en-US" sz="2400" dirty="0">
                 <a:solidFill>
                   <a:schemeClr val="bg1">
                     <a:lumMod val="95000"/>
@@ -20400,7 +21016,7 @@
           </a:p>
           <a:p>
             <a:r>
-              <a:rPr lang="en-US" dirty="0">
+              <a:rPr lang="en-US" sz="2400" dirty="0">
                 <a:solidFill>
                   <a:schemeClr val="bg1">
                     <a:lumMod val="95000"/>
@@ -20412,7 +21028,7 @@
           </a:p>
           <a:p>
             <a:r>
-              <a:rPr lang="en-US" dirty="0">
+              <a:rPr lang="en-US" sz="2400" dirty="0">
                 <a:solidFill>
                   <a:schemeClr val="bg1">
                     <a:lumMod val="95000"/>
@@ -20437,7 +21053,7 @@
 </p:sld>
 </file>
 
-<file path=ppt/slides/slide43.xml><?xml version="1.0" encoding="utf-8"?>
+<file path=ppt/slides/slide44.xml><?xml version="1.0" encoding="utf-8"?>
 <p:sld xmlns:a="http://schemas.openxmlformats.org/drawingml/2006/main" xmlns:r="http://schemas.openxmlformats.org/officeDocument/2006/relationships" xmlns:p="http://schemas.openxmlformats.org/presentationml/2006/main">
   <p:cSld>
     <p:spTree>
@@ -20597,9 +21213,17 @@
 </p:sld>
 </file>
 
-<file path=ppt/slides/slide44.xml><?xml version="1.0" encoding="utf-8"?>
+<file path=ppt/slides/slide45.xml><?xml version="1.0" encoding="utf-8"?>
 <p:sld xmlns:a="http://schemas.openxmlformats.org/drawingml/2006/main" xmlns:r="http://schemas.openxmlformats.org/officeDocument/2006/relationships" xmlns:p="http://schemas.openxmlformats.org/presentationml/2006/main">
   <p:cSld>
+    <p:bg>
+      <p:bgPr>
+        <a:solidFill>
+          <a:schemeClr val="bg1"/>
+        </a:solidFill>
+        <a:effectLst/>
+      </p:bgPr>
+    </p:bg>
     <p:spTree>
       <p:nvGrpSpPr>
         <p:cNvPr id="1" name=""/>
@@ -20616,6 +21240,61 @@
       </p:grpSpPr>
       <p:sp>
         <p:nvSpPr>
+          <p:cNvPr id="10" name="Rectangle 9">
+            <a:extLst>
+              <a:ext uri="{FF2B5EF4-FFF2-40B4-BE49-F238E27FC236}">
+                <a16:creationId xmlns:a16="http://schemas.microsoft.com/office/drawing/2014/main" id="{E844E128-FF69-4E9F-8327-6B504B3C5AE1}"/>
+              </a:ext>
+              <a:ext uri="{C183D7F6-B498-43B3-948B-1728B52AA6E4}">
+                <adec:decorative xmlns:adec="http://schemas.microsoft.com/office/drawing/2017/decorative" val="1"/>
+              </a:ext>
+            </a:extLst>
+          </p:cNvPr>
+          <p:cNvSpPr>
+            <a:spLocks noGrp="1" noRot="1" noChangeAspect="1" noMove="1" noResize="1" noEditPoints="1" noAdjustHandles="1" noChangeArrowheads="1" noChangeShapeType="1" noTextEdit="1"/>
+          </p:cNvSpPr>
+          <p:nvPr>
+            <p:extLst>
+              <p:ext uri="{386F3935-93C4-4BCD-93E2-E3B085C9AB24}">
+                <p16:designElem xmlns:p16="http://schemas.microsoft.com/office/powerpoint/2015/main" val="1"/>
+              </p:ext>
+            </p:extLst>
+          </p:nvPr>
+        </p:nvSpPr>
+        <p:spPr bwMode="white">
+          <a:xfrm>
+            <a:off x="15" y="0"/>
+            <a:ext cx="12191985" cy="6858000"/>
+          </a:xfrm>
+          <a:prstGeom prst="rect">
+            <a:avLst/>
+          </a:prstGeom>
+          <a:solidFill>
+            <a:srgbClr val="262626"/>
+          </a:solidFill>
+          <a:ln>
+            <a:noFill/>
+          </a:ln>
+        </p:spPr>
+        <p:style>
+          <a:lnRef idx="2">
+            <a:schemeClr val="accent1">
+              <a:shade val="50000"/>
+            </a:schemeClr>
+          </a:lnRef>
+          <a:fillRef idx="1">
+            <a:schemeClr val="accent1"/>
+          </a:fillRef>
+          <a:effectRef idx="0">
+            <a:schemeClr val="accent1"/>
+          </a:effectRef>
+          <a:fontRef idx="minor">
+            <a:schemeClr val="lt1"/>
+          </a:fontRef>
+        </p:style>
+      </p:sp>
+      <p:sp>
+        <p:nvSpPr>
           <p:cNvPr id="2" name="Title 1">
             <a:extLst>
               <a:ext uri="{FF2B5EF4-FFF2-40B4-BE49-F238E27FC236}">
@@ -20630,17 +21309,22 @@
             <p:ph type="title"/>
           </p:nvPr>
         </p:nvSpPr>
-        <p:spPr/>
+        <p:spPr>
+          <a:xfrm>
+            <a:off x="643467" y="516835"/>
+            <a:ext cx="3448259" cy="1666501"/>
+          </a:xfrm>
+        </p:spPr>
         <p:txBody>
-          <a:bodyPr/>
+          <a:bodyPr>
+            <a:normAutofit/>
+          </a:bodyPr>
           <a:lstStyle/>
           <a:p>
             <a:r>
-              <a:rPr lang="en-US" dirty="0">
-                <a:solidFill>
-                  <a:schemeClr val="bg1">
-                    <a:lumMod val="95000"/>
-                  </a:schemeClr>
+              <a:rPr lang="en-US" sz="4000">
+                <a:solidFill>
+                  <a:srgbClr val="FFFFFF"/>
                 </a:solidFill>
               </a:rPr>
               <a:t>Separation of Duties</a:t>
@@ -20648,6 +21332,58 @@
           </a:p>
         </p:txBody>
       </p:sp>
+      <p:cxnSp>
+        <p:nvCxnSpPr>
+          <p:cNvPr id="12" name="Straight Connector 11">
+            <a:extLst>
+              <a:ext uri="{FF2B5EF4-FFF2-40B4-BE49-F238E27FC236}">
+                <a16:creationId xmlns:a16="http://schemas.microsoft.com/office/drawing/2014/main" id="{055CEADF-09EA-423C-8C45-F94AF44D5AF0}"/>
+              </a:ext>
+              <a:ext uri="{C183D7F6-B498-43B3-948B-1728B52AA6E4}">
+                <adec:decorative xmlns:adec="http://schemas.microsoft.com/office/drawing/2017/decorative" val="1"/>
+              </a:ext>
+            </a:extLst>
+          </p:cNvPr>
+          <p:cNvCxnSpPr>
+            <a:cxnSpLocks noGrp="1" noRot="1" noChangeAspect="1" noMove="1" noResize="1" noEditPoints="1" noAdjustHandles="1" noChangeArrowheads="1" noChangeShapeType="1"/>
+          </p:cNvCxnSpPr>
+          <p:nvPr>
+            <p:extLst>
+              <p:ext uri="{386F3935-93C4-4BCD-93E2-E3B085C9AB24}">
+                <p16:designElem xmlns:p16="http://schemas.microsoft.com/office/powerpoint/2015/main" val="1"/>
+              </p:ext>
+            </p:extLst>
+          </p:nvPr>
+        </p:nvCxnSpPr>
+        <p:spPr>
+          <a:xfrm>
+            <a:off x="723686" y="2353592"/>
+            <a:ext cx="3291840" cy="0"/>
+          </a:xfrm>
+          <a:prstGeom prst="line">
+            <a:avLst/>
+          </a:prstGeom>
+          <a:ln w="19050">
+            <a:solidFill>
+              <a:schemeClr val="accent1"/>
+            </a:solidFill>
+          </a:ln>
+        </p:spPr>
+        <p:style>
+          <a:lnRef idx="1">
+            <a:schemeClr val="accent1"/>
+          </a:lnRef>
+          <a:fillRef idx="0">
+            <a:schemeClr val="accent1"/>
+          </a:fillRef>
+          <a:effectRef idx="0">
+            <a:schemeClr val="accent1"/>
+          </a:effectRef>
+          <a:fontRef idx="minor">
+            <a:schemeClr val="tx1"/>
+          </a:fontRef>
+        </p:style>
+      </p:cxnSp>
       <p:sp>
         <p:nvSpPr>
           <p:cNvPr id="3" name="Content Placeholder 2">
@@ -20666,49 +21402,49 @@
         </p:nvSpPr>
         <p:spPr>
           <a:xfrm>
-            <a:off x="1097280" y="2108201"/>
-            <a:ext cx="10058400" cy="3820651"/>
+            <a:off x="643467" y="2546224"/>
+            <a:ext cx="3448259" cy="3342747"/>
           </a:xfrm>
         </p:spPr>
         <p:txBody>
           <a:bodyPr>
-            <a:normAutofit/>
+            <a:noAutofit/>
           </a:bodyPr>
           <a:lstStyle/>
-          <a:p>
-            <a:r>
-              <a:rPr lang="en-US" dirty="0">
-                <a:solidFill>
-                  <a:schemeClr val="bg1">
-                    <a:lumMod val="95000"/>
-                  </a:schemeClr>
-                </a:solidFill>
-              </a:rPr>
-              <a:t>Concentration of Power on one hand can be dangerous</a:t>
-            </a:r>
-          </a:p>
           <a:p>
             <a:pPr marL="0" indent="0">
               <a:buNone/>
             </a:pPr>
             <a:r>
-              <a:rPr lang="en-US" dirty="0">
-                <a:solidFill>
-                  <a:schemeClr val="bg1">
-                    <a:lumMod val="95000"/>
-                  </a:schemeClr>
-                </a:solidFill>
-              </a:rPr>
-              <a:t>  Tasks are assigned to individuals in such a manner that no one individual can control a process from start to finish.</a:t>
-            </a:r>
-          </a:p>
-          <a:p>
-            <a:r>
-              <a:rPr lang="en-US" dirty="0">
-                <a:solidFill>
-                  <a:schemeClr val="bg1">
-                    <a:lumMod val="95000"/>
-                  </a:schemeClr>
+              <a:rPr lang="en-US" sz="2000" dirty="0">
+                <a:solidFill>
+                  <a:srgbClr val="FFFFFF"/>
+                </a:solidFill>
+              </a:rPr>
+              <a:t>Concentration of Power on one hand can be dangerous</a:t>
+            </a:r>
+          </a:p>
+          <a:p>
+            <a:pPr marL="0" indent="0">
+              <a:buNone/>
+            </a:pPr>
+            <a:r>
+              <a:rPr lang="en-US" sz="2000" dirty="0">
+                <a:solidFill>
+                  <a:srgbClr val="FFFFFF"/>
+                </a:solidFill>
+              </a:rPr>
+              <a:t>Tasks are assigned to individuals in such a manner that no one individual can control a process from start to finish.</a:t>
+            </a:r>
+          </a:p>
+          <a:p>
+            <a:pPr marL="0" indent="0">
+              <a:buNone/>
+            </a:pPr>
+            <a:r>
+              <a:rPr lang="en-US" sz="2000" dirty="0">
+                <a:solidFill>
+                  <a:srgbClr val="FFFFFF"/>
                 </a:solidFill>
               </a:rPr>
               <a:t>Requires 2 or more-person permission to complete a task</a:t>
@@ -20716,6 +21452,35 @@
           </a:p>
         </p:txBody>
       </p:sp>
+      <p:pic>
+        <p:nvPicPr>
+          <p:cNvPr id="5" name="Picture 4">
+            <a:extLst>
+              <a:ext uri="{FF2B5EF4-FFF2-40B4-BE49-F238E27FC236}">
+                <a16:creationId xmlns:a16="http://schemas.microsoft.com/office/drawing/2014/main" id="{8155310F-3FE2-EBCE-BC41-7DE8B6071B37}"/>
+              </a:ext>
+            </a:extLst>
+          </p:cNvPr>
+          <p:cNvPicPr>
+            <a:picLocks noChangeAspect="1"/>
+          </p:cNvPicPr>
+          <p:nvPr/>
+        </p:nvPicPr>
+        <p:blipFill rotWithShape="1">
+          <a:blip r:embed="rId2"/>
+          <a:srcRect l="17576" r="11258" b="1"/>
+          <a:stretch/>
+        </p:blipFill>
+        <p:spPr>
+          <a:xfrm>
+            <a:off x="4654296" y="10"/>
+            <a:ext cx="7537703" cy="6857990"/>
+          </a:xfrm>
+          <a:prstGeom prst="rect">
+            <a:avLst/>
+          </a:prstGeom>
+        </p:spPr>
+      </p:pic>
     </p:spTree>
     <p:extLst>
       <p:ext uri="{BB962C8B-B14F-4D97-AF65-F5344CB8AC3E}">
@@ -20724,12 +21489,12 @@
     </p:extLst>
   </p:cSld>
   <p:clrMapOvr>
-    <a:masterClrMapping/>
+    <a:overrideClrMapping bg1="dk1" tx1="lt1" bg2="dk2" tx2="lt2" accent1="accent1" accent2="accent2" accent3="accent3" accent4="accent4" accent5="accent5" accent6="accent6" hlink="hlink" folHlink="folHlink"/>
   </p:clrMapOvr>
 </p:sld>
 </file>
 
-<file path=ppt/slides/slide45.xml><?xml version="1.0" encoding="utf-8"?>
+<file path=ppt/slides/slide46.xml><?xml version="1.0" encoding="utf-8"?>
 <p:sld xmlns:a="http://schemas.openxmlformats.org/drawingml/2006/main" xmlns:r="http://schemas.openxmlformats.org/officeDocument/2006/relationships" xmlns:p="http://schemas.openxmlformats.org/presentationml/2006/main">
   <p:cSld>
     <p:spTree>
@@ -20805,7 +21570,7 @@
               <a:buNone/>
             </a:pPr>
             <a:r>
-              <a:rPr lang="en-US" dirty="0">
+              <a:rPr lang="en-US" sz="2400" dirty="0">
                 <a:solidFill>
                   <a:schemeClr val="bg1">
                     <a:lumMod val="95000"/>
@@ -20819,8 +21584,20 @@
             <a:pPr marL="0" indent="0">
               <a:buNone/>
             </a:pPr>
-            <a:r>
-              <a:rPr lang="en-US" dirty="0">
+            <a:endParaRPr lang="en-US" sz="2400" dirty="0">
+              <a:solidFill>
+                <a:schemeClr val="bg1">
+                  <a:lumMod val="95000"/>
+                </a:schemeClr>
+              </a:solidFill>
+            </a:endParaRPr>
+          </a:p>
+          <a:p>
+            <a:pPr marL="0" indent="0">
+              <a:buNone/>
+            </a:pPr>
+            <a:r>
+              <a:rPr lang="en-US" sz="2400" dirty="0">
                 <a:solidFill>
                   <a:schemeClr val="bg1">
                     <a:lumMod val="95000"/>
@@ -20834,15 +21611,27 @@
             <a:pPr marL="0" indent="0">
               <a:buNone/>
             </a:pPr>
-            <a:r>
-              <a:rPr lang="en-US" dirty="0">
+            <a:endParaRPr lang="en-US" sz="2400" dirty="0">
+              <a:solidFill>
+                <a:schemeClr val="bg1">
+                  <a:lumMod val="95000"/>
+                </a:schemeClr>
+              </a:solidFill>
+            </a:endParaRPr>
+          </a:p>
+          <a:p>
+            <a:pPr marL="0" indent="0">
+              <a:buNone/>
+            </a:pPr>
+            <a:r>
+              <a:rPr lang="en-US" sz="2400" dirty="0">
                 <a:solidFill>
                   <a:schemeClr val="bg1">
                     <a:lumMod val="95000"/>
                   </a:schemeClr>
                 </a:solidFill>
               </a:rPr>
-              <a:t>1 person can modify the firewall configuration file and the other person can push it to production</a:t>
+              <a:t>1 person can modify the firewall configuration file and the other person can push it into production</a:t>
             </a:r>
           </a:p>
           <a:p>
@@ -20872,7 +21661,7 @@
 </p:sld>
 </file>
 
-<file path=ppt/slides/slide46.xml><?xml version="1.0" encoding="utf-8"?>
+<file path=ppt/slides/slide47.xml><?xml version="1.0" encoding="utf-8"?>
 <p:sld xmlns:a="http://schemas.openxmlformats.org/drawingml/2006/main" xmlns:r="http://schemas.openxmlformats.org/officeDocument/2006/relationships" xmlns:p="http://schemas.openxmlformats.org/presentationml/2006/main">
   <p:cSld>
     <p:spTree>
@@ -20945,7 +21734,7 @@
           <a:lstStyle/>
           <a:p>
             <a:r>
-              <a:rPr lang="en-US" dirty="0">
+              <a:rPr lang="en-US" sz="2800" dirty="0">
                 <a:solidFill>
                   <a:schemeClr val="bg1">
                     <a:lumMod val="95000"/>
@@ -20954,6 +21743,15 @@
               </a:rPr>
               <a:t>How can it help us?</a:t>
             </a:r>
+          </a:p>
+          <a:p>
+            <a:endParaRPr lang="en-US" sz="2800" dirty="0">
+              <a:solidFill>
+                <a:schemeClr val="bg1">
+                  <a:lumMod val="95000"/>
+                </a:schemeClr>
+              </a:solidFill>
+            </a:endParaRPr>
           </a:p>
           <a:p>
             <a:pPr>
@@ -20961,7 +21759,7 @@
               <a:buChar char="•"/>
             </a:pPr>
             <a:r>
-              <a:rPr lang="en-US" dirty="0">
+              <a:rPr lang="en-US" sz="2400" dirty="0">
                 <a:solidFill>
                   <a:schemeClr val="bg1">
                     <a:lumMod val="95000"/>
@@ -20977,7 +21775,7 @@
               <a:buChar char="•"/>
             </a:pPr>
             <a:r>
-              <a:rPr lang="en-US" dirty="0">
+              <a:rPr lang="en-US" sz="2400" dirty="0">
                 <a:solidFill>
                   <a:schemeClr val="bg1">
                     <a:lumMod val="95000"/>
@@ -20993,7 +21791,7 @@
               <a:buChar char="•"/>
             </a:pPr>
             <a:r>
-              <a:rPr lang="en-US" dirty="0">
+              <a:rPr lang="en-US" sz="2400" dirty="0">
                 <a:solidFill>
                   <a:schemeClr val="bg1">
                     <a:lumMod val="95000"/>
@@ -21027,7 +21825,7 @@
 </p:sld>
 </file>
 
-<file path=ppt/slides/slide47.xml><?xml version="1.0" encoding="utf-8"?>
+<file path=ppt/slides/slide48.xml><?xml version="1.0" encoding="utf-8"?>
 <p:sld xmlns:a="http://schemas.openxmlformats.org/drawingml/2006/main" xmlns:r="http://schemas.openxmlformats.org/officeDocument/2006/relationships" xmlns:p="http://schemas.openxmlformats.org/presentationml/2006/main">
   <p:cSld>
     <p:spTree>
@@ -21220,7 +22018,7 @@
 </p:sld>
 </file>
 
-<file path=ppt/slides/slide48.xml><?xml version="1.0" encoding="utf-8"?>
+<file path=ppt/slides/slide49.xml><?xml version="1.0" encoding="utf-8"?>
 <p:sld xmlns:a="http://schemas.openxmlformats.org/drawingml/2006/main" xmlns:r="http://schemas.openxmlformats.org/officeDocument/2006/relationships" xmlns:p="http://schemas.openxmlformats.org/presentationml/2006/main">
   <p:cSld>
     <p:spTree>
@@ -21297,7 +22095,7 @@
               <a:buChar char="•"/>
             </a:pPr>
             <a:r>
-              <a:rPr lang="en-US" dirty="0">
+              <a:rPr lang="en-US" sz="2400" dirty="0">
                 <a:solidFill>
                   <a:schemeClr val="bg1">
                     <a:lumMod val="95000"/>
@@ -21313,7 +22111,7 @@
               <a:buChar char="•"/>
             </a:pPr>
             <a:r>
-              <a:rPr lang="en-US" dirty="0">
+              <a:rPr lang="en-US" sz="2400" dirty="0">
                 <a:solidFill>
                   <a:schemeClr val="bg1">
                     <a:lumMod val="95000"/>
@@ -21329,7 +22127,7 @@
               <a:buChar char="•"/>
             </a:pPr>
             <a:r>
-              <a:rPr lang="en-US" dirty="0">
+              <a:rPr lang="en-US" sz="2400" dirty="0">
                 <a:solidFill>
                   <a:schemeClr val="bg1">
                     <a:lumMod val="95000"/>
@@ -21358,168 +22156,6 @@
     <p:extLst>
       <p:ext uri="{BB962C8B-B14F-4D97-AF65-F5344CB8AC3E}">
         <p14:creationId xmlns:p14="http://schemas.microsoft.com/office/powerpoint/2010/main" val="223609391"/>
-      </p:ext>
-    </p:extLst>
-  </p:cSld>
-  <p:clrMapOvr>
-    <a:masterClrMapping/>
-  </p:clrMapOvr>
-</p:sld>
-</file>
-
-<file path=ppt/slides/slide49.xml><?xml version="1.0" encoding="utf-8"?>
-<p:sld xmlns:a="http://schemas.openxmlformats.org/drawingml/2006/main" xmlns:r="http://schemas.openxmlformats.org/officeDocument/2006/relationships" xmlns:p="http://schemas.openxmlformats.org/presentationml/2006/main">
-  <p:cSld>
-    <p:spTree>
-      <p:nvGrpSpPr>
-        <p:cNvPr id="1" name=""/>
-        <p:cNvGrpSpPr/>
-        <p:nvPr/>
-      </p:nvGrpSpPr>
-      <p:grpSpPr>
-        <a:xfrm>
-          <a:off x="0" y="0"/>
-          <a:ext cx="0" cy="0"/>
-          <a:chOff x="0" y="0"/>
-          <a:chExt cx="0" cy="0"/>
-        </a:xfrm>
-      </p:grpSpPr>
-      <p:sp>
-        <p:nvSpPr>
-          <p:cNvPr id="2" name="Title 1">
-            <a:extLst>
-              <a:ext uri="{FF2B5EF4-FFF2-40B4-BE49-F238E27FC236}">
-                <a16:creationId xmlns:a16="http://schemas.microsoft.com/office/drawing/2014/main" id="{21315293-4E61-A138-32B6-7AE1A67B3907}"/>
-              </a:ext>
-            </a:extLst>
-          </p:cNvPr>
-          <p:cNvSpPr>
-            <a:spLocks noGrp="1"/>
-          </p:cNvSpPr>
-          <p:nvPr>
-            <p:ph type="title"/>
-          </p:nvPr>
-        </p:nvSpPr>
-        <p:spPr/>
-        <p:txBody>
-          <a:bodyPr/>
-          <a:lstStyle/>
-          <a:p>
-            <a:r>
-              <a:rPr lang="en-US" dirty="0">
-                <a:solidFill>
-                  <a:schemeClr val="bg1">
-                    <a:lumMod val="95000"/>
-                  </a:schemeClr>
-                </a:solidFill>
-              </a:rPr>
-              <a:t>What should be always monitored</a:t>
-            </a:r>
-          </a:p>
-        </p:txBody>
-      </p:sp>
-      <p:sp>
-        <p:nvSpPr>
-          <p:cNvPr id="3" name="Content Placeholder 2">
-            <a:extLst>
-              <a:ext uri="{FF2B5EF4-FFF2-40B4-BE49-F238E27FC236}">
-                <a16:creationId xmlns:a16="http://schemas.microsoft.com/office/drawing/2014/main" id="{04FAA8DE-7ACA-66E2-C2C1-46303F35EA2F}"/>
-              </a:ext>
-            </a:extLst>
-          </p:cNvPr>
-          <p:cNvSpPr>
-            <a:spLocks noGrp="1"/>
-          </p:cNvSpPr>
-          <p:nvPr>
-            <p:ph idx="1"/>
-          </p:nvPr>
-        </p:nvSpPr>
-        <p:spPr/>
-        <p:txBody>
-          <a:bodyPr/>
-          <a:lstStyle/>
-          <a:p>
-            <a:pPr>
-              <a:buFont typeface="Arial" panose="020B0604020202020204" pitchFamily="34" charset="0"/>
-              <a:buChar char="•"/>
-            </a:pPr>
-            <a:r>
-              <a:rPr lang="en-US" dirty="0">
-                <a:solidFill>
-                  <a:schemeClr val="bg1">
-                    <a:lumMod val="95000"/>
-                  </a:schemeClr>
-                </a:solidFill>
-              </a:rPr>
-              <a:t> Successful Access</a:t>
-            </a:r>
-          </a:p>
-          <a:p>
-            <a:pPr>
-              <a:buFont typeface="Arial" panose="020B0604020202020204" pitchFamily="34" charset="0"/>
-              <a:buChar char="•"/>
-            </a:pPr>
-            <a:r>
-              <a:rPr lang="en-US" dirty="0">
-                <a:solidFill>
-                  <a:schemeClr val="bg1">
-                    <a:lumMod val="95000"/>
-                  </a:schemeClr>
-                </a:solidFill>
-              </a:rPr>
-              <a:t> Failed Access</a:t>
-            </a:r>
-          </a:p>
-          <a:p>
-            <a:pPr>
-              <a:buFont typeface="Arial" panose="020B0604020202020204" pitchFamily="34" charset="0"/>
-              <a:buChar char="•"/>
-            </a:pPr>
-            <a:r>
-              <a:rPr lang="en-US" dirty="0">
-                <a:solidFill>
-                  <a:schemeClr val="bg1">
-                    <a:lumMod val="95000"/>
-                  </a:schemeClr>
-                </a:solidFill>
-              </a:rPr>
-              <a:t> Privileged Operations</a:t>
-            </a:r>
-          </a:p>
-          <a:p>
-            <a:pPr>
-              <a:buFont typeface="Arial" panose="020B0604020202020204" pitchFamily="34" charset="0"/>
-              <a:buChar char="•"/>
-            </a:pPr>
-            <a:endParaRPr lang="en-US" dirty="0">
-              <a:solidFill>
-                <a:schemeClr val="bg1">
-                  <a:lumMod val="95000"/>
-                </a:schemeClr>
-              </a:solidFill>
-            </a:endParaRPr>
-          </a:p>
-          <a:p>
-            <a:pPr marL="0" indent="0">
-              <a:buNone/>
-            </a:pPr>
-            <a:r>
-              <a:rPr lang="en-US" dirty="0">
-                <a:solidFill>
-                  <a:schemeClr val="bg1">
-                    <a:lumMod val="95000"/>
-                  </a:schemeClr>
-                </a:solidFill>
-              </a:rPr>
-              <a:t>Exceptions can be addressed by the COO</a:t>
-            </a:r>
-          </a:p>
-        </p:txBody>
-      </p:sp>
-    </p:spTree>
-    <p:extLst>
-      <p:ext uri="{BB962C8B-B14F-4D97-AF65-F5344CB8AC3E}">
-        <p14:creationId xmlns:p14="http://schemas.microsoft.com/office/powerpoint/2010/main" val="1684610065"/>
       </p:ext>
     </p:extLst>
   </p:cSld>
@@ -21839,7 +22475,7 @@
           <p:nvPr>
             <p:extLst>
               <p:ext uri="{D42A27DB-BD31-4B8C-83A1-F6EECF244321}">
-                <p14:modId xmlns:p14="http://schemas.microsoft.com/office/powerpoint/2010/main" val="1520093577"/>
+                <p14:modId xmlns:p14="http://schemas.microsoft.com/office/powerpoint/2010/main" val="1673920661"/>
               </p:ext>
             </p:extLst>
           </p:nvPr>
@@ -21889,6 +22525,168 @@
           <p:cNvPr id="2" name="Title 1">
             <a:extLst>
               <a:ext uri="{FF2B5EF4-FFF2-40B4-BE49-F238E27FC236}">
+                <a16:creationId xmlns:a16="http://schemas.microsoft.com/office/drawing/2014/main" id="{21315293-4E61-A138-32B6-7AE1A67B3907}"/>
+              </a:ext>
+            </a:extLst>
+          </p:cNvPr>
+          <p:cNvSpPr>
+            <a:spLocks noGrp="1"/>
+          </p:cNvSpPr>
+          <p:nvPr>
+            <p:ph type="title"/>
+          </p:nvPr>
+        </p:nvSpPr>
+        <p:spPr/>
+        <p:txBody>
+          <a:bodyPr/>
+          <a:lstStyle/>
+          <a:p>
+            <a:r>
+              <a:rPr lang="en-US" dirty="0">
+                <a:solidFill>
+                  <a:schemeClr val="bg1">
+                    <a:lumMod val="95000"/>
+                  </a:schemeClr>
+                </a:solidFill>
+              </a:rPr>
+              <a:t>What should be always monitored</a:t>
+            </a:r>
+          </a:p>
+        </p:txBody>
+      </p:sp>
+      <p:sp>
+        <p:nvSpPr>
+          <p:cNvPr id="3" name="Content Placeholder 2">
+            <a:extLst>
+              <a:ext uri="{FF2B5EF4-FFF2-40B4-BE49-F238E27FC236}">
+                <a16:creationId xmlns:a16="http://schemas.microsoft.com/office/drawing/2014/main" id="{04FAA8DE-7ACA-66E2-C2C1-46303F35EA2F}"/>
+              </a:ext>
+            </a:extLst>
+          </p:cNvPr>
+          <p:cNvSpPr>
+            <a:spLocks noGrp="1"/>
+          </p:cNvSpPr>
+          <p:nvPr>
+            <p:ph idx="1"/>
+          </p:nvPr>
+        </p:nvSpPr>
+        <p:spPr/>
+        <p:txBody>
+          <a:bodyPr/>
+          <a:lstStyle/>
+          <a:p>
+            <a:pPr>
+              <a:buFont typeface="Arial" panose="020B0604020202020204" pitchFamily="34" charset="0"/>
+              <a:buChar char="•"/>
+            </a:pPr>
+            <a:r>
+              <a:rPr lang="en-US" sz="2400" dirty="0">
+                <a:solidFill>
+                  <a:schemeClr val="bg1">
+                    <a:lumMod val="95000"/>
+                  </a:schemeClr>
+                </a:solidFill>
+              </a:rPr>
+              <a:t> Successful Access</a:t>
+            </a:r>
+          </a:p>
+          <a:p>
+            <a:pPr>
+              <a:buFont typeface="Arial" panose="020B0604020202020204" pitchFamily="34" charset="0"/>
+              <a:buChar char="•"/>
+            </a:pPr>
+            <a:r>
+              <a:rPr lang="en-US" sz="2400" dirty="0">
+                <a:solidFill>
+                  <a:schemeClr val="bg1">
+                    <a:lumMod val="95000"/>
+                  </a:schemeClr>
+                </a:solidFill>
+              </a:rPr>
+              <a:t> Failed Access</a:t>
+            </a:r>
+          </a:p>
+          <a:p>
+            <a:pPr>
+              <a:buFont typeface="Arial" panose="020B0604020202020204" pitchFamily="34" charset="0"/>
+              <a:buChar char="•"/>
+            </a:pPr>
+            <a:r>
+              <a:rPr lang="en-US" sz="2400" dirty="0">
+                <a:solidFill>
+                  <a:schemeClr val="bg1">
+                    <a:lumMod val="95000"/>
+                  </a:schemeClr>
+                </a:solidFill>
+              </a:rPr>
+              <a:t> Privileged Operations</a:t>
+            </a:r>
+          </a:p>
+          <a:p>
+            <a:pPr>
+              <a:buFont typeface="Arial" panose="020B0604020202020204" pitchFamily="34" charset="0"/>
+              <a:buChar char="•"/>
+            </a:pPr>
+            <a:endParaRPr lang="en-US" dirty="0">
+              <a:solidFill>
+                <a:schemeClr val="bg1">
+                  <a:lumMod val="95000"/>
+                </a:schemeClr>
+              </a:solidFill>
+            </a:endParaRPr>
+          </a:p>
+          <a:p>
+            <a:pPr marL="0" indent="0">
+              <a:buNone/>
+            </a:pPr>
+            <a:r>
+              <a:rPr lang="en-US" dirty="0">
+                <a:solidFill>
+                  <a:schemeClr val="bg1">
+                    <a:lumMod val="95000"/>
+                  </a:schemeClr>
+                </a:solidFill>
+              </a:rPr>
+              <a:t>Exceptions can be made by the COO</a:t>
+            </a:r>
+          </a:p>
+        </p:txBody>
+      </p:sp>
+    </p:spTree>
+    <p:extLst>
+      <p:ext uri="{BB962C8B-B14F-4D97-AF65-F5344CB8AC3E}">
+        <p14:creationId xmlns:p14="http://schemas.microsoft.com/office/powerpoint/2010/main" val="1684610065"/>
+      </p:ext>
+    </p:extLst>
+  </p:cSld>
+  <p:clrMapOvr>
+    <a:masterClrMapping/>
+  </p:clrMapOvr>
+</p:sld>
+</file>
+
+<file path=ppt/slides/slide51.xml><?xml version="1.0" encoding="utf-8"?>
+<p:sld xmlns:a="http://schemas.openxmlformats.org/drawingml/2006/main" xmlns:r="http://schemas.openxmlformats.org/officeDocument/2006/relationships" xmlns:p="http://schemas.openxmlformats.org/presentationml/2006/main">
+  <p:cSld>
+    <p:spTree>
+      <p:nvGrpSpPr>
+        <p:cNvPr id="1" name=""/>
+        <p:cNvGrpSpPr/>
+        <p:nvPr/>
+      </p:nvGrpSpPr>
+      <p:grpSpPr>
+        <a:xfrm>
+          <a:off x="0" y="0"/>
+          <a:ext cx="0" cy="0"/>
+          <a:chOff x="0" y="0"/>
+          <a:chExt cx="0" cy="0"/>
+        </a:xfrm>
+      </p:grpSpPr>
+      <p:sp>
+        <p:nvSpPr>
+          <p:cNvPr id="2" name="Title 1">
+            <a:extLst>
+              <a:ext uri="{FF2B5EF4-FFF2-40B4-BE49-F238E27FC236}">
                 <a16:creationId xmlns:a16="http://schemas.microsoft.com/office/drawing/2014/main" id="{FD275D10-5F5B-6011-267F-E496E2DEB46D}"/>
               </a:ext>
             </a:extLst>
@@ -21936,11 +22734,13 @@
         </p:nvSpPr>
         <p:spPr/>
         <p:txBody>
-          <a:bodyPr/>
+          <a:bodyPr>
+            <a:normAutofit/>
+          </a:bodyPr>
           <a:lstStyle/>
           <a:p>
             <a:r>
-              <a:rPr lang="en-US" dirty="0">
+              <a:rPr lang="en-US" sz="2000" dirty="0">
                 <a:solidFill>
                   <a:schemeClr val="bg1">
                     <a:lumMod val="95000"/>
@@ -21956,7 +22756,7 @@
               <a:buChar char="•"/>
             </a:pPr>
             <a:r>
-              <a:rPr lang="en-US" dirty="0">
+              <a:rPr lang="en-US" sz="1800" dirty="0">
                 <a:solidFill>
                   <a:schemeClr val="bg1">
                     <a:lumMod val="95000"/>
@@ -21972,7 +22772,7 @@
               <a:buChar char="•"/>
             </a:pPr>
             <a:r>
-              <a:rPr lang="en-US" dirty="0">
+              <a:rPr lang="en-US" sz="1800" dirty="0">
                 <a:solidFill>
                   <a:schemeClr val="bg1">
                     <a:lumMod val="95000"/>
@@ -21988,7 +22788,7 @@
               <a:buChar char="•"/>
             </a:pPr>
             <a:r>
-              <a:rPr lang="en-US" dirty="0">
+              <a:rPr lang="en-US" sz="1800" dirty="0">
                 <a:solidFill>
                   <a:schemeClr val="bg1">
                     <a:lumMod val="95000"/>
@@ -22002,7 +22802,7 @@
             <a:pPr marL="201168" lvl="1" indent="0">
               <a:buNone/>
             </a:pPr>
-            <a:endParaRPr lang="en-US" dirty="0">
+            <a:endParaRPr lang="en-US" sz="1800" dirty="0">
               <a:solidFill>
                 <a:schemeClr val="bg1">
                   <a:lumMod val="95000"/>
@@ -22015,7 +22815,7 @@
               <a:buNone/>
             </a:pPr>
             <a:r>
-              <a:rPr lang="en-US" dirty="0">
+              <a:rPr lang="en-US" sz="2000" dirty="0">
                 <a:solidFill>
                   <a:schemeClr val="bg1">
                     <a:lumMod val="95000"/>
@@ -22029,7 +22829,7 @@
             <a:pPr marL="201168" lvl="1" indent="0">
               <a:buNone/>
             </a:pPr>
-            <a:endParaRPr lang="en-US" dirty="0">
+            <a:endParaRPr lang="en-US" sz="2000" dirty="0">
               <a:solidFill>
                 <a:schemeClr val="bg1">
                   <a:lumMod val="95000"/>
@@ -22042,7 +22842,7 @@
               <a:buNone/>
             </a:pPr>
             <a:r>
-              <a:rPr lang="en-US" dirty="0">
+              <a:rPr lang="en-US" sz="2000" dirty="0">
                 <a:solidFill>
                   <a:schemeClr val="bg1">
                     <a:lumMod val="95000"/>
@@ -22067,7 +22867,7 @@
 </p:sld>
 </file>
 
-<file path=ppt/slides/slide51.xml><?xml version="1.0" encoding="utf-8"?>
+<file path=ppt/slides/slide52.xml><?xml version="1.0" encoding="utf-8"?>
 <p:sld xmlns:a="http://schemas.openxmlformats.org/drawingml/2006/main" xmlns:r="http://schemas.openxmlformats.org/officeDocument/2006/relationships" xmlns:p="http://schemas.openxmlformats.org/presentationml/2006/main">
   <p:cSld>
     <p:spTree>

--- a/Access Control.pptx
+++ b/Access Control.pptx
@@ -3007,11 +3007,7 @@
         <a:bodyPr/>
         <a:lstStyle/>
         <a:p>
-          <a:r>
-            <a:rPr lang="en-CA" b="0"/>
-            <a:t>4.  Identities can be location-based. A process for authenticating someone based on his or her location.</a:t>
-          </a:r>
-          <a:endParaRPr lang="en-US"/>
+          <a:endParaRPr lang="en-US" dirty="0"/>
         </a:p>
       </dgm:t>
     </dgm:pt>
@@ -3107,7 +3103,7 @@
       <dgm:spPr/>
     </dgm:pt>
     <dgm:pt modelId="{15A287F3-1860-4074-AFE6-DC2A10E6A946}" type="pres">
-      <dgm:prSet presAssocID="{0BC30010-91FB-42BA-8065-39C727CE2F1B}" presName="node" presStyleLbl="node1" presStyleIdx="5" presStyleCnt="6">
+      <dgm:prSet presAssocID="{0BC30010-91FB-42BA-8065-39C727CE2F1B}" presName="node" presStyleLbl="node1" presStyleIdx="5" presStyleCnt="6" custScaleY="58011">
         <dgm:presLayoutVars>
           <dgm:bulletEnabled val="1"/>
         </dgm:presLayoutVars>
@@ -4122,8 +4118,8 @@
       </dsp:nvSpPr>
       <dsp:spPr>
         <a:xfrm>
-          <a:off x="6773703" y="2038415"/>
-          <a:ext cx="2907506" cy="1744503"/>
+          <a:off x="6773703" y="2404665"/>
+          <a:ext cx="2907506" cy="1012004"/>
         </a:xfrm>
         <a:prstGeom prst="rect">
           <a:avLst/>
@@ -4182,16 +4178,12 @@
             </a:spcAft>
             <a:buNone/>
           </a:pPr>
-          <a:r>
-            <a:rPr lang="en-CA" sz="1900" b="0" kern="1200"/>
-            <a:t>4.  Identities can be location-based. A process for authenticating someone based on his or her location.</a:t>
-          </a:r>
-          <a:endParaRPr lang="en-US" sz="1900" kern="1200"/>
+          <a:endParaRPr lang="en-US" sz="1900" kern="1200" dirty="0"/>
         </a:p>
       </dsp:txBody>
       <dsp:txXfrm>
-        <a:off x="6773703" y="2038415"/>
-        <a:ext cx="2907506" cy="1744503"/>
+        <a:off x="6773703" y="2404665"/>
+        <a:ext cx="2907506" cy="1012004"/>
       </dsp:txXfrm>
     </dsp:sp>
   </dsp:spTree>
@@ -14101,7 +14093,7 @@
         <p:spPr>
           <a:xfrm>
             <a:off x="195811" y="2344675"/>
-            <a:ext cx="12105736" cy="3567387"/>
+            <a:ext cx="12105736" cy="1920782"/>
           </a:xfrm>
           <a:prstGeom prst="rect">
             <a:avLst/>
@@ -14131,8 +14123,15 @@
                 <a:ea typeface="Calibri" panose="020F0502020204030204" pitchFamily="34" charset="0"/>
                 <a:cs typeface="Times New Roman" panose="02020603050405020304" pitchFamily="18" charset="0"/>
               </a:rPr>
-              <a:t>Accountability or audit are the last two components of the access control system. Your system can offer logs at this point so that users and permissions can be audited. By doing this, you can track what happened if something goes wrong, including what data was accessed or downloaded and how long each task took.</a:t>
-            </a:r>
+              <a:t>Accounting is the process of auditing and monitoring. It is important to be aware of accounting because of the great help it provides during the detection and investigation of cybersecurity breaches.</a:t>
+            </a:r>
+            <a:endParaRPr lang="en-CA" sz="2000" dirty="0">
+              <a:solidFill>
+                <a:schemeClr val="bg2"/>
+              </a:solidFill>
+              <a:ea typeface="Calibri" panose="020F0502020204030204" pitchFamily="34" charset="0"/>
+              <a:cs typeface="Times New Roman" panose="02020603050405020304" pitchFamily="18" charset="0"/>
+            </a:endParaRPr>
           </a:p>
           <a:p>
             <a:pPr>
@@ -14143,76 +14142,17 @@
                 <a:spcPts val="800"/>
               </a:spcAft>
             </a:pPr>
-            <a:r>
-              <a:rPr lang="en-CA" sz="2000" dirty="0">
-                <a:solidFill>
-                  <a:schemeClr val="bg2"/>
-                </a:solidFill>
-                <a:effectLst/>
-                <a:ea typeface="Calibri" panose="020F0502020204030204" pitchFamily="34" charset="0"/>
-                <a:cs typeface="Times New Roman" panose="02020603050405020304" pitchFamily="18" charset="0"/>
-              </a:rPr>
-              <a:t>An authorization policy should implement two concepts:</a:t>
-            </a:r>
-          </a:p>
-          <a:p>
-            <a:pPr marL="342900" lvl="0" indent="-342900">
-              <a:lnSpc>
-                <a:spcPct val="107000"/>
-              </a:lnSpc>
-              <a:buFont typeface="+mj-lt"/>
-              <a:buAutoNum type="arabicPeriod"/>
-            </a:pPr>
-            <a:r>
-              <a:rPr lang="en-CA" sz="2000" dirty="0">
-                <a:solidFill>
-                  <a:schemeClr val="bg2"/>
-                </a:solidFill>
-                <a:effectLst/>
-                <a:ea typeface="Calibri" panose="020F0502020204030204" pitchFamily="34" charset="0"/>
-                <a:cs typeface="Times New Roman" panose="02020603050405020304" pitchFamily="18" charset="0"/>
-              </a:rPr>
-              <a:t> Implicit deny: If no rule is specified for the transaction of the subject/object, the authorization policy should deny the transaction.</a:t>
-            </a:r>
-          </a:p>
-          <a:p>
-            <a:pPr marL="457200">
-              <a:lnSpc>
-                <a:spcPct val="107000"/>
-              </a:lnSpc>
-            </a:pPr>
-            <a:r>
-              <a:rPr lang="en-CA" sz="2000" dirty="0">
-                <a:solidFill>
-                  <a:schemeClr val="bg2"/>
-                </a:solidFill>
-                <a:effectLst/>
-                <a:ea typeface="Calibri" panose="020F0502020204030204" pitchFamily="34" charset="0"/>
-                <a:cs typeface="Times New Roman" panose="02020603050405020304" pitchFamily="18" charset="0"/>
-              </a:rPr>
-              <a:t> </a:t>
-            </a:r>
-          </a:p>
-          <a:p>
-            <a:pPr lvl="0">
-              <a:lnSpc>
-                <a:spcPct val="107000"/>
-              </a:lnSpc>
-            </a:pPr>
-            <a:r>
-              <a:rPr lang="en-CA" sz="2000" dirty="0">
-                <a:solidFill>
-                  <a:schemeClr val="bg2"/>
-                </a:solidFill>
-                <a:effectLst/>
-                <a:ea typeface="Calibri" panose="020F0502020204030204" pitchFamily="34" charset="0"/>
-                <a:cs typeface="Times New Roman" panose="02020603050405020304" pitchFamily="18" charset="0"/>
-              </a:rPr>
-              <a:t>2. Need-to-know: A subject should be granted access to an object only if the access is needed to carry out the job of the subject.</a:t>
-            </a:r>
-          </a:p>
-          <a:p>
-            <a:pPr marL="457200">
+            <a:endParaRPr lang="en-CA" sz="2000" dirty="0">
+              <a:solidFill>
+                <a:schemeClr val="bg2"/>
+              </a:solidFill>
+              <a:effectLst/>
+              <a:ea typeface="Calibri" panose="020F0502020204030204" pitchFamily="34" charset="0"/>
+              <a:cs typeface="Times New Roman" panose="02020603050405020304" pitchFamily="18" charset="0"/>
+            </a:endParaRPr>
+          </a:p>
+          <a:p>
+            <a:pPr>
               <a:lnSpc>
                 <a:spcPct val="107000"/>
               </a:lnSpc>
@@ -14225,12 +14165,19 @@
                 <a:solidFill>
                   <a:schemeClr val="bg2"/>
                 </a:solidFill>
-                <a:effectLst/>
                 <a:ea typeface="Calibri" panose="020F0502020204030204" pitchFamily="34" charset="0"/>
                 <a:cs typeface="Times New Roman" panose="02020603050405020304" pitchFamily="18" charset="0"/>
               </a:rPr>
-              <a:t> </a:t>
-            </a:r>
+              <a:t>When accounting is implemented, an audit trail log is created and stored that details when the user has accessed the resource.</a:t>
+            </a:r>
+            <a:endParaRPr lang="en-CA" sz="2000" dirty="0">
+              <a:solidFill>
+                <a:schemeClr val="bg2"/>
+              </a:solidFill>
+              <a:effectLst/>
+              <a:ea typeface="Calibri" panose="020F0502020204030204" pitchFamily="34" charset="0"/>
+              <a:cs typeface="Times New Roman" panose="02020603050405020304" pitchFamily="18" charset="0"/>
+            </a:endParaRPr>
           </a:p>
         </p:txBody>
       </p:sp>
@@ -14280,7 +14227,7 @@
                 <a:ea typeface="Calibri" panose="020F0502020204030204" pitchFamily="34" charset="0"/>
                 <a:cs typeface="Times New Roman" panose="02020603050405020304" pitchFamily="18" charset="0"/>
               </a:rPr>
-              <a:t>Accountability Or Auditing</a:t>
+              <a:t>Accounting</a:t>
             </a:r>
           </a:p>
         </p:txBody>
@@ -22475,7 +22422,7 @@
           <p:nvPr>
             <p:extLst>
               <p:ext uri="{D42A27DB-BD31-4B8C-83A1-F6EECF244321}">
-                <p14:modId xmlns:p14="http://schemas.microsoft.com/office/powerpoint/2010/main" val="1673920661"/>
+                <p14:modId xmlns:p14="http://schemas.microsoft.com/office/powerpoint/2010/main" val="770368180"/>
               </p:ext>
             </p:extLst>
           </p:nvPr>
@@ -23277,7 +23224,7 @@
         <p:spPr>
           <a:xfrm>
             <a:off x="362309" y="428179"/>
-            <a:ext cx="8779534" cy="5416868"/>
+            <a:ext cx="8779534" cy="5570756"/>
           </a:xfrm>
           <a:prstGeom prst="rect">
             <a:avLst/>
@@ -23339,7 +23286,7 @@
           </a:p>
           <a:p>
             <a:r>
-              <a:rPr lang="en-CA" sz="2000" dirty="0">
+              <a:rPr lang="en-CA" sz="2400" dirty="0">
                 <a:solidFill>
                   <a:schemeClr val="bg1">
                     <a:lumMod val="95000"/>
@@ -23351,7 +23298,7 @@
             </a:r>
           </a:p>
           <a:p>
-            <a:endParaRPr lang="en-CA" sz="1800" dirty="0">
+            <a:endParaRPr lang="en-CA" sz="2400" dirty="0">
               <a:solidFill>
                 <a:schemeClr val="bg1">
                   <a:lumMod val="95000"/>
@@ -23367,7 +23314,7 @@
               <a:buAutoNum type="arabicPeriod"/>
             </a:pPr>
             <a:r>
-              <a:rPr lang="en-CA" sz="1800" b="0" dirty="0">
+              <a:rPr lang="en-CA" sz="2400" b="0" dirty="0">
                 <a:solidFill>
                   <a:schemeClr val="bg1">
                     <a:lumMod val="95000"/>
@@ -23384,7 +23331,7 @@
               <a:buFont typeface="+mj-lt"/>
               <a:buAutoNum type="arabicPeriod"/>
             </a:pPr>
-            <a:endParaRPr lang="en-CA" sz="1800" b="1" dirty="0">
+            <a:endParaRPr lang="en-CA" sz="2400" b="1" dirty="0">
               <a:solidFill>
                 <a:schemeClr val="bg1">
                   <a:lumMod val="95000"/>
@@ -23400,7 +23347,7 @@
               <a:buAutoNum type="arabicPeriod"/>
             </a:pPr>
             <a:r>
-              <a:rPr lang="en-CA" sz="1800" b="0" dirty="0">
+              <a:rPr lang="en-CA" sz="2400" b="0" dirty="0">
                 <a:solidFill>
                   <a:schemeClr val="bg1">
                     <a:lumMod val="95000"/>
@@ -23417,7 +23364,7 @@
               <a:buFont typeface="+mj-lt"/>
               <a:buAutoNum type="arabicPeriod"/>
             </a:pPr>
-            <a:endParaRPr lang="en-CA" sz="1800" b="1" dirty="0">
+            <a:endParaRPr lang="en-CA" sz="2400" b="1" dirty="0">
               <a:solidFill>
                 <a:schemeClr val="bg1">
                   <a:lumMod val="95000"/>
@@ -23428,12 +23375,9 @@
             </a:endParaRPr>
           </a:p>
           <a:p>
-            <a:pPr marL="342900" lvl="0" indent="-342900">
-              <a:buFont typeface="+mj-lt"/>
-              <a:buAutoNum type="arabicPeriod"/>
-            </a:pPr>
-            <a:r>
-              <a:rPr lang="en-CA" sz="1800" b="0" dirty="0">
+            <a:pPr lvl="0"/>
+            <a:r>
+              <a:rPr lang="en-CA" sz="2400" b="0" dirty="0">
                 <a:solidFill>
                   <a:schemeClr val="bg1">
                     <a:lumMod val="95000"/>
@@ -23442,75 +23386,9 @@
                 <a:effectLst/>
                 <a:ea typeface="Times New Roman" panose="02020603050405020304" pitchFamily="18" charset="0"/>
               </a:rPr>
-              <a:t>Access permissions must be based on the minimum required to perform the</a:t>
-            </a:r>
-            <a:endParaRPr lang="en-CA" sz="1800" b="1" dirty="0">
-              <a:solidFill>
-                <a:schemeClr val="bg1">
-                  <a:lumMod val="95000"/>
-                </a:schemeClr>
-              </a:solidFill>
-              <a:effectLst/>
-              <a:ea typeface="Times New Roman" panose="02020603050405020304" pitchFamily="18" charset="0"/>
-            </a:endParaRPr>
-          </a:p>
-          <a:p>
-            <a:pPr marL="457200"/>
-            <a:r>
-              <a:rPr lang="en-CA" sz="1800" b="0" dirty="0">
-                <a:solidFill>
-                  <a:schemeClr val="bg1">
-                    <a:lumMod val="95000"/>
-                  </a:schemeClr>
-                </a:solidFill>
-                <a:effectLst/>
-                <a:ea typeface="Times New Roman" panose="02020603050405020304" pitchFamily="18" charset="0"/>
-              </a:rPr>
-              <a:t> job or program function. </a:t>
-            </a:r>
-          </a:p>
-          <a:p>
-            <a:pPr marL="457200"/>
-            <a:endParaRPr lang="en-CA" sz="1800" b="1" dirty="0">
-              <a:solidFill>
-                <a:schemeClr val="bg1">
-                  <a:lumMod val="95000"/>
-                </a:schemeClr>
-              </a:solidFill>
-              <a:effectLst/>
-              <a:ea typeface="Times New Roman" panose="02020603050405020304" pitchFamily="18" charset="0"/>
-            </a:endParaRPr>
-          </a:p>
-          <a:p>
-            <a:pPr lvl="0"/>
-            <a:r>
-              <a:rPr lang="en-CA" sz="1800" b="0" dirty="0">
-                <a:solidFill>
-                  <a:schemeClr val="bg1">
-                    <a:lumMod val="95000"/>
-                  </a:schemeClr>
-                </a:solidFill>
-                <a:effectLst/>
-                <a:ea typeface="Times New Roman" panose="02020603050405020304" pitchFamily="18" charset="0"/>
-              </a:rPr>
-              <a:t>4.    Information and information system owners are responsible for determining access rights and permissions.</a:t>
-            </a:r>
-          </a:p>
-          <a:p>
-            <a:pPr lvl="0"/>
-            <a:r>
-              <a:rPr lang="en-CA" sz="1800" b="0" dirty="0">
-                <a:solidFill>
-                  <a:schemeClr val="bg1">
-                    <a:lumMod val="95000"/>
-                  </a:schemeClr>
-                </a:solidFill>
-                <a:effectLst/>
-                <a:ea typeface="Times New Roman" panose="02020603050405020304" pitchFamily="18" charset="0"/>
-              </a:rPr>
               <a:t> </a:t>
             </a:r>
-            <a:endParaRPr lang="en-CA" b="1" dirty="0">
+            <a:endParaRPr lang="en-CA" sz="2400" b="1" dirty="0">
               <a:solidFill>
                 <a:schemeClr val="bg1">
                   <a:lumMod val="95000"/>
@@ -23522,7 +23400,7 @@
           <a:p>
             <a:pPr lvl="0"/>
             <a:r>
-              <a:rPr lang="en-CA" b="1" dirty="0">
+              <a:rPr lang="en-CA" sz="2400" b="1" dirty="0">
                 <a:solidFill>
                   <a:schemeClr val="bg1">
                     <a:lumMod val="95000"/>
@@ -23530,10 +23408,10 @@
                 </a:solidFill>
                 <a:ea typeface="Times New Roman" panose="02020603050405020304" pitchFamily="18" charset="0"/>
               </a:rPr>
-              <a:t>5. </a:t>
-            </a:r>
-            <a:r>
-              <a:rPr lang="en-CA" sz="1800" b="1" dirty="0">
+              <a:t>3. </a:t>
+            </a:r>
+            <a:r>
+              <a:rPr lang="en-CA" sz="2400" b="1" dirty="0">
                 <a:solidFill>
                   <a:schemeClr val="bg1">
                     <a:lumMod val="95000"/>
@@ -23545,7 +23423,7 @@
               <a:t> </a:t>
             </a:r>
             <a:r>
-              <a:rPr lang="en-CA" sz="1800" b="0" dirty="0">
+              <a:rPr lang="en-CA" sz="2400" b="0" dirty="0">
                 <a:solidFill>
                   <a:schemeClr val="bg1">
                     <a:lumMod val="95000"/>
@@ -23556,7 +23434,7 @@
               </a:rPr>
               <a:t>Permissions must not be granted until the authorization process is complete.</a:t>
             </a:r>
-            <a:endParaRPr lang="en-CA" sz="1800" b="1" dirty="0">
+            <a:endParaRPr lang="en-CA" sz="2400" b="1" dirty="0">
               <a:solidFill>
                 <a:schemeClr val="bg1">
                   <a:lumMod val="95000"/>
